--- a/ShiftsHappen/Sprint 3/CSW Sprint 3.pptx
+++ b/ShiftsHappen/Sprint 3/CSW Sprint 3.pptx
@@ -216,7 +216,7 @@
           </a:lstStyle>
           <a:p>
             <a:fld id="{7D50F5C2-1F77-45FD-808B-AC99B6454F11}" type="datetimeFigureOut">
-              <a:t>25/01/2025</a:t>
+              <a:t>1/26/2025</a:t>
             </a:fld>
             <a:endParaRPr lang="it-IT"/>
           </a:p>
@@ -1102,7 +1102,7 @@
           <a:p>
             <a:fld id="{F64A8E5F-40E5-4553-9F3C-699F1A5B8145}" type="datetimeFigureOut">
               <a:rPr lang="de-DE" smtClean="0"/>
-              <a:t>25.01.2025</a:t>
+              <a:t>26.01.2025</a:t>
             </a:fld>
             <a:endParaRPr lang="de-DE"/>
           </a:p>
@@ -1272,7 +1272,7 @@
           <a:p>
             <a:fld id="{F64A8E5F-40E5-4553-9F3C-699F1A5B8145}" type="datetimeFigureOut">
               <a:rPr lang="de-DE" smtClean="0"/>
-              <a:t>25.01.2025</a:t>
+              <a:t>26.01.2025</a:t>
             </a:fld>
             <a:endParaRPr lang="de-DE"/>
           </a:p>
@@ -1452,7 +1452,7 @@
           <a:p>
             <a:fld id="{F64A8E5F-40E5-4553-9F3C-699F1A5B8145}" type="datetimeFigureOut">
               <a:rPr lang="de-DE" smtClean="0"/>
-              <a:t>25.01.2025</a:t>
+              <a:t>26.01.2025</a:t>
             </a:fld>
             <a:endParaRPr lang="de-DE"/>
           </a:p>
@@ -1622,7 +1622,7 @@
           <a:p>
             <a:fld id="{F64A8E5F-40E5-4553-9F3C-699F1A5B8145}" type="datetimeFigureOut">
               <a:rPr lang="de-DE" smtClean="0"/>
-              <a:t>25.01.2025</a:t>
+              <a:t>26.01.2025</a:t>
             </a:fld>
             <a:endParaRPr lang="de-DE"/>
           </a:p>
@@ -1868,7 +1868,7 @@
           <a:p>
             <a:fld id="{F64A8E5F-40E5-4553-9F3C-699F1A5B8145}" type="datetimeFigureOut">
               <a:rPr lang="de-DE" smtClean="0"/>
-              <a:t>25.01.2025</a:t>
+              <a:t>26.01.2025</a:t>
             </a:fld>
             <a:endParaRPr lang="de-DE"/>
           </a:p>
@@ -2100,7 +2100,7 @@
           <a:p>
             <a:fld id="{F64A8E5F-40E5-4553-9F3C-699F1A5B8145}" type="datetimeFigureOut">
               <a:rPr lang="de-DE" smtClean="0"/>
-              <a:t>25.01.2025</a:t>
+              <a:t>26.01.2025</a:t>
             </a:fld>
             <a:endParaRPr lang="de-DE"/>
           </a:p>
@@ -2467,7 +2467,7 @@
           <a:p>
             <a:fld id="{F64A8E5F-40E5-4553-9F3C-699F1A5B8145}" type="datetimeFigureOut">
               <a:rPr lang="de-DE" smtClean="0"/>
-              <a:t>25.01.2025</a:t>
+              <a:t>26.01.2025</a:t>
             </a:fld>
             <a:endParaRPr lang="de-DE"/>
           </a:p>
@@ -2585,7 +2585,7 @@
           <a:p>
             <a:fld id="{F64A8E5F-40E5-4553-9F3C-699F1A5B8145}" type="datetimeFigureOut">
               <a:rPr lang="de-DE" smtClean="0"/>
-              <a:t>25.01.2025</a:t>
+              <a:t>26.01.2025</a:t>
             </a:fld>
             <a:endParaRPr lang="de-DE"/>
           </a:p>
@@ -2680,7 +2680,7 @@
           <a:p>
             <a:fld id="{F64A8E5F-40E5-4553-9F3C-699F1A5B8145}" type="datetimeFigureOut">
               <a:rPr lang="de-DE" smtClean="0"/>
-              <a:t>25.01.2025</a:t>
+              <a:t>26.01.2025</a:t>
             </a:fld>
             <a:endParaRPr lang="de-DE"/>
           </a:p>
@@ -2957,7 +2957,7 @@
           <a:p>
             <a:fld id="{F64A8E5F-40E5-4553-9F3C-699F1A5B8145}" type="datetimeFigureOut">
               <a:rPr lang="de-DE" smtClean="0"/>
-              <a:t>25.01.2025</a:t>
+              <a:t>26.01.2025</a:t>
             </a:fld>
             <a:endParaRPr lang="de-DE"/>
           </a:p>
@@ -3210,7 +3210,7 @@
           <a:p>
             <a:fld id="{F64A8E5F-40E5-4553-9F3C-699F1A5B8145}" type="datetimeFigureOut">
               <a:rPr lang="de-DE" smtClean="0"/>
-              <a:t>25.01.2025</a:t>
+              <a:t>26.01.2025</a:t>
             </a:fld>
             <a:endParaRPr lang="de-DE"/>
           </a:p>
@@ -3423,7 +3423,7 @@
           <a:p>
             <a:fld id="{F64A8E5F-40E5-4553-9F3C-699F1A5B8145}" type="datetimeFigureOut">
               <a:rPr lang="de-DE" smtClean="0"/>
-              <a:t>25.01.2025</a:t>
+              <a:t>26.01.2025</a:t>
             </a:fld>
             <a:endParaRPr lang="de-DE"/>
           </a:p>
@@ -13782,9 +13782,9 @@
         <p:grpSpPr>
           <a:xfrm>
             <a:off x="1497813" y="2213473"/>
-            <a:ext cx="3147381" cy="391777"/>
+            <a:ext cx="4143038" cy="391777"/>
             <a:chOff x="991771" y="3286563"/>
-            <a:chExt cx="3147381" cy="391777"/>
+            <a:chExt cx="4143038" cy="391777"/>
           </a:xfrm>
         </p:grpSpPr>
         <p:sp>
@@ -13803,7 +13803,7 @@
           <p:spPr>
             <a:xfrm>
               <a:off x="1462009" y="3309008"/>
-              <a:ext cx="2677143" cy="369332"/>
+              <a:ext cx="3672800" cy="369332"/>
             </a:xfrm>
             <a:prstGeom prst="rect">
               <a:avLst/>
@@ -13849,12 +13849,20 @@
                 <a:t> </a:t>
               </a:r>
               <a:r>
-                <a:rPr lang="it-IT" u="sng" noProof="0" dirty="0" err="1">
+                <a:rPr lang="it-IT" u="sng" noProof="0" dirty="0" smtClean="0">
                   <a:solidFill>
                     <a:schemeClr val="accent1"/>
                   </a:solidFill>
                 </a:rPr>
-                <a:t>integration</a:t>
+                <a:t>data </a:t>
+              </a:r>
+              <a:r>
+                <a:rPr lang="it-IT" u="sng" noProof="0" dirty="0" err="1" smtClean="0">
+                  <a:solidFill>
+                    <a:schemeClr val="accent1"/>
+                  </a:solidFill>
+                </a:rPr>
+                <a:t>segregation</a:t>
               </a:r>
               <a:endParaRPr lang="it-IT" u="sng" noProof="0" dirty="0">
                 <a:solidFill>
@@ -14988,7 +14996,7 @@
         <p:spPr>
           <a:xfrm>
             <a:off x="639724" y="1664942"/>
-            <a:ext cx="6654056" cy="3693319"/>
+            <a:ext cx="6654056" cy="3970318"/>
           </a:xfrm>
           <a:prstGeom prst="rect">
             <a:avLst/>
@@ -15006,7 +15014,7 @@
               <a:buAutoNum type="arabicPeriod"/>
             </a:pPr>
             <a:r>
-              <a:rPr lang="it-IT" noProof="0" dirty="0">
+              <a:rPr lang="it-IT" noProof="0" dirty="0" smtClean="0">
                 <a:solidFill>
                   <a:schemeClr val="tx1">
                     <a:lumMod val="85000"/>
@@ -15014,10 +15022,10 @@
                   </a:schemeClr>
                 </a:solidFill>
               </a:rPr>
-              <a:t>Integrare i prototipi di </a:t>
+              <a:t>Realizzare la segregazione dei dati nelle due soluzioni</a:t>
             </a:r>
             <a:r>
-              <a:rPr lang="it-IT" noProof="0" dirty="0" err="1">
+              <a:rPr lang="it-IT" baseline="30000" dirty="0">
                 <a:solidFill>
                   <a:schemeClr val="tx1">
                     <a:lumMod val="85000"/>
@@ -15025,7 +15033,29 @@
                   </a:schemeClr>
                 </a:solidFill>
               </a:rPr>
-              <a:t>multitenancy</a:t>
+              <a:t>1</a:t>
+            </a:r>
+            <a:r>
+              <a:rPr lang="it-IT" noProof="0" dirty="0" smtClean="0">
+                <a:solidFill>
+                  <a:schemeClr val="tx1">
+                    <a:lumMod val="85000"/>
+                    <a:lumOff val="15000"/>
+                  </a:schemeClr>
+                </a:solidFill>
+              </a:rPr>
+              <a:t> di multi-</a:t>
+            </a:r>
+            <a:r>
+              <a:rPr lang="it-IT" noProof="0" dirty="0" err="1" smtClean="0">
+                <a:solidFill>
+                  <a:schemeClr val="tx1">
+                    <a:lumMod val="85000"/>
+                    <a:lumOff val="15000"/>
+                  </a:schemeClr>
+                </a:solidFill>
+              </a:rPr>
+              <a:t>tenancy</a:t>
             </a:r>
             <a:r>
               <a:rPr lang="it-IT" noProof="0" dirty="0">
@@ -15036,51 +15066,7 @@
                   </a:schemeClr>
                 </a:solidFill>
               </a:rPr>
-              <a:t> nel </a:t>
-            </a:r>
-            <a:r>
-              <a:rPr lang="it-IT" noProof="0" dirty="0" err="1">
-                <a:solidFill>
-                  <a:schemeClr val="tx1">
-                    <a:lumMod val="85000"/>
-                    <a:lumOff val="15000"/>
-                  </a:schemeClr>
-                </a:solidFill>
-              </a:rPr>
-              <a:t>branch</a:t>
-            </a:r>
-            <a:r>
-              <a:rPr lang="it-IT" noProof="0" dirty="0">
-                <a:solidFill>
-                  <a:schemeClr val="tx1">
-                    <a:lumMod val="85000"/>
-                    <a:lumOff val="15000"/>
-                  </a:schemeClr>
-                </a:solidFill>
-              </a:rPr>
-              <a:t> </a:t>
-            </a:r>
-            <a:r>
-              <a:rPr lang="it-IT" noProof="0" dirty="0" err="1">
-                <a:solidFill>
-                  <a:schemeClr val="tx1">
-                    <a:lumMod val="85000"/>
-                    <a:lumOff val="15000"/>
-                  </a:schemeClr>
-                </a:solidFill>
-              </a:rPr>
-              <a:t>main</a:t>
-            </a:r>
-            <a:r>
-              <a:rPr lang="it-IT" noProof="0" dirty="0">
-                <a:solidFill>
-                  <a:schemeClr val="tx1">
-                    <a:lumMod val="85000"/>
-                    <a:lumOff val="15000"/>
-                  </a:schemeClr>
-                </a:solidFill>
-              </a:rPr>
-              <a:t> e testarli</a:t>
+              <a:t/>
             </a:r>
             <a:br>
               <a:rPr lang="it-IT" noProof="0" dirty="0">
@@ -15092,6 +15078,17 @@
                 </a:solidFill>
               </a:rPr>
             </a:br>
+            <a:r>
+              <a:rPr lang="it-IT" noProof="0" dirty="0">
+                <a:solidFill>
+                  <a:schemeClr val="tx1">
+                    <a:lumMod val="85000"/>
+                    <a:lumOff val="15000"/>
+                  </a:schemeClr>
+                </a:solidFill>
+              </a:rPr>
+              <a:t/>
+            </a:r>
             <a:br>
               <a:rPr lang="it-IT" noProof="0" dirty="0">
                 <a:solidFill>
@@ -15506,7 +15503,7 @@
               <a:t> </a:t>
             </a:r>
             <a:r>
-              <a:rPr lang="it-IT" sz="4000" dirty="0" err="1">
+              <a:rPr lang="it-IT" sz="4000" dirty="0" smtClean="0">
                 <a:solidFill>
                   <a:schemeClr val="tx2">
                     <a:lumMod val="90000"/>
@@ -15514,7 +15511,18 @@
                   </a:schemeClr>
                 </a:solidFill>
               </a:rPr>
-              <a:t>integration</a:t>
+              <a:t>data </a:t>
+            </a:r>
+            <a:r>
+              <a:rPr lang="it-IT" sz="4000" dirty="0" err="1" smtClean="0">
+                <a:solidFill>
+                  <a:schemeClr val="tx2">
+                    <a:lumMod val="90000"/>
+                    <a:lumOff val="10000"/>
+                  </a:schemeClr>
+                </a:solidFill>
+              </a:rPr>
+              <a:t>segregation</a:t>
             </a:r>
             <a:endParaRPr lang="it-IT" sz="4000" noProof="0" dirty="0">
               <a:solidFill>
@@ -17136,6 +17144,17 @@
           </a:bodyPr>
           <a:lstStyle/>
           <a:p>
+            <a:r>
+              <a:rPr lang="it-IT" noProof="0" dirty="0">
+                <a:solidFill>
+                  <a:schemeClr val="tx1">
+                    <a:lumMod val="85000"/>
+                    <a:lumOff val="15000"/>
+                  </a:schemeClr>
+                </a:solidFill>
+              </a:rPr>
+              <a:t/>
+            </a:r>
             <a:br>
               <a:rPr lang="it-IT" noProof="0" dirty="0">
                 <a:solidFill>
@@ -17723,7 +17742,7 @@
                 <a:hlinkClick r:id="rId3">
                   <a:extLst>
                     <a:ext uri="{A12FA001-AC4F-418D-AE19-62706E023703}">
-                      <ahyp:hlinkClr xmlns:ahyp="http://schemas.microsoft.com/office/drawing/2018/hyperlinkcolor" val="tx"/>
+                      <ahyp:hlinkClr xmlns:ahyp="http://schemas.microsoft.com/office/drawing/2018/hyperlinkcolor" xmlns="" val="tx"/>
                     </a:ext>
                   </a:extLst>
                 </a:hlinkClick>
@@ -17752,6 +17771,17 @@
               </a:rPr>
               <a:t>DevExtreme</a:t>
             </a:r>
+            <a:r>
+              <a:rPr lang="it-IT" dirty="0">
+                <a:solidFill>
+                  <a:schemeClr val="tx1">
+                    <a:lumMod val="85000"/>
+                    <a:lumOff val="15000"/>
+                  </a:schemeClr>
+                </a:solidFill>
+              </a:rPr>
+              <a:t/>
+            </a:r>
             <a:br>
               <a:rPr lang="it-IT" dirty="0">
                 <a:solidFill>
@@ -17762,6 +17792,17 @@
                 </a:solidFill>
               </a:rPr>
             </a:br>
+            <a:r>
+              <a:rPr lang="it-IT" dirty="0">
+                <a:solidFill>
+                  <a:schemeClr val="tx1">
+                    <a:lumMod val="85000"/>
+                    <a:lumOff val="15000"/>
+                  </a:schemeClr>
+                </a:solidFill>
+              </a:rPr>
+              <a:t/>
+            </a:r>
             <a:br>
               <a:rPr lang="it-IT" dirty="0">
                 <a:solidFill>
@@ -17772,6 +17813,17 @@
                 </a:solidFill>
               </a:rPr>
             </a:br>
+            <a:r>
+              <a:rPr lang="it-IT" dirty="0">
+                <a:solidFill>
+                  <a:schemeClr val="tx1">
+                    <a:lumMod val="85000"/>
+                    <a:lumOff val="15000"/>
+                  </a:schemeClr>
+                </a:solidFill>
+              </a:rPr>
+              <a:t/>
+            </a:r>
             <a:br>
               <a:rPr lang="it-IT" dirty="0">
                 <a:solidFill>
@@ -17782,6 +17834,17 @@
                 </a:solidFill>
               </a:rPr>
             </a:br>
+            <a:r>
+              <a:rPr lang="it-IT" dirty="0">
+                <a:solidFill>
+                  <a:schemeClr val="tx1">
+                    <a:lumMod val="85000"/>
+                    <a:lumOff val="15000"/>
+                  </a:schemeClr>
+                </a:solidFill>
+              </a:rPr>
+              <a:t/>
+            </a:r>
             <a:br>
               <a:rPr lang="it-IT" dirty="0">
                 <a:solidFill>
@@ -17792,6 +17855,17 @@
                 </a:solidFill>
               </a:rPr>
             </a:br>
+            <a:r>
+              <a:rPr lang="it-IT" dirty="0">
+                <a:solidFill>
+                  <a:schemeClr val="tx1">
+                    <a:lumMod val="85000"/>
+                    <a:lumOff val="15000"/>
+                  </a:schemeClr>
+                </a:solidFill>
+              </a:rPr>
+              <a:t/>
+            </a:r>
             <a:br>
               <a:rPr lang="it-IT" dirty="0">
                 <a:solidFill>
@@ -17802,6 +17876,17 @@
                 </a:solidFill>
               </a:rPr>
             </a:br>
+            <a:r>
+              <a:rPr lang="it-IT" dirty="0">
+                <a:solidFill>
+                  <a:schemeClr val="tx1">
+                    <a:lumMod val="85000"/>
+                    <a:lumOff val="15000"/>
+                  </a:schemeClr>
+                </a:solidFill>
+              </a:rPr>
+              <a:t/>
+            </a:r>
             <a:br>
               <a:rPr lang="it-IT" dirty="0">
                 <a:solidFill>
@@ -17812,6 +17897,17 @@
                 </a:solidFill>
               </a:rPr>
             </a:br>
+            <a:r>
+              <a:rPr lang="it-IT" dirty="0">
+                <a:solidFill>
+                  <a:schemeClr val="tx1">
+                    <a:lumMod val="85000"/>
+                    <a:lumOff val="15000"/>
+                  </a:schemeClr>
+                </a:solidFill>
+              </a:rPr>
+              <a:t/>
+            </a:r>
             <a:br>
               <a:rPr lang="it-IT" dirty="0">
                 <a:solidFill>
@@ -17822,6 +17918,17 @@
                 </a:solidFill>
               </a:rPr>
             </a:br>
+            <a:r>
+              <a:rPr lang="it-IT" dirty="0">
+                <a:solidFill>
+                  <a:schemeClr val="tx1">
+                    <a:lumMod val="85000"/>
+                    <a:lumOff val="15000"/>
+                  </a:schemeClr>
+                </a:solidFill>
+              </a:rPr>
+              <a:t/>
+            </a:r>
             <a:br>
               <a:rPr lang="it-IT" dirty="0">
                 <a:solidFill>
@@ -17832,6 +17939,17 @@
                 </a:solidFill>
               </a:rPr>
             </a:br>
+            <a:r>
+              <a:rPr lang="it-IT" dirty="0">
+                <a:solidFill>
+                  <a:schemeClr val="tx1">
+                    <a:lumMod val="85000"/>
+                    <a:lumOff val="15000"/>
+                  </a:schemeClr>
+                </a:solidFill>
+              </a:rPr>
+              <a:t/>
+            </a:r>
             <a:br>
               <a:rPr lang="it-IT" dirty="0">
                 <a:solidFill>
@@ -17842,6 +17960,17 @@
                 </a:solidFill>
               </a:rPr>
             </a:br>
+            <a:r>
+              <a:rPr lang="it-IT" dirty="0">
+                <a:solidFill>
+                  <a:schemeClr val="tx1">
+                    <a:lumMod val="85000"/>
+                    <a:lumOff val="15000"/>
+                  </a:schemeClr>
+                </a:solidFill>
+              </a:rPr>
+              <a:t/>
+            </a:r>
             <a:br>
               <a:rPr lang="it-IT" dirty="0">
                 <a:solidFill>

--- a/ShiftsHappen/Sprint 3/CSW Sprint 3.pptx
+++ b/ShiftsHappen/Sprint 3/CSW Sprint 3.pptx
@@ -5,22 +5,26 @@
     <p:sldMasterId id="2147483648" r:id="rId1"/>
   </p:sldMasterIdLst>
   <p:notesMasterIdLst>
-    <p:notesMasterId r:id="rId15"/>
+    <p:notesMasterId r:id="rId19"/>
   </p:notesMasterIdLst>
   <p:sldIdLst>
     <p:sldId id="256" r:id="rId2"/>
     <p:sldId id="259" r:id="rId3"/>
     <p:sldId id="261" r:id="rId4"/>
     <p:sldId id="274" r:id="rId5"/>
-    <p:sldId id="286" r:id="rId6"/>
-    <p:sldId id="294" r:id="rId7"/>
-    <p:sldId id="282" r:id="rId8"/>
-    <p:sldId id="292" r:id="rId9"/>
-    <p:sldId id="295" r:id="rId10"/>
-    <p:sldId id="276" r:id="rId11"/>
-    <p:sldId id="293" r:id="rId12"/>
-    <p:sldId id="262" r:id="rId13"/>
-    <p:sldId id="288" r:id="rId14"/>
+    <p:sldId id="298" r:id="rId6"/>
+    <p:sldId id="296" r:id="rId7"/>
+    <p:sldId id="297" r:id="rId8"/>
+    <p:sldId id="299" r:id="rId9"/>
+    <p:sldId id="286" r:id="rId10"/>
+    <p:sldId id="294" r:id="rId11"/>
+    <p:sldId id="282" r:id="rId12"/>
+    <p:sldId id="292" r:id="rId13"/>
+    <p:sldId id="295" r:id="rId14"/>
+    <p:sldId id="276" r:id="rId15"/>
+    <p:sldId id="293" r:id="rId16"/>
+    <p:sldId id="262" r:id="rId17"/>
+    <p:sldId id="288" r:id="rId18"/>
   </p:sldIdLst>
   <p:sldSz cx="12192000" cy="6858000"/>
   <p:notesSz cx="6858000" cy="9144000"/>
@@ -645,7 +649,7 @@
           <a:p>
             <a:fld id="{A2A64AC7-4DA4-48E7-90C1-5D3C29B92E12}" type="slidenum">
               <a:rPr lang="en-GB" smtClean="0"/>
-              <a:t>7</a:t>
+              <a:t>11</a:t>
             </a:fld>
             <a:endParaRPr lang="en-GB"/>
           </a:p>
@@ -4301,10 +4305,2370 @@
   <p:clrMapOvr>
     <a:masterClrMapping/>
   </p:clrMapOvr>
+  <p:timing>
+    <p:tnLst>
+      <p:par>
+        <p:cTn id="1" dur="indefinite" restart="never" nodeType="tmRoot"/>
+      </p:par>
+    </p:tnLst>
+  </p:timing>
 </p:sld>
 </file>
 
 <file path=ppt/slides/slide10.xml><?xml version="1.0" encoding="utf-8"?>
+<p:sld xmlns:a="http://schemas.openxmlformats.org/drawingml/2006/main" xmlns:r="http://schemas.openxmlformats.org/officeDocument/2006/relationships" xmlns:p="http://schemas.openxmlformats.org/presentationml/2006/main">
+  <p:cSld>
+    <p:spTree>
+      <p:nvGrpSpPr>
+        <p:cNvPr id="1" name="">
+          <a:extLst>
+            <a:ext uri="{FF2B5EF4-FFF2-40B4-BE49-F238E27FC236}">
+              <a16:creationId xmlns:a16="http://schemas.microsoft.com/office/drawing/2014/main" id="{976104D8-85EA-8721-BFC1-385A984AB913}"/>
+            </a:ext>
+          </a:extLst>
+        </p:cNvPr>
+        <p:cNvGrpSpPr/>
+        <p:nvPr/>
+      </p:nvGrpSpPr>
+      <p:grpSpPr>
+        <a:xfrm>
+          <a:off x="0" y="0"/>
+          <a:ext cx="0" cy="0"/>
+          <a:chOff x="0" y="0"/>
+          <a:chExt cx="0" cy="0"/>
+        </a:xfrm>
+      </p:grpSpPr>
+      <p:sp>
+        <p:nvSpPr>
+          <p:cNvPr id="2" name="Titolo 1">
+            <a:extLst>
+              <a:ext uri="{FF2B5EF4-FFF2-40B4-BE49-F238E27FC236}">
+                <a16:creationId xmlns:a16="http://schemas.microsoft.com/office/drawing/2014/main" id="{F4FAF042-1EAF-5403-B6F7-73917E93ED92}"/>
+              </a:ext>
+            </a:extLst>
+          </p:cNvPr>
+          <p:cNvSpPr>
+            <a:spLocks noGrp="1"/>
+          </p:cNvSpPr>
+          <p:nvPr>
+            <p:ph type="title"/>
+          </p:nvPr>
+        </p:nvSpPr>
+        <p:spPr>
+          <a:xfrm>
+            <a:off x="639725" y="472780"/>
+            <a:ext cx="6654056" cy="653143"/>
+          </a:xfrm>
+        </p:spPr>
+        <p:txBody>
+          <a:bodyPr>
+            <a:normAutofit fontScale="90000"/>
+          </a:bodyPr>
+          <a:lstStyle/>
+          <a:p>
+            <a:r>
+              <a:rPr lang="it-IT" sz="4000" noProof="0" dirty="0">
+                <a:solidFill>
+                  <a:schemeClr val="tx2">
+                    <a:lumMod val="90000"/>
+                    <a:lumOff val="10000"/>
+                  </a:schemeClr>
+                </a:solidFill>
+              </a:rPr>
+              <a:t>GOAL: Soft delete </a:t>
+            </a:r>
+            <a:r>
+              <a:rPr lang="it-IT" sz="4000" noProof="0" dirty="0" err="1">
+                <a:solidFill>
+                  <a:schemeClr val="tx2">
+                    <a:lumMod val="90000"/>
+                    <a:lumOff val="10000"/>
+                  </a:schemeClr>
+                </a:solidFill>
+              </a:rPr>
+              <a:t>implementation</a:t>
+            </a:r>
+            <a:endParaRPr lang="it-IT" sz="4000" noProof="0" dirty="0">
+              <a:solidFill>
+                <a:schemeClr val="tx2">
+                  <a:lumMod val="90000"/>
+                  <a:lumOff val="10000"/>
+                </a:schemeClr>
+              </a:solidFill>
+            </a:endParaRPr>
+          </a:p>
+        </p:txBody>
+      </p:sp>
+      <p:sp>
+        <p:nvSpPr>
+          <p:cNvPr id="4" name="Rettangolo 3">
+            <a:extLst>
+              <a:ext uri="{FF2B5EF4-FFF2-40B4-BE49-F238E27FC236}">
+                <a16:creationId xmlns:a16="http://schemas.microsoft.com/office/drawing/2014/main" id="{62051949-7AAC-1A2C-40AA-56D6B67CCDDB}"/>
+              </a:ext>
+            </a:extLst>
+          </p:cNvPr>
+          <p:cNvSpPr/>
+          <p:nvPr/>
+        </p:nvSpPr>
+        <p:spPr>
+          <a:xfrm>
+            <a:off x="0" y="472781"/>
+            <a:ext cx="190243" cy="653143"/>
+          </a:xfrm>
+          <a:prstGeom prst="rect">
+            <a:avLst/>
+          </a:prstGeom>
+          <a:solidFill>
+            <a:schemeClr val="tx2">
+              <a:lumMod val="90000"/>
+              <a:lumOff val="10000"/>
+            </a:schemeClr>
+          </a:solidFill>
+          <a:ln>
+            <a:solidFill>
+              <a:schemeClr val="tx2">
+                <a:lumMod val="90000"/>
+                <a:lumOff val="10000"/>
+              </a:schemeClr>
+            </a:solidFill>
+          </a:ln>
+        </p:spPr>
+        <p:style>
+          <a:lnRef idx="2">
+            <a:schemeClr val="accent1">
+              <a:shade val="15000"/>
+            </a:schemeClr>
+          </a:lnRef>
+          <a:fillRef idx="1">
+            <a:schemeClr val="accent1"/>
+          </a:fillRef>
+          <a:effectRef idx="0">
+            <a:schemeClr val="accent1"/>
+          </a:effectRef>
+          <a:fontRef idx="minor">
+            <a:schemeClr val="lt1"/>
+          </a:fontRef>
+        </p:style>
+        <p:txBody>
+          <a:bodyPr rtlCol="0" anchor="ctr"/>
+          <a:lstStyle/>
+          <a:p>
+            <a:pPr algn="ctr"/>
+            <a:endParaRPr lang="it-IT" noProof="0" dirty="0"/>
+          </a:p>
+        </p:txBody>
+      </p:sp>
+      <p:sp>
+        <p:nvSpPr>
+          <p:cNvPr id="5" name="Rettangolo 4">
+            <a:extLst>
+              <a:ext uri="{FF2B5EF4-FFF2-40B4-BE49-F238E27FC236}">
+                <a16:creationId xmlns:a16="http://schemas.microsoft.com/office/drawing/2014/main" id="{B6D8D8ED-B6DD-2E02-4E2F-9A488EB6BCB6}"/>
+              </a:ext>
+            </a:extLst>
+          </p:cNvPr>
+          <p:cNvSpPr/>
+          <p:nvPr/>
+        </p:nvSpPr>
+        <p:spPr>
+          <a:xfrm>
+            <a:off x="289539" y="472780"/>
+            <a:ext cx="139359" cy="653143"/>
+          </a:xfrm>
+          <a:prstGeom prst="rect">
+            <a:avLst/>
+          </a:prstGeom>
+          <a:solidFill>
+            <a:schemeClr val="tx2">
+              <a:lumMod val="90000"/>
+              <a:lumOff val="10000"/>
+            </a:schemeClr>
+          </a:solidFill>
+          <a:ln>
+            <a:solidFill>
+              <a:schemeClr val="tx2">
+                <a:lumMod val="90000"/>
+                <a:lumOff val="10000"/>
+              </a:schemeClr>
+            </a:solidFill>
+          </a:ln>
+        </p:spPr>
+        <p:style>
+          <a:lnRef idx="2">
+            <a:schemeClr val="accent1">
+              <a:shade val="15000"/>
+            </a:schemeClr>
+          </a:lnRef>
+          <a:fillRef idx="1">
+            <a:schemeClr val="accent1"/>
+          </a:fillRef>
+          <a:effectRef idx="0">
+            <a:schemeClr val="accent1"/>
+          </a:effectRef>
+          <a:fontRef idx="minor">
+            <a:schemeClr val="lt1"/>
+          </a:fontRef>
+        </p:style>
+        <p:txBody>
+          <a:bodyPr rtlCol="0" anchor="ctr"/>
+          <a:lstStyle/>
+          <a:p>
+            <a:pPr algn="ctr"/>
+            <a:endParaRPr lang="it-IT" noProof="0" dirty="0"/>
+          </a:p>
+        </p:txBody>
+      </p:sp>
+      <p:sp>
+        <p:nvSpPr>
+          <p:cNvPr id="11" name="Rettangolo 10">
+            <a:extLst>
+              <a:ext uri="{FF2B5EF4-FFF2-40B4-BE49-F238E27FC236}">
+                <a16:creationId xmlns:a16="http://schemas.microsoft.com/office/drawing/2014/main" id="{6DBDB561-D267-2EB6-8783-225E366B5D34}"/>
+              </a:ext>
+            </a:extLst>
+          </p:cNvPr>
+          <p:cNvSpPr/>
+          <p:nvPr/>
+        </p:nvSpPr>
+        <p:spPr>
+          <a:xfrm>
+            <a:off x="10008781" y="0"/>
+            <a:ext cx="2183219" cy="6858000"/>
+          </a:xfrm>
+          <a:prstGeom prst="rect">
+            <a:avLst/>
+          </a:prstGeom>
+          <a:solidFill>
+            <a:schemeClr val="tx2">
+              <a:lumMod val="90000"/>
+              <a:lumOff val="10000"/>
+            </a:schemeClr>
+          </a:solidFill>
+          <a:ln>
+            <a:solidFill>
+              <a:srgbClr val="163E64"/>
+            </a:solidFill>
+          </a:ln>
+        </p:spPr>
+        <p:style>
+          <a:lnRef idx="2">
+            <a:schemeClr val="accent1">
+              <a:shade val="15000"/>
+            </a:schemeClr>
+          </a:lnRef>
+          <a:fillRef idx="1">
+            <a:schemeClr val="accent1"/>
+          </a:fillRef>
+          <a:effectRef idx="0">
+            <a:schemeClr val="accent1"/>
+          </a:effectRef>
+          <a:fontRef idx="minor">
+            <a:schemeClr val="lt1"/>
+          </a:fontRef>
+        </p:style>
+        <p:txBody>
+          <a:bodyPr rtlCol="0" anchor="ctr"/>
+          <a:lstStyle/>
+          <a:p>
+            <a:pPr algn="ctr"/>
+            <a:endParaRPr lang="it-IT" noProof="0" dirty="0"/>
+          </a:p>
+        </p:txBody>
+      </p:sp>
+      <p:cxnSp>
+        <p:nvCxnSpPr>
+          <p:cNvPr id="8" name="Connettore diritto 7">
+            <a:extLst>
+              <a:ext uri="{FF2B5EF4-FFF2-40B4-BE49-F238E27FC236}">
+                <a16:creationId xmlns:a16="http://schemas.microsoft.com/office/drawing/2014/main" id="{FBF28627-5EBD-EDF9-FDFD-24B29EAA6D4D}"/>
+              </a:ext>
+            </a:extLst>
+          </p:cNvPr>
+          <p:cNvCxnSpPr>
+            <a:cxnSpLocks/>
+          </p:cNvCxnSpPr>
+          <p:nvPr/>
+        </p:nvCxnSpPr>
+        <p:spPr>
+          <a:xfrm>
+            <a:off x="639725" y="1351691"/>
+            <a:ext cx="6654057" cy="0"/>
+          </a:xfrm>
+          <a:prstGeom prst="line">
+            <a:avLst/>
+          </a:prstGeom>
+          <a:ln>
+            <a:solidFill>
+              <a:schemeClr val="tx2">
+                <a:lumMod val="90000"/>
+                <a:lumOff val="10000"/>
+              </a:schemeClr>
+            </a:solidFill>
+          </a:ln>
+        </p:spPr>
+        <p:style>
+          <a:lnRef idx="2">
+            <a:schemeClr val="accent1"/>
+          </a:lnRef>
+          <a:fillRef idx="0">
+            <a:schemeClr val="accent1"/>
+          </a:fillRef>
+          <a:effectRef idx="1">
+            <a:schemeClr val="accent1"/>
+          </a:effectRef>
+          <a:fontRef idx="minor">
+            <a:schemeClr val="tx1"/>
+          </a:fontRef>
+        </p:style>
+      </p:cxnSp>
+      <p:sp>
+        <p:nvSpPr>
+          <p:cNvPr id="6" name="TextBox 5">
+            <a:extLst>
+              <a:ext uri="{FF2B5EF4-FFF2-40B4-BE49-F238E27FC236}">
+                <a16:creationId xmlns:a16="http://schemas.microsoft.com/office/drawing/2014/main" id="{BB8048B1-A731-9978-9ACC-A320527AB442}"/>
+              </a:ext>
+            </a:extLst>
+          </p:cNvPr>
+          <p:cNvSpPr txBox="1"/>
+          <p:nvPr/>
+        </p:nvSpPr>
+        <p:spPr>
+          <a:xfrm>
+            <a:off x="11654290" y="6452785"/>
+            <a:ext cx="438619" cy="307777"/>
+          </a:xfrm>
+          <a:prstGeom prst="rect">
+            <a:avLst/>
+          </a:prstGeom>
+          <a:noFill/>
+        </p:spPr>
+        <p:txBody>
+          <a:bodyPr wrap="square">
+            <a:spAutoFit/>
+          </a:bodyPr>
+          <a:lstStyle/>
+          <a:p>
+            <a:r>
+              <a:rPr lang="it-IT" sz="1400" dirty="0">
+                <a:solidFill>
+                  <a:schemeClr val="bg1"/>
+                </a:solidFill>
+              </a:rPr>
+              <a:t>5</a:t>
+            </a:r>
+            <a:endParaRPr lang="it-IT" sz="1400" noProof="0" dirty="0"/>
+          </a:p>
+        </p:txBody>
+      </p:sp>
+      <p:sp>
+        <p:nvSpPr>
+          <p:cNvPr id="9" name="CasellaDiTesto 6">
+            <a:extLst>
+              <a:ext uri="{FF2B5EF4-FFF2-40B4-BE49-F238E27FC236}">
+                <a16:creationId xmlns:a16="http://schemas.microsoft.com/office/drawing/2014/main" id="{54028AAA-41DD-98CD-75B1-D8EAAADFCF23}"/>
+              </a:ext>
+            </a:extLst>
+          </p:cNvPr>
+          <p:cNvSpPr txBox="1"/>
+          <p:nvPr/>
+        </p:nvSpPr>
+        <p:spPr>
+          <a:xfrm>
+            <a:off x="639726" y="1613118"/>
+            <a:ext cx="6654056" cy="369332"/>
+          </a:xfrm>
+          <a:prstGeom prst="rect">
+            <a:avLst/>
+          </a:prstGeom>
+          <a:noFill/>
+        </p:spPr>
+        <p:txBody>
+          <a:bodyPr wrap="square" rtlCol="0">
+            <a:spAutoFit/>
+          </a:bodyPr>
+          <a:lstStyle/>
+          <a:p>
+            <a:pPr marL="285750" indent="-285750">
+              <a:buFont typeface="Arial" panose="020B0604020202020204" pitchFamily="34" charset="0"/>
+              <a:buChar char="•"/>
+            </a:pPr>
+            <a:r>
+              <a:rPr lang="it-IT" dirty="0">
+                <a:solidFill>
+                  <a:srgbClr val="FF0000"/>
+                </a:solidFill>
+              </a:rPr>
+              <a:t>MASSIMO E MATTEO</a:t>
+            </a:r>
+            <a:endParaRPr lang="it-IT" noProof="0" dirty="0">
+              <a:solidFill>
+                <a:srgbClr val="FF0000"/>
+              </a:solidFill>
+            </a:endParaRPr>
+          </a:p>
+        </p:txBody>
+      </p:sp>
+      <p:pic>
+        <p:nvPicPr>
+          <p:cNvPr id="3" name="Immagine 2" descr="Immagine che contiene simbolo, Carattere, Elementi grafici, schermata&#10;&#10;Descrizione generata automaticamente">
+            <a:extLst>
+              <a:ext uri="{FF2B5EF4-FFF2-40B4-BE49-F238E27FC236}">
+                <a16:creationId xmlns:a16="http://schemas.microsoft.com/office/drawing/2014/main" id="{B36878CC-953E-B415-5EBE-EB7F5FE6B95F}"/>
+              </a:ext>
+            </a:extLst>
+          </p:cNvPr>
+          <p:cNvPicPr>
+            <a:picLocks noChangeAspect="1"/>
+          </p:cNvPicPr>
+          <p:nvPr/>
+        </p:nvPicPr>
+        <p:blipFill>
+          <a:blip r:embed="rId2" cstate="print">
+            <a:extLst>
+              <a:ext uri="{28A0092B-C50C-407E-A947-70E740481C1C}">
+                <a14:useLocalDpi xmlns:a14="http://schemas.microsoft.com/office/drawing/2010/main" val="0"/>
+              </a:ext>
+            </a:extLst>
+          </a:blip>
+          <a:stretch>
+            <a:fillRect/>
+          </a:stretch>
+        </p:blipFill>
+        <p:spPr>
+          <a:xfrm>
+            <a:off x="7293781" y="353207"/>
+            <a:ext cx="885600" cy="885600"/>
+          </a:xfrm>
+          <a:prstGeom prst="rect">
+            <a:avLst/>
+          </a:prstGeom>
+        </p:spPr>
+      </p:pic>
+    </p:spTree>
+    <p:extLst>
+      <p:ext uri="{BB962C8B-B14F-4D97-AF65-F5344CB8AC3E}">
+        <p14:creationId xmlns:p14="http://schemas.microsoft.com/office/powerpoint/2010/main" val="1654457789"/>
+      </p:ext>
+    </p:extLst>
+  </p:cSld>
+  <p:clrMapOvr>
+    <a:masterClrMapping/>
+  </p:clrMapOvr>
+</p:sld>
+</file>
+
+<file path=ppt/slides/slide11.xml><?xml version="1.0" encoding="utf-8"?>
+<p:sld xmlns:a="http://schemas.openxmlformats.org/drawingml/2006/main" xmlns:r="http://schemas.openxmlformats.org/officeDocument/2006/relationships" xmlns:p="http://schemas.openxmlformats.org/presentationml/2006/main">
+  <p:cSld>
+    <p:spTree>
+      <p:nvGrpSpPr>
+        <p:cNvPr id="1" name="">
+          <a:extLst>
+            <a:ext uri="{FF2B5EF4-FFF2-40B4-BE49-F238E27FC236}">
+              <a16:creationId xmlns:a16="http://schemas.microsoft.com/office/drawing/2014/main" id="{79857FD7-1E68-86B5-96CC-D291DC35B6ED}"/>
+            </a:ext>
+          </a:extLst>
+        </p:cNvPr>
+        <p:cNvGrpSpPr/>
+        <p:nvPr/>
+      </p:nvGrpSpPr>
+      <p:grpSpPr>
+        <a:xfrm>
+          <a:off x="0" y="0"/>
+          <a:ext cx="0" cy="0"/>
+          <a:chOff x="0" y="0"/>
+          <a:chExt cx="0" cy="0"/>
+        </a:xfrm>
+      </p:grpSpPr>
+      <p:sp>
+        <p:nvSpPr>
+          <p:cNvPr id="2" name="Titolo 1">
+            <a:extLst>
+              <a:ext uri="{FF2B5EF4-FFF2-40B4-BE49-F238E27FC236}">
+                <a16:creationId xmlns:a16="http://schemas.microsoft.com/office/drawing/2014/main" id="{58273114-BEA8-7DFF-0909-06A58204EFEF}"/>
+              </a:ext>
+            </a:extLst>
+          </p:cNvPr>
+          <p:cNvSpPr>
+            <a:spLocks noGrp="1"/>
+          </p:cNvSpPr>
+          <p:nvPr>
+            <p:ph type="title"/>
+          </p:nvPr>
+        </p:nvSpPr>
+        <p:spPr>
+          <a:xfrm>
+            <a:off x="639725" y="472780"/>
+            <a:ext cx="6653876" cy="653143"/>
+          </a:xfrm>
+        </p:spPr>
+        <p:txBody>
+          <a:bodyPr>
+            <a:noAutofit/>
+          </a:bodyPr>
+          <a:lstStyle/>
+          <a:p>
+            <a:r>
+              <a:rPr lang="it-IT" sz="3600" noProof="0" dirty="0">
+                <a:solidFill>
+                  <a:schemeClr val="tx2">
+                    <a:lumMod val="90000"/>
+                    <a:lumOff val="10000"/>
+                  </a:schemeClr>
+                </a:solidFill>
+              </a:rPr>
+              <a:t>GOAL: </a:t>
+            </a:r>
+            <a:r>
+              <a:rPr lang="it-IT" sz="3600" dirty="0" err="1">
+                <a:solidFill>
+                  <a:schemeClr val="tx2">
+                    <a:lumMod val="90000"/>
+                    <a:lumOff val="10000"/>
+                  </a:schemeClr>
+                </a:solidFill>
+              </a:rPr>
+              <a:t>Strengthen</a:t>
+            </a:r>
+            <a:r>
+              <a:rPr lang="it-IT" sz="3600" dirty="0">
+                <a:solidFill>
+                  <a:schemeClr val="tx2">
+                    <a:lumMod val="90000"/>
+                    <a:lumOff val="10000"/>
+                  </a:schemeClr>
+                </a:solidFill>
+              </a:rPr>
+              <a:t> testing</a:t>
+            </a:r>
+          </a:p>
+        </p:txBody>
+      </p:sp>
+      <p:sp>
+        <p:nvSpPr>
+          <p:cNvPr id="4" name="Rettangolo 3">
+            <a:extLst>
+              <a:ext uri="{FF2B5EF4-FFF2-40B4-BE49-F238E27FC236}">
+                <a16:creationId xmlns:a16="http://schemas.microsoft.com/office/drawing/2014/main" id="{C6D04AF5-E17F-6524-0F41-F82DC7734C93}"/>
+              </a:ext>
+            </a:extLst>
+          </p:cNvPr>
+          <p:cNvSpPr/>
+          <p:nvPr/>
+        </p:nvSpPr>
+        <p:spPr>
+          <a:xfrm>
+            <a:off x="0" y="472781"/>
+            <a:ext cx="190243" cy="653143"/>
+          </a:xfrm>
+          <a:prstGeom prst="rect">
+            <a:avLst/>
+          </a:prstGeom>
+          <a:solidFill>
+            <a:schemeClr val="tx2">
+              <a:lumMod val="90000"/>
+              <a:lumOff val="10000"/>
+            </a:schemeClr>
+          </a:solidFill>
+          <a:ln>
+            <a:solidFill>
+              <a:schemeClr val="tx2">
+                <a:lumMod val="90000"/>
+                <a:lumOff val="10000"/>
+              </a:schemeClr>
+            </a:solidFill>
+          </a:ln>
+        </p:spPr>
+        <p:style>
+          <a:lnRef idx="2">
+            <a:schemeClr val="accent1">
+              <a:shade val="15000"/>
+            </a:schemeClr>
+          </a:lnRef>
+          <a:fillRef idx="1">
+            <a:schemeClr val="accent1"/>
+          </a:fillRef>
+          <a:effectRef idx="0">
+            <a:schemeClr val="accent1"/>
+          </a:effectRef>
+          <a:fontRef idx="minor">
+            <a:schemeClr val="lt1"/>
+          </a:fontRef>
+        </p:style>
+        <p:txBody>
+          <a:bodyPr rtlCol="0" anchor="ctr"/>
+          <a:lstStyle/>
+          <a:p>
+            <a:pPr algn="ctr"/>
+            <a:endParaRPr lang="it-IT" noProof="0" dirty="0"/>
+          </a:p>
+        </p:txBody>
+      </p:sp>
+      <p:sp>
+        <p:nvSpPr>
+          <p:cNvPr id="5" name="Rettangolo 4">
+            <a:extLst>
+              <a:ext uri="{FF2B5EF4-FFF2-40B4-BE49-F238E27FC236}">
+                <a16:creationId xmlns:a16="http://schemas.microsoft.com/office/drawing/2014/main" id="{C6458F5F-C513-D796-FBA5-CCEB921651D6}"/>
+              </a:ext>
+            </a:extLst>
+          </p:cNvPr>
+          <p:cNvSpPr/>
+          <p:nvPr/>
+        </p:nvSpPr>
+        <p:spPr>
+          <a:xfrm>
+            <a:off x="289539" y="472780"/>
+            <a:ext cx="139359" cy="653143"/>
+          </a:xfrm>
+          <a:prstGeom prst="rect">
+            <a:avLst/>
+          </a:prstGeom>
+          <a:solidFill>
+            <a:schemeClr val="tx2">
+              <a:lumMod val="90000"/>
+              <a:lumOff val="10000"/>
+            </a:schemeClr>
+          </a:solidFill>
+          <a:ln>
+            <a:solidFill>
+              <a:schemeClr val="tx2">
+                <a:lumMod val="90000"/>
+                <a:lumOff val="10000"/>
+              </a:schemeClr>
+            </a:solidFill>
+          </a:ln>
+        </p:spPr>
+        <p:style>
+          <a:lnRef idx="2">
+            <a:schemeClr val="accent1">
+              <a:shade val="15000"/>
+            </a:schemeClr>
+          </a:lnRef>
+          <a:fillRef idx="1">
+            <a:schemeClr val="accent1"/>
+          </a:fillRef>
+          <a:effectRef idx="0">
+            <a:schemeClr val="accent1"/>
+          </a:effectRef>
+          <a:fontRef idx="minor">
+            <a:schemeClr val="lt1"/>
+          </a:fontRef>
+        </p:style>
+        <p:txBody>
+          <a:bodyPr rtlCol="0" anchor="ctr"/>
+          <a:lstStyle/>
+          <a:p>
+            <a:pPr algn="ctr"/>
+            <a:endParaRPr lang="it-IT" noProof="0" dirty="0"/>
+          </a:p>
+        </p:txBody>
+      </p:sp>
+      <p:sp>
+        <p:nvSpPr>
+          <p:cNvPr id="11" name="Rettangolo 10">
+            <a:extLst>
+              <a:ext uri="{FF2B5EF4-FFF2-40B4-BE49-F238E27FC236}">
+                <a16:creationId xmlns:a16="http://schemas.microsoft.com/office/drawing/2014/main" id="{424040E3-F5A7-6C6E-8574-18DF8822BCB0}"/>
+              </a:ext>
+            </a:extLst>
+          </p:cNvPr>
+          <p:cNvSpPr/>
+          <p:nvPr/>
+        </p:nvSpPr>
+        <p:spPr>
+          <a:xfrm>
+            <a:off x="10008781" y="0"/>
+            <a:ext cx="2183219" cy="6858000"/>
+          </a:xfrm>
+          <a:prstGeom prst="rect">
+            <a:avLst/>
+          </a:prstGeom>
+          <a:solidFill>
+            <a:schemeClr val="tx2">
+              <a:lumMod val="90000"/>
+              <a:lumOff val="10000"/>
+            </a:schemeClr>
+          </a:solidFill>
+          <a:ln>
+            <a:solidFill>
+              <a:srgbClr val="163E64"/>
+            </a:solidFill>
+          </a:ln>
+        </p:spPr>
+        <p:style>
+          <a:lnRef idx="2">
+            <a:schemeClr val="accent1">
+              <a:shade val="15000"/>
+            </a:schemeClr>
+          </a:lnRef>
+          <a:fillRef idx="1">
+            <a:schemeClr val="accent1"/>
+          </a:fillRef>
+          <a:effectRef idx="0">
+            <a:schemeClr val="accent1"/>
+          </a:effectRef>
+          <a:fontRef idx="minor">
+            <a:schemeClr val="lt1"/>
+          </a:fontRef>
+        </p:style>
+        <p:txBody>
+          <a:bodyPr rtlCol="0" anchor="ctr"/>
+          <a:lstStyle/>
+          <a:p>
+            <a:pPr algn="ctr"/>
+            <a:endParaRPr lang="it-IT" noProof="0" dirty="0"/>
+          </a:p>
+        </p:txBody>
+      </p:sp>
+      <p:cxnSp>
+        <p:nvCxnSpPr>
+          <p:cNvPr id="8" name="Connettore diritto 7">
+            <a:extLst>
+              <a:ext uri="{FF2B5EF4-FFF2-40B4-BE49-F238E27FC236}">
+                <a16:creationId xmlns:a16="http://schemas.microsoft.com/office/drawing/2014/main" id="{2CCB529C-5C40-0565-CAF7-E2BC0A179CF8}"/>
+              </a:ext>
+            </a:extLst>
+          </p:cNvPr>
+          <p:cNvCxnSpPr>
+            <a:cxnSpLocks/>
+          </p:cNvCxnSpPr>
+          <p:nvPr/>
+        </p:nvCxnSpPr>
+        <p:spPr>
+          <a:xfrm>
+            <a:off x="639725" y="1351691"/>
+            <a:ext cx="6654057" cy="0"/>
+          </a:xfrm>
+          <a:prstGeom prst="line">
+            <a:avLst/>
+          </a:prstGeom>
+          <a:ln>
+            <a:solidFill>
+              <a:schemeClr val="tx2">
+                <a:lumMod val="90000"/>
+                <a:lumOff val="10000"/>
+              </a:schemeClr>
+            </a:solidFill>
+          </a:ln>
+        </p:spPr>
+        <p:style>
+          <a:lnRef idx="2">
+            <a:schemeClr val="accent1"/>
+          </a:lnRef>
+          <a:fillRef idx="0">
+            <a:schemeClr val="accent1"/>
+          </a:fillRef>
+          <a:effectRef idx="1">
+            <a:schemeClr val="accent1"/>
+          </a:effectRef>
+          <a:fontRef idx="minor">
+            <a:schemeClr val="tx1"/>
+          </a:fontRef>
+        </p:style>
+      </p:cxnSp>
+      <p:sp>
+        <p:nvSpPr>
+          <p:cNvPr id="6" name="TextBox 5">
+            <a:extLst>
+              <a:ext uri="{FF2B5EF4-FFF2-40B4-BE49-F238E27FC236}">
+                <a16:creationId xmlns:a16="http://schemas.microsoft.com/office/drawing/2014/main" id="{F5BF2C52-A6FD-A801-E53B-2EB796D139F9}"/>
+              </a:ext>
+            </a:extLst>
+          </p:cNvPr>
+          <p:cNvSpPr txBox="1"/>
+          <p:nvPr/>
+        </p:nvSpPr>
+        <p:spPr>
+          <a:xfrm>
+            <a:off x="11654290" y="6452785"/>
+            <a:ext cx="438619" cy="307777"/>
+          </a:xfrm>
+          <a:prstGeom prst="rect">
+            <a:avLst/>
+          </a:prstGeom>
+          <a:noFill/>
+        </p:spPr>
+        <p:txBody>
+          <a:bodyPr wrap="square">
+            <a:spAutoFit/>
+          </a:bodyPr>
+          <a:lstStyle/>
+          <a:p>
+            <a:r>
+              <a:rPr lang="it-IT" sz="1400" noProof="0" dirty="0">
+                <a:solidFill>
+                  <a:schemeClr val="bg1"/>
+                </a:solidFill>
+              </a:rPr>
+              <a:t>4</a:t>
+            </a:r>
+            <a:endParaRPr lang="it-IT" sz="1400" noProof="0" dirty="0"/>
+          </a:p>
+        </p:txBody>
+      </p:sp>
+      <p:sp>
+        <p:nvSpPr>
+          <p:cNvPr id="7" name="CasellaDiTesto 6">
+            <a:extLst>
+              <a:ext uri="{FF2B5EF4-FFF2-40B4-BE49-F238E27FC236}">
+                <a16:creationId xmlns:a16="http://schemas.microsoft.com/office/drawing/2014/main" id="{FD8999C2-FDB1-1B48-61D4-8B45345FB186}"/>
+              </a:ext>
+            </a:extLst>
+          </p:cNvPr>
+          <p:cNvSpPr txBox="1"/>
+          <p:nvPr/>
+        </p:nvSpPr>
+        <p:spPr>
+          <a:xfrm>
+            <a:off x="639724" y="1623385"/>
+            <a:ext cx="6654056" cy="646331"/>
+          </a:xfrm>
+          <a:prstGeom prst="rect">
+            <a:avLst/>
+          </a:prstGeom>
+          <a:noFill/>
+        </p:spPr>
+        <p:txBody>
+          <a:bodyPr wrap="square" rtlCol="0">
+            <a:spAutoFit/>
+          </a:bodyPr>
+          <a:lstStyle/>
+          <a:p>
+            <a:r>
+              <a:rPr lang="it-IT" noProof="0" dirty="0">
+                <a:solidFill>
+                  <a:schemeClr val="tx1">
+                    <a:lumMod val="85000"/>
+                    <a:lumOff val="15000"/>
+                  </a:schemeClr>
+                </a:solidFill>
+              </a:rPr>
+              <a:t/>
+            </a:r>
+            <a:br>
+              <a:rPr lang="it-IT" noProof="0" dirty="0">
+                <a:solidFill>
+                  <a:schemeClr val="tx1">
+                    <a:lumMod val="85000"/>
+                    <a:lumOff val="15000"/>
+                  </a:schemeClr>
+                </a:solidFill>
+              </a:rPr>
+            </a:br>
+            <a:endParaRPr lang="it-IT" noProof="0" dirty="0">
+              <a:solidFill>
+                <a:schemeClr val="tx1">
+                  <a:lumMod val="85000"/>
+                  <a:lumOff val="15000"/>
+                </a:schemeClr>
+              </a:solidFill>
+            </a:endParaRPr>
+          </a:p>
+        </p:txBody>
+      </p:sp>
+      <p:sp>
+        <p:nvSpPr>
+          <p:cNvPr id="12" name="CasellaDiTesto 6">
+            <a:extLst>
+              <a:ext uri="{FF2B5EF4-FFF2-40B4-BE49-F238E27FC236}">
+                <a16:creationId xmlns:a16="http://schemas.microsoft.com/office/drawing/2014/main" id="{A05DE7FA-A329-DCF5-1DD8-7E60B77B98E8}"/>
+              </a:ext>
+            </a:extLst>
+          </p:cNvPr>
+          <p:cNvSpPr txBox="1"/>
+          <p:nvPr/>
+        </p:nvSpPr>
+        <p:spPr>
+          <a:xfrm>
+            <a:off x="639726" y="1613118"/>
+            <a:ext cx="6654056" cy="369332"/>
+          </a:xfrm>
+          <a:prstGeom prst="rect">
+            <a:avLst/>
+          </a:prstGeom>
+          <a:noFill/>
+        </p:spPr>
+        <p:txBody>
+          <a:bodyPr wrap="square" rtlCol="0">
+            <a:spAutoFit/>
+          </a:bodyPr>
+          <a:lstStyle/>
+          <a:p>
+            <a:pPr marL="285750" indent="-285750">
+              <a:buFont typeface="Arial" panose="020B0604020202020204" pitchFamily="34" charset="0"/>
+              <a:buChar char="•"/>
+            </a:pPr>
+            <a:r>
+              <a:rPr lang="it-IT" dirty="0">
+                <a:solidFill>
+                  <a:srgbClr val="FF0000"/>
+                </a:solidFill>
+              </a:rPr>
+              <a:t>ALE (PROVA A FA QUALCOS ALTRO MA NON LO SA SE RIESCE)</a:t>
+            </a:r>
+            <a:endParaRPr lang="it-IT" noProof="0" dirty="0">
+              <a:solidFill>
+                <a:srgbClr val="FF0000"/>
+              </a:solidFill>
+            </a:endParaRPr>
+          </a:p>
+        </p:txBody>
+      </p:sp>
+      <p:pic>
+        <p:nvPicPr>
+          <p:cNvPr id="3" name="Immagine 2"/>
+          <p:cNvPicPr>
+            <a:picLocks noChangeAspect="1"/>
+          </p:cNvPicPr>
+          <p:nvPr/>
+        </p:nvPicPr>
+        <p:blipFill>
+          <a:blip r:embed="rId3"/>
+          <a:stretch>
+            <a:fillRect/>
+          </a:stretch>
+        </p:blipFill>
+        <p:spPr>
+          <a:xfrm>
+            <a:off x="7293600" y="352800"/>
+            <a:ext cx="885600" cy="885600"/>
+          </a:xfrm>
+          <a:prstGeom prst="rect">
+            <a:avLst/>
+          </a:prstGeom>
+        </p:spPr>
+      </p:pic>
+    </p:spTree>
+    <p:extLst>
+      <p:ext uri="{BB962C8B-B14F-4D97-AF65-F5344CB8AC3E}">
+        <p14:creationId xmlns:p14="http://schemas.microsoft.com/office/powerpoint/2010/main" val="2497548126"/>
+      </p:ext>
+    </p:extLst>
+  </p:cSld>
+  <p:clrMapOvr>
+    <a:masterClrMapping/>
+  </p:clrMapOvr>
+</p:sld>
+</file>
+
+<file path=ppt/slides/slide12.xml><?xml version="1.0" encoding="utf-8"?>
+<p:sld xmlns:a="http://schemas.openxmlformats.org/drawingml/2006/main" xmlns:r="http://schemas.openxmlformats.org/officeDocument/2006/relationships" xmlns:p="http://schemas.openxmlformats.org/presentationml/2006/main">
+  <p:cSld>
+    <p:spTree>
+      <p:nvGrpSpPr>
+        <p:cNvPr id="1" name="">
+          <a:extLst>
+            <a:ext uri="{FF2B5EF4-FFF2-40B4-BE49-F238E27FC236}">
+              <a16:creationId xmlns:a16="http://schemas.microsoft.com/office/drawing/2014/main" id="{975A8E46-9141-F093-BC6F-2C8774296365}"/>
+            </a:ext>
+          </a:extLst>
+        </p:cNvPr>
+        <p:cNvGrpSpPr/>
+        <p:nvPr/>
+      </p:nvGrpSpPr>
+      <p:grpSpPr>
+        <a:xfrm>
+          <a:off x="0" y="0"/>
+          <a:ext cx="0" cy="0"/>
+          <a:chOff x="0" y="0"/>
+          <a:chExt cx="0" cy="0"/>
+        </a:xfrm>
+      </p:grpSpPr>
+      <p:sp>
+        <p:nvSpPr>
+          <p:cNvPr id="2" name="Titolo 1">
+            <a:extLst>
+              <a:ext uri="{FF2B5EF4-FFF2-40B4-BE49-F238E27FC236}">
+                <a16:creationId xmlns:a16="http://schemas.microsoft.com/office/drawing/2014/main" id="{F184A92F-9BFB-BE2B-C6A0-DC59B35D1B04}"/>
+              </a:ext>
+            </a:extLst>
+          </p:cNvPr>
+          <p:cNvSpPr>
+            <a:spLocks noGrp="1"/>
+          </p:cNvSpPr>
+          <p:nvPr>
+            <p:ph type="title"/>
+          </p:nvPr>
+        </p:nvSpPr>
+        <p:spPr>
+          <a:xfrm>
+            <a:off x="639724" y="472780"/>
+            <a:ext cx="6654057" cy="653143"/>
+          </a:xfrm>
+        </p:spPr>
+        <p:txBody>
+          <a:bodyPr>
+            <a:normAutofit/>
+          </a:bodyPr>
+          <a:lstStyle/>
+          <a:p>
+            <a:r>
+              <a:rPr lang="it-IT" sz="3600" noProof="0" dirty="0">
+                <a:solidFill>
+                  <a:schemeClr val="tx2">
+                    <a:lumMod val="90000"/>
+                    <a:lumOff val="10000"/>
+                  </a:schemeClr>
+                </a:solidFill>
+              </a:rPr>
+              <a:t>GOAL: </a:t>
+            </a:r>
+            <a:r>
+              <a:rPr lang="it-IT" sz="3600" dirty="0" err="1">
+                <a:solidFill>
+                  <a:schemeClr val="tx2">
+                    <a:lumMod val="90000"/>
+                    <a:lumOff val="10000"/>
+                  </a:schemeClr>
+                </a:solidFill>
+              </a:rPr>
+              <a:t>Other</a:t>
+            </a:r>
+            <a:r>
+              <a:rPr lang="it-IT" sz="3600" noProof="0" dirty="0">
+                <a:solidFill>
+                  <a:schemeClr val="tx2">
+                    <a:lumMod val="90000"/>
+                    <a:lumOff val="10000"/>
+                  </a:schemeClr>
+                </a:solidFill>
+              </a:rPr>
+              <a:t> </a:t>
+            </a:r>
+            <a:r>
+              <a:rPr lang="it-IT" sz="3600" noProof="0" dirty="0" err="1">
+                <a:solidFill>
+                  <a:schemeClr val="tx2">
+                    <a:lumMod val="90000"/>
+                    <a:lumOff val="10000"/>
+                  </a:schemeClr>
+                </a:solidFill>
+              </a:rPr>
+              <a:t>tasks</a:t>
+            </a:r>
+            <a:endParaRPr lang="it-IT" sz="3600" noProof="0" dirty="0">
+              <a:solidFill>
+                <a:schemeClr val="tx2">
+                  <a:lumMod val="90000"/>
+                  <a:lumOff val="10000"/>
+                </a:schemeClr>
+              </a:solidFill>
+            </a:endParaRPr>
+          </a:p>
+        </p:txBody>
+      </p:sp>
+      <p:sp>
+        <p:nvSpPr>
+          <p:cNvPr id="4" name="Rettangolo 3">
+            <a:extLst>
+              <a:ext uri="{FF2B5EF4-FFF2-40B4-BE49-F238E27FC236}">
+                <a16:creationId xmlns:a16="http://schemas.microsoft.com/office/drawing/2014/main" id="{1EC4FB70-4CDA-2FE7-60EB-A19604E5CBE8}"/>
+              </a:ext>
+            </a:extLst>
+          </p:cNvPr>
+          <p:cNvSpPr/>
+          <p:nvPr/>
+        </p:nvSpPr>
+        <p:spPr>
+          <a:xfrm>
+            <a:off x="0" y="472781"/>
+            <a:ext cx="190243" cy="653143"/>
+          </a:xfrm>
+          <a:prstGeom prst="rect">
+            <a:avLst/>
+          </a:prstGeom>
+          <a:solidFill>
+            <a:schemeClr val="tx2">
+              <a:lumMod val="90000"/>
+              <a:lumOff val="10000"/>
+            </a:schemeClr>
+          </a:solidFill>
+          <a:ln>
+            <a:solidFill>
+              <a:schemeClr val="tx2">
+                <a:lumMod val="90000"/>
+                <a:lumOff val="10000"/>
+              </a:schemeClr>
+            </a:solidFill>
+          </a:ln>
+        </p:spPr>
+        <p:style>
+          <a:lnRef idx="2">
+            <a:schemeClr val="accent1">
+              <a:shade val="15000"/>
+            </a:schemeClr>
+          </a:lnRef>
+          <a:fillRef idx="1">
+            <a:schemeClr val="accent1"/>
+          </a:fillRef>
+          <a:effectRef idx="0">
+            <a:schemeClr val="accent1"/>
+          </a:effectRef>
+          <a:fontRef idx="minor">
+            <a:schemeClr val="lt1"/>
+          </a:fontRef>
+        </p:style>
+        <p:txBody>
+          <a:bodyPr rtlCol="0" anchor="ctr"/>
+          <a:lstStyle/>
+          <a:p>
+            <a:pPr algn="ctr"/>
+            <a:endParaRPr lang="it-IT" noProof="0" dirty="0"/>
+          </a:p>
+        </p:txBody>
+      </p:sp>
+      <p:sp>
+        <p:nvSpPr>
+          <p:cNvPr id="5" name="Rettangolo 4">
+            <a:extLst>
+              <a:ext uri="{FF2B5EF4-FFF2-40B4-BE49-F238E27FC236}">
+                <a16:creationId xmlns:a16="http://schemas.microsoft.com/office/drawing/2014/main" id="{C69F8FF1-E129-E2CB-9851-FC11E5B76BA5}"/>
+              </a:ext>
+            </a:extLst>
+          </p:cNvPr>
+          <p:cNvSpPr/>
+          <p:nvPr/>
+        </p:nvSpPr>
+        <p:spPr>
+          <a:xfrm>
+            <a:off x="289539" y="472780"/>
+            <a:ext cx="139359" cy="653143"/>
+          </a:xfrm>
+          <a:prstGeom prst="rect">
+            <a:avLst/>
+          </a:prstGeom>
+          <a:solidFill>
+            <a:schemeClr val="tx2">
+              <a:lumMod val="90000"/>
+              <a:lumOff val="10000"/>
+            </a:schemeClr>
+          </a:solidFill>
+          <a:ln>
+            <a:solidFill>
+              <a:schemeClr val="tx2">
+                <a:lumMod val="90000"/>
+                <a:lumOff val="10000"/>
+              </a:schemeClr>
+            </a:solidFill>
+          </a:ln>
+        </p:spPr>
+        <p:style>
+          <a:lnRef idx="2">
+            <a:schemeClr val="accent1">
+              <a:shade val="15000"/>
+            </a:schemeClr>
+          </a:lnRef>
+          <a:fillRef idx="1">
+            <a:schemeClr val="accent1"/>
+          </a:fillRef>
+          <a:effectRef idx="0">
+            <a:schemeClr val="accent1"/>
+          </a:effectRef>
+          <a:fontRef idx="minor">
+            <a:schemeClr val="lt1"/>
+          </a:fontRef>
+        </p:style>
+        <p:txBody>
+          <a:bodyPr rtlCol="0" anchor="ctr"/>
+          <a:lstStyle/>
+          <a:p>
+            <a:pPr algn="ctr"/>
+            <a:endParaRPr lang="it-IT" noProof="0" dirty="0"/>
+          </a:p>
+        </p:txBody>
+      </p:sp>
+      <p:sp>
+        <p:nvSpPr>
+          <p:cNvPr id="11" name="Rettangolo 10">
+            <a:extLst>
+              <a:ext uri="{FF2B5EF4-FFF2-40B4-BE49-F238E27FC236}">
+                <a16:creationId xmlns:a16="http://schemas.microsoft.com/office/drawing/2014/main" id="{A2E2619F-3793-2065-D038-89F911ED5F9A}"/>
+              </a:ext>
+            </a:extLst>
+          </p:cNvPr>
+          <p:cNvSpPr/>
+          <p:nvPr/>
+        </p:nvSpPr>
+        <p:spPr>
+          <a:xfrm>
+            <a:off x="10008781" y="0"/>
+            <a:ext cx="2183219" cy="6858000"/>
+          </a:xfrm>
+          <a:prstGeom prst="rect">
+            <a:avLst/>
+          </a:prstGeom>
+          <a:solidFill>
+            <a:schemeClr val="tx2">
+              <a:lumMod val="90000"/>
+              <a:lumOff val="10000"/>
+            </a:schemeClr>
+          </a:solidFill>
+          <a:ln>
+            <a:solidFill>
+              <a:srgbClr val="163E64"/>
+            </a:solidFill>
+          </a:ln>
+        </p:spPr>
+        <p:style>
+          <a:lnRef idx="2">
+            <a:schemeClr val="accent1">
+              <a:shade val="15000"/>
+            </a:schemeClr>
+          </a:lnRef>
+          <a:fillRef idx="1">
+            <a:schemeClr val="accent1"/>
+          </a:fillRef>
+          <a:effectRef idx="0">
+            <a:schemeClr val="accent1"/>
+          </a:effectRef>
+          <a:fontRef idx="minor">
+            <a:schemeClr val="lt1"/>
+          </a:fontRef>
+        </p:style>
+        <p:txBody>
+          <a:bodyPr rtlCol="0" anchor="ctr"/>
+          <a:lstStyle/>
+          <a:p>
+            <a:pPr algn="ctr"/>
+            <a:endParaRPr lang="it-IT" noProof="0" dirty="0"/>
+          </a:p>
+        </p:txBody>
+      </p:sp>
+      <p:cxnSp>
+        <p:nvCxnSpPr>
+          <p:cNvPr id="8" name="Connettore diritto 7">
+            <a:extLst>
+              <a:ext uri="{FF2B5EF4-FFF2-40B4-BE49-F238E27FC236}">
+                <a16:creationId xmlns:a16="http://schemas.microsoft.com/office/drawing/2014/main" id="{CCF3CE8E-47D9-A159-A8DF-F6AED5F5E9D6}"/>
+              </a:ext>
+            </a:extLst>
+          </p:cNvPr>
+          <p:cNvCxnSpPr>
+            <a:cxnSpLocks/>
+          </p:cNvCxnSpPr>
+          <p:nvPr/>
+        </p:nvCxnSpPr>
+        <p:spPr>
+          <a:xfrm>
+            <a:off x="639725" y="1351691"/>
+            <a:ext cx="6654057" cy="0"/>
+          </a:xfrm>
+          <a:prstGeom prst="line">
+            <a:avLst/>
+          </a:prstGeom>
+          <a:ln>
+            <a:solidFill>
+              <a:schemeClr val="tx2">
+                <a:lumMod val="90000"/>
+                <a:lumOff val="10000"/>
+              </a:schemeClr>
+            </a:solidFill>
+          </a:ln>
+        </p:spPr>
+        <p:style>
+          <a:lnRef idx="2">
+            <a:schemeClr val="accent1"/>
+          </a:lnRef>
+          <a:fillRef idx="0">
+            <a:schemeClr val="accent1"/>
+          </a:fillRef>
+          <a:effectRef idx="1">
+            <a:schemeClr val="accent1"/>
+          </a:effectRef>
+          <a:fontRef idx="minor">
+            <a:schemeClr val="tx1"/>
+          </a:fontRef>
+        </p:style>
+      </p:cxnSp>
+      <p:sp>
+        <p:nvSpPr>
+          <p:cNvPr id="6" name="TextBox 5">
+            <a:extLst>
+              <a:ext uri="{FF2B5EF4-FFF2-40B4-BE49-F238E27FC236}">
+                <a16:creationId xmlns:a16="http://schemas.microsoft.com/office/drawing/2014/main" id="{446F8712-AED8-534E-285F-69D50BBC4CF9}"/>
+              </a:ext>
+            </a:extLst>
+          </p:cNvPr>
+          <p:cNvSpPr txBox="1"/>
+          <p:nvPr/>
+        </p:nvSpPr>
+        <p:spPr>
+          <a:xfrm>
+            <a:off x="11654290" y="6452785"/>
+            <a:ext cx="438619" cy="307777"/>
+          </a:xfrm>
+          <a:prstGeom prst="rect">
+            <a:avLst/>
+          </a:prstGeom>
+          <a:noFill/>
+        </p:spPr>
+        <p:txBody>
+          <a:bodyPr wrap="square" lIns="91440" tIns="45720" rIns="91440" bIns="45720" anchor="t">
+            <a:spAutoFit/>
+          </a:bodyPr>
+          <a:lstStyle/>
+          <a:p>
+            <a:r>
+              <a:rPr lang="it-IT" sz="1400" dirty="0">
+                <a:solidFill>
+                  <a:schemeClr val="bg1"/>
+                </a:solidFill>
+              </a:rPr>
+              <a:t>15</a:t>
+            </a:r>
+            <a:endParaRPr lang="it-IT" sz="1400" noProof="0" dirty="0"/>
+          </a:p>
+        </p:txBody>
+      </p:sp>
+      <p:pic>
+        <p:nvPicPr>
+          <p:cNvPr id="7" name="Picture 2">
+            <a:extLst>
+              <a:ext uri="{FF2B5EF4-FFF2-40B4-BE49-F238E27FC236}">
+                <a16:creationId xmlns:a16="http://schemas.microsoft.com/office/drawing/2014/main" id="{9AE5E948-2259-6AA4-363A-53788564336E}"/>
+              </a:ext>
+            </a:extLst>
+          </p:cNvPr>
+          <p:cNvPicPr>
+            <a:picLocks noChangeAspect="1" noChangeArrowheads="1"/>
+          </p:cNvPicPr>
+          <p:nvPr/>
+        </p:nvPicPr>
+        <p:blipFill>
+          <a:blip r:embed="rId2" cstate="print">
+            <a:extLst>
+              <a:ext uri="{28A0092B-C50C-407E-A947-70E740481C1C}">
+                <a14:useLocalDpi xmlns:a14="http://schemas.microsoft.com/office/drawing/2010/main" val="0"/>
+              </a:ext>
+            </a:extLst>
+          </a:blip>
+          <a:srcRect/>
+          <a:stretch>
+            <a:fillRect/>
+          </a:stretch>
+        </p:blipFill>
+        <p:spPr bwMode="auto">
+          <a:xfrm>
+            <a:off x="7293781" y="353207"/>
+            <a:ext cx="885600" cy="885600"/>
+          </a:xfrm>
+          <a:prstGeom prst="rect">
+            <a:avLst/>
+          </a:prstGeom>
+          <a:noFill/>
+          <a:extLst>
+            <a:ext uri="{909E8E84-426E-40DD-AFC4-6F175D3DCCD1}">
+              <a14:hiddenFill xmlns:a14="http://schemas.microsoft.com/office/drawing/2010/main">
+                <a:solidFill>
+                  <a:srgbClr val="FFFFFF"/>
+                </a:solidFill>
+              </a14:hiddenFill>
+            </a:ext>
+          </a:extLst>
+        </p:spPr>
+      </p:pic>
+      <p:sp>
+        <p:nvSpPr>
+          <p:cNvPr id="3" name="CasellaDiTesto 6">
+            <a:extLst>
+              <a:ext uri="{FF2B5EF4-FFF2-40B4-BE49-F238E27FC236}">
+                <a16:creationId xmlns:a16="http://schemas.microsoft.com/office/drawing/2014/main" id="{48F2BD16-1263-4724-9B81-3C7FAEE1F44A}"/>
+              </a:ext>
+            </a:extLst>
+          </p:cNvPr>
+          <p:cNvSpPr txBox="1"/>
+          <p:nvPr/>
+        </p:nvSpPr>
+        <p:spPr>
+          <a:xfrm>
+            <a:off x="639726" y="1613118"/>
+            <a:ext cx="6654056" cy="3970318"/>
+          </a:xfrm>
+          <a:prstGeom prst="rect">
+            <a:avLst/>
+          </a:prstGeom>
+          <a:noFill/>
+        </p:spPr>
+        <p:txBody>
+          <a:bodyPr wrap="square" lIns="91440" tIns="45720" rIns="91440" bIns="45720" rtlCol="0" anchor="t">
+            <a:spAutoFit/>
+          </a:bodyPr>
+          <a:lstStyle/>
+          <a:p>
+            <a:pPr marL="285750" indent="-285750">
+              <a:buFont typeface="Arial" panose="020B0604020202020204" pitchFamily="34" charset="0"/>
+              <a:buChar char="•"/>
+            </a:pPr>
+            <a:r>
+              <a:rPr lang="it-IT" dirty="0" err="1">
+                <a:solidFill>
+                  <a:schemeClr val="tx1">
+                    <a:lumMod val="85000"/>
+                    <a:lumOff val="15000"/>
+                  </a:schemeClr>
+                </a:solidFill>
+              </a:rPr>
+              <a:t>Issue</a:t>
+            </a:r>
+            <a:r>
+              <a:rPr lang="it-IT" dirty="0">
+                <a:solidFill>
+                  <a:schemeClr val="tx1">
+                    <a:lumMod val="85000"/>
+                    <a:lumOff val="15000"/>
+                  </a:schemeClr>
+                </a:solidFill>
+              </a:rPr>
+              <a:t> #611: Per inserire uno stato dei turni si è lavorato con il componente </a:t>
+            </a:r>
+            <a:r>
+              <a:rPr lang="it-IT" dirty="0">
+                <a:solidFill>
+                  <a:schemeClr val="tx1">
+                    <a:lumMod val="85000"/>
+                    <a:lumOff val="15000"/>
+                  </a:schemeClr>
+                </a:solidFill>
+                <a:hlinkClick r:id="rId3">
+                  <a:extLst>
+                    <a:ext uri="{A12FA001-AC4F-418D-AE19-62706E023703}">
+                      <ahyp:hlinkClr xmlns="" xmlns:ahyp="http://schemas.microsoft.com/office/drawing/2018/hyperlinkcolor" val="tx"/>
+                    </a:ext>
+                  </a:extLst>
+                </a:hlinkClick>
+              </a:rPr>
+              <a:t>Scheduler</a:t>
+            </a:r>
+            <a:r>
+              <a:rPr lang="it-IT" dirty="0">
+                <a:solidFill>
+                  <a:schemeClr val="tx1">
+                    <a:lumMod val="85000"/>
+                    <a:lumOff val="15000"/>
+                  </a:schemeClr>
+                </a:solidFill>
+              </a:rPr>
+              <a:t> della libreria </a:t>
+            </a:r>
+            <a:r>
+              <a:rPr lang="it-IT" dirty="0" err="1">
+                <a:solidFill>
+                  <a:schemeClr val="tx1">
+                    <a:lumMod val="85000"/>
+                    <a:lumOff val="15000"/>
+                  </a:schemeClr>
+                </a:solidFill>
+              </a:rPr>
+              <a:t>DevExtreme</a:t>
+            </a:r>
+            <a:r>
+              <a:rPr lang="it-IT" dirty="0">
+                <a:solidFill>
+                  <a:schemeClr val="tx1">
+                    <a:lumMod val="85000"/>
+                    <a:lumOff val="15000"/>
+                  </a:schemeClr>
+                </a:solidFill>
+              </a:rPr>
+              <a:t/>
+            </a:r>
+            <a:br>
+              <a:rPr lang="it-IT" dirty="0">
+                <a:solidFill>
+                  <a:schemeClr val="tx1">
+                    <a:lumMod val="85000"/>
+                    <a:lumOff val="15000"/>
+                  </a:schemeClr>
+                </a:solidFill>
+              </a:rPr>
+            </a:br>
+            <a:r>
+              <a:rPr lang="it-IT" dirty="0">
+                <a:solidFill>
+                  <a:schemeClr val="tx1">
+                    <a:lumMod val="85000"/>
+                    <a:lumOff val="15000"/>
+                  </a:schemeClr>
+                </a:solidFill>
+              </a:rPr>
+              <a:t/>
+            </a:r>
+            <a:br>
+              <a:rPr lang="it-IT" dirty="0">
+                <a:solidFill>
+                  <a:schemeClr val="tx1">
+                    <a:lumMod val="85000"/>
+                    <a:lumOff val="15000"/>
+                  </a:schemeClr>
+                </a:solidFill>
+              </a:rPr>
+            </a:br>
+            <a:r>
+              <a:rPr lang="it-IT" dirty="0">
+                <a:solidFill>
+                  <a:schemeClr val="tx1">
+                    <a:lumMod val="85000"/>
+                    <a:lumOff val="15000"/>
+                  </a:schemeClr>
+                </a:solidFill>
+              </a:rPr>
+              <a:t/>
+            </a:r>
+            <a:br>
+              <a:rPr lang="it-IT" dirty="0">
+                <a:solidFill>
+                  <a:schemeClr val="tx1">
+                    <a:lumMod val="85000"/>
+                    <a:lumOff val="15000"/>
+                  </a:schemeClr>
+                </a:solidFill>
+              </a:rPr>
+            </a:br>
+            <a:r>
+              <a:rPr lang="it-IT" dirty="0">
+                <a:solidFill>
+                  <a:schemeClr val="tx1">
+                    <a:lumMod val="85000"/>
+                    <a:lumOff val="15000"/>
+                  </a:schemeClr>
+                </a:solidFill>
+              </a:rPr>
+              <a:t/>
+            </a:r>
+            <a:br>
+              <a:rPr lang="it-IT" dirty="0">
+                <a:solidFill>
+                  <a:schemeClr val="tx1">
+                    <a:lumMod val="85000"/>
+                    <a:lumOff val="15000"/>
+                  </a:schemeClr>
+                </a:solidFill>
+              </a:rPr>
+            </a:br>
+            <a:r>
+              <a:rPr lang="it-IT" dirty="0">
+                <a:solidFill>
+                  <a:schemeClr val="tx1">
+                    <a:lumMod val="85000"/>
+                    <a:lumOff val="15000"/>
+                  </a:schemeClr>
+                </a:solidFill>
+              </a:rPr>
+              <a:t/>
+            </a:r>
+            <a:br>
+              <a:rPr lang="it-IT" dirty="0">
+                <a:solidFill>
+                  <a:schemeClr val="tx1">
+                    <a:lumMod val="85000"/>
+                    <a:lumOff val="15000"/>
+                  </a:schemeClr>
+                </a:solidFill>
+              </a:rPr>
+            </a:br>
+            <a:r>
+              <a:rPr lang="it-IT" dirty="0">
+                <a:solidFill>
+                  <a:schemeClr val="tx1">
+                    <a:lumMod val="85000"/>
+                    <a:lumOff val="15000"/>
+                  </a:schemeClr>
+                </a:solidFill>
+              </a:rPr>
+              <a:t/>
+            </a:r>
+            <a:br>
+              <a:rPr lang="it-IT" dirty="0">
+                <a:solidFill>
+                  <a:schemeClr val="tx1">
+                    <a:lumMod val="85000"/>
+                    <a:lumOff val="15000"/>
+                  </a:schemeClr>
+                </a:solidFill>
+              </a:rPr>
+            </a:br>
+            <a:r>
+              <a:rPr lang="it-IT" dirty="0">
+                <a:solidFill>
+                  <a:schemeClr val="tx1">
+                    <a:lumMod val="85000"/>
+                    <a:lumOff val="15000"/>
+                  </a:schemeClr>
+                </a:solidFill>
+              </a:rPr>
+              <a:t/>
+            </a:r>
+            <a:br>
+              <a:rPr lang="it-IT" dirty="0">
+                <a:solidFill>
+                  <a:schemeClr val="tx1">
+                    <a:lumMod val="85000"/>
+                    <a:lumOff val="15000"/>
+                  </a:schemeClr>
+                </a:solidFill>
+              </a:rPr>
+            </a:br>
+            <a:r>
+              <a:rPr lang="it-IT" dirty="0">
+                <a:solidFill>
+                  <a:schemeClr val="tx1">
+                    <a:lumMod val="85000"/>
+                    <a:lumOff val="15000"/>
+                  </a:schemeClr>
+                </a:solidFill>
+              </a:rPr>
+              <a:t/>
+            </a:r>
+            <a:br>
+              <a:rPr lang="it-IT" dirty="0">
+                <a:solidFill>
+                  <a:schemeClr val="tx1">
+                    <a:lumMod val="85000"/>
+                    <a:lumOff val="15000"/>
+                  </a:schemeClr>
+                </a:solidFill>
+              </a:rPr>
+            </a:br>
+            <a:r>
+              <a:rPr lang="it-IT" dirty="0">
+                <a:solidFill>
+                  <a:schemeClr val="tx1">
+                    <a:lumMod val="85000"/>
+                    <a:lumOff val="15000"/>
+                  </a:schemeClr>
+                </a:solidFill>
+              </a:rPr>
+              <a:t/>
+            </a:r>
+            <a:br>
+              <a:rPr lang="it-IT" dirty="0">
+                <a:solidFill>
+                  <a:schemeClr val="tx1">
+                    <a:lumMod val="85000"/>
+                    <a:lumOff val="15000"/>
+                  </a:schemeClr>
+                </a:solidFill>
+              </a:rPr>
+            </a:br>
+            <a:r>
+              <a:rPr lang="it-IT" dirty="0">
+                <a:solidFill>
+                  <a:schemeClr val="tx1">
+                    <a:lumMod val="85000"/>
+                    <a:lumOff val="15000"/>
+                  </a:schemeClr>
+                </a:solidFill>
+              </a:rPr>
+              <a:t/>
+            </a:r>
+            <a:br>
+              <a:rPr lang="it-IT" dirty="0">
+                <a:solidFill>
+                  <a:schemeClr val="tx1">
+                    <a:lumMod val="85000"/>
+                    <a:lumOff val="15000"/>
+                  </a:schemeClr>
+                </a:solidFill>
+              </a:rPr>
+            </a:br>
+            <a:r>
+              <a:rPr lang="it-IT" dirty="0" err="1">
+                <a:solidFill>
+                  <a:schemeClr val="tx1">
+                    <a:lumMod val="85000"/>
+                    <a:lumOff val="15000"/>
+                  </a:schemeClr>
+                </a:solidFill>
+              </a:rPr>
+              <a:t>P.s</a:t>
+            </a:r>
+            <a:r>
+              <a:rPr lang="it-IT" dirty="0">
+                <a:solidFill>
+                  <a:schemeClr val="tx1">
+                    <a:lumMod val="85000"/>
+                    <a:lumOff val="15000"/>
+                  </a:schemeClr>
+                </a:solidFill>
+              </a:rPr>
+              <a:t>: per il futuro, se servirà nuovamente lavorare sul componente per gli appuntamenti, ricordarsi che è stato implementato in modo custom</a:t>
+            </a:r>
+          </a:p>
+        </p:txBody>
+      </p:sp>
+      <p:grpSp>
+        <p:nvGrpSpPr>
+          <p:cNvPr id="14" name="Gruppo 13">
+            <a:extLst>
+              <a:ext uri="{FF2B5EF4-FFF2-40B4-BE49-F238E27FC236}">
+                <a16:creationId xmlns:a16="http://schemas.microsoft.com/office/drawing/2014/main" id="{CF272581-5156-ED5B-3910-033D9F2E133A}"/>
+              </a:ext>
+            </a:extLst>
+          </p:cNvPr>
+          <p:cNvGrpSpPr/>
+          <p:nvPr/>
+        </p:nvGrpSpPr>
+        <p:grpSpPr>
+          <a:xfrm>
+            <a:off x="1203708" y="2414440"/>
+            <a:ext cx="5523367" cy="2036775"/>
+            <a:chOff x="1396748" y="2444920"/>
+            <a:chExt cx="5523367" cy="2036775"/>
+          </a:xfrm>
+        </p:grpSpPr>
+        <p:pic>
+          <p:nvPicPr>
+            <p:cNvPr id="9" name="Immagine 8" descr="Immagine che contiene testo, schermata, Rettangolo, linea&#10;&#10;Il contenuto generato dall&amp;#39;intelligenza artificiale potrebbe non essere corretto.">
+              <a:extLst>
+                <a:ext uri="{FF2B5EF4-FFF2-40B4-BE49-F238E27FC236}">
+                  <a16:creationId xmlns:a16="http://schemas.microsoft.com/office/drawing/2014/main" id="{EB42E379-8F72-4E89-0433-3A5AF5785C6C}"/>
+                </a:ext>
+              </a:extLst>
+            </p:cNvPr>
+            <p:cNvPicPr>
+              <a:picLocks noChangeAspect="1"/>
+            </p:cNvPicPr>
+            <p:nvPr/>
+          </p:nvPicPr>
+          <p:blipFill>
+            <a:blip r:embed="rId4"/>
+            <a:srcRect l="24625" t="9461" r="26426" b="6153"/>
+            <a:stretch/>
+          </p:blipFill>
+          <p:spPr>
+            <a:xfrm>
+              <a:off x="1396748" y="2444920"/>
+              <a:ext cx="1655458" cy="2036775"/>
+            </a:xfrm>
+            <a:prstGeom prst="rect">
+              <a:avLst/>
+            </a:prstGeom>
+          </p:spPr>
+        </p:pic>
+        <p:pic>
+          <p:nvPicPr>
+            <p:cNvPr id="12" name="Immagine 11" descr="Immagine che contiene testo, schermata, Rettangolo, Carattere&#10;&#10;Il contenuto generato dall&amp;#39;intelligenza artificiale potrebbe non essere corretto.">
+              <a:extLst>
+                <a:ext uri="{FF2B5EF4-FFF2-40B4-BE49-F238E27FC236}">
+                  <a16:creationId xmlns:a16="http://schemas.microsoft.com/office/drawing/2014/main" id="{C444BEDA-9A79-6A99-7EA0-B000540192A1}"/>
+                </a:ext>
+              </a:extLst>
+            </p:cNvPr>
+            <p:cNvPicPr>
+              <a:picLocks noChangeAspect="1"/>
+            </p:cNvPicPr>
+            <p:nvPr/>
+          </p:nvPicPr>
+          <p:blipFill>
+            <a:blip r:embed="rId5"/>
+            <a:srcRect l="25225" t="9283" r="25826" b="6595"/>
+            <a:stretch/>
+          </p:blipFill>
+          <p:spPr>
+            <a:xfrm>
+              <a:off x="5264036" y="2446651"/>
+              <a:ext cx="1656079" cy="2030397"/>
+            </a:xfrm>
+            <a:prstGeom prst="rect">
+              <a:avLst/>
+            </a:prstGeom>
+          </p:spPr>
+        </p:pic>
+        <p:pic>
+          <p:nvPicPr>
+            <p:cNvPr id="13" name="Immagine 12" descr="Immagine che contiene testo, schermata, Carattere, Rettangolo&#10;&#10;Il contenuto generato dall&amp;#39;intelligenza artificiale potrebbe non essere corretto.">
+              <a:extLst>
+                <a:ext uri="{FF2B5EF4-FFF2-40B4-BE49-F238E27FC236}">
+                  <a16:creationId xmlns:a16="http://schemas.microsoft.com/office/drawing/2014/main" id="{75541BF4-6EB2-5589-5E03-07D8CF434ABF}"/>
+                </a:ext>
+              </a:extLst>
+            </p:cNvPr>
+            <p:cNvPicPr>
+              <a:picLocks noChangeAspect="1"/>
+            </p:cNvPicPr>
+            <p:nvPr/>
+          </p:nvPicPr>
+          <p:blipFill>
+            <a:blip r:embed="rId6"/>
+            <a:srcRect l="25225" t="9424" r="26126" b="6226"/>
+            <a:stretch/>
+          </p:blipFill>
+          <p:spPr>
+            <a:xfrm>
+              <a:off x="3340552" y="2445295"/>
+              <a:ext cx="1645023" cy="2033759"/>
+            </a:xfrm>
+            <a:prstGeom prst="rect">
+              <a:avLst/>
+            </a:prstGeom>
+          </p:spPr>
+        </p:pic>
+      </p:grpSp>
+    </p:spTree>
+    <p:extLst>
+      <p:ext uri="{BB962C8B-B14F-4D97-AF65-F5344CB8AC3E}">
+        <p14:creationId xmlns:p14="http://schemas.microsoft.com/office/powerpoint/2010/main" val="2638085316"/>
+      </p:ext>
+    </p:extLst>
+  </p:cSld>
+  <p:clrMapOvr>
+    <a:masterClrMapping/>
+  </p:clrMapOvr>
+  <p:timing>
+    <p:tnLst>
+      <p:par>
+        <p:cTn id="1" dur="indefinite" restart="never" nodeType="tmRoot"/>
+      </p:par>
+    </p:tnLst>
+  </p:timing>
+</p:sld>
+</file>
+
+<file path=ppt/slides/slide13.xml><?xml version="1.0" encoding="utf-8"?>
+<p:sld xmlns:a="http://schemas.openxmlformats.org/drawingml/2006/main" xmlns:r="http://schemas.openxmlformats.org/officeDocument/2006/relationships" xmlns:p="http://schemas.openxmlformats.org/presentationml/2006/main">
+  <p:cSld>
+    <p:spTree>
+      <p:nvGrpSpPr>
+        <p:cNvPr id="1" name="">
+          <a:extLst>
+            <a:ext uri="{FF2B5EF4-FFF2-40B4-BE49-F238E27FC236}">
+              <a16:creationId xmlns:a16="http://schemas.microsoft.com/office/drawing/2014/main" id="{5B2BAB6C-DD89-AD40-61D5-B3871E7967A6}"/>
+            </a:ext>
+          </a:extLst>
+        </p:cNvPr>
+        <p:cNvGrpSpPr/>
+        <p:nvPr/>
+      </p:nvGrpSpPr>
+      <p:grpSpPr>
+        <a:xfrm>
+          <a:off x="0" y="0"/>
+          <a:ext cx="0" cy="0"/>
+          <a:chOff x="0" y="0"/>
+          <a:chExt cx="0" cy="0"/>
+        </a:xfrm>
+      </p:grpSpPr>
+      <p:sp>
+        <p:nvSpPr>
+          <p:cNvPr id="2" name="Titolo 1">
+            <a:extLst>
+              <a:ext uri="{FF2B5EF4-FFF2-40B4-BE49-F238E27FC236}">
+                <a16:creationId xmlns:a16="http://schemas.microsoft.com/office/drawing/2014/main" id="{7F6534F1-55A9-28F5-3E44-72FAFC647F73}"/>
+              </a:ext>
+            </a:extLst>
+          </p:cNvPr>
+          <p:cNvSpPr>
+            <a:spLocks noGrp="1"/>
+          </p:cNvSpPr>
+          <p:nvPr>
+            <p:ph type="title"/>
+          </p:nvPr>
+        </p:nvSpPr>
+        <p:spPr>
+          <a:xfrm>
+            <a:off x="639724" y="472780"/>
+            <a:ext cx="6654057" cy="653143"/>
+          </a:xfrm>
+        </p:spPr>
+        <p:txBody>
+          <a:bodyPr>
+            <a:normAutofit/>
+          </a:bodyPr>
+          <a:lstStyle/>
+          <a:p>
+            <a:r>
+              <a:rPr lang="it-IT" sz="3600" noProof="0" dirty="0">
+                <a:solidFill>
+                  <a:schemeClr val="tx2">
+                    <a:lumMod val="90000"/>
+                    <a:lumOff val="10000"/>
+                  </a:schemeClr>
+                </a:solidFill>
+              </a:rPr>
+              <a:t>GOAL: </a:t>
+            </a:r>
+            <a:r>
+              <a:rPr lang="it-IT" sz="3600" dirty="0" err="1">
+                <a:solidFill>
+                  <a:schemeClr val="tx2">
+                    <a:lumMod val="90000"/>
+                    <a:lumOff val="10000"/>
+                  </a:schemeClr>
+                </a:solidFill>
+              </a:rPr>
+              <a:t>Other</a:t>
+            </a:r>
+            <a:r>
+              <a:rPr lang="it-IT" sz="3600" noProof="0" dirty="0">
+                <a:solidFill>
+                  <a:schemeClr val="tx2">
+                    <a:lumMod val="90000"/>
+                    <a:lumOff val="10000"/>
+                  </a:schemeClr>
+                </a:solidFill>
+              </a:rPr>
+              <a:t> </a:t>
+            </a:r>
+            <a:r>
+              <a:rPr lang="it-IT" sz="3600" noProof="0" dirty="0" err="1">
+                <a:solidFill>
+                  <a:schemeClr val="tx2">
+                    <a:lumMod val="90000"/>
+                    <a:lumOff val="10000"/>
+                  </a:schemeClr>
+                </a:solidFill>
+              </a:rPr>
+              <a:t>tasks</a:t>
+            </a:r>
+            <a:endParaRPr lang="it-IT" sz="3600" noProof="0" dirty="0">
+              <a:solidFill>
+                <a:schemeClr val="tx2">
+                  <a:lumMod val="90000"/>
+                  <a:lumOff val="10000"/>
+                </a:schemeClr>
+              </a:solidFill>
+            </a:endParaRPr>
+          </a:p>
+        </p:txBody>
+      </p:sp>
+      <p:sp>
+        <p:nvSpPr>
+          <p:cNvPr id="4" name="Rettangolo 3">
+            <a:extLst>
+              <a:ext uri="{FF2B5EF4-FFF2-40B4-BE49-F238E27FC236}">
+                <a16:creationId xmlns:a16="http://schemas.microsoft.com/office/drawing/2014/main" id="{B61CAB7B-3F71-25E9-D506-3A6D6967CC84}"/>
+              </a:ext>
+            </a:extLst>
+          </p:cNvPr>
+          <p:cNvSpPr/>
+          <p:nvPr/>
+        </p:nvSpPr>
+        <p:spPr>
+          <a:xfrm>
+            <a:off x="0" y="472781"/>
+            <a:ext cx="190243" cy="653143"/>
+          </a:xfrm>
+          <a:prstGeom prst="rect">
+            <a:avLst/>
+          </a:prstGeom>
+          <a:solidFill>
+            <a:schemeClr val="tx2">
+              <a:lumMod val="90000"/>
+              <a:lumOff val="10000"/>
+            </a:schemeClr>
+          </a:solidFill>
+          <a:ln>
+            <a:solidFill>
+              <a:schemeClr val="tx2">
+                <a:lumMod val="90000"/>
+                <a:lumOff val="10000"/>
+              </a:schemeClr>
+            </a:solidFill>
+          </a:ln>
+        </p:spPr>
+        <p:style>
+          <a:lnRef idx="2">
+            <a:schemeClr val="accent1">
+              <a:shade val="15000"/>
+            </a:schemeClr>
+          </a:lnRef>
+          <a:fillRef idx="1">
+            <a:schemeClr val="accent1"/>
+          </a:fillRef>
+          <a:effectRef idx="0">
+            <a:schemeClr val="accent1"/>
+          </a:effectRef>
+          <a:fontRef idx="minor">
+            <a:schemeClr val="lt1"/>
+          </a:fontRef>
+        </p:style>
+        <p:txBody>
+          <a:bodyPr rtlCol="0" anchor="ctr"/>
+          <a:lstStyle/>
+          <a:p>
+            <a:pPr algn="ctr"/>
+            <a:endParaRPr lang="it-IT" noProof="0" dirty="0"/>
+          </a:p>
+        </p:txBody>
+      </p:sp>
+      <p:sp>
+        <p:nvSpPr>
+          <p:cNvPr id="5" name="Rettangolo 4">
+            <a:extLst>
+              <a:ext uri="{FF2B5EF4-FFF2-40B4-BE49-F238E27FC236}">
+                <a16:creationId xmlns:a16="http://schemas.microsoft.com/office/drawing/2014/main" id="{CF49221E-D9D3-FBAA-CFE9-B586E7E3B7C0}"/>
+              </a:ext>
+            </a:extLst>
+          </p:cNvPr>
+          <p:cNvSpPr/>
+          <p:nvPr/>
+        </p:nvSpPr>
+        <p:spPr>
+          <a:xfrm>
+            <a:off x="289539" y="472780"/>
+            <a:ext cx="139359" cy="653143"/>
+          </a:xfrm>
+          <a:prstGeom prst="rect">
+            <a:avLst/>
+          </a:prstGeom>
+          <a:solidFill>
+            <a:schemeClr val="tx2">
+              <a:lumMod val="90000"/>
+              <a:lumOff val="10000"/>
+            </a:schemeClr>
+          </a:solidFill>
+          <a:ln>
+            <a:solidFill>
+              <a:schemeClr val="tx2">
+                <a:lumMod val="90000"/>
+                <a:lumOff val="10000"/>
+              </a:schemeClr>
+            </a:solidFill>
+          </a:ln>
+        </p:spPr>
+        <p:style>
+          <a:lnRef idx="2">
+            <a:schemeClr val="accent1">
+              <a:shade val="15000"/>
+            </a:schemeClr>
+          </a:lnRef>
+          <a:fillRef idx="1">
+            <a:schemeClr val="accent1"/>
+          </a:fillRef>
+          <a:effectRef idx="0">
+            <a:schemeClr val="accent1"/>
+          </a:effectRef>
+          <a:fontRef idx="minor">
+            <a:schemeClr val="lt1"/>
+          </a:fontRef>
+        </p:style>
+        <p:txBody>
+          <a:bodyPr rtlCol="0" anchor="ctr"/>
+          <a:lstStyle/>
+          <a:p>
+            <a:pPr algn="ctr"/>
+            <a:endParaRPr lang="it-IT" noProof="0" dirty="0"/>
+          </a:p>
+        </p:txBody>
+      </p:sp>
+      <p:sp>
+        <p:nvSpPr>
+          <p:cNvPr id="11" name="Rettangolo 10">
+            <a:extLst>
+              <a:ext uri="{FF2B5EF4-FFF2-40B4-BE49-F238E27FC236}">
+                <a16:creationId xmlns:a16="http://schemas.microsoft.com/office/drawing/2014/main" id="{911B0D2E-1054-A498-4896-5F89E4147479}"/>
+              </a:ext>
+            </a:extLst>
+          </p:cNvPr>
+          <p:cNvSpPr/>
+          <p:nvPr/>
+        </p:nvSpPr>
+        <p:spPr>
+          <a:xfrm>
+            <a:off x="10008781" y="0"/>
+            <a:ext cx="2183219" cy="6858000"/>
+          </a:xfrm>
+          <a:prstGeom prst="rect">
+            <a:avLst/>
+          </a:prstGeom>
+          <a:solidFill>
+            <a:schemeClr val="tx2">
+              <a:lumMod val="90000"/>
+              <a:lumOff val="10000"/>
+            </a:schemeClr>
+          </a:solidFill>
+          <a:ln>
+            <a:solidFill>
+              <a:srgbClr val="163E64"/>
+            </a:solidFill>
+          </a:ln>
+        </p:spPr>
+        <p:style>
+          <a:lnRef idx="2">
+            <a:schemeClr val="accent1">
+              <a:shade val="15000"/>
+            </a:schemeClr>
+          </a:lnRef>
+          <a:fillRef idx="1">
+            <a:schemeClr val="accent1"/>
+          </a:fillRef>
+          <a:effectRef idx="0">
+            <a:schemeClr val="accent1"/>
+          </a:effectRef>
+          <a:fontRef idx="minor">
+            <a:schemeClr val="lt1"/>
+          </a:fontRef>
+        </p:style>
+        <p:txBody>
+          <a:bodyPr rtlCol="0" anchor="ctr"/>
+          <a:lstStyle/>
+          <a:p>
+            <a:pPr algn="ctr"/>
+            <a:endParaRPr lang="it-IT" noProof="0" dirty="0"/>
+          </a:p>
+        </p:txBody>
+      </p:sp>
+      <p:cxnSp>
+        <p:nvCxnSpPr>
+          <p:cNvPr id="8" name="Connettore diritto 7">
+            <a:extLst>
+              <a:ext uri="{FF2B5EF4-FFF2-40B4-BE49-F238E27FC236}">
+                <a16:creationId xmlns:a16="http://schemas.microsoft.com/office/drawing/2014/main" id="{E0E1ACC0-1C64-9B06-175A-B84B716D11CA}"/>
+              </a:ext>
+            </a:extLst>
+          </p:cNvPr>
+          <p:cNvCxnSpPr>
+            <a:cxnSpLocks/>
+          </p:cNvCxnSpPr>
+          <p:nvPr/>
+        </p:nvCxnSpPr>
+        <p:spPr>
+          <a:xfrm>
+            <a:off x="639725" y="1351691"/>
+            <a:ext cx="6654057" cy="0"/>
+          </a:xfrm>
+          <a:prstGeom prst="line">
+            <a:avLst/>
+          </a:prstGeom>
+          <a:ln>
+            <a:solidFill>
+              <a:schemeClr val="tx2">
+                <a:lumMod val="90000"/>
+                <a:lumOff val="10000"/>
+              </a:schemeClr>
+            </a:solidFill>
+          </a:ln>
+        </p:spPr>
+        <p:style>
+          <a:lnRef idx="2">
+            <a:schemeClr val="accent1"/>
+          </a:lnRef>
+          <a:fillRef idx="0">
+            <a:schemeClr val="accent1"/>
+          </a:fillRef>
+          <a:effectRef idx="1">
+            <a:schemeClr val="accent1"/>
+          </a:effectRef>
+          <a:fontRef idx="minor">
+            <a:schemeClr val="tx1"/>
+          </a:fontRef>
+        </p:style>
+      </p:cxnSp>
+      <p:sp>
+        <p:nvSpPr>
+          <p:cNvPr id="6" name="TextBox 5">
+            <a:extLst>
+              <a:ext uri="{FF2B5EF4-FFF2-40B4-BE49-F238E27FC236}">
+                <a16:creationId xmlns:a16="http://schemas.microsoft.com/office/drawing/2014/main" id="{F137BD94-E9ED-DC8D-C938-B16070FE068C}"/>
+              </a:ext>
+            </a:extLst>
+          </p:cNvPr>
+          <p:cNvSpPr txBox="1"/>
+          <p:nvPr/>
+        </p:nvSpPr>
+        <p:spPr>
+          <a:xfrm>
+            <a:off x="11654290" y="6452785"/>
+            <a:ext cx="438619" cy="307777"/>
+          </a:xfrm>
+          <a:prstGeom prst="rect">
+            <a:avLst/>
+          </a:prstGeom>
+          <a:noFill/>
+        </p:spPr>
+        <p:txBody>
+          <a:bodyPr wrap="square" lIns="91440" tIns="45720" rIns="91440" bIns="45720" anchor="t">
+            <a:spAutoFit/>
+          </a:bodyPr>
+          <a:lstStyle/>
+          <a:p>
+            <a:r>
+              <a:rPr lang="it-IT" sz="1400" dirty="0">
+                <a:solidFill>
+                  <a:schemeClr val="bg1"/>
+                </a:solidFill>
+              </a:rPr>
+              <a:t>15</a:t>
+            </a:r>
+            <a:endParaRPr lang="it-IT" sz="1400" noProof="0" dirty="0"/>
+          </a:p>
+        </p:txBody>
+      </p:sp>
+      <p:pic>
+        <p:nvPicPr>
+          <p:cNvPr id="7" name="Picture 2">
+            <a:extLst>
+              <a:ext uri="{FF2B5EF4-FFF2-40B4-BE49-F238E27FC236}">
+                <a16:creationId xmlns:a16="http://schemas.microsoft.com/office/drawing/2014/main" id="{B076B2FC-A585-C0F2-C135-5074789A30BA}"/>
+              </a:ext>
+            </a:extLst>
+          </p:cNvPr>
+          <p:cNvPicPr>
+            <a:picLocks noChangeAspect="1" noChangeArrowheads="1"/>
+          </p:cNvPicPr>
+          <p:nvPr/>
+        </p:nvPicPr>
+        <p:blipFill>
+          <a:blip r:embed="rId2" cstate="print">
+            <a:extLst>
+              <a:ext uri="{28A0092B-C50C-407E-A947-70E740481C1C}">
+                <a14:useLocalDpi xmlns:a14="http://schemas.microsoft.com/office/drawing/2010/main" val="0"/>
+              </a:ext>
+            </a:extLst>
+          </a:blip>
+          <a:srcRect/>
+          <a:stretch>
+            <a:fillRect/>
+          </a:stretch>
+        </p:blipFill>
+        <p:spPr bwMode="auto">
+          <a:xfrm>
+            <a:off x="7293781" y="353207"/>
+            <a:ext cx="885600" cy="885600"/>
+          </a:xfrm>
+          <a:prstGeom prst="rect">
+            <a:avLst/>
+          </a:prstGeom>
+          <a:noFill/>
+          <a:extLst>
+            <a:ext uri="{909E8E84-426E-40DD-AFC4-6F175D3DCCD1}">
+              <a14:hiddenFill xmlns:a14="http://schemas.microsoft.com/office/drawing/2010/main">
+                <a:solidFill>
+                  <a:srgbClr val="FFFFFF"/>
+                </a:solidFill>
+              </a14:hiddenFill>
+            </a:ext>
+          </a:extLst>
+        </p:spPr>
+      </p:pic>
+      <p:sp>
+        <p:nvSpPr>
+          <p:cNvPr id="3" name="CasellaDiTesto 6">
+            <a:extLst>
+              <a:ext uri="{FF2B5EF4-FFF2-40B4-BE49-F238E27FC236}">
+                <a16:creationId xmlns:a16="http://schemas.microsoft.com/office/drawing/2014/main" id="{E721B17B-4937-11BD-86AD-F4DE854DB47A}"/>
+              </a:ext>
+            </a:extLst>
+          </p:cNvPr>
+          <p:cNvSpPr txBox="1"/>
+          <p:nvPr/>
+        </p:nvSpPr>
+        <p:spPr>
+          <a:xfrm>
+            <a:off x="639726" y="1613118"/>
+            <a:ext cx="6654056" cy="923330"/>
+          </a:xfrm>
+          <a:prstGeom prst="rect">
+            <a:avLst/>
+          </a:prstGeom>
+          <a:noFill/>
+        </p:spPr>
+        <p:txBody>
+          <a:bodyPr wrap="square" rtlCol="0">
+            <a:spAutoFit/>
+          </a:bodyPr>
+          <a:lstStyle/>
+          <a:p>
+            <a:pPr marL="285750" indent="-285750">
+              <a:buFont typeface="Arial" panose="020B0604020202020204" pitchFamily="34" charset="0"/>
+              <a:buChar char="•"/>
+            </a:pPr>
+            <a:r>
+              <a:rPr lang="it-IT" dirty="0" err="1">
+                <a:solidFill>
+                  <a:schemeClr val="tx1">
+                    <a:lumMod val="85000"/>
+                    <a:lumOff val="15000"/>
+                  </a:schemeClr>
+                </a:solidFill>
+              </a:rPr>
+              <a:t>Issue</a:t>
+            </a:r>
+            <a:r>
+              <a:rPr lang="it-IT" dirty="0">
+                <a:solidFill>
+                  <a:schemeClr val="tx1">
+                    <a:lumMod val="85000"/>
+                    <a:lumOff val="15000"/>
+                  </a:schemeClr>
+                </a:solidFill>
+              </a:rPr>
+              <a:t> #607: </a:t>
+            </a:r>
+            <a:r>
+              <a:rPr lang="it-IT" dirty="0">
+                <a:solidFill>
+                  <a:srgbClr val="FF0000"/>
+                </a:solidFill>
+              </a:rPr>
+              <a:t>MASSIMO</a:t>
+            </a:r>
+          </a:p>
+          <a:p>
+            <a:pPr marL="285750" indent="-285750">
+              <a:buFont typeface="Arial" panose="020B0604020202020204" pitchFamily="34" charset="0"/>
+              <a:buChar char="•"/>
+            </a:pPr>
+            <a:endParaRPr lang="it-IT" dirty="0">
+              <a:solidFill>
+                <a:srgbClr val="FF0000"/>
+              </a:solidFill>
+            </a:endParaRPr>
+          </a:p>
+          <a:p>
+            <a:pPr marL="285750" indent="-285750">
+              <a:buFont typeface="Arial" panose="020B0604020202020204" pitchFamily="34" charset="0"/>
+              <a:buChar char="•"/>
+            </a:pPr>
+            <a:r>
+              <a:rPr lang="it-IT" dirty="0" err="1">
+                <a:solidFill>
+                  <a:schemeClr val="tx1">
+                    <a:lumMod val="85000"/>
+                    <a:lumOff val="15000"/>
+                  </a:schemeClr>
+                </a:solidFill>
+              </a:rPr>
+              <a:t>Issue</a:t>
+            </a:r>
+            <a:r>
+              <a:rPr lang="it-IT" dirty="0">
+                <a:solidFill>
+                  <a:schemeClr val="tx1">
+                    <a:lumMod val="85000"/>
+                    <a:lumOff val="15000"/>
+                  </a:schemeClr>
+                </a:solidFill>
+              </a:rPr>
+              <a:t> #609: </a:t>
+            </a:r>
+            <a:r>
+              <a:rPr lang="it-IT" dirty="0">
+                <a:solidFill>
+                  <a:srgbClr val="FF0000"/>
+                </a:solidFill>
+              </a:rPr>
+              <a:t>FEDERICO</a:t>
+            </a:r>
+          </a:p>
+        </p:txBody>
+      </p:sp>
+    </p:spTree>
+    <p:extLst>
+      <p:ext uri="{BB962C8B-B14F-4D97-AF65-F5344CB8AC3E}">
+        <p14:creationId xmlns:p14="http://schemas.microsoft.com/office/powerpoint/2010/main" val="1623740443"/>
+      </p:ext>
+    </p:extLst>
+  </p:cSld>
+  <p:clrMapOvr>
+    <a:masterClrMapping/>
+  </p:clrMapOvr>
+</p:sld>
+</file>
+
+<file path=ppt/slides/slide14.xml><?xml version="1.0" encoding="utf-8"?>
 <p:sld xmlns:a="http://schemas.openxmlformats.org/drawingml/2006/main" xmlns:r="http://schemas.openxmlformats.org/officeDocument/2006/relationships" xmlns:p="http://schemas.openxmlformats.org/presentationml/2006/main">
   <p:cSld>
     <p:spTree>
@@ -6553,7 +8917,7 @@
 </p:sld>
 </file>
 
-<file path=ppt/slides/slide11.xml><?xml version="1.0" encoding="utf-8"?>
+<file path=ppt/slides/slide15.xml><?xml version="1.0" encoding="utf-8"?>
 <p:sld xmlns:a="http://schemas.openxmlformats.org/drawingml/2006/main" xmlns:r="http://schemas.openxmlformats.org/officeDocument/2006/relationships" xmlns:p="http://schemas.openxmlformats.org/presentationml/2006/main">
   <p:cSld>
     <p:spTree>
@@ -11965,7 +14329,7 @@
 </p:sld>
 </file>
 
-<file path=ppt/slides/slide12.xml><?xml version="1.0" encoding="utf-8"?>
+<file path=ppt/slides/slide16.xml><?xml version="1.0" encoding="utf-8"?>
 <p:sld xmlns:a="http://schemas.openxmlformats.org/drawingml/2006/main" xmlns:r="http://schemas.openxmlformats.org/officeDocument/2006/relationships" xmlns:p="http://schemas.openxmlformats.org/presentationml/2006/main">
   <p:cSld>
     <p:spTree>
@@ -12406,7 +14770,7 @@
 </p:sld>
 </file>
 
-<file path=ppt/slides/slide13.xml><?xml version="1.0" encoding="utf-8"?>
+<file path=ppt/slides/slide17.xml><?xml version="1.0" encoding="utf-8"?>
 <p:sld xmlns:a="http://schemas.openxmlformats.org/drawingml/2006/main" xmlns:r="http://schemas.openxmlformats.org/officeDocument/2006/relationships" xmlns:p="http://schemas.openxmlformats.org/presentationml/2006/main">
   <p:cSld>
     <p:spTree>
@@ -14516,6 +16880,13 @@
   <p:clrMapOvr>
     <a:masterClrMapping/>
   </p:clrMapOvr>
+  <p:timing>
+    <p:tnLst>
+      <p:par>
+        <p:cTn id="1" dur="indefinite" restart="never" nodeType="tmRoot"/>
+      </p:par>
+    </p:tnLst>
+  </p:timing>
 </p:sld>
 </file>
 
@@ -15415,6 +17786,13 @@
   <p:clrMapOvr>
     <a:masterClrMapping/>
   </p:clrMapOvr>
+  <p:timing>
+    <p:tnLst>
+      <p:par>
+        <p:cTn id="1" dur="indefinite" restart="never" nodeType="tmRoot"/>
+      </p:par>
+    </p:tnLst>
+  </p:timing>
 </p:sld>
 </file>
 
@@ -15787,12 +18165,12 @@
           <a:lstStyle/>
           <a:p>
             <a:r>
-              <a:rPr lang="it-IT" sz="1400" dirty="0">
+              <a:rPr lang="it-IT" sz="1400" noProof="0" dirty="0">
                 <a:solidFill>
                   <a:schemeClr val="bg1"/>
                 </a:solidFill>
               </a:rPr>
-              <a:t>5</a:t>
+              <a:t>4</a:t>
             </a:r>
             <a:endParaRPr lang="it-IT" sz="1400" noProof="0" dirty="0"/>
           </a:p>
@@ -15836,10 +18214,10 @@
       </p:pic>
       <p:sp>
         <p:nvSpPr>
-          <p:cNvPr id="9" name="CasellaDiTesto 6">
+          <p:cNvPr id="10" name="CasellaDiTesto 9">
             <a:extLst>
               <a:ext uri="{FF2B5EF4-FFF2-40B4-BE49-F238E27FC236}">
-                <a16:creationId xmlns:a16="http://schemas.microsoft.com/office/drawing/2014/main" id="{B9B25E8E-DD71-D82A-2E5C-E33F01028F82}"/>
+                <a16:creationId xmlns:a16="http://schemas.microsoft.com/office/drawing/2014/main" id="{720F1E63-F380-A2C8-B252-1B4B987C123E}"/>
               </a:ext>
             </a:extLst>
           </p:cNvPr>
@@ -15848,8 +18226,8 @@
         </p:nvSpPr>
         <p:spPr>
           <a:xfrm>
-            <a:off x="639726" y="1613118"/>
-            <a:ext cx="6654056" cy="369332"/>
+            <a:off x="639724" y="1623385"/>
+            <a:ext cx="6654056" cy="646331"/>
           </a:xfrm>
           <a:prstGeom prst="rect">
             <a:avLst/>
@@ -15862,23 +18240,354 @@
           </a:bodyPr>
           <a:lstStyle/>
           <a:p>
-            <a:pPr marL="285750" indent="-285750">
+            <a:r>
+              <a:rPr lang="it-IT" noProof="0" dirty="0">
+                <a:solidFill>
+                  <a:schemeClr val="tx1">
+                    <a:lumMod val="85000"/>
+                    <a:lumOff val="15000"/>
+                  </a:schemeClr>
+                </a:solidFill>
+              </a:rPr>
+              <a:t/>
+            </a:r>
+            <a:br>
+              <a:rPr lang="it-IT" noProof="0" dirty="0">
+                <a:solidFill>
+                  <a:schemeClr val="tx1">
+                    <a:lumMod val="85000"/>
+                    <a:lumOff val="15000"/>
+                  </a:schemeClr>
+                </a:solidFill>
+              </a:rPr>
+            </a:br>
+            <a:endParaRPr lang="it-IT" noProof="0" dirty="0">
+              <a:solidFill>
+                <a:schemeClr val="tx1">
+                  <a:lumMod val="85000"/>
+                  <a:lumOff val="15000"/>
+                </a:schemeClr>
+              </a:solidFill>
+            </a:endParaRPr>
+          </a:p>
+        </p:txBody>
+      </p:sp>
+      <p:sp>
+        <p:nvSpPr>
+          <p:cNvPr id="12" name="CasellaDiTesto 6">
+            <a:extLst>
+              <a:ext uri="{FF2B5EF4-FFF2-40B4-BE49-F238E27FC236}">
+                <a16:creationId xmlns:a16="http://schemas.microsoft.com/office/drawing/2014/main" id="{8290C57E-5561-FDA2-5EFB-EDC39761C52E}"/>
+              </a:ext>
+            </a:extLst>
+          </p:cNvPr>
+          <p:cNvSpPr txBox="1"/>
+          <p:nvPr/>
+        </p:nvSpPr>
+        <p:spPr>
+          <a:xfrm>
+            <a:off x="639726" y="1613118"/>
+            <a:ext cx="6654054" cy="4770537"/>
+          </a:xfrm>
+          <a:prstGeom prst="rect">
+            <a:avLst/>
+          </a:prstGeom>
+          <a:noFill/>
+        </p:spPr>
+        <p:txBody>
+          <a:bodyPr wrap="square" rtlCol="0">
+            <a:spAutoFit/>
+          </a:bodyPr>
+          <a:lstStyle/>
+          <a:p>
+            <a:r>
+              <a:rPr lang="it-IT" b="1" u="sng" noProof="0" dirty="0">
+                <a:solidFill>
+                  <a:schemeClr val="tx1">
+                    <a:lumMod val="85000"/>
+                    <a:lumOff val="15000"/>
+                  </a:schemeClr>
+                </a:solidFill>
+              </a:rPr>
+              <a:t>Single Database, Separate </a:t>
+            </a:r>
+            <a:r>
+              <a:rPr lang="it-IT" b="1" u="sng" noProof="0" dirty="0" err="1">
+                <a:solidFill>
+                  <a:schemeClr val="tx1">
+                    <a:lumMod val="85000"/>
+                    <a:lumOff val="15000"/>
+                  </a:schemeClr>
+                </a:solidFill>
+              </a:rPr>
+              <a:t>Schemas</a:t>
+            </a:r>
+            <a:r>
+              <a:rPr lang="it-IT" b="1" u="sng" noProof="0" dirty="0">
+                <a:solidFill>
+                  <a:schemeClr val="tx1">
+                    <a:lumMod val="85000"/>
+                    <a:lumOff val="15000"/>
+                  </a:schemeClr>
+                </a:solidFill>
+              </a:rPr>
+              <a:t>: Panoramica</a:t>
+            </a:r>
+          </a:p>
+          <a:p>
+            <a:endParaRPr lang="it-IT" b="1" dirty="0">
+              <a:solidFill>
+                <a:schemeClr val="tx1">
+                  <a:lumMod val="85000"/>
+                  <a:lumOff val="15000"/>
+                </a:schemeClr>
+              </a:solidFill>
+            </a:endParaRPr>
+          </a:p>
+          <a:p>
+            <a:r>
+              <a:rPr lang="it-IT" dirty="0"/>
+              <a:t>Ogni </a:t>
+            </a:r>
+            <a:r>
+              <a:rPr lang="it-IT" dirty="0" err="1"/>
+              <a:t>tenant</a:t>
+            </a:r>
+            <a:r>
+              <a:rPr lang="it-IT" dirty="0"/>
+              <a:t> ha il proprio schema all'interno dello stesso database fisico</a:t>
+            </a:r>
+          </a:p>
+          <a:p>
+            <a:endParaRPr lang="it-IT" dirty="0"/>
+          </a:p>
+          <a:p>
+            <a:pPr lvl="0"/>
+            <a:r>
+              <a:rPr lang="en-GB" b="1" dirty="0"/>
+              <a:t>- </a:t>
+            </a:r>
+            <a:r>
+              <a:rPr lang="en-GB" b="1" dirty="0" err="1"/>
+              <a:t>Meccanismo</a:t>
+            </a:r>
+            <a:r>
+              <a:rPr lang="en-GB" dirty="0"/>
+              <a:t>:</a:t>
+            </a:r>
+          </a:p>
+          <a:p>
+            <a:pPr marL="742950" lvl="1" indent="-285750">
               <a:buFont typeface="Arial" panose="020B0604020202020204" pitchFamily="34" charset="0"/>
               <a:buChar char="•"/>
             </a:pPr>
             <a:r>
-              <a:rPr lang="it-IT" dirty="0">
+              <a:rPr lang="it-IT" sz="1600" dirty="0"/>
+              <a:t>Spring/</a:t>
+            </a:r>
+            <a:r>
+              <a:rPr lang="it-IT" sz="1600" dirty="0" err="1"/>
+              <a:t>Hibernate</a:t>
+            </a:r>
+            <a:r>
+              <a:rPr lang="it-IT" sz="1600" dirty="0"/>
+              <a:t> può passare dinamicamente da uno schema all’altro in base al </a:t>
+            </a:r>
+            <a:r>
+              <a:rPr lang="it-IT" sz="1600" dirty="0" err="1"/>
+              <a:t>tenant</a:t>
+            </a:r>
+            <a:r>
+              <a:rPr lang="it-IT" sz="1600" dirty="0"/>
+              <a:t>, determinato durante il </a:t>
+            </a:r>
+            <a:r>
+              <a:rPr lang="it-IT" sz="1600" dirty="0" err="1"/>
+              <a:t>runtime</a:t>
+            </a:r>
+            <a:endParaRPr lang="it-IT" sz="1600" dirty="0"/>
+          </a:p>
+          <a:p>
+            <a:r>
+              <a:rPr lang="en-GB" b="1" dirty="0"/>
+              <a:t>- </a:t>
+            </a:r>
+            <a:r>
+              <a:rPr lang="en-GB" b="1" dirty="0" err="1"/>
+              <a:t>Vantaggi</a:t>
+            </a:r>
+            <a:r>
+              <a:rPr lang="en-GB" b="1" dirty="0"/>
+              <a:t>:</a:t>
+            </a:r>
+            <a:endParaRPr lang="en-GB" dirty="0"/>
+          </a:p>
+          <a:p>
+            <a:pPr marL="742950" lvl="1" indent="-285750">
+              <a:buFont typeface="Arial" panose="020B0604020202020204" pitchFamily="34" charset="0"/>
+              <a:buChar char="•"/>
+            </a:pPr>
+            <a:r>
+              <a:rPr lang="it-IT" sz="1600" dirty="0"/>
+              <a:t>Migliore segregazione dei dati</a:t>
+            </a:r>
+          </a:p>
+          <a:p>
+            <a:pPr marL="742950" lvl="1" indent="-285750">
+              <a:buFont typeface="Arial" panose="020B0604020202020204" pitchFamily="34" charset="0"/>
+              <a:buChar char="•"/>
+            </a:pPr>
+            <a:r>
+              <a:rPr lang="it-IT" sz="1600" dirty="0"/>
+              <a:t>Più semplice eliminare o migrare un singolo </a:t>
+            </a:r>
+            <a:r>
+              <a:rPr lang="it-IT" sz="1600" dirty="0" err="1"/>
+              <a:t>tenant</a:t>
+            </a:r>
+            <a:endParaRPr lang="it-IT" sz="1600" dirty="0"/>
+          </a:p>
+          <a:p>
+            <a:r>
+              <a:rPr lang="en-GB" b="1" dirty="0"/>
+              <a:t>- </a:t>
+            </a:r>
+            <a:r>
+              <a:rPr lang="en-GB" b="1" dirty="0" err="1"/>
+              <a:t>Svantaggi</a:t>
+            </a:r>
+            <a:r>
+              <a:rPr lang="en-GB" b="1" dirty="0"/>
+              <a:t>:</a:t>
+            </a:r>
+            <a:endParaRPr lang="en-GB" dirty="0"/>
+          </a:p>
+          <a:p>
+            <a:pPr marL="742950" lvl="1" indent="-285750">
+              <a:buFont typeface="Arial" panose="020B0604020202020204" pitchFamily="34" charset="0"/>
+              <a:buChar char="•"/>
+            </a:pPr>
+            <a:r>
+              <a:rPr lang="it-IT" sz="1600" dirty="0"/>
+              <a:t>Il carico alto di un </a:t>
+            </a:r>
+            <a:r>
+              <a:rPr lang="it-IT" sz="1600" dirty="0" err="1"/>
+              <a:t>tenant</a:t>
+            </a:r>
+            <a:r>
+              <a:rPr lang="it-IT" sz="1600" dirty="0"/>
+              <a:t> può influenzare gli altri </a:t>
+            </a:r>
+            <a:r>
+              <a:rPr lang="it-IT" sz="1600" dirty="0" err="1"/>
+              <a:t>tenant</a:t>
+            </a:r>
+            <a:endParaRPr lang="it-IT" sz="1600" dirty="0"/>
+          </a:p>
+          <a:p>
+            <a:pPr marL="742950" lvl="1" indent="-285750">
+              <a:buFont typeface="Arial" panose="020B0604020202020204" pitchFamily="34" charset="0"/>
+              <a:buChar char="•"/>
+            </a:pPr>
+            <a:r>
+              <a:rPr lang="it-IT" sz="1600" dirty="0"/>
+              <a:t>Gestione potenzialmente complicata di molti schemi in un unico database</a:t>
+            </a:r>
+            <a:endParaRPr lang="en-GB" sz="1600" dirty="0"/>
+          </a:p>
+        </p:txBody>
+      </p:sp>
+      <p:pic>
+        <p:nvPicPr>
+          <p:cNvPr id="13" name="Picture 2">
+            <a:extLst>
+              <a:ext uri="{FF2B5EF4-FFF2-40B4-BE49-F238E27FC236}">
+                <a16:creationId xmlns:a16="http://schemas.microsoft.com/office/drawing/2014/main" id="{BA9AB35F-ED47-DBCD-7041-4EA50B6DAAC3}"/>
+              </a:ext>
+            </a:extLst>
+          </p:cNvPr>
+          <p:cNvPicPr>
+            <a:picLocks noChangeAspect="1" noChangeArrowheads="1"/>
+          </p:cNvPicPr>
+          <p:nvPr/>
+        </p:nvPicPr>
+        <p:blipFill>
+          <a:blip r:embed="rId3">
+            <a:extLst>
+              <a:ext uri="{28A0092B-C50C-407E-A947-70E740481C1C}">
+                <a14:useLocalDpi xmlns:a14="http://schemas.microsoft.com/office/drawing/2010/main" val="0"/>
+              </a:ext>
+            </a:extLst>
+          </a:blip>
+          <a:srcRect/>
+          <a:stretch>
+            <a:fillRect/>
+          </a:stretch>
+        </p:blipFill>
+        <p:spPr bwMode="auto">
+          <a:xfrm>
+            <a:off x="7564795" y="2534548"/>
+            <a:ext cx="1782406" cy="2567606"/>
+          </a:xfrm>
+          <a:prstGeom prst="rect">
+            <a:avLst/>
+          </a:prstGeom>
+          <a:noFill/>
+          <a:extLst>
+            <a:ext uri="{909E8E84-426E-40DD-AFC4-6F175D3DCCD1}">
+              <a14:hiddenFill xmlns:a14="http://schemas.microsoft.com/office/drawing/2010/main">
                 <a:solidFill>
-                  <a:srgbClr val="FF0000"/>
+                  <a:srgbClr val="FFFFFF"/>
                 </a:solidFill>
-              </a:rPr>
-              <a:t>FEDERICO E MATTEO</a:t>
-            </a:r>
-            <a:endParaRPr lang="it-IT" noProof="0" dirty="0">
-              <a:solidFill>
-                <a:srgbClr val="FF0000"/>
-              </a:solidFill>
-            </a:endParaRPr>
+              </a14:hiddenFill>
+            </a:ext>
+          </a:extLst>
+        </p:spPr>
+      </p:pic>
+      <p:sp>
+        <p:nvSpPr>
+          <p:cNvPr id="3" name="Ovale 2"/>
+          <p:cNvSpPr/>
+          <p:nvPr/>
+        </p:nvSpPr>
+        <p:spPr>
+          <a:xfrm>
+            <a:off x="1091045" y="4218709"/>
+            <a:ext cx="3553692" cy="394855"/>
+          </a:xfrm>
+          <a:prstGeom prst="ellipse">
+            <a:avLst/>
+          </a:prstGeom>
+          <a:noFill/>
+          <a:ln>
+            <a:solidFill>
+              <a:srgbClr val="FF0000"/>
+            </a:solidFill>
+          </a:ln>
+        </p:spPr>
+        <p:style>
+          <a:lnRef idx="2">
+            <a:schemeClr val="accent1">
+              <a:shade val="50000"/>
+            </a:schemeClr>
+          </a:lnRef>
+          <a:fillRef idx="1">
+            <a:schemeClr val="accent1"/>
+          </a:fillRef>
+          <a:effectRef idx="0">
+            <a:schemeClr val="accent1"/>
+          </a:effectRef>
+          <a:fontRef idx="minor">
+            <a:schemeClr val="lt1"/>
+          </a:fontRef>
+        </p:style>
+        <p:txBody>
+          <a:bodyPr rtlCol="0" anchor="ctr"/>
+          <a:lstStyle/>
+          <a:p>
+            <a:pPr algn="ctr"/>
+            <a:endParaRPr lang="en-GB"/>
           </a:p>
         </p:txBody>
       </p:sp>
@@ -15892,10 +18601,2958 @@
   <p:clrMapOvr>
     <a:masterClrMapping/>
   </p:clrMapOvr>
+  <p:timing>
+    <p:tnLst>
+      <p:par>
+        <p:cTn id="1" dur="indefinite" restart="never" nodeType="tmRoot"/>
+      </p:par>
+    </p:tnLst>
+  </p:timing>
 </p:sld>
 </file>
 
 <file path=ppt/slides/slide5.xml><?xml version="1.0" encoding="utf-8"?>
+<p:sld xmlns:a="http://schemas.openxmlformats.org/drawingml/2006/main" xmlns:r="http://schemas.openxmlformats.org/officeDocument/2006/relationships" xmlns:p="http://schemas.openxmlformats.org/presentationml/2006/main">
+  <p:cSld>
+    <p:spTree>
+      <p:nvGrpSpPr>
+        <p:cNvPr id="1" name="">
+          <a:extLst>
+            <a:ext uri="{FF2B5EF4-FFF2-40B4-BE49-F238E27FC236}">
+              <a16:creationId xmlns:a16="http://schemas.microsoft.com/office/drawing/2014/main" id="{AFC15726-FA8E-B025-0B1D-A5B8587DB163}"/>
+            </a:ext>
+          </a:extLst>
+        </p:cNvPr>
+        <p:cNvGrpSpPr/>
+        <p:nvPr/>
+      </p:nvGrpSpPr>
+      <p:grpSpPr>
+        <a:xfrm>
+          <a:off x="0" y="0"/>
+          <a:ext cx="0" cy="0"/>
+          <a:chOff x="0" y="0"/>
+          <a:chExt cx="0" cy="0"/>
+        </a:xfrm>
+      </p:grpSpPr>
+      <p:sp>
+        <p:nvSpPr>
+          <p:cNvPr id="2" name="Titolo 1">
+            <a:extLst>
+              <a:ext uri="{FF2B5EF4-FFF2-40B4-BE49-F238E27FC236}">
+                <a16:creationId xmlns:a16="http://schemas.microsoft.com/office/drawing/2014/main" id="{2E17763D-3E5C-845B-21BF-7DEEE1DE766F}"/>
+              </a:ext>
+            </a:extLst>
+          </p:cNvPr>
+          <p:cNvSpPr>
+            <a:spLocks noGrp="1"/>
+          </p:cNvSpPr>
+          <p:nvPr>
+            <p:ph type="title"/>
+          </p:nvPr>
+        </p:nvSpPr>
+        <p:spPr>
+          <a:xfrm>
+            <a:off x="639725" y="472780"/>
+            <a:ext cx="6654056" cy="653143"/>
+          </a:xfrm>
+        </p:spPr>
+        <p:txBody>
+          <a:bodyPr>
+            <a:normAutofit fontScale="90000"/>
+          </a:bodyPr>
+          <a:lstStyle/>
+          <a:p>
+            <a:r>
+              <a:rPr lang="it-IT" sz="4000" noProof="0" dirty="0">
+                <a:solidFill>
+                  <a:schemeClr val="tx2">
+                    <a:lumMod val="90000"/>
+                    <a:lumOff val="10000"/>
+                  </a:schemeClr>
+                </a:solidFill>
+              </a:rPr>
+              <a:t>GOAL: Multi-</a:t>
+            </a:r>
+            <a:r>
+              <a:rPr lang="it-IT" sz="4000" noProof="0" dirty="0" err="1">
+                <a:solidFill>
+                  <a:schemeClr val="tx2">
+                    <a:lumMod val="90000"/>
+                    <a:lumOff val="10000"/>
+                  </a:schemeClr>
+                </a:solidFill>
+              </a:rPr>
+              <a:t>Tenancy</a:t>
+            </a:r>
+            <a:r>
+              <a:rPr lang="it-IT" sz="4000" dirty="0">
+                <a:solidFill>
+                  <a:schemeClr val="tx2">
+                    <a:lumMod val="90000"/>
+                    <a:lumOff val="10000"/>
+                  </a:schemeClr>
+                </a:solidFill>
+              </a:rPr>
+              <a:t> </a:t>
+            </a:r>
+            <a:r>
+              <a:rPr lang="it-IT" sz="4000" dirty="0" smtClean="0">
+                <a:solidFill>
+                  <a:schemeClr val="tx2">
+                    <a:lumMod val="90000"/>
+                    <a:lumOff val="10000"/>
+                  </a:schemeClr>
+                </a:solidFill>
+              </a:rPr>
+              <a:t>data </a:t>
+            </a:r>
+            <a:r>
+              <a:rPr lang="it-IT" sz="4000" dirty="0" err="1" smtClean="0">
+                <a:solidFill>
+                  <a:schemeClr val="tx2">
+                    <a:lumMod val="90000"/>
+                    <a:lumOff val="10000"/>
+                  </a:schemeClr>
+                </a:solidFill>
+              </a:rPr>
+              <a:t>segregation</a:t>
+            </a:r>
+            <a:endParaRPr lang="it-IT" sz="4000" noProof="0" dirty="0">
+              <a:solidFill>
+                <a:schemeClr val="tx2">
+                  <a:lumMod val="90000"/>
+                  <a:lumOff val="10000"/>
+                </a:schemeClr>
+              </a:solidFill>
+            </a:endParaRPr>
+          </a:p>
+        </p:txBody>
+      </p:sp>
+      <p:sp>
+        <p:nvSpPr>
+          <p:cNvPr id="4" name="Rettangolo 3">
+            <a:extLst>
+              <a:ext uri="{FF2B5EF4-FFF2-40B4-BE49-F238E27FC236}">
+                <a16:creationId xmlns:a16="http://schemas.microsoft.com/office/drawing/2014/main" id="{FC4A7560-125A-F332-2B2C-3AE9877439D5}"/>
+              </a:ext>
+            </a:extLst>
+          </p:cNvPr>
+          <p:cNvSpPr/>
+          <p:nvPr/>
+        </p:nvSpPr>
+        <p:spPr>
+          <a:xfrm>
+            <a:off x="0" y="472781"/>
+            <a:ext cx="190243" cy="653143"/>
+          </a:xfrm>
+          <a:prstGeom prst="rect">
+            <a:avLst/>
+          </a:prstGeom>
+          <a:solidFill>
+            <a:schemeClr val="tx2">
+              <a:lumMod val="90000"/>
+              <a:lumOff val="10000"/>
+            </a:schemeClr>
+          </a:solidFill>
+          <a:ln>
+            <a:solidFill>
+              <a:schemeClr val="tx2">
+                <a:lumMod val="90000"/>
+                <a:lumOff val="10000"/>
+              </a:schemeClr>
+            </a:solidFill>
+          </a:ln>
+        </p:spPr>
+        <p:style>
+          <a:lnRef idx="2">
+            <a:schemeClr val="accent1">
+              <a:shade val="15000"/>
+            </a:schemeClr>
+          </a:lnRef>
+          <a:fillRef idx="1">
+            <a:schemeClr val="accent1"/>
+          </a:fillRef>
+          <a:effectRef idx="0">
+            <a:schemeClr val="accent1"/>
+          </a:effectRef>
+          <a:fontRef idx="minor">
+            <a:schemeClr val="lt1"/>
+          </a:fontRef>
+        </p:style>
+        <p:txBody>
+          <a:bodyPr rtlCol="0" anchor="ctr"/>
+          <a:lstStyle/>
+          <a:p>
+            <a:pPr algn="ctr"/>
+            <a:endParaRPr lang="it-IT" noProof="0" dirty="0"/>
+          </a:p>
+        </p:txBody>
+      </p:sp>
+      <p:sp>
+        <p:nvSpPr>
+          <p:cNvPr id="5" name="Rettangolo 4">
+            <a:extLst>
+              <a:ext uri="{FF2B5EF4-FFF2-40B4-BE49-F238E27FC236}">
+                <a16:creationId xmlns:a16="http://schemas.microsoft.com/office/drawing/2014/main" id="{C993B1D6-9C3A-29F4-79E3-A36FF29F3563}"/>
+              </a:ext>
+            </a:extLst>
+          </p:cNvPr>
+          <p:cNvSpPr/>
+          <p:nvPr/>
+        </p:nvSpPr>
+        <p:spPr>
+          <a:xfrm>
+            <a:off x="289539" y="472780"/>
+            <a:ext cx="139359" cy="653143"/>
+          </a:xfrm>
+          <a:prstGeom prst="rect">
+            <a:avLst/>
+          </a:prstGeom>
+          <a:solidFill>
+            <a:schemeClr val="tx2">
+              <a:lumMod val="90000"/>
+              <a:lumOff val="10000"/>
+            </a:schemeClr>
+          </a:solidFill>
+          <a:ln>
+            <a:solidFill>
+              <a:schemeClr val="tx2">
+                <a:lumMod val="90000"/>
+                <a:lumOff val="10000"/>
+              </a:schemeClr>
+            </a:solidFill>
+          </a:ln>
+        </p:spPr>
+        <p:style>
+          <a:lnRef idx="2">
+            <a:schemeClr val="accent1">
+              <a:shade val="15000"/>
+            </a:schemeClr>
+          </a:lnRef>
+          <a:fillRef idx="1">
+            <a:schemeClr val="accent1"/>
+          </a:fillRef>
+          <a:effectRef idx="0">
+            <a:schemeClr val="accent1"/>
+          </a:effectRef>
+          <a:fontRef idx="minor">
+            <a:schemeClr val="lt1"/>
+          </a:fontRef>
+        </p:style>
+        <p:txBody>
+          <a:bodyPr rtlCol="0" anchor="ctr"/>
+          <a:lstStyle/>
+          <a:p>
+            <a:pPr algn="ctr"/>
+            <a:endParaRPr lang="it-IT" noProof="0" dirty="0"/>
+          </a:p>
+        </p:txBody>
+      </p:sp>
+      <p:sp>
+        <p:nvSpPr>
+          <p:cNvPr id="11" name="Rettangolo 10">
+            <a:extLst>
+              <a:ext uri="{FF2B5EF4-FFF2-40B4-BE49-F238E27FC236}">
+                <a16:creationId xmlns:a16="http://schemas.microsoft.com/office/drawing/2014/main" id="{A7EA9913-1AC3-7D4A-2157-2B54A7000AA2}"/>
+              </a:ext>
+            </a:extLst>
+          </p:cNvPr>
+          <p:cNvSpPr/>
+          <p:nvPr/>
+        </p:nvSpPr>
+        <p:spPr>
+          <a:xfrm>
+            <a:off x="10008781" y="0"/>
+            <a:ext cx="2183219" cy="6858000"/>
+          </a:xfrm>
+          <a:prstGeom prst="rect">
+            <a:avLst/>
+          </a:prstGeom>
+          <a:solidFill>
+            <a:schemeClr val="tx2">
+              <a:lumMod val="90000"/>
+              <a:lumOff val="10000"/>
+            </a:schemeClr>
+          </a:solidFill>
+          <a:ln>
+            <a:solidFill>
+              <a:srgbClr val="163E64"/>
+            </a:solidFill>
+          </a:ln>
+        </p:spPr>
+        <p:style>
+          <a:lnRef idx="2">
+            <a:schemeClr val="accent1">
+              <a:shade val="15000"/>
+            </a:schemeClr>
+          </a:lnRef>
+          <a:fillRef idx="1">
+            <a:schemeClr val="accent1"/>
+          </a:fillRef>
+          <a:effectRef idx="0">
+            <a:schemeClr val="accent1"/>
+          </a:effectRef>
+          <a:fontRef idx="minor">
+            <a:schemeClr val="lt1"/>
+          </a:fontRef>
+        </p:style>
+        <p:txBody>
+          <a:bodyPr rtlCol="0" anchor="ctr"/>
+          <a:lstStyle/>
+          <a:p>
+            <a:pPr algn="ctr"/>
+            <a:endParaRPr lang="it-IT" noProof="0" dirty="0"/>
+          </a:p>
+        </p:txBody>
+      </p:sp>
+      <p:cxnSp>
+        <p:nvCxnSpPr>
+          <p:cNvPr id="8" name="Connettore diritto 7">
+            <a:extLst>
+              <a:ext uri="{FF2B5EF4-FFF2-40B4-BE49-F238E27FC236}">
+                <a16:creationId xmlns:a16="http://schemas.microsoft.com/office/drawing/2014/main" id="{B8AB43C6-F387-E69A-86CD-A1AC24D4A29F}"/>
+              </a:ext>
+            </a:extLst>
+          </p:cNvPr>
+          <p:cNvCxnSpPr>
+            <a:cxnSpLocks/>
+          </p:cNvCxnSpPr>
+          <p:nvPr/>
+        </p:nvCxnSpPr>
+        <p:spPr>
+          <a:xfrm>
+            <a:off x="639725" y="1351691"/>
+            <a:ext cx="6654057" cy="0"/>
+          </a:xfrm>
+          <a:prstGeom prst="line">
+            <a:avLst/>
+          </a:prstGeom>
+          <a:ln>
+            <a:solidFill>
+              <a:schemeClr val="tx2">
+                <a:lumMod val="90000"/>
+                <a:lumOff val="10000"/>
+              </a:schemeClr>
+            </a:solidFill>
+          </a:ln>
+        </p:spPr>
+        <p:style>
+          <a:lnRef idx="2">
+            <a:schemeClr val="accent1"/>
+          </a:lnRef>
+          <a:fillRef idx="0">
+            <a:schemeClr val="accent1"/>
+          </a:fillRef>
+          <a:effectRef idx="1">
+            <a:schemeClr val="accent1"/>
+          </a:effectRef>
+          <a:fontRef idx="minor">
+            <a:schemeClr val="tx1"/>
+          </a:fontRef>
+        </p:style>
+      </p:cxnSp>
+      <p:sp>
+        <p:nvSpPr>
+          <p:cNvPr id="6" name="TextBox 5">
+            <a:extLst>
+              <a:ext uri="{FF2B5EF4-FFF2-40B4-BE49-F238E27FC236}">
+                <a16:creationId xmlns:a16="http://schemas.microsoft.com/office/drawing/2014/main" id="{1A234AD5-1C0F-3801-0826-9187DD2C3AB0}"/>
+              </a:ext>
+            </a:extLst>
+          </p:cNvPr>
+          <p:cNvSpPr txBox="1"/>
+          <p:nvPr/>
+        </p:nvSpPr>
+        <p:spPr>
+          <a:xfrm>
+            <a:off x="11654290" y="6452785"/>
+            <a:ext cx="438619" cy="307777"/>
+          </a:xfrm>
+          <a:prstGeom prst="rect">
+            <a:avLst/>
+          </a:prstGeom>
+          <a:noFill/>
+        </p:spPr>
+        <p:txBody>
+          <a:bodyPr wrap="square">
+            <a:spAutoFit/>
+          </a:bodyPr>
+          <a:lstStyle/>
+          <a:p>
+            <a:r>
+              <a:rPr lang="it-IT" sz="1400" noProof="0" dirty="0">
+                <a:solidFill>
+                  <a:schemeClr val="bg1"/>
+                </a:solidFill>
+              </a:rPr>
+              <a:t>5</a:t>
+            </a:r>
+            <a:endParaRPr lang="it-IT" sz="1400" noProof="0" dirty="0"/>
+          </a:p>
+        </p:txBody>
+      </p:sp>
+      <p:pic>
+        <p:nvPicPr>
+          <p:cNvPr id="16" name="Immagine 15" descr="Immagine che contiene schermata, Policromia, cerchio, blu&#10;&#10;Descrizione generata automaticamente">
+            <a:extLst>
+              <a:ext uri="{FF2B5EF4-FFF2-40B4-BE49-F238E27FC236}">
+                <a16:creationId xmlns:a16="http://schemas.microsoft.com/office/drawing/2014/main" id="{F932AEFD-F285-EEFC-4837-386D350A220C}"/>
+              </a:ext>
+            </a:extLst>
+          </p:cNvPr>
+          <p:cNvPicPr>
+            <a:picLocks noChangeAspect="1"/>
+          </p:cNvPicPr>
+          <p:nvPr/>
+        </p:nvPicPr>
+        <p:blipFill>
+          <a:blip r:embed="rId2">
+            <a:extLst>
+              <a:ext uri="{28A0092B-C50C-407E-A947-70E740481C1C}">
+                <a14:useLocalDpi xmlns:a14="http://schemas.microsoft.com/office/drawing/2010/main" val="0"/>
+              </a:ext>
+            </a:extLst>
+          </a:blip>
+          <a:stretch>
+            <a:fillRect/>
+          </a:stretch>
+        </p:blipFill>
+        <p:spPr>
+          <a:xfrm>
+            <a:off x="7293782" y="353207"/>
+            <a:ext cx="885600" cy="885600"/>
+          </a:xfrm>
+          <a:prstGeom prst="rect">
+            <a:avLst/>
+          </a:prstGeom>
+        </p:spPr>
+      </p:pic>
+      <p:sp>
+        <p:nvSpPr>
+          <p:cNvPr id="10" name="CasellaDiTesto 9">
+            <a:extLst>
+              <a:ext uri="{FF2B5EF4-FFF2-40B4-BE49-F238E27FC236}">
+                <a16:creationId xmlns:a16="http://schemas.microsoft.com/office/drawing/2014/main" id="{720F1E63-F380-A2C8-B252-1B4B987C123E}"/>
+              </a:ext>
+            </a:extLst>
+          </p:cNvPr>
+          <p:cNvSpPr txBox="1"/>
+          <p:nvPr/>
+        </p:nvSpPr>
+        <p:spPr>
+          <a:xfrm>
+            <a:off x="639724" y="1623385"/>
+            <a:ext cx="6654056" cy="646331"/>
+          </a:xfrm>
+          <a:prstGeom prst="rect">
+            <a:avLst/>
+          </a:prstGeom>
+          <a:noFill/>
+        </p:spPr>
+        <p:txBody>
+          <a:bodyPr wrap="square" rtlCol="0">
+            <a:spAutoFit/>
+          </a:bodyPr>
+          <a:lstStyle/>
+          <a:p>
+            <a:r>
+              <a:rPr lang="it-IT" noProof="0" dirty="0">
+                <a:solidFill>
+                  <a:schemeClr val="tx1">
+                    <a:lumMod val="85000"/>
+                    <a:lumOff val="15000"/>
+                  </a:schemeClr>
+                </a:solidFill>
+              </a:rPr>
+              <a:t/>
+            </a:r>
+            <a:br>
+              <a:rPr lang="it-IT" noProof="0" dirty="0">
+                <a:solidFill>
+                  <a:schemeClr val="tx1">
+                    <a:lumMod val="85000"/>
+                    <a:lumOff val="15000"/>
+                  </a:schemeClr>
+                </a:solidFill>
+              </a:rPr>
+            </a:br>
+            <a:endParaRPr lang="it-IT" noProof="0" dirty="0">
+              <a:solidFill>
+                <a:schemeClr val="tx1">
+                  <a:lumMod val="85000"/>
+                  <a:lumOff val="15000"/>
+                </a:schemeClr>
+              </a:solidFill>
+            </a:endParaRPr>
+          </a:p>
+        </p:txBody>
+      </p:sp>
+      <p:sp>
+        <p:nvSpPr>
+          <p:cNvPr id="12" name="CasellaDiTesto 6">
+            <a:extLst>
+              <a:ext uri="{FF2B5EF4-FFF2-40B4-BE49-F238E27FC236}">
+                <a16:creationId xmlns:a16="http://schemas.microsoft.com/office/drawing/2014/main" id="{8290C57E-5561-FDA2-5EFB-EDC39761C52E}"/>
+              </a:ext>
+            </a:extLst>
+          </p:cNvPr>
+          <p:cNvSpPr txBox="1"/>
+          <p:nvPr/>
+        </p:nvSpPr>
+        <p:spPr>
+          <a:xfrm>
+            <a:off x="639726" y="1613118"/>
+            <a:ext cx="6654054" cy="4708981"/>
+          </a:xfrm>
+          <a:prstGeom prst="rect">
+            <a:avLst/>
+          </a:prstGeom>
+          <a:noFill/>
+        </p:spPr>
+        <p:txBody>
+          <a:bodyPr wrap="square" rtlCol="0">
+            <a:spAutoFit/>
+          </a:bodyPr>
+          <a:lstStyle/>
+          <a:p>
+            <a:r>
+              <a:rPr lang="it-IT" b="1" u="sng" dirty="0" smtClean="0">
+                <a:solidFill>
+                  <a:schemeClr val="tx1">
+                    <a:lumMod val="85000"/>
+                    <a:lumOff val="15000"/>
+                  </a:schemeClr>
+                </a:solidFill>
+              </a:rPr>
+              <a:t>Benefici</a:t>
+            </a:r>
+          </a:p>
+          <a:p>
+            <a:endParaRPr lang="it-IT" b="1" dirty="0">
+              <a:solidFill>
+                <a:schemeClr val="tx1">
+                  <a:lumMod val="85000"/>
+                  <a:lumOff val="15000"/>
+                </a:schemeClr>
+              </a:solidFill>
+            </a:endParaRPr>
+          </a:p>
+          <a:p>
+            <a:pPr lvl="0"/>
+            <a:r>
+              <a:rPr lang="en-GB" b="1" dirty="0"/>
+              <a:t>- </a:t>
+            </a:r>
+            <a:r>
+              <a:rPr lang="en-GB" b="1" dirty="0" err="1"/>
+              <a:t>Sicurezza</a:t>
+            </a:r>
+            <a:r>
+              <a:rPr lang="en-GB" b="1" dirty="0"/>
+              <a:t> </a:t>
+            </a:r>
+            <a:r>
+              <a:rPr lang="en-GB" b="1" dirty="0" err="1"/>
+              <a:t>avanzata</a:t>
+            </a:r>
+            <a:r>
+              <a:rPr lang="en-GB" dirty="0" smtClean="0"/>
+              <a:t>:</a:t>
+            </a:r>
+            <a:endParaRPr lang="en-GB" sz="1600" dirty="0"/>
+          </a:p>
+          <a:p>
+            <a:pPr marL="742950" lvl="1" indent="-285750">
+              <a:buFont typeface="Arial" panose="020B0604020202020204" pitchFamily="34" charset="0"/>
+              <a:buChar char="•"/>
+            </a:pPr>
+            <a:r>
+              <a:rPr lang="it-IT" sz="1600" dirty="0"/>
+              <a:t>Isolando i dati dei </a:t>
+            </a:r>
+            <a:r>
+              <a:rPr lang="it-IT" sz="1600" dirty="0" err="1"/>
+              <a:t>tenant</a:t>
+            </a:r>
+            <a:r>
+              <a:rPr lang="it-IT" sz="1600" dirty="0"/>
+              <a:t>, si riducono i rischi di accesso non autorizzato ai dati di altri </a:t>
+            </a:r>
+            <a:r>
+              <a:rPr lang="it-IT" sz="1600" dirty="0" err="1" smtClean="0"/>
+              <a:t>tenant</a:t>
+            </a:r>
+            <a:endParaRPr lang="it-IT" sz="1600" dirty="0" smtClean="0"/>
+          </a:p>
+          <a:p>
+            <a:pPr marL="742950" lvl="1" indent="-285750">
+              <a:buFont typeface="Arial" panose="020B0604020202020204" pitchFamily="34" charset="0"/>
+              <a:buChar char="•"/>
+            </a:pPr>
+            <a:r>
+              <a:rPr lang="it-IT" sz="1600" dirty="0"/>
+              <a:t>Protezione da attacchi </a:t>
+            </a:r>
+            <a:r>
+              <a:rPr lang="it-IT" sz="1600" dirty="0" smtClean="0"/>
+              <a:t>inter-</a:t>
+            </a:r>
+            <a:r>
+              <a:rPr lang="it-IT" sz="1600" dirty="0" err="1" smtClean="0"/>
+              <a:t>tenant</a:t>
+            </a:r>
+            <a:endParaRPr lang="en-GB" sz="1600" dirty="0"/>
+          </a:p>
+          <a:p>
+            <a:pPr lvl="0"/>
+            <a:r>
+              <a:rPr lang="en-GB" b="1" dirty="0" smtClean="0"/>
+              <a:t>- </a:t>
+            </a:r>
+            <a:r>
+              <a:rPr lang="en-GB" b="1" dirty="0" err="1" smtClean="0"/>
+              <a:t>Conformità</a:t>
+            </a:r>
+            <a:r>
+              <a:rPr lang="en-GB" b="1" dirty="0" smtClean="0"/>
+              <a:t> </a:t>
+            </a:r>
+            <a:r>
+              <a:rPr lang="en-GB" b="1" dirty="0" err="1" smtClean="0"/>
+              <a:t>alle</a:t>
+            </a:r>
+            <a:r>
+              <a:rPr lang="en-GB" b="1" dirty="0" smtClean="0"/>
+              <a:t> normative:</a:t>
+            </a:r>
+            <a:endParaRPr lang="en-GB" sz="1600" b="1" dirty="0"/>
+          </a:p>
+          <a:p>
+            <a:pPr marL="742950" lvl="1" indent="-285750">
+              <a:buFont typeface="Arial" panose="020B0604020202020204" pitchFamily="34" charset="0"/>
+              <a:buChar char="•"/>
+            </a:pPr>
+            <a:r>
+              <a:rPr lang="it-IT" sz="1600" dirty="0" smtClean="0"/>
+              <a:t>Miglior aderenza a regolamenti come il GDPR o SOC 2</a:t>
+            </a:r>
+          </a:p>
+          <a:p>
+            <a:pPr marL="742950" lvl="1" indent="-285750">
+              <a:buFont typeface="Arial" panose="020B0604020202020204" pitchFamily="34" charset="0"/>
+              <a:buChar char="•"/>
+            </a:pPr>
+            <a:r>
+              <a:rPr lang="it-IT" sz="1600" dirty="0"/>
+              <a:t>Facilita l’auditing e la creazione di report dettagliati per ogni </a:t>
+            </a:r>
+            <a:r>
+              <a:rPr lang="it-IT" sz="1600" dirty="0" err="1" smtClean="0"/>
+              <a:t>tenant</a:t>
+            </a:r>
+            <a:endParaRPr lang="it-IT" sz="1600" dirty="0" smtClean="0"/>
+          </a:p>
+          <a:p>
+            <a:pPr lvl="0"/>
+            <a:r>
+              <a:rPr lang="en-GB" b="1" dirty="0"/>
+              <a:t>- </a:t>
+            </a:r>
+            <a:r>
+              <a:rPr lang="en-GB" b="1" dirty="0" err="1" smtClean="0"/>
+              <a:t>Affidabilità</a:t>
+            </a:r>
+            <a:r>
+              <a:rPr lang="en-GB" b="1" dirty="0" smtClean="0"/>
+              <a:t> e </a:t>
+            </a:r>
+            <a:r>
+              <a:rPr lang="en-GB" b="1" dirty="0" err="1" smtClean="0"/>
+              <a:t>gestione</a:t>
+            </a:r>
+            <a:r>
+              <a:rPr lang="en-GB" b="1" dirty="0" smtClean="0"/>
+              <a:t>:</a:t>
+            </a:r>
+            <a:endParaRPr lang="it-IT" dirty="0" smtClean="0"/>
+          </a:p>
+          <a:p>
+            <a:pPr marL="742950" lvl="1" indent="-285750">
+              <a:buFont typeface="Arial" panose="020B0604020202020204" pitchFamily="34" charset="0"/>
+              <a:buChar char="•"/>
+            </a:pPr>
+            <a:r>
+              <a:rPr lang="it-IT" sz="1600" dirty="0"/>
+              <a:t>Riduzione del rischio di conflitti nei dati causati da modifiche involontarie tra </a:t>
+            </a:r>
+            <a:r>
+              <a:rPr lang="it-IT" sz="1600" dirty="0" err="1" smtClean="0"/>
+              <a:t>tenant</a:t>
+            </a:r>
+            <a:endParaRPr lang="it-IT" sz="1600" dirty="0" smtClean="0"/>
+          </a:p>
+          <a:p>
+            <a:pPr marL="742950" lvl="1" indent="-285750">
+              <a:buFont typeface="Arial" panose="020B0604020202020204" pitchFamily="34" charset="0"/>
+              <a:buChar char="•"/>
+            </a:pPr>
+            <a:r>
+              <a:rPr lang="it-IT" sz="1600" dirty="0"/>
+              <a:t>Facilità di implementare backup o ripristino specifici per ogni </a:t>
+            </a:r>
+            <a:r>
+              <a:rPr lang="it-IT" sz="1600" dirty="0" err="1"/>
+              <a:t>tenant</a:t>
+            </a:r>
+            <a:endParaRPr lang="it-IT" sz="1600" dirty="0" smtClean="0"/>
+          </a:p>
+          <a:p>
+            <a:r>
+              <a:rPr lang="en-GB" b="1" dirty="0" smtClean="0"/>
+              <a:t>- </a:t>
+            </a:r>
+            <a:r>
+              <a:rPr lang="en-GB" b="1" dirty="0" err="1"/>
+              <a:t>Flessibilità</a:t>
+            </a:r>
+            <a:r>
+              <a:rPr lang="en-GB" b="1" dirty="0"/>
+              <a:t> </a:t>
+            </a:r>
+            <a:r>
+              <a:rPr lang="en-GB" b="1" dirty="0" err="1"/>
+              <a:t>nei</a:t>
+            </a:r>
+            <a:r>
+              <a:rPr lang="en-GB" b="1" dirty="0"/>
+              <a:t> </a:t>
+            </a:r>
+            <a:r>
+              <a:rPr lang="en-GB" b="1" dirty="0" err="1"/>
+              <a:t>servizi</a:t>
+            </a:r>
+            <a:r>
+              <a:rPr lang="en-GB" dirty="0"/>
+              <a:t>:</a:t>
+            </a:r>
+            <a:endParaRPr lang="en-GB" sz="1600" dirty="0"/>
+          </a:p>
+          <a:p>
+            <a:pPr marL="742950" lvl="1" indent="-285750">
+              <a:buFont typeface="Arial" panose="020B0604020202020204" pitchFamily="34" charset="0"/>
+              <a:buChar char="•"/>
+            </a:pPr>
+            <a:r>
+              <a:rPr lang="it-IT" sz="1600" dirty="0"/>
+              <a:t>Possibilità di offrire personalizzazioni uniche a ciascun </a:t>
+            </a:r>
+            <a:r>
+              <a:rPr lang="it-IT" sz="1600" dirty="0" err="1"/>
+              <a:t>tenant</a:t>
+            </a:r>
+            <a:r>
+              <a:rPr lang="it-IT" sz="1600" dirty="0"/>
+              <a:t> senza impattare sugli </a:t>
+            </a:r>
+            <a:r>
+              <a:rPr lang="it-IT" sz="1600" dirty="0" smtClean="0"/>
+              <a:t>altri</a:t>
+            </a:r>
+            <a:endParaRPr lang="en-GB" sz="1600" dirty="0"/>
+          </a:p>
+        </p:txBody>
+      </p:sp>
+      <p:pic>
+        <p:nvPicPr>
+          <p:cNvPr id="13" name="Picture 2">
+            <a:extLst>
+              <a:ext uri="{FF2B5EF4-FFF2-40B4-BE49-F238E27FC236}">
+                <a16:creationId xmlns:a16="http://schemas.microsoft.com/office/drawing/2014/main" id="{BA9AB35F-ED47-DBCD-7041-4EA50B6DAAC3}"/>
+              </a:ext>
+            </a:extLst>
+          </p:cNvPr>
+          <p:cNvPicPr>
+            <a:picLocks noChangeAspect="1" noChangeArrowheads="1"/>
+          </p:cNvPicPr>
+          <p:nvPr/>
+        </p:nvPicPr>
+        <p:blipFill>
+          <a:blip r:embed="rId3">
+            <a:extLst>
+              <a:ext uri="{28A0092B-C50C-407E-A947-70E740481C1C}">
+                <a14:useLocalDpi xmlns:a14="http://schemas.microsoft.com/office/drawing/2010/main" val="0"/>
+              </a:ext>
+            </a:extLst>
+          </a:blip>
+          <a:srcRect/>
+          <a:stretch>
+            <a:fillRect/>
+          </a:stretch>
+        </p:blipFill>
+        <p:spPr bwMode="auto">
+          <a:xfrm>
+            <a:off x="7564795" y="2534548"/>
+            <a:ext cx="1782406" cy="2567606"/>
+          </a:xfrm>
+          <a:prstGeom prst="rect">
+            <a:avLst/>
+          </a:prstGeom>
+          <a:noFill/>
+          <a:extLst>
+            <a:ext uri="{909E8E84-426E-40DD-AFC4-6F175D3DCCD1}">
+              <a14:hiddenFill xmlns:a14="http://schemas.microsoft.com/office/drawing/2010/main">
+                <a:solidFill>
+                  <a:srgbClr val="FFFFFF"/>
+                </a:solidFill>
+              </a14:hiddenFill>
+            </a:ext>
+          </a:extLst>
+        </p:spPr>
+      </p:pic>
+    </p:spTree>
+    <p:extLst>
+      <p:ext uri="{BB962C8B-B14F-4D97-AF65-F5344CB8AC3E}">
+        <p14:creationId xmlns:p14="http://schemas.microsoft.com/office/powerpoint/2010/main" val="2596038935"/>
+      </p:ext>
+    </p:extLst>
+  </p:cSld>
+  <p:clrMapOvr>
+    <a:masterClrMapping/>
+  </p:clrMapOvr>
+  <p:timing>
+    <p:tnLst>
+      <p:par>
+        <p:cTn id="1" dur="indefinite" restart="never" nodeType="tmRoot"/>
+      </p:par>
+    </p:tnLst>
+  </p:timing>
+</p:sld>
+</file>
+
+<file path=ppt/slides/slide6.xml><?xml version="1.0" encoding="utf-8"?>
+<p:sld xmlns:a="http://schemas.openxmlformats.org/drawingml/2006/main" xmlns:r="http://schemas.openxmlformats.org/officeDocument/2006/relationships" xmlns:p="http://schemas.openxmlformats.org/presentationml/2006/main">
+  <p:cSld>
+    <p:spTree>
+      <p:nvGrpSpPr>
+        <p:cNvPr id="1" name="">
+          <a:extLst>
+            <a:ext uri="{FF2B5EF4-FFF2-40B4-BE49-F238E27FC236}">
+              <a16:creationId xmlns:a16="http://schemas.microsoft.com/office/drawing/2014/main" id="{AFC15726-FA8E-B025-0B1D-A5B8587DB163}"/>
+            </a:ext>
+          </a:extLst>
+        </p:cNvPr>
+        <p:cNvGrpSpPr/>
+        <p:nvPr/>
+      </p:nvGrpSpPr>
+      <p:grpSpPr>
+        <a:xfrm>
+          <a:off x="0" y="0"/>
+          <a:ext cx="0" cy="0"/>
+          <a:chOff x="0" y="0"/>
+          <a:chExt cx="0" cy="0"/>
+        </a:xfrm>
+      </p:grpSpPr>
+      <p:sp>
+        <p:nvSpPr>
+          <p:cNvPr id="2" name="Titolo 1">
+            <a:extLst>
+              <a:ext uri="{FF2B5EF4-FFF2-40B4-BE49-F238E27FC236}">
+                <a16:creationId xmlns:a16="http://schemas.microsoft.com/office/drawing/2014/main" id="{2E17763D-3E5C-845B-21BF-7DEEE1DE766F}"/>
+              </a:ext>
+            </a:extLst>
+          </p:cNvPr>
+          <p:cNvSpPr>
+            <a:spLocks noGrp="1"/>
+          </p:cNvSpPr>
+          <p:nvPr>
+            <p:ph type="title"/>
+          </p:nvPr>
+        </p:nvSpPr>
+        <p:spPr>
+          <a:xfrm>
+            <a:off x="639725" y="472780"/>
+            <a:ext cx="6654056" cy="653143"/>
+          </a:xfrm>
+        </p:spPr>
+        <p:txBody>
+          <a:bodyPr>
+            <a:normAutofit fontScale="90000"/>
+          </a:bodyPr>
+          <a:lstStyle/>
+          <a:p>
+            <a:r>
+              <a:rPr lang="it-IT" sz="4000" noProof="0" dirty="0">
+                <a:solidFill>
+                  <a:schemeClr val="tx2">
+                    <a:lumMod val="90000"/>
+                    <a:lumOff val="10000"/>
+                  </a:schemeClr>
+                </a:solidFill>
+              </a:rPr>
+              <a:t>GOAL: Multi-</a:t>
+            </a:r>
+            <a:r>
+              <a:rPr lang="it-IT" sz="4000" noProof="0" dirty="0" err="1">
+                <a:solidFill>
+                  <a:schemeClr val="tx2">
+                    <a:lumMod val="90000"/>
+                    <a:lumOff val="10000"/>
+                  </a:schemeClr>
+                </a:solidFill>
+              </a:rPr>
+              <a:t>Tenancy</a:t>
+            </a:r>
+            <a:r>
+              <a:rPr lang="it-IT" sz="4000" dirty="0">
+                <a:solidFill>
+                  <a:schemeClr val="tx2">
+                    <a:lumMod val="90000"/>
+                    <a:lumOff val="10000"/>
+                  </a:schemeClr>
+                </a:solidFill>
+              </a:rPr>
+              <a:t> </a:t>
+            </a:r>
+            <a:r>
+              <a:rPr lang="it-IT" sz="4000" dirty="0" smtClean="0">
+                <a:solidFill>
+                  <a:schemeClr val="tx2">
+                    <a:lumMod val="90000"/>
+                    <a:lumOff val="10000"/>
+                  </a:schemeClr>
+                </a:solidFill>
+              </a:rPr>
+              <a:t>data </a:t>
+            </a:r>
+            <a:r>
+              <a:rPr lang="it-IT" sz="4000" dirty="0" err="1" smtClean="0">
+                <a:solidFill>
+                  <a:schemeClr val="tx2">
+                    <a:lumMod val="90000"/>
+                    <a:lumOff val="10000"/>
+                  </a:schemeClr>
+                </a:solidFill>
+              </a:rPr>
+              <a:t>segregation</a:t>
+            </a:r>
+            <a:endParaRPr lang="it-IT" sz="4000" noProof="0" dirty="0">
+              <a:solidFill>
+                <a:schemeClr val="tx2">
+                  <a:lumMod val="90000"/>
+                  <a:lumOff val="10000"/>
+                </a:schemeClr>
+              </a:solidFill>
+            </a:endParaRPr>
+          </a:p>
+        </p:txBody>
+      </p:sp>
+      <p:sp>
+        <p:nvSpPr>
+          <p:cNvPr id="4" name="Rettangolo 3">
+            <a:extLst>
+              <a:ext uri="{FF2B5EF4-FFF2-40B4-BE49-F238E27FC236}">
+                <a16:creationId xmlns:a16="http://schemas.microsoft.com/office/drawing/2014/main" id="{FC4A7560-125A-F332-2B2C-3AE9877439D5}"/>
+              </a:ext>
+            </a:extLst>
+          </p:cNvPr>
+          <p:cNvSpPr/>
+          <p:nvPr/>
+        </p:nvSpPr>
+        <p:spPr>
+          <a:xfrm>
+            <a:off x="0" y="472781"/>
+            <a:ext cx="190243" cy="653143"/>
+          </a:xfrm>
+          <a:prstGeom prst="rect">
+            <a:avLst/>
+          </a:prstGeom>
+          <a:solidFill>
+            <a:schemeClr val="tx2">
+              <a:lumMod val="90000"/>
+              <a:lumOff val="10000"/>
+            </a:schemeClr>
+          </a:solidFill>
+          <a:ln>
+            <a:solidFill>
+              <a:schemeClr val="tx2">
+                <a:lumMod val="90000"/>
+                <a:lumOff val="10000"/>
+              </a:schemeClr>
+            </a:solidFill>
+          </a:ln>
+        </p:spPr>
+        <p:style>
+          <a:lnRef idx="2">
+            <a:schemeClr val="accent1">
+              <a:shade val="15000"/>
+            </a:schemeClr>
+          </a:lnRef>
+          <a:fillRef idx="1">
+            <a:schemeClr val="accent1"/>
+          </a:fillRef>
+          <a:effectRef idx="0">
+            <a:schemeClr val="accent1"/>
+          </a:effectRef>
+          <a:fontRef idx="minor">
+            <a:schemeClr val="lt1"/>
+          </a:fontRef>
+        </p:style>
+        <p:txBody>
+          <a:bodyPr rtlCol="0" anchor="ctr"/>
+          <a:lstStyle/>
+          <a:p>
+            <a:pPr algn="ctr"/>
+            <a:endParaRPr lang="it-IT" noProof="0" dirty="0"/>
+          </a:p>
+        </p:txBody>
+      </p:sp>
+      <p:sp>
+        <p:nvSpPr>
+          <p:cNvPr id="5" name="Rettangolo 4">
+            <a:extLst>
+              <a:ext uri="{FF2B5EF4-FFF2-40B4-BE49-F238E27FC236}">
+                <a16:creationId xmlns:a16="http://schemas.microsoft.com/office/drawing/2014/main" id="{C993B1D6-9C3A-29F4-79E3-A36FF29F3563}"/>
+              </a:ext>
+            </a:extLst>
+          </p:cNvPr>
+          <p:cNvSpPr/>
+          <p:nvPr/>
+        </p:nvSpPr>
+        <p:spPr>
+          <a:xfrm>
+            <a:off x="289539" y="472780"/>
+            <a:ext cx="139359" cy="653143"/>
+          </a:xfrm>
+          <a:prstGeom prst="rect">
+            <a:avLst/>
+          </a:prstGeom>
+          <a:solidFill>
+            <a:schemeClr val="tx2">
+              <a:lumMod val="90000"/>
+              <a:lumOff val="10000"/>
+            </a:schemeClr>
+          </a:solidFill>
+          <a:ln>
+            <a:solidFill>
+              <a:schemeClr val="tx2">
+                <a:lumMod val="90000"/>
+                <a:lumOff val="10000"/>
+              </a:schemeClr>
+            </a:solidFill>
+          </a:ln>
+        </p:spPr>
+        <p:style>
+          <a:lnRef idx="2">
+            <a:schemeClr val="accent1">
+              <a:shade val="15000"/>
+            </a:schemeClr>
+          </a:lnRef>
+          <a:fillRef idx="1">
+            <a:schemeClr val="accent1"/>
+          </a:fillRef>
+          <a:effectRef idx="0">
+            <a:schemeClr val="accent1"/>
+          </a:effectRef>
+          <a:fontRef idx="minor">
+            <a:schemeClr val="lt1"/>
+          </a:fontRef>
+        </p:style>
+        <p:txBody>
+          <a:bodyPr rtlCol="0" anchor="ctr"/>
+          <a:lstStyle/>
+          <a:p>
+            <a:pPr algn="ctr"/>
+            <a:endParaRPr lang="it-IT" noProof="0" dirty="0"/>
+          </a:p>
+        </p:txBody>
+      </p:sp>
+      <p:sp>
+        <p:nvSpPr>
+          <p:cNvPr id="11" name="Rettangolo 10">
+            <a:extLst>
+              <a:ext uri="{FF2B5EF4-FFF2-40B4-BE49-F238E27FC236}">
+                <a16:creationId xmlns:a16="http://schemas.microsoft.com/office/drawing/2014/main" id="{A7EA9913-1AC3-7D4A-2157-2B54A7000AA2}"/>
+              </a:ext>
+            </a:extLst>
+          </p:cNvPr>
+          <p:cNvSpPr/>
+          <p:nvPr/>
+        </p:nvSpPr>
+        <p:spPr>
+          <a:xfrm>
+            <a:off x="10008781" y="0"/>
+            <a:ext cx="2183219" cy="6858000"/>
+          </a:xfrm>
+          <a:prstGeom prst="rect">
+            <a:avLst/>
+          </a:prstGeom>
+          <a:solidFill>
+            <a:schemeClr val="tx2">
+              <a:lumMod val="90000"/>
+              <a:lumOff val="10000"/>
+            </a:schemeClr>
+          </a:solidFill>
+          <a:ln>
+            <a:solidFill>
+              <a:srgbClr val="163E64"/>
+            </a:solidFill>
+          </a:ln>
+        </p:spPr>
+        <p:style>
+          <a:lnRef idx="2">
+            <a:schemeClr val="accent1">
+              <a:shade val="15000"/>
+            </a:schemeClr>
+          </a:lnRef>
+          <a:fillRef idx="1">
+            <a:schemeClr val="accent1"/>
+          </a:fillRef>
+          <a:effectRef idx="0">
+            <a:schemeClr val="accent1"/>
+          </a:effectRef>
+          <a:fontRef idx="minor">
+            <a:schemeClr val="lt1"/>
+          </a:fontRef>
+        </p:style>
+        <p:txBody>
+          <a:bodyPr rtlCol="0" anchor="ctr"/>
+          <a:lstStyle/>
+          <a:p>
+            <a:pPr algn="ctr"/>
+            <a:endParaRPr lang="it-IT" noProof="0" dirty="0"/>
+          </a:p>
+        </p:txBody>
+      </p:sp>
+      <p:cxnSp>
+        <p:nvCxnSpPr>
+          <p:cNvPr id="8" name="Connettore diritto 7">
+            <a:extLst>
+              <a:ext uri="{FF2B5EF4-FFF2-40B4-BE49-F238E27FC236}">
+                <a16:creationId xmlns:a16="http://schemas.microsoft.com/office/drawing/2014/main" id="{B8AB43C6-F387-E69A-86CD-A1AC24D4A29F}"/>
+              </a:ext>
+            </a:extLst>
+          </p:cNvPr>
+          <p:cNvCxnSpPr>
+            <a:cxnSpLocks/>
+          </p:cNvCxnSpPr>
+          <p:nvPr/>
+        </p:nvCxnSpPr>
+        <p:spPr>
+          <a:xfrm>
+            <a:off x="639725" y="1351691"/>
+            <a:ext cx="6654057" cy="0"/>
+          </a:xfrm>
+          <a:prstGeom prst="line">
+            <a:avLst/>
+          </a:prstGeom>
+          <a:ln>
+            <a:solidFill>
+              <a:schemeClr val="tx2">
+                <a:lumMod val="90000"/>
+                <a:lumOff val="10000"/>
+              </a:schemeClr>
+            </a:solidFill>
+          </a:ln>
+        </p:spPr>
+        <p:style>
+          <a:lnRef idx="2">
+            <a:schemeClr val="accent1"/>
+          </a:lnRef>
+          <a:fillRef idx="0">
+            <a:schemeClr val="accent1"/>
+          </a:fillRef>
+          <a:effectRef idx="1">
+            <a:schemeClr val="accent1"/>
+          </a:effectRef>
+          <a:fontRef idx="minor">
+            <a:schemeClr val="tx1"/>
+          </a:fontRef>
+        </p:style>
+      </p:cxnSp>
+      <p:sp>
+        <p:nvSpPr>
+          <p:cNvPr id="6" name="TextBox 5">
+            <a:extLst>
+              <a:ext uri="{FF2B5EF4-FFF2-40B4-BE49-F238E27FC236}">
+                <a16:creationId xmlns:a16="http://schemas.microsoft.com/office/drawing/2014/main" id="{1A234AD5-1C0F-3801-0826-9187DD2C3AB0}"/>
+              </a:ext>
+            </a:extLst>
+          </p:cNvPr>
+          <p:cNvSpPr txBox="1"/>
+          <p:nvPr/>
+        </p:nvSpPr>
+        <p:spPr>
+          <a:xfrm>
+            <a:off x="11654290" y="6452785"/>
+            <a:ext cx="438619" cy="307777"/>
+          </a:xfrm>
+          <a:prstGeom prst="rect">
+            <a:avLst/>
+          </a:prstGeom>
+          <a:noFill/>
+        </p:spPr>
+        <p:txBody>
+          <a:bodyPr wrap="square">
+            <a:spAutoFit/>
+          </a:bodyPr>
+          <a:lstStyle/>
+          <a:p>
+            <a:r>
+              <a:rPr lang="it-IT" sz="1400" noProof="0" dirty="0">
+                <a:solidFill>
+                  <a:schemeClr val="bg1"/>
+                </a:solidFill>
+              </a:rPr>
+              <a:t>6</a:t>
+            </a:r>
+            <a:endParaRPr lang="it-IT" sz="1400" noProof="0" dirty="0"/>
+          </a:p>
+        </p:txBody>
+      </p:sp>
+      <p:pic>
+        <p:nvPicPr>
+          <p:cNvPr id="16" name="Immagine 15" descr="Immagine che contiene schermata, Policromia, cerchio, blu&#10;&#10;Descrizione generata automaticamente">
+            <a:extLst>
+              <a:ext uri="{FF2B5EF4-FFF2-40B4-BE49-F238E27FC236}">
+                <a16:creationId xmlns:a16="http://schemas.microsoft.com/office/drawing/2014/main" id="{F932AEFD-F285-EEFC-4837-386D350A220C}"/>
+              </a:ext>
+            </a:extLst>
+          </p:cNvPr>
+          <p:cNvPicPr>
+            <a:picLocks noChangeAspect="1"/>
+          </p:cNvPicPr>
+          <p:nvPr/>
+        </p:nvPicPr>
+        <p:blipFill>
+          <a:blip r:embed="rId2">
+            <a:extLst>
+              <a:ext uri="{28A0092B-C50C-407E-A947-70E740481C1C}">
+                <a14:useLocalDpi xmlns:a14="http://schemas.microsoft.com/office/drawing/2010/main" val="0"/>
+              </a:ext>
+            </a:extLst>
+          </a:blip>
+          <a:stretch>
+            <a:fillRect/>
+          </a:stretch>
+        </p:blipFill>
+        <p:spPr>
+          <a:xfrm>
+            <a:off x="7293782" y="353207"/>
+            <a:ext cx="885600" cy="885600"/>
+          </a:xfrm>
+          <a:prstGeom prst="rect">
+            <a:avLst/>
+          </a:prstGeom>
+        </p:spPr>
+      </p:pic>
+      <p:sp>
+        <p:nvSpPr>
+          <p:cNvPr id="10" name="CasellaDiTesto 9">
+            <a:extLst>
+              <a:ext uri="{FF2B5EF4-FFF2-40B4-BE49-F238E27FC236}">
+                <a16:creationId xmlns:a16="http://schemas.microsoft.com/office/drawing/2014/main" id="{720F1E63-F380-A2C8-B252-1B4B987C123E}"/>
+              </a:ext>
+            </a:extLst>
+          </p:cNvPr>
+          <p:cNvSpPr txBox="1"/>
+          <p:nvPr/>
+        </p:nvSpPr>
+        <p:spPr>
+          <a:xfrm>
+            <a:off x="639724" y="1623385"/>
+            <a:ext cx="6654056" cy="646331"/>
+          </a:xfrm>
+          <a:prstGeom prst="rect">
+            <a:avLst/>
+          </a:prstGeom>
+          <a:noFill/>
+        </p:spPr>
+        <p:txBody>
+          <a:bodyPr wrap="square" rtlCol="0">
+            <a:spAutoFit/>
+          </a:bodyPr>
+          <a:lstStyle/>
+          <a:p>
+            <a:r>
+              <a:rPr lang="it-IT" noProof="0" dirty="0">
+                <a:solidFill>
+                  <a:schemeClr val="tx1">
+                    <a:lumMod val="85000"/>
+                    <a:lumOff val="15000"/>
+                  </a:schemeClr>
+                </a:solidFill>
+              </a:rPr>
+              <a:t/>
+            </a:r>
+            <a:br>
+              <a:rPr lang="it-IT" noProof="0" dirty="0">
+                <a:solidFill>
+                  <a:schemeClr val="tx1">
+                    <a:lumMod val="85000"/>
+                    <a:lumOff val="15000"/>
+                  </a:schemeClr>
+                </a:solidFill>
+              </a:rPr>
+            </a:br>
+            <a:endParaRPr lang="it-IT" noProof="0" dirty="0">
+              <a:solidFill>
+                <a:schemeClr val="tx1">
+                  <a:lumMod val="85000"/>
+                  <a:lumOff val="15000"/>
+                </a:schemeClr>
+              </a:solidFill>
+            </a:endParaRPr>
+          </a:p>
+        </p:txBody>
+      </p:sp>
+      <p:sp>
+        <p:nvSpPr>
+          <p:cNvPr id="12" name="CasellaDiTesto 6">
+            <a:extLst>
+              <a:ext uri="{FF2B5EF4-FFF2-40B4-BE49-F238E27FC236}">
+                <a16:creationId xmlns:a16="http://schemas.microsoft.com/office/drawing/2014/main" id="{8290C57E-5561-FDA2-5EFB-EDC39761C52E}"/>
+              </a:ext>
+            </a:extLst>
+          </p:cNvPr>
+          <p:cNvSpPr txBox="1"/>
+          <p:nvPr/>
+        </p:nvSpPr>
+        <p:spPr>
+          <a:xfrm>
+            <a:off x="639726" y="1613118"/>
+            <a:ext cx="6654054" cy="3200876"/>
+          </a:xfrm>
+          <a:prstGeom prst="rect">
+            <a:avLst/>
+          </a:prstGeom>
+          <a:noFill/>
+        </p:spPr>
+        <p:txBody>
+          <a:bodyPr wrap="square" rtlCol="0">
+            <a:spAutoFit/>
+          </a:bodyPr>
+          <a:lstStyle/>
+          <a:p>
+            <a:r>
+              <a:rPr lang="it-IT" b="1" u="sng" dirty="0">
+                <a:solidFill>
+                  <a:schemeClr val="tx1">
+                    <a:lumMod val="85000"/>
+                    <a:lumOff val="15000"/>
+                  </a:schemeClr>
+                </a:solidFill>
+              </a:rPr>
+              <a:t>Soluzione (Single Database, Separate </a:t>
+            </a:r>
+            <a:r>
+              <a:rPr lang="it-IT" b="1" u="sng" dirty="0" err="1">
+                <a:solidFill>
+                  <a:schemeClr val="tx1">
+                    <a:lumMod val="85000"/>
+                    <a:lumOff val="15000"/>
+                  </a:schemeClr>
+                </a:solidFill>
+              </a:rPr>
+              <a:t>Schemas</a:t>
+            </a:r>
+            <a:r>
+              <a:rPr lang="it-IT" b="1" u="sng" dirty="0" smtClean="0">
+                <a:solidFill>
+                  <a:schemeClr val="tx1">
+                    <a:lumMod val="85000"/>
+                    <a:lumOff val="15000"/>
+                  </a:schemeClr>
+                </a:solidFill>
+              </a:rPr>
+              <a:t>)</a:t>
+            </a:r>
+            <a:endParaRPr lang="it-IT" b="1" u="sng" noProof="0" dirty="0">
+              <a:solidFill>
+                <a:schemeClr val="tx1">
+                  <a:lumMod val="85000"/>
+                  <a:lumOff val="15000"/>
+                </a:schemeClr>
+              </a:solidFill>
+            </a:endParaRPr>
+          </a:p>
+          <a:p>
+            <a:endParaRPr lang="it-IT" b="1" dirty="0">
+              <a:solidFill>
+                <a:schemeClr val="tx1">
+                  <a:lumMod val="85000"/>
+                  <a:lumOff val="15000"/>
+                </a:schemeClr>
+              </a:solidFill>
+            </a:endParaRPr>
+          </a:p>
+          <a:p>
+            <a:pPr lvl="0"/>
+            <a:r>
+              <a:rPr lang="en-GB" b="1" dirty="0"/>
+              <a:t>- </a:t>
+            </a:r>
+            <a:r>
+              <a:rPr lang="en-GB" b="1" dirty="0" err="1" smtClean="0"/>
+              <a:t>Schemi</a:t>
+            </a:r>
+            <a:r>
+              <a:rPr lang="en-GB" b="1" dirty="0" smtClean="0"/>
+              <a:t> </a:t>
+            </a:r>
+            <a:r>
+              <a:rPr lang="en-GB" b="1" dirty="0" err="1" smtClean="0"/>
+              <a:t>separati</a:t>
+            </a:r>
+            <a:r>
+              <a:rPr lang="en-GB" dirty="0" smtClean="0"/>
+              <a:t>:</a:t>
+            </a:r>
+            <a:endParaRPr lang="en-GB" sz="1600" dirty="0"/>
+          </a:p>
+          <a:p>
+            <a:pPr marL="742950" lvl="1" indent="-285750">
+              <a:buFont typeface="Arial" panose="020B0604020202020204" pitchFamily="34" charset="0"/>
+              <a:buChar char="•"/>
+            </a:pPr>
+            <a:r>
+              <a:rPr lang="it-IT" sz="1600" dirty="0" smtClean="0"/>
+              <a:t>Ogni </a:t>
+            </a:r>
+            <a:r>
+              <a:rPr lang="it-IT" sz="1600" dirty="0" err="1"/>
+              <a:t>tenant</a:t>
+            </a:r>
+            <a:r>
+              <a:rPr lang="it-IT" sz="1600" dirty="0"/>
+              <a:t> dispone del proprio schema nel database condiviso</a:t>
+            </a:r>
+            <a:endParaRPr lang="en-GB" sz="1600" dirty="0" smtClean="0"/>
+          </a:p>
+          <a:p>
+            <a:pPr lvl="0"/>
+            <a:r>
+              <a:rPr lang="en-GB" b="1" dirty="0" smtClean="0"/>
+              <a:t>- </a:t>
+            </a:r>
+            <a:r>
+              <a:rPr lang="en-GB" b="1" dirty="0" err="1" smtClean="0"/>
+              <a:t>Utenti</a:t>
+            </a:r>
+            <a:r>
+              <a:rPr lang="en-GB" b="1" dirty="0" smtClean="0"/>
+              <a:t> database </a:t>
+            </a:r>
+            <a:r>
+              <a:rPr lang="en-GB" b="1" dirty="0" err="1" smtClean="0"/>
+              <a:t>dedicati</a:t>
+            </a:r>
+            <a:r>
+              <a:rPr lang="en-GB" dirty="0" smtClean="0"/>
+              <a:t>:</a:t>
+            </a:r>
+            <a:endParaRPr lang="en-GB" sz="1600" dirty="0" smtClean="0"/>
+          </a:p>
+          <a:p>
+            <a:pPr marL="742950" lvl="1" indent="-285750">
+              <a:buFont typeface="Arial" panose="020B0604020202020204" pitchFamily="34" charset="0"/>
+              <a:buChar char="•"/>
+            </a:pPr>
+            <a:r>
+              <a:rPr lang="it-IT" sz="1600" dirty="0" smtClean="0"/>
+              <a:t>Ogni </a:t>
+            </a:r>
+            <a:r>
+              <a:rPr lang="it-IT" sz="1600" dirty="0" err="1"/>
+              <a:t>tenant</a:t>
+            </a:r>
+            <a:r>
+              <a:rPr lang="it-IT" sz="1600" dirty="0"/>
+              <a:t> dispone di un utente configurato con privilegi limitati sul relativo schema</a:t>
+            </a:r>
+            <a:endParaRPr lang="en-GB" sz="1600" dirty="0" smtClean="0"/>
+          </a:p>
+          <a:p>
+            <a:pPr lvl="0"/>
+            <a:r>
+              <a:rPr lang="en-GB" b="1" dirty="0" smtClean="0"/>
+              <a:t>- </a:t>
+            </a:r>
+            <a:r>
+              <a:rPr lang="en-GB" b="1" dirty="0" err="1" smtClean="0"/>
+              <a:t>Connessioni</a:t>
+            </a:r>
+            <a:r>
+              <a:rPr lang="en-GB" b="1" dirty="0" smtClean="0"/>
+              <a:t> </a:t>
+            </a:r>
+            <a:r>
+              <a:rPr lang="en-GB" b="1" dirty="0" err="1" smtClean="0"/>
+              <a:t>dinamiche</a:t>
+            </a:r>
+            <a:r>
+              <a:rPr lang="en-GB" b="1" dirty="0" smtClean="0"/>
+              <a:t>:</a:t>
+            </a:r>
+            <a:endParaRPr lang="en-GB" sz="1600" b="1" dirty="0" smtClean="0"/>
+          </a:p>
+          <a:p>
+            <a:pPr marL="742950" lvl="1" indent="-285750">
+              <a:buFont typeface="Arial" panose="020B0604020202020204" pitchFamily="34" charset="0"/>
+              <a:buChar char="•"/>
+            </a:pPr>
+            <a:r>
+              <a:rPr lang="it-IT" sz="1600" dirty="0"/>
+              <a:t>I</a:t>
+            </a:r>
+            <a:r>
+              <a:rPr lang="it-IT" sz="1600" dirty="0" smtClean="0"/>
+              <a:t>l </a:t>
+            </a:r>
+            <a:r>
+              <a:rPr lang="it-IT" sz="1600" dirty="0"/>
+              <a:t>provider delle connessioni seleziona l’utente appropriato in base all’identificatore del </a:t>
+            </a:r>
+            <a:r>
+              <a:rPr lang="it-IT" sz="1600" dirty="0" err="1"/>
+              <a:t>tenant</a:t>
+            </a:r>
+            <a:r>
+              <a:rPr lang="it-IT" sz="1600" dirty="0"/>
+              <a:t>, garantendo l'isolamento a livello di </a:t>
+            </a:r>
+            <a:r>
+              <a:rPr lang="it-IT" sz="1600" dirty="0" err="1"/>
+              <a:t>query</a:t>
+            </a:r>
+            <a:r>
+              <a:rPr lang="it-IT" sz="1600" dirty="0"/>
+              <a:t> SQL e operazioni database</a:t>
+            </a:r>
+            <a:endParaRPr lang="en-GB" sz="1600" dirty="0"/>
+          </a:p>
+        </p:txBody>
+      </p:sp>
+      <p:pic>
+        <p:nvPicPr>
+          <p:cNvPr id="13" name="Picture 2">
+            <a:extLst>
+              <a:ext uri="{FF2B5EF4-FFF2-40B4-BE49-F238E27FC236}">
+                <a16:creationId xmlns:a16="http://schemas.microsoft.com/office/drawing/2014/main" id="{BA9AB35F-ED47-DBCD-7041-4EA50B6DAAC3}"/>
+              </a:ext>
+            </a:extLst>
+          </p:cNvPr>
+          <p:cNvPicPr>
+            <a:picLocks noChangeAspect="1" noChangeArrowheads="1"/>
+          </p:cNvPicPr>
+          <p:nvPr/>
+        </p:nvPicPr>
+        <p:blipFill>
+          <a:blip r:embed="rId3">
+            <a:extLst>
+              <a:ext uri="{28A0092B-C50C-407E-A947-70E740481C1C}">
+                <a14:useLocalDpi xmlns:a14="http://schemas.microsoft.com/office/drawing/2010/main" val="0"/>
+              </a:ext>
+            </a:extLst>
+          </a:blip>
+          <a:srcRect/>
+          <a:stretch>
+            <a:fillRect/>
+          </a:stretch>
+        </p:blipFill>
+        <p:spPr bwMode="auto">
+          <a:xfrm>
+            <a:off x="7564795" y="2534548"/>
+            <a:ext cx="1782406" cy="2567606"/>
+          </a:xfrm>
+          <a:prstGeom prst="rect">
+            <a:avLst/>
+          </a:prstGeom>
+          <a:noFill/>
+          <a:extLst>
+            <a:ext uri="{909E8E84-426E-40DD-AFC4-6F175D3DCCD1}">
+              <a14:hiddenFill xmlns:a14="http://schemas.microsoft.com/office/drawing/2010/main">
+                <a:solidFill>
+                  <a:srgbClr val="FFFFFF"/>
+                </a:solidFill>
+              </a14:hiddenFill>
+            </a:ext>
+          </a:extLst>
+        </p:spPr>
+      </p:pic>
+    </p:spTree>
+    <p:extLst>
+      <p:ext uri="{BB962C8B-B14F-4D97-AF65-F5344CB8AC3E}">
+        <p14:creationId xmlns:p14="http://schemas.microsoft.com/office/powerpoint/2010/main" val="650115643"/>
+      </p:ext>
+    </p:extLst>
+  </p:cSld>
+  <p:clrMapOvr>
+    <a:masterClrMapping/>
+  </p:clrMapOvr>
+  <p:timing>
+    <p:tnLst>
+      <p:par>
+        <p:cTn id="1" dur="indefinite" restart="never" nodeType="tmRoot"/>
+      </p:par>
+    </p:tnLst>
+  </p:timing>
+</p:sld>
+</file>
+
+<file path=ppt/slides/slide7.xml><?xml version="1.0" encoding="utf-8"?>
+<p:sld xmlns:a="http://schemas.openxmlformats.org/drawingml/2006/main" xmlns:r="http://schemas.openxmlformats.org/officeDocument/2006/relationships" xmlns:p="http://schemas.openxmlformats.org/presentationml/2006/main">
+  <p:cSld>
+    <p:spTree>
+      <p:nvGrpSpPr>
+        <p:cNvPr id="1" name="">
+          <a:extLst>
+            <a:ext uri="{FF2B5EF4-FFF2-40B4-BE49-F238E27FC236}">
+              <a16:creationId xmlns:a16="http://schemas.microsoft.com/office/drawing/2014/main" id="{AFC15726-FA8E-B025-0B1D-A5B8587DB163}"/>
+            </a:ext>
+          </a:extLst>
+        </p:cNvPr>
+        <p:cNvGrpSpPr/>
+        <p:nvPr/>
+      </p:nvGrpSpPr>
+      <p:grpSpPr>
+        <a:xfrm>
+          <a:off x="0" y="0"/>
+          <a:ext cx="0" cy="0"/>
+          <a:chOff x="0" y="0"/>
+          <a:chExt cx="0" cy="0"/>
+        </a:xfrm>
+      </p:grpSpPr>
+      <p:sp>
+        <p:nvSpPr>
+          <p:cNvPr id="2" name="Titolo 1">
+            <a:extLst>
+              <a:ext uri="{FF2B5EF4-FFF2-40B4-BE49-F238E27FC236}">
+                <a16:creationId xmlns:a16="http://schemas.microsoft.com/office/drawing/2014/main" id="{2E17763D-3E5C-845B-21BF-7DEEE1DE766F}"/>
+              </a:ext>
+            </a:extLst>
+          </p:cNvPr>
+          <p:cNvSpPr>
+            <a:spLocks noGrp="1"/>
+          </p:cNvSpPr>
+          <p:nvPr>
+            <p:ph type="title"/>
+          </p:nvPr>
+        </p:nvSpPr>
+        <p:spPr>
+          <a:xfrm>
+            <a:off x="639725" y="472780"/>
+            <a:ext cx="6654056" cy="653143"/>
+          </a:xfrm>
+        </p:spPr>
+        <p:txBody>
+          <a:bodyPr>
+            <a:normAutofit fontScale="90000"/>
+          </a:bodyPr>
+          <a:lstStyle/>
+          <a:p>
+            <a:r>
+              <a:rPr lang="it-IT" sz="4000" noProof="0" dirty="0">
+                <a:solidFill>
+                  <a:schemeClr val="tx2">
+                    <a:lumMod val="90000"/>
+                    <a:lumOff val="10000"/>
+                  </a:schemeClr>
+                </a:solidFill>
+              </a:rPr>
+              <a:t>GOAL: Multi-</a:t>
+            </a:r>
+            <a:r>
+              <a:rPr lang="it-IT" sz="4000" noProof="0" dirty="0" err="1">
+                <a:solidFill>
+                  <a:schemeClr val="tx2">
+                    <a:lumMod val="90000"/>
+                    <a:lumOff val="10000"/>
+                  </a:schemeClr>
+                </a:solidFill>
+              </a:rPr>
+              <a:t>Tenancy</a:t>
+            </a:r>
+            <a:r>
+              <a:rPr lang="it-IT" sz="4000" dirty="0">
+                <a:solidFill>
+                  <a:schemeClr val="tx2">
+                    <a:lumMod val="90000"/>
+                    <a:lumOff val="10000"/>
+                  </a:schemeClr>
+                </a:solidFill>
+              </a:rPr>
+              <a:t> </a:t>
+            </a:r>
+            <a:r>
+              <a:rPr lang="it-IT" sz="4000" dirty="0" smtClean="0">
+                <a:solidFill>
+                  <a:schemeClr val="tx2">
+                    <a:lumMod val="90000"/>
+                    <a:lumOff val="10000"/>
+                  </a:schemeClr>
+                </a:solidFill>
+              </a:rPr>
+              <a:t>data </a:t>
+            </a:r>
+            <a:r>
+              <a:rPr lang="it-IT" sz="4000" dirty="0" err="1" smtClean="0">
+                <a:solidFill>
+                  <a:schemeClr val="tx2">
+                    <a:lumMod val="90000"/>
+                    <a:lumOff val="10000"/>
+                  </a:schemeClr>
+                </a:solidFill>
+              </a:rPr>
+              <a:t>segregation</a:t>
+            </a:r>
+            <a:endParaRPr lang="it-IT" sz="4000" noProof="0" dirty="0">
+              <a:solidFill>
+                <a:schemeClr val="tx2">
+                  <a:lumMod val="90000"/>
+                  <a:lumOff val="10000"/>
+                </a:schemeClr>
+              </a:solidFill>
+            </a:endParaRPr>
+          </a:p>
+        </p:txBody>
+      </p:sp>
+      <p:sp>
+        <p:nvSpPr>
+          <p:cNvPr id="4" name="Rettangolo 3">
+            <a:extLst>
+              <a:ext uri="{FF2B5EF4-FFF2-40B4-BE49-F238E27FC236}">
+                <a16:creationId xmlns:a16="http://schemas.microsoft.com/office/drawing/2014/main" id="{FC4A7560-125A-F332-2B2C-3AE9877439D5}"/>
+              </a:ext>
+            </a:extLst>
+          </p:cNvPr>
+          <p:cNvSpPr/>
+          <p:nvPr/>
+        </p:nvSpPr>
+        <p:spPr>
+          <a:xfrm>
+            <a:off x="0" y="472781"/>
+            <a:ext cx="190243" cy="653143"/>
+          </a:xfrm>
+          <a:prstGeom prst="rect">
+            <a:avLst/>
+          </a:prstGeom>
+          <a:solidFill>
+            <a:schemeClr val="tx2">
+              <a:lumMod val="90000"/>
+              <a:lumOff val="10000"/>
+            </a:schemeClr>
+          </a:solidFill>
+          <a:ln>
+            <a:solidFill>
+              <a:schemeClr val="tx2">
+                <a:lumMod val="90000"/>
+                <a:lumOff val="10000"/>
+              </a:schemeClr>
+            </a:solidFill>
+          </a:ln>
+        </p:spPr>
+        <p:style>
+          <a:lnRef idx="2">
+            <a:schemeClr val="accent1">
+              <a:shade val="15000"/>
+            </a:schemeClr>
+          </a:lnRef>
+          <a:fillRef idx="1">
+            <a:schemeClr val="accent1"/>
+          </a:fillRef>
+          <a:effectRef idx="0">
+            <a:schemeClr val="accent1"/>
+          </a:effectRef>
+          <a:fontRef idx="minor">
+            <a:schemeClr val="lt1"/>
+          </a:fontRef>
+        </p:style>
+        <p:txBody>
+          <a:bodyPr rtlCol="0" anchor="ctr"/>
+          <a:lstStyle/>
+          <a:p>
+            <a:pPr algn="ctr"/>
+            <a:endParaRPr lang="it-IT" noProof="0" dirty="0"/>
+          </a:p>
+        </p:txBody>
+      </p:sp>
+      <p:sp>
+        <p:nvSpPr>
+          <p:cNvPr id="5" name="Rettangolo 4">
+            <a:extLst>
+              <a:ext uri="{FF2B5EF4-FFF2-40B4-BE49-F238E27FC236}">
+                <a16:creationId xmlns:a16="http://schemas.microsoft.com/office/drawing/2014/main" id="{C993B1D6-9C3A-29F4-79E3-A36FF29F3563}"/>
+              </a:ext>
+            </a:extLst>
+          </p:cNvPr>
+          <p:cNvSpPr/>
+          <p:nvPr/>
+        </p:nvSpPr>
+        <p:spPr>
+          <a:xfrm>
+            <a:off x="289539" y="472780"/>
+            <a:ext cx="139359" cy="653143"/>
+          </a:xfrm>
+          <a:prstGeom prst="rect">
+            <a:avLst/>
+          </a:prstGeom>
+          <a:solidFill>
+            <a:schemeClr val="tx2">
+              <a:lumMod val="90000"/>
+              <a:lumOff val="10000"/>
+            </a:schemeClr>
+          </a:solidFill>
+          <a:ln>
+            <a:solidFill>
+              <a:schemeClr val="tx2">
+                <a:lumMod val="90000"/>
+                <a:lumOff val="10000"/>
+              </a:schemeClr>
+            </a:solidFill>
+          </a:ln>
+        </p:spPr>
+        <p:style>
+          <a:lnRef idx="2">
+            <a:schemeClr val="accent1">
+              <a:shade val="15000"/>
+            </a:schemeClr>
+          </a:lnRef>
+          <a:fillRef idx="1">
+            <a:schemeClr val="accent1"/>
+          </a:fillRef>
+          <a:effectRef idx="0">
+            <a:schemeClr val="accent1"/>
+          </a:effectRef>
+          <a:fontRef idx="minor">
+            <a:schemeClr val="lt1"/>
+          </a:fontRef>
+        </p:style>
+        <p:txBody>
+          <a:bodyPr rtlCol="0" anchor="ctr"/>
+          <a:lstStyle/>
+          <a:p>
+            <a:pPr algn="ctr"/>
+            <a:endParaRPr lang="it-IT" noProof="0" dirty="0"/>
+          </a:p>
+        </p:txBody>
+      </p:sp>
+      <p:sp>
+        <p:nvSpPr>
+          <p:cNvPr id="11" name="Rettangolo 10">
+            <a:extLst>
+              <a:ext uri="{FF2B5EF4-FFF2-40B4-BE49-F238E27FC236}">
+                <a16:creationId xmlns:a16="http://schemas.microsoft.com/office/drawing/2014/main" id="{A7EA9913-1AC3-7D4A-2157-2B54A7000AA2}"/>
+              </a:ext>
+            </a:extLst>
+          </p:cNvPr>
+          <p:cNvSpPr/>
+          <p:nvPr/>
+        </p:nvSpPr>
+        <p:spPr>
+          <a:xfrm>
+            <a:off x="10008781" y="0"/>
+            <a:ext cx="2183219" cy="6858000"/>
+          </a:xfrm>
+          <a:prstGeom prst="rect">
+            <a:avLst/>
+          </a:prstGeom>
+          <a:solidFill>
+            <a:schemeClr val="tx2">
+              <a:lumMod val="90000"/>
+              <a:lumOff val="10000"/>
+            </a:schemeClr>
+          </a:solidFill>
+          <a:ln>
+            <a:solidFill>
+              <a:srgbClr val="163E64"/>
+            </a:solidFill>
+          </a:ln>
+        </p:spPr>
+        <p:style>
+          <a:lnRef idx="2">
+            <a:schemeClr val="accent1">
+              <a:shade val="15000"/>
+            </a:schemeClr>
+          </a:lnRef>
+          <a:fillRef idx="1">
+            <a:schemeClr val="accent1"/>
+          </a:fillRef>
+          <a:effectRef idx="0">
+            <a:schemeClr val="accent1"/>
+          </a:effectRef>
+          <a:fontRef idx="minor">
+            <a:schemeClr val="lt1"/>
+          </a:fontRef>
+        </p:style>
+        <p:txBody>
+          <a:bodyPr rtlCol="0" anchor="ctr"/>
+          <a:lstStyle/>
+          <a:p>
+            <a:pPr algn="ctr"/>
+            <a:endParaRPr lang="it-IT" noProof="0" dirty="0"/>
+          </a:p>
+        </p:txBody>
+      </p:sp>
+      <p:cxnSp>
+        <p:nvCxnSpPr>
+          <p:cNvPr id="8" name="Connettore diritto 7">
+            <a:extLst>
+              <a:ext uri="{FF2B5EF4-FFF2-40B4-BE49-F238E27FC236}">
+                <a16:creationId xmlns:a16="http://schemas.microsoft.com/office/drawing/2014/main" id="{B8AB43C6-F387-E69A-86CD-A1AC24D4A29F}"/>
+              </a:ext>
+            </a:extLst>
+          </p:cNvPr>
+          <p:cNvCxnSpPr>
+            <a:cxnSpLocks/>
+          </p:cNvCxnSpPr>
+          <p:nvPr/>
+        </p:nvCxnSpPr>
+        <p:spPr>
+          <a:xfrm>
+            <a:off x="639725" y="1351691"/>
+            <a:ext cx="6654057" cy="0"/>
+          </a:xfrm>
+          <a:prstGeom prst="line">
+            <a:avLst/>
+          </a:prstGeom>
+          <a:ln>
+            <a:solidFill>
+              <a:schemeClr val="tx2">
+                <a:lumMod val="90000"/>
+                <a:lumOff val="10000"/>
+              </a:schemeClr>
+            </a:solidFill>
+          </a:ln>
+        </p:spPr>
+        <p:style>
+          <a:lnRef idx="2">
+            <a:schemeClr val="accent1"/>
+          </a:lnRef>
+          <a:fillRef idx="0">
+            <a:schemeClr val="accent1"/>
+          </a:fillRef>
+          <a:effectRef idx="1">
+            <a:schemeClr val="accent1"/>
+          </a:effectRef>
+          <a:fontRef idx="minor">
+            <a:schemeClr val="tx1"/>
+          </a:fontRef>
+        </p:style>
+      </p:cxnSp>
+      <p:sp>
+        <p:nvSpPr>
+          <p:cNvPr id="6" name="TextBox 5">
+            <a:extLst>
+              <a:ext uri="{FF2B5EF4-FFF2-40B4-BE49-F238E27FC236}">
+                <a16:creationId xmlns:a16="http://schemas.microsoft.com/office/drawing/2014/main" id="{1A234AD5-1C0F-3801-0826-9187DD2C3AB0}"/>
+              </a:ext>
+            </a:extLst>
+          </p:cNvPr>
+          <p:cNvSpPr txBox="1"/>
+          <p:nvPr/>
+        </p:nvSpPr>
+        <p:spPr>
+          <a:xfrm>
+            <a:off x="11654290" y="6452785"/>
+            <a:ext cx="438619" cy="307777"/>
+          </a:xfrm>
+          <a:prstGeom prst="rect">
+            <a:avLst/>
+          </a:prstGeom>
+          <a:noFill/>
+        </p:spPr>
+        <p:txBody>
+          <a:bodyPr wrap="square">
+            <a:spAutoFit/>
+          </a:bodyPr>
+          <a:lstStyle/>
+          <a:p>
+            <a:r>
+              <a:rPr lang="it-IT" sz="1400" dirty="0">
+                <a:solidFill>
+                  <a:schemeClr val="bg1"/>
+                </a:solidFill>
+              </a:rPr>
+              <a:t>7</a:t>
+            </a:r>
+            <a:endParaRPr lang="it-IT" sz="1400" noProof="0" dirty="0"/>
+          </a:p>
+        </p:txBody>
+      </p:sp>
+      <p:pic>
+        <p:nvPicPr>
+          <p:cNvPr id="16" name="Immagine 15" descr="Immagine che contiene schermata, Policromia, cerchio, blu&#10;&#10;Descrizione generata automaticamente">
+            <a:extLst>
+              <a:ext uri="{FF2B5EF4-FFF2-40B4-BE49-F238E27FC236}">
+                <a16:creationId xmlns:a16="http://schemas.microsoft.com/office/drawing/2014/main" id="{F932AEFD-F285-EEFC-4837-386D350A220C}"/>
+              </a:ext>
+            </a:extLst>
+          </p:cNvPr>
+          <p:cNvPicPr>
+            <a:picLocks noChangeAspect="1"/>
+          </p:cNvPicPr>
+          <p:nvPr/>
+        </p:nvPicPr>
+        <p:blipFill>
+          <a:blip r:embed="rId2">
+            <a:extLst>
+              <a:ext uri="{28A0092B-C50C-407E-A947-70E740481C1C}">
+                <a14:useLocalDpi xmlns:a14="http://schemas.microsoft.com/office/drawing/2010/main" val="0"/>
+              </a:ext>
+            </a:extLst>
+          </a:blip>
+          <a:stretch>
+            <a:fillRect/>
+          </a:stretch>
+        </p:blipFill>
+        <p:spPr>
+          <a:xfrm>
+            <a:off x="7293782" y="353207"/>
+            <a:ext cx="885600" cy="885600"/>
+          </a:xfrm>
+          <a:prstGeom prst="rect">
+            <a:avLst/>
+          </a:prstGeom>
+        </p:spPr>
+      </p:pic>
+      <p:sp>
+        <p:nvSpPr>
+          <p:cNvPr id="10" name="CasellaDiTesto 9">
+            <a:extLst>
+              <a:ext uri="{FF2B5EF4-FFF2-40B4-BE49-F238E27FC236}">
+                <a16:creationId xmlns:a16="http://schemas.microsoft.com/office/drawing/2014/main" id="{720F1E63-F380-A2C8-B252-1B4B987C123E}"/>
+              </a:ext>
+            </a:extLst>
+          </p:cNvPr>
+          <p:cNvSpPr txBox="1"/>
+          <p:nvPr/>
+        </p:nvSpPr>
+        <p:spPr>
+          <a:xfrm>
+            <a:off x="639724" y="1623385"/>
+            <a:ext cx="6654056" cy="646331"/>
+          </a:xfrm>
+          <a:prstGeom prst="rect">
+            <a:avLst/>
+          </a:prstGeom>
+          <a:noFill/>
+        </p:spPr>
+        <p:txBody>
+          <a:bodyPr wrap="square" rtlCol="0">
+            <a:spAutoFit/>
+          </a:bodyPr>
+          <a:lstStyle/>
+          <a:p>
+            <a:r>
+              <a:rPr lang="it-IT" noProof="0" dirty="0">
+                <a:solidFill>
+                  <a:schemeClr val="tx1">
+                    <a:lumMod val="85000"/>
+                    <a:lumOff val="15000"/>
+                  </a:schemeClr>
+                </a:solidFill>
+              </a:rPr>
+              <a:t/>
+            </a:r>
+            <a:br>
+              <a:rPr lang="it-IT" noProof="0" dirty="0">
+                <a:solidFill>
+                  <a:schemeClr val="tx1">
+                    <a:lumMod val="85000"/>
+                    <a:lumOff val="15000"/>
+                  </a:schemeClr>
+                </a:solidFill>
+              </a:rPr>
+            </a:br>
+            <a:endParaRPr lang="it-IT" noProof="0" dirty="0">
+              <a:solidFill>
+                <a:schemeClr val="tx1">
+                  <a:lumMod val="85000"/>
+                  <a:lumOff val="15000"/>
+                </a:schemeClr>
+              </a:solidFill>
+            </a:endParaRPr>
+          </a:p>
+        </p:txBody>
+      </p:sp>
+      <p:sp>
+        <p:nvSpPr>
+          <p:cNvPr id="12" name="CasellaDiTesto 6">
+            <a:extLst>
+              <a:ext uri="{FF2B5EF4-FFF2-40B4-BE49-F238E27FC236}">
+                <a16:creationId xmlns:a16="http://schemas.microsoft.com/office/drawing/2014/main" id="{8290C57E-5561-FDA2-5EFB-EDC39761C52E}"/>
+              </a:ext>
+            </a:extLst>
+          </p:cNvPr>
+          <p:cNvSpPr txBox="1"/>
+          <p:nvPr/>
+        </p:nvSpPr>
+        <p:spPr>
+          <a:xfrm>
+            <a:off x="639726" y="1613118"/>
+            <a:ext cx="6654054" cy="3939540"/>
+          </a:xfrm>
+          <a:prstGeom prst="rect">
+            <a:avLst/>
+          </a:prstGeom>
+          <a:noFill/>
+        </p:spPr>
+        <p:txBody>
+          <a:bodyPr wrap="square" rtlCol="0">
+            <a:spAutoFit/>
+          </a:bodyPr>
+          <a:lstStyle/>
+          <a:p>
+            <a:r>
+              <a:rPr lang="it-IT" b="1" u="sng" dirty="0" smtClean="0">
+                <a:solidFill>
+                  <a:schemeClr val="tx1">
+                    <a:lumMod val="85000"/>
+                    <a:lumOff val="15000"/>
+                  </a:schemeClr>
+                </a:solidFill>
+              </a:rPr>
+              <a:t>Implementazione </a:t>
+            </a:r>
+            <a:r>
+              <a:rPr lang="it-IT" b="1" u="sng" dirty="0">
+                <a:solidFill>
+                  <a:schemeClr val="tx1">
+                    <a:lumMod val="85000"/>
+                    <a:lumOff val="15000"/>
+                  </a:schemeClr>
+                </a:solidFill>
+              </a:rPr>
+              <a:t>(Single Database, Separate </a:t>
+            </a:r>
+            <a:r>
+              <a:rPr lang="it-IT" b="1" u="sng" dirty="0" err="1">
+                <a:solidFill>
+                  <a:schemeClr val="tx1">
+                    <a:lumMod val="85000"/>
+                    <a:lumOff val="15000"/>
+                  </a:schemeClr>
+                </a:solidFill>
+              </a:rPr>
+              <a:t>Schemas</a:t>
+            </a:r>
+            <a:r>
+              <a:rPr lang="it-IT" b="1" u="sng" dirty="0">
+                <a:solidFill>
+                  <a:schemeClr val="tx1">
+                    <a:lumMod val="85000"/>
+                    <a:lumOff val="15000"/>
+                  </a:schemeClr>
+                </a:solidFill>
+              </a:rPr>
+              <a:t>)</a:t>
+            </a:r>
+          </a:p>
+          <a:p>
+            <a:endParaRPr lang="it-IT" b="1" dirty="0">
+              <a:solidFill>
+                <a:schemeClr val="tx1">
+                  <a:lumMod val="85000"/>
+                  <a:lumOff val="15000"/>
+                </a:schemeClr>
+              </a:solidFill>
+            </a:endParaRPr>
+          </a:p>
+          <a:p>
+            <a:pPr lvl="0"/>
+            <a:r>
+              <a:rPr lang="en-GB" b="1" dirty="0"/>
+              <a:t>- </a:t>
+            </a:r>
+            <a:r>
+              <a:rPr lang="en-GB" b="1" dirty="0" err="1"/>
+              <a:t>Connessioni</a:t>
+            </a:r>
+            <a:r>
+              <a:rPr lang="en-GB" b="1" dirty="0"/>
+              <a:t> </a:t>
+            </a:r>
+            <a:r>
+              <a:rPr lang="en-GB" b="1" dirty="0" err="1"/>
+              <a:t>dinamiche</a:t>
+            </a:r>
+            <a:r>
+              <a:rPr lang="en-GB" b="1" dirty="0"/>
+              <a:t> </a:t>
+            </a:r>
+            <a:r>
+              <a:rPr lang="en-GB" b="1" dirty="0" err="1"/>
+              <a:t>personalizzate</a:t>
+            </a:r>
+            <a:r>
+              <a:rPr lang="en-GB" dirty="0" smtClean="0"/>
+              <a:t>:</a:t>
+            </a:r>
+            <a:endParaRPr lang="en-GB" sz="1600" dirty="0"/>
+          </a:p>
+          <a:p>
+            <a:pPr marL="742950" lvl="1" indent="-285750">
+              <a:buFont typeface="Arial" panose="020B0604020202020204" pitchFamily="34" charset="0"/>
+              <a:buChar char="•"/>
+            </a:pPr>
+            <a:r>
+              <a:rPr lang="it-IT" sz="1600" dirty="0"/>
+              <a:t>La classe </a:t>
+            </a:r>
+            <a:r>
+              <a:rPr lang="it-IT" sz="1600" i="1" dirty="0" err="1"/>
+              <a:t>DataSourceConfig</a:t>
+            </a:r>
+            <a:r>
+              <a:rPr lang="it-IT" sz="1600" dirty="0"/>
+              <a:t> crea connessioni con credenziali specifiche per ogni </a:t>
+            </a:r>
+            <a:r>
+              <a:rPr lang="it-IT" sz="1600" dirty="0" err="1"/>
+              <a:t>tenant</a:t>
+            </a:r>
+            <a:endParaRPr lang="en-GB" sz="1600" dirty="0"/>
+          </a:p>
+          <a:p>
+            <a:pPr lvl="0"/>
+            <a:r>
+              <a:rPr lang="en-GB" b="1" dirty="0"/>
+              <a:t>- </a:t>
+            </a:r>
+            <a:r>
+              <a:rPr lang="en-GB" b="1" dirty="0" err="1"/>
+              <a:t>Gestione</a:t>
+            </a:r>
+            <a:r>
+              <a:rPr lang="en-GB" b="1" dirty="0"/>
+              <a:t> </a:t>
+            </a:r>
+            <a:r>
+              <a:rPr lang="en-GB" b="1" dirty="0" err="1"/>
+              <a:t>dinamica</a:t>
+            </a:r>
+            <a:r>
+              <a:rPr lang="en-GB" b="1" dirty="0"/>
+              <a:t> </a:t>
+            </a:r>
+            <a:r>
+              <a:rPr lang="en-GB" b="1" dirty="0" err="1"/>
+              <a:t>dei</a:t>
+            </a:r>
+            <a:r>
+              <a:rPr lang="en-GB" b="1" dirty="0"/>
+              <a:t> tenant</a:t>
+            </a:r>
+            <a:r>
+              <a:rPr lang="en-GB" dirty="0" smtClean="0"/>
+              <a:t>:</a:t>
+            </a:r>
+            <a:endParaRPr lang="en-GB" sz="1600" dirty="0"/>
+          </a:p>
+          <a:p>
+            <a:pPr marL="742950" lvl="1" indent="-285750">
+              <a:buFont typeface="Arial" panose="020B0604020202020204" pitchFamily="34" charset="0"/>
+              <a:buChar char="•"/>
+            </a:pPr>
+            <a:r>
+              <a:rPr lang="it-IT" sz="1600" dirty="0"/>
+              <a:t>La classe </a:t>
+            </a:r>
+            <a:r>
+              <a:rPr lang="it-IT" sz="1600" i="1" dirty="0" err="1"/>
+              <a:t>SchemaSwitchingConnectionProviderPostgreSQL</a:t>
+            </a:r>
+            <a:r>
+              <a:rPr lang="it-IT" sz="1600" dirty="0"/>
+              <a:t> imposta il contesto SQL </a:t>
+            </a:r>
+            <a:r>
+              <a:rPr lang="it-IT" sz="1600" dirty="0" smtClean="0"/>
+              <a:t>per </a:t>
+            </a:r>
+            <a:r>
+              <a:rPr lang="it-IT" sz="1600" dirty="0"/>
+              <a:t>isolare le </a:t>
+            </a:r>
+            <a:r>
+              <a:rPr lang="it-IT" sz="1600" dirty="0" err="1"/>
+              <a:t>query</a:t>
+            </a:r>
+            <a:r>
+              <a:rPr lang="it-IT" sz="1600" dirty="0"/>
+              <a:t> al solo schema del </a:t>
+            </a:r>
+            <a:r>
+              <a:rPr lang="it-IT" sz="1600" dirty="0" err="1"/>
+              <a:t>tenant</a:t>
+            </a:r>
+            <a:endParaRPr lang="en-GB" sz="1600" dirty="0"/>
+          </a:p>
+          <a:p>
+            <a:pPr lvl="0"/>
+            <a:r>
+              <a:rPr lang="en-GB" b="1" dirty="0"/>
+              <a:t>- </a:t>
+            </a:r>
+            <a:r>
+              <a:rPr lang="en-GB" b="1" dirty="0" err="1"/>
+              <a:t>Integrazione</a:t>
+            </a:r>
+            <a:r>
+              <a:rPr lang="en-GB" b="1" dirty="0"/>
+              <a:t> con Hibernate:</a:t>
+            </a:r>
+            <a:endParaRPr lang="en-GB" sz="1600" b="1" dirty="0"/>
+          </a:p>
+          <a:p>
+            <a:pPr marL="742950" lvl="1" indent="-285750">
+              <a:buFont typeface="Arial" panose="020B0604020202020204" pitchFamily="34" charset="0"/>
+              <a:buChar char="•"/>
+            </a:pPr>
+            <a:r>
+              <a:rPr lang="it-IT" sz="1600" dirty="0" err="1"/>
+              <a:t>Hibernate</a:t>
+            </a:r>
+            <a:r>
+              <a:rPr lang="it-IT" sz="1600" dirty="0"/>
+              <a:t> utilizza un </a:t>
+            </a:r>
+            <a:r>
+              <a:rPr lang="it-IT" sz="1600" i="1" dirty="0" err="1"/>
+              <a:t>MultiTenantConnectionProvider</a:t>
+            </a:r>
+            <a:r>
+              <a:rPr lang="it-IT" sz="1600" dirty="0"/>
+              <a:t> per gestire le connessioni multiple e un </a:t>
+            </a:r>
+            <a:r>
+              <a:rPr lang="it-IT" sz="1600" i="1" dirty="0" err="1"/>
+              <a:t>CurrentTenantIdentifierResolver</a:t>
+            </a:r>
+            <a:r>
+              <a:rPr lang="it-IT" sz="1600" dirty="0"/>
+              <a:t> per risolvere dinamicamente l'identificatore del </a:t>
+            </a:r>
+            <a:r>
+              <a:rPr lang="it-IT" sz="1600" dirty="0" err="1"/>
+              <a:t>tenant</a:t>
+            </a:r>
+            <a:endParaRPr lang="en-GB" sz="1600" dirty="0"/>
+          </a:p>
+        </p:txBody>
+      </p:sp>
+      <p:pic>
+        <p:nvPicPr>
+          <p:cNvPr id="13" name="Picture 2">
+            <a:extLst>
+              <a:ext uri="{FF2B5EF4-FFF2-40B4-BE49-F238E27FC236}">
+                <a16:creationId xmlns:a16="http://schemas.microsoft.com/office/drawing/2014/main" id="{BA9AB35F-ED47-DBCD-7041-4EA50B6DAAC3}"/>
+              </a:ext>
+            </a:extLst>
+          </p:cNvPr>
+          <p:cNvPicPr>
+            <a:picLocks noChangeAspect="1" noChangeArrowheads="1"/>
+          </p:cNvPicPr>
+          <p:nvPr/>
+        </p:nvPicPr>
+        <p:blipFill>
+          <a:blip r:embed="rId3">
+            <a:extLst>
+              <a:ext uri="{28A0092B-C50C-407E-A947-70E740481C1C}">
+                <a14:useLocalDpi xmlns:a14="http://schemas.microsoft.com/office/drawing/2010/main" val="0"/>
+              </a:ext>
+            </a:extLst>
+          </a:blip>
+          <a:srcRect/>
+          <a:stretch>
+            <a:fillRect/>
+          </a:stretch>
+        </p:blipFill>
+        <p:spPr bwMode="auto">
+          <a:xfrm>
+            <a:off x="7564795" y="2534548"/>
+            <a:ext cx="1782406" cy="2567606"/>
+          </a:xfrm>
+          <a:prstGeom prst="rect">
+            <a:avLst/>
+          </a:prstGeom>
+          <a:noFill/>
+          <a:extLst>
+            <a:ext uri="{909E8E84-426E-40DD-AFC4-6F175D3DCCD1}">
+              <a14:hiddenFill xmlns:a14="http://schemas.microsoft.com/office/drawing/2010/main">
+                <a:solidFill>
+                  <a:srgbClr val="FFFFFF"/>
+                </a:solidFill>
+              </a14:hiddenFill>
+            </a:ext>
+          </a:extLst>
+        </p:spPr>
+      </p:pic>
+    </p:spTree>
+    <p:extLst>
+      <p:ext uri="{BB962C8B-B14F-4D97-AF65-F5344CB8AC3E}">
+        <p14:creationId xmlns:p14="http://schemas.microsoft.com/office/powerpoint/2010/main" val="886202757"/>
+      </p:ext>
+    </p:extLst>
+  </p:cSld>
+  <p:clrMapOvr>
+    <a:masterClrMapping/>
+  </p:clrMapOvr>
+  <p:timing>
+    <p:tnLst>
+      <p:par>
+        <p:cTn id="1" dur="indefinite" restart="never" nodeType="tmRoot"/>
+      </p:par>
+    </p:tnLst>
+  </p:timing>
+</p:sld>
+</file>
+
+<file path=ppt/slides/slide8.xml><?xml version="1.0" encoding="utf-8"?>
+<p:sld xmlns:a="http://schemas.openxmlformats.org/drawingml/2006/main" xmlns:r="http://schemas.openxmlformats.org/officeDocument/2006/relationships" xmlns:p="http://schemas.openxmlformats.org/presentationml/2006/main">
+  <p:cSld>
+    <p:spTree>
+      <p:nvGrpSpPr>
+        <p:cNvPr id="1" name="">
+          <a:extLst>
+            <a:ext uri="{FF2B5EF4-FFF2-40B4-BE49-F238E27FC236}">
+              <a16:creationId xmlns:a16="http://schemas.microsoft.com/office/drawing/2014/main" id="{AFC15726-FA8E-B025-0B1D-A5B8587DB163}"/>
+            </a:ext>
+          </a:extLst>
+        </p:cNvPr>
+        <p:cNvGrpSpPr/>
+        <p:nvPr/>
+      </p:nvGrpSpPr>
+      <p:grpSpPr>
+        <a:xfrm>
+          <a:off x="0" y="0"/>
+          <a:ext cx="0" cy="0"/>
+          <a:chOff x="0" y="0"/>
+          <a:chExt cx="0" cy="0"/>
+        </a:xfrm>
+      </p:grpSpPr>
+      <p:sp>
+        <p:nvSpPr>
+          <p:cNvPr id="2" name="Titolo 1">
+            <a:extLst>
+              <a:ext uri="{FF2B5EF4-FFF2-40B4-BE49-F238E27FC236}">
+                <a16:creationId xmlns:a16="http://schemas.microsoft.com/office/drawing/2014/main" id="{2E17763D-3E5C-845B-21BF-7DEEE1DE766F}"/>
+              </a:ext>
+            </a:extLst>
+          </p:cNvPr>
+          <p:cNvSpPr>
+            <a:spLocks noGrp="1"/>
+          </p:cNvSpPr>
+          <p:nvPr>
+            <p:ph type="title"/>
+          </p:nvPr>
+        </p:nvSpPr>
+        <p:spPr>
+          <a:xfrm>
+            <a:off x="639725" y="472780"/>
+            <a:ext cx="6654056" cy="653143"/>
+          </a:xfrm>
+        </p:spPr>
+        <p:txBody>
+          <a:bodyPr>
+            <a:normAutofit fontScale="90000"/>
+          </a:bodyPr>
+          <a:lstStyle/>
+          <a:p>
+            <a:r>
+              <a:rPr lang="it-IT" sz="4000" noProof="0" dirty="0">
+                <a:solidFill>
+                  <a:schemeClr val="tx2">
+                    <a:lumMod val="90000"/>
+                    <a:lumOff val="10000"/>
+                  </a:schemeClr>
+                </a:solidFill>
+              </a:rPr>
+              <a:t>GOAL: Multi-</a:t>
+            </a:r>
+            <a:r>
+              <a:rPr lang="it-IT" sz="4000" noProof="0" dirty="0" err="1">
+                <a:solidFill>
+                  <a:schemeClr val="tx2">
+                    <a:lumMod val="90000"/>
+                    <a:lumOff val="10000"/>
+                  </a:schemeClr>
+                </a:solidFill>
+              </a:rPr>
+              <a:t>Tenancy</a:t>
+            </a:r>
+            <a:r>
+              <a:rPr lang="it-IT" sz="4000" dirty="0">
+                <a:solidFill>
+                  <a:schemeClr val="tx2">
+                    <a:lumMod val="90000"/>
+                    <a:lumOff val="10000"/>
+                  </a:schemeClr>
+                </a:solidFill>
+              </a:rPr>
+              <a:t> </a:t>
+            </a:r>
+            <a:r>
+              <a:rPr lang="it-IT" sz="4000" dirty="0" smtClean="0">
+                <a:solidFill>
+                  <a:schemeClr val="tx2">
+                    <a:lumMod val="90000"/>
+                    <a:lumOff val="10000"/>
+                  </a:schemeClr>
+                </a:solidFill>
+              </a:rPr>
+              <a:t>data </a:t>
+            </a:r>
+            <a:r>
+              <a:rPr lang="it-IT" sz="4000" dirty="0" err="1" smtClean="0">
+                <a:solidFill>
+                  <a:schemeClr val="tx2">
+                    <a:lumMod val="90000"/>
+                    <a:lumOff val="10000"/>
+                  </a:schemeClr>
+                </a:solidFill>
+              </a:rPr>
+              <a:t>segregation</a:t>
+            </a:r>
+            <a:endParaRPr lang="it-IT" sz="4000" noProof="0" dirty="0">
+              <a:solidFill>
+                <a:schemeClr val="tx2">
+                  <a:lumMod val="90000"/>
+                  <a:lumOff val="10000"/>
+                </a:schemeClr>
+              </a:solidFill>
+            </a:endParaRPr>
+          </a:p>
+        </p:txBody>
+      </p:sp>
+      <p:sp>
+        <p:nvSpPr>
+          <p:cNvPr id="4" name="Rettangolo 3">
+            <a:extLst>
+              <a:ext uri="{FF2B5EF4-FFF2-40B4-BE49-F238E27FC236}">
+                <a16:creationId xmlns:a16="http://schemas.microsoft.com/office/drawing/2014/main" id="{FC4A7560-125A-F332-2B2C-3AE9877439D5}"/>
+              </a:ext>
+            </a:extLst>
+          </p:cNvPr>
+          <p:cNvSpPr/>
+          <p:nvPr/>
+        </p:nvSpPr>
+        <p:spPr>
+          <a:xfrm>
+            <a:off x="0" y="472781"/>
+            <a:ext cx="190243" cy="653143"/>
+          </a:xfrm>
+          <a:prstGeom prst="rect">
+            <a:avLst/>
+          </a:prstGeom>
+          <a:solidFill>
+            <a:schemeClr val="tx2">
+              <a:lumMod val="90000"/>
+              <a:lumOff val="10000"/>
+            </a:schemeClr>
+          </a:solidFill>
+          <a:ln>
+            <a:solidFill>
+              <a:schemeClr val="tx2">
+                <a:lumMod val="90000"/>
+                <a:lumOff val="10000"/>
+              </a:schemeClr>
+            </a:solidFill>
+          </a:ln>
+        </p:spPr>
+        <p:style>
+          <a:lnRef idx="2">
+            <a:schemeClr val="accent1">
+              <a:shade val="15000"/>
+            </a:schemeClr>
+          </a:lnRef>
+          <a:fillRef idx="1">
+            <a:schemeClr val="accent1"/>
+          </a:fillRef>
+          <a:effectRef idx="0">
+            <a:schemeClr val="accent1"/>
+          </a:effectRef>
+          <a:fontRef idx="minor">
+            <a:schemeClr val="lt1"/>
+          </a:fontRef>
+        </p:style>
+        <p:txBody>
+          <a:bodyPr rtlCol="0" anchor="ctr"/>
+          <a:lstStyle/>
+          <a:p>
+            <a:pPr algn="ctr"/>
+            <a:endParaRPr lang="it-IT" noProof="0" dirty="0"/>
+          </a:p>
+        </p:txBody>
+      </p:sp>
+      <p:sp>
+        <p:nvSpPr>
+          <p:cNvPr id="5" name="Rettangolo 4">
+            <a:extLst>
+              <a:ext uri="{FF2B5EF4-FFF2-40B4-BE49-F238E27FC236}">
+                <a16:creationId xmlns:a16="http://schemas.microsoft.com/office/drawing/2014/main" id="{C993B1D6-9C3A-29F4-79E3-A36FF29F3563}"/>
+              </a:ext>
+            </a:extLst>
+          </p:cNvPr>
+          <p:cNvSpPr/>
+          <p:nvPr/>
+        </p:nvSpPr>
+        <p:spPr>
+          <a:xfrm>
+            <a:off x="289539" y="472780"/>
+            <a:ext cx="139359" cy="653143"/>
+          </a:xfrm>
+          <a:prstGeom prst="rect">
+            <a:avLst/>
+          </a:prstGeom>
+          <a:solidFill>
+            <a:schemeClr val="tx2">
+              <a:lumMod val="90000"/>
+              <a:lumOff val="10000"/>
+            </a:schemeClr>
+          </a:solidFill>
+          <a:ln>
+            <a:solidFill>
+              <a:schemeClr val="tx2">
+                <a:lumMod val="90000"/>
+                <a:lumOff val="10000"/>
+              </a:schemeClr>
+            </a:solidFill>
+          </a:ln>
+        </p:spPr>
+        <p:style>
+          <a:lnRef idx="2">
+            <a:schemeClr val="accent1">
+              <a:shade val="15000"/>
+            </a:schemeClr>
+          </a:lnRef>
+          <a:fillRef idx="1">
+            <a:schemeClr val="accent1"/>
+          </a:fillRef>
+          <a:effectRef idx="0">
+            <a:schemeClr val="accent1"/>
+          </a:effectRef>
+          <a:fontRef idx="minor">
+            <a:schemeClr val="lt1"/>
+          </a:fontRef>
+        </p:style>
+        <p:txBody>
+          <a:bodyPr rtlCol="0" anchor="ctr"/>
+          <a:lstStyle/>
+          <a:p>
+            <a:pPr algn="ctr"/>
+            <a:endParaRPr lang="it-IT" noProof="0" dirty="0"/>
+          </a:p>
+        </p:txBody>
+      </p:sp>
+      <p:sp>
+        <p:nvSpPr>
+          <p:cNvPr id="11" name="Rettangolo 10">
+            <a:extLst>
+              <a:ext uri="{FF2B5EF4-FFF2-40B4-BE49-F238E27FC236}">
+                <a16:creationId xmlns:a16="http://schemas.microsoft.com/office/drawing/2014/main" id="{A7EA9913-1AC3-7D4A-2157-2B54A7000AA2}"/>
+              </a:ext>
+            </a:extLst>
+          </p:cNvPr>
+          <p:cNvSpPr/>
+          <p:nvPr/>
+        </p:nvSpPr>
+        <p:spPr>
+          <a:xfrm>
+            <a:off x="10008781" y="0"/>
+            <a:ext cx="2183219" cy="6858000"/>
+          </a:xfrm>
+          <a:prstGeom prst="rect">
+            <a:avLst/>
+          </a:prstGeom>
+          <a:solidFill>
+            <a:schemeClr val="tx2">
+              <a:lumMod val="90000"/>
+              <a:lumOff val="10000"/>
+            </a:schemeClr>
+          </a:solidFill>
+          <a:ln>
+            <a:solidFill>
+              <a:srgbClr val="163E64"/>
+            </a:solidFill>
+          </a:ln>
+        </p:spPr>
+        <p:style>
+          <a:lnRef idx="2">
+            <a:schemeClr val="accent1">
+              <a:shade val="15000"/>
+            </a:schemeClr>
+          </a:lnRef>
+          <a:fillRef idx="1">
+            <a:schemeClr val="accent1"/>
+          </a:fillRef>
+          <a:effectRef idx="0">
+            <a:schemeClr val="accent1"/>
+          </a:effectRef>
+          <a:fontRef idx="minor">
+            <a:schemeClr val="lt1"/>
+          </a:fontRef>
+        </p:style>
+        <p:txBody>
+          <a:bodyPr rtlCol="0" anchor="ctr"/>
+          <a:lstStyle/>
+          <a:p>
+            <a:pPr algn="ctr"/>
+            <a:endParaRPr lang="it-IT" noProof="0" dirty="0"/>
+          </a:p>
+        </p:txBody>
+      </p:sp>
+      <p:cxnSp>
+        <p:nvCxnSpPr>
+          <p:cNvPr id="8" name="Connettore diritto 7">
+            <a:extLst>
+              <a:ext uri="{FF2B5EF4-FFF2-40B4-BE49-F238E27FC236}">
+                <a16:creationId xmlns:a16="http://schemas.microsoft.com/office/drawing/2014/main" id="{B8AB43C6-F387-E69A-86CD-A1AC24D4A29F}"/>
+              </a:ext>
+            </a:extLst>
+          </p:cNvPr>
+          <p:cNvCxnSpPr>
+            <a:cxnSpLocks/>
+          </p:cNvCxnSpPr>
+          <p:nvPr/>
+        </p:nvCxnSpPr>
+        <p:spPr>
+          <a:xfrm>
+            <a:off x="639725" y="1351691"/>
+            <a:ext cx="6654057" cy="0"/>
+          </a:xfrm>
+          <a:prstGeom prst="line">
+            <a:avLst/>
+          </a:prstGeom>
+          <a:ln>
+            <a:solidFill>
+              <a:schemeClr val="tx2">
+                <a:lumMod val="90000"/>
+                <a:lumOff val="10000"/>
+              </a:schemeClr>
+            </a:solidFill>
+          </a:ln>
+        </p:spPr>
+        <p:style>
+          <a:lnRef idx="2">
+            <a:schemeClr val="accent1"/>
+          </a:lnRef>
+          <a:fillRef idx="0">
+            <a:schemeClr val="accent1"/>
+          </a:fillRef>
+          <a:effectRef idx="1">
+            <a:schemeClr val="accent1"/>
+          </a:effectRef>
+          <a:fontRef idx="minor">
+            <a:schemeClr val="tx1"/>
+          </a:fontRef>
+        </p:style>
+      </p:cxnSp>
+      <p:sp>
+        <p:nvSpPr>
+          <p:cNvPr id="6" name="TextBox 5">
+            <a:extLst>
+              <a:ext uri="{FF2B5EF4-FFF2-40B4-BE49-F238E27FC236}">
+                <a16:creationId xmlns:a16="http://schemas.microsoft.com/office/drawing/2014/main" id="{1A234AD5-1C0F-3801-0826-9187DD2C3AB0}"/>
+              </a:ext>
+            </a:extLst>
+          </p:cNvPr>
+          <p:cNvSpPr txBox="1"/>
+          <p:nvPr/>
+        </p:nvSpPr>
+        <p:spPr>
+          <a:xfrm>
+            <a:off x="11654290" y="6452785"/>
+            <a:ext cx="438619" cy="307777"/>
+          </a:xfrm>
+          <a:prstGeom prst="rect">
+            <a:avLst/>
+          </a:prstGeom>
+          <a:noFill/>
+        </p:spPr>
+        <p:txBody>
+          <a:bodyPr wrap="square">
+            <a:spAutoFit/>
+          </a:bodyPr>
+          <a:lstStyle/>
+          <a:p>
+            <a:r>
+              <a:rPr lang="it-IT" sz="1400" noProof="0" dirty="0">
+                <a:solidFill>
+                  <a:schemeClr val="bg1"/>
+                </a:solidFill>
+              </a:rPr>
+              <a:t>8</a:t>
+            </a:r>
+            <a:endParaRPr lang="it-IT" sz="1400" noProof="0" dirty="0"/>
+          </a:p>
+        </p:txBody>
+      </p:sp>
+      <p:pic>
+        <p:nvPicPr>
+          <p:cNvPr id="16" name="Immagine 15" descr="Immagine che contiene schermata, Policromia, cerchio, blu&#10;&#10;Descrizione generata automaticamente">
+            <a:extLst>
+              <a:ext uri="{FF2B5EF4-FFF2-40B4-BE49-F238E27FC236}">
+                <a16:creationId xmlns:a16="http://schemas.microsoft.com/office/drawing/2014/main" id="{F932AEFD-F285-EEFC-4837-386D350A220C}"/>
+              </a:ext>
+            </a:extLst>
+          </p:cNvPr>
+          <p:cNvPicPr>
+            <a:picLocks noChangeAspect="1"/>
+          </p:cNvPicPr>
+          <p:nvPr/>
+        </p:nvPicPr>
+        <p:blipFill>
+          <a:blip r:embed="rId2">
+            <a:extLst>
+              <a:ext uri="{28A0092B-C50C-407E-A947-70E740481C1C}">
+                <a14:useLocalDpi xmlns:a14="http://schemas.microsoft.com/office/drawing/2010/main" val="0"/>
+              </a:ext>
+            </a:extLst>
+          </a:blip>
+          <a:stretch>
+            <a:fillRect/>
+          </a:stretch>
+        </p:blipFill>
+        <p:spPr>
+          <a:xfrm>
+            <a:off x="7293782" y="353207"/>
+            <a:ext cx="885600" cy="885600"/>
+          </a:xfrm>
+          <a:prstGeom prst="rect">
+            <a:avLst/>
+          </a:prstGeom>
+        </p:spPr>
+      </p:pic>
+      <p:sp>
+        <p:nvSpPr>
+          <p:cNvPr id="10" name="CasellaDiTesto 9">
+            <a:extLst>
+              <a:ext uri="{FF2B5EF4-FFF2-40B4-BE49-F238E27FC236}">
+                <a16:creationId xmlns:a16="http://schemas.microsoft.com/office/drawing/2014/main" id="{720F1E63-F380-A2C8-B252-1B4B987C123E}"/>
+              </a:ext>
+            </a:extLst>
+          </p:cNvPr>
+          <p:cNvSpPr txBox="1"/>
+          <p:nvPr/>
+        </p:nvSpPr>
+        <p:spPr>
+          <a:xfrm>
+            <a:off x="639724" y="1623385"/>
+            <a:ext cx="6654056" cy="646331"/>
+          </a:xfrm>
+          <a:prstGeom prst="rect">
+            <a:avLst/>
+          </a:prstGeom>
+          <a:noFill/>
+        </p:spPr>
+        <p:txBody>
+          <a:bodyPr wrap="square" rtlCol="0">
+            <a:spAutoFit/>
+          </a:bodyPr>
+          <a:lstStyle/>
+          <a:p>
+            <a:r>
+              <a:rPr lang="it-IT" noProof="0" dirty="0">
+                <a:solidFill>
+                  <a:schemeClr val="tx1">
+                    <a:lumMod val="85000"/>
+                    <a:lumOff val="15000"/>
+                  </a:schemeClr>
+                </a:solidFill>
+              </a:rPr>
+              <a:t/>
+            </a:r>
+            <a:br>
+              <a:rPr lang="it-IT" noProof="0" dirty="0">
+                <a:solidFill>
+                  <a:schemeClr val="tx1">
+                    <a:lumMod val="85000"/>
+                    <a:lumOff val="15000"/>
+                  </a:schemeClr>
+                </a:solidFill>
+              </a:rPr>
+            </a:br>
+            <a:endParaRPr lang="it-IT" noProof="0" dirty="0">
+              <a:solidFill>
+                <a:schemeClr val="tx1">
+                  <a:lumMod val="85000"/>
+                  <a:lumOff val="15000"/>
+                </a:schemeClr>
+              </a:solidFill>
+            </a:endParaRPr>
+          </a:p>
+        </p:txBody>
+      </p:sp>
+      <p:sp>
+        <p:nvSpPr>
+          <p:cNvPr id="12" name="CasellaDiTesto 6">
+            <a:extLst>
+              <a:ext uri="{FF2B5EF4-FFF2-40B4-BE49-F238E27FC236}">
+                <a16:creationId xmlns:a16="http://schemas.microsoft.com/office/drawing/2014/main" id="{8290C57E-5561-FDA2-5EFB-EDC39761C52E}"/>
+              </a:ext>
+            </a:extLst>
+          </p:cNvPr>
+          <p:cNvSpPr txBox="1"/>
+          <p:nvPr/>
+        </p:nvSpPr>
+        <p:spPr>
+          <a:xfrm>
+            <a:off x="639726" y="1613118"/>
+            <a:ext cx="6654054" cy="369332"/>
+          </a:xfrm>
+          <a:prstGeom prst="rect">
+            <a:avLst/>
+          </a:prstGeom>
+          <a:noFill/>
+        </p:spPr>
+        <p:txBody>
+          <a:bodyPr wrap="square" rtlCol="0">
+            <a:spAutoFit/>
+          </a:bodyPr>
+          <a:lstStyle/>
+          <a:p>
+            <a:pPr marL="285750" indent="-285750">
+              <a:buFont typeface="Arial" panose="020B0604020202020204" pitchFamily="34" charset="0"/>
+              <a:buChar char="•"/>
+            </a:pPr>
+            <a:r>
+              <a:rPr lang="it-IT" b="1" dirty="0" smtClean="0">
+                <a:solidFill>
+                  <a:srgbClr val="FF0000"/>
+                </a:solidFill>
+              </a:rPr>
+              <a:t>FEDERICO</a:t>
+            </a:r>
+            <a:endParaRPr lang="it-IT" sz="1600" dirty="0" smtClean="0">
+              <a:solidFill>
+                <a:srgbClr val="FF0000"/>
+              </a:solidFill>
+            </a:endParaRPr>
+          </a:p>
+        </p:txBody>
+      </p:sp>
+    </p:spTree>
+    <p:extLst>
+      <p:ext uri="{BB962C8B-B14F-4D97-AF65-F5344CB8AC3E}">
+        <p14:creationId xmlns:p14="http://schemas.microsoft.com/office/powerpoint/2010/main" val="1707716401"/>
+      </p:ext>
+    </p:extLst>
+  </p:cSld>
+  <p:clrMapOvr>
+    <a:masterClrMapping/>
+  </p:clrMapOvr>
+  <p:timing>
+    <p:tnLst>
+      <p:par>
+        <p:cTn id="1" dur="indefinite" restart="never" nodeType="tmRoot"/>
+      </p:par>
+    </p:tnLst>
+  </p:timing>
+</p:sld>
+</file>
+
+<file path=ppt/slides/slide9.xml><?xml version="1.0" encoding="utf-8"?>
 <p:sld xmlns:a="http://schemas.openxmlformats.org/drawingml/2006/main" xmlns:r="http://schemas.openxmlformats.org/officeDocument/2006/relationships" xmlns:p="http://schemas.openxmlformats.org/presentationml/2006/main">
   <p:cSld>
     <p:spTree>
@@ -16319,2352 +21976,13 @@
   <p:clrMapOvr>
     <a:masterClrMapping/>
   </p:clrMapOvr>
-</p:sld>
-</file>
-
-<file path=ppt/slides/slide6.xml><?xml version="1.0" encoding="utf-8"?>
-<p:sld xmlns:a="http://schemas.openxmlformats.org/drawingml/2006/main" xmlns:r="http://schemas.openxmlformats.org/officeDocument/2006/relationships" xmlns:p="http://schemas.openxmlformats.org/presentationml/2006/main">
-  <p:cSld>
-    <p:spTree>
-      <p:nvGrpSpPr>
-        <p:cNvPr id="1" name="">
-          <a:extLst>
-            <a:ext uri="{FF2B5EF4-FFF2-40B4-BE49-F238E27FC236}">
-              <a16:creationId xmlns:a16="http://schemas.microsoft.com/office/drawing/2014/main" id="{976104D8-85EA-8721-BFC1-385A984AB913}"/>
-            </a:ext>
-          </a:extLst>
-        </p:cNvPr>
-        <p:cNvGrpSpPr/>
-        <p:nvPr/>
-      </p:nvGrpSpPr>
-      <p:grpSpPr>
-        <a:xfrm>
-          <a:off x="0" y="0"/>
-          <a:ext cx="0" cy="0"/>
-          <a:chOff x="0" y="0"/>
-          <a:chExt cx="0" cy="0"/>
-        </a:xfrm>
-      </p:grpSpPr>
-      <p:sp>
-        <p:nvSpPr>
-          <p:cNvPr id="2" name="Titolo 1">
-            <a:extLst>
-              <a:ext uri="{FF2B5EF4-FFF2-40B4-BE49-F238E27FC236}">
-                <a16:creationId xmlns:a16="http://schemas.microsoft.com/office/drawing/2014/main" id="{F4FAF042-1EAF-5403-B6F7-73917E93ED92}"/>
-              </a:ext>
-            </a:extLst>
-          </p:cNvPr>
-          <p:cNvSpPr>
-            <a:spLocks noGrp="1"/>
-          </p:cNvSpPr>
-          <p:nvPr>
-            <p:ph type="title"/>
-          </p:nvPr>
-        </p:nvSpPr>
-        <p:spPr>
-          <a:xfrm>
-            <a:off x="639725" y="472780"/>
-            <a:ext cx="6654056" cy="653143"/>
-          </a:xfrm>
-        </p:spPr>
-        <p:txBody>
-          <a:bodyPr>
-            <a:normAutofit fontScale="90000"/>
-          </a:bodyPr>
-          <a:lstStyle/>
-          <a:p>
-            <a:r>
-              <a:rPr lang="it-IT" sz="4000" noProof="0" dirty="0">
-                <a:solidFill>
-                  <a:schemeClr val="tx2">
-                    <a:lumMod val="90000"/>
-                    <a:lumOff val="10000"/>
-                  </a:schemeClr>
-                </a:solidFill>
-              </a:rPr>
-              <a:t>GOAL: Soft delete </a:t>
-            </a:r>
-            <a:r>
-              <a:rPr lang="it-IT" sz="4000" noProof="0" dirty="0" err="1">
-                <a:solidFill>
-                  <a:schemeClr val="tx2">
-                    <a:lumMod val="90000"/>
-                    <a:lumOff val="10000"/>
-                  </a:schemeClr>
-                </a:solidFill>
-              </a:rPr>
-              <a:t>implementation</a:t>
-            </a:r>
-            <a:endParaRPr lang="it-IT" sz="4000" noProof="0" dirty="0">
-              <a:solidFill>
-                <a:schemeClr val="tx2">
-                  <a:lumMod val="90000"/>
-                  <a:lumOff val="10000"/>
-                </a:schemeClr>
-              </a:solidFill>
-            </a:endParaRPr>
-          </a:p>
-        </p:txBody>
-      </p:sp>
-      <p:sp>
-        <p:nvSpPr>
-          <p:cNvPr id="4" name="Rettangolo 3">
-            <a:extLst>
-              <a:ext uri="{FF2B5EF4-FFF2-40B4-BE49-F238E27FC236}">
-                <a16:creationId xmlns:a16="http://schemas.microsoft.com/office/drawing/2014/main" id="{62051949-7AAC-1A2C-40AA-56D6B67CCDDB}"/>
-              </a:ext>
-            </a:extLst>
-          </p:cNvPr>
-          <p:cNvSpPr/>
-          <p:nvPr/>
-        </p:nvSpPr>
-        <p:spPr>
-          <a:xfrm>
-            <a:off x="0" y="472781"/>
-            <a:ext cx="190243" cy="653143"/>
-          </a:xfrm>
-          <a:prstGeom prst="rect">
-            <a:avLst/>
-          </a:prstGeom>
-          <a:solidFill>
-            <a:schemeClr val="tx2">
-              <a:lumMod val="90000"/>
-              <a:lumOff val="10000"/>
-            </a:schemeClr>
-          </a:solidFill>
-          <a:ln>
-            <a:solidFill>
-              <a:schemeClr val="tx2">
-                <a:lumMod val="90000"/>
-                <a:lumOff val="10000"/>
-              </a:schemeClr>
-            </a:solidFill>
-          </a:ln>
-        </p:spPr>
-        <p:style>
-          <a:lnRef idx="2">
-            <a:schemeClr val="accent1">
-              <a:shade val="15000"/>
-            </a:schemeClr>
-          </a:lnRef>
-          <a:fillRef idx="1">
-            <a:schemeClr val="accent1"/>
-          </a:fillRef>
-          <a:effectRef idx="0">
-            <a:schemeClr val="accent1"/>
-          </a:effectRef>
-          <a:fontRef idx="minor">
-            <a:schemeClr val="lt1"/>
-          </a:fontRef>
-        </p:style>
-        <p:txBody>
-          <a:bodyPr rtlCol="0" anchor="ctr"/>
-          <a:lstStyle/>
-          <a:p>
-            <a:pPr algn="ctr"/>
-            <a:endParaRPr lang="it-IT" noProof="0" dirty="0"/>
-          </a:p>
-        </p:txBody>
-      </p:sp>
-      <p:sp>
-        <p:nvSpPr>
-          <p:cNvPr id="5" name="Rettangolo 4">
-            <a:extLst>
-              <a:ext uri="{FF2B5EF4-FFF2-40B4-BE49-F238E27FC236}">
-                <a16:creationId xmlns:a16="http://schemas.microsoft.com/office/drawing/2014/main" id="{B6D8D8ED-B6DD-2E02-4E2F-9A488EB6BCB6}"/>
-              </a:ext>
-            </a:extLst>
-          </p:cNvPr>
-          <p:cNvSpPr/>
-          <p:nvPr/>
-        </p:nvSpPr>
-        <p:spPr>
-          <a:xfrm>
-            <a:off x="289539" y="472780"/>
-            <a:ext cx="139359" cy="653143"/>
-          </a:xfrm>
-          <a:prstGeom prst="rect">
-            <a:avLst/>
-          </a:prstGeom>
-          <a:solidFill>
-            <a:schemeClr val="tx2">
-              <a:lumMod val="90000"/>
-              <a:lumOff val="10000"/>
-            </a:schemeClr>
-          </a:solidFill>
-          <a:ln>
-            <a:solidFill>
-              <a:schemeClr val="tx2">
-                <a:lumMod val="90000"/>
-                <a:lumOff val="10000"/>
-              </a:schemeClr>
-            </a:solidFill>
-          </a:ln>
-        </p:spPr>
-        <p:style>
-          <a:lnRef idx="2">
-            <a:schemeClr val="accent1">
-              <a:shade val="15000"/>
-            </a:schemeClr>
-          </a:lnRef>
-          <a:fillRef idx="1">
-            <a:schemeClr val="accent1"/>
-          </a:fillRef>
-          <a:effectRef idx="0">
-            <a:schemeClr val="accent1"/>
-          </a:effectRef>
-          <a:fontRef idx="minor">
-            <a:schemeClr val="lt1"/>
-          </a:fontRef>
-        </p:style>
-        <p:txBody>
-          <a:bodyPr rtlCol="0" anchor="ctr"/>
-          <a:lstStyle/>
-          <a:p>
-            <a:pPr algn="ctr"/>
-            <a:endParaRPr lang="it-IT" noProof="0" dirty="0"/>
-          </a:p>
-        </p:txBody>
-      </p:sp>
-      <p:sp>
-        <p:nvSpPr>
-          <p:cNvPr id="11" name="Rettangolo 10">
-            <a:extLst>
-              <a:ext uri="{FF2B5EF4-FFF2-40B4-BE49-F238E27FC236}">
-                <a16:creationId xmlns:a16="http://schemas.microsoft.com/office/drawing/2014/main" id="{6DBDB561-D267-2EB6-8783-225E366B5D34}"/>
-              </a:ext>
-            </a:extLst>
-          </p:cNvPr>
-          <p:cNvSpPr/>
-          <p:nvPr/>
-        </p:nvSpPr>
-        <p:spPr>
-          <a:xfrm>
-            <a:off x="10008781" y="0"/>
-            <a:ext cx="2183219" cy="6858000"/>
-          </a:xfrm>
-          <a:prstGeom prst="rect">
-            <a:avLst/>
-          </a:prstGeom>
-          <a:solidFill>
-            <a:schemeClr val="tx2">
-              <a:lumMod val="90000"/>
-              <a:lumOff val="10000"/>
-            </a:schemeClr>
-          </a:solidFill>
-          <a:ln>
-            <a:solidFill>
-              <a:srgbClr val="163E64"/>
-            </a:solidFill>
-          </a:ln>
-        </p:spPr>
-        <p:style>
-          <a:lnRef idx="2">
-            <a:schemeClr val="accent1">
-              <a:shade val="15000"/>
-            </a:schemeClr>
-          </a:lnRef>
-          <a:fillRef idx="1">
-            <a:schemeClr val="accent1"/>
-          </a:fillRef>
-          <a:effectRef idx="0">
-            <a:schemeClr val="accent1"/>
-          </a:effectRef>
-          <a:fontRef idx="minor">
-            <a:schemeClr val="lt1"/>
-          </a:fontRef>
-        </p:style>
-        <p:txBody>
-          <a:bodyPr rtlCol="0" anchor="ctr"/>
-          <a:lstStyle/>
-          <a:p>
-            <a:pPr algn="ctr"/>
-            <a:endParaRPr lang="it-IT" noProof="0" dirty="0"/>
-          </a:p>
-        </p:txBody>
-      </p:sp>
-      <p:cxnSp>
-        <p:nvCxnSpPr>
-          <p:cNvPr id="8" name="Connettore diritto 7">
-            <a:extLst>
-              <a:ext uri="{FF2B5EF4-FFF2-40B4-BE49-F238E27FC236}">
-                <a16:creationId xmlns:a16="http://schemas.microsoft.com/office/drawing/2014/main" id="{FBF28627-5EBD-EDF9-FDFD-24B29EAA6D4D}"/>
-              </a:ext>
-            </a:extLst>
-          </p:cNvPr>
-          <p:cNvCxnSpPr>
-            <a:cxnSpLocks/>
-          </p:cNvCxnSpPr>
-          <p:nvPr/>
-        </p:nvCxnSpPr>
-        <p:spPr>
-          <a:xfrm>
-            <a:off x="639725" y="1351691"/>
-            <a:ext cx="6654057" cy="0"/>
-          </a:xfrm>
-          <a:prstGeom prst="line">
-            <a:avLst/>
-          </a:prstGeom>
-          <a:ln>
-            <a:solidFill>
-              <a:schemeClr val="tx2">
-                <a:lumMod val="90000"/>
-                <a:lumOff val="10000"/>
-              </a:schemeClr>
-            </a:solidFill>
-          </a:ln>
-        </p:spPr>
-        <p:style>
-          <a:lnRef idx="2">
-            <a:schemeClr val="accent1"/>
-          </a:lnRef>
-          <a:fillRef idx="0">
-            <a:schemeClr val="accent1"/>
-          </a:fillRef>
-          <a:effectRef idx="1">
-            <a:schemeClr val="accent1"/>
-          </a:effectRef>
-          <a:fontRef idx="minor">
-            <a:schemeClr val="tx1"/>
-          </a:fontRef>
-        </p:style>
-      </p:cxnSp>
-      <p:sp>
-        <p:nvSpPr>
-          <p:cNvPr id="6" name="TextBox 5">
-            <a:extLst>
-              <a:ext uri="{FF2B5EF4-FFF2-40B4-BE49-F238E27FC236}">
-                <a16:creationId xmlns:a16="http://schemas.microsoft.com/office/drawing/2014/main" id="{BB8048B1-A731-9978-9ACC-A320527AB442}"/>
-              </a:ext>
-            </a:extLst>
-          </p:cNvPr>
-          <p:cNvSpPr txBox="1"/>
-          <p:nvPr/>
-        </p:nvSpPr>
-        <p:spPr>
-          <a:xfrm>
-            <a:off x="11654290" y="6452785"/>
-            <a:ext cx="438619" cy="307777"/>
-          </a:xfrm>
-          <a:prstGeom prst="rect">
-            <a:avLst/>
-          </a:prstGeom>
-          <a:noFill/>
-        </p:spPr>
-        <p:txBody>
-          <a:bodyPr wrap="square">
-            <a:spAutoFit/>
-          </a:bodyPr>
-          <a:lstStyle/>
-          <a:p>
-            <a:r>
-              <a:rPr lang="it-IT" sz="1400" dirty="0">
-                <a:solidFill>
-                  <a:schemeClr val="bg1"/>
-                </a:solidFill>
-              </a:rPr>
-              <a:t>5</a:t>
-            </a:r>
-            <a:endParaRPr lang="it-IT" sz="1400" noProof="0" dirty="0"/>
-          </a:p>
-        </p:txBody>
-      </p:sp>
-      <p:sp>
-        <p:nvSpPr>
-          <p:cNvPr id="9" name="CasellaDiTesto 6">
-            <a:extLst>
-              <a:ext uri="{FF2B5EF4-FFF2-40B4-BE49-F238E27FC236}">
-                <a16:creationId xmlns:a16="http://schemas.microsoft.com/office/drawing/2014/main" id="{54028AAA-41DD-98CD-75B1-D8EAAADFCF23}"/>
-              </a:ext>
-            </a:extLst>
-          </p:cNvPr>
-          <p:cNvSpPr txBox="1"/>
-          <p:nvPr/>
-        </p:nvSpPr>
-        <p:spPr>
-          <a:xfrm>
-            <a:off x="639726" y="1613118"/>
-            <a:ext cx="6654056" cy="369332"/>
-          </a:xfrm>
-          <a:prstGeom prst="rect">
-            <a:avLst/>
-          </a:prstGeom>
-          <a:noFill/>
-        </p:spPr>
-        <p:txBody>
-          <a:bodyPr wrap="square" rtlCol="0">
-            <a:spAutoFit/>
-          </a:bodyPr>
-          <a:lstStyle/>
-          <a:p>
-            <a:pPr marL="285750" indent="-285750">
-              <a:buFont typeface="Arial" panose="020B0604020202020204" pitchFamily="34" charset="0"/>
-              <a:buChar char="•"/>
-            </a:pPr>
-            <a:r>
-              <a:rPr lang="it-IT" dirty="0">
-                <a:solidFill>
-                  <a:srgbClr val="FF0000"/>
-                </a:solidFill>
-              </a:rPr>
-              <a:t>MASSIMO E MATTEO</a:t>
-            </a:r>
-            <a:endParaRPr lang="it-IT" noProof="0" dirty="0">
-              <a:solidFill>
-                <a:srgbClr val="FF0000"/>
-              </a:solidFill>
-            </a:endParaRPr>
-          </a:p>
-        </p:txBody>
-      </p:sp>
-      <p:pic>
-        <p:nvPicPr>
-          <p:cNvPr id="3" name="Immagine 2" descr="Immagine che contiene simbolo, Carattere, Elementi grafici, schermata&#10;&#10;Descrizione generata automaticamente">
-            <a:extLst>
-              <a:ext uri="{FF2B5EF4-FFF2-40B4-BE49-F238E27FC236}">
-                <a16:creationId xmlns:a16="http://schemas.microsoft.com/office/drawing/2014/main" id="{B36878CC-953E-B415-5EBE-EB7F5FE6B95F}"/>
-              </a:ext>
-            </a:extLst>
-          </p:cNvPr>
-          <p:cNvPicPr>
-            <a:picLocks noChangeAspect="1"/>
-          </p:cNvPicPr>
-          <p:nvPr/>
-        </p:nvPicPr>
-        <p:blipFill>
-          <a:blip r:embed="rId2" cstate="print">
-            <a:extLst>
-              <a:ext uri="{28A0092B-C50C-407E-A947-70E740481C1C}">
-                <a14:useLocalDpi xmlns:a14="http://schemas.microsoft.com/office/drawing/2010/main" val="0"/>
-              </a:ext>
-            </a:extLst>
-          </a:blip>
-          <a:stretch>
-            <a:fillRect/>
-          </a:stretch>
-        </p:blipFill>
-        <p:spPr>
-          <a:xfrm>
-            <a:off x="7293781" y="353207"/>
-            <a:ext cx="885600" cy="885600"/>
-          </a:xfrm>
-          <a:prstGeom prst="rect">
-            <a:avLst/>
-          </a:prstGeom>
-        </p:spPr>
-      </p:pic>
-    </p:spTree>
-    <p:extLst>
-      <p:ext uri="{BB962C8B-B14F-4D97-AF65-F5344CB8AC3E}">
-        <p14:creationId xmlns:p14="http://schemas.microsoft.com/office/powerpoint/2010/main" val="1654457789"/>
-      </p:ext>
-    </p:extLst>
-  </p:cSld>
-  <p:clrMapOvr>
-    <a:masterClrMapping/>
-  </p:clrMapOvr>
-</p:sld>
-</file>
-
-<file path=ppt/slides/slide7.xml><?xml version="1.0" encoding="utf-8"?>
-<p:sld xmlns:a="http://schemas.openxmlformats.org/drawingml/2006/main" xmlns:r="http://schemas.openxmlformats.org/officeDocument/2006/relationships" xmlns:p="http://schemas.openxmlformats.org/presentationml/2006/main">
-  <p:cSld>
-    <p:spTree>
-      <p:nvGrpSpPr>
-        <p:cNvPr id="1" name="">
-          <a:extLst>
-            <a:ext uri="{FF2B5EF4-FFF2-40B4-BE49-F238E27FC236}">
-              <a16:creationId xmlns:a16="http://schemas.microsoft.com/office/drawing/2014/main" id="{79857FD7-1E68-86B5-96CC-D291DC35B6ED}"/>
-            </a:ext>
-          </a:extLst>
-        </p:cNvPr>
-        <p:cNvGrpSpPr/>
-        <p:nvPr/>
-      </p:nvGrpSpPr>
-      <p:grpSpPr>
-        <a:xfrm>
-          <a:off x="0" y="0"/>
-          <a:ext cx="0" cy="0"/>
-          <a:chOff x="0" y="0"/>
-          <a:chExt cx="0" cy="0"/>
-        </a:xfrm>
-      </p:grpSpPr>
-      <p:sp>
-        <p:nvSpPr>
-          <p:cNvPr id="2" name="Titolo 1">
-            <a:extLst>
-              <a:ext uri="{FF2B5EF4-FFF2-40B4-BE49-F238E27FC236}">
-                <a16:creationId xmlns:a16="http://schemas.microsoft.com/office/drawing/2014/main" id="{58273114-BEA8-7DFF-0909-06A58204EFEF}"/>
-              </a:ext>
-            </a:extLst>
-          </p:cNvPr>
-          <p:cNvSpPr>
-            <a:spLocks noGrp="1"/>
-          </p:cNvSpPr>
-          <p:nvPr>
-            <p:ph type="title"/>
-          </p:nvPr>
-        </p:nvSpPr>
-        <p:spPr>
-          <a:xfrm>
-            <a:off x="639725" y="472780"/>
-            <a:ext cx="6653876" cy="653143"/>
-          </a:xfrm>
-        </p:spPr>
-        <p:txBody>
-          <a:bodyPr>
-            <a:noAutofit/>
-          </a:bodyPr>
-          <a:lstStyle/>
-          <a:p>
-            <a:r>
-              <a:rPr lang="it-IT" sz="3600" noProof="0" dirty="0">
-                <a:solidFill>
-                  <a:schemeClr val="tx2">
-                    <a:lumMod val="90000"/>
-                    <a:lumOff val="10000"/>
-                  </a:schemeClr>
-                </a:solidFill>
-              </a:rPr>
-              <a:t>GOAL: </a:t>
-            </a:r>
-            <a:r>
-              <a:rPr lang="it-IT" sz="3600" dirty="0" err="1">
-                <a:solidFill>
-                  <a:schemeClr val="tx2">
-                    <a:lumMod val="90000"/>
-                    <a:lumOff val="10000"/>
-                  </a:schemeClr>
-                </a:solidFill>
-              </a:rPr>
-              <a:t>Strengthen</a:t>
-            </a:r>
-            <a:r>
-              <a:rPr lang="it-IT" sz="3600" dirty="0">
-                <a:solidFill>
-                  <a:schemeClr val="tx2">
-                    <a:lumMod val="90000"/>
-                    <a:lumOff val="10000"/>
-                  </a:schemeClr>
-                </a:solidFill>
-              </a:rPr>
-              <a:t> testing</a:t>
-            </a:r>
-          </a:p>
-        </p:txBody>
-      </p:sp>
-      <p:sp>
-        <p:nvSpPr>
-          <p:cNvPr id="4" name="Rettangolo 3">
-            <a:extLst>
-              <a:ext uri="{FF2B5EF4-FFF2-40B4-BE49-F238E27FC236}">
-                <a16:creationId xmlns:a16="http://schemas.microsoft.com/office/drawing/2014/main" id="{C6D04AF5-E17F-6524-0F41-F82DC7734C93}"/>
-              </a:ext>
-            </a:extLst>
-          </p:cNvPr>
-          <p:cNvSpPr/>
-          <p:nvPr/>
-        </p:nvSpPr>
-        <p:spPr>
-          <a:xfrm>
-            <a:off x="0" y="472781"/>
-            <a:ext cx="190243" cy="653143"/>
-          </a:xfrm>
-          <a:prstGeom prst="rect">
-            <a:avLst/>
-          </a:prstGeom>
-          <a:solidFill>
-            <a:schemeClr val="tx2">
-              <a:lumMod val="90000"/>
-              <a:lumOff val="10000"/>
-            </a:schemeClr>
-          </a:solidFill>
-          <a:ln>
-            <a:solidFill>
-              <a:schemeClr val="tx2">
-                <a:lumMod val="90000"/>
-                <a:lumOff val="10000"/>
-              </a:schemeClr>
-            </a:solidFill>
-          </a:ln>
-        </p:spPr>
-        <p:style>
-          <a:lnRef idx="2">
-            <a:schemeClr val="accent1">
-              <a:shade val="15000"/>
-            </a:schemeClr>
-          </a:lnRef>
-          <a:fillRef idx="1">
-            <a:schemeClr val="accent1"/>
-          </a:fillRef>
-          <a:effectRef idx="0">
-            <a:schemeClr val="accent1"/>
-          </a:effectRef>
-          <a:fontRef idx="minor">
-            <a:schemeClr val="lt1"/>
-          </a:fontRef>
-        </p:style>
-        <p:txBody>
-          <a:bodyPr rtlCol="0" anchor="ctr"/>
-          <a:lstStyle/>
-          <a:p>
-            <a:pPr algn="ctr"/>
-            <a:endParaRPr lang="it-IT" noProof="0" dirty="0"/>
-          </a:p>
-        </p:txBody>
-      </p:sp>
-      <p:sp>
-        <p:nvSpPr>
-          <p:cNvPr id="5" name="Rettangolo 4">
-            <a:extLst>
-              <a:ext uri="{FF2B5EF4-FFF2-40B4-BE49-F238E27FC236}">
-                <a16:creationId xmlns:a16="http://schemas.microsoft.com/office/drawing/2014/main" id="{C6458F5F-C513-D796-FBA5-CCEB921651D6}"/>
-              </a:ext>
-            </a:extLst>
-          </p:cNvPr>
-          <p:cNvSpPr/>
-          <p:nvPr/>
-        </p:nvSpPr>
-        <p:spPr>
-          <a:xfrm>
-            <a:off x="289539" y="472780"/>
-            <a:ext cx="139359" cy="653143"/>
-          </a:xfrm>
-          <a:prstGeom prst="rect">
-            <a:avLst/>
-          </a:prstGeom>
-          <a:solidFill>
-            <a:schemeClr val="tx2">
-              <a:lumMod val="90000"/>
-              <a:lumOff val="10000"/>
-            </a:schemeClr>
-          </a:solidFill>
-          <a:ln>
-            <a:solidFill>
-              <a:schemeClr val="tx2">
-                <a:lumMod val="90000"/>
-                <a:lumOff val="10000"/>
-              </a:schemeClr>
-            </a:solidFill>
-          </a:ln>
-        </p:spPr>
-        <p:style>
-          <a:lnRef idx="2">
-            <a:schemeClr val="accent1">
-              <a:shade val="15000"/>
-            </a:schemeClr>
-          </a:lnRef>
-          <a:fillRef idx="1">
-            <a:schemeClr val="accent1"/>
-          </a:fillRef>
-          <a:effectRef idx="0">
-            <a:schemeClr val="accent1"/>
-          </a:effectRef>
-          <a:fontRef idx="minor">
-            <a:schemeClr val="lt1"/>
-          </a:fontRef>
-        </p:style>
-        <p:txBody>
-          <a:bodyPr rtlCol="0" anchor="ctr"/>
-          <a:lstStyle/>
-          <a:p>
-            <a:pPr algn="ctr"/>
-            <a:endParaRPr lang="it-IT" noProof="0" dirty="0"/>
-          </a:p>
-        </p:txBody>
-      </p:sp>
-      <p:sp>
-        <p:nvSpPr>
-          <p:cNvPr id="11" name="Rettangolo 10">
-            <a:extLst>
-              <a:ext uri="{FF2B5EF4-FFF2-40B4-BE49-F238E27FC236}">
-                <a16:creationId xmlns:a16="http://schemas.microsoft.com/office/drawing/2014/main" id="{424040E3-F5A7-6C6E-8574-18DF8822BCB0}"/>
-              </a:ext>
-            </a:extLst>
-          </p:cNvPr>
-          <p:cNvSpPr/>
-          <p:nvPr/>
-        </p:nvSpPr>
-        <p:spPr>
-          <a:xfrm>
-            <a:off x="10008781" y="0"/>
-            <a:ext cx="2183219" cy="6858000"/>
-          </a:xfrm>
-          <a:prstGeom prst="rect">
-            <a:avLst/>
-          </a:prstGeom>
-          <a:solidFill>
-            <a:schemeClr val="tx2">
-              <a:lumMod val="90000"/>
-              <a:lumOff val="10000"/>
-            </a:schemeClr>
-          </a:solidFill>
-          <a:ln>
-            <a:solidFill>
-              <a:srgbClr val="163E64"/>
-            </a:solidFill>
-          </a:ln>
-        </p:spPr>
-        <p:style>
-          <a:lnRef idx="2">
-            <a:schemeClr val="accent1">
-              <a:shade val="15000"/>
-            </a:schemeClr>
-          </a:lnRef>
-          <a:fillRef idx="1">
-            <a:schemeClr val="accent1"/>
-          </a:fillRef>
-          <a:effectRef idx="0">
-            <a:schemeClr val="accent1"/>
-          </a:effectRef>
-          <a:fontRef idx="minor">
-            <a:schemeClr val="lt1"/>
-          </a:fontRef>
-        </p:style>
-        <p:txBody>
-          <a:bodyPr rtlCol="0" anchor="ctr"/>
-          <a:lstStyle/>
-          <a:p>
-            <a:pPr algn="ctr"/>
-            <a:endParaRPr lang="it-IT" noProof="0" dirty="0"/>
-          </a:p>
-        </p:txBody>
-      </p:sp>
-      <p:cxnSp>
-        <p:nvCxnSpPr>
-          <p:cNvPr id="8" name="Connettore diritto 7">
-            <a:extLst>
-              <a:ext uri="{FF2B5EF4-FFF2-40B4-BE49-F238E27FC236}">
-                <a16:creationId xmlns:a16="http://schemas.microsoft.com/office/drawing/2014/main" id="{2CCB529C-5C40-0565-CAF7-E2BC0A179CF8}"/>
-              </a:ext>
-            </a:extLst>
-          </p:cNvPr>
-          <p:cNvCxnSpPr>
-            <a:cxnSpLocks/>
-          </p:cNvCxnSpPr>
-          <p:nvPr/>
-        </p:nvCxnSpPr>
-        <p:spPr>
-          <a:xfrm>
-            <a:off x="639725" y="1351691"/>
-            <a:ext cx="6654057" cy="0"/>
-          </a:xfrm>
-          <a:prstGeom prst="line">
-            <a:avLst/>
-          </a:prstGeom>
-          <a:ln>
-            <a:solidFill>
-              <a:schemeClr val="tx2">
-                <a:lumMod val="90000"/>
-                <a:lumOff val="10000"/>
-              </a:schemeClr>
-            </a:solidFill>
-          </a:ln>
-        </p:spPr>
-        <p:style>
-          <a:lnRef idx="2">
-            <a:schemeClr val="accent1"/>
-          </a:lnRef>
-          <a:fillRef idx="0">
-            <a:schemeClr val="accent1"/>
-          </a:fillRef>
-          <a:effectRef idx="1">
-            <a:schemeClr val="accent1"/>
-          </a:effectRef>
-          <a:fontRef idx="minor">
-            <a:schemeClr val="tx1"/>
-          </a:fontRef>
-        </p:style>
-      </p:cxnSp>
-      <p:sp>
-        <p:nvSpPr>
-          <p:cNvPr id="6" name="TextBox 5">
-            <a:extLst>
-              <a:ext uri="{FF2B5EF4-FFF2-40B4-BE49-F238E27FC236}">
-                <a16:creationId xmlns:a16="http://schemas.microsoft.com/office/drawing/2014/main" id="{F5BF2C52-A6FD-A801-E53B-2EB796D139F9}"/>
-              </a:ext>
-            </a:extLst>
-          </p:cNvPr>
-          <p:cNvSpPr txBox="1"/>
-          <p:nvPr/>
-        </p:nvSpPr>
-        <p:spPr>
-          <a:xfrm>
-            <a:off x="11654290" y="6452785"/>
-            <a:ext cx="438619" cy="307777"/>
-          </a:xfrm>
-          <a:prstGeom prst="rect">
-            <a:avLst/>
-          </a:prstGeom>
-          <a:noFill/>
-        </p:spPr>
-        <p:txBody>
-          <a:bodyPr wrap="square">
-            <a:spAutoFit/>
-          </a:bodyPr>
-          <a:lstStyle/>
-          <a:p>
-            <a:r>
-              <a:rPr lang="it-IT" sz="1400" noProof="0" dirty="0">
-                <a:solidFill>
-                  <a:schemeClr val="bg1"/>
-                </a:solidFill>
-              </a:rPr>
-              <a:t>4</a:t>
-            </a:r>
-            <a:endParaRPr lang="it-IT" sz="1400" noProof="0" dirty="0"/>
-          </a:p>
-        </p:txBody>
-      </p:sp>
-      <p:sp>
-        <p:nvSpPr>
-          <p:cNvPr id="7" name="CasellaDiTesto 6">
-            <a:extLst>
-              <a:ext uri="{FF2B5EF4-FFF2-40B4-BE49-F238E27FC236}">
-                <a16:creationId xmlns:a16="http://schemas.microsoft.com/office/drawing/2014/main" id="{FD8999C2-FDB1-1B48-61D4-8B45345FB186}"/>
-              </a:ext>
-            </a:extLst>
-          </p:cNvPr>
-          <p:cNvSpPr txBox="1"/>
-          <p:nvPr/>
-        </p:nvSpPr>
-        <p:spPr>
-          <a:xfrm>
-            <a:off x="639724" y="1623385"/>
-            <a:ext cx="6654056" cy="646331"/>
-          </a:xfrm>
-          <a:prstGeom prst="rect">
-            <a:avLst/>
-          </a:prstGeom>
-          <a:noFill/>
-        </p:spPr>
-        <p:txBody>
-          <a:bodyPr wrap="square" rtlCol="0">
-            <a:spAutoFit/>
-          </a:bodyPr>
-          <a:lstStyle/>
-          <a:p>
-            <a:r>
-              <a:rPr lang="it-IT" noProof="0" dirty="0">
-                <a:solidFill>
-                  <a:schemeClr val="tx1">
-                    <a:lumMod val="85000"/>
-                    <a:lumOff val="15000"/>
-                  </a:schemeClr>
-                </a:solidFill>
-              </a:rPr>
-              <a:t/>
-            </a:r>
-            <a:br>
-              <a:rPr lang="it-IT" noProof="0" dirty="0">
-                <a:solidFill>
-                  <a:schemeClr val="tx1">
-                    <a:lumMod val="85000"/>
-                    <a:lumOff val="15000"/>
-                  </a:schemeClr>
-                </a:solidFill>
-              </a:rPr>
-            </a:br>
-            <a:endParaRPr lang="it-IT" noProof="0" dirty="0">
-              <a:solidFill>
-                <a:schemeClr val="tx1">
-                  <a:lumMod val="85000"/>
-                  <a:lumOff val="15000"/>
-                </a:schemeClr>
-              </a:solidFill>
-            </a:endParaRPr>
-          </a:p>
-        </p:txBody>
-      </p:sp>
-      <p:sp>
-        <p:nvSpPr>
-          <p:cNvPr id="12" name="CasellaDiTesto 6">
-            <a:extLst>
-              <a:ext uri="{FF2B5EF4-FFF2-40B4-BE49-F238E27FC236}">
-                <a16:creationId xmlns:a16="http://schemas.microsoft.com/office/drawing/2014/main" id="{A05DE7FA-A329-DCF5-1DD8-7E60B77B98E8}"/>
-              </a:ext>
-            </a:extLst>
-          </p:cNvPr>
-          <p:cNvSpPr txBox="1"/>
-          <p:nvPr/>
-        </p:nvSpPr>
-        <p:spPr>
-          <a:xfrm>
-            <a:off x="639726" y="1613118"/>
-            <a:ext cx="6654056" cy="369332"/>
-          </a:xfrm>
-          <a:prstGeom prst="rect">
-            <a:avLst/>
-          </a:prstGeom>
-          <a:noFill/>
-        </p:spPr>
-        <p:txBody>
-          <a:bodyPr wrap="square" rtlCol="0">
-            <a:spAutoFit/>
-          </a:bodyPr>
-          <a:lstStyle/>
-          <a:p>
-            <a:pPr marL="285750" indent="-285750">
-              <a:buFont typeface="Arial" panose="020B0604020202020204" pitchFamily="34" charset="0"/>
-              <a:buChar char="•"/>
-            </a:pPr>
-            <a:r>
-              <a:rPr lang="it-IT" dirty="0">
-                <a:solidFill>
-                  <a:srgbClr val="FF0000"/>
-                </a:solidFill>
-              </a:rPr>
-              <a:t>ALE (PROVA A FA QUALCOS ALTRO MA NON LO SA SE RIESCE)</a:t>
-            </a:r>
-            <a:endParaRPr lang="it-IT" noProof="0" dirty="0">
-              <a:solidFill>
-                <a:srgbClr val="FF0000"/>
-              </a:solidFill>
-            </a:endParaRPr>
-          </a:p>
-        </p:txBody>
-      </p:sp>
-      <p:pic>
-        <p:nvPicPr>
-          <p:cNvPr id="3" name="Immagine 2"/>
-          <p:cNvPicPr>
-            <a:picLocks noChangeAspect="1"/>
-          </p:cNvPicPr>
-          <p:nvPr/>
-        </p:nvPicPr>
-        <p:blipFill>
-          <a:blip r:embed="rId3"/>
-          <a:stretch>
-            <a:fillRect/>
-          </a:stretch>
-        </p:blipFill>
-        <p:spPr>
-          <a:xfrm>
-            <a:off x="7293600" y="352800"/>
-            <a:ext cx="885600" cy="885600"/>
-          </a:xfrm>
-          <a:prstGeom prst="rect">
-            <a:avLst/>
-          </a:prstGeom>
-        </p:spPr>
-      </p:pic>
-    </p:spTree>
-    <p:extLst>
-      <p:ext uri="{BB962C8B-B14F-4D97-AF65-F5344CB8AC3E}">
-        <p14:creationId xmlns:p14="http://schemas.microsoft.com/office/powerpoint/2010/main" val="2497548126"/>
-      </p:ext>
-    </p:extLst>
-  </p:cSld>
-  <p:clrMapOvr>
-    <a:masterClrMapping/>
-  </p:clrMapOvr>
-</p:sld>
-</file>
-
-<file path=ppt/slides/slide8.xml><?xml version="1.0" encoding="utf-8"?>
-<p:sld xmlns:a="http://schemas.openxmlformats.org/drawingml/2006/main" xmlns:r="http://schemas.openxmlformats.org/officeDocument/2006/relationships" xmlns:p="http://schemas.openxmlformats.org/presentationml/2006/main">
-  <p:cSld>
-    <p:spTree>
-      <p:nvGrpSpPr>
-        <p:cNvPr id="1" name="">
-          <a:extLst>
-            <a:ext uri="{FF2B5EF4-FFF2-40B4-BE49-F238E27FC236}">
-              <a16:creationId xmlns:a16="http://schemas.microsoft.com/office/drawing/2014/main" id="{975A8E46-9141-F093-BC6F-2C8774296365}"/>
-            </a:ext>
-          </a:extLst>
-        </p:cNvPr>
-        <p:cNvGrpSpPr/>
-        <p:nvPr/>
-      </p:nvGrpSpPr>
-      <p:grpSpPr>
-        <a:xfrm>
-          <a:off x="0" y="0"/>
-          <a:ext cx="0" cy="0"/>
-          <a:chOff x="0" y="0"/>
-          <a:chExt cx="0" cy="0"/>
-        </a:xfrm>
-      </p:grpSpPr>
-      <p:sp>
-        <p:nvSpPr>
-          <p:cNvPr id="2" name="Titolo 1">
-            <a:extLst>
-              <a:ext uri="{FF2B5EF4-FFF2-40B4-BE49-F238E27FC236}">
-                <a16:creationId xmlns:a16="http://schemas.microsoft.com/office/drawing/2014/main" id="{F184A92F-9BFB-BE2B-C6A0-DC59B35D1B04}"/>
-              </a:ext>
-            </a:extLst>
-          </p:cNvPr>
-          <p:cNvSpPr>
-            <a:spLocks noGrp="1"/>
-          </p:cNvSpPr>
-          <p:nvPr>
-            <p:ph type="title"/>
-          </p:nvPr>
-        </p:nvSpPr>
-        <p:spPr>
-          <a:xfrm>
-            <a:off x="639724" y="472780"/>
-            <a:ext cx="6654057" cy="653143"/>
-          </a:xfrm>
-        </p:spPr>
-        <p:txBody>
-          <a:bodyPr>
-            <a:normAutofit/>
-          </a:bodyPr>
-          <a:lstStyle/>
-          <a:p>
-            <a:r>
-              <a:rPr lang="it-IT" sz="3600" noProof="0" dirty="0">
-                <a:solidFill>
-                  <a:schemeClr val="tx2">
-                    <a:lumMod val="90000"/>
-                    <a:lumOff val="10000"/>
-                  </a:schemeClr>
-                </a:solidFill>
-              </a:rPr>
-              <a:t>GOAL: </a:t>
-            </a:r>
-            <a:r>
-              <a:rPr lang="it-IT" sz="3600" dirty="0" err="1">
-                <a:solidFill>
-                  <a:schemeClr val="tx2">
-                    <a:lumMod val="90000"/>
-                    <a:lumOff val="10000"/>
-                  </a:schemeClr>
-                </a:solidFill>
-              </a:rPr>
-              <a:t>Other</a:t>
-            </a:r>
-            <a:r>
-              <a:rPr lang="it-IT" sz="3600" noProof="0" dirty="0">
-                <a:solidFill>
-                  <a:schemeClr val="tx2">
-                    <a:lumMod val="90000"/>
-                    <a:lumOff val="10000"/>
-                  </a:schemeClr>
-                </a:solidFill>
-              </a:rPr>
-              <a:t> </a:t>
-            </a:r>
-            <a:r>
-              <a:rPr lang="it-IT" sz="3600" noProof="0" dirty="0" err="1">
-                <a:solidFill>
-                  <a:schemeClr val="tx2">
-                    <a:lumMod val="90000"/>
-                    <a:lumOff val="10000"/>
-                  </a:schemeClr>
-                </a:solidFill>
-              </a:rPr>
-              <a:t>tasks</a:t>
-            </a:r>
-            <a:endParaRPr lang="it-IT" sz="3600" noProof="0" dirty="0">
-              <a:solidFill>
-                <a:schemeClr val="tx2">
-                  <a:lumMod val="90000"/>
-                  <a:lumOff val="10000"/>
-                </a:schemeClr>
-              </a:solidFill>
-            </a:endParaRPr>
-          </a:p>
-        </p:txBody>
-      </p:sp>
-      <p:sp>
-        <p:nvSpPr>
-          <p:cNvPr id="4" name="Rettangolo 3">
-            <a:extLst>
-              <a:ext uri="{FF2B5EF4-FFF2-40B4-BE49-F238E27FC236}">
-                <a16:creationId xmlns:a16="http://schemas.microsoft.com/office/drawing/2014/main" id="{1EC4FB70-4CDA-2FE7-60EB-A19604E5CBE8}"/>
-              </a:ext>
-            </a:extLst>
-          </p:cNvPr>
-          <p:cNvSpPr/>
-          <p:nvPr/>
-        </p:nvSpPr>
-        <p:spPr>
-          <a:xfrm>
-            <a:off x="0" y="472781"/>
-            <a:ext cx="190243" cy="653143"/>
-          </a:xfrm>
-          <a:prstGeom prst="rect">
-            <a:avLst/>
-          </a:prstGeom>
-          <a:solidFill>
-            <a:schemeClr val="tx2">
-              <a:lumMod val="90000"/>
-              <a:lumOff val="10000"/>
-            </a:schemeClr>
-          </a:solidFill>
-          <a:ln>
-            <a:solidFill>
-              <a:schemeClr val="tx2">
-                <a:lumMod val="90000"/>
-                <a:lumOff val="10000"/>
-              </a:schemeClr>
-            </a:solidFill>
-          </a:ln>
-        </p:spPr>
-        <p:style>
-          <a:lnRef idx="2">
-            <a:schemeClr val="accent1">
-              <a:shade val="15000"/>
-            </a:schemeClr>
-          </a:lnRef>
-          <a:fillRef idx="1">
-            <a:schemeClr val="accent1"/>
-          </a:fillRef>
-          <a:effectRef idx="0">
-            <a:schemeClr val="accent1"/>
-          </a:effectRef>
-          <a:fontRef idx="minor">
-            <a:schemeClr val="lt1"/>
-          </a:fontRef>
-        </p:style>
-        <p:txBody>
-          <a:bodyPr rtlCol="0" anchor="ctr"/>
-          <a:lstStyle/>
-          <a:p>
-            <a:pPr algn="ctr"/>
-            <a:endParaRPr lang="it-IT" noProof="0" dirty="0"/>
-          </a:p>
-        </p:txBody>
-      </p:sp>
-      <p:sp>
-        <p:nvSpPr>
-          <p:cNvPr id="5" name="Rettangolo 4">
-            <a:extLst>
-              <a:ext uri="{FF2B5EF4-FFF2-40B4-BE49-F238E27FC236}">
-                <a16:creationId xmlns:a16="http://schemas.microsoft.com/office/drawing/2014/main" id="{C69F8FF1-E129-E2CB-9851-FC11E5B76BA5}"/>
-              </a:ext>
-            </a:extLst>
-          </p:cNvPr>
-          <p:cNvSpPr/>
-          <p:nvPr/>
-        </p:nvSpPr>
-        <p:spPr>
-          <a:xfrm>
-            <a:off x="289539" y="472780"/>
-            <a:ext cx="139359" cy="653143"/>
-          </a:xfrm>
-          <a:prstGeom prst="rect">
-            <a:avLst/>
-          </a:prstGeom>
-          <a:solidFill>
-            <a:schemeClr val="tx2">
-              <a:lumMod val="90000"/>
-              <a:lumOff val="10000"/>
-            </a:schemeClr>
-          </a:solidFill>
-          <a:ln>
-            <a:solidFill>
-              <a:schemeClr val="tx2">
-                <a:lumMod val="90000"/>
-                <a:lumOff val="10000"/>
-              </a:schemeClr>
-            </a:solidFill>
-          </a:ln>
-        </p:spPr>
-        <p:style>
-          <a:lnRef idx="2">
-            <a:schemeClr val="accent1">
-              <a:shade val="15000"/>
-            </a:schemeClr>
-          </a:lnRef>
-          <a:fillRef idx="1">
-            <a:schemeClr val="accent1"/>
-          </a:fillRef>
-          <a:effectRef idx="0">
-            <a:schemeClr val="accent1"/>
-          </a:effectRef>
-          <a:fontRef idx="minor">
-            <a:schemeClr val="lt1"/>
-          </a:fontRef>
-        </p:style>
-        <p:txBody>
-          <a:bodyPr rtlCol="0" anchor="ctr"/>
-          <a:lstStyle/>
-          <a:p>
-            <a:pPr algn="ctr"/>
-            <a:endParaRPr lang="it-IT" noProof="0" dirty="0"/>
-          </a:p>
-        </p:txBody>
-      </p:sp>
-      <p:sp>
-        <p:nvSpPr>
-          <p:cNvPr id="11" name="Rettangolo 10">
-            <a:extLst>
-              <a:ext uri="{FF2B5EF4-FFF2-40B4-BE49-F238E27FC236}">
-                <a16:creationId xmlns:a16="http://schemas.microsoft.com/office/drawing/2014/main" id="{A2E2619F-3793-2065-D038-89F911ED5F9A}"/>
-              </a:ext>
-            </a:extLst>
-          </p:cNvPr>
-          <p:cNvSpPr/>
-          <p:nvPr/>
-        </p:nvSpPr>
-        <p:spPr>
-          <a:xfrm>
-            <a:off x="10008781" y="0"/>
-            <a:ext cx="2183219" cy="6858000"/>
-          </a:xfrm>
-          <a:prstGeom prst="rect">
-            <a:avLst/>
-          </a:prstGeom>
-          <a:solidFill>
-            <a:schemeClr val="tx2">
-              <a:lumMod val="90000"/>
-              <a:lumOff val="10000"/>
-            </a:schemeClr>
-          </a:solidFill>
-          <a:ln>
-            <a:solidFill>
-              <a:srgbClr val="163E64"/>
-            </a:solidFill>
-          </a:ln>
-        </p:spPr>
-        <p:style>
-          <a:lnRef idx="2">
-            <a:schemeClr val="accent1">
-              <a:shade val="15000"/>
-            </a:schemeClr>
-          </a:lnRef>
-          <a:fillRef idx="1">
-            <a:schemeClr val="accent1"/>
-          </a:fillRef>
-          <a:effectRef idx="0">
-            <a:schemeClr val="accent1"/>
-          </a:effectRef>
-          <a:fontRef idx="minor">
-            <a:schemeClr val="lt1"/>
-          </a:fontRef>
-        </p:style>
-        <p:txBody>
-          <a:bodyPr rtlCol="0" anchor="ctr"/>
-          <a:lstStyle/>
-          <a:p>
-            <a:pPr algn="ctr"/>
-            <a:endParaRPr lang="it-IT" noProof="0" dirty="0"/>
-          </a:p>
-        </p:txBody>
-      </p:sp>
-      <p:cxnSp>
-        <p:nvCxnSpPr>
-          <p:cNvPr id="8" name="Connettore diritto 7">
-            <a:extLst>
-              <a:ext uri="{FF2B5EF4-FFF2-40B4-BE49-F238E27FC236}">
-                <a16:creationId xmlns:a16="http://schemas.microsoft.com/office/drawing/2014/main" id="{CCF3CE8E-47D9-A159-A8DF-F6AED5F5E9D6}"/>
-              </a:ext>
-            </a:extLst>
-          </p:cNvPr>
-          <p:cNvCxnSpPr>
-            <a:cxnSpLocks/>
-          </p:cNvCxnSpPr>
-          <p:nvPr/>
-        </p:nvCxnSpPr>
-        <p:spPr>
-          <a:xfrm>
-            <a:off x="639725" y="1351691"/>
-            <a:ext cx="6654057" cy="0"/>
-          </a:xfrm>
-          <a:prstGeom prst="line">
-            <a:avLst/>
-          </a:prstGeom>
-          <a:ln>
-            <a:solidFill>
-              <a:schemeClr val="tx2">
-                <a:lumMod val="90000"/>
-                <a:lumOff val="10000"/>
-              </a:schemeClr>
-            </a:solidFill>
-          </a:ln>
-        </p:spPr>
-        <p:style>
-          <a:lnRef idx="2">
-            <a:schemeClr val="accent1"/>
-          </a:lnRef>
-          <a:fillRef idx="0">
-            <a:schemeClr val="accent1"/>
-          </a:fillRef>
-          <a:effectRef idx="1">
-            <a:schemeClr val="accent1"/>
-          </a:effectRef>
-          <a:fontRef idx="minor">
-            <a:schemeClr val="tx1"/>
-          </a:fontRef>
-        </p:style>
-      </p:cxnSp>
-      <p:sp>
-        <p:nvSpPr>
-          <p:cNvPr id="6" name="TextBox 5">
-            <a:extLst>
-              <a:ext uri="{FF2B5EF4-FFF2-40B4-BE49-F238E27FC236}">
-                <a16:creationId xmlns:a16="http://schemas.microsoft.com/office/drawing/2014/main" id="{446F8712-AED8-534E-285F-69D50BBC4CF9}"/>
-              </a:ext>
-            </a:extLst>
-          </p:cNvPr>
-          <p:cNvSpPr txBox="1"/>
-          <p:nvPr/>
-        </p:nvSpPr>
-        <p:spPr>
-          <a:xfrm>
-            <a:off x="11654290" y="6452785"/>
-            <a:ext cx="438619" cy="307777"/>
-          </a:xfrm>
-          <a:prstGeom prst="rect">
-            <a:avLst/>
-          </a:prstGeom>
-          <a:noFill/>
-        </p:spPr>
-        <p:txBody>
-          <a:bodyPr wrap="square" lIns="91440" tIns="45720" rIns="91440" bIns="45720" anchor="t">
-            <a:spAutoFit/>
-          </a:bodyPr>
-          <a:lstStyle/>
-          <a:p>
-            <a:r>
-              <a:rPr lang="it-IT" sz="1400" dirty="0">
-                <a:solidFill>
-                  <a:schemeClr val="bg1"/>
-                </a:solidFill>
-              </a:rPr>
-              <a:t>15</a:t>
-            </a:r>
-            <a:endParaRPr lang="it-IT" sz="1400" noProof="0" dirty="0"/>
-          </a:p>
-        </p:txBody>
-      </p:sp>
-      <p:pic>
-        <p:nvPicPr>
-          <p:cNvPr id="7" name="Picture 2">
-            <a:extLst>
-              <a:ext uri="{FF2B5EF4-FFF2-40B4-BE49-F238E27FC236}">
-                <a16:creationId xmlns:a16="http://schemas.microsoft.com/office/drawing/2014/main" id="{9AE5E948-2259-6AA4-363A-53788564336E}"/>
-              </a:ext>
-            </a:extLst>
-          </p:cNvPr>
-          <p:cNvPicPr>
-            <a:picLocks noChangeAspect="1" noChangeArrowheads="1"/>
-          </p:cNvPicPr>
-          <p:nvPr/>
-        </p:nvPicPr>
-        <p:blipFill>
-          <a:blip r:embed="rId2" cstate="print">
-            <a:extLst>
-              <a:ext uri="{28A0092B-C50C-407E-A947-70E740481C1C}">
-                <a14:useLocalDpi xmlns:a14="http://schemas.microsoft.com/office/drawing/2010/main" val="0"/>
-              </a:ext>
-            </a:extLst>
-          </a:blip>
-          <a:srcRect/>
-          <a:stretch>
-            <a:fillRect/>
-          </a:stretch>
-        </p:blipFill>
-        <p:spPr bwMode="auto">
-          <a:xfrm>
-            <a:off x="7293781" y="353207"/>
-            <a:ext cx="885600" cy="885600"/>
-          </a:xfrm>
-          <a:prstGeom prst="rect">
-            <a:avLst/>
-          </a:prstGeom>
-          <a:noFill/>
-          <a:extLst>
-            <a:ext uri="{909E8E84-426E-40DD-AFC4-6F175D3DCCD1}">
-              <a14:hiddenFill xmlns:a14="http://schemas.microsoft.com/office/drawing/2010/main">
-                <a:solidFill>
-                  <a:srgbClr val="FFFFFF"/>
-                </a:solidFill>
-              </a14:hiddenFill>
-            </a:ext>
-          </a:extLst>
-        </p:spPr>
-      </p:pic>
-      <p:sp>
-        <p:nvSpPr>
-          <p:cNvPr id="3" name="CasellaDiTesto 6">
-            <a:extLst>
-              <a:ext uri="{FF2B5EF4-FFF2-40B4-BE49-F238E27FC236}">
-                <a16:creationId xmlns:a16="http://schemas.microsoft.com/office/drawing/2014/main" id="{48F2BD16-1263-4724-9B81-3C7FAEE1F44A}"/>
-              </a:ext>
-            </a:extLst>
-          </p:cNvPr>
-          <p:cNvSpPr txBox="1"/>
-          <p:nvPr/>
-        </p:nvSpPr>
-        <p:spPr>
-          <a:xfrm>
-            <a:off x="639726" y="1613118"/>
-            <a:ext cx="6654056" cy="3970318"/>
-          </a:xfrm>
-          <a:prstGeom prst="rect">
-            <a:avLst/>
-          </a:prstGeom>
-          <a:noFill/>
-        </p:spPr>
-        <p:txBody>
-          <a:bodyPr wrap="square" lIns="91440" tIns="45720" rIns="91440" bIns="45720" rtlCol="0" anchor="t">
-            <a:spAutoFit/>
-          </a:bodyPr>
-          <a:lstStyle/>
-          <a:p>
-            <a:pPr marL="285750" indent="-285750">
-              <a:buFont typeface="Arial" panose="020B0604020202020204" pitchFamily="34" charset="0"/>
-              <a:buChar char="•"/>
-            </a:pPr>
-            <a:r>
-              <a:rPr lang="it-IT" dirty="0" err="1">
-                <a:solidFill>
-                  <a:schemeClr val="tx1">
-                    <a:lumMod val="85000"/>
-                    <a:lumOff val="15000"/>
-                  </a:schemeClr>
-                </a:solidFill>
-              </a:rPr>
-              <a:t>Issue</a:t>
-            </a:r>
-            <a:r>
-              <a:rPr lang="it-IT" dirty="0">
-                <a:solidFill>
-                  <a:schemeClr val="tx1">
-                    <a:lumMod val="85000"/>
-                    <a:lumOff val="15000"/>
-                  </a:schemeClr>
-                </a:solidFill>
-              </a:rPr>
-              <a:t> #611: Per inserire uno stato dei turni si è lavorato con il componente </a:t>
-            </a:r>
-            <a:r>
-              <a:rPr lang="it-IT" dirty="0">
-                <a:solidFill>
-                  <a:schemeClr val="tx1">
-                    <a:lumMod val="85000"/>
-                    <a:lumOff val="15000"/>
-                  </a:schemeClr>
-                </a:solidFill>
-                <a:hlinkClick r:id="rId3">
-                  <a:extLst>
-                    <a:ext uri="{A12FA001-AC4F-418D-AE19-62706E023703}">
-                      <ahyp:hlinkClr xmlns:ahyp="http://schemas.microsoft.com/office/drawing/2018/hyperlinkcolor" xmlns="" val="tx"/>
-                    </a:ext>
-                  </a:extLst>
-                </a:hlinkClick>
-              </a:rPr>
-              <a:t>Scheduler</a:t>
-            </a:r>
-            <a:r>
-              <a:rPr lang="it-IT" dirty="0">
-                <a:solidFill>
-                  <a:schemeClr val="tx1">
-                    <a:lumMod val="85000"/>
-                    <a:lumOff val="15000"/>
-                  </a:schemeClr>
-                </a:solidFill>
-              </a:rPr>
-              <a:t> della libreria </a:t>
-            </a:r>
-            <a:r>
-              <a:rPr lang="it-IT" dirty="0" err="1">
-                <a:solidFill>
-                  <a:schemeClr val="tx1">
-                    <a:lumMod val="85000"/>
-                    <a:lumOff val="15000"/>
-                  </a:schemeClr>
-                </a:solidFill>
-              </a:rPr>
-              <a:t>DevExtreme</a:t>
-            </a:r>
-            <a:r>
-              <a:rPr lang="it-IT" dirty="0">
-                <a:solidFill>
-                  <a:schemeClr val="tx1">
-                    <a:lumMod val="85000"/>
-                    <a:lumOff val="15000"/>
-                  </a:schemeClr>
-                </a:solidFill>
-              </a:rPr>
-              <a:t/>
-            </a:r>
-            <a:br>
-              <a:rPr lang="it-IT" dirty="0">
-                <a:solidFill>
-                  <a:schemeClr val="tx1">
-                    <a:lumMod val="85000"/>
-                    <a:lumOff val="15000"/>
-                  </a:schemeClr>
-                </a:solidFill>
-              </a:rPr>
-            </a:br>
-            <a:r>
-              <a:rPr lang="it-IT" dirty="0">
-                <a:solidFill>
-                  <a:schemeClr val="tx1">
-                    <a:lumMod val="85000"/>
-                    <a:lumOff val="15000"/>
-                  </a:schemeClr>
-                </a:solidFill>
-              </a:rPr>
-              <a:t/>
-            </a:r>
-            <a:br>
-              <a:rPr lang="it-IT" dirty="0">
-                <a:solidFill>
-                  <a:schemeClr val="tx1">
-                    <a:lumMod val="85000"/>
-                    <a:lumOff val="15000"/>
-                  </a:schemeClr>
-                </a:solidFill>
-              </a:rPr>
-            </a:br>
-            <a:r>
-              <a:rPr lang="it-IT" dirty="0">
-                <a:solidFill>
-                  <a:schemeClr val="tx1">
-                    <a:lumMod val="85000"/>
-                    <a:lumOff val="15000"/>
-                  </a:schemeClr>
-                </a:solidFill>
-              </a:rPr>
-              <a:t/>
-            </a:r>
-            <a:br>
-              <a:rPr lang="it-IT" dirty="0">
-                <a:solidFill>
-                  <a:schemeClr val="tx1">
-                    <a:lumMod val="85000"/>
-                    <a:lumOff val="15000"/>
-                  </a:schemeClr>
-                </a:solidFill>
-              </a:rPr>
-            </a:br>
-            <a:r>
-              <a:rPr lang="it-IT" dirty="0">
-                <a:solidFill>
-                  <a:schemeClr val="tx1">
-                    <a:lumMod val="85000"/>
-                    <a:lumOff val="15000"/>
-                  </a:schemeClr>
-                </a:solidFill>
-              </a:rPr>
-              <a:t/>
-            </a:r>
-            <a:br>
-              <a:rPr lang="it-IT" dirty="0">
-                <a:solidFill>
-                  <a:schemeClr val="tx1">
-                    <a:lumMod val="85000"/>
-                    <a:lumOff val="15000"/>
-                  </a:schemeClr>
-                </a:solidFill>
-              </a:rPr>
-            </a:br>
-            <a:r>
-              <a:rPr lang="it-IT" dirty="0">
-                <a:solidFill>
-                  <a:schemeClr val="tx1">
-                    <a:lumMod val="85000"/>
-                    <a:lumOff val="15000"/>
-                  </a:schemeClr>
-                </a:solidFill>
-              </a:rPr>
-              <a:t/>
-            </a:r>
-            <a:br>
-              <a:rPr lang="it-IT" dirty="0">
-                <a:solidFill>
-                  <a:schemeClr val="tx1">
-                    <a:lumMod val="85000"/>
-                    <a:lumOff val="15000"/>
-                  </a:schemeClr>
-                </a:solidFill>
-              </a:rPr>
-            </a:br>
-            <a:r>
-              <a:rPr lang="it-IT" dirty="0">
-                <a:solidFill>
-                  <a:schemeClr val="tx1">
-                    <a:lumMod val="85000"/>
-                    <a:lumOff val="15000"/>
-                  </a:schemeClr>
-                </a:solidFill>
-              </a:rPr>
-              <a:t/>
-            </a:r>
-            <a:br>
-              <a:rPr lang="it-IT" dirty="0">
-                <a:solidFill>
-                  <a:schemeClr val="tx1">
-                    <a:lumMod val="85000"/>
-                    <a:lumOff val="15000"/>
-                  </a:schemeClr>
-                </a:solidFill>
-              </a:rPr>
-            </a:br>
-            <a:r>
-              <a:rPr lang="it-IT" dirty="0">
-                <a:solidFill>
-                  <a:schemeClr val="tx1">
-                    <a:lumMod val="85000"/>
-                    <a:lumOff val="15000"/>
-                  </a:schemeClr>
-                </a:solidFill>
-              </a:rPr>
-              <a:t/>
-            </a:r>
-            <a:br>
-              <a:rPr lang="it-IT" dirty="0">
-                <a:solidFill>
-                  <a:schemeClr val="tx1">
-                    <a:lumMod val="85000"/>
-                    <a:lumOff val="15000"/>
-                  </a:schemeClr>
-                </a:solidFill>
-              </a:rPr>
-            </a:br>
-            <a:r>
-              <a:rPr lang="it-IT" dirty="0">
-                <a:solidFill>
-                  <a:schemeClr val="tx1">
-                    <a:lumMod val="85000"/>
-                    <a:lumOff val="15000"/>
-                  </a:schemeClr>
-                </a:solidFill>
-              </a:rPr>
-              <a:t/>
-            </a:r>
-            <a:br>
-              <a:rPr lang="it-IT" dirty="0">
-                <a:solidFill>
-                  <a:schemeClr val="tx1">
-                    <a:lumMod val="85000"/>
-                    <a:lumOff val="15000"/>
-                  </a:schemeClr>
-                </a:solidFill>
-              </a:rPr>
-            </a:br>
-            <a:r>
-              <a:rPr lang="it-IT" dirty="0">
-                <a:solidFill>
-                  <a:schemeClr val="tx1">
-                    <a:lumMod val="85000"/>
-                    <a:lumOff val="15000"/>
-                  </a:schemeClr>
-                </a:solidFill>
-              </a:rPr>
-              <a:t/>
-            </a:r>
-            <a:br>
-              <a:rPr lang="it-IT" dirty="0">
-                <a:solidFill>
-                  <a:schemeClr val="tx1">
-                    <a:lumMod val="85000"/>
-                    <a:lumOff val="15000"/>
-                  </a:schemeClr>
-                </a:solidFill>
-              </a:rPr>
-            </a:br>
-            <a:r>
-              <a:rPr lang="it-IT" dirty="0">
-                <a:solidFill>
-                  <a:schemeClr val="tx1">
-                    <a:lumMod val="85000"/>
-                    <a:lumOff val="15000"/>
-                  </a:schemeClr>
-                </a:solidFill>
-              </a:rPr>
-              <a:t/>
-            </a:r>
-            <a:br>
-              <a:rPr lang="it-IT" dirty="0">
-                <a:solidFill>
-                  <a:schemeClr val="tx1">
-                    <a:lumMod val="85000"/>
-                    <a:lumOff val="15000"/>
-                  </a:schemeClr>
-                </a:solidFill>
-              </a:rPr>
-            </a:br>
-            <a:r>
-              <a:rPr lang="it-IT" dirty="0" err="1">
-                <a:solidFill>
-                  <a:schemeClr val="tx1">
-                    <a:lumMod val="85000"/>
-                    <a:lumOff val="15000"/>
-                  </a:schemeClr>
-                </a:solidFill>
-              </a:rPr>
-              <a:t>P.s</a:t>
-            </a:r>
-            <a:r>
-              <a:rPr lang="it-IT" dirty="0">
-                <a:solidFill>
-                  <a:schemeClr val="tx1">
-                    <a:lumMod val="85000"/>
-                    <a:lumOff val="15000"/>
-                  </a:schemeClr>
-                </a:solidFill>
-              </a:rPr>
-              <a:t>: per il futuro, se servirà nuovamente lavorare sul componente per gli appuntamenti, ricordarsi che è stato implementato in modo custom</a:t>
-            </a:r>
-          </a:p>
-        </p:txBody>
-      </p:sp>
-      <p:grpSp>
-        <p:nvGrpSpPr>
-          <p:cNvPr id="14" name="Gruppo 13">
-            <a:extLst>
-              <a:ext uri="{FF2B5EF4-FFF2-40B4-BE49-F238E27FC236}">
-                <a16:creationId xmlns:a16="http://schemas.microsoft.com/office/drawing/2014/main" id="{CF272581-5156-ED5B-3910-033D9F2E133A}"/>
-              </a:ext>
-            </a:extLst>
-          </p:cNvPr>
-          <p:cNvGrpSpPr/>
-          <p:nvPr/>
-        </p:nvGrpSpPr>
-        <p:grpSpPr>
-          <a:xfrm>
-            <a:off x="1203708" y="2414440"/>
-            <a:ext cx="5523367" cy="2036775"/>
-            <a:chOff x="1396748" y="2444920"/>
-            <a:chExt cx="5523367" cy="2036775"/>
-          </a:xfrm>
-        </p:grpSpPr>
-        <p:pic>
-          <p:nvPicPr>
-            <p:cNvPr id="9" name="Immagine 8" descr="Immagine che contiene testo, schermata, Rettangolo, linea&#10;&#10;Il contenuto generato dall&amp;#39;intelligenza artificiale potrebbe non essere corretto.">
-              <a:extLst>
-                <a:ext uri="{FF2B5EF4-FFF2-40B4-BE49-F238E27FC236}">
-                  <a16:creationId xmlns:a16="http://schemas.microsoft.com/office/drawing/2014/main" id="{EB42E379-8F72-4E89-0433-3A5AF5785C6C}"/>
-                </a:ext>
-              </a:extLst>
-            </p:cNvPr>
-            <p:cNvPicPr>
-              <a:picLocks noChangeAspect="1"/>
-            </p:cNvPicPr>
-            <p:nvPr/>
-          </p:nvPicPr>
-          <p:blipFill>
-            <a:blip r:embed="rId4"/>
-            <a:srcRect l="24625" t="9461" r="26426" b="6153"/>
-            <a:stretch/>
-          </p:blipFill>
-          <p:spPr>
-            <a:xfrm>
-              <a:off x="1396748" y="2444920"/>
-              <a:ext cx="1655458" cy="2036775"/>
-            </a:xfrm>
-            <a:prstGeom prst="rect">
-              <a:avLst/>
-            </a:prstGeom>
-          </p:spPr>
-        </p:pic>
-        <p:pic>
-          <p:nvPicPr>
-            <p:cNvPr id="12" name="Immagine 11" descr="Immagine che contiene testo, schermata, Rettangolo, Carattere&#10;&#10;Il contenuto generato dall&amp;#39;intelligenza artificiale potrebbe non essere corretto.">
-              <a:extLst>
-                <a:ext uri="{FF2B5EF4-FFF2-40B4-BE49-F238E27FC236}">
-                  <a16:creationId xmlns:a16="http://schemas.microsoft.com/office/drawing/2014/main" id="{C444BEDA-9A79-6A99-7EA0-B000540192A1}"/>
-                </a:ext>
-              </a:extLst>
-            </p:cNvPr>
-            <p:cNvPicPr>
-              <a:picLocks noChangeAspect="1"/>
-            </p:cNvPicPr>
-            <p:nvPr/>
-          </p:nvPicPr>
-          <p:blipFill>
-            <a:blip r:embed="rId5"/>
-            <a:srcRect l="25225" t="9283" r="25826" b="6595"/>
-            <a:stretch/>
-          </p:blipFill>
-          <p:spPr>
-            <a:xfrm>
-              <a:off x="5264036" y="2446651"/>
-              <a:ext cx="1656079" cy="2030397"/>
-            </a:xfrm>
-            <a:prstGeom prst="rect">
-              <a:avLst/>
-            </a:prstGeom>
-          </p:spPr>
-        </p:pic>
-        <p:pic>
-          <p:nvPicPr>
-            <p:cNvPr id="13" name="Immagine 12" descr="Immagine che contiene testo, schermata, Carattere, Rettangolo&#10;&#10;Il contenuto generato dall&amp;#39;intelligenza artificiale potrebbe non essere corretto.">
-              <a:extLst>
-                <a:ext uri="{FF2B5EF4-FFF2-40B4-BE49-F238E27FC236}">
-                  <a16:creationId xmlns:a16="http://schemas.microsoft.com/office/drawing/2014/main" id="{75541BF4-6EB2-5589-5E03-07D8CF434ABF}"/>
-                </a:ext>
-              </a:extLst>
-            </p:cNvPr>
-            <p:cNvPicPr>
-              <a:picLocks noChangeAspect="1"/>
-            </p:cNvPicPr>
-            <p:nvPr/>
-          </p:nvPicPr>
-          <p:blipFill>
-            <a:blip r:embed="rId6"/>
-            <a:srcRect l="25225" t="9424" r="26126" b="6226"/>
-            <a:stretch/>
-          </p:blipFill>
-          <p:spPr>
-            <a:xfrm>
-              <a:off x="3340552" y="2445295"/>
-              <a:ext cx="1645023" cy="2033759"/>
-            </a:xfrm>
-            <a:prstGeom prst="rect">
-              <a:avLst/>
-            </a:prstGeom>
-          </p:spPr>
-        </p:pic>
-      </p:grpSp>
-    </p:spTree>
-    <p:extLst>
-      <p:ext uri="{BB962C8B-B14F-4D97-AF65-F5344CB8AC3E}">
-        <p14:creationId xmlns:p14="http://schemas.microsoft.com/office/powerpoint/2010/main" val="2638085316"/>
-      </p:ext>
-    </p:extLst>
-  </p:cSld>
-  <p:clrMapOvr>
-    <a:masterClrMapping/>
-  </p:clrMapOvr>
-</p:sld>
-</file>
-
-<file path=ppt/slides/slide9.xml><?xml version="1.0" encoding="utf-8"?>
-<p:sld xmlns:a="http://schemas.openxmlformats.org/drawingml/2006/main" xmlns:r="http://schemas.openxmlformats.org/officeDocument/2006/relationships" xmlns:p="http://schemas.openxmlformats.org/presentationml/2006/main">
-  <p:cSld>
-    <p:spTree>
-      <p:nvGrpSpPr>
-        <p:cNvPr id="1" name="">
-          <a:extLst>
-            <a:ext uri="{FF2B5EF4-FFF2-40B4-BE49-F238E27FC236}">
-              <a16:creationId xmlns:a16="http://schemas.microsoft.com/office/drawing/2014/main" id="{5B2BAB6C-DD89-AD40-61D5-B3871E7967A6}"/>
-            </a:ext>
-          </a:extLst>
-        </p:cNvPr>
-        <p:cNvGrpSpPr/>
-        <p:nvPr/>
-      </p:nvGrpSpPr>
-      <p:grpSpPr>
-        <a:xfrm>
-          <a:off x="0" y="0"/>
-          <a:ext cx="0" cy="0"/>
-          <a:chOff x="0" y="0"/>
-          <a:chExt cx="0" cy="0"/>
-        </a:xfrm>
-      </p:grpSpPr>
-      <p:sp>
-        <p:nvSpPr>
-          <p:cNvPr id="2" name="Titolo 1">
-            <a:extLst>
-              <a:ext uri="{FF2B5EF4-FFF2-40B4-BE49-F238E27FC236}">
-                <a16:creationId xmlns:a16="http://schemas.microsoft.com/office/drawing/2014/main" id="{7F6534F1-55A9-28F5-3E44-72FAFC647F73}"/>
-              </a:ext>
-            </a:extLst>
-          </p:cNvPr>
-          <p:cNvSpPr>
-            <a:spLocks noGrp="1"/>
-          </p:cNvSpPr>
-          <p:nvPr>
-            <p:ph type="title"/>
-          </p:nvPr>
-        </p:nvSpPr>
-        <p:spPr>
-          <a:xfrm>
-            <a:off x="639724" y="472780"/>
-            <a:ext cx="6654057" cy="653143"/>
-          </a:xfrm>
-        </p:spPr>
-        <p:txBody>
-          <a:bodyPr>
-            <a:normAutofit/>
-          </a:bodyPr>
-          <a:lstStyle/>
-          <a:p>
-            <a:r>
-              <a:rPr lang="it-IT" sz="3600" noProof="0" dirty="0">
-                <a:solidFill>
-                  <a:schemeClr val="tx2">
-                    <a:lumMod val="90000"/>
-                    <a:lumOff val="10000"/>
-                  </a:schemeClr>
-                </a:solidFill>
-              </a:rPr>
-              <a:t>GOAL: </a:t>
-            </a:r>
-            <a:r>
-              <a:rPr lang="it-IT" sz="3600" dirty="0" err="1">
-                <a:solidFill>
-                  <a:schemeClr val="tx2">
-                    <a:lumMod val="90000"/>
-                    <a:lumOff val="10000"/>
-                  </a:schemeClr>
-                </a:solidFill>
-              </a:rPr>
-              <a:t>Other</a:t>
-            </a:r>
-            <a:r>
-              <a:rPr lang="it-IT" sz="3600" noProof="0" dirty="0">
-                <a:solidFill>
-                  <a:schemeClr val="tx2">
-                    <a:lumMod val="90000"/>
-                    <a:lumOff val="10000"/>
-                  </a:schemeClr>
-                </a:solidFill>
-              </a:rPr>
-              <a:t> </a:t>
-            </a:r>
-            <a:r>
-              <a:rPr lang="it-IT" sz="3600" noProof="0" dirty="0" err="1">
-                <a:solidFill>
-                  <a:schemeClr val="tx2">
-                    <a:lumMod val="90000"/>
-                    <a:lumOff val="10000"/>
-                  </a:schemeClr>
-                </a:solidFill>
-              </a:rPr>
-              <a:t>tasks</a:t>
-            </a:r>
-            <a:endParaRPr lang="it-IT" sz="3600" noProof="0" dirty="0">
-              <a:solidFill>
-                <a:schemeClr val="tx2">
-                  <a:lumMod val="90000"/>
-                  <a:lumOff val="10000"/>
-                </a:schemeClr>
-              </a:solidFill>
-            </a:endParaRPr>
-          </a:p>
-        </p:txBody>
-      </p:sp>
-      <p:sp>
-        <p:nvSpPr>
-          <p:cNvPr id="4" name="Rettangolo 3">
-            <a:extLst>
-              <a:ext uri="{FF2B5EF4-FFF2-40B4-BE49-F238E27FC236}">
-                <a16:creationId xmlns:a16="http://schemas.microsoft.com/office/drawing/2014/main" id="{B61CAB7B-3F71-25E9-D506-3A6D6967CC84}"/>
-              </a:ext>
-            </a:extLst>
-          </p:cNvPr>
-          <p:cNvSpPr/>
-          <p:nvPr/>
-        </p:nvSpPr>
-        <p:spPr>
-          <a:xfrm>
-            <a:off x="0" y="472781"/>
-            <a:ext cx="190243" cy="653143"/>
-          </a:xfrm>
-          <a:prstGeom prst="rect">
-            <a:avLst/>
-          </a:prstGeom>
-          <a:solidFill>
-            <a:schemeClr val="tx2">
-              <a:lumMod val="90000"/>
-              <a:lumOff val="10000"/>
-            </a:schemeClr>
-          </a:solidFill>
-          <a:ln>
-            <a:solidFill>
-              <a:schemeClr val="tx2">
-                <a:lumMod val="90000"/>
-                <a:lumOff val="10000"/>
-              </a:schemeClr>
-            </a:solidFill>
-          </a:ln>
-        </p:spPr>
-        <p:style>
-          <a:lnRef idx="2">
-            <a:schemeClr val="accent1">
-              <a:shade val="15000"/>
-            </a:schemeClr>
-          </a:lnRef>
-          <a:fillRef idx="1">
-            <a:schemeClr val="accent1"/>
-          </a:fillRef>
-          <a:effectRef idx="0">
-            <a:schemeClr val="accent1"/>
-          </a:effectRef>
-          <a:fontRef idx="minor">
-            <a:schemeClr val="lt1"/>
-          </a:fontRef>
-        </p:style>
-        <p:txBody>
-          <a:bodyPr rtlCol="0" anchor="ctr"/>
-          <a:lstStyle/>
-          <a:p>
-            <a:pPr algn="ctr"/>
-            <a:endParaRPr lang="it-IT" noProof="0" dirty="0"/>
-          </a:p>
-        </p:txBody>
-      </p:sp>
-      <p:sp>
-        <p:nvSpPr>
-          <p:cNvPr id="5" name="Rettangolo 4">
-            <a:extLst>
-              <a:ext uri="{FF2B5EF4-FFF2-40B4-BE49-F238E27FC236}">
-                <a16:creationId xmlns:a16="http://schemas.microsoft.com/office/drawing/2014/main" id="{CF49221E-D9D3-FBAA-CFE9-B586E7E3B7C0}"/>
-              </a:ext>
-            </a:extLst>
-          </p:cNvPr>
-          <p:cNvSpPr/>
-          <p:nvPr/>
-        </p:nvSpPr>
-        <p:spPr>
-          <a:xfrm>
-            <a:off x="289539" y="472780"/>
-            <a:ext cx="139359" cy="653143"/>
-          </a:xfrm>
-          <a:prstGeom prst="rect">
-            <a:avLst/>
-          </a:prstGeom>
-          <a:solidFill>
-            <a:schemeClr val="tx2">
-              <a:lumMod val="90000"/>
-              <a:lumOff val="10000"/>
-            </a:schemeClr>
-          </a:solidFill>
-          <a:ln>
-            <a:solidFill>
-              <a:schemeClr val="tx2">
-                <a:lumMod val="90000"/>
-                <a:lumOff val="10000"/>
-              </a:schemeClr>
-            </a:solidFill>
-          </a:ln>
-        </p:spPr>
-        <p:style>
-          <a:lnRef idx="2">
-            <a:schemeClr val="accent1">
-              <a:shade val="15000"/>
-            </a:schemeClr>
-          </a:lnRef>
-          <a:fillRef idx="1">
-            <a:schemeClr val="accent1"/>
-          </a:fillRef>
-          <a:effectRef idx="0">
-            <a:schemeClr val="accent1"/>
-          </a:effectRef>
-          <a:fontRef idx="minor">
-            <a:schemeClr val="lt1"/>
-          </a:fontRef>
-        </p:style>
-        <p:txBody>
-          <a:bodyPr rtlCol="0" anchor="ctr"/>
-          <a:lstStyle/>
-          <a:p>
-            <a:pPr algn="ctr"/>
-            <a:endParaRPr lang="it-IT" noProof="0" dirty="0"/>
-          </a:p>
-        </p:txBody>
-      </p:sp>
-      <p:sp>
-        <p:nvSpPr>
-          <p:cNvPr id="11" name="Rettangolo 10">
-            <a:extLst>
-              <a:ext uri="{FF2B5EF4-FFF2-40B4-BE49-F238E27FC236}">
-                <a16:creationId xmlns:a16="http://schemas.microsoft.com/office/drawing/2014/main" id="{911B0D2E-1054-A498-4896-5F89E4147479}"/>
-              </a:ext>
-            </a:extLst>
-          </p:cNvPr>
-          <p:cNvSpPr/>
-          <p:nvPr/>
-        </p:nvSpPr>
-        <p:spPr>
-          <a:xfrm>
-            <a:off x="10008781" y="0"/>
-            <a:ext cx="2183219" cy="6858000"/>
-          </a:xfrm>
-          <a:prstGeom prst="rect">
-            <a:avLst/>
-          </a:prstGeom>
-          <a:solidFill>
-            <a:schemeClr val="tx2">
-              <a:lumMod val="90000"/>
-              <a:lumOff val="10000"/>
-            </a:schemeClr>
-          </a:solidFill>
-          <a:ln>
-            <a:solidFill>
-              <a:srgbClr val="163E64"/>
-            </a:solidFill>
-          </a:ln>
-        </p:spPr>
-        <p:style>
-          <a:lnRef idx="2">
-            <a:schemeClr val="accent1">
-              <a:shade val="15000"/>
-            </a:schemeClr>
-          </a:lnRef>
-          <a:fillRef idx="1">
-            <a:schemeClr val="accent1"/>
-          </a:fillRef>
-          <a:effectRef idx="0">
-            <a:schemeClr val="accent1"/>
-          </a:effectRef>
-          <a:fontRef idx="minor">
-            <a:schemeClr val="lt1"/>
-          </a:fontRef>
-        </p:style>
-        <p:txBody>
-          <a:bodyPr rtlCol="0" anchor="ctr"/>
-          <a:lstStyle/>
-          <a:p>
-            <a:pPr algn="ctr"/>
-            <a:endParaRPr lang="it-IT" noProof="0" dirty="0"/>
-          </a:p>
-        </p:txBody>
-      </p:sp>
-      <p:cxnSp>
-        <p:nvCxnSpPr>
-          <p:cNvPr id="8" name="Connettore diritto 7">
-            <a:extLst>
-              <a:ext uri="{FF2B5EF4-FFF2-40B4-BE49-F238E27FC236}">
-                <a16:creationId xmlns:a16="http://schemas.microsoft.com/office/drawing/2014/main" id="{E0E1ACC0-1C64-9B06-175A-B84B716D11CA}"/>
-              </a:ext>
-            </a:extLst>
-          </p:cNvPr>
-          <p:cNvCxnSpPr>
-            <a:cxnSpLocks/>
-          </p:cNvCxnSpPr>
-          <p:nvPr/>
-        </p:nvCxnSpPr>
-        <p:spPr>
-          <a:xfrm>
-            <a:off x="639725" y="1351691"/>
-            <a:ext cx="6654057" cy="0"/>
-          </a:xfrm>
-          <a:prstGeom prst="line">
-            <a:avLst/>
-          </a:prstGeom>
-          <a:ln>
-            <a:solidFill>
-              <a:schemeClr val="tx2">
-                <a:lumMod val="90000"/>
-                <a:lumOff val="10000"/>
-              </a:schemeClr>
-            </a:solidFill>
-          </a:ln>
-        </p:spPr>
-        <p:style>
-          <a:lnRef idx="2">
-            <a:schemeClr val="accent1"/>
-          </a:lnRef>
-          <a:fillRef idx="0">
-            <a:schemeClr val="accent1"/>
-          </a:fillRef>
-          <a:effectRef idx="1">
-            <a:schemeClr val="accent1"/>
-          </a:effectRef>
-          <a:fontRef idx="minor">
-            <a:schemeClr val="tx1"/>
-          </a:fontRef>
-        </p:style>
-      </p:cxnSp>
-      <p:sp>
-        <p:nvSpPr>
-          <p:cNvPr id="6" name="TextBox 5">
-            <a:extLst>
-              <a:ext uri="{FF2B5EF4-FFF2-40B4-BE49-F238E27FC236}">
-                <a16:creationId xmlns:a16="http://schemas.microsoft.com/office/drawing/2014/main" id="{F137BD94-E9ED-DC8D-C938-B16070FE068C}"/>
-              </a:ext>
-            </a:extLst>
-          </p:cNvPr>
-          <p:cNvSpPr txBox="1"/>
-          <p:nvPr/>
-        </p:nvSpPr>
-        <p:spPr>
-          <a:xfrm>
-            <a:off x="11654290" y="6452785"/>
-            <a:ext cx="438619" cy="307777"/>
-          </a:xfrm>
-          <a:prstGeom prst="rect">
-            <a:avLst/>
-          </a:prstGeom>
-          <a:noFill/>
-        </p:spPr>
-        <p:txBody>
-          <a:bodyPr wrap="square" lIns="91440" tIns="45720" rIns="91440" bIns="45720" anchor="t">
-            <a:spAutoFit/>
-          </a:bodyPr>
-          <a:lstStyle/>
-          <a:p>
-            <a:r>
-              <a:rPr lang="it-IT" sz="1400" dirty="0">
-                <a:solidFill>
-                  <a:schemeClr val="bg1"/>
-                </a:solidFill>
-              </a:rPr>
-              <a:t>15</a:t>
-            </a:r>
-            <a:endParaRPr lang="it-IT" sz="1400" noProof="0" dirty="0"/>
-          </a:p>
-        </p:txBody>
-      </p:sp>
-      <p:pic>
-        <p:nvPicPr>
-          <p:cNvPr id="7" name="Picture 2">
-            <a:extLst>
-              <a:ext uri="{FF2B5EF4-FFF2-40B4-BE49-F238E27FC236}">
-                <a16:creationId xmlns:a16="http://schemas.microsoft.com/office/drawing/2014/main" id="{B076B2FC-A585-C0F2-C135-5074789A30BA}"/>
-              </a:ext>
-            </a:extLst>
-          </p:cNvPr>
-          <p:cNvPicPr>
-            <a:picLocks noChangeAspect="1" noChangeArrowheads="1"/>
-          </p:cNvPicPr>
-          <p:nvPr/>
-        </p:nvPicPr>
-        <p:blipFill>
-          <a:blip r:embed="rId2" cstate="print">
-            <a:extLst>
-              <a:ext uri="{28A0092B-C50C-407E-A947-70E740481C1C}">
-                <a14:useLocalDpi xmlns:a14="http://schemas.microsoft.com/office/drawing/2010/main" val="0"/>
-              </a:ext>
-            </a:extLst>
-          </a:blip>
-          <a:srcRect/>
-          <a:stretch>
-            <a:fillRect/>
-          </a:stretch>
-        </p:blipFill>
-        <p:spPr bwMode="auto">
-          <a:xfrm>
-            <a:off x="7293781" y="353207"/>
-            <a:ext cx="885600" cy="885600"/>
-          </a:xfrm>
-          <a:prstGeom prst="rect">
-            <a:avLst/>
-          </a:prstGeom>
-          <a:noFill/>
-          <a:extLst>
-            <a:ext uri="{909E8E84-426E-40DD-AFC4-6F175D3DCCD1}">
-              <a14:hiddenFill xmlns:a14="http://schemas.microsoft.com/office/drawing/2010/main">
-                <a:solidFill>
-                  <a:srgbClr val="FFFFFF"/>
-                </a:solidFill>
-              </a14:hiddenFill>
-            </a:ext>
-          </a:extLst>
-        </p:spPr>
-      </p:pic>
-      <p:sp>
-        <p:nvSpPr>
-          <p:cNvPr id="3" name="CasellaDiTesto 6">
-            <a:extLst>
-              <a:ext uri="{FF2B5EF4-FFF2-40B4-BE49-F238E27FC236}">
-                <a16:creationId xmlns:a16="http://schemas.microsoft.com/office/drawing/2014/main" id="{E721B17B-4937-11BD-86AD-F4DE854DB47A}"/>
-              </a:ext>
-            </a:extLst>
-          </p:cNvPr>
-          <p:cNvSpPr txBox="1"/>
-          <p:nvPr/>
-        </p:nvSpPr>
-        <p:spPr>
-          <a:xfrm>
-            <a:off x="639726" y="1613118"/>
-            <a:ext cx="6654056" cy="923330"/>
-          </a:xfrm>
-          <a:prstGeom prst="rect">
-            <a:avLst/>
-          </a:prstGeom>
-          <a:noFill/>
-        </p:spPr>
-        <p:txBody>
-          <a:bodyPr wrap="square" rtlCol="0">
-            <a:spAutoFit/>
-          </a:bodyPr>
-          <a:lstStyle/>
-          <a:p>
-            <a:pPr marL="285750" indent="-285750">
-              <a:buFont typeface="Arial" panose="020B0604020202020204" pitchFamily="34" charset="0"/>
-              <a:buChar char="•"/>
-            </a:pPr>
-            <a:r>
-              <a:rPr lang="it-IT" dirty="0" err="1">
-                <a:solidFill>
-                  <a:schemeClr val="tx1">
-                    <a:lumMod val="85000"/>
-                    <a:lumOff val="15000"/>
-                  </a:schemeClr>
-                </a:solidFill>
-              </a:rPr>
-              <a:t>Issue</a:t>
-            </a:r>
-            <a:r>
-              <a:rPr lang="it-IT" dirty="0">
-                <a:solidFill>
-                  <a:schemeClr val="tx1">
-                    <a:lumMod val="85000"/>
-                    <a:lumOff val="15000"/>
-                  </a:schemeClr>
-                </a:solidFill>
-              </a:rPr>
-              <a:t> #607: </a:t>
-            </a:r>
-            <a:r>
-              <a:rPr lang="it-IT" dirty="0">
-                <a:solidFill>
-                  <a:srgbClr val="FF0000"/>
-                </a:solidFill>
-              </a:rPr>
-              <a:t>MASSIMO</a:t>
-            </a:r>
-          </a:p>
-          <a:p>
-            <a:pPr marL="285750" indent="-285750">
-              <a:buFont typeface="Arial" panose="020B0604020202020204" pitchFamily="34" charset="0"/>
-              <a:buChar char="•"/>
-            </a:pPr>
-            <a:endParaRPr lang="it-IT" dirty="0">
-              <a:solidFill>
-                <a:srgbClr val="FF0000"/>
-              </a:solidFill>
-            </a:endParaRPr>
-          </a:p>
-          <a:p>
-            <a:pPr marL="285750" indent="-285750">
-              <a:buFont typeface="Arial" panose="020B0604020202020204" pitchFamily="34" charset="0"/>
-              <a:buChar char="•"/>
-            </a:pPr>
-            <a:r>
-              <a:rPr lang="it-IT" dirty="0" err="1">
-                <a:solidFill>
-                  <a:schemeClr val="tx1">
-                    <a:lumMod val="85000"/>
-                    <a:lumOff val="15000"/>
-                  </a:schemeClr>
-                </a:solidFill>
-              </a:rPr>
-              <a:t>Issue</a:t>
-            </a:r>
-            <a:r>
-              <a:rPr lang="it-IT" dirty="0">
-                <a:solidFill>
-                  <a:schemeClr val="tx1">
-                    <a:lumMod val="85000"/>
-                    <a:lumOff val="15000"/>
-                  </a:schemeClr>
-                </a:solidFill>
-              </a:rPr>
-              <a:t> #609: </a:t>
-            </a:r>
-            <a:r>
-              <a:rPr lang="it-IT" dirty="0">
-                <a:solidFill>
-                  <a:srgbClr val="FF0000"/>
-                </a:solidFill>
-              </a:rPr>
-              <a:t>FEDERICO</a:t>
-            </a:r>
-          </a:p>
-        </p:txBody>
-      </p:sp>
-    </p:spTree>
-    <p:extLst>
-      <p:ext uri="{BB962C8B-B14F-4D97-AF65-F5344CB8AC3E}">
-        <p14:creationId xmlns:p14="http://schemas.microsoft.com/office/powerpoint/2010/main" val="1623740443"/>
-      </p:ext>
-    </p:extLst>
-  </p:cSld>
-  <p:clrMapOvr>
-    <a:masterClrMapping/>
-  </p:clrMapOvr>
+  <p:timing>
+    <p:tnLst>
+      <p:par>
+        <p:cTn id="1" dur="indefinite" restart="never" nodeType="tmRoot"/>
+      </p:par>
+    </p:tnLst>
+  </p:timing>
 </p:sld>
 </file>
 

--- a/ShiftsHappen/Sprint 3/CSW Sprint 3.pptx
+++ b/ShiftsHappen/Sprint 3/CSW Sprint 3.pptx
@@ -5,7 +5,7 @@
     <p:sldMasterId id="2147483648" r:id="rId1"/>
   </p:sldMasterIdLst>
   <p:notesMasterIdLst>
-    <p:notesMasterId r:id="rId19"/>
+    <p:notesMasterId r:id="rId23"/>
   </p:notesMasterIdLst>
   <p:sldIdLst>
     <p:sldId id="256" r:id="rId2"/>
@@ -18,13 +18,17 @@
     <p:sldId id="299" r:id="rId9"/>
     <p:sldId id="286" r:id="rId10"/>
     <p:sldId id="294" r:id="rId11"/>
-    <p:sldId id="282" r:id="rId12"/>
-    <p:sldId id="292" r:id="rId13"/>
-    <p:sldId id="295" r:id="rId14"/>
-    <p:sldId id="276" r:id="rId15"/>
-    <p:sldId id="293" r:id="rId16"/>
-    <p:sldId id="262" r:id="rId17"/>
-    <p:sldId id="288" r:id="rId18"/>
+    <p:sldId id="300" r:id="rId12"/>
+    <p:sldId id="301" r:id="rId13"/>
+    <p:sldId id="302" r:id="rId14"/>
+    <p:sldId id="303" r:id="rId15"/>
+    <p:sldId id="282" r:id="rId16"/>
+    <p:sldId id="292" r:id="rId17"/>
+    <p:sldId id="295" r:id="rId18"/>
+    <p:sldId id="276" r:id="rId19"/>
+    <p:sldId id="293" r:id="rId20"/>
+    <p:sldId id="262" r:id="rId21"/>
+    <p:sldId id="288" r:id="rId22"/>
   </p:sldIdLst>
   <p:sldSz cx="12192000" cy="6858000"/>
   <p:notesSz cx="6858000" cy="9144000"/>
@@ -220,7 +224,7 @@
           </a:lstStyle>
           <a:p>
             <a:fld id="{7D50F5C2-1F77-45FD-808B-AC99B6454F11}" type="datetimeFigureOut">
-              <a:t>1/26/2025</a:t>
+              <a:t>27/01/2025</a:t>
             </a:fld>
             <a:endParaRPr lang="it-IT"/>
           </a:p>
@@ -377,7 +381,7 @@
           </a:lstStyle>
           <a:p>
             <a:fld id="{A2A64AC7-4DA4-48E7-90C1-5D3C29B92E12}" type="slidenum">
-              <a:t>‹N›</a:t>
+              <a:t>‹#›</a:t>
             </a:fld>
             <a:endParaRPr lang="it-IT"/>
           </a:p>
@@ -649,7 +653,7 @@
           <a:p>
             <a:fld id="{A2A64AC7-4DA4-48E7-90C1-5D3C29B92E12}" type="slidenum">
               <a:rPr lang="en-GB" smtClean="0"/>
-              <a:t>11</a:t>
+              <a:t>15</a:t>
             </a:fld>
             <a:endParaRPr lang="en-GB"/>
           </a:p>
@@ -1106,7 +1110,7 @@
           <a:p>
             <a:fld id="{F64A8E5F-40E5-4553-9F3C-699F1A5B8145}" type="datetimeFigureOut">
               <a:rPr lang="de-DE" smtClean="0"/>
-              <a:t>26.01.2025</a:t>
+              <a:t>27.01.2025</a:t>
             </a:fld>
             <a:endParaRPr lang="de-DE"/>
           </a:p>
@@ -1148,7 +1152,7 @@
           <a:p>
             <a:fld id="{66CD45B7-DFE2-4393-8D37-380FC36BF3AA}" type="slidenum">
               <a:rPr lang="de-DE" smtClean="0"/>
-              <a:t>‹N›</a:t>
+              <a:t>‹#›</a:t>
             </a:fld>
             <a:endParaRPr lang="de-DE"/>
           </a:p>
@@ -1276,7 +1280,7 @@
           <a:p>
             <a:fld id="{F64A8E5F-40E5-4553-9F3C-699F1A5B8145}" type="datetimeFigureOut">
               <a:rPr lang="de-DE" smtClean="0"/>
-              <a:t>26.01.2025</a:t>
+              <a:t>27.01.2025</a:t>
             </a:fld>
             <a:endParaRPr lang="de-DE"/>
           </a:p>
@@ -1318,7 +1322,7 @@
           <a:p>
             <a:fld id="{66CD45B7-DFE2-4393-8D37-380FC36BF3AA}" type="slidenum">
               <a:rPr lang="de-DE" smtClean="0"/>
-              <a:t>‹N›</a:t>
+              <a:t>‹#›</a:t>
             </a:fld>
             <a:endParaRPr lang="de-DE"/>
           </a:p>
@@ -1456,7 +1460,7 @@
           <a:p>
             <a:fld id="{F64A8E5F-40E5-4553-9F3C-699F1A5B8145}" type="datetimeFigureOut">
               <a:rPr lang="de-DE" smtClean="0"/>
-              <a:t>26.01.2025</a:t>
+              <a:t>27.01.2025</a:t>
             </a:fld>
             <a:endParaRPr lang="de-DE"/>
           </a:p>
@@ -1498,7 +1502,7 @@
           <a:p>
             <a:fld id="{66CD45B7-DFE2-4393-8D37-380FC36BF3AA}" type="slidenum">
               <a:rPr lang="de-DE" smtClean="0"/>
-              <a:t>‹N›</a:t>
+              <a:t>‹#›</a:t>
             </a:fld>
             <a:endParaRPr lang="de-DE"/>
           </a:p>
@@ -1626,7 +1630,7 @@
           <a:p>
             <a:fld id="{F64A8E5F-40E5-4553-9F3C-699F1A5B8145}" type="datetimeFigureOut">
               <a:rPr lang="de-DE" smtClean="0"/>
-              <a:t>26.01.2025</a:t>
+              <a:t>27.01.2025</a:t>
             </a:fld>
             <a:endParaRPr lang="de-DE"/>
           </a:p>
@@ -1668,7 +1672,7 @@
           <a:p>
             <a:fld id="{66CD45B7-DFE2-4393-8D37-380FC36BF3AA}" type="slidenum">
               <a:rPr lang="de-DE" smtClean="0"/>
-              <a:t>‹N›</a:t>
+              <a:t>‹#›</a:t>
             </a:fld>
             <a:endParaRPr lang="de-DE"/>
           </a:p>
@@ -1872,7 +1876,7 @@
           <a:p>
             <a:fld id="{F64A8E5F-40E5-4553-9F3C-699F1A5B8145}" type="datetimeFigureOut">
               <a:rPr lang="de-DE" smtClean="0"/>
-              <a:t>26.01.2025</a:t>
+              <a:t>27.01.2025</a:t>
             </a:fld>
             <a:endParaRPr lang="de-DE"/>
           </a:p>
@@ -1914,7 +1918,7 @@
           <a:p>
             <a:fld id="{66CD45B7-DFE2-4393-8D37-380FC36BF3AA}" type="slidenum">
               <a:rPr lang="de-DE" smtClean="0"/>
-              <a:t>‹N›</a:t>
+              <a:t>‹#›</a:t>
             </a:fld>
             <a:endParaRPr lang="de-DE"/>
           </a:p>
@@ -2104,7 +2108,7 @@
           <a:p>
             <a:fld id="{F64A8E5F-40E5-4553-9F3C-699F1A5B8145}" type="datetimeFigureOut">
               <a:rPr lang="de-DE" smtClean="0"/>
-              <a:t>26.01.2025</a:t>
+              <a:t>27.01.2025</a:t>
             </a:fld>
             <a:endParaRPr lang="de-DE"/>
           </a:p>
@@ -2146,7 +2150,7 @@
           <a:p>
             <a:fld id="{66CD45B7-DFE2-4393-8D37-380FC36BF3AA}" type="slidenum">
               <a:rPr lang="de-DE" smtClean="0"/>
-              <a:t>‹N›</a:t>
+              <a:t>‹#›</a:t>
             </a:fld>
             <a:endParaRPr lang="de-DE"/>
           </a:p>
@@ -2471,7 +2475,7 @@
           <a:p>
             <a:fld id="{F64A8E5F-40E5-4553-9F3C-699F1A5B8145}" type="datetimeFigureOut">
               <a:rPr lang="de-DE" smtClean="0"/>
-              <a:t>26.01.2025</a:t>
+              <a:t>27.01.2025</a:t>
             </a:fld>
             <a:endParaRPr lang="de-DE"/>
           </a:p>
@@ -2513,7 +2517,7 @@
           <a:p>
             <a:fld id="{66CD45B7-DFE2-4393-8D37-380FC36BF3AA}" type="slidenum">
               <a:rPr lang="de-DE" smtClean="0"/>
-              <a:t>‹N›</a:t>
+              <a:t>‹#›</a:t>
             </a:fld>
             <a:endParaRPr lang="de-DE"/>
           </a:p>
@@ -2589,7 +2593,7 @@
           <a:p>
             <a:fld id="{F64A8E5F-40E5-4553-9F3C-699F1A5B8145}" type="datetimeFigureOut">
               <a:rPr lang="de-DE" smtClean="0"/>
-              <a:t>26.01.2025</a:t>
+              <a:t>27.01.2025</a:t>
             </a:fld>
             <a:endParaRPr lang="de-DE"/>
           </a:p>
@@ -2631,7 +2635,7 @@
           <a:p>
             <a:fld id="{66CD45B7-DFE2-4393-8D37-380FC36BF3AA}" type="slidenum">
               <a:rPr lang="de-DE" smtClean="0"/>
-              <a:t>‹N›</a:t>
+              <a:t>‹#›</a:t>
             </a:fld>
             <a:endParaRPr lang="de-DE"/>
           </a:p>
@@ -2684,7 +2688,7 @@
           <a:p>
             <a:fld id="{F64A8E5F-40E5-4553-9F3C-699F1A5B8145}" type="datetimeFigureOut">
               <a:rPr lang="de-DE" smtClean="0"/>
-              <a:t>26.01.2025</a:t>
+              <a:t>27.01.2025</a:t>
             </a:fld>
             <a:endParaRPr lang="de-DE"/>
           </a:p>
@@ -2726,7 +2730,7 @@
           <a:p>
             <a:fld id="{66CD45B7-DFE2-4393-8D37-380FC36BF3AA}" type="slidenum">
               <a:rPr lang="de-DE" smtClean="0"/>
-              <a:t>‹N›</a:t>
+              <a:t>‹#›</a:t>
             </a:fld>
             <a:endParaRPr lang="de-DE"/>
           </a:p>
@@ -2961,7 +2965,7 @@
           <a:p>
             <a:fld id="{F64A8E5F-40E5-4553-9F3C-699F1A5B8145}" type="datetimeFigureOut">
               <a:rPr lang="de-DE" smtClean="0"/>
-              <a:t>26.01.2025</a:t>
+              <a:t>27.01.2025</a:t>
             </a:fld>
             <a:endParaRPr lang="de-DE"/>
           </a:p>
@@ -3003,7 +3007,7 @@
           <a:p>
             <a:fld id="{66CD45B7-DFE2-4393-8D37-380FC36BF3AA}" type="slidenum">
               <a:rPr lang="de-DE" smtClean="0"/>
-              <a:t>‹N›</a:t>
+              <a:t>‹#›</a:t>
             </a:fld>
             <a:endParaRPr lang="de-DE"/>
           </a:p>
@@ -3214,7 +3218,7 @@
           <a:p>
             <a:fld id="{F64A8E5F-40E5-4553-9F3C-699F1A5B8145}" type="datetimeFigureOut">
               <a:rPr lang="de-DE" smtClean="0"/>
-              <a:t>26.01.2025</a:t>
+              <a:t>27.01.2025</a:t>
             </a:fld>
             <a:endParaRPr lang="de-DE"/>
           </a:p>
@@ -3256,7 +3260,7 @@
           <a:p>
             <a:fld id="{66CD45B7-DFE2-4393-8D37-380FC36BF3AA}" type="slidenum">
               <a:rPr lang="de-DE" smtClean="0"/>
-              <a:t>‹N›</a:t>
+              <a:t>‹#›</a:t>
             </a:fld>
             <a:endParaRPr lang="de-DE"/>
           </a:p>
@@ -3427,7 +3431,7 @@
           <a:p>
             <a:fld id="{F64A8E5F-40E5-4553-9F3C-699F1A5B8145}" type="datetimeFigureOut">
               <a:rPr lang="de-DE" smtClean="0"/>
-              <a:t>26.01.2025</a:t>
+              <a:t>27.01.2025</a:t>
             </a:fld>
             <a:endParaRPr lang="de-DE"/>
           </a:p>
@@ -3505,7 +3509,7 @@
           <a:p>
             <a:fld id="{66CD45B7-DFE2-4393-8D37-380FC36BF3AA}" type="slidenum">
               <a:rPr lang="de-DE" smtClean="0"/>
-              <a:t>‹N›</a:t>
+              <a:t>‹#›</a:t>
             </a:fld>
             <a:endParaRPr lang="de-DE"/>
           </a:p>
@@ -3872,7 +3876,35 @@
                 <a:ea typeface="+mj-ea"/>
                 <a:cs typeface="+mj-cs"/>
               </a:rPr>
-              <a:t>Shifts happen - Sprint 3</a:t>
+              <a:t>Shifts </a:t>
+            </a:r>
+            <a:r>
+              <a:rPr lang="it-IT" b="1" kern="1200" noProof="0" dirty="0" err="1">
+                <a:solidFill>
+                  <a:schemeClr val="tx2">
+                    <a:lumMod val="90000"/>
+                    <a:lumOff val="10000"/>
+                  </a:schemeClr>
+                </a:solidFill>
+                <a:latin typeface="+mj-lt"/>
+                <a:ea typeface="+mj-ea"/>
+                <a:cs typeface="+mj-cs"/>
+              </a:rPr>
+              <a:t>happen</a:t>
+            </a:r>
+            <a:r>
+              <a:rPr lang="it-IT" b="1" kern="1200" noProof="0" dirty="0">
+                <a:solidFill>
+                  <a:schemeClr val="tx2">
+                    <a:lumMod val="90000"/>
+                    <a:lumOff val="10000"/>
+                  </a:schemeClr>
+                </a:solidFill>
+                <a:latin typeface="+mj-lt"/>
+                <a:ea typeface="+mj-ea"/>
+                <a:cs typeface="+mj-cs"/>
+              </a:rPr>
+              <a:t> - Sprint 3</a:t>
             </a:r>
           </a:p>
         </p:txBody>
@@ -3976,49 +4008,8 @@
                   </a:schemeClr>
                 </a:solidFill>
               </a:rPr>
-              <a:t>Massimo </a:t>
-            </a:r>
-            <a:r>
-              <a:rPr lang="it-IT" sz="2000" noProof="0" dirty="0" err="1">
-                <a:solidFill>
-                  <a:schemeClr val="tx1">
-                    <a:lumMod val="95000"/>
-                    <a:lumOff val="5000"/>
-                  </a:schemeClr>
-                </a:solidFill>
-              </a:rPr>
-              <a:t>Buniy</a:t>
-            </a:r>
-            <a:r>
-              <a:rPr lang="it-IT" sz="2000" noProof="0" dirty="0">
-                <a:solidFill>
-                  <a:schemeClr val="tx1">
-                    <a:lumMod val="95000"/>
-                    <a:lumOff val="5000"/>
-                  </a:schemeClr>
-                </a:solidFill>
-              </a:rPr>
-              <a:t> - </a:t>
-            </a:r>
-            <a:r>
-              <a:rPr lang="it-IT" sz="2000" dirty="0">
-                <a:solidFill>
-                  <a:schemeClr val="tx1">
-                    <a:lumMod val="95000"/>
-                    <a:lumOff val="5000"/>
-                  </a:schemeClr>
-                </a:solidFill>
-              </a:rPr>
-              <a:t>035002d2</a:t>
-            </a:r>
-            <a:endParaRPr lang="it-IT" sz="2000" noProof="0" dirty="0">
-              <a:solidFill>
-                <a:schemeClr val="tx1">
-                  <a:lumMod val="95000"/>
-                  <a:lumOff val="5000"/>
-                </a:schemeClr>
-              </a:solidFill>
-            </a:endParaRPr>
+              <a:t>Massimo Buniy - 035002d2</a:t>
+            </a:r>
           </a:p>
           <a:p>
             <a:pPr marL="114300" indent="-342900">
@@ -4305,13 +4296,6 @@
   <p:clrMapOvr>
     <a:masterClrMapping/>
   </p:clrMapOvr>
-  <p:timing>
-    <p:tnLst>
-      <p:par>
-        <p:cTn id="1" dur="indefinite" restart="never" nodeType="tmRoot"/>
-      </p:par>
-    </p:tnLst>
-  </p:timing>
 </p:sld>
 </file>
 
@@ -4651,7 +4635,7 @@
           <a:lstStyle/>
           <a:p>
             <a:r>
-              <a:rPr lang="it-IT" sz="1400" dirty="0">
+              <a:rPr lang="it-IT" sz="1400" noProof="0" dirty="0">
                 <a:solidFill>
                   <a:schemeClr val="bg1"/>
                 </a:solidFill>
@@ -4677,7 +4661,7 @@
         <p:spPr>
           <a:xfrm>
             <a:off x="639726" y="1613118"/>
-            <a:ext cx="6654056" cy="369332"/>
+            <a:ext cx="6654056" cy="4401205"/>
           </a:xfrm>
           <a:prstGeom prst="rect">
             <a:avLst/>
@@ -4690,23 +4674,96 @@
           </a:bodyPr>
           <a:lstStyle/>
           <a:p>
-            <a:pPr marL="285750" indent="-285750">
-              <a:buFont typeface="Arial" panose="020B0604020202020204" pitchFamily="34" charset="0"/>
-              <a:buChar char="•"/>
+            <a:r>
+              <a:rPr lang="it-IT" noProof="0" dirty="0"/>
+              <a:t>Per l’introduzione della soft delete si è trovata una soluzione che risultasse il più trasparente possibile allo sviluppatore.</a:t>
+            </a:r>
+          </a:p>
+          <a:p>
+            <a:endParaRPr lang="it-IT" noProof="0" dirty="0"/>
+          </a:p>
+          <a:p>
+            <a:r>
+              <a:rPr lang="it-IT" noProof="0" dirty="0"/>
+              <a:t>Cose fatte per l’implementazione della soft delete:</a:t>
+            </a:r>
+          </a:p>
+          <a:p>
+            <a:endParaRPr lang="it-IT" sz="1000" noProof="0" dirty="0"/>
+          </a:p>
+          <a:p>
+            <a:pPr marL="800100" lvl="1" indent="-342900">
+              <a:buFont typeface="Wingdings" panose="05000000000000000000" pitchFamily="2" charset="2"/>
+              <a:buChar char="ü"/>
             </a:pPr>
             <a:r>
-              <a:rPr lang="it-IT" dirty="0">
-                <a:solidFill>
-                  <a:srgbClr val="FF0000"/>
-                </a:solidFill>
-              </a:rPr>
-              <a:t>MASSIMO E MATTEO</a:t>
-            </a:r>
-            <a:endParaRPr lang="it-IT" noProof="0" dirty="0">
-              <a:solidFill>
-                <a:srgbClr val="FF0000"/>
-              </a:solidFill>
-            </a:endParaRPr>
+              <a:rPr lang="it-IT" noProof="0" dirty="0"/>
+              <a:t>Introdotta una classe astratta chiamata SoftDeletableEntity</a:t>
+            </a:r>
+          </a:p>
+          <a:p>
+            <a:pPr marL="800100" lvl="1" indent="-342900">
+              <a:buFont typeface="Wingdings" panose="05000000000000000000" pitchFamily="2" charset="2"/>
+              <a:buChar char="ü"/>
+            </a:pPr>
+            <a:endParaRPr lang="it-IT" noProof="0" dirty="0"/>
+          </a:p>
+          <a:p>
+            <a:pPr marL="800100" lvl="1" indent="-342900">
+              <a:buFont typeface="Wingdings" panose="05000000000000000000" pitchFamily="2" charset="2"/>
+              <a:buChar char="ü"/>
+            </a:pPr>
+            <a:r>
+              <a:rPr lang="it-IT" noProof="0" dirty="0"/>
+              <a:t>Creata l’interfaccia </a:t>
+            </a:r>
+            <a:r>
+              <a:rPr lang="it-IT" noProof="0" dirty="0" err="1"/>
+              <a:t>SoftDeleteJpaRepository</a:t>
+            </a:r>
+            <a:r>
+              <a:rPr lang="it-IT" noProof="0" dirty="0"/>
+              <a:t> per estendere il comportamento del </a:t>
+            </a:r>
+            <a:r>
+              <a:rPr lang="it-IT" noProof="0" dirty="0" err="1"/>
+              <a:t>JpaRepository</a:t>
+            </a:r>
+            <a:endParaRPr lang="it-IT" noProof="0" dirty="0"/>
+          </a:p>
+          <a:p>
+            <a:pPr marL="800100" lvl="1" indent="-342900">
+              <a:buFont typeface="Wingdings" panose="05000000000000000000" pitchFamily="2" charset="2"/>
+              <a:buChar char="ü"/>
+            </a:pPr>
+            <a:endParaRPr lang="it-IT" noProof="0" dirty="0"/>
+          </a:p>
+          <a:p>
+            <a:pPr marL="800100" lvl="1" indent="-342900">
+              <a:buFont typeface="Wingdings" panose="05000000000000000000" pitchFamily="2" charset="2"/>
+              <a:buChar char="ü"/>
+            </a:pPr>
+            <a:r>
+              <a:rPr lang="it-IT" noProof="0" dirty="0"/>
+              <a:t>Introdotto un nuovo filtro di Spring per l’attivazione della soft delete per ogni sessione</a:t>
+            </a:r>
+          </a:p>
+          <a:p>
+            <a:pPr marL="800100" lvl="1" indent="-342900">
+              <a:buFont typeface="Wingdings" panose="05000000000000000000" pitchFamily="2" charset="2"/>
+              <a:buChar char="ü"/>
+            </a:pPr>
+            <a:endParaRPr lang="it-IT" noProof="0" dirty="0"/>
+          </a:p>
+          <a:p>
+            <a:pPr marL="800100" lvl="1" indent="-342900">
+              <a:buFont typeface="Wingdings" panose="05000000000000000000" pitchFamily="2" charset="2"/>
+              <a:buChar char="ü"/>
+            </a:pPr>
+            <a:r>
+              <a:rPr lang="it-IT" noProof="0" dirty="0"/>
+              <a:t>Introdotta una annotazione @DisableSoftDelete a livello di singolo metodo</a:t>
+            </a:r>
           </a:p>
         </p:txBody>
       </p:sp>
@@ -4767,6 +4824,2036 @@
         <p:cNvPr id="1" name="">
           <a:extLst>
             <a:ext uri="{FF2B5EF4-FFF2-40B4-BE49-F238E27FC236}">
+              <a16:creationId xmlns:a16="http://schemas.microsoft.com/office/drawing/2014/main" id="{4CCE8C0E-53F3-054B-8C19-9EC59C24880B}"/>
+            </a:ext>
+          </a:extLst>
+        </p:cNvPr>
+        <p:cNvGrpSpPr/>
+        <p:nvPr/>
+      </p:nvGrpSpPr>
+      <p:grpSpPr>
+        <a:xfrm>
+          <a:off x="0" y="0"/>
+          <a:ext cx="0" cy="0"/>
+          <a:chOff x="0" y="0"/>
+          <a:chExt cx="0" cy="0"/>
+        </a:xfrm>
+      </p:grpSpPr>
+      <p:sp>
+        <p:nvSpPr>
+          <p:cNvPr id="2" name="Titolo 1">
+            <a:extLst>
+              <a:ext uri="{FF2B5EF4-FFF2-40B4-BE49-F238E27FC236}">
+                <a16:creationId xmlns:a16="http://schemas.microsoft.com/office/drawing/2014/main" id="{DAF019F4-0040-E976-C938-247E5D4D47A3}"/>
+              </a:ext>
+            </a:extLst>
+          </p:cNvPr>
+          <p:cNvSpPr>
+            <a:spLocks noGrp="1"/>
+          </p:cNvSpPr>
+          <p:nvPr>
+            <p:ph type="title"/>
+          </p:nvPr>
+        </p:nvSpPr>
+        <p:spPr>
+          <a:xfrm>
+            <a:off x="639725" y="472780"/>
+            <a:ext cx="6654056" cy="653143"/>
+          </a:xfrm>
+        </p:spPr>
+        <p:txBody>
+          <a:bodyPr>
+            <a:normAutofit fontScale="90000"/>
+          </a:bodyPr>
+          <a:lstStyle/>
+          <a:p>
+            <a:r>
+              <a:rPr lang="it-IT" sz="4000" noProof="0" dirty="0">
+                <a:solidFill>
+                  <a:schemeClr val="tx2">
+                    <a:lumMod val="90000"/>
+                    <a:lumOff val="10000"/>
+                  </a:schemeClr>
+                </a:solidFill>
+              </a:rPr>
+              <a:t>GOAL: Soft delete </a:t>
+            </a:r>
+            <a:r>
+              <a:rPr lang="it-IT" sz="4000" noProof="0" dirty="0" err="1">
+                <a:solidFill>
+                  <a:schemeClr val="tx2">
+                    <a:lumMod val="90000"/>
+                    <a:lumOff val="10000"/>
+                  </a:schemeClr>
+                </a:solidFill>
+              </a:rPr>
+              <a:t>implementation</a:t>
+            </a:r>
+            <a:endParaRPr lang="it-IT" sz="4000" noProof="0" dirty="0">
+              <a:solidFill>
+                <a:schemeClr val="tx2">
+                  <a:lumMod val="90000"/>
+                  <a:lumOff val="10000"/>
+                </a:schemeClr>
+              </a:solidFill>
+            </a:endParaRPr>
+          </a:p>
+        </p:txBody>
+      </p:sp>
+      <p:sp>
+        <p:nvSpPr>
+          <p:cNvPr id="4" name="Rettangolo 3">
+            <a:extLst>
+              <a:ext uri="{FF2B5EF4-FFF2-40B4-BE49-F238E27FC236}">
+                <a16:creationId xmlns:a16="http://schemas.microsoft.com/office/drawing/2014/main" id="{DCAC70E3-0702-9370-DADE-614896F55424}"/>
+              </a:ext>
+            </a:extLst>
+          </p:cNvPr>
+          <p:cNvSpPr/>
+          <p:nvPr/>
+        </p:nvSpPr>
+        <p:spPr>
+          <a:xfrm>
+            <a:off x="0" y="472781"/>
+            <a:ext cx="190243" cy="653143"/>
+          </a:xfrm>
+          <a:prstGeom prst="rect">
+            <a:avLst/>
+          </a:prstGeom>
+          <a:solidFill>
+            <a:schemeClr val="tx2">
+              <a:lumMod val="90000"/>
+              <a:lumOff val="10000"/>
+            </a:schemeClr>
+          </a:solidFill>
+          <a:ln>
+            <a:solidFill>
+              <a:schemeClr val="tx2">
+                <a:lumMod val="90000"/>
+                <a:lumOff val="10000"/>
+              </a:schemeClr>
+            </a:solidFill>
+          </a:ln>
+        </p:spPr>
+        <p:style>
+          <a:lnRef idx="2">
+            <a:schemeClr val="accent1">
+              <a:shade val="15000"/>
+            </a:schemeClr>
+          </a:lnRef>
+          <a:fillRef idx="1">
+            <a:schemeClr val="accent1"/>
+          </a:fillRef>
+          <a:effectRef idx="0">
+            <a:schemeClr val="accent1"/>
+          </a:effectRef>
+          <a:fontRef idx="minor">
+            <a:schemeClr val="lt1"/>
+          </a:fontRef>
+        </p:style>
+        <p:txBody>
+          <a:bodyPr rtlCol="0" anchor="ctr"/>
+          <a:lstStyle/>
+          <a:p>
+            <a:pPr algn="ctr"/>
+            <a:endParaRPr lang="it-IT" noProof="0" dirty="0"/>
+          </a:p>
+        </p:txBody>
+      </p:sp>
+      <p:sp>
+        <p:nvSpPr>
+          <p:cNvPr id="5" name="Rettangolo 4">
+            <a:extLst>
+              <a:ext uri="{FF2B5EF4-FFF2-40B4-BE49-F238E27FC236}">
+                <a16:creationId xmlns:a16="http://schemas.microsoft.com/office/drawing/2014/main" id="{B2CA26F0-3C12-15B1-A1D7-5DA83B89D1F9}"/>
+              </a:ext>
+            </a:extLst>
+          </p:cNvPr>
+          <p:cNvSpPr/>
+          <p:nvPr/>
+        </p:nvSpPr>
+        <p:spPr>
+          <a:xfrm>
+            <a:off x="289539" y="472780"/>
+            <a:ext cx="139359" cy="653143"/>
+          </a:xfrm>
+          <a:prstGeom prst="rect">
+            <a:avLst/>
+          </a:prstGeom>
+          <a:solidFill>
+            <a:schemeClr val="tx2">
+              <a:lumMod val="90000"/>
+              <a:lumOff val="10000"/>
+            </a:schemeClr>
+          </a:solidFill>
+          <a:ln>
+            <a:solidFill>
+              <a:schemeClr val="tx2">
+                <a:lumMod val="90000"/>
+                <a:lumOff val="10000"/>
+              </a:schemeClr>
+            </a:solidFill>
+          </a:ln>
+        </p:spPr>
+        <p:style>
+          <a:lnRef idx="2">
+            <a:schemeClr val="accent1">
+              <a:shade val="15000"/>
+            </a:schemeClr>
+          </a:lnRef>
+          <a:fillRef idx="1">
+            <a:schemeClr val="accent1"/>
+          </a:fillRef>
+          <a:effectRef idx="0">
+            <a:schemeClr val="accent1"/>
+          </a:effectRef>
+          <a:fontRef idx="minor">
+            <a:schemeClr val="lt1"/>
+          </a:fontRef>
+        </p:style>
+        <p:txBody>
+          <a:bodyPr rtlCol="0" anchor="ctr"/>
+          <a:lstStyle/>
+          <a:p>
+            <a:pPr algn="ctr"/>
+            <a:endParaRPr lang="it-IT" noProof="0" dirty="0"/>
+          </a:p>
+        </p:txBody>
+      </p:sp>
+      <p:sp>
+        <p:nvSpPr>
+          <p:cNvPr id="11" name="Rettangolo 10">
+            <a:extLst>
+              <a:ext uri="{FF2B5EF4-FFF2-40B4-BE49-F238E27FC236}">
+                <a16:creationId xmlns:a16="http://schemas.microsoft.com/office/drawing/2014/main" id="{A1F528F9-2BB0-0AE1-8C4B-69DA9D94BDFB}"/>
+              </a:ext>
+            </a:extLst>
+          </p:cNvPr>
+          <p:cNvSpPr/>
+          <p:nvPr/>
+        </p:nvSpPr>
+        <p:spPr>
+          <a:xfrm>
+            <a:off x="10008781" y="0"/>
+            <a:ext cx="2183219" cy="6858000"/>
+          </a:xfrm>
+          <a:prstGeom prst="rect">
+            <a:avLst/>
+          </a:prstGeom>
+          <a:solidFill>
+            <a:schemeClr val="tx2">
+              <a:lumMod val="90000"/>
+              <a:lumOff val="10000"/>
+            </a:schemeClr>
+          </a:solidFill>
+          <a:ln>
+            <a:solidFill>
+              <a:srgbClr val="163E64"/>
+            </a:solidFill>
+          </a:ln>
+        </p:spPr>
+        <p:style>
+          <a:lnRef idx="2">
+            <a:schemeClr val="accent1">
+              <a:shade val="15000"/>
+            </a:schemeClr>
+          </a:lnRef>
+          <a:fillRef idx="1">
+            <a:schemeClr val="accent1"/>
+          </a:fillRef>
+          <a:effectRef idx="0">
+            <a:schemeClr val="accent1"/>
+          </a:effectRef>
+          <a:fontRef idx="minor">
+            <a:schemeClr val="lt1"/>
+          </a:fontRef>
+        </p:style>
+        <p:txBody>
+          <a:bodyPr rtlCol="0" anchor="ctr"/>
+          <a:lstStyle/>
+          <a:p>
+            <a:pPr algn="ctr"/>
+            <a:endParaRPr lang="it-IT" noProof="0" dirty="0"/>
+          </a:p>
+        </p:txBody>
+      </p:sp>
+      <p:cxnSp>
+        <p:nvCxnSpPr>
+          <p:cNvPr id="8" name="Connettore diritto 7">
+            <a:extLst>
+              <a:ext uri="{FF2B5EF4-FFF2-40B4-BE49-F238E27FC236}">
+                <a16:creationId xmlns:a16="http://schemas.microsoft.com/office/drawing/2014/main" id="{D7B421D7-CB11-B0BA-80A9-67576B167E57}"/>
+              </a:ext>
+            </a:extLst>
+          </p:cNvPr>
+          <p:cNvCxnSpPr>
+            <a:cxnSpLocks/>
+          </p:cNvCxnSpPr>
+          <p:nvPr/>
+        </p:nvCxnSpPr>
+        <p:spPr>
+          <a:xfrm>
+            <a:off x="639725" y="1351691"/>
+            <a:ext cx="6654057" cy="0"/>
+          </a:xfrm>
+          <a:prstGeom prst="line">
+            <a:avLst/>
+          </a:prstGeom>
+          <a:ln>
+            <a:solidFill>
+              <a:schemeClr val="tx2">
+                <a:lumMod val="90000"/>
+                <a:lumOff val="10000"/>
+              </a:schemeClr>
+            </a:solidFill>
+          </a:ln>
+        </p:spPr>
+        <p:style>
+          <a:lnRef idx="2">
+            <a:schemeClr val="accent1"/>
+          </a:lnRef>
+          <a:fillRef idx="0">
+            <a:schemeClr val="accent1"/>
+          </a:fillRef>
+          <a:effectRef idx="1">
+            <a:schemeClr val="accent1"/>
+          </a:effectRef>
+          <a:fontRef idx="minor">
+            <a:schemeClr val="tx1"/>
+          </a:fontRef>
+        </p:style>
+      </p:cxnSp>
+      <p:sp>
+        <p:nvSpPr>
+          <p:cNvPr id="6" name="TextBox 5">
+            <a:extLst>
+              <a:ext uri="{FF2B5EF4-FFF2-40B4-BE49-F238E27FC236}">
+                <a16:creationId xmlns:a16="http://schemas.microsoft.com/office/drawing/2014/main" id="{6DB344C2-143C-8471-458D-FF78B7C3A673}"/>
+              </a:ext>
+            </a:extLst>
+          </p:cNvPr>
+          <p:cNvSpPr txBox="1"/>
+          <p:nvPr/>
+        </p:nvSpPr>
+        <p:spPr>
+          <a:xfrm>
+            <a:off x="11654290" y="6452785"/>
+            <a:ext cx="438619" cy="307777"/>
+          </a:xfrm>
+          <a:prstGeom prst="rect">
+            <a:avLst/>
+          </a:prstGeom>
+          <a:noFill/>
+        </p:spPr>
+        <p:txBody>
+          <a:bodyPr wrap="square">
+            <a:spAutoFit/>
+          </a:bodyPr>
+          <a:lstStyle/>
+          <a:p>
+            <a:r>
+              <a:rPr lang="it-IT" sz="1400" noProof="0" dirty="0">
+                <a:solidFill>
+                  <a:schemeClr val="bg1"/>
+                </a:solidFill>
+              </a:rPr>
+              <a:t>5</a:t>
+            </a:r>
+            <a:endParaRPr lang="it-IT" sz="1400" noProof="0" dirty="0"/>
+          </a:p>
+        </p:txBody>
+      </p:sp>
+      <p:sp>
+        <p:nvSpPr>
+          <p:cNvPr id="9" name="CasellaDiTesto 6">
+            <a:extLst>
+              <a:ext uri="{FF2B5EF4-FFF2-40B4-BE49-F238E27FC236}">
+                <a16:creationId xmlns:a16="http://schemas.microsoft.com/office/drawing/2014/main" id="{7FB1FCCD-8B36-A9F7-FD37-33ECFB6C4B52}"/>
+              </a:ext>
+            </a:extLst>
+          </p:cNvPr>
+          <p:cNvSpPr txBox="1"/>
+          <p:nvPr/>
+        </p:nvSpPr>
+        <p:spPr>
+          <a:xfrm>
+            <a:off x="639726" y="1613118"/>
+            <a:ext cx="6654056" cy="3416320"/>
+          </a:xfrm>
+          <a:prstGeom prst="rect">
+            <a:avLst/>
+          </a:prstGeom>
+          <a:noFill/>
+        </p:spPr>
+        <p:txBody>
+          <a:bodyPr wrap="square" rtlCol="0">
+            <a:spAutoFit/>
+          </a:bodyPr>
+          <a:lstStyle/>
+          <a:p>
+            <a:pPr marL="800100" lvl="1" indent="-342900">
+              <a:buFont typeface="Wingdings" panose="05000000000000000000" pitchFamily="2" charset="2"/>
+              <a:buChar char="ü"/>
+            </a:pPr>
+            <a:r>
+              <a:rPr lang="it-IT" noProof="0" dirty="0"/>
+              <a:t>Introdotta una classe astratta chiamata SoftDeletableEntity</a:t>
+            </a:r>
+          </a:p>
+          <a:p>
+            <a:pPr marL="800100" lvl="1" indent="-342900">
+              <a:buFont typeface="Wingdings" panose="05000000000000000000" pitchFamily="2" charset="2"/>
+              <a:buChar char="ü"/>
+            </a:pPr>
+            <a:endParaRPr lang="it-IT" noProof="0" dirty="0"/>
+          </a:p>
+          <a:p>
+            <a:r>
+              <a:rPr lang="it-IT" noProof="0" dirty="0"/>
+              <a:t>Per andare a filtrare le entità “soft </a:t>
+            </a:r>
+            <a:r>
+              <a:rPr lang="it-IT" noProof="0" dirty="0" err="1"/>
+              <a:t>deletable</a:t>
+            </a:r>
+            <a:r>
+              <a:rPr lang="it-IT" noProof="0" dirty="0"/>
+              <a:t>”, si è andati ad utilizzare i filtra di </a:t>
+            </a:r>
+            <a:r>
+              <a:rPr lang="it-IT" noProof="0" dirty="0" err="1"/>
+              <a:t>Hibernate</a:t>
+            </a:r>
+            <a:r>
+              <a:rPr lang="it-IT" noProof="0" dirty="0"/>
+              <a:t>, che in maniera automatica, permettono di aggiungere delle condizioni alla query sul DB.</a:t>
+            </a:r>
+          </a:p>
+          <a:p>
+            <a:endParaRPr lang="it-IT" noProof="0" dirty="0"/>
+          </a:p>
+          <a:p>
+            <a:endParaRPr lang="it-IT" noProof="0" dirty="0"/>
+          </a:p>
+          <a:p>
+            <a:endParaRPr lang="it-IT" noProof="0" dirty="0"/>
+          </a:p>
+          <a:p>
+            <a:endParaRPr lang="it-IT" noProof="0" dirty="0"/>
+          </a:p>
+          <a:p>
+            <a:endParaRPr lang="it-IT" noProof="0" dirty="0"/>
+          </a:p>
+          <a:p>
+            <a:endParaRPr lang="it-IT" noProof="0" dirty="0"/>
+          </a:p>
+        </p:txBody>
+      </p:sp>
+      <p:pic>
+        <p:nvPicPr>
+          <p:cNvPr id="3" name="Immagine 2" descr="Immagine che contiene simbolo, Carattere, Elementi grafici, schermata&#10;&#10;Descrizione generata automaticamente">
+            <a:extLst>
+              <a:ext uri="{FF2B5EF4-FFF2-40B4-BE49-F238E27FC236}">
+                <a16:creationId xmlns:a16="http://schemas.microsoft.com/office/drawing/2014/main" id="{943CACC3-921F-919C-A5F1-48971DAF071E}"/>
+              </a:ext>
+            </a:extLst>
+          </p:cNvPr>
+          <p:cNvPicPr>
+            <a:picLocks noChangeAspect="1"/>
+          </p:cNvPicPr>
+          <p:nvPr/>
+        </p:nvPicPr>
+        <p:blipFill>
+          <a:blip r:embed="rId2" cstate="print">
+            <a:extLst>
+              <a:ext uri="{28A0092B-C50C-407E-A947-70E740481C1C}">
+                <a14:useLocalDpi xmlns:a14="http://schemas.microsoft.com/office/drawing/2010/main" val="0"/>
+              </a:ext>
+            </a:extLst>
+          </a:blip>
+          <a:stretch>
+            <a:fillRect/>
+          </a:stretch>
+        </p:blipFill>
+        <p:spPr>
+          <a:xfrm>
+            <a:off x="7293781" y="353207"/>
+            <a:ext cx="885600" cy="885600"/>
+          </a:xfrm>
+          <a:prstGeom prst="rect">
+            <a:avLst/>
+          </a:prstGeom>
+        </p:spPr>
+      </p:pic>
+      <p:pic>
+        <p:nvPicPr>
+          <p:cNvPr id="17" name="Picture 16">
+            <a:extLst>
+              <a:ext uri="{FF2B5EF4-FFF2-40B4-BE49-F238E27FC236}">
+                <a16:creationId xmlns:a16="http://schemas.microsoft.com/office/drawing/2014/main" id="{F9457589-D64B-2E0E-9DC1-4925B09511C8}"/>
+              </a:ext>
+            </a:extLst>
+          </p:cNvPr>
+          <p:cNvPicPr>
+            <a:picLocks noChangeAspect="1"/>
+          </p:cNvPicPr>
+          <p:nvPr/>
+        </p:nvPicPr>
+        <p:blipFill>
+          <a:blip r:embed="rId3"/>
+          <a:stretch>
+            <a:fillRect/>
+          </a:stretch>
+        </p:blipFill>
+        <p:spPr>
+          <a:xfrm>
+            <a:off x="931413" y="3758176"/>
+            <a:ext cx="8459981" cy="1952303"/>
+          </a:xfrm>
+          <a:prstGeom prst="rect">
+            <a:avLst/>
+          </a:prstGeom>
+        </p:spPr>
+      </p:pic>
+    </p:spTree>
+    <p:extLst>
+      <p:ext uri="{BB962C8B-B14F-4D97-AF65-F5344CB8AC3E}">
+        <p14:creationId xmlns:p14="http://schemas.microsoft.com/office/powerpoint/2010/main" val="1285512203"/>
+      </p:ext>
+    </p:extLst>
+  </p:cSld>
+  <p:clrMapOvr>
+    <a:masterClrMapping/>
+  </p:clrMapOvr>
+</p:sld>
+</file>
+
+<file path=ppt/slides/slide12.xml><?xml version="1.0" encoding="utf-8"?>
+<p:sld xmlns:a="http://schemas.openxmlformats.org/drawingml/2006/main" xmlns:r="http://schemas.openxmlformats.org/officeDocument/2006/relationships" xmlns:p="http://schemas.openxmlformats.org/presentationml/2006/main">
+  <p:cSld>
+    <p:spTree>
+      <p:nvGrpSpPr>
+        <p:cNvPr id="1" name="">
+          <a:extLst>
+            <a:ext uri="{FF2B5EF4-FFF2-40B4-BE49-F238E27FC236}">
+              <a16:creationId xmlns:a16="http://schemas.microsoft.com/office/drawing/2014/main" id="{4C09638D-AD70-AD2E-0ADD-3CF2D4CACA7D}"/>
+            </a:ext>
+          </a:extLst>
+        </p:cNvPr>
+        <p:cNvGrpSpPr/>
+        <p:nvPr/>
+      </p:nvGrpSpPr>
+      <p:grpSpPr>
+        <a:xfrm>
+          <a:off x="0" y="0"/>
+          <a:ext cx="0" cy="0"/>
+          <a:chOff x="0" y="0"/>
+          <a:chExt cx="0" cy="0"/>
+        </a:xfrm>
+      </p:grpSpPr>
+      <p:sp>
+        <p:nvSpPr>
+          <p:cNvPr id="2" name="Titolo 1">
+            <a:extLst>
+              <a:ext uri="{FF2B5EF4-FFF2-40B4-BE49-F238E27FC236}">
+                <a16:creationId xmlns:a16="http://schemas.microsoft.com/office/drawing/2014/main" id="{DCD2B99A-C5C1-9D99-5114-82F17B2D31B9}"/>
+              </a:ext>
+            </a:extLst>
+          </p:cNvPr>
+          <p:cNvSpPr>
+            <a:spLocks noGrp="1"/>
+          </p:cNvSpPr>
+          <p:nvPr>
+            <p:ph type="title"/>
+          </p:nvPr>
+        </p:nvSpPr>
+        <p:spPr>
+          <a:xfrm>
+            <a:off x="639725" y="472780"/>
+            <a:ext cx="6654056" cy="653143"/>
+          </a:xfrm>
+        </p:spPr>
+        <p:txBody>
+          <a:bodyPr>
+            <a:normAutofit fontScale="90000"/>
+          </a:bodyPr>
+          <a:lstStyle/>
+          <a:p>
+            <a:r>
+              <a:rPr lang="it-IT" sz="4000" noProof="0" dirty="0">
+                <a:solidFill>
+                  <a:schemeClr val="tx2">
+                    <a:lumMod val="90000"/>
+                    <a:lumOff val="10000"/>
+                  </a:schemeClr>
+                </a:solidFill>
+              </a:rPr>
+              <a:t>GOAL: Soft delete </a:t>
+            </a:r>
+            <a:r>
+              <a:rPr lang="it-IT" sz="4000" noProof="0" dirty="0" err="1">
+                <a:solidFill>
+                  <a:schemeClr val="tx2">
+                    <a:lumMod val="90000"/>
+                    <a:lumOff val="10000"/>
+                  </a:schemeClr>
+                </a:solidFill>
+              </a:rPr>
+              <a:t>implementation</a:t>
+            </a:r>
+            <a:endParaRPr lang="it-IT" sz="4000" noProof="0" dirty="0">
+              <a:solidFill>
+                <a:schemeClr val="tx2">
+                  <a:lumMod val="90000"/>
+                  <a:lumOff val="10000"/>
+                </a:schemeClr>
+              </a:solidFill>
+            </a:endParaRPr>
+          </a:p>
+        </p:txBody>
+      </p:sp>
+      <p:sp>
+        <p:nvSpPr>
+          <p:cNvPr id="4" name="Rettangolo 3">
+            <a:extLst>
+              <a:ext uri="{FF2B5EF4-FFF2-40B4-BE49-F238E27FC236}">
+                <a16:creationId xmlns:a16="http://schemas.microsoft.com/office/drawing/2014/main" id="{D41CDFD5-7CBB-6C78-8153-A32229F8960A}"/>
+              </a:ext>
+            </a:extLst>
+          </p:cNvPr>
+          <p:cNvSpPr/>
+          <p:nvPr/>
+        </p:nvSpPr>
+        <p:spPr>
+          <a:xfrm>
+            <a:off x="0" y="472781"/>
+            <a:ext cx="190243" cy="653143"/>
+          </a:xfrm>
+          <a:prstGeom prst="rect">
+            <a:avLst/>
+          </a:prstGeom>
+          <a:solidFill>
+            <a:schemeClr val="tx2">
+              <a:lumMod val="90000"/>
+              <a:lumOff val="10000"/>
+            </a:schemeClr>
+          </a:solidFill>
+          <a:ln>
+            <a:solidFill>
+              <a:schemeClr val="tx2">
+                <a:lumMod val="90000"/>
+                <a:lumOff val="10000"/>
+              </a:schemeClr>
+            </a:solidFill>
+          </a:ln>
+        </p:spPr>
+        <p:style>
+          <a:lnRef idx="2">
+            <a:schemeClr val="accent1">
+              <a:shade val="15000"/>
+            </a:schemeClr>
+          </a:lnRef>
+          <a:fillRef idx="1">
+            <a:schemeClr val="accent1"/>
+          </a:fillRef>
+          <a:effectRef idx="0">
+            <a:schemeClr val="accent1"/>
+          </a:effectRef>
+          <a:fontRef idx="minor">
+            <a:schemeClr val="lt1"/>
+          </a:fontRef>
+        </p:style>
+        <p:txBody>
+          <a:bodyPr rtlCol="0" anchor="ctr"/>
+          <a:lstStyle/>
+          <a:p>
+            <a:pPr algn="ctr"/>
+            <a:endParaRPr lang="it-IT" noProof="0" dirty="0"/>
+          </a:p>
+        </p:txBody>
+      </p:sp>
+      <p:sp>
+        <p:nvSpPr>
+          <p:cNvPr id="5" name="Rettangolo 4">
+            <a:extLst>
+              <a:ext uri="{FF2B5EF4-FFF2-40B4-BE49-F238E27FC236}">
+                <a16:creationId xmlns:a16="http://schemas.microsoft.com/office/drawing/2014/main" id="{B84D4158-0004-87EE-5BC5-23E22DEA8103}"/>
+              </a:ext>
+            </a:extLst>
+          </p:cNvPr>
+          <p:cNvSpPr/>
+          <p:nvPr/>
+        </p:nvSpPr>
+        <p:spPr>
+          <a:xfrm>
+            <a:off x="289539" y="472780"/>
+            <a:ext cx="139359" cy="653143"/>
+          </a:xfrm>
+          <a:prstGeom prst="rect">
+            <a:avLst/>
+          </a:prstGeom>
+          <a:solidFill>
+            <a:schemeClr val="tx2">
+              <a:lumMod val="90000"/>
+              <a:lumOff val="10000"/>
+            </a:schemeClr>
+          </a:solidFill>
+          <a:ln>
+            <a:solidFill>
+              <a:schemeClr val="tx2">
+                <a:lumMod val="90000"/>
+                <a:lumOff val="10000"/>
+              </a:schemeClr>
+            </a:solidFill>
+          </a:ln>
+        </p:spPr>
+        <p:style>
+          <a:lnRef idx="2">
+            <a:schemeClr val="accent1">
+              <a:shade val="15000"/>
+            </a:schemeClr>
+          </a:lnRef>
+          <a:fillRef idx="1">
+            <a:schemeClr val="accent1"/>
+          </a:fillRef>
+          <a:effectRef idx="0">
+            <a:schemeClr val="accent1"/>
+          </a:effectRef>
+          <a:fontRef idx="minor">
+            <a:schemeClr val="lt1"/>
+          </a:fontRef>
+        </p:style>
+        <p:txBody>
+          <a:bodyPr rtlCol="0" anchor="ctr"/>
+          <a:lstStyle/>
+          <a:p>
+            <a:pPr algn="ctr"/>
+            <a:endParaRPr lang="it-IT" noProof="0" dirty="0"/>
+          </a:p>
+        </p:txBody>
+      </p:sp>
+      <p:sp>
+        <p:nvSpPr>
+          <p:cNvPr id="11" name="Rettangolo 10">
+            <a:extLst>
+              <a:ext uri="{FF2B5EF4-FFF2-40B4-BE49-F238E27FC236}">
+                <a16:creationId xmlns:a16="http://schemas.microsoft.com/office/drawing/2014/main" id="{BE20094A-79A3-8A88-687A-C2B9A1069143}"/>
+              </a:ext>
+            </a:extLst>
+          </p:cNvPr>
+          <p:cNvSpPr/>
+          <p:nvPr/>
+        </p:nvSpPr>
+        <p:spPr>
+          <a:xfrm>
+            <a:off x="10008781" y="0"/>
+            <a:ext cx="2183219" cy="6858000"/>
+          </a:xfrm>
+          <a:prstGeom prst="rect">
+            <a:avLst/>
+          </a:prstGeom>
+          <a:solidFill>
+            <a:schemeClr val="tx2">
+              <a:lumMod val="90000"/>
+              <a:lumOff val="10000"/>
+            </a:schemeClr>
+          </a:solidFill>
+          <a:ln>
+            <a:solidFill>
+              <a:srgbClr val="163E64"/>
+            </a:solidFill>
+          </a:ln>
+        </p:spPr>
+        <p:style>
+          <a:lnRef idx="2">
+            <a:schemeClr val="accent1">
+              <a:shade val="15000"/>
+            </a:schemeClr>
+          </a:lnRef>
+          <a:fillRef idx="1">
+            <a:schemeClr val="accent1"/>
+          </a:fillRef>
+          <a:effectRef idx="0">
+            <a:schemeClr val="accent1"/>
+          </a:effectRef>
+          <a:fontRef idx="minor">
+            <a:schemeClr val="lt1"/>
+          </a:fontRef>
+        </p:style>
+        <p:txBody>
+          <a:bodyPr rtlCol="0" anchor="ctr"/>
+          <a:lstStyle/>
+          <a:p>
+            <a:pPr algn="ctr"/>
+            <a:endParaRPr lang="it-IT" noProof="0" dirty="0"/>
+          </a:p>
+        </p:txBody>
+      </p:sp>
+      <p:cxnSp>
+        <p:nvCxnSpPr>
+          <p:cNvPr id="8" name="Connettore diritto 7">
+            <a:extLst>
+              <a:ext uri="{FF2B5EF4-FFF2-40B4-BE49-F238E27FC236}">
+                <a16:creationId xmlns:a16="http://schemas.microsoft.com/office/drawing/2014/main" id="{7B35661D-BE16-93CA-AA89-C5617DDA8B28}"/>
+              </a:ext>
+            </a:extLst>
+          </p:cNvPr>
+          <p:cNvCxnSpPr>
+            <a:cxnSpLocks/>
+          </p:cNvCxnSpPr>
+          <p:nvPr/>
+        </p:nvCxnSpPr>
+        <p:spPr>
+          <a:xfrm>
+            <a:off x="639725" y="1351691"/>
+            <a:ext cx="6654057" cy="0"/>
+          </a:xfrm>
+          <a:prstGeom prst="line">
+            <a:avLst/>
+          </a:prstGeom>
+          <a:ln>
+            <a:solidFill>
+              <a:schemeClr val="tx2">
+                <a:lumMod val="90000"/>
+                <a:lumOff val="10000"/>
+              </a:schemeClr>
+            </a:solidFill>
+          </a:ln>
+        </p:spPr>
+        <p:style>
+          <a:lnRef idx="2">
+            <a:schemeClr val="accent1"/>
+          </a:lnRef>
+          <a:fillRef idx="0">
+            <a:schemeClr val="accent1"/>
+          </a:fillRef>
+          <a:effectRef idx="1">
+            <a:schemeClr val="accent1"/>
+          </a:effectRef>
+          <a:fontRef idx="minor">
+            <a:schemeClr val="tx1"/>
+          </a:fontRef>
+        </p:style>
+      </p:cxnSp>
+      <p:sp>
+        <p:nvSpPr>
+          <p:cNvPr id="6" name="TextBox 5">
+            <a:extLst>
+              <a:ext uri="{FF2B5EF4-FFF2-40B4-BE49-F238E27FC236}">
+                <a16:creationId xmlns:a16="http://schemas.microsoft.com/office/drawing/2014/main" id="{B201D103-D009-0B0E-50E2-2CE5090230B7}"/>
+              </a:ext>
+            </a:extLst>
+          </p:cNvPr>
+          <p:cNvSpPr txBox="1"/>
+          <p:nvPr/>
+        </p:nvSpPr>
+        <p:spPr>
+          <a:xfrm>
+            <a:off x="11654290" y="6452785"/>
+            <a:ext cx="438619" cy="307777"/>
+          </a:xfrm>
+          <a:prstGeom prst="rect">
+            <a:avLst/>
+          </a:prstGeom>
+          <a:noFill/>
+        </p:spPr>
+        <p:txBody>
+          <a:bodyPr wrap="square">
+            <a:spAutoFit/>
+          </a:bodyPr>
+          <a:lstStyle/>
+          <a:p>
+            <a:r>
+              <a:rPr lang="it-IT" sz="1400" noProof="0" dirty="0">
+                <a:solidFill>
+                  <a:schemeClr val="bg1"/>
+                </a:solidFill>
+              </a:rPr>
+              <a:t>5</a:t>
+            </a:r>
+            <a:endParaRPr lang="it-IT" sz="1400" noProof="0" dirty="0"/>
+          </a:p>
+        </p:txBody>
+      </p:sp>
+      <p:sp>
+        <p:nvSpPr>
+          <p:cNvPr id="9" name="CasellaDiTesto 6">
+            <a:extLst>
+              <a:ext uri="{FF2B5EF4-FFF2-40B4-BE49-F238E27FC236}">
+                <a16:creationId xmlns:a16="http://schemas.microsoft.com/office/drawing/2014/main" id="{D80E94C5-23A8-D851-6AF1-73A576AB6140}"/>
+              </a:ext>
+            </a:extLst>
+          </p:cNvPr>
+          <p:cNvSpPr txBox="1"/>
+          <p:nvPr/>
+        </p:nvSpPr>
+        <p:spPr>
+          <a:xfrm>
+            <a:off x="639726" y="1613118"/>
+            <a:ext cx="6654056" cy="2031325"/>
+          </a:xfrm>
+          <a:prstGeom prst="rect">
+            <a:avLst/>
+          </a:prstGeom>
+          <a:noFill/>
+        </p:spPr>
+        <p:txBody>
+          <a:bodyPr wrap="square" rtlCol="0">
+            <a:spAutoFit/>
+          </a:bodyPr>
+          <a:lstStyle/>
+          <a:p>
+            <a:pPr marL="800100" lvl="1" indent="-342900">
+              <a:buFont typeface="Wingdings" panose="05000000000000000000" pitchFamily="2" charset="2"/>
+              <a:buChar char="ü"/>
+            </a:pPr>
+            <a:r>
+              <a:rPr lang="it-IT" noProof="0" dirty="0"/>
+              <a:t>Introdotta una classe astratta chiamata SoftDeletableEntity</a:t>
+            </a:r>
+          </a:p>
+          <a:p>
+            <a:pPr marL="800100" lvl="1" indent="-342900">
+              <a:buFont typeface="Wingdings" panose="05000000000000000000" pitchFamily="2" charset="2"/>
+              <a:buChar char="ü"/>
+            </a:pPr>
+            <a:endParaRPr lang="it-IT" noProof="0" dirty="0"/>
+          </a:p>
+          <a:p>
+            <a:r>
+              <a:rPr lang="it-IT" noProof="0" dirty="0"/>
+              <a:t>Questa classe deve essere estesa dalle entità che vogliono implementare la soft delete.</a:t>
+            </a:r>
+          </a:p>
+          <a:p>
+            <a:pPr marL="800100" lvl="1" indent="-342900">
+              <a:buFont typeface="Wingdings" panose="05000000000000000000" pitchFamily="2" charset="2"/>
+              <a:buChar char="ü"/>
+            </a:pPr>
+            <a:endParaRPr lang="it-IT" noProof="0" dirty="0"/>
+          </a:p>
+          <a:p>
+            <a:pPr marL="800100" lvl="1" indent="-342900">
+              <a:buFont typeface="Wingdings" panose="05000000000000000000" pitchFamily="2" charset="2"/>
+              <a:buChar char="ü"/>
+            </a:pPr>
+            <a:endParaRPr lang="it-IT" noProof="0" dirty="0"/>
+          </a:p>
+        </p:txBody>
+      </p:sp>
+      <p:pic>
+        <p:nvPicPr>
+          <p:cNvPr id="3" name="Immagine 2" descr="Immagine che contiene simbolo, Carattere, Elementi grafici, schermata&#10;&#10;Descrizione generata automaticamente">
+            <a:extLst>
+              <a:ext uri="{FF2B5EF4-FFF2-40B4-BE49-F238E27FC236}">
+                <a16:creationId xmlns:a16="http://schemas.microsoft.com/office/drawing/2014/main" id="{A2D4E5C1-74F5-EBAE-099D-01B6B7A99B78}"/>
+              </a:ext>
+            </a:extLst>
+          </p:cNvPr>
+          <p:cNvPicPr>
+            <a:picLocks noChangeAspect="1"/>
+          </p:cNvPicPr>
+          <p:nvPr/>
+        </p:nvPicPr>
+        <p:blipFill>
+          <a:blip r:embed="rId2" cstate="print">
+            <a:extLst>
+              <a:ext uri="{28A0092B-C50C-407E-A947-70E740481C1C}">
+                <a14:useLocalDpi xmlns:a14="http://schemas.microsoft.com/office/drawing/2010/main" val="0"/>
+              </a:ext>
+            </a:extLst>
+          </a:blip>
+          <a:stretch>
+            <a:fillRect/>
+          </a:stretch>
+        </p:blipFill>
+        <p:spPr>
+          <a:xfrm>
+            <a:off x="7293781" y="353207"/>
+            <a:ext cx="885600" cy="885600"/>
+          </a:xfrm>
+          <a:prstGeom prst="rect">
+            <a:avLst/>
+          </a:prstGeom>
+        </p:spPr>
+      </p:pic>
+      <p:pic>
+        <p:nvPicPr>
+          <p:cNvPr id="14" name="Picture 13">
+            <a:extLst>
+              <a:ext uri="{FF2B5EF4-FFF2-40B4-BE49-F238E27FC236}">
+                <a16:creationId xmlns:a16="http://schemas.microsoft.com/office/drawing/2014/main" id="{0EE20721-7993-F6CB-6200-21DCB770757C}"/>
+              </a:ext>
+            </a:extLst>
+          </p:cNvPr>
+          <p:cNvPicPr>
+            <a:picLocks noChangeAspect="1"/>
+          </p:cNvPicPr>
+          <p:nvPr/>
+        </p:nvPicPr>
+        <p:blipFill>
+          <a:blip r:embed="rId3"/>
+          <a:srcRect l="1612" t="12955" b="5116"/>
+          <a:stretch/>
+        </p:blipFill>
+        <p:spPr>
+          <a:xfrm>
+            <a:off x="721725" y="3510115"/>
+            <a:ext cx="8401457" cy="520265"/>
+          </a:xfrm>
+          <a:prstGeom prst="rect">
+            <a:avLst/>
+          </a:prstGeom>
+        </p:spPr>
+      </p:pic>
+      <p:pic>
+        <p:nvPicPr>
+          <p:cNvPr id="16" name="Picture 15">
+            <a:extLst>
+              <a:ext uri="{FF2B5EF4-FFF2-40B4-BE49-F238E27FC236}">
+                <a16:creationId xmlns:a16="http://schemas.microsoft.com/office/drawing/2014/main" id="{EE3ED2B7-9D87-F3A0-44F2-BF757EF8E178}"/>
+              </a:ext>
+            </a:extLst>
+          </p:cNvPr>
+          <p:cNvPicPr>
+            <a:picLocks noChangeAspect="1"/>
+          </p:cNvPicPr>
+          <p:nvPr/>
+        </p:nvPicPr>
+        <p:blipFill>
+          <a:blip r:embed="rId4"/>
+          <a:srcRect b="18082"/>
+          <a:stretch/>
+        </p:blipFill>
+        <p:spPr>
+          <a:xfrm>
+            <a:off x="721725" y="4316878"/>
+            <a:ext cx="7737359" cy="443062"/>
+          </a:xfrm>
+          <a:prstGeom prst="rect">
+            <a:avLst/>
+          </a:prstGeom>
+        </p:spPr>
+      </p:pic>
+    </p:spTree>
+    <p:extLst>
+      <p:ext uri="{BB962C8B-B14F-4D97-AF65-F5344CB8AC3E}">
+        <p14:creationId xmlns:p14="http://schemas.microsoft.com/office/powerpoint/2010/main" val="4176327925"/>
+      </p:ext>
+    </p:extLst>
+  </p:cSld>
+  <p:clrMapOvr>
+    <a:masterClrMapping/>
+  </p:clrMapOvr>
+</p:sld>
+</file>
+
+<file path=ppt/slides/slide13.xml><?xml version="1.0" encoding="utf-8"?>
+<p:sld xmlns:a="http://schemas.openxmlformats.org/drawingml/2006/main" xmlns:r="http://schemas.openxmlformats.org/officeDocument/2006/relationships" xmlns:p="http://schemas.openxmlformats.org/presentationml/2006/main">
+  <p:cSld>
+    <p:spTree>
+      <p:nvGrpSpPr>
+        <p:cNvPr id="1" name="">
+          <a:extLst>
+            <a:ext uri="{FF2B5EF4-FFF2-40B4-BE49-F238E27FC236}">
+              <a16:creationId xmlns:a16="http://schemas.microsoft.com/office/drawing/2014/main" id="{65A4A47C-DA76-4FBE-70FC-C41A06E3BE14}"/>
+            </a:ext>
+          </a:extLst>
+        </p:cNvPr>
+        <p:cNvGrpSpPr/>
+        <p:nvPr/>
+      </p:nvGrpSpPr>
+      <p:grpSpPr>
+        <a:xfrm>
+          <a:off x="0" y="0"/>
+          <a:ext cx="0" cy="0"/>
+          <a:chOff x="0" y="0"/>
+          <a:chExt cx="0" cy="0"/>
+        </a:xfrm>
+      </p:grpSpPr>
+      <p:sp>
+        <p:nvSpPr>
+          <p:cNvPr id="2" name="Titolo 1">
+            <a:extLst>
+              <a:ext uri="{FF2B5EF4-FFF2-40B4-BE49-F238E27FC236}">
+                <a16:creationId xmlns:a16="http://schemas.microsoft.com/office/drawing/2014/main" id="{39F93AB4-F9FE-0C1B-365A-45BBFE275EF6}"/>
+              </a:ext>
+            </a:extLst>
+          </p:cNvPr>
+          <p:cNvSpPr>
+            <a:spLocks noGrp="1"/>
+          </p:cNvSpPr>
+          <p:nvPr>
+            <p:ph type="title"/>
+          </p:nvPr>
+        </p:nvSpPr>
+        <p:spPr>
+          <a:xfrm>
+            <a:off x="639725" y="472780"/>
+            <a:ext cx="6654056" cy="653143"/>
+          </a:xfrm>
+        </p:spPr>
+        <p:txBody>
+          <a:bodyPr>
+            <a:normAutofit fontScale="90000"/>
+          </a:bodyPr>
+          <a:lstStyle/>
+          <a:p>
+            <a:r>
+              <a:rPr lang="it-IT" sz="4000" noProof="0" dirty="0">
+                <a:solidFill>
+                  <a:schemeClr val="tx2">
+                    <a:lumMod val="90000"/>
+                    <a:lumOff val="10000"/>
+                  </a:schemeClr>
+                </a:solidFill>
+              </a:rPr>
+              <a:t>GOAL: Soft delete </a:t>
+            </a:r>
+            <a:r>
+              <a:rPr lang="it-IT" sz="4000" noProof="0" dirty="0" err="1">
+                <a:solidFill>
+                  <a:schemeClr val="tx2">
+                    <a:lumMod val="90000"/>
+                    <a:lumOff val="10000"/>
+                  </a:schemeClr>
+                </a:solidFill>
+              </a:rPr>
+              <a:t>implementation</a:t>
+            </a:r>
+            <a:endParaRPr lang="it-IT" sz="4000" noProof="0" dirty="0">
+              <a:solidFill>
+                <a:schemeClr val="tx2">
+                  <a:lumMod val="90000"/>
+                  <a:lumOff val="10000"/>
+                </a:schemeClr>
+              </a:solidFill>
+            </a:endParaRPr>
+          </a:p>
+        </p:txBody>
+      </p:sp>
+      <p:sp>
+        <p:nvSpPr>
+          <p:cNvPr id="4" name="Rettangolo 3">
+            <a:extLst>
+              <a:ext uri="{FF2B5EF4-FFF2-40B4-BE49-F238E27FC236}">
+                <a16:creationId xmlns:a16="http://schemas.microsoft.com/office/drawing/2014/main" id="{AABBE933-FA97-653A-1F61-1EB8490D6B8B}"/>
+              </a:ext>
+            </a:extLst>
+          </p:cNvPr>
+          <p:cNvSpPr/>
+          <p:nvPr/>
+        </p:nvSpPr>
+        <p:spPr>
+          <a:xfrm>
+            <a:off x="0" y="472781"/>
+            <a:ext cx="190243" cy="653143"/>
+          </a:xfrm>
+          <a:prstGeom prst="rect">
+            <a:avLst/>
+          </a:prstGeom>
+          <a:solidFill>
+            <a:schemeClr val="tx2">
+              <a:lumMod val="90000"/>
+              <a:lumOff val="10000"/>
+            </a:schemeClr>
+          </a:solidFill>
+          <a:ln>
+            <a:solidFill>
+              <a:schemeClr val="tx2">
+                <a:lumMod val="90000"/>
+                <a:lumOff val="10000"/>
+              </a:schemeClr>
+            </a:solidFill>
+          </a:ln>
+        </p:spPr>
+        <p:style>
+          <a:lnRef idx="2">
+            <a:schemeClr val="accent1">
+              <a:shade val="15000"/>
+            </a:schemeClr>
+          </a:lnRef>
+          <a:fillRef idx="1">
+            <a:schemeClr val="accent1"/>
+          </a:fillRef>
+          <a:effectRef idx="0">
+            <a:schemeClr val="accent1"/>
+          </a:effectRef>
+          <a:fontRef idx="minor">
+            <a:schemeClr val="lt1"/>
+          </a:fontRef>
+        </p:style>
+        <p:txBody>
+          <a:bodyPr rtlCol="0" anchor="ctr"/>
+          <a:lstStyle/>
+          <a:p>
+            <a:pPr algn="ctr"/>
+            <a:endParaRPr lang="it-IT" noProof="0" dirty="0"/>
+          </a:p>
+        </p:txBody>
+      </p:sp>
+      <p:sp>
+        <p:nvSpPr>
+          <p:cNvPr id="5" name="Rettangolo 4">
+            <a:extLst>
+              <a:ext uri="{FF2B5EF4-FFF2-40B4-BE49-F238E27FC236}">
+                <a16:creationId xmlns:a16="http://schemas.microsoft.com/office/drawing/2014/main" id="{8EADEE99-AA51-AED2-31A3-6FBF3CA4643B}"/>
+              </a:ext>
+            </a:extLst>
+          </p:cNvPr>
+          <p:cNvSpPr/>
+          <p:nvPr/>
+        </p:nvSpPr>
+        <p:spPr>
+          <a:xfrm>
+            <a:off x="289539" y="472780"/>
+            <a:ext cx="139359" cy="653143"/>
+          </a:xfrm>
+          <a:prstGeom prst="rect">
+            <a:avLst/>
+          </a:prstGeom>
+          <a:solidFill>
+            <a:schemeClr val="tx2">
+              <a:lumMod val="90000"/>
+              <a:lumOff val="10000"/>
+            </a:schemeClr>
+          </a:solidFill>
+          <a:ln>
+            <a:solidFill>
+              <a:schemeClr val="tx2">
+                <a:lumMod val="90000"/>
+                <a:lumOff val="10000"/>
+              </a:schemeClr>
+            </a:solidFill>
+          </a:ln>
+        </p:spPr>
+        <p:style>
+          <a:lnRef idx="2">
+            <a:schemeClr val="accent1">
+              <a:shade val="15000"/>
+            </a:schemeClr>
+          </a:lnRef>
+          <a:fillRef idx="1">
+            <a:schemeClr val="accent1"/>
+          </a:fillRef>
+          <a:effectRef idx="0">
+            <a:schemeClr val="accent1"/>
+          </a:effectRef>
+          <a:fontRef idx="minor">
+            <a:schemeClr val="lt1"/>
+          </a:fontRef>
+        </p:style>
+        <p:txBody>
+          <a:bodyPr rtlCol="0" anchor="ctr"/>
+          <a:lstStyle/>
+          <a:p>
+            <a:pPr algn="ctr"/>
+            <a:endParaRPr lang="it-IT" noProof="0" dirty="0"/>
+          </a:p>
+        </p:txBody>
+      </p:sp>
+      <p:sp>
+        <p:nvSpPr>
+          <p:cNvPr id="11" name="Rettangolo 10">
+            <a:extLst>
+              <a:ext uri="{FF2B5EF4-FFF2-40B4-BE49-F238E27FC236}">
+                <a16:creationId xmlns:a16="http://schemas.microsoft.com/office/drawing/2014/main" id="{C4D61236-0227-D45C-5254-6347EB338918}"/>
+              </a:ext>
+            </a:extLst>
+          </p:cNvPr>
+          <p:cNvSpPr/>
+          <p:nvPr/>
+        </p:nvSpPr>
+        <p:spPr>
+          <a:xfrm>
+            <a:off x="10008781" y="0"/>
+            <a:ext cx="2183219" cy="6858000"/>
+          </a:xfrm>
+          <a:prstGeom prst="rect">
+            <a:avLst/>
+          </a:prstGeom>
+          <a:solidFill>
+            <a:schemeClr val="tx2">
+              <a:lumMod val="90000"/>
+              <a:lumOff val="10000"/>
+            </a:schemeClr>
+          </a:solidFill>
+          <a:ln>
+            <a:solidFill>
+              <a:srgbClr val="163E64"/>
+            </a:solidFill>
+          </a:ln>
+        </p:spPr>
+        <p:style>
+          <a:lnRef idx="2">
+            <a:schemeClr val="accent1">
+              <a:shade val="15000"/>
+            </a:schemeClr>
+          </a:lnRef>
+          <a:fillRef idx="1">
+            <a:schemeClr val="accent1"/>
+          </a:fillRef>
+          <a:effectRef idx="0">
+            <a:schemeClr val="accent1"/>
+          </a:effectRef>
+          <a:fontRef idx="minor">
+            <a:schemeClr val="lt1"/>
+          </a:fontRef>
+        </p:style>
+        <p:txBody>
+          <a:bodyPr rtlCol="0" anchor="ctr"/>
+          <a:lstStyle/>
+          <a:p>
+            <a:pPr algn="ctr"/>
+            <a:endParaRPr lang="it-IT" noProof="0" dirty="0"/>
+          </a:p>
+        </p:txBody>
+      </p:sp>
+      <p:cxnSp>
+        <p:nvCxnSpPr>
+          <p:cNvPr id="8" name="Connettore diritto 7">
+            <a:extLst>
+              <a:ext uri="{FF2B5EF4-FFF2-40B4-BE49-F238E27FC236}">
+                <a16:creationId xmlns:a16="http://schemas.microsoft.com/office/drawing/2014/main" id="{D664F419-F23B-F582-9BA9-B3B8B5048564}"/>
+              </a:ext>
+            </a:extLst>
+          </p:cNvPr>
+          <p:cNvCxnSpPr>
+            <a:cxnSpLocks/>
+          </p:cNvCxnSpPr>
+          <p:nvPr/>
+        </p:nvCxnSpPr>
+        <p:spPr>
+          <a:xfrm>
+            <a:off x="639725" y="1351691"/>
+            <a:ext cx="6654057" cy="0"/>
+          </a:xfrm>
+          <a:prstGeom prst="line">
+            <a:avLst/>
+          </a:prstGeom>
+          <a:ln>
+            <a:solidFill>
+              <a:schemeClr val="tx2">
+                <a:lumMod val="90000"/>
+                <a:lumOff val="10000"/>
+              </a:schemeClr>
+            </a:solidFill>
+          </a:ln>
+        </p:spPr>
+        <p:style>
+          <a:lnRef idx="2">
+            <a:schemeClr val="accent1"/>
+          </a:lnRef>
+          <a:fillRef idx="0">
+            <a:schemeClr val="accent1"/>
+          </a:fillRef>
+          <a:effectRef idx="1">
+            <a:schemeClr val="accent1"/>
+          </a:effectRef>
+          <a:fontRef idx="minor">
+            <a:schemeClr val="tx1"/>
+          </a:fontRef>
+        </p:style>
+      </p:cxnSp>
+      <p:sp>
+        <p:nvSpPr>
+          <p:cNvPr id="6" name="TextBox 5">
+            <a:extLst>
+              <a:ext uri="{FF2B5EF4-FFF2-40B4-BE49-F238E27FC236}">
+                <a16:creationId xmlns:a16="http://schemas.microsoft.com/office/drawing/2014/main" id="{47C1EEB2-24B1-1B12-3719-213D82DA417C}"/>
+              </a:ext>
+            </a:extLst>
+          </p:cNvPr>
+          <p:cNvSpPr txBox="1"/>
+          <p:nvPr/>
+        </p:nvSpPr>
+        <p:spPr>
+          <a:xfrm>
+            <a:off x="11654290" y="6452785"/>
+            <a:ext cx="438619" cy="307777"/>
+          </a:xfrm>
+          <a:prstGeom prst="rect">
+            <a:avLst/>
+          </a:prstGeom>
+          <a:noFill/>
+        </p:spPr>
+        <p:txBody>
+          <a:bodyPr wrap="square">
+            <a:spAutoFit/>
+          </a:bodyPr>
+          <a:lstStyle/>
+          <a:p>
+            <a:r>
+              <a:rPr lang="it-IT" sz="1400" noProof="0" dirty="0">
+                <a:solidFill>
+                  <a:schemeClr val="bg1"/>
+                </a:solidFill>
+              </a:rPr>
+              <a:t>5</a:t>
+            </a:r>
+            <a:endParaRPr lang="it-IT" sz="1400" noProof="0" dirty="0"/>
+          </a:p>
+        </p:txBody>
+      </p:sp>
+      <p:sp>
+        <p:nvSpPr>
+          <p:cNvPr id="9" name="CasellaDiTesto 6">
+            <a:extLst>
+              <a:ext uri="{FF2B5EF4-FFF2-40B4-BE49-F238E27FC236}">
+                <a16:creationId xmlns:a16="http://schemas.microsoft.com/office/drawing/2014/main" id="{C39DC00E-8571-FDC2-9AE9-518E0A87BE6C}"/>
+              </a:ext>
+            </a:extLst>
+          </p:cNvPr>
+          <p:cNvSpPr txBox="1"/>
+          <p:nvPr/>
+        </p:nvSpPr>
+        <p:spPr>
+          <a:xfrm>
+            <a:off x="639726" y="1613118"/>
+            <a:ext cx="6654056" cy="923330"/>
+          </a:xfrm>
+          <a:prstGeom prst="rect">
+            <a:avLst/>
+          </a:prstGeom>
+          <a:noFill/>
+        </p:spPr>
+        <p:txBody>
+          <a:bodyPr wrap="square" rtlCol="0">
+            <a:spAutoFit/>
+          </a:bodyPr>
+          <a:lstStyle/>
+          <a:p>
+            <a:pPr marL="800100" lvl="1" indent="-342900">
+              <a:buFont typeface="Wingdings" panose="05000000000000000000" pitchFamily="2" charset="2"/>
+              <a:buChar char="ü"/>
+            </a:pPr>
+            <a:r>
+              <a:rPr lang="it-IT" noProof="0" dirty="0"/>
+              <a:t>Creata l’interfaccia </a:t>
+            </a:r>
+            <a:r>
+              <a:rPr lang="it-IT" noProof="0" dirty="0" err="1"/>
+              <a:t>SoftDeleteJpaRepository</a:t>
+            </a:r>
+            <a:r>
+              <a:rPr lang="it-IT" noProof="0" dirty="0"/>
+              <a:t> per estendere il comportamento del </a:t>
+            </a:r>
+            <a:r>
+              <a:rPr lang="it-IT" noProof="0" dirty="0" err="1"/>
+              <a:t>JpaRepository</a:t>
+            </a:r>
+            <a:endParaRPr lang="it-IT" noProof="0" dirty="0"/>
+          </a:p>
+          <a:p>
+            <a:pPr marL="800100" lvl="1" indent="-342900">
+              <a:buFont typeface="Wingdings" panose="05000000000000000000" pitchFamily="2" charset="2"/>
+              <a:buChar char="ü"/>
+            </a:pPr>
+            <a:endParaRPr lang="it-IT" dirty="0"/>
+          </a:p>
+        </p:txBody>
+      </p:sp>
+      <p:pic>
+        <p:nvPicPr>
+          <p:cNvPr id="3" name="Immagine 2" descr="Immagine che contiene simbolo, Carattere, Elementi grafici, schermata&#10;&#10;Descrizione generata automaticamente">
+            <a:extLst>
+              <a:ext uri="{FF2B5EF4-FFF2-40B4-BE49-F238E27FC236}">
+                <a16:creationId xmlns:a16="http://schemas.microsoft.com/office/drawing/2014/main" id="{DA5C5ED0-51E6-8ECF-F66D-C26F2828B1E0}"/>
+              </a:ext>
+            </a:extLst>
+          </p:cNvPr>
+          <p:cNvPicPr>
+            <a:picLocks noChangeAspect="1"/>
+          </p:cNvPicPr>
+          <p:nvPr/>
+        </p:nvPicPr>
+        <p:blipFill>
+          <a:blip r:embed="rId2" cstate="print">
+            <a:extLst>
+              <a:ext uri="{28A0092B-C50C-407E-A947-70E740481C1C}">
+                <a14:useLocalDpi xmlns:a14="http://schemas.microsoft.com/office/drawing/2010/main" val="0"/>
+              </a:ext>
+            </a:extLst>
+          </a:blip>
+          <a:stretch>
+            <a:fillRect/>
+          </a:stretch>
+        </p:blipFill>
+        <p:spPr>
+          <a:xfrm>
+            <a:off x="7293781" y="353207"/>
+            <a:ext cx="885600" cy="885600"/>
+          </a:xfrm>
+          <a:prstGeom prst="rect">
+            <a:avLst/>
+          </a:prstGeom>
+        </p:spPr>
+      </p:pic>
+      <p:pic>
+        <p:nvPicPr>
+          <p:cNvPr id="10" name="Picture 9">
+            <a:extLst>
+              <a:ext uri="{FF2B5EF4-FFF2-40B4-BE49-F238E27FC236}">
+                <a16:creationId xmlns:a16="http://schemas.microsoft.com/office/drawing/2014/main" id="{D17BF094-82B9-7123-BC9E-44BAD862EEA6}"/>
+              </a:ext>
+            </a:extLst>
+          </p:cNvPr>
+          <p:cNvPicPr>
+            <a:picLocks noChangeAspect="1"/>
+          </p:cNvPicPr>
+          <p:nvPr/>
+        </p:nvPicPr>
+        <p:blipFill>
+          <a:blip r:embed="rId3"/>
+          <a:stretch>
+            <a:fillRect/>
+          </a:stretch>
+        </p:blipFill>
+        <p:spPr>
+          <a:xfrm>
+            <a:off x="1067046" y="2406112"/>
+            <a:ext cx="7112335" cy="4046673"/>
+          </a:xfrm>
+          <a:prstGeom prst="rect">
+            <a:avLst/>
+          </a:prstGeom>
+        </p:spPr>
+      </p:pic>
+    </p:spTree>
+    <p:extLst>
+      <p:ext uri="{BB962C8B-B14F-4D97-AF65-F5344CB8AC3E}">
+        <p14:creationId xmlns:p14="http://schemas.microsoft.com/office/powerpoint/2010/main" val="3206184723"/>
+      </p:ext>
+    </p:extLst>
+  </p:cSld>
+  <p:clrMapOvr>
+    <a:masterClrMapping/>
+  </p:clrMapOvr>
+</p:sld>
+</file>
+
+<file path=ppt/slides/slide14.xml><?xml version="1.0" encoding="utf-8"?>
+<p:sld xmlns:a="http://schemas.openxmlformats.org/drawingml/2006/main" xmlns:r="http://schemas.openxmlformats.org/officeDocument/2006/relationships" xmlns:p="http://schemas.openxmlformats.org/presentationml/2006/main">
+  <p:cSld>
+    <p:spTree>
+      <p:nvGrpSpPr>
+        <p:cNvPr id="1" name="">
+          <a:extLst>
+            <a:ext uri="{FF2B5EF4-FFF2-40B4-BE49-F238E27FC236}">
+              <a16:creationId xmlns:a16="http://schemas.microsoft.com/office/drawing/2014/main" id="{6F31D33C-9D69-CE7B-3BBF-A676AE3D813B}"/>
+            </a:ext>
+          </a:extLst>
+        </p:cNvPr>
+        <p:cNvGrpSpPr/>
+        <p:nvPr/>
+      </p:nvGrpSpPr>
+      <p:grpSpPr>
+        <a:xfrm>
+          <a:off x="0" y="0"/>
+          <a:ext cx="0" cy="0"/>
+          <a:chOff x="0" y="0"/>
+          <a:chExt cx="0" cy="0"/>
+        </a:xfrm>
+      </p:grpSpPr>
+      <p:sp>
+        <p:nvSpPr>
+          <p:cNvPr id="2" name="Titolo 1">
+            <a:extLst>
+              <a:ext uri="{FF2B5EF4-FFF2-40B4-BE49-F238E27FC236}">
+                <a16:creationId xmlns:a16="http://schemas.microsoft.com/office/drawing/2014/main" id="{5C98FE2A-9131-FF80-911A-D3C327D17291}"/>
+              </a:ext>
+            </a:extLst>
+          </p:cNvPr>
+          <p:cNvSpPr>
+            <a:spLocks noGrp="1"/>
+          </p:cNvSpPr>
+          <p:nvPr>
+            <p:ph type="title"/>
+          </p:nvPr>
+        </p:nvSpPr>
+        <p:spPr>
+          <a:xfrm>
+            <a:off x="639725" y="472780"/>
+            <a:ext cx="6654056" cy="653143"/>
+          </a:xfrm>
+        </p:spPr>
+        <p:txBody>
+          <a:bodyPr>
+            <a:normAutofit fontScale="90000"/>
+          </a:bodyPr>
+          <a:lstStyle/>
+          <a:p>
+            <a:r>
+              <a:rPr lang="it-IT" sz="4000" noProof="0" dirty="0">
+                <a:solidFill>
+                  <a:schemeClr val="tx2">
+                    <a:lumMod val="90000"/>
+                    <a:lumOff val="10000"/>
+                  </a:schemeClr>
+                </a:solidFill>
+              </a:rPr>
+              <a:t>GOAL: Soft delete </a:t>
+            </a:r>
+            <a:r>
+              <a:rPr lang="it-IT" sz="4000" noProof="0" dirty="0" err="1">
+                <a:solidFill>
+                  <a:schemeClr val="tx2">
+                    <a:lumMod val="90000"/>
+                    <a:lumOff val="10000"/>
+                  </a:schemeClr>
+                </a:solidFill>
+              </a:rPr>
+              <a:t>implementation</a:t>
+            </a:r>
+            <a:endParaRPr lang="it-IT" sz="4000" noProof="0" dirty="0">
+              <a:solidFill>
+                <a:schemeClr val="tx2">
+                  <a:lumMod val="90000"/>
+                  <a:lumOff val="10000"/>
+                </a:schemeClr>
+              </a:solidFill>
+            </a:endParaRPr>
+          </a:p>
+        </p:txBody>
+      </p:sp>
+      <p:sp>
+        <p:nvSpPr>
+          <p:cNvPr id="4" name="Rettangolo 3">
+            <a:extLst>
+              <a:ext uri="{FF2B5EF4-FFF2-40B4-BE49-F238E27FC236}">
+                <a16:creationId xmlns:a16="http://schemas.microsoft.com/office/drawing/2014/main" id="{4BF02F8B-F04E-6695-9535-A2A25F90CE6B}"/>
+              </a:ext>
+            </a:extLst>
+          </p:cNvPr>
+          <p:cNvSpPr/>
+          <p:nvPr/>
+        </p:nvSpPr>
+        <p:spPr>
+          <a:xfrm>
+            <a:off x="0" y="472781"/>
+            <a:ext cx="190243" cy="653143"/>
+          </a:xfrm>
+          <a:prstGeom prst="rect">
+            <a:avLst/>
+          </a:prstGeom>
+          <a:solidFill>
+            <a:schemeClr val="tx2">
+              <a:lumMod val="90000"/>
+              <a:lumOff val="10000"/>
+            </a:schemeClr>
+          </a:solidFill>
+          <a:ln>
+            <a:solidFill>
+              <a:schemeClr val="tx2">
+                <a:lumMod val="90000"/>
+                <a:lumOff val="10000"/>
+              </a:schemeClr>
+            </a:solidFill>
+          </a:ln>
+        </p:spPr>
+        <p:style>
+          <a:lnRef idx="2">
+            <a:schemeClr val="accent1">
+              <a:shade val="15000"/>
+            </a:schemeClr>
+          </a:lnRef>
+          <a:fillRef idx="1">
+            <a:schemeClr val="accent1"/>
+          </a:fillRef>
+          <a:effectRef idx="0">
+            <a:schemeClr val="accent1"/>
+          </a:effectRef>
+          <a:fontRef idx="minor">
+            <a:schemeClr val="lt1"/>
+          </a:fontRef>
+        </p:style>
+        <p:txBody>
+          <a:bodyPr rtlCol="0" anchor="ctr"/>
+          <a:lstStyle/>
+          <a:p>
+            <a:pPr algn="ctr"/>
+            <a:endParaRPr lang="it-IT" noProof="0" dirty="0"/>
+          </a:p>
+        </p:txBody>
+      </p:sp>
+      <p:sp>
+        <p:nvSpPr>
+          <p:cNvPr id="5" name="Rettangolo 4">
+            <a:extLst>
+              <a:ext uri="{FF2B5EF4-FFF2-40B4-BE49-F238E27FC236}">
+                <a16:creationId xmlns:a16="http://schemas.microsoft.com/office/drawing/2014/main" id="{609AC069-77E1-848D-23DD-0E8542CBBDDC}"/>
+              </a:ext>
+            </a:extLst>
+          </p:cNvPr>
+          <p:cNvSpPr/>
+          <p:nvPr/>
+        </p:nvSpPr>
+        <p:spPr>
+          <a:xfrm>
+            <a:off x="289539" y="472780"/>
+            <a:ext cx="139359" cy="653143"/>
+          </a:xfrm>
+          <a:prstGeom prst="rect">
+            <a:avLst/>
+          </a:prstGeom>
+          <a:solidFill>
+            <a:schemeClr val="tx2">
+              <a:lumMod val="90000"/>
+              <a:lumOff val="10000"/>
+            </a:schemeClr>
+          </a:solidFill>
+          <a:ln>
+            <a:solidFill>
+              <a:schemeClr val="tx2">
+                <a:lumMod val="90000"/>
+                <a:lumOff val="10000"/>
+              </a:schemeClr>
+            </a:solidFill>
+          </a:ln>
+        </p:spPr>
+        <p:style>
+          <a:lnRef idx="2">
+            <a:schemeClr val="accent1">
+              <a:shade val="15000"/>
+            </a:schemeClr>
+          </a:lnRef>
+          <a:fillRef idx="1">
+            <a:schemeClr val="accent1"/>
+          </a:fillRef>
+          <a:effectRef idx="0">
+            <a:schemeClr val="accent1"/>
+          </a:effectRef>
+          <a:fontRef idx="minor">
+            <a:schemeClr val="lt1"/>
+          </a:fontRef>
+        </p:style>
+        <p:txBody>
+          <a:bodyPr rtlCol="0" anchor="ctr"/>
+          <a:lstStyle/>
+          <a:p>
+            <a:pPr algn="ctr"/>
+            <a:endParaRPr lang="it-IT" noProof="0" dirty="0"/>
+          </a:p>
+        </p:txBody>
+      </p:sp>
+      <p:sp>
+        <p:nvSpPr>
+          <p:cNvPr id="11" name="Rettangolo 10">
+            <a:extLst>
+              <a:ext uri="{FF2B5EF4-FFF2-40B4-BE49-F238E27FC236}">
+                <a16:creationId xmlns:a16="http://schemas.microsoft.com/office/drawing/2014/main" id="{B66C20FE-61C7-D531-8AFF-8F3E52A75AE0}"/>
+              </a:ext>
+            </a:extLst>
+          </p:cNvPr>
+          <p:cNvSpPr/>
+          <p:nvPr/>
+        </p:nvSpPr>
+        <p:spPr>
+          <a:xfrm>
+            <a:off x="10008781" y="0"/>
+            <a:ext cx="2183219" cy="6858000"/>
+          </a:xfrm>
+          <a:prstGeom prst="rect">
+            <a:avLst/>
+          </a:prstGeom>
+          <a:solidFill>
+            <a:schemeClr val="tx2">
+              <a:lumMod val="90000"/>
+              <a:lumOff val="10000"/>
+            </a:schemeClr>
+          </a:solidFill>
+          <a:ln>
+            <a:solidFill>
+              <a:srgbClr val="163E64"/>
+            </a:solidFill>
+          </a:ln>
+        </p:spPr>
+        <p:style>
+          <a:lnRef idx="2">
+            <a:schemeClr val="accent1">
+              <a:shade val="15000"/>
+            </a:schemeClr>
+          </a:lnRef>
+          <a:fillRef idx="1">
+            <a:schemeClr val="accent1"/>
+          </a:fillRef>
+          <a:effectRef idx="0">
+            <a:schemeClr val="accent1"/>
+          </a:effectRef>
+          <a:fontRef idx="minor">
+            <a:schemeClr val="lt1"/>
+          </a:fontRef>
+        </p:style>
+        <p:txBody>
+          <a:bodyPr rtlCol="0" anchor="ctr"/>
+          <a:lstStyle/>
+          <a:p>
+            <a:pPr algn="ctr"/>
+            <a:endParaRPr lang="it-IT" noProof="0" dirty="0"/>
+          </a:p>
+        </p:txBody>
+      </p:sp>
+      <p:cxnSp>
+        <p:nvCxnSpPr>
+          <p:cNvPr id="8" name="Connettore diritto 7">
+            <a:extLst>
+              <a:ext uri="{FF2B5EF4-FFF2-40B4-BE49-F238E27FC236}">
+                <a16:creationId xmlns:a16="http://schemas.microsoft.com/office/drawing/2014/main" id="{99BA819A-2861-1B52-CA32-42FD1FD45713}"/>
+              </a:ext>
+            </a:extLst>
+          </p:cNvPr>
+          <p:cNvCxnSpPr>
+            <a:cxnSpLocks/>
+          </p:cNvCxnSpPr>
+          <p:nvPr/>
+        </p:nvCxnSpPr>
+        <p:spPr>
+          <a:xfrm>
+            <a:off x="639725" y="1351691"/>
+            <a:ext cx="6654057" cy="0"/>
+          </a:xfrm>
+          <a:prstGeom prst="line">
+            <a:avLst/>
+          </a:prstGeom>
+          <a:ln>
+            <a:solidFill>
+              <a:schemeClr val="tx2">
+                <a:lumMod val="90000"/>
+                <a:lumOff val="10000"/>
+              </a:schemeClr>
+            </a:solidFill>
+          </a:ln>
+        </p:spPr>
+        <p:style>
+          <a:lnRef idx="2">
+            <a:schemeClr val="accent1"/>
+          </a:lnRef>
+          <a:fillRef idx="0">
+            <a:schemeClr val="accent1"/>
+          </a:fillRef>
+          <a:effectRef idx="1">
+            <a:schemeClr val="accent1"/>
+          </a:effectRef>
+          <a:fontRef idx="minor">
+            <a:schemeClr val="tx1"/>
+          </a:fontRef>
+        </p:style>
+      </p:cxnSp>
+      <p:sp>
+        <p:nvSpPr>
+          <p:cNvPr id="6" name="TextBox 5">
+            <a:extLst>
+              <a:ext uri="{FF2B5EF4-FFF2-40B4-BE49-F238E27FC236}">
+                <a16:creationId xmlns:a16="http://schemas.microsoft.com/office/drawing/2014/main" id="{E7DCBDD6-7A39-400C-60DA-B7181AE3702D}"/>
+              </a:ext>
+            </a:extLst>
+          </p:cNvPr>
+          <p:cNvSpPr txBox="1"/>
+          <p:nvPr/>
+        </p:nvSpPr>
+        <p:spPr>
+          <a:xfrm>
+            <a:off x="11654290" y="6452785"/>
+            <a:ext cx="438619" cy="307777"/>
+          </a:xfrm>
+          <a:prstGeom prst="rect">
+            <a:avLst/>
+          </a:prstGeom>
+          <a:noFill/>
+        </p:spPr>
+        <p:txBody>
+          <a:bodyPr wrap="square">
+            <a:spAutoFit/>
+          </a:bodyPr>
+          <a:lstStyle/>
+          <a:p>
+            <a:r>
+              <a:rPr lang="it-IT" sz="1400" noProof="0" dirty="0">
+                <a:solidFill>
+                  <a:schemeClr val="bg1"/>
+                </a:solidFill>
+              </a:rPr>
+              <a:t>5</a:t>
+            </a:r>
+            <a:endParaRPr lang="it-IT" sz="1400" noProof="0" dirty="0"/>
+          </a:p>
+        </p:txBody>
+      </p:sp>
+      <p:sp>
+        <p:nvSpPr>
+          <p:cNvPr id="9" name="CasellaDiTesto 6">
+            <a:extLst>
+              <a:ext uri="{FF2B5EF4-FFF2-40B4-BE49-F238E27FC236}">
+                <a16:creationId xmlns:a16="http://schemas.microsoft.com/office/drawing/2014/main" id="{83867A57-9E48-6EA7-E9E2-E29CE9E44FF0}"/>
+              </a:ext>
+            </a:extLst>
+          </p:cNvPr>
+          <p:cNvSpPr txBox="1"/>
+          <p:nvPr/>
+        </p:nvSpPr>
+        <p:spPr>
+          <a:xfrm>
+            <a:off x="639726" y="1613118"/>
+            <a:ext cx="6654056" cy="1754326"/>
+          </a:xfrm>
+          <a:prstGeom prst="rect">
+            <a:avLst/>
+          </a:prstGeom>
+          <a:noFill/>
+        </p:spPr>
+        <p:txBody>
+          <a:bodyPr wrap="square" rtlCol="0">
+            <a:spAutoFit/>
+          </a:bodyPr>
+          <a:lstStyle/>
+          <a:p>
+            <a:pPr marL="800100" lvl="1" indent="-342900">
+              <a:buFont typeface="Wingdings" panose="05000000000000000000" pitchFamily="2" charset="2"/>
+              <a:buChar char="ü"/>
+            </a:pPr>
+            <a:r>
+              <a:rPr lang="it-IT" noProof="0" dirty="0"/>
+              <a:t>Introdotta una annotazione @DisableSoftDelete a livello di singolo metodo</a:t>
+            </a:r>
+          </a:p>
+          <a:p>
+            <a:pPr lvl="1"/>
+            <a:endParaRPr lang="it-IT" dirty="0"/>
+          </a:p>
+          <a:p>
+            <a:r>
+              <a:rPr lang="it-IT" noProof="0" dirty="0"/>
+              <a:t>Per andare a disattivare il filtro in determinati metodi/casi, si è introdotta l’annotazione @DisableSoftDelete, il cui comportamento è catturato da una </a:t>
+            </a:r>
+            <a:r>
+              <a:rPr lang="it-IT" noProof="0" dirty="0" err="1"/>
+              <a:t>Aspect</a:t>
+            </a:r>
+            <a:r>
+              <a:rPr lang="it-IT" noProof="0" dirty="0"/>
+              <a:t>. </a:t>
+            </a:r>
+          </a:p>
+        </p:txBody>
+      </p:sp>
+      <p:pic>
+        <p:nvPicPr>
+          <p:cNvPr id="3" name="Immagine 2" descr="Immagine che contiene simbolo, Carattere, Elementi grafici, schermata&#10;&#10;Descrizione generata automaticamente">
+            <a:extLst>
+              <a:ext uri="{FF2B5EF4-FFF2-40B4-BE49-F238E27FC236}">
+                <a16:creationId xmlns:a16="http://schemas.microsoft.com/office/drawing/2014/main" id="{370D2EE8-CBDC-80A0-800C-AB22161AB119}"/>
+              </a:ext>
+            </a:extLst>
+          </p:cNvPr>
+          <p:cNvPicPr>
+            <a:picLocks noChangeAspect="1"/>
+          </p:cNvPicPr>
+          <p:nvPr/>
+        </p:nvPicPr>
+        <p:blipFill>
+          <a:blip r:embed="rId2" cstate="print">
+            <a:extLst>
+              <a:ext uri="{28A0092B-C50C-407E-A947-70E740481C1C}">
+                <a14:useLocalDpi xmlns:a14="http://schemas.microsoft.com/office/drawing/2010/main" val="0"/>
+              </a:ext>
+            </a:extLst>
+          </a:blip>
+          <a:stretch>
+            <a:fillRect/>
+          </a:stretch>
+        </p:blipFill>
+        <p:spPr>
+          <a:xfrm>
+            <a:off x="7293781" y="353207"/>
+            <a:ext cx="885600" cy="885600"/>
+          </a:xfrm>
+          <a:prstGeom prst="rect">
+            <a:avLst/>
+          </a:prstGeom>
+        </p:spPr>
+      </p:pic>
+      <p:pic>
+        <p:nvPicPr>
+          <p:cNvPr id="15" name="Picture 14">
+            <a:extLst>
+              <a:ext uri="{FF2B5EF4-FFF2-40B4-BE49-F238E27FC236}">
+                <a16:creationId xmlns:a16="http://schemas.microsoft.com/office/drawing/2014/main" id="{B874CE7F-9E9A-07F2-9484-129DB1CC6233}"/>
+              </a:ext>
+            </a:extLst>
+          </p:cNvPr>
+          <p:cNvPicPr>
+            <a:picLocks noChangeAspect="1"/>
+          </p:cNvPicPr>
+          <p:nvPr/>
+        </p:nvPicPr>
+        <p:blipFill>
+          <a:blip r:embed="rId3"/>
+          <a:stretch>
+            <a:fillRect/>
+          </a:stretch>
+        </p:blipFill>
+        <p:spPr>
+          <a:xfrm>
+            <a:off x="743882" y="5151010"/>
+            <a:ext cx="8210623" cy="640185"/>
+          </a:xfrm>
+          <a:prstGeom prst="rect">
+            <a:avLst/>
+          </a:prstGeom>
+        </p:spPr>
+      </p:pic>
+      <p:pic>
+        <p:nvPicPr>
+          <p:cNvPr id="17" name="Picture 16">
+            <a:extLst>
+              <a:ext uri="{FF2B5EF4-FFF2-40B4-BE49-F238E27FC236}">
+                <a16:creationId xmlns:a16="http://schemas.microsoft.com/office/drawing/2014/main" id="{C4C96FDA-103F-04C3-A45A-E5D8179614D6}"/>
+              </a:ext>
+            </a:extLst>
+          </p:cNvPr>
+          <p:cNvPicPr>
+            <a:picLocks noChangeAspect="1"/>
+          </p:cNvPicPr>
+          <p:nvPr/>
+        </p:nvPicPr>
+        <p:blipFill>
+          <a:blip r:embed="rId4"/>
+          <a:stretch>
+            <a:fillRect/>
+          </a:stretch>
+        </p:blipFill>
+        <p:spPr>
+          <a:xfrm>
+            <a:off x="2641385" y="3628870"/>
+            <a:ext cx="4308352" cy="1260714"/>
+          </a:xfrm>
+          <a:prstGeom prst="rect">
+            <a:avLst/>
+          </a:prstGeom>
+        </p:spPr>
+      </p:pic>
+    </p:spTree>
+    <p:extLst>
+      <p:ext uri="{BB962C8B-B14F-4D97-AF65-F5344CB8AC3E}">
+        <p14:creationId xmlns:p14="http://schemas.microsoft.com/office/powerpoint/2010/main" val="1801793653"/>
+      </p:ext>
+    </p:extLst>
+  </p:cSld>
+  <p:clrMapOvr>
+    <a:masterClrMapping/>
+  </p:clrMapOvr>
+</p:sld>
+</file>
+
+<file path=ppt/slides/slide15.xml><?xml version="1.0" encoding="utf-8"?>
+<p:sld xmlns:a="http://schemas.openxmlformats.org/drawingml/2006/main" xmlns:r="http://schemas.openxmlformats.org/officeDocument/2006/relationships" xmlns:p="http://schemas.openxmlformats.org/presentationml/2006/main">
+  <p:cSld>
+    <p:spTree>
+      <p:nvGrpSpPr>
+        <p:cNvPr id="1" name="">
+          <a:extLst>
+            <a:ext uri="{FF2B5EF4-FFF2-40B4-BE49-F238E27FC236}">
               <a16:creationId xmlns:a16="http://schemas.microsoft.com/office/drawing/2014/main" id="{79857FD7-1E68-86B5-96CC-D291DC35B6ED}"/>
             </a:ext>
           </a:extLst>
@@ -4822,7 +6909,7 @@
               <a:t>GOAL: </a:t>
             </a:r>
             <a:r>
-              <a:rPr lang="it-IT" sz="3600" dirty="0" err="1">
+              <a:rPr lang="it-IT" sz="3600" noProof="0" dirty="0" err="1">
                 <a:solidFill>
                   <a:schemeClr val="tx2">
                     <a:lumMod val="90000"/>
@@ -4833,7 +6920,7 @@
               <a:t>Strengthen</a:t>
             </a:r>
             <a:r>
-              <a:rPr lang="it-IT" sz="3600" dirty="0">
+              <a:rPr lang="it-IT" sz="3600" noProof="0" dirty="0">
                 <a:solidFill>
                   <a:schemeClr val="tx2">
                     <a:lumMod val="90000"/>
@@ -5137,17 +7224,6 @@
           </a:bodyPr>
           <a:lstStyle/>
           <a:p>
-            <a:r>
-              <a:rPr lang="it-IT" noProof="0" dirty="0">
-                <a:solidFill>
-                  <a:schemeClr val="tx1">
-                    <a:lumMod val="85000"/>
-                    <a:lumOff val="15000"/>
-                  </a:schemeClr>
-                </a:solidFill>
-              </a:rPr>
-              <a:t/>
-            </a:r>
             <a:br>
               <a:rPr lang="it-IT" noProof="0" dirty="0">
                 <a:solidFill>
@@ -5202,18 +7278,13 @@
               <a:buChar char="•"/>
             </a:pPr>
             <a:r>
-              <a:rPr lang="it-IT" dirty="0">
+              <a:rPr lang="it-IT" noProof="0" dirty="0">
                 <a:solidFill>
                   <a:srgbClr val="FF0000"/>
                 </a:solidFill>
               </a:rPr>
               <a:t>ALE (PROVA A FA QUALCOS ALTRO MA NON LO SA SE RIESCE)</a:t>
             </a:r>
-            <a:endParaRPr lang="it-IT" noProof="0" dirty="0">
-              <a:solidFill>
-                <a:srgbClr val="FF0000"/>
-              </a:solidFill>
-            </a:endParaRPr>
           </a:p>
         </p:txBody>
       </p:sp>
@@ -5254,7 +7325,7 @@
 </p:sld>
 </file>
 
-<file path=ppt/slides/slide12.xml><?xml version="1.0" encoding="utf-8"?>
+<file path=ppt/slides/slide16.xml><?xml version="1.0" encoding="utf-8"?>
 <p:sld xmlns:a="http://schemas.openxmlformats.org/drawingml/2006/main" xmlns:r="http://schemas.openxmlformats.org/officeDocument/2006/relationships" xmlns:p="http://schemas.openxmlformats.org/presentationml/2006/main">
   <p:cSld>
     <p:spTree>
@@ -5317,7 +7388,7 @@
               <a:t>GOAL: </a:t>
             </a:r>
             <a:r>
-              <a:rPr lang="it-IT" sz="3600" dirty="0" err="1">
+              <a:rPr lang="it-IT" sz="3600" noProof="0" dirty="0" err="1">
                 <a:solidFill>
                   <a:schemeClr val="tx2">
                     <a:lumMod val="90000"/>
@@ -5336,27 +7407,8 @@
                   </a:schemeClr>
                 </a:solidFill>
               </a:rPr>
-              <a:t> </a:t>
-            </a:r>
-            <a:r>
-              <a:rPr lang="it-IT" sz="3600" noProof="0" dirty="0" err="1">
-                <a:solidFill>
-                  <a:schemeClr val="tx2">
-                    <a:lumMod val="90000"/>
-                    <a:lumOff val="10000"/>
-                  </a:schemeClr>
-                </a:solidFill>
-              </a:rPr>
-              <a:t>tasks</a:t>
-            </a:r>
-            <a:endParaRPr lang="it-IT" sz="3600" noProof="0" dirty="0">
-              <a:solidFill>
-                <a:schemeClr val="tx2">
-                  <a:lumMod val="90000"/>
-                  <a:lumOff val="10000"/>
-                </a:schemeClr>
-              </a:solidFill>
-            </a:endParaRPr>
+              <a:t> tasks</a:t>
+            </a:r>
           </a:p>
         </p:txBody>
       </p:sp>
@@ -5612,7 +7664,7 @@
           <a:lstStyle/>
           <a:p>
             <a:r>
-              <a:rPr lang="it-IT" sz="1400" dirty="0">
+              <a:rPr lang="it-IT" sz="1400" noProof="0" dirty="0">
                 <a:solidFill>
                   <a:schemeClr val="bg1"/>
                 </a:solidFill>
@@ -5703,7 +7755,7 @@
               <a:buChar char="•"/>
             </a:pPr>
             <a:r>
-              <a:rPr lang="it-IT" dirty="0" err="1">
+              <a:rPr lang="it-IT" noProof="0" dirty="0" err="1">
                 <a:solidFill>
                   <a:schemeClr val="tx1">
                     <a:lumMod val="85000"/>
@@ -5714,7 +7766,7 @@
               <a:t>Issue</a:t>
             </a:r>
             <a:r>
-              <a:rPr lang="it-IT" dirty="0">
+              <a:rPr lang="it-IT" noProof="0" dirty="0">
                 <a:solidFill>
                   <a:schemeClr val="tx1">
                     <a:lumMod val="85000"/>
@@ -5725,7 +7777,7 @@
               <a:t> #611: Per inserire uno stato dei turni si è lavorato con il componente </a:t>
             </a:r>
             <a:r>
-              <a:rPr lang="it-IT" dirty="0">
+              <a:rPr lang="it-IT" noProof="0" dirty="0" err="1">
                 <a:solidFill>
                   <a:schemeClr val="tx1">
                     <a:lumMod val="85000"/>
@@ -5735,7 +7787,7 @@
                 <a:hlinkClick r:id="rId3">
                   <a:extLst>
                     <a:ext uri="{A12FA001-AC4F-418D-AE19-62706E023703}">
-                      <ahyp:hlinkClr xmlns="" xmlns:ahyp="http://schemas.microsoft.com/office/drawing/2018/hyperlinkcolor" val="tx"/>
+                      <ahyp:hlinkClr xmlns:ahyp="http://schemas.microsoft.com/office/drawing/2018/hyperlinkcolor" val="tx"/>
                     </a:ext>
                   </a:extLst>
                 </a:hlinkClick>
@@ -5743,7 +7795,7 @@
               <a:t>Scheduler</a:t>
             </a:r>
             <a:r>
-              <a:rPr lang="it-IT" dirty="0">
+              <a:rPr lang="it-IT" noProof="0" dirty="0">
                 <a:solidFill>
                   <a:schemeClr val="tx1">
                     <a:lumMod val="85000"/>
@@ -5754,7 +7806,7 @@
               <a:t> della libreria </a:t>
             </a:r>
             <a:r>
-              <a:rPr lang="it-IT" dirty="0" err="1">
+              <a:rPr lang="it-IT" noProof="0" dirty="0" err="1">
                 <a:solidFill>
                   <a:schemeClr val="tx1">
                     <a:lumMod val="85000"/>
@@ -5764,19 +7816,8 @@
               </a:rPr>
               <a:t>DevExtreme</a:t>
             </a:r>
-            <a:r>
-              <a:rPr lang="it-IT" dirty="0">
-                <a:solidFill>
-                  <a:schemeClr val="tx1">
-                    <a:lumMod val="85000"/>
-                    <a:lumOff val="15000"/>
-                  </a:schemeClr>
-                </a:solidFill>
-              </a:rPr>
-              <a:t/>
-            </a:r>
             <a:br>
-              <a:rPr lang="it-IT" dirty="0">
+              <a:rPr lang="it-IT" noProof="0" dirty="0">
                 <a:solidFill>
                   <a:schemeClr val="tx1">
                     <a:lumMod val="85000"/>
@@ -5785,19 +7826,8 @@
                 </a:solidFill>
               </a:rPr>
             </a:br>
-            <a:r>
-              <a:rPr lang="it-IT" dirty="0">
-                <a:solidFill>
-                  <a:schemeClr val="tx1">
-                    <a:lumMod val="85000"/>
-                    <a:lumOff val="15000"/>
-                  </a:schemeClr>
-                </a:solidFill>
-              </a:rPr>
-              <a:t/>
-            </a:r>
             <a:br>
-              <a:rPr lang="it-IT" dirty="0">
+              <a:rPr lang="it-IT" noProof="0" dirty="0">
                 <a:solidFill>
                   <a:schemeClr val="tx1">
                     <a:lumMod val="85000"/>
@@ -5806,19 +7836,8 @@
                 </a:solidFill>
               </a:rPr>
             </a:br>
-            <a:r>
-              <a:rPr lang="it-IT" dirty="0">
-                <a:solidFill>
-                  <a:schemeClr val="tx1">
-                    <a:lumMod val="85000"/>
-                    <a:lumOff val="15000"/>
-                  </a:schemeClr>
-                </a:solidFill>
-              </a:rPr>
-              <a:t/>
-            </a:r>
             <a:br>
-              <a:rPr lang="it-IT" dirty="0">
+              <a:rPr lang="it-IT" noProof="0" dirty="0">
                 <a:solidFill>
                   <a:schemeClr val="tx1">
                     <a:lumMod val="85000"/>
@@ -5827,19 +7846,8 @@
                 </a:solidFill>
               </a:rPr>
             </a:br>
-            <a:r>
-              <a:rPr lang="it-IT" dirty="0">
-                <a:solidFill>
-                  <a:schemeClr val="tx1">
-                    <a:lumMod val="85000"/>
-                    <a:lumOff val="15000"/>
-                  </a:schemeClr>
-                </a:solidFill>
-              </a:rPr>
-              <a:t/>
-            </a:r>
             <a:br>
-              <a:rPr lang="it-IT" dirty="0">
+              <a:rPr lang="it-IT" noProof="0" dirty="0">
                 <a:solidFill>
                   <a:schemeClr val="tx1">
                     <a:lumMod val="85000"/>
@@ -5848,19 +7856,8 @@
                 </a:solidFill>
               </a:rPr>
             </a:br>
-            <a:r>
-              <a:rPr lang="it-IT" dirty="0">
-                <a:solidFill>
-                  <a:schemeClr val="tx1">
-                    <a:lumMod val="85000"/>
-                    <a:lumOff val="15000"/>
-                  </a:schemeClr>
-                </a:solidFill>
-              </a:rPr>
-              <a:t/>
-            </a:r>
             <a:br>
-              <a:rPr lang="it-IT" dirty="0">
+              <a:rPr lang="it-IT" noProof="0" dirty="0">
                 <a:solidFill>
                   <a:schemeClr val="tx1">
                     <a:lumMod val="85000"/>
@@ -5869,19 +7866,8 @@
                 </a:solidFill>
               </a:rPr>
             </a:br>
-            <a:r>
-              <a:rPr lang="it-IT" dirty="0">
-                <a:solidFill>
-                  <a:schemeClr val="tx1">
-                    <a:lumMod val="85000"/>
-                    <a:lumOff val="15000"/>
-                  </a:schemeClr>
-                </a:solidFill>
-              </a:rPr>
-              <a:t/>
-            </a:r>
             <a:br>
-              <a:rPr lang="it-IT" dirty="0">
+              <a:rPr lang="it-IT" noProof="0" dirty="0">
                 <a:solidFill>
                   <a:schemeClr val="tx1">
                     <a:lumMod val="85000"/>
@@ -5890,19 +7876,8 @@
                 </a:solidFill>
               </a:rPr>
             </a:br>
-            <a:r>
-              <a:rPr lang="it-IT" dirty="0">
-                <a:solidFill>
-                  <a:schemeClr val="tx1">
-                    <a:lumMod val="85000"/>
-                    <a:lumOff val="15000"/>
-                  </a:schemeClr>
-                </a:solidFill>
-              </a:rPr>
-              <a:t/>
-            </a:r>
             <a:br>
-              <a:rPr lang="it-IT" dirty="0">
+              <a:rPr lang="it-IT" noProof="0" dirty="0">
                 <a:solidFill>
                   <a:schemeClr val="tx1">
                     <a:lumMod val="85000"/>
@@ -5911,19 +7886,8 @@
                 </a:solidFill>
               </a:rPr>
             </a:br>
-            <a:r>
-              <a:rPr lang="it-IT" dirty="0">
-                <a:solidFill>
-                  <a:schemeClr val="tx1">
-                    <a:lumMod val="85000"/>
-                    <a:lumOff val="15000"/>
-                  </a:schemeClr>
-                </a:solidFill>
-              </a:rPr>
-              <a:t/>
-            </a:r>
             <a:br>
-              <a:rPr lang="it-IT" dirty="0">
+              <a:rPr lang="it-IT" noProof="0" dirty="0">
                 <a:solidFill>
                   <a:schemeClr val="tx1">
                     <a:lumMod val="85000"/>
@@ -5932,19 +7896,8 @@
                 </a:solidFill>
               </a:rPr>
             </a:br>
-            <a:r>
-              <a:rPr lang="it-IT" dirty="0">
-                <a:solidFill>
-                  <a:schemeClr val="tx1">
-                    <a:lumMod val="85000"/>
-                    <a:lumOff val="15000"/>
-                  </a:schemeClr>
-                </a:solidFill>
-              </a:rPr>
-              <a:t/>
-            </a:r>
             <a:br>
-              <a:rPr lang="it-IT" dirty="0">
+              <a:rPr lang="it-IT" noProof="0" dirty="0">
                 <a:solidFill>
                   <a:schemeClr val="tx1">
                     <a:lumMod val="85000"/>
@@ -5953,19 +7906,8 @@
                 </a:solidFill>
               </a:rPr>
             </a:br>
-            <a:r>
-              <a:rPr lang="it-IT" dirty="0">
-                <a:solidFill>
-                  <a:schemeClr val="tx1">
-                    <a:lumMod val="85000"/>
-                    <a:lumOff val="15000"/>
-                  </a:schemeClr>
-                </a:solidFill>
-              </a:rPr>
-              <a:t/>
-            </a:r>
             <a:br>
-              <a:rPr lang="it-IT" dirty="0">
+              <a:rPr lang="it-IT" noProof="0" dirty="0">
                 <a:solidFill>
                   <a:schemeClr val="tx1">
                     <a:lumMod val="85000"/>
@@ -5975,7 +7917,7 @@
               </a:rPr>
             </a:br>
             <a:r>
-              <a:rPr lang="it-IT" dirty="0" err="1">
+              <a:rPr lang="it-IT" noProof="0" dirty="0" err="1">
                 <a:solidFill>
                   <a:schemeClr val="tx1">
                     <a:lumMod val="85000"/>
@@ -5986,7 +7928,7 @@
               <a:t>P.s</a:t>
             </a:r>
             <a:r>
-              <a:rPr lang="it-IT" dirty="0">
+              <a:rPr lang="it-IT" noProof="0" dirty="0">
                 <a:solidFill>
                   <a:schemeClr val="tx1">
                     <a:lumMod val="85000"/>
@@ -6117,17 +8059,10 @@
   <p:clrMapOvr>
     <a:masterClrMapping/>
   </p:clrMapOvr>
-  <p:timing>
-    <p:tnLst>
-      <p:par>
-        <p:cTn id="1" dur="indefinite" restart="never" nodeType="tmRoot"/>
-      </p:par>
-    </p:tnLst>
-  </p:timing>
 </p:sld>
 </file>
 
-<file path=ppt/slides/slide13.xml><?xml version="1.0" encoding="utf-8"?>
+<file path=ppt/slides/slide17.xml><?xml version="1.0" encoding="utf-8"?>
 <p:sld xmlns:a="http://schemas.openxmlformats.org/drawingml/2006/main" xmlns:r="http://schemas.openxmlformats.org/officeDocument/2006/relationships" xmlns:p="http://schemas.openxmlformats.org/presentationml/2006/main">
   <p:cSld>
     <p:spTree>
@@ -6190,7 +8125,7 @@
               <a:t>GOAL: </a:t>
             </a:r>
             <a:r>
-              <a:rPr lang="it-IT" sz="3600" dirty="0" err="1">
+              <a:rPr lang="it-IT" sz="3600" noProof="0" dirty="0" err="1">
                 <a:solidFill>
                   <a:schemeClr val="tx2">
                     <a:lumMod val="90000"/>
@@ -6209,27 +8144,8 @@
                   </a:schemeClr>
                 </a:solidFill>
               </a:rPr>
-              <a:t> </a:t>
-            </a:r>
-            <a:r>
-              <a:rPr lang="it-IT" sz="3600" noProof="0" dirty="0" err="1">
-                <a:solidFill>
-                  <a:schemeClr val="tx2">
-                    <a:lumMod val="90000"/>
-                    <a:lumOff val="10000"/>
-                  </a:schemeClr>
-                </a:solidFill>
-              </a:rPr>
-              <a:t>tasks</a:t>
-            </a:r>
-            <a:endParaRPr lang="it-IT" sz="3600" noProof="0" dirty="0">
-              <a:solidFill>
-                <a:schemeClr val="tx2">
-                  <a:lumMod val="90000"/>
-                  <a:lumOff val="10000"/>
-                </a:schemeClr>
-              </a:solidFill>
-            </a:endParaRPr>
+              <a:t> tasks</a:t>
+            </a:r>
           </a:p>
         </p:txBody>
       </p:sp>
@@ -6485,7 +8401,7 @@
           <a:lstStyle/>
           <a:p>
             <a:r>
-              <a:rPr lang="it-IT" sz="1400" dirty="0">
+              <a:rPr lang="it-IT" sz="1400" noProof="0" dirty="0">
                 <a:solidFill>
                   <a:schemeClr val="bg1"/>
                 </a:solidFill>
@@ -6576,7 +8492,7 @@
               <a:buChar char="•"/>
             </a:pPr>
             <a:r>
-              <a:rPr lang="it-IT" dirty="0" err="1">
+              <a:rPr lang="it-IT" noProof="0" dirty="0" err="1">
                 <a:solidFill>
                   <a:schemeClr val="tx1">
                     <a:lumMod val="85000"/>
@@ -6587,7 +8503,7 @@
               <a:t>Issue</a:t>
             </a:r>
             <a:r>
-              <a:rPr lang="it-IT" dirty="0">
+              <a:rPr lang="it-IT" noProof="0" dirty="0">
                 <a:solidFill>
                   <a:schemeClr val="tx1">
                     <a:lumMod val="85000"/>
@@ -6598,7 +8514,7 @@
               <a:t> #607: </a:t>
             </a:r>
             <a:r>
-              <a:rPr lang="it-IT" dirty="0">
+              <a:rPr lang="it-IT" noProof="0" dirty="0">
                 <a:solidFill>
                   <a:srgbClr val="FF0000"/>
                 </a:solidFill>
@@ -6611,7 +8527,7 @@
               <a:buFont typeface="Arial" panose="020B0604020202020204" pitchFamily="34" charset="0"/>
               <a:buChar char="•"/>
             </a:pPr>
-            <a:endParaRPr lang="it-IT" dirty="0">
+            <a:endParaRPr lang="it-IT" noProof="0" dirty="0">
               <a:solidFill>
                 <a:srgbClr val="FF0000"/>
               </a:solidFill>
@@ -6623,7 +8539,7 @@
               <a:buChar char="•"/>
             </a:pPr>
             <a:r>
-              <a:rPr lang="it-IT" dirty="0" err="1">
+              <a:rPr lang="it-IT" noProof="0" dirty="0" err="1">
                 <a:solidFill>
                   <a:schemeClr val="tx1">
                     <a:lumMod val="85000"/>
@@ -6634,7 +8550,7 @@
               <a:t>Issue</a:t>
             </a:r>
             <a:r>
-              <a:rPr lang="it-IT" dirty="0">
+              <a:rPr lang="it-IT" noProof="0" dirty="0">
                 <a:solidFill>
                   <a:schemeClr val="tx1">
                     <a:lumMod val="85000"/>
@@ -6645,7 +8561,7 @@
               <a:t> #609: </a:t>
             </a:r>
             <a:r>
-              <a:rPr lang="it-IT" dirty="0">
+              <a:rPr lang="it-IT" noProof="0" dirty="0">
                 <a:solidFill>
                   <a:srgbClr val="FF0000"/>
                 </a:solidFill>
@@ -6668,7 +8584,7 @@
 </p:sld>
 </file>
 
-<file path=ppt/slides/slide14.xml><?xml version="1.0" encoding="utf-8"?>
+<file path=ppt/slides/slide18.xml><?xml version="1.0" encoding="utf-8"?>
 <p:sld xmlns:a="http://schemas.openxmlformats.org/drawingml/2006/main" xmlns:r="http://schemas.openxmlformats.org/officeDocument/2006/relationships" xmlns:p="http://schemas.openxmlformats.org/presentationml/2006/main">
   <p:cSld>
     <p:spTree>
@@ -6720,7 +8636,7 @@
           <a:lstStyle/>
           <a:p>
             <a:r>
-              <a:rPr lang="it-IT" sz="4000" dirty="0">
+              <a:rPr lang="it-IT" sz="4000" noProof="0" dirty="0">
                 <a:solidFill>
                   <a:schemeClr val="tx2">
                     <a:lumMod val="90000"/>
@@ -6730,14 +8646,6 @@
               </a:rPr>
               <a:t>RECAP</a:t>
             </a:r>
-            <a:endParaRPr lang="it-IT" sz="4000" noProof="0" dirty="0">
-              <a:solidFill>
-                <a:schemeClr val="tx2">
-                  <a:lumMod val="90000"/>
-                  <a:lumOff val="10000"/>
-                </a:schemeClr>
-              </a:solidFill>
-            </a:endParaRPr>
           </a:p>
         </p:txBody>
       </p:sp>
@@ -6993,7 +8901,7 @@
           <a:lstStyle/>
           <a:p>
             <a:r>
-              <a:rPr lang="it-IT" sz="1400" dirty="0">
+              <a:rPr lang="it-IT" sz="1400" noProof="0" dirty="0">
                 <a:solidFill>
                   <a:schemeClr val="bg1"/>
                 </a:solidFill>
@@ -7063,7 +8971,13 @@
           <p:cNvGraphicFramePr>
             <a:graphicFrameLocks noGrp="1"/>
           </p:cNvGraphicFramePr>
-          <p:nvPr/>
+          <p:nvPr>
+            <p:extLst>
+              <p:ext uri="{D42A27DB-BD31-4B8C-83A1-F6EECF244321}">
+                <p14:modId xmlns:p14="http://schemas.microsoft.com/office/powerpoint/2010/main" val="1484901056"/>
+              </p:ext>
+            </p:extLst>
+          </p:nvPr>
         </p:nvGraphicFramePr>
         <p:xfrm>
           <a:off x="639724" y="1935778"/>
@@ -7104,7 +9018,7 @@
                     <a:p>
                       <a:pPr algn="ctr" rtl="0" fontAlgn="b"/>
                       <a:r>
-                        <a:rPr lang="it-IT" sz="1100" b="0">
+                        <a:rPr lang="it-IT" sz="1100" b="0" noProof="0" dirty="0">
                           <a:effectLst/>
                           <a:latin typeface="Arial" panose="020B0604020202020204" pitchFamily="34" charset="0"/>
                         </a:rPr>
@@ -7161,7 +9075,7 @@
                     <a:p>
                       <a:pPr algn="ctr" rtl="0" fontAlgn="b"/>
                       <a:r>
-                        <a:rPr lang="it-IT" sz="1100" b="0">
+                        <a:rPr lang="it-IT" sz="1100" b="0" noProof="0" dirty="0">
                           <a:effectLst/>
                           <a:latin typeface="Arial" panose="020B0604020202020204" pitchFamily="34" charset="0"/>
                         </a:rPr>
@@ -7217,7 +9131,7 @@
                     <a:lstStyle/>
                     <a:p>
                       <a:pPr rtl="0" fontAlgn="b"/>
-                      <a:endParaRPr lang="it-IT" sz="1800" dirty="0">
+                      <a:endParaRPr lang="it-IT" sz="1800" noProof="0" dirty="0">
                         <a:effectLst/>
                       </a:endParaRPr>
                     </a:p>
@@ -7347,7 +9261,7 @@
                     <a:p>
                       <a:pPr algn="ctr" rtl="0" fontAlgn="ctr"/>
                       <a:r>
-                        <a:rPr lang="it-IT" sz="1100" b="0" dirty="0">
+                        <a:rPr lang="it-IT" sz="1100" b="0" noProof="0" dirty="0">
                           <a:effectLst/>
                           <a:latin typeface="Arial" panose="020B0604020202020204" pitchFamily="34" charset="0"/>
                         </a:rPr>
@@ -7404,7 +9318,7 @@
                     <a:p>
                       <a:pPr rtl="0" fontAlgn="ctr"/>
                       <a:r>
-                        <a:rPr lang="it-IT" sz="1100" b="0" i="1" strike="noStrike" dirty="0">
+                        <a:rPr lang="it-IT" sz="1100" b="0" i="1" strike="noStrike" noProof="0" dirty="0">
                           <a:effectLst/>
                           <a:latin typeface="Arial" panose="020B0604020202020204" pitchFamily="34" charset="0"/>
                         </a:rPr>
@@ -7537,7 +9451,7 @@
                     <a:p>
                       <a:pPr algn="ctr" rtl="0" fontAlgn="ctr"/>
                       <a:r>
-                        <a:rPr lang="it-IT" sz="1100" b="0" dirty="0">
+                        <a:rPr lang="it-IT" sz="1100" b="0" noProof="0" dirty="0">
                           <a:effectLst/>
                           <a:latin typeface="Arial" panose="020B0604020202020204" pitchFamily="34" charset="0"/>
                         </a:rPr>
@@ -7594,7 +9508,7 @@
                     <a:p>
                       <a:pPr rtl="0" fontAlgn="b"/>
                       <a:r>
-                        <a:rPr lang="it-IT" sz="1100" b="0" i="1" strike="noStrike" dirty="0">
+                        <a:rPr lang="it-IT" sz="1100" b="0" i="1" strike="noStrike" noProof="0" dirty="0">
                           <a:effectLst/>
                           <a:latin typeface="Arial" panose="020B0604020202020204" pitchFamily="34" charset="0"/>
                         </a:rPr>
@@ -7662,7 +9576,7 @@
                         </a:rPr>
                         <a:t>✅</a:t>
                       </a:r>
-                      <a:endParaRPr lang="it-IT" sz="1100" b="0" dirty="0">
+                      <a:endParaRPr lang="it-IT" sz="1100" b="0" noProof="0" dirty="0">
                         <a:solidFill>
                           <a:srgbClr val="6AA84F"/>
                         </a:solidFill>
@@ -7718,7 +9632,7 @@
                     <a:p>
                       <a:pPr algn="ctr" rtl="0" fontAlgn="ctr"/>
                       <a:r>
-                        <a:rPr lang="it-IT" sz="1100" b="0" dirty="0">
+                        <a:rPr lang="it-IT" sz="1100" b="0" noProof="0" dirty="0">
                           <a:effectLst/>
                           <a:latin typeface="Arial" panose="020B0604020202020204" pitchFamily="34" charset="0"/>
                         </a:rPr>
@@ -7775,7 +9689,7 @@
                     <a:p>
                       <a:pPr rtl="0" fontAlgn="b"/>
                       <a:r>
-                        <a:rPr lang="it-IT" sz="1100" b="0" i="1" strike="noStrike" dirty="0">
+                        <a:rPr lang="it-IT" sz="1100" b="0" i="1" strike="noStrike" noProof="0" dirty="0">
                           <a:effectLst/>
                           <a:latin typeface="Arial" panose="020B0604020202020204" pitchFamily="34" charset="0"/>
                         </a:rPr>
@@ -7859,7 +9773,7 @@
                         </a:rPr>
                         <a:t>✅</a:t>
                       </a:r>
-                      <a:endParaRPr lang="it-IT" sz="1100" b="0" dirty="0">
+                      <a:endParaRPr lang="it-IT" sz="1100" b="0" noProof="0" dirty="0">
                         <a:solidFill>
                           <a:srgbClr val="6AA84F"/>
                         </a:solidFill>
@@ -7914,7 +9828,7 @@
                     <a:lstStyle/>
                     <a:p>
                       <a:pPr algn="ctr" rtl="0" fontAlgn="ctr"/>
-                      <a:endParaRPr lang="it-IT" sz="1100" b="0" dirty="0">
+                      <a:endParaRPr lang="it-IT" sz="1100" b="0" noProof="0" dirty="0">
                         <a:effectLst/>
                         <a:latin typeface="Arial" panose="020B0604020202020204" pitchFamily="34" charset="0"/>
                       </a:endParaRPr>
@@ -7969,7 +9883,7 @@
                     <a:p>
                       <a:pPr rtl="0" fontAlgn="b"/>
                       <a:r>
-                        <a:rPr lang="it-IT" sz="1100" b="0" i="1" strike="noStrike" dirty="0">
+                        <a:rPr lang="it-IT" sz="1100" b="0" i="1" strike="noStrike" noProof="0" dirty="0">
                           <a:effectLst/>
                           <a:latin typeface="Arial" panose="020B0604020202020204" pitchFamily="34" charset="0"/>
                         </a:rPr>
@@ -8101,7 +10015,7 @@
                     <a:lstStyle/>
                     <a:p>
                       <a:pPr algn="ctr" rtl="0" fontAlgn="ctr"/>
-                      <a:endParaRPr lang="it-IT" sz="1100" b="0" dirty="0">
+                      <a:endParaRPr lang="it-IT" sz="1100" b="0" noProof="0" dirty="0">
                         <a:effectLst/>
                         <a:latin typeface="Arial" panose="020B0604020202020204" pitchFamily="34" charset="0"/>
                       </a:endParaRPr>
@@ -8156,7 +10070,7 @@
                     <a:p>
                       <a:pPr rtl="0" fontAlgn="b"/>
                       <a:r>
-                        <a:rPr lang="it-IT" sz="1100" b="0" i="1" strike="noStrike" dirty="0">
+                        <a:rPr lang="it-IT" sz="1100" b="0" i="1" strike="noStrike" noProof="0" dirty="0">
                           <a:effectLst/>
                           <a:latin typeface="Arial" panose="020B0604020202020204" pitchFamily="34" charset="0"/>
                         </a:rPr>
@@ -8224,7 +10138,7 @@
                         </a:rPr>
                         <a:t>✅</a:t>
                       </a:r>
-                      <a:endParaRPr lang="it-IT" sz="1100" b="0" dirty="0">
+                      <a:endParaRPr lang="it-IT" sz="1100" b="0" noProof="0" dirty="0">
                         <a:solidFill>
                           <a:srgbClr val="6AA84F"/>
                         </a:solidFill>
@@ -8279,7 +10193,7 @@
                     <a:lstStyle/>
                     <a:p>
                       <a:pPr algn="ctr" rtl="0" fontAlgn="ctr"/>
-                      <a:endParaRPr lang="it-IT" sz="1100" b="0" dirty="0">
+                      <a:endParaRPr lang="it-IT" sz="1100" b="0" noProof="0" dirty="0">
                         <a:effectLst/>
                         <a:latin typeface="Arial" panose="020B0604020202020204" pitchFamily="34" charset="0"/>
                       </a:endParaRPr>
@@ -8334,7 +10248,7 @@
                     <a:p>
                       <a:pPr rtl="0" fontAlgn="b"/>
                       <a:r>
-                        <a:rPr lang="it-IT" sz="1100" b="0" i="1" strike="noStrike" dirty="0">
+                        <a:rPr lang="it-IT" sz="1100" b="0" i="1" strike="noStrike" noProof="0" dirty="0">
                           <a:effectLst/>
                           <a:latin typeface="Arial" panose="020B0604020202020204" pitchFamily="34" charset="0"/>
                         </a:rPr>
@@ -8402,7 +10316,7 @@
                         </a:rPr>
                         <a:t>✅</a:t>
                       </a:r>
-                      <a:endParaRPr lang="it-IT" sz="1100" b="0" dirty="0">
+                      <a:endParaRPr lang="it-IT" sz="1100" b="0" noProof="0" dirty="0">
                         <a:solidFill>
                           <a:srgbClr val="6AA84F"/>
                         </a:solidFill>
@@ -8458,7 +10372,7 @@
                     <a:p>
                       <a:pPr algn="ctr" rtl="0" fontAlgn="ctr"/>
                       <a:r>
-                        <a:rPr lang="it-IT" sz="1100" b="0" dirty="0">
+                        <a:rPr lang="it-IT" sz="1100" b="0" noProof="0" dirty="0">
                           <a:effectLst/>
                           <a:latin typeface="Arial" panose="020B0604020202020204" pitchFamily="34" charset="0"/>
                         </a:rPr>
@@ -8515,7 +10429,7 @@
                     <a:p>
                       <a:pPr rtl="0" fontAlgn="b"/>
                       <a:r>
-                        <a:rPr lang="it-IT" sz="1100" b="0" i="1" strike="noStrike" dirty="0">
+                        <a:rPr lang="it-IT" sz="1100" b="0" i="1" strike="noStrike" noProof="0" dirty="0">
                           <a:effectLst/>
                           <a:latin typeface="Arial" panose="020B0604020202020204" pitchFamily="34" charset="0"/>
                         </a:rPr>
@@ -8585,7 +10499,13 @@
           <p:cNvGraphicFramePr>
             <a:graphicFrameLocks noGrp="1"/>
           </p:cNvGraphicFramePr>
-          <p:nvPr/>
+          <p:nvPr>
+            <p:extLst>
+              <p:ext uri="{D42A27DB-BD31-4B8C-83A1-F6EECF244321}">
+                <p14:modId xmlns:p14="http://schemas.microsoft.com/office/powerpoint/2010/main" val="1039410063"/>
+              </p:ext>
+            </p:extLst>
+          </p:nvPr>
         </p:nvGraphicFramePr>
         <p:xfrm>
           <a:off x="2696044" y="4212559"/>
@@ -8619,7 +10539,7 @@
                     <a:p>
                       <a:pPr algn="ctr" rtl="0" fontAlgn="ctr"/>
                       <a:r>
-                        <a:rPr lang="it-IT" sz="1400" b="1" dirty="0">
+                        <a:rPr lang="it-IT" sz="1400" b="1" noProof="0" dirty="0">
                           <a:effectLst/>
                         </a:rPr>
                         <a:t>INIZIO:</a:t>
@@ -8675,7 +10595,7 @@
                     <a:p>
                       <a:pPr algn="ctr" rtl="0" fontAlgn="ctr"/>
                       <a:r>
-                        <a:rPr lang="it-IT" sz="1800" b="1" dirty="0">
+                        <a:rPr lang="it-IT" sz="1800" b="1" noProof="0" dirty="0">
                           <a:solidFill>
                             <a:srgbClr val="FF9900"/>
                           </a:solidFill>
@@ -8741,7 +10661,7 @@
                     <a:p>
                       <a:pPr algn="ctr" rtl="0" fontAlgn="ctr"/>
                       <a:r>
-                        <a:rPr lang="it-IT" sz="1400" b="1" dirty="0">
+                        <a:rPr lang="it-IT" sz="1400" b="1" noProof="0" dirty="0">
                           <a:effectLst/>
                         </a:rPr>
                         <a:t>FINE:</a:t>
@@ -8797,7 +10717,7 @@
                     <a:p>
                       <a:pPr algn="ctr" rtl="0" fontAlgn="ctr"/>
                       <a:r>
-                        <a:rPr lang="it-IT" sz="1800" b="1" dirty="0">
+                        <a:rPr lang="it-IT" sz="1800" b="1" noProof="0" dirty="0">
                           <a:solidFill>
                             <a:srgbClr val="FF9900"/>
                           </a:solidFill>
@@ -8889,18 +10809,13 @@
           <a:p>
             <a:pPr algn="ctr"/>
             <a:r>
-              <a:rPr lang="it-IT" sz="6600" dirty="0">
+              <a:rPr lang="it-IT" sz="6600" noProof="0" dirty="0">
                 <a:solidFill>
                   <a:srgbClr val="FF0000"/>
                 </a:solidFill>
               </a:rPr>
               <a:t>CAMBIAREEEEEEEE</a:t>
             </a:r>
-            <a:endParaRPr lang="it-IT" sz="6600" noProof="0" dirty="0">
-              <a:solidFill>
-                <a:srgbClr val="FF0000"/>
-              </a:solidFill>
-            </a:endParaRPr>
           </a:p>
         </p:txBody>
       </p:sp>
@@ -8917,7 +10832,7 @@
 </p:sld>
 </file>
 
-<file path=ppt/slides/slide15.xml><?xml version="1.0" encoding="utf-8"?>
+<file path=ppt/slides/slide19.xml><?xml version="1.0" encoding="utf-8"?>
 <p:sld xmlns:a="http://schemas.openxmlformats.org/drawingml/2006/main" xmlns:r="http://schemas.openxmlformats.org/officeDocument/2006/relationships" xmlns:p="http://schemas.openxmlformats.org/presentationml/2006/main">
   <p:cSld>
     <p:spTree>
@@ -8969,7 +10884,7 @@
           <a:lstStyle/>
           <a:p>
             <a:r>
-              <a:rPr lang="it-IT" sz="4000" dirty="0">
+              <a:rPr lang="it-IT" sz="4000" noProof="0" dirty="0">
                 <a:solidFill>
                   <a:schemeClr val="tx2">
                     <a:lumMod val="90000"/>
@@ -8979,14 +10894,6 @@
               </a:rPr>
               <a:t>RECAP</a:t>
             </a:r>
-            <a:endParaRPr lang="it-IT" sz="4000" noProof="0" dirty="0">
-              <a:solidFill>
-                <a:schemeClr val="tx2">
-                  <a:lumMod val="90000"/>
-                  <a:lumOff val="10000"/>
-                </a:schemeClr>
-              </a:solidFill>
-            </a:endParaRPr>
           </a:p>
         </p:txBody>
       </p:sp>
@@ -9242,7 +11149,7 @@
           <a:lstStyle/>
           <a:p>
             <a:r>
-              <a:rPr lang="it-IT" sz="1400" dirty="0">
+              <a:rPr lang="it-IT" sz="1400" noProof="0" dirty="0">
                 <a:solidFill>
                   <a:schemeClr val="bg1"/>
                 </a:solidFill>
@@ -9315,7 +11222,7 @@
           <p:nvPr>
             <p:extLst>
               <p:ext uri="{D42A27DB-BD31-4B8C-83A1-F6EECF244321}">
-                <p14:modId xmlns:p14="http://schemas.microsoft.com/office/powerpoint/2010/main" val="2640199848"/>
+                <p14:modId xmlns:p14="http://schemas.microsoft.com/office/powerpoint/2010/main" val="2050064759"/>
               </p:ext>
             </p:extLst>
           </p:nvPr>
@@ -9421,7 +11328,7 @@
                     <a:lstStyle/>
                     <a:p>
                       <a:pPr algn="ctr" rtl="0" fontAlgn="ctr"/>
-                      <a:endParaRPr lang="en-GB" sz="800" b="0" i="0" u="none" strike="noStrike">
+                      <a:endParaRPr lang="it-IT" sz="800" b="0" i="0" u="none" strike="noStrike" noProof="0" dirty="0">
                         <a:solidFill>
                           <a:srgbClr val="000000"/>
                         </a:solidFill>
@@ -9479,15 +11386,32 @@
                     <a:p>
                       <a:pPr algn="ctr" rtl="0" fontAlgn="ctr"/>
                       <a:r>
-                        <a:rPr lang="en-GB" sz="800" b="0" i="0" u="none" strike="noStrike">
+                        <a:rPr lang="it-IT" sz="800" b="0" i="0" u="none" strike="noStrike" noProof="0" dirty="0">
                           <a:solidFill>
                             <a:srgbClr val="000000"/>
                           </a:solidFill>
                           <a:effectLst/>
                           <a:latin typeface="Arial" panose="020B0604020202020204" pitchFamily="34" charset="0"/>
                         </a:rPr>
-                        <a:t>Business Modeling</a:t>
+                        <a:t>Business </a:t>
                       </a:r>
+                      <a:r>
+                        <a:rPr lang="it-IT" sz="800" b="0" i="0" u="none" strike="noStrike" noProof="0" dirty="0" err="1">
+                          <a:solidFill>
+                            <a:srgbClr val="000000"/>
+                          </a:solidFill>
+                          <a:effectLst/>
+                          <a:latin typeface="Arial" panose="020B0604020202020204" pitchFamily="34" charset="0"/>
+                        </a:rPr>
+                        <a:t>Modeling</a:t>
+                      </a:r>
+                      <a:endParaRPr lang="it-IT" sz="800" b="0" i="0" u="none" strike="noStrike" noProof="0" dirty="0">
+                        <a:solidFill>
+                          <a:srgbClr val="000000"/>
+                        </a:solidFill>
+                        <a:effectLst/>
+                        <a:latin typeface="Arial" panose="020B0604020202020204" pitchFamily="34" charset="0"/>
+                      </a:endParaRPr>
                     </a:p>
                   </a:txBody>
                   <a:tcPr marL="4886" marR="4886" marT="4886" marB="35182" anchor="ctr">
@@ -9539,7 +11463,7 @@
                     <a:p>
                       <a:pPr algn="ctr" rtl="0" fontAlgn="ctr"/>
                       <a:r>
-                        <a:rPr lang="en-GB" sz="800" b="0" i="0" u="none" strike="noStrike">
+                        <a:rPr lang="it-IT" sz="800" b="0" i="0" u="none" strike="noStrike" noProof="0" dirty="0" err="1">
                           <a:solidFill>
                             <a:srgbClr val="000000"/>
                           </a:solidFill>
@@ -9548,6 +11472,13 @@
                         </a:rPr>
                         <a:t>Requirements</a:t>
                       </a:r>
+                      <a:endParaRPr lang="it-IT" sz="800" b="0" i="0" u="none" strike="noStrike" noProof="0" dirty="0">
+                        <a:solidFill>
+                          <a:srgbClr val="000000"/>
+                        </a:solidFill>
+                        <a:effectLst/>
+                        <a:latin typeface="Arial" panose="020B0604020202020204" pitchFamily="34" charset="0"/>
+                      </a:endParaRPr>
                     </a:p>
                   </a:txBody>
                   <a:tcPr marL="4886" marR="4886" marT="4886" marB="35182" anchor="ctr">
@@ -9599,7 +11530,7 @@
                     <a:p>
                       <a:pPr algn="ctr" rtl="0" fontAlgn="ctr"/>
                       <a:r>
-                        <a:rPr lang="en-GB" sz="800" b="0" i="0" u="none" strike="noStrike" dirty="0">
+                        <a:rPr lang="it-IT" sz="800" b="0" i="0" u="none" strike="noStrike" noProof="0" dirty="0">
                           <a:solidFill>
                             <a:srgbClr val="000000"/>
                           </a:solidFill>
@@ -9612,7 +11543,7 @@
                     <a:p>
                       <a:pPr algn="ctr" rtl="0" fontAlgn="ctr"/>
                       <a:r>
-                        <a:rPr lang="en-GB" sz="800" b="0" i="0" u="none" strike="noStrike" dirty="0">
+                        <a:rPr lang="it-IT" sz="800" b="0" i="0" u="none" strike="noStrike" noProof="0" dirty="0">
                           <a:solidFill>
                             <a:srgbClr val="000000"/>
                           </a:solidFill>
@@ -9672,7 +11603,7 @@
                     <a:p>
                       <a:pPr algn="ctr" rtl="0" fontAlgn="ctr"/>
                       <a:r>
-                        <a:rPr lang="en-GB" sz="800" b="0" i="0" u="none" strike="noStrike">
+                        <a:rPr lang="it-IT" sz="800" b="0" i="0" u="none" strike="noStrike" noProof="0" dirty="0" err="1">
                           <a:solidFill>
                             <a:srgbClr val="000000"/>
                           </a:solidFill>
@@ -9681,6 +11612,13 @@
                         </a:rPr>
                         <a:t>Implementation</a:t>
                       </a:r>
+                      <a:endParaRPr lang="it-IT" sz="800" b="0" i="0" u="none" strike="noStrike" noProof="0" dirty="0">
+                        <a:solidFill>
+                          <a:srgbClr val="000000"/>
+                        </a:solidFill>
+                        <a:effectLst/>
+                        <a:latin typeface="Arial" panose="020B0604020202020204" pitchFamily="34" charset="0"/>
+                      </a:endParaRPr>
                     </a:p>
                   </a:txBody>
                   <a:tcPr marL="4886" marR="4886" marT="4886" marB="35182" anchor="ctr">
@@ -9732,7 +11670,7 @@
                     <a:p>
                       <a:pPr algn="ctr" rtl="0" fontAlgn="ctr"/>
                       <a:r>
-                        <a:rPr lang="en-GB" sz="800" b="0" i="0" u="none" strike="noStrike">
+                        <a:rPr lang="it-IT" sz="800" b="0" i="0" u="none" strike="noStrike" noProof="0" dirty="0">
                           <a:solidFill>
                             <a:srgbClr val="000000"/>
                           </a:solidFill>
@@ -9792,7 +11730,7 @@
                     <a:p>
                       <a:pPr algn="ctr" rtl="0" fontAlgn="ctr"/>
                       <a:r>
-                        <a:rPr lang="en-GB" sz="800" b="0" i="0" u="none" strike="noStrike">
+                        <a:rPr lang="it-IT" sz="800" b="0" i="0" u="none" strike="noStrike" noProof="0" dirty="0">
                           <a:solidFill>
                             <a:srgbClr val="000000"/>
                           </a:solidFill>
@@ -9852,7 +11790,7 @@
                     <a:p>
                       <a:pPr algn="ctr" rtl="0" fontAlgn="ctr"/>
                       <a:r>
-                        <a:rPr lang="en-GB" sz="800" b="0" i="0" u="none" strike="noStrike" dirty="0">
+                        <a:rPr lang="it-IT" sz="800" b="0" i="0" u="none" strike="noStrike" noProof="0" dirty="0" err="1">
                           <a:solidFill>
                             <a:srgbClr val="000000"/>
                           </a:solidFill>
@@ -9861,11 +11799,18 @@
                         </a:rPr>
                         <a:t>Configuration</a:t>
                       </a:r>
+                      <a:endParaRPr lang="it-IT" sz="800" b="0" i="0" u="none" strike="noStrike" noProof="0" dirty="0">
+                        <a:solidFill>
+                          <a:srgbClr val="000000"/>
+                        </a:solidFill>
+                        <a:effectLst/>
+                        <a:latin typeface="Arial" panose="020B0604020202020204" pitchFamily="34" charset="0"/>
+                      </a:endParaRPr>
                     </a:p>
                     <a:p>
                       <a:pPr algn="ctr" rtl="0" fontAlgn="ctr"/>
                       <a:r>
-                        <a:rPr lang="en-GB" sz="800" b="0" i="0" u="none" strike="noStrike" dirty="0">
+                        <a:rPr lang="it-IT" sz="800" b="0" i="0" u="none" strike="noStrike" noProof="0" dirty="0">
                           <a:solidFill>
                             <a:srgbClr val="000000"/>
                           </a:solidFill>
@@ -9925,7 +11870,7 @@
                     <a:p>
                       <a:pPr algn="ctr" rtl="0" fontAlgn="ctr"/>
                       <a:r>
-                        <a:rPr lang="en-GB" sz="800" b="0" i="0" u="none" strike="noStrike" dirty="0">
+                        <a:rPr lang="it-IT" sz="800" b="0" i="0" u="none" strike="noStrike" noProof="0" dirty="0">
                           <a:solidFill>
                             <a:srgbClr val="000000"/>
                           </a:solidFill>
@@ -9938,7 +11883,7 @@
                     <a:p>
                       <a:pPr algn="ctr" rtl="0" fontAlgn="ctr"/>
                       <a:r>
-                        <a:rPr lang="en-GB" sz="800" b="0" i="0" u="none" strike="noStrike" dirty="0">
+                        <a:rPr lang="it-IT" sz="800" b="0" i="0" u="none" strike="noStrike" noProof="0" dirty="0">
                           <a:solidFill>
                             <a:srgbClr val="000000"/>
                           </a:solidFill>
@@ -9998,7 +11943,7 @@
                     <a:p>
                       <a:pPr algn="ctr" rtl="0" fontAlgn="ctr"/>
                       <a:r>
-                        <a:rPr lang="en-GB" sz="800" b="0" i="0" u="none" strike="noStrike">
+                        <a:rPr lang="it-IT" sz="800" b="0" i="0" u="none" strike="noStrike" noProof="0" dirty="0">
                           <a:solidFill>
                             <a:srgbClr val="000000"/>
                           </a:solidFill>
@@ -10058,7 +12003,7 @@
                     <a:p>
                       <a:pPr algn="ctr" rtl="0" fontAlgn="ctr"/>
                       <a:r>
-                        <a:rPr lang="en-GB" sz="800" b="0" i="0" u="none" strike="noStrike" dirty="0" err="1">
+                        <a:rPr lang="it-IT" sz="800" b="0" i="0" u="none" strike="noStrike" noProof="0" dirty="0">
                           <a:solidFill>
                             <a:srgbClr val="000000"/>
                           </a:solidFill>
@@ -10067,13 +12012,6 @@
                         </a:rPr>
                         <a:t>Totale</a:t>
                       </a:r>
-                      <a:endParaRPr lang="en-GB" sz="800" b="0" i="0" u="none" strike="noStrike" dirty="0">
-                        <a:solidFill>
-                          <a:srgbClr val="000000"/>
-                        </a:solidFill>
-                        <a:effectLst/>
-                        <a:latin typeface="Arial" panose="020B0604020202020204" pitchFamily="34" charset="0"/>
-                      </a:endParaRPr>
                     </a:p>
                   </a:txBody>
                   <a:tcPr marL="4886" marR="4886" marT="4886" marB="35182" anchor="ctr">
@@ -10125,7 +12063,7 @@
                     <a:p>
                       <a:pPr algn="ctr" rtl="0" fontAlgn="ctr"/>
                       <a:r>
-                        <a:rPr lang="en-GB" sz="800" b="0" i="0" u="none" strike="noStrike" dirty="0" err="1">
+                        <a:rPr lang="it-IT" sz="800" b="0" i="0" u="none" strike="noStrike" noProof="0" dirty="0">
                           <a:solidFill>
                             <a:srgbClr val="000000"/>
                           </a:solidFill>
@@ -10134,13 +12072,6 @@
                         </a:rPr>
                         <a:t>Percentuale</a:t>
                       </a:r>
-                      <a:endParaRPr lang="en-GB" sz="800" b="0" i="0" u="none" strike="noStrike" dirty="0">
-                        <a:solidFill>
-                          <a:srgbClr val="000000"/>
-                        </a:solidFill>
-                        <a:effectLst/>
-                        <a:latin typeface="Arial" panose="020B0604020202020204" pitchFamily="34" charset="0"/>
-                      </a:endParaRPr>
                     </a:p>
                   </a:txBody>
                   <a:tcPr marL="4886" marR="4886" marT="4886" marB="35182" anchor="ctr">
@@ -10199,7 +12130,7 @@
                     <a:p>
                       <a:pPr algn="l" rtl="0" fontAlgn="ctr"/>
                       <a:r>
-                        <a:rPr lang="en-GB" sz="800" b="0" i="0" u="none" strike="noStrike">
+                        <a:rPr lang="it-IT" sz="800" b="0" i="0" u="none" strike="noStrike" noProof="0" dirty="0">
                           <a:solidFill>
                             <a:srgbClr val="000000"/>
                           </a:solidFill>
@@ -10258,7 +12189,7 @@
                     <a:lstStyle/>
                     <a:p>
                       <a:pPr algn="l" rtl="0" fontAlgn="ctr"/>
-                      <a:endParaRPr lang="en-GB" sz="800" b="0" i="0" u="none" strike="noStrike">
+                      <a:endParaRPr lang="it-IT" sz="800" b="0" i="0" u="none" strike="noStrike" noProof="0" dirty="0">
                         <a:solidFill>
                           <a:srgbClr val="000000"/>
                         </a:solidFill>
@@ -10313,7 +12244,7 @@
                     <a:lstStyle/>
                     <a:p>
                       <a:pPr algn="l" rtl="0" fontAlgn="ctr"/>
-                      <a:endParaRPr lang="en-GB" sz="800" b="0" i="0" u="none" strike="noStrike">
+                      <a:endParaRPr lang="it-IT" sz="800" b="0" i="0" u="none" strike="noStrike" noProof="0" dirty="0">
                         <a:solidFill>
                           <a:srgbClr val="000000"/>
                         </a:solidFill>
@@ -10369,7 +12300,7 @@
                     <a:p>
                       <a:pPr algn="r" rtl="0" fontAlgn="ctr"/>
                       <a:r>
-                        <a:rPr lang="en-GB" sz="800" b="0" i="0" u="none" strike="noStrike">
+                        <a:rPr lang="it-IT" sz="800" b="0" i="0" u="none" strike="noStrike" noProof="0" dirty="0">
                           <a:solidFill>
                             <a:srgbClr val="000000"/>
                           </a:solidFill>
@@ -10427,7 +12358,7 @@
                     <a:p>
                       <a:pPr algn="r" rtl="0" fontAlgn="ctr"/>
                       <a:r>
-                        <a:rPr lang="en-GB" sz="800" b="0" i="0" u="none" strike="noStrike">
+                        <a:rPr lang="it-IT" sz="800" b="0" i="0" u="none" strike="noStrike" noProof="0" dirty="0">
                           <a:solidFill>
                             <a:srgbClr val="000000"/>
                           </a:solidFill>
@@ -10484,7 +12415,7 @@
                     <a:lstStyle/>
                     <a:p>
                       <a:pPr algn="l" rtl="0" fontAlgn="ctr"/>
-                      <a:endParaRPr lang="en-GB" sz="800" b="0" i="0" u="none" strike="noStrike">
+                      <a:endParaRPr lang="it-IT" sz="800" b="0" i="0" u="none" strike="noStrike" noProof="0" dirty="0">
                         <a:solidFill>
                           <a:srgbClr val="000000"/>
                         </a:solidFill>
@@ -10539,7 +12470,7 @@
                     <a:lstStyle/>
                     <a:p>
                       <a:pPr algn="l" rtl="0" fontAlgn="ctr"/>
-                      <a:endParaRPr lang="en-GB" sz="800" b="0" i="0" u="none" strike="noStrike">
+                      <a:endParaRPr lang="it-IT" sz="800" b="0" i="0" u="none" strike="noStrike" noProof="0" dirty="0">
                         <a:solidFill>
                           <a:srgbClr val="000000"/>
                         </a:solidFill>
@@ -10595,7 +12526,7 @@
                     <a:p>
                       <a:pPr algn="r" rtl="0" fontAlgn="ctr"/>
                       <a:r>
-                        <a:rPr lang="en-GB" sz="800" b="0" i="0" u="none" strike="noStrike">
+                        <a:rPr lang="it-IT" sz="800" b="0" i="0" u="none" strike="noStrike" noProof="0" dirty="0">
                           <a:solidFill>
                             <a:srgbClr val="000000"/>
                           </a:solidFill>
@@ -10653,7 +12584,7 @@
                     <a:p>
                       <a:pPr algn="r" rtl="0" fontAlgn="ctr"/>
                       <a:r>
-                        <a:rPr lang="en-GB" sz="800" b="0" i="0" u="none" strike="noStrike">
+                        <a:rPr lang="it-IT" sz="800" b="0" i="0" u="none" strike="noStrike" noProof="0" dirty="0">
                           <a:solidFill>
                             <a:srgbClr val="000000"/>
                           </a:solidFill>
@@ -10710,7 +12641,7 @@
                     <a:lstStyle/>
                     <a:p>
                       <a:pPr algn="l" rtl="0" fontAlgn="ctr"/>
-                      <a:endParaRPr lang="en-GB" sz="800" b="0" i="0" u="none" strike="noStrike">
+                      <a:endParaRPr lang="it-IT" sz="800" b="0" i="0" u="none" strike="noStrike" noProof="0" dirty="0">
                         <a:solidFill>
                           <a:srgbClr val="000000"/>
                         </a:solidFill>
@@ -10766,7 +12697,7 @@
                     <a:p>
                       <a:pPr algn="r" rtl="0" fontAlgn="ctr"/>
                       <a:r>
-                        <a:rPr lang="en-GB" sz="800" b="0" i="0" u="none" strike="noStrike">
+                        <a:rPr lang="it-IT" sz="800" b="0" i="0" u="none" strike="noStrike" noProof="0" dirty="0">
                           <a:solidFill>
                             <a:srgbClr val="000000"/>
                           </a:solidFill>
@@ -10826,7 +12757,7 @@
                     <a:p>
                       <a:pPr algn="r" rtl="0" fontAlgn="ctr"/>
                       <a:r>
-                        <a:rPr lang="en-GB" sz="800" b="0" i="0" u="none" strike="noStrike">
+                        <a:rPr lang="it-IT" sz="800" b="0" i="0" u="none" strike="noStrike" noProof="0" dirty="0">
                           <a:solidFill>
                             <a:srgbClr val="000000"/>
                           </a:solidFill>
@@ -10891,7 +12822,7 @@
                     <a:p>
                       <a:pPr algn="l" rtl="0" fontAlgn="ctr"/>
                       <a:r>
-                        <a:rPr lang="en-GB" sz="800" b="0" i="0" u="none" strike="noStrike">
+                        <a:rPr lang="it-IT" sz="800" b="0" i="0" u="none" strike="noStrike" noProof="0" dirty="0">
                           <a:solidFill>
                             <a:srgbClr val="000000"/>
                           </a:solidFill>
@@ -10950,7 +12881,7 @@
                     <a:lstStyle/>
                     <a:p>
                       <a:pPr algn="l" rtl="0" fontAlgn="ctr"/>
-                      <a:endParaRPr lang="en-GB" sz="800" b="0" i="0" u="none" strike="noStrike">
+                      <a:endParaRPr lang="it-IT" sz="800" b="0" i="0" u="none" strike="noStrike" noProof="0" dirty="0">
                         <a:solidFill>
                           <a:srgbClr val="000000"/>
                         </a:solidFill>
@@ -11006,7 +12937,7 @@
                     <a:p>
                       <a:pPr algn="r" rtl="0" fontAlgn="ctr"/>
                       <a:r>
-                        <a:rPr lang="en-GB" sz="800" b="0" i="0" u="none" strike="noStrike">
+                        <a:rPr lang="it-IT" sz="800" b="0" i="0" u="none" strike="noStrike" noProof="0" dirty="0">
                           <a:solidFill>
                             <a:srgbClr val="000000"/>
                           </a:solidFill>
@@ -11064,7 +12995,7 @@
                     <a:p>
                       <a:pPr algn="r" rtl="0" fontAlgn="ctr"/>
                       <a:r>
-                        <a:rPr lang="en-GB" sz="800" b="0" i="0" u="none" strike="noStrike">
+                        <a:rPr lang="it-IT" sz="800" b="0" i="0" u="none" strike="noStrike" noProof="0" dirty="0">
                           <a:solidFill>
                             <a:srgbClr val="000000"/>
                           </a:solidFill>
@@ -11122,7 +13053,7 @@
                     <a:p>
                       <a:pPr algn="r" rtl="0" fontAlgn="ctr"/>
                       <a:r>
-                        <a:rPr lang="en-GB" sz="800" b="0" i="0" u="none" strike="noStrike">
+                        <a:rPr lang="it-IT" sz="800" b="0" i="0" u="none" strike="noStrike" noProof="0" dirty="0">
                           <a:solidFill>
                             <a:srgbClr val="000000"/>
                           </a:solidFill>
@@ -11179,7 +13110,7 @@
                     <a:lstStyle/>
                     <a:p>
                       <a:pPr algn="l" rtl="0" fontAlgn="ctr"/>
-                      <a:endParaRPr lang="en-GB" sz="800" b="0" i="0" u="none" strike="noStrike">
+                      <a:endParaRPr lang="it-IT" sz="800" b="0" i="0" u="none" strike="noStrike" noProof="0" dirty="0">
                         <a:solidFill>
                           <a:srgbClr val="000000"/>
                         </a:solidFill>
@@ -11234,7 +13165,7 @@
                     <a:lstStyle/>
                     <a:p>
                       <a:pPr algn="l" rtl="0" fontAlgn="ctr"/>
-                      <a:endParaRPr lang="en-GB" sz="800" b="0" i="0" u="none" strike="noStrike">
+                      <a:endParaRPr lang="it-IT" sz="800" b="0" i="0" u="none" strike="noStrike" noProof="0" dirty="0">
                         <a:solidFill>
                           <a:srgbClr val="000000"/>
                         </a:solidFill>
@@ -11289,7 +13220,7 @@
                     <a:lstStyle/>
                     <a:p>
                       <a:pPr algn="l" rtl="0" fontAlgn="ctr"/>
-                      <a:endParaRPr lang="en-GB" sz="800" b="0" i="0" u="none" strike="noStrike">
+                      <a:endParaRPr lang="it-IT" sz="800" b="0" i="0" u="none" strike="noStrike" noProof="0" dirty="0">
                         <a:solidFill>
                           <a:srgbClr val="000000"/>
                         </a:solidFill>
@@ -11344,7 +13275,7 @@
                     <a:lstStyle/>
                     <a:p>
                       <a:pPr algn="l" rtl="0" fontAlgn="ctr"/>
-                      <a:endParaRPr lang="en-GB" sz="800" b="0" i="0" u="none" strike="noStrike">
+                      <a:endParaRPr lang="it-IT" sz="800" b="0" i="0" u="none" strike="noStrike" noProof="0" dirty="0">
                         <a:solidFill>
                           <a:srgbClr val="000000"/>
                         </a:solidFill>
@@ -11399,7 +13330,7 @@
                     <a:lstStyle/>
                     <a:p>
                       <a:pPr algn="l" rtl="0" fontAlgn="ctr"/>
-                      <a:endParaRPr lang="en-GB" sz="800" b="0" i="0" u="none" strike="noStrike">
+                      <a:endParaRPr lang="it-IT" sz="800" b="0" i="0" u="none" strike="noStrike" noProof="0" dirty="0">
                         <a:solidFill>
                           <a:srgbClr val="000000"/>
                         </a:solidFill>
@@ -11455,7 +13386,7 @@
                     <a:p>
                       <a:pPr algn="r" rtl="0" fontAlgn="ctr"/>
                       <a:r>
-                        <a:rPr lang="en-GB" sz="800" b="0" i="0" u="none" strike="noStrike">
+                        <a:rPr lang="it-IT" sz="800" b="0" i="0" u="none" strike="noStrike" noProof="0" dirty="0">
                           <a:solidFill>
                             <a:srgbClr val="000000"/>
                           </a:solidFill>
@@ -11515,7 +13446,7 @@
                     <a:p>
                       <a:pPr algn="r" rtl="0" fontAlgn="ctr"/>
                       <a:r>
-                        <a:rPr lang="en-GB" sz="800" b="0" i="0" u="none" strike="noStrike">
+                        <a:rPr lang="it-IT" sz="800" b="0" i="0" u="none" strike="noStrike" noProof="0" dirty="0">
                           <a:solidFill>
                             <a:srgbClr val="000000"/>
                           </a:solidFill>
@@ -11580,7 +13511,7 @@
                     <a:p>
                       <a:pPr algn="l" rtl="0" fontAlgn="ctr"/>
                       <a:r>
-                        <a:rPr lang="en-GB" sz="800" b="0" i="0" u="none" strike="noStrike">
+                        <a:rPr lang="it-IT" sz="800" b="0" i="0" u="none" strike="noStrike" noProof="0" dirty="0">
                           <a:solidFill>
                             <a:srgbClr val="000000"/>
                           </a:solidFill>
@@ -11639,7 +13570,7 @@
                     <a:lstStyle/>
                     <a:p>
                       <a:pPr algn="l" rtl="0" fontAlgn="ctr"/>
-                      <a:endParaRPr lang="en-GB" sz="800" b="0" i="0" u="none" strike="noStrike">
+                      <a:endParaRPr lang="it-IT" sz="800" b="0" i="0" u="none" strike="noStrike" noProof="0" dirty="0">
                         <a:solidFill>
                           <a:srgbClr val="000000"/>
                         </a:solidFill>
@@ -11694,7 +13625,7 @@
                     <a:lstStyle/>
                     <a:p>
                       <a:pPr algn="l" rtl="0" fontAlgn="ctr"/>
-                      <a:endParaRPr lang="en-GB" sz="800" b="0" i="0" u="none" strike="noStrike">
+                      <a:endParaRPr lang="it-IT" sz="800" b="0" i="0" u="none" strike="noStrike" noProof="0" dirty="0">
                         <a:solidFill>
                           <a:srgbClr val="000000"/>
                         </a:solidFill>
@@ -11750,7 +13681,7 @@
                     <a:p>
                       <a:pPr algn="r" rtl="0" fontAlgn="ctr"/>
                       <a:r>
-                        <a:rPr lang="en-GB" sz="800" b="0" i="0" u="none" strike="noStrike">
+                        <a:rPr lang="it-IT" sz="800" b="0" i="0" u="none" strike="noStrike" noProof="0" dirty="0">
                           <a:solidFill>
                             <a:srgbClr val="000000"/>
                           </a:solidFill>
@@ -11808,7 +13739,7 @@
                     <a:p>
                       <a:pPr algn="r" rtl="0" fontAlgn="ctr"/>
                       <a:r>
-                        <a:rPr lang="en-GB" sz="800" b="0" i="0" u="none" strike="noStrike">
+                        <a:rPr lang="it-IT" sz="800" b="0" i="0" u="none" strike="noStrike" noProof="0" dirty="0">
                           <a:solidFill>
                             <a:srgbClr val="000000"/>
                           </a:solidFill>
@@ -11865,7 +13796,7 @@
                     <a:lstStyle/>
                     <a:p>
                       <a:pPr algn="l" rtl="0" fontAlgn="ctr"/>
-                      <a:endParaRPr lang="en-GB" sz="800" b="0" i="0" u="none" strike="noStrike">
+                      <a:endParaRPr lang="it-IT" sz="800" b="0" i="0" u="none" strike="noStrike" noProof="0" dirty="0">
                         <a:solidFill>
                           <a:srgbClr val="000000"/>
                         </a:solidFill>
@@ -11920,7 +13851,7 @@
                     <a:lstStyle/>
                     <a:p>
                       <a:pPr algn="l" rtl="0" fontAlgn="ctr"/>
-                      <a:endParaRPr lang="en-GB" sz="800" b="0" i="0" u="none" strike="noStrike">
+                      <a:endParaRPr lang="it-IT" sz="800" b="0" i="0" u="none" strike="noStrike" noProof="0" dirty="0">
                         <a:solidFill>
                           <a:srgbClr val="000000"/>
                         </a:solidFill>
@@ -11976,7 +13907,7 @@
                     <a:p>
                       <a:pPr algn="r" rtl="0" fontAlgn="ctr"/>
                       <a:r>
-                        <a:rPr lang="en-GB" sz="800" b="0" i="0" u="none" strike="noStrike">
+                        <a:rPr lang="it-IT" sz="800" b="0" i="0" u="none" strike="noStrike" noProof="0" dirty="0">
                           <a:solidFill>
                             <a:srgbClr val="000000"/>
                           </a:solidFill>
@@ -12033,7 +13964,7 @@
                     <a:lstStyle/>
                     <a:p>
                       <a:pPr algn="l" rtl="0" fontAlgn="ctr"/>
-                      <a:endParaRPr lang="en-GB" sz="800" b="0" i="0" u="none" strike="noStrike">
+                      <a:endParaRPr lang="it-IT" sz="800" b="0" i="0" u="none" strike="noStrike" noProof="0" dirty="0">
                         <a:solidFill>
                           <a:srgbClr val="000000"/>
                         </a:solidFill>
@@ -12088,7 +14019,7 @@
                     <a:lstStyle/>
                     <a:p>
                       <a:pPr algn="l" rtl="0" fontAlgn="ctr"/>
-                      <a:endParaRPr lang="en-GB" sz="800" b="0" i="0" u="none" strike="noStrike">
+                      <a:endParaRPr lang="it-IT" sz="800" b="0" i="0" u="none" strike="noStrike" noProof="0" dirty="0">
                         <a:solidFill>
                           <a:srgbClr val="000000"/>
                         </a:solidFill>
@@ -12144,7 +14075,7 @@
                     <a:p>
                       <a:pPr algn="r" rtl="0" fontAlgn="ctr"/>
                       <a:r>
-                        <a:rPr lang="en-GB" sz="800" b="0" i="0" u="none" strike="noStrike">
+                        <a:rPr lang="it-IT" sz="800" b="0" i="0" u="none" strike="noStrike" noProof="0" dirty="0">
                           <a:solidFill>
                             <a:srgbClr val="000000"/>
                           </a:solidFill>
@@ -12204,7 +14135,7 @@
                     <a:p>
                       <a:pPr algn="r" rtl="0" fontAlgn="ctr"/>
                       <a:r>
-                        <a:rPr lang="en-GB" sz="800" b="0" i="0" u="none" strike="noStrike">
+                        <a:rPr lang="it-IT" sz="800" b="0" i="0" u="none" strike="noStrike" noProof="0" dirty="0">
                           <a:solidFill>
                             <a:srgbClr val="000000"/>
                           </a:solidFill>
@@ -12269,7 +14200,7 @@
                     <a:p>
                       <a:pPr algn="l" rtl="0" fontAlgn="ctr"/>
                       <a:r>
-                        <a:rPr lang="en-GB" sz="800" b="0" i="0" u="none" strike="noStrike">
+                        <a:rPr lang="it-IT" sz="800" b="0" i="0" u="none" strike="noStrike" noProof="0" dirty="0">
                           <a:solidFill>
                             <a:srgbClr val="000000"/>
                           </a:solidFill>
@@ -12328,7 +14259,7 @@
                     <a:lstStyle/>
                     <a:p>
                       <a:pPr algn="l" rtl="0" fontAlgn="ctr"/>
-                      <a:endParaRPr lang="en-GB" sz="800" b="0" i="0" u="none" strike="noStrike">
+                      <a:endParaRPr lang="it-IT" sz="800" b="0" i="0" u="none" strike="noStrike" noProof="0" dirty="0">
                         <a:solidFill>
                           <a:srgbClr val="000000"/>
                         </a:solidFill>
@@ -12384,7 +14315,7 @@
                     <a:p>
                       <a:pPr algn="r" rtl="0" fontAlgn="ctr"/>
                       <a:r>
-                        <a:rPr lang="en-GB" sz="800" b="0" i="0" u="none" strike="noStrike">
+                        <a:rPr lang="it-IT" sz="800" b="0" i="0" u="none" strike="noStrike" noProof="0" dirty="0">
                           <a:solidFill>
                             <a:srgbClr val="000000"/>
                           </a:solidFill>
@@ -12442,7 +14373,7 @@
                     <a:p>
                       <a:pPr algn="r" rtl="0" fontAlgn="ctr"/>
                       <a:r>
-                        <a:rPr lang="en-GB" sz="800" b="0" i="0" u="none" strike="noStrike" dirty="0">
+                        <a:rPr lang="it-IT" sz="800" b="0" i="0" u="none" strike="noStrike" noProof="0" dirty="0">
                           <a:solidFill>
                             <a:srgbClr val="000000"/>
                           </a:solidFill>
@@ -12500,7 +14431,7 @@
                     <a:p>
                       <a:pPr algn="r" rtl="0" fontAlgn="ctr"/>
                       <a:r>
-                        <a:rPr lang="en-GB" sz="800" b="0" i="0" u="none" strike="noStrike" dirty="0">
+                        <a:rPr lang="it-IT" sz="800" b="0" i="0" u="none" strike="noStrike" noProof="0" dirty="0">
                           <a:solidFill>
                             <a:srgbClr val="000000"/>
                           </a:solidFill>
@@ -12558,7 +14489,7 @@
                     <a:p>
                       <a:pPr algn="r" rtl="0" fontAlgn="ctr"/>
                       <a:r>
-                        <a:rPr lang="en-GB" sz="800" b="0" i="0" u="none" strike="noStrike">
+                        <a:rPr lang="it-IT" sz="800" b="0" i="0" u="none" strike="noStrike" noProof="0" dirty="0">
                           <a:solidFill>
                             <a:srgbClr val="000000"/>
                           </a:solidFill>
@@ -12615,7 +14546,7 @@
                     <a:lstStyle/>
                     <a:p>
                       <a:pPr algn="l" rtl="0" fontAlgn="ctr"/>
-                      <a:endParaRPr lang="en-GB" sz="800" b="0" i="0" u="none" strike="noStrike">
+                      <a:endParaRPr lang="it-IT" sz="800" b="0" i="0" u="none" strike="noStrike" noProof="0" dirty="0">
                         <a:solidFill>
                           <a:srgbClr val="000000"/>
                         </a:solidFill>
@@ -12670,7 +14601,7 @@
                     <a:lstStyle/>
                     <a:p>
                       <a:pPr algn="l" rtl="0" fontAlgn="ctr"/>
-                      <a:endParaRPr lang="en-GB" sz="800" b="0" i="0" u="none" strike="noStrike">
+                      <a:endParaRPr lang="it-IT" sz="800" b="0" i="0" u="none" strike="noStrike" noProof="0" dirty="0">
                         <a:solidFill>
                           <a:srgbClr val="000000"/>
                         </a:solidFill>
@@ -12726,7 +14657,7 @@
                     <a:p>
                       <a:pPr algn="r" rtl="0" fontAlgn="ctr"/>
                       <a:r>
-                        <a:rPr lang="en-GB" sz="800" b="0" i="0" u="none" strike="noStrike">
+                        <a:rPr lang="it-IT" sz="800" b="0" i="0" u="none" strike="noStrike" noProof="0" dirty="0">
                           <a:solidFill>
                             <a:srgbClr val="000000"/>
                           </a:solidFill>
@@ -12783,7 +14714,7 @@
                     <a:lstStyle/>
                     <a:p>
                       <a:pPr algn="l" rtl="0" fontAlgn="ctr"/>
-                      <a:endParaRPr lang="en-GB" sz="800" b="0" i="0" u="none" strike="noStrike">
+                      <a:endParaRPr lang="it-IT" sz="800" b="0" i="0" u="none" strike="noStrike" noProof="0" dirty="0">
                         <a:solidFill>
                           <a:srgbClr val="000000"/>
                         </a:solidFill>
@@ -12839,7 +14770,7 @@
                     <a:p>
                       <a:pPr algn="r" rtl="0" fontAlgn="ctr"/>
                       <a:r>
-                        <a:rPr lang="en-GB" sz="800" b="0" i="0" u="none" strike="noStrike" dirty="0">
+                        <a:rPr lang="it-IT" sz="800" b="0" i="0" u="none" strike="noStrike" noProof="0" dirty="0">
                           <a:solidFill>
                             <a:srgbClr val="000000"/>
                           </a:solidFill>
@@ -12899,7 +14830,7 @@
                     <a:p>
                       <a:pPr algn="r" rtl="0" fontAlgn="ctr"/>
                       <a:r>
-                        <a:rPr lang="en-GB" sz="800" b="0" i="0" u="none" strike="noStrike">
+                        <a:rPr lang="it-IT" sz="800" b="0" i="0" u="none" strike="noStrike" noProof="0" dirty="0">
                           <a:solidFill>
                             <a:srgbClr val="000000"/>
                           </a:solidFill>
@@ -12964,7 +14895,7 @@
                     <a:p>
                       <a:pPr algn="l" rtl="0" fontAlgn="ctr"/>
                       <a:r>
-                        <a:rPr lang="en-GB" sz="800" b="0" i="0" u="none" strike="noStrike">
+                        <a:rPr lang="it-IT" sz="800" b="0" i="0" u="none" strike="noStrike" noProof="0" dirty="0">
                           <a:solidFill>
                             <a:srgbClr val="000000"/>
                           </a:solidFill>
@@ -13024,7 +14955,7 @@
                     <a:p>
                       <a:pPr algn="r" rtl="0" fontAlgn="ctr"/>
                       <a:r>
-                        <a:rPr lang="en-GB" sz="800" b="0" i="0" u="none" strike="noStrike">
+                        <a:rPr lang="it-IT" sz="800" b="0" i="0" u="none" strike="noStrike" noProof="0" dirty="0">
                           <a:solidFill>
                             <a:srgbClr val="000000"/>
                           </a:solidFill>
@@ -13084,7 +15015,7 @@
                     <a:p>
                       <a:pPr algn="r" rtl="0" fontAlgn="ctr"/>
                       <a:r>
-                        <a:rPr lang="en-GB" sz="800" b="0" i="0" u="none" strike="noStrike">
+                        <a:rPr lang="it-IT" sz="800" b="0" i="0" u="none" strike="noStrike" noProof="0" dirty="0">
                           <a:solidFill>
                             <a:srgbClr val="000000"/>
                           </a:solidFill>
@@ -13144,7 +15075,7 @@
                     <a:p>
                       <a:pPr algn="r" rtl="0" fontAlgn="ctr"/>
                       <a:r>
-                        <a:rPr lang="en-GB" sz="800" b="0" i="0" u="none" strike="noStrike" dirty="0">
+                        <a:rPr lang="it-IT" sz="800" b="0" i="0" u="none" strike="noStrike" noProof="0" dirty="0">
                           <a:solidFill>
                             <a:srgbClr val="000000"/>
                           </a:solidFill>
@@ -13204,7 +15135,7 @@
                     <a:p>
                       <a:pPr algn="r" rtl="0" fontAlgn="ctr"/>
                       <a:r>
-                        <a:rPr lang="en-GB" sz="800" b="0" i="0" u="none" strike="noStrike" dirty="0">
+                        <a:rPr lang="it-IT" sz="800" b="0" i="0" u="none" strike="noStrike" noProof="0" dirty="0">
                           <a:solidFill>
                             <a:srgbClr val="000000"/>
                           </a:solidFill>
@@ -13264,7 +15195,7 @@
                     <a:p>
                       <a:pPr algn="r" rtl="0" fontAlgn="ctr"/>
                       <a:r>
-                        <a:rPr lang="en-GB" sz="800" b="0" i="0" u="none" strike="noStrike">
+                        <a:rPr lang="it-IT" sz="800" b="0" i="0" u="none" strike="noStrike" noProof="0" dirty="0">
                           <a:solidFill>
                             <a:srgbClr val="000000"/>
                           </a:solidFill>
@@ -13324,7 +15255,7 @@
                     <a:p>
                       <a:pPr algn="r" rtl="0" fontAlgn="ctr"/>
                       <a:r>
-                        <a:rPr lang="en-GB" sz="800" b="0" i="0" u="none" strike="noStrike">
+                        <a:rPr lang="it-IT" sz="800" b="0" i="0" u="none" strike="noStrike" noProof="0" dirty="0">
                           <a:solidFill>
                             <a:srgbClr val="000000"/>
                           </a:solidFill>
@@ -13384,7 +15315,7 @@
                     <a:p>
                       <a:pPr algn="r" rtl="0" fontAlgn="ctr"/>
                       <a:r>
-                        <a:rPr lang="en-GB" sz="800" b="0" i="0" u="none" strike="noStrike">
+                        <a:rPr lang="it-IT" sz="800" b="0" i="0" u="none" strike="noStrike" noProof="0" dirty="0">
                           <a:solidFill>
                             <a:srgbClr val="000000"/>
                           </a:solidFill>
@@ -13444,7 +15375,7 @@
                     <a:p>
                       <a:pPr algn="r" rtl="0" fontAlgn="ctr"/>
                       <a:r>
-                        <a:rPr lang="en-GB" sz="800" b="0" i="0" u="none" strike="noStrike">
+                        <a:rPr lang="it-IT" sz="800" b="0" i="0" u="none" strike="noStrike" noProof="0" dirty="0">
                           <a:solidFill>
                             <a:srgbClr val="000000"/>
                           </a:solidFill>
@@ -13504,7 +15435,7 @@
                     <a:p>
                       <a:pPr algn="r" rtl="0" fontAlgn="ctr"/>
                       <a:r>
-                        <a:rPr lang="en-GB" sz="800" b="0" i="0" u="none" strike="noStrike">
+                        <a:rPr lang="it-IT" sz="800" b="0" i="0" u="none" strike="noStrike" noProof="0" dirty="0">
                           <a:solidFill>
                             <a:srgbClr val="000000"/>
                           </a:solidFill>
@@ -13564,7 +15495,7 @@
                     <a:p>
                       <a:pPr algn="r" rtl="0" fontAlgn="ctr"/>
                       <a:r>
-                        <a:rPr lang="en-GB" sz="800" b="0" i="0" u="none" strike="noStrike" dirty="0">
+                        <a:rPr lang="it-IT" sz="800" b="0" i="0" u="none" strike="noStrike" noProof="0" dirty="0">
                           <a:solidFill>
                             <a:srgbClr val="000000"/>
                           </a:solidFill>
@@ -13639,42 +15570,15 @@
                     <a:p>
                       <a:pPr algn="l" rtl="0" fontAlgn="ctr"/>
                       <a:r>
-                        <a:rPr lang="en-GB" sz="800" b="0" i="0" u="none" strike="noStrike" dirty="0" err="1">
+                        <a:rPr lang="it-IT" sz="800" b="0" i="0" u="none" strike="noStrike" noProof="0" dirty="0">
                           <a:solidFill>
                             <a:srgbClr val="000000"/>
                           </a:solidFill>
                           <a:effectLst/>
                           <a:latin typeface="Arial" panose="020B0604020202020204" pitchFamily="34" charset="0"/>
                         </a:rPr>
-                        <a:t>Percentuale</a:t>
+                        <a:t>Percentuale per disciplina</a:t>
                       </a:r>
-                      <a:r>
-                        <a:rPr lang="en-GB" sz="800" b="0" i="0" u="none" strike="noStrike" dirty="0">
-                          <a:solidFill>
-                            <a:srgbClr val="000000"/>
-                          </a:solidFill>
-                          <a:effectLst/>
-                          <a:latin typeface="Arial" panose="020B0604020202020204" pitchFamily="34" charset="0"/>
-                        </a:rPr>
-                        <a:t> per </a:t>
-                      </a:r>
-                      <a:r>
-                        <a:rPr lang="en-GB" sz="800" b="0" i="0" u="none" strike="noStrike" dirty="0" err="1">
-                          <a:solidFill>
-                            <a:srgbClr val="000000"/>
-                          </a:solidFill>
-                          <a:effectLst/>
-                          <a:latin typeface="Arial" panose="020B0604020202020204" pitchFamily="34" charset="0"/>
-                        </a:rPr>
-                        <a:t>disciplina</a:t>
-                      </a:r>
-                      <a:endParaRPr lang="en-GB" sz="800" b="0" i="0" u="none" strike="noStrike" dirty="0">
-                        <a:solidFill>
-                          <a:srgbClr val="000000"/>
-                        </a:solidFill>
-                        <a:effectLst/>
-                        <a:latin typeface="Arial" panose="020B0604020202020204" pitchFamily="34" charset="0"/>
-                      </a:endParaRPr>
                     </a:p>
                   </a:txBody>
                   <a:tcPr marL="4886" marR="4886" marT="4886" marB="35182" anchor="ctr">
@@ -13726,7 +15630,7 @@
                     <a:p>
                       <a:pPr algn="r" rtl="0" fontAlgn="ctr"/>
                       <a:r>
-                        <a:rPr lang="en-GB" sz="800" b="0" i="0" u="none" strike="noStrike">
+                        <a:rPr lang="it-IT" sz="800" b="0" i="0" u="none" strike="noStrike" noProof="0" dirty="0">
                           <a:solidFill>
                             <a:srgbClr val="000000"/>
                           </a:solidFill>
@@ -13784,7 +15688,7 @@
                     <a:p>
                       <a:pPr algn="r" rtl="0" fontAlgn="ctr"/>
                       <a:r>
-                        <a:rPr lang="en-GB" sz="800" b="0" i="0" u="none" strike="noStrike">
+                        <a:rPr lang="it-IT" sz="800" b="0" i="0" u="none" strike="noStrike" noProof="0" dirty="0">
                           <a:solidFill>
                             <a:srgbClr val="000000"/>
                           </a:solidFill>
@@ -13842,7 +15746,7 @@
                     <a:p>
                       <a:pPr algn="r" rtl="0" fontAlgn="ctr"/>
                       <a:r>
-                        <a:rPr lang="en-GB" sz="800" b="0" i="0" u="none" strike="noStrike">
+                        <a:rPr lang="it-IT" sz="800" b="0" i="0" u="none" strike="noStrike" noProof="0" dirty="0">
                           <a:solidFill>
                             <a:srgbClr val="000000"/>
                           </a:solidFill>
@@ -13900,7 +15804,7 @@
                     <a:p>
                       <a:pPr algn="r" rtl="0" fontAlgn="ctr"/>
                       <a:r>
-                        <a:rPr lang="en-GB" sz="800" b="0" i="0" u="none" strike="noStrike">
+                        <a:rPr lang="it-IT" sz="800" b="0" i="0" u="none" strike="noStrike" noProof="0" dirty="0">
                           <a:solidFill>
                             <a:srgbClr val="000000"/>
                           </a:solidFill>
@@ -13958,7 +15862,7 @@
                     <a:p>
                       <a:pPr algn="r" rtl="0" fontAlgn="ctr"/>
                       <a:r>
-                        <a:rPr lang="en-GB" sz="800" b="0" i="0" u="none" strike="noStrike">
+                        <a:rPr lang="it-IT" sz="800" b="0" i="0" u="none" strike="noStrike" noProof="0" dirty="0">
                           <a:solidFill>
                             <a:srgbClr val="000000"/>
                           </a:solidFill>
@@ -14016,7 +15920,7 @@
                     <a:p>
                       <a:pPr algn="r" rtl="0" fontAlgn="ctr"/>
                       <a:r>
-                        <a:rPr lang="en-GB" sz="800" b="0" i="0" u="none" strike="noStrike">
+                        <a:rPr lang="it-IT" sz="800" b="0" i="0" u="none" strike="noStrike" noProof="0" dirty="0">
                           <a:solidFill>
                             <a:srgbClr val="000000"/>
                           </a:solidFill>
@@ -14074,7 +15978,7 @@
                     <a:p>
                       <a:pPr algn="r" rtl="0" fontAlgn="ctr"/>
                       <a:r>
-                        <a:rPr lang="en-GB" sz="800" b="0" i="0" u="none" strike="noStrike">
+                        <a:rPr lang="it-IT" sz="800" b="0" i="0" u="none" strike="noStrike" noProof="0" dirty="0">
                           <a:solidFill>
                             <a:srgbClr val="000000"/>
                           </a:solidFill>
@@ -14132,7 +16036,7 @@
                     <a:p>
                       <a:pPr algn="r" rtl="0" fontAlgn="ctr"/>
                       <a:r>
-                        <a:rPr lang="en-GB" sz="800" b="0" i="0" u="none" strike="noStrike" dirty="0">
+                        <a:rPr lang="it-IT" sz="800" b="0" i="0" u="none" strike="noStrike" noProof="0" dirty="0">
                           <a:solidFill>
                             <a:srgbClr val="000000"/>
                           </a:solidFill>
@@ -14190,7 +16094,7 @@
                     <a:p>
                       <a:pPr algn="r" rtl="0" fontAlgn="ctr"/>
                       <a:r>
-                        <a:rPr lang="en-GB" sz="800" b="0" i="0" u="none" strike="noStrike" dirty="0">
+                        <a:rPr lang="it-IT" sz="800" b="0" i="0" u="none" strike="noStrike" noProof="0" dirty="0">
                           <a:solidFill>
                             <a:srgbClr val="000000"/>
                           </a:solidFill>
@@ -14301,18 +16205,13 @@
           <a:p>
             <a:pPr algn="ctr"/>
             <a:r>
-              <a:rPr lang="it-IT" sz="6600" dirty="0">
+              <a:rPr lang="it-IT" sz="6600" noProof="0" dirty="0">
                 <a:solidFill>
                   <a:srgbClr val="FF0000"/>
                 </a:solidFill>
               </a:rPr>
               <a:t>CAMBIAREEEEEEEE</a:t>
             </a:r>
-            <a:endParaRPr lang="it-IT" sz="6600" noProof="0" dirty="0">
-              <a:solidFill>
-                <a:srgbClr val="FF0000"/>
-              </a:solidFill>
-            </a:endParaRPr>
           </a:p>
         </p:txBody>
       </p:sp>
@@ -14320,1077 +16219,6 @@
     <p:extLst>
       <p:ext uri="{BB962C8B-B14F-4D97-AF65-F5344CB8AC3E}">
         <p14:creationId xmlns:p14="http://schemas.microsoft.com/office/powerpoint/2010/main" val="3196211536"/>
-      </p:ext>
-    </p:extLst>
-  </p:cSld>
-  <p:clrMapOvr>
-    <a:masterClrMapping/>
-  </p:clrMapOvr>
-</p:sld>
-</file>
-
-<file path=ppt/slides/slide16.xml><?xml version="1.0" encoding="utf-8"?>
-<p:sld xmlns:a="http://schemas.openxmlformats.org/drawingml/2006/main" xmlns:r="http://schemas.openxmlformats.org/officeDocument/2006/relationships" xmlns:p="http://schemas.openxmlformats.org/presentationml/2006/main">
-  <p:cSld>
-    <p:spTree>
-      <p:nvGrpSpPr>
-        <p:cNvPr id="1" name=""/>
-        <p:cNvGrpSpPr/>
-        <p:nvPr/>
-      </p:nvGrpSpPr>
-      <p:grpSpPr>
-        <a:xfrm>
-          <a:off x="0" y="0"/>
-          <a:ext cx="0" cy="0"/>
-          <a:chOff x="0" y="0"/>
-          <a:chExt cx="0" cy="0"/>
-        </a:xfrm>
-      </p:grpSpPr>
-      <p:pic>
-        <p:nvPicPr>
-          <p:cNvPr id="14" name="Picture 13">
-            <a:extLst>
-              <a:ext uri="{FF2B5EF4-FFF2-40B4-BE49-F238E27FC236}">
-                <a16:creationId xmlns:a16="http://schemas.microsoft.com/office/drawing/2014/main" id="{84134CFB-FE29-5A5B-D802-49956D4BACF7}"/>
-              </a:ext>
-            </a:extLst>
-          </p:cNvPr>
-          <p:cNvPicPr>
-            <a:picLocks noChangeAspect="1"/>
-          </p:cNvPicPr>
-          <p:nvPr/>
-        </p:nvPicPr>
-        <p:blipFill>
-          <a:blip r:embed="rId2"/>
-          <a:stretch>
-            <a:fillRect/>
-          </a:stretch>
-        </p:blipFill>
-        <p:spPr>
-          <a:xfrm>
-            <a:off x="7277985" y="335331"/>
-            <a:ext cx="885600" cy="885600"/>
-          </a:xfrm>
-          <a:prstGeom prst="rect">
-            <a:avLst/>
-          </a:prstGeom>
-        </p:spPr>
-      </p:pic>
-      <p:sp>
-        <p:nvSpPr>
-          <p:cNvPr id="2" name="Titolo 1">
-            <a:extLst>
-              <a:ext uri="{FF2B5EF4-FFF2-40B4-BE49-F238E27FC236}">
-                <a16:creationId xmlns:a16="http://schemas.microsoft.com/office/drawing/2014/main" id="{177ED6F5-92B1-E476-25BC-DB32C6A80074}"/>
-              </a:ext>
-            </a:extLst>
-          </p:cNvPr>
-          <p:cNvSpPr>
-            <a:spLocks noGrp="1"/>
-          </p:cNvSpPr>
-          <p:nvPr>
-            <p:ph type="title"/>
-          </p:nvPr>
-        </p:nvSpPr>
-        <p:spPr>
-          <a:xfrm>
-            <a:off x="639724" y="472780"/>
-            <a:ext cx="7444563" cy="653143"/>
-          </a:xfrm>
-        </p:spPr>
-        <p:txBody>
-          <a:bodyPr>
-            <a:normAutofit/>
-          </a:bodyPr>
-          <a:lstStyle/>
-          <a:p>
-            <a:r>
-              <a:rPr lang="it-IT" sz="4000" noProof="0" dirty="0">
-                <a:solidFill>
-                  <a:schemeClr val="tx2">
-                    <a:lumMod val="90000"/>
-                    <a:lumOff val="10000"/>
-                  </a:schemeClr>
-                </a:solidFill>
-              </a:rPr>
-              <a:t>ISSUES</a:t>
-            </a:r>
-          </a:p>
-        </p:txBody>
-      </p:sp>
-      <p:sp>
-        <p:nvSpPr>
-          <p:cNvPr id="4" name="Rettangolo 3">
-            <a:extLst>
-              <a:ext uri="{FF2B5EF4-FFF2-40B4-BE49-F238E27FC236}">
-                <a16:creationId xmlns:a16="http://schemas.microsoft.com/office/drawing/2014/main" id="{C009817D-270B-67E9-2773-7730FF1AD9FB}"/>
-              </a:ext>
-            </a:extLst>
-          </p:cNvPr>
-          <p:cNvSpPr/>
-          <p:nvPr/>
-        </p:nvSpPr>
-        <p:spPr>
-          <a:xfrm>
-            <a:off x="0" y="472781"/>
-            <a:ext cx="190243" cy="653143"/>
-          </a:xfrm>
-          <a:prstGeom prst="rect">
-            <a:avLst/>
-          </a:prstGeom>
-          <a:solidFill>
-            <a:schemeClr val="tx2">
-              <a:lumMod val="90000"/>
-              <a:lumOff val="10000"/>
-            </a:schemeClr>
-          </a:solidFill>
-          <a:ln>
-            <a:solidFill>
-              <a:schemeClr val="tx2">
-                <a:lumMod val="90000"/>
-                <a:lumOff val="10000"/>
-              </a:schemeClr>
-            </a:solidFill>
-          </a:ln>
-        </p:spPr>
-        <p:style>
-          <a:lnRef idx="2">
-            <a:schemeClr val="accent1">
-              <a:shade val="15000"/>
-            </a:schemeClr>
-          </a:lnRef>
-          <a:fillRef idx="1">
-            <a:schemeClr val="accent1"/>
-          </a:fillRef>
-          <a:effectRef idx="0">
-            <a:schemeClr val="accent1"/>
-          </a:effectRef>
-          <a:fontRef idx="minor">
-            <a:schemeClr val="lt1"/>
-          </a:fontRef>
-        </p:style>
-        <p:txBody>
-          <a:bodyPr rtlCol="0" anchor="ctr"/>
-          <a:lstStyle/>
-          <a:p>
-            <a:pPr algn="ctr"/>
-            <a:endParaRPr lang="it-IT" noProof="0" dirty="0"/>
-          </a:p>
-        </p:txBody>
-      </p:sp>
-      <p:sp>
-        <p:nvSpPr>
-          <p:cNvPr id="5" name="Rettangolo 4">
-            <a:extLst>
-              <a:ext uri="{FF2B5EF4-FFF2-40B4-BE49-F238E27FC236}">
-                <a16:creationId xmlns:a16="http://schemas.microsoft.com/office/drawing/2014/main" id="{0EEED853-2CCD-BFF0-CE4A-A6155CC7596B}"/>
-              </a:ext>
-            </a:extLst>
-          </p:cNvPr>
-          <p:cNvSpPr/>
-          <p:nvPr/>
-        </p:nvSpPr>
-        <p:spPr>
-          <a:xfrm>
-            <a:off x="289539" y="472780"/>
-            <a:ext cx="139359" cy="653143"/>
-          </a:xfrm>
-          <a:prstGeom prst="rect">
-            <a:avLst/>
-          </a:prstGeom>
-          <a:solidFill>
-            <a:schemeClr val="tx2">
-              <a:lumMod val="90000"/>
-              <a:lumOff val="10000"/>
-            </a:schemeClr>
-          </a:solidFill>
-          <a:ln>
-            <a:solidFill>
-              <a:schemeClr val="tx2">
-                <a:lumMod val="90000"/>
-                <a:lumOff val="10000"/>
-              </a:schemeClr>
-            </a:solidFill>
-          </a:ln>
-        </p:spPr>
-        <p:style>
-          <a:lnRef idx="2">
-            <a:schemeClr val="accent1">
-              <a:shade val="15000"/>
-            </a:schemeClr>
-          </a:lnRef>
-          <a:fillRef idx="1">
-            <a:schemeClr val="accent1"/>
-          </a:fillRef>
-          <a:effectRef idx="0">
-            <a:schemeClr val="accent1"/>
-          </a:effectRef>
-          <a:fontRef idx="minor">
-            <a:schemeClr val="lt1"/>
-          </a:fontRef>
-        </p:style>
-        <p:txBody>
-          <a:bodyPr rtlCol="0" anchor="ctr"/>
-          <a:lstStyle/>
-          <a:p>
-            <a:pPr algn="ctr"/>
-            <a:endParaRPr lang="it-IT" noProof="0" dirty="0"/>
-          </a:p>
-        </p:txBody>
-      </p:sp>
-      <p:sp>
-        <p:nvSpPr>
-          <p:cNvPr id="11" name="Rettangolo 10">
-            <a:extLst>
-              <a:ext uri="{FF2B5EF4-FFF2-40B4-BE49-F238E27FC236}">
-                <a16:creationId xmlns:a16="http://schemas.microsoft.com/office/drawing/2014/main" id="{C548A64E-D196-AA89-9669-B1078E52C928}"/>
-              </a:ext>
-            </a:extLst>
-          </p:cNvPr>
-          <p:cNvSpPr/>
-          <p:nvPr/>
-        </p:nvSpPr>
-        <p:spPr>
-          <a:xfrm>
-            <a:off x="10008781" y="0"/>
-            <a:ext cx="2183219" cy="6858000"/>
-          </a:xfrm>
-          <a:prstGeom prst="rect">
-            <a:avLst/>
-          </a:prstGeom>
-          <a:solidFill>
-            <a:schemeClr val="tx2">
-              <a:lumMod val="90000"/>
-              <a:lumOff val="10000"/>
-            </a:schemeClr>
-          </a:solidFill>
-          <a:ln>
-            <a:solidFill>
-              <a:schemeClr val="tx2">
-                <a:lumMod val="90000"/>
-                <a:lumOff val="10000"/>
-              </a:schemeClr>
-            </a:solidFill>
-          </a:ln>
-        </p:spPr>
-        <p:style>
-          <a:lnRef idx="2">
-            <a:schemeClr val="accent1">
-              <a:shade val="15000"/>
-            </a:schemeClr>
-          </a:lnRef>
-          <a:fillRef idx="1">
-            <a:schemeClr val="accent1"/>
-          </a:fillRef>
-          <a:effectRef idx="0">
-            <a:schemeClr val="accent1"/>
-          </a:effectRef>
-          <a:fontRef idx="minor">
-            <a:schemeClr val="lt1"/>
-          </a:fontRef>
-        </p:style>
-        <p:txBody>
-          <a:bodyPr rtlCol="0" anchor="ctr"/>
-          <a:lstStyle/>
-          <a:p>
-            <a:pPr algn="ctr"/>
-            <a:endParaRPr lang="it-IT" noProof="0" dirty="0"/>
-          </a:p>
-        </p:txBody>
-      </p:sp>
-      <p:cxnSp>
-        <p:nvCxnSpPr>
-          <p:cNvPr id="8" name="Connettore diritto 7">
-            <a:extLst>
-              <a:ext uri="{FF2B5EF4-FFF2-40B4-BE49-F238E27FC236}">
-                <a16:creationId xmlns:a16="http://schemas.microsoft.com/office/drawing/2014/main" id="{19EC6D46-28AA-F5DF-A2FA-19ADCF121A2B}"/>
-              </a:ext>
-            </a:extLst>
-          </p:cNvPr>
-          <p:cNvCxnSpPr>
-            <a:cxnSpLocks/>
-          </p:cNvCxnSpPr>
-          <p:nvPr/>
-        </p:nvCxnSpPr>
-        <p:spPr>
-          <a:xfrm>
-            <a:off x="639725" y="1351691"/>
-            <a:ext cx="6654057" cy="0"/>
-          </a:xfrm>
-          <a:prstGeom prst="line">
-            <a:avLst/>
-          </a:prstGeom>
-          <a:ln>
-            <a:solidFill>
-              <a:schemeClr val="tx2">
-                <a:lumMod val="90000"/>
-                <a:lumOff val="10000"/>
-              </a:schemeClr>
-            </a:solidFill>
-          </a:ln>
-        </p:spPr>
-        <p:style>
-          <a:lnRef idx="2">
-            <a:schemeClr val="accent1"/>
-          </a:lnRef>
-          <a:fillRef idx="0">
-            <a:schemeClr val="accent1"/>
-          </a:fillRef>
-          <a:effectRef idx="1">
-            <a:schemeClr val="accent1"/>
-          </a:effectRef>
-          <a:fontRef idx="minor">
-            <a:schemeClr val="tx1"/>
-          </a:fontRef>
-        </p:style>
-      </p:cxnSp>
-      <p:sp>
-        <p:nvSpPr>
-          <p:cNvPr id="6" name="TextBox 5">
-            <a:extLst>
-              <a:ext uri="{FF2B5EF4-FFF2-40B4-BE49-F238E27FC236}">
-                <a16:creationId xmlns:a16="http://schemas.microsoft.com/office/drawing/2014/main" id="{A164EEBB-77D3-5275-84FF-FDE9AB6E6E91}"/>
-              </a:ext>
-            </a:extLst>
-          </p:cNvPr>
-          <p:cNvSpPr txBox="1"/>
-          <p:nvPr/>
-        </p:nvSpPr>
-        <p:spPr>
-          <a:xfrm>
-            <a:off x="11654290" y="6452785"/>
-            <a:ext cx="438619" cy="307777"/>
-          </a:xfrm>
-          <a:prstGeom prst="rect">
-            <a:avLst/>
-          </a:prstGeom>
-          <a:noFill/>
-        </p:spPr>
-        <p:txBody>
-          <a:bodyPr wrap="square" lIns="91440" tIns="45720" rIns="91440" bIns="45720" anchor="t">
-            <a:spAutoFit/>
-          </a:bodyPr>
-          <a:lstStyle/>
-          <a:p>
-            <a:r>
-              <a:rPr lang="it-IT" sz="1400" dirty="0">
-                <a:solidFill>
-                  <a:schemeClr val="bg1"/>
-                </a:solidFill>
-              </a:rPr>
-              <a:t>19</a:t>
-            </a:r>
-            <a:endParaRPr lang="it-IT" sz="1400" noProof="0" dirty="0"/>
-          </a:p>
-        </p:txBody>
-      </p:sp>
-      <p:sp>
-        <p:nvSpPr>
-          <p:cNvPr id="12" name="Rettangolo 11"/>
-          <p:cNvSpPr/>
-          <p:nvPr/>
-        </p:nvSpPr>
-        <p:spPr>
-          <a:xfrm>
-            <a:off x="639724" y="1612800"/>
-            <a:ext cx="6096000" cy="1477328"/>
-          </a:xfrm>
-          <a:prstGeom prst="rect">
-            <a:avLst/>
-          </a:prstGeom>
-        </p:spPr>
-        <p:txBody>
-          <a:bodyPr>
-            <a:spAutoFit/>
-          </a:bodyPr>
-          <a:lstStyle/>
-          <a:p>
-            <a:r>
-              <a:rPr lang="it-IT" dirty="0">
-                <a:solidFill>
-                  <a:schemeClr val="tx1">
-                    <a:lumMod val="85000"/>
-                    <a:lumOff val="15000"/>
-                  </a:schemeClr>
-                </a:solidFill>
-              </a:rPr>
-              <a:t>Durante la risoluzione delle task accordate, il team ha riscontrato:</a:t>
-            </a:r>
-          </a:p>
-          <a:p>
-            <a:endParaRPr lang="it-IT" dirty="0">
-              <a:solidFill>
-                <a:schemeClr val="tx1">
-                  <a:lumMod val="85000"/>
-                  <a:lumOff val="15000"/>
-                </a:schemeClr>
-              </a:solidFill>
-            </a:endParaRPr>
-          </a:p>
-          <a:p>
-            <a:pPr marL="285750" indent="-285750">
-              <a:buFont typeface="Arial" panose="020B0604020202020204" pitchFamily="34" charset="0"/>
-              <a:buChar char="•"/>
-            </a:pPr>
-            <a:r>
-              <a:rPr lang="it-IT" dirty="0">
-                <a:solidFill>
-                  <a:srgbClr val="FF0000"/>
-                </a:solidFill>
-              </a:rPr>
-              <a:t>ISSUES</a:t>
-            </a:r>
-          </a:p>
-          <a:p>
-            <a:pPr marL="285750" indent="-285750">
-              <a:buFont typeface="Arial" panose="020B0604020202020204" pitchFamily="34" charset="0"/>
-              <a:buChar char="•"/>
-            </a:pPr>
-            <a:endParaRPr lang="it-IT" dirty="0">
-              <a:solidFill>
-                <a:schemeClr val="tx1">
-                  <a:lumMod val="85000"/>
-                  <a:lumOff val="15000"/>
-                </a:schemeClr>
-              </a:solidFill>
-            </a:endParaRPr>
-          </a:p>
-        </p:txBody>
-      </p:sp>
-    </p:spTree>
-    <p:extLst>
-      <p:ext uri="{BB962C8B-B14F-4D97-AF65-F5344CB8AC3E}">
-        <p14:creationId xmlns:p14="http://schemas.microsoft.com/office/powerpoint/2010/main" val="3585670584"/>
-      </p:ext>
-    </p:extLst>
-  </p:cSld>
-  <p:clrMapOvr>
-    <a:masterClrMapping/>
-  </p:clrMapOvr>
-</p:sld>
-</file>
-
-<file path=ppt/slides/slide17.xml><?xml version="1.0" encoding="utf-8"?>
-<p:sld xmlns:a="http://schemas.openxmlformats.org/drawingml/2006/main" xmlns:r="http://schemas.openxmlformats.org/officeDocument/2006/relationships" xmlns:p="http://schemas.openxmlformats.org/presentationml/2006/main">
-  <p:cSld>
-    <p:spTree>
-      <p:nvGrpSpPr>
-        <p:cNvPr id="1" name=""/>
-        <p:cNvGrpSpPr/>
-        <p:nvPr/>
-      </p:nvGrpSpPr>
-      <p:grpSpPr>
-        <a:xfrm>
-          <a:off x="0" y="0"/>
-          <a:ext cx="0" cy="0"/>
-          <a:chOff x="0" y="0"/>
-          <a:chExt cx="0" cy="0"/>
-        </a:xfrm>
-      </p:grpSpPr>
-      <p:sp>
-        <p:nvSpPr>
-          <p:cNvPr id="2" name="Titolo 1">
-            <a:extLst>
-              <a:ext uri="{FF2B5EF4-FFF2-40B4-BE49-F238E27FC236}">
-                <a16:creationId xmlns:a16="http://schemas.microsoft.com/office/drawing/2014/main" id="{177ED6F5-92B1-E476-25BC-DB32C6A80074}"/>
-              </a:ext>
-            </a:extLst>
-          </p:cNvPr>
-          <p:cNvSpPr>
-            <a:spLocks noGrp="1"/>
-          </p:cNvSpPr>
-          <p:nvPr>
-            <p:ph type="title"/>
-          </p:nvPr>
-        </p:nvSpPr>
-        <p:spPr>
-          <a:xfrm>
-            <a:off x="662848" y="472780"/>
-            <a:ext cx="7444563" cy="653143"/>
-          </a:xfrm>
-        </p:spPr>
-        <p:txBody>
-          <a:bodyPr>
-            <a:normAutofit/>
-          </a:bodyPr>
-          <a:lstStyle/>
-          <a:p>
-            <a:r>
-              <a:rPr lang="it-IT" sz="4000" noProof="0" dirty="0">
-                <a:solidFill>
-                  <a:schemeClr val="tx2">
-                    <a:lumMod val="90000"/>
-                    <a:lumOff val="10000"/>
-                  </a:schemeClr>
-                </a:solidFill>
-              </a:rPr>
-              <a:t>CONCLUSIONS</a:t>
-            </a:r>
-          </a:p>
-        </p:txBody>
-      </p:sp>
-      <p:sp>
-        <p:nvSpPr>
-          <p:cNvPr id="4" name="Rettangolo 3">
-            <a:extLst>
-              <a:ext uri="{FF2B5EF4-FFF2-40B4-BE49-F238E27FC236}">
-                <a16:creationId xmlns:a16="http://schemas.microsoft.com/office/drawing/2014/main" id="{C009817D-270B-67E9-2773-7730FF1AD9FB}"/>
-              </a:ext>
-            </a:extLst>
-          </p:cNvPr>
-          <p:cNvSpPr/>
-          <p:nvPr/>
-        </p:nvSpPr>
-        <p:spPr>
-          <a:xfrm>
-            <a:off x="0" y="472781"/>
-            <a:ext cx="190243" cy="653143"/>
-          </a:xfrm>
-          <a:prstGeom prst="rect">
-            <a:avLst/>
-          </a:prstGeom>
-          <a:solidFill>
-            <a:schemeClr val="tx2">
-              <a:lumMod val="90000"/>
-              <a:lumOff val="10000"/>
-            </a:schemeClr>
-          </a:solidFill>
-          <a:ln>
-            <a:solidFill>
-              <a:schemeClr val="tx2">
-                <a:lumMod val="90000"/>
-                <a:lumOff val="10000"/>
-              </a:schemeClr>
-            </a:solidFill>
-          </a:ln>
-        </p:spPr>
-        <p:style>
-          <a:lnRef idx="2">
-            <a:schemeClr val="accent1">
-              <a:shade val="15000"/>
-            </a:schemeClr>
-          </a:lnRef>
-          <a:fillRef idx="1">
-            <a:schemeClr val="accent1"/>
-          </a:fillRef>
-          <a:effectRef idx="0">
-            <a:schemeClr val="accent1"/>
-          </a:effectRef>
-          <a:fontRef idx="minor">
-            <a:schemeClr val="lt1"/>
-          </a:fontRef>
-        </p:style>
-        <p:txBody>
-          <a:bodyPr rtlCol="0" anchor="ctr"/>
-          <a:lstStyle/>
-          <a:p>
-            <a:pPr algn="ctr"/>
-            <a:endParaRPr lang="it-IT" noProof="0" dirty="0">
-              <a:solidFill>
-                <a:schemeClr val="tx2">
-                  <a:lumMod val="90000"/>
-                  <a:lumOff val="10000"/>
-                </a:schemeClr>
-              </a:solidFill>
-            </a:endParaRPr>
-          </a:p>
-        </p:txBody>
-      </p:sp>
-      <p:sp>
-        <p:nvSpPr>
-          <p:cNvPr id="5" name="Rettangolo 4">
-            <a:extLst>
-              <a:ext uri="{FF2B5EF4-FFF2-40B4-BE49-F238E27FC236}">
-                <a16:creationId xmlns:a16="http://schemas.microsoft.com/office/drawing/2014/main" id="{0EEED853-2CCD-BFF0-CE4A-A6155CC7596B}"/>
-              </a:ext>
-            </a:extLst>
-          </p:cNvPr>
-          <p:cNvSpPr/>
-          <p:nvPr/>
-        </p:nvSpPr>
-        <p:spPr>
-          <a:xfrm>
-            <a:off x="289539" y="472780"/>
-            <a:ext cx="139359" cy="653143"/>
-          </a:xfrm>
-          <a:prstGeom prst="rect">
-            <a:avLst/>
-          </a:prstGeom>
-          <a:solidFill>
-            <a:schemeClr val="tx2">
-              <a:lumMod val="90000"/>
-              <a:lumOff val="10000"/>
-            </a:schemeClr>
-          </a:solidFill>
-          <a:ln>
-            <a:solidFill>
-              <a:schemeClr val="tx2">
-                <a:lumMod val="90000"/>
-                <a:lumOff val="10000"/>
-              </a:schemeClr>
-            </a:solidFill>
-          </a:ln>
-        </p:spPr>
-        <p:style>
-          <a:lnRef idx="2">
-            <a:schemeClr val="accent1">
-              <a:shade val="15000"/>
-            </a:schemeClr>
-          </a:lnRef>
-          <a:fillRef idx="1">
-            <a:schemeClr val="accent1"/>
-          </a:fillRef>
-          <a:effectRef idx="0">
-            <a:schemeClr val="accent1"/>
-          </a:effectRef>
-          <a:fontRef idx="minor">
-            <a:schemeClr val="lt1"/>
-          </a:fontRef>
-        </p:style>
-        <p:txBody>
-          <a:bodyPr rtlCol="0" anchor="ctr"/>
-          <a:lstStyle/>
-          <a:p>
-            <a:pPr algn="ctr"/>
-            <a:endParaRPr lang="it-IT" noProof="0" dirty="0">
-              <a:solidFill>
-                <a:schemeClr val="tx2">
-                  <a:lumMod val="90000"/>
-                  <a:lumOff val="10000"/>
-                </a:schemeClr>
-              </a:solidFill>
-            </a:endParaRPr>
-          </a:p>
-        </p:txBody>
-      </p:sp>
-      <p:sp>
-        <p:nvSpPr>
-          <p:cNvPr id="11" name="Rettangolo 10">
-            <a:extLst>
-              <a:ext uri="{FF2B5EF4-FFF2-40B4-BE49-F238E27FC236}">
-                <a16:creationId xmlns:a16="http://schemas.microsoft.com/office/drawing/2014/main" id="{C548A64E-D196-AA89-9669-B1078E52C928}"/>
-              </a:ext>
-            </a:extLst>
-          </p:cNvPr>
-          <p:cNvSpPr/>
-          <p:nvPr/>
-        </p:nvSpPr>
-        <p:spPr>
-          <a:xfrm>
-            <a:off x="10008781" y="0"/>
-            <a:ext cx="2183219" cy="6858000"/>
-          </a:xfrm>
-          <a:prstGeom prst="rect">
-            <a:avLst/>
-          </a:prstGeom>
-          <a:solidFill>
-            <a:schemeClr val="tx2">
-              <a:lumMod val="90000"/>
-              <a:lumOff val="10000"/>
-            </a:schemeClr>
-          </a:solidFill>
-          <a:ln>
-            <a:solidFill>
-              <a:schemeClr val="tx2">
-                <a:lumMod val="90000"/>
-                <a:lumOff val="10000"/>
-              </a:schemeClr>
-            </a:solidFill>
-          </a:ln>
-        </p:spPr>
-        <p:style>
-          <a:lnRef idx="2">
-            <a:schemeClr val="accent1">
-              <a:shade val="15000"/>
-            </a:schemeClr>
-          </a:lnRef>
-          <a:fillRef idx="1">
-            <a:schemeClr val="accent1"/>
-          </a:fillRef>
-          <a:effectRef idx="0">
-            <a:schemeClr val="accent1"/>
-          </a:effectRef>
-          <a:fontRef idx="minor">
-            <a:schemeClr val="lt1"/>
-          </a:fontRef>
-        </p:style>
-        <p:txBody>
-          <a:bodyPr rtlCol="0" anchor="ctr"/>
-          <a:lstStyle/>
-          <a:p>
-            <a:pPr algn="ctr"/>
-            <a:endParaRPr lang="it-IT" noProof="0" dirty="0">
-              <a:solidFill>
-                <a:schemeClr val="tx2">
-                  <a:lumMod val="90000"/>
-                  <a:lumOff val="10000"/>
-                </a:schemeClr>
-              </a:solidFill>
-            </a:endParaRPr>
-          </a:p>
-        </p:txBody>
-      </p:sp>
-      <p:cxnSp>
-        <p:nvCxnSpPr>
-          <p:cNvPr id="6" name="Connettore diritto 5">
-            <a:extLst>
-              <a:ext uri="{FF2B5EF4-FFF2-40B4-BE49-F238E27FC236}">
-                <a16:creationId xmlns:a16="http://schemas.microsoft.com/office/drawing/2014/main" id="{CABEDC88-2220-CACB-609D-6CDD80797783}"/>
-              </a:ext>
-            </a:extLst>
-          </p:cNvPr>
-          <p:cNvCxnSpPr>
-            <a:cxnSpLocks/>
-          </p:cNvCxnSpPr>
-          <p:nvPr/>
-        </p:nvCxnSpPr>
-        <p:spPr>
-          <a:xfrm>
-            <a:off x="639725" y="1351691"/>
-            <a:ext cx="6654057" cy="0"/>
-          </a:xfrm>
-          <a:prstGeom prst="line">
-            <a:avLst/>
-          </a:prstGeom>
-          <a:ln>
-            <a:solidFill>
-              <a:schemeClr val="tx2">
-                <a:lumMod val="90000"/>
-                <a:lumOff val="10000"/>
-              </a:schemeClr>
-            </a:solidFill>
-          </a:ln>
-        </p:spPr>
-        <p:style>
-          <a:lnRef idx="2">
-            <a:schemeClr val="accent1"/>
-          </a:lnRef>
-          <a:fillRef idx="0">
-            <a:schemeClr val="accent1"/>
-          </a:fillRef>
-          <a:effectRef idx="1">
-            <a:schemeClr val="accent1"/>
-          </a:effectRef>
-          <a:fontRef idx="minor">
-            <a:schemeClr val="tx1"/>
-          </a:fontRef>
-        </p:style>
-      </p:cxnSp>
-      <p:pic>
-        <p:nvPicPr>
-          <p:cNvPr id="9" name="Immagine 8" descr="Immagine che contiene simbolo, Carattere, Elementi grafici, logo&#10;&#10;Descrizione generata automaticamente">
-            <a:extLst>
-              <a:ext uri="{FF2B5EF4-FFF2-40B4-BE49-F238E27FC236}">
-                <a16:creationId xmlns:a16="http://schemas.microsoft.com/office/drawing/2014/main" id="{5DA27FD2-9E30-C03C-A966-747855C84A0D}"/>
-              </a:ext>
-            </a:extLst>
-          </p:cNvPr>
-          <p:cNvPicPr>
-            <a:picLocks noChangeAspect="1"/>
-          </p:cNvPicPr>
-          <p:nvPr/>
-        </p:nvPicPr>
-        <p:blipFill>
-          <a:blip r:embed="rId3" cstate="print">
-            <a:extLst>
-              <a:ext uri="{28A0092B-C50C-407E-A947-70E740481C1C}">
-                <a14:useLocalDpi xmlns:a14="http://schemas.microsoft.com/office/drawing/2010/main" val="0"/>
-              </a:ext>
-            </a:extLst>
-          </a:blip>
-          <a:stretch>
-            <a:fillRect/>
-          </a:stretch>
-        </p:blipFill>
-        <p:spPr>
-          <a:xfrm>
-            <a:off x="7293782" y="351690"/>
-            <a:ext cx="887117" cy="887117"/>
-          </a:xfrm>
-          <a:prstGeom prst="rect">
-            <a:avLst/>
-          </a:prstGeom>
-        </p:spPr>
-      </p:pic>
-      <p:sp>
-        <p:nvSpPr>
-          <p:cNvPr id="12" name="Titolo 3">
-            <a:extLst>
-              <a:ext uri="{FF2B5EF4-FFF2-40B4-BE49-F238E27FC236}">
-                <a16:creationId xmlns:a16="http://schemas.microsoft.com/office/drawing/2014/main" id="{87D2E324-F332-2CF5-16A6-E80AD67BC9AF}"/>
-              </a:ext>
-            </a:extLst>
-          </p:cNvPr>
-          <p:cNvSpPr txBox="1">
-            <a:spLocks/>
-          </p:cNvSpPr>
-          <p:nvPr/>
-        </p:nvSpPr>
-        <p:spPr>
-          <a:xfrm>
-            <a:off x="639724" y="1679424"/>
-            <a:ext cx="7935348" cy="1610233"/>
-          </a:xfrm>
-          <a:prstGeom prst="rect">
-            <a:avLst/>
-          </a:prstGeom>
-        </p:spPr>
-        <p:txBody>
-          <a:bodyPr vert="horz" lIns="91440" tIns="45720" rIns="91440" bIns="45720" rtlCol="0" anchor="t">
-            <a:noAutofit/>
-          </a:bodyPr>
-          <a:lstStyle>
-            <a:lvl1pPr algn="l" defTabSz="914400" rtl="0" eaLnBrk="1" latinLnBrk="0" hangingPunct="1">
-              <a:lnSpc>
-                <a:spcPct val="90000"/>
-              </a:lnSpc>
-              <a:spcBef>
-                <a:spcPct val="0"/>
-              </a:spcBef>
-              <a:buNone/>
-              <a:defRPr sz="4400" kern="1200">
-                <a:solidFill>
-                  <a:schemeClr val="tx1"/>
-                </a:solidFill>
-                <a:latin typeface="+mj-lt"/>
-                <a:ea typeface="+mj-ea"/>
-                <a:cs typeface="+mj-cs"/>
-              </a:defRPr>
-            </a:lvl1pPr>
-          </a:lstStyle>
-          <a:p>
-            <a:pPr algn="ctr"/>
-            <a:r>
-              <a:rPr lang="it-IT" sz="4000" b="1" noProof="0" dirty="0">
-                <a:solidFill>
-                  <a:schemeClr val="tx2">
-                    <a:lumMod val="90000"/>
-                    <a:lumOff val="10000"/>
-                  </a:schemeClr>
-                </a:solidFill>
-              </a:rPr>
-              <a:t>GRAZIE PER LA </a:t>
-            </a:r>
-            <a:r>
-              <a:rPr lang="it-IT" sz="4000" b="1" dirty="0">
-                <a:solidFill>
-                  <a:schemeClr val="tx2">
-                    <a:lumMod val="90000"/>
-                    <a:lumOff val="10000"/>
-                  </a:schemeClr>
-                </a:solidFill>
-              </a:rPr>
-              <a:t>VOSTRA</a:t>
-            </a:r>
-          </a:p>
-          <a:p>
-            <a:pPr algn="ctr"/>
-            <a:r>
-              <a:rPr lang="it-IT" sz="4000" b="1" noProof="0" dirty="0">
-                <a:solidFill>
-                  <a:schemeClr val="tx2">
-                    <a:lumMod val="90000"/>
-                    <a:lumOff val="10000"/>
-                  </a:schemeClr>
-                </a:solidFill>
-              </a:rPr>
-              <a:t>ATTENZIONE!</a:t>
-            </a:r>
-          </a:p>
-        </p:txBody>
-      </p:sp>
-      <p:grpSp>
-        <p:nvGrpSpPr>
-          <p:cNvPr id="3" name="Group 2">
-            <a:extLst>
-              <a:ext uri="{FF2B5EF4-FFF2-40B4-BE49-F238E27FC236}">
-                <a16:creationId xmlns:a16="http://schemas.microsoft.com/office/drawing/2014/main" id="{46129465-17BB-1222-AA9A-0CE12AE834F4}"/>
-              </a:ext>
-            </a:extLst>
-          </p:cNvPr>
-          <p:cNvGrpSpPr/>
-          <p:nvPr/>
-        </p:nvGrpSpPr>
-        <p:grpSpPr>
-          <a:xfrm>
-            <a:off x="3351043" y="4122955"/>
-            <a:ext cx="2602305" cy="1292456"/>
-            <a:chOff x="3363743" y="4122955"/>
-            <a:chExt cx="2602305" cy="1292456"/>
-          </a:xfrm>
-        </p:grpSpPr>
-        <p:pic>
-          <p:nvPicPr>
-            <p:cNvPr id="1028" name="Picture 4" descr="Github Logo - Free social media icons">
-              <a:extLst>
-                <a:ext uri="{FF2B5EF4-FFF2-40B4-BE49-F238E27FC236}">
-                  <a16:creationId xmlns:a16="http://schemas.microsoft.com/office/drawing/2014/main" id="{7CECBF58-321D-ACE4-A2D6-68DA0AF243AE}"/>
-                </a:ext>
-              </a:extLst>
-            </p:cNvPr>
-            <p:cNvPicPr>
-              <a:picLocks noChangeAspect="1" noChangeArrowheads="1"/>
-            </p:cNvPicPr>
-            <p:nvPr/>
-          </p:nvPicPr>
-          <p:blipFill>
-            <a:blip r:embed="rId4" cstate="print">
-              <a:extLst>
-                <a:ext uri="{28A0092B-C50C-407E-A947-70E740481C1C}">
-                  <a14:useLocalDpi xmlns:a14="http://schemas.microsoft.com/office/drawing/2010/main" val="0"/>
-                </a:ext>
-              </a:extLst>
-            </a:blip>
-            <a:srcRect/>
-            <a:stretch>
-              <a:fillRect/>
-            </a:stretch>
-          </p:blipFill>
-          <p:spPr bwMode="auto">
-            <a:xfrm>
-              <a:off x="4197074" y="4122955"/>
-              <a:ext cx="935645" cy="935645"/>
-            </a:xfrm>
-            <a:prstGeom prst="rect">
-              <a:avLst/>
-            </a:prstGeom>
-            <a:noFill/>
-            <a:extLst>
-              <a:ext uri="{909E8E84-426E-40DD-AFC4-6F175D3DCCD1}">
-                <a14:hiddenFill xmlns:a14="http://schemas.microsoft.com/office/drawing/2010/main">
-                  <a:solidFill>
-                    <a:srgbClr val="FFFFFF"/>
-                  </a:solidFill>
-                </a14:hiddenFill>
-              </a:ext>
-            </a:extLst>
-          </p:spPr>
-        </p:pic>
-        <p:sp>
-          <p:nvSpPr>
-            <p:cNvPr id="15" name="CasellaDiTesto 14">
-              <a:extLst>
-                <a:ext uri="{FF2B5EF4-FFF2-40B4-BE49-F238E27FC236}">
-                  <a16:creationId xmlns:a16="http://schemas.microsoft.com/office/drawing/2014/main" id="{6CF61C85-399B-6C83-E72D-829EE1A3980C}"/>
-                </a:ext>
-              </a:extLst>
-            </p:cNvPr>
-            <p:cNvSpPr txBox="1"/>
-            <p:nvPr/>
-          </p:nvSpPr>
-          <p:spPr>
-            <a:xfrm>
-              <a:off x="3363743" y="5107634"/>
-              <a:ext cx="2602305" cy="307777"/>
-            </a:xfrm>
-            <a:prstGeom prst="rect">
-              <a:avLst/>
-            </a:prstGeom>
-            <a:noFill/>
-          </p:spPr>
-          <p:txBody>
-            <a:bodyPr wrap="square" rtlCol="0">
-              <a:spAutoFit/>
-            </a:bodyPr>
-            <a:lstStyle/>
-            <a:p>
-              <a:r>
-                <a:rPr lang="it-IT" sz="1400" noProof="0" dirty="0">
-                  <a:hlinkClick r:id="rId5"/>
-                </a:rPr>
-                <a:t>https://github.com/CSW-Teams</a:t>
-              </a:r>
-              <a:endParaRPr lang="it-IT" sz="1400" noProof="0" dirty="0"/>
-            </a:p>
-          </p:txBody>
-        </p:sp>
-      </p:grpSp>
-      <p:sp>
-        <p:nvSpPr>
-          <p:cNvPr id="7" name="TextBox 6">
-            <a:extLst>
-              <a:ext uri="{FF2B5EF4-FFF2-40B4-BE49-F238E27FC236}">
-                <a16:creationId xmlns:a16="http://schemas.microsoft.com/office/drawing/2014/main" id="{44869B4C-89D4-C167-BFA1-1635E3617583}"/>
-              </a:ext>
-            </a:extLst>
-          </p:cNvPr>
-          <p:cNvSpPr txBox="1"/>
-          <p:nvPr/>
-        </p:nvSpPr>
-        <p:spPr>
-          <a:xfrm>
-            <a:off x="11648274" y="6452785"/>
-            <a:ext cx="438619" cy="307777"/>
-          </a:xfrm>
-          <a:prstGeom prst="rect">
-            <a:avLst/>
-          </a:prstGeom>
-          <a:noFill/>
-        </p:spPr>
-        <p:txBody>
-          <a:bodyPr wrap="square" lIns="91440" tIns="45720" rIns="91440" bIns="45720" anchor="t">
-            <a:spAutoFit/>
-          </a:bodyPr>
-          <a:lstStyle/>
-          <a:p>
-            <a:r>
-              <a:rPr lang="it-IT" sz="1400" dirty="0">
-                <a:solidFill>
-                  <a:schemeClr val="bg1"/>
-                </a:solidFill>
-              </a:rPr>
-              <a:t>20</a:t>
-            </a:r>
-            <a:endParaRPr lang="it-IT" sz="1400" noProof="0" dirty="0"/>
-          </a:p>
-        </p:txBody>
-      </p:sp>
-      <p:sp>
-        <p:nvSpPr>
-          <p:cNvPr id="8" name="TextBox 7">
-            <a:extLst>
-              <a:ext uri="{FF2B5EF4-FFF2-40B4-BE49-F238E27FC236}">
-                <a16:creationId xmlns:a16="http://schemas.microsoft.com/office/drawing/2014/main" id="{643999E1-F3C9-DEB6-7325-C2E14FE2D1B2}"/>
-              </a:ext>
-            </a:extLst>
-          </p:cNvPr>
-          <p:cNvSpPr txBox="1"/>
-          <p:nvPr/>
-        </p:nvSpPr>
-        <p:spPr>
-          <a:xfrm>
-            <a:off x="3945005" y="3537029"/>
-            <a:ext cx="1324786" cy="338554"/>
-          </a:xfrm>
-          <a:prstGeom prst="rect">
-            <a:avLst/>
-          </a:prstGeom>
-          <a:noFill/>
-        </p:spPr>
-        <p:txBody>
-          <a:bodyPr wrap="none" rtlCol="0">
-            <a:spAutoFit/>
-          </a:bodyPr>
-          <a:lstStyle/>
-          <a:p>
-            <a:r>
-              <a:rPr lang="it-IT" sz="1600" noProof="0" dirty="0">
-                <a:solidFill>
-                  <a:schemeClr val="tx1">
-                    <a:lumMod val="85000"/>
-                    <a:lumOff val="15000"/>
-                  </a:schemeClr>
-                </a:solidFill>
-              </a:rPr>
-              <a:t>Project links:</a:t>
-            </a:r>
-          </a:p>
-        </p:txBody>
-      </p:sp>
-    </p:spTree>
-    <p:extLst>
-      <p:ext uri="{BB962C8B-B14F-4D97-AF65-F5344CB8AC3E}">
-        <p14:creationId xmlns:p14="http://schemas.microsoft.com/office/powerpoint/2010/main" val="4154178820"/>
       </p:ext>
     </p:extLst>
   </p:cSld>
@@ -16189,20 +17017,12 @@
                 <a:t>Multi-</a:t>
               </a:r>
               <a:r>
-                <a:rPr lang="it-IT" u="sng" dirty="0">
-                  <a:solidFill>
-                    <a:schemeClr val="accent1"/>
-                  </a:solidFill>
-                </a:rPr>
-                <a:t>T</a:t>
-              </a:r>
-              <a:r>
                 <a:rPr lang="it-IT" u="sng" noProof="0" dirty="0" err="1">
                   <a:solidFill>
                     <a:schemeClr val="accent1"/>
                   </a:solidFill>
                 </a:rPr>
-                <a:t>enancy</a:t>
+                <a:t>Tenancy</a:t>
               </a:r>
               <a:r>
                 <a:rPr lang="it-IT" u="sng" noProof="0" dirty="0">
@@ -16210,18 +17030,10 @@
                     <a:schemeClr val="accent1"/>
                   </a:solidFill>
                 </a:rPr>
-                <a:t> </a:t>
+                <a:t> data </a:t>
               </a:r>
               <a:r>
-                <a:rPr lang="it-IT" u="sng" noProof="0" dirty="0" smtClean="0">
-                  <a:solidFill>
-                    <a:schemeClr val="accent1"/>
-                  </a:solidFill>
-                </a:rPr>
-                <a:t>data </a:t>
-              </a:r>
-              <a:r>
-                <a:rPr lang="it-IT" u="sng" noProof="0" dirty="0" err="1" smtClean="0">
+                <a:rPr lang="it-IT" u="sng" noProof="0" dirty="0" err="1">
                   <a:solidFill>
                     <a:schemeClr val="accent1"/>
                   </a:solidFill>
@@ -16357,26 +17169,10 @@
                     <a:schemeClr val="accent1"/>
                   </a:solidFill>
                 </a:rPr>
-                <a:t>Analysis </a:t>
+                <a:t>Analysis tool </a:t>
               </a:r>
               <a:r>
                 <a:rPr lang="it-IT" u="sng" noProof="0" dirty="0" err="1">
-                  <a:solidFill>
-                    <a:schemeClr val="accent1"/>
-                  </a:solidFill>
-                </a:rPr>
-                <a:t>too</a:t>
-              </a:r>
-              <a:r>
-                <a:rPr lang="it-IT" u="sng" dirty="0">
-                  <a:solidFill>
-                    <a:schemeClr val="accent1"/>
-                  </a:solidFill>
-                </a:rPr>
-                <a:t>l </a:t>
-              </a:r>
-              <a:r>
-                <a:rPr lang="it-IT" u="sng" dirty="0" err="1">
                   <a:solidFill>
                     <a:schemeClr val="accent1"/>
                   </a:solidFill>
@@ -16450,10 +17246,9 @@
             <a:p>
               <a:pPr algn="ctr"/>
               <a:r>
-                <a:rPr lang="it-IT" sz="1600" dirty="0"/>
+                <a:rPr lang="it-IT" sz="1600" noProof="0" dirty="0"/>
                 <a:t>B</a:t>
               </a:r>
-              <a:endParaRPr lang="it-IT" sz="1600" noProof="0" dirty="0"/>
             </a:p>
           </p:txBody>
         </p:sp>
@@ -16781,7 +17576,7 @@
             <a:lstStyle/>
             <a:p>
               <a:r>
-                <a:rPr lang="it-IT" u="sng" dirty="0" err="1">
+                <a:rPr lang="it-IT" u="sng" noProof="0" dirty="0" err="1">
                   <a:solidFill>
                     <a:schemeClr val="accent1"/>
                   </a:solidFill>
@@ -16789,18 +17584,13 @@
                 <a:t>Strengthen</a:t>
               </a:r>
               <a:r>
-                <a:rPr lang="it-IT" u="sng" dirty="0">
+                <a:rPr lang="it-IT" u="sng" noProof="0" dirty="0">
                   <a:solidFill>
                     <a:schemeClr val="accent1"/>
                   </a:solidFill>
                 </a:rPr>
                 <a:t> testing</a:t>
               </a:r>
-              <a:endParaRPr lang="it-IT" u="sng" noProof="0" dirty="0">
-                <a:solidFill>
-                  <a:schemeClr val="accent1"/>
-                </a:solidFill>
-              </a:endParaRPr>
             </a:p>
           </p:txBody>
         </p:sp>
@@ -16880,13 +17670,1066 @@
   <p:clrMapOvr>
     <a:masterClrMapping/>
   </p:clrMapOvr>
-  <p:timing>
-    <p:tnLst>
-      <p:par>
-        <p:cTn id="1" dur="indefinite" restart="never" nodeType="tmRoot"/>
-      </p:par>
-    </p:tnLst>
-  </p:timing>
+</p:sld>
+</file>
+
+<file path=ppt/slides/slide20.xml><?xml version="1.0" encoding="utf-8"?>
+<p:sld xmlns:a="http://schemas.openxmlformats.org/drawingml/2006/main" xmlns:r="http://schemas.openxmlformats.org/officeDocument/2006/relationships" xmlns:p="http://schemas.openxmlformats.org/presentationml/2006/main">
+  <p:cSld>
+    <p:spTree>
+      <p:nvGrpSpPr>
+        <p:cNvPr id="1" name=""/>
+        <p:cNvGrpSpPr/>
+        <p:nvPr/>
+      </p:nvGrpSpPr>
+      <p:grpSpPr>
+        <a:xfrm>
+          <a:off x="0" y="0"/>
+          <a:ext cx="0" cy="0"/>
+          <a:chOff x="0" y="0"/>
+          <a:chExt cx="0" cy="0"/>
+        </a:xfrm>
+      </p:grpSpPr>
+      <p:pic>
+        <p:nvPicPr>
+          <p:cNvPr id="14" name="Picture 13">
+            <a:extLst>
+              <a:ext uri="{FF2B5EF4-FFF2-40B4-BE49-F238E27FC236}">
+                <a16:creationId xmlns:a16="http://schemas.microsoft.com/office/drawing/2014/main" id="{84134CFB-FE29-5A5B-D802-49956D4BACF7}"/>
+              </a:ext>
+            </a:extLst>
+          </p:cNvPr>
+          <p:cNvPicPr>
+            <a:picLocks noChangeAspect="1"/>
+          </p:cNvPicPr>
+          <p:nvPr/>
+        </p:nvPicPr>
+        <p:blipFill>
+          <a:blip r:embed="rId2"/>
+          <a:stretch>
+            <a:fillRect/>
+          </a:stretch>
+        </p:blipFill>
+        <p:spPr>
+          <a:xfrm>
+            <a:off x="7277985" y="335331"/>
+            <a:ext cx="885600" cy="885600"/>
+          </a:xfrm>
+          <a:prstGeom prst="rect">
+            <a:avLst/>
+          </a:prstGeom>
+        </p:spPr>
+      </p:pic>
+      <p:sp>
+        <p:nvSpPr>
+          <p:cNvPr id="2" name="Titolo 1">
+            <a:extLst>
+              <a:ext uri="{FF2B5EF4-FFF2-40B4-BE49-F238E27FC236}">
+                <a16:creationId xmlns:a16="http://schemas.microsoft.com/office/drawing/2014/main" id="{177ED6F5-92B1-E476-25BC-DB32C6A80074}"/>
+              </a:ext>
+            </a:extLst>
+          </p:cNvPr>
+          <p:cNvSpPr>
+            <a:spLocks noGrp="1"/>
+          </p:cNvSpPr>
+          <p:nvPr>
+            <p:ph type="title"/>
+          </p:nvPr>
+        </p:nvSpPr>
+        <p:spPr>
+          <a:xfrm>
+            <a:off x="639724" y="472780"/>
+            <a:ext cx="7444563" cy="653143"/>
+          </a:xfrm>
+        </p:spPr>
+        <p:txBody>
+          <a:bodyPr>
+            <a:normAutofit/>
+          </a:bodyPr>
+          <a:lstStyle/>
+          <a:p>
+            <a:r>
+              <a:rPr lang="it-IT" sz="4000" noProof="0" dirty="0">
+                <a:solidFill>
+                  <a:schemeClr val="tx2">
+                    <a:lumMod val="90000"/>
+                    <a:lumOff val="10000"/>
+                  </a:schemeClr>
+                </a:solidFill>
+              </a:rPr>
+              <a:t>ISSUES</a:t>
+            </a:r>
+          </a:p>
+        </p:txBody>
+      </p:sp>
+      <p:sp>
+        <p:nvSpPr>
+          <p:cNvPr id="4" name="Rettangolo 3">
+            <a:extLst>
+              <a:ext uri="{FF2B5EF4-FFF2-40B4-BE49-F238E27FC236}">
+                <a16:creationId xmlns:a16="http://schemas.microsoft.com/office/drawing/2014/main" id="{C009817D-270B-67E9-2773-7730FF1AD9FB}"/>
+              </a:ext>
+            </a:extLst>
+          </p:cNvPr>
+          <p:cNvSpPr/>
+          <p:nvPr/>
+        </p:nvSpPr>
+        <p:spPr>
+          <a:xfrm>
+            <a:off x="0" y="472781"/>
+            <a:ext cx="190243" cy="653143"/>
+          </a:xfrm>
+          <a:prstGeom prst="rect">
+            <a:avLst/>
+          </a:prstGeom>
+          <a:solidFill>
+            <a:schemeClr val="tx2">
+              <a:lumMod val="90000"/>
+              <a:lumOff val="10000"/>
+            </a:schemeClr>
+          </a:solidFill>
+          <a:ln>
+            <a:solidFill>
+              <a:schemeClr val="tx2">
+                <a:lumMod val="90000"/>
+                <a:lumOff val="10000"/>
+              </a:schemeClr>
+            </a:solidFill>
+          </a:ln>
+        </p:spPr>
+        <p:style>
+          <a:lnRef idx="2">
+            <a:schemeClr val="accent1">
+              <a:shade val="15000"/>
+            </a:schemeClr>
+          </a:lnRef>
+          <a:fillRef idx="1">
+            <a:schemeClr val="accent1"/>
+          </a:fillRef>
+          <a:effectRef idx="0">
+            <a:schemeClr val="accent1"/>
+          </a:effectRef>
+          <a:fontRef idx="minor">
+            <a:schemeClr val="lt1"/>
+          </a:fontRef>
+        </p:style>
+        <p:txBody>
+          <a:bodyPr rtlCol="0" anchor="ctr"/>
+          <a:lstStyle/>
+          <a:p>
+            <a:pPr algn="ctr"/>
+            <a:endParaRPr lang="it-IT" noProof="0" dirty="0"/>
+          </a:p>
+        </p:txBody>
+      </p:sp>
+      <p:sp>
+        <p:nvSpPr>
+          <p:cNvPr id="5" name="Rettangolo 4">
+            <a:extLst>
+              <a:ext uri="{FF2B5EF4-FFF2-40B4-BE49-F238E27FC236}">
+                <a16:creationId xmlns:a16="http://schemas.microsoft.com/office/drawing/2014/main" id="{0EEED853-2CCD-BFF0-CE4A-A6155CC7596B}"/>
+              </a:ext>
+            </a:extLst>
+          </p:cNvPr>
+          <p:cNvSpPr/>
+          <p:nvPr/>
+        </p:nvSpPr>
+        <p:spPr>
+          <a:xfrm>
+            <a:off x="289539" y="472780"/>
+            <a:ext cx="139359" cy="653143"/>
+          </a:xfrm>
+          <a:prstGeom prst="rect">
+            <a:avLst/>
+          </a:prstGeom>
+          <a:solidFill>
+            <a:schemeClr val="tx2">
+              <a:lumMod val="90000"/>
+              <a:lumOff val="10000"/>
+            </a:schemeClr>
+          </a:solidFill>
+          <a:ln>
+            <a:solidFill>
+              <a:schemeClr val="tx2">
+                <a:lumMod val="90000"/>
+                <a:lumOff val="10000"/>
+              </a:schemeClr>
+            </a:solidFill>
+          </a:ln>
+        </p:spPr>
+        <p:style>
+          <a:lnRef idx="2">
+            <a:schemeClr val="accent1">
+              <a:shade val="15000"/>
+            </a:schemeClr>
+          </a:lnRef>
+          <a:fillRef idx="1">
+            <a:schemeClr val="accent1"/>
+          </a:fillRef>
+          <a:effectRef idx="0">
+            <a:schemeClr val="accent1"/>
+          </a:effectRef>
+          <a:fontRef idx="minor">
+            <a:schemeClr val="lt1"/>
+          </a:fontRef>
+        </p:style>
+        <p:txBody>
+          <a:bodyPr rtlCol="0" anchor="ctr"/>
+          <a:lstStyle/>
+          <a:p>
+            <a:pPr algn="ctr"/>
+            <a:endParaRPr lang="it-IT" noProof="0" dirty="0"/>
+          </a:p>
+        </p:txBody>
+      </p:sp>
+      <p:sp>
+        <p:nvSpPr>
+          <p:cNvPr id="11" name="Rettangolo 10">
+            <a:extLst>
+              <a:ext uri="{FF2B5EF4-FFF2-40B4-BE49-F238E27FC236}">
+                <a16:creationId xmlns:a16="http://schemas.microsoft.com/office/drawing/2014/main" id="{C548A64E-D196-AA89-9669-B1078E52C928}"/>
+              </a:ext>
+            </a:extLst>
+          </p:cNvPr>
+          <p:cNvSpPr/>
+          <p:nvPr/>
+        </p:nvSpPr>
+        <p:spPr>
+          <a:xfrm>
+            <a:off x="10008781" y="0"/>
+            <a:ext cx="2183219" cy="6858000"/>
+          </a:xfrm>
+          <a:prstGeom prst="rect">
+            <a:avLst/>
+          </a:prstGeom>
+          <a:solidFill>
+            <a:schemeClr val="tx2">
+              <a:lumMod val="90000"/>
+              <a:lumOff val="10000"/>
+            </a:schemeClr>
+          </a:solidFill>
+          <a:ln>
+            <a:solidFill>
+              <a:schemeClr val="tx2">
+                <a:lumMod val="90000"/>
+                <a:lumOff val="10000"/>
+              </a:schemeClr>
+            </a:solidFill>
+          </a:ln>
+        </p:spPr>
+        <p:style>
+          <a:lnRef idx="2">
+            <a:schemeClr val="accent1">
+              <a:shade val="15000"/>
+            </a:schemeClr>
+          </a:lnRef>
+          <a:fillRef idx="1">
+            <a:schemeClr val="accent1"/>
+          </a:fillRef>
+          <a:effectRef idx="0">
+            <a:schemeClr val="accent1"/>
+          </a:effectRef>
+          <a:fontRef idx="minor">
+            <a:schemeClr val="lt1"/>
+          </a:fontRef>
+        </p:style>
+        <p:txBody>
+          <a:bodyPr rtlCol="0" anchor="ctr"/>
+          <a:lstStyle/>
+          <a:p>
+            <a:pPr algn="ctr"/>
+            <a:endParaRPr lang="it-IT" noProof="0" dirty="0"/>
+          </a:p>
+        </p:txBody>
+      </p:sp>
+      <p:cxnSp>
+        <p:nvCxnSpPr>
+          <p:cNvPr id="8" name="Connettore diritto 7">
+            <a:extLst>
+              <a:ext uri="{FF2B5EF4-FFF2-40B4-BE49-F238E27FC236}">
+                <a16:creationId xmlns:a16="http://schemas.microsoft.com/office/drawing/2014/main" id="{19EC6D46-28AA-F5DF-A2FA-19ADCF121A2B}"/>
+              </a:ext>
+            </a:extLst>
+          </p:cNvPr>
+          <p:cNvCxnSpPr>
+            <a:cxnSpLocks/>
+          </p:cNvCxnSpPr>
+          <p:nvPr/>
+        </p:nvCxnSpPr>
+        <p:spPr>
+          <a:xfrm>
+            <a:off x="639725" y="1351691"/>
+            <a:ext cx="6654057" cy="0"/>
+          </a:xfrm>
+          <a:prstGeom prst="line">
+            <a:avLst/>
+          </a:prstGeom>
+          <a:ln>
+            <a:solidFill>
+              <a:schemeClr val="tx2">
+                <a:lumMod val="90000"/>
+                <a:lumOff val="10000"/>
+              </a:schemeClr>
+            </a:solidFill>
+          </a:ln>
+        </p:spPr>
+        <p:style>
+          <a:lnRef idx="2">
+            <a:schemeClr val="accent1"/>
+          </a:lnRef>
+          <a:fillRef idx="0">
+            <a:schemeClr val="accent1"/>
+          </a:fillRef>
+          <a:effectRef idx="1">
+            <a:schemeClr val="accent1"/>
+          </a:effectRef>
+          <a:fontRef idx="minor">
+            <a:schemeClr val="tx1"/>
+          </a:fontRef>
+        </p:style>
+      </p:cxnSp>
+      <p:sp>
+        <p:nvSpPr>
+          <p:cNvPr id="6" name="TextBox 5">
+            <a:extLst>
+              <a:ext uri="{FF2B5EF4-FFF2-40B4-BE49-F238E27FC236}">
+                <a16:creationId xmlns:a16="http://schemas.microsoft.com/office/drawing/2014/main" id="{A164EEBB-77D3-5275-84FF-FDE9AB6E6E91}"/>
+              </a:ext>
+            </a:extLst>
+          </p:cNvPr>
+          <p:cNvSpPr txBox="1"/>
+          <p:nvPr/>
+        </p:nvSpPr>
+        <p:spPr>
+          <a:xfrm>
+            <a:off x="11654290" y="6452785"/>
+            <a:ext cx="438619" cy="307777"/>
+          </a:xfrm>
+          <a:prstGeom prst="rect">
+            <a:avLst/>
+          </a:prstGeom>
+          <a:noFill/>
+        </p:spPr>
+        <p:txBody>
+          <a:bodyPr wrap="square" lIns="91440" tIns="45720" rIns="91440" bIns="45720" anchor="t">
+            <a:spAutoFit/>
+          </a:bodyPr>
+          <a:lstStyle/>
+          <a:p>
+            <a:r>
+              <a:rPr lang="it-IT" sz="1400" noProof="0" dirty="0">
+                <a:solidFill>
+                  <a:schemeClr val="bg1"/>
+                </a:solidFill>
+              </a:rPr>
+              <a:t>19</a:t>
+            </a:r>
+            <a:endParaRPr lang="it-IT" sz="1400" noProof="0" dirty="0"/>
+          </a:p>
+        </p:txBody>
+      </p:sp>
+      <p:sp>
+        <p:nvSpPr>
+          <p:cNvPr id="12" name="Rettangolo 11"/>
+          <p:cNvSpPr/>
+          <p:nvPr/>
+        </p:nvSpPr>
+        <p:spPr>
+          <a:xfrm>
+            <a:off x="639724" y="1612800"/>
+            <a:ext cx="6096000" cy="1477328"/>
+          </a:xfrm>
+          <a:prstGeom prst="rect">
+            <a:avLst/>
+          </a:prstGeom>
+        </p:spPr>
+        <p:txBody>
+          <a:bodyPr>
+            <a:spAutoFit/>
+          </a:bodyPr>
+          <a:lstStyle/>
+          <a:p>
+            <a:r>
+              <a:rPr lang="it-IT" noProof="0" dirty="0">
+                <a:solidFill>
+                  <a:schemeClr val="tx1">
+                    <a:lumMod val="85000"/>
+                    <a:lumOff val="15000"/>
+                  </a:schemeClr>
+                </a:solidFill>
+              </a:rPr>
+              <a:t>Durante la risoluzione delle task accordate, il team ha riscontrato:</a:t>
+            </a:r>
+          </a:p>
+          <a:p>
+            <a:endParaRPr lang="it-IT" noProof="0" dirty="0">
+              <a:solidFill>
+                <a:schemeClr val="tx1">
+                  <a:lumMod val="85000"/>
+                  <a:lumOff val="15000"/>
+                </a:schemeClr>
+              </a:solidFill>
+            </a:endParaRPr>
+          </a:p>
+          <a:p>
+            <a:pPr marL="285750" indent="-285750">
+              <a:buFont typeface="Arial" panose="020B0604020202020204" pitchFamily="34" charset="0"/>
+              <a:buChar char="•"/>
+            </a:pPr>
+            <a:r>
+              <a:rPr lang="it-IT" noProof="0" dirty="0">
+                <a:solidFill>
+                  <a:srgbClr val="FF0000"/>
+                </a:solidFill>
+              </a:rPr>
+              <a:t>ISSUES</a:t>
+            </a:r>
+          </a:p>
+          <a:p>
+            <a:pPr marL="285750" indent="-285750">
+              <a:buFont typeface="Arial" panose="020B0604020202020204" pitchFamily="34" charset="0"/>
+              <a:buChar char="•"/>
+            </a:pPr>
+            <a:endParaRPr lang="it-IT" noProof="0" dirty="0">
+              <a:solidFill>
+                <a:schemeClr val="tx1">
+                  <a:lumMod val="85000"/>
+                  <a:lumOff val="15000"/>
+                </a:schemeClr>
+              </a:solidFill>
+            </a:endParaRPr>
+          </a:p>
+        </p:txBody>
+      </p:sp>
+    </p:spTree>
+    <p:extLst>
+      <p:ext uri="{BB962C8B-B14F-4D97-AF65-F5344CB8AC3E}">
+        <p14:creationId xmlns:p14="http://schemas.microsoft.com/office/powerpoint/2010/main" val="3585670584"/>
+      </p:ext>
+    </p:extLst>
+  </p:cSld>
+  <p:clrMapOvr>
+    <a:masterClrMapping/>
+  </p:clrMapOvr>
+</p:sld>
+</file>
+
+<file path=ppt/slides/slide21.xml><?xml version="1.0" encoding="utf-8"?>
+<p:sld xmlns:a="http://schemas.openxmlformats.org/drawingml/2006/main" xmlns:r="http://schemas.openxmlformats.org/officeDocument/2006/relationships" xmlns:p="http://schemas.openxmlformats.org/presentationml/2006/main">
+  <p:cSld>
+    <p:spTree>
+      <p:nvGrpSpPr>
+        <p:cNvPr id="1" name=""/>
+        <p:cNvGrpSpPr/>
+        <p:nvPr/>
+      </p:nvGrpSpPr>
+      <p:grpSpPr>
+        <a:xfrm>
+          <a:off x="0" y="0"/>
+          <a:ext cx="0" cy="0"/>
+          <a:chOff x="0" y="0"/>
+          <a:chExt cx="0" cy="0"/>
+        </a:xfrm>
+      </p:grpSpPr>
+      <p:sp>
+        <p:nvSpPr>
+          <p:cNvPr id="2" name="Titolo 1">
+            <a:extLst>
+              <a:ext uri="{FF2B5EF4-FFF2-40B4-BE49-F238E27FC236}">
+                <a16:creationId xmlns:a16="http://schemas.microsoft.com/office/drawing/2014/main" id="{177ED6F5-92B1-E476-25BC-DB32C6A80074}"/>
+              </a:ext>
+            </a:extLst>
+          </p:cNvPr>
+          <p:cNvSpPr>
+            <a:spLocks noGrp="1"/>
+          </p:cNvSpPr>
+          <p:nvPr>
+            <p:ph type="title"/>
+          </p:nvPr>
+        </p:nvSpPr>
+        <p:spPr>
+          <a:xfrm>
+            <a:off x="662848" y="472780"/>
+            <a:ext cx="7444563" cy="653143"/>
+          </a:xfrm>
+        </p:spPr>
+        <p:txBody>
+          <a:bodyPr>
+            <a:normAutofit/>
+          </a:bodyPr>
+          <a:lstStyle/>
+          <a:p>
+            <a:r>
+              <a:rPr lang="it-IT" sz="4000" noProof="0" dirty="0">
+                <a:solidFill>
+                  <a:schemeClr val="tx2">
+                    <a:lumMod val="90000"/>
+                    <a:lumOff val="10000"/>
+                  </a:schemeClr>
+                </a:solidFill>
+              </a:rPr>
+              <a:t>CONCLUSIONS</a:t>
+            </a:r>
+          </a:p>
+        </p:txBody>
+      </p:sp>
+      <p:sp>
+        <p:nvSpPr>
+          <p:cNvPr id="4" name="Rettangolo 3">
+            <a:extLst>
+              <a:ext uri="{FF2B5EF4-FFF2-40B4-BE49-F238E27FC236}">
+                <a16:creationId xmlns:a16="http://schemas.microsoft.com/office/drawing/2014/main" id="{C009817D-270B-67E9-2773-7730FF1AD9FB}"/>
+              </a:ext>
+            </a:extLst>
+          </p:cNvPr>
+          <p:cNvSpPr/>
+          <p:nvPr/>
+        </p:nvSpPr>
+        <p:spPr>
+          <a:xfrm>
+            <a:off x="0" y="472781"/>
+            <a:ext cx="190243" cy="653143"/>
+          </a:xfrm>
+          <a:prstGeom prst="rect">
+            <a:avLst/>
+          </a:prstGeom>
+          <a:solidFill>
+            <a:schemeClr val="tx2">
+              <a:lumMod val="90000"/>
+              <a:lumOff val="10000"/>
+            </a:schemeClr>
+          </a:solidFill>
+          <a:ln>
+            <a:solidFill>
+              <a:schemeClr val="tx2">
+                <a:lumMod val="90000"/>
+                <a:lumOff val="10000"/>
+              </a:schemeClr>
+            </a:solidFill>
+          </a:ln>
+        </p:spPr>
+        <p:style>
+          <a:lnRef idx="2">
+            <a:schemeClr val="accent1">
+              <a:shade val="15000"/>
+            </a:schemeClr>
+          </a:lnRef>
+          <a:fillRef idx="1">
+            <a:schemeClr val="accent1"/>
+          </a:fillRef>
+          <a:effectRef idx="0">
+            <a:schemeClr val="accent1"/>
+          </a:effectRef>
+          <a:fontRef idx="minor">
+            <a:schemeClr val="lt1"/>
+          </a:fontRef>
+        </p:style>
+        <p:txBody>
+          <a:bodyPr rtlCol="0" anchor="ctr"/>
+          <a:lstStyle/>
+          <a:p>
+            <a:pPr algn="ctr"/>
+            <a:endParaRPr lang="it-IT" noProof="0" dirty="0">
+              <a:solidFill>
+                <a:schemeClr val="tx2">
+                  <a:lumMod val="90000"/>
+                  <a:lumOff val="10000"/>
+                </a:schemeClr>
+              </a:solidFill>
+            </a:endParaRPr>
+          </a:p>
+        </p:txBody>
+      </p:sp>
+      <p:sp>
+        <p:nvSpPr>
+          <p:cNvPr id="5" name="Rettangolo 4">
+            <a:extLst>
+              <a:ext uri="{FF2B5EF4-FFF2-40B4-BE49-F238E27FC236}">
+                <a16:creationId xmlns:a16="http://schemas.microsoft.com/office/drawing/2014/main" id="{0EEED853-2CCD-BFF0-CE4A-A6155CC7596B}"/>
+              </a:ext>
+            </a:extLst>
+          </p:cNvPr>
+          <p:cNvSpPr/>
+          <p:nvPr/>
+        </p:nvSpPr>
+        <p:spPr>
+          <a:xfrm>
+            <a:off x="289539" y="472780"/>
+            <a:ext cx="139359" cy="653143"/>
+          </a:xfrm>
+          <a:prstGeom prst="rect">
+            <a:avLst/>
+          </a:prstGeom>
+          <a:solidFill>
+            <a:schemeClr val="tx2">
+              <a:lumMod val="90000"/>
+              <a:lumOff val="10000"/>
+            </a:schemeClr>
+          </a:solidFill>
+          <a:ln>
+            <a:solidFill>
+              <a:schemeClr val="tx2">
+                <a:lumMod val="90000"/>
+                <a:lumOff val="10000"/>
+              </a:schemeClr>
+            </a:solidFill>
+          </a:ln>
+        </p:spPr>
+        <p:style>
+          <a:lnRef idx="2">
+            <a:schemeClr val="accent1">
+              <a:shade val="15000"/>
+            </a:schemeClr>
+          </a:lnRef>
+          <a:fillRef idx="1">
+            <a:schemeClr val="accent1"/>
+          </a:fillRef>
+          <a:effectRef idx="0">
+            <a:schemeClr val="accent1"/>
+          </a:effectRef>
+          <a:fontRef idx="minor">
+            <a:schemeClr val="lt1"/>
+          </a:fontRef>
+        </p:style>
+        <p:txBody>
+          <a:bodyPr rtlCol="0" anchor="ctr"/>
+          <a:lstStyle/>
+          <a:p>
+            <a:pPr algn="ctr"/>
+            <a:endParaRPr lang="it-IT" noProof="0" dirty="0">
+              <a:solidFill>
+                <a:schemeClr val="tx2">
+                  <a:lumMod val="90000"/>
+                  <a:lumOff val="10000"/>
+                </a:schemeClr>
+              </a:solidFill>
+            </a:endParaRPr>
+          </a:p>
+        </p:txBody>
+      </p:sp>
+      <p:sp>
+        <p:nvSpPr>
+          <p:cNvPr id="11" name="Rettangolo 10">
+            <a:extLst>
+              <a:ext uri="{FF2B5EF4-FFF2-40B4-BE49-F238E27FC236}">
+                <a16:creationId xmlns:a16="http://schemas.microsoft.com/office/drawing/2014/main" id="{C548A64E-D196-AA89-9669-B1078E52C928}"/>
+              </a:ext>
+            </a:extLst>
+          </p:cNvPr>
+          <p:cNvSpPr/>
+          <p:nvPr/>
+        </p:nvSpPr>
+        <p:spPr>
+          <a:xfrm>
+            <a:off x="10008781" y="0"/>
+            <a:ext cx="2183219" cy="6858000"/>
+          </a:xfrm>
+          <a:prstGeom prst="rect">
+            <a:avLst/>
+          </a:prstGeom>
+          <a:solidFill>
+            <a:schemeClr val="tx2">
+              <a:lumMod val="90000"/>
+              <a:lumOff val="10000"/>
+            </a:schemeClr>
+          </a:solidFill>
+          <a:ln>
+            <a:solidFill>
+              <a:schemeClr val="tx2">
+                <a:lumMod val="90000"/>
+                <a:lumOff val="10000"/>
+              </a:schemeClr>
+            </a:solidFill>
+          </a:ln>
+        </p:spPr>
+        <p:style>
+          <a:lnRef idx="2">
+            <a:schemeClr val="accent1">
+              <a:shade val="15000"/>
+            </a:schemeClr>
+          </a:lnRef>
+          <a:fillRef idx="1">
+            <a:schemeClr val="accent1"/>
+          </a:fillRef>
+          <a:effectRef idx="0">
+            <a:schemeClr val="accent1"/>
+          </a:effectRef>
+          <a:fontRef idx="minor">
+            <a:schemeClr val="lt1"/>
+          </a:fontRef>
+        </p:style>
+        <p:txBody>
+          <a:bodyPr rtlCol="0" anchor="ctr"/>
+          <a:lstStyle/>
+          <a:p>
+            <a:pPr algn="ctr"/>
+            <a:endParaRPr lang="it-IT" noProof="0" dirty="0">
+              <a:solidFill>
+                <a:schemeClr val="tx2">
+                  <a:lumMod val="90000"/>
+                  <a:lumOff val="10000"/>
+                </a:schemeClr>
+              </a:solidFill>
+            </a:endParaRPr>
+          </a:p>
+        </p:txBody>
+      </p:sp>
+      <p:cxnSp>
+        <p:nvCxnSpPr>
+          <p:cNvPr id="6" name="Connettore diritto 5">
+            <a:extLst>
+              <a:ext uri="{FF2B5EF4-FFF2-40B4-BE49-F238E27FC236}">
+                <a16:creationId xmlns:a16="http://schemas.microsoft.com/office/drawing/2014/main" id="{CABEDC88-2220-CACB-609D-6CDD80797783}"/>
+              </a:ext>
+            </a:extLst>
+          </p:cNvPr>
+          <p:cNvCxnSpPr>
+            <a:cxnSpLocks/>
+          </p:cNvCxnSpPr>
+          <p:nvPr/>
+        </p:nvCxnSpPr>
+        <p:spPr>
+          <a:xfrm>
+            <a:off x="639725" y="1351691"/>
+            <a:ext cx="6654057" cy="0"/>
+          </a:xfrm>
+          <a:prstGeom prst="line">
+            <a:avLst/>
+          </a:prstGeom>
+          <a:ln>
+            <a:solidFill>
+              <a:schemeClr val="tx2">
+                <a:lumMod val="90000"/>
+                <a:lumOff val="10000"/>
+              </a:schemeClr>
+            </a:solidFill>
+          </a:ln>
+        </p:spPr>
+        <p:style>
+          <a:lnRef idx="2">
+            <a:schemeClr val="accent1"/>
+          </a:lnRef>
+          <a:fillRef idx="0">
+            <a:schemeClr val="accent1"/>
+          </a:fillRef>
+          <a:effectRef idx="1">
+            <a:schemeClr val="accent1"/>
+          </a:effectRef>
+          <a:fontRef idx="minor">
+            <a:schemeClr val="tx1"/>
+          </a:fontRef>
+        </p:style>
+      </p:cxnSp>
+      <p:pic>
+        <p:nvPicPr>
+          <p:cNvPr id="9" name="Immagine 8" descr="Immagine che contiene simbolo, Carattere, Elementi grafici, logo&#10;&#10;Descrizione generata automaticamente">
+            <a:extLst>
+              <a:ext uri="{FF2B5EF4-FFF2-40B4-BE49-F238E27FC236}">
+                <a16:creationId xmlns:a16="http://schemas.microsoft.com/office/drawing/2014/main" id="{5DA27FD2-9E30-C03C-A966-747855C84A0D}"/>
+              </a:ext>
+            </a:extLst>
+          </p:cNvPr>
+          <p:cNvPicPr>
+            <a:picLocks noChangeAspect="1"/>
+          </p:cNvPicPr>
+          <p:nvPr/>
+        </p:nvPicPr>
+        <p:blipFill>
+          <a:blip r:embed="rId3" cstate="print">
+            <a:extLst>
+              <a:ext uri="{28A0092B-C50C-407E-A947-70E740481C1C}">
+                <a14:useLocalDpi xmlns:a14="http://schemas.microsoft.com/office/drawing/2010/main" val="0"/>
+              </a:ext>
+            </a:extLst>
+          </a:blip>
+          <a:stretch>
+            <a:fillRect/>
+          </a:stretch>
+        </p:blipFill>
+        <p:spPr>
+          <a:xfrm>
+            <a:off x="7293782" y="351690"/>
+            <a:ext cx="887117" cy="887117"/>
+          </a:xfrm>
+          <a:prstGeom prst="rect">
+            <a:avLst/>
+          </a:prstGeom>
+        </p:spPr>
+      </p:pic>
+      <p:sp>
+        <p:nvSpPr>
+          <p:cNvPr id="12" name="Titolo 3">
+            <a:extLst>
+              <a:ext uri="{FF2B5EF4-FFF2-40B4-BE49-F238E27FC236}">
+                <a16:creationId xmlns:a16="http://schemas.microsoft.com/office/drawing/2014/main" id="{87D2E324-F332-2CF5-16A6-E80AD67BC9AF}"/>
+              </a:ext>
+            </a:extLst>
+          </p:cNvPr>
+          <p:cNvSpPr txBox="1">
+            <a:spLocks/>
+          </p:cNvSpPr>
+          <p:nvPr/>
+        </p:nvSpPr>
+        <p:spPr>
+          <a:xfrm>
+            <a:off x="639724" y="1679424"/>
+            <a:ext cx="7935348" cy="1610233"/>
+          </a:xfrm>
+          <a:prstGeom prst="rect">
+            <a:avLst/>
+          </a:prstGeom>
+        </p:spPr>
+        <p:txBody>
+          <a:bodyPr vert="horz" lIns="91440" tIns="45720" rIns="91440" bIns="45720" rtlCol="0" anchor="t">
+            <a:noAutofit/>
+          </a:bodyPr>
+          <a:lstStyle>
+            <a:lvl1pPr algn="l" defTabSz="914400" rtl="0" eaLnBrk="1" latinLnBrk="0" hangingPunct="1">
+              <a:lnSpc>
+                <a:spcPct val="90000"/>
+              </a:lnSpc>
+              <a:spcBef>
+                <a:spcPct val="0"/>
+              </a:spcBef>
+              <a:buNone/>
+              <a:defRPr sz="4400" kern="1200">
+                <a:solidFill>
+                  <a:schemeClr val="tx1"/>
+                </a:solidFill>
+                <a:latin typeface="+mj-lt"/>
+                <a:ea typeface="+mj-ea"/>
+                <a:cs typeface="+mj-cs"/>
+              </a:defRPr>
+            </a:lvl1pPr>
+          </a:lstStyle>
+          <a:p>
+            <a:pPr algn="ctr"/>
+            <a:r>
+              <a:rPr lang="it-IT" sz="4000" b="1" noProof="0" dirty="0">
+                <a:solidFill>
+                  <a:schemeClr val="tx2">
+                    <a:lumMod val="90000"/>
+                    <a:lumOff val="10000"/>
+                  </a:schemeClr>
+                </a:solidFill>
+              </a:rPr>
+              <a:t>GRAZIE PER LA VOSTRA</a:t>
+            </a:r>
+          </a:p>
+          <a:p>
+            <a:pPr algn="ctr"/>
+            <a:r>
+              <a:rPr lang="it-IT" sz="4000" b="1" noProof="0" dirty="0">
+                <a:solidFill>
+                  <a:schemeClr val="tx2">
+                    <a:lumMod val="90000"/>
+                    <a:lumOff val="10000"/>
+                  </a:schemeClr>
+                </a:solidFill>
+              </a:rPr>
+              <a:t>ATTENZIONE!</a:t>
+            </a:r>
+          </a:p>
+        </p:txBody>
+      </p:sp>
+      <p:grpSp>
+        <p:nvGrpSpPr>
+          <p:cNvPr id="3" name="Group 2">
+            <a:extLst>
+              <a:ext uri="{FF2B5EF4-FFF2-40B4-BE49-F238E27FC236}">
+                <a16:creationId xmlns:a16="http://schemas.microsoft.com/office/drawing/2014/main" id="{46129465-17BB-1222-AA9A-0CE12AE834F4}"/>
+              </a:ext>
+            </a:extLst>
+          </p:cNvPr>
+          <p:cNvGrpSpPr/>
+          <p:nvPr/>
+        </p:nvGrpSpPr>
+        <p:grpSpPr>
+          <a:xfrm>
+            <a:off x="3351043" y="4122955"/>
+            <a:ext cx="2602305" cy="1292456"/>
+            <a:chOff x="3363743" y="4122955"/>
+            <a:chExt cx="2602305" cy="1292456"/>
+          </a:xfrm>
+        </p:grpSpPr>
+        <p:pic>
+          <p:nvPicPr>
+            <p:cNvPr id="1028" name="Picture 4" descr="Github Logo - Free social media icons">
+              <a:extLst>
+                <a:ext uri="{FF2B5EF4-FFF2-40B4-BE49-F238E27FC236}">
+                  <a16:creationId xmlns:a16="http://schemas.microsoft.com/office/drawing/2014/main" id="{7CECBF58-321D-ACE4-A2D6-68DA0AF243AE}"/>
+                </a:ext>
+              </a:extLst>
+            </p:cNvPr>
+            <p:cNvPicPr>
+              <a:picLocks noChangeAspect="1" noChangeArrowheads="1"/>
+            </p:cNvPicPr>
+            <p:nvPr/>
+          </p:nvPicPr>
+          <p:blipFill>
+            <a:blip r:embed="rId4" cstate="print">
+              <a:extLst>
+                <a:ext uri="{28A0092B-C50C-407E-A947-70E740481C1C}">
+                  <a14:useLocalDpi xmlns:a14="http://schemas.microsoft.com/office/drawing/2010/main" val="0"/>
+                </a:ext>
+              </a:extLst>
+            </a:blip>
+            <a:srcRect/>
+            <a:stretch>
+              <a:fillRect/>
+            </a:stretch>
+          </p:blipFill>
+          <p:spPr bwMode="auto">
+            <a:xfrm>
+              <a:off x="4197074" y="4122955"/>
+              <a:ext cx="935645" cy="935645"/>
+            </a:xfrm>
+            <a:prstGeom prst="rect">
+              <a:avLst/>
+            </a:prstGeom>
+            <a:noFill/>
+            <a:extLst>
+              <a:ext uri="{909E8E84-426E-40DD-AFC4-6F175D3DCCD1}">
+                <a14:hiddenFill xmlns:a14="http://schemas.microsoft.com/office/drawing/2010/main">
+                  <a:solidFill>
+                    <a:srgbClr val="FFFFFF"/>
+                  </a:solidFill>
+                </a14:hiddenFill>
+              </a:ext>
+            </a:extLst>
+          </p:spPr>
+        </p:pic>
+        <p:sp>
+          <p:nvSpPr>
+            <p:cNvPr id="15" name="CasellaDiTesto 14">
+              <a:extLst>
+                <a:ext uri="{FF2B5EF4-FFF2-40B4-BE49-F238E27FC236}">
+                  <a16:creationId xmlns:a16="http://schemas.microsoft.com/office/drawing/2014/main" id="{6CF61C85-399B-6C83-E72D-829EE1A3980C}"/>
+                </a:ext>
+              </a:extLst>
+            </p:cNvPr>
+            <p:cNvSpPr txBox="1"/>
+            <p:nvPr/>
+          </p:nvSpPr>
+          <p:spPr>
+            <a:xfrm>
+              <a:off x="3363743" y="5107634"/>
+              <a:ext cx="2602305" cy="307777"/>
+            </a:xfrm>
+            <a:prstGeom prst="rect">
+              <a:avLst/>
+            </a:prstGeom>
+            <a:noFill/>
+          </p:spPr>
+          <p:txBody>
+            <a:bodyPr wrap="square" rtlCol="0">
+              <a:spAutoFit/>
+            </a:bodyPr>
+            <a:lstStyle/>
+            <a:p>
+              <a:r>
+                <a:rPr lang="it-IT" sz="1400" noProof="0" dirty="0">
+                  <a:hlinkClick r:id="rId5"/>
+                </a:rPr>
+                <a:t>https://github.com/CSW-Teams</a:t>
+              </a:r>
+              <a:endParaRPr lang="it-IT" sz="1400" noProof="0" dirty="0"/>
+            </a:p>
+          </p:txBody>
+        </p:sp>
+      </p:grpSp>
+      <p:sp>
+        <p:nvSpPr>
+          <p:cNvPr id="7" name="TextBox 6">
+            <a:extLst>
+              <a:ext uri="{FF2B5EF4-FFF2-40B4-BE49-F238E27FC236}">
+                <a16:creationId xmlns:a16="http://schemas.microsoft.com/office/drawing/2014/main" id="{44869B4C-89D4-C167-BFA1-1635E3617583}"/>
+              </a:ext>
+            </a:extLst>
+          </p:cNvPr>
+          <p:cNvSpPr txBox="1"/>
+          <p:nvPr/>
+        </p:nvSpPr>
+        <p:spPr>
+          <a:xfrm>
+            <a:off x="11648274" y="6452785"/>
+            <a:ext cx="438619" cy="307777"/>
+          </a:xfrm>
+          <a:prstGeom prst="rect">
+            <a:avLst/>
+          </a:prstGeom>
+          <a:noFill/>
+        </p:spPr>
+        <p:txBody>
+          <a:bodyPr wrap="square" lIns="91440" tIns="45720" rIns="91440" bIns="45720" anchor="t">
+            <a:spAutoFit/>
+          </a:bodyPr>
+          <a:lstStyle/>
+          <a:p>
+            <a:r>
+              <a:rPr lang="it-IT" sz="1400" noProof="0" dirty="0">
+                <a:solidFill>
+                  <a:schemeClr val="bg1"/>
+                </a:solidFill>
+              </a:rPr>
+              <a:t>20</a:t>
+            </a:r>
+            <a:endParaRPr lang="it-IT" sz="1400" noProof="0" dirty="0"/>
+          </a:p>
+        </p:txBody>
+      </p:sp>
+      <p:sp>
+        <p:nvSpPr>
+          <p:cNvPr id="8" name="TextBox 7">
+            <a:extLst>
+              <a:ext uri="{FF2B5EF4-FFF2-40B4-BE49-F238E27FC236}">
+                <a16:creationId xmlns:a16="http://schemas.microsoft.com/office/drawing/2014/main" id="{643999E1-F3C9-DEB6-7325-C2E14FE2D1B2}"/>
+              </a:ext>
+            </a:extLst>
+          </p:cNvPr>
+          <p:cNvSpPr txBox="1"/>
+          <p:nvPr/>
+        </p:nvSpPr>
+        <p:spPr>
+          <a:xfrm>
+            <a:off x="3945005" y="3537029"/>
+            <a:ext cx="1324786" cy="338554"/>
+          </a:xfrm>
+          <a:prstGeom prst="rect">
+            <a:avLst/>
+          </a:prstGeom>
+          <a:noFill/>
+        </p:spPr>
+        <p:txBody>
+          <a:bodyPr wrap="none" rtlCol="0">
+            <a:spAutoFit/>
+          </a:bodyPr>
+          <a:lstStyle/>
+          <a:p>
+            <a:r>
+              <a:rPr lang="it-IT" sz="1600" noProof="0" dirty="0">
+                <a:solidFill>
+                  <a:schemeClr val="tx1">
+                    <a:lumMod val="85000"/>
+                    <a:lumOff val="15000"/>
+                  </a:schemeClr>
+                </a:solidFill>
+              </a:rPr>
+              <a:t>Project links:</a:t>
+            </a:r>
+          </a:p>
+        </p:txBody>
+      </p:sp>
+    </p:spTree>
+    <p:extLst>
+      <p:ext uri="{BB962C8B-B14F-4D97-AF65-F5344CB8AC3E}">
+        <p14:creationId xmlns:p14="http://schemas.microsoft.com/office/powerpoint/2010/main" val="4154178820"/>
+      </p:ext>
+    </p:extLst>
+  </p:cSld>
+  <p:clrMapOvr>
+    <a:masterClrMapping/>
+  </p:clrMapOvr>
 </p:sld>
 </file>
 
@@ -17385,7 +19228,7 @@
               <a:buAutoNum type="arabicPeriod"/>
             </a:pPr>
             <a:r>
-              <a:rPr lang="it-IT" noProof="0" dirty="0" smtClean="0">
+              <a:rPr lang="it-IT" noProof="0" dirty="0">
                 <a:solidFill>
                   <a:schemeClr val="tx1">
                     <a:lumMod val="85000"/>
@@ -17396,7 +19239,7 @@
               <a:t>Realizzare la segregazione dei dati nelle due soluzioni</a:t>
             </a:r>
             <a:r>
-              <a:rPr lang="it-IT" baseline="30000" dirty="0">
+              <a:rPr lang="it-IT" baseline="30000" noProof="0" dirty="0">
                 <a:solidFill>
                   <a:schemeClr val="tx1">
                     <a:lumMod val="85000"/>
@@ -17407,7 +19250,7 @@
               <a:t>1</a:t>
             </a:r>
             <a:r>
-              <a:rPr lang="it-IT" noProof="0" dirty="0" smtClean="0">
+              <a:rPr lang="it-IT" noProof="0" dirty="0">
                 <a:solidFill>
                   <a:schemeClr val="tx1">
                     <a:lumMod val="85000"/>
@@ -17418,7 +19261,7 @@
               <a:t> di multi-</a:t>
             </a:r>
             <a:r>
-              <a:rPr lang="it-IT" noProof="0" dirty="0" err="1" smtClean="0">
+              <a:rPr lang="it-IT" noProof="0" dirty="0" err="1">
                 <a:solidFill>
                   <a:schemeClr val="tx1">
                     <a:lumMod val="85000"/>
@@ -17427,17 +19270,6 @@
                 </a:solidFill>
               </a:rPr>
               <a:t>tenancy</a:t>
-            </a:r>
-            <a:r>
-              <a:rPr lang="it-IT" noProof="0" dirty="0">
-                <a:solidFill>
-                  <a:schemeClr val="tx1">
-                    <a:lumMod val="85000"/>
-                    <a:lumOff val="15000"/>
-                  </a:schemeClr>
-                </a:solidFill>
-              </a:rPr>
-              <a:t/>
             </a:r>
             <a:br>
               <a:rPr lang="it-IT" noProof="0" dirty="0">
@@ -17449,17 +19281,6 @@
                 </a:solidFill>
               </a:rPr>
             </a:br>
-            <a:r>
-              <a:rPr lang="it-IT" noProof="0" dirty="0">
-                <a:solidFill>
-                  <a:schemeClr val="tx1">
-                    <a:lumMod val="85000"/>
-                    <a:lumOff val="15000"/>
-                  </a:schemeClr>
-                </a:solidFill>
-              </a:rPr>
-              <a:t/>
-            </a:r>
             <a:br>
               <a:rPr lang="it-IT" noProof="0" dirty="0">
                 <a:solidFill>
@@ -17501,7 +19322,7 @@
               <a:buFont typeface="+mj-lt"/>
               <a:buAutoNum type="arabicPeriod"/>
             </a:pPr>
-            <a:endParaRPr lang="it-IT" dirty="0">
+            <a:endParaRPr lang="it-IT" noProof="0" dirty="0">
               <a:solidFill>
                 <a:schemeClr val="tx1">
                   <a:lumMod val="85000"/>
@@ -17530,7 +19351,7 @@
               <a:buAutoNum type="arabicPeriod"/>
             </a:pPr>
             <a:r>
-              <a:rPr lang="it-IT" dirty="0">
+              <a:rPr lang="it-IT" noProof="0" dirty="0">
                 <a:solidFill>
                   <a:schemeClr val="tx1">
                     <a:lumMod val="85000"/>
@@ -17591,7 +19412,7 @@
               <a:buFont typeface="+mj-lt"/>
               <a:buAutoNum type="arabicPeriod"/>
             </a:pPr>
-            <a:endParaRPr lang="it-IT" dirty="0">
+            <a:endParaRPr lang="it-IT" noProof="0" dirty="0">
               <a:solidFill>
                 <a:schemeClr val="tx1">
                   <a:lumMod val="85000"/>
@@ -17620,7 +19441,7 @@
               <a:buAutoNum type="arabicPeriod"/>
             </a:pPr>
             <a:r>
-              <a:rPr lang="it-IT" dirty="0">
+              <a:rPr lang="it-IT" noProof="0" dirty="0">
                 <a:solidFill>
                   <a:schemeClr val="tx1">
                     <a:lumMod val="85000"/>
@@ -17630,14 +19451,6 @@
               </a:rPr>
               <a:t>Completare task relative alla gestione dei turni</a:t>
             </a:r>
-            <a:endParaRPr lang="it-IT" noProof="0" dirty="0">
-              <a:solidFill>
-                <a:schemeClr val="tx1">
-                  <a:lumMod val="85000"/>
-                  <a:lumOff val="15000"/>
-                </a:schemeClr>
-              </a:solidFill>
-            </a:endParaRPr>
           </a:p>
         </p:txBody>
       </p:sp>
@@ -17754,23 +19567,23 @@
               <a:buAutoNum type="arabicPeriod"/>
             </a:pPr>
             <a:r>
-              <a:rPr lang="it-IT" dirty="0"/>
+              <a:rPr lang="it-IT" noProof="0" dirty="0"/>
               <a:t>Per il partizionamento dei dati: Single Database, Separate </a:t>
             </a:r>
             <a:r>
-              <a:rPr lang="it-IT" dirty="0" err="1"/>
+              <a:rPr lang="it-IT" noProof="0" dirty="0" err="1"/>
               <a:t>Schemas</a:t>
             </a:r>
             <a:r>
-              <a:rPr lang="it-IT" dirty="0"/>
+              <a:rPr lang="it-IT" noProof="0" dirty="0"/>
               <a:t> (prima soluzione), Separate Database per </a:t>
             </a:r>
             <a:r>
-              <a:rPr lang="it-IT" dirty="0" err="1"/>
+              <a:rPr lang="it-IT" noProof="0" dirty="0" err="1"/>
               <a:t>Tenant</a:t>
             </a:r>
             <a:r>
-              <a:rPr lang="it-IT" dirty="0"/>
+              <a:rPr lang="it-IT" noProof="0" dirty="0"/>
               <a:t> (seconda soluzione)</a:t>
             </a:r>
           </a:p>
@@ -17786,13 +19599,6 @@
   <p:clrMapOvr>
     <a:masterClrMapping/>
   </p:clrMapOvr>
-  <p:timing>
-    <p:tnLst>
-      <p:par>
-        <p:cTn id="1" dur="indefinite" restart="never" nodeType="tmRoot"/>
-      </p:par>
-    </p:tnLst>
-  </p:timing>
 </p:sld>
 </file>
 
@@ -17870,7 +19676,7 @@
               <a:t>Tenancy</a:t>
             </a:r>
             <a:r>
-              <a:rPr lang="it-IT" sz="4000" dirty="0">
+              <a:rPr lang="it-IT" sz="4000" noProof="0" dirty="0">
                 <a:solidFill>
                   <a:schemeClr val="tx2">
                     <a:lumMod val="90000"/>
@@ -17878,21 +19684,10 @@
                   </a:schemeClr>
                 </a:solidFill>
               </a:rPr>
-              <a:t> </a:t>
-            </a:r>
-            <a:r>
-              <a:rPr lang="it-IT" sz="4000" dirty="0" smtClean="0">
-                <a:solidFill>
-                  <a:schemeClr val="tx2">
-                    <a:lumMod val="90000"/>
-                    <a:lumOff val="10000"/>
-                  </a:schemeClr>
-                </a:solidFill>
-              </a:rPr>
-              <a:t>data </a:t>
-            </a:r>
-            <a:r>
-              <a:rPr lang="it-IT" sz="4000" dirty="0" err="1" smtClean="0">
+              <a:t> data </a:t>
+            </a:r>
+            <a:r>
+              <a:rPr lang="it-IT" sz="4000" noProof="0" dirty="0" err="1">
                 <a:solidFill>
                   <a:schemeClr val="tx2">
                     <a:lumMod val="90000"/>
@@ -18240,17 +20035,6 @@
           </a:bodyPr>
           <a:lstStyle/>
           <a:p>
-            <a:r>
-              <a:rPr lang="it-IT" noProof="0" dirty="0">
-                <a:solidFill>
-                  <a:schemeClr val="tx1">
-                    <a:lumMod val="85000"/>
-                    <a:lumOff val="15000"/>
-                  </a:schemeClr>
-                </a:solidFill>
-              </a:rPr>
-              <a:t/>
-            </a:r>
             <a:br>
               <a:rPr lang="it-IT" noProof="0" dirty="0">
                 <a:solidFill>
@@ -18335,7 +20119,7 @@
             </a:r>
           </a:p>
           <a:p>
-            <a:endParaRPr lang="it-IT" b="1" dirty="0">
+            <a:endParaRPr lang="it-IT" b="1" noProof="0" dirty="0">
               <a:solidFill>
                 <a:schemeClr val="tx1">
                   <a:lumMod val="85000"/>
@@ -18346,33 +20130,29 @@
           </a:p>
           <a:p>
             <a:r>
-              <a:rPr lang="it-IT" dirty="0"/>
+              <a:rPr lang="it-IT" noProof="0" dirty="0"/>
               <a:t>Ogni </a:t>
             </a:r>
             <a:r>
-              <a:rPr lang="it-IT" dirty="0" err="1"/>
+              <a:rPr lang="it-IT" noProof="0" dirty="0" err="1"/>
               <a:t>tenant</a:t>
             </a:r>
             <a:r>
-              <a:rPr lang="it-IT" dirty="0"/>
+              <a:rPr lang="it-IT" noProof="0" dirty="0"/>
               <a:t> ha il proprio schema all'interno dello stesso database fisico</a:t>
             </a:r>
           </a:p>
           <a:p>
-            <a:endParaRPr lang="it-IT" dirty="0"/>
+            <a:endParaRPr lang="it-IT" noProof="0" dirty="0"/>
           </a:p>
           <a:p>
             <a:pPr lvl="0"/>
             <a:r>
-              <a:rPr lang="en-GB" b="1" dirty="0"/>
-              <a:t>- </a:t>
-            </a:r>
-            <a:r>
-              <a:rPr lang="en-GB" b="1" dirty="0" err="1"/>
-              <a:t>Meccanismo</a:t>
-            </a:r>
-            <a:r>
-              <a:rPr lang="en-GB" dirty="0"/>
+              <a:rPr lang="it-IT" b="1" noProof="0" dirty="0"/>
+              <a:t>- Meccanismo</a:t>
+            </a:r>
+            <a:r>
+              <a:rPr lang="it-IT" noProof="0" dirty="0"/>
               <a:t>:</a:t>
             </a:r>
           </a:p>
@@ -18382,45 +20162,37 @@
               <a:buChar char="•"/>
             </a:pPr>
             <a:r>
-              <a:rPr lang="it-IT" sz="1600" dirty="0"/>
+              <a:rPr lang="it-IT" sz="1600" noProof="0" dirty="0"/>
               <a:t>Spring/</a:t>
             </a:r>
             <a:r>
-              <a:rPr lang="it-IT" sz="1600" dirty="0" err="1"/>
+              <a:rPr lang="it-IT" sz="1600" noProof="0" dirty="0" err="1"/>
               <a:t>Hibernate</a:t>
             </a:r>
             <a:r>
-              <a:rPr lang="it-IT" sz="1600" dirty="0"/>
+              <a:rPr lang="it-IT" sz="1600" noProof="0" dirty="0"/>
               <a:t> può passare dinamicamente da uno schema all’altro in base al </a:t>
             </a:r>
             <a:r>
-              <a:rPr lang="it-IT" sz="1600" dirty="0" err="1"/>
+              <a:rPr lang="it-IT" sz="1600" noProof="0" dirty="0" err="1"/>
               <a:t>tenant</a:t>
             </a:r>
             <a:r>
-              <a:rPr lang="it-IT" sz="1600" dirty="0"/>
+              <a:rPr lang="it-IT" sz="1600" noProof="0" dirty="0"/>
               <a:t>, determinato durante il </a:t>
             </a:r>
             <a:r>
-              <a:rPr lang="it-IT" sz="1600" dirty="0" err="1"/>
+              <a:rPr lang="it-IT" sz="1600" noProof="0" dirty="0" err="1"/>
               <a:t>runtime</a:t>
             </a:r>
-            <a:endParaRPr lang="it-IT" sz="1600" dirty="0"/>
-          </a:p>
-          <a:p>
-            <a:r>
-              <a:rPr lang="en-GB" b="1" dirty="0"/>
-              <a:t>- </a:t>
-            </a:r>
-            <a:r>
-              <a:rPr lang="en-GB" b="1" dirty="0" err="1"/>
-              <a:t>Vantaggi</a:t>
-            </a:r>
-            <a:r>
-              <a:rPr lang="en-GB" b="1" dirty="0"/>
-              <a:t>:</a:t>
-            </a:r>
-            <a:endParaRPr lang="en-GB" dirty="0"/>
+            <a:endParaRPr lang="it-IT" sz="1600" noProof="0" dirty="0"/>
+          </a:p>
+          <a:p>
+            <a:r>
+              <a:rPr lang="it-IT" b="1" noProof="0" dirty="0"/>
+              <a:t>- Vantaggi:</a:t>
+            </a:r>
+            <a:endParaRPr lang="it-IT" noProof="0" dirty="0"/>
           </a:p>
           <a:p>
             <a:pPr marL="742950" lvl="1" indent="-285750">
@@ -18428,7 +20200,7 @@
               <a:buChar char="•"/>
             </a:pPr>
             <a:r>
-              <a:rPr lang="it-IT" sz="1600" dirty="0"/>
+              <a:rPr lang="it-IT" sz="1600" noProof="0" dirty="0"/>
               <a:t>Migliore segregazione dei dati</a:t>
             </a:r>
           </a:p>
@@ -18438,29 +20210,21 @@
               <a:buChar char="•"/>
             </a:pPr>
             <a:r>
-              <a:rPr lang="it-IT" sz="1600" dirty="0"/>
+              <a:rPr lang="it-IT" sz="1600" noProof="0" dirty="0"/>
               <a:t>Più semplice eliminare o migrare un singolo </a:t>
             </a:r>
             <a:r>
-              <a:rPr lang="it-IT" sz="1600" dirty="0" err="1"/>
+              <a:rPr lang="it-IT" sz="1600" noProof="0" dirty="0" err="1"/>
               <a:t>tenant</a:t>
             </a:r>
-            <a:endParaRPr lang="it-IT" sz="1600" dirty="0"/>
-          </a:p>
-          <a:p>
-            <a:r>
-              <a:rPr lang="en-GB" b="1" dirty="0"/>
-              <a:t>- </a:t>
-            </a:r>
-            <a:r>
-              <a:rPr lang="en-GB" b="1" dirty="0" err="1"/>
-              <a:t>Svantaggi</a:t>
-            </a:r>
-            <a:r>
-              <a:rPr lang="en-GB" b="1" dirty="0"/>
-              <a:t>:</a:t>
-            </a:r>
-            <a:endParaRPr lang="en-GB" dirty="0"/>
+            <a:endParaRPr lang="it-IT" sz="1600" noProof="0" dirty="0"/>
+          </a:p>
+          <a:p>
+            <a:r>
+              <a:rPr lang="it-IT" b="1" noProof="0" dirty="0"/>
+              <a:t>- Svantaggi:</a:t>
+            </a:r>
+            <a:endParaRPr lang="it-IT" noProof="0" dirty="0"/>
           </a:p>
           <a:p>
             <a:pPr marL="742950" lvl="1" indent="-285750">
@@ -18468,22 +20232,22 @@
               <a:buChar char="•"/>
             </a:pPr>
             <a:r>
-              <a:rPr lang="it-IT" sz="1600" dirty="0"/>
+              <a:rPr lang="it-IT" sz="1600" noProof="0" dirty="0"/>
               <a:t>Il carico alto di un </a:t>
             </a:r>
             <a:r>
-              <a:rPr lang="it-IT" sz="1600" dirty="0" err="1"/>
+              <a:rPr lang="it-IT" sz="1600" noProof="0" dirty="0" err="1"/>
               <a:t>tenant</a:t>
             </a:r>
             <a:r>
-              <a:rPr lang="it-IT" sz="1600" dirty="0"/>
+              <a:rPr lang="it-IT" sz="1600" noProof="0" dirty="0"/>
               <a:t> può influenzare gli altri </a:t>
             </a:r>
             <a:r>
-              <a:rPr lang="it-IT" sz="1600" dirty="0" err="1"/>
+              <a:rPr lang="it-IT" sz="1600" noProof="0" dirty="0" err="1"/>
               <a:t>tenant</a:t>
             </a:r>
-            <a:endParaRPr lang="it-IT" sz="1600" dirty="0"/>
+            <a:endParaRPr lang="it-IT" sz="1600" noProof="0" dirty="0"/>
           </a:p>
           <a:p>
             <a:pPr marL="742950" lvl="1" indent="-285750">
@@ -18491,10 +20255,9 @@
               <a:buChar char="•"/>
             </a:pPr>
             <a:r>
-              <a:rPr lang="it-IT" sz="1600" dirty="0"/>
+              <a:rPr lang="it-IT" sz="1600" noProof="0" dirty="0"/>
               <a:t>Gestione potenzialmente complicata di molti schemi in un unico database</a:t>
             </a:r>
-            <a:endParaRPr lang="en-GB" sz="1600" dirty="0"/>
           </a:p>
         </p:txBody>
       </p:sp>
@@ -18587,7 +20350,7 @@
           <a:lstStyle/>
           <a:p>
             <a:pPr algn="ctr"/>
-            <a:endParaRPr lang="en-GB"/>
+            <a:endParaRPr lang="it-IT" noProof="0" dirty="0"/>
           </a:p>
         </p:txBody>
       </p:sp>
@@ -18601,13 +20364,6 @@
   <p:clrMapOvr>
     <a:masterClrMapping/>
   </p:clrMapOvr>
-  <p:timing>
-    <p:tnLst>
-      <p:par>
-        <p:cTn id="1" dur="indefinite" restart="never" nodeType="tmRoot"/>
-      </p:par>
-    </p:tnLst>
-  </p:timing>
 </p:sld>
 </file>
 
@@ -18685,7 +20441,7 @@
               <a:t>Tenancy</a:t>
             </a:r>
             <a:r>
-              <a:rPr lang="it-IT" sz="4000" dirty="0">
+              <a:rPr lang="it-IT" sz="4000" noProof="0" dirty="0">
                 <a:solidFill>
                   <a:schemeClr val="tx2">
                     <a:lumMod val="90000"/>
@@ -18693,21 +20449,10 @@
                   </a:schemeClr>
                 </a:solidFill>
               </a:rPr>
-              <a:t> </a:t>
-            </a:r>
-            <a:r>
-              <a:rPr lang="it-IT" sz="4000" dirty="0" smtClean="0">
-                <a:solidFill>
-                  <a:schemeClr val="tx2">
-                    <a:lumMod val="90000"/>
-                    <a:lumOff val="10000"/>
-                  </a:schemeClr>
-                </a:solidFill>
-              </a:rPr>
-              <a:t>data </a:t>
-            </a:r>
-            <a:r>
-              <a:rPr lang="it-IT" sz="4000" dirty="0" err="1" smtClean="0">
+              <a:t> data </a:t>
+            </a:r>
+            <a:r>
+              <a:rPr lang="it-IT" sz="4000" noProof="0" dirty="0" err="1">
                 <a:solidFill>
                   <a:schemeClr val="tx2">
                     <a:lumMod val="90000"/>
@@ -19055,17 +20800,6 @@
           </a:bodyPr>
           <a:lstStyle/>
           <a:p>
-            <a:r>
-              <a:rPr lang="it-IT" noProof="0" dirty="0">
-                <a:solidFill>
-                  <a:schemeClr val="tx1">
-                    <a:lumMod val="85000"/>
-                    <a:lumOff val="15000"/>
-                  </a:schemeClr>
-                </a:solidFill>
-              </a:rPr>
-              <a:t/>
-            </a:r>
             <a:br>
               <a:rPr lang="it-IT" noProof="0" dirty="0">
                 <a:solidFill>
@@ -19116,7 +20850,7 @@
           <a:lstStyle/>
           <a:p>
             <a:r>
-              <a:rPr lang="it-IT" b="1" u="sng" dirty="0" smtClean="0">
+              <a:rPr lang="it-IT" b="1" u="sng" noProof="0" dirty="0">
                 <a:solidFill>
                   <a:schemeClr val="tx1">
                     <a:lumMod val="85000"/>
@@ -19128,7 +20862,7 @@
             </a:r>
           </a:p>
           <a:p>
-            <a:endParaRPr lang="it-IT" b="1" dirty="0">
+            <a:endParaRPr lang="it-IT" b="1" noProof="0" dirty="0">
               <a:solidFill>
                 <a:schemeClr val="tx1">
                   <a:lumMod val="85000"/>
@@ -19140,26 +20874,14 @@
           <a:p>
             <a:pPr lvl="0"/>
             <a:r>
-              <a:rPr lang="en-GB" b="1" dirty="0"/>
-              <a:t>- </a:t>
-            </a:r>
-            <a:r>
-              <a:rPr lang="en-GB" b="1" dirty="0" err="1"/>
-              <a:t>Sicurezza</a:t>
-            </a:r>
-            <a:r>
-              <a:rPr lang="en-GB" b="1" dirty="0"/>
-              <a:t> </a:t>
-            </a:r>
-            <a:r>
-              <a:rPr lang="en-GB" b="1" dirty="0" err="1"/>
-              <a:t>avanzata</a:t>
-            </a:r>
-            <a:r>
-              <a:rPr lang="en-GB" dirty="0" smtClean="0"/>
+              <a:rPr lang="it-IT" b="1" noProof="0" dirty="0"/>
+              <a:t>- Sicurezza avanzata</a:t>
+            </a:r>
+            <a:r>
+              <a:rPr lang="it-IT" noProof="0" dirty="0"/>
               <a:t>:</a:t>
             </a:r>
-            <a:endParaRPr lang="en-GB" sz="1600" dirty="0"/>
+            <a:endParaRPr lang="it-IT" sz="1600" noProof="0" dirty="0"/>
           </a:p>
           <a:p>
             <a:pPr marL="742950" lvl="1" indent="-285750">
@@ -19167,22 +20889,22 @@
               <a:buChar char="•"/>
             </a:pPr>
             <a:r>
-              <a:rPr lang="it-IT" sz="1600" dirty="0"/>
+              <a:rPr lang="it-IT" sz="1600" noProof="0" dirty="0"/>
               <a:t>Isolando i dati dei </a:t>
             </a:r>
             <a:r>
-              <a:rPr lang="it-IT" sz="1600" dirty="0" err="1"/>
+              <a:rPr lang="it-IT" sz="1600" noProof="0" dirty="0" err="1"/>
               <a:t>tenant</a:t>
             </a:r>
             <a:r>
-              <a:rPr lang="it-IT" sz="1600" dirty="0"/>
+              <a:rPr lang="it-IT" sz="1600" noProof="0" dirty="0"/>
               <a:t>, si riducono i rischi di accesso non autorizzato ai dati di altri </a:t>
             </a:r>
             <a:r>
-              <a:rPr lang="it-IT" sz="1600" dirty="0" err="1" smtClean="0"/>
+              <a:rPr lang="it-IT" sz="1600" noProof="0" dirty="0" err="1"/>
               <a:t>tenant</a:t>
             </a:r>
-            <a:endParaRPr lang="it-IT" sz="1600" dirty="0" smtClean="0"/>
+            <a:endParaRPr lang="it-IT" sz="1600" noProof="0" dirty="0"/>
           </a:p>
           <a:p>
             <a:pPr marL="742950" lvl="1" indent="-285750">
@@ -19190,42 +20912,22 @@
               <a:buChar char="•"/>
             </a:pPr>
             <a:r>
-              <a:rPr lang="it-IT" sz="1600" dirty="0"/>
-              <a:t>Protezione da attacchi </a:t>
-            </a:r>
-            <a:r>
-              <a:rPr lang="it-IT" sz="1600" dirty="0" smtClean="0"/>
-              <a:t>inter-</a:t>
-            </a:r>
-            <a:r>
-              <a:rPr lang="it-IT" sz="1600" dirty="0" err="1" smtClean="0"/>
+              <a:rPr lang="it-IT" sz="1600" noProof="0" dirty="0"/>
+              <a:t>Protezione da attacchi inter-</a:t>
+            </a:r>
+            <a:r>
+              <a:rPr lang="it-IT" sz="1600" noProof="0" dirty="0" err="1"/>
               <a:t>tenant</a:t>
             </a:r>
-            <a:endParaRPr lang="en-GB" sz="1600" dirty="0"/>
+            <a:endParaRPr lang="it-IT" sz="1600" noProof="0" dirty="0"/>
           </a:p>
           <a:p>
             <a:pPr lvl="0"/>
             <a:r>
-              <a:rPr lang="en-GB" b="1" dirty="0" smtClean="0"/>
-              <a:t>- </a:t>
-            </a:r>
-            <a:r>
-              <a:rPr lang="en-GB" b="1" dirty="0" err="1" smtClean="0"/>
-              <a:t>Conformità</a:t>
-            </a:r>
-            <a:r>
-              <a:rPr lang="en-GB" b="1" dirty="0" smtClean="0"/>
-              <a:t> </a:t>
-            </a:r>
-            <a:r>
-              <a:rPr lang="en-GB" b="1" dirty="0" err="1" smtClean="0"/>
-              <a:t>alle</a:t>
-            </a:r>
-            <a:r>
-              <a:rPr lang="en-GB" b="1" dirty="0" smtClean="0"/>
-              <a:t> normative:</a:t>
-            </a:r>
-            <a:endParaRPr lang="en-GB" sz="1600" b="1" dirty="0"/>
+              <a:rPr lang="it-IT" b="1" noProof="0" dirty="0"/>
+              <a:t>- Conformità alle normative:</a:t>
+            </a:r>
+            <a:endParaRPr lang="it-IT" sz="1600" b="1" noProof="0" dirty="0"/>
           </a:p>
           <a:p>
             <a:pPr marL="742950" lvl="1" indent="-285750">
@@ -19233,7 +20935,7 @@
               <a:buChar char="•"/>
             </a:pPr>
             <a:r>
-              <a:rPr lang="it-IT" sz="1600" dirty="0" smtClean="0"/>
+              <a:rPr lang="it-IT" sz="1600" noProof="0" dirty="0"/>
               <a:t>Miglior aderenza a regolamenti come il GDPR o SOC 2</a:t>
             </a:r>
           </a:p>
@@ -19243,38 +20945,22 @@
               <a:buChar char="•"/>
             </a:pPr>
             <a:r>
-              <a:rPr lang="it-IT" sz="1600" dirty="0"/>
+              <a:rPr lang="it-IT" sz="1600" noProof="0" dirty="0"/>
               <a:t>Facilita l’auditing e la creazione di report dettagliati per ogni </a:t>
             </a:r>
             <a:r>
-              <a:rPr lang="it-IT" sz="1600" dirty="0" err="1" smtClean="0"/>
+              <a:rPr lang="it-IT" sz="1600" noProof="0" dirty="0" err="1"/>
               <a:t>tenant</a:t>
             </a:r>
-            <a:endParaRPr lang="it-IT" sz="1600" dirty="0" smtClean="0"/>
+            <a:endParaRPr lang="it-IT" sz="1600" noProof="0" dirty="0"/>
           </a:p>
           <a:p>
             <a:pPr lvl="0"/>
             <a:r>
-              <a:rPr lang="en-GB" b="1" dirty="0"/>
-              <a:t>- </a:t>
-            </a:r>
-            <a:r>
-              <a:rPr lang="en-GB" b="1" dirty="0" err="1" smtClean="0"/>
-              <a:t>Affidabilità</a:t>
-            </a:r>
-            <a:r>
-              <a:rPr lang="en-GB" b="1" dirty="0" smtClean="0"/>
-              <a:t> e </a:t>
-            </a:r>
-            <a:r>
-              <a:rPr lang="en-GB" b="1" dirty="0" err="1" smtClean="0"/>
-              <a:t>gestione</a:t>
-            </a:r>
-            <a:r>
-              <a:rPr lang="en-GB" b="1" dirty="0" smtClean="0"/>
-              <a:t>:</a:t>
-            </a:r>
-            <a:endParaRPr lang="it-IT" dirty="0" smtClean="0"/>
+              <a:rPr lang="it-IT" b="1" noProof="0" dirty="0"/>
+              <a:t>- Affidabilità e gestione:</a:t>
+            </a:r>
+            <a:endParaRPr lang="it-IT" noProof="0" dirty="0"/>
           </a:p>
           <a:p>
             <a:pPr marL="742950" lvl="1" indent="-285750">
@@ -19282,14 +20968,14 @@
               <a:buChar char="•"/>
             </a:pPr>
             <a:r>
-              <a:rPr lang="it-IT" sz="1600" dirty="0"/>
+              <a:rPr lang="it-IT" sz="1600" noProof="0" dirty="0"/>
               <a:t>Riduzione del rischio di conflitti nei dati causati da modifiche involontarie tra </a:t>
             </a:r>
             <a:r>
-              <a:rPr lang="it-IT" sz="1600" dirty="0" err="1" smtClean="0"/>
+              <a:rPr lang="it-IT" sz="1600" noProof="0" dirty="0" err="1"/>
               <a:t>tenant</a:t>
             </a:r>
-            <a:endParaRPr lang="it-IT" sz="1600" dirty="0" smtClean="0"/>
+            <a:endParaRPr lang="it-IT" sz="1600" noProof="0" dirty="0"/>
           </a:p>
           <a:p>
             <a:pPr marL="742950" lvl="1" indent="-285750">
@@ -19297,45 +20983,25 @@
               <a:buChar char="•"/>
             </a:pPr>
             <a:r>
-              <a:rPr lang="it-IT" sz="1600" dirty="0"/>
+              <a:rPr lang="it-IT" sz="1600" noProof="0" dirty="0"/>
               <a:t>Facilità di implementare backup o ripristino specifici per ogni </a:t>
             </a:r>
             <a:r>
-              <a:rPr lang="it-IT" sz="1600" dirty="0" err="1"/>
+              <a:rPr lang="it-IT" sz="1600" noProof="0" dirty="0" err="1"/>
               <a:t>tenant</a:t>
             </a:r>
-            <a:endParaRPr lang="it-IT" sz="1600" dirty="0" smtClean="0"/>
-          </a:p>
-          <a:p>
-            <a:r>
-              <a:rPr lang="en-GB" b="1" dirty="0" smtClean="0"/>
-              <a:t>- </a:t>
-            </a:r>
-            <a:r>
-              <a:rPr lang="en-GB" b="1" dirty="0" err="1"/>
-              <a:t>Flessibilità</a:t>
-            </a:r>
-            <a:r>
-              <a:rPr lang="en-GB" b="1" dirty="0"/>
-              <a:t> </a:t>
-            </a:r>
-            <a:r>
-              <a:rPr lang="en-GB" b="1" dirty="0" err="1"/>
-              <a:t>nei</a:t>
-            </a:r>
-            <a:r>
-              <a:rPr lang="en-GB" b="1" dirty="0"/>
-              <a:t> </a:t>
-            </a:r>
-            <a:r>
-              <a:rPr lang="en-GB" b="1" dirty="0" err="1"/>
-              <a:t>servizi</a:t>
-            </a:r>
-            <a:r>
-              <a:rPr lang="en-GB" dirty="0"/>
+            <a:endParaRPr lang="it-IT" sz="1600" noProof="0" dirty="0"/>
+          </a:p>
+          <a:p>
+            <a:r>
+              <a:rPr lang="it-IT" b="1" noProof="0" dirty="0"/>
+              <a:t>- Flessibilità nei servizi</a:t>
+            </a:r>
+            <a:r>
+              <a:rPr lang="it-IT" noProof="0" dirty="0"/>
               <a:t>:</a:t>
             </a:r>
-            <a:endParaRPr lang="en-GB" sz="1600" dirty="0"/>
+            <a:endParaRPr lang="it-IT" sz="1600" noProof="0" dirty="0"/>
           </a:p>
           <a:p>
             <a:pPr marL="742950" lvl="1" indent="-285750">
@@ -19343,22 +21009,17 @@
               <a:buChar char="•"/>
             </a:pPr>
             <a:r>
-              <a:rPr lang="it-IT" sz="1600" dirty="0"/>
+              <a:rPr lang="it-IT" sz="1600" noProof="0" dirty="0"/>
               <a:t>Possibilità di offrire personalizzazioni uniche a ciascun </a:t>
             </a:r>
             <a:r>
-              <a:rPr lang="it-IT" sz="1600" dirty="0" err="1"/>
+              <a:rPr lang="it-IT" sz="1600" noProof="0" dirty="0" err="1"/>
               <a:t>tenant</a:t>
             </a:r>
             <a:r>
-              <a:rPr lang="it-IT" sz="1600" dirty="0"/>
-              <a:t> senza impattare sugli </a:t>
-            </a:r>
-            <a:r>
-              <a:rPr lang="it-IT" sz="1600" dirty="0" smtClean="0"/>
-              <a:t>altri</a:t>
-            </a:r>
-            <a:endParaRPr lang="en-GB" sz="1600" dirty="0"/>
+              <a:rPr lang="it-IT" sz="1600" noProof="0" dirty="0"/>
+              <a:t> senza impattare sugli altri</a:t>
+            </a:r>
           </a:p>
         </p:txBody>
       </p:sp>
@@ -19419,13 +21080,6 @@
   <p:clrMapOvr>
     <a:masterClrMapping/>
   </p:clrMapOvr>
-  <p:timing>
-    <p:tnLst>
-      <p:par>
-        <p:cTn id="1" dur="indefinite" restart="never" nodeType="tmRoot"/>
-      </p:par>
-    </p:tnLst>
-  </p:timing>
 </p:sld>
 </file>
 
@@ -19503,7 +21157,7 @@
               <a:t>Tenancy</a:t>
             </a:r>
             <a:r>
-              <a:rPr lang="it-IT" sz="4000" dirty="0">
+              <a:rPr lang="it-IT" sz="4000" noProof="0" dirty="0">
                 <a:solidFill>
                   <a:schemeClr val="tx2">
                     <a:lumMod val="90000"/>
@@ -19511,21 +21165,10 @@
                   </a:schemeClr>
                 </a:solidFill>
               </a:rPr>
-              <a:t> </a:t>
-            </a:r>
-            <a:r>
-              <a:rPr lang="it-IT" sz="4000" dirty="0" smtClean="0">
-                <a:solidFill>
-                  <a:schemeClr val="tx2">
-                    <a:lumMod val="90000"/>
-                    <a:lumOff val="10000"/>
-                  </a:schemeClr>
-                </a:solidFill>
-              </a:rPr>
-              <a:t>data </a:t>
-            </a:r>
-            <a:r>
-              <a:rPr lang="it-IT" sz="4000" dirty="0" err="1" smtClean="0">
+              <a:t> data </a:t>
+            </a:r>
+            <a:r>
+              <a:rPr lang="it-IT" sz="4000" noProof="0" dirty="0" err="1">
                 <a:solidFill>
                   <a:schemeClr val="tx2">
                     <a:lumMod val="90000"/>
@@ -19873,17 +21516,6 @@
           </a:bodyPr>
           <a:lstStyle/>
           <a:p>
-            <a:r>
-              <a:rPr lang="it-IT" noProof="0" dirty="0">
-                <a:solidFill>
-                  <a:schemeClr val="tx1">
-                    <a:lumMod val="85000"/>
-                    <a:lumOff val="15000"/>
-                  </a:schemeClr>
-                </a:solidFill>
-              </a:rPr>
-              <a:t/>
-            </a:r>
             <a:br>
               <a:rPr lang="it-IT" noProof="0" dirty="0">
                 <a:solidFill>
@@ -19934,7 +21566,7 @@
           <a:lstStyle/>
           <a:p>
             <a:r>
-              <a:rPr lang="it-IT" b="1" u="sng" dirty="0">
+              <a:rPr lang="it-IT" b="1" u="sng" noProof="0" dirty="0">
                 <a:solidFill>
                   <a:schemeClr val="tx1">
                     <a:lumMod val="85000"/>
@@ -19945,7 +21577,7 @@
               <a:t>Soluzione (Single Database, Separate </a:t>
             </a:r>
             <a:r>
-              <a:rPr lang="it-IT" b="1" u="sng" dirty="0" err="1">
+              <a:rPr lang="it-IT" b="1" u="sng" noProof="0" dirty="0" err="1">
                 <a:solidFill>
                   <a:schemeClr val="tx1">
                     <a:lumMod val="85000"/>
@@ -19956,7 +21588,7 @@
               <a:t>Schemas</a:t>
             </a:r>
             <a:r>
-              <a:rPr lang="it-IT" b="1" u="sng" dirty="0" smtClean="0">
+              <a:rPr lang="it-IT" b="1" u="sng" noProof="0" dirty="0">
                 <a:solidFill>
                   <a:schemeClr val="tx1">
                     <a:lumMod val="85000"/>
@@ -19966,7 +21598,9 @@
               </a:rPr>
               <a:t>)</a:t>
             </a:r>
-            <a:endParaRPr lang="it-IT" b="1" u="sng" noProof="0" dirty="0">
+          </a:p>
+          <a:p>
+            <a:endParaRPr lang="it-IT" b="1" noProof="0" dirty="0">
               <a:solidFill>
                 <a:schemeClr val="tx1">
                   <a:lumMod val="85000"/>
@@ -19976,38 +21610,16 @@
             </a:endParaRPr>
           </a:p>
           <a:p>
-            <a:endParaRPr lang="it-IT" b="1" dirty="0">
-              <a:solidFill>
-                <a:schemeClr val="tx1">
-                  <a:lumMod val="85000"/>
-                  <a:lumOff val="15000"/>
-                </a:schemeClr>
-              </a:solidFill>
-            </a:endParaRPr>
-          </a:p>
-          <a:p>
             <a:pPr lvl="0"/>
             <a:r>
-              <a:rPr lang="en-GB" b="1" dirty="0"/>
-              <a:t>- </a:t>
-            </a:r>
-            <a:r>
-              <a:rPr lang="en-GB" b="1" dirty="0" err="1" smtClean="0"/>
-              <a:t>Schemi</a:t>
-            </a:r>
-            <a:r>
-              <a:rPr lang="en-GB" b="1" dirty="0" smtClean="0"/>
-              <a:t> </a:t>
-            </a:r>
-            <a:r>
-              <a:rPr lang="en-GB" b="1" dirty="0" err="1" smtClean="0"/>
-              <a:t>separati</a:t>
-            </a:r>
-            <a:r>
-              <a:rPr lang="en-GB" dirty="0" smtClean="0"/>
+              <a:rPr lang="it-IT" b="1" noProof="0" dirty="0"/>
+              <a:t>- Schemi separati</a:t>
+            </a:r>
+            <a:r>
+              <a:rPr lang="it-IT" noProof="0" dirty="0"/>
               <a:t>:</a:t>
             </a:r>
-            <a:endParaRPr lang="en-GB" sz="1600" dirty="0"/>
+            <a:endParaRPr lang="it-IT" sz="1600" noProof="0" dirty="0"/>
           </a:p>
           <a:p>
             <a:pPr marL="742950" lvl="1" indent="-285750">
@@ -20015,42 +21627,29 @@
               <a:buChar char="•"/>
             </a:pPr>
             <a:r>
-              <a:rPr lang="it-IT" sz="1600" dirty="0" smtClean="0"/>
+              <a:rPr lang="it-IT" sz="1600" noProof="0" dirty="0"/>
               <a:t>Ogni </a:t>
             </a:r>
             <a:r>
-              <a:rPr lang="it-IT" sz="1600" dirty="0" err="1"/>
+              <a:rPr lang="it-IT" sz="1600" noProof="0" dirty="0" err="1"/>
               <a:t>tenant</a:t>
             </a:r>
             <a:r>
-              <a:rPr lang="it-IT" sz="1600" dirty="0"/>
+              <a:rPr lang="it-IT" sz="1600" noProof="0" dirty="0"/>
               <a:t> dispone del proprio schema nel database condiviso</a:t>
             </a:r>
-            <a:endParaRPr lang="en-GB" sz="1600" dirty="0" smtClean="0"/>
           </a:p>
           <a:p>
             <a:pPr lvl="0"/>
             <a:r>
-              <a:rPr lang="en-GB" b="1" dirty="0" smtClean="0"/>
-              <a:t>- </a:t>
-            </a:r>
-            <a:r>
-              <a:rPr lang="en-GB" b="1" dirty="0" err="1" smtClean="0"/>
-              <a:t>Utenti</a:t>
-            </a:r>
-            <a:r>
-              <a:rPr lang="en-GB" b="1" dirty="0" smtClean="0"/>
-              <a:t> database </a:t>
-            </a:r>
-            <a:r>
-              <a:rPr lang="en-GB" b="1" dirty="0" err="1" smtClean="0"/>
-              <a:t>dedicati</a:t>
-            </a:r>
-            <a:r>
-              <a:rPr lang="en-GB" dirty="0" smtClean="0"/>
+              <a:rPr lang="it-IT" b="1" noProof="0" dirty="0"/>
+              <a:t>- Utenti database dedicati</a:t>
+            </a:r>
+            <a:r>
+              <a:rPr lang="it-IT" noProof="0" dirty="0"/>
               <a:t>:</a:t>
             </a:r>
-            <a:endParaRPr lang="en-GB" sz="1600" dirty="0" smtClean="0"/>
+            <a:endParaRPr lang="it-IT" sz="1600" noProof="0" dirty="0"/>
           </a:p>
           <a:p>
             <a:pPr marL="742950" lvl="1" indent="-285750">
@@ -20058,42 +21657,25 @@
               <a:buChar char="•"/>
             </a:pPr>
             <a:r>
-              <a:rPr lang="it-IT" sz="1600" dirty="0" smtClean="0"/>
+              <a:rPr lang="it-IT" sz="1600" noProof="0" dirty="0"/>
               <a:t>Ogni </a:t>
             </a:r>
             <a:r>
-              <a:rPr lang="it-IT" sz="1600" dirty="0" err="1"/>
+              <a:rPr lang="it-IT" sz="1600" noProof="0" dirty="0" err="1"/>
               <a:t>tenant</a:t>
             </a:r>
             <a:r>
-              <a:rPr lang="it-IT" sz="1600" dirty="0"/>
+              <a:rPr lang="it-IT" sz="1600" noProof="0" dirty="0"/>
               <a:t> dispone di un utente configurato con privilegi limitati sul relativo schema</a:t>
             </a:r>
-            <a:endParaRPr lang="en-GB" sz="1600" dirty="0" smtClean="0"/>
           </a:p>
           <a:p>
             <a:pPr lvl="0"/>
             <a:r>
-              <a:rPr lang="en-GB" b="1" dirty="0" smtClean="0"/>
-              <a:t>- </a:t>
-            </a:r>
-            <a:r>
-              <a:rPr lang="en-GB" b="1" dirty="0" err="1" smtClean="0"/>
-              <a:t>Connessioni</a:t>
-            </a:r>
-            <a:r>
-              <a:rPr lang="en-GB" b="1" dirty="0" smtClean="0"/>
-              <a:t> </a:t>
-            </a:r>
-            <a:r>
-              <a:rPr lang="en-GB" b="1" dirty="0" err="1" smtClean="0"/>
-              <a:t>dinamiche</a:t>
-            </a:r>
-            <a:r>
-              <a:rPr lang="en-GB" b="1" dirty="0" smtClean="0"/>
-              <a:t>:</a:t>
-            </a:r>
-            <a:endParaRPr lang="en-GB" sz="1600" b="1" dirty="0" smtClean="0"/>
+              <a:rPr lang="it-IT" b="1" noProof="0" dirty="0"/>
+              <a:t>- Connessioni dinamiche:</a:t>
+            </a:r>
+            <a:endParaRPr lang="it-IT" sz="1600" b="1" noProof="0" dirty="0"/>
           </a:p>
           <a:p>
             <a:pPr marL="742950" lvl="1" indent="-285750">
@@ -20101,34 +21683,17 @@
               <a:buChar char="•"/>
             </a:pPr>
             <a:r>
-              <a:rPr lang="it-IT" sz="1600" dirty="0"/>
-              <a:t>I</a:t>
-            </a:r>
-            <a:r>
-              <a:rPr lang="it-IT" sz="1600" dirty="0" smtClean="0"/>
-              <a:t>l </a:t>
-            </a:r>
-            <a:r>
-              <a:rPr lang="it-IT" sz="1600" dirty="0"/>
-              <a:t>provider delle connessioni seleziona l’utente appropriato in base all’identificatore del </a:t>
-            </a:r>
-            <a:r>
-              <a:rPr lang="it-IT" sz="1600" dirty="0" err="1"/>
+              <a:rPr lang="it-IT" sz="1600" noProof="0" dirty="0"/>
+              <a:t>Il provider delle connessioni seleziona l’utente appropriato in base all’identificatore del </a:t>
+            </a:r>
+            <a:r>
+              <a:rPr lang="it-IT" sz="1600" noProof="0" dirty="0" err="1"/>
               <a:t>tenant</a:t>
             </a:r>
             <a:r>
-              <a:rPr lang="it-IT" sz="1600" dirty="0"/>
-              <a:t>, garantendo l'isolamento a livello di </a:t>
-            </a:r>
-            <a:r>
-              <a:rPr lang="it-IT" sz="1600" dirty="0" err="1"/>
-              <a:t>query</a:t>
-            </a:r>
-            <a:r>
-              <a:rPr lang="it-IT" sz="1600" dirty="0"/>
-              <a:t> SQL e operazioni database</a:t>
-            </a:r>
-            <a:endParaRPr lang="en-GB" sz="1600" dirty="0"/>
+              <a:rPr lang="it-IT" sz="1600" noProof="0" dirty="0"/>
+              <a:t>, garantendo l'isolamento a livello di query SQL e operazioni database</a:t>
+            </a:r>
           </a:p>
         </p:txBody>
       </p:sp>
@@ -20189,13 +21754,6 @@
   <p:clrMapOvr>
     <a:masterClrMapping/>
   </p:clrMapOvr>
-  <p:timing>
-    <p:tnLst>
-      <p:par>
-        <p:cTn id="1" dur="indefinite" restart="never" nodeType="tmRoot"/>
-      </p:par>
-    </p:tnLst>
-  </p:timing>
 </p:sld>
 </file>
 
@@ -20273,7 +21831,7 @@
               <a:t>Tenancy</a:t>
             </a:r>
             <a:r>
-              <a:rPr lang="it-IT" sz="4000" dirty="0">
+              <a:rPr lang="it-IT" sz="4000" noProof="0" dirty="0">
                 <a:solidFill>
                   <a:schemeClr val="tx2">
                     <a:lumMod val="90000"/>
@@ -20281,21 +21839,10 @@
                   </a:schemeClr>
                 </a:solidFill>
               </a:rPr>
-              <a:t> </a:t>
-            </a:r>
-            <a:r>
-              <a:rPr lang="it-IT" sz="4000" dirty="0" smtClean="0">
-                <a:solidFill>
-                  <a:schemeClr val="tx2">
-                    <a:lumMod val="90000"/>
-                    <a:lumOff val="10000"/>
-                  </a:schemeClr>
-                </a:solidFill>
-              </a:rPr>
-              <a:t>data </a:t>
-            </a:r>
-            <a:r>
-              <a:rPr lang="it-IT" sz="4000" dirty="0" err="1" smtClean="0">
+              <a:t> data </a:t>
+            </a:r>
+            <a:r>
+              <a:rPr lang="it-IT" sz="4000" noProof="0" dirty="0" err="1">
                 <a:solidFill>
                   <a:schemeClr val="tx2">
                     <a:lumMod val="90000"/>
@@ -20568,7 +22115,7 @@
           <a:lstStyle/>
           <a:p>
             <a:r>
-              <a:rPr lang="it-IT" sz="1400" dirty="0">
+              <a:rPr lang="it-IT" sz="1400" noProof="0" dirty="0">
                 <a:solidFill>
                   <a:schemeClr val="bg1"/>
                 </a:solidFill>
@@ -20643,17 +22190,6 @@
           </a:bodyPr>
           <a:lstStyle/>
           <a:p>
-            <a:r>
-              <a:rPr lang="it-IT" noProof="0" dirty="0">
-                <a:solidFill>
-                  <a:schemeClr val="tx1">
-                    <a:lumMod val="85000"/>
-                    <a:lumOff val="15000"/>
-                  </a:schemeClr>
-                </a:solidFill>
-              </a:rPr>
-              <a:t/>
-            </a:r>
             <a:br>
               <a:rPr lang="it-IT" noProof="0" dirty="0">
                 <a:solidFill>
@@ -20704,7 +22240,7 @@
           <a:lstStyle/>
           <a:p>
             <a:r>
-              <a:rPr lang="it-IT" b="1" u="sng" dirty="0" smtClean="0">
+              <a:rPr lang="it-IT" b="1" u="sng" noProof="0" dirty="0">
                 <a:solidFill>
                   <a:schemeClr val="tx1">
                     <a:lumMod val="85000"/>
@@ -20712,21 +22248,10 @@
                   </a:schemeClr>
                 </a:solidFill>
               </a:rPr>
-              <a:t>Implementazione </a:t>
-            </a:r>
-            <a:r>
-              <a:rPr lang="it-IT" b="1" u="sng" dirty="0">
-                <a:solidFill>
-                  <a:schemeClr val="tx1">
-                    <a:lumMod val="85000"/>
-                    <a:lumOff val="15000"/>
-                  </a:schemeClr>
-                </a:solidFill>
-              </a:rPr>
-              <a:t>(Single Database, Separate </a:t>
-            </a:r>
-            <a:r>
-              <a:rPr lang="it-IT" b="1" u="sng" dirty="0" err="1">
+              <a:t>Implementazione (Single Database, Separate </a:t>
+            </a:r>
+            <a:r>
+              <a:rPr lang="it-IT" b="1" u="sng" noProof="0" dirty="0" err="1">
                 <a:solidFill>
                   <a:schemeClr val="tx1">
                     <a:lumMod val="85000"/>
@@ -20737,7 +22262,7 @@
               <a:t>Schemas</a:t>
             </a:r>
             <a:r>
-              <a:rPr lang="it-IT" b="1" u="sng" dirty="0">
+              <a:rPr lang="it-IT" b="1" u="sng" noProof="0" dirty="0">
                 <a:solidFill>
                   <a:schemeClr val="tx1">
                     <a:lumMod val="85000"/>
@@ -20749,7 +22274,7 @@
             </a:r>
           </a:p>
           <a:p>
-            <a:endParaRPr lang="it-IT" b="1" dirty="0">
+            <a:endParaRPr lang="it-IT" b="1" noProof="0" dirty="0">
               <a:solidFill>
                 <a:schemeClr val="tx1">
                   <a:lumMod val="85000"/>
@@ -20761,34 +22286,14 @@
           <a:p>
             <a:pPr lvl="0"/>
             <a:r>
-              <a:rPr lang="en-GB" b="1" dirty="0"/>
-              <a:t>- </a:t>
-            </a:r>
-            <a:r>
-              <a:rPr lang="en-GB" b="1" dirty="0" err="1"/>
-              <a:t>Connessioni</a:t>
-            </a:r>
-            <a:r>
-              <a:rPr lang="en-GB" b="1" dirty="0"/>
-              <a:t> </a:t>
-            </a:r>
-            <a:r>
-              <a:rPr lang="en-GB" b="1" dirty="0" err="1"/>
-              <a:t>dinamiche</a:t>
-            </a:r>
-            <a:r>
-              <a:rPr lang="en-GB" b="1" dirty="0"/>
-              <a:t> </a:t>
-            </a:r>
-            <a:r>
-              <a:rPr lang="en-GB" b="1" dirty="0" err="1"/>
-              <a:t>personalizzate</a:t>
-            </a:r>
-            <a:r>
-              <a:rPr lang="en-GB" dirty="0" smtClean="0"/>
+              <a:rPr lang="it-IT" b="1" noProof="0" dirty="0"/>
+              <a:t>- Connessioni dinamiche personalizzate</a:t>
+            </a:r>
+            <a:r>
+              <a:rPr lang="it-IT" noProof="0" dirty="0"/>
               <a:t>:</a:t>
             </a:r>
-            <a:endParaRPr lang="en-GB" sz="1600" dirty="0"/>
+            <a:endParaRPr lang="it-IT" sz="1600" noProof="0" dirty="0"/>
           </a:p>
           <a:p>
             <a:pPr marL="742950" lvl="1" indent="-285750">
@@ -20796,58 +22301,38 @@
               <a:buChar char="•"/>
             </a:pPr>
             <a:r>
-              <a:rPr lang="it-IT" sz="1600" dirty="0"/>
+              <a:rPr lang="it-IT" sz="1600" noProof="0" dirty="0"/>
               <a:t>La classe </a:t>
             </a:r>
             <a:r>
-              <a:rPr lang="it-IT" sz="1600" i="1" dirty="0" err="1"/>
+              <a:rPr lang="it-IT" sz="1600" i="1" noProof="0" dirty="0" err="1"/>
               <a:t>DataSourceConfig</a:t>
             </a:r>
             <a:r>
-              <a:rPr lang="it-IT" sz="1600" dirty="0"/>
+              <a:rPr lang="it-IT" sz="1600" noProof="0" dirty="0"/>
               <a:t> crea connessioni con credenziali specifiche per ogni </a:t>
             </a:r>
             <a:r>
-              <a:rPr lang="it-IT" sz="1600" dirty="0" err="1"/>
+              <a:rPr lang="it-IT" sz="1600" noProof="0" dirty="0" err="1"/>
               <a:t>tenant</a:t>
             </a:r>
-            <a:endParaRPr lang="en-GB" sz="1600" dirty="0"/>
+            <a:endParaRPr lang="it-IT" sz="1600" noProof="0" dirty="0"/>
           </a:p>
           <a:p>
             <a:pPr lvl="0"/>
             <a:r>
-              <a:rPr lang="en-GB" b="1" dirty="0"/>
-              <a:t>- </a:t>
-            </a:r>
-            <a:r>
-              <a:rPr lang="en-GB" b="1" dirty="0" err="1"/>
-              <a:t>Gestione</a:t>
-            </a:r>
-            <a:r>
-              <a:rPr lang="en-GB" b="1" dirty="0"/>
-              <a:t> </a:t>
-            </a:r>
-            <a:r>
-              <a:rPr lang="en-GB" b="1" dirty="0" err="1"/>
-              <a:t>dinamica</a:t>
-            </a:r>
-            <a:r>
-              <a:rPr lang="en-GB" b="1" dirty="0"/>
-              <a:t> </a:t>
-            </a:r>
-            <a:r>
-              <a:rPr lang="en-GB" b="1" dirty="0" err="1"/>
-              <a:t>dei</a:t>
-            </a:r>
-            <a:r>
-              <a:rPr lang="en-GB" b="1" dirty="0"/>
-              <a:t> tenant</a:t>
-            </a:r>
-            <a:r>
-              <a:rPr lang="en-GB" dirty="0" smtClean="0"/>
+              <a:rPr lang="it-IT" b="1" noProof="0" dirty="0"/>
+              <a:t>- Gestione dinamica dei </a:t>
+            </a:r>
+            <a:r>
+              <a:rPr lang="it-IT" b="1" noProof="0" dirty="0" err="1"/>
+              <a:t>tenant</a:t>
+            </a:r>
+            <a:r>
+              <a:rPr lang="it-IT" noProof="0" dirty="0"/>
               <a:t>:</a:t>
             </a:r>
-            <a:endParaRPr lang="en-GB" sz="1600" dirty="0"/>
+            <a:endParaRPr lang="it-IT" sz="1600" noProof="0" dirty="0"/>
           </a:p>
           <a:p>
             <a:pPr marL="742950" lvl="1" indent="-285750">
@@ -20855,54 +22340,38 @@
               <a:buChar char="•"/>
             </a:pPr>
             <a:r>
-              <a:rPr lang="it-IT" sz="1600" dirty="0"/>
+              <a:rPr lang="it-IT" sz="1600" noProof="0" dirty="0"/>
               <a:t>La classe </a:t>
             </a:r>
             <a:r>
-              <a:rPr lang="it-IT" sz="1600" i="1" dirty="0" err="1"/>
+              <a:rPr lang="it-IT" sz="1600" i="1" noProof="0" dirty="0" err="1"/>
               <a:t>SchemaSwitchingConnectionProviderPostgreSQL</a:t>
             </a:r>
             <a:r>
-              <a:rPr lang="it-IT" sz="1600" dirty="0"/>
-              <a:t> imposta il contesto SQL </a:t>
-            </a:r>
-            <a:r>
-              <a:rPr lang="it-IT" sz="1600" dirty="0" smtClean="0"/>
-              <a:t>per </a:t>
-            </a:r>
-            <a:r>
-              <a:rPr lang="it-IT" sz="1600" dirty="0"/>
-              <a:t>isolare le </a:t>
-            </a:r>
-            <a:r>
-              <a:rPr lang="it-IT" sz="1600" dirty="0" err="1"/>
-              <a:t>query</a:t>
-            </a:r>
-            <a:r>
-              <a:rPr lang="it-IT" sz="1600" dirty="0"/>
-              <a:t> al solo schema del </a:t>
-            </a:r>
-            <a:r>
-              <a:rPr lang="it-IT" sz="1600" dirty="0" err="1"/>
+              <a:rPr lang="it-IT" sz="1600" noProof="0" dirty="0"/>
+              <a:t> imposta il contesto SQL per isolare le query al solo schema del </a:t>
+            </a:r>
+            <a:r>
+              <a:rPr lang="it-IT" sz="1600" noProof="0" dirty="0" err="1"/>
               <a:t>tenant</a:t>
             </a:r>
-            <a:endParaRPr lang="en-GB" sz="1600" dirty="0"/>
+            <a:endParaRPr lang="it-IT" sz="1600" noProof="0" dirty="0"/>
           </a:p>
           <a:p>
             <a:pPr lvl="0"/>
             <a:r>
-              <a:rPr lang="en-GB" b="1" dirty="0"/>
-              <a:t>- </a:t>
-            </a:r>
-            <a:r>
-              <a:rPr lang="en-GB" b="1" dirty="0" err="1"/>
-              <a:t>Integrazione</a:t>
-            </a:r>
-            <a:r>
-              <a:rPr lang="en-GB" b="1" dirty="0"/>
-              <a:t> con Hibernate:</a:t>
-            </a:r>
-            <a:endParaRPr lang="en-GB" sz="1600" b="1" dirty="0"/>
+              <a:rPr lang="it-IT" b="1" noProof="0" dirty="0"/>
+              <a:t>- Integrazione con </a:t>
+            </a:r>
+            <a:r>
+              <a:rPr lang="it-IT" b="1" noProof="0" dirty="0" err="1"/>
+              <a:t>Hibernate</a:t>
+            </a:r>
+            <a:r>
+              <a:rPr lang="it-IT" b="1" noProof="0" dirty="0"/>
+              <a:t>:</a:t>
+            </a:r>
+            <a:endParaRPr lang="it-IT" sz="1600" b="1" noProof="0" dirty="0"/>
           </a:p>
           <a:p>
             <a:pPr marL="742950" lvl="1" indent="-285750">
@@ -20910,34 +22379,34 @@
               <a:buChar char="•"/>
             </a:pPr>
             <a:r>
-              <a:rPr lang="it-IT" sz="1600" dirty="0" err="1"/>
+              <a:rPr lang="it-IT" sz="1600" noProof="0" dirty="0" err="1"/>
               <a:t>Hibernate</a:t>
             </a:r>
             <a:r>
-              <a:rPr lang="it-IT" sz="1600" dirty="0"/>
+              <a:rPr lang="it-IT" sz="1600" noProof="0" dirty="0"/>
               <a:t> utilizza un </a:t>
             </a:r>
             <a:r>
-              <a:rPr lang="it-IT" sz="1600" i="1" dirty="0" err="1"/>
+              <a:rPr lang="it-IT" sz="1600" i="1" noProof="0" dirty="0" err="1"/>
               <a:t>MultiTenantConnectionProvider</a:t>
             </a:r>
             <a:r>
-              <a:rPr lang="it-IT" sz="1600" dirty="0"/>
+              <a:rPr lang="it-IT" sz="1600" noProof="0" dirty="0"/>
               <a:t> per gestire le connessioni multiple e un </a:t>
             </a:r>
             <a:r>
-              <a:rPr lang="it-IT" sz="1600" i="1" dirty="0" err="1"/>
+              <a:rPr lang="it-IT" sz="1600" i="1" noProof="0" dirty="0" err="1"/>
               <a:t>CurrentTenantIdentifierResolver</a:t>
             </a:r>
             <a:r>
-              <a:rPr lang="it-IT" sz="1600" dirty="0"/>
+              <a:rPr lang="it-IT" sz="1600" noProof="0" dirty="0"/>
               <a:t> per risolvere dinamicamente l'identificatore del </a:t>
             </a:r>
             <a:r>
-              <a:rPr lang="it-IT" sz="1600" dirty="0" err="1"/>
+              <a:rPr lang="it-IT" sz="1600" noProof="0" dirty="0" err="1"/>
               <a:t>tenant</a:t>
             </a:r>
-            <a:endParaRPr lang="en-GB" sz="1600" dirty="0"/>
+            <a:endParaRPr lang="it-IT" sz="1600" noProof="0" dirty="0"/>
           </a:p>
         </p:txBody>
       </p:sp>
@@ -20998,13 +22467,6 @@
   <p:clrMapOvr>
     <a:masterClrMapping/>
   </p:clrMapOvr>
-  <p:timing>
-    <p:tnLst>
-      <p:par>
-        <p:cTn id="1" dur="indefinite" restart="never" nodeType="tmRoot"/>
-      </p:par>
-    </p:tnLst>
-  </p:timing>
 </p:sld>
 </file>
 
@@ -21082,7 +22544,7 @@
               <a:t>Tenancy</a:t>
             </a:r>
             <a:r>
-              <a:rPr lang="it-IT" sz="4000" dirty="0">
+              <a:rPr lang="it-IT" sz="4000" noProof="0" dirty="0">
                 <a:solidFill>
                   <a:schemeClr val="tx2">
                     <a:lumMod val="90000"/>
@@ -21090,21 +22552,10 @@
                   </a:schemeClr>
                 </a:solidFill>
               </a:rPr>
-              <a:t> </a:t>
-            </a:r>
-            <a:r>
-              <a:rPr lang="it-IT" sz="4000" dirty="0" smtClean="0">
-                <a:solidFill>
-                  <a:schemeClr val="tx2">
-                    <a:lumMod val="90000"/>
-                    <a:lumOff val="10000"/>
-                  </a:schemeClr>
-                </a:solidFill>
-              </a:rPr>
-              <a:t>data </a:t>
-            </a:r>
-            <a:r>
-              <a:rPr lang="it-IT" sz="4000" dirty="0" err="1" smtClean="0">
+              <a:t> data </a:t>
+            </a:r>
+            <a:r>
+              <a:rPr lang="it-IT" sz="4000" noProof="0" dirty="0" err="1">
                 <a:solidFill>
                   <a:schemeClr val="tx2">
                     <a:lumMod val="90000"/>
@@ -21452,17 +22903,6 @@
           </a:bodyPr>
           <a:lstStyle/>
           <a:p>
-            <a:r>
-              <a:rPr lang="it-IT" noProof="0" dirty="0">
-                <a:solidFill>
-                  <a:schemeClr val="tx1">
-                    <a:lumMod val="85000"/>
-                    <a:lumOff val="15000"/>
-                  </a:schemeClr>
-                </a:solidFill>
-              </a:rPr>
-              <a:t/>
-            </a:r>
             <a:br>
               <a:rPr lang="it-IT" noProof="0" dirty="0">
                 <a:solidFill>
@@ -21517,14 +22957,14 @@
               <a:buChar char="•"/>
             </a:pPr>
             <a:r>
-              <a:rPr lang="it-IT" b="1" dirty="0" smtClean="0">
+              <a:rPr lang="it-IT" b="1" noProof="0" dirty="0">
                 <a:solidFill>
                   <a:srgbClr val="FF0000"/>
                 </a:solidFill>
               </a:rPr>
               <a:t>FEDERICO</a:t>
             </a:r>
-            <a:endParaRPr lang="it-IT" sz="1600" dirty="0" smtClean="0">
+            <a:endParaRPr lang="it-IT" sz="1600" noProof="0" dirty="0">
               <a:solidFill>
                 <a:srgbClr val="FF0000"/>
               </a:solidFill>
@@ -21542,13 +22982,6 @@
   <p:clrMapOvr>
     <a:masterClrMapping/>
   </p:clrMapOvr>
-  <p:timing>
-    <p:tnLst>
-      <p:par>
-        <p:cTn id="1" dur="indefinite" restart="never" nodeType="tmRoot"/>
-      </p:par>
-    </p:tnLst>
-  </p:timing>
 </p:sld>
 </file>
 
@@ -21888,7 +23321,7 @@
           <a:lstStyle/>
           <a:p>
             <a:r>
-              <a:rPr lang="it-IT" sz="1400" dirty="0">
+              <a:rPr lang="it-IT" sz="1400" noProof="0" dirty="0">
                 <a:solidFill>
                   <a:schemeClr val="bg1"/>
                 </a:solidFill>
@@ -21976,13 +23409,6 @@
   <p:clrMapOvr>
     <a:masterClrMapping/>
   </p:clrMapOvr>
-  <p:timing>
-    <p:tnLst>
-      <p:par>
-        <p:cTn id="1" dur="indefinite" restart="never" nodeType="tmRoot"/>
-      </p:par>
-    </p:tnLst>
-  </p:timing>
 </p:sld>
 </file>
 

--- a/ShiftsHappen/Sprint 3/CSW Sprint 3.pptx
+++ b/ShiftsHappen/Sprint 3/CSW Sprint 3.pptx
@@ -23370,8 +23370,8 @@
         </p:nvSpPr>
         <p:spPr>
           <a:xfrm>
-            <a:off x="639726" y="1613118"/>
-            <a:ext cx="6654056" cy="369332"/>
+            <a:off x="639544" y="1613118"/>
+            <a:ext cx="6654056" cy="646331"/>
           </a:xfrm>
           <a:prstGeom prst="rect">
             <a:avLst/>
@@ -23384,21 +23384,190 @@
           </a:bodyPr>
           <a:lstStyle/>
           <a:p>
-            <a:pPr marL="285750" indent="-285750">
-              <a:buFont typeface="Arial" panose="020B0604020202020204" pitchFamily="34" charset="0"/>
-              <a:buChar char="•"/>
-            </a:pPr>
-            <a:r>
-              <a:rPr lang="it-IT" noProof="0" dirty="0">
-                <a:solidFill>
-                  <a:srgbClr val="FF0000"/>
-                </a:solidFill>
-              </a:rPr>
-              <a:t>MASSIMO</a:t>
-            </a:r>
+            <a:r>
+              <a:rPr lang="en-GB" noProof="0" dirty="0"/>
+              <a:t>Per </a:t>
+            </a:r>
+            <a:r>
+              <a:rPr lang="en-GB" noProof="0" dirty="0" err="1"/>
+              <a:t>quel</a:t>
+            </a:r>
+            <a:r>
+              <a:rPr lang="en-GB" noProof="0" dirty="0"/>
+              <a:t> </a:t>
+            </a:r>
+            <a:r>
+              <a:rPr lang="en-GB" noProof="0" dirty="0" err="1"/>
+              <a:t>che</a:t>
+            </a:r>
+            <a:r>
+              <a:rPr lang="en-GB" noProof="0" dirty="0"/>
+              <a:t> </a:t>
+            </a:r>
+            <a:r>
+              <a:rPr lang="en-GB" noProof="0" dirty="0" err="1"/>
+              <a:t>rigurda</a:t>
+            </a:r>
+            <a:r>
+              <a:rPr lang="en-GB" noProof="0" dirty="0"/>
+              <a:t> </a:t>
+            </a:r>
+            <a:r>
+              <a:rPr lang="en-GB" noProof="0" dirty="0" err="1"/>
+              <a:t>i</a:t>
+            </a:r>
+            <a:r>
+              <a:rPr lang="en-GB" noProof="0" dirty="0"/>
+              <a:t> tool di </a:t>
+            </a:r>
+            <a:r>
+              <a:rPr lang="en-GB" noProof="0" dirty="0" err="1"/>
+              <a:t>integrazione</a:t>
+            </a:r>
+            <a:r>
+              <a:rPr lang="en-GB" noProof="0" dirty="0"/>
+              <a:t> </a:t>
+            </a:r>
+            <a:r>
+              <a:rPr lang="en-GB" noProof="0" dirty="0" err="1"/>
+              <a:t>si</a:t>
+            </a:r>
+            <a:r>
+              <a:rPr lang="en-GB" noProof="0" dirty="0"/>
+              <a:t> è </a:t>
+            </a:r>
+            <a:r>
+              <a:rPr lang="en-GB" noProof="0" dirty="0" err="1"/>
+              <a:t>implementato</a:t>
+            </a:r>
+            <a:r>
+              <a:rPr lang="en-GB" noProof="0" dirty="0"/>
+              <a:t> come </a:t>
+            </a:r>
+            <a:r>
+              <a:rPr lang="en-GB" noProof="0" dirty="0" err="1"/>
+              <a:t>stumento</a:t>
+            </a:r>
+            <a:r>
+              <a:rPr lang="en-GB" noProof="0" dirty="0"/>
+              <a:t> </a:t>
+            </a:r>
+            <a:r>
+              <a:rPr lang="en-GB" noProof="0" dirty="0" err="1"/>
+              <a:t>Codacy</a:t>
+            </a:r>
+            <a:r>
+              <a:rPr lang="en-GB" noProof="0" dirty="0"/>
+              <a:t>, </a:t>
+            </a:r>
+            <a:r>
+              <a:rPr lang="en-GB" noProof="0" dirty="0" err="1"/>
+              <a:t>che</a:t>
+            </a:r>
+            <a:r>
+              <a:rPr lang="en-GB" noProof="0" dirty="0"/>
+              <a:t> al </a:t>
+            </a:r>
+            <a:r>
+              <a:rPr lang="en-GB" noProof="0" dirty="0" err="1"/>
+              <a:t>suo</a:t>
+            </a:r>
+            <a:r>
+              <a:rPr lang="en-GB" noProof="0" dirty="0"/>
+              <a:t> </a:t>
+            </a:r>
+            <a:r>
+              <a:rPr lang="en-GB" noProof="0" dirty="0" err="1"/>
+              <a:t>interno</a:t>
+            </a:r>
+            <a:r>
+              <a:rPr lang="en-GB" noProof="0" dirty="0"/>
+              <a:t> </a:t>
+            </a:r>
+            <a:r>
+              <a:rPr lang="en-GB" noProof="0" dirty="0" err="1"/>
+              <a:t>contiene</a:t>
+            </a:r>
+            <a:r>
+              <a:rPr lang="en-GB" noProof="0" dirty="0"/>
+              <a:t> </a:t>
+            </a:r>
+            <a:r>
+              <a:rPr lang="en-GB" noProof="0" dirty="0" err="1"/>
+              <a:t>anche</a:t>
+            </a:r>
+            <a:r>
+              <a:rPr lang="en-GB" noProof="0" dirty="0"/>
+              <a:t> </a:t>
+            </a:r>
+            <a:r>
+              <a:rPr lang="en-GB" noProof="0" dirty="0" err="1"/>
+              <a:t>ESLint</a:t>
+            </a:r>
+            <a:endParaRPr lang="it-IT" noProof="0" dirty="0"/>
           </a:p>
         </p:txBody>
       </p:sp>
+      <p:pic>
+        <p:nvPicPr>
+          <p:cNvPr id="9" name="Picture 8">
+            <a:extLst>
+              <a:ext uri="{FF2B5EF4-FFF2-40B4-BE49-F238E27FC236}">
+                <a16:creationId xmlns:a16="http://schemas.microsoft.com/office/drawing/2014/main" id="{F0E283ED-33D3-8962-7B7A-0E32D59EA8E9}"/>
+              </a:ext>
+            </a:extLst>
+          </p:cNvPr>
+          <p:cNvPicPr>
+            <a:picLocks noChangeAspect="1"/>
+          </p:cNvPicPr>
+          <p:nvPr/>
+        </p:nvPicPr>
+        <p:blipFill>
+          <a:blip r:embed="rId3"/>
+          <a:stretch>
+            <a:fillRect/>
+          </a:stretch>
+        </p:blipFill>
+        <p:spPr>
+          <a:xfrm>
+            <a:off x="639544" y="2630496"/>
+            <a:ext cx="3953427" cy="3543795"/>
+          </a:xfrm>
+          <a:prstGeom prst="rect">
+            <a:avLst/>
+          </a:prstGeom>
+        </p:spPr>
+      </p:pic>
+      <p:pic>
+        <p:nvPicPr>
+          <p:cNvPr id="12" name="Picture 11">
+            <a:extLst>
+              <a:ext uri="{FF2B5EF4-FFF2-40B4-BE49-F238E27FC236}">
+                <a16:creationId xmlns:a16="http://schemas.microsoft.com/office/drawing/2014/main" id="{6B383CED-BBCC-2DEA-BA24-88C53496AEF1}"/>
+              </a:ext>
+            </a:extLst>
+          </p:cNvPr>
+          <p:cNvPicPr>
+            <a:picLocks noChangeAspect="1"/>
+          </p:cNvPicPr>
+          <p:nvPr/>
+        </p:nvPicPr>
+        <p:blipFill>
+          <a:blip r:embed="rId4"/>
+          <a:stretch>
+            <a:fillRect/>
+          </a:stretch>
+        </p:blipFill>
+        <p:spPr>
+          <a:xfrm>
+            <a:off x="4871564" y="2746644"/>
+            <a:ext cx="4572638" cy="3200847"/>
+          </a:xfrm>
+          <a:prstGeom prst="rect">
+            <a:avLst/>
+          </a:prstGeom>
+        </p:spPr>
+      </p:pic>
     </p:spTree>
     <p:extLst>
       <p:ext uri="{BB962C8B-B14F-4D97-AF65-F5344CB8AC3E}">

--- a/ShiftsHappen/Sprint 3/CSW Sprint 3.pptx
+++ b/ShiftsHappen/Sprint 3/CSW Sprint 3.pptx
@@ -5,32 +5,31 @@
     <p:sldMasterId id="2147483648" r:id="rId1"/>
   </p:sldMasterIdLst>
   <p:notesMasterIdLst>
-    <p:notesMasterId r:id="rId25"/>
+    <p:notesMasterId r:id="rId24"/>
   </p:notesMasterIdLst>
   <p:sldIdLst>
     <p:sldId id="256" r:id="rId2"/>
     <p:sldId id="259" r:id="rId3"/>
     <p:sldId id="261" r:id="rId4"/>
     <p:sldId id="274" r:id="rId5"/>
-    <p:sldId id="298" r:id="rId6"/>
-    <p:sldId id="296" r:id="rId7"/>
-    <p:sldId id="297" r:id="rId8"/>
-    <p:sldId id="300" r:id="rId9"/>
-    <p:sldId id="299" r:id="rId10"/>
-    <p:sldId id="301" r:id="rId11"/>
-    <p:sldId id="302" r:id="rId12"/>
-    <p:sldId id="303" r:id="rId13"/>
-    <p:sldId id="304" r:id="rId14"/>
-    <p:sldId id="305" r:id="rId15"/>
-    <p:sldId id="306" r:id="rId16"/>
-    <p:sldId id="307" r:id="rId17"/>
-    <p:sldId id="282" r:id="rId18"/>
-    <p:sldId id="292" r:id="rId19"/>
-    <p:sldId id="295" r:id="rId20"/>
-    <p:sldId id="276" r:id="rId21"/>
-    <p:sldId id="293" r:id="rId22"/>
-    <p:sldId id="262" r:id="rId23"/>
-    <p:sldId id="288" r:id="rId24"/>
+    <p:sldId id="296" r:id="rId6"/>
+    <p:sldId id="297" r:id="rId7"/>
+    <p:sldId id="300" r:id="rId8"/>
+    <p:sldId id="299" r:id="rId9"/>
+    <p:sldId id="301" r:id="rId10"/>
+    <p:sldId id="302" r:id="rId11"/>
+    <p:sldId id="303" r:id="rId12"/>
+    <p:sldId id="304" r:id="rId13"/>
+    <p:sldId id="305" r:id="rId14"/>
+    <p:sldId id="306" r:id="rId15"/>
+    <p:sldId id="307" r:id="rId16"/>
+    <p:sldId id="282" r:id="rId17"/>
+    <p:sldId id="292" r:id="rId18"/>
+    <p:sldId id="295" r:id="rId19"/>
+    <p:sldId id="276" r:id="rId20"/>
+    <p:sldId id="293" r:id="rId21"/>
+    <p:sldId id="262" r:id="rId22"/>
+    <p:sldId id="288" r:id="rId23"/>
   </p:sldIdLst>
   <p:sldSz cx="12192000" cy="6858000"/>
   <p:notesSz cx="6858000" cy="9144000"/>
@@ -357,7 +356,7 @@
           </a:lstStyle>
           <a:p>
             <a:fld id="{7D50F5C2-1F77-45FD-808B-AC99B6454F11}" type="datetimeFigureOut">
-              <a:t>27/01/2025</a:t>
+              <a:t>1/27/2025</a:t>
             </a:fld>
             <a:endParaRPr lang="it-IT"/>
           </a:p>
@@ -514,7 +513,7 @@
           </a:lstStyle>
           <a:p>
             <a:fld id="{A2A64AC7-4DA4-48E7-90C1-5D3C29B92E12}" type="slidenum">
-              <a:t>‹#›</a:t>
+              <a:t>‹N›</a:t>
             </a:fld>
             <a:endParaRPr lang="it-IT"/>
           </a:p>
@@ -786,7 +785,7 @@
           <a:p>
             <a:fld id="{A2A64AC7-4DA4-48E7-90C1-5D3C29B92E12}" type="slidenum">
               <a:rPr lang="en-GB" smtClean="0"/>
-              <a:t>17</a:t>
+              <a:t>16</a:t>
             </a:fld>
             <a:endParaRPr lang="en-GB"/>
           </a:p>
@@ -1285,7 +1284,7 @@
           <a:p>
             <a:fld id="{66CD45B7-DFE2-4393-8D37-380FC36BF3AA}" type="slidenum">
               <a:rPr lang="de-DE" smtClean="0"/>
-              <a:t>‹#›</a:t>
+              <a:t>‹N›</a:t>
             </a:fld>
             <a:endParaRPr lang="de-DE"/>
           </a:p>
@@ -1455,7 +1454,7 @@
           <a:p>
             <a:fld id="{66CD45B7-DFE2-4393-8D37-380FC36BF3AA}" type="slidenum">
               <a:rPr lang="de-DE" smtClean="0"/>
-              <a:t>‹#›</a:t>
+              <a:t>‹N›</a:t>
             </a:fld>
             <a:endParaRPr lang="de-DE"/>
           </a:p>
@@ -1635,7 +1634,7 @@
           <a:p>
             <a:fld id="{66CD45B7-DFE2-4393-8D37-380FC36BF3AA}" type="slidenum">
               <a:rPr lang="de-DE" smtClean="0"/>
-              <a:t>‹#›</a:t>
+              <a:t>‹N›</a:t>
             </a:fld>
             <a:endParaRPr lang="de-DE"/>
           </a:p>
@@ -1805,7 +1804,7 @@
           <a:p>
             <a:fld id="{66CD45B7-DFE2-4393-8D37-380FC36BF3AA}" type="slidenum">
               <a:rPr lang="de-DE" smtClean="0"/>
-              <a:t>‹#›</a:t>
+              <a:t>‹N›</a:t>
             </a:fld>
             <a:endParaRPr lang="de-DE"/>
           </a:p>
@@ -2051,7 +2050,7 @@
           <a:p>
             <a:fld id="{66CD45B7-DFE2-4393-8D37-380FC36BF3AA}" type="slidenum">
               <a:rPr lang="de-DE" smtClean="0"/>
-              <a:t>‹#›</a:t>
+              <a:t>‹N›</a:t>
             </a:fld>
             <a:endParaRPr lang="de-DE"/>
           </a:p>
@@ -2283,7 +2282,7 @@
           <a:p>
             <a:fld id="{66CD45B7-DFE2-4393-8D37-380FC36BF3AA}" type="slidenum">
               <a:rPr lang="de-DE" smtClean="0"/>
-              <a:t>‹#›</a:t>
+              <a:t>‹N›</a:t>
             </a:fld>
             <a:endParaRPr lang="de-DE"/>
           </a:p>
@@ -2650,7 +2649,7 @@
           <a:p>
             <a:fld id="{66CD45B7-DFE2-4393-8D37-380FC36BF3AA}" type="slidenum">
               <a:rPr lang="de-DE" smtClean="0"/>
-              <a:t>‹#›</a:t>
+              <a:t>‹N›</a:t>
             </a:fld>
             <a:endParaRPr lang="de-DE"/>
           </a:p>
@@ -2768,7 +2767,7 @@
           <a:p>
             <a:fld id="{66CD45B7-DFE2-4393-8D37-380FC36BF3AA}" type="slidenum">
               <a:rPr lang="de-DE" smtClean="0"/>
-              <a:t>‹#›</a:t>
+              <a:t>‹N›</a:t>
             </a:fld>
             <a:endParaRPr lang="de-DE"/>
           </a:p>
@@ -2863,7 +2862,7 @@
           <a:p>
             <a:fld id="{66CD45B7-DFE2-4393-8D37-380FC36BF3AA}" type="slidenum">
               <a:rPr lang="de-DE" smtClean="0"/>
-              <a:t>‹#›</a:t>
+              <a:t>‹N›</a:t>
             </a:fld>
             <a:endParaRPr lang="de-DE"/>
           </a:p>
@@ -3140,7 +3139,7 @@
           <a:p>
             <a:fld id="{66CD45B7-DFE2-4393-8D37-380FC36BF3AA}" type="slidenum">
               <a:rPr lang="de-DE" smtClean="0"/>
-              <a:t>‹#›</a:t>
+              <a:t>‹N›</a:t>
             </a:fld>
             <a:endParaRPr lang="de-DE"/>
           </a:p>
@@ -3393,7 +3392,7 @@
           <a:p>
             <a:fld id="{66CD45B7-DFE2-4393-8D37-380FC36BF3AA}" type="slidenum">
               <a:rPr lang="de-DE" smtClean="0"/>
-              <a:t>‹#›</a:t>
+              <a:t>‹N›</a:t>
             </a:fld>
             <a:endParaRPr lang="de-DE"/>
           </a:p>
@@ -3642,7 +3641,7 @@
           <a:p>
             <a:fld id="{66CD45B7-DFE2-4393-8D37-380FC36BF3AA}" type="slidenum">
               <a:rPr lang="de-DE" smtClean="0"/>
-              <a:t>‹#›</a:t>
+              <a:t>‹N›</a:t>
             </a:fld>
             <a:endParaRPr lang="de-DE"/>
           </a:p>
@@ -4453,746 +4452,6 @@
         <p:cNvPr id="1" name="">
           <a:extLst>
             <a:ext uri="{FF2B5EF4-FFF2-40B4-BE49-F238E27FC236}">
-              <a16:creationId xmlns:a16="http://schemas.microsoft.com/office/drawing/2014/main" id="{AFC15726-FA8E-B025-0B1D-A5B8587DB163}"/>
-            </a:ext>
-          </a:extLst>
-        </p:cNvPr>
-        <p:cNvGrpSpPr/>
-        <p:nvPr/>
-      </p:nvGrpSpPr>
-      <p:grpSpPr>
-        <a:xfrm>
-          <a:off x="0" y="0"/>
-          <a:ext cx="0" cy="0"/>
-          <a:chOff x="0" y="0"/>
-          <a:chExt cx="0" cy="0"/>
-        </a:xfrm>
-      </p:grpSpPr>
-      <p:sp>
-        <p:nvSpPr>
-          <p:cNvPr id="2" name="Titolo 1">
-            <a:extLst>
-              <a:ext uri="{FF2B5EF4-FFF2-40B4-BE49-F238E27FC236}">
-                <a16:creationId xmlns:a16="http://schemas.microsoft.com/office/drawing/2014/main" id="{2E17763D-3E5C-845B-21BF-7DEEE1DE766F}"/>
-              </a:ext>
-            </a:extLst>
-          </p:cNvPr>
-          <p:cNvSpPr>
-            <a:spLocks noGrp="1"/>
-          </p:cNvSpPr>
-          <p:nvPr>
-            <p:ph type="title"/>
-          </p:nvPr>
-        </p:nvSpPr>
-        <p:spPr>
-          <a:xfrm>
-            <a:off x="639725" y="472780"/>
-            <a:ext cx="6654056" cy="653143"/>
-          </a:xfrm>
-        </p:spPr>
-        <p:txBody>
-          <a:bodyPr>
-            <a:normAutofit fontScale="90000"/>
-          </a:bodyPr>
-          <a:lstStyle/>
-          <a:p>
-            <a:r>
-              <a:rPr lang="it-IT" sz="4000" noProof="0" dirty="0">
-                <a:solidFill>
-                  <a:schemeClr val="tx2">
-                    <a:lumMod val="90000"/>
-                    <a:lumOff val="10000"/>
-                  </a:schemeClr>
-                </a:solidFill>
-              </a:rPr>
-              <a:t>GOAL: Multi-</a:t>
-            </a:r>
-            <a:r>
-              <a:rPr lang="it-IT" sz="4000" noProof="0" dirty="0" err="1">
-                <a:solidFill>
-                  <a:schemeClr val="tx2">
-                    <a:lumMod val="90000"/>
-                    <a:lumOff val="10000"/>
-                  </a:schemeClr>
-                </a:solidFill>
-              </a:rPr>
-              <a:t>Tenancy</a:t>
-            </a:r>
-            <a:r>
-              <a:rPr lang="it-IT" sz="4000" dirty="0">
-                <a:solidFill>
-                  <a:schemeClr val="tx2">
-                    <a:lumMod val="90000"/>
-                    <a:lumOff val="10000"/>
-                  </a:schemeClr>
-                </a:solidFill>
-              </a:rPr>
-              <a:t> data </a:t>
-            </a:r>
-            <a:r>
-              <a:rPr lang="it-IT" sz="4000" dirty="0" err="1">
-                <a:solidFill>
-                  <a:schemeClr val="tx2">
-                    <a:lumMod val="90000"/>
-                    <a:lumOff val="10000"/>
-                  </a:schemeClr>
-                </a:solidFill>
-              </a:rPr>
-              <a:t>segregation</a:t>
-            </a:r>
-            <a:endParaRPr lang="it-IT" sz="4000" noProof="0" dirty="0">
-              <a:solidFill>
-                <a:schemeClr val="tx2">
-                  <a:lumMod val="90000"/>
-                  <a:lumOff val="10000"/>
-                </a:schemeClr>
-              </a:solidFill>
-            </a:endParaRPr>
-          </a:p>
-        </p:txBody>
-      </p:sp>
-      <p:sp>
-        <p:nvSpPr>
-          <p:cNvPr id="4" name="Rettangolo 3">
-            <a:extLst>
-              <a:ext uri="{FF2B5EF4-FFF2-40B4-BE49-F238E27FC236}">
-                <a16:creationId xmlns:a16="http://schemas.microsoft.com/office/drawing/2014/main" id="{FC4A7560-125A-F332-2B2C-3AE9877439D5}"/>
-              </a:ext>
-            </a:extLst>
-          </p:cNvPr>
-          <p:cNvSpPr/>
-          <p:nvPr/>
-        </p:nvSpPr>
-        <p:spPr>
-          <a:xfrm>
-            <a:off x="0" y="472781"/>
-            <a:ext cx="190243" cy="653143"/>
-          </a:xfrm>
-          <a:prstGeom prst="rect">
-            <a:avLst/>
-          </a:prstGeom>
-          <a:solidFill>
-            <a:schemeClr val="tx2">
-              <a:lumMod val="90000"/>
-              <a:lumOff val="10000"/>
-            </a:schemeClr>
-          </a:solidFill>
-          <a:ln>
-            <a:solidFill>
-              <a:schemeClr val="tx2">
-                <a:lumMod val="90000"/>
-                <a:lumOff val="10000"/>
-              </a:schemeClr>
-            </a:solidFill>
-          </a:ln>
-        </p:spPr>
-        <p:style>
-          <a:lnRef idx="2">
-            <a:schemeClr val="accent1">
-              <a:shade val="15000"/>
-            </a:schemeClr>
-          </a:lnRef>
-          <a:fillRef idx="1">
-            <a:schemeClr val="accent1"/>
-          </a:fillRef>
-          <a:effectRef idx="0">
-            <a:schemeClr val="accent1"/>
-          </a:effectRef>
-          <a:fontRef idx="minor">
-            <a:schemeClr val="lt1"/>
-          </a:fontRef>
-        </p:style>
-        <p:txBody>
-          <a:bodyPr rtlCol="0" anchor="ctr"/>
-          <a:lstStyle/>
-          <a:p>
-            <a:pPr algn="ctr"/>
-            <a:endParaRPr lang="it-IT" noProof="0" dirty="0"/>
-          </a:p>
-        </p:txBody>
-      </p:sp>
-      <p:sp>
-        <p:nvSpPr>
-          <p:cNvPr id="5" name="Rettangolo 4">
-            <a:extLst>
-              <a:ext uri="{FF2B5EF4-FFF2-40B4-BE49-F238E27FC236}">
-                <a16:creationId xmlns:a16="http://schemas.microsoft.com/office/drawing/2014/main" id="{C993B1D6-9C3A-29F4-79E3-A36FF29F3563}"/>
-              </a:ext>
-            </a:extLst>
-          </p:cNvPr>
-          <p:cNvSpPr/>
-          <p:nvPr/>
-        </p:nvSpPr>
-        <p:spPr>
-          <a:xfrm>
-            <a:off x="289539" y="472780"/>
-            <a:ext cx="139359" cy="653143"/>
-          </a:xfrm>
-          <a:prstGeom prst="rect">
-            <a:avLst/>
-          </a:prstGeom>
-          <a:solidFill>
-            <a:schemeClr val="tx2">
-              <a:lumMod val="90000"/>
-              <a:lumOff val="10000"/>
-            </a:schemeClr>
-          </a:solidFill>
-          <a:ln>
-            <a:solidFill>
-              <a:schemeClr val="tx2">
-                <a:lumMod val="90000"/>
-                <a:lumOff val="10000"/>
-              </a:schemeClr>
-            </a:solidFill>
-          </a:ln>
-        </p:spPr>
-        <p:style>
-          <a:lnRef idx="2">
-            <a:schemeClr val="accent1">
-              <a:shade val="15000"/>
-            </a:schemeClr>
-          </a:lnRef>
-          <a:fillRef idx="1">
-            <a:schemeClr val="accent1"/>
-          </a:fillRef>
-          <a:effectRef idx="0">
-            <a:schemeClr val="accent1"/>
-          </a:effectRef>
-          <a:fontRef idx="minor">
-            <a:schemeClr val="lt1"/>
-          </a:fontRef>
-        </p:style>
-        <p:txBody>
-          <a:bodyPr rtlCol="0" anchor="ctr"/>
-          <a:lstStyle/>
-          <a:p>
-            <a:pPr algn="ctr"/>
-            <a:endParaRPr lang="it-IT" noProof="0" dirty="0"/>
-          </a:p>
-        </p:txBody>
-      </p:sp>
-      <p:sp>
-        <p:nvSpPr>
-          <p:cNvPr id="11" name="Rettangolo 10">
-            <a:extLst>
-              <a:ext uri="{FF2B5EF4-FFF2-40B4-BE49-F238E27FC236}">
-                <a16:creationId xmlns:a16="http://schemas.microsoft.com/office/drawing/2014/main" id="{A7EA9913-1AC3-7D4A-2157-2B54A7000AA2}"/>
-              </a:ext>
-            </a:extLst>
-          </p:cNvPr>
-          <p:cNvSpPr/>
-          <p:nvPr/>
-        </p:nvSpPr>
-        <p:spPr>
-          <a:xfrm>
-            <a:off x="10008781" y="0"/>
-            <a:ext cx="2183219" cy="6858000"/>
-          </a:xfrm>
-          <a:prstGeom prst="rect">
-            <a:avLst/>
-          </a:prstGeom>
-          <a:solidFill>
-            <a:schemeClr val="tx2">
-              <a:lumMod val="90000"/>
-              <a:lumOff val="10000"/>
-            </a:schemeClr>
-          </a:solidFill>
-          <a:ln>
-            <a:solidFill>
-              <a:srgbClr val="163E64"/>
-            </a:solidFill>
-          </a:ln>
-        </p:spPr>
-        <p:style>
-          <a:lnRef idx="2">
-            <a:schemeClr val="accent1">
-              <a:shade val="15000"/>
-            </a:schemeClr>
-          </a:lnRef>
-          <a:fillRef idx="1">
-            <a:schemeClr val="accent1"/>
-          </a:fillRef>
-          <a:effectRef idx="0">
-            <a:schemeClr val="accent1"/>
-          </a:effectRef>
-          <a:fontRef idx="minor">
-            <a:schemeClr val="lt1"/>
-          </a:fontRef>
-        </p:style>
-        <p:txBody>
-          <a:bodyPr rtlCol="0" anchor="ctr"/>
-          <a:lstStyle/>
-          <a:p>
-            <a:pPr algn="ctr"/>
-            <a:endParaRPr lang="it-IT" noProof="0" dirty="0"/>
-          </a:p>
-        </p:txBody>
-      </p:sp>
-      <p:cxnSp>
-        <p:nvCxnSpPr>
-          <p:cNvPr id="8" name="Connettore diritto 7">
-            <a:extLst>
-              <a:ext uri="{FF2B5EF4-FFF2-40B4-BE49-F238E27FC236}">
-                <a16:creationId xmlns:a16="http://schemas.microsoft.com/office/drawing/2014/main" id="{B8AB43C6-F387-E69A-86CD-A1AC24D4A29F}"/>
-              </a:ext>
-            </a:extLst>
-          </p:cNvPr>
-          <p:cNvCxnSpPr>
-            <a:cxnSpLocks/>
-          </p:cNvCxnSpPr>
-          <p:nvPr/>
-        </p:nvCxnSpPr>
-        <p:spPr>
-          <a:xfrm>
-            <a:off x="639725" y="1351691"/>
-            <a:ext cx="6654057" cy="0"/>
-          </a:xfrm>
-          <a:prstGeom prst="line">
-            <a:avLst/>
-          </a:prstGeom>
-          <a:ln>
-            <a:solidFill>
-              <a:schemeClr val="tx2">
-                <a:lumMod val="90000"/>
-                <a:lumOff val="10000"/>
-              </a:schemeClr>
-            </a:solidFill>
-          </a:ln>
-        </p:spPr>
-        <p:style>
-          <a:lnRef idx="2">
-            <a:schemeClr val="accent1"/>
-          </a:lnRef>
-          <a:fillRef idx="0">
-            <a:schemeClr val="accent1"/>
-          </a:fillRef>
-          <a:effectRef idx="1">
-            <a:schemeClr val="accent1"/>
-          </a:effectRef>
-          <a:fontRef idx="minor">
-            <a:schemeClr val="tx1"/>
-          </a:fontRef>
-        </p:style>
-      </p:cxnSp>
-      <p:sp>
-        <p:nvSpPr>
-          <p:cNvPr id="6" name="TextBox 5">
-            <a:extLst>
-              <a:ext uri="{FF2B5EF4-FFF2-40B4-BE49-F238E27FC236}">
-                <a16:creationId xmlns:a16="http://schemas.microsoft.com/office/drawing/2014/main" id="{1A234AD5-1C0F-3801-0826-9187DD2C3AB0}"/>
-              </a:ext>
-            </a:extLst>
-          </p:cNvPr>
-          <p:cNvSpPr txBox="1"/>
-          <p:nvPr/>
-        </p:nvSpPr>
-        <p:spPr>
-          <a:xfrm>
-            <a:off x="11654290" y="6452785"/>
-            <a:ext cx="438619" cy="307777"/>
-          </a:xfrm>
-          <a:prstGeom prst="rect">
-            <a:avLst/>
-          </a:prstGeom>
-          <a:noFill/>
-        </p:spPr>
-        <p:txBody>
-          <a:bodyPr wrap="square">
-            <a:spAutoFit/>
-          </a:bodyPr>
-          <a:lstStyle/>
-          <a:p>
-            <a:r>
-              <a:rPr lang="it-IT" sz="1400" dirty="0">
-                <a:solidFill>
-                  <a:schemeClr val="bg1"/>
-                </a:solidFill>
-              </a:rPr>
-              <a:t>7</a:t>
-            </a:r>
-            <a:endParaRPr lang="it-IT" sz="1400" noProof="0" dirty="0"/>
-          </a:p>
-        </p:txBody>
-      </p:sp>
-      <p:pic>
-        <p:nvPicPr>
-          <p:cNvPr id="16" name="Immagine 15" descr="Immagine che contiene schermata, Policromia, cerchio, blu&#10;&#10;Descrizione generata automaticamente">
-            <a:extLst>
-              <a:ext uri="{FF2B5EF4-FFF2-40B4-BE49-F238E27FC236}">
-                <a16:creationId xmlns:a16="http://schemas.microsoft.com/office/drawing/2014/main" id="{F932AEFD-F285-EEFC-4837-386D350A220C}"/>
-              </a:ext>
-            </a:extLst>
-          </p:cNvPr>
-          <p:cNvPicPr>
-            <a:picLocks noChangeAspect="1"/>
-          </p:cNvPicPr>
-          <p:nvPr/>
-        </p:nvPicPr>
-        <p:blipFill>
-          <a:blip r:embed="rId2">
-            <a:extLst>
-              <a:ext uri="{28A0092B-C50C-407E-A947-70E740481C1C}">
-                <a14:useLocalDpi xmlns:a14="http://schemas.microsoft.com/office/drawing/2010/main" val="0"/>
-              </a:ext>
-            </a:extLst>
-          </a:blip>
-          <a:stretch>
-            <a:fillRect/>
-          </a:stretch>
-        </p:blipFill>
-        <p:spPr>
-          <a:xfrm>
-            <a:off x="7293782" y="353207"/>
-            <a:ext cx="885600" cy="885600"/>
-          </a:xfrm>
-          <a:prstGeom prst="rect">
-            <a:avLst/>
-          </a:prstGeom>
-        </p:spPr>
-      </p:pic>
-      <p:sp>
-        <p:nvSpPr>
-          <p:cNvPr id="10" name="CasellaDiTesto 9">
-            <a:extLst>
-              <a:ext uri="{FF2B5EF4-FFF2-40B4-BE49-F238E27FC236}">
-                <a16:creationId xmlns:a16="http://schemas.microsoft.com/office/drawing/2014/main" id="{720F1E63-F380-A2C8-B252-1B4B987C123E}"/>
-              </a:ext>
-            </a:extLst>
-          </p:cNvPr>
-          <p:cNvSpPr txBox="1"/>
-          <p:nvPr/>
-        </p:nvSpPr>
-        <p:spPr>
-          <a:xfrm>
-            <a:off x="639724" y="1623385"/>
-            <a:ext cx="6654056" cy="646331"/>
-          </a:xfrm>
-          <a:prstGeom prst="rect">
-            <a:avLst/>
-          </a:prstGeom>
-          <a:noFill/>
-        </p:spPr>
-        <p:txBody>
-          <a:bodyPr wrap="square" rtlCol="0">
-            <a:spAutoFit/>
-          </a:bodyPr>
-          <a:lstStyle/>
-          <a:p>
-            <a:br>
-              <a:rPr lang="it-IT" noProof="0" dirty="0">
-                <a:solidFill>
-                  <a:schemeClr val="tx1">
-                    <a:lumMod val="85000"/>
-                    <a:lumOff val="15000"/>
-                  </a:schemeClr>
-                </a:solidFill>
-              </a:rPr>
-            </a:br>
-            <a:endParaRPr lang="it-IT" noProof="0" dirty="0">
-              <a:solidFill>
-                <a:schemeClr val="tx1">
-                  <a:lumMod val="85000"/>
-                  <a:lumOff val="15000"/>
-                </a:schemeClr>
-              </a:solidFill>
-            </a:endParaRPr>
-          </a:p>
-        </p:txBody>
-      </p:sp>
-      <p:sp>
-        <p:nvSpPr>
-          <p:cNvPr id="12" name="CasellaDiTesto 6">
-            <a:extLst>
-              <a:ext uri="{FF2B5EF4-FFF2-40B4-BE49-F238E27FC236}">
-                <a16:creationId xmlns:a16="http://schemas.microsoft.com/office/drawing/2014/main" id="{8290C57E-5561-FDA2-5EFB-EDC39761C52E}"/>
-              </a:ext>
-            </a:extLst>
-          </p:cNvPr>
-          <p:cNvSpPr txBox="1"/>
-          <p:nvPr/>
-        </p:nvSpPr>
-        <p:spPr>
-          <a:xfrm>
-            <a:off x="639726" y="1613118"/>
-            <a:ext cx="6654054" cy="3200876"/>
-          </a:xfrm>
-          <a:prstGeom prst="rect">
-            <a:avLst/>
-          </a:prstGeom>
-          <a:noFill/>
-        </p:spPr>
-        <p:txBody>
-          <a:bodyPr wrap="square" lIns="91440" tIns="45720" rIns="91440" bIns="45720" rtlCol="0" anchor="t">
-            <a:spAutoFit/>
-          </a:bodyPr>
-          <a:lstStyle/>
-          <a:p>
-            <a:r>
-              <a:rPr lang="it-IT" b="1" u="sng" dirty="0">
-                <a:solidFill>
-                  <a:schemeClr val="tx1">
-                    <a:lumMod val="85000"/>
-                    <a:lumOff val="15000"/>
-                  </a:schemeClr>
-                </a:solidFill>
-              </a:rPr>
-              <a:t>Implementazione (Separate Database per </a:t>
-            </a:r>
-            <a:r>
-              <a:rPr lang="it-IT" b="1" u="sng" dirty="0" err="1">
-                <a:solidFill>
-                  <a:schemeClr val="tx1">
-                    <a:lumMod val="85000"/>
-                    <a:lumOff val="15000"/>
-                  </a:schemeClr>
-                </a:solidFill>
-              </a:rPr>
-              <a:t>Tenant</a:t>
-            </a:r>
-            <a:r>
-              <a:rPr lang="it-IT" b="1" u="sng" dirty="0">
-                <a:solidFill>
-                  <a:schemeClr val="tx1">
-                    <a:lumMod val="85000"/>
-                    <a:lumOff val="15000"/>
-                  </a:schemeClr>
-                </a:solidFill>
-              </a:rPr>
-              <a:t>)</a:t>
-            </a:r>
-          </a:p>
-          <a:p>
-            <a:endParaRPr lang="it-IT" b="1" dirty="0">
-              <a:solidFill>
-                <a:schemeClr val="tx1">
-                  <a:lumMod val="85000"/>
-                  <a:lumOff val="15000"/>
-                </a:schemeClr>
-              </a:solidFill>
-            </a:endParaRPr>
-          </a:p>
-          <a:p>
-            <a:pPr lvl="0"/>
-            <a:r>
-              <a:rPr lang="en-GB" b="1" dirty="0"/>
-              <a:t>- </a:t>
-            </a:r>
-            <a:r>
-              <a:rPr lang="en-GB" b="1" dirty="0" err="1"/>
-              <a:t>Connessioni</a:t>
-            </a:r>
-            <a:r>
-              <a:rPr lang="en-GB" b="1" dirty="0"/>
-              <a:t> </a:t>
-            </a:r>
-            <a:r>
-              <a:rPr lang="en-GB" b="1" dirty="0" err="1"/>
-              <a:t>dinamiche</a:t>
-            </a:r>
-            <a:r>
-              <a:rPr lang="en-GB" b="1" dirty="0"/>
-              <a:t> </a:t>
-            </a:r>
-            <a:r>
-              <a:rPr lang="en-GB" b="1" dirty="0" err="1"/>
-              <a:t>personalizzate</a:t>
-            </a:r>
-            <a:r>
-              <a:rPr lang="en-GB" dirty="0"/>
-              <a:t>:</a:t>
-            </a:r>
-            <a:endParaRPr lang="en-GB" sz="1600" dirty="0"/>
-          </a:p>
-          <a:p>
-            <a:pPr marL="742950" lvl="1" indent="-285750">
-              <a:buFont typeface="Arial" panose="020B0604020202020204" pitchFamily="34" charset="0"/>
-              <a:buChar char="•"/>
-            </a:pPr>
-            <a:r>
-              <a:rPr lang="it-IT" sz="1600" dirty="0"/>
-              <a:t>La classe </a:t>
-            </a:r>
-            <a:r>
-              <a:rPr lang="it-IT" sz="1600" i="1" dirty="0" err="1"/>
-              <a:t>DataSourceConfig</a:t>
-            </a:r>
-            <a:r>
-              <a:rPr lang="it-IT" sz="1600" dirty="0"/>
-              <a:t> crea connessioni con credenziali specifiche per ogni </a:t>
-            </a:r>
-            <a:r>
-              <a:rPr lang="it-IT" sz="1600" dirty="0" err="1"/>
-              <a:t>tenant</a:t>
-            </a:r>
-            <a:endParaRPr lang="en-GB" sz="1600" dirty="0"/>
-          </a:p>
-          <a:p>
-            <a:pPr lvl="0"/>
-            <a:r>
-              <a:rPr lang="en-GB" b="1" dirty="0"/>
-              <a:t>- </a:t>
-            </a:r>
-            <a:r>
-              <a:rPr lang="en-GB" b="1" dirty="0" err="1"/>
-              <a:t>Gestione</a:t>
-            </a:r>
-            <a:r>
-              <a:rPr lang="en-GB" b="1" dirty="0"/>
-              <a:t> </a:t>
-            </a:r>
-            <a:r>
-              <a:rPr lang="en-GB" b="1" dirty="0" err="1"/>
-              <a:t>dinamica</a:t>
-            </a:r>
-            <a:r>
-              <a:rPr lang="en-GB" b="1" dirty="0"/>
-              <a:t> </a:t>
-            </a:r>
-            <a:r>
-              <a:rPr lang="en-GB" b="1" dirty="0" err="1"/>
-              <a:t>dei</a:t>
-            </a:r>
-            <a:r>
-              <a:rPr lang="en-GB" b="1" dirty="0"/>
-              <a:t> tenant</a:t>
-            </a:r>
-            <a:r>
-              <a:rPr lang="en-GB" dirty="0"/>
-              <a:t>:</a:t>
-            </a:r>
-            <a:endParaRPr lang="en-GB" sz="1600" dirty="0"/>
-          </a:p>
-          <a:p>
-            <a:pPr marL="742950" lvl="1" indent="-285750">
-              <a:buFont typeface="Arial" panose="020B0604020202020204" pitchFamily="34" charset="0"/>
-              <a:buChar char="•"/>
-            </a:pPr>
-            <a:r>
-              <a:rPr lang="it-IT" sz="1600" dirty="0"/>
-              <a:t>La classe </a:t>
-            </a:r>
-            <a:r>
-              <a:rPr lang="it-IT" sz="1600" i="1" dirty="0" err="1"/>
-              <a:t>MultiTenantConnectionProvider</a:t>
-            </a:r>
-            <a:r>
-              <a:rPr lang="it-IT" sz="1600" dirty="0"/>
-              <a:t> imposta il contesto SQL per identificare il corretto Database su cui operare</a:t>
-            </a:r>
-          </a:p>
-          <a:p>
-            <a:pPr lvl="0"/>
-            <a:r>
-              <a:rPr lang="en-GB" b="1" dirty="0"/>
-              <a:t>- Integrazione con Hibernate:</a:t>
-            </a:r>
-            <a:endParaRPr lang="en-GB" sz="1600" b="1" dirty="0"/>
-          </a:p>
-          <a:p>
-            <a:pPr marL="742950" lvl="1" indent="-285750">
-              <a:buFont typeface="Arial" panose="020B0604020202020204" pitchFamily="34" charset="0"/>
-              <a:buChar char="•"/>
-            </a:pPr>
-            <a:r>
-              <a:rPr lang="it-IT" sz="1600" dirty="0" err="1"/>
-              <a:t>Hibernate</a:t>
-            </a:r>
-            <a:r>
-              <a:rPr lang="it-IT" sz="1600" dirty="0"/>
-              <a:t> utilizza un </a:t>
-            </a:r>
-            <a:r>
-              <a:rPr lang="it-IT" sz="1600" i="1" dirty="0" err="1"/>
-              <a:t>MultiTenantConnectionProvider</a:t>
-            </a:r>
-            <a:r>
-              <a:rPr lang="it-IT" sz="1600" dirty="0"/>
-              <a:t> per gestire le connessioni multiple e un </a:t>
-            </a:r>
-            <a:r>
-              <a:rPr lang="it-IT" sz="1600" i="1" dirty="0" err="1"/>
-              <a:t>CurrentTenantIdentifierResolver</a:t>
-            </a:r>
-            <a:r>
-              <a:rPr lang="it-IT" sz="1600" dirty="0"/>
-              <a:t> per risolvere dinamicamente l'identificatore del </a:t>
-            </a:r>
-            <a:r>
-              <a:rPr lang="it-IT" sz="1600" dirty="0" err="1"/>
-              <a:t>tenant</a:t>
-            </a:r>
-            <a:endParaRPr lang="en-GB" sz="1600" dirty="0"/>
-          </a:p>
-        </p:txBody>
-      </p:sp>
-      <p:pic>
-        <p:nvPicPr>
-          <p:cNvPr id="7" name="Picture 2" descr="Immagine che contiene testo, diagramma, schermata&#10;&#10;Descrizione generata automaticamente">
-            <a:extLst>
-              <a:ext uri="{FF2B5EF4-FFF2-40B4-BE49-F238E27FC236}">
-                <a16:creationId xmlns:a16="http://schemas.microsoft.com/office/drawing/2014/main" id="{12435049-D208-126B-5931-26C38B7A9140}"/>
-              </a:ext>
-            </a:extLst>
-          </p:cNvPr>
-          <p:cNvPicPr>
-            <a:picLocks noChangeAspect="1" noChangeArrowheads="1"/>
-          </p:cNvPicPr>
-          <p:nvPr/>
-        </p:nvPicPr>
-        <p:blipFill>
-          <a:blip r:embed="rId3">
-            <a:extLst>
-              <a:ext uri="{28A0092B-C50C-407E-A947-70E740481C1C}">
-                <a14:useLocalDpi xmlns:a14="http://schemas.microsoft.com/office/drawing/2010/main" val="0"/>
-              </a:ext>
-            </a:extLst>
-          </a:blip>
-          <a:srcRect/>
-          <a:stretch>
-            <a:fillRect/>
-          </a:stretch>
-        </p:blipFill>
-        <p:spPr bwMode="auto">
-          <a:xfrm>
-            <a:off x="7642549" y="2634543"/>
-            <a:ext cx="1842895" cy="2430240"/>
-          </a:xfrm>
-          <a:prstGeom prst="rect">
-            <a:avLst/>
-          </a:prstGeom>
-          <a:noFill/>
-          <a:extLst>
-            <a:ext uri="{909E8E84-426E-40DD-AFC4-6F175D3DCCD1}">
-              <a14:hiddenFill xmlns:a14="http://schemas.microsoft.com/office/drawing/2010/main">
-                <a:solidFill>
-                  <a:srgbClr val="FFFFFF"/>
-                </a:solidFill>
-              </a14:hiddenFill>
-            </a:ext>
-          </a:extLst>
-        </p:spPr>
-      </p:pic>
-    </p:spTree>
-    <p:extLst>
-      <p:ext uri="{BB962C8B-B14F-4D97-AF65-F5344CB8AC3E}">
-        <p14:creationId xmlns:p14="http://schemas.microsoft.com/office/powerpoint/2010/main" val="281973483"/>
-      </p:ext>
-    </p:extLst>
-  </p:cSld>
-  <p:clrMapOvr>
-    <a:masterClrMapping/>
-  </p:clrMapOvr>
-</p:sld>
-</file>
-
-<file path=ppt/slides/slide11.xml><?xml version="1.0" encoding="utf-8"?>
-<p:sld xmlns:a="http://schemas.openxmlformats.org/drawingml/2006/main" xmlns:r="http://schemas.openxmlformats.org/officeDocument/2006/relationships" xmlns:p="http://schemas.openxmlformats.org/presentationml/2006/main">
-  <p:cSld>
-    <p:spTree>
-      <p:nvGrpSpPr>
-        <p:cNvPr id="1" name="">
-          <a:extLst>
-            <a:ext uri="{FF2B5EF4-FFF2-40B4-BE49-F238E27FC236}">
               <a16:creationId xmlns:a16="http://schemas.microsoft.com/office/drawing/2014/main" id="{AF2159A2-8473-B723-5AF2-A52F3F612B61}"/>
             </a:ext>
           </a:extLst>
@@ -5521,12 +4780,12 @@
           <a:lstStyle/>
           <a:p>
             <a:r>
-              <a:rPr lang="it-IT" sz="1400" noProof="0" dirty="0">
+              <a:rPr lang="it-IT" sz="1400" noProof="0" dirty="0" smtClean="0">
                 <a:solidFill>
                   <a:schemeClr val="bg1"/>
                 </a:solidFill>
               </a:rPr>
-              <a:t>13</a:t>
+              <a:t>10</a:t>
             </a:r>
             <a:endParaRPr lang="it-IT" sz="1400" noProof="0" dirty="0"/>
           </a:p>
@@ -5781,7 +5040,7 @@
 </p:sld>
 </file>
 
-<file path=ppt/slides/slide12.xml><?xml version="1.0" encoding="utf-8"?>
+<file path=ppt/slides/slide11.xml><?xml version="1.0" encoding="utf-8"?>
 <p:sld xmlns:a="http://schemas.openxmlformats.org/drawingml/2006/main" xmlns:r="http://schemas.openxmlformats.org/officeDocument/2006/relationships" xmlns:p="http://schemas.openxmlformats.org/presentationml/2006/main">
   <p:cSld>
     <p:spTree>
@@ -6117,12 +5376,12 @@
           <a:lstStyle/>
           <a:p>
             <a:r>
-              <a:rPr lang="it-IT" sz="1400" noProof="0" dirty="0">
+              <a:rPr lang="it-IT" sz="1400" dirty="0" smtClean="0">
                 <a:solidFill>
                   <a:schemeClr val="bg1"/>
                 </a:solidFill>
               </a:rPr>
-              <a:t>5</a:t>
+              <a:t>11</a:t>
             </a:r>
             <a:endParaRPr lang="it-IT" sz="1400" noProof="0" dirty="0"/>
           </a:p>
@@ -6298,7 +5557,7 @@
 </p:sld>
 </file>
 
-<file path=ppt/slides/slide13.xml><?xml version="1.0" encoding="utf-8"?>
+<file path=ppt/slides/slide12.xml><?xml version="1.0" encoding="utf-8"?>
 <p:sld xmlns:a="http://schemas.openxmlformats.org/drawingml/2006/main" xmlns:r="http://schemas.openxmlformats.org/officeDocument/2006/relationships" xmlns:p="http://schemas.openxmlformats.org/presentationml/2006/main">
   <p:cSld>
     <p:spTree>
@@ -6634,12 +5893,12 @@
           <a:lstStyle/>
           <a:p>
             <a:r>
-              <a:rPr lang="it-IT" sz="1400" noProof="0" dirty="0">
+              <a:rPr lang="it-IT" sz="1400" dirty="0" smtClean="0">
                 <a:solidFill>
                   <a:schemeClr val="bg1"/>
                 </a:solidFill>
               </a:rPr>
-              <a:t>5</a:t>
+              <a:t>12</a:t>
             </a:r>
             <a:endParaRPr lang="it-IT" sz="1400" noProof="0" dirty="0"/>
           </a:p>
@@ -6810,7 +6069,7 @@
 </p:sld>
 </file>
 
-<file path=ppt/slides/slide14.xml><?xml version="1.0" encoding="utf-8"?>
+<file path=ppt/slides/slide13.xml><?xml version="1.0" encoding="utf-8"?>
 <p:sld xmlns:a="http://schemas.openxmlformats.org/drawingml/2006/main" xmlns:r="http://schemas.openxmlformats.org/officeDocument/2006/relationships" xmlns:p="http://schemas.openxmlformats.org/presentationml/2006/main">
   <p:cSld>
     <p:spTree>
@@ -7146,12 +6405,12 @@
           <a:lstStyle/>
           <a:p>
             <a:r>
-              <a:rPr lang="it-IT" sz="1400" noProof="0" dirty="0">
+              <a:rPr lang="it-IT" sz="1400" dirty="0" smtClean="0">
                 <a:solidFill>
                   <a:schemeClr val="bg1"/>
                 </a:solidFill>
               </a:rPr>
-              <a:t>5</a:t>
+              <a:t>13</a:t>
             </a:r>
             <a:endParaRPr lang="it-IT" sz="1400" noProof="0" dirty="0"/>
           </a:p>
@@ -7330,7 +6589,7 @@
 </p:sld>
 </file>
 
-<file path=ppt/slides/slide15.xml><?xml version="1.0" encoding="utf-8"?>
+<file path=ppt/slides/slide14.xml><?xml version="1.0" encoding="utf-8"?>
 <p:sld xmlns:a="http://schemas.openxmlformats.org/drawingml/2006/main" xmlns:r="http://schemas.openxmlformats.org/officeDocument/2006/relationships" xmlns:p="http://schemas.openxmlformats.org/presentationml/2006/main">
   <p:cSld>
     <p:spTree>
@@ -7666,12 +6925,12 @@
           <a:lstStyle/>
           <a:p>
             <a:r>
-              <a:rPr lang="it-IT" sz="1400" noProof="0" dirty="0">
+              <a:rPr lang="it-IT" sz="1400" dirty="0" smtClean="0">
                 <a:solidFill>
                   <a:schemeClr val="bg1"/>
                 </a:solidFill>
               </a:rPr>
-              <a:t>5</a:t>
+              <a:t>14</a:t>
             </a:r>
             <a:endParaRPr lang="it-IT" sz="1400" noProof="0" dirty="0"/>
           </a:p>
@@ -7815,7 +7074,7 @@
 </p:sld>
 </file>
 
-<file path=ppt/slides/slide16.xml><?xml version="1.0" encoding="utf-8"?>
+<file path=ppt/slides/slide15.xml><?xml version="1.0" encoding="utf-8"?>
 <p:sld xmlns:a="http://schemas.openxmlformats.org/drawingml/2006/main" xmlns:r="http://schemas.openxmlformats.org/officeDocument/2006/relationships" xmlns:p="http://schemas.openxmlformats.org/presentationml/2006/main">
   <p:cSld>
     <p:spTree>
@@ -8151,12 +7410,12 @@
           <a:lstStyle/>
           <a:p>
             <a:r>
-              <a:rPr lang="it-IT" sz="1400" noProof="0" dirty="0">
+              <a:rPr lang="it-IT" sz="1400" dirty="0" smtClean="0">
                 <a:solidFill>
                   <a:schemeClr val="bg1"/>
                 </a:solidFill>
               </a:rPr>
-              <a:t>5</a:t>
+              <a:t>15</a:t>
             </a:r>
             <a:endParaRPr lang="it-IT" sz="1400" noProof="0" dirty="0"/>
           </a:p>
@@ -8328,7 +7587,7 @@
 </p:sld>
 </file>
 
-<file path=ppt/slides/slide17.xml><?xml version="1.0" encoding="utf-8"?>
+<file path=ppt/slides/slide16.xml><?xml version="1.0" encoding="utf-8"?>
 <p:sld xmlns:a="http://schemas.openxmlformats.org/drawingml/2006/main" xmlns:r="http://schemas.openxmlformats.org/officeDocument/2006/relationships" xmlns:p="http://schemas.openxmlformats.org/presentationml/2006/main">
   <p:cSld>
     <p:spTree>
@@ -8667,12 +7926,12 @@
           <a:lstStyle/>
           <a:p>
             <a:r>
-              <a:rPr lang="it-IT" sz="1400" noProof="0" dirty="0">
+              <a:rPr lang="it-IT" sz="1400" dirty="0" smtClean="0">
                 <a:solidFill>
                   <a:schemeClr val="bg1"/>
                 </a:solidFill>
               </a:rPr>
-              <a:t>4</a:t>
+              <a:t>16</a:t>
             </a:r>
             <a:endParaRPr lang="it-IT" sz="1400" noProof="0" dirty="0"/>
           </a:p>
@@ -8706,6 +7965,17 @@
           </a:bodyPr>
           <a:lstStyle/>
           <a:p>
+            <a:r>
+              <a:rPr lang="it-IT" noProof="0" dirty="0">
+                <a:solidFill>
+                  <a:schemeClr val="tx1">
+                    <a:lumMod val="85000"/>
+                    <a:lumOff val="15000"/>
+                  </a:schemeClr>
+                </a:solidFill>
+              </a:rPr>
+              <a:t/>
+            </a:r>
             <a:br>
               <a:rPr lang="it-IT" noProof="0" dirty="0">
                 <a:solidFill>
@@ -8812,7 +8082,7 @@
 </p:sld>
 </file>
 
-<file path=ppt/slides/slide18.xml><?xml version="1.0" encoding="utf-8"?>
+<file path=ppt/slides/slide17.xml><?xml version="1.0" encoding="utf-8"?>
 <p:sld xmlns:a="http://schemas.openxmlformats.org/drawingml/2006/main" xmlns:r="http://schemas.openxmlformats.org/officeDocument/2006/relationships" xmlns:p="http://schemas.openxmlformats.org/presentationml/2006/main">
   <p:cSld>
     <p:spTree>
@@ -9170,12 +8440,12 @@
           <a:lstStyle/>
           <a:p>
             <a:r>
-              <a:rPr lang="it-IT" sz="1400" dirty="0">
+              <a:rPr lang="it-IT" sz="1400" dirty="0" smtClean="0">
                 <a:solidFill>
                   <a:schemeClr val="bg1"/>
                 </a:solidFill>
               </a:rPr>
-              <a:t>15</a:t>
+              <a:t>17</a:t>
             </a:r>
             <a:endParaRPr lang="it-IT" sz="1400" noProof="0" dirty="0"/>
           </a:p>
@@ -9293,7 +8563,7 @@
                 <a:hlinkClick r:id="rId3">
                   <a:extLst>
                     <a:ext uri="{A12FA001-AC4F-418D-AE19-62706E023703}">
-                      <ahyp:hlinkClr xmlns:ahyp="http://schemas.microsoft.com/office/drawing/2018/hyperlinkcolor" val="tx"/>
+                      <ahyp:hlinkClr xmlns:ahyp="http://schemas.microsoft.com/office/drawing/2018/hyperlinkcolor" xmlns="" val="tx"/>
                     </a:ext>
                   </a:extLst>
                 </a:hlinkClick>
@@ -9321,6 +8591,17 @@
                 </a:solidFill>
               </a:rPr>
               <a:t>DevExtreme</a:t>
+            </a:r>
+            <a:r>
+              <a:rPr lang="it-IT" dirty="0">
+                <a:solidFill>
+                  <a:schemeClr val="tx1">
+                    <a:lumMod val="85000"/>
+                    <a:lumOff val="15000"/>
+                  </a:schemeClr>
+                </a:solidFill>
+              </a:rPr>
+              <a:t/>
             </a:r>
             <a:br>
               <a:rPr lang="it-IT" dirty="0">
@@ -9332,6 +8613,17 @@
                 </a:solidFill>
               </a:rPr>
             </a:br>
+            <a:r>
+              <a:rPr lang="it-IT" dirty="0">
+                <a:solidFill>
+                  <a:schemeClr val="tx1">
+                    <a:lumMod val="85000"/>
+                    <a:lumOff val="15000"/>
+                  </a:schemeClr>
+                </a:solidFill>
+              </a:rPr>
+              <a:t/>
+            </a:r>
             <a:br>
               <a:rPr lang="it-IT" dirty="0">
                 <a:solidFill>
@@ -9342,6 +8634,17 @@
                 </a:solidFill>
               </a:rPr>
             </a:br>
+            <a:r>
+              <a:rPr lang="it-IT" dirty="0">
+                <a:solidFill>
+                  <a:schemeClr val="tx1">
+                    <a:lumMod val="85000"/>
+                    <a:lumOff val="15000"/>
+                  </a:schemeClr>
+                </a:solidFill>
+              </a:rPr>
+              <a:t/>
+            </a:r>
             <a:br>
               <a:rPr lang="it-IT" dirty="0">
                 <a:solidFill>
@@ -9352,6 +8655,17 @@
                 </a:solidFill>
               </a:rPr>
             </a:br>
+            <a:r>
+              <a:rPr lang="it-IT" dirty="0">
+                <a:solidFill>
+                  <a:schemeClr val="tx1">
+                    <a:lumMod val="85000"/>
+                    <a:lumOff val="15000"/>
+                  </a:schemeClr>
+                </a:solidFill>
+              </a:rPr>
+              <a:t/>
+            </a:r>
             <a:br>
               <a:rPr lang="it-IT" dirty="0">
                 <a:solidFill>
@@ -9362,6 +8676,17 @@
                 </a:solidFill>
               </a:rPr>
             </a:br>
+            <a:r>
+              <a:rPr lang="it-IT" dirty="0">
+                <a:solidFill>
+                  <a:schemeClr val="tx1">
+                    <a:lumMod val="85000"/>
+                    <a:lumOff val="15000"/>
+                  </a:schemeClr>
+                </a:solidFill>
+              </a:rPr>
+              <a:t/>
+            </a:r>
             <a:br>
               <a:rPr lang="it-IT" dirty="0">
                 <a:solidFill>
@@ -9372,6 +8697,17 @@
                 </a:solidFill>
               </a:rPr>
             </a:br>
+            <a:r>
+              <a:rPr lang="it-IT" dirty="0">
+                <a:solidFill>
+                  <a:schemeClr val="tx1">
+                    <a:lumMod val="85000"/>
+                    <a:lumOff val="15000"/>
+                  </a:schemeClr>
+                </a:solidFill>
+              </a:rPr>
+              <a:t/>
+            </a:r>
             <a:br>
               <a:rPr lang="it-IT" dirty="0">
                 <a:solidFill>
@@ -9382,6 +8718,17 @@
                 </a:solidFill>
               </a:rPr>
             </a:br>
+            <a:r>
+              <a:rPr lang="it-IT" dirty="0">
+                <a:solidFill>
+                  <a:schemeClr val="tx1">
+                    <a:lumMod val="85000"/>
+                    <a:lumOff val="15000"/>
+                  </a:schemeClr>
+                </a:solidFill>
+              </a:rPr>
+              <a:t/>
+            </a:r>
             <a:br>
               <a:rPr lang="it-IT" dirty="0">
                 <a:solidFill>
@@ -9392,6 +8739,17 @@
                 </a:solidFill>
               </a:rPr>
             </a:br>
+            <a:r>
+              <a:rPr lang="it-IT" dirty="0">
+                <a:solidFill>
+                  <a:schemeClr val="tx1">
+                    <a:lumMod val="85000"/>
+                    <a:lumOff val="15000"/>
+                  </a:schemeClr>
+                </a:solidFill>
+              </a:rPr>
+              <a:t/>
+            </a:r>
             <a:br>
               <a:rPr lang="it-IT" dirty="0">
                 <a:solidFill>
@@ -9402,6 +8760,17 @@
                 </a:solidFill>
               </a:rPr>
             </a:br>
+            <a:r>
+              <a:rPr lang="it-IT" dirty="0">
+                <a:solidFill>
+                  <a:schemeClr val="tx1">
+                    <a:lumMod val="85000"/>
+                    <a:lumOff val="15000"/>
+                  </a:schemeClr>
+                </a:solidFill>
+              </a:rPr>
+              <a:t/>
+            </a:r>
             <a:br>
               <a:rPr lang="it-IT" dirty="0">
                 <a:solidFill>
@@ -9412,6 +8781,17 @@
                 </a:solidFill>
               </a:rPr>
             </a:br>
+            <a:r>
+              <a:rPr lang="it-IT" dirty="0">
+                <a:solidFill>
+                  <a:schemeClr val="tx1">
+                    <a:lumMod val="85000"/>
+                    <a:lumOff val="15000"/>
+                  </a:schemeClr>
+                </a:solidFill>
+              </a:rPr>
+              <a:t/>
+            </a:r>
             <a:br>
               <a:rPr lang="it-IT" dirty="0">
                 <a:solidFill>
@@ -9568,7 +8948,7 @@
 </p:sld>
 </file>
 
-<file path=ppt/slides/slide19.xml><?xml version="1.0" encoding="utf-8"?>
+<file path=ppt/slides/slide18.xml><?xml version="1.0" encoding="utf-8"?>
 <p:sld xmlns:a="http://schemas.openxmlformats.org/drawingml/2006/main" xmlns:r="http://schemas.openxmlformats.org/officeDocument/2006/relationships" xmlns:p="http://schemas.openxmlformats.org/presentationml/2006/main">
   <p:cSld>
     <p:spTree>
@@ -9926,12 +9306,12 @@
           <a:lstStyle/>
           <a:p>
             <a:r>
-              <a:rPr lang="it-IT" sz="1400" dirty="0">
+              <a:rPr lang="it-IT" sz="1400" dirty="0" smtClean="0">
                 <a:solidFill>
                   <a:schemeClr val="bg1"/>
                 </a:solidFill>
               </a:rPr>
-              <a:t>15</a:t>
+              <a:t>18</a:t>
             </a:r>
             <a:endParaRPr lang="it-IT" sz="1400" noProof="0" dirty="0"/>
           </a:p>
@@ -10064,6 +9444,2255 @@
     <p:extLst>
       <p:ext uri="{BB962C8B-B14F-4D97-AF65-F5344CB8AC3E}">
         <p14:creationId xmlns:p14="http://schemas.microsoft.com/office/powerpoint/2010/main" val="1623740443"/>
+      </p:ext>
+    </p:extLst>
+  </p:cSld>
+  <p:clrMapOvr>
+    <a:masterClrMapping/>
+  </p:clrMapOvr>
+</p:sld>
+</file>
+
+<file path=ppt/slides/slide19.xml><?xml version="1.0" encoding="utf-8"?>
+<p:sld xmlns:a="http://schemas.openxmlformats.org/drawingml/2006/main" xmlns:r="http://schemas.openxmlformats.org/officeDocument/2006/relationships" xmlns:p="http://schemas.openxmlformats.org/presentationml/2006/main">
+  <p:cSld>
+    <p:spTree>
+      <p:nvGrpSpPr>
+        <p:cNvPr id="1" name="">
+          <a:extLst>
+            <a:ext uri="{FF2B5EF4-FFF2-40B4-BE49-F238E27FC236}">
+              <a16:creationId xmlns:a16="http://schemas.microsoft.com/office/drawing/2014/main" id="{19E9BBD6-4163-1124-8129-965A760AE389}"/>
+            </a:ext>
+          </a:extLst>
+        </p:cNvPr>
+        <p:cNvGrpSpPr/>
+        <p:nvPr/>
+      </p:nvGrpSpPr>
+      <p:grpSpPr>
+        <a:xfrm>
+          <a:off x="0" y="0"/>
+          <a:ext cx="0" cy="0"/>
+          <a:chOff x="0" y="0"/>
+          <a:chExt cx="0" cy="0"/>
+        </a:xfrm>
+      </p:grpSpPr>
+      <p:sp>
+        <p:nvSpPr>
+          <p:cNvPr id="2" name="Titolo 1">
+            <a:extLst>
+              <a:ext uri="{FF2B5EF4-FFF2-40B4-BE49-F238E27FC236}">
+                <a16:creationId xmlns:a16="http://schemas.microsoft.com/office/drawing/2014/main" id="{B6974E5C-17BD-B136-F378-98BF78959AF8}"/>
+              </a:ext>
+            </a:extLst>
+          </p:cNvPr>
+          <p:cNvSpPr>
+            <a:spLocks noGrp="1"/>
+          </p:cNvSpPr>
+          <p:nvPr>
+            <p:ph type="title"/>
+          </p:nvPr>
+        </p:nvSpPr>
+        <p:spPr>
+          <a:xfrm>
+            <a:off x="639724" y="472780"/>
+            <a:ext cx="7444563" cy="653143"/>
+          </a:xfrm>
+        </p:spPr>
+        <p:txBody>
+          <a:bodyPr>
+            <a:normAutofit/>
+          </a:bodyPr>
+          <a:lstStyle/>
+          <a:p>
+            <a:r>
+              <a:rPr lang="it-IT" sz="4000" dirty="0">
+                <a:solidFill>
+                  <a:schemeClr val="tx2">
+                    <a:lumMod val="90000"/>
+                    <a:lumOff val="10000"/>
+                  </a:schemeClr>
+                </a:solidFill>
+              </a:rPr>
+              <a:t>RECAP</a:t>
+            </a:r>
+            <a:endParaRPr lang="it-IT" sz="4000" noProof="0" dirty="0">
+              <a:solidFill>
+                <a:schemeClr val="tx2">
+                  <a:lumMod val="90000"/>
+                  <a:lumOff val="10000"/>
+                </a:schemeClr>
+              </a:solidFill>
+            </a:endParaRPr>
+          </a:p>
+        </p:txBody>
+      </p:sp>
+      <p:sp>
+        <p:nvSpPr>
+          <p:cNvPr id="4" name="Rettangolo 3">
+            <a:extLst>
+              <a:ext uri="{FF2B5EF4-FFF2-40B4-BE49-F238E27FC236}">
+                <a16:creationId xmlns:a16="http://schemas.microsoft.com/office/drawing/2014/main" id="{16165F18-00FC-12D1-A152-A3C72962C256}"/>
+              </a:ext>
+            </a:extLst>
+          </p:cNvPr>
+          <p:cNvSpPr/>
+          <p:nvPr/>
+        </p:nvSpPr>
+        <p:spPr>
+          <a:xfrm>
+            <a:off x="0" y="472781"/>
+            <a:ext cx="190243" cy="653143"/>
+          </a:xfrm>
+          <a:prstGeom prst="rect">
+            <a:avLst/>
+          </a:prstGeom>
+          <a:solidFill>
+            <a:schemeClr val="tx2">
+              <a:lumMod val="90000"/>
+              <a:lumOff val="10000"/>
+            </a:schemeClr>
+          </a:solidFill>
+          <a:ln>
+            <a:solidFill>
+              <a:schemeClr val="tx2">
+                <a:lumMod val="90000"/>
+                <a:lumOff val="10000"/>
+              </a:schemeClr>
+            </a:solidFill>
+          </a:ln>
+        </p:spPr>
+        <p:style>
+          <a:lnRef idx="2">
+            <a:schemeClr val="accent1">
+              <a:shade val="15000"/>
+            </a:schemeClr>
+          </a:lnRef>
+          <a:fillRef idx="1">
+            <a:schemeClr val="accent1"/>
+          </a:fillRef>
+          <a:effectRef idx="0">
+            <a:schemeClr val="accent1"/>
+          </a:effectRef>
+          <a:fontRef idx="minor">
+            <a:schemeClr val="lt1"/>
+          </a:fontRef>
+        </p:style>
+        <p:txBody>
+          <a:bodyPr rtlCol="0" anchor="ctr"/>
+          <a:lstStyle/>
+          <a:p>
+            <a:pPr algn="ctr"/>
+            <a:endParaRPr lang="it-IT" noProof="0" dirty="0"/>
+          </a:p>
+        </p:txBody>
+      </p:sp>
+      <p:sp>
+        <p:nvSpPr>
+          <p:cNvPr id="5" name="Rettangolo 4">
+            <a:extLst>
+              <a:ext uri="{FF2B5EF4-FFF2-40B4-BE49-F238E27FC236}">
+                <a16:creationId xmlns:a16="http://schemas.microsoft.com/office/drawing/2014/main" id="{01D5C20A-F83E-EAC3-E580-281DC743F7D5}"/>
+              </a:ext>
+            </a:extLst>
+          </p:cNvPr>
+          <p:cNvSpPr/>
+          <p:nvPr/>
+        </p:nvSpPr>
+        <p:spPr>
+          <a:xfrm>
+            <a:off x="289539" y="472780"/>
+            <a:ext cx="139359" cy="653143"/>
+          </a:xfrm>
+          <a:prstGeom prst="rect">
+            <a:avLst/>
+          </a:prstGeom>
+          <a:solidFill>
+            <a:schemeClr val="tx2">
+              <a:lumMod val="90000"/>
+              <a:lumOff val="10000"/>
+            </a:schemeClr>
+          </a:solidFill>
+          <a:ln>
+            <a:solidFill>
+              <a:schemeClr val="tx2">
+                <a:lumMod val="90000"/>
+                <a:lumOff val="10000"/>
+              </a:schemeClr>
+            </a:solidFill>
+          </a:ln>
+        </p:spPr>
+        <p:style>
+          <a:lnRef idx="2">
+            <a:schemeClr val="accent1">
+              <a:shade val="15000"/>
+            </a:schemeClr>
+          </a:lnRef>
+          <a:fillRef idx="1">
+            <a:schemeClr val="accent1"/>
+          </a:fillRef>
+          <a:effectRef idx="0">
+            <a:schemeClr val="accent1"/>
+          </a:effectRef>
+          <a:fontRef idx="minor">
+            <a:schemeClr val="lt1"/>
+          </a:fontRef>
+        </p:style>
+        <p:txBody>
+          <a:bodyPr rtlCol="0" anchor="ctr"/>
+          <a:lstStyle/>
+          <a:p>
+            <a:pPr algn="ctr"/>
+            <a:endParaRPr lang="it-IT" noProof="0" dirty="0"/>
+          </a:p>
+        </p:txBody>
+      </p:sp>
+      <p:sp>
+        <p:nvSpPr>
+          <p:cNvPr id="11" name="Rettangolo 10">
+            <a:extLst>
+              <a:ext uri="{FF2B5EF4-FFF2-40B4-BE49-F238E27FC236}">
+                <a16:creationId xmlns:a16="http://schemas.microsoft.com/office/drawing/2014/main" id="{6E491ADF-5611-CF4F-55A3-45AB1DC7E7A6}"/>
+              </a:ext>
+            </a:extLst>
+          </p:cNvPr>
+          <p:cNvSpPr/>
+          <p:nvPr/>
+        </p:nvSpPr>
+        <p:spPr>
+          <a:xfrm>
+            <a:off x="10008781" y="0"/>
+            <a:ext cx="2183219" cy="6858000"/>
+          </a:xfrm>
+          <a:prstGeom prst="rect">
+            <a:avLst/>
+          </a:prstGeom>
+          <a:solidFill>
+            <a:schemeClr val="tx2">
+              <a:lumMod val="90000"/>
+              <a:lumOff val="10000"/>
+            </a:schemeClr>
+          </a:solidFill>
+          <a:ln>
+            <a:solidFill>
+              <a:srgbClr val="163E64"/>
+            </a:solidFill>
+          </a:ln>
+        </p:spPr>
+        <p:style>
+          <a:lnRef idx="2">
+            <a:schemeClr val="accent1">
+              <a:shade val="15000"/>
+            </a:schemeClr>
+          </a:lnRef>
+          <a:fillRef idx="1">
+            <a:schemeClr val="accent1"/>
+          </a:fillRef>
+          <a:effectRef idx="0">
+            <a:schemeClr val="accent1"/>
+          </a:effectRef>
+          <a:fontRef idx="minor">
+            <a:schemeClr val="lt1"/>
+          </a:fontRef>
+        </p:style>
+        <p:txBody>
+          <a:bodyPr rtlCol="0" anchor="ctr"/>
+          <a:lstStyle/>
+          <a:p>
+            <a:pPr algn="ctr"/>
+            <a:endParaRPr lang="it-IT" noProof="0" dirty="0"/>
+          </a:p>
+        </p:txBody>
+      </p:sp>
+      <p:cxnSp>
+        <p:nvCxnSpPr>
+          <p:cNvPr id="8" name="Connettore diritto 7">
+            <a:extLst>
+              <a:ext uri="{FF2B5EF4-FFF2-40B4-BE49-F238E27FC236}">
+                <a16:creationId xmlns:a16="http://schemas.microsoft.com/office/drawing/2014/main" id="{CEE419B7-AF1F-47E2-1411-8D030724670C}"/>
+              </a:ext>
+            </a:extLst>
+          </p:cNvPr>
+          <p:cNvCxnSpPr>
+            <a:cxnSpLocks/>
+          </p:cNvCxnSpPr>
+          <p:nvPr/>
+        </p:nvCxnSpPr>
+        <p:spPr>
+          <a:xfrm>
+            <a:off x="639725" y="1351691"/>
+            <a:ext cx="6654057" cy="0"/>
+          </a:xfrm>
+          <a:prstGeom prst="line">
+            <a:avLst/>
+          </a:prstGeom>
+          <a:ln>
+            <a:solidFill>
+              <a:schemeClr val="tx2">
+                <a:lumMod val="90000"/>
+                <a:lumOff val="10000"/>
+              </a:schemeClr>
+            </a:solidFill>
+          </a:ln>
+        </p:spPr>
+        <p:style>
+          <a:lnRef idx="2">
+            <a:schemeClr val="accent1"/>
+          </a:lnRef>
+          <a:fillRef idx="0">
+            <a:schemeClr val="accent1"/>
+          </a:fillRef>
+          <a:effectRef idx="1">
+            <a:schemeClr val="accent1"/>
+          </a:effectRef>
+          <a:fontRef idx="minor">
+            <a:schemeClr val="tx1"/>
+          </a:fontRef>
+        </p:style>
+      </p:cxnSp>
+      <p:sp>
+        <p:nvSpPr>
+          <p:cNvPr id="6" name="TextBox 5">
+            <a:extLst>
+              <a:ext uri="{FF2B5EF4-FFF2-40B4-BE49-F238E27FC236}">
+                <a16:creationId xmlns:a16="http://schemas.microsoft.com/office/drawing/2014/main" id="{816C200E-069E-542A-9C68-3602E28F3647}"/>
+              </a:ext>
+            </a:extLst>
+          </p:cNvPr>
+          <p:cNvSpPr txBox="1"/>
+          <p:nvPr/>
+        </p:nvSpPr>
+        <p:spPr>
+          <a:xfrm>
+            <a:off x="11654290" y="6452785"/>
+            <a:ext cx="438619" cy="307777"/>
+          </a:xfrm>
+          <a:prstGeom prst="rect">
+            <a:avLst/>
+          </a:prstGeom>
+          <a:noFill/>
+        </p:spPr>
+        <p:txBody>
+          <a:bodyPr wrap="square" lIns="91440" tIns="45720" rIns="91440" bIns="45720" anchor="t">
+            <a:spAutoFit/>
+          </a:bodyPr>
+          <a:lstStyle/>
+          <a:p>
+            <a:r>
+              <a:rPr lang="it-IT" sz="1400" dirty="0" smtClean="0">
+                <a:solidFill>
+                  <a:schemeClr val="bg1"/>
+                </a:solidFill>
+              </a:rPr>
+              <a:t>19</a:t>
+            </a:r>
+            <a:endParaRPr lang="it-IT" sz="1400" noProof="0" dirty="0"/>
+          </a:p>
+        </p:txBody>
+      </p:sp>
+      <p:pic>
+        <p:nvPicPr>
+          <p:cNvPr id="9" name="Picture 2">
+            <a:extLst>
+              <a:ext uri="{FF2B5EF4-FFF2-40B4-BE49-F238E27FC236}">
+                <a16:creationId xmlns:a16="http://schemas.microsoft.com/office/drawing/2014/main" id="{1F3257AD-1152-35ED-FE32-A6ED57B20786}"/>
+              </a:ext>
+            </a:extLst>
+          </p:cNvPr>
+          <p:cNvPicPr>
+            <a:picLocks noChangeAspect="1" noChangeArrowheads="1"/>
+          </p:cNvPicPr>
+          <p:nvPr/>
+        </p:nvPicPr>
+        <p:blipFill>
+          <a:blip r:embed="rId3" cstate="print">
+            <a:extLst>
+              <a:ext uri="{28A0092B-C50C-407E-A947-70E740481C1C}">
+                <a14:useLocalDpi xmlns:a14="http://schemas.microsoft.com/office/drawing/2010/main" val="0"/>
+              </a:ext>
+            </a:extLst>
+          </a:blip>
+          <a:srcRect/>
+          <a:stretch>
+            <a:fillRect/>
+          </a:stretch>
+        </p:blipFill>
+        <p:spPr bwMode="auto">
+          <a:xfrm>
+            <a:off x="7293781" y="353207"/>
+            <a:ext cx="885600" cy="885600"/>
+          </a:xfrm>
+          <a:prstGeom prst="rect">
+            <a:avLst/>
+          </a:prstGeom>
+          <a:noFill/>
+          <a:extLst>
+            <a:ext uri="{909E8E84-426E-40DD-AFC4-6F175D3DCCD1}">
+              <a14:hiddenFill xmlns:a14="http://schemas.microsoft.com/office/drawing/2010/main">
+                <a:solidFill>
+                  <a:srgbClr val="FFFFFF"/>
+                </a:solidFill>
+              </a14:hiddenFill>
+            </a:ext>
+          </a:extLst>
+        </p:spPr>
+      </p:pic>
+      <p:graphicFrame>
+        <p:nvGraphicFramePr>
+          <p:cNvPr id="12" name="Table 11">
+            <a:extLst>
+              <a:ext uri="{FF2B5EF4-FFF2-40B4-BE49-F238E27FC236}">
+                <a16:creationId xmlns:a16="http://schemas.microsoft.com/office/drawing/2014/main" id="{FD5D0AD2-C8EB-E560-CABD-5A3D62EC71C9}"/>
+              </a:ext>
+            </a:extLst>
+          </p:cNvPr>
+          <p:cNvGraphicFramePr>
+            <a:graphicFrameLocks noGrp="1"/>
+          </p:cNvGraphicFramePr>
+          <p:nvPr/>
+        </p:nvGraphicFramePr>
+        <p:xfrm>
+          <a:off x="639724" y="1935778"/>
+          <a:ext cx="6654051" cy="1912960"/>
+        </p:xfrm>
+        <a:graphic>
+          <a:graphicData uri="http://schemas.openxmlformats.org/drawingml/2006/table">
+            <a:tbl>
+              <a:tblPr/>
+              <a:tblGrid>
+                <a:gridCol w="455150">
+                  <a:extLst>
+                    <a:ext uri="{9D8B030D-6E8A-4147-A177-3AD203B41FA5}">
+                      <a16:colId xmlns:a16="http://schemas.microsoft.com/office/drawing/2014/main" val="1605949687"/>
+                    </a:ext>
+                  </a:extLst>
+                </a:gridCol>
+                <a:gridCol w="421105">
+                  <a:extLst>
+                    <a:ext uri="{9D8B030D-6E8A-4147-A177-3AD203B41FA5}">
+                      <a16:colId xmlns:a16="http://schemas.microsoft.com/office/drawing/2014/main" val="3489721220"/>
+                    </a:ext>
+                  </a:extLst>
+                </a:gridCol>
+                <a:gridCol w="5777796">
+                  <a:extLst>
+                    <a:ext uri="{9D8B030D-6E8A-4147-A177-3AD203B41FA5}">
+                      <a16:colId xmlns:a16="http://schemas.microsoft.com/office/drawing/2014/main" val="823287439"/>
+                    </a:ext>
+                  </a:extLst>
+                </a:gridCol>
+              </a:tblGrid>
+              <a:tr h="304962">
+                <a:tc>
+                  <a:txBody>
+                    <a:bodyPr/>
+                    <a:lstStyle/>
+                    <a:p>
+                      <a:pPr algn="ctr" rtl="0" fontAlgn="b"/>
+                      <a:r>
+                        <a:rPr lang="it-IT" sz="1100" b="0">
+                          <a:effectLst/>
+                          <a:latin typeface="Arial" panose="020B0604020202020204" pitchFamily="34" charset="0"/>
+                        </a:rPr>
+                        <a:t>Stato</a:t>
+                      </a:r>
+                    </a:p>
+                  </a:txBody>
+                  <a:tcPr marL="27893" marR="27893" marT="18595" marB="18595" anchor="b">
+                    <a:lnL w="9525" cap="flat" cmpd="sng" algn="ctr">
+                      <a:solidFill>
+                        <a:srgbClr val="CCCCCC"/>
+                      </a:solidFill>
+                      <a:prstDash val="solid"/>
+                      <a:round/>
+                      <a:headEnd type="none" w="med" len="med"/>
+                      <a:tailEnd type="none" w="med" len="med"/>
+                    </a:lnL>
+                    <a:lnR w="9525" cap="flat" cmpd="sng" algn="ctr">
+                      <a:solidFill>
+                        <a:srgbClr val="CCCCCC"/>
+                      </a:solidFill>
+                      <a:prstDash val="solid"/>
+                      <a:round/>
+                      <a:headEnd type="none" w="med" len="med"/>
+                      <a:tailEnd type="none" w="med" len="med"/>
+                    </a:lnR>
+                    <a:lnT w="9525" cap="flat" cmpd="sng" algn="ctr">
+                      <a:solidFill>
+                        <a:srgbClr val="CCCCCC"/>
+                      </a:solidFill>
+                      <a:prstDash val="solid"/>
+                      <a:round/>
+                      <a:headEnd type="none" w="med" len="med"/>
+                      <a:tailEnd type="none" w="med" len="med"/>
+                    </a:lnT>
+                    <a:lnB w="9525" cap="flat" cmpd="sng" algn="ctr">
+                      <a:solidFill>
+                        <a:srgbClr val="CCCCCC"/>
+                      </a:solidFill>
+                      <a:prstDash val="solid"/>
+                      <a:round/>
+                      <a:headEnd type="none" w="med" len="med"/>
+                      <a:tailEnd type="none" w="med" len="med"/>
+                    </a:lnB>
+                    <a:solidFill>
+                      <a:srgbClr val="D9EAD3"/>
+                    </a:solidFill>
+                  </a:tcPr>
+                </a:tc>
+                <a:tc>
+                  <a:txBody>
+                    <a:bodyPr/>
+                    <a:lstStyle/>
+                    <a:p>
+                      <a:pPr algn="ctr" rtl="0" fontAlgn="b"/>
+                      <a:r>
+                        <a:rPr lang="it-IT" sz="1100" b="0">
+                          <a:effectLst/>
+                          <a:latin typeface="Arial" panose="020B0604020202020204" pitchFamily="34" charset="0"/>
+                        </a:rPr>
+                        <a:t>Pesi</a:t>
+                      </a:r>
+                    </a:p>
+                  </a:txBody>
+                  <a:tcPr marL="27893" marR="27893" marT="18595" marB="18595" anchor="b">
+                    <a:lnL w="9525" cap="flat" cmpd="sng" algn="ctr">
+                      <a:solidFill>
+                        <a:srgbClr val="CCCCCC"/>
+                      </a:solidFill>
+                      <a:prstDash val="solid"/>
+                      <a:round/>
+                      <a:headEnd type="none" w="med" len="med"/>
+                      <a:tailEnd type="none" w="med" len="med"/>
+                    </a:lnL>
+                    <a:lnR w="9525" cap="flat" cmpd="sng" algn="ctr">
+                      <a:solidFill>
+                        <a:srgbClr val="CCCCCC"/>
+                      </a:solidFill>
+                      <a:prstDash val="solid"/>
+                      <a:round/>
+                      <a:headEnd type="none" w="med" len="med"/>
+                      <a:tailEnd type="none" w="med" len="med"/>
+                    </a:lnR>
+                    <a:lnT w="9525" cap="flat" cmpd="sng" algn="ctr">
+                      <a:solidFill>
+                        <a:srgbClr val="CCCCCC"/>
+                      </a:solidFill>
+                      <a:prstDash val="solid"/>
+                      <a:round/>
+                      <a:headEnd type="none" w="med" len="med"/>
+                      <a:tailEnd type="none" w="med" len="med"/>
+                    </a:lnT>
+                    <a:lnB w="9525" cap="flat" cmpd="sng" algn="ctr">
+                      <a:solidFill>
+                        <a:srgbClr val="CCCCCC"/>
+                      </a:solidFill>
+                      <a:prstDash val="solid"/>
+                      <a:round/>
+                      <a:headEnd type="none" w="med" len="med"/>
+                      <a:tailEnd type="none" w="med" len="med"/>
+                    </a:lnB>
+                    <a:solidFill>
+                      <a:srgbClr val="F4CCCC"/>
+                    </a:solidFill>
+                  </a:tcPr>
+                </a:tc>
+                <a:tc>
+                  <a:txBody>
+                    <a:bodyPr/>
+                    <a:lstStyle/>
+                    <a:p>
+                      <a:pPr rtl="0" fontAlgn="b"/>
+                      <a:endParaRPr lang="it-IT" sz="1800" dirty="0">
+                        <a:effectLst/>
+                      </a:endParaRPr>
+                    </a:p>
+                  </a:txBody>
+                  <a:tcPr marL="27893" marR="27893" marT="18595" marB="18595" anchor="b">
+                    <a:lnL w="9525" cap="flat" cmpd="sng" algn="ctr">
+                      <a:solidFill>
+                        <a:srgbClr val="CCCCCC"/>
+                      </a:solidFill>
+                      <a:prstDash val="solid"/>
+                      <a:round/>
+                      <a:headEnd type="none" w="med" len="med"/>
+                      <a:tailEnd type="none" w="med" len="med"/>
+                    </a:lnL>
+                    <a:lnR w="9525" cap="flat" cmpd="sng" algn="ctr">
+                      <a:solidFill>
+                        <a:srgbClr val="CCCCCC"/>
+                      </a:solidFill>
+                      <a:prstDash val="solid"/>
+                      <a:round/>
+                      <a:headEnd type="none" w="med" len="med"/>
+                      <a:tailEnd type="none" w="med" len="med"/>
+                    </a:lnR>
+                    <a:lnT w="9525" cap="flat" cmpd="sng" algn="ctr">
+                      <a:solidFill>
+                        <a:srgbClr val="CCCCCC"/>
+                      </a:solidFill>
+                      <a:prstDash val="solid"/>
+                      <a:round/>
+                      <a:headEnd type="none" w="med" len="med"/>
+                      <a:tailEnd type="none" w="med" len="med"/>
+                    </a:lnT>
+                    <a:lnB w="9525" cap="flat" cmpd="sng" algn="ctr">
+                      <a:solidFill>
+                        <a:srgbClr val="CCCCCC"/>
+                      </a:solidFill>
+                      <a:prstDash val="solid"/>
+                      <a:round/>
+                      <a:headEnd type="none" w="med" len="med"/>
+                      <a:tailEnd type="none" w="med" len="med"/>
+                    </a:lnB>
+                    <a:noFill/>
+                  </a:tcPr>
+                </a:tc>
+                <a:extLst>
+                  <a:ext uri="{0D108BD9-81ED-4DB2-BD59-A6C34878D82A}">
+                    <a16:rowId xmlns:a16="http://schemas.microsoft.com/office/drawing/2014/main" val="2021283316"/>
+                  </a:ext>
+                </a:extLst>
+              </a:tr>
+              <a:tr h="200828">
+                <a:tc>
+                  <a:txBody>
+                    <a:bodyPr/>
+                    <a:lstStyle/>
+                    <a:p>
+                      <a:pPr marL="0" marR="0" lvl="0" indent="0" algn="ctr" defTabSz="914400" rtl="0" eaLnBrk="1" fontAlgn="ctr" latinLnBrk="0" hangingPunct="1">
+                        <a:lnSpc>
+                          <a:spcPct val="100000"/>
+                        </a:lnSpc>
+                        <a:spcBef>
+                          <a:spcPts val="0"/>
+                        </a:spcBef>
+                        <a:spcAft>
+                          <a:spcPts val="0"/>
+                        </a:spcAft>
+                        <a:buClrTx/>
+                        <a:buSzTx/>
+                        <a:buFontTx/>
+                        <a:buNone/>
+                        <a:tabLst/>
+                        <a:defRPr/>
+                      </a:pPr>
+                      <a:r>
+                        <a:rPr lang="it-IT" sz="1100" b="0" noProof="0" dirty="0">
+                          <a:effectLst/>
+                          <a:latin typeface="Arial" panose="020B0604020202020204" pitchFamily="34" charset="0"/>
+                        </a:rPr>
+                        <a:t>✅</a:t>
+                      </a:r>
+                    </a:p>
+                  </a:txBody>
+                  <a:tcPr marL="27893" marR="27893" marT="18595" marB="18595" anchor="ctr">
+                    <a:lnL w="9525" cap="flat" cmpd="sng" algn="ctr">
+                      <a:solidFill>
+                        <a:srgbClr val="CCCCCC"/>
+                      </a:solidFill>
+                      <a:prstDash val="solid"/>
+                      <a:round/>
+                      <a:headEnd type="none" w="med" len="med"/>
+                      <a:tailEnd type="none" w="med" len="med"/>
+                    </a:lnL>
+                    <a:lnR w="9525" cap="flat" cmpd="sng" algn="ctr">
+                      <a:solidFill>
+                        <a:srgbClr val="CCCCCC"/>
+                      </a:solidFill>
+                      <a:prstDash val="solid"/>
+                      <a:round/>
+                      <a:headEnd type="none" w="med" len="med"/>
+                      <a:tailEnd type="none" w="med" len="med"/>
+                    </a:lnR>
+                    <a:lnT w="9525" cap="flat" cmpd="sng" algn="ctr">
+                      <a:solidFill>
+                        <a:srgbClr val="CCCCCC"/>
+                      </a:solidFill>
+                      <a:prstDash val="solid"/>
+                      <a:round/>
+                      <a:headEnd type="none" w="med" len="med"/>
+                      <a:tailEnd type="none" w="med" len="med"/>
+                    </a:lnT>
+                    <a:lnB w="9525" cap="flat" cmpd="sng" algn="ctr">
+                      <a:solidFill>
+                        <a:srgbClr val="CCCCCC"/>
+                      </a:solidFill>
+                      <a:prstDash val="solid"/>
+                      <a:round/>
+                      <a:headEnd type="none" w="med" len="med"/>
+                      <a:tailEnd type="none" w="med" len="med"/>
+                    </a:lnB>
+                    <a:noFill/>
+                  </a:tcPr>
+                </a:tc>
+                <a:tc>
+                  <a:txBody>
+                    <a:bodyPr/>
+                    <a:lstStyle/>
+                    <a:p>
+                      <a:pPr algn="ctr" rtl="0" fontAlgn="ctr"/>
+                      <a:r>
+                        <a:rPr lang="it-IT" sz="1100" b="0" dirty="0">
+                          <a:effectLst/>
+                          <a:latin typeface="Arial" panose="020B0604020202020204" pitchFamily="34" charset="0"/>
+                        </a:rPr>
+                        <a:t>5</a:t>
+                      </a:r>
+                    </a:p>
+                  </a:txBody>
+                  <a:tcPr marL="27893" marR="27893" marT="18595" marB="18595" anchor="ctr">
+                    <a:lnL w="9525" cap="flat" cmpd="sng" algn="ctr">
+                      <a:solidFill>
+                        <a:srgbClr val="CCCCCC"/>
+                      </a:solidFill>
+                      <a:prstDash val="solid"/>
+                      <a:round/>
+                      <a:headEnd type="none" w="med" len="med"/>
+                      <a:tailEnd type="none" w="med" len="med"/>
+                    </a:lnL>
+                    <a:lnR w="9525" cap="flat" cmpd="sng" algn="ctr">
+                      <a:solidFill>
+                        <a:srgbClr val="CCCCCC"/>
+                      </a:solidFill>
+                      <a:prstDash val="solid"/>
+                      <a:round/>
+                      <a:headEnd type="none" w="med" len="med"/>
+                      <a:tailEnd type="none" w="med" len="med"/>
+                    </a:lnR>
+                    <a:lnT w="9525" cap="flat" cmpd="sng" algn="ctr">
+                      <a:solidFill>
+                        <a:srgbClr val="CCCCCC"/>
+                      </a:solidFill>
+                      <a:prstDash val="solid"/>
+                      <a:round/>
+                      <a:headEnd type="none" w="med" len="med"/>
+                      <a:tailEnd type="none" w="med" len="med"/>
+                    </a:lnT>
+                    <a:lnB w="9525" cap="flat" cmpd="sng" algn="ctr">
+                      <a:solidFill>
+                        <a:srgbClr val="CCCCCC"/>
+                      </a:solidFill>
+                      <a:prstDash val="solid"/>
+                      <a:round/>
+                      <a:headEnd type="none" w="med" len="med"/>
+                      <a:tailEnd type="none" w="med" len="med"/>
+                    </a:lnB>
+                    <a:solidFill>
+                      <a:srgbClr val="D7C3B0"/>
+                    </a:solidFill>
+                  </a:tcPr>
+                </a:tc>
+                <a:tc>
+                  <a:txBody>
+                    <a:bodyPr/>
+                    <a:lstStyle/>
+                    <a:p>
+                      <a:pPr rtl="0" fontAlgn="ctr"/>
+                      <a:r>
+                        <a:rPr lang="it-IT" sz="1100" b="0" i="1" strike="noStrike" dirty="0">
+                          <a:effectLst/>
+                          <a:latin typeface="Arial" panose="020B0604020202020204" pitchFamily="34" charset="0"/>
+                        </a:rPr>
+                        <a:t>Risolvere il problema riscontrato nella schedulazione</a:t>
+                      </a:r>
+                    </a:p>
+                  </a:txBody>
+                  <a:tcPr marL="27893" marR="27893" marT="18595" marB="18595" anchor="ctr">
+                    <a:lnL w="9525" cap="flat" cmpd="sng" algn="ctr">
+                      <a:solidFill>
+                        <a:srgbClr val="CCCCCC"/>
+                      </a:solidFill>
+                      <a:prstDash val="solid"/>
+                      <a:round/>
+                      <a:headEnd type="none" w="med" len="med"/>
+                      <a:tailEnd type="none" w="med" len="med"/>
+                    </a:lnL>
+                    <a:lnR w="9525" cap="flat" cmpd="sng" algn="ctr">
+                      <a:solidFill>
+                        <a:srgbClr val="CCCCCC"/>
+                      </a:solidFill>
+                      <a:prstDash val="solid"/>
+                      <a:round/>
+                      <a:headEnd type="none" w="med" len="med"/>
+                      <a:tailEnd type="none" w="med" len="med"/>
+                    </a:lnR>
+                    <a:lnT w="9525" cap="flat" cmpd="sng" algn="ctr">
+                      <a:solidFill>
+                        <a:srgbClr val="CCCCCC"/>
+                      </a:solidFill>
+                      <a:prstDash val="solid"/>
+                      <a:round/>
+                      <a:headEnd type="none" w="med" len="med"/>
+                      <a:tailEnd type="none" w="med" len="med"/>
+                    </a:lnT>
+                    <a:lnB w="9525" cap="flat" cmpd="sng" algn="ctr">
+                      <a:solidFill>
+                        <a:srgbClr val="CCCCCC"/>
+                      </a:solidFill>
+                      <a:prstDash val="solid"/>
+                      <a:round/>
+                      <a:headEnd type="none" w="med" len="med"/>
+                      <a:tailEnd type="none" w="med" len="med"/>
+                    </a:lnB>
+                    <a:noFill/>
+                  </a:tcPr>
+                </a:tc>
+                <a:extLst>
+                  <a:ext uri="{0D108BD9-81ED-4DB2-BD59-A6C34878D82A}">
+                    <a16:rowId xmlns:a16="http://schemas.microsoft.com/office/drawing/2014/main" val="1605531214"/>
+                  </a:ext>
+                </a:extLst>
+              </a:tr>
+              <a:tr h="200828">
+                <a:tc>
+                  <a:txBody>
+                    <a:bodyPr/>
+                    <a:lstStyle/>
+                    <a:p>
+                      <a:pPr marL="0" marR="0" lvl="0" indent="0" algn="ctr" defTabSz="914400" rtl="0" eaLnBrk="1" fontAlgn="ctr" latinLnBrk="0" hangingPunct="1">
+                        <a:lnSpc>
+                          <a:spcPct val="100000"/>
+                        </a:lnSpc>
+                        <a:spcBef>
+                          <a:spcPts val="0"/>
+                        </a:spcBef>
+                        <a:spcAft>
+                          <a:spcPts val="0"/>
+                        </a:spcAft>
+                        <a:buClrTx/>
+                        <a:buSzTx/>
+                        <a:buFontTx/>
+                        <a:buNone/>
+                        <a:tabLst/>
+                        <a:defRPr/>
+                      </a:pPr>
+                      <a:r>
+                        <a:rPr lang="it-IT" sz="1100" b="0" noProof="0" dirty="0">
+                          <a:effectLst/>
+                          <a:latin typeface="Arial" panose="020B0604020202020204" pitchFamily="34" charset="0"/>
+                        </a:rPr>
+                        <a:t>✅</a:t>
+                      </a:r>
+                    </a:p>
+                  </a:txBody>
+                  <a:tcPr marL="27893" marR="27893" marT="18595" marB="18595" anchor="ctr">
+                    <a:lnL w="9525" cap="flat" cmpd="sng" algn="ctr">
+                      <a:solidFill>
+                        <a:srgbClr val="CCCCCC"/>
+                      </a:solidFill>
+                      <a:prstDash val="solid"/>
+                      <a:round/>
+                      <a:headEnd type="none" w="med" len="med"/>
+                      <a:tailEnd type="none" w="med" len="med"/>
+                    </a:lnL>
+                    <a:lnR w="9525" cap="flat" cmpd="sng" algn="ctr">
+                      <a:solidFill>
+                        <a:srgbClr val="CCCCCC"/>
+                      </a:solidFill>
+                      <a:prstDash val="solid"/>
+                      <a:round/>
+                      <a:headEnd type="none" w="med" len="med"/>
+                      <a:tailEnd type="none" w="med" len="med"/>
+                    </a:lnR>
+                    <a:lnT w="9525" cap="flat" cmpd="sng" algn="ctr">
+                      <a:solidFill>
+                        <a:srgbClr val="CCCCCC"/>
+                      </a:solidFill>
+                      <a:prstDash val="solid"/>
+                      <a:round/>
+                      <a:headEnd type="none" w="med" len="med"/>
+                      <a:tailEnd type="none" w="med" len="med"/>
+                    </a:lnT>
+                    <a:lnB w="9525" cap="flat" cmpd="sng" algn="ctr">
+                      <a:solidFill>
+                        <a:srgbClr val="CCCCCC"/>
+                      </a:solidFill>
+                      <a:prstDash val="solid"/>
+                      <a:round/>
+                      <a:headEnd type="none" w="med" len="med"/>
+                      <a:tailEnd type="none" w="med" len="med"/>
+                    </a:lnB>
+                    <a:noFill/>
+                  </a:tcPr>
+                </a:tc>
+                <a:tc>
+                  <a:txBody>
+                    <a:bodyPr/>
+                    <a:lstStyle/>
+                    <a:p>
+                      <a:pPr algn="ctr" rtl="0" fontAlgn="ctr"/>
+                      <a:r>
+                        <a:rPr lang="it-IT" sz="1100" b="0" dirty="0">
+                          <a:effectLst/>
+                          <a:latin typeface="Arial" panose="020B0604020202020204" pitchFamily="34" charset="0"/>
+                        </a:rPr>
+                        <a:t>3</a:t>
+                      </a:r>
+                    </a:p>
+                  </a:txBody>
+                  <a:tcPr marL="27893" marR="27893" marT="18595" marB="18595" anchor="ctr">
+                    <a:lnL w="9525" cap="flat" cmpd="sng" algn="ctr">
+                      <a:solidFill>
+                        <a:srgbClr val="CCCCCC"/>
+                      </a:solidFill>
+                      <a:prstDash val="solid"/>
+                      <a:round/>
+                      <a:headEnd type="none" w="med" len="med"/>
+                      <a:tailEnd type="none" w="med" len="med"/>
+                    </a:lnL>
+                    <a:lnR w="9525" cap="flat" cmpd="sng" algn="ctr">
+                      <a:solidFill>
+                        <a:srgbClr val="CCCCCC"/>
+                      </a:solidFill>
+                      <a:prstDash val="solid"/>
+                      <a:round/>
+                      <a:headEnd type="none" w="med" len="med"/>
+                      <a:tailEnd type="none" w="med" len="med"/>
+                    </a:lnR>
+                    <a:lnT w="9525" cap="flat" cmpd="sng" algn="ctr">
+                      <a:solidFill>
+                        <a:srgbClr val="CCCCCC"/>
+                      </a:solidFill>
+                      <a:prstDash val="solid"/>
+                      <a:round/>
+                      <a:headEnd type="none" w="med" len="med"/>
+                      <a:tailEnd type="none" w="med" len="med"/>
+                    </a:lnT>
+                    <a:lnB w="9525" cap="flat" cmpd="sng" algn="ctr">
+                      <a:solidFill>
+                        <a:srgbClr val="CCCCCC"/>
+                      </a:solidFill>
+                      <a:prstDash val="solid"/>
+                      <a:round/>
+                      <a:headEnd type="none" w="med" len="med"/>
+                      <a:tailEnd type="none" w="med" len="med"/>
+                    </a:lnB>
+                    <a:solidFill>
+                      <a:srgbClr val="D9EAD3"/>
+                    </a:solidFill>
+                  </a:tcPr>
+                </a:tc>
+                <a:tc>
+                  <a:txBody>
+                    <a:bodyPr/>
+                    <a:lstStyle/>
+                    <a:p>
+                      <a:pPr rtl="0" fontAlgn="b"/>
+                      <a:r>
+                        <a:rPr lang="it-IT" sz="1100" b="0" i="1" strike="noStrike" dirty="0">
+                          <a:effectLst/>
+                          <a:latin typeface="Arial" panose="020B0604020202020204" pitchFamily="34" charset="0"/>
+                        </a:rPr>
+                        <a:t>Test di integrazione: ripristino test già presenti</a:t>
+                      </a:r>
+                    </a:p>
+                  </a:txBody>
+                  <a:tcPr marL="27893" marR="27893" marT="18595" marB="18595" anchor="b">
+                    <a:lnL w="9525" cap="flat" cmpd="sng" algn="ctr">
+                      <a:solidFill>
+                        <a:srgbClr val="CCCCCC"/>
+                      </a:solidFill>
+                      <a:prstDash val="solid"/>
+                      <a:round/>
+                      <a:headEnd type="none" w="med" len="med"/>
+                      <a:tailEnd type="none" w="med" len="med"/>
+                    </a:lnL>
+                    <a:lnR w="9525" cap="flat" cmpd="sng" algn="ctr">
+                      <a:solidFill>
+                        <a:srgbClr val="CCCCCC"/>
+                      </a:solidFill>
+                      <a:prstDash val="solid"/>
+                      <a:round/>
+                      <a:headEnd type="none" w="med" len="med"/>
+                      <a:tailEnd type="none" w="med" len="med"/>
+                    </a:lnR>
+                    <a:lnT w="9525" cap="flat" cmpd="sng" algn="ctr">
+                      <a:solidFill>
+                        <a:srgbClr val="CCCCCC"/>
+                      </a:solidFill>
+                      <a:prstDash val="solid"/>
+                      <a:round/>
+                      <a:headEnd type="none" w="med" len="med"/>
+                      <a:tailEnd type="none" w="med" len="med"/>
+                    </a:lnT>
+                    <a:lnB w="9525" cap="flat" cmpd="sng" algn="ctr">
+                      <a:solidFill>
+                        <a:srgbClr val="CCCCCC"/>
+                      </a:solidFill>
+                      <a:prstDash val="solid"/>
+                      <a:round/>
+                      <a:headEnd type="none" w="med" len="med"/>
+                      <a:tailEnd type="none" w="med" len="med"/>
+                    </a:lnB>
+                    <a:noFill/>
+                  </a:tcPr>
+                </a:tc>
+                <a:extLst>
+                  <a:ext uri="{0D108BD9-81ED-4DB2-BD59-A6C34878D82A}">
+                    <a16:rowId xmlns:a16="http://schemas.microsoft.com/office/drawing/2014/main" val="3032375564"/>
+                  </a:ext>
+                </a:extLst>
+              </a:tr>
+              <a:tr h="200828">
+                <a:tc>
+                  <a:txBody>
+                    <a:bodyPr/>
+                    <a:lstStyle/>
+                    <a:p>
+                      <a:pPr algn="ctr" rtl="0" fontAlgn="ctr"/>
+                      <a:r>
+                        <a:rPr lang="it-IT" sz="1100" b="0" noProof="0" dirty="0">
+                          <a:effectLst/>
+                          <a:latin typeface="Arial" panose="020B0604020202020204" pitchFamily="34" charset="0"/>
+                        </a:rPr>
+                        <a:t>✅</a:t>
+                      </a:r>
+                      <a:endParaRPr lang="it-IT" sz="1100" b="0" dirty="0">
+                        <a:solidFill>
+                          <a:srgbClr val="6AA84F"/>
+                        </a:solidFill>
+                        <a:effectLst/>
+                        <a:latin typeface="Arial" panose="020B0604020202020204" pitchFamily="34" charset="0"/>
+                      </a:endParaRPr>
+                    </a:p>
+                  </a:txBody>
+                  <a:tcPr marL="27893" marR="27893" marT="18595" marB="18595" anchor="ctr">
+                    <a:lnL w="9525" cap="flat" cmpd="sng" algn="ctr">
+                      <a:solidFill>
+                        <a:srgbClr val="CCCCCC"/>
+                      </a:solidFill>
+                      <a:prstDash val="solid"/>
+                      <a:round/>
+                      <a:headEnd type="none" w="med" len="med"/>
+                      <a:tailEnd type="none" w="med" len="med"/>
+                    </a:lnL>
+                    <a:lnR w="9525" cap="flat" cmpd="sng" algn="ctr">
+                      <a:solidFill>
+                        <a:srgbClr val="CCCCCC"/>
+                      </a:solidFill>
+                      <a:prstDash val="solid"/>
+                      <a:round/>
+                      <a:headEnd type="none" w="med" len="med"/>
+                      <a:tailEnd type="none" w="med" len="med"/>
+                    </a:lnR>
+                    <a:lnT w="9525" cap="flat" cmpd="sng" algn="ctr">
+                      <a:solidFill>
+                        <a:srgbClr val="CCCCCC"/>
+                      </a:solidFill>
+                      <a:prstDash val="solid"/>
+                      <a:round/>
+                      <a:headEnd type="none" w="med" len="med"/>
+                      <a:tailEnd type="none" w="med" len="med"/>
+                    </a:lnT>
+                    <a:lnB w="9525" cap="flat" cmpd="sng" algn="ctr">
+                      <a:solidFill>
+                        <a:srgbClr val="CCCCCC"/>
+                      </a:solidFill>
+                      <a:prstDash val="solid"/>
+                      <a:round/>
+                      <a:headEnd type="none" w="med" len="med"/>
+                      <a:tailEnd type="none" w="med" len="med"/>
+                    </a:lnB>
+                    <a:noFill/>
+                  </a:tcPr>
+                </a:tc>
+                <a:tc>
+                  <a:txBody>
+                    <a:bodyPr/>
+                    <a:lstStyle/>
+                    <a:p>
+                      <a:pPr algn="ctr" rtl="0" fontAlgn="ctr"/>
+                      <a:r>
+                        <a:rPr lang="it-IT" sz="1100" b="0" dirty="0">
+                          <a:effectLst/>
+                          <a:latin typeface="Arial" panose="020B0604020202020204" pitchFamily="34" charset="0"/>
+                        </a:rPr>
+                        <a:t>4</a:t>
+                      </a:r>
+                    </a:p>
+                  </a:txBody>
+                  <a:tcPr marL="27893" marR="27893" marT="18595" marB="18595" anchor="ctr">
+                    <a:lnL w="9525" cap="flat" cmpd="sng" algn="ctr">
+                      <a:solidFill>
+                        <a:srgbClr val="CCCCCC"/>
+                      </a:solidFill>
+                      <a:prstDash val="solid"/>
+                      <a:round/>
+                      <a:headEnd type="none" w="med" len="med"/>
+                      <a:tailEnd type="none" w="med" len="med"/>
+                    </a:lnL>
+                    <a:lnR w="9525" cap="flat" cmpd="sng" algn="ctr">
+                      <a:solidFill>
+                        <a:srgbClr val="CCCCCC"/>
+                      </a:solidFill>
+                      <a:prstDash val="solid"/>
+                      <a:round/>
+                      <a:headEnd type="none" w="med" len="med"/>
+                      <a:tailEnd type="none" w="med" len="med"/>
+                    </a:lnR>
+                    <a:lnT w="9525" cap="flat" cmpd="sng" algn="ctr">
+                      <a:solidFill>
+                        <a:srgbClr val="CCCCCC"/>
+                      </a:solidFill>
+                      <a:prstDash val="solid"/>
+                      <a:round/>
+                      <a:headEnd type="none" w="med" len="med"/>
+                      <a:tailEnd type="none" w="med" len="med"/>
+                    </a:lnT>
+                    <a:lnB w="9525" cap="flat" cmpd="sng" algn="ctr">
+                      <a:solidFill>
+                        <a:srgbClr val="CCCCCC"/>
+                      </a:solidFill>
+                      <a:prstDash val="solid"/>
+                      <a:round/>
+                      <a:headEnd type="none" w="med" len="med"/>
+                      <a:tailEnd type="none" w="med" len="med"/>
+                    </a:lnB>
+                    <a:solidFill>
+                      <a:srgbClr val="D8D7C2"/>
+                    </a:solidFill>
+                  </a:tcPr>
+                </a:tc>
+                <a:tc>
+                  <a:txBody>
+                    <a:bodyPr/>
+                    <a:lstStyle/>
+                    <a:p>
+                      <a:pPr rtl="0" fontAlgn="b"/>
+                      <a:r>
+                        <a:rPr lang="it-IT" sz="1100" b="0" i="1" strike="noStrike" dirty="0">
+                          <a:effectLst/>
+                          <a:latin typeface="Arial" panose="020B0604020202020204" pitchFamily="34" charset="0"/>
+                        </a:rPr>
+                        <a:t>Studiare le soluzioni di analisi statica (e poi dinamica se non ha richiesto troppo tempo quella statica) del codice</a:t>
+                      </a:r>
+                    </a:p>
+                  </a:txBody>
+                  <a:tcPr marL="27893" marR="27893" marT="18595" marB="18595" anchor="b">
+                    <a:lnL w="9525" cap="flat" cmpd="sng" algn="ctr">
+                      <a:solidFill>
+                        <a:srgbClr val="CCCCCC"/>
+                      </a:solidFill>
+                      <a:prstDash val="solid"/>
+                      <a:round/>
+                      <a:headEnd type="none" w="med" len="med"/>
+                      <a:tailEnd type="none" w="med" len="med"/>
+                    </a:lnL>
+                    <a:lnR w="9525" cap="flat" cmpd="sng" algn="ctr">
+                      <a:solidFill>
+                        <a:srgbClr val="CCCCCC"/>
+                      </a:solidFill>
+                      <a:prstDash val="solid"/>
+                      <a:round/>
+                      <a:headEnd type="none" w="med" len="med"/>
+                      <a:tailEnd type="none" w="med" len="med"/>
+                    </a:lnR>
+                    <a:lnT w="9525" cap="flat" cmpd="sng" algn="ctr">
+                      <a:solidFill>
+                        <a:srgbClr val="CCCCCC"/>
+                      </a:solidFill>
+                      <a:prstDash val="solid"/>
+                      <a:round/>
+                      <a:headEnd type="none" w="med" len="med"/>
+                      <a:tailEnd type="none" w="med" len="med"/>
+                    </a:lnT>
+                    <a:lnB w="9525" cap="flat" cmpd="sng" algn="ctr">
+                      <a:solidFill>
+                        <a:srgbClr val="CCCCCC"/>
+                      </a:solidFill>
+                      <a:prstDash val="solid"/>
+                      <a:round/>
+                      <a:headEnd type="none" w="med" len="med"/>
+                      <a:tailEnd type="none" w="med" len="med"/>
+                    </a:lnB>
+                    <a:noFill/>
+                  </a:tcPr>
+                </a:tc>
+                <a:extLst>
+                  <a:ext uri="{0D108BD9-81ED-4DB2-BD59-A6C34878D82A}">
+                    <a16:rowId xmlns:a16="http://schemas.microsoft.com/office/drawing/2014/main" val="1907726413"/>
+                  </a:ext>
+                </a:extLst>
+              </a:tr>
+              <a:tr h="200828">
+                <a:tc>
+                  <a:txBody>
+                    <a:bodyPr/>
+                    <a:lstStyle/>
+                    <a:p>
+                      <a:pPr marL="0" marR="0" lvl="0" indent="0" algn="ctr" defTabSz="914400" rtl="0" eaLnBrk="1" fontAlgn="ctr" latinLnBrk="0" hangingPunct="1">
+                        <a:lnSpc>
+                          <a:spcPct val="100000"/>
+                        </a:lnSpc>
+                        <a:spcBef>
+                          <a:spcPts val="0"/>
+                        </a:spcBef>
+                        <a:spcAft>
+                          <a:spcPts val="0"/>
+                        </a:spcAft>
+                        <a:buClrTx/>
+                        <a:buSzTx/>
+                        <a:buFontTx/>
+                        <a:buNone/>
+                        <a:tabLst/>
+                        <a:defRPr/>
+                      </a:pPr>
+                      <a:r>
+                        <a:rPr lang="it-IT" sz="1100" b="0" noProof="0" dirty="0">
+                          <a:effectLst/>
+                          <a:latin typeface="Arial" panose="020B0604020202020204" pitchFamily="34" charset="0"/>
+                        </a:rPr>
+                        <a:t>✅</a:t>
+                      </a:r>
+                      <a:endParaRPr lang="it-IT" sz="1100" b="0" dirty="0">
+                        <a:solidFill>
+                          <a:srgbClr val="6AA84F"/>
+                        </a:solidFill>
+                        <a:effectLst/>
+                        <a:latin typeface="Arial" panose="020B0604020202020204" pitchFamily="34" charset="0"/>
+                      </a:endParaRPr>
+                    </a:p>
+                  </a:txBody>
+                  <a:tcPr marL="27893" marR="27893" marT="18595" marB="18595" anchor="ctr">
+                    <a:lnL w="9525" cap="flat" cmpd="sng" algn="ctr">
+                      <a:solidFill>
+                        <a:srgbClr val="CCCCCC"/>
+                      </a:solidFill>
+                      <a:prstDash val="solid"/>
+                      <a:round/>
+                      <a:headEnd type="none" w="med" len="med"/>
+                      <a:tailEnd type="none" w="med" len="med"/>
+                    </a:lnL>
+                    <a:lnR w="9525" cap="flat" cmpd="sng" algn="ctr">
+                      <a:solidFill>
+                        <a:srgbClr val="CCCCCC"/>
+                      </a:solidFill>
+                      <a:prstDash val="solid"/>
+                      <a:round/>
+                      <a:headEnd type="none" w="med" len="med"/>
+                      <a:tailEnd type="none" w="med" len="med"/>
+                    </a:lnR>
+                    <a:lnT w="9525" cap="flat" cmpd="sng" algn="ctr">
+                      <a:solidFill>
+                        <a:srgbClr val="CCCCCC"/>
+                      </a:solidFill>
+                      <a:prstDash val="solid"/>
+                      <a:round/>
+                      <a:headEnd type="none" w="med" len="med"/>
+                      <a:tailEnd type="none" w="med" len="med"/>
+                    </a:lnT>
+                    <a:lnB w="9525" cap="flat" cmpd="sng" algn="ctr">
+                      <a:solidFill>
+                        <a:srgbClr val="CCCCCC"/>
+                      </a:solidFill>
+                      <a:prstDash val="solid"/>
+                      <a:round/>
+                      <a:headEnd type="none" w="med" len="med"/>
+                      <a:tailEnd type="none" w="med" len="med"/>
+                    </a:lnB>
+                    <a:noFill/>
+                  </a:tcPr>
+                </a:tc>
+                <a:tc>
+                  <a:txBody>
+                    <a:bodyPr/>
+                    <a:lstStyle/>
+                    <a:p>
+                      <a:pPr algn="ctr" rtl="0" fontAlgn="ctr"/>
+                      <a:endParaRPr lang="it-IT" sz="1100" b="0" dirty="0">
+                        <a:effectLst/>
+                        <a:latin typeface="Arial" panose="020B0604020202020204" pitchFamily="34" charset="0"/>
+                      </a:endParaRPr>
+                    </a:p>
+                  </a:txBody>
+                  <a:tcPr marL="27893" marR="27893" marT="18595" marB="18595" anchor="ctr">
+                    <a:lnL w="9525" cap="flat" cmpd="sng" algn="ctr">
+                      <a:solidFill>
+                        <a:srgbClr val="CCCCCC"/>
+                      </a:solidFill>
+                      <a:prstDash val="solid"/>
+                      <a:round/>
+                      <a:headEnd type="none" w="med" len="med"/>
+                      <a:tailEnd type="none" w="med" len="med"/>
+                    </a:lnL>
+                    <a:lnR w="9525" cap="flat" cmpd="sng" algn="ctr">
+                      <a:solidFill>
+                        <a:srgbClr val="CCCCCC"/>
+                      </a:solidFill>
+                      <a:prstDash val="solid"/>
+                      <a:round/>
+                      <a:headEnd type="none" w="med" len="med"/>
+                      <a:tailEnd type="none" w="med" len="med"/>
+                    </a:lnR>
+                    <a:lnT w="9525" cap="flat" cmpd="sng" algn="ctr">
+                      <a:solidFill>
+                        <a:srgbClr val="CCCCCC"/>
+                      </a:solidFill>
+                      <a:prstDash val="solid"/>
+                      <a:round/>
+                      <a:headEnd type="none" w="med" len="med"/>
+                      <a:tailEnd type="none" w="med" len="med"/>
+                    </a:lnT>
+                    <a:lnB w="9525" cap="flat" cmpd="sng" algn="ctr">
+                      <a:solidFill>
+                        <a:srgbClr val="CCCCCC"/>
+                      </a:solidFill>
+                      <a:prstDash val="solid"/>
+                      <a:round/>
+                      <a:headEnd type="none" w="med" len="med"/>
+                      <a:tailEnd type="none" w="med" len="med"/>
+                    </a:lnB>
+                    <a:solidFill>
+                      <a:srgbClr val="D26258"/>
+                    </a:solidFill>
+                  </a:tcPr>
+                </a:tc>
+                <a:tc>
+                  <a:txBody>
+                    <a:bodyPr/>
+                    <a:lstStyle/>
+                    <a:p>
+                      <a:pPr rtl="0" fontAlgn="b"/>
+                      <a:r>
+                        <a:rPr lang="it-IT" sz="1100" b="0" i="1" strike="noStrike" dirty="0">
+                          <a:effectLst/>
+                          <a:latin typeface="Arial" panose="020B0604020202020204" pitchFamily="34" charset="0"/>
+                        </a:rPr>
+                        <a:t>Sviluppo MT soluzione 2</a:t>
+                      </a:r>
+                    </a:p>
+                  </a:txBody>
+                  <a:tcPr marL="27893" marR="27893" marT="18595" marB="18595" anchor="b">
+                    <a:lnL w="9525" cap="flat" cmpd="sng" algn="ctr">
+                      <a:solidFill>
+                        <a:srgbClr val="CCCCCC"/>
+                      </a:solidFill>
+                      <a:prstDash val="solid"/>
+                      <a:round/>
+                      <a:headEnd type="none" w="med" len="med"/>
+                      <a:tailEnd type="none" w="med" len="med"/>
+                    </a:lnL>
+                    <a:lnR w="9525" cap="flat" cmpd="sng" algn="ctr">
+                      <a:solidFill>
+                        <a:srgbClr val="CCCCCC"/>
+                      </a:solidFill>
+                      <a:prstDash val="solid"/>
+                      <a:round/>
+                      <a:headEnd type="none" w="med" len="med"/>
+                      <a:tailEnd type="none" w="med" len="med"/>
+                    </a:lnR>
+                    <a:lnT w="9525" cap="flat" cmpd="sng" algn="ctr">
+                      <a:solidFill>
+                        <a:srgbClr val="CCCCCC"/>
+                      </a:solidFill>
+                      <a:prstDash val="solid"/>
+                      <a:round/>
+                      <a:headEnd type="none" w="med" len="med"/>
+                      <a:tailEnd type="none" w="med" len="med"/>
+                    </a:lnT>
+                    <a:lnB w="9525" cap="flat" cmpd="sng" algn="ctr">
+                      <a:solidFill>
+                        <a:srgbClr val="CCCCCC"/>
+                      </a:solidFill>
+                      <a:prstDash val="solid"/>
+                      <a:round/>
+                      <a:headEnd type="none" w="med" len="med"/>
+                      <a:tailEnd type="none" w="med" len="med"/>
+                    </a:lnB>
+                    <a:noFill/>
+                  </a:tcPr>
+                </a:tc>
+                <a:extLst>
+                  <a:ext uri="{0D108BD9-81ED-4DB2-BD59-A6C34878D82A}">
+                    <a16:rowId xmlns:a16="http://schemas.microsoft.com/office/drawing/2014/main" val="3844803052"/>
+                  </a:ext>
+                </a:extLst>
+              </a:tr>
+              <a:tr h="200828">
+                <a:tc>
+                  <a:txBody>
+                    <a:bodyPr/>
+                    <a:lstStyle/>
+                    <a:p>
+                      <a:pPr marL="0" marR="0" lvl="0" indent="0" algn="ctr" defTabSz="914400" rtl="0" eaLnBrk="1" fontAlgn="ctr" latinLnBrk="0" hangingPunct="1">
+                        <a:lnSpc>
+                          <a:spcPct val="100000"/>
+                        </a:lnSpc>
+                        <a:spcBef>
+                          <a:spcPts val="0"/>
+                        </a:spcBef>
+                        <a:spcAft>
+                          <a:spcPts val="0"/>
+                        </a:spcAft>
+                        <a:buClrTx/>
+                        <a:buSzTx/>
+                        <a:buFontTx/>
+                        <a:buNone/>
+                        <a:tabLst/>
+                        <a:defRPr/>
+                      </a:pPr>
+                      <a:r>
+                        <a:rPr lang="it-IT" sz="1100" b="0" noProof="0" dirty="0">
+                          <a:effectLst/>
+                          <a:latin typeface="Arial" panose="020B0604020202020204" pitchFamily="34" charset="0"/>
+                        </a:rPr>
+                        <a:t>✅</a:t>
+                      </a:r>
+                    </a:p>
+                  </a:txBody>
+                  <a:tcPr marL="27893" marR="27893" marT="18595" marB="18595" anchor="ctr">
+                    <a:lnL w="9525" cap="flat" cmpd="sng" algn="ctr">
+                      <a:solidFill>
+                        <a:srgbClr val="CCCCCC"/>
+                      </a:solidFill>
+                      <a:prstDash val="solid"/>
+                      <a:round/>
+                      <a:headEnd type="none" w="med" len="med"/>
+                      <a:tailEnd type="none" w="med" len="med"/>
+                    </a:lnL>
+                    <a:lnR w="9525" cap="flat" cmpd="sng" algn="ctr">
+                      <a:solidFill>
+                        <a:srgbClr val="CCCCCC"/>
+                      </a:solidFill>
+                      <a:prstDash val="solid"/>
+                      <a:round/>
+                      <a:headEnd type="none" w="med" len="med"/>
+                      <a:tailEnd type="none" w="med" len="med"/>
+                    </a:lnR>
+                    <a:lnT w="9525" cap="flat" cmpd="sng" algn="ctr">
+                      <a:solidFill>
+                        <a:srgbClr val="CCCCCC"/>
+                      </a:solidFill>
+                      <a:prstDash val="solid"/>
+                      <a:round/>
+                      <a:headEnd type="none" w="med" len="med"/>
+                      <a:tailEnd type="none" w="med" len="med"/>
+                    </a:lnT>
+                    <a:lnB w="9525" cap="flat" cmpd="sng" algn="ctr">
+                      <a:solidFill>
+                        <a:srgbClr val="CCCCCC"/>
+                      </a:solidFill>
+                      <a:prstDash val="solid"/>
+                      <a:round/>
+                      <a:headEnd type="none" w="med" len="med"/>
+                      <a:tailEnd type="none" w="med" len="med"/>
+                    </a:lnB>
+                    <a:noFill/>
+                  </a:tcPr>
+                </a:tc>
+                <a:tc>
+                  <a:txBody>
+                    <a:bodyPr/>
+                    <a:lstStyle/>
+                    <a:p>
+                      <a:pPr algn="ctr" rtl="0" fontAlgn="ctr"/>
+                      <a:endParaRPr lang="it-IT" sz="1100" b="0" dirty="0">
+                        <a:effectLst/>
+                        <a:latin typeface="Arial" panose="020B0604020202020204" pitchFamily="34" charset="0"/>
+                      </a:endParaRPr>
+                    </a:p>
+                  </a:txBody>
+                  <a:tcPr marL="27893" marR="27893" marT="18595" marB="18595" anchor="ctr">
+                    <a:lnL w="9525" cap="flat" cmpd="sng" algn="ctr">
+                      <a:solidFill>
+                        <a:srgbClr val="CCCCCC"/>
+                      </a:solidFill>
+                      <a:prstDash val="solid"/>
+                      <a:round/>
+                      <a:headEnd type="none" w="med" len="med"/>
+                      <a:tailEnd type="none" w="med" len="med"/>
+                    </a:lnL>
+                    <a:lnR w="9525" cap="flat" cmpd="sng" algn="ctr">
+                      <a:solidFill>
+                        <a:srgbClr val="CCCCCC"/>
+                      </a:solidFill>
+                      <a:prstDash val="solid"/>
+                      <a:round/>
+                      <a:headEnd type="none" w="med" len="med"/>
+                      <a:tailEnd type="none" w="med" len="med"/>
+                    </a:lnR>
+                    <a:lnT w="9525" cap="flat" cmpd="sng" algn="ctr">
+                      <a:solidFill>
+                        <a:srgbClr val="CCCCCC"/>
+                      </a:solidFill>
+                      <a:prstDash val="solid"/>
+                      <a:round/>
+                      <a:headEnd type="none" w="med" len="med"/>
+                      <a:tailEnd type="none" w="med" len="med"/>
+                    </a:lnT>
+                    <a:lnB w="9525" cap="flat" cmpd="sng" algn="ctr">
+                      <a:solidFill>
+                        <a:srgbClr val="CCCCCC"/>
+                      </a:solidFill>
+                      <a:prstDash val="solid"/>
+                      <a:round/>
+                      <a:headEnd type="none" w="med" len="med"/>
+                      <a:tailEnd type="none" w="med" len="med"/>
+                    </a:lnB>
+                    <a:solidFill>
+                      <a:srgbClr val="CC0000"/>
+                    </a:solidFill>
+                  </a:tcPr>
+                </a:tc>
+                <a:tc>
+                  <a:txBody>
+                    <a:bodyPr/>
+                    <a:lstStyle/>
+                    <a:p>
+                      <a:pPr rtl="0" fontAlgn="b"/>
+                      <a:r>
+                        <a:rPr lang="it-IT" sz="1100" b="0" i="1" strike="noStrike" dirty="0">
+                          <a:effectLst/>
+                          <a:latin typeface="Arial" panose="020B0604020202020204" pitchFamily="34" charset="0"/>
+                        </a:rPr>
+                        <a:t>Sviluppo MT soluzione 3</a:t>
+                      </a:r>
+                    </a:p>
+                  </a:txBody>
+                  <a:tcPr marL="27893" marR="27893" marT="18595" marB="18595" anchor="b">
+                    <a:lnL w="9525" cap="flat" cmpd="sng" algn="ctr">
+                      <a:solidFill>
+                        <a:srgbClr val="CCCCCC"/>
+                      </a:solidFill>
+                      <a:prstDash val="solid"/>
+                      <a:round/>
+                      <a:headEnd type="none" w="med" len="med"/>
+                      <a:tailEnd type="none" w="med" len="med"/>
+                    </a:lnL>
+                    <a:lnR w="9525" cap="flat" cmpd="sng" algn="ctr">
+                      <a:solidFill>
+                        <a:srgbClr val="CCCCCC"/>
+                      </a:solidFill>
+                      <a:prstDash val="solid"/>
+                      <a:round/>
+                      <a:headEnd type="none" w="med" len="med"/>
+                      <a:tailEnd type="none" w="med" len="med"/>
+                    </a:lnR>
+                    <a:lnT w="9525" cap="flat" cmpd="sng" algn="ctr">
+                      <a:solidFill>
+                        <a:srgbClr val="CCCCCC"/>
+                      </a:solidFill>
+                      <a:prstDash val="solid"/>
+                      <a:round/>
+                      <a:headEnd type="none" w="med" len="med"/>
+                      <a:tailEnd type="none" w="med" len="med"/>
+                    </a:lnT>
+                    <a:lnB w="9525" cap="flat" cmpd="sng" algn="ctr">
+                      <a:solidFill>
+                        <a:srgbClr val="CCCCCC"/>
+                      </a:solidFill>
+                      <a:prstDash val="solid"/>
+                      <a:round/>
+                      <a:headEnd type="none" w="med" len="med"/>
+                      <a:tailEnd type="none" w="med" len="med"/>
+                    </a:lnB>
+                    <a:noFill/>
+                  </a:tcPr>
+                </a:tc>
+                <a:extLst>
+                  <a:ext uri="{0D108BD9-81ED-4DB2-BD59-A6C34878D82A}">
+                    <a16:rowId xmlns:a16="http://schemas.microsoft.com/office/drawing/2014/main" val="3126626594"/>
+                  </a:ext>
+                </a:extLst>
+              </a:tr>
+              <a:tr h="199851">
+                <a:tc>
+                  <a:txBody>
+                    <a:bodyPr/>
+                    <a:lstStyle/>
+                    <a:p>
+                      <a:pPr algn="ctr" rtl="0" fontAlgn="ctr"/>
+                      <a:r>
+                        <a:rPr lang="it-IT" sz="1100" b="0" noProof="0" dirty="0">
+                          <a:effectLst/>
+                          <a:latin typeface="Arial" panose="020B0604020202020204" pitchFamily="34" charset="0"/>
+                        </a:rPr>
+                        <a:t>✅</a:t>
+                      </a:r>
+                      <a:endParaRPr lang="it-IT" sz="1100" b="0" dirty="0">
+                        <a:solidFill>
+                          <a:srgbClr val="6AA84F"/>
+                        </a:solidFill>
+                        <a:effectLst/>
+                        <a:latin typeface="Arial" panose="020B0604020202020204" pitchFamily="34" charset="0"/>
+                      </a:endParaRPr>
+                    </a:p>
+                  </a:txBody>
+                  <a:tcPr marL="27893" marR="27893" marT="18595" marB="18595" anchor="ctr">
+                    <a:lnL w="9525" cap="flat" cmpd="sng" algn="ctr">
+                      <a:solidFill>
+                        <a:srgbClr val="CCCCCC"/>
+                      </a:solidFill>
+                      <a:prstDash val="solid"/>
+                      <a:round/>
+                      <a:headEnd type="none" w="med" len="med"/>
+                      <a:tailEnd type="none" w="med" len="med"/>
+                    </a:lnL>
+                    <a:lnR w="9525" cap="flat" cmpd="sng" algn="ctr">
+                      <a:solidFill>
+                        <a:srgbClr val="CCCCCC"/>
+                      </a:solidFill>
+                      <a:prstDash val="solid"/>
+                      <a:round/>
+                      <a:headEnd type="none" w="med" len="med"/>
+                      <a:tailEnd type="none" w="med" len="med"/>
+                    </a:lnR>
+                    <a:lnT w="9525" cap="flat" cmpd="sng" algn="ctr">
+                      <a:solidFill>
+                        <a:srgbClr val="CCCCCC"/>
+                      </a:solidFill>
+                      <a:prstDash val="solid"/>
+                      <a:round/>
+                      <a:headEnd type="none" w="med" len="med"/>
+                      <a:tailEnd type="none" w="med" len="med"/>
+                    </a:lnT>
+                    <a:lnB w="9525" cap="flat" cmpd="sng" algn="ctr">
+                      <a:solidFill>
+                        <a:srgbClr val="CCCCCC"/>
+                      </a:solidFill>
+                      <a:prstDash val="solid"/>
+                      <a:round/>
+                      <a:headEnd type="none" w="med" len="med"/>
+                      <a:tailEnd type="none" w="med" len="med"/>
+                    </a:lnB>
+                    <a:noFill/>
+                  </a:tcPr>
+                </a:tc>
+                <a:tc>
+                  <a:txBody>
+                    <a:bodyPr/>
+                    <a:lstStyle/>
+                    <a:p>
+                      <a:pPr algn="ctr" rtl="0" fontAlgn="ctr"/>
+                      <a:endParaRPr lang="it-IT" sz="1100" b="0" dirty="0">
+                        <a:effectLst/>
+                        <a:latin typeface="Arial" panose="020B0604020202020204" pitchFamily="34" charset="0"/>
+                      </a:endParaRPr>
+                    </a:p>
+                  </a:txBody>
+                  <a:tcPr marL="27893" marR="27893" marT="18595" marB="18595" anchor="ctr">
+                    <a:lnL w="9525" cap="flat" cmpd="sng" algn="ctr">
+                      <a:solidFill>
+                        <a:srgbClr val="CCCCCC"/>
+                      </a:solidFill>
+                      <a:prstDash val="solid"/>
+                      <a:round/>
+                      <a:headEnd type="none" w="med" len="med"/>
+                      <a:tailEnd type="none" w="med" len="med"/>
+                    </a:lnL>
+                    <a:lnR w="9525" cap="flat" cmpd="sng" algn="ctr">
+                      <a:solidFill>
+                        <a:srgbClr val="CCCCCC"/>
+                      </a:solidFill>
+                      <a:prstDash val="solid"/>
+                      <a:round/>
+                      <a:headEnd type="none" w="med" len="med"/>
+                      <a:tailEnd type="none" w="med" len="med"/>
+                    </a:lnR>
+                    <a:lnT w="9525" cap="flat" cmpd="sng" algn="ctr">
+                      <a:solidFill>
+                        <a:srgbClr val="CCCCCC"/>
+                      </a:solidFill>
+                      <a:prstDash val="solid"/>
+                      <a:round/>
+                      <a:headEnd type="none" w="med" len="med"/>
+                      <a:tailEnd type="none" w="med" len="med"/>
+                    </a:lnT>
+                    <a:lnB w="9525" cap="flat" cmpd="sng" algn="ctr">
+                      <a:solidFill>
+                        <a:srgbClr val="CCCCCC"/>
+                      </a:solidFill>
+                      <a:prstDash val="solid"/>
+                      <a:round/>
+                      <a:headEnd type="none" w="med" len="med"/>
+                      <a:tailEnd type="none" w="med" len="med"/>
+                    </a:lnB>
+                    <a:solidFill>
+                      <a:srgbClr val="D7C3B0"/>
+                    </a:solidFill>
+                  </a:tcPr>
+                </a:tc>
+                <a:tc>
+                  <a:txBody>
+                    <a:bodyPr/>
+                    <a:lstStyle/>
+                    <a:p>
+                      <a:pPr rtl="0" fontAlgn="b"/>
+                      <a:r>
+                        <a:rPr lang="it-IT" sz="1100" b="0" i="1" strike="noStrike" dirty="0">
+                          <a:effectLst/>
+                          <a:latin typeface="Arial" panose="020B0604020202020204" pitchFamily="34" charset="0"/>
+                        </a:rPr>
+                        <a:t>Integrare soluzioni MT nel progetto</a:t>
+                      </a:r>
+                    </a:p>
+                  </a:txBody>
+                  <a:tcPr marL="27893" marR="27893" marT="18595" marB="18595" anchor="b">
+                    <a:lnL w="9525" cap="flat" cmpd="sng" algn="ctr">
+                      <a:solidFill>
+                        <a:srgbClr val="CCCCCC"/>
+                      </a:solidFill>
+                      <a:prstDash val="solid"/>
+                      <a:round/>
+                      <a:headEnd type="none" w="med" len="med"/>
+                      <a:tailEnd type="none" w="med" len="med"/>
+                    </a:lnL>
+                    <a:lnR w="9525" cap="flat" cmpd="sng" algn="ctr">
+                      <a:solidFill>
+                        <a:srgbClr val="CCCCCC"/>
+                      </a:solidFill>
+                      <a:prstDash val="solid"/>
+                      <a:round/>
+                      <a:headEnd type="none" w="med" len="med"/>
+                      <a:tailEnd type="none" w="med" len="med"/>
+                    </a:lnR>
+                    <a:lnT w="9525" cap="flat" cmpd="sng" algn="ctr">
+                      <a:solidFill>
+                        <a:srgbClr val="CCCCCC"/>
+                      </a:solidFill>
+                      <a:prstDash val="solid"/>
+                      <a:round/>
+                      <a:headEnd type="none" w="med" len="med"/>
+                      <a:tailEnd type="none" w="med" len="med"/>
+                    </a:lnT>
+                    <a:lnB w="9525" cap="flat" cmpd="sng" algn="ctr">
+                      <a:solidFill>
+                        <a:srgbClr val="CCCCCC"/>
+                      </a:solidFill>
+                      <a:prstDash val="solid"/>
+                      <a:round/>
+                      <a:headEnd type="none" w="med" len="med"/>
+                      <a:tailEnd type="none" w="med" len="med"/>
+                    </a:lnB>
+                    <a:noFill/>
+                  </a:tcPr>
+                </a:tc>
+                <a:extLst>
+                  <a:ext uri="{0D108BD9-81ED-4DB2-BD59-A6C34878D82A}">
+                    <a16:rowId xmlns:a16="http://schemas.microsoft.com/office/drawing/2014/main" val="1927996049"/>
+                  </a:ext>
+                </a:extLst>
+              </a:tr>
+              <a:tr h="200828">
+                <a:tc>
+                  <a:txBody>
+                    <a:bodyPr/>
+                    <a:lstStyle/>
+                    <a:p>
+                      <a:pPr algn="ctr" rtl="0" fontAlgn="ctr"/>
+                      <a:r>
+                        <a:rPr lang="it-IT" sz="1100" b="0" noProof="0" dirty="0">
+                          <a:effectLst/>
+                          <a:latin typeface="Arial" panose="020B0604020202020204" pitchFamily="34" charset="0"/>
+                        </a:rPr>
+                        <a:t>✅</a:t>
+                      </a:r>
+                      <a:endParaRPr lang="it-IT" sz="1100" b="0" dirty="0">
+                        <a:solidFill>
+                          <a:srgbClr val="6AA84F"/>
+                        </a:solidFill>
+                        <a:effectLst/>
+                        <a:latin typeface="Arial" panose="020B0604020202020204" pitchFamily="34" charset="0"/>
+                      </a:endParaRPr>
+                    </a:p>
+                  </a:txBody>
+                  <a:tcPr marL="27893" marR="27893" marT="18595" marB="18595" anchor="ctr">
+                    <a:lnL w="9525" cap="flat" cmpd="sng" algn="ctr">
+                      <a:solidFill>
+                        <a:srgbClr val="CCCCCC"/>
+                      </a:solidFill>
+                      <a:prstDash val="solid"/>
+                      <a:round/>
+                      <a:headEnd type="none" w="med" len="med"/>
+                      <a:tailEnd type="none" w="med" len="med"/>
+                    </a:lnL>
+                    <a:lnR w="9525" cap="flat" cmpd="sng" algn="ctr">
+                      <a:solidFill>
+                        <a:srgbClr val="CCCCCC"/>
+                      </a:solidFill>
+                      <a:prstDash val="solid"/>
+                      <a:round/>
+                      <a:headEnd type="none" w="med" len="med"/>
+                      <a:tailEnd type="none" w="med" len="med"/>
+                    </a:lnR>
+                    <a:lnT w="9525" cap="flat" cmpd="sng" algn="ctr">
+                      <a:solidFill>
+                        <a:srgbClr val="CCCCCC"/>
+                      </a:solidFill>
+                      <a:prstDash val="solid"/>
+                      <a:round/>
+                      <a:headEnd type="none" w="med" len="med"/>
+                      <a:tailEnd type="none" w="med" len="med"/>
+                    </a:lnT>
+                    <a:lnB w="9525" cap="flat" cmpd="sng" algn="ctr">
+                      <a:solidFill>
+                        <a:srgbClr val="CCCCCC"/>
+                      </a:solidFill>
+                      <a:prstDash val="solid"/>
+                      <a:round/>
+                      <a:headEnd type="none" w="med" len="med"/>
+                      <a:tailEnd type="none" w="med" len="med"/>
+                    </a:lnB>
+                    <a:noFill/>
+                  </a:tcPr>
+                </a:tc>
+                <a:tc>
+                  <a:txBody>
+                    <a:bodyPr/>
+                    <a:lstStyle/>
+                    <a:p>
+                      <a:pPr algn="ctr" rtl="0" fontAlgn="ctr"/>
+                      <a:r>
+                        <a:rPr lang="it-IT" sz="1100" b="0" dirty="0">
+                          <a:effectLst/>
+                          <a:latin typeface="Arial" panose="020B0604020202020204" pitchFamily="34" charset="0"/>
+                        </a:rPr>
+                        <a:t>5</a:t>
+                      </a:r>
+                    </a:p>
+                  </a:txBody>
+                  <a:tcPr marL="27893" marR="27893" marT="18595" marB="18595" anchor="ctr">
+                    <a:lnL w="9525" cap="flat" cmpd="sng" algn="ctr">
+                      <a:solidFill>
+                        <a:srgbClr val="CCCCCC"/>
+                      </a:solidFill>
+                      <a:prstDash val="solid"/>
+                      <a:round/>
+                      <a:headEnd type="none" w="med" len="med"/>
+                      <a:tailEnd type="none" w="med" len="med"/>
+                    </a:lnL>
+                    <a:lnR w="9525" cap="flat" cmpd="sng" algn="ctr">
+                      <a:solidFill>
+                        <a:srgbClr val="CCCCCC"/>
+                      </a:solidFill>
+                      <a:prstDash val="solid"/>
+                      <a:round/>
+                      <a:headEnd type="none" w="med" len="med"/>
+                      <a:tailEnd type="none" w="med" len="med"/>
+                    </a:lnR>
+                    <a:lnT w="9525" cap="flat" cmpd="sng" algn="ctr">
+                      <a:solidFill>
+                        <a:srgbClr val="CCCCCC"/>
+                      </a:solidFill>
+                      <a:prstDash val="solid"/>
+                      <a:round/>
+                      <a:headEnd type="none" w="med" len="med"/>
+                      <a:tailEnd type="none" w="med" len="med"/>
+                    </a:lnT>
+                    <a:lnB w="9525" cap="flat" cmpd="sng" algn="ctr">
+                      <a:solidFill>
+                        <a:srgbClr val="CCCCCC"/>
+                      </a:solidFill>
+                      <a:prstDash val="solid"/>
+                      <a:round/>
+                      <a:headEnd type="none" w="med" len="med"/>
+                      <a:tailEnd type="none" w="med" len="med"/>
+                    </a:lnB>
+                    <a:solidFill>
+                      <a:srgbClr val="D59C8D"/>
+                    </a:solidFill>
+                  </a:tcPr>
+                </a:tc>
+                <a:tc>
+                  <a:txBody>
+                    <a:bodyPr/>
+                    <a:lstStyle/>
+                    <a:p>
+                      <a:pPr rtl="0" fontAlgn="b"/>
+                      <a:r>
+                        <a:rPr lang="it-IT" sz="1100" b="0" i="1" strike="noStrike" dirty="0">
+                          <a:effectLst/>
+                          <a:latin typeface="Arial" panose="020B0604020202020204" pitchFamily="34" charset="0"/>
+                        </a:rPr>
+                        <a:t>Aggiungere la possibilità di creare turni ad un servizio medico</a:t>
+                      </a:r>
+                    </a:p>
+                  </a:txBody>
+                  <a:tcPr marL="27893" marR="27893" marT="18595" marB="18595" anchor="b">
+                    <a:lnL w="9525" cap="flat" cmpd="sng" algn="ctr">
+                      <a:solidFill>
+                        <a:srgbClr val="CCCCCC"/>
+                      </a:solidFill>
+                      <a:prstDash val="solid"/>
+                      <a:round/>
+                      <a:headEnd type="none" w="med" len="med"/>
+                      <a:tailEnd type="none" w="med" len="med"/>
+                    </a:lnL>
+                    <a:lnR w="9525" cap="flat" cmpd="sng" algn="ctr">
+                      <a:solidFill>
+                        <a:srgbClr val="CCCCCC"/>
+                      </a:solidFill>
+                      <a:prstDash val="solid"/>
+                      <a:round/>
+                      <a:headEnd type="none" w="med" len="med"/>
+                      <a:tailEnd type="none" w="med" len="med"/>
+                    </a:lnR>
+                    <a:lnT w="9525" cap="flat" cmpd="sng" algn="ctr">
+                      <a:solidFill>
+                        <a:srgbClr val="CCCCCC"/>
+                      </a:solidFill>
+                      <a:prstDash val="solid"/>
+                      <a:round/>
+                      <a:headEnd type="none" w="med" len="med"/>
+                      <a:tailEnd type="none" w="med" len="med"/>
+                    </a:lnT>
+                    <a:lnB w="9525" cap="flat" cmpd="sng" algn="ctr">
+                      <a:solidFill>
+                        <a:srgbClr val="CCCCCC"/>
+                      </a:solidFill>
+                      <a:prstDash val="solid"/>
+                      <a:round/>
+                      <a:headEnd type="none" w="med" len="med"/>
+                      <a:tailEnd type="none" w="med" len="med"/>
+                    </a:lnB>
+                    <a:noFill/>
+                  </a:tcPr>
+                </a:tc>
+                <a:extLst>
+                  <a:ext uri="{0D108BD9-81ED-4DB2-BD59-A6C34878D82A}">
+                    <a16:rowId xmlns:a16="http://schemas.microsoft.com/office/drawing/2014/main" val="1549288823"/>
+                  </a:ext>
+                </a:extLst>
+              </a:tr>
+            </a:tbl>
+          </a:graphicData>
+        </a:graphic>
+      </p:graphicFrame>
+      <p:graphicFrame>
+        <p:nvGraphicFramePr>
+          <p:cNvPr id="14" name="Table 13">
+            <a:extLst>
+              <a:ext uri="{FF2B5EF4-FFF2-40B4-BE49-F238E27FC236}">
+                <a16:creationId xmlns:a16="http://schemas.microsoft.com/office/drawing/2014/main" id="{E11ED488-6060-7B56-DDDF-E1545D79C8A4}"/>
+              </a:ext>
+            </a:extLst>
+          </p:cNvPr>
+          <p:cNvGraphicFramePr>
+            <a:graphicFrameLocks noGrp="1"/>
+          </p:cNvGraphicFramePr>
+          <p:nvPr/>
+        </p:nvGraphicFramePr>
+        <p:xfrm>
+          <a:off x="2696044" y="4212559"/>
+          <a:ext cx="2541410" cy="892068"/>
+        </p:xfrm>
+        <a:graphic>
+          <a:graphicData uri="http://schemas.openxmlformats.org/drawingml/2006/table">
+            <a:tbl>
+              <a:tblPr/>
+              <a:tblGrid>
+                <a:gridCol w="1268402">
+                  <a:extLst>
+                    <a:ext uri="{9D8B030D-6E8A-4147-A177-3AD203B41FA5}">
+                      <a16:colId xmlns:a16="http://schemas.microsoft.com/office/drawing/2014/main" val="3020216521"/>
+                    </a:ext>
+                  </a:extLst>
+                </a:gridCol>
+                <a:gridCol w="1273008">
+                  <a:extLst>
+                    <a:ext uri="{9D8B030D-6E8A-4147-A177-3AD203B41FA5}">
+                      <a16:colId xmlns:a16="http://schemas.microsoft.com/office/drawing/2014/main" val="2583043952"/>
+                    </a:ext>
+                  </a:extLst>
+                </a:gridCol>
+              </a:tblGrid>
+              <a:tr h="446034">
+                <a:tc>
+                  <a:txBody>
+                    <a:bodyPr/>
+                    <a:lstStyle/>
+                    <a:p>
+                      <a:pPr algn="ctr" rtl="0" fontAlgn="ctr"/>
+                      <a:r>
+                        <a:rPr lang="it-IT" sz="1400" b="1" dirty="0">
+                          <a:effectLst/>
+                        </a:rPr>
+                        <a:t>INIZIO:</a:t>
+                      </a:r>
+                    </a:p>
+                  </a:txBody>
+                  <a:tcPr marL="28575" marR="28575" marT="19050" marB="19050" anchor="ctr">
+                    <a:lnL w="9525" cap="flat" cmpd="sng" algn="ctr">
+                      <a:solidFill>
+                        <a:srgbClr val="CCCCCC"/>
+                      </a:solidFill>
+                      <a:prstDash val="solid"/>
+                      <a:round/>
+                      <a:headEnd type="none" w="med" len="med"/>
+                      <a:tailEnd type="none" w="med" len="med"/>
+                    </a:lnL>
+                    <a:lnR w="9525" cap="flat" cmpd="sng" algn="ctr">
+                      <a:solidFill>
+                        <a:srgbClr val="CCCCCC"/>
+                      </a:solidFill>
+                      <a:prstDash val="solid"/>
+                      <a:round/>
+                      <a:headEnd type="none" w="med" len="med"/>
+                      <a:tailEnd type="none" w="med" len="med"/>
+                    </a:lnR>
+                    <a:lnT w="9525" cap="flat" cmpd="sng" algn="ctr">
+                      <a:solidFill>
+                        <a:srgbClr val="CCCCCC"/>
+                      </a:solidFill>
+                      <a:prstDash val="solid"/>
+                      <a:round/>
+                      <a:headEnd type="none" w="med" len="med"/>
+                      <a:tailEnd type="none" w="med" len="med"/>
+                    </a:lnT>
+                    <a:lnB w="9525" cap="flat" cmpd="sng" algn="ctr">
+                      <a:solidFill>
+                        <a:srgbClr val="CCCCCC"/>
+                      </a:solidFill>
+                      <a:prstDash val="solid"/>
+                      <a:round/>
+                      <a:headEnd type="none" w="med" len="med"/>
+                      <a:tailEnd type="none" w="med" len="med"/>
+                    </a:lnB>
+                    <a:solidFill>
+                      <a:srgbClr val="FFF2CC"/>
+                    </a:solidFill>
+                  </a:tcPr>
+                </a:tc>
+                <a:tc>
+                  <a:txBody>
+                    <a:bodyPr/>
+                    <a:lstStyle/>
+                    <a:p>
+                      <a:pPr algn="ctr" rtl="0" fontAlgn="ctr"/>
+                      <a:r>
+                        <a:rPr lang="it-IT" sz="1800" b="1" dirty="0">
+                          <a:solidFill>
+                            <a:srgbClr val="FF9900"/>
+                          </a:solidFill>
+                          <a:effectLst/>
+                        </a:rPr>
+                        <a:t>30/12/24</a:t>
+                      </a:r>
+                    </a:p>
+                  </a:txBody>
+                  <a:tcPr marL="28575" marR="28575" marT="19050" marB="19050" anchor="ctr">
+                    <a:lnL w="9525" cap="flat" cmpd="sng" algn="ctr">
+                      <a:solidFill>
+                        <a:srgbClr val="CCCCCC"/>
+                      </a:solidFill>
+                      <a:prstDash val="solid"/>
+                      <a:round/>
+                      <a:headEnd type="none" w="med" len="med"/>
+                      <a:tailEnd type="none" w="med" len="med"/>
+                    </a:lnL>
+                    <a:lnR w="9525" cap="flat" cmpd="sng" algn="ctr">
+                      <a:solidFill>
+                        <a:srgbClr val="CCCCCC"/>
+                      </a:solidFill>
+                      <a:prstDash val="solid"/>
+                      <a:round/>
+                      <a:headEnd type="none" w="med" len="med"/>
+                      <a:tailEnd type="none" w="med" len="med"/>
+                    </a:lnR>
+                    <a:lnT w="9525" cap="flat" cmpd="sng" algn="ctr">
+                      <a:solidFill>
+                        <a:srgbClr val="CCCCCC"/>
+                      </a:solidFill>
+                      <a:prstDash val="solid"/>
+                      <a:round/>
+                      <a:headEnd type="none" w="med" len="med"/>
+                      <a:tailEnd type="none" w="med" len="med"/>
+                    </a:lnT>
+                    <a:lnB w="9525" cap="flat" cmpd="sng" algn="ctr">
+                      <a:solidFill>
+                        <a:srgbClr val="CCCCCC"/>
+                      </a:solidFill>
+                      <a:prstDash val="solid"/>
+                      <a:round/>
+                      <a:headEnd type="none" w="med" len="med"/>
+                      <a:tailEnd type="none" w="med" len="med"/>
+                    </a:lnB>
+                    <a:solidFill>
+                      <a:srgbClr val="FFF2CC"/>
+                    </a:solidFill>
+                  </a:tcPr>
+                </a:tc>
+                <a:extLst>
+                  <a:ext uri="{0D108BD9-81ED-4DB2-BD59-A6C34878D82A}">
+                    <a16:rowId xmlns:a16="http://schemas.microsoft.com/office/drawing/2014/main" val="3470158487"/>
+                  </a:ext>
+                </a:extLst>
+              </a:tr>
+              <a:tr h="446034">
+                <a:tc>
+                  <a:txBody>
+                    <a:bodyPr/>
+                    <a:lstStyle/>
+                    <a:p>
+                      <a:pPr algn="ctr" rtl="0" fontAlgn="ctr"/>
+                      <a:r>
+                        <a:rPr lang="it-IT" sz="1400" b="1" dirty="0">
+                          <a:effectLst/>
+                        </a:rPr>
+                        <a:t>FINE:</a:t>
+                      </a:r>
+                    </a:p>
+                  </a:txBody>
+                  <a:tcPr marL="28575" marR="28575" marT="19050" marB="19050" anchor="ctr">
+                    <a:lnL w="9525" cap="flat" cmpd="sng" algn="ctr">
+                      <a:solidFill>
+                        <a:srgbClr val="CCCCCC"/>
+                      </a:solidFill>
+                      <a:prstDash val="solid"/>
+                      <a:round/>
+                      <a:headEnd type="none" w="med" len="med"/>
+                      <a:tailEnd type="none" w="med" len="med"/>
+                    </a:lnL>
+                    <a:lnR w="9525" cap="flat" cmpd="sng" algn="ctr">
+                      <a:solidFill>
+                        <a:srgbClr val="CCCCCC"/>
+                      </a:solidFill>
+                      <a:prstDash val="solid"/>
+                      <a:round/>
+                      <a:headEnd type="none" w="med" len="med"/>
+                      <a:tailEnd type="none" w="med" len="med"/>
+                    </a:lnR>
+                    <a:lnT w="9525" cap="flat" cmpd="sng" algn="ctr">
+                      <a:solidFill>
+                        <a:srgbClr val="CCCCCC"/>
+                      </a:solidFill>
+                      <a:prstDash val="solid"/>
+                      <a:round/>
+                      <a:headEnd type="none" w="med" len="med"/>
+                      <a:tailEnd type="none" w="med" len="med"/>
+                    </a:lnT>
+                    <a:lnB w="9525" cap="flat" cmpd="sng" algn="ctr">
+                      <a:solidFill>
+                        <a:srgbClr val="CCCCCC"/>
+                      </a:solidFill>
+                      <a:prstDash val="solid"/>
+                      <a:round/>
+                      <a:headEnd type="none" w="med" len="med"/>
+                      <a:tailEnd type="none" w="med" len="med"/>
+                    </a:lnB>
+                    <a:solidFill>
+                      <a:srgbClr val="FFF2CC"/>
+                    </a:solidFill>
+                  </a:tcPr>
+                </a:tc>
+                <a:tc>
+                  <a:txBody>
+                    <a:bodyPr/>
+                    <a:lstStyle/>
+                    <a:p>
+                      <a:pPr algn="ctr" rtl="0" fontAlgn="ctr"/>
+                      <a:r>
+                        <a:rPr lang="it-IT" sz="1800" b="1" dirty="0">
+                          <a:solidFill>
+                            <a:srgbClr val="FF9900"/>
+                          </a:solidFill>
+                          <a:effectLst/>
+                        </a:rPr>
+                        <a:t>13/1/25</a:t>
+                      </a:r>
+                    </a:p>
+                  </a:txBody>
+                  <a:tcPr marL="28575" marR="28575" marT="19050" marB="19050" anchor="ctr">
+                    <a:lnL w="9525" cap="flat" cmpd="sng" algn="ctr">
+                      <a:solidFill>
+                        <a:srgbClr val="CCCCCC"/>
+                      </a:solidFill>
+                      <a:prstDash val="solid"/>
+                      <a:round/>
+                      <a:headEnd type="none" w="med" len="med"/>
+                      <a:tailEnd type="none" w="med" len="med"/>
+                    </a:lnL>
+                    <a:lnR w="9525" cap="flat" cmpd="sng" algn="ctr">
+                      <a:solidFill>
+                        <a:srgbClr val="CCCCCC"/>
+                      </a:solidFill>
+                      <a:prstDash val="solid"/>
+                      <a:round/>
+                      <a:headEnd type="none" w="med" len="med"/>
+                      <a:tailEnd type="none" w="med" len="med"/>
+                    </a:lnR>
+                    <a:lnT w="9525" cap="flat" cmpd="sng" algn="ctr">
+                      <a:solidFill>
+                        <a:srgbClr val="CCCCCC"/>
+                      </a:solidFill>
+                      <a:prstDash val="solid"/>
+                      <a:round/>
+                      <a:headEnd type="none" w="med" len="med"/>
+                      <a:tailEnd type="none" w="med" len="med"/>
+                    </a:lnT>
+                    <a:lnB w="9525" cap="flat" cmpd="sng" algn="ctr">
+                      <a:solidFill>
+                        <a:srgbClr val="CCCCCC"/>
+                      </a:solidFill>
+                      <a:prstDash val="solid"/>
+                      <a:round/>
+                      <a:headEnd type="none" w="med" len="med"/>
+                      <a:tailEnd type="none" w="med" len="med"/>
+                    </a:lnB>
+                    <a:solidFill>
+                      <a:srgbClr val="FFF2CC"/>
+                    </a:solidFill>
+                  </a:tcPr>
+                </a:tc>
+                <a:extLst>
+                  <a:ext uri="{0D108BD9-81ED-4DB2-BD59-A6C34878D82A}">
+                    <a16:rowId xmlns:a16="http://schemas.microsoft.com/office/drawing/2014/main" val="3577758038"/>
+                  </a:ext>
+                </a:extLst>
+              </a:tr>
+            </a:tbl>
+          </a:graphicData>
+        </a:graphic>
+      </p:graphicFrame>
+      <p:sp>
+        <p:nvSpPr>
+          <p:cNvPr id="3" name="CasellaDiTesto 2">
+            <a:extLst>
+              <a:ext uri="{FF2B5EF4-FFF2-40B4-BE49-F238E27FC236}">
+                <a16:creationId xmlns:a16="http://schemas.microsoft.com/office/drawing/2014/main" id="{8E724B7D-D24A-7E78-8C05-3A97A43C1472}"/>
+              </a:ext>
+            </a:extLst>
+          </p:cNvPr>
+          <p:cNvSpPr txBox="1"/>
+          <p:nvPr/>
+        </p:nvSpPr>
+        <p:spPr>
+          <a:xfrm rot="20045974">
+            <a:off x="303705" y="2886327"/>
+            <a:ext cx="8315088" cy="1107996"/>
+          </a:xfrm>
+          <a:prstGeom prst="rect">
+            <a:avLst/>
+          </a:prstGeom>
+          <a:noFill/>
+        </p:spPr>
+        <p:txBody>
+          <a:bodyPr wrap="square" rtlCol="0">
+            <a:spAutoFit/>
+          </a:bodyPr>
+          <a:lstStyle/>
+          <a:p>
+            <a:pPr algn="ctr"/>
+            <a:r>
+              <a:rPr lang="it-IT" sz="6600" dirty="0">
+                <a:solidFill>
+                  <a:srgbClr val="FF0000"/>
+                </a:solidFill>
+              </a:rPr>
+              <a:t>CAMBIAREEEEEEEE</a:t>
+            </a:r>
+            <a:endParaRPr lang="it-IT" sz="6600" noProof="0" dirty="0">
+              <a:solidFill>
+                <a:srgbClr val="FF0000"/>
+              </a:solidFill>
+            </a:endParaRPr>
+          </a:p>
+        </p:txBody>
+      </p:sp>
+    </p:spTree>
+    <p:extLst>
+      <p:ext uri="{BB962C8B-B14F-4D97-AF65-F5344CB8AC3E}">
+        <p14:creationId xmlns:p14="http://schemas.microsoft.com/office/powerpoint/2010/main" val="1949581633"/>
       </p:ext>
     </p:extLst>
   </p:cSld>
@@ -11556,2255 +13185,6 @@
         <p:cNvPr id="1" name="">
           <a:extLst>
             <a:ext uri="{FF2B5EF4-FFF2-40B4-BE49-F238E27FC236}">
-              <a16:creationId xmlns:a16="http://schemas.microsoft.com/office/drawing/2014/main" id="{19E9BBD6-4163-1124-8129-965A760AE389}"/>
-            </a:ext>
-          </a:extLst>
-        </p:cNvPr>
-        <p:cNvGrpSpPr/>
-        <p:nvPr/>
-      </p:nvGrpSpPr>
-      <p:grpSpPr>
-        <a:xfrm>
-          <a:off x="0" y="0"/>
-          <a:ext cx="0" cy="0"/>
-          <a:chOff x="0" y="0"/>
-          <a:chExt cx="0" cy="0"/>
-        </a:xfrm>
-      </p:grpSpPr>
-      <p:sp>
-        <p:nvSpPr>
-          <p:cNvPr id="2" name="Titolo 1">
-            <a:extLst>
-              <a:ext uri="{FF2B5EF4-FFF2-40B4-BE49-F238E27FC236}">
-                <a16:creationId xmlns:a16="http://schemas.microsoft.com/office/drawing/2014/main" id="{B6974E5C-17BD-B136-F378-98BF78959AF8}"/>
-              </a:ext>
-            </a:extLst>
-          </p:cNvPr>
-          <p:cNvSpPr>
-            <a:spLocks noGrp="1"/>
-          </p:cNvSpPr>
-          <p:nvPr>
-            <p:ph type="title"/>
-          </p:nvPr>
-        </p:nvSpPr>
-        <p:spPr>
-          <a:xfrm>
-            <a:off x="639724" y="472780"/>
-            <a:ext cx="7444563" cy="653143"/>
-          </a:xfrm>
-        </p:spPr>
-        <p:txBody>
-          <a:bodyPr>
-            <a:normAutofit/>
-          </a:bodyPr>
-          <a:lstStyle/>
-          <a:p>
-            <a:r>
-              <a:rPr lang="it-IT" sz="4000" dirty="0">
-                <a:solidFill>
-                  <a:schemeClr val="tx2">
-                    <a:lumMod val="90000"/>
-                    <a:lumOff val="10000"/>
-                  </a:schemeClr>
-                </a:solidFill>
-              </a:rPr>
-              <a:t>RECAP</a:t>
-            </a:r>
-            <a:endParaRPr lang="it-IT" sz="4000" noProof="0" dirty="0">
-              <a:solidFill>
-                <a:schemeClr val="tx2">
-                  <a:lumMod val="90000"/>
-                  <a:lumOff val="10000"/>
-                </a:schemeClr>
-              </a:solidFill>
-            </a:endParaRPr>
-          </a:p>
-        </p:txBody>
-      </p:sp>
-      <p:sp>
-        <p:nvSpPr>
-          <p:cNvPr id="4" name="Rettangolo 3">
-            <a:extLst>
-              <a:ext uri="{FF2B5EF4-FFF2-40B4-BE49-F238E27FC236}">
-                <a16:creationId xmlns:a16="http://schemas.microsoft.com/office/drawing/2014/main" id="{16165F18-00FC-12D1-A152-A3C72962C256}"/>
-              </a:ext>
-            </a:extLst>
-          </p:cNvPr>
-          <p:cNvSpPr/>
-          <p:nvPr/>
-        </p:nvSpPr>
-        <p:spPr>
-          <a:xfrm>
-            <a:off x="0" y="472781"/>
-            <a:ext cx="190243" cy="653143"/>
-          </a:xfrm>
-          <a:prstGeom prst="rect">
-            <a:avLst/>
-          </a:prstGeom>
-          <a:solidFill>
-            <a:schemeClr val="tx2">
-              <a:lumMod val="90000"/>
-              <a:lumOff val="10000"/>
-            </a:schemeClr>
-          </a:solidFill>
-          <a:ln>
-            <a:solidFill>
-              <a:schemeClr val="tx2">
-                <a:lumMod val="90000"/>
-                <a:lumOff val="10000"/>
-              </a:schemeClr>
-            </a:solidFill>
-          </a:ln>
-        </p:spPr>
-        <p:style>
-          <a:lnRef idx="2">
-            <a:schemeClr val="accent1">
-              <a:shade val="15000"/>
-            </a:schemeClr>
-          </a:lnRef>
-          <a:fillRef idx="1">
-            <a:schemeClr val="accent1"/>
-          </a:fillRef>
-          <a:effectRef idx="0">
-            <a:schemeClr val="accent1"/>
-          </a:effectRef>
-          <a:fontRef idx="minor">
-            <a:schemeClr val="lt1"/>
-          </a:fontRef>
-        </p:style>
-        <p:txBody>
-          <a:bodyPr rtlCol="0" anchor="ctr"/>
-          <a:lstStyle/>
-          <a:p>
-            <a:pPr algn="ctr"/>
-            <a:endParaRPr lang="it-IT" noProof="0" dirty="0"/>
-          </a:p>
-        </p:txBody>
-      </p:sp>
-      <p:sp>
-        <p:nvSpPr>
-          <p:cNvPr id="5" name="Rettangolo 4">
-            <a:extLst>
-              <a:ext uri="{FF2B5EF4-FFF2-40B4-BE49-F238E27FC236}">
-                <a16:creationId xmlns:a16="http://schemas.microsoft.com/office/drawing/2014/main" id="{01D5C20A-F83E-EAC3-E580-281DC743F7D5}"/>
-              </a:ext>
-            </a:extLst>
-          </p:cNvPr>
-          <p:cNvSpPr/>
-          <p:nvPr/>
-        </p:nvSpPr>
-        <p:spPr>
-          <a:xfrm>
-            <a:off x="289539" y="472780"/>
-            <a:ext cx="139359" cy="653143"/>
-          </a:xfrm>
-          <a:prstGeom prst="rect">
-            <a:avLst/>
-          </a:prstGeom>
-          <a:solidFill>
-            <a:schemeClr val="tx2">
-              <a:lumMod val="90000"/>
-              <a:lumOff val="10000"/>
-            </a:schemeClr>
-          </a:solidFill>
-          <a:ln>
-            <a:solidFill>
-              <a:schemeClr val="tx2">
-                <a:lumMod val="90000"/>
-                <a:lumOff val="10000"/>
-              </a:schemeClr>
-            </a:solidFill>
-          </a:ln>
-        </p:spPr>
-        <p:style>
-          <a:lnRef idx="2">
-            <a:schemeClr val="accent1">
-              <a:shade val="15000"/>
-            </a:schemeClr>
-          </a:lnRef>
-          <a:fillRef idx="1">
-            <a:schemeClr val="accent1"/>
-          </a:fillRef>
-          <a:effectRef idx="0">
-            <a:schemeClr val="accent1"/>
-          </a:effectRef>
-          <a:fontRef idx="minor">
-            <a:schemeClr val="lt1"/>
-          </a:fontRef>
-        </p:style>
-        <p:txBody>
-          <a:bodyPr rtlCol="0" anchor="ctr"/>
-          <a:lstStyle/>
-          <a:p>
-            <a:pPr algn="ctr"/>
-            <a:endParaRPr lang="it-IT" noProof="0" dirty="0"/>
-          </a:p>
-        </p:txBody>
-      </p:sp>
-      <p:sp>
-        <p:nvSpPr>
-          <p:cNvPr id="11" name="Rettangolo 10">
-            <a:extLst>
-              <a:ext uri="{FF2B5EF4-FFF2-40B4-BE49-F238E27FC236}">
-                <a16:creationId xmlns:a16="http://schemas.microsoft.com/office/drawing/2014/main" id="{6E491ADF-5611-CF4F-55A3-45AB1DC7E7A6}"/>
-              </a:ext>
-            </a:extLst>
-          </p:cNvPr>
-          <p:cNvSpPr/>
-          <p:nvPr/>
-        </p:nvSpPr>
-        <p:spPr>
-          <a:xfrm>
-            <a:off x="10008781" y="0"/>
-            <a:ext cx="2183219" cy="6858000"/>
-          </a:xfrm>
-          <a:prstGeom prst="rect">
-            <a:avLst/>
-          </a:prstGeom>
-          <a:solidFill>
-            <a:schemeClr val="tx2">
-              <a:lumMod val="90000"/>
-              <a:lumOff val="10000"/>
-            </a:schemeClr>
-          </a:solidFill>
-          <a:ln>
-            <a:solidFill>
-              <a:srgbClr val="163E64"/>
-            </a:solidFill>
-          </a:ln>
-        </p:spPr>
-        <p:style>
-          <a:lnRef idx="2">
-            <a:schemeClr val="accent1">
-              <a:shade val="15000"/>
-            </a:schemeClr>
-          </a:lnRef>
-          <a:fillRef idx="1">
-            <a:schemeClr val="accent1"/>
-          </a:fillRef>
-          <a:effectRef idx="0">
-            <a:schemeClr val="accent1"/>
-          </a:effectRef>
-          <a:fontRef idx="minor">
-            <a:schemeClr val="lt1"/>
-          </a:fontRef>
-        </p:style>
-        <p:txBody>
-          <a:bodyPr rtlCol="0" anchor="ctr"/>
-          <a:lstStyle/>
-          <a:p>
-            <a:pPr algn="ctr"/>
-            <a:endParaRPr lang="it-IT" noProof="0" dirty="0"/>
-          </a:p>
-        </p:txBody>
-      </p:sp>
-      <p:cxnSp>
-        <p:nvCxnSpPr>
-          <p:cNvPr id="8" name="Connettore diritto 7">
-            <a:extLst>
-              <a:ext uri="{FF2B5EF4-FFF2-40B4-BE49-F238E27FC236}">
-                <a16:creationId xmlns:a16="http://schemas.microsoft.com/office/drawing/2014/main" id="{CEE419B7-AF1F-47E2-1411-8D030724670C}"/>
-              </a:ext>
-            </a:extLst>
-          </p:cNvPr>
-          <p:cNvCxnSpPr>
-            <a:cxnSpLocks/>
-          </p:cNvCxnSpPr>
-          <p:nvPr/>
-        </p:nvCxnSpPr>
-        <p:spPr>
-          <a:xfrm>
-            <a:off x="639725" y="1351691"/>
-            <a:ext cx="6654057" cy="0"/>
-          </a:xfrm>
-          <a:prstGeom prst="line">
-            <a:avLst/>
-          </a:prstGeom>
-          <a:ln>
-            <a:solidFill>
-              <a:schemeClr val="tx2">
-                <a:lumMod val="90000"/>
-                <a:lumOff val="10000"/>
-              </a:schemeClr>
-            </a:solidFill>
-          </a:ln>
-        </p:spPr>
-        <p:style>
-          <a:lnRef idx="2">
-            <a:schemeClr val="accent1"/>
-          </a:lnRef>
-          <a:fillRef idx="0">
-            <a:schemeClr val="accent1"/>
-          </a:fillRef>
-          <a:effectRef idx="1">
-            <a:schemeClr val="accent1"/>
-          </a:effectRef>
-          <a:fontRef idx="minor">
-            <a:schemeClr val="tx1"/>
-          </a:fontRef>
-        </p:style>
-      </p:cxnSp>
-      <p:sp>
-        <p:nvSpPr>
-          <p:cNvPr id="6" name="TextBox 5">
-            <a:extLst>
-              <a:ext uri="{FF2B5EF4-FFF2-40B4-BE49-F238E27FC236}">
-                <a16:creationId xmlns:a16="http://schemas.microsoft.com/office/drawing/2014/main" id="{816C200E-069E-542A-9C68-3602E28F3647}"/>
-              </a:ext>
-            </a:extLst>
-          </p:cNvPr>
-          <p:cNvSpPr txBox="1"/>
-          <p:nvPr/>
-        </p:nvSpPr>
-        <p:spPr>
-          <a:xfrm>
-            <a:off x="11654290" y="6452785"/>
-            <a:ext cx="438619" cy="307777"/>
-          </a:xfrm>
-          <a:prstGeom prst="rect">
-            <a:avLst/>
-          </a:prstGeom>
-          <a:noFill/>
-        </p:spPr>
-        <p:txBody>
-          <a:bodyPr wrap="square" lIns="91440" tIns="45720" rIns="91440" bIns="45720" anchor="t">
-            <a:spAutoFit/>
-          </a:bodyPr>
-          <a:lstStyle/>
-          <a:p>
-            <a:r>
-              <a:rPr lang="it-IT" sz="1400" dirty="0">
-                <a:solidFill>
-                  <a:schemeClr val="bg1"/>
-                </a:solidFill>
-              </a:rPr>
-              <a:t>17</a:t>
-            </a:r>
-            <a:endParaRPr lang="it-IT" sz="1400" noProof="0" dirty="0"/>
-          </a:p>
-        </p:txBody>
-      </p:sp>
-      <p:pic>
-        <p:nvPicPr>
-          <p:cNvPr id="9" name="Picture 2">
-            <a:extLst>
-              <a:ext uri="{FF2B5EF4-FFF2-40B4-BE49-F238E27FC236}">
-                <a16:creationId xmlns:a16="http://schemas.microsoft.com/office/drawing/2014/main" id="{1F3257AD-1152-35ED-FE32-A6ED57B20786}"/>
-              </a:ext>
-            </a:extLst>
-          </p:cNvPr>
-          <p:cNvPicPr>
-            <a:picLocks noChangeAspect="1" noChangeArrowheads="1"/>
-          </p:cNvPicPr>
-          <p:nvPr/>
-        </p:nvPicPr>
-        <p:blipFill>
-          <a:blip r:embed="rId3" cstate="print">
-            <a:extLst>
-              <a:ext uri="{28A0092B-C50C-407E-A947-70E740481C1C}">
-                <a14:useLocalDpi xmlns:a14="http://schemas.microsoft.com/office/drawing/2010/main" val="0"/>
-              </a:ext>
-            </a:extLst>
-          </a:blip>
-          <a:srcRect/>
-          <a:stretch>
-            <a:fillRect/>
-          </a:stretch>
-        </p:blipFill>
-        <p:spPr bwMode="auto">
-          <a:xfrm>
-            <a:off x="7293781" y="353207"/>
-            <a:ext cx="885600" cy="885600"/>
-          </a:xfrm>
-          <a:prstGeom prst="rect">
-            <a:avLst/>
-          </a:prstGeom>
-          <a:noFill/>
-          <a:extLst>
-            <a:ext uri="{909E8E84-426E-40DD-AFC4-6F175D3DCCD1}">
-              <a14:hiddenFill xmlns:a14="http://schemas.microsoft.com/office/drawing/2010/main">
-                <a:solidFill>
-                  <a:srgbClr val="FFFFFF"/>
-                </a:solidFill>
-              </a14:hiddenFill>
-            </a:ext>
-          </a:extLst>
-        </p:spPr>
-      </p:pic>
-      <p:graphicFrame>
-        <p:nvGraphicFramePr>
-          <p:cNvPr id="12" name="Table 11">
-            <a:extLst>
-              <a:ext uri="{FF2B5EF4-FFF2-40B4-BE49-F238E27FC236}">
-                <a16:creationId xmlns:a16="http://schemas.microsoft.com/office/drawing/2014/main" id="{FD5D0AD2-C8EB-E560-CABD-5A3D62EC71C9}"/>
-              </a:ext>
-            </a:extLst>
-          </p:cNvPr>
-          <p:cNvGraphicFramePr>
-            <a:graphicFrameLocks noGrp="1"/>
-          </p:cNvGraphicFramePr>
-          <p:nvPr/>
-        </p:nvGraphicFramePr>
-        <p:xfrm>
-          <a:off x="639724" y="1935778"/>
-          <a:ext cx="6654051" cy="1912960"/>
-        </p:xfrm>
-        <a:graphic>
-          <a:graphicData uri="http://schemas.openxmlformats.org/drawingml/2006/table">
-            <a:tbl>
-              <a:tblPr/>
-              <a:tblGrid>
-                <a:gridCol w="455150">
-                  <a:extLst>
-                    <a:ext uri="{9D8B030D-6E8A-4147-A177-3AD203B41FA5}">
-                      <a16:colId xmlns:a16="http://schemas.microsoft.com/office/drawing/2014/main" val="1605949687"/>
-                    </a:ext>
-                  </a:extLst>
-                </a:gridCol>
-                <a:gridCol w="421105">
-                  <a:extLst>
-                    <a:ext uri="{9D8B030D-6E8A-4147-A177-3AD203B41FA5}">
-                      <a16:colId xmlns:a16="http://schemas.microsoft.com/office/drawing/2014/main" val="3489721220"/>
-                    </a:ext>
-                  </a:extLst>
-                </a:gridCol>
-                <a:gridCol w="5777796">
-                  <a:extLst>
-                    <a:ext uri="{9D8B030D-6E8A-4147-A177-3AD203B41FA5}">
-                      <a16:colId xmlns:a16="http://schemas.microsoft.com/office/drawing/2014/main" val="823287439"/>
-                    </a:ext>
-                  </a:extLst>
-                </a:gridCol>
-              </a:tblGrid>
-              <a:tr h="304962">
-                <a:tc>
-                  <a:txBody>
-                    <a:bodyPr/>
-                    <a:lstStyle/>
-                    <a:p>
-                      <a:pPr algn="ctr" rtl="0" fontAlgn="b"/>
-                      <a:r>
-                        <a:rPr lang="it-IT" sz="1100" b="0">
-                          <a:effectLst/>
-                          <a:latin typeface="Arial" panose="020B0604020202020204" pitchFamily="34" charset="0"/>
-                        </a:rPr>
-                        <a:t>Stato</a:t>
-                      </a:r>
-                    </a:p>
-                  </a:txBody>
-                  <a:tcPr marL="27893" marR="27893" marT="18595" marB="18595" anchor="b">
-                    <a:lnL w="9525" cap="flat" cmpd="sng" algn="ctr">
-                      <a:solidFill>
-                        <a:srgbClr val="CCCCCC"/>
-                      </a:solidFill>
-                      <a:prstDash val="solid"/>
-                      <a:round/>
-                      <a:headEnd type="none" w="med" len="med"/>
-                      <a:tailEnd type="none" w="med" len="med"/>
-                    </a:lnL>
-                    <a:lnR w="9525" cap="flat" cmpd="sng" algn="ctr">
-                      <a:solidFill>
-                        <a:srgbClr val="CCCCCC"/>
-                      </a:solidFill>
-                      <a:prstDash val="solid"/>
-                      <a:round/>
-                      <a:headEnd type="none" w="med" len="med"/>
-                      <a:tailEnd type="none" w="med" len="med"/>
-                    </a:lnR>
-                    <a:lnT w="9525" cap="flat" cmpd="sng" algn="ctr">
-                      <a:solidFill>
-                        <a:srgbClr val="CCCCCC"/>
-                      </a:solidFill>
-                      <a:prstDash val="solid"/>
-                      <a:round/>
-                      <a:headEnd type="none" w="med" len="med"/>
-                      <a:tailEnd type="none" w="med" len="med"/>
-                    </a:lnT>
-                    <a:lnB w="9525" cap="flat" cmpd="sng" algn="ctr">
-                      <a:solidFill>
-                        <a:srgbClr val="CCCCCC"/>
-                      </a:solidFill>
-                      <a:prstDash val="solid"/>
-                      <a:round/>
-                      <a:headEnd type="none" w="med" len="med"/>
-                      <a:tailEnd type="none" w="med" len="med"/>
-                    </a:lnB>
-                    <a:solidFill>
-                      <a:srgbClr val="D9EAD3"/>
-                    </a:solidFill>
-                  </a:tcPr>
-                </a:tc>
-                <a:tc>
-                  <a:txBody>
-                    <a:bodyPr/>
-                    <a:lstStyle/>
-                    <a:p>
-                      <a:pPr algn="ctr" rtl="0" fontAlgn="b"/>
-                      <a:r>
-                        <a:rPr lang="it-IT" sz="1100" b="0">
-                          <a:effectLst/>
-                          <a:latin typeface="Arial" panose="020B0604020202020204" pitchFamily="34" charset="0"/>
-                        </a:rPr>
-                        <a:t>Pesi</a:t>
-                      </a:r>
-                    </a:p>
-                  </a:txBody>
-                  <a:tcPr marL="27893" marR="27893" marT="18595" marB="18595" anchor="b">
-                    <a:lnL w="9525" cap="flat" cmpd="sng" algn="ctr">
-                      <a:solidFill>
-                        <a:srgbClr val="CCCCCC"/>
-                      </a:solidFill>
-                      <a:prstDash val="solid"/>
-                      <a:round/>
-                      <a:headEnd type="none" w="med" len="med"/>
-                      <a:tailEnd type="none" w="med" len="med"/>
-                    </a:lnL>
-                    <a:lnR w="9525" cap="flat" cmpd="sng" algn="ctr">
-                      <a:solidFill>
-                        <a:srgbClr val="CCCCCC"/>
-                      </a:solidFill>
-                      <a:prstDash val="solid"/>
-                      <a:round/>
-                      <a:headEnd type="none" w="med" len="med"/>
-                      <a:tailEnd type="none" w="med" len="med"/>
-                    </a:lnR>
-                    <a:lnT w="9525" cap="flat" cmpd="sng" algn="ctr">
-                      <a:solidFill>
-                        <a:srgbClr val="CCCCCC"/>
-                      </a:solidFill>
-                      <a:prstDash val="solid"/>
-                      <a:round/>
-                      <a:headEnd type="none" w="med" len="med"/>
-                      <a:tailEnd type="none" w="med" len="med"/>
-                    </a:lnT>
-                    <a:lnB w="9525" cap="flat" cmpd="sng" algn="ctr">
-                      <a:solidFill>
-                        <a:srgbClr val="CCCCCC"/>
-                      </a:solidFill>
-                      <a:prstDash val="solid"/>
-                      <a:round/>
-                      <a:headEnd type="none" w="med" len="med"/>
-                      <a:tailEnd type="none" w="med" len="med"/>
-                    </a:lnB>
-                    <a:solidFill>
-                      <a:srgbClr val="F4CCCC"/>
-                    </a:solidFill>
-                  </a:tcPr>
-                </a:tc>
-                <a:tc>
-                  <a:txBody>
-                    <a:bodyPr/>
-                    <a:lstStyle/>
-                    <a:p>
-                      <a:pPr rtl="0" fontAlgn="b"/>
-                      <a:endParaRPr lang="it-IT" sz="1800" dirty="0">
-                        <a:effectLst/>
-                      </a:endParaRPr>
-                    </a:p>
-                  </a:txBody>
-                  <a:tcPr marL="27893" marR="27893" marT="18595" marB="18595" anchor="b">
-                    <a:lnL w="9525" cap="flat" cmpd="sng" algn="ctr">
-                      <a:solidFill>
-                        <a:srgbClr val="CCCCCC"/>
-                      </a:solidFill>
-                      <a:prstDash val="solid"/>
-                      <a:round/>
-                      <a:headEnd type="none" w="med" len="med"/>
-                      <a:tailEnd type="none" w="med" len="med"/>
-                    </a:lnL>
-                    <a:lnR w="9525" cap="flat" cmpd="sng" algn="ctr">
-                      <a:solidFill>
-                        <a:srgbClr val="CCCCCC"/>
-                      </a:solidFill>
-                      <a:prstDash val="solid"/>
-                      <a:round/>
-                      <a:headEnd type="none" w="med" len="med"/>
-                      <a:tailEnd type="none" w="med" len="med"/>
-                    </a:lnR>
-                    <a:lnT w="9525" cap="flat" cmpd="sng" algn="ctr">
-                      <a:solidFill>
-                        <a:srgbClr val="CCCCCC"/>
-                      </a:solidFill>
-                      <a:prstDash val="solid"/>
-                      <a:round/>
-                      <a:headEnd type="none" w="med" len="med"/>
-                      <a:tailEnd type="none" w="med" len="med"/>
-                    </a:lnT>
-                    <a:lnB w="9525" cap="flat" cmpd="sng" algn="ctr">
-                      <a:solidFill>
-                        <a:srgbClr val="CCCCCC"/>
-                      </a:solidFill>
-                      <a:prstDash val="solid"/>
-                      <a:round/>
-                      <a:headEnd type="none" w="med" len="med"/>
-                      <a:tailEnd type="none" w="med" len="med"/>
-                    </a:lnB>
-                    <a:noFill/>
-                  </a:tcPr>
-                </a:tc>
-                <a:extLst>
-                  <a:ext uri="{0D108BD9-81ED-4DB2-BD59-A6C34878D82A}">
-                    <a16:rowId xmlns:a16="http://schemas.microsoft.com/office/drawing/2014/main" val="2021283316"/>
-                  </a:ext>
-                </a:extLst>
-              </a:tr>
-              <a:tr h="200828">
-                <a:tc>
-                  <a:txBody>
-                    <a:bodyPr/>
-                    <a:lstStyle/>
-                    <a:p>
-                      <a:pPr marL="0" marR="0" lvl="0" indent="0" algn="ctr" defTabSz="914400" rtl="0" eaLnBrk="1" fontAlgn="ctr" latinLnBrk="0" hangingPunct="1">
-                        <a:lnSpc>
-                          <a:spcPct val="100000"/>
-                        </a:lnSpc>
-                        <a:spcBef>
-                          <a:spcPts val="0"/>
-                        </a:spcBef>
-                        <a:spcAft>
-                          <a:spcPts val="0"/>
-                        </a:spcAft>
-                        <a:buClrTx/>
-                        <a:buSzTx/>
-                        <a:buFontTx/>
-                        <a:buNone/>
-                        <a:tabLst/>
-                        <a:defRPr/>
-                      </a:pPr>
-                      <a:r>
-                        <a:rPr lang="it-IT" sz="1100" b="0" noProof="0" dirty="0">
-                          <a:effectLst/>
-                          <a:latin typeface="Arial" panose="020B0604020202020204" pitchFamily="34" charset="0"/>
-                        </a:rPr>
-                        <a:t>✅</a:t>
-                      </a:r>
-                    </a:p>
-                  </a:txBody>
-                  <a:tcPr marL="27893" marR="27893" marT="18595" marB="18595" anchor="ctr">
-                    <a:lnL w="9525" cap="flat" cmpd="sng" algn="ctr">
-                      <a:solidFill>
-                        <a:srgbClr val="CCCCCC"/>
-                      </a:solidFill>
-                      <a:prstDash val="solid"/>
-                      <a:round/>
-                      <a:headEnd type="none" w="med" len="med"/>
-                      <a:tailEnd type="none" w="med" len="med"/>
-                    </a:lnL>
-                    <a:lnR w="9525" cap="flat" cmpd="sng" algn="ctr">
-                      <a:solidFill>
-                        <a:srgbClr val="CCCCCC"/>
-                      </a:solidFill>
-                      <a:prstDash val="solid"/>
-                      <a:round/>
-                      <a:headEnd type="none" w="med" len="med"/>
-                      <a:tailEnd type="none" w="med" len="med"/>
-                    </a:lnR>
-                    <a:lnT w="9525" cap="flat" cmpd="sng" algn="ctr">
-                      <a:solidFill>
-                        <a:srgbClr val="CCCCCC"/>
-                      </a:solidFill>
-                      <a:prstDash val="solid"/>
-                      <a:round/>
-                      <a:headEnd type="none" w="med" len="med"/>
-                      <a:tailEnd type="none" w="med" len="med"/>
-                    </a:lnT>
-                    <a:lnB w="9525" cap="flat" cmpd="sng" algn="ctr">
-                      <a:solidFill>
-                        <a:srgbClr val="CCCCCC"/>
-                      </a:solidFill>
-                      <a:prstDash val="solid"/>
-                      <a:round/>
-                      <a:headEnd type="none" w="med" len="med"/>
-                      <a:tailEnd type="none" w="med" len="med"/>
-                    </a:lnB>
-                    <a:noFill/>
-                  </a:tcPr>
-                </a:tc>
-                <a:tc>
-                  <a:txBody>
-                    <a:bodyPr/>
-                    <a:lstStyle/>
-                    <a:p>
-                      <a:pPr algn="ctr" rtl="0" fontAlgn="ctr"/>
-                      <a:r>
-                        <a:rPr lang="it-IT" sz="1100" b="0" dirty="0">
-                          <a:effectLst/>
-                          <a:latin typeface="Arial" panose="020B0604020202020204" pitchFamily="34" charset="0"/>
-                        </a:rPr>
-                        <a:t>5</a:t>
-                      </a:r>
-                    </a:p>
-                  </a:txBody>
-                  <a:tcPr marL="27893" marR="27893" marT="18595" marB="18595" anchor="ctr">
-                    <a:lnL w="9525" cap="flat" cmpd="sng" algn="ctr">
-                      <a:solidFill>
-                        <a:srgbClr val="CCCCCC"/>
-                      </a:solidFill>
-                      <a:prstDash val="solid"/>
-                      <a:round/>
-                      <a:headEnd type="none" w="med" len="med"/>
-                      <a:tailEnd type="none" w="med" len="med"/>
-                    </a:lnL>
-                    <a:lnR w="9525" cap="flat" cmpd="sng" algn="ctr">
-                      <a:solidFill>
-                        <a:srgbClr val="CCCCCC"/>
-                      </a:solidFill>
-                      <a:prstDash val="solid"/>
-                      <a:round/>
-                      <a:headEnd type="none" w="med" len="med"/>
-                      <a:tailEnd type="none" w="med" len="med"/>
-                    </a:lnR>
-                    <a:lnT w="9525" cap="flat" cmpd="sng" algn="ctr">
-                      <a:solidFill>
-                        <a:srgbClr val="CCCCCC"/>
-                      </a:solidFill>
-                      <a:prstDash val="solid"/>
-                      <a:round/>
-                      <a:headEnd type="none" w="med" len="med"/>
-                      <a:tailEnd type="none" w="med" len="med"/>
-                    </a:lnT>
-                    <a:lnB w="9525" cap="flat" cmpd="sng" algn="ctr">
-                      <a:solidFill>
-                        <a:srgbClr val="CCCCCC"/>
-                      </a:solidFill>
-                      <a:prstDash val="solid"/>
-                      <a:round/>
-                      <a:headEnd type="none" w="med" len="med"/>
-                      <a:tailEnd type="none" w="med" len="med"/>
-                    </a:lnB>
-                    <a:solidFill>
-                      <a:srgbClr val="D7C3B0"/>
-                    </a:solidFill>
-                  </a:tcPr>
-                </a:tc>
-                <a:tc>
-                  <a:txBody>
-                    <a:bodyPr/>
-                    <a:lstStyle/>
-                    <a:p>
-                      <a:pPr rtl="0" fontAlgn="ctr"/>
-                      <a:r>
-                        <a:rPr lang="it-IT" sz="1100" b="0" i="1" strike="noStrike" dirty="0">
-                          <a:effectLst/>
-                          <a:latin typeface="Arial" panose="020B0604020202020204" pitchFamily="34" charset="0"/>
-                        </a:rPr>
-                        <a:t>Risolvere il problema riscontrato nella schedulazione</a:t>
-                      </a:r>
-                    </a:p>
-                  </a:txBody>
-                  <a:tcPr marL="27893" marR="27893" marT="18595" marB="18595" anchor="ctr">
-                    <a:lnL w="9525" cap="flat" cmpd="sng" algn="ctr">
-                      <a:solidFill>
-                        <a:srgbClr val="CCCCCC"/>
-                      </a:solidFill>
-                      <a:prstDash val="solid"/>
-                      <a:round/>
-                      <a:headEnd type="none" w="med" len="med"/>
-                      <a:tailEnd type="none" w="med" len="med"/>
-                    </a:lnL>
-                    <a:lnR w="9525" cap="flat" cmpd="sng" algn="ctr">
-                      <a:solidFill>
-                        <a:srgbClr val="CCCCCC"/>
-                      </a:solidFill>
-                      <a:prstDash val="solid"/>
-                      <a:round/>
-                      <a:headEnd type="none" w="med" len="med"/>
-                      <a:tailEnd type="none" w="med" len="med"/>
-                    </a:lnR>
-                    <a:lnT w="9525" cap="flat" cmpd="sng" algn="ctr">
-                      <a:solidFill>
-                        <a:srgbClr val="CCCCCC"/>
-                      </a:solidFill>
-                      <a:prstDash val="solid"/>
-                      <a:round/>
-                      <a:headEnd type="none" w="med" len="med"/>
-                      <a:tailEnd type="none" w="med" len="med"/>
-                    </a:lnT>
-                    <a:lnB w="9525" cap="flat" cmpd="sng" algn="ctr">
-                      <a:solidFill>
-                        <a:srgbClr val="CCCCCC"/>
-                      </a:solidFill>
-                      <a:prstDash val="solid"/>
-                      <a:round/>
-                      <a:headEnd type="none" w="med" len="med"/>
-                      <a:tailEnd type="none" w="med" len="med"/>
-                    </a:lnB>
-                    <a:noFill/>
-                  </a:tcPr>
-                </a:tc>
-                <a:extLst>
-                  <a:ext uri="{0D108BD9-81ED-4DB2-BD59-A6C34878D82A}">
-                    <a16:rowId xmlns:a16="http://schemas.microsoft.com/office/drawing/2014/main" val="1605531214"/>
-                  </a:ext>
-                </a:extLst>
-              </a:tr>
-              <a:tr h="200828">
-                <a:tc>
-                  <a:txBody>
-                    <a:bodyPr/>
-                    <a:lstStyle/>
-                    <a:p>
-                      <a:pPr marL="0" marR="0" lvl="0" indent="0" algn="ctr" defTabSz="914400" rtl="0" eaLnBrk="1" fontAlgn="ctr" latinLnBrk="0" hangingPunct="1">
-                        <a:lnSpc>
-                          <a:spcPct val="100000"/>
-                        </a:lnSpc>
-                        <a:spcBef>
-                          <a:spcPts val="0"/>
-                        </a:spcBef>
-                        <a:spcAft>
-                          <a:spcPts val="0"/>
-                        </a:spcAft>
-                        <a:buClrTx/>
-                        <a:buSzTx/>
-                        <a:buFontTx/>
-                        <a:buNone/>
-                        <a:tabLst/>
-                        <a:defRPr/>
-                      </a:pPr>
-                      <a:r>
-                        <a:rPr lang="it-IT" sz="1100" b="0" noProof="0" dirty="0">
-                          <a:effectLst/>
-                          <a:latin typeface="Arial" panose="020B0604020202020204" pitchFamily="34" charset="0"/>
-                        </a:rPr>
-                        <a:t>✅</a:t>
-                      </a:r>
-                    </a:p>
-                  </a:txBody>
-                  <a:tcPr marL="27893" marR="27893" marT="18595" marB="18595" anchor="ctr">
-                    <a:lnL w="9525" cap="flat" cmpd="sng" algn="ctr">
-                      <a:solidFill>
-                        <a:srgbClr val="CCCCCC"/>
-                      </a:solidFill>
-                      <a:prstDash val="solid"/>
-                      <a:round/>
-                      <a:headEnd type="none" w="med" len="med"/>
-                      <a:tailEnd type="none" w="med" len="med"/>
-                    </a:lnL>
-                    <a:lnR w="9525" cap="flat" cmpd="sng" algn="ctr">
-                      <a:solidFill>
-                        <a:srgbClr val="CCCCCC"/>
-                      </a:solidFill>
-                      <a:prstDash val="solid"/>
-                      <a:round/>
-                      <a:headEnd type="none" w="med" len="med"/>
-                      <a:tailEnd type="none" w="med" len="med"/>
-                    </a:lnR>
-                    <a:lnT w="9525" cap="flat" cmpd="sng" algn="ctr">
-                      <a:solidFill>
-                        <a:srgbClr val="CCCCCC"/>
-                      </a:solidFill>
-                      <a:prstDash val="solid"/>
-                      <a:round/>
-                      <a:headEnd type="none" w="med" len="med"/>
-                      <a:tailEnd type="none" w="med" len="med"/>
-                    </a:lnT>
-                    <a:lnB w="9525" cap="flat" cmpd="sng" algn="ctr">
-                      <a:solidFill>
-                        <a:srgbClr val="CCCCCC"/>
-                      </a:solidFill>
-                      <a:prstDash val="solid"/>
-                      <a:round/>
-                      <a:headEnd type="none" w="med" len="med"/>
-                      <a:tailEnd type="none" w="med" len="med"/>
-                    </a:lnB>
-                    <a:noFill/>
-                  </a:tcPr>
-                </a:tc>
-                <a:tc>
-                  <a:txBody>
-                    <a:bodyPr/>
-                    <a:lstStyle/>
-                    <a:p>
-                      <a:pPr algn="ctr" rtl="0" fontAlgn="ctr"/>
-                      <a:r>
-                        <a:rPr lang="it-IT" sz="1100" b="0" dirty="0">
-                          <a:effectLst/>
-                          <a:latin typeface="Arial" panose="020B0604020202020204" pitchFamily="34" charset="0"/>
-                        </a:rPr>
-                        <a:t>3</a:t>
-                      </a:r>
-                    </a:p>
-                  </a:txBody>
-                  <a:tcPr marL="27893" marR="27893" marT="18595" marB="18595" anchor="ctr">
-                    <a:lnL w="9525" cap="flat" cmpd="sng" algn="ctr">
-                      <a:solidFill>
-                        <a:srgbClr val="CCCCCC"/>
-                      </a:solidFill>
-                      <a:prstDash val="solid"/>
-                      <a:round/>
-                      <a:headEnd type="none" w="med" len="med"/>
-                      <a:tailEnd type="none" w="med" len="med"/>
-                    </a:lnL>
-                    <a:lnR w="9525" cap="flat" cmpd="sng" algn="ctr">
-                      <a:solidFill>
-                        <a:srgbClr val="CCCCCC"/>
-                      </a:solidFill>
-                      <a:prstDash val="solid"/>
-                      <a:round/>
-                      <a:headEnd type="none" w="med" len="med"/>
-                      <a:tailEnd type="none" w="med" len="med"/>
-                    </a:lnR>
-                    <a:lnT w="9525" cap="flat" cmpd="sng" algn="ctr">
-                      <a:solidFill>
-                        <a:srgbClr val="CCCCCC"/>
-                      </a:solidFill>
-                      <a:prstDash val="solid"/>
-                      <a:round/>
-                      <a:headEnd type="none" w="med" len="med"/>
-                      <a:tailEnd type="none" w="med" len="med"/>
-                    </a:lnT>
-                    <a:lnB w="9525" cap="flat" cmpd="sng" algn="ctr">
-                      <a:solidFill>
-                        <a:srgbClr val="CCCCCC"/>
-                      </a:solidFill>
-                      <a:prstDash val="solid"/>
-                      <a:round/>
-                      <a:headEnd type="none" w="med" len="med"/>
-                      <a:tailEnd type="none" w="med" len="med"/>
-                    </a:lnB>
-                    <a:solidFill>
-                      <a:srgbClr val="D9EAD3"/>
-                    </a:solidFill>
-                  </a:tcPr>
-                </a:tc>
-                <a:tc>
-                  <a:txBody>
-                    <a:bodyPr/>
-                    <a:lstStyle/>
-                    <a:p>
-                      <a:pPr rtl="0" fontAlgn="b"/>
-                      <a:r>
-                        <a:rPr lang="it-IT" sz="1100" b="0" i="1" strike="noStrike" dirty="0">
-                          <a:effectLst/>
-                          <a:latin typeface="Arial" panose="020B0604020202020204" pitchFamily="34" charset="0"/>
-                        </a:rPr>
-                        <a:t>Test di integrazione: ripristino test già presenti</a:t>
-                      </a:r>
-                    </a:p>
-                  </a:txBody>
-                  <a:tcPr marL="27893" marR="27893" marT="18595" marB="18595" anchor="b">
-                    <a:lnL w="9525" cap="flat" cmpd="sng" algn="ctr">
-                      <a:solidFill>
-                        <a:srgbClr val="CCCCCC"/>
-                      </a:solidFill>
-                      <a:prstDash val="solid"/>
-                      <a:round/>
-                      <a:headEnd type="none" w="med" len="med"/>
-                      <a:tailEnd type="none" w="med" len="med"/>
-                    </a:lnL>
-                    <a:lnR w="9525" cap="flat" cmpd="sng" algn="ctr">
-                      <a:solidFill>
-                        <a:srgbClr val="CCCCCC"/>
-                      </a:solidFill>
-                      <a:prstDash val="solid"/>
-                      <a:round/>
-                      <a:headEnd type="none" w="med" len="med"/>
-                      <a:tailEnd type="none" w="med" len="med"/>
-                    </a:lnR>
-                    <a:lnT w="9525" cap="flat" cmpd="sng" algn="ctr">
-                      <a:solidFill>
-                        <a:srgbClr val="CCCCCC"/>
-                      </a:solidFill>
-                      <a:prstDash val="solid"/>
-                      <a:round/>
-                      <a:headEnd type="none" w="med" len="med"/>
-                      <a:tailEnd type="none" w="med" len="med"/>
-                    </a:lnT>
-                    <a:lnB w="9525" cap="flat" cmpd="sng" algn="ctr">
-                      <a:solidFill>
-                        <a:srgbClr val="CCCCCC"/>
-                      </a:solidFill>
-                      <a:prstDash val="solid"/>
-                      <a:round/>
-                      <a:headEnd type="none" w="med" len="med"/>
-                      <a:tailEnd type="none" w="med" len="med"/>
-                    </a:lnB>
-                    <a:noFill/>
-                  </a:tcPr>
-                </a:tc>
-                <a:extLst>
-                  <a:ext uri="{0D108BD9-81ED-4DB2-BD59-A6C34878D82A}">
-                    <a16:rowId xmlns:a16="http://schemas.microsoft.com/office/drawing/2014/main" val="3032375564"/>
-                  </a:ext>
-                </a:extLst>
-              </a:tr>
-              <a:tr h="200828">
-                <a:tc>
-                  <a:txBody>
-                    <a:bodyPr/>
-                    <a:lstStyle/>
-                    <a:p>
-                      <a:pPr algn="ctr" rtl="0" fontAlgn="ctr"/>
-                      <a:r>
-                        <a:rPr lang="it-IT" sz="1100" b="0" noProof="0" dirty="0">
-                          <a:effectLst/>
-                          <a:latin typeface="Arial" panose="020B0604020202020204" pitchFamily="34" charset="0"/>
-                        </a:rPr>
-                        <a:t>✅</a:t>
-                      </a:r>
-                      <a:endParaRPr lang="it-IT" sz="1100" b="0" dirty="0">
-                        <a:solidFill>
-                          <a:srgbClr val="6AA84F"/>
-                        </a:solidFill>
-                        <a:effectLst/>
-                        <a:latin typeface="Arial" panose="020B0604020202020204" pitchFamily="34" charset="0"/>
-                      </a:endParaRPr>
-                    </a:p>
-                  </a:txBody>
-                  <a:tcPr marL="27893" marR="27893" marT="18595" marB="18595" anchor="ctr">
-                    <a:lnL w="9525" cap="flat" cmpd="sng" algn="ctr">
-                      <a:solidFill>
-                        <a:srgbClr val="CCCCCC"/>
-                      </a:solidFill>
-                      <a:prstDash val="solid"/>
-                      <a:round/>
-                      <a:headEnd type="none" w="med" len="med"/>
-                      <a:tailEnd type="none" w="med" len="med"/>
-                    </a:lnL>
-                    <a:lnR w="9525" cap="flat" cmpd="sng" algn="ctr">
-                      <a:solidFill>
-                        <a:srgbClr val="CCCCCC"/>
-                      </a:solidFill>
-                      <a:prstDash val="solid"/>
-                      <a:round/>
-                      <a:headEnd type="none" w="med" len="med"/>
-                      <a:tailEnd type="none" w="med" len="med"/>
-                    </a:lnR>
-                    <a:lnT w="9525" cap="flat" cmpd="sng" algn="ctr">
-                      <a:solidFill>
-                        <a:srgbClr val="CCCCCC"/>
-                      </a:solidFill>
-                      <a:prstDash val="solid"/>
-                      <a:round/>
-                      <a:headEnd type="none" w="med" len="med"/>
-                      <a:tailEnd type="none" w="med" len="med"/>
-                    </a:lnT>
-                    <a:lnB w="9525" cap="flat" cmpd="sng" algn="ctr">
-                      <a:solidFill>
-                        <a:srgbClr val="CCCCCC"/>
-                      </a:solidFill>
-                      <a:prstDash val="solid"/>
-                      <a:round/>
-                      <a:headEnd type="none" w="med" len="med"/>
-                      <a:tailEnd type="none" w="med" len="med"/>
-                    </a:lnB>
-                    <a:noFill/>
-                  </a:tcPr>
-                </a:tc>
-                <a:tc>
-                  <a:txBody>
-                    <a:bodyPr/>
-                    <a:lstStyle/>
-                    <a:p>
-                      <a:pPr algn="ctr" rtl="0" fontAlgn="ctr"/>
-                      <a:r>
-                        <a:rPr lang="it-IT" sz="1100" b="0" dirty="0">
-                          <a:effectLst/>
-                          <a:latin typeface="Arial" panose="020B0604020202020204" pitchFamily="34" charset="0"/>
-                        </a:rPr>
-                        <a:t>4</a:t>
-                      </a:r>
-                    </a:p>
-                  </a:txBody>
-                  <a:tcPr marL="27893" marR="27893" marT="18595" marB="18595" anchor="ctr">
-                    <a:lnL w="9525" cap="flat" cmpd="sng" algn="ctr">
-                      <a:solidFill>
-                        <a:srgbClr val="CCCCCC"/>
-                      </a:solidFill>
-                      <a:prstDash val="solid"/>
-                      <a:round/>
-                      <a:headEnd type="none" w="med" len="med"/>
-                      <a:tailEnd type="none" w="med" len="med"/>
-                    </a:lnL>
-                    <a:lnR w="9525" cap="flat" cmpd="sng" algn="ctr">
-                      <a:solidFill>
-                        <a:srgbClr val="CCCCCC"/>
-                      </a:solidFill>
-                      <a:prstDash val="solid"/>
-                      <a:round/>
-                      <a:headEnd type="none" w="med" len="med"/>
-                      <a:tailEnd type="none" w="med" len="med"/>
-                    </a:lnR>
-                    <a:lnT w="9525" cap="flat" cmpd="sng" algn="ctr">
-                      <a:solidFill>
-                        <a:srgbClr val="CCCCCC"/>
-                      </a:solidFill>
-                      <a:prstDash val="solid"/>
-                      <a:round/>
-                      <a:headEnd type="none" w="med" len="med"/>
-                      <a:tailEnd type="none" w="med" len="med"/>
-                    </a:lnT>
-                    <a:lnB w="9525" cap="flat" cmpd="sng" algn="ctr">
-                      <a:solidFill>
-                        <a:srgbClr val="CCCCCC"/>
-                      </a:solidFill>
-                      <a:prstDash val="solid"/>
-                      <a:round/>
-                      <a:headEnd type="none" w="med" len="med"/>
-                      <a:tailEnd type="none" w="med" len="med"/>
-                    </a:lnB>
-                    <a:solidFill>
-                      <a:srgbClr val="D8D7C2"/>
-                    </a:solidFill>
-                  </a:tcPr>
-                </a:tc>
-                <a:tc>
-                  <a:txBody>
-                    <a:bodyPr/>
-                    <a:lstStyle/>
-                    <a:p>
-                      <a:pPr rtl="0" fontAlgn="b"/>
-                      <a:r>
-                        <a:rPr lang="it-IT" sz="1100" b="0" i="1" strike="noStrike" dirty="0">
-                          <a:effectLst/>
-                          <a:latin typeface="Arial" panose="020B0604020202020204" pitchFamily="34" charset="0"/>
-                        </a:rPr>
-                        <a:t>Studiare le soluzioni di analisi statica (e poi dinamica se non ha richiesto troppo tempo quella statica) del codice</a:t>
-                      </a:r>
-                    </a:p>
-                  </a:txBody>
-                  <a:tcPr marL="27893" marR="27893" marT="18595" marB="18595" anchor="b">
-                    <a:lnL w="9525" cap="flat" cmpd="sng" algn="ctr">
-                      <a:solidFill>
-                        <a:srgbClr val="CCCCCC"/>
-                      </a:solidFill>
-                      <a:prstDash val="solid"/>
-                      <a:round/>
-                      <a:headEnd type="none" w="med" len="med"/>
-                      <a:tailEnd type="none" w="med" len="med"/>
-                    </a:lnL>
-                    <a:lnR w="9525" cap="flat" cmpd="sng" algn="ctr">
-                      <a:solidFill>
-                        <a:srgbClr val="CCCCCC"/>
-                      </a:solidFill>
-                      <a:prstDash val="solid"/>
-                      <a:round/>
-                      <a:headEnd type="none" w="med" len="med"/>
-                      <a:tailEnd type="none" w="med" len="med"/>
-                    </a:lnR>
-                    <a:lnT w="9525" cap="flat" cmpd="sng" algn="ctr">
-                      <a:solidFill>
-                        <a:srgbClr val="CCCCCC"/>
-                      </a:solidFill>
-                      <a:prstDash val="solid"/>
-                      <a:round/>
-                      <a:headEnd type="none" w="med" len="med"/>
-                      <a:tailEnd type="none" w="med" len="med"/>
-                    </a:lnT>
-                    <a:lnB w="9525" cap="flat" cmpd="sng" algn="ctr">
-                      <a:solidFill>
-                        <a:srgbClr val="CCCCCC"/>
-                      </a:solidFill>
-                      <a:prstDash val="solid"/>
-                      <a:round/>
-                      <a:headEnd type="none" w="med" len="med"/>
-                      <a:tailEnd type="none" w="med" len="med"/>
-                    </a:lnB>
-                    <a:noFill/>
-                  </a:tcPr>
-                </a:tc>
-                <a:extLst>
-                  <a:ext uri="{0D108BD9-81ED-4DB2-BD59-A6C34878D82A}">
-                    <a16:rowId xmlns:a16="http://schemas.microsoft.com/office/drawing/2014/main" val="1907726413"/>
-                  </a:ext>
-                </a:extLst>
-              </a:tr>
-              <a:tr h="200828">
-                <a:tc>
-                  <a:txBody>
-                    <a:bodyPr/>
-                    <a:lstStyle/>
-                    <a:p>
-                      <a:pPr marL="0" marR="0" lvl="0" indent="0" algn="ctr" defTabSz="914400" rtl="0" eaLnBrk="1" fontAlgn="ctr" latinLnBrk="0" hangingPunct="1">
-                        <a:lnSpc>
-                          <a:spcPct val="100000"/>
-                        </a:lnSpc>
-                        <a:spcBef>
-                          <a:spcPts val="0"/>
-                        </a:spcBef>
-                        <a:spcAft>
-                          <a:spcPts val="0"/>
-                        </a:spcAft>
-                        <a:buClrTx/>
-                        <a:buSzTx/>
-                        <a:buFontTx/>
-                        <a:buNone/>
-                        <a:tabLst/>
-                        <a:defRPr/>
-                      </a:pPr>
-                      <a:r>
-                        <a:rPr lang="it-IT" sz="1100" b="0" noProof="0" dirty="0">
-                          <a:effectLst/>
-                          <a:latin typeface="Arial" panose="020B0604020202020204" pitchFamily="34" charset="0"/>
-                        </a:rPr>
-                        <a:t>✅</a:t>
-                      </a:r>
-                      <a:endParaRPr lang="it-IT" sz="1100" b="0" dirty="0">
-                        <a:solidFill>
-                          <a:srgbClr val="6AA84F"/>
-                        </a:solidFill>
-                        <a:effectLst/>
-                        <a:latin typeface="Arial" panose="020B0604020202020204" pitchFamily="34" charset="0"/>
-                      </a:endParaRPr>
-                    </a:p>
-                  </a:txBody>
-                  <a:tcPr marL="27893" marR="27893" marT="18595" marB="18595" anchor="ctr">
-                    <a:lnL w="9525" cap="flat" cmpd="sng" algn="ctr">
-                      <a:solidFill>
-                        <a:srgbClr val="CCCCCC"/>
-                      </a:solidFill>
-                      <a:prstDash val="solid"/>
-                      <a:round/>
-                      <a:headEnd type="none" w="med" len="med"/>
-                      <a:tailEnd type="none" w="med" len="med"/>
-                    </a:lnL>
-                    <a:lnR w="9525" cap="flat" cmpd="sng" algn="ctr">
-                      <a:solidFill>
-                        <a:srgbClr val="CCCCCC"/>
-                      </a:solidFill>
-                      <a:prstDash val="solid"/>
-                      <a:round/>
-                      <a:headEnd type="none" w="med" len="med"/>
-                      <a:tailEnd type="none" w="med" len="med"/>
-                    </a:lnR>
-                    <a:lnT w="9525" cap="flat" cmpd="sng" algn="ctr">
-                      <a:solidFill>
-                        <a:srgbClr val="CCCCCC"/>
-                      </a:solidFill>
-                      <a:prstDash val="solid"/>
-                      <a:round/>
-                      <a:headEnd type="none" w="med" len="med"/>
-                      <a:tailEnd type="none" w="med" len="med"/>
-                    </a:lnT>
-                    <a:lnB w="9525" cap="flat" cmpd="sng" algn="ctr">
-                      <a:solidFill>
-                        <a:srgbClr val="CCCCCC"/>
-                      </a:solidFill>
-                      <a:prstDash val="solid"/>
-                      <a:round/>
-                      <a:headEnd type="none" w="med" len="med"/>
-                      <a:tailEnd type="none" w="med" len="med"/>
-                    </a:lnB>
-                    <a:noFill/>
-                  </a:tcPr>
-                </a:tc>
-                <a:tc>
-                  <a:txBody>
-                    <a:bodyPr/>
-                    <a:lstStyle/>
-                    <a:p>
-                      <a:pPr algn="ctr" rtl="0" fontAlgn="ctr"/>
-                      <a:endParaRPr lang="it-IT" sz="1100" b="0" dirty="0">
-                        <a:effectLst/>
-                        <a:latin typeface="Arial" panose="020B0604020202020204" pitchFamily="34" charset="0"/>
-                      </a:endParaRPr>
-                    </a:p>
-                  </a:txBody>
-                  <a:tcPr marL="27893" marR="27893" marT="18595" marB="18595" anchor="ctr">
-                    <a:lnL w="9525" cap="flat" cmpd="sng" algn="ctr">
-                      <a:solidFill>
-                        <a:srgbClr val="CCCCCC"/>
-                      </a:solidFill>
-                      <a:prstDash val="solid"/>
-                      <a:round/>
-                      <a:headEnd type="none" w="med" len="med"/>
-                      <a:tailEnd type="none" w="med" len="med"/>
-                    </a:lnL>
-                    <a:lnR w="9525" cap="flat" cmpd="sng" algn="ctr">
-                      <a:solidFill>
-                        <a:srgbClr val="CCCCCC"/>
-                      </a:solidFill>
-                      <a:prstDash val="solid"/>
-                      <a:round/>
-                      <a:headEnd type="none" w="med" len="med"/>
-                      <a:tailEnd type="none" w="med" len="med"/>
-                    </a:lnR>
-                    <a:lnT w="9525" cap="flat" cmpd="sng" algn="ctr">
-                      <a:solidFill>
-                        <a:srgbClr val="CCCCCC"/>
-                      </a:solidFill>
-                      <a:prstDash val="solid"/>
-                      <a:round/>
-                      <a:headEnd type="none" w="med" len="med"/>
-                      <a:tailEnd type="none" w="med" len="med"/>
-                    </a:lnT>
-                    <a:lnB w="9525" cap="flat" cmpd="sng" algn="ctr">
-                      <a:solidFill>
-                        <a:srgbClr val="CCCCCC"/>
-                      </a:solidFill>
-                      <a:prstDash val="solid"/>
-                      <a:round/>
-                      <a:headEnd type="none" w="med" len="med"/>
-                      <a:tailEnd type="none" w="med" len="med"/>
-                    </a:lnB>
-                    <a:solidFill>
-                      <a:srgbClr val="D26258"/>
-                    </a:solidFill>
-                  </a:tcPr>
-                </a:tc>
-                <a:tc>
-                  <a:txBody>
-                    <a:bodyPr/>
-                    <a:lstStyle/>
-                    <a:p>
-                      <a:pPr rtl="0" fontAlgn="b"/>
-                      <a:r>
-                        <a:rPr lang="it-IT" sz="1100" b="0" i="1" strike="noStrike" dirty="0">
-                          <a:effectLst/>
-                          <a:latin typeface="Arial" panose="020B0604020202020204" pitchFamily="34" charset="0"/>
-                        </a:rPr>
-                        <a:t>Sviluppo MT soluzione 2</a:t>
-                      </a:r>
-                    </a:p>
-                  </a:txBody>
-                  <a:tcPr marL="27893" marR="27893" marT="18595" marB="18595" anchor="b">
-                    <a:lnL w="9525" cap="flat" cmpd="sng" algn="ctr">
-                      <a:solidFill>
-                        <a:srgbClr val="CCCCCC"/>
-                      </a:solidFill>
-                      <a:prstDash val="solid"/>
-                      <a:round/>
-                      <a:headEnd type="none" w="med" len="med"/>
-                      <a:tailEnd type="none" w="med" len="med"/>
-                    </a:lnL>
-                    <a:lnR w="9525" cap="flat" cmpd="sng" algn="ctr">
-                      <a:solidFill>
-                        <a:srgbClr val="CCCCCC"/>
-                      </a:solidFill>
-                      <a:prstDash val="solid"/>
-                      <a:round/>
-                      <a:headEnd type="none" w="med" len="med"/>
-                      <a:tailEnd type="none" w="med" len="med"/>
-                    </a:lnR>
-                    <a:lnT w="9525" cap="flat" cmpd="sng" algn="ctr">
-                      <a:solidFill>
-                        <a:srgbClr val="CCCCCC"/>
-                      </a:solidFill>
-                      <a:prstDash val="solid"/>
-                      <a:round/>
-                      <a:headEnd type="none" w="med" len="med"/>
-                      <a:tailEnd type="none" w="med" len="med"/>
-                    </a:lnT>
-                    <a:lnB w="9525" cap="flat" cmpd="sng" algn="ctr">
-                      <a:solidFill>
-                        <a:srgbClr val="CCCCCC"/>
-                      </a:solidFill>
-                      <a:prstDash val="solid"/>
-                      <a:round/>
-                      <a:headEnd type="none" w="med" len="med"/>
-                      <a:tailEnd type="none" w="med" len="med"/>
-                    </a:lnB>
-                    <a:noFill/>
-                  </a:tcPr>
-                </a:tc>
-                <a:extLst>
-                  <a:ext uri="{0D108BD9-81ED-4DB2-BD59-A6C34878D82A}">
-                    <a16:rowId xmlns:a16="http://schemas.microsoft.com/office/drawing/2014/main" val="3844803052"/>
-                  </a:ext>
-                </a:extLst>
-              </a:tr>
-              <a:tr h="200828">
-                <a:tc>
-                  <a:txBody>
-                    <a:bodyPr/>
-                    <a:lstStyle/>
-                    <a:p>
-                      <a:pPr marL="0" marR="0" lvl="0" indent="0" algn="ctr" defTabSz="914400" rtl="0" eaLnBrk="1" fontAlgn="ctr" latinLnBrk="0" hangingPunct="1">
-                        <a:lnSpc>
-                          <a:spcPct val="100000"/>
-                        </a:lnSpc>
-                        <a:spcBef>
-                          <a:spcPts val="0"/>
-                        </a:spcBef>
-                        <a:spcAft>
-                          <a:spcPts val="0"/>
-                        </a:spcAft>
-                        <a:buClrTx/>
-                        <a:buSzTx/>
-                        <a:buFontTx/>
-                        <a:buNone/>
-                        <a:tabLst/>
-                        <a:defRPr/>
-                      </a:pPr>
-                      <a:r>
-                        <a:rPr lang="it-IT" sz="1100" b="0" noProof="0" dirty="0">
-                          <a:effectLst/>
-                          <a:latin typeface="Arial" panose="020B0604020202020204" pitchFamily="34" charset="0"/>
-                        </a:rPr>
-                        <a:t>✅</a:t>
-                      </a:r>
-                    </a:p>
-                  </a:txBody>
-                  <a:tcPr marL="27893" marR="27893" marT="18595" marB="18595" anchor="ctr">
-                    <a:lnL w="9525" cap="flat" cmpd="sng" algn="ctr">
-                      <a:solidFill>
-                        <a:srgbClr val="CCCCCC"/>
-                      </a:solidFill>
-                      <a:prstDash val="solid"/>
-                      <a:round/>
-                      <a:headEnd type="none" w="med" len="med"/>
-                      <a:tailEnd type="none" w="med" len="med"/>
-                    </a:lnL>
-                    <a:lnR w="9525" cap="flat" cmpd="sng" algn="ctr">
-                      <a:solidFill>
-                        <a:srgbClr val="CCCCCC"/>
-                      </a:solidFill>
-                      <a:prstDash val="solid"/>
-                      <a:round/>
-                      <a:headEnd type="none" w="med" len="med"/>
-                      <a:tailEnd type="none" w="med" len="med"/>
-                    </a:lnR>
-                    <a:lnT w="9525" cap="flat" cmpd="sng" algn="ctr">
-                      <a:solidFill>
-                        <a:srgbClr val="CCCCCC"/>
-                      </a:solidFill>
-                      <a:prstDash val="solid"/>
-                      <a:round/>
-                      <a:headEnd type="none" w="med" len="med"/>
-                      <a:tailEnd type="none" w="med" len="med"/>
-                    </a:lnT>
-                    <a:lnB w="9525" cap="flat" cmpd="sng" algn="ctr">
-                      <a:solidFill>
-                        <a:srgbClr val="CCCCCC"/>
-                      </a:solidFill>
-                      <a:prstDash val="solid"/>
-                      <a:round/>
-                      <a:headEnd type="none" w="med" len="med"/>
-                      <a:tailEnd type="none" w="med" len="med"/>
-                    </a:lnB>
-                    <a:noFill/>
-                  </a:tcPr>
-                </a:tc>
-                <a:tc>
-                  <a:txBody>
-                    <a:bodyPr/>
-                    <a:lstStyle/>
-                    <a:p>
-                      <a:pPr algn="ctr" rtl="0" fontAlgn="ctr"/>
-                      <a:endParaRPr lang="it-IT" sz="1100" b="0" dirty="0">
-                        <a:effectLst/>
-                        <a:latin typeface="Arial" panose="020B0604020202020204" pitchFamily="34" charset="0"/>
-                      </a:endParaRPr>
-                    </a:p>
-                  </a:txBody>
-                  <a:tcPr marL="27893" marR="27893" marT="18595" marB="18595" anchor="ctr">
-                    <a:lnL w="9525" cap="flat" cmpd="sng" algn="ctr">
-                      <a:solidFill>
-                        <a:srgbClr val="CCCCCC"/>
-                      </a:solidFill>
-                      <a:prstDash val="solid"/>
-                      <a:round/>
-                      <a:headEnd type="none" w="med" len="med"/>
-                      <a:tailEnd type="none" w="med" len="med"/>
-                    </a:lnL>
-                    <a:lnR w="9525" cap="flat" cmpd="sng" algn="ctr">
-                      <a:solidFill>
-                        <a:srgbClr val="CCCCCC"/>
-                      </a:solidFill>
-                      <a:prstDash val="solid"/>
-                      <a:round/>
-                      <a:headEnd type="none" w="med" len="med"/>
-                      <a:tailEnd type="none" w="med" len="med"/>
-                    </a:lnR>
-                    <a:lnT w="9525" cap="flat" cmpd="sng" algn="ctr">
-                      <a:solidFill>
-                        <a:srgbClr val="CCCCCC"/>
-                      </a:solidFill>
-                      <a:prstDash val="solid"/>
-                      <a:round/>
-                      <a:headEnd type="none" w="med" len="med"/>
-                      <a:tailEnd type="none" w="med" len="med"/>
-                    </a:lnT>
-                    <a:lnB w="9525" cap="flat" cmpd="sng" algn="ctr">
-                      <a:solidFill>
-                        <a:srgbClr val="CCCCCC"/>
-                      </a:solidFill>
-                      <a:prstDash val="solid"/>
-                      <a:round/>
-                      <a:headEnd type="none" w="med" len="med"/>
-                      <a:tailEnd type="none" w="med" len="med"/>
-                    </a:lnB>
-                    <a:solidFill>
-                      <a:srgbClr val="CC0000"/>
-                    </a:solidFill>
-                  </a:tcPr>
-                </a:tc>
-                <a:tc>
-                  <a:txBody>
-                    <a:bodyPr/>
-                    <a:lstStyle/>
-                    <a:p>
-                      <a:pPr rtl="0" fontAlgn="b"/>
-                      <a:r>
-                        <a:rPr lang="it-IT" sz="1100" b="0" i="1" strike="noStrike" dirty="0">
-                          <a:effectLst/>
-                          <a:latin typeface="Arial" panose="020B0604020202020204" pitchFamily="34" charset="0"/>
-                        </a:rPr>
-                        <a:t>Sviluppo MT soluzione 3</a:t>
-                      </a:r>
-                    </a:p>
-                  </a:txBody>
-                  <a:tcPr marL="27893" marR="27893" marT="18595" marB="18595" anchor="b">
-                    <a:lnL w="9525" cap="flat" cmpd="sng" algn="ctr">
-                      <a:solidFill>
-                        <a:srgbClr val="CCCCCC"/>
-                      </a:solidFill>
-                      <a:prstDash val="solid"/>
-                      <a:round/>
-                      <a:headEnd type="none" w="med" len="med"/>
-                      <a:tailEnd type="none" w="med" len="med"/>
-                    </a:lnL>
-                    <a:lnR w="9525" cap="flat" cmpd="sng" algn="ctr">
-                      <a:solidFill>
-                        <a:srgbClr val="CCCCCC"/>
-                      </a:solidFill>
-                      <a:prstDash val="solid"/>
-                      <a:round/>
-                      <a:headEnd type="none" w="med" len="med"/>
-                      <a:tailEnd type="none" w="med" len="med"/>
-                    </a:lnR>
-                    <a:lnT w="9525" cap="flat" cmpd="sng" algn="ctr">
-                      <a:solidFill>
-                        <a:srgbClr val="CCCCCC"/>
-                      </a:solidFill>
-                      <a:prstDash val="solid"/>
-                      <a:round/>
-                      <a:headEnd type="none" w="med" len="med"/>
-                      <a:tailEnd type="none" w="med" len="med"/>
-                    </a:lnT>
-                    <a:lnB w="9525" cap="flat" cmpd="sng" algn="ctr">
-                      <a:solidFill>
-                        <a:srgbClr val="CCCCCC"/>
-                      </a:solidFill>
-                      <a:prstDash val="solid"/>
-                      <a:round/>
-                      <a:headEnd type="none" w="med" len="med"/>
-                      <a:tailEnd type="none" w="med" len="med"/>
-                    </a:lnB>
-                    <a:noFill/>
-                  </a:tcPr>
-                </a:tc>
-                <a:extLst>
-                  <a:ext uri="{0D108BD9-81ED-4DB2-BD59-A6C34878D82A}">
-                    <a16:rowId xmlns:a16="http://schemas.microsoft.com/office/drawing/2014/main" val="3126626594"/>
-                  </a:ext>
-                </a:extLst>
-              </a:tr>
-              <a:tr h="199851">
-                <a:tc>
-                  <a:txBody>
-                    <a:bodyPr/>
-                    <a:lstStyle/>
-                    <a:p>
-                      <a:pPr algn="ctr" rtl="0" fontAlgn="ctr"/>
-                      <a:r>
-                        <a:rPr lang="it-IT" sz="1100" b="0" noProof="0" dirty="0">
-                          <a:effectLst/>
-                          <a:latin typeface="Arial" panose="020B0604020202020204" pitchFamily="34" charset="0"/>
-                        </a:rPr>
-                        <a:t>✅</a:t>
-                      </a:r>
-                      <a:endParaRPr lang="it-IT" sz="1100" b="0" dirty="0">
-                        <a:solidFill>
-                          <a:srgbClr val="6AA84F"/>
-                        </a:solidFill>
-                        <a:effectLst/>
-                        <a:latin typeface="Arial" panose="020B0604020202020204" pitchFamily="34" charset="0"/>
-                      </a:endParaRPr>
-                    </a:p>
-                  </a:txBody>
-                  <a:tcPr marL="27893" marR="27893" marT="18595" marB="18595" anchor="ctr">
-                    <a:lnL w="9525" cap="flat" cmpd="sng" algn="ctr">
-                      <a:solidFill>
-                        <a:srgbClr val="CCCCCC"/>
-                      </a:solidFill>
-                      <a:prstDash val="solid"/>
-                      <a:round/>
-                      <a:headEnd type="none" w="med" len="med"/>
-                      <a:tailEnd type="none" w="med" len="med"/>
-                    </a:lnL>
-                    <a:lnR w="9525" cap="flat" cmpd="sng" algn="ctr">
-                      <a:solidFill>
-                        <a:srgbClr val="CCCCCC"/>
-                      </a:solidFill>
-                      <a:prstDash val="solid"/>
-                      <a:round/>
-                      <a:headEnd type="none" w="med" len="med"/>
-                      <a:tailEnd type="none" w="med" len="med"/>
-                    </a:lnR>
-                    <a:lnT w="9525" cap="flat" cmpd="sng" algn="ctr">
-                      <a:solidFill>
-                        <a:srgbClr val="CCCCCC"/>
-                      </a:solidFill>
-                      <a:prstDash val="solid"/>
-                      <a:round/>
-                      <a:headEnd type="none" w="med" len="med"/>
-                      <a:tailEnd type="none" w="med" len="med"/>
-                    </a:lnT>
-                    <a:lnB w="9525" cap="flat" cmpd="sng" algn="ctr">
-                      <a:solidFill>
-                        <a:srgbClr val="CCCCCC"/>
-                      </a:solidFill>
-                      <a:prstDash val="solid"/>
-                      <a:round/>
-                      <a:headEnd type="none" w="med" len="med"/>
-                      <a:tailEnd type="none" w="med" len="med"/>
-                    </a:lnB>
-                    <a:noFill/>
-                  </a:tcPr>
-                </a:tc>
-                <a:tc>
-                  <a:txBody>
-                    <a:bodyPr/>
-                    <a:lstStyle/>
-                    <a:p>
-                      <a:pPr algn="ctr" rtl="0" fontAlgn="ctr"/>
-                      <a:endParaRPr lang="it-IT" sz="1100" b="0" dirty="0">
-                        <a:effectLst/>
-                        <a:latin typeface="Arial" panose="020B0604020202020204" pitchFamily="34" charset="0"/>
-                      </a:endParaRPr>
-                    </a:p>
-                  </a:txBody>
-                  <a:tcPr marL="27893" marR="27893" marT="18595" marB="18595" anchor="ctr">
-                    <a:lnL w="9525" cap="flat" cmpd="sng" algn="ctr">
-                      <a:solidFill>
-                        <a:srgbClr val="CCCCCC"/>
-                      </a:solidFill>
-                      <a:prstDash val="solid"/>
-                      <a:round/>
-                      <a:headEnd type="none" w="med" len="med"/>
-                      <a:tailEnd type="none" w="med" len="med"/>
-                    </a:lnL>
-                    <a:lnR w="9525" cap="flat" cmpd="sng" algn="ctr">
-                      <a:solidFill>
-                        <a:srgbClr val="CCCCCC"/>
-                      </a:solidFill>
-                      <a:prstDash val="solid"/>
-                      <a:round/>
-                      <a:headEnd type="none" w="med" len="med"/>
-                      <a:tailEnd type="none" w="med" len="med"/>
-                    </a:lnR>
-                    <a:lnT w="9525" cap="flat" cmpd="sng" algn="ctr">
-                      <a:solidFill>
-                        <a:srgbClr val="CCCCCC"/>
-                      </a:solidFill>
-                      <a:prstDash val="solid"/>
-                      <a:round/>
-                      <a:headEnd type="none" w="med" len="med"/>
-                      <a:tailEnd type="none" w="med" len="med"/>
-                    </a:lnT>
-                    <a:lnB w="9525" cap="flat" cmpd="sng" algn="ctr">
-                      <a:solidFill>
-                        <a:srgbClr val="CCCCCC"/>
-                      </a:solidFill>
-                      <a:prstDash val="solid"/>
-                      <a:round/>
-                      <a:headEnd type="none" w="med" len="med"/>
-                      <a:tailEnd type="none" w="med" len="med"/>
-                    </a:lnB>
-                    <a:solidFill>
-                      <a:srgbClr val="D7C3B0"/>
-                    </a:solidFill>
-                  </a:tcPr>
-                </a:tc>
-                <a:tc>
-                  <a:txBody>
-                    <a:bodyPr/>
-                    <a:lstStyle/>
-                    <a:p>
-                      <a:pPr rtl="0" fontAlgn="b"/>
-                      <a:r>
-                        <a:rPr lang="it-IT" sz="1100" b="0" i="1" strike="noStrike" dirty="0">
-                          <a:effectLst/>
-                          <a:latin typeface="Arial" panose="020B0604020202020204" pitchFamily="34" charset="0"/>
-                        </a:rPr>
-                        <a:t>Integrare soluzioni MT nel progetto</a:t>
-                      </a:r>
-                    </a:p>
-                  </a:txBody>
-                  <a:tcPr marL="27893" marR="27893" marT="18595" marB="18595" anchor="b">
-                    <a:lnL w="9525" cap="flat" cmpd="sng" algn="ctr">
-                      <a:solidFill>
-                        <a:srgbClr val="CCCCCC"/>
-                      </a:solidFill>
-                      <a:prstDash val="solid"/>
-                      <a:round/>
-                      <a:headEnd type="none" w="med" len="med"/>
-                      <a:tailEnd type="none" w="med" len="med"/>
-                    </a:lnL>
-                    <a:lnR w="9525" cap="flat" cmpd="sng" algn="ctr">
-                      <a:solidFill>
-                        <a:srgbClr val="CCCCCC"/>
-                      </a:solidFill>
-                      <a:prstDash val="solid"/>
-                      <a:round/>
-                      <a:headEnd type="none" w="med" len="med"/>
-                      <a:tailEnd type="none" w="med" len="med"/>
-                    </a:lnR>
-                    <a:lnT w="9525" cap="flat" cmpd="sng" algn="ctr">
-                      <a:solidFill>
-                        <a:srgbClr val="CCCCCC"/>
-                      </a:solidFill>
-                      <a:prstDash val="solid"/>
-                      <a:round/>
-                      <a:headEnd type="none" w="med" len="med"/>
-                      <a:tailEnd type="none" w="med" len="med"/>
-                    </a:lnT>
-                    <a:lnB w="9525" cap="flat" cmpd="sng" algn="ctr">
-                      <a:solidFill>
-                        <a:srgbClr val="CCCCCC"/>
-                      </a:solidFill>
-                      <a:prstDash val="solid"/>
-                      <a:round/>
-                      <a:headEnd type="none" w="med" len="med"/>
-                      <a:tailEnd type="none" w="med" len="med"/>
-                    </a:lnB>
-                    <a:noFill/>
-                  </a:tcPr>
-                </a:tc>
-                <a:extLst>
-                  <a:ext uri="{0D108BD9-81ED-4DB2-BD59-A6C34878D82A}">
-                    <a16:rowId xmlns:a16="http://schemas.microsoft.com/office/drawing/2014/main" val="1927996049"/>
-                  </a:ext>
-                </a:extLst>
-              </a:tr>
-              <a:tr h="200828">
-                <a:tc>
-                  <a:txBody>
-                    <a:bodyPr/>
-                    <a:lstStyle/>
-                    <a:p>
-                      <a:pPr algn="ctr" rtl="0" fontAlgn="ctr"/>
-                      <a:r>
-                        <a:rPr lang="it-IT" sz="1100" b="0" noProof="0" dirty="0">
-                          <a:effectLst/>
-                          <a:latin typeface="Arial" panose="020B0604020202020204" pitchFamily="34" charset="0"/>
-                        </a:rPr>
-                        <a:t>✅</a:t>
-                      </a:r>
-                      <a:endParaRPr lang="it-IT" sz="1100" b="0" dirty="0">
-                        <a:solidFill>
-                          <a:srgbClr val="6AA84F"/>
-                        </a:solidFill>
-                        <a:effectLst/>
-                        <a:latin typeface="Arial" panose="020B0604020202020204" pitchFamily="34" charset="0"/>
-                      </a:endParaRPr>
-                    </a:p>
-                  </a:txBody>
-                  <a:tcPr marL="27893" marR="27893" marT="18595" marB="18595" anchor="ctr">
-                    <a:lnL w="9525" cap="flat" cmpd="sng" algn="ctr">
-                      <a:solidFill>
-                        <a:srgbClr val="CCCCCC"/>
-                      </a:solidFill>
-                      <a:prstDash val="solid"/>
-                      <a:round/>
-                      <a:headEnd type="none" w="med" len="med"/>
-                      <a:tailEnd type="none" w="med" len="med"/>
-                    </a:lnL>
-                    <a:lnR w="9525" cap="flat" cmpd="sng" algn="ctr">
-                      <a:solidFill>
-                        <a:srgbClr val="CCCCCC"/>
-                      </a:solidFill>
-                      <a:prstDash val="solid"/>
-                      <a:round/>
-                      <a:headEnd type="none" w="med" len="med"/>
-                      <a:tailEnd type="none" w="med" len="med"/>
-                    </a:lnR>
-                    <a:lnT w="9525" cap="flat" cmpd="sng" algn="ctr">
-                      <a:solidFill>
-                        <a:srgbClr val="CCCCCC"/>
-                      </a:solidFill>
-                      <a:prstDash val="solid"/>
-                      <a:round/>
-                      <a:headEnd type="none" w="med" len="med"/>
-                      <a:tailEnd type="none" w="med" len="med"/>
-                    </a:lnT>
-                    <a:lnB w="9525" cap="flat" cmpd="sng" algn="ctr">
-                      <a:solidFill>
-                        <a:srgbClr val="CCCCCC"/>
-                      </a:solidFill>
-                      <a:prstDash val="solid"/>
-                      <a:round/>
-                      <a:headEnd type="none" w="med" len="med"/>
-                      <a:tailEnd type="none" w="med" len="med"/>
-                    </a:lnB>
-                    <a:noFill/>
-                  </a:tcPr>
-                </a:tc>
-                <a:tc>
-                  <a:txBody>
-                    <a:bodyPr/>
-                    <a:lstStyle/>
-                    <a:p>
-                      <a:pPr algn="ctr" rtl="0" fontAlgn="ctr"/>
-                      <a:r>
-                        <a:rPr lang="it-IT" sz="1100" b="0" dirty="0">
-                          <a:effectLst/>
-                          <a:latin typeface="Arial" panose="020B0604020202020204" pitchFamily="34" charset="0"/>
-                        </a:rPr>
-                        <a:t>5</a:t>
-                      </a:r>
-                    </a:p>
-                  </a:txBody>
-                  <a:tcPr marL="27893" marR="27893" marT="18595" marB="18595" anchor="ctr">
-                    <a:lnL w="9525" cap="flat" cmpd="sng" algn="ctr">
-                      <a:solidFill>
-                        <a:srgbClr val="CCCCCC"/>
-                      </a:solidFill>
-                      <a:prstDash val="solid"/>
-                      <a:round/>
-                      <a:headEnd type="none" w="med" len="med"/>
-                      <a:tailEnd type="none" w="med" len="med"/>
-                    </a:lnL>
-                    <a:lnR w="9525" cap="flat" cmpd="sng" algn="ctr">
-                      <a:solidFill>
-                        <a:srgbClr val="CCCCCC"/>
-                      </a:solidFill>
-                      <a:prstDash val="solid"/>
-                      <a:round/>
-                      <a:headEnd type="none" w="med" len="med"/>
-                      <a:tailEnd type="none" w="med" len="med"/>
-                    </a:lnR>
-                    <a:lnT w="9525" cap="flat" cmpd="sng" algn="ctr">
-                      <a:solidFill>
-                        <a:srgbClr val="CCCCCC"/>
-                      </a:solidFill>
-                      <a:prstDash val="solid"/>
-                      <a:round/>
-                      <a:headEnd type="none" w="med" len="med"/>
-                      <a:tailEnd type="none" w="med" len="med"/>
-                    </a:lnT>
-                    <a:lnB w="9525" cap="flat" cmpd="sng" algn="ctr">
-                      <a:solidFill>
-                        <a:srgbClr val="CCCCCC"/>
-                      </a:solidFill>
-                      <a:prstDash val="solid"/>
-                      <a:round/>
-                      <a:headEnd type="none" w="med" len="med"/>
-                      <a:tailEnd type="none" w="med" len="med"/>
-                    </a:lnB>
-                    <a:solidFill>
-                      <a:srgbClr val="D59C8D"/>
-                    </a:solidFill>
-                  </a:tcPr>
-                </a:tc>
-                <a:tc>
-                  <a:txBody>
-                    <a:bodyPr/>
-                    <a:lstStyle/>
-                    <a:p>
-                      <a:pPr rtl="0" fontAlgn="b"/>
-                      <a:r>
-                        <a:rPr lang="it-IT" sz="1100" b="0" i="1" strike="noStrike" dirty="0">
-                          <a:effectLst/>
-                          <a:latin typeface="Arial" panose="020B0604020202020204" pitchFamily="34" charset="0"/>
-                        </a:rPr>
-                        <a:t>Aggiungere la possibilità di creare turni ad un servizio medico</a:t>
-                      </a:r>
-                    </a:p>
-                  </a:txBody>
-                  <a:tcPr marL="27893" marR="27893" marT="18595" marB="18595" anchor="b">
-                    <a:lnL w="9525" cap="flat" cmpd="sng" algn="ctr">
-                      <a:solidFill>
-                        <a:srgbClr val="CCCCCC"/>
-                      </a:solidFill>
-                      <a:prstDash val="solid"/>
-                      <a:round/>
-                      <a:headEnd type="none" w="med" len="med"/>
-                      <a:tailEnd type="none" w="med" len="med"/>
-                    </a:lnL>
-                    <a:lnR w="9525" cap="flat" cmpd="sng" algn="ctr">
-                      <a:solidFill>
-                        <a:srgbClr val="CCCCCC"/>
-                      </a:solidFill>
-                      <a:prstDash val="solid"/>
-                      <a:round/>
-                      <a:headEnd type="none" w="med" len="med"/>
-                      <a:tailEnd type="none" w="med" len="med"/>
-                    </a:lnR>
-                    <a:lnT w="9525" cap="flat" cmpd="sng" algn="ctr">
-                      <a:solidFill>
-                        <a:srgbClr val="CCCCCC"/>
-                      </a:solidFill>
-                      <a:prstDash val="solid"/>
-                      <a:round/>
-                      <a:headEnd type="none" w="med" len="med"/>
-                      <a:tailEnd type="none" w="med" len="med"/>
-                    </a:lnT>
-                    <a:lnB w="9525" cap="flat" cmpd="sng" algn="ctr">
-                      <a:solidFill>
-                        <a:srgbClr val="CCCCCC"/>
-                      </a:solidFill>
-                      <a:prstDash val="solid"/>
-                      <a:round/>
-                      <a:headEnd type="none" w="med" len="med"/>
-                      <a:tailEnd type="none" w="med" len="med"/>
-                    </a:lnB>
-                    <a:noFill/>
-                  </a:tcPr>
-                </a:tc>
-                <a:extLst>
-                  <a:ext uri="{0D108BD9-81ED-4DB2-BD59-A6C34878D82A}">
-                    <a16:rowId xmlns:a16="http://schemas.microsoft.com/office/drawing/2014/main" val="1549288823"/>
-                  </a:ext>
-                </a:extLst>
-              </a:tr>
-            </a:tbl>
-          </a:graphicData>
-        </a:graphic>
-      </p:graphicFrame>
-      <p:graphicFrame>
-        <p:nvGraphicFramePr>
-          <p:cNvPr id="14" name="Table 13">
-            <a:extLst>
-              <a:ext uri="{FF2B5EF4-FFF2-40B4-BE49-F238E27FC236}">
-                <a16:creationId xmlns:a16="http://schemas.microsoft.com/office/drawing/2014/main" id="{E11ED488-6060-7B56-DDDF-E1545D79C8A4}"/>
-              </a:ext>
-            </a:extLst>
-          </p:cNvPr>
-          <p:cNvGraphicFramePr>
-            <a:graphicFrameLocks noGrp="1"/>
-          </p:cNvGraphicFramePr>
-          <p:nvPr/>
-        </p:nvGraphicFramePr>
-        <p:xfrm>
-          <a:off x="2696044" y="4212559"/>
-          <a:ext cx="2541410" cy="892068"/>
-        </p:xfrm>
-        <a:graphic>
-          <a:graphicData uri="http://schemas.openxmlformats.org/drawingml/2006/table">
-            <a:tbl>
-              <a:tblPr/>
-              <a:tblGrid>
-                <a:gridCol w="1268402">
-                  <a:extLst>
-                    <a:ext uri="{9D8B030D-6E8A-4147-A177-3AD203B41FA5}">
-                      <a16:colId xmlns:a16="http://schemas.microsoft.com/office/drawing/2014/main" val="3020216521"/>
-                    </a:ext>
-                  </a:extLst>
-                </a:gridCol>
-                <a:gridCol w="1273008">
-                  <a:extLst>
-                    <a:ext uri="{9D8B030D-6E8A-4147-A177-3AD203B41FA5}">
-                      <a16:colId xmlns:a16="http://schemas.microsoft.com/office/drawing/2014/main" val="2583043952"/>
-                    </a:ext>
-                  </a:extLst>
-                </a:gridCol>
-              </a:tblGrid>
-              <a:tr h="446034">
-                <a:tc>
-                  <a:txBody>
-                    <a:bodyPr/>
-                    <a:lstStyle/>
-                    <a:p>
-                      <a:pPr algn="ctr" rtl="0" fontAlgn="ctr"/>
-                      <a:r>
-                        <a:rPr lang="it-IT" sz="1400" b="1" dirty="0">
-                          <a:effectLst/>
-                        </a:rPr>
-                        <a:t>INIZIO:</a:t>
-                      </a:r>
-                    </a:p>
-                  </a:txBody>
-                  <a:tcPr marL="28575" marR="28575" marT="19050" marB="19050" anchor="ctr">
-                    <a:lnL w="9525" cap="flat" cmpd="sng" algn="ctr">
-                      <a:solidFill>
-                        <a:srgbClr val="CCCCCC"/>
-                      </a:solidFill>
-                      <a:prstDash val="solid"/>
-                      <a:round/>
-                      <a:headEnd type="none" w="med" len="med"/>
-                      <a:tailEnd type="none" w="med" len="med"/>
-                    </a:lnL>
-                    <a:lnR w="9525" cap="flat" cmpd="sng" algn="ctr">
-                      <a:solidFill>
-                        <a:srgbClr val="CCCCCC"/>
-                      </a:solidFill>
-                      <a:prstDash val="solid"/>
-                      <a:round/>
-                      <a:headEnd type="none" w="med" len="med"/>
-                      <a:tailEnd type="none" w="med" len="med"/>
-                    </a:lnR>
-                    <a:lnT w="9525" cap="flat" cmpd="sng" algn="ctr">
-                      <a:solidFill>
-                        <a:srgbClr val="CCCCCC"/>
-                      </a:solidFill>
-                      <a:prstDash val="solid"/>
-                      <a:round/>
-                      <a:headEnd type="none" w="med" len="med"/>
-                      <a:tailEnd type="none" w="med" len="med"/>
-                    </a:lnT>
-                    <a:lnB w="9525" cap="flat" cmpd="sng" algn="ctr">
-                      <a:solidFill>
-                        <a:srgbClr val="CCCCCC"/>
-                      </a:solidFill>
-                      <a:prstDash val="solid"/>
-                      <a:round/>
-                      <a:headEnd type="none" w="med" len="med"/>
-                      <a:tailEnd type="none" w="med" len="med"/>
-                    </a:lnB>
-                    <a:solidFill>
-                      <a:srgbClr val="FFF2CC"/>
-                    </a:solidFill>
-                  </a:tcPr>
-                </a:tc>
-                <a:tc>
-                  <a:txBody>
-                    <a:bodyPr/>
-                    <a:lstStyle/>
-                    <a:p>
-                      <a:pPr algn="ctr" rtl="0" fontAlgn="ctr"/>
-                      <a:r>
-                        <a:rPr lang="it-IT" sz="1800" b="1" dirty="0">
-                          <a:solidFill>
-                            <a:srgbClr val="FF9900"/>
-                          </a:solidFill>
-                          <a:effectLst/>
-                        </a:rPr>
-                        <a:t>30/12/24</a:t>
-                      </a:r>
-                    </a:p>
-                  </a:txBody>
-                  <a:tcPr marL="28575" marR="28575" marT="19050" marB="19050" anchor="ctr">
-                    <a:lnL w="9525" cap="flat" cmpd="sng" algn="ctr">
-                      <a:solidFill>
-                        <a:srgbClr val="CCCCCC"/>
-                      </a:solidFill>
-                      <a:prstDash val="solid"/>
-                      <a:round/>
-                      <a:headEnd type="none" w="med" len="med"/>
-                      <a:tailEnd type="none" w="med" len="med"/>
-                    </a:lnL>
-                    <a:lnR w="9525" cap="flat" cmpd="sng" algn="ctr">
-                      <a:solidFill>
-                        <a:srgbClr val="CCCCCC"/>
-                      </a:solidFill>
-                      <a:prstDash val="solid"/>
-                      <a:round/>
-                      <a:headEnd type="none" w="med" len="med"/>
-                      <a:tailEnd type="none" w="med" len="med"/>
-                    </a:lnR>
-                    <a:lnT w="9525" cap="flat" cmpd="sng" algn="ctr">
-                      <a:solidFill>
-                        <a:srgbClr val="CCCCCC"/>
-                      </a:solidFill>
-                      <a:prstDash val="solid"/>
-                      <a:round/>
-                      <a:headEnd type="none" w="med" len="med"/>
-                      <a:tailEnd type="none" w="med" len="med"/>
-                    </a:lnT>
-                    <a:lnB w="9525" cap="flat" cmpd="sng" algn="ctr">
-                      <a:solidFill>
-                        <a:srgbClr val="CCCCCC"/>
-                      </a:solidFill>
-                      <a:prstDash val="solid"/>
-                      <a:round/>
-                      <a:headEnd type="none" w="med" len="med"/>
-                      <a:tailEnd type="none" w="med" len="med"/>
-                    </a:lnB>
-                    <a:solidFill>
-                      <a:srgbClr val="FFF2CC"/>
-                    </a:solidFill>
-                  </a:tcPr>
-                </a:tc>
-                <a:extLst>
-                  <a:ext uri="{0D108BD9-81ED-4DB2-BD59-A6C34878D82A}">
-                    <a16:rowId xmlns:a16="http://schemas.microsoft.com/office/drawing/2014/main" val="3470158487"/>
-                  </a:ext>
-                </a:extLst>
-              </a:tr>
-              <a:tr h="446034">
-                <a:tc>
-                  <a:txBody>
-                    <a:bodyPr/>
-                    <a:lstStyle/>
-                    <a:p>
-                      <a:pPr algn="ctr" rtl="0" fontAlgn="ctr"/>
-                      <a:r>
-                        <a:rPr lang="it-IT" sz="1400" b="1" dirty="0">
-                          <a:effectLst/>
-                        </a:rPr>
-                        <a:t>FINE:</a:t>
-                      </a:r>
-                    </a:p>
-                  </a:txBody>
-                  <a:tcPr marL="28575" marR="28575" marT="19050" marB="19050" anchor="ctr">
-                    <a:lnL w="9525" cap="flat" cmpd="sng" algn="ctr">
-                      <a:solidFill>
-                        <a:srgbClr val="CCCCCC"/>
-                      </a:solidFill>
-                      <a:prstDash val="solid"/>
-                      <a:round/>
-                      <a:headEnd type="none" w="med" len="med"/>
-                      <a:tailEnd type="none" w="med" len="med"/>
-                    </a:lnL>
-                    <a:lnR w="9525" cap="flat" cmpd="sng" algn="ctr">
-                      <a:solidFill>
-                        <a:srgbClr val="CCCCCC"/>
-                      </a:solidFill>
-                      <a:prstDash val="solid"/>
-                      <a:round/>
-                      <a:headEnd type="none" w="med" len="med"/>
-                      <a:tailEnd type="none" w="med" len="med"/>
-                    </a:lnR>
-                    <a:lnT w="9525" cap="flat" cmpd="sng" algn="ctr">
-                      <a:solidFill>
-                        <a:srgbClr val="CCCCCC"/>
-                      </a:solidFill>
-                      <a:prstDash val="solid"/>
-                      <a:round/>
-                      <a:headEnd type="none" w="med" len="med"/>
-                      <a:tailEnd type="none" w="med" len="med"/>
-                    </a:lnT>
-                    <a:lnB w="9525" cap="flat" cmpd="sng" algn="ctr">
-                      <a:solidFill>
-                        <a:srgbClr val="CCCCCC"/>
-                      </a:solidFill>
-                      <a:prstDash val="solid"/>
-                      <a:round/>
-                      <a:headEnd type="none" w="med" len="med"/>
-                      <a:tailEnd type="none" w="med" len="med"/>
-                    </a:lnB>
-                    <a:solidFill>
-                      <a:srgbClr val="FFF2CC"/>
-                    </a:solidFill>
-                  </a:tcPr>
-                </a:tc>
-                <a:tc>
-                  <a:txBody>
-                    <a:bodyPr/>
-                    <a:lstStyle/>
-                    <a:p>
-                      <a:pPr algn="ctr" rtl="0" fontAlgn="ctr"/>
-                      <a:r>
-                        <a:rPr lang="it-IT" sz="1800" b="1" dirty="0">
-                          <a:solidFill>
-                            <a:srgbClr val="FF9900"/>
-                          </a:solidFill>
-                          <a:effectLst/>
-                        </a:rPr>
-                        <a:t>13/1/25</a:t>
-                      </a:r>
-                    </a:p>
-                  </a:txBody>
-                  <a:tcPr marL="28575" marR="28575" marT="19050" marB="19050" anchor="ctr">
-                    <a:lnL w="9525" cap="flat" cmpd="sng" algn="ctr">
-                      <a:solidFill>
-                        <a:srgbClr val="CCCCCC"/>
-                      </a:solidFill>
-                      <a:prstDash val="solid"/>
-                      <a:round/>
-                      <a:headEnd type="none" w="med" len="med"/>
-                      <a:tailEnd type="none" w="med" len="med"/>
-                    </a:lnL>
-                    <a:lnR w="9525" cap="flat" cmpd="sng" algn="ctr">
-                      <a:solidFill>
-                        <a:srgbClr val="CCCCCC"/>
-                      </a:solidFill>
-                      <a:prstDash val="solid"/>
-                      <a:round/>
-                      <a:headEnd type="none" w="med" len="med"/>
-                      <a:tailEnd type="none" w="med" len="med"/>
-                    </a:lnR>
-                    <a:lnT w="9525" cap="flat" cmpd="sng" algn="ctr">
-                      <a:solidFill>
-                        <a:srgbClr val="CCCCCC"/>
-                      </a:solidFill>
-                      <a:prstDash val="solid"/>
-                      <a:round/>
-                      <a:headEnd type="none" w="med" len="med"/>
-                      <a:tailEnd type="none" w="med" len="med"/>
-                    </a:lnT>
-                    <a:lnB w="9525" cap="flat" cmpd="sng" algn="ctr">
-                      <a:solidFill>
-                        <a:srgbClr val="CCCCCC"/>
-                      </a:solidFill>
-                      <a:prstDash val="solid"/>
-                      <a:round/>
-                      <a:headEnd type="none" w="med" len="med"/>
-                      <a:tailEnd type="none" w="med" len="med"/>
-                    </a:lnB>
-                    <a:solidFill>
-                      <a:srgbClr val="FFF2CC"/>
-                    </a:solidFill>
-                  </a:tcPr>
-                </a:tc>
-                <a:extLst>
-                  <a:ext uri="{0D108BD9-81ED-4DB2-BD59-A6C34878D82A}">
-                    <a16:rowId xmlns:a16="http://schemas.microsoft.com/office/drawing/2014/main" val="3577758038"/>
-                  </a:ext>
-                </a:extLst>
-              </a:tr>
-            </a:tbl>
-          </a:graphicData>
-        </a:graphic>
-      </p:graphicFrame>
-      <p:sp>
-        <p:nvSpPr>
-          <p:cNvPr id="3" name="CasellaDiTesto 2">
-            <a:extLst>
-              <a:ext uri="{FF2B5EF4-FFF2-40B4-BE49-F238E27FC236}">
-                <a16:creationId xmlns:a16="http://schemas.microsoft.com/office/drawing/2014/main" id="{8E724B7D-D24A-7E78-8C05-3A97A43C1472}"/>
-              </a:ext>
-            </a:extLst>
-          </p:cNvPr>
-          <p:cNvSpPr txBox="1"/>
-          <p:nvPr/>
-        </p:nvSpPr>
-        <p:spPr>
-          <a:xfrm rot="20045974">
-            <a:off x="303705" y="2886327"/>
-            <a:ext cx="8315088" cy="1107996"/>
-          </a:xfrm>
-          <a:prstGeom prst="rect">
-            <a:avLst/>
-          </a:prstGeom>
-          <a:noFill/>
-        </p:spPr>
-        <p:txBody>
-          <a:bodyPr wrap="square" rtlCol="0">
-            <a:spAutoFit/>
-          </a:bodyPr>
-          <a:lstStyle/>
-          <a:p>
-            <a:pPr algn="ctr"/>
-            <a:r>
-              <a:rPr lang="it-IT" sz="6600" dirty="0">
-                <a:solidFill>
-                  <a:srgbClr val="FF0000"/>
-                </a:solidFill>
-              </a:rPr>
-              <a:t>CAMBIAREEEEEEEE</a:t>
-            </a:r>
-            <a:endParaRPr lang="it-IT" sz="6600" noProof="0" dirty="0">
-              <a:solidFill>
-                <a:srgbClr val="FF0000"/>
-              </a:solidFill>
-            </a:endParaRPr>
-          </a:p>
-        </p:txBody>
-      </p:sp>
-    </p:spTree>
-    <p:extLst>
-      <p:ext uri="{BB962C8B-B14F-4D97-AF65-F5344CB8AC3E}">
-        <p14:creationId xmlns:p14="http://schemas.microsoft.com/office/powerpoint/2010/main" val="1949581633"/>
-      </p:ext>
-    </p:extLst>
-  </p:cSld>
-  <p:clrMapOvr>
-    <a:masterClrMapping/>
-  </p:clrMapOvr>
-</p:sld>
-</file>
-
-<file path=ppt/slides/slide21.xml><?xml version="1.0" encoding="utf-8"?>
-<p:sld xmlns:a="http://schemas.openxmlformats.org/drawingml/2006/main" xmlns:r="http://schemas.openxmlformats.org/officeDocument/2006/relationships" xmlns:p="http://schemas.openxmlformats.org/presentationml/2006/main">
-  <p:cSld>
-    <p:spTree>
-      <p:nvGrpSpPr>
-        <p:cNvPr id="1" name="">
-          <a:extLst>
-            <a:ext uri="{FF2B5EF4-FFF2-40B4-BE49-F238E27FC236}">
               <a16:creationId xmlns:a16="http://schemas.microsoft.com/office/drawing/2014/main" id="{57F0FE98-804D-1E92-D6E6-BD1E00529E16}"/>
             </a:ext>
           </a:extLst>
@@ -14122,12 +13502,12 @@
           <a:lstStyle/>
           <a:p>
             <a:r>
-              <a:rPr lang="it-IT" sz="1400" dirty="0">
+              <a:rPr lang="it-IT" sz="1400" noProof="0" dirty="0" smtClean="0">
                 <a:solidFill>
                   <a:schemeClr val="bg1"/>
                 </a:solidFill>
               </a:rPr>
-              <a:t>18</a:t>
+              <a:t>20</a:t>
             </a:r>
             <a:endParaRPr lang="it-IT" sz="1400" noProof="0" dirty="0"/>
           </a:p>
@@ -19209,7 +18589,7 @@
 </p:sld>
 </file>
 
-<file path=ppt/slides/slide22.xml><?xml version="1.0" encoding="utf-8"?>
+<file path=ppt/slides/slide21.xml><?xml version="1.0" encoding="utf-8"?>
 <p:sld xmlns:a="http://schemas.openxmlformats.org/drawingml/2006/main" xmlns:r="http://schemas.openxmlformats.org/officeDocument/2006/relationships" xmlns:p="http://schemas.openxmlformats.org/presentationml/2006/main">
   <p:cSld>
     <p:spTree>
@@ -19553,12 +18933,12 @@
           <a:lstStyle/>
           <a:p>
             <a:r>
-              <a:rPr lang="it-IT" sz="1400" dirty="0">
+              <a:rPr lang="it-IT" sz="1400" noProof="0" dirty="0" smtClean="0">
                 <a:solidFill>
                   <a:schemeClr val="bg1"/>
                 </a:solidFill>
               </a:rPr>
-              <a:t>19</a:t>
+              <a:t>21</a:t>
             </a:r>
             <a:endParaRPr lang="it-IT" sz="1400" noProof="0" dirty="0"/>
           </a:p>
@@ -19650,7 +19030,7 @@
 </p:sld>
 </file>
 
-<file path=ppt/slides/slide23.xml><?xml version="1.0" encoding="utf-8"?>
+<file path=ppt/slides/slide22.xml><?xml version="1.0" encoding="utf-8"?>
 <p:sld xmlns:a="http://schemas.openxmlformats.org/drawingml/2006/main" xmlns:r="http://schemas.openxmlformats.org/officeDocument/2006/relationships" xmlns:p="http://schemas.openxmlformats.org/presentationml/2006/main">
   <p:cSld>
     <p:spTree>
@@ -20214,12 +19594,12 @@
           <a:lstStyle/>
           <a:p>
             <a:r>
-              <a:rPr lang="it-IT" sz="1400" dirty="0">
+              <a:rPr lang="it-IT" sz="1400" dirty="0" smtClean="0">
                 <a:solidFill>
                   <a:schemeClr val="bg1"/>
                 </a:solidFill>
               </a:rPr>
-              <a:t>20</a:t>
+              <a:t>22</a:t>
             </a:r>
             <a:endParaRPr lang="it-IT" sz="1400" noProof="0" dirty="0"/>
           </a:p>
@@ -20818,6 +20198,17 @@
               </a:rPr>
               <a:t>tenancy</a:t>
             </a:r>
+            <a:r>
+              <a:rPr lang="it-IT" noProof="0" dirty="0">
+                <a:solidFill>
+                  <a:schemeClr val="tx1">
+                    <a:lumMod val="85000"/>
+                    <a:lumOff val="15000"/>
+                  </a:schemeClr>
+                </a:solidFill>
+              </a:rPr>
+              <a:t/>
+            </a:r>
             <a:br>
               <a:rPr lang="it-IT" noProof="0" dirty="0">
                 <a:solidFill>
@@ -20828,6 +20219,17 @@
                 </a:solidFill>
               </a:rPr>
             </a:br>
+            <a:r>
+              <a:rPr lang="it-IT" noProof="0" dirty="0">
+                <a:solidFill>
+                  <a:schemeClr val="tx1">
+                    <a:lumMod val="85000"/>
+                    <a:lumOff val="15000"/>
+                  </a:schemeClr>
+                </a:solidFill>
+              </a:rPr>
+              <a:t/>
+            </a:r>
             <a:br>
               <a:rPr lang="it-IT" noProof="0" dirty="0">
                 <a:solidFill>
@@ -21590,6 +20992,17 @@
           </a:bodyPr>
           <a:lstStyle/>
           <a:p>
+            <a:r>
+              <a:rPr lang="it-IT" noProof="0" dirty="0">
+                <a:solidFill>
+                  <a:schemeClr val="tx1">
+                    <a:lumMod val="85000"/>
+                    <a:lumOff val="15000"/>
+                  </a:schemeClr>
+                </a:solidFill>
+              </a:rPr>
+              <a:t/>
+            </a:r>
             <a:br>
               <a:rPr lang="it-IT" noProof="0" dirty="0">
                 <a:solidFill>
@@ -22301,14 +21714,13 @@
           <a:lstStyle/>
           <a:p>
             <a:r>
-              <a:rPr lang="it-IT" sz="1400" noProof="0" dirty="0">
+              <a:rPr lang="it-IT" sz="1400" dirty="0" smtClean="0">
                 <a:solidFill>
                   <a:schemeClr val="bg1"/>
                 </a:solidFill>
               </a:rPr>
               <a:t>5</a:t>
             </a:r>
-            <a:endParaRPr lang="it-IT" sz="1400" noProof="0" dirty="0"/>
           </a:p>
         </p:txBody>
       </p:sp>
@@ -22376,6 +21788,17 @@
           </a:bodyPr>
           <a:lstStyle/>
           <a:p>
+            <a:r>
+              <a:rPr lang="it-IT" noProof="0" dirty="0">
+                <a:solidFill>
+                  <a:schemeClr val="tx1">
+                    <a:lumMod val="85000"/>
+                    <a:lumOff val="15000"/>
+                  </a:schemeClr>
+                </a:solidFill>
+              </a:rPr>
+              <a:t/>
+            </a:r>
             <a:br>
               <a:rPr lang="it-IT" noProof="0" dirty="0">
                 <a:solidFill>
@@ -22412,7 +21835,7 @@
         <p:spPr>
           <a:xfrm>
             <a:off x="639726" y="1613118"/>
-            <a:ext cx="6654054" cy="4708981"/>
+            <a:ext cx="6654054" cy="3200876"/>
           </a:xfrm>
           <a:prstGeom prst="rect">
             <a:avLst/>
@@ -22434,8 +21857,38 @@
                   </a:schemeClr>
                 </a:solidFill>
               </a:rPr>
-              <a:t>Benefici</a:t>
-            </a:r>
+              <a:t>Soluzione (Single Database, Separate </a:t>
+            </a:r>
+            <a:r>
+              <a:rPr lang="it-IT" b="1" u="sng" dirty="0" err="1">
+                <a:solidFill>
+                  <a:schemeClr val="tx1">
+                    <a:lumMod val="85000"/>
+                    <a:lumOff val="15000"/>
+                  </a:schemeClr>
+                </a:solidFill>
+              </a:rPr>
+              <a:t>Schemas</a:t>
+            </a:r>
+            <a:r>
+              <a:rPr lang="it-IT" b="1" u="sng" dirty="0">
+                <a:solidFill>
+                  <a:schemeClr val="tx1">
+                    <a:lumMod val="85000"/>
+                    <a:lumOff val="15000"/>
+                  </a:schemeClr>
+                </a:solidFill>
+              </a:rPr>
+              <a:t>)</a:t>
+            </a:r>
+            <a:endParaRPr lang="it-IT" b="1" u="sng" noProof="0" dirty="0">
+              <a:solidFill>
+                <a:schemeClr val="tx1">
+                  <a:lumMod val="85000"/>
+                  <a:lumOff val="15000"/>
+                </a:schemeClr>
+              </a:solidFill>
+            </a:endParaRPr>
           </a:p>
           <a:p>
             <a:endParaRPr lang="it-IT" b="1" dirty="0">
@@ -22455,7 +21908,7 @@
             </a:r>
             <a:r>
               <a:rPr lang="en-GB" b="1" dirty="0" err="1"/>
-              <a:t>Sicurezza</a:t>
+              <a:t>Schemi</a:t>
             </a:r>
             <a:r>
               <a:rPr lang="en-GB" b="1" dirty="0"/>
@@ -22463,7 +21916,7 @@
             </a:r>
             <a:r>
               <a:rPr lang="en-GB" b="1" dirty="0" err="1"/>
-              <a:t>avanzata</a:t>
+              <a:t>separati</a:t>
             </a:r>
             <a:r>
               <a:rPr lang="en-GB" dirty="0"/>
@@ -22478,7 +21931,7 @@
             </a:pPr>
             <a:r>
               <a:rPr lang="it-IT" sz="1600" dirty="0"/>
-              <a:t>Isolando i dati dei </a:t>
+              <a:t>Ogni </a:t>
             </a:r>
             <a:r>
               <a:rPr lang="it-IT" sz="1600" dirty="0" err="1"/>
@@ -22486,13 +21939,33 @@
             </a:r>
             <a:r>
               <a:rPr lang="it-IT" sz="1600" dirty="0"/>
-              <a:t>, si riducono i rischi di accesso non autorizzato ai dati di altri </a:t>
-            </a:r>
-            <a:r>
-              <a:rPr lang="it-IT" sz="1600" dirty="0" err="1"/>
-              <a:t>tenant</a:t>
-            </a:r>
-            <a:endParaRPr lang="it-IT" sz="1600" dirty="0"/>
+              <a:t> dispone del proprio schema nel database condiviso</a:t>
+            </a:r>
+            <a:endParaRPr lang="en-GB" sz="1600" dirty="0"/>
+          </a:p>
+          <a:p>
+            <a:pPr lvl="0"/>
+            <a:r>
+              <a:rPr lang="en-GB" b="1" dirty="0"/>
+              <a:t>- </a:t>
+            </a:r>
+            <a:r>
+              <a:rPr lang="en-GB" b="1" dirty="0" err="1"/>
+              <a:t>Utenti</a:t>
+            </a:r>
+            <a:r>
+              <a:rPr lang="en-GB" b="1" dirty="0"/>
+              <a:t> database </a:t>
+            </a:r>
+            <a:r>
+              <a:rPr lang="en-GB" b="1" dirty="0" err="1"/>
+              <a:t>dedicati</a:t>
+            </a:r>
+            <a:r>
+              <a:rPr lang="en-GB" dirty="0"/>
+              <a:t>:</a:t>
+            </a:r>
+            <a:endParaRPr lang="en-GB" sz="1600" dirty="0"/>
           </a:p>
           <a:p>
             <a:pPr marL="742950" lvl="1" indent="-285750">
@@ -22501,12 +21974,16 @@
             </a:pPr>
             <a:r>
               <a:rPr lang="it-IT" sz="1600" dirty="0"/>
-              <a:t>Protezione da attacchi inter-</a:t>
+              <a:t>Ogni </a:t>
             </a:r>
             <a:r>
               <a:rPr lang="it-IT" sz="1600" dirty="0" err="1"/>
               <a:t>tenant</a:t>
             </a:r>
+            <a:r>
+              <a:rPr lang="it-IT" sz="1600" dirty="0"/>
+              <a:t> dispone di un utente configurato con privilegi limitati sul relativo schema</a:t>
+            </a:r>
             <a:endParaRPr lang="en-GB" sz="1600" dirty="0"/>
           </a:p>
           <a:p>
@@ -22517,7 +21994,7 @@
             </a:r>
             <a:r>
               <a:rPr lang="en-GB" b="1" dirty="0" err="1"/>
-              <a:t>Conformità</a:t>
+              <a:t>Connessioni</a:t>
             </a:r>
             <a:r>
               <a:rPr lang="en-GB" b="1" dirty="0"/>
@@ -22525,11 +22002,11 @@
             </a:r>
             <a:r>
               <a:rPr lang="en-GB" b="1" dirty="0" err="1"/>
-              <a:t>alle</a:t>
+              <a:t>dinamiche</a:t>
             </a:r>
             <a:r>
               <a:rPr lang="en-GB" b="1" dirty="0"/>
-              <a:t> normative:</a:t>
+              <a:t>:</a:t>
             </a:r>
             <a:endParaRPr lang="en-GB" sz="1600" b="1" dirty="0"/>
           </a:p>
@@ -22540,125 +22017,23 @@
             </a:pPr>
             <a:r>
               <a:rPr lang="it-IT" sz="1600" dirty="0"/>
-              <a:t>Miglior aderenza a regolamenti come il GDPR o SOC 2</a:t>
-            </a:r>
-          </a:p>
-          <a:p>
-            <a:pPr marL="742950" lvl="1" indent="-285750">
-              <a:buFont typeface="Arial" panose="020B0604020202020204" pitchFamily="34" charset="0"/>
-              <a:buChar char="•"/>
-            </a:pPr>
-            <a:r>
-              <a:rPr lang="it-IT" sz="1600" dirty="0"/>
-              <a:t>Facilita l’auditing e la creazione di report dettagliati per ogni </a:t>
+              <a:t>Il provider delle connessioni seleziona l’utente appropriato in base all’identificatore del </a:t>
             </a:r>
             <a:r>
               <a:rPr lang="it-IT" sz="1600" dirty="0" err="1"/>
               <a:t>tenant</a:t>
             </a:r>
-            <a:endParaRPr lang="it-IT" sz="1600" dirty="0"/>
-          </a:p>
-          <a:p>
-            <a:pPr lvl="0"/>
-            <a:r>
-              <a:rPr lang="en-GB" b="1" dirty="0"/>
-              <a:t>- </a:t>
-            </a:r>
-            <a:r>
-              <a:rPr lang="en-GB" b="1" dirty="0" err="1"/>
-              <a:t>Affidabilità</a:t>
-            </a:r>
-            <a:r>
-              <a:rPr lang="en-GB" b="1" dirty="0"/>
-              <a:t> e </a:t>
-            </a:r>
-            <a:r>
-              <a:rPr lang="en-GB" b="1" dirty="0" err="1"/>
-              <a:t>gestione</a:t>
-            </a:r>
-            <a:r>
-              <a:rPr lang="en-GB" b="1" dirty="0"/>
-              <a:t>:</a:t>
-            </a:r>
-            <a:endParaRPr lang="it-IT" dirty="0"/>
-          </a:p>
-          <a:p>
-            <a:pPr marL="742950" lvl="1" indent="-285750">
-              <a:buFont typeface="Arial" panose="020B0604020202020204" pitchFamily="34" charset="0"/>
-              <a:buChar char="•"/>
-            </a:pPr>
             <a:r>
               <a:rPr lang="it-IT" sz="1600" dirty="0"/>
-              <a:t>Riduzione del rischio di conflitti nei dati causati da modifiche involontarie tra </a:t>
+              <a:t>, garantendo l'isolamento a livello di </a:t>
             </a:r>
             <a:r>
               <a:rPr lang="it-IT" sz="1600" dirty="0" err="1"/>
-              <a:t>tenant</a:t>
-            </a:r>
-            <a:endParaRPr lang="it-IT" sz="1600" dirty="0"/>
-          </a:p>
-          <a:p>
-            <a:pPr marL="742950" lvl="1" indent="-285750">
-              <a:buFont typeface="Arial" panose="020B0604020202020204" pitchFamily="34" charset="0"/>
-              <a:buChar char="•"/>
-            </a:pPr>
+              <a:t>query</a:t>
+            </a:r>
             <a:r>
               <a:rPr lang="it-IT" sz="1600" dirty="0"/>
-              <a:t>Facilità di implementare backup o ripristino specifici per ogni </a:t>
-            </a:r>
-            <a:r>
-              <a:rPr lang="it-IT" sz="1600" dirty="0" err="1"/>
-              <a:t>tenant</a:t>
-            </a:r>
-            <a:endParaRPr lang="it-IT" sz="1600" dirty="0"/>
-          </a:p>
-          <a:p>
-            <a:r>
-              <a:rPr lang="en-GB" b="1" dirty="0"/>
-              <a:t>- </a:t>
-            </a:r>
-            <a:r>
-              <a:rPr lang="en-GB" b="1" dirty="0" err="1"/>
-              <a:t>Flessibilità</a:t>
-            </a:r>
-            <a:r>
-              <a:rPr lang="en-GB" b="1" dirty="0"/>
-              <a:t> </a:t>
-            </a:r>
-            <a:r>
-              <a:rPr lang="en-GB" b="1" dirty="0" err="1"/>
-              <a:t>nei</a:t>
-            </a:r>
-            <a:r>
-              <a:rPr lang="en-GB" b="1" dirty="0"/>
-              <a:t> </a:t>
-            </a:r>
-            <a:r>
-              <a:rPr lang="en-GB" b="1" dirty="0" err="1"/>
-              <a:t>servizi</a:t>
-            </a:r>
-            <a:r>
-              <a:rPr lang="en-GB" dirty="0"/>
-              <a:t>:</a:t>
-            </a:r>
-            <a:endParaRPr lang="en-GB" sz="1600" dirty="0"/>
-          </a:p>
-          <a:p>
-            <a:pPr marL="742950" lvl="1" indent="-285750">
-              <a:buFont typeface="Arial" panose="020B0604020202020204" pitchFamily="34" charset="0"/>
-              <a:buChar char="•"/>
-            </a:pPr>
-            <a:r>
-              <a:rPr lang="it-IT" sz="1600" dirty="0"/>
-              <a:t>Possibilità di offrire personalizzazioni uniche a ciascun </a:t>
-            </a:r>
-            <a:r>
-              <a:rPr lang="it-IT" sz="1600" dirty="0" err="1"/>
-              <a:t>tenant</a:t>
-            </a:r>
-            <a:r>
-              <a:rPr lang="it-IT" sz="1600" dirty="0"/>
-              <a:t> senza impattare sugli altri</a:t>
+              <a:t> SQL e operazioni database</a:t>
             </a:r>
             <a:endParaRPr lang="en-GB" sz="1600" dirty="0"/>
           </a:p>
@@ -22714,7 +22089,7 @@
     </p:spTree>
     <p:extLst>
       <p:ext uri="{BB962C8B-B14F-4D97-AF65-F5344CB8AC3E}">
-        <p14:creationId xmlns:p14="http://schemas.microsoft.com/office/powerpoint/2010/main" val="2596038935"/>
+        <p14:creationId xmlns:p14="http://schemas.microsoft.com/office/powerpoint/2010/main" val="650115643"/>
       </p:ext>
     </p:extLst>
   </p:cSld>
@@ -23157,7 +22532,7 @@
           </a:bodyPr>
           <a:lstStyle/>
           <a:p>
-            <a:br>
+            <a:r>
               <a:rPr lang="it-IT" noProof="0" dirty="0">
                 <a:solidFill>
                   <a:schemeClr val="tx1">
@@ -23166,730 +22541,8 @@
                   </a:schemeClr>
                 </a:solidFill>
               </a:rPr>
-            </a:br>
-            <a:endParaRPr lang="it-IT" noProof="0" dirty="0">
-              <a:solidFill>
-                <a:schemeClr val="tx1">
-                  <a:lumMod val="85000"/>
-                  <a:lumOff val="15000"/>
-                </a:schemeClr>
-              </a:solidFill>
-            </a:endParaRPr>
-          </a:p>
-        </p:txBody>
-      </p:sp>
-      <p:sp>
-        <p:nvSpPr>
-          <p:cNvPr id="12" name="CasellaDiTesto 6">
-            <a:extLst>
-              <a:ext uri="{FF2B5EF4-FFF2-40B4-BE49-F238E27FC236}">
-                <a16:creationId xmlns:a16="http://schemas.microsoft.com/office/drawing/2014/main" id="{8290C57E-5561-FDA2-5EFB-EDC39761C52E}"/>
-              </a:ext>
-            </a:extLst>
-          </p:cNvPr>
-          <p:cNvSpPr txBox="1"/>
-          <p:nvPr/>
-        </p:nvSpPr>
-        <p:spPr>
-          <a:xfrm>
-            <a:off x="639726" y="1613118"/>
-            <a:ext cx="6654054" cy="3200876"/>
-          </a:xfrm>
-          <a:prstGeom prst="rect">
-            <a:avLst/>
-          </a:prstGeom>
-          <a:noFill/>
-        </p:spPr>
-        <p:txBody>
-          <a:bodyPr wrap="square" rtlCol="0">
-            <a:spAutoFit/>
-          </a:bodyPr>
-          <a:lstStyle/>
-          <a:p>
-            <a:r>
-              <a:rPr lang="it-IT" b="1" u="sng" dirty="0">
-                <a:solidFill>
-                  <a:schemeClr val="tx1">
-                    <a:lumMod val="85000"/>
-                    <a:lumOff val="15000"/>
-                  </a:schemeClr>
-                </a:solidFill>
-              </a:rPr>
-              <a:t>Soluzione (Single Database, Separate </a:t>
-            </a:r>
-            <a:r>
-              <a:rPr lang="it-IT" b="1" u="sng" dirty="0" err="1">
-                <a:solidFill>
-                  <a:schemeClr val="tx1">
-                    <a:lumMod val="85000"/>
-                    <a:lumOff val="15000"/>
-                  </a:schemeClr>
-                </a:solidFill>
-              </a:rPr>
-              <a:t>Schemas</a:t>
-            </a:r>
-            <a:r>
-              <a:rPr lang="it-IT" b="1" u="sng" dirty="0">
-                <a:solidFill>
-                  <a:schemeClr val="tx1">
-                    <a:lumMod val="85000"/>
-                    <a:lumOff val="15000"/>
-                  </a:schemeClr>
-                </a:solidFill>
-              </a:rPr>
-              <a:t>)</a:t>
-            </a:r>
-            <a:endParaRPr lang="it-IT" b="1" u="sng" noProof="0" dirty="0">
-              <a:solidFill>
-                <a:schemeClr val="tx1">
-                  <a:lumMod val="85000"/>
-                  <a:lumOff val="15000"/>
-                </a:schemeClr>
-              </a:solidFill>
-            </a:endParaRPr>
-          </a:p>
-          <a:p>
-            <a:endParaRPr lang="it-IT" b="1" dirty="0">
-              <a:solidFill>
-                <a:schemeClr val="tx1">
-                  <a:lumMod val="85000"/>
-                  <a:lumOff val="15000"/>
-                </a:schemeClr>
-              </a:solidFill>
-            </a:endParaRPr>
-          </a:p>
-          <a:p>
-            <a:pPr lvl="0"/>
-            <a:r>
-              <a:rPr lang="en-GB" b="1" dirty="0"/>
-              <a:t>- </a:t>
-            </a:r>
-            <a:r>
-              <a:rPr lang="en-GB" b="1" dirty="0" err="1"/>
-              <a:t>Schemi</a:t>
-            </a:r>
-            <a:r>
-              <a:rPr lang="en-GB" b="1" dirty="0"/>
-              <a:t> </a:t>
-            </a:r>
-            <a:r>
-              <a:rPr lang="en-GB" b="1" dirty="0" err="1"/>
-              <a:t>separati</a:t>
-            </a:r>
-            <a:r>
-              <a:rPr lang="en-GB" dirty="0"/>
-              <a:t>:</a:t>
-            </a:r>
-            <a:endParaRPr lang="en-GB" sz="1600" dirty="0"/>
-          </a:p>
-          <a:p>
-            <a:pPr marL="742950" lvl="1" indent="-285750">
-              <a:buFont typeface="Arial" panose="020B0604020202020204" pitchFamily="34" charset="0"/>
-              <a:buChar char="•"/>
-            </a:pPr>
-            <a:r>
-              <a:rPr lang="it-IT" sz="1600" dirty="0"/>
-              <a:t>Ogni </a:t>
-            </a:r>
-            <a:r>
-              <a:rPr lang="it-IT" sz="1600" dirty="0" err="1"/>
-              <a:t>tenant</a:t>
-            </a:r>
-            <a:r>
-              <a:rPr lang="it-IT" sz="1600" dirty="0"/>
-              <a:t> dispone del proprio schema nel database condiviso</a:t>
-            </a:r>
-            <a:endParaRPr lang="en-GB" sz="1600" dirty="0"/>
-          </a:p>
-          <a:p>
-            <a:pPr lvl="0"/>
-            <a:r>
-              <a:rPr lang="en-GB" b="1" dirty="0"/>
-              <a:t>- </a:t>
-            </a:r>
-            <a:r>
-              <a:rPr lang="en-GB" b="1" dirty="0" err="1"/>
-              <a:t>Utenti</a:t>
-            </a:r>
-            <a:r>
-              <a:rPr lang="en-GB" b="1" dirty="0"/>
-              <a:t> database </a:t>
-            </a:r>
-            <a:r>
-              <a:rPr lang="en-GB" b="1" dirty="0" err="1"/>
-              <a:t>dedicati</a:t>
-            </a:r>
-            <a:r>
-              <a:rPr lang="en-GB" dirty="0"/>
-              <a:t>:</a:t>
-            </a:r>
-            <a:endParaRPr lang="en-GB" sz="1600" dirty="0"/>
-          </a:p>
-          <a:p>
-            <a:pPr marL="742950" lvl="1" indent="-285750">
-              <a:buFont typeface="Arial" panose="020B0604020202020204" pitchFamily="34" charset="0"/>
-              <a:buChar char="•"/>
-            </a:pPr>
-            <a:r>
-              <a:rPr lang="it-IT" sz="1600" dirty="0"/>
-              <a:t>Ogni </a:t>
-            </a:r>
-            <a:r>
-              <a:rPr lang="it-IT" sz="1600" dirty="0" err="1"/>
-              <a:t>tenant</a:t>
-            </a:r>
-            <a:r>
-              <a:rPr lang="it-IT" sz="1600" dirty="0"/>
-              <a:t> dispone di un utente configurato con privilegi limitati sul relativo schema</a:t>
-            </a:r>
-            <a:endParaRPr lang="en-GB" sz="1600" dirty="0"/>
-          </a:p>
-          <a:p>
-            <a:pPr lvl="0"/>
-            <a:r>
-              <a:rPr lang="en-GB" b="1" dirty="0"/>
-              <a:t>- </a:t>
-            </a:r>
-            <a:r>
-              <a:rPr lang="en-GB" b="1" dirty="0" err="1"/>
-              <a:t>Connessioni</a:t>
-            </a:r>
-            <a:r>
-              <a:rPr lang="en-GB" b="1" dirty="0"/>
-              <a:t> </a:t>
-            </a:r>
-            <a:r>
-              <a:rPr lang="en-GB" b="1" dirty="0" err="1"/>
-              <a:t>dinamiche</a:t>
-            </a:r>
-            <a:r>
-              <a:rPr lang="en-GB" b="1" dirty="0"/>
-              <a:t>:</a:t>
-            </a:r>
-            <a:endParaRPr lang="en-GB" sz="1600" b="1" dirty="0"/>
-          </a:p>
-          <a:p>
-            <a:pPr marL="742950" lvl="1" indent="-285750">
-              <a:buFont typeface="Arial" panose="020B0604020202020204" pitchFamily="34" charset="0"/>
-              <a:buChar char="•"/>
-            </a:pPr>
-            <a:r>
-              <a:rPr lang="it-IT" sz="1600" dirty="0"/>
-              <a:t>Il provider delle connessioni seleziona l’utente appropriato in base all’identificatore del </a:t>
-            </a:r>
-            <a:r>
-              <a:rPr lang="it-IT" sz="1600" dirty="0" err="1"/>
-              <a:t>tenant</a:t>
-            </a:r>
-            <a:r>
-              <a:rPr lang="it-IT" sz="1600" dirty="0"/>
-              <a:t>, garantendo l'isolamento a livello di </a:t>
-            </a:r>
-            <a:r>
-              <a:rPr lang="it-IT" sz="1600" dirty="0" err="1"/>
-              <a:t>query</a:t>
-            </a:r>
-            <a:r>
-              <a:rPr lang="it-IT" sz="1600" dirty="0"/>
-              <a:t> SQL e operazioni database</a:t>
-            </a:r>
-            <a:endParaRPr lang="en-GB" sz="1600" dirty="0"/>
-          </a:p>
-        </p:txBody>
-      </p:sp>
-      <p:pic>
-        <p:nvPicPr>
-          <p:cNvPr id="13" name="Picture 2">
-            <a:extLst>
-              <a:ext uri="{FF2B5EF4-FFF2-40B4-BE49-F238E27FC236}">
-                <a16:creationId xmlns:a16="http://schemas.microsoft.com/office/drawing/2014/main" id="{BA9AB35F-ED47-DBCD-7041-4EA50B6DAAC3}"/>
-              </a:ext>
-            </a:extLst>
-          </p:cNvPr>
-          <p:cNvPicPr>
-            <a:picLocks noChangeAspect="1" noChangeArrowheads="1"/>
-          </p:cNvPicPr>
-          <p:nvPr/>
-        </p:nvPicPr>
-        <p:blipFill>
-          <a:blip r:embed="rId3">
-            <a:extLst>
-              <a:ext uri="{28A0092B-C50C-407E-A947-70E740481C1C}">
-                <a14:useLocalDpi xmlns:a14="http://schemas.microsoft.com/office/drawing/2010/main" val="0"/>
-              </a:ext>
-            </a:extLst>
-          </a:blip>
-          <a:srcRect/>
-          <a:stretch>
-            <a:fillRect/>
-          </a:stretch>
-        </p:blipFill>
-        <p:spPr bwMode="auto">
-          <a:xfrm>
-            <a:off x="7564795" y="2534548"/>
-            <a:ext cx="1782406" cy="2567606"/>
-          </a:xfrm>
-          <a:prstGeom prst="rect">
-            <a:avLst/>
-          </a:prstGeom>
-          <a:noFill/>
-          <a:extLst>
-            <a:ext uri="{909E8E84-426E-40DD-AFC4-6F175D3DCCD1}">
-              <a14:hiddenFill xmlns:a14="http://schemas.microsoft.com/office/drawing/2010/main">
-                <a:solidFill>
-                  <a:srgbClr val="FFFFFF"/>
-                </a:solidFill>
-              </a14:hiddenFill>
-            </a:ext>
-          </a:extLst>
-        </p:spPr>
-      </p:pic>
-    </p:spTree>
-    <p:extLst>
-      <p:ext uri="{BB962C8B-B14F-4D97-AF65-F5344CB8AC3E}">
-        <p14:creationId xmlns:p14="http://schemas.microsoft.com/office/powerpoint/2010/main" val="650115643"/>
-      </p:ext>
-    </p:extLst>
-  </p:cSld>
-  <p:clrMapOvr>
-    <a:masterClrMapping/>
-  </p:clrMapOvr>
-</p:sld>
-</file>
-
-<file path=ppt/slides/slide7.xml><?xml version="1.0" encoding="utf-8"?>
-<p:sld xmlns:a="http://schemas.openxmlformats.org/drawingml/2006/main" xmlns:r="http://schemas.openxmlformats.org/officeDocument/2006/relationships" xmlns:p="http://schemas.openxmlformats.org/presentationml/2006/main">
-  <p:cSld>
-    <p:spTree>
-      <p:nvGrpSpPr>
-        <p:cNvPr id="1" name="">
-          <a:extLst>
-            <a:ext uri="{FF2B5EF4-FFF2-40B4-BE49-F238E27FC236}">
-              <a16:creationId xmlns:a16="http://schemas.microsoft.com/office/drawing/2014/main" id="{AFC15726-FA8E-B025-0B1D-A5B8587DB163}"/>
-            </a:ext>
-          </a:extLst>
-        </p:cNvPr>
-        <p:cNvGrpSpPr/>
-        <p:nvPr/>
-      </p:nvGrpSpPr>
-      <p:grpSpPr>
-        <a:xfrm>
-          <a:off x="0" y="0"/>
-          <a:ext cx="0" cy="0"/>
-          <a:chOff x="0" y="0"/>
-          <a:chExt cx="0" cy="0"/>
-        </a:xfrm>
-      </p:grpSpPr>
-      <p:sp>
-        <p:nvSpPr>
-          <p:cNvPr id="2" name="Titolo 1">
-            <a:extLst>
-              <a:ext uri="{FF2B5EF4-FFF2-40B4-BE49-F238E27FC236}">
-                <a16:creationId xmlns:a16="http://schemas.microsoft.com/office/drawing/2014/main" id="{2E17763D-3E5C-845B-21BF-7DEEE1DE766F}"/>
-              </a:ext>
-            </a:extLst>
-          </p:cNvPr>
-          <p:cNvSpPr>
-            <a:spLocks noGrp="1"/>
-          </p:cNvSpPr>
-          <p:nvPr>
-            <p:ph type="title"/>
-          </p:nvPr>
-        </p:nvSpPr>
-        <p:spPr>
-          <a:xfrm>
-            <a:off x="639725" y="472780"/>
-            <a:ext cx="6654056" cy="653143"/>
-          </a:xfrm>
-        </p:spPr>
-        <p:txBody>
-          <a:bodyPr>
-            <a:normAutofit fontScale="90000"/>
-          </a:bodyPr>
-          <a:lstStyle/>
-          <a:p>
-            <a:r>
-              <a:rPr lang="it-IT" sz="4000" noProof="0" dirty="0">
-                <a:solidFill>
-                  <a:schemeClr val="tx2">
-                    <a:lumMod val="90000"/>
-                    <a:lumOff val="10000"/>
-                  </a:schemeClr>
-                </a:solidFill>
-              </a:rPr>
-              <a:t>GOAL: Multi-</a:t>
-            </a:r>
-            <a:r>
-              <a:rPr lang="it-IT" sz="4000" noProof="0" dirty="0" err="1">
-                <a:solidFill>
-                  <a:schemeClr val="tx2">
-                    <a:lumMod val="90000"/>
-                    <a:lumOff val="10000"/>
-                  </a:schemeClr>
-                </a:solidFill>
-              </a:rPr>
-              <a:t>Tenancy</a:t>
-            </a:r>
-            <a:r>
-              <a:rPr lang="it-IT" sz="4000" dirty="0">
-                <a:solidFill>
-                  <a:schemeClr val="tx2">
-                    <a:lumMod val="90000"/>
-                    <a:lumOff val="10000"/>
-                  </a:schemeClr>
-                </a:solidFill>
-              </a:rPr>
-              <a:t> data </a:t>
-            </a:r>
-            <a:r>
-              <a:rPr lang="it-IT" sz="4000" dirty="0" err="1">
-                <a:solidFill>
-                  <a:schemeClr val="tx2">
-                    <a:lumMod val="90000"/>
-                    <a:lumOff val="10000"/>
-                  </a:schemeClr>
-                </a:solidFill>
-              </a:rPr>
-              <a:t>segregation</a:t>
-            </a:r>
-            <a:endParaRPr lang="it-IT" sz="4000" noProof="0" dirty="0">
-              <a:solidFill>
-                <a:schemeClr val="tx2">
-                  <a:lumMod val="90000"/>
-                  <a:lumOff val="10000"/>
-                </a:schemeClr>
-              </a:solidFill>
-            </a:endParaRPr>
-          </a:p>
-        </p:txBody>
-      </p:sp>
-      <p:sp>
-        <p:nvSpPr>
-          <p:cNvPr id="4" name="Rettangolo 3">
-            <a:extLst>
-              <a:ext uri="{FF2B5EF4-FFF2-40B4-BE49-F238E27FC236}">
-                <a16:creationId xmlns:a16="http://schemas.microsoft.com/office/drawing/2014/main" id="{FC4A7560-125A-F332-2B2C-3AE9877439D5}"/>
-              </a:ext>
-            </a:extLst>
-          </p:cNvPr>
-          <p:cNvSpPr/>
-          <p:nvPr/>
-        </p:nvSpPr>
-        <p:spPr>
-          <a:xfrm>
-            <a:off x="0" y="472781"/>
-            <a:ext cx="190243" cy="653143"/>
-          </a:xfrm>
-          <a:prstGeom prst="rect">
-            <a:avLst/>
-          </a:prstGeom>
-          <a:solidFill>
-            <a:schemeClr val="tx2">
-              <a:lumMod val="90000"/>
-              <a:lumOff val="10000"/>
-            </a:schemeClr>
-          </a:solidFill>
-          <a:ln>
-            <a:solidFill>
-              <a:schemeClr val="tx2">
-                <a:lumMod val="90000"/>
-                <a:lumOff val="10000"/>
-              </a:schemeClr>
-            </a:solidFill>
-          </a:ln>
-        </p:spPr>
-        <p:style>
-          <a:lnRef idx="2">
-            <a:schemeClr val="accent1">
-              <a:shade val="15000"/>
-            </a:schemeClr>
-          </a:lnRef>
-          <a:fillRef idx="1">
-            <a:schemeClr val="accent1"/>
-          </a:fillRef>
-          <a:effectRef idx="0">
-            <a:schemeClr val="accent1"/>
-          </a:effectRef>
-          <a:fontRef idx="minor">
-            <a:schemeClr val="lt1"/>
-          </a:fontRef>
-        </p:style>
-        <p:txBody>
-          <a:bodyPr rtlCol="0" anchor="ctr"/>
-          <a:lstStyle/>
-          <a:p>
-            <a:pPr algn="ctr"/>
-            <a:endParaRPr lang="it-IT" noProof="0" dirty="0"/>
-          </a:p>
-        </p:txBody>
-      </p:sp>
-      <p:sp>
-        <p:nvSpPr>
-          <p:cNvPr id="5" name="Rettangolo 4">
-            <a:extLst>
-              <a:ext uri="{FF2B5EF4-FFF2-40B4-BE49-F238E27FC236}">
-                <a16:creationId xmlns:a16="http://schemas.microsoft.com/office/drawing/2014/main" id="{C993B1D6-9C3A-29F4-79E3-A36FF29F3563}"/>
-              </a:ext>
-            </a:extLst>
-          </p:cNvPr>
-          <p:cNvSpPr/>
-          <p:nvPr/>
-        </p:nvSpPr>
-        <p:spPr>
-          <a:xfrm>
-            <a:off x="289539" y="472780"/>
-            <a:ext cx="139359" cy="653143"/>
-          </a:xfrm>
-          <a:prstGeom prst="rect">
-            <a:avLst/>
-          </a:prstGeom>
-          <a:solidFill>
-            <a:schemeClr val="tx2">
-              <a:lumMod val="90000"/>
-              <a:lumOff val="10000"/>
-            </a:schemeClr>
-          </a:solidFill>
-          <a:ln>
-            <a:solidFill>
-              <a:schemeClr val="tx2">
-                <a:lumMod val="90000"/>
-                <a:lumOff val="10000"/>
-              </a:schemeClr>
-            </a:solidFill>
-          </a:ln>
-        </p:spPr>
-        <p:style>
-          <a:lnRef idx="2">
-            <a:schemeClr val="accent1">
-              <a:shade val="15000"/>
-            </a:schemeClr>
-          </a:lnRef>
-          <a:fillRef idx="1">
-            <a:schemeClr val="accent1"/>
-          </a:fillRef>
-          <a:effectRef idx="0">
-            <a:schemeClr val="accent1"/>
-          </a:effectRef>
-          <a:fontRef idx="minor">
-            <a:schemeClr val="lt1"/>
-          </a:fontRef>
-        </p:style>
-        <p:txBody>
-          <a:bodyPr rtlCol="0" anchor="ctr"/>
-          <a:lstStyle/>
-          <a:p>
-            <a:pPr algn="ctr"/>
-            <a:endParaRPr lang="it-IT" noProof="0" dirty="0"/>
-          </a:p>
-        </p:txBody>
-      </p:sp>
-      <p:sp>
-        <p:nvSpPr>
-          <p:cNvPr id="11" name="Rettangolo 10">
-            <a:extLst>
-              <a:ext uri="{FF2B5EF4-FFF2-40B4-BE49-F238E27FC236}">
-                <a16:creationId xmlns:a16="http://schemas.microsoft.com/office/drawing/2014/main" id="{A7EA9913-1AC3-7D4A-2157-2B54A7000AA2}"/>
-              </a:ext>
-            </a:extLst>
-          </p:cNvPr>
-          <p:cNvSpPr/>
-          <p:nvPr/>
-        </p:nvSpPr>
-        <p:spPr>
-          <a:xfrm>
-            <a:off x="10008781" y="0"/>
-            <a:ext cx="2183219" cy="6858000"/>
-          </a:xfrm>
-          <a:prstGeom prst="rect">
-            <a:avLst/>
-          </a:prstGeom>
-          <a:solidFill>
-            <a:schemeClr val="tx2">
-              <a:lumMod val="90000"/>
-              <a:lumOff val="10000"/>
-            </a:schemeClr>
-          </a:solidFill>
-          <a:ln>
-            <a:solidFill>
-              <a:srgbClr val="163E64"/>
-            </a:solidFill>
-          </a:ln>
-        </p:spPr>
-        <p:style>
-          <a:lnRef idx="2">
-            <a:schemeClr val="accent1">
-              <a:shade val="15000"/>
-            </a:schemeClr>
-          </a:lnRef>
-          <a:fillRef idx="1">
-            <a:schemeClr val="accent1"/>
-          </a:fillRef>
-          <a:effectRef idx="0">
-            <a:schemeClr val="accent1"/>
-          </a:effectRef>
-          <a:fontRef idx="minor">
-            <a:schemeClr val="lt1"/>
-          </a:fontRef>
-        </p:style>
-        <p:txBody>
-          <a:bodyPr rtlCol="0" anchor="ctr"/>
-          <a:lstStyle/>
-          <a:p>
-            <a:pPr algn="ctr"/>
-            <a:endParaRPr lang="it-IT" noProof="0" dirty="0"/>
-          </a:p>
-        </p:txBody>
-      </p:sp>
-      <p:cxnSp>
-        <p:nvCxnSpPr>
-          <p:cNvPr id="8" name="Connettore diritto 7">
-            <a:extLst>
-              <a:ext uri="{FF2B5EF4-FFF2-40B4-BE49-F238E27FC236}">
-                <a16:creationId xmlns:a16="http://schemas.microsoft.com/office/drawing/2014/main" id="{B8AB43C6-F387-E69A-86CD-A1AC24D4A29F}"/>
-              </a:ext>
-            </a:extLst>
-          </p:cNvPr>
-          <p:cNvCxnSpPr>
-            <a:cxnSpLocks/>
-          </p:cNvCxnSpPr>
-          <p:nvPr/>
-        </p:nvCxnSpPr>
-        <p:spPr>
-          <a:xfrm>
-            <a:off x="639725" y="1351691"/>
-            <a:ext cx="6654057" cy="0"/>
-          </a:xfrm>
-          <a:prstGeom prst="line">
-            <a:avLst/>
-          </a:prstGeom>
-          <a:ln>
-            <a:solidFill>
-              <a:schemeClr val="tx2">
-                <a:lumMod val="90000"/>
-                <a:lumOff val="10000"/>
-              </a:schemeClr>
-            </a:solidFill>
-          </a:ln>
-        </p:spPr>
-        <p:style>
-          <a:lnRef idx="2">
-            <a:schemeClr val="accent1"/>
-          </a:lnRef>
-          <a:fillRef idx="0">
-            <a:schemeClr val="accent1"/>
-          </a:fillRef>
-          <a:effectRef idx="1">
-            <a:schemeClr val="accent1"/>
-          </a:effectRef>
-          <a:fontRef idx="minor">
-            <a:schemeClr val="tx1"/>
-          </a:fontRef>
-        </p:style>
-      </p:cxnSp>
-      <p:sp>
-        <p:nvSpPr>
-          <p:cNvPr id="6" name="TextBox 5">
-            <a:extLst>
-              <a:ext uri="{FF2B5EF4-FFF2-40B4-BE49-F238E27FC236}">
-                <a16:creationId xmlns:a16="http://schemas.microsoft.com/office/drawing/2014/main" id="{1A234AD5-1C0F-3801-0826-9187DD2C3AB0}"/>
-              </a:ext>
-            </a:extLst>
-          </p:cNvPr>
-          <p:cNvSpPr txBox="1"/>
-          <p:nvPr/>
-        </p:nvSpPr>
-        <p:spPr>
-          <a:xfrm>
-            <a:off x="11654290" y="6452785"/>
-            <a:ext cx="438619" cy="307777"/>
-          </a:xfrm>
-          <a:prstGeom prst="rect">
-            <a:avLst/>
-          </a:prstGeom>
-          <a:noFill/>
-        </p:spPr>
-        <p:txBody>
-          <a:bodyPr wrap="square">
-            <a:spAutoFit/>
-          </a:bodyPr>
-          <a:lstStyle/>
-          <a:p>
-            <a:r>
-              <a:rPr lang="it-IT" sz="1400" dirty="0">
-                <a:solidFill>
-                  <a:schemeClr val="bg1"/>
-                </a:solidFill>
-              </a:rPr>
-              <a:t>7</a:t>
-            </a:r>
-            <a:endParaRPr lang="it-IT" sz="1400" noProof="0" dirty="0"/>
-          </a:p>
-        </p:txBody>
-      </p:sp>
-      <p:pic>
-        <p:nvPicPr>
-          <p:cNvPr id="16" name="Immagine 15" descr="Immagine che contiene schermata, Policromia, cerchio, blu&#10;&#10;Descrizione generata automaticamente">
-            <a:extLst>
-              <a:ext uri="{FF2B5EF4-FFF2-40B4-BE49-F238E27FC236}">
-                <a16:creationId xmlns:a16="http://schemas.microsoft.com/office/drawing/2014/main" id="{F932AEFD-F285-EEFC-4837-386D350A220C}"/>
-              </a:ext>
-            </a:extLst>
-          </p:cNvPr>
-          <p:cNvPicPr>
-            <a:picLocks noChangeAspect="1"/>
-          </p:cNvPicPr>
-          <p:nvPr/>
-        </p:nvPicPr>
-        <p:blipFill>
-          <a:blip r:embed="rId2">
-            <a:extLst>
-              <a:ext uri="{28A0092B-C50C-407E-A947-70E740481C1C}">
-                <a14:useLocalDpi xmlns:a14="http://schemas.microsoft.com/office/drawing/2010/main" val="0"/>
-              </a:ext>
-            </a:extLst>
-          </a:blip>
-          <a:stretch>
-            <a:fillRect/>
-          </a:stretch>
-        </p:blipFill>
-        <p:spPr>
-          <a:xfrm>
-            <a:off x="7293782" y="353207"/>
-            <a:ext cx="885600" cy="885600"/>
-          </a:xfrm>
-          <a:prstGeom prst="rect">
-            <a:avLst/>
-          </a:prstGeom>
-        </p:spPr>
-      </p:pic>
-      <p:sp>
-        <p:nvSpPr>
-          <p:cNvPr id="10" name="CasellaDiTesto 9">
-            <a:extLst>
-              <a:ext uri="{FF2B5EF4-FFF2-40B4-BE49-F238E27FC236}">
-                <a16:creationId xmlns:a16="http://schemas.microsoft.com/office/drawing/2014/main" id="{720F1E63-F380-A2C8-B252-1B4B987C123E}"/>
-              </a:ext>
-            </a:extLst>
-          </p:cNvPr>
-          <p:cNvSpPr txBox="1"/>
-          <p:nvPr/>
-        </p:nvSpPr>
-        <p:spPr>
-          <a:xfrm>
-            <a:off x="639724" y="1623385"/>
-            <a:ext cx="6654056" cy="646331"/>
-          </a:xfrm>
-          <a:prstGeom prst="rect">
-            <a:avLst/>
-          </a:prstGeom>
-          <a:noFill/>
-        </p:spPr>
-        <p:txBody>
-          <a:bodyPr wrap="square" rtlCol="0">
-            <a:spAutoFit/>
-          </a:bodyPr>
-          <a:lstStyle/>
-          <a:p>
+              <a:t/>
+            </a:r>
             <a:br>
               <a:rPr lang="it-IT" noProof="0" dirty="0">
                 <a:solidFill>
@@ -24218,7 +22871,7 @@
 </p:sld>
 </file>
 
-<file path=ppt/slides/slide8.xml><?xml version="1.0" encoding="utf-8"?>
+<file path=ppt/slides/slide7.xml><?xml version="1.0" encoding="utf-8"?>
 <p:sld xmlns:a="http://schemas.openxmlformats.org/drawingml/2006/main" xmlns:r="http://schemas.openxmlformats.org/officeDocument/2006/relationships" xmlns:p="http://schemas.openxmlformats.org/presentationml/2006/main">
   <p:cSld>
     <p:spTree>
@@ -24587,12 +23240,12 @@
           <a:lstStyle/>
           <a:p>
             <a:r>
-              <a:rPr lang="it-IT" sz="1400" dirty="0">
+              <a:rPr lang="it-IT" sz="1400" noProof="0" dirty="0">
                 <a:solidFill>
                   <a:schemeClr val="bg1"/>
                 </a:solidFill>
               </a:rPr>
-              <a:t>10</a:t>
+              <a:t>7</a:t>
             </a:r>
             <a:endParaRPr lang="it-IT" sz="1400" noProof="0" dirty="0">
               <a:solidFill>
@@ -24630,6 +23283,17 @@
           </a:bodyPr>
           <a:lstStyle/>
           <a:p>
+            <a:r>
+              <a:rPr lang="it-IT" noProof="0" dirty="0">
+                <a:solidFill>
+                  <a:schemeClr val="tx1">
+                    <a:lumMod val="85000"/>
+                    <a:lumOff val="15000"/>
+                  </a:schemeClr>
+                </a:solidFill>
+              </a:rPr>
+              <a:t/>
+            </a:r>
             <a:br>
               <a:rPr lang="it-IT" noProof="0" dirty="0">
                 <a:solidFill>
@@ -25003,7 +23667,7 @@
 </p:sld>
 </file>
 
-<file path=ppt/slides/slide9.xml><?xml version="1.0" encoding="utf-8"?>
+<file path=ppt/slides/slide8.xml><?xml version="1.0" encoding="utf-8"?>
 <p:sld xmlns:a="http://schemas.openxmlformats.org/drawingml/2006/main" xmlns:r="http://schemas.openxmlformats.org/officeDocument/2006/relationships" xmlns:p="http://schemas.openxmlformats.org/presentationml/2006/main">
   <p:cSld>
     <p:spTree>
@@ -25436,6 +24100,17 @@
           </a:bodyPr>
           <a:lstStyle/>
           <a:p>
+            <a:r>
+              <a:rPr lang="it-IT" noProof="0" dirty="0">
+                <a:solidFill>
+                  <a:schemeClr val="tx1">
+                    <a:lumMod val="85000"/>
+                    <a:lumOff val="15000"/>
+                  </a:schemeClr>
+                </a:solidFill>
+              </a:rPr>
+              <a:t/>
+            </a:r>
             <a:br>
               <a:rPr lang="it-IT" noProof="0" dirty="0">
                 <a:solidFill>
@@ -25749,6 +24424,757 @@
     <p:extLst>
       <p:ext uri="{BB962C8B-B14F-4D97-AF65-F5344CB8AC3E}">
         <p14:creationId xmlns:p14="http://schemas.microsoft.com/office/powerpoint/2010/main" val="1707716401"/>
+      </p:ext>
+    </p:extLst>
+  </p:cSld>
+  <p:clrMapOvr>
+    <a:masterClrMapping/>
+  </p:clrMapOvr>
+</p:sld>
+</file>
+
+<file path=ppt/slides/slide9.xml><?xml version="1.0" encoding="utf-8"?>
+<p:sld xmlns:a="http://schemas.openxmlformats.org/drawingml/2006/main" xmlns:r="http://schemas.openxmlformats.org/officeDocument/2006/relationships" xmlns:p="http://schemas.openxmlformats.org/presentationml/2006/main">
+  <p:cSld>
+    <p:spTree>
+      <p:nvGrpSpPr>
+        <p:cNvPr id="1" name="">
+          <a:extLst>
+            <a:ext uri="{FF2B5EF4-FFF2-40B4-BE49-F238E27FC236}">
+              <a16:creationId xmlns:a16="http://schemas.microsoft.com/office/drawing/2014/main" id="{AFC15726-FA8E-B025-0B1D-A5B8587DB163}"/>
+            </a:ext>
+          </a:extLst>
+        </p:cNvPr>
+        <p:cNvGrpSpPr/>
+        <p:nvPr/>
+      </p:nvGrpSpPr>
+      <p:grpSpPr>
+        <a:xfrm>
+          <a:off x="0" y="0"/>
+          <a:ext cx="0" cy="0"/>
+          <a:chOff x="0" y="0"/>
+          <a:chExt cx="0" cy="0"/>
+        </a:xfrm>
+      </p:grpSpPr>
+      <p:sp>
+        <p:nvSpPr>
+          <p:cNvPr id="2" name="Titolo 1">
+            <a:extLst>
+              <a:ext uri="{FF2B5EF4-FFF2-40B4-BE49-F238E27FC236}">
+                <a16:creationId xmlns:a16="http://schemas.microsoft.com/office/drawing/2014/main" id="{2E17763D-3E5C-845B-21BF-7DEEE1DE766F}"/>
+              </a:ext>
+            </a:extLst>
+          </p:cNvPr>
+          <p:cNvSpPr>
+            <a:spLocks noGrp="1"/>
+          </p:cNvSpPr>
+          <p:nvPr>
+            <p:ph type="title"/>
+          </p:nvPr>
+        </p:nvSpPr>
+        <p:spPr>
+          <a:xfrm>
+            <a:off x="639725" y="472780"/>
+            <a:ext cx="6654056" cy="653143"/>
+          </a:xfrm>
+        </p:spPr>
+        <p:txBody>
+          <a:bodyPr>
+            <a:normAutofit fontScale="90000"/>
+          </a:bodyPr>
+          <a:lstStyle/>
+          <a:p>
+            <a:r>
+              <a:rPr lang="it-IT" sz="4000" noProof="0" dirty="0">
+                <a:solidFill>
+                  <a:schemeClr val="tx2">
+                    <a:lumMod val="90000"/>
+                    <a:lumOff val="10000"/>
+                  </a:schemeClr>
+                </a:solidFill>
+              </a:rPr>
+              <a:t>GOAL: Multi-</a:t>
+            </a:r>
+            <a:r>
+              <a:rPr lang="it-IT" sz="4000" noProof="0" dirty="0" err="1">
+                <a:solidFill>
+                  <a:schemeClr val="tx2">
+                    <a:lumMod val="90000"/>
+                    <a:lumOff val="10000"/>
+                  </a:schemeClr>
+                </a:solidFill>
+              </a:rPr>
+              <a:t>Tenancy</a:t>
+            </a:r>
+            <a:r>
+              <a:rPr lang="it-IT" sz="4000" dirty="0">
+                <a:solidFill>
+                  <a:schemeClr val="tx2">
+                    <a:lumMod val="90000"/>
+                    <a:lumOff val="10000"/>
+                  </a:schemeClr>
+                </a:solidFill>
+              </a:rPr>
+              <a:t> data </a:t>
+            </a:r>
+            <a:r>
+              <a:rPr lang="it-IT" sz="4000" dirty="0" err="1">
+                <a:solidFill>
+                  <a:schemeClr val="tx2">
+                    <a:lumMod val="90000"/>
+                    <a:lumOff val="10000"/>
+                  </a:schemeClr>
+                </a:solidFill>
+              </a:rPr>
+              <a:t>segregation</a:t>
+            </a:r>
+            <a:endParaRPr lang="it-IT" sz="4000" noProof="0" dirty="0">
+              <a:solidFill>
+                <a:schemeClr val="tx2">
+                  <a:lumMod val="90000"/>
+                  <a:lumOff val="10000"/>
+                </a:schemeClr>
+              </a:solidFill>
+            </a:endParaRPr>
+          </a:p>
+        </p:txBody>
+      </p:sp>
+      <p:sp>
+        <p:nvSpPr>
+          <p:cNvPr id="4" name="Rettangolo 3">
+            <a:extLst>
+              <a:ext uri="{FF2B5EF4-FFF2-40B4-BE49-F238E27FC236}">
+                <a16:creationId xmlns:a16="http://schemas.microsoft.com/office/drawing/2014/main" id="{FC4A7560-125A-F332-2B2C-3AE9877439D5}"/>
+              </a:ext>
+            </a:extLst>
+          </p:cNvPr>
+          <p:cNvSpPr/>
+          <p:nvPr/>
+        </p:nvSpPr>
+        <p:spPr>
+          <a:xfrm>
+            <a:off x="0" y="472781"/>
+            <a:ext cx="190243" cy="653143"/>
+          </a:xfrm>
+          <a:prstGeom prst="rect">
+            <a:avLst/>
+          </a:prstGeom>
+          <a:solidFill>
+            <a:schemeClr val="tx2">
+              <a:lumMod val="90000"/>
+              <a:lumOff val="10000"/>
+            </a:schemeClr>
+          </a:solidFill>
+          <a:ln>
+            <a:solidFill>
+              <a:schemeClr val="tx2">
+                <a:lumMod val="90000"/>
+                <a:lumOff val="10000"/>
+              </a:schemeClr>
+            </a:solidFill>
+          </a:ln>
+        </p:spPr>
+        <p:style>
+          <a:lnRef idx="2">
+            <a:schemeClr val="accent1">
+              <a:shade val="15000"/>
+            </a:schemeClr>
+          </a:lnRef>
+          <a:fillRef idx="1">
+            <a:schemeClr val="accent1"/>
+          </a:fillRef>
+          <a:effectRef idx="0">
+            <a:schemeClr val="accent1"/>
+          </a:effectRef>
+          <a:fontRef idx="minor">
+            <a:schemeClr val="lt1"/>
+          </a:fontRef>
+        </p:style>
+        <p:txBody>
+          <a:bodyPr rtlCol="0" anchor="ctr"/>
+          <a:lstStyle/>
+          <a:p>
+            <a:pPr algn="ctr"/>
+            <a:endParaRPr lang="it-IT" noProof="0" dirty="0"/>
+          </a:p>
+        </p:txBody>
+      </p:sp>
+      <p:sp>
+        <p:nvSpPr>
+          <p:cNvPr id="5" name="Rettangolo 4">
+            <a:extLst>
+              <a:ext uri="{FF2B5EF4-FFF2-40B4-BE49-F238E27FC236}">
+                <a16:creationId xmlns:a16="http://schemas.microsoft.com/office/drawing/2014/main" id="{C993B1D6-9C3A-29F4-79E3-A36FF29F3563}"/>
+              </a:ext>
+            </a:extLst>
+          </p:cNvPr>
+          <p:cNvSpPr/>
+          <p:nvPr/>
+        </p:nvSpPr>
+        <p:spPr>
+          <a:xfrm>
+            <a:off x="289539" y="472780"/>
+            <a:ext cx="139359" cy="653143"/>
+          </a:xfrm>
+          <a:prstGeom prst="rect">
+            <a:avLst/>
+          </a:prstGeom>
+          <a:solidFill>
+            <a:schemeClr val="tx2">
+              <a:lumMod val="90000"/>
+              <a:lumOff val="10000"/>
+            </a:schemeClr>
+          </a:solidFill>
+          <a:ln>
+            <a:solidFill>
+              <a:schemeClr val="tx2">
+                <a:lumMod val="90000"/>
+                <a:lumOff val="10000"/>
+              </a:schemeClr>
+            </a:solidFill>
+          </a:ln>
+        </p:spPr>
+        <p:style>
+          <a:lnRef idx="2">
+            <a:schemeClr val="accent1">
+              <a:shade val="15000"/>
+            </a:schemeClr>
+          </a:lnRef>
+          <a:fillRef idx="1">
+            <a:schemeClr val="accent1"/>
+          </a:fillRef>
+          <a:effectRef idx="0">
+            <a:schemeClr val="accent1"/>
+          </a:effectRef>
+          <a:fontRef idx="minor">
+            <a:schemeClr val="lt1"/>
+          </a:fontRef>
+        </p:style>
+        <p:txBody>
+          <a:bodyPr rtlCol="0" anchor="ctr"/>
+          <a:lstStyle/>
+          <a:p>
+            <a:pPr algn="ctr"/>
+            <a:endParaRPr lang="it-IT" noProof="0" dirty="0"/>
+          </a:p>
+        </p:txBody>
+      </p:sp>
+      <p:sp>
+        <p:nvSpPr>
+          <p:cNvPr id="11" name="Rettangolo 10">
+            <a:extLst>
+              <a:ext uri="{FF2B5EF4-FFF2-40B4-BE49-F238E27FC236}">
+                <a16:creationId xmlns:a16="http://schemas.microsoft.com/office/drawing/2014/main" id="{A7EA9913-1AC3-7D4A-2157-2B54A7000AA2}"/>
+              </a:ext>
+            </a:extLst>
+          </p:cNvPr>
+          <p:cNvSpPr/>
+          <p:nvPr/>
+        </p:nvSpPr>
+        <p:spPr>
+          <a:xfrm>
+            <a:off x="10008781" y="0"/>
+            <a:ext cx="2183219" cy="6858000"/>
+          </a:xfrm>
+          <a:prstGeom prst="rect">
+            <a:avLst/>
+          </a:prstGeom>
+          <a:solidFill>
+            <a:schemeClr val="tx2">
+              <a:lumMod val="90000"/>
+              <a:lumOff val="10000"/>
+            </a:schemeClr>
+          </a:solidFill>
+          <a:ln>
+            <a:solidFill>
+              <a:srgbClr val="163E64"/>
+            </a:solidFill>
+          </a:ln>
+        </p:spPr>
+        <p:style>
+          <a:lnRef idx="2">
+            <a:schemeClr val="accent1">
+              <a:shade val="15000"/>
+            </a:schemeClr>
+          </a:lnRef>
+          <a:fillRef idx="1">
+            <a:schemeClr val="accent1"/>
+          </a:fillRef>
+          <a:effectRef idx="0">
+            <a:schemeClr val="accent1"/>
+          </a:effectRef>
+          <a:fontRef idx="minor">
+            <a:schemeClr val="lt1"/>
+          </a:fontRef>
+        </p:style>
+        <p:txBody>
+          <a:bodyPr rtlCol="0" anchor="ctr"/>
+          <a:lstStyle/>
+          <a:p>
+            <a:pPr algn="ctr"/>
+            <a:endParaRPr lang="it-IT" noProof="0" dirty="0"/>
+          </a:p>
+        </p:txBody>
+      </p:sp>
+      <p:cxnSp>
+        <p:nvCxnSpPr>
+          <p:cNvPr id="8" name="Connettore diritto 7">
+            <a:extLst>
+              <a:ext uri="{FF2B5EF4-FFF2-40B4-BE49-F238E27FC236}">
+                <a16:creationId xmlns:a16="http://schemas.microsoft.com/office/drawing/2014/main" id="{B8AB43C6-F387-E69A-86CD-A1AC24D4A29F}"/>
+              </a:ext>
+            </a:extLst>
+          </p:cNvPr>
+          <p:cNvCxnSpPr>
+            <a:cxnSpLocks/>
+          </p:cNvCxnSpPr>
+          <p:nvPr/>
+        </p:nvCxnSpPr>
+        <p:spPr>
+          <a:xfrm>
+            <a:off x="639725" y="1351691"/>
+            <a:ext cx="6654057" cy="0"/>
+          </a:xfrm>
+          <a:prstGeom prst="line">
+            <a:avLst/>
+          </a:prstGeom>
+          <a:ln>
+            <a:solidFill>
+              <a:schemeClr val="tx2">
+                <a:lumMod val="90000"/>
+                <a:lumOff val="10000"/>
+              </a:schemeClr>
+            </a:solidFill>
+          </a:ln>
+        </p:spPr>
+        <p:style>
+          <a:lnRef idx="2">
+            <a:schemeClr val="accent1"/>
+          </a:lnRef>
+          <a:fillRef idx="0">
+            <a:schemeClr val="accent1"/>
+          </a:fillRef>
+          <a:effectRef idx="1">
+            <a:schemeClr val="accent1"/>
+          </a:effectRef>
+          <a:fontRef idx="minor">
+            <a:schemeClr val="tx1"/>
+          </a:fontRef>
+        </p:style>
+      </p:cxnSp>
+      <p:sp>
+        <p:nvSpPr>
+          <p:cNvPr id="6" name="TextBox 5">
+            <a:extLst>
+              <a:ext uri="{FF2B5EF4-FFF2-40B4-BE49-F238E27FC236}">
+                <a16:creationId xmlns:a16="http://schemas.microsoft.com/office/drawing/2014/main" id="{1A234AD5-1C0F-3801-0826-9187DD2C3AB0}"/>
+              </a:ext>
+            </a:extLst>
+          </p:cNvPr>
+          <p:cNvSpPr txBox="1"/>
+          <p:nvPr/>
+        </p:nvSpPr>
+        <p:spPr>
+          <a:xfrm>
+            <a:off x="11654290" y="6452785"/>
+            <a:ext cx="438619" cy="307777"/>
+          </a:xfrm>
+          <a:prstGeom prst="rect">
+            <a:avLst/>
+          </a:prstGeom>
+          <a:noFill/>
+        </p:spPr>
+        <p:txBody>
+          <a:bodyPr wrap="square">
+            <a:spAutoFit/>
+          </a:bodyPr>
+          <a:lstStyle/>
+          <a:p>
+            <a:r>
+              <a:rPr lang="it-IT" sz="1400" noProof="0" dirty="0">
+                <a:solidFill>
+                  <a:schemeClr val="bg1"/>
+                </a:solidFill>
+              </a:rPr>
+              <a:t>9</a:t>
+            </a:r>
+            <a:endParaRPr lang="it-IT" sz="1400" noProof="0" dirty="0"/>
+          </a:p>
+        </p:txBody>
+      </p:sp>
+      <p:pic>
+        <p:nvPicPr>
+          <p:cNvPr id="16" name="Immagine 15" descr="Immagine che contiene schermata, Policromia, cerchio, blu&#10;&#10;Descrizione generata automaticamente">
+            <a:extLst>
+              <a:ext uri="{FF2B5EF4-FFF2-40B4-BE49-F238E27FC236}">
+                <a16:creationId xmlns:a16="http://schemas.microsoft.com/office/drawing/2014/main" id="{F932AEFD-F285-EEFC-4837-386D350A220C}"/>
+              </a:ext>
+            </a:extLst>
+          </p:cNvPr>
+          <p:cNvPicPr>
+            <a:picLocks noChangeAspect="1"/>
+          </p:cNvPicPr>
+          <p:nvPr/>
+        </p:nvPicPr>
+        <p:blipFill>
+          <a:blip r:embed="rId2">
+            <a:extLst>
+              <a:ext uri="{28A0092B-C50C-407E-A947-70E740481C1C}">
+                <a14:useLocalDpi xmlns:a14="http://schemas.microsoft.com/office/drawing/2010/main" val="0"/>
+              </a:ext>
+            </a:extLst>
+          </a:blip>
+          <a:stretch>
+            <a:fillRect/>
+          </a:stretch>
+        </p:blipFill>
+        <p:spPr>
+          <a:xfrm>
+            <a:off x="7293782" y="353207"/>
+            <a:ext cx="885600" cy="885600"/>
+          </a:xfrm>
+          <a:prstGeom prst="rect">
+            <a:avLst/>
+          </a:prstGeom>
+        </p:spPr>
+      </p:pic>
+      <p:sp>
+        <p:nvSpPr>
+          <p:cNvPr id="10" name="CasellaDiTesto 9">
+            <a:extLst>
+              <a:ext uri="{FF2B5EF4-FFF2-40B4-BE49-F238E27FC236}">
+                <a16:creationId xmlns:a16="http://schemas.microsoft.com/office/drawing/2014/main" id="{720F1E63-F380-A2C8-B252-1B4B987C123E}"/>
+              </a:ext>
+            </a:extLst>
+          </p:cNvPr>
+          <p:cNvSpPr txBox="1"/>
+          <p:nvPr/>
+        </p:nvSpPr>
+        <p:spPr>
+          <a:xfrm>
+            <a:off x="639724" y="1623385"/>
+            <a:ext cx="6654056" cy="646331"/>
+          </a:xfrm>
+          <a:prstGeom prst="rect">
+            <a:avLst/>
+          </a:prstGeom>
+          <a:noFill/>
+        </p:spPr>
+        <p:txBody>
+          <a:bodyPr wrap="square" rtlCol="0">
+            <a:spAutoFit/>
+          </a:bodyPr>
+          <a:lstStyle/>
+          <a:p>
+            <a:r>
+              <a:rPr lang="it-IT" noProof="0" dirty="0">
+                <a:solidFill>
+                  <a:schemeClr val="tx1">
+                    <a:lumMod val="85000"/>
+                    <a:lumOff val="15000"/>
+                  </a:schemeClr>
+                </a:solidFill>
+              </a:rPr>
+              <a:t/>
+            </a:r>
+            <a:br>
+              <a:rPr lang="it-IT" noProof="0" dirty="0">
+                <a:solidFill>
+                  <a:schemeClr val="tx1">
+                    <a:lumMod val="85000"/>
+                    <a:lumOff val="15000"/>
+                  </a:schemeClr>
+                </a:solidFill>
+              </a:rPr>
+            </a:br>
+            <a:endParaRPr lang="it-IT" noProof="0" dirty="0">
+              <a:solidFill>
+                <a:schemeClr val="tx1">
+                  <a:lumMod val="85000"/>
+                  <a:lumOff val="15000"/>
+                </a:schemeClr>
+              </a:solidFill>
+            </a:endParaRPr>
+          </a:p>
+        </p:txBody>
+      </p:sp>
+      <p:sp>
+        <p:nvSpPr>
+          <p:cNvPr id="12" name="CasellaDiTesto 6">
+            <a:extLst>
+              <a:ext uri="{FF2B5EF4-FFF2-40B4-BE49-F238E27FC236}">
+                <a16:creationId xmlns:a16="http://schemas.microsoft.com/office/drawing/2014/main" id="{8290C57E-5561-FDA2-5EFB-EDC39761C52E}"/>
+              </a:ext>
+            </a:extLst>
+          </p:cNvPr>
+          <p:cNvSpPr txBox="1"/>
+          <p:nvPr/>
+        </p:nvSpPr>
+        <p:spPr>
+          <a:xfrm>
+            <a:off x="639726" y="1613118"/>
+            <a:ext cx="6654054" cy="3200876"/>
+          </a:xfrm>
+          <a:prstGeom prst="rect">
+            <a:avLst/>
+          </a:prstGeom>
+          <a:noFill/>
+        </p:spPr>
+        <p:txBody>
+          <a:bodyPr wrap="square" lIns="91440" tIns="45720" rIns="91440" bIns="45720" rtlCol="0" anchor="t">
+            <a:spAutoFit/>
+          </a:bodyPr>
+          <a:lstStyle/>
+          <a:p>
+            <a:r>
+              <a:rPr lang="it-IT" b="1" u="sng" dirty="0">
+                <a:solidFill>
+                  <a:schemeClr val="tx1">
+                    <a:lumMod val="85000"/>
+                    <a:lumOff val="15000"/>
+                  </a:schemeClr>
+                </a:solidFill>
+              </a:rPr>
+              <a:t>Implementazione (Separate Database per </a:t>
+            </a:r>
+            <a:r>
+              <a:rPr lang="it-IT" b="1" u="sng" dirty="0" err="1">
+                <a:solidFill>
+                  <a:schemeClr val="tx1">
+                    <a:lumMod val="85000"/>
+                    <a:lumOff val="15000"/>
+                  </a:schemeClr>
+                </a:solidFill>
+              </a:rPr>
+              <a:t>Tenant</a:t>
+            </a:r>
+            <a:r>
+              <a:rPr lang="it-IT" b="1" u="sng" dirty="0">
+                <a:solidFill>
+                  <a:schemeClr val="tx1">
+                    <a:lumMod val="85000"/>
+                    <a:lumOff val="15000"/>
+                  </a:schemeClr>
+                </a:solidFill>
+              </a:rPr>
+              <a:t>)</a:t>
+            </a:r>
+          </a:p>
+          <a:p>
+            <a:endParaRPr lang="it-IT" b="1" dirty="0">
+              <a:solidFill>
+                <a:schemeClr val="tx1">
+                  <a:lumMod val="85000"/>
+                  <a:lumOff val="15000"/>
+                </a:schemeClr>
+              </a:solidFill>
+            </a:endParaRPr>
+          </a:p>
+          <a:p>
+            <a:pPr lvl="0"/>
+            <a:r>
+              <a:rPr lang="en-GB" b="1" dirty="0"/>
+              <a:t>- </a:t>
+            </a:r>
+            <a:r>
+              <a:rPr lang="en-GB" b="1" dirty="0" err="1"/>
+              <a:t>Connessioni</a:t>
+            </a:r>
+            <a:r>
+              <a:rPr lang="en-GB" b="1" dirty="0"/>
+              <a:t> </a:t>
+            </a:r>
+            <a:r>
+              <a:rPr lang="en-GB" b="1" dirty="0" err="1"/>
+              <a:t>dinamiche</a:t>
+            </a:r>
+            <a:r>
+              <a:rPr lang="en-GB" b="1" dirty="0"/>
+              <a:t> </a:t>
+            </a:r>
+            <a:r>
+              <a:rPr lang="en-GB" b="1" dirty="0" err="1"/>
+              <a:t>personalizzate</a:t>
+            </a:r>
+            <a:r>
+              <a:rPr lang="en-GB" dirty="0"/>
+              <a:t>:</a:t>
+            </a:r>
+            <a:endParaRPr lang="en-GB" sz="1600" dirty="0"/>
+          </a:p>
+          <a:p>
+            <a:pPr marL="742950" lvl="1" indent="-285750">
+              <a:buFont typeface="Arial" panose="020B0604020202020204" pitchFamily="34" charset="0"/>
+              <a:buChar char="•"/>
+            </a:pPr>
+            <a:r>
+              <a:rPr lang="it-IT" sz="1600" dirty="0"/>
+              <a:t>La classe </a:t>
+            </a:r>
+            <a:r>
+              <a:rPr lang="it-IT" sz="1600" i="1" dirty="0" err="1"/>
+              <a:t>DataSourceConfig</a:t>
+            </a:r>
+            <a:r>
+              <a:rPr lang="it-IT" sz="1600" dirty="0"/>
+              <a:t> crea connessioni con credenziali specifiche per ogni </a:t>
+            </a:r>
+            <a:r>
+              <a:rPr lang="it-IT" sz="1600" dirty="0" err="1"/>
+              <a:t>tenant</a:t>
+            </a:r>
+            <a:endParaRPr lang="en-GB" sz="1600" dirty="0"/>
+          </a:p>
+          <a:p>
+            <a:pPr lvl="0"/>
+            <a:r>
+              <a:rPr lang="en-GB" b="1" dirty="0"/>
+              <a:t>- </a:t>
+            </a:r>
+            <a:r>
+              <a:rPr lang="en-GB" b="1" dirty="0" err="1"/>
+              <a:t>Gestione</a:t>
+            </a:r>
+            <a:r>
+              <a:rPr lang="en-GB" b="1" dirty="0"/>
+              <a:t> </a:t>
+            </a:r>
+            <a:r>
+              <a:rPr lang="en-GB" b="1" dirty="0" err="1"/>
+              <a:t>dinamica</a:t>
+            </a:r>
+            <a:r>
+              <a:rPr lang="en-GB" b="1" dirty="0"/>
+              <a:t> </a:t>
+            </a:r>
+            <a:r>
+              <a:rPr lang="en-GB" b="1" dirty="0" err="1"/>
+              <a:t>dei</a:t>
+            </a:r>
+            <a:r>
+              <a:rPr lang="en-GB" b="1" dirty="0"/>
+              <a:t> tenant</a:t>
+            </a:r>
+            <a:r>
+              <a:rPr lang="en-GB" dirty="0"/>
+              <a:t>:</a:t>
+            </a:r>
+            <a:endParaRPr lang="en-GB" sz="1600" dirty="0"/>
+          </a:p>
+          <a:p>
+            <a:pPr marL="742950" lvl="1" indent="-285750">
+              <a:buFont typeface="Arial" panose="020B0604020202020204" pitchFamily="34" charset="0"/>
+              <a:buChar char="•"/>
+            </a:pPr>
+            <a:r>
+              <a:rPr lang="it-IT" sz="1600" dirty="0"/>
+              <a:t>La classe </a:t>
+            </a:r>
+            <a:r>
+              <a:rPr lang="it-IT" sz="1600" i="1" dirty="0" err="1"/>
+              <a:t>MultiTenantConnectionProvider</a:t>
+            </a:r>
+            <a:r>
+              <a:rPr lang="it-IT" sz="1600" dirty="0"/>
+              <a:t> imposta il contesto SQL per identificare il corretto Database su cui operare</a:t>
+            </a:r>
+          </a:p>
+          <a:p>
+            <a:pPr lvl="0"/>
+            <a:r>
+              <a:rPr lang="en-GB" b="1" dirty="0"/>
+              <a:t>- Integrazione con Hibernate:</a:t>
+            </a:r>
+            <a:endParaRPr lang="en-GB" sz="1600" b="1" dirty="0"/>
+          </a:p>
+          <a:p>
+            <a:pPr marL="742950" lvl="1" indent="-285750">
+              <a:buFont typeface="Arial" panose="020B0604020202020204" pitchFamily="34" charset="0"/>
+              <a:buChar char="•"/>
+            </a:pPr>
+            <a:r>
+              <a:rPr lang="it-IT" sz="1600" dirty="0" err="1"/>
+              <a:t>Hibernate</a:t>
+            </a:r>
+            <a:r>
+              <a:rPr lang="it-IT" sz="1600" dirty="0"/>
+              <a:t> utilizza un </a:t>
+            </a:r>
+            <a:r>
+              <a:rPr lang="it-IT" sz="1600" i="1" dirty="0" err="1"/>
+              <a:t>MultiTenantConnectionProvider</a:t>
+            </a:r>
+            <a:r>
+              <a:rPr lang="it-IT" sz="1600" dirty="0"/>
+              <a:t> per gestire le connessioni multiple e un </a:t>
+            </a:r>
+            <a:r>
+              <a:rPr lang="it-IT" sz="1600" i="1" dirty="0" err="1"/>
+              <a:t>CurrentTenantIdentifierResolver</a:t>
+            </a:r>
+            <a:r>
+              <a:rPr lang="it-IT" sz="1600" dirty="0"/>
+              <a:t> per risolvere dinamicamente l'identificatore del </a:t>
+            </a:r>
+            <a:r>
+              <a:rPr lang="it-IT" sz="1600" dirty="0" err="1"/>
+              <a:t>tenant</a:t>
+            </a:r>
+            <a:endParaRPr lang="en-GB" sz="1600" dirty="0"/>
+          </a:p>
+        </p:txBody>
+      </p:sp>
+      <p:pic>
+        <p:nvPicPr>
+          <p:cNvPr id="7" name="Picture 2" descr="Immagine che contiene testo, diagramma, schermata&#10;&#10;Descrizione generata automaticamente">
+            <a:extLst>
+              <a:ext uri="{FF2B5EF4-FFF2-40B4-BE49-F238E27FC236}">
+                <a16:creationId xmlns:a16="http://schemas.microsoft.com/office/drawing/2014/main" id="{12435049-D208-126B-5931-26C38B7A9140}"/>
+              </a:ext>
+            </a:extLst>
+          </p:cNvPr>
+          <p:cNvPicPr>
+            <a:picLocks noChangeAspect="1" noChangeArrowheads="1"/>
+          </p:cNvPicPr>
+          <p:nvPr/>
+        </p:nvPicPr>
+        <p:blipFill>
+          <a:blip r:embed="rId3">
+            <a:extLst>
+              <a:ext uri="{28A0092B-C50C-407E-A947-70E740481C1C}">
+                <a14:useLocalDpi xmlns:a14="http://schemas.microsoft.com/office/drawing/2010/main" val="0"/>
+              </a:ext>
+            </a:extLst>
+          </a:blip>
+          <a:srcRect/>
+          <a:stretch>
+            <a:fillRect/>
+          </a:stretch>
+        </p:blipFill>
+        <p:spPr bwMode="auto">
+          <a:xfrm>
+            <a:off x="7642549" y="2634543"/>
+            <a:ext cx="1842895" cy="2430240"/>
+          </a:xfrm>
+          <a:prstGeom prst="rect">
+            <a:avLst/>
+          </a:prstGeom>
+          <a:noFill/>
+          <a:extLst>
+            <a:ext uri="{909E8E84-426E-40DD-AFC4-6F175D3DCCD1}">
+              <a14:hiddenFill xmlns:a14="http://schemas.microsoft.com/office/drawing/2010/main">
+                <a:solidFill>
+                  <a:srgbClr val="FFFFFF"/>
+                </a:solidFill>
+              </a14:hiddenFill>
+            </a:ext>
+          </a:extLst>
+        </p:spPr>
+      </p:pic>
+    </p:spTree>
+    <p:extLst>
+      <p:ext uri="{BB962C8B-B14F-4D97-AF65-F5344CB8AC3E}">
+        <p14:creationId xmlns:p14="http://schemas.microsoft.com/office/powerpoint/2010/main" val="281973483"/>
       </p:ext>
     </p:extLst>
   </p:cSld>

--- a/ShiftsHappen/Sprint 3/CSW Sprint 3.pptx
+++ b/ShiftsHappen/Sprint 3/CSW Sprint 3.pptx
@@ -5,7 +5,7 @@
     <p:sldMasterId id="2147483648" r:id="rId1"/>
   </p:sldMasterIdLst>
   <p:notesMasterIdLst>
-    <p:notesMasterId r:id="rId25"/>
+    <p:notesMasterId r:id="rId24"/>
   </p:notesMasterIdLst>
   <p:sldIdLst>
     <p:sldId id="256" r:id="rId2"/>
@@ -29,8 +29,7 @@
     <p:sldId id="295" r:id="rId20"/>
     <p:sldId id="276" r:id="rId21"/>
     <p:sldId id="293" r:id="rId22"/>
-    <p:sldId id="262" r:id="rId23"/>
-    <p:sldId id="288" r:id="rId24"/>
+    <p:sldId id="288" r:id="rId23"/>
   </p:sldIdLst>
   <p:sldSz cx="12192000" cy="6858000"/>
   <p:notesSz cx="6858000" cy="9144000"/>
@@ -140,6 +139,7 @@
 <file path=ppt/revisionInfo.xml><?xml version="1.0" encoding="utf-8"?>
 <p1510:revInfo xmlns:a="http://schemas.openxmlformats.org/drawingml/2006/main" xmlns:r="http://schemas.openxmlformats.org/officeDocument/2006/relationships" xmlns:p1510="http://schemas.microsoft.com/office/powerpoint/2015/10/main">
   <p1510:revLst>
+    <p1510:client id="{43B54959-73FC-B420-DA94-CF7DA8F8458C}" v="225" dt="2025-01-27T11:44:11.088"/>
     <p1510:client id="{D8B37017-44F0-FFCD-D579-CA05C7F57DC9}" v="91" dt="2025-01-25T22:20:51.576"/>
     <p1510:client id="{FE2DCA14-B75A-4823-2F27-9B88B5D02D84}" v="399" dt="2025-01-27T10:36:50.303"/>
   </p1510:revLst>
@@ -273,6 +273,177 @@
       </pc:sldChg>
     </pc:docChg>
   </pc:docChgLst>
+  <pc:docChgLst>
+    <pc:chgData name="alessandro finocchi" userId="S::alessandro.finocchi@students.uniroma2.eu::465885a1-b047-490b-87f0-a47563463c93" providerId="AD" clId="Web-{43B54959-73FC-B420-DA94-CF7DA8F8458C}"/>
+    <pc:docChg chg="delSld modSld">
+      <pc:chgData name="alessandro finocchi" userId="S::alessandro.finocchi@students.uniroma2.eu::465885a1-b047-490b-87f0-a47563463c93" providerId="AD" clId="Web-{43B54959-73FC-B420-DA94-CF7DA8F8458C}" dt="2025-01-27T11:44:11.088" v="137" actId="20577"/>
+      <pc:docMkLst>
+        <pc:docMk/>
+      </pc:docMkLst>
+      <pc:sldChg chg="modSp">
+        <pc:chgData name="alessandro finocchi" userId="S::alessandro.finocchi@students.uniroma2.eu::465885a1-b047-490b-87f0-a47563463c93" providerId="AD" clId="Web-{43B54959-73FC-B420-DA94-CF7DA8F8458C}" dt="2025-01-27T11:33:46.271" v="10" actId="1076"/>
+        <pc:sldMkLst>
+          <pc:docMk/>
+          <pc:sldMk cId="1951011649" sldId="261"/>
+        </pc:sldMkLst>
+        <pc:spChg chg="mod">
+          <ac:chgData name="alessandro finocchi" userId="S::alessandro.finocchi@students.uniroma2.eu::465885a1-b047-490b-87f0-a47563463c93" providerId="AD" clId="Web-{43B54959-73FC-B420-DA94-CF7DA8F8458C}" dt="2025-01-27T11:33:08.598" v="3" actId="20577"/>
+          <ac:spMkLst>
+            <pc:docMk/>
+            <pc:sldMk cId="1951011649" sldId="261"/>
+            <ac:spMk id="8" creationId="{A05DE7FA-A329-DCF5-1DD8-7E60B77B98E8}"/>
+          </ac:spMkLst>
+        </pc:spChg>
+        <pc:picChg chg="mod">
+          <ac:chgData name="alessandro finocchi" userId="S::alessandro.finocchi@students.uniroma2.eu::465885a1-b047-490b-87f0-a47563463c93" providerId="AD" clId="Web-{43B54959-73FC-B420-DA94-CF7DA8F8458C}" dt="2025-01-27T11:33:46.271" v="10" actId="1076"/>
+          <ac:picMkLst>
+            <pc:docMk/>
+            <pc:sldMk cId="1951011649" sldId="261"/>
+            <ac:picMk id="7" creationId="{0EEF5510-B610-319C-8131-A08DD317D374}"/>
+          </ac:picMkLst>
+        </pc:picChg>
+        <pc:picChg chg="mod">
+          <ac:chgData name="alessandro finocchi" userId="S::alessandro.finocchi@students.uniroma2.eu::465885a1-b047-490b-87f0-a47563463c93" providerId="AD" clId="Web-{43B54959-73FC-B420-DA94-CF7DA8F8458C}" dt="2025-01-27T11:33:46.256" v="9" actId="1076"/>
+          <ac:picMkLst>
+            <pc:docMk/>
+            <pc:sldMk cId="1951011649" sldId="261"/>
+            <ac:picMk id="10" creationId="{00000000-0000-0000-0000-000000000000}"/>
+          </ac:picMkLst>
+        </pc:picChg>
+        <pc:picChg chg="mod">
+          <ac:chgData name="alessandro finocchi" userId="S::alessandro.finocchi@students.uniroma2.eu::465885a1-b047-490b-87f0-a47563463c93" providerId="AD" clId="Web-{43B54959-73FC-B420-DA94-CF7DA8F8458C}" dt="2025-01-27T11:33:46.256" v="8" actId="1076"/>
+          <ac:picMkLst>
+            <pc:docMk/>
+            <pc:sldMk cId="1951011649" sldId="261"/>
+            <ac:picMk id="15" creationId="{C3F630EF-A5AB-F706-19EF-170BB95F6A6D}"/>
+          </ac:picMkLst>
+        </pc:picChg>
+        <pc:picChg chg="mod">
+          <ac:chgData name="alessandro finocchi" userId="S::alessandro.finocchi@students.uniroma2.eu::465885a1-b047-490b-87f0-a47563463c93" providerId="AD" clId="Web-{43B54959-73FC-B420-DA94-CF7DA8F8458C}" dt="2025-01-27T11:32:43.035" v="1" actId="1076"/>
+          <ac:picMkLst>
+            <pc:docMk/>
+            <pc:sldMk cId="1951011649" sldId="261"/>
+            <ac:picMk id="16" creationId="{B73A2AEB-2C20-2E65-0A39-AD1542244D8B}"/>
+          </ac:picMkLst>
+        </pc:picChg>
+        <pc:picChg chg="mod">
+          <ac:chgData name="alessandro finocchi" userId="S::alessandro.finocchi@students.uniroma2.eu::465885a1-b047-490b-87f0-a47563463c93" providerId="AD" clId="Web-{43B54959-73FC-B420-DA94-CF7DA8F8458C}" dt="2025-01-27T11:33:26.771" v="7" actId="1076"/>
+          <ac:picMkLst>
+            <pc:docMk/>
+            <pc:sldMk cId="1951011649" sldId="261"/>
+            <ac:picMk id="1026" creationId="{C4A6D11D-E0AD-7129-7F01-E3F8FFF42B04}"/>
+          </ac:picMkLst>
+        </pc:picChg>
+      </pc:sldChg>
+      <pc:sldChg chg="del">
+        <pc:chgData name="alessandro finocchi" userId="S::alessandro.finocchi@students.uniroma2.eu::465885a1-b047-490b-87f0-a47563463c93" providerId="AD" clId="Web-{43B54959-73FC-B420-DA94-CF7DA8F8458C}" dt="2025-01-27T11:43:39.087" v="134"/>
+        <pc:sldMkLst>
+          <pc:docMk/>
+          <pc:sldMk cId="3585670584" sldId="262"/>
+        </pc:sldMkLst>
+      </pc:sldChg>
+      <pc:sldChg chg="addSp delSp modSp">
+        <pc:chgData name="alessandro finocchi" userId="S::alessandro.finocchi@students.uniroma2.eu::465885a1-b047-490b-87f0-a47563463c93" providerId="AD" clId="Web-{43B54959-73FC-B420-DA94-CF7DA8F8458C}" dt="2025-01-27T11:43:06.883" v="129" actId="1076"/>
+        <pc:sldMkLst>
+          <pc:docMk/>
+          <pc:sldMk cId="1949581633" sldId="276"/>
+        </pc:sldMkLst>
+        <pc:spChg chg="del mod">
+          <ac:chgData name="alessandro finocchi" userId="S::alessandro.finocchi@students.uniroma2.eu::465885a1-b047-490b-87f0-a47563463c93" providerId="AD" clId="Web-{43B54959-73FC-B420-DA94-CF7DA8F8458C}" dt="2025-01-27T11:39:59.205" v="93"/>
+          <ac:spMkLst>
+            <pc:docMk/>
+            <pc:sldMk cId="1949581633" sldId="276"/>
+            <ac:spMk id="3" creationId="{8E724B7D-D24A-7E78-8C05-3A97A43C1472}"/>
+          </ac:spMkLst>
+        </pc:spChg>
+        <pc:graphicFrameChg chg="add mod modGraphic">
+          <ac:chgData name="alessandro finocchi" userId="S::alessandro.finocchi@students.uniroma2.eu::465885a1-b047-490b-87f0-a47563463c93" providerId="AD" clId="Web-{43B54959-73FC-B420-DA94-CF7DA8F8458C}" dt="2025-01-27T11:42:59.742" v="128"/>
+          <ac:graphicFrameMkLst>
+            <pc:docMk/>
+            <pc:sldMk cId="1949581633" sldId="276"/>
+            <ac:graphicFrameMk id="10" creationId="{630CA809-1AD9-5BE3-4E2E-5625E63C81D8}"/>
+          </ac:graphicFrameMkLst>
+        </pc:graphicFrameChg>
+        <pc:graphicFrameChg chg="del mod modGraphic">
+          <ac:chgData name="alessandro finocchi" userId="S::alessandro.finocchi@students.uniroma2.eu::465885a1-b047-490b-87f0-a47563463c93" providerId="AD" clId="Web-{43B54959-73FC-B420-DA94-CF7DA8F8458C}" dt="2025-01-27T11:41:54.443" v="96"/>
+          <ac:graphicFrameMkLst>
+            <pc:docMk/>
+            <pc:sldMk cId="1949581633" sldId="276"/>
+            <ac:graphicFrameMk id="12" creationId="{FD5D0AD2-C8EB-E560-CABD-5A3D62EC71C9}"/>
+          </ac:graphicFrameMkLst>
+        </pc:graphicFrameChg>
+        <pc:graphicFrameChg chg="mod modGraphic">
+          <ac:chgData name="alessandro finocchi" userId="S::alessandro.finocchi@students.uniroma2.eu::465885a1-b047-490b-87f0-a47563463c93" providerId="AD" clId="Web-{43B54959-73FC-B420-DA94-CF7DA8F8458C}" dt="2025-01-27T11:43:06.883" v="129" actId="1076"/>
+          <ac:graphicFrameMkLst>
+            <pc:docMk/>
+            <pc:sldMk cId="1949581633" sldId="276"/>
+            <ac:graphicFrameMk id="14" creationId="{E11ED488-6060-7B56-DDDF-E1545D79C8A4}"/>
+          </ac:graphicFrameMkLst>
+        </pc:graphicFrameChg>
+      </pc:sldChg>
+      <pc:sldChg chg="modSp">
+        <pc:chgData name="alessandro finocchi" userId="S::alessandro.finocchi@students.uniroma2.eu::465885a1-b047-490b-87f0-a47563463c93" providerId="AD" clId="Web-{43B54959-73FC-B420-DA94-CF7DA8F8458C}" dt="2025-01-27T11:37:11.325" v="91" actId="20577"/>
+        <pc:sldMkLst>
+          <pc:docMk/>
+          <pc:sldMk cId="2497548126" sldId="282"/>
+        </pc:sldMkLst>
+        <pc:spChg chg="mod">
+          <ac:chgData name="alessandro finocchi" userId="S::alessandro.finocchi@students.uniroma2.eu::465885a1-b047-490b-87f0-a47563463c93" providerId="AD" clId="Web-{43B54959-73FC-B420-DA94-CF7DA8F8458C}" dt="2025-01-27T11:37:11.325" v="91" actId="20577"/>
+          <ac:spMkLst>
+            <pc:docMk/>
+            <pc:sldMk cId="2497548126" sldId="282"/>
+            <ac:spMk id="12" creationId="{A05DE7FA-A329-DCF5-1DD8-7E60B77B98E8}"/>
+          </ac:spMkLst>
+        </pc:spChg>
+      </pc:sldChg>
+      <pc:sldChg chg="addSp delSp modSp">
+        <pc:chgData name="alessandro finocchi" userId="S::alessandro.finocchi@students.uniroma2.eu::465885a1-b047-490b-87f0-a47563463c93" providerId="AD" clId="Web-{43B54959-73FC-B420-DA94-CF7DA8F8458C}" dt="2025-01-27T11:43:32.306" v="133" actId="1076"/>
+        <pc:sldMkLst>
+          <pc:docMk/>
+          <pc:sldMk cId="3196211536" sldId="293"/>
+        </pc:sldMkLst>
+        <pc:spChg chg="del">
+          <ac:chgData name="alessandro finocchi" userId="S::alessandro.finocchi@students.uniroma2.eu::465885a1-b047-490b-87f0-a47563463c93" providerId="AD" clId="Web-{43B54959-73FC-B420-DA94-CF7DA8F8458C}" dt="2025-01-27T11:43:12.165" v="130"/>
+          <ac:spMkLst>
+            <pc:docMk/>
+            <pc:sldMk cId="3196211536" sldId="293"/>
+            <ac:spMk id="7" creationId="{7EBDA3FE-0F58-27D5-2F60-DA91A6034438}"/>
+          </ac:spMkLst>
+        </pc:spChg>
+        <pc:graphicFrameChg chg="del">
+          <ac:chgData name="alessandro finocchi" userId="S::alessandro.finocchi@students.uniroma2.eu::465885a1-b047-490b-87f0-a47563463c93" providerId="AD" clId="Web-{43B54959-73FC-B420-DA94-CF7DA8F8458C}" dt="2025-01-27T11:43:14.571" v="131"/>
+          <ac:graphicFrameMkLst>
+            <pc:docMk/>
+            <pc:sldMk cId="3196211536" sldId="293"/>
+            <ac:graphicFrameMk id="10" creationId="{F098E4CA-3DB3-4B67-65C0-8E87EC8276B0}"/>
+          </ac:graphicFrameMkLst>
+        </pc:graphicFrameChg>
+        <pc:graphicFrameChg chg="add mod">
+          <ac:chgData name="alessandro finocchi" userId="S::alessandro.finocchi@students.uniroma2.eu::465885a1-b047-490b-87f0-a47563463c93" providerId="AD" clId="Web-{43B54959-73FC-B420-DA94-CF7DA8F8458C}" dt="2025-01-27T11:43:32.306" v="133" actId="1076"/>
+          <ac:graphicFrameMkLst>
+            <pc:docMk/>
+            <pc:sldMk cId="3196211536" sldId="293"/>
+            <ac:graphicFrameMk id="12" creationId="{93B5CF97-3F15-CFC7-C437-C0F33FE388B8}"/>
+          </ac:graphicFrameMkLst>
+        </pc:graphicFrameChg>
+      </pc:sldChg>
+      <pc:sldChg chg="modSp">
+        <pc:chgData name="alessandro finocchi" userId="S::alessandro.finocchi@students.uniroma2.eu::465885a1-b047-490b-87f0-a47563463c93" providerId="AD" clId="Web-{43B54959-73FC-B420-DA94-CF7DA8F8458C}" dt="2025-01-27T11:44:11.088" v="137" actId="20577"/>
+        <pc:sldMkLst>
+          <pc:docMk/>
+          <pc:sldMk cId="1623740443" sldId="295"/>
+        </pc:sldMkLst>
+        <pc:spChg chg="mod">
+          <ac:chgData name="alessandro finocchi" userId="S::alessandro.finocchi@students.uniroma2.eu::465885a1-b047-490b-87f0-a47563463c93" providerId="AD" clId="Web-{43B54959-73FC-B420-DA94-CF7DA8F8458C}" dt="2025-01-27T11:44:11.088" v="137" actId="20577"/>
+          <ac:spMkLst>
+            <pc:docMk/>
+            <pc:sldMk cId="1623740443" sldId="295"/>
+            <ac:spMk id="3" creationId="{E721B17B-4937-11BD-86AD-F4DE854DB47A}"/>
+          </ac:spMkLst>
+        </pc:spChg>
+      </pc:sldChg>
+    </pc:docChg>
+  </pc:docChgLst>
 </pc:chgInfo>
 </file>
 
@@ -514,7 +685,7 @@
           </a:lstStyle>
           <a:p>
             <a:fld id="{A2A64AC7-4DA4-48E7-90C1-5D3C29B92E12}" type="slidenum">
-              <a:t>‹#›</a:t>
+              <a:t>‹N›</a:t>
             </a:fld>
             <a:endParaRPr lang="it-IT"/>
           </a:p>
@@ -1285,7 +1456,7 @@
           <a:p>
             <a:fld id="{66CD45B7-DFE2-4393-8D37-380FC36BF3AA}" type="slidenum">
               <a:rPr lang="de-DE" smtClean="0"/>
-              <a:t>‹#›</a:t>
+              <a:t>‹N›</a:t>
             </a:fld>
             <a:endParaRPr lang="de-DE"/>
           </a:p>
@@ -1455,7 +1626,7 @@
           <a:p>
             <a:fld id="{66CD45B7-DFE2-4393-8D37-380FC36BF3AA}" type="slidenum">
               <a:rPr lang="de-DE" smtClean="0"/>
-              <a:t>‹#›</a:t>
+              <a:t>‹N›</a:t>
             </a:fld>
             <a:endParaRPr lang="de-DE"/>
           </a:p>
@@ -1635,7 +1806,7 @@
           <a:p>
             <a:fld id="{66CD45B7-DFE2-4393-8D37-380FC36BF3AA}" type="slidenum">
               <a:rPr lang="de-DE" smtClean="0"/>
-              <a:t>‹#›</a:t>
+              <a:t>‹N›</a:t>
             </a:fld>
             <a:endParaRPr lang="de-DE"/>
           </a:p>
@@ -1805,7 +1976,7 @@
           <a:p>
             <a:fld id="{66CD45B7-DFE2-4393-8D37-380FC36BF3AA}" type="slidenum">
               <a:rPr lang="de-DE" smtClean="0"/>
-              <a:t>‹#›</a:t>
+              <a:t>‹N›</a:t>
             </a:fld>
             <a:endParaRPr lang="de-DE"/>
           </a:p>
@@ -2051,7 +2222,7 @@
           <a:p>
             <a:fld id="{66CD45B7-DFE2-4393-8D37-380FC36BF3AA}" type="slidenum">
               <a:rPr lang="de-DE" smtClean="0"/>
-              <a:t>‹#›</a:t>
+              <a:t>‹N›</a:t>
             </a:fld>
             <a:endParaRPr lang="de-DE"/>
           </a:p>
@@ -2283,7 +2454,7 @@
           <a:p>
             <a:fld id="{66CD45B7-DFE2-4393-8D37-380FC36BF3AA}" type="slidenum">
               <a:rPr lang="de-DE" smtClean="0"/>
-              <a:t>‹#›</a:t>
+              <a:t>‹N›</a:t>
             </a:fld>
             <a:endParaRPr lang="de-DE"/>
           </a:p>
@@ -2650,7 +2821,7 @@
           <a:p>
             <a:fld id="{66CD45B7-DFE2-4393-8D37-380FC36BF3AA}" type="slidenum">
               <a:rPr lang="de-DE" smtClean="0"/>
-              <a:t>‹#›</a:t>
+              <a:t>‹N›</a:t>
             </a:fld>
             <a:endParaRPr lang="de-DE"/>
           </a:p>
@@ -2768,7 +2939,7 @@
           <a:p>
             <a:fld id="{66CD45B7-DFE2-4393-8D37-380FC36BF3AA}" type="slidenum">
               <a:rPr lang="de-DE" smtClean="0"/>
-              <a:t>‹#›</a:t>
+              <a:t>‹N›</a:t>
             </a:fld>
             <a:endParaRPr lang="de-DE"/>
           </a:p>
@@ -2863,7 +3034,7 @@
           <a:p>
             <a:fld id="{66CD45B7-DFE2-4393-8D37-380FC36BF3AA}" type="slidenum">
               <a:rPr lang="de-DE" smtClean="0"/>
-              <a:t>‹#›</a:t>
+              <a:t>‹N›</a:t>
             </a:fld>
             <a:endParaRPr lang="de-DE"/>
           </a:p>
@@ -3140,7 +3311,7 @@
           <a:p>
             <a:fld id="{66CD45B7-DFE2-4393-8D37-380FC36BF3AA}" type="slidenum">
               <a:rPr lang="de-DE" smtClean="0"/>
-              <a:t>‹#›</a:t>
+              <a:t>‹N›</a:t>
             </a:fld>
             <a:endParaRPr lang="de-DE"/>
           </a:p>
@@ -3393,7 +3564,7 @@
           <a:p>
             <a:fld id="{66CD45B7-DFE2-4393-8D37-380FC36BF3AA}" type="slidenum">
               <a:rPr lang="de-DE" smtClean="0"/>
-              <a:t>‹#›</a:t>
+              <a:t>‹N›</a:t>
             </a:fld>
             <a:endParaRPr lang="de-DE"/>
           </a:p>
@@ -3642,7 +3813,7 @@
           <a:p>
             <a:fld id="{66CD45B7-DFE2-4393-8D37-380FC36BF3AA}" type="slidenum">
               <a:rPr lang="de-DE" smtClean="0"/>
-              <a:t>‹#›</a:t>
+              <a:t>‹N›</a:t>
             </a:fld>
             <a:endParaRPr lang="de-DE"/>
           </a:p>
@@ -8742,7 +8913,7 @@
         <p:spPr>
           <a:xfrm>
             <a:off x="639726" y="1613118"/>
-            <a:ext cx="6654056" cy="369332"/>
+            <a:ext cx="6654056" cy="923330"/>
           </a:xfrm>
           <a:prstGeom prst="rect">
             <a:avLst/>
@@ -8750,28 +8921,40 @@
           <a:noFill/>
         </p:spPr>
         <p:txBody>
-          <a:bodyPr wrap="square" rtlCol="0">
+          <a:bodyPr wrap="square" lIns="91440" tIns="45720" rIns="91440" bIns="45720" rtlCol="0" anchor="t">
             <a:spAutoFit/>
           </a:bodyPr>
           <a:lstStyle/>
           <a:p>
             <a:pPr marL="285750" indent="-285750">
-              <a:buFont typeface="Arial" panose="020B0604020202020204" pitchFamily="34" charset="0"/>
+              <a:buFont typeface="Arial"/>
               <a:buChar char="•"/>
             </a:pPr>
             <a:r>
-              <a:rPr lang="it-IT" dirty="0">
-                <a:solidFill>
-                  <a:srgbClr val="FF0000"/>
-                </a:solidFill>
-              </a:rPr>
-              <a:t>ALE (PROVA A FA QUALCOS ALTRO MA NON LO SA SE RIESCE)</a:t>
-            </a:r>
-            <a:endParaRPr lang="it-IT" noProof="0" dirty="0">
-              <a:solidFill>
-                <a:srgbClr val="FF0000"/>
-              </a:solidFill>
-            </a:endParaRPr>
+              <a:rPr lang="it-IT" dirty="0"/>
+              <a:t>Ripristinato il package </a:t>
+            </a:r>
+            <a:r>
+              <a:rPr lang="it-IT" dirty="0" err="1"/>
+              <a:t>scheduler</a:t>
+            </a:r>
+          </a:p>
+          <a:p>
+            <a:pPr marL="285750" indent="-285750">
+              <a:buFont typeface="Arial"/>
+              <a:buChar char="•"/>
+            </a:pPr>
+            <a:endParaRPr lang="it-IT" dirty="0"/>
+          </a:p>
+          <a:p>
+            <a:pPr marL="285750" indent="-285750">
+              <a:buFont typeface="Arial"/>
+              <a:buChar char="•"/>
+            </a:pPr>
+            <a:r>
+              <a:rPr lang="it-IT" dirty="0"/>
+              <a:t>Ripristinato il package scocciature</a:t>
+            </a:r>
           </a:p>
         </p:txBody>
       </p:sp>
@@ -10036,16 +10219,16 @@
                   </a:schemeClr>
                 </a:solidFill>
               </a:rPr>
-              <a:t> #607: </a:t>
-            </a:r>
-            <a:r>
-              <a:rPr lang="it-IT" dirty="0">
-                <a:solidFill>
-                  <a:srgbClr val="FF0000"/>
-                </a:solidFill>
-              </a:rPr>
-              <a:t>MASSIMO</a:t>
-            </a:r>
+              <a:t> #607:</a:t>
+            </a:r>
+            <a:endParaRPr lang="it-IT">
+              <a:solidFill>
+                <a:schemeClr val="tx1">
+                  <a:lumMod val="85000"/>
+                  <a:lumOff val="15000"/>
+                </a:schemeClr>
+              </a:solidFill>
+            </a:endParaRPr>
           </a:p>
           <a:p>
             <a:pPr marL="285750" indent="-285750">
@@ -11933,1528 +12116,6 @@
       </p:pic>
       <p:graphicFrame>
         <p:nvGraphicFramePr>
-          <p:cNvPr id="12" name="Table 11">
-            <a:extLst>
-              <a:ext uri="{FF2B5EF4-FFF2-40B4-BE49-F238E27FC236}">
-                <a16:creationId xmlns:a16="http://schemas.microsoft.com/office/drawing/2014/main" id="{FD5D0AD2-C8EB-E560-CABD-5A3D62EC71C9}"/>
-              </a:ext>
-            </a:extLst>
-          </p:cNvPr>
-          <p:cNvGraphicFramePr>
-            <a:graphicFrameLocks noGrp="1"/>
-          </p:cNvGraphicFramePr>
-          <p:nvPr/>
-        </p:nvGraphicFramePr>
-        <p:xfrm>
-          <a:off x="639724" y="1935778"/>
-          <a:ext cx="6654051" cy="1912960"/>
-        </p:xfrm>
-        <a:graphic>
-          <a:graphicData uri="http://schemas.openxmlformats.org/drawingml/2006/table">
-            <a:tbl>
-              <a:tblPr/>
-              <a:tblGrid>
-                <a:gridCol w="455150">
-                  <a:extLst>
-                    <a:ext uri="{9D8B030D-6E8A-4147-A177-3AD203B41FA5}">
-                      <a16:colId xmlns:a16="http://schemas.microsoft.com/office/drawing/2014/main" val="1605949687"/>
-                    </a:ext>
-                  </a:extLst>
-                </a:gridCol>
-                <a:gridCol w="421105">
-                  <a:extLst>
-                    <a:ext uri="{9D8B030D-6E8A-4147-A177-3AD203B41FA5}">
-                      <a16:colId xmlns:a16="http://schemas.microsoft.com/office/drawing/2014/main" val="3489721220"/>
-                    </a:ext>
-                  </a:extLst>
-                </a:gridCol>
-                <a:gridCol w="5777796">
-                  <a:extLst>
-                    <a:ext uri="{9D8B030D-6E8A-4147-A177-3AD203B41FA5}">
-                      <a16:colId xmlns:a16="http://schemas.microsoft.com/office/drawing/2014/main" val="823287439"/>
-                    </a:ext>
-                  </a:extLst>
-                </a:gridCol>
-              </a:tblGrid>
-              <a:tr h="304962">
-                <a:tc>
-                  <a:txBody>
-                    <a:bodyPr/>
-                    <a:lstStyle/>
-                    <a:p>
-                      <a:pPr algn="ctr" rtl="0" fontAlgn="b"/>
-                      <a:r>
-                        <a:rPr lang="it-IT" sz="1100" b="0">
-                          <a:effectLst/>
-                          <a:latin typeface="Arial" panose="020B0604020202020204" pitchFamily="34" charset="0"/>
-                        </a:rPr>
-                        <a:t>Stato</a:t>
-                      </a:r>
-                    </a:p>
-                  </a:txBody>
-                  <a:tcPr marL="27893" marR="27893" marT="18595" marB="18595" anchor="b">
-                    <a:lnL w="9525" cap="flat" cmpd="sng" algn="ctr">
-                      <a:solidFill>
-                        <a:srgbClr val="CCCCCC"/>
-                      </a:solidFill>
-                      <a:prstDash val="solid"/>
-                      <a:round/>
-                      <a:headEnd type="none" w="med" len="med"/>
-                      <a:tailEnd type="none" w="med" len="med"/>
-                    </a:lnL>
-                    <a:lnR w="9525" cap="flat" cmpd="sng" algn="ctr">
-                      <a:solidFill>
-                        <a:srgbClr val="CCCCCC"/>
-                      </a:solidFill>
-                      <a:prstDash val="solid"/>
-                      <a:round/>
-                      <a:headEnd type="none" w="med" len="med"/>
-                      <a:tailEnd type="none" w="med" len="med"/>
-                    </a:lnR>
-                    <a:lnT w="9525" cap="flat" cmpd="sng" algn="ctr">
-                      <a:solidFill>
-                        <a:srgbClr val="CCCCCC"/>
-                      </a:solidFill>
-                      <a:prstDash val="solid"/>
-                      <a:round/>
-                      <a:headEnd type="none" w="med" len="med"/>
-                      <a:tailEnd type="none" w="med" len="med"/>
-                    </a:lnT>
-                    <a:lnB w="9525" cap="flat" cmpd="sng" algn="ctr">
-                      <a:solidFill>
-                        <a:srgbClr val="CCCCCC"/>
-                      </a:solidFill>
-                      <a:prstDash val="solid"/>
-                      <a:round/>
-                      <a:headEnd type="none" w="med" len="med"/>
-                      <a:tailEnd type="none" w="med" len="med"/>
-                    </a:lnB>
-                    <a:solidFill>
-                      <a:srgbClr val="D9EAD3"/>
-                    </a:solidFill>
-                  </a:tcPr>
-                </a:tc>
-                <a:tc>
-                  <a:txBody>
-                    <a:bodyPr/>
-                    <a:lstStyle/>
-                    <a:p>
-                      <a:pPr algn="ctr" rtl="0" fontAlgn="b"/>
-                      <a:r>
-                        <a:rPr lang="it-IT" sz="1100" b="0">
-                          <a:effectLst/>
-                          <a:latin typeface="Arial" panose="020B0604020202020204" pitchFamily="34" charset="0"/>
-                        </a:rPr>
-                        <a:t>Pesi</a:t>
-                      </a:r>
-                    </a:p>
-                  </a:txBody>
-                  <a:tcPr marL="27893" marR="27893" marT="18595" marB="18595" anchor="b">
-                    <a:lnL w="9525" cap="flat" cmpd="sng" algn="ctr">
-                      <a:solidFill>
-                        <a:srgbClr val="CCCCCC"/>
-                      </a:solidFill>
-                      <a:prstDash val="solid"/>
-                      <a:round/>
-                      <a:headEnd type="none" w="med" len="med"/>
-                      <a:tailEnd type="none" w="med" len="med"/>
-                    </a:lnL>
-                    <a:lnR w="9525" cap="flat" cmpd="sng" algn="ctr">
-                      <a:solidFill>
-                        <a:srgbClr val="CCCCCC"/>
-                      </a:solidFill>
-                      <a:prstDash val="solid"/>
-                      <a:round/>
-                      <a:headEnd type="none" w="med" len="med"/>
-                      <a:tailEnd type="none" w="med" len="med"/>
-                    </a:lnR>
-                    <a:lnT w="9525" cap="flat" cmpd="sng" algn="ctr">
-                      <a:solidFill>
-                        <a:srgbClr val="CCCCCC"/>
-                      </a:solidFill>
-                      <a:prstDash val="solid"/>
-                      <a:round/>
-                      <a:headEnd type="none" w="med" len="med"/>
-                      <a:tailEnd type="none" w="med" len="med"/>
-                    </a:lnT>
-                    <a:lnB w="9525" cap="flat" cmpd="sng" algn="ctr">
-                      <a:solidFill>
-                        <a:srgbClr val="CCCCCC"/>
-                      </a:solidFill>
-                      <a:prstDash val="solid"/>
-                      <a:round/>
-                      <a:headEnd type="none" w="med" len="med"/>
-                      <a:tailEnd type="none" w="med" len="med"/>
-                    </a:lnB>
-                    <a:solidFill>
-                      <a:srgbClr val="F4CCCC"/>
-                    </a:solidFill>
-                  </a:tcPr>
-                </a:tc>
-                <a:tc>
-                  <a:txBody>
-                    <a:bodyPr/>
-                    <a:lstStyle/>
-                    <a:p>
-                      <a:pPr rtl="0" fontAlgn="b"/>
-                      <a:endParaRPr lang="it-IT" sz="1800" dirty="0">
-                        <a:effectLst/>
-                      </a:endParaRPr>
-                    </a:p>
-                  </a:txBody>
-                  <a:tcPr marL="27893" marR="27893" marT="18595" marB="18595" anchor="b">
-                    <a:lnL w="9525" cap="flat" cmpd="sng" algn="ctr">
-                      <a:solidFill>
-                        <a:srgbClr val="CCCCCC"/>
-                      </a:solidFill>
-                      <a:prstDash val="solid"/>
-                      <a:round/>
-                      <a:headEnd type="none" w="med" len="med"/>
-                      <a:tailEnd type="none" w="med" len="med"/>
-                    </a:lnL>
-                    <a:lnR w="9525" cap="flat" cmpd="sng" algn="ctr">
-                      <a:solidFill>
-                        <a:srgbClr val="CCCCCC"/>
-                      </a:solidFill>
-                      <a:prstDash val="solid"/>
-                      <a:round/>
-                      <a:headEnd type="none" w="med" len="med"/>
-                      <a:tailEnd type="none" w="med" len="med"/>
-                    </a:lnR>
-                    <a:lnT w="9525" cap="flat" cmpd="sng" algn="ctr">
-                      <a:solidFill>
-                        <a:srgbClr val="CCCCCC"/>
-                      </a:solidFill>
-                      <a:prstDash val="solid"/>
-                      <a:round/>
-                      <a:headEnd type="none" w="med" len="med"/>
-                      <a:tailEnd type="none" w="med" len="med"/>
-                    </a:lnT>
-                    <a:lnB w="9525" cap="flat" cmpd="sng" algn="ctr">
-                      <a:solidFill>
-                        <a:srgbClr val="CCCCCC"/>
-                      </a:solidFill>
-                      <a:prstDash val="solid"/>
-                      <a:round/>
-                      <a:headEnd type="none" w="med" len="med"/>
-                      <a:tailEnd type="none" w="med" len="med"/>
-                    </a:lnB>
-                    <a:noFill/>
-                  </a:tcPr>
-                </a:tc>
-                <a:extLst>
-                  <a:ext uri="{0D108BD9-81ED-4DB2-BD59-A6C34878D82A}">
-                    <a16:rowId xmlns:a16="http://schemas.microsoft.com/office/drawing/2014/main" val="2021283316"/>
-                  </a:ext>
-                </a:extLst>
-              </a:tr>
-              <a:tr h="200828">
-                <a:tc>
-                  <a:txBody>
-                    <a:bodyPr/>
-                    <a:lstStyle/>
-                    <a:p>
-                      <a:pPr marL="0" marR="0" lvl="0" indent="0" algn="ctr" defTabSz="914400" rtl="0" eaLnBrk="1" fontAlgn="ctr" latinLnBrk="0" hangingPunct="1">
-                        <a:lnSpc>
-                          <a:spcPct val="100000"/>
-                        </a:lnSpc>
-                        <a:spcBef>
-                          <a:spcPts val="0"/>
-                        </a:spcBef>
-                        <a:spcAft>
-                          <a:spcPts val="0"/>
-                        </a:spcAft>
-                        <a:buClrTx/>
-                        <a:buSzTx/>
-                        <a:buFontTx/>
-                        <a:buNone/>
-                        <a:tabLst/>
-                        <a:defRPr/>
-                      </a:pPr>
-                      <a:r>
-                        <a:rPr lang="it-IT" sz="1100" b="0" noProof="0" dirty="0">
-                          <a:effectLst/>
-                          <a:latin typeface="Arial" panose="020B0604020202020204" pitchFamily="34" charset="0"/>
-                        </a:rPr>
-                        <a:t>✅</a:t>
-                      </a:r>
-                    </a:p>
-                  </a:txBody>
-                  <a:tcPr marL="27893" marR="27893" marT="18595" marB="18595" anchor="ctr">
-                    <a:lnL w="9525" cap="flat" cmpd="sng" algn="ctr">
-                      <a:solidFill>
-                        <a:srgbClr val="CCCCCC"/>
-                      </a:solidFill>
-                      <a:prstDash val="solid"/>
-                      <a:round/>
-                      <a:headEnd type="none" w="med" len="med"/>
-                      <a:tailEnd type="none" w="med" len="med"/>
-                    </a:lnL>
-                    <a:lnR w="9525" cap="flat" cmpd="sng" algn="ctr">
-                      <a:solidFill>
-                        <a:srgbClr val="CCCCCC"/>
-                      </a:solidFill>
-                      <a:prstDash val="solid"/>
-                      <a:round/>
-                      <a:headEnd type="none" w="med" len="med"/>
-                      <a:tailEnd type="none" w="med" len="med"/>
-                    </a:lnR>
-                    <a:lnT w="9525" cap="flat" cmpd="sng" algn="ctr">
-                      <a:solidFill>
-                        <a:srgbClr val="CCCCCC"/>
-                      </a:solidFill>
-                      <a:prstDash val="solid"/>
-                      <a:round/>
-                      <a:headEnd type="none" w="med" len="med"/>
-                      <a:tailEnd type="none" w="med" len="med"/>
-                    </a:lnT>
-                    <a:lnB w="9525" cap="flat" cmpd="sng" algn="ctr">
-                      <a:solidFill>
-                        <a:srgbClr val="CCCCCC"/>
-                      </a:solidFill>
-                      <a:prstDash val="solid"/>
-                      <a:round/>
-                      <a:headEnd type="none" w="med" len="med"/>
-                      <a:tailEnd type="none" w="med" len="med"/>
-                    </a:lnB>
-                    <a:noFill/>
-                  </a:tcPr>
-                </a:tc>
-                <a:tc>
-                  <a:txBody>
-                    <a:bodyPr/>
-                    <a:lstStyle/>
-                    <a:p>
-                      <a:pPr algn="ctr" rtl="0" fontAlgn="ctr"/>
-                      <a:r>
-                        <a:rPr lang="it-IT" sz="1100" b="0" dirty="0">
-                          <a:effectLst/>
-                          <a:latin typeface="Arial" panose="020B0604020202020204" pitchFamily="34" charset="0"/>
-                        </a:rPr>
-                        <a:t>5</a:t>
-                      </a:r>
-                    </a:p>
-                  </a:txBody>
-                  <a:tcPr marL="27893" marR="27893" marT="18595" marB="18595" anchor="ctr">
-                    <a:lnL w="9525" cap="flat" cmpd="sng" algn="ctr">
-                      <a:solidFill>
-                        <a:srgbClr val="CCCCCC"/>
-                      </a:solidFill>
-                      <a:prstDash val="solid"/>
-                      <a:round/>
-                      <a:headEnd type="none" w="med" len="med"/>
-                      <a:tailEnd type="none" w="med" len="med"/>
-                    </a:lnL>
-                    <a:lnR w="9525" cap="flat" cmpd="sng" algn="ctr">
-                      <a:solidFill>
-                        <a:srgbClr val="CCCCCC"/>
-                      </a:solidFill>
-                      <a:prstDash val="solid"/>
-                      <a:round/>
-                      <a:headEnd type="none" w="med" len="med"/>
-                      <a:tailEnd type="none" w="med" len="med"/>
-                    </a:lnR>
-                    <a:lnT w="9525" cap="flat" cmpd="sng" algn="ctr">
-                      <a:solidFill>
-                        <a:srgbClr val="CCCCCC"/>
-                      </a:solidFill>
-                      <a:prstDash val="solid"/>
-                      <a:round/>
-                      <a:headEnd type="none" w="med" len="med"/>
-                      <a:tailEnd type="none" w="med" len="med"/>
-                    </a:lnT>
-                    <a:lnB w="9525" cap="flat" cmpd="sng" algn="ctr">
-                      <a:solidFill>
-                        <a:srgbClr val="CCCCCC"/>
-                      </a:solidFill>
-                      <a:prstDash val="solid"/>
-                      <a:round/>
-                      <a:headEnd type="none" w="med" len="med"/>
-                      <a:tailEnd type="none" w="med" len="med"/>
-                    </a:lnB>
-                    <a:solidFill>
-                      <a:srgbClr val="D7C3B0"/>
-                    </a:solidFill>
-                  </a:tcPr>
-                </a:tc>
-                <a:tc>
-                  <a:txBody>
-                    <a:bodyPr/>
-                    <a:lstStyle/>
-                    <a:p>
-                      <a:pPr rtl="0" fontAlgn="ctr"/>
-                      <a:r>
-                        <a:rPr lang="it-IT" sz="1100" b="0" i="1" strike="noStrike" dirty="0">
-                          <a:effectLst/>
-                          <a:latin typeface="Arial" panose="020B0604020202020204" pitchFamily="34" charset="0"/>
-                        </a:rPr>
-                        <a:t>Risolvere il problema riscontrato nella schedulazione</a:t>
-                      </a:r>
-                    </a:p>
-                  </a:txBody>
-                  <a:tcPr marL="27893" marR="27893" marT="18595" marB="18595" anchor="ctr">
-                    <a:lnL w="9525" cap="flat" cmpd="sng" algn="ctr">
-                      <a:solidFill>
-                        <a:srgbClr val="CCCCCC"/>
-                      </a:solidFill>
-                      <a:prstDash val="solid"/>
-                      <a:round/>
-                      <a:headEnd type="none" w="med" len="med"/>
-                      <a:tailEnd type="none" w="med" len="med"/>
-                    </a:lnL>
-                    <a:lnR w="9525" cap="flat" cmpd="sng" algn="ctr">
-                      <a:solidFill>
-                        <a:srgbClr val="CCCCCC"/>
-                      </a:solidFill>
-                      <a:prstDash val="solid"/>
-                      <a:round/>
-                      <a:headEnd type="none" w="med" len="med"/>
-                      <a:tailEnd type="none" w="med" len="med"/>
-                    </a:lnR>
-                    <a:lnT w="9525" cap="flat" cmpd="sng" algn="ctr">
-                      <a:solidFill>
-                        <a:srgbClr val="CCCCCC"/>
-                      </a:solidFill>
-                      <a:prstDash val="solid"/>
-                      <a:round/>
-                      <a:headEnd type="none" w="med" len="med"/>
-                      <a:tailEnd type="none" w="med" len="med"/>
-                    </a:lnT>
-                    <a:lnB w="9525" cap="flat" cmpd="sng" algn="ctr">
-                      <a:solidFill>
-                        <a:srgbClr val="CCCCCC"/>
-                      </a:solidFill>
-                      <a:prstDash val="solid"/>
-                      <a:round/>
-                      <a:headEnd type="none" w="med" len="med"/>
-                      <a:tailEnd type="none" w="med" len="med"/>
-                    </a:lnB>
-                    <a:noFill/>
-                  </a:tcPr>
-                </a:tc>
-                <a:extLst>
-                  <a:ext uri="{0D108BD9-81ED-4DB2-BD59-A6C34878D82A}">
-                    <a16:rowId xmlns:a16="http://schemas.microsoft.com/office/drawing/2014/main" val="1605531214"/>
-                  </a:ext>
-                </a:extLst>
-              </a:tr>
-              <a:tr h="200828">
-                <a:tc>
-                  <a:txBody>
-                    <a:bodyPr/>
-                    <a:lstStyle/>
-                    <a:p>
-                      <a:pPr marL="0" marR="0" lvl="0" indent="0" algn="ctr" defTabSz="914400" rtl="0" eaLnBrk="1" fontAlgn="ctr" latinLnBrk="0" hangingPunct="1">
-                        <a:lnSpc>
-                          <a:spcPct val="100000"/>
-                        </a:lnSpc>
-                        <a:spcBef>
-                          <a:spcPts val="0"/>
-                        </a:spcBef>
-                        <a:spcAft>
-                          <a:spcPts val="0"/>
-                        </a:spcAft>
-                        <a:buClrTx/>
-                        <a:buSzTx/>
-                        <a:buFontTx/>
-                        <a:buNone/>
-                        <a:tabLst/>
-                        <a:defRPr/>
-                      </a:pPr>
-                      <a:r>
-                        <a:rPr lang="it-IT" sz="1100" b="0" noProof="0" dirty="0">
-                          <a:effectLst/>
-                          <a:latin typeface="Arial" panose="020B0604020202020204" pitchFamily="34" charset="0"/>
-                        </a:rPr>
-                        <a:t>✅</a:t>
-                      </a:r>
-                    </a:p>
-                  </a:txBody>
-                  <a:tcPr marL="27893" marR="27893" marT="18595" marB="18595" anchor="ctr">
-                    <a:lnL w="9525" cap="flat" cmpd="sng" algn="ctr">
-                      <a:solidFill>
-                        <a:srgbClr val="CCCCCC"/>
-                      </a:solidFill>
-                      <a:prstDash val="solid"/>
-                      <a:round/>
-                      <a:headEnd type="none" w="med" len="med"/>
-                      <a:tailEnd type="none" w="med" len="med"/>
-                    </a:lnL>
-                    <a:lnR w="9525" cap="flat" cmpd="sng" algn="ctr">
-                      <a:solidFill>
-                        <a:srgbClr val="CCCCCC"/>
-                      </a:solidFill>
-                      <a:prstDash val="solid"/>
-                      <a:round/>
-                      <a:headEnd type="none" w="med" len="med"/>
-                      <a:tailEnd type="none" w="med" len="med"/>
-                    </a:lnR>
-                    <a:lnT w="9525" cap="flat" cmpd="sng" algn="ctr">
-                      <a:solidFill>
-                        <a:srgbClr val="CCCCCC"/>
-                      </a:solidFill>
-                      <a:prstDash val="solid"/>
-                      <a:round/>
-                      <a:headEnd type="none" w="med" len="med"/>
-                      <a:tailEnd type="none" w="med" len="med"/>
-                    </a:lnT>
-                    <a:lnB w="9525" cap="flat" cmpd="sng" algn="ctr">
-                      <a:solidFill>
-                        <a:srgbClr val="CCCCCC"/>
-                      </a:solidFill>
-                      <a:prstDash val="solid"/>
-                      <a:round/>
-                      <a:headEnd type="none" w="med" len="med"/>
-                      <a:tailEnd type="none" w="med" len="med"/>
-                    </a:lnB>
-                    <a:noFill/>
-                  </a:tcPr>
-                </a:tc>
-                <a:tc>
-                  <a:txBody>
-                    <a:bodyPr/>
-                    <a:lstStyle/>
-                    <a:p>
-                      <a:pPr algn="ctr" rtl="0" fontAlgn="ctr"/>
-                      <a:r>
-                        <a:rPr lang="it-IT" sz="1100" b="0" dirty="0">
-                          <a:effectLst/>
-                          <a:latin typeface="Arial" panose="020B0604020202020204" pitchFamily="34" charset="0"/>
-                        </a:rPr>
-                        <a:t>3</a:t>
-                      </a:r>
-                    </a:p>
-                  </a:txBody>
-                  <a:tcPr marL="27893" marR="27893" marT="18595" marB="18595" anchor="ctr">
-                    <a:lnL w="9525" cap="flat" cmpd="sng" algn="ctr">
-                      <a:solidFill>
-                        <a:srgbClr val="CCCCCC"/>
-                      </a:solidFill>
-                      <a:prstDash val="solid"/>
-                      <a:round/>
-                      <a:headEnd type="none" w="med" len="med"/>
-                      <a:tailEnd type="none" w="med" len="med"/>
-                    </a:lnL>
-                    <a:lnR w="9525" cap="flat" cmpd="sng" algn="ctr">
-                      <a:solidFill>
-                        <a:srgbClr val="CCCCCC"/>
-                      </a:solidFill>
-                      <a:prstDash val="solid"/>
-                      <a:round/>
-                      <a:headEnd type="none" w="med" len="med"/>
-                      <a:tailEnd type="none" w="med" len="med"/>
-                    </a:lnR>
-                    <a:lnT w="9525" cap="flat" cmpd="sng" algn="ctr">
-                      <a:solidFill>
-                        <a:srgbClr val="CCCCCC"/>
-                      </a:solidFill>
-                      <a:prstDash val="solid"/>
-                      <a:round/>
-                      <a:headEnd type="none" w="med" len="med"/>
-                      <a:tailEnd type="none" w="med" len="med"/>
-                    </a:lnT>
-                    <a:lnB w="9525" cap="flat" cmpd="sng" algn="ctr">
-                      <a:solidFill>
-                        <a:srgbClr val="CCCCCC"/>
-                      </a:solidFill>
-                      <a:prstDash val="solid"/>
-                      <a:round/>
-                      <a:headEnd type="none" w="med" len="med"/>
-                      <a:tailEnd type="none" w="med" len="med"/>
-                    </a:lnB>
-                    <a:solidFill>
-                      <a:srgbClr val="D9EAD3"/>
-                    </a:solidFill>
-                  </a:tcPr>
-                </a:tc>
-                <a:tc>
-                  <a:txBody>
-                    <a:bodyPr/>
-                    <a:lstStyle/>
-                    <a:p>
-                      <a:pPr rtl="0" fontAlgn="b"/>
-                      <a:r>
-                        <a:rPr lang="it-IT" sz="1100" b="0" i="1" strike="noStrike" dirty="0">
-                          <a:effectLst/>
-                          <a:latin typeface="Arial" panose="020B0604020202020204" pitchFamily="34" charset="0"/>
-                        </a:rPr>
-                        <a:t>Test di integrazione: ripristino test già presenti</a:t>
-                      </a:r>
-                    </a:p>
-                  </a:txBody>
-                  <a:tcPr marL="27893" marR="27893" marT="18595" marB="18595" anchor="b">
-                    <a:lnL w="9525" cap="flat" cmpd="sng" algn="ctr">
-                      <a:solidFill>
-                        <a:srgbClr val="CCCCCC"/>
-                      </a:solidFill>
-                      <a:prstDash val="solid"/>
-                      <a:round/>
-                      <a:headEnd type="none" w="med" len="med"/>
-                      <a:tailEnd type="none" w="med" len="med"/>
-                    </a:lnL>
-                    <a:lnR w="9525" cap="flat" cmpd="sng" algn="ctr">
-                      <a:solidFill>
-                        <a:srgbClr val="CCCCCC"/>
-                      </a:solidFill>
-                      <a:prstDash val="solid"/>
-                      <a:round/>
-                      <a:headEnd type="none" w="med" len="med"/>
-                      <a:tailEnd type="none" w="med" len="med"/>
-                    </a:lnR>
-                    <a:lnT w="9525" cap="flat" cmpd="sng" algn="ctr">
-                      <a:solidFill>
-                        <a:srgbClr val="CCCCCC"/>
-                      </a:solidFill>
-                      <a:prstDash val="solid"/>
-                      <a:round/>
-                      <a:headEnd type="none" w="med" len="med"/>
-                      <a:tailEnd type="none" w="med" len="med"/>
-                    </a:lnT>
-                    <a:lnB w="9525" cap="flat" cmpd="sng" algn="ctr">
-                      <a:solidFill>
-                        <a:srgbClr val="CCCCCC"/>
-                      </a:solidFill>
-                      <a:prstDash val="solid"/>
-                      <a:round/>
-                      <a:headEnd type="none" w="med" len="med"/>
-                      <a:tailEnd type="none" w="med" len="med"/>
-                    </a:lnB>
-                    <a:noFill/>
-                  </a:tcPr>
-                </a:tc>
-                <a:extLst>
-                  <a:ext uri="{0D108BD9-81ED-4DB2-BD59-A6C34878D82A}">
-                    <a16:rowId xmlns:a16="http://schemas.microsoft.com/office/drawing/2014/main" val="3032375564"/>
-                  </a:ext>
-                </a:extLst>
-              </a:tr>
-              <a:tr h="200828">
-                <a:tc>
-                  <a:txBody>
-                    <a:bodyPr/>
-                    <a:lstStyle/>
-                    <a:p>
-                      <a:pPr algn="ctr" rtl="0" fontAlgn="ctr"/>
-                      <a:r>
-                        <a:rPr lang="it-IT" sz="1100" b="0" noProof="0" dirty="0">
-                          <a:effectLst/>
-                          <a:latin typeface="Arial" panose="020B0604020202020204" pitchFamily="34" charset="0"/>
-                        </a:rPr>
-                        <a:t>✅</a:t>
-                      </a:r>
-                      <a:endParaRPr lang="it-IT" sz="1100" b="0" dirty="0">
-                        <a:solidFill>
-                          <a:srgbClr val="6AA84F"/>
-                        </a:solidFill>
-                        <a:effectLst/>
-                        <a:latin typeface="Arial" panose="020B0604020202020204" pitchFamily="34" charset="0"/>
-                      </a:endParaRPr>
-                    </a:p>
-                  </a:txBody>
-                  <a:tcPr marL="27893" marR="27893" marT="18595" marB="18595" anchor="ctr">
-                    <a:lnL w="9525" cap="flat" cmpd="sng" algn="ctr">
-                      <a:solidFill>
-                        <a:srgbClr val="CCCCCC"/>
-                      </a:solidFill>
-                      <a:prstDash val="solid"/>
-                      <a:round/>
-                      <a:headEnd type="none" w="med" len="med"/>
-                      <a:tailEnd type="none" w="med" len="med"/>
-                    </a:lnL>
-                    <a:lnR w="9525" cap="flat" cmpd="sng" algn="ctr">
-                      <a:solidFill>
-                        <a:srgbClr val="CCCCCC"/>
-                      </a:solidFill>
-                      <a:prstDash val="solid"/>
-                      <a:round/>
-                      <a:headEnd type="none" w="med" len="med"/>
-                      <a:tailEnd type="none" w="med" len="med"/>
-                    </a:lnR>
-                    <a:lnT w="9525" cap="flat" cmpd="sng" algn="ctr">
-                      <a:solidFill>
-                        <a:srgbClr val="CCCCCC"/>
-                      </a:solidFill>
-                      <a:prstDash val="solid"/>
-                      <a:round/>
-                      <a:headEnd type="none" w="med" len="med"/>
-                      <a:tailEnd type="none" w="med" len="med"/>
-                    </a:lnT>
-                    <a:lnB w="9525" cap="flat" cmpd="sng" algn="ctr">
-                      <a:solidFill>
-                        <a:srgbClr val="CCCCCC"/>
-                      </a:solidFill>
-                      <a:prstDash val="solid"/>
-                      <a:round/>
-                      <a:headEnd type="none" w="med" len="med"/>
-                      <a:tailEnd type="none" w="med" len="med"/>
-                    </a:lnB>
-                    <a:noFill/>
-                  </a:tcPr>
-                </a:tc>
-                <a:tc>
-                  <a:txBody>
-                    <a:bodyPr/>
-                    <a:lstStyle/>
-                    <a:p>
-                      <a:pPr algn="ctr" rtl="0" fontAlgn="ctr"/>
-                      <a:r>
-                        <a:rPr lang="it-IT" sz="1100" b="0" dirty="0">
-                          <a:effectLst/>
-                          <a:latin typeface="Arial" panose="020B0604020202020204" pitchFamily="34" charset="0"/>
-                        </a:rPr>
-                        <a:t>4</a:t>
-                      </a:r>
-                    </a:p>
-                  </a:txBody>
-                  <a:tcPr marL="27893" marR="27893" marT="18595" marB="18595" anchor="ctr">
-                    <a:lnL w="9525" cap="flat" cmpd="sng" algn="ctr">
-                      <a:solidFill>
-                        <a:srgbClr val="CCCCCC"/>
-                      </a:solidFill>
-                      <a:prstDash val="solid"/>
-                      <a:round/>
-                      <a:headEnd type="none" w="med" len="med"/>
-                      <a:tailEnd type="none" w="med" len="med"/>
-                    </a:lnL>
-                    <a:lnR w="9525" cap="flat" cmpd="sng" algn="ctr">
-                      <a:solidFill>
-                        <a:srgbClr val="CCCCCC"/>
-                      </a:solidFill>
-                      <a:prstDash val="solid"/>
-                      <a:round/>
-                      <a:headEnd type="none" w="med" len="med"/>
-                      <a:tailEnd type="none" w="med" len="med"/>
-                    </a:lnR>
-                    <a:lnT w="9525" cap="flat" cmpd="sng" algn="ctr">
-                      <a:solidFill>
-                        <a:srgbClr val="CCCCCC"/>
-                      </a:solidFill>
-                      <a:prstDash val="solid"/>
-                      <a:round/>
-                      <a:headEnd type="none" w="med" len="med"/>
-                      <a:tailEnd type="none" w="med" len="med"/>
-                    </a:lnT>
-                    <a:lnB w="9525" cap="flat" cmpd="sng" algn="ctr">
-                      <a:solidFill>
-                        <a:srgbClr val="CCCCCC"/>
-                      </a:solidFill>
-                      <a:prstDash val="solid"/>
-                      <a:round/>
-                      <a:headEnd type="none" w="med" len="med"/>
-                      <a:tailEnd type="none" w="med" len="med"/>
-                    </a:lnB>
-                    <a:solidFill>
-                      <a:srgbClr val="D8D7C2"/>
-                    </a:solidFill>
-                  </a:tcPr>
-                </a:tc>
-                <a:tc>
-                  <a:txBody>
-                    <a:bodyPr/>
-                    <a:lstStyle/>
-                    <a:p>
-                      <a:pPr rtl="0" fontAlgn="b"/>
-                      <a:r>
-                        <a:rPr lang="it-IT" sz="1100" b="0" i="1" strike="noStrike" dirty="0">
-                          <a:effectLst/>
-                          <a:latin typeface="Arial" panose="020B0604020202020204" pitchFamily="34" charset="0"/>
-                        </a:rPr>
-                        <a:t>Studiare le soluzioni di analisi statica (e poi dinamica se non ha richiesto troppo tempo quella statica) del codice</a:t>
-                      </a:r>
-                    </a:p>
-                  </a:txBody>
-                  <a:tcPr marL="27893" marR="27893" marT="18595" marB="18595" anchor="b">
-                    <a:lnL w="9525" cap="flat" cmpd="sng" algn="ctr">
-                      <a:solidFill>
-                        <a:srgbClr val="CCCCCC"/>
-                      </a:solidFill>
-                      <a:prstDash val="solid"/>
-                      <a:round/>
-                      <a:headEnd type="none" w="med" len="med"/>
-                      <a:tailEnd type="none" w="med" len="med"/>
-                    </a:lnL>
-                    <a:lnR w="9525" cap="flat" cmpd="sng" algn="ctr">
-                      <a:solidFill>
-                        <a:srgbClr val="CCCCCC"/>
-                      </a:solidFill>
-                      <a:prstDash val="solid"/>
-                      <a:round/>
-                      <a:headEnd type="none" w="med" len="med"/>
-                      <a:tailEnd type="none" w="med" len="med"/>
-                    </a:lnR>
-                    <a:lnT w="9525" cap="flat" cmpd="sng" algn="ctr">
-                      <a:solidFill>
-                        <a:srgbClr val="CCCCCC"/>
-                      </a:solidFill>
-                      <a:prstDash val="solid"/>
-                      <a:round/>
-                      <a:headEnd type="none" w="med" len="med"/>
-                      <a:tailEnd type="none" w="med" len="med"/>
-                    </a:lnT>
-                    <a:lnB w="9525" cap="flat" cmpd="sng" algn="ctr">
-                      <a:solidFill>
-                        <a:srgbClr val="CCCCCC"/>
-                      </a:solidFill>
-                      <a:prstDash val="solid"/>
-                      <a:round/>
-                      <a:headEnd type="none" w="med" len="med"/>
-                      <a:tailEnd type="none" w="med" len="med"/>
-                    </a:lnB>
-                    <a:noFill/>
-                  </a:tcPr>
-                </a:tc>
-                <a:extLst>
-                  <a:ext uri="{0D108BD9-81ED-4DB2-BD59-A6C34878D82A}">
-                    <a16:rowId xmlns:a16="http://schemas.microsoft.com/office/drawing/2014/main" val="1907726413"/>
-                  </a:ext>
-                </a:extLst>
-              </a:tr>
-              <a:tr h="200828">
-                <a:tc>
-                  <a:txBody>
-                    <a:bodyPr/>
-                    <a:lstStyle/>
-                    <a:p>
-                      <a:pPr marL="0" marR="0" lvl="0" indent="0" algn="ctr" defTabSz="914400" rtl="0" eaLnBrk="1" fontAlgn="ctr" latinLnBrk="0" hangingPunct="1">
-                        <a:lnSpc>
-                          <a:spcPct val="100000"/>
-                        </a:lnSpc>
-                        <a:spcBef>
-                          <a:spcPts val="0"/>
-                        </a:spcBef>
-                        <a:spcAft>
-                          <a:spcPts val="0"/>
-                        </a:spcAft>
-                        <a:buClrTx/>
-                        <a:buSzTx/>
-                        <a:buFontTx/>
-                        <a:buNone/>
-                        <a:tabLst/>
-                        <a:defRPr/>
-                      </a:pPr>
-                      <a:r>
-                        <a:rPr lang="it-IT" sz="1100" b="0" noProof="0" dirty="0">
-                          <a:effectLst/>
-                          <a:latin typeface="Arial" panose="020B0604020202020204" pitchFamily="34" charset="0"/>
-                        </a:rPr>
-                        <a:t>✅</a:t>
-                      </a:r>
-                      <a:endParaRPr lang="it-IT" sz="1100" b="0" dirty="0">
-                        <a:solidFill>
-                          <a:srgbClr val="6AA84F"/>
-                        </a:solidFill>
-                        <a:effectLst/>
-                        <a:latin typeface="Arial" panose="020B0604020202020204" pitchFamily="34" charset="0"/>
-                      </a:endParaRPr>
-                    </a:p>
-                  </a:txBody>
-                  <a:tcPr marL="27893" marR="27893" marT="18595" marB="18595" anchor="ctr">
-                    <a:lnL w="9525" cap="flat" cmpd="sng" algn="ctr">
-                      <a:solidFill>
-                        <a:srgbClr val="CCCCCC"/>
-                      </a:solidFill>
-                      <a:prstDash val="solid"/>
-                      <a:round/>
-                      <a:headEnd type="none" w="med" len="med"/>
-                      <a:tailEnd type="none" w="med" len="med"/>
-                    </a:lnL>
-                    <a:lnR w="9525" cap="flat" cmpd="sng" algn="ctr">
-                      <a:solidFill>
-                        <a:srgbClr val="CCCCCC"/>
-                      </a:solidFill>
-                      <a:prstDash val="solid"/>
-                      <a:round/>
-                      <a:headEnd type="none" w="med" len="med"/>
-                      <a:tailEnd type="none" w="med" len="med"/>
-                    </a:lnR>
-                    <a:lnT w="9525" cap="flat" cmpd="sng" algn="ctr">
-                      <a:solidFill>
-                        <a:srgbClr val="CCCCCC"/>
-                      </a:solidFill>
-                      <a:prstDash val="solid"/>
-                      <a:round/>
-                      <a:headEnd type="none" w="med" len="med"/>
-                      <a:tailEnd type="none" w="med" len="med"/>
-                    </a:lnT>
-                    <a:lnB w="9525" cap="flat" cmpd="sng" algn="ctr">
-                      <a:solidFill>
-                        <a:srgbClr val="CCCCCC"/>
-                      </a:solidFill>
-                      <a:prstDash val="solid"/>
-                      <a:round/>
-                      <a:headEnd type="none" w="med" len="med"/>
-                      <a:tailEnd type="none" w="med" len="med"/>
-                    </a:lnB>
-                    <a:noFill/>
-                  </a:tcPr>
-                </a:tc>
-                <a:tc>
-                  <a:txBody>
-                    <a:bodyPr/>
-                    <a:lstStyle/>
-                    <a:p>
-                      <a:pPr algn="ctr" rtl="0" fontAlgn="ctr"/>
-                      <a:endParaRPr lang="it-IT" sz="1100" b="0" dirty="0">
-                        <a:effectLst/>
-                        <a:latin typeface="Arial" panose="020B0604020202020204" pitchFamily="34" charset="0"/>
-                      </a:endParaRPr>
-                    </a:p>
-                  </a:txBody>
-                  <a:tcPr marL="27893" marR="27893" marT="18595" marB="18595" anchor="ctr">
-                    <a:lnL w="9525" cap="flat" cmpd="sng" algn="ctr">
-                      <a:solidFill>
-                        <a:srgbClr val="CCCCCC"/>
-                      </a:solidFill>
-                      <a:prstDash val="solid"/>
-                      <a:round/>
-                      <a:headEnd type="none" w="med" len="med"/>
-                      <a:tailEnd type="none" w="med" len="med"/>
-                    </a:lnL>
-                    <a:lnR w="9525" cap="flat" cmpd="sng" algn="ctr">
-                      <a:solidFill>
-                        <a:srgbClr val="CCCCCC"/>
-                      </a:solidFill>
-                      <a:prstDash val="solid"/>
-                      <a:round/>
-                      <a:headEnd type="none" w="med" len="med"/>
-                      <a:tailEnd type="none" w="med" len="med"/>
-                    </a:lnR>
-                    <a:lnT w="9525" cap="flat" cmpd="sng" algn="ctr">
-                      <a:solidFill>
-                        <a:srgbClr val="CCCCCC"/>
-                      </a:solidFill>
-                      <a:prstDash val="solid"/>
-                      <a:round/>
-                      <a:headEnd type="none" w="med" len="med"/>
-                      <a:tailEnd type="none" w="med" len="med"/>
-                    </a:lnT>
-                    <a:lnB w="9525" cap="flat" cmpd="sng" algn="ctr">
-                      <a:solidFill>
-                        <a:srgbClr val="CCCCCC"/>
-                      </a:solidFill>
-                      <a:prstDash val="solid"/>
-                      <a:round/>
-                      <a:headEnd type="none" w="med" len="med"/>
-                      <a:tailEnd type="none" w="med" len="med"/>
-                    </a:lnB>
-                    <a:solidFill>
-                      <a:srgbClr val="D26258"/>
-                    </a:solidFill>
-                  </a:tcPr>
-                </a:tc>
-                <a:tc>
-                  <a:txBody>
-                    <a:bodyPr/>
-                    <a:lstStyle/>
-                    <a:p>
-                      <a:pPr rtl="0" fontAlgn="b"/>
-                      <a:r>
-                        <a:rPr lang="it-IT" sz="1100" b="0" i="1" strike="noStrike" dirty="0">
-                          <a:effectLst/>
-                          <a:latin typeface="Arial" panose="020B0604020202020204" pitchFamily="34" charset="0"/>
-                        </a:rPr>
-                        <a:t>Sviluppo MT soluzione 2</a:t>
-                      </a:r>
-                    </a:p>
-                  </a:txBody>
-                  <a:tcPr marL="27893" marR="27893" marT="18595" marB="18595" anchor="b">
-                    <a:lnL w="9525" cap="flat" cmpd="sng" algn="ctr">
-                      <a:solidFill>
-                        <a:srgbClr val="CCCCCC"/>
-                      </a:solidFill>
-                      <a:prstDash val="solid"/>
-                      <a:round/>
-                      <a:headEnd type="none" w="med" len="med"/>
-                      <a:tailEnd type="none" w="med" len="med"/>
-                    </a:lnL>
-                    <a:lnR w="9525" cap="flat" cmpd="sng" algn="ctr">
-                      <a:solidFill>
-                        <a:srgbClr val="CCCCCC"/>
-                      </a:solidFill>
-                      <a:prstDash val="solid"/>
-                      <a:round/>
-                      <a:headEnd type="none" w="med" len="med"/>
-                      <a:tailEnd type="none" w="med" len="med"/>
-                    </a:lnR>
-                    <a:lnT w="9525" cap="flat" cmpd="sng" algn="ctr">
-                      <a:solidFill>
-                        <a:srgbClr val="CCCCCC"/>
-                      </a:solidFill>
-                      <a:prstDash val="solid"/>
-                      <a:round/>
-                      <a:headEnd type="none" w="med" len="med"/>
-                      <a:tailEnd type="none" w="med" len="med"/>
-                    </a:lnT>
-                    <a:lnB w="9525" cap="flat" cmpd="sng" algn="ctr">
-                      <a:solidFill>
-                        <a:srgbClr val="CCCCCC"/>
-                      </a:solidFill>
-                      <a:prstDash val="solid"/>
-                      <a:round/>
-                      <a:headEnd type="none" w="med" len="med"/>
-                      <a:tailEnd type="none" w="med" len="med"/>
-                    </a:lnB>
-                    <a:noFill/>
-                  </a:tcPr>
-                </a:tc>
-                <a:extLst>
-                  <a:ext uri="{0D108BD9-81ED-4DB2-BD59-A6C34878D82A}">
-                    <a16:rowId xmlns:a16="http://schemas.microsoft.com/office/drawing/2014/main" val="3844803052"/>
-                  </a:ext>
-                </a:extLst>
-              </a:tr>
-              <a:tr h="200828">
-                <a:tc>
-                  <a:txBody>
-                    <a:bodyPr/>
-                    <a:lstStyle/>
-                    <a:p>
-                      <a:pPr marL="0" marR="0" lvl="0" indent="0" algn="ctr" defTabSz="914400" rtl="0" eaLnBrk="1" fontAlgn="ctr" latinLnBrk="0" hangingPunct="1">
-                        <a:lnSpc>
-                          <a:spcPct val="100000"/>
-                        </a:lnSpc>
-                        <a:spcBef>
-                          <a:spcPts val="0"/>
-                        </a:spcBef>
-                        <a:spcAft>
-                          <a:spcPts val="0"/>
-                        </a:spcAft>
-                        <a:buClrTx/>
-                        <a:buSzTx/>
-                        <a:buFontTx/>
-                        <a:buNone/>
-                        <a:tabLst/>
-                        <a:defRPr/>
-                      </a:pPr>
-                      <a:r>
-                        <a:rPr lang="it-IT" sz="1100" b="0" noProof="0" dirty="0">
-                          <a:effectLst/>
-                          <a:latin typeface="Arial" panose="020B0604020202020204" pitchFamily="34" charset="0"/>
-                        </a:rPr>
-                        <a:t>✅</a:t>
-                      </a:r>
-                    </a:p>
-                  </a:txBody>
-                  <a:tcPr marL="27893" marR="27893" marT="18595" marB="18595" anchor="ctr">
-                    <a:lnL w="9525" cap="flat" cmpd="sng" algn="ctr">
-                      <a:solidFill>
-                        <a:srgbClr val="CCCCCC"/>
-                      </a:solidFill>
-                      <a:prstDash val="solid"/>
-                      <a:round/>
-                      <a:headEnd type="none" w="med" len="med"/>
-                      <a:tailEnd type="none" w="med" len="med"/>
-                    </a:lnL>
-                    <a:lnR w="9525" cap="flat" cmpd="sng" algn="ctr">
-                      <a:solidFill>
-                        <a:srgbClr val="CCCCCC"/>
-                      </a:solidFill>
-                      <a:prstDash val="solid"/>
-                      <a:round/>
-                      <a:headEnd type="none" w="med" len="med"/>
-                      <a:tailEnd type="none" w="med" len="med"/>
-                    </a:lnR>
-                    <a:lnT w="9525" cap="flat" cmpd="sng" algn="ctr">
-                      <a:solidFill>
-                        <a:srgbClr val="CCCCCC"/>
-                      </a:solidFill>
-                      <a:prstDash val="solid"/>
-                      <a:round/>
-                      <a:headEnd type="none" w="med" len="med"/>
-                      <a:tailEnd type="none" w="med" len="med"/>
-                    </a:lnT>
-                    <a:lnB w="9525" cap="flat" cmpd="sng" algn="ctr">
-                      <a:solidFill>
-                        <a:srgbClr val="CCCCCC"/>
-                      </a:solidFill>
-                      <a:prstDash val="solid"/>
-                      <a:round/>
-                      <a:headEnd type="none" w="med" len="med"/>
-                      <a:tailEnd type="none" w="med" len="med"/>
-                    </a:lnB>
-                    <a:noFill/>
-                  </a:tcPr>
-                </a:tc>
-                <a:tc>
-                  <a:txBody>
-                    <a:bodyPr/>
-                    <a:lstStyle/>
-                    <a:p>
-                      <a:pPr algn="ctr" rtl="0" fontAlgn="ctr"/>
-                      <a:endParaRPr lang="it-IT" sz="1100" b="0" dirty="0">
-                        <a:effectLst/>
-                        <a:latin typeface="Arial" panose="020B0604020202020204" pitchFamily="34" charset="0"/>
-                      </a:endParaRPr>
-                    </a:p>
-                  </a:txBody>
-                  <a:tcPr marL="27893" marR="27893" marT="18595" marB="18595" anchor="ctr">
-                    <a:lnL w="9525" cap="flat" cmpd="sng" algn="ctr">
-                      <a:solidFill>
-                        <a:srgbClr val="CCCCCC"/>
-                      </a:solidFill>
-                      <a:prstDash val="solid"/>
-                      <a:round/>
-                      <a:headEnd type="none" w="med" len="med"/>
-                      <a:tailEnd type="none" w="med" len="med"/>
-                    </a:lnL>
-                    <a:lnR w="9525" cap="flat" cmpd="sng" algn="ctr">
-                      <a:solidFill>
-                        <a:srgbClr val="CCCCCC"/>
-                      </a:solidFill>
-                      <a:prstDash val="solid"/>
-                      <a:round/>
-                      <a:headEnd type="none" w="med" len="med"/>
-                      <a:tailEnd type="none" w="med" len="med"/>
-                    </a:lnR>
-                    <a:lnT w="9525" cap="flat" cmpd="sng" algn="ctr">
-                      <a:solidFill>
-                        <a:srgbClr val="CCCCCC"/>
-                      </a:solidFill>
-                      <a:prstDash val="solid"/>
-                      <a:round/>
-                      <a:headEnd type="none" w="med" len="med"/>
-                      <a:tailEnd type="none" w="med" len="med"/>
-                    </a:lnT>
-                    <a:lnB w="9525" cap="flat" cmpd="sng" algn="ctr">
-                      <a:solidFill>
-                        <a:srgbClr val="CCCCCC"/>
-                      </a:solidFill>
-                      <a:prstDash val="solid"/>
-                      <a:round/>
-                      <a:headEnd type="none" w="med" len="med"/>
-                      <a:tailEnd type="none" w="med" len="med"/>
-                    </a:lnB>
-                    <a:solidFill>
-                      <a:srgbClr val="CC0000"/>
-                    </a:solidFill>
-                  </a:tcPr>
-                </a:tc>
-                <a:tc>
-                  <a:txBody>
-                    <a:bodyPr/>
-                    <a:lstStyle/>
-                    <a:p>
-                      <a:pPr rtl="0" fontAlgn="b"/>
-                      <a:r>
-                        <a:rPr lang="it-IT" sz="1100" b="0" i="1" strike="noStrike" dirty="0">
-                          <a:effectLst/>
-                          <a:latin typeface="Arial" panose="020B0604020202020204" pitchFamily="34" charset="0"/>
-                        </a:rPr>
-                        <a:t>Sviluppo MT soluzione 3</a:t>
-                      </a:r>
-                    </a:p>
-                  </a:txBody>
-                  <a:tcPr marL="27893" marR="27893" marT="18595" marB="18595" anchor="b">
-                    <a:lnL w="9525" cap="flat" cmpd="sng" algn="ctr">
-                      <a:solidFill>
-                        <a:srgbClr val="CCCCCC"/>
-                      </a:solidFill>
-                      <a:prstDash val="solid"/>
-                      <a:round/>
-                      <a:headEnd type="none" w="med" len="med"/>
-                      <a:tailEnd type="none" w="med" len="med"/>
-                    </a:lnL>
-                    <a:lnR w="9525" cap="flat" cmpd="sng" algn="ctr">
-                      <a:solidFill>
-                        <a:srgbClr val="CCCCCC"/>
-                      </a:solidFill>
-                      <a:prstDash val="solid"/>
-                      <a:round/>
-                      <a:headEnd type="none" w="med" len="med"/>
-                      <a:tailEnd type="none" w="med" len="med"/>
-                    </a:lnR>
-                    <a:lnT w="9525" cap="flat" cmpd="sng" algn="ctr">
-                      <a:solidFill>
-                        <a:srgbClr val="CCCCCC"/>
-                      </a:solidFill>
-                      <a:prstDash val="solid"/>
-                      <a:round/>
-                      <a:headEnd type="none" w="med" len="med"/>
-                      <a:tailEnd type="none" w="med" len="med"/>
-                    </a:lnT>
-                    <a:lnB w="9525" cap="flat" cmpd="sng" algn="ctr">
-                      <a:solidFill>
-                        <a:srgbClr val="CCCCCC"/>
-                      </a:solidFill>
-                      <a:prstDash val="solid"/>
-                      <a:round/>
-                      <a:headEnd type="none" w="med" len="med"/>
-                      <a:tailEnd type="none" w="med" len="med"/>
-                    </a:lnB>
-                    <a:noFill/>
-                  </a:tcPr>
-                </a:tc>
-                <a:extLst>
-                  <a:ext uri="{0D108BD9-81ED-4DB2-BD59-A6C34878D82A}">
-                    <a16:rowId xmlns:a16="http://schemas.microsoft.com/office/drawing/2014/main" val="3126626594"/>
-                  </a:ext>
-                </a:extLst>
-              </a:tr>
-              <a:tr h="199851">
-                <a:tc>
-                  <a:txBody>
-                    <a:bodyPr/>
-                    <a:lstStyle/>
-                    <a:p>
-                      <a:pPr algn="ctr" rtl="0" fontAlgn="ctr"/>
-                      <a:r>
-                        <a:rPr lang="it-IT" sz="1100" b="0" noProof="0" dirty="0">
-                          <a:effectLst/>
-                          <a:latin typeface="Arial" panose="020B0604020202020204" pitchFamily="34" charset="0"/>
-                        </a:rPr>
-                        <a:t>✅</a:t>
-                      </a:r>
-                      <a:endParaRPr lang="it-IT" sz="1100" b="0" dirty="0">
-                        <a:solidFill>
-                          <a:srgbClr val="6AA84F"/>
-                        </a:solidFill>
-                        <a:effectLst/>
-                        <a:latin typeface="Arial" panose="020B0604020202020204" pitchFamily="34" charset="0"/>
-                      </a:endParaRPr>
-                    </a:p>
-                  </a:txBody>
-                  <a:tcPr marL="27893" marR="27893" marT="18595" marB="18595" anchor="ctr">
-                    <a:lnL w="9525" cap="flat" cmpd="sng" algn="ctr">
-                      <a:solidFill>
-                        <a:srgbClr val="CCCCCC"/>
-                      </a:solidFill>
-                      <a:prstDash val="solid"/>
-                      <a:round/>
-                      <a:headEnd type="none" w="med" len="med"/>
-                      <a:tailEnd type="none" w="med" len="med"/>
-                    </a:lnL>
-                    <a:lnR w="9525" cap="flat" cmpd="sng" algn="ctr">
-                      <a:solidFill>
-                        <a:srgbClr val="CCCCCC"/>
-                      </a:solidFill>
-                      <a:prstDash val="solid"/>
-                      <a:round/>
-                      <a:headEnd type="none" w="med" len="med"/>
-                      <a:tailEnd type="none" w="med" len="med"/>
-                    </a:lnR>
-                    <a:lnT w="9525" cap="flat" cmpd="sng" algn="ctr">
-                      <a:solidFill>
-                        <a:srgbClr val="CCCCCC"/>
-                      </a:solidFill>
-                      <a:prstDash val="solid"/>
-                      <a:round/>
-                      <a:headEnd type="none" w="med" len="med"/>
-                      <a:tailEnd type="none" w="med" len="med"/>
-                    </a:lnT>
-                    <a:lnB w="9525" cap="flat" cmpd="sng" algn="ctr">
-                      <a:solidFill>
-                        <a:srgbClr val="CCCCCC"/>
-                      </a:solidFill>
-                      <a:prstDash val="solid"/>
-                      <a:round/>
-                      <a:headEnd type="none" w="med" len="med"/>
-                      <a:tailEnd type="none" w="med" len="med"/>
-                    </a:lnB>
-                    <a:noFill/>
-                  </a:tcPr>
-                </a:tc>
-                <a:tc>
-                  <a:txBody>
-                    <a:bodyPr/>
-                    <a:lstStyle/>
-                    <a:p>
-                      <a:pPr algn="ctr" rtl="0" fontAlgn="ctr"/>
-                      <a:endParaRPr lang="it-IT" sz="1100" b="0" dirty="0">
-                        <a:effectLst/>
-                        <a:latin typeface="Arial" panose="020B0604020202020204" pitchFamily="34" charset="0"/>
-                      </a:endParaRPr>
-                    </a:p>
-                  </a:txBody>
-                  <a:tcPr marL="27893" marR="27893" marT="18595" marB="18595" anchor="ctr">
-                    <a:lnL w="9525" cap="flat" cmpd="sng" algn="ctr">
-                      <a:solidFill>
-                        <a:srgbClr val="CCCCCC"/>
-                      </a:solidFill>
-                      <a:prstDash val="solid"/>
-                      <a:round/>
-                      <a:headEnd type="none" w="med" len="med"/>
-                      <a:tailEnd type="none" w="med" len="med"/>
-                    </a:lnL>
-                    <a:lnR w="9525" cap="flat" cmpd="sng" algn="ctr">
-                      <a:solidFill>
-                        <a:srgbClr val="CCCCCC"/>
-                      </a:solidFill>
-                      <a:prstDash val="solid"/>
-                      <a:round/>
-                      <a:headEnd type="none" w="med" len="med"/>
-                      <a:tailEnd type="none" w="med" len="med"/>
-                    </a:lnR>
-                    <a:lnT w="9525" cap="flat" cmpd="sng" algn="ctr">
-                      <a:solidFill>
-                        <a:srgbClr val="CCCCCC"/>
-                      </a:solidFill>
-                      <a:prstDash val="solid"/>
-                      <a:round/>
-                      <a:headEnd type="none" w="med" len="med"/>
-                      <a:tailEnd type="none" w="med" len="med"/>
-                    </a:lnT>
-                    <a:lnB w="9525" cap="flat" cmpd="sng" algn="ctr">
-                      <a:solidFill>
-                        <a:srgbClr val="CCCCCC"/>
-                      </a:solidFill>
-                      <a:prstDash val="solid"/>
-                      <a:round/>
-                      <a:headEnd type="none" w="med" len="med"/>
-                      <a:tailEnd type="none" w="med" len="med"/>
-                    </a:lnB>
-                    <a:solidFill>
-                      <a:srgbClr val="D7C3B0"/>
-                    </a:solidFill>
-                  </a:tcPr>
-                </a:tc>
-                <a:tc>
-                  <a:txBody>
-                    <a:bodyPr/>
-                    <a:lstStyle/>
-                    <a:p>
-                      <a:pPr rtl="0" fontAlgn="b"/>
-                      <a:r>
-                        <a:rPr lang="it-IT" sz="1100" b="0" i="1" strike="noStrike" dirty="0">
-                          <a:effectLst/>
-                          <a:latin typeface="Arial" panose="020B0604020202020204" pitchFamily="34" charset="0"/>
-                        </a:rPr>
-                        <a:t>Integrare soluzioni MT nel progetto</a:t>
-                      </a:r>
-                    </a:p>
-                  </a:txBody>
-                  <a:tcPr marL="27893" marR="27893" marT="18595" marB="18595" anchor="b">
-                    <a:lnL w="9525" cap="flat" cmpd="sng" algn="ctr">
-                      <a:solidFill>
-                        <a:srgbClr val="CCCCCC"/>
-                      </a:solidFill>
-                      <a:prstDash val="solid"/>
-                      <a:round/>
-                      <a:headEnd type="none" w="med" len="med"/>
-                      <a:tailEnd type="none" w="med" len="med"/>
-                    </a:lnL>
-                    <a:lnR w="9525" cap="flat" cmpd="sng" algn="ctr">
-                      <a:solidFill>
-                        <a:srgbClr val="CCCCCC"/>
-                      </a:solidFill>
-                      <a:prstDash val="solid"/>
-                      <a:round/>
-                      <a:headEnd type="none" w="med" len="med"/>
-                      <a:tailEnd type="none" w="med" len="med"/>
-                    </a:lnR>
-                    <a:lnT w="9525" cap="flat" cmpd="sng" algn="ctr">
-                      <a:solidFill>
-                        <a:srgbClr val="CCCCCC"/>
-                      </a:solidFill>
-                      <a:prstDash val="solid"/>
-                      <a:round/>
-                      <a:headEnd type="none" w="med" len="med"/>
-                      <a:tailEnd type="none" w="med" len="med"/>
-                    </a:lnT>
-                    <a:lnB w="9525" cap="flat" cmpd="sng" algn="ctr">
-                      <a:solidFill>
-                        <a:srgbClr val="CCCCCC"/>
-                      </a:solidFill>
-                      <a:prstDash val="solid"/>
-                      <a:round/>
-                      <a:headEnd type="none" w="med" len="med"/>
-                      <a:tailEnd type="none" w="med" len="med"/>
-                    </a:lnB>
-                    <a:noFill/>
-                  </a:tcPr>
-                </a:tc>
-                <a:extLst>
-                  <a:ext uri="{0D108BD9-81ED-4DB2-BD59-A6C34878D82A}">
-                    <a16:rowId xmlns:a16="http://schemas.microsoft.com/office/drawing/2014/main" val="1927996049"/>
-                  </a:ext>
-                </a:extLst>
-              </a:tr>
-              <a:tr h="200828">
-                <a:tc>
-                  <a:txBody>
-                    <a:bodyPr/>
-                    <a:lstStyle/>
-                    <a:p>
-                      <a:pPr algn="ctr" rtl="0" fontAlgn="ctr"/>
-                      <a:r>
-                        <a:rPr lang="it-IT" sz="1100" b="0" noProof="0" dirty="0">
-                          <a:effectLst/>
-                          <a:latin typeface="Arial" panose="020B0604020202020204" pitchFamily="34" charset="0"/>
-                        </a:rPr>
-                        <a:t>✅</a:t>
-                      </a:r>
-                      <a:endParaRPr lang="it-IT" sz="1100" b="0" dirty="0">
-                        <a:solidFill>
-                          <a:srgbClr val="6AA84F"/>
-                        </a:solidFill>
-                        <a:effectLst/>
-                        <a:latin typeface="Arial" panose="020B0604020202020204" pitchFamily="34" charset="0"/>
-                      </a:endParaRPr>
-                    </a:p>
-                  </a:txBody>
-                  <a:tcPr marL="27893" marR="27893" marT="18595" marB="18595" anchor="ctr">
-                    <a:lnL w="9525" cap="flat" cmpd="sng" algn="ctr">
-                      <a:solidFill>
-                        <a:srgbClr val="CCCCCC"/>
-                      </a:solidFill>
-                      <a:prstDash val="solid"/>
-                      <a:round/>
-                      <a:headEnd type="none" w="med" len="med"/>
-                      <a:tailEnd type="none" w="med" len="med"/>
-                    </a:lnL>
-                    <a:lnR w="9525" cap="flat" cmpd="sng" algn="ctr">
-                      <a:solidFill>
-                        <a:srgbClr val="CCCCCC"/>
-                      </a:solidFill>
-                      <a:prstDash val="solid"/>
-                      <a:round/>
-                      <a:headEnd type="none" w="med" len="med"/>
-                      <a:tailEnd type="none" w="med" len="med"/>
-                    </a:lnR>
-                    <a:lnT w="9525" cap="flat" cmpd="sng" algn="ctr">
-                      <a:solidFill>
-                        <a:srgbClr val="CCCCCC"/>
-                      </a:solidFill>
-                      <a:prstDash val="solid"/>
-                      <a:round/>
-                      <a:headEnd type="none" w="med" len="med"/>
-                      <a:tailEnd type="none" w="med" len="med"/>
-                    </a:lnT>
-                    <a:lnB w="9525" cap="flat" cmpd="sng" algn="ctr">
-                      <a:solidFill>
-                        <a:srgbClr val="CCCCCC"/>
-                      </a:solidFill>
-                      <a:prstDash val="solid"/>
-                      <a:round/>
-                      <a:headEnd type="none" w="med" len="med"/>
-                      <a:tailEnd type="none" w="med" len="med"/>
-                    </a:lnB>
-                    <a:noFill/>
-                  </a:tcPr>
-                </a:tc>
-                <a:tc>
-                  <a:txBody>
-                    <a:bodyPr/>
-                    <a:lstStyle/>
-                    <a:p>
-                      <a:pPr algn="ctr" rtl="0" fontAlgn="ctr"/>
-                      <a:r>
-                        <a:rPr lang="it-IT" sz="1100" b="0" dirty="0">
-                          <a:effectLst/>
-                          <a:latin typeface="Arial" panose="020B0604020202020204" pitchFamily="34" charset="0"/>
-                        </a:rPr>
-                        <a:t>5</a:t>
-                      </a:r>
-                    </a:p>
-                  </a:txBody>
-                  <a:tcPr marL="27893" marR="27893" marT="18595" marB="18595" anchor="ctr">
-                    <a:lnL w="9525" cap="flat" cmpd="sng" algn="ctr">
-                      <a:solidFill>
-                        <a:srgbClr val="CCCCCC"/>
-                      </a:solidFill>
-                      <a:prstDash val="solid"/>
-                      <a:round/>
-                      <a:headEnd type="none" w="med" len="med"/>
-                      <a:tailEnd type="none" w="med" len="med"/>
-                    </a:lnL>
-                    <a:lnR w="9525" cap="flat" cmpd="sng" algn="ctr">
-                      <a:solidFill>
-                        <a:srgbClr val="CCCCCC"/>
-                      </a:solidFill>
-                      <a:prstDash val="solid"/>
-                      <a:round/>
-                      <a:headEnd type="none" w="med" len="med"/>
-                      <a:tailEnd type="none" w="med" len="med"/>
-                    </a:lnR>
-                    <a:lnT w="9525" cap="flat" cmpd="sng" algn="ctr">
-                      <a:solidFill>
-                        <a:srgbClr val="CCCCCC"/>
-                      </a:solidFill>
-                      <a:prstDash val="solid"/>
-                      <a:round/>
-                      <a:headEnd type="none" w="med" len="med"/>
-                      <a:tailEnd type="none" w="med" len="med"/>
-                    </a:lnT>
-                    <a:lnB w="9525" cap="flat" cmpd="sng" algn="ctr">
-                      <a:solidFill>
-                        <a:srgbClr val="CCCCCC"/>
-                      </a:solidFill>
-                      <a:prstDash val="solid"/>
-                      <a:round/>
-                      <a:headEnd type="none" w="med" len="med"/>
-                      <a:tailEnd type="none" w="med" len="med"/>
-                    </a:lnB>
-                    <a:solidFill>
-                      <a:srgbClr val="D59C8D"/>
-                    </a:solidFill>
-                  </a:tcPr>
-                </a:tc>
-                <a:tc>
-                  <a:txBody>
-                    <a:bodyPr/>
-                    <a:lstStyle/>
-                    <a:p>
-                      <a:pPr rtl="0" fontAlgn="b"/>
-                      <a:r>
-                        <a:rPr lang="it-IT" sz="1100" b="0" i="1" strike="noStrike" dirty="0">
-                          <a:effectLst/>
-                          <a:latin typeface="Arial" panose="020B0604020202020204" pitchFamily="34" charset="0"/>
-                        </a:rPr>
-                        <a:t>Aggiungere la possibilità di creare turni ad un servizio medico</a:t>
-                      </a:r>
-                    </a:p>
-                  </a:txBody>
-                  <a:tcPr marL="27893" marR="27893" marT="18595" marB="18595" anchor="b">
-                    <a:lnL w="9525" cap="flat" cmpd="sng" algn="ctr">
-                      <a:solidFill>
-                        <a:srgbClr val="CCCCCC"/>
-                      </a:solidFill>
-                      <a:prstDash val="solid"/>
-                      <a:round/>
-                      <a:headEnd type="none" w="med" len="med"/>
-                      <a:tailEnd type="none" w="med" len="med"/>
-                    </a:lnL>
-                    <a:lnR w="9525" cap="flat" cmpd="sng" algn="ctr">
-                      <a:solidFill>
-                        <a:srgbClr val="CCCCCC"/>
-                      </a:solidFill>
-                      <a:prstDash val="solid"/>
-                      <a:round/>
-                      <a:headEnd type="none" w="med" len="med"/>
-                      <a:tailEnd type="none" w="med" len="med"/>
-                    </a:lnR>
-                    <a:lnT w="9525" cap="flat" cmpd="sng" algn="ctr">
-                      <a:solidFill>
-                        <a:srgbClr val="CCCCCC"/>
-                      </a:solidFill>
-                      <a:prstDash val="solid"/>
-                      <a:round/>
-                      <a:headEnd type="none" w="med" len="med"/>
-                      <a:tailEnd type="none" w="med" len="med"/>
-                    </a:lnT>
-                    <a:lnB w="9525" cap="flat" cmpd="sng" algn="ctr">
-                      <a:solidFill>
-                        <a:srgbClr val="CCCCCC"/>
-                      </a:solidFill>
-                      <a:prstDash val="solid"/>
-                      <a:round/>
-                      <a:headEnd type="none" w="med" len="med"/>
-                      <a:tailEnd type="none" w="med" len="med"/>
-                    </a:lnB>
-                    <a:noFill/>
-                  </a:tcPr>
-                </a:tc>
-                <a:extLst>
-                  <a:ext uri="{0D108BD9-81ED-4DB2-BD59-A6C34878D82A}">
-                    <a16:rowId xmlns:a16="http://schemas.microsoft.com/office/drawing/2014/main" val="1549288823"/>
-                  </a:ext>
-                </a:extLst>
-              </a:tr>
-            </a:tbl>
-          </a:graphicData>
-        </a:graphic>
-      </p:graphicFrame>
-      <p:graphicFrame>
-        <p:nvGraphicFramePr>
           <p:cNvPr id="14" name="Table 13">
             <a:extLst>
               <a:ext uri="{FF2B5EF4-FFF2-40B4-BE49-F238E27FC236}">
@@ -13465,10 +12126,16 @@
           <p:cNvGraphicFramePr>
             <a:graphicFrameLocks noGrp="1"/>
           </p:cNvGraphicFramePr>
-          <p:nvPr/>
+          <p:nvPr>
+            <p:extLst>
+              <p:ext uri="{D42A27DB-BD31-4B8C-83A1-F6EECF244321}">
+                <p14:modId xmlns:p14="http://schemas.microsoft.com/office/powerpoint/2010/main" val="2286877542"/>
+              </p:ext>
+            </p:extLst>
+          </p:nvPr>
         </p:nvGraphicFramePr>
         <p:xfrm>
-          <a:off x="2696044" y="4212559"/>
+          <a:off x="2702341" y="4647088"/>
           <a:ext cx="2541410" cy="892068"/>
         </p:xfrm>
         <a:graphic>
@@ -13561,7 +12228,7 @@
                           </a:solidFill>
                           <a:effectLst/>
                         </a:rPr>
-                        <a:t>30/12/24</a:t>
+                        <a:t>13/01/25</a:t>
                       </a:r>
                     </a:p>
                   </a:txBody>
@@ -13683,7 +12350,7 @@
                           </a:solidFill>
                           <a:effectLst/>
                         </a:rPr>
-                        <a:t>13/1/25</a:t>
+                        <a:t>27/01/25</a:t>
                       </a:r>
                     </a:p>
                   </a:txBody>
@@ -13739,51 +12406,1812 @@
           </a:graphicData>
         </a:graphic>
       </p:graphicFrame>
-      <p:sp>
-        <p:nvSpPr>
-          <p:cNvPr id="3" name="CasellaDiTesto 2">
+      <p:graphicFrame>
+        <p:nvGraphicFramePr>
+          <p:cNvPr id="10" name="Tabella 9">
             <a:extLst>
               <a:ext uri="{FF2B5EF4-FFF2-40B4-BE49-F238E27FC236}">
-                <a16:creationId xmlns:a16="http://schemas.microsoft.com/office/drawing/2014/main" id="{8E724B7D-D24A-7E78-8C05-3A97A43C1472}"/>
+                <a16:creationId xmlns:a16="http://schemas.microsoft.com/office/drawing/2014/main" id="{630CA809-1AD9-5BE3-4E2E-5625E63C81D8}"/>
               </a:ext>
             </a:extLst>
           </p:cNvPr>
-          <p:cNvSpPr txBox="1"/>
-          <p:nvPr/>
-        </p:nvSpPr>
-        <p:spPr>
-          <a:xfrm rot="20045974">
-            <a:off x="303705" y="2886327"/>
-            <a:ext cx="8315088" cy="1107996"/>
-          </a:xfrm>
-          <a:prstGeom prst="rect">
-            <a:avLst/>
-          </a:prstGeom>
-          <a:noFill/>
-        </p:spPr>
-        <p:txBody>
-          <a:bodyPr wrap="square" rtlCol="0">
-            <a:spAutoFit/>
-          </a:bodyPr>
-          <a:lstStyle/>
-          <a:p>
-            <a:pPr algn="ctr"/>
-            <a:r>
-              <a:rPr lang="it-IT" sz="6600" dirty="0">
-                <a:solidFill>
-                  <a:srgbClr val="FF0000"/>
-                </a:solidFill>
-              </a:rPr>
-              <a:t>CAMBIAREEEEEEEE</a:t>
-            </a:r>
-            <a:endParaRPr lang="it-IT" sz="6600" noProof="0" dirty="0">
-              <a:solidFill>
-                <a:srgbClr val="FF0000"/>
-              </a:solidFill>
-            </a:endParaRPr>
-          </a:p>
-        </p:txBody>
-      </p:sp>
+          <p:cNvGraphicFramePr>
+            <a:graphicFrameLocks noGrp="1"/>
+          </p:cNvGraphicFramePr>
+          <p:nvPr>
+            <p:extLst>
+              <p:ext uri="{D42A27DB-BD31-4B8C-83A1-F6EECF244321}">
+                <p14:modId xmlns:p14="http://schemas.microsoft.com/office/powerpoint/2010/main" val="1231850219"/>
+              </p:ext>
+            </p:extLst>
+          </p:nvPr>
+        </p:nvGraphicFramePr>
+        <p:xfrm>
+          <a:off x="642346" y="1712925"/>
+          <a:ext cx="6670959" cy="2628900"/>
+        </p:xfrm>
+        <a:graphic>
+          <a:graphicData uri="http://schemas.openxmlformats.org/drawingml/2006/table">
+            <a:tbl>
+              <a:tblPr bandRow="1">
+                <a:tableStyleId>{5C22544A-7EE6-4342-B048-85BDC9FD1C3A}</a:tableStyleId>
+              </a:tblPr>
+              <a:tblGrid>
+                <a:gridCol w="942107">
+                  <a:extLst>
+                    <a:ext uri="{9D8B030D-6E8A-4147-A177-3AD203B41FA5}">
+                      <a16:colId xmlns:a16="http://schemas.microsoft.com/office/drawing/2014/main" val="3005217391"/>
+                    </a:ext>
+                  </a:extLst>
+                </a:gridCol>
+                <a:gridCol w="1032161">
+                  <a:extLst>
+                    <a:ext uri="{9D8B030D-6E8A-4147-A177-3AD203B41FA5}">
+                      <a16:colId xmlns:a16="http://schemas.microsoft.com/office/drawing/2014/main" val="1710442137"/>
+                    </a:ext>
+                  </a:extLst>
+                </a:gridCol>
+                <a:gridCol w="4696691">
+                  <a:extLst>
+                    <a:ext uri="{9D8B030D-6E8A-4147-A177-3AD203B41FA5}">
+                      <a16:colId xmlns:a16="http://schemas.microsoft.com/office/drawing/2014/main" val="3989897269"/>
+                    </a:ext>
+                  </a:extLst>
+                </a:gridCol>
+              </a:tblGrid>
+              <a:tr h="200025">
+                <a:tc>
+                  <a:txBody>
+                    <a:bodyPr/>
+                    <a:lstStyle/>
+                    <a:p>
+                      <a:pPr algn="ctr" rtl="0" fontAlgn="ctr"/>
+                      <a:r>
+                        <a:rPr lang="it-IT" sz="1100">
+                          <a:effectLst/>
+                        </a:rPr>
+                        <a:t>Stato</a:t>
+                      </a:r>
+                    </a:p>
+                  </a:txBody>
+                  <a:tcPr marL="28575" marR="28575" marT="19050" marB="19050" anchor="ctr">
+                    <a:lnL w="9525" cap="flat" cmpd="sng" algn="ctr">
+                      <a:solidFill>
+                        <a:srgbClr val="CCCCCC"/>
+                      </a:solidFill>
+                      <a:prstDash val="solid"/>
+                      <a:round/>
+                      <a:headEnd type="none" w="med" len="med"/>
+                      <a:tailEnd type="none" w="med" len="med"/>
+                    </a:lnL>
+                    <a:lnR w="9525" cap="flat" cmpd="sng" algn="ctr">
+                      <a:solidFill>
+                        <a:srgbClr val="CCCCCC"/>
+                      </a:solidFill>
+                      <a:prstDash val="solid"/>
+                      <a:round/>
+                      <a:headEnd type="none" w="med" len="med"/>
+                      <a:tailEnd type="none" w="med" len="med"/>
+                    </a:lnR>
+                    <a:lnT w="9525" cap="flat" cmpd="sng" algn="ctr">
+                      <a:solidFill>
+                        <a:srgbClr val="CCCCCC"/>
+                      </a:solidFill>
+                      <a:prstDash val="solid"/>
+                      <a:round/>
+                      <a:headEnd type="none" w="med" len="med"/>
+                      <a:tailEnd type="none" w="med" len="med"/>
+                    </a:lnT>
+                    <a:lnB w="9525" cap="flat" cmpd="sng" algn="ctr">
+                      <a:solidFill>
+                        <a:srgbClr val="CCCCCC"/>
+                      </a:solidFill>
+                      <a:prstDash val="solid"/>
+                      <a:round/>
+                      <a:headEnd type="none" w="med" len="med"/>
+                      <a:tailEnd type="none" w="med" len="med"/>
+                    </a:lnB>
+                    <a:solidFill>
+                      <a:srgbClr val="D9EAD3"/>
+                    </a:solidFill>
+                  </a:tcPr>
+                </a:tc>
+                <a:tc>
+                  <a:txBody>
+                    <a:bodyPr/>
+                    <a:lstStyle/>
+                    <a:p>
+                      <a:pPr algn="ctr" rtl="0" fontAlgn="ctr"/>
+                      <a:r>
+                        <a:rPr lang="it-IT" sz="1100">
+                          <a:effectLst/>
+                        </a:rPr>
+                        <a:t>Pesi</a:t>
+                      </a:r>
+                    </a:p>
+                  </a:txBody>
+                  <a:tcPr marL="28575" marR="28575" marT="19050" marB="19050" anchor="ctr">
+                    <a:lnL w="9525" cap="flat" cmpd="sng" algn="ctr">
+                      <a:solidFill>
+                        <a:srgbClr val="CCCCCC"/>
+                      </a:solidFill>
+                      <a:prstDash val="solid"/>
+                      <a:round/>
+                      <a:headEnd type="none" w="med" len="med"/>
+                      <a:tailEnd type="none" w="med" len="med"/>
+                    </a:lnL>
+                    <a:lnR w="9525" cap="flat" cmpd="sng" algn="ctr">
+                      <a:solidFill>
+                        <a:srgbClr val="CCCCCC"/>
+                      </a:solidFill>
+                      <a:prstDash val="solid"/>
+                      <a:round/>
+                      <a:headEnd type="none" w="med" len="med"/>
+                      <a:tailEnd type="none" w="med" len="med"/>
+                    </a:lnR>
+                    <a:lnT w="9525" cap="flat" cmpd="sng" algn="ctr">
+                      <a:solidFill>
+                        <a:srgbClr val="CCCCCC"/>
+                      </a:solidFill>
+                      <a:prstDash val="solid"/>
+                      <a:round/>
+                      <a:headEnd type="none" w="med" len="med"/>
+                      <a:tailEnd type="none" w="med" len="med"/>
+                    </a:lnT>
+                    <a:lnB w="9525" cap="flat" cmpd="sng" algn="ctr">
+                      <a:solidFill>
+                        <a:srgbClr val="CCCCCC"/>
+                      </a:solidFill>
+                      <a:prstDash val="solid"/>
+                      <a:round/>
+                      <a:headEnd type="none" w="med" len="med"/>
+                      <a:tailEnd type="none" w="med" len="med"/>
+                    </a:lnB>
+                    <a:solidFill>
+                      <a:srgbClr val="F4CCCC"/>
+                    </a:solidFill>
+                  </a:tcPr>
+                </a:tc>
+                <a:tc>
+                  <a:txBody>
+                    <a:bodyPr/>
+                    <a:lstStyle/>
+                    <a:p>
+                      <a:pPr rtl="0" fontAlgn="ctr"/>
+                      <a:endParaRPr lang="it-IT">
+                        <a:effectLst/>
+                      </a:endParaRPr>
+                    </a:p>
+                  </a:txBody>
+                  <a:tcPr marL="28575" marR="28575" marT="19050" marB="19050" anchor="ctr">
+                    <a:lnL w="9525" cap="flat" cmpd="sng" algn="ctr">
+                      <a:solidFill>
+                        <a:srgbClr val="CCCCCC"/>
+                      </a:solidFill>
+                      <a:prstDash val="solid"/>
+                      <a:round/>
+                      <a:headEnd type="none" w="med" len="med"/>
+                      <a:tailEnd type="none" w="med" len="med"/>
+                    </a:lnL>
+                    <a:lnR w="9525" cap="flat" cmpd="sng" algn="ctr">
+                      <a:solidFill>
+                        <a:srgbClr val="CCCCCC"/>
+                      </a:solidFill>
+                      <a:prstDash val="solid"/>
+                      <a:round/>
+                      <a:headEnd type="none" w="med" len="med"/>
+                      <a:tailEnd type="none" w="med" len="med"/>
+                    </a:lnR>
+                    <a:lnT w="9525" cap="flat" cmpd="sng" algn="ctr">
+                      <a:solidFill>
+                        <a:srgbClr val="CCCCCC"/>
+                      </a:solidFill>
+                      <a:prstDash val="solid"/>
+                      <a:round/>
+                      <a:headEnd type="none" w="med" len="med"/>
+                      <a:tailEnd type="none" w="med" len="med"/>
+                    </a:lnT>
+                    <a:lnB w="9525" cap="flat" cmpd="sng" algn="ctr">
+                      <a:solidFill>
+                        <a:srgbClr val="CCCCCC"/>
+                      </a:solidFill>
+                      <a:prstDash val="solid"/>
+                      <a:round/>
+                      <a:headEnd type="none" w="med" len="med"/>
+                      <a:tailEnd type="none" w="med" len="med"/>
+                    </a:lnB>
+                    <a:noFill/>
+                  </a:tcPr>
+                </a:tc>
+                <a:extLst>
+                  <a:ext uri="{0D108BD9-81ED-4DB2-BD59-A6C34878D82A}">
+                    <a16:rowId xmlns:a16="http://schemas.microsoft.com/office/drawing/2014/main" val="1199826340"/>
+                  </a:ext>
+                </a:extLst>
+              </a:tr>
+              <a:tr h="200025">
+                <a:tc>
+                  <a:txBody>
+                    <a:bodyPr/>
+                    <a:lstStyle/>
+                    <a:p>
+                      <a:pPr algn="ctr" rtl="0" fontAlgn="ctr"/>
+                      <a:r>
+                        <a:rPr lang="it-IT" sz="1100">
+                          <a:solidFill>
+                            <a:srgbClr val="6AA84F"/>
+                          </a:solidFill>
+                          <a:effectLst/>
+                        </a:rPr>
+                        <a:t>TRUE</a:t>
+                      </a:r>
+                    </a:p>
+                  </a:txBody>
+                  <a:tcPr marL="28575" marR="28575" marT="19050" marB="19050" anchor="ctr">
+                    <a:lnL w="9525" cap="flat" cmpd="sng" algn="ctr">
+                      <a:solidFill>
+                        <a:srgbClr val="CCCCCC"/>
+                      </a:solidFill>
+                      <a:prstDash val="solid"/>
+                      <a:round/>
+                      <a:headEnd type="none" w="med" len="med"/>
+                      <a:tailEnd type="none" w="med" len="med"/>
+                    </a:lnL>
+                    <a:lnR w="9525" cap="flat" cmpd="sng" algn="ctr">
+                      <a:solidFill>
+                        <a:srgbClr val="CCCCCC"/>
+                      </a:solidFill>
+                      <a:prstDash val="solid"/>
+                      <a:round/>
+                      <a:headEnd type="none" w="med" len="med"/>
+                      <a:tailEnd type="none" w="med" len="med"/>
+                    </a:lnR>
+                    <a:lnT w="9525" cap="flat" cmpd="sng" algn="ctr">
+                      <a:solidFill>
+                        <a:srgbClr val="CCCCCC"/>
+                      </a:solidFill>
+                      <a:prstDash val="solid"/>
+                      <a:round/>
+                      <a:headEnd type="none" w="med" len="med"/>
+                      <a:tailEnd type="none" w="med" len="med"/>
+                    </a:lnT>
+                    <a:lnB w="9525" cap="flat" cmpd="sng" algn="ctr">
+                      <a:solidFill>
+                        <a:srgbClr val="CCCCCC"/>
+                      </a:solidFill>
+                      <a:prstDash val="solid"/>
+                      <a:round/>
+                      <a:headEnd type="none" w="med" len="med"/>
+                      <a:tailEnd type="none" w="med" len="med"/>
+                    </a:lnB>
+                    <a:noFill/>
+                  </a:tcPr>
+                </a:tc>
+                <a:tc>
+                  <a:txBody>
+                    <a:bodyPr/>
+                    <a:lstStyle/>
+                    <a:p>
+                      <a:pPr algn="ctr" rtl="0" fontAlgn="ctr"/>
+                      <a:r>
+                        <a:rPr lang="it-IT" sz="1100">
+                          <a:effectLst/>
+                        </a:rPr>
+                        <a:t>3</a:t>
+                      </a:r>
+                    </a:p>
+                  </a:txBody>
+                  <a:tcPr marL="28575" marR="28575" marT="19050" marB="19050" anchor="ctr">
+                    <a:lnL w="9525" cap="flat" cmpd="sng" algn="ctr">
+                      <a:solidFill>
+                        <a:srgbClr val="CCCCCC"/>
+                      </a:solidFill>
+                      <a:prstDash val="solid"/>
+                      <a:round/>
+                      <a:headEnd type="none" w="med" len="med"/>
+                      <a:tailEnd type="none" w="med" len="med"/>
+                    </a:lnL>
+                    <a:lnR w="9525" cap="flat" cmpd="sng" algn="ctr">
+                      <a:solidFill>
+                        <a:srgbClr val="CCCCCC"/>
+                      </a:solidFill>
+                      <a:prstDash val="solid"/>
+                      <a:round/>
+                      <a:headEnd type="none" w="med" len="med"/>
+                      <a:tailEnd type="none" w="med" len="med"/>
+                    </a:lnR>
+                    <a:lnT w="9525" cap="flat" cmpd="sng" algn="ctr">
+                      <a:solidFill>
+                        <a:srgbClr val="CCCCCC"/>
+                      </a:solidFill>
+                      <a:prstDash val="solid"/>
+                      <a:round/>
+                      <a:headEnd type="none" w="med" len="med"/>
+                      <a:tailEnd type="none" w="med" len="med"/>
+                    </a:lnT>
+                    <a:lnB w="9525" cap="flat" cmpd="sng" algn="ctr">
+                      <a:solidFill>
+                        <a:srgbClr val="CCCCCC"/>
+                      </a:solidFill>
+                      <a:prstDash val="solid"/>
+                      <a:round/>
+                      <a:headEnd type="none" w="med" len="med"/>
+                      <a:tailEnd type="none" w="med" len="med"/>
+                    </a:lnB>
+                    <a:solidFill>
+                      <a:srgbClr val="D8D5C0"/>
+                    </a:solidFill>
+                  </a:tcPr>
+                </a:tc>
+                <a:tc>
+                  <a:txBody>
+                    <a:bodyPr/>
+                    <a:lstStyle/>
+                    <a:p>
+                      <a:pPr rtl="0" fontAlgn="ctr"/>
+                      <a:r>
+                        <a:rPr lang="it-IT" sz="1100" i="1" strike="sngStrike">
+                          <a:effectLst/>
+                        </a:rPr>
+                        <a:t>MultiTenant MultiSchema</a:t>
+                      </a:r>
+                    </a:p>
+                  </a:txBody>
+                  <a:tcPr marL="28575" marR="28575" marT="19050" marB="19050" anchor="ctr">
+                    <a:lnL w="9525" cap="flat" cmpd="sng" algn="ctr">
+                      <a:solidFill>
+                        <a:srgbClr val="CCCCCC"/>
+                      </a:solidFill>
+                      <a:prstDash val="solid"/>
+                      <a:round/>
+                      <a:headEnd type="none" w="med" len="med"/>
+                      <a:tailEnd type="none" w="med" len="med"/>
+                    </a:lnL>
+                    <a:lnR w="9525" cap="flat" cmpd="sng" algn="ctr">
+                      <a:solidFill>
+                        <a:srgbClr val="CCCCCC"/>
+                      </a:solidFill>
+                      <a:prstDash val="solid"/>
+                      <a:round/>
+                      <a:headEnd type="none" w="med" len="med"/>
+                      <a:tailEnd type="none" w="med" len="med"/>
+                    </a:lnR>
+                    <a:lnT w="9525" cap="flat" cmpd="sng" algn="ctr">
+                      <a:solidFill>
+                        <a:srgbClr val="CCCCCC"/>
+                      </a:solidFill>
+                      <a:prstDash val="solid"/>
+                      <a:round/>
+                      <a:headEnd type="none" w="med" len="med"/>
+                      <a:tailEnd type="none" w="med" len="med"/>
+                    </a:lnT>
+                    <a:lnB w="9525" cap="flat" cmpd="sng" algn="ctr">
+                      <a:solidFill>
+                        <a:srgbClr val="CCCCCC"/>
+                      </a:solidFill>
+                      <a:prstDash val="solid"/>
+                      <a:round/>
+                      <a:headEnd type="none" w="med" len="med"/>
+                      <a:tailEnd type="none" w="med" len="med"/>
+                    </a:lnB>
+                    <a:solidFill>
+                      <a:srgbClr val="D9EAD3"/>
+                    </a:solidFill>
+                  </a:tcPr>
+                </a:tc>
+                <a:extLst>
+                  <a:ext uri="{0D108BD9-81ED-4DB2-BD59-A6C34878D82A}">
+                    <a16:rowId xmlns:a16="http://schemas.microsoft.com/office/drawing/2014/main" val="3070149683"/>
+                  </a:ext>
+                </a:extLst>
+              </a:tr>
+              <a:tr h="200025">
+                <a:tc>
+                  <a:txBody>
+                    <a:bodyPr/>
+                    <a:lstStyle/>
+                    <a:p>
+                      <a:pPr algn="ctr" rtl="0" fontAlgn="ctr"/>
+                      <a:r>
+                        <a:rPr lang="it-IT" sz="1100">
+                          <a:solidFill>
+                            <a:srgbClr val="6AA84F"/>
+                          </a:solidFill>
+                          <a:effectLst/>
+                        </a:rPr>
+                        <a:t>TRUE</a:t>
+                      </a:r>
+                    </a:p>
+                  </a:txBody>
+                  <a:tcPr marL="28575" marR="28575" marT="19050" marB="19050" anchor="ctr">
+                    <a:lnL w="9525" cap="flat" cmpd="sng" algn="ctr">
+                      <a:solidFill>
+                        <a:srgbClr val="CCCCCC"/>
+                      </a:solidFill>
+                      <a:prstDash val="solid"/>
+                      <a:round/>
+                      <a:headEnd type="none" w="med" len="med"/>
+                      <a:tailEnd type="none" w="med" len="med"/>
+                    </a:lnL>
+                    <a:lnR w="9525" cap="flat" cmpd="sng" algn="ctr">
+                      <a:solidFill>
+                        <a:srgbClr val="CCCCCC"/>
+                      </a:solidFill>
+                      <a:prstDash val="solid"/>
+                      <a:round/>
+                      <a:headEnd type="none" w="med" len="med"/>
+                      <a:tailEnd type="none" w="med" len="med"/>
+                    </a:lnR>
+                    <a:lnT w="9525" cap="flat" cmpd="sng" algn="ctr">
+                      <a:solidFill>
+                        <a:srgbClr val="CCCCCC"/>
+                      </a:solidFill>
+                      <a:prstDash val="solid"/>
+                      <a:round/>
+                      <a:headEnd type="none" w="med" len="med"/>
+                      <a:tailEnd type="none" w="med" len="med"/>
+                    </a:lnT>
+                    <a:lnB w="9525" cap="flat" cmpd="sng" algn="ctr">
+                      <a:solidFill>
+                        <a:srgbClr val="CCCCCC"/>
+                      </a:solidFill>
+                      <a:prstDash val="solid"/>
+                      <a:round/>
+                      <a:headEnd type="none" w="med" len="med"/>
+                      <a:tailEnd type="none" w="med" len="med"/>
+                    </a:lnB>
+                    <a:noFill/>
+                  </a:tcPr>
+                </a:tc>
+                <a:tc>
+                  <a:txBody>
+                    <a:bodyPr/>
+                    <a:lstStyle/>
+                    <a:p>
+                      <a:pPr algn="ctr" rtl="0" fontAlgn="ctr"/>
+                      <a:r>
+                        <a:rPr lang="it-IT" sz="1100">
+                          <a:effectLst/>
+                        </a:rPr>
+                        <a:t>3</a:t>
+                      </a:r>
+                    </a:p>
+                  </a:txBody>
+                  <a:tcPr marL="28575" marR="28575" marT="19050" marB="19050" anchor="ctr">
+                    <a:lnL w="9525" cap="flat" cmpd="sng" algn="ctr">
+                      <a:solidFill>
+                        <a:srgbClr val="CCCCCC"/>
+                      </a:solidFill>
+                      <a:prstDash val="solid"/>
+                      <a:round/>
+                      <a:headEnd type="none" w="med" len="med"/>
+                      <a:tailEnd type="none" w="med" len="med"/>
+                    </a:lnL>
+                    <a:lnR w="9525" cap="flat" cmpd="sng" algn="ctr">
+                      <a:solidFill>
+                        <a:srgbClr val="CCCCCC"/>
+                      </a:solidFill>
+                      <a:prstDash val="solid"/>
+                      <a:round/>
+                      <a:headEnd type="none" w="med" len="med"/>
+                      <a:tailEnd type="none" w="med" len="med"/>
+                    </a:lnR>
+                    <a:lnT w="9525" cap="flat" cmpd="sng" algn="ctr">
+                      <a:solidFill>
+                        <a:srgbClr val="CCCCCC"/>
+                      </a:solidFill>
+                      <a:prstDash val="solid"/>
+                      <a:round/>
+                      <a:headEnd type="none" w="med" len="med"/>
+                      <a:tailEnd type="none" w="med" len="med"/>
+                    </a:lnT>
+                    <a:lnB w="9525" cap="flat" cmpd="sng" algn="ctr">
+                      <a:solidFill>
+                        <a:srgbClr val="CCCCCC"/>
+                      </a:solidFill>
+                      <a:prstDash val="solid"/>
+                      <a:round/>
+                      <a:headEnd type="none" w="med" len="med"/>
+                      <a:tailEnd type="none" w="med" len="med"/>
+                    </a:lnB>
+                    <a:solidFill>
+                      <a:srgbClr val="D8D5C0"/>
+                    </a:solidFill>
+                  </a:tcPr>
+                </a:tc>
+                <a:tc>
+                  <a:txBody>
+                    <a:bodyPr/>
+                    <a:lstStyle/>
+                    <a:p>
+                      <a:pPr rtl="0" fontAlgn="ctr"/>
+                      <a:r>
+                        <a:rPr lang="it-IT" sz="1100" i="1" strike="sngStrike">
+                          <a:effectLst/>
+                        </a:rPr>
+                        <a:t>MultiTenant MultiDatabase</a:t>
+                      </a:r>
+                    </a:p>
+                  </a:txBody>
+                  <a:tcPr marL="28575" marR="28575" marT="19050" marB="19050" anchor="ctr">
+                    <a:lnL w="9525" cap="flat" cmpd="sng" algn="ctr">
+                      <a:solidFill>
+                        <a:srgbClr val="CCCCCC"/>
+                      </a:solidFill>
+                      <a:prstDash val="solid"/>
+                      <a:round/>
+                      <a:headEnd type="none" w="med" len="med"/>
+                      <a:tailEnd type="none" w="med" len="med"/>
+                    </a:lnL>
+                    <a:lnR w="9525" cap="flat" cmpd="sng" algn="ctr">
+                      <a:solidFill>
+                        <a:srgbClr val="CCCCCC"/>
+                      </a:solidFill>
+                      <a:prstDash val="solid"/>
+                      <a:round/>
+                      <a:headEnd type="none" w="med" len="med"/>
+                      <a:tailEnd type="none" w="med" len="med"/>
+                    </a:lnR>
+                    <a:lnT w="9525" cap="flat" cmpd="sng" algn="ctr">
+                      <a:solidFill>
+                        <a:srgbClr val="CCCCCC"/>
+                      </a:solidFill>
+                      <a:prstDash val="solid"/>
+                      <a:round/>
+                      <a:headEnd type="none" w="med" len="med"/>
+                      <a:tailEnd type="none" w="med" len="med"/>
+                    </a:lnT>
+                    <a:lnB w="9525" cap="flat" cmpd="sng" algn="ctr">
+                      <a:solidFill>
+                        <a:srgbClr val="CCCCCC"/>
+                      </a:solidFill>
+                      <a:prstDash val="solid"/>
+                      <a:round/>
+                      <a:headEnd type="none" w="med" len="med"/>
+                      <a:tailEnd type="none" w="med" len="med"/>
+                    </a:lnB>
+                    <a:solidFill>
+                      <a:srgbClr val="D9EAD3"/>
+                    </a:solidFill>
+                  </a:tcPr>
+                </a:tc>
+                <a:extLst>
+                  <a:ext uri="{0D108BD9-81ED-4DB2-BD59-A6C34878D82A}">
+                    <a16:rowId xmlns:a16="http://schemas.microsoft.com/office/drawing/2014/main" val="3422709877"/>
+                  </a:ext>
+                </a:extLst>
+              </a:tr>
+              <a:tr h="200025">
+                <a:tc>
+                  <a:txBody>
+                    <a:bodyPr/>
+                    <a:lstStyle/>
+                    <a:p>
+                      <a:pPr algn="ctr" rtl="0" fontAlgn="ctr"/>
+                      <a:r>
+                        <a:rPr lang="it-IT" sz="1100">
+                          <a:solidFill>
+                            <a:srgbClr val="6AA84F"/>
+                          </a:solidFill>
+                          <a:effectLst/>
+                        </a:rPr>
+                        <a:t>TRUE</a:t>
+                      </a:r>
+                    </a:p>
+                  </a:txBody>
+                  <a:tcPr marL="28575" marR="28575" marT="19050" marB="19050" anchor="ctr">
+                    <a:lnL w="9525" cap="flat" cmpd="sng" algn="ctr">
+                      <a:solidFill>
+                        <a:srgbClr val="CCCCCC"/>
+                      </a:solidFill>
+                      <a:prstDash val="solid"/>
+                      <a:round/>
+                      <a:headEnd type="none" w="med" len="med"/>
+                      <a:tailEnd type="none" w="med" len="med"/>
+                    </a:lnL>
+                    <a:lnR w="9525" cap="flat" cmpd="sng" algn="ctr">
+                      <a:solidFill>
+                        <a:srgbClr val="CCCCCC"/>
+                      </a:solidFill>
+                      <a:prstDash val="solid"/>
+                      <a:round/>
+                      <a:headEnd type="none" w="med" len="med"/>
+                      <a:tailEnd type="none" w="med" len="med"/>
+                    </a:lnR>
+                    <a:lnT w="9525" cap="flat" cmpd="sng" algn="ctr">
+                      <a:solidFill>
+                        <a:srgbClr val="CCCCCC"/>
+                      </a:solidFill>
+                      <a:prstDash val="solid"/>
+                      <a:round/>
+                      <a:headEnd type="none" w="med" len="med"/>
+                      <a:tailEnd type="none" w="med" len="med"/>
+                    </a:lnT>
+                    <a:lnB w="9525" cap="flat" cmpd="sng" algn="ctr">
+                      <a:solidFill>
+                        <a:srgbClr val="CCCCCC"/>
+                      </a:solidFill>
+                      <a:prstDash val="solid"/>
+                      <a:round/>
+                      <a:headEnd type="none" w="med" len="med"/>
+                      <a:tailEnd type="none" w="med" len="med"/>
+                    </a:lnB>
+                    <a:noFill/>
+                  </a:tcPr>
+                </a:tc>
+                <a:tc>
+                  <a:txBody>
+                    <a:bodyPr/>
+                    <a:lstStyle/>
+                    <a:p>
+                      <a:pPr algn="ctr" rtl="0" fontAlgn="ctr"/>
+                      <a:r>
+                        <a:rPr lang="it-IT" sz="1100">
+                          <a:effectLst/>
+                        </a:rPr>
+                        <a:t>2</a:t>
+                      </a:r>
+                    </a:p>
+                  </a:txBody>
+                  <a:tcPr marL="28575" marR="28575" marT="19050" marB="19050" anchor="ctr">
+                    <a:lnL w="9525" cap="flat" cmpd="sng" algn="ctr">
+                      <a:solidFill>
+                        <a:srgbClr val="CCCCCC"/>
+                      </a:solidFill>
+                      <a:prstDash val="solid"/>
+                      <a:round/>
+                      <a:headEnd type="none" w="med" len="med"/>
+                      <a:tailEnd type="none" w="med" len="med"/>
+                    </a:lnL>
+                    <a:lnR w="9525" cap="flat" cmpd="sng" algn="ctr">
+                      <a:solidFill>
+                        <a:srgbClr val="CCCCCC"/>
+                      </a:solidFill>
+                      <a:prstDash val="solid"/>
+                      <a:round/>
+                      <a:headEnd type="none" w="med" len="med"/>
+                      <a:tailEnd type="none" w="med" len="med"/>
+                    </a:lnR>
+                    <a:lnT w="9525" cap="flat" cmpd="sng" algn="ctr">
+                      <a:solidFill>
+                        <a:srgbClr val="CCCCCC"/>
+                      </a:solidFill>
+                      <a:prstDash val="solid"/>
+                      <a:round/>
+                      <a:headEnd type="none" w="med" len="med"/>
+                      <a:tailEnd type="none" w="med" len="med"/>
+                    </a:lnT>
+                    <a:lnB w="9525" cap="flat" cmpd="sng" algn="ctr">
+                      <a:solidFill>
+                        <a:srgbClr val="CCCCCC"/>
+                      </a:solidFill>
+                      <a:prstDash val="solid"/>
+                      <a:round/>
+                      <a:headEnd type="none" w="med" len="med"/>
+                      <a:tailEnd type="none" w="med" len="med"/>
+                    </a:lnB>
+                    <a:solidFill>
+                      <a:srgbClr val="D9EAD3"/>
+                    </a:solidFill>
+                  </a:tcPr>
+                </a:tc>
+                <a:tc>
+                  <a:txBody>
+                    <a:bodyPr/>
+                    <a:lstStyle/>
+                    <a:p>
+                      <a:pPr rtl="0" fontAlgn="ctr"/>
+                      <a:r>
+                        <a:rPr lang="it-IT" sz="1100" i="1" strike="sngStrike">
+                          <a:effectLst/>
+                        </a:rPr>
+                        <a:t>Integrazione dei Tool di analisi: SonarCloud, ESLint, OWASPZap</a:t>
+                      </a:r>
+                    </a:p>
+                  </a:txBody>
+                  <a:tcPr marL="28575" marR="28575" marT="19050" marB="19050" anchor="ctr">
+                    <a:lnL w="9525" cap="flat" cmpd="sng" algn="ctr">
+                      <a:solidFill>
+                        <a:srgbClr val="CCCCCC"/>
+                      </a:solidFill>
+                      <a:prstDash val="solid"/>
+                      <a:round/>
+                      <a:headEnd type="none" w="med" len="med"/>
+                      <a:tailEnd type="none" w="med" len="med"/>
+                    </a:lnL>
+                    <a:lnR w="9525" cap="flat" cmpd="sng" algn="ctr">
+                      <a:solidFill>
+                        <a:srgbClr val="CCCCCC"/>
+                      </a:solidFill>
+                      <a:prstDash val="solid"/>
+                      <a:round/>
+                      <a:headEnd type="none" w="med" len="med"/>
+                      <a:tailEnd type="none" w="med" len="med"/>
+                    </a:lnR>
+                    <a:lnT w="9525" cap="flat" cmpd="sng" algn="ctr">
+                      <a:solidFill>
+                        <a:srgbClr val="CCCCCC"/>
+                      </a:solidFill>
+                      <a:prstDash val="solid"/>
+                      <a:round/>
+                      <a:headEnd type="none" w="med" len="med"/>
+                      <a:tailEnd type="none" w="med" len="med"/>
+                    </a:lnT>
+                    <a:lnB w="9525" cap="flat" cmpd="sng" algn="ctr">
+                      <a:solidFill>
+                        <a:srgbClr val="CCCCCC"/>
+                      </a:solidFill>
+                      <a:prstDash val="solid"/>
+                      <a:round/>
+                      <a:headEnd type="none" w="med" len="med"/>
+                      <a:tailEnd type="none" w="med" len="med"/>
+                    </a:lnB>
+                    <a:solidFill>
+                      <a:srgbClr val="D9EAD3"/>
+                    </a:solidFill>
+                  </a:tcPr>
+                </a:tc>
+                <a:extLst>
+                  <a:ext uri="{0D108BD9-81ED-4DB2-BD59-A6C34878D82A}">
+                    <a16:rowId xmlns:a16="http://schemas.microsoft.com/office/drawing/2014/main" val="2607152281"/>
+                  </a:ext>
+                </a:extLst>
+              </a:tr>
+              <a:tr h="200025">
+                <a:tc>
+                  <a:txBody>
+                    <a:bodyPr/>
+                    <a:lstStyle/>
+                    <a:p>
+                      <a:pPr algn="ctr" rtl="0" fontAlgn="ctr"/>
+                      <a:r>
+                        <a:rPr lang="it-IT" sz="1100">
+                          <a:solidFill>
+                            <a:srgbClr val="6AA84F"/>
+                          </a:solidFill>
+                          <a:effectLst/>
+                        </a:rPr>
+                        <a:t>TRUE</a:t>
+                      </a:r>
+                    </a:p>
+                  </a:txBody>
+                  <a:tcPr marL="28575" marR="28575" marT="19050" marB="19050" anchor="ctr">
+                    <a:lnL w="9525" cap="flat" cmpd="sng" algn="ctr">
+                      <a:solidFill>
+                        <a:srgbClr val="CCCCCC"/>
+                      </a:solidFill>
+                      <a:prstDash val="solid"/>
+                      <a:round/>
+                      <a:headEnd type="none" w="med" len="med"/>
+                      <a:tailEnd type="none" w="med" len="med"/>
+                    </a:lnL>
+                    <a:lnR w="9525" cap="flat" cmpd="sng" algn="ctr">
+                      <a:solidFill>
+                        <a:srgbClr val="CCCCCC"/>
+                      </a:solidFill>
+                      <a:prstDash val="solid"/>
+                      <a:round/>
+                      <a:headEnd type="none" w="med" len="med"/>
+                      <a:tailEnd type="none" w="med" len="med"/>
+                    </a:lnR>
+                    <a:lnT w="9525" cap="flat" cmpd="sng" algn="ctr">
+                      <a:solidFill>
+                        <a:srgbClr val="CCCCCC"/>
+                      </a:solidFill>
+                      <a:prstDash val="solid"/>
+                      <a:round/>
+                      <a:headEnd type="none" w="med" len="med"/>
+                      <a:tailEnd type="none" w="med" len="med"/>
+                    </a:lnT>
+                    <a:lnB w="9525" cap="flat" cmpd="sng" algn="ctr">
+                      <a:solidFill>
+                        <a:srgbClr val="CCCCCC"/>
+                      </a:solidFill>
+                      <a:prstDash val="solid"/>
+                      <a:round/>
+                      <a:headEnd type="none" w="med" len="med"/>
+                      <a:tailEnd type="none" w="med" len="med"/>
+                    </a:lnB>
+                    <a:noFill/>
+                  </a:tcPr>
+                </a:tc>
+                <a:tc>
+                  <a:txBody>
+                    <a:bodyPr/>
+                    <a:lstStyle/>
+                    <a:p>
+                      <a:pPr algn="ctr" rtl="0" fontAlgn="ctr"/>
+                      <a:r>
+                        <a:rPr lang="it-IT" sz="1100">
+                          <a:effectLst/>
+                        </a:rPr>
+                        <a:t>5</a:t>
+                      </a:r>
+                    </a:p>
+                  </a:txBody>
+                  <a:tcPr marL="28575" marR="28575" marT="19050" marB="19050" anchor="ctr">
+                    <a:lnL w="9525" cap="flat" cmpd="sng" algn="ctr">
+                      <a:solidFill>
+                        <a:srgbClr val="CCCCCC"/>
+                      </a:solidFill>
+                      <a:prstDash val="solid"/>
+                      <a:round/>
+                      <a:headEnd type="none" w="med" len="med"/>
+                      <a:tailEnd type="none" w="med" len="med"/>
+                    </a:lnL>
+                    <a:lnR w="9525" cap="flat" cmpd="sng" algn="ctr">
+                      <a:solidFill>
+                        <a:srgbClr val="CCCCCC"/>
+                      </a:solidFill>
+                      <a:prstDash val="solid"/>
+                      <a:round/>
+                      <a:headEnd type="none" w="med" len="med"/>
+                      <a:tailEnd type="none" w="med" len="med"/>
+                    </a:lnR>
+                    <a:lnT w="9525" cap="flat" cmpd="sng" algn="ctr">
+                      <a:solidFill>
+                        <a:srgbClr val="CCCCCC"/>
+                      </a:solidFill>
+                      <a:prstDash val="solid"/>
+                      <a:round/>
+                      <a:headEnd type="none" w="med" len="med"/>
+                      <a:tailEnd type="none" w="med" len="med"/>
+                    </a:lnT>
+                    <a:lnB w="9525" cap="flat" cmpd="sng" algn="ctr">
+                      <a:solidFill>
+                        <a:srgbClr val="CCCCCC"/>
+                      </a:solidFill>
+                      <a:prstDash val="solid"/>
+                      <a:round/>
+                      <a:headEnd type="none" w="med" len="med"/>
+                      <a:tailEnd type="none" w="med" len="med"/>
+                    </a:lnB>
+                    <a:solidFill>
+                      <a:srgbClr val="D6AB9A"/>
+                    </a:solidFill>
+                  </a:tcPr>
+                </a:tc>
+                <a:tc>
+                  <a:txBody>
+                    <a:bodyPr/>
+                    <a:lstStyle/>
+                    <a:p>
+                      <a:pPr rtl="0" fontAlgn="ctr"/>
+                      <a:r>
+                        <a:rPr lang="it-IT" sz="1100" i="1" strike="sngStrike">
+                          <a:effectLst/>
+                        </a:rPr>
+                        <a:t>Introdurre la soft delete per i servizi</a:t>
+                      </a:r>
+                    </a:p>
+                  </a:txBody>
+                  <a:tcPr marL="28575" marR="28575" marT="19050" marB="19050" anchor="ctr">
+                    <a:lnL w="9525" cap="flat" cmpd="sng" algn="ctr">
+                      <a:solidFill>
+                        <a:srgbClr val="CCCCCC"/>
+                      </a:solidFill>
+                      <a:prstDash val="solid"/>
+                      <a:round/>
+                      <a:headEnd type="none" w="med" len="med"/>
+                      <a:tailEnd type="none" w="med" len="med"/>
+                    </a:lnL>
+                    <a:lnR w="9525" cap="flat" cmpd="sng" algn="ctr">
+                      <a:solidFill>
+                        <a:srgbClr val="CCCCCC"/>
+                      </a:solidFill>
+                      <a:prstDash val="solid"/>
+                      <a:round/>
+                      <a:headEnd type="none" w="med" len="med"/>
+                      <a:tailEnd type="none" w="med" len="med"/>
+                    </a:lnR>
+                    <a:lnT w="9525" cap="flat" cmpd="sng" algn="ctr">
+                      <a:solidFill>
+                        <a:srgbClr val="CCCCCC"/>
+                      </a:solidFill>
+                      <a:prstDash val="solid"/>
+                      <a:round/>
+                      <a:headEnd type="none" w="med" len="med"/>
+                      <a:tailEnd type="none" w="med" len="med"/>
+                    </a:lnT>
+                    <a:lnB w="9525" cap="flat" cmpd="sng" algn="ctr">
+                      <a:solidFill>
+                        <a:srgbClr val="CCCCCC"/>
+                      </a:solidFill>
+                      <a:prstDash val="solid"/>
+                      <a:round/>
+                      <a:headEnd type="none" w="med" len="med"/>
+                      <a:tailEnd type="none" w="med" len="med"/>
+                    </a:lnB>
+                    <a:solidFill>
+                      <a:srgbClr val="D9EAD3"/>
+                    </a:solidFill>
+                  </a:tcPr>
+                </a:tc>
+                <a:extLst>
+                  <a:ext uri="{0D108BD9-81ED-4DB2-BD59-A6C34878D82A}">
+                    <a16:rowId xmlns:a16="http://schemas.microsoft.com/office/drawing/2014/main" val="273303752"/>
+                  </a:ext>
+                </a:extLst>
+              </a:tr>
+              <a:tr h="200025">
+                <a:tc>
+                  <a:txBody>
+                    <a:bodyPr/>
+                    <a:lstStyle/>
+                    <a:p>
+                      <a:pPr algn="ctr" rtl="0" fontAlgn="ctr"/>
+                      <a:r>
+                        <a:rPr lang="it-IT" sz="1100">
+                          <a:solidFill>
+                            <a:srgbClr val="6AA84F"/>
+                          </a:solidFill>
+                          <a:effectLst/>
+                        </a:rPr>
+                        <a:t>TRUE</a:t>
+                      </a:r>
+                    </a:p>
+                  </a:txBody>
+                  <a:tcPr marL="28575" marR="28575" marT="19050" marB="19050" anchor="ctr">
+                    <a:lnL w="9525" cap="flat" cmpd="sng" algn="ctr">
+                      <a:solidFill>
+                        <a:srgbClr val="CCCCCC"/>
+                      </a:solidFill>
+                      <a:prstDash val="solid"/>
+                      <a:round/>
+                      <a:headEnd type="none" w="med" len="med"/>
+                      <a:tailEnd type="none" w="med" len="med"/>
+                    </a:lnL>
+                    <a:lnR w="9525" cap="flat" cmpd="sng" algn="ctr">
+                      <a:solidFill>
+                        <a:srgbClr val="CCCCCC"/>
+                      </a:solidFill>
+                      <a:prstDash val="solid"/>
+                      <a:round/>
+                      <a:headEnd type="none" w="med" len="med"/>
+                      <a:tailEnd type="none" w="med" len="med"/>
+                    </a:lnR>
+                    <a:lnT w="9525" cap="flat" cmpd="sng" algn="ctr">
+                      <a:solidFill>
+                        <a:srgbClr val="CCCCCC"/>
+                      </a:solidFill>
+                      <a:prstDash val="solid"/>
+                      <a:round/>
+                      <a:headEnd type="none" w="med" len="med"/>
+                      <a:tailEnd type="none" w="med" len="med"/>
+                    </a:lnT>
+                    <a:lnB w="9525" cap="flat" cmpd="sng" algn="ctr">
+                      <a:solidFill>
+                        <a:srgbClr val="CCCCCC"/>
+                      </a:solidFill>
+                      <a:prstDash val="solid"/>
+                      <a:round/>
+                      <a:headEnd type="none" w="med" len="med"/>
+                      <a:tailEnd type="none" w="med" len="med"/>
+                    </a:lnB>
+                    <a:noFill/>
+                  </a:tcPr>
+                </a:tc>
+                <a:tc>
+                  <a:txBody>
+                    <a:bodyPr/>
+                    <a:lstStyle/>
+                    <a:p>
+                      <a:pPr algn="ctr" rtl="0" fontAlgn="ctr"/>
+                      <a:r>
+                        <a:rPr lang="it-IT" sz="1100">
+                          <a:effectLst/>
+                        </a:rPr>
+                        <a:t>13</a:t>
+                      </a:r>
+                    </a:p>
+                  </a:txBody>
+                  <a:tcPr marL="28575" marR="28575" marT="19050" marB="19050" anchor="ctr">
+                    <a:lnL w="9525" cap="flat" cmpd="sng" algn="ctr">
+                      <a:solidFill>
+                        <a:srgbClr val="CCCCCC"/>
+                      </a:solidFill>
+                      <a:prstDash val="solid"/>
+                      <a:round/>
+                      <a:headEnd type="none" w="med" len="med"/>
+                      <a:tailEnd type="none" w="med" len="med"/>
+                    </a:lnL>
+                    <a:lnR w="9525" cap="flat" cmpd="sng" algn="ctr">
+                      <a:solidFill>
+                        <a:srgbClr val="CCCCCC"/>
+                      </a:solidFill>
+                      <a:prstDash val="solid"/>
+                      <a:round/>
+                      <a:headEnd type="none" w="med" len="med"/>
+                      <a:tailEnd type="none" w="med" len="med"/>
+                    </a:lnR>
+                    <a:lnT w="9525" cap="flat" cmpd="sng" algn="ctr">
+                      <a:solidFill>
+                        <a:srgbClr val="CCCCCC"/>
+                      </a:solidFill>
+                      <a:prstDash val="solid"/>
+                      <a:round/>
+                      <a:headEnd type="none" w="med" len="med"/>
+                      <a:tailEnd type="none" w="med" len="med"/>
+                    </a:lnT>
+                    <a:lnB w="9525" cap="flat" cmpd="sng" algn="ctr">
+                      <a:solidFill>
+                        <a:srgbClr val="CCCCCC"/>
+                      </a:solidFill>
+                      <a:prstDash val="solid"/>
+                      <a:round/>
+                      <a:headEnd type="none" w="med" len="med"/>
+                      <a:tailEnd type="none" w="med" len="med"/>
+                    </a:lnB>
+                    <a:solidFill>
+                      <a:srgbClr val="CC0000"/>
+                    </a:solidFill>
+                  </a:tcPr>
+                </a:tc>
+                <a:tc>
+                  <a:txBody>
+                    <a:bodyPr/>
+                    <a:lstStyle/>
+                    <a:p>
+                      <a:pPr rtl="0" fontAlgn="ctr"/>
+                      <a:r>
+                        <a:rPr lang="it-IT" sz="1100" i="1" strike="sngStrike">
+                          <a:effectLst/>
+                        </a:rPr>
+                        <a:t>Inserire lo stato dei turni sia nel backend che nel frontend con i colori per discriminarli</a:t>
+                      </a:r>
+                    </a:p>
+                  </a:txBody>
+                  <a:tcPr marL="28575" marR="28575" marT="19050" marB="19050" anchor="ctr">
+                    <a:lnL w="9525" cap="flat" cmpd="sng" algn="ctr">
+                      <a:solidFill>
+                        <a:srgbClr val="CCCCCC"/>
+                      </a:solidFill>
+                      <a:prstDash val="solid"/>
+                      <a:round/>
+                      <a:headEnd type="none" w="med" len="med"/>
+                      <a:tailEnd type="none" w="med" len="med"/>
+                    </a:lnL>
+                    <a:lnR w="9525" cap="flat" cmpd="sng" algn="ctr">
+                      <a:solidFill>
+                        <a:srgbClr val="CCCCCC"/>
+                      </a:solidFill>
+                      <a:prstDash val="solid"/>
+                      <a:round/>
+                      <a:headEnd type="none" w="med" len="med"/>
+                      <a:tailEnd type="none" w="med" len="med"/>
+                    </a:lnR>
+                    <a:lnT w="9525" cap="flat" cmpd="sng" algn="ctr">
+                      <a:solidFill>
+                        <a:srgbClr val="CCCCCC"/>
+                      </a:solidFill>
+                      <a:prstDash val="solid"/>
+                      <a:round/>
+                      <a:headEnd type="none" w="med" len="med"/>
+                      <a:tailEnd type="none" w="med" len="med"/>
+                    </a:lnT>
+                    <a:lnB w="9525" cap="flat" cmpd="sng" algn="ctr">
+                      <a:solidFill>
+                        <a:srgbClr val="CCCCCC"/>
+                      </a:solidFill>
+                      <a:prstDash val="solid"/>
+                      <a:round/>
+                      <a:headEnd type="none" w="med" len="med"/>
+                      <a:tailEnd type="none" w="med" len="med"/>
+                    </a:lnB>
+                    <a:solidFill>
+                      <a:srgbClr val="D9EAD3"/>
+                    </a:solidFill>
+                  </a:tcPr>
+                </a:tc>
+                <a:extLst>
+                  <a:ext uri="{0D108BD9-81ED-4DB2-BD59-A6C34878D82A}">
+                    <a16:rowId xmlns:a16="http://schemas.microsoft.com/office/drawing/2014/main" val="2699721789"/>
+                  </a:ext>
+                </a:extLst>
+              </a:tr>
+              <a:tr h="200025">
+                <a:tc>
+                  <a:txBody>
+                    <a:bodyPr/>
+                    <a:lstStyle/>
+                    <a:p>
+                      <a:pPr algn="ctr" rtl="0" fontAlgn="ctr"/>
+                      <a:r>
+                        <a:rPr lang="it-IT" sz="1100">
+                          <a:effectLst/>
+                        </a:rPr>
+                        <a:t>FALSE</a:t>
+                      </a:r>
+                    </a:p>
+                  </a:txBody>
+                  <a:tcPr marL="28575" marR="28575" marT="19050" marB="19050" anchor="ctr">
+                    <a:lnL w="9525" cap="flat" cmpd="sng" algn="ctr">
+                      <a:solidFill>
+                        <a:srgbClr val="CCCCCC"/>
+                      </a:solidFill>
+                      <a:prstDash val="solid"/>
+                      <a:round/>
+                      <a:headEnd type="none" w="med" len="med"/>
+                      <a:tailEnd type="none" w="med" len="med"/>
+                    </a:lnL>
+                    <a:lnR w="9525" cap="flat" cmpd="sng" algn="ctr">
+                      <a:solidFill>
+                        <a:srgbClr val="CCCCCC"/>
+                      </a:solidFill>
+                      <a:prstDash val="solid"/>
+                      <a:round/>
+                      <a:headEnd type="none" w="med" len="med"/>
+                      <a:tailEnd type="none" w="med" len="med"/>
+                    </a:lnR>
+                    <a:lnT w="9525" cap="flat" cmpd="sng" algn="ctr">
+                      <a:solidFill>
+                        <a:srgbClr val="CCCCCC"/>
+                      </a:solidFill>
+                      <a:prstDash val="solid"/>
+                      <a:round/>
+                      <a:headEnd type="none" w="med" len="med"/>
+                      <a:tailEnd type="none" w="med" len="med"/>
+                    </a:lnT>
+                    <a:lnB w="9525" cap="flat" cmpd="sng" algn="ctr">
+                      <a:solidFill>
+                        <a:srgbClr val="CCCCCC"/>
+                      </a:solidFill>
+                      <a:prstDash val="solid"/>
+                      <a:round/>
+                      <a:headEnd type="none" w="med" len="med"/>
+                      <a:tailEnd type="none" w="med" len="med"/>
+                    </a:lnB>
+                    <a:noFill/>
+                  </a:tcPr>
+                </a:tc>
+                <a:tc>
+                  <a:txBody>
+                    <a:bodyPr/>
+                    <a:lstStyle/>
+                    <a:p>
+                      <a:pPr algn="ctr" rtl="0" fontAlgn="b"/>
+                      <a:r>
+                        <a:rPr lang="it-IT">
+                          <a:effectLst/>
+                        </a:rPr>
+                        <a:t>8</a:t>
+                      </a:r>
+                    </a:p>
+                  </a:txBody>
+                  <a:tcPr marL="28575" marR="28575" marT="19050" marB="19050" anchor="b">
+                    <a:lnL w="9525" cap="flat" cmpd="sng" algn="ctr">
+                      <a:solidFill>
+                        <a:srgbClr val="CCCCCC"/>
+                      </a:solidFill>
+                      <a:prstDash val="solid"/>
+                      <a:round/>
+                      <a:headEnd type="none" w="med" len="med"/>
+                      <a:tailEnd type="none" w="med" len="med"/>
+                    </a:lnL>
+                    <a:lnR w="9525" cap="flat" cmpd="sng" algn="ctr">
+                      <a:solidFill>
+                        <a:srgbClr val="CCCCCC"/>
+                      </a:solidFill>
+                      <a:prstDash val="solid"/>
+                      <a:round/>
+                      <a:headEnd type="none" w="med" len="med"/>
+                      <a:tailEnd type="none" w="med" len="med"/>
+                    </a:lnR>
+                    <a:lnT w="9525" cap="flat" cmpd="sng" algn="ctr">
+                      <a:solidFill>
+                        <a:srgbClr val="CCCCCC"/>
+                      </a:solidFill>
+                      <a:prstDash val="solid"/>
+                      <a:round/>
+                      <a:headEnd type="none" w="med" len="med"/>
+                      <a:tailEnd type="none" w="med" len="med"/>
+                    </a:lnT>
+                    <a:lnB w="9525" cap="flat" cmpd="sng" algn="ctr">
+                      <a:solidFill>
+                        <a:srgbClr val="CCCCCC"/>
+                      </a:solidFill>
+                      <a:prstDash val="solid"/>
+                      <a:round/>
+                      <a:headEnd type="none" w="med" len="med"/>
+                      <a:tailEnd type="none" w="med" len="med"/>
+                    </a:lnB>
+                    <a:solidFill>
+                      <a:srgbClr val="D26B60"/>
+                    </a:solidFill>
+                  </a:tcPr>
+                </a:tc>
+                <a:tc>
+                  <a:txBody>
+                    <a:bodyPr/>
+                    <a:lstStyle/>
+                    <a:p>
+                      <a:pPr rtl="0" fontAlgn="b"/>
+                      <a:r>
+                        <a:rPr lang="it-IT" sz="1100">
+                          <a:effectLst/>
+                        </a:rPr>
+                        <a:t>Bottone per Planner per poter vedere in maniera facile la lista dei turni incompleti</a:t>
+                      </a:r>
+                    </a:p>
+                  </a:txBody>
+                  <a:tcPr marL="28575" marR="28575" marT="19050" marB="19050" anchor="b">
+                    <a:lnL w="9525" cap="flat" cmpd="sng" algn="ctr">
+                      <a:solidFill>
+                        <a:srgbClr val="CCCCCC"/>
+                      </a:solidFill>
+                      <a:prstDash val="solid"/>
+                      <a:round/>
+                      <a:headEnd type="none" w="med" len="med"/>
+                      <a:tailEnd type="none" w="med" len="med"/>
+                    </a:lnL>
+                    <a:lnR w="9525" cap="flat" cmpd="sng" algn="ctr">
+                      <a:solidFill>
+                        <a:srgbClr val="CCCCCC"/>
+                      </a:solidFill>
+                      <a:prstDash val="solid"/>
+                      <a:round/>
+                      <a:headEnd type="none" w="med" len="med"/>
+                      <a:tailEnd type="none" w="med" len="med"/>
+                    </a:lnR>
+                    <a:lnT w="9525" cap="flat" cmpd="sng" algn="ctr">
+                      <a:solidFill>
+                        <a:srgbClr val="CCCCCC"/>
+                      </a:solidFill>
+                      <a:prstDash val="solid"/>
+                      <a:round/>
+                      <a:headEnd type="none" w="med" len="med"/>
+                      <a:tailEnd type="none" w="med" len="med"/>
+                    </a:lnT>
+                    <a:lnB w="9525" cap="flat" cmpd="sng" algn="ctr">
+                      <a:solidFill>
+                        <a:srgbClr val="CCCCCC"/>
+                      </a:solidFill>
+                      <a:prstDash val="solid"/>
+                      <a:round/>
+                      <a:headEnd type="none" w="med" len="med"/>
+                      <a:tailEnd type="none" w="med" len="med"/>
+                    </a:lnB>
+                    <a:noFill/>
+                  </a:tcPr>
+                </a:tc>
+                <a:extLst>
+                  <a:ext uri="{0D108BD9-81ED-4DB2-BD59-A6C34878D82A}">
+                    <a16:rowId xmlns:a16="http://schemas.microsoft.com/office/drawing/2014/main" val="39372808"/>
+                  </a:ext>
+                </a:extLst>
+              </a:tr>
+              <a:tr h="200025">
+                <a:tc>
+                  <a:txBody>
+                    <a:bodyPr/>
+                    <a:lstStyle/>
+                    <a:p>
+                      <a:pPr algn="ctr" rtl="0" fontAlgn="ctr"/>
+                      <a:r>
+                        <a:rPr lang="it-IT" sz="1100">
+                          <a:solidFill>
+                            <a:srgbClr val="6AA84F"/>
+                          </a:solidFill>
+                          <a:effectLst/>
+                        </a:rPr>
+                        <a:t>TRUE</a:t>
+                      </a:r>
+                    </a:p>
+                  </a:txBody>
+                  <a:tcPr marL="28575" marR="28575" marT="19050" marB="19050" anchor="ctr">
+                    <a:lnL w="9525" cap="flat" cmpd="sng" algn="ctr">
+                      <a:solidFill>
+                        <a:srgbClr val="CCCCCC"/>
+                      </a:solidFill>
+                      <a:prstDash val="solid"/>
+                      <a:round/>
+                      <a:headEnd type="none" w="med" len="med"/>
+                      <a:tailEnd type="none" w="med" len="med"/>
+                    </a:lnL>
+                    <a:lnR w="9525" cap="flat" cmpd="sng" algn="ctr">
+                      <a:solidFill>
+                        <a:srgbClr val="CCCCCC"/>
+                      </a:solidFill>
+                      <a:prstDash val="solid"/>
+                      <a:round/>
+                      <a:headEnd type="none" w="med" len="med"/>
+                      <a:tailEnd type="none" w="med" len="med"/>
+                    </a:lnR>
+                    <a:lnT w="9525" cap="flat" cmpd="sng" algn="ctr">
+                      <a:solidFill>
+                        <a:srgbClr val="CCCCCC"/>
+                      </a:solidFill>
+                      <a:prstDash val="solid"/>
+                      <a:round/>
+                      <a:headEnd type="none" w="med" len="med"/>
+                      <a:tailEnd type="none" w="med" len="med"/>
+                    </a:lnT>
+                    <a:lnB w="9525" cap="flat" cmpd="sng" algn="ctr">
+                      <a:solidFill>
+                        <a:srgbClr val="CCCCCC"/>
+                      </a:solidFill>
+                      <a:prstDash val="solid"/>
+                      <a:round/>
+                      <a:headEnd type="none" w="med" len="med"/>
+                      <a:tailEnd type="none" w="med" len="med"/>
+                    </a:lnB>
+                    <a:noFill/>
+                  </a:tcPr>
+                </a:tc>
+                <a:tc>
+                  <a:txBody>
+                    <a:bodyPr/>
+                    <a:lstStyle/>
+                    <a:p>
+                      <a:pPr algn="ctr" rtl="0" fontAlgn="ctr"/>
+                      <a:r>
+                        <a:rPr lang="it-IT" sz="1100">
+                          <a:effectLst/>
+                        </a:rPr>
+                        <a:t>3</a:t>
+                      </a:r>
+                    </a:p>
+                  </a:txBody>
+                  <a:tcPr marL="28575" marR="28575" marT="19050" marB="19050" anchor="ctr">
+                    <a:lnL w="9525" cap="flat" cmpd="sng" algn="ctr">
+                      <a:solidFill>
+                        <a:srgbClr val="CCCCCC"/>
+                      </a:solidFill>
+                      <a:prstDash val="solid"/>
+                      <a:round/>
+                      <a:headEnd type="none" w="med" len="med"/>
+                      <a:tailEnd type="none" w="med" len="med"/>
+                    </a:lnL>
+                    <a:lnR w="9525" cap="flat" cmpd="sng" algn="ctr">
+                      <a:solidFill>
+                        <a:srgbClr val="CCCCCC"/>
+                      </a:solidFill>
+                      <a:prstDash val="solid"/>
+                      <a:round/>
+                      <a:headEnd type="none" w="med" len="med"/>
+                      <a:tailEnd type="none" w="med" len="med"/>
+                    </a:lnR>
+                    <a:lnT w="9525" cap="flat" cmpd="sng" algn="ctr">
+                      <a:solidFill>
+                        <a:srgbClr val="CCCCCC"/>
+                      </a:solidFill>
+                      <a:prstDash val="solid"/>
+                      <a:round/>
+                      <a:headEnd type="none" w="med" len="med"/>
+                      <a:tailEnd type="none" w="med" len="med"/>
+                    </a:lnT>
+                    <a:lnB w="9525" cap="flat" cmpd="sng" algn="ctr">
+                      <a:solidFill>
+                        <a:srgbClr val="CCCCCC"/>
+                      </a:solidFill>
+                      <a:prstDash val="solid"/>
+                      <a:round/>
+                      <a:headEnd type="none" w="med" len="med"/>
+                      <a:tailEnd type="none" w="med" len="med"/>
+                    </a:lnB>
+                    <a:solidFill>
+                      <a:srgbClr val="D8D5C0"/>
+                    </a:solidFill>
+                  </a:tcPr>
+                </a:tc>
+                <a:tc>
+                  <a:txBody>
+                    <a:bodyPr/>
+                    <a:lstStyle/>
+                    <a:p>
+                      <a:pPr rtl="0" fontAlgn="ctr"/>
+                      <a:r>
+                        <a:rPr lang="it-IT" sz="1100" i="1" strike="sngStrike">
+                          <a:effectLst/>
+                        </a:rPr>
+                        <a:t>Schermata per la gestione dei turni per poterli visualizzare</a:t>
+                      </a:r>
+                    </a:p>
+                  </a:txBody>
+                  <a:tcPr marL="28575" marR="28575" marT="19050" marB="19050" anchor="ctr">
+                    <a:lnL w="9525" cap="flat" cmpd="sng" algn="ctr">
+                      <a:solidFill>
+                        <a:srgbClr val="CCCCCC"/>
+                      </a:solidFill>
+                      <a:prstDash val="solid"/>
+                      <a:round/>
+                      <a:headEnd type="none" w="med" len="med"/>
+                      <a:tailEnd type="none" w="med" len="med"/>
+                    </a:lnL>
+                    <a:lnR w="9525" cap="flat" cmpd="sng" algn="ctr">
+                      <a:solidFill>
+                        <a:srgbClr val="CCCCCC"/>
+                      </a:solidFill>
+                      <a:prstDash val="solid"/>
+                      <a:round/>
+                      <a:headEnd type="none" w="med" len="med"/>
+                      <a:tailEnd type="none" w="med" len="med"/>
+                    </a:lnR>
+                    <a:lnT w="9525" cap="flat" cmpd="sng" algn="ctr">
+                      <a:solidFill>
+                        <a:srgbClr val="CCCCCC"/>
+                      </a:solidFill>
+                      <a:prstDash val="solid"/>
+                      <a:round/>
+                      <a:headEnd type="none" w="med" len="med"/>
+                      <a:tailEnd type="none" w="med" len="med"/>
+                    </a:lnT>
+                    <a:lnB w="9525" cap="flat" cmpd="sng" algn="ctr">
+                      <a:solidFill>
+                        <a:srgbClr val="CCCCCC"/>
+                      </a:solidFill>
+                      <a:prstDash val="solid"/>
+                      <a:round/>
+                      <a:headEnd type="none" w="med" len="med"/>
+                      <a:tailEnd type="none" w="med" len="med"/>
+                    </a:lnB>
+                    <a:solidFill>
+                      <a:srgbClr val="D9EAD3"/>
+                    </a:solidFill>
+                  </a:tcPr>
+                </a:tc>
+                <a:extLst>
+                  <a:ext uri="{0D108BD9-81ED-4DB2-BD59-A6C34878D82A}">
+                    <a16:rowId xmlns:a16="http://schemas.microsoft.com/office/drawing/2014/main" val="2347316637"/>
+                  </a:ext>
+                </a:extLst>
+              </a:tr>
+              <a:tr h="228600">
+                <a:tc>
+                  <a:txBody>
+                    <a:bodyPr/>
+                    <a:lstStyle/>
+                    <a:p>
+                      <a:pPr algn="ctr" rtl="0" fontAlgn="ctr"/>
+                      <a:r>
+                        <a:rPr lang="it-IT" sz="1100">
+                          <a:solidFill>
+                            <a:srgbClr val="6AA84F"/>
+                          </a:solidFill>
+                          <a:effectLst/>
+                        </a:rPr>
+                        <a:t>TRUE</a:t>
+                      </a:r>
+                    </a:p>
+                  </a:txBody>
+                  <a:tcPr marL="28575" marR="28575" marT="19050" marB="19050" anchor="ctr">
+                    <a:lnL w="9525" cap="flat" cmpd="sng" algn="ctr">
+                      <a:solidFill>
+                        <a:srgbClr val="CCCCCC"/>
+                      </a:solidFill>
+                      <a:prstDash val="solid"/>
+                      <a:round/>
+                      <a:headEnd type="none" w="med" len="med"/>
+                      <a:tailEnd type="none" w="med" len="med"/>
+                    </a:lnL>
+                    <a:lnR w="9525" cap="flat" cmpd="sng" algn="ctr">
+                      <a:solidFill>
+                        <a:srgbClr val="CCCCCC"/>
+                      </a:solidFill>
+                      <a:prstDash val="solid"/>
+                      <a:round/>
+                      <a:headEnd type="none" w="med" len="med"/>
+                      <a:tailEnd type="none" w="med" len="med"/>
+                    </a:lnR>
+                    <a:lnT w="9525" cap="flat" cmpd="sng" algn="ctr">
+                      <a:solidFill>
+                        <a:srgbClr val="CCCCCC"/>
+                      </a:solidFill>
+                      <a:prstDash val="solid"/>
+                      <a:round/>
+                      <a:headEnd type="none" w="med" len="med"/>
+                      <a:tailEnd type="none" w="med" len="med"/>
+                    </a:lnT>
+                    <a:lnB w="9525" cap="flat" cmpd="sng" algn="ctr">
+                      <a:solidFill>
+                        <a:srgbClr val="CCCCCC"/>
+                      </a:solidFill>
+                      <a:prstDash val="solid"/>
+                      <a:round/>
+                      <a:headEnd type="none" w="med" len="med"/>
+                      <a:tailEnd type="none" w="med" len="med"/>
+                    </a:lnB>
+                    <a:noFill/>
+                  </a:tcPr>
+                </a:tc>
+                <a:tc>
+                  <a:txBody>
+                    <a:bodyPr/>
+                    <a:lstStyle/>
+                    <a:p>
+                      <a:pPr algn="ctr" rtl="0" fontAlgn="ctr"/>
+                      <a:r>
+                        <a:rPr lang="it-IT" sz="1100">
+                          <a:effectLst/>
+                        </a:rPr>
+                        <a:t>8</a:t>
+                      </a:r>
+                    </a:p>
+                  </a:txBody>
+                  <a:tcPr marL="28575" marR="28575" marT="19050" marB="19050" anchor="ctr">
+                    <a:lnL w="9525" cap="flat" cmpd="sng" algn="ctr">
+                      <a:solidFill>
+                        <a:srgbClr val="CCCCCC"/>
+                      </a:solidFill>
+                      <a:prstDash val="solid"/>
+                      <a:round/>
+                      <a:headEnd type="none" w="med" len="med"/>
+                      <a:tailEnd type="none" w="med" len="med"/>
+                    </a:lnL>
+                    <a:lnR w="9525" cap="flat" cmpd="sng" algn="ctr">
+                      <a:solidFill>
+                        <a:srgbClr val="CCCCCC"/>
+                      </a:solidFill>
+                      <a:prstDash val="solid"/>
+                      <a:round/>
+                      <a:headEnd type="none" w="med" len="med"/>
+                      <a:tailEnd type="none" w="med" len="med"/>
+                    </a:lnR>
+                    <a:lnT w="9525" cap="flat" cmpd="sng" algn="ctr">
+                      <a:solidFill>
+                        <a:srgbClr val="CCCCCC"/>
+                      </a:solidFill>
+                      <a:prstDash val="solid"/>
+                      <a:round/>
+                      <a:headEnd type="none" w="med" len="med"/>
+                      <a:tailEnd type="none" w="med" len="med"/>
+                    </a:lnT>
+                    <a:lnB w="9525" cap="flat" cmpd="sng" algn="ctr">
+                      <a:solidFill>
+                        <a:srgbClr val="CCCCCC"/>
+                      </a:solidFill>
+                      <a:prstDash val="solid"/>
+                      <a:round/>
+                      <a:headEnd type="none" w="med" len="med"/>
+                      <a:tailEnd type="none" w="med" len="med"/>
+                    </a:lnB>
+                    <a:solidFill>
+                      <a:srgbClr val="D26B60"/>
+                    </a:solidFill>
+                  </a:tcPr>
+                </a:tc>
+                <a:tc>
+                  <a:txBody>
+                    <a:bodyPr/>
+                    <a:lstStyle/>
+                    <a:p>
+                      <a:pPr rtl="0" fontAlgn="ctr"/>
+                      <a:r>
+                        <a:rPr lang="it-IT" sz="1100" i="1" strike="sngStrike">
+                          <a:effectLst/>
+                        </a:rPr>
+                        <a:t>Permettere la cancellazione dei turni a livello grafico tramite softdelete</a:t>
+                      </a:r>
+                    </a:p>
+                  </a:txBody>
+                  <a:tcPr marL="28575" marR="28575" marT="19050" marB="19050" anchor="ctr">
+                    <a:lnL w="9525" cap="flat" cmpd="sng" algn="ctr">
+                      <a:solidFill>
+                        <a:srgbClr val="CCCCCC"/>
+                      </a:solidFill>
+                      <a:prstDash val="solid"/>
+                      <a:round/>
+                      <a:headEnd type="none" w="med" len="med"/>
+                      <a:tailEnd type="none" w="med" len="med"/>
+                    </a:lnL>
+                    <a:lnR w="9525" cap="flat" cmpd="sng" algn="ctr">
+                      <a:solidFill>
+                        <a:srgbClr val="CCCCCC"/>
+                      </a:solidFill>
+                      <a:prstDash val="solid"/>
+                      <a:round/>
+                      <a:headEnd type="none" w="med" len="med"/>
+                      <a:tailEnd type="none" w="med" len="med"/>
+                    </a:lnR>
+                    <a:lnT w="9525" cap="flat" cmpd="sng" algn="ctr">
+                      <a:solidFill>
+                        <a:srgbClr val="CCCCCC"/>
+                      </a:solidFill>
+                      <a:prstDash val="solid"/>
+                      <a:round/>
+                      <a:headEnd type="none" w="med" len="med"/>
+                      <a:tailEnd type="none" w="med" len="med"/>
+                    </a:lnT>
+                    <a:lnB w="9525" cap="flat" cmpd="sng" algn="ctr">
+                      <a:solidFill>
+                        <a:srgbClr val="CCCCCC"/>
+                      </a:solidFill>
+                      <a:prstDash val="solid"/>
+                      <a:round/>
+                      <a:headEnd type="none" w="med" len="med"/>
+                      <a:tailEnd type="none" w="med" len="med"/>
+                    </a:lnB>
+                    <a:solidFill>
+                      <a:srgbClr val="D9EAD3"/>
+                    </a:solidFill>
+                  </a:tcPr>
+                </a:tc>
+                <a:extLst>
+                  <a:ext uri="{0D108BD9-81ED-4DB2-BD59-A6C34878D82A}">
+                    <a16:rowId xmlns:a16="http://schemas.microsoft.com/office/drawing/2014/main" val="832590040"/>
+                  </a:ext>
+                </a:extLst>
+              </a:tr>
+              <a:tr h="200025">
+                <a:tc>
+                  <a:txBody>
+                    <a:bodyPr/>
+                    <a:lstStyle/>
+                    <a:p>
+                      <a:pPr algn="ctr" rtl="0" fontAlgn="ctr"/>
+                      <a:r>
+                        <a:rPr lang="it-IT" sz="1100">
+                          <a:solidFill>
+                            <a:srgbClr val="6AA84F"/>
+                          </a:solidFill>
+                          <a:effectLst/>
+                        </a:rPr>
+                        <a:t>TRUE</a:t>
+                      </a:r>
+                    </a:p>
+                  </a:txBody>
+                  <a:tcPr marL="28575" marR="28575" marT="19050" marB="19050" anchor="ctr">
+                    <a:lnL w="9525" cap="flat" cmpd="sng" algn="ctr">
+                      <a:solidFill>
+                        <a:srgbClr val="CCCCCC"/>
+                      </a:solidFill>
+                      <a:prstDash val="solid"/>
+                      <a:round/>
+                      <a:headEnd type="none" w="med" len="med"/>
+                      <a:tailEnd type="none" w="med" len="med"/>
+                    </a:lnL>
+                    <a:lnR w="9525" cap="flat" cmpd="sng" algn="ctr">
+                      <a:solidFill>
+                        <a:srgbClr val="CCCCCC"/>
+                      </a:solidFill>
+                      <a:prstDash val="solid"/>
+                      <a:round/>
+                      <a:headEnd type="none" w="med" len="med"/>
+                      <a:tailEnd type="none" w="med" len="med"/>
+                    </a:lnR>
+                    <a:lnT w="9525" cap="flat" cmpd="sng" algn="ctr">
+                      <a:solidFill>
+                        <a:srgbClr val="CCCCCC"/>
+                      </a:solidFill>
+                      <a:prstDash val="solid"/>
+                      <a:round/>
+                      <a:headEnd type="none" w="med" len="med"/>
+                      <a:tailEnd type="none" w="med" len="med"/>
+                    </a:lnT>
+                    <a:lnB w="9525" cap="flat" cmpd="sng" algn="ctr">
+                      <a:solidFill>
+                        <a:srgbClr val="CCCCCC"/>
+                      </a:solidFill>
+                      <a:prstDash val="solid"/>
+                      <a:round/>
+                      <a:headEnd type="none" w="med" len="med"/>
+                      <a:tailEnd type="none" w="med" len="med"/>
+                    </a:lnB>
+                    <a:noFill/>
+                  </a:tcPr>
+                </a:tc>
+                <a:tc>
+                  <a:txBody>
+                    <a:bodyPr/>
+                    <a:lstStyle/>
+                    <a:p>
+                      <a:pPr algn="ctr" rtl="0" fontAlgn="b"/>
+                      <a:r>
+                        <a:rPr lang="it-IT">
+                          <a:effectLst/>
+                        </a:rPr>
+                        <a:t>5</a:t>
+                      </a:r>
+                    </a:p>
+                  </a:txBody>
+                  <a:tcPr marL="28575" marR="28575" marT="19050" marB="19050" anchor="b">
+                    <a:lnL w="9525" cap="flat" cmpd="sng" algn="ctr">
+                      <a:solidFill>
+                        <a:srgbClr val="CCCCCC"/>
+                      </a:solidFill>
+                      <a:prstDash val="solid"/>
+                      <a:round/>
+                      <a:headEnd type="none" w="med" len="med"/>
+                      <a:tailEnd type="none" w="med" len="med"/>
+                    </a:lnL>
+                    <a:lnR w="9525" cap="flat" cmpd="sng" algn="ctr">
+                      <a:solidFill>
+                        <a:srgbClr val="CCCCCC"/>
+                      </a:solidFill>
+                      <a:prstDash val="solid"/>
+                      <a:round/>
+                      <a:headEnd type="none" w="med" len="med"/>
+                      <a:tailEnd type="none" w="med" len="med"/>
+                    </a:lnR>
+                    <a:lnT w="9525" cap="flat" cmpd="sng" algn="ctr">
+                      <a:solidFill>
+                        <a:srgbClr val="CCCCCC"/>
+                      </a:solidFill>
+                      <a:prstDash val="solid"/>
+                      <a:round/>
+                      <a:headEnd type="none" w="med" len="med"/>
+                      <a:tailEnd type="none" w="med" len="med"/>
+                    </a:lnT>
+                    <a:lnB w="9525" cap="flat" cmpd="sng" algn="ctr">
+                      <a:solidFill>
+                        <a:srgbClr val="CCCCCC"/>
+                      </a:solidFill>
+                      <a:prstDash val="solid"/>
+                      <a:round/>
+                      <a:headEnd type="none" w="med" len="med"/>
+                      <a:tailEnd type="none" w="med" len="med"/>
+                    </a:lnB>
+                    <a:solidFill>
+                      <a:srgbClr val="D6AB9A"/>
+                    </a:solidFill>
+                  </a:tcPr>
+                </a:tc>
+                <a:tc>
+                  <a:txBody>
+                    <a:bodyPr/>
+                    <a:lstStyle/>
+                    <a:p>
+                      <a:pPr rtl="0" fontAlgn="b"/>
+                      <a:r>
+                        <a:rPr lang="it-IT" sz="1100" i="1" strike="sngStrike">
+                          <a:effectLst/>
+                        </a:rPr>
+                        <a:t>Continuo ripristino dei test</a:t>
+                      </a:r>
+                    </a:p>
+                  </a:txBody>
+                  <a:tcPr marL="28575" marR="28575" marT="19050" marB="19050" anchor="b">
+                    <a:lnL w="9525" cap="flat" cmpd="sng" algn="ctr">
+                      <a:solidFill>
+                        <a:srgbClr val="CCCCCC"/>
+                      </a:solidFill>
+                      <a:prstDash val="solid"/>
+                      <a:round/>
+                      <a:headEnd type="none" w="med" len="med"/>
+                      <a:tailEnd type="none" w="med" len="med"/>
+                    </a:lnL>
+                    <a:lnR w="9525" cap="flat" cmpd="sng" algn="ctr">
+                      <a:solidFill>
+                        <a:srgbClr val="CCCCCC"/>
+                      </a:solidFill>
+                      <a:prstDash val="solid"/>
+                      <a:round/>
+                      <a:headEnd type="none" w="med" len="med"/>
+                      <a:tailEnd type="none" w="med" len="med"/>
+                    </a:lnR>
+                    <a:lnT w="9525" cap="flat" cmpd="sng" algn="ctr">
+                      <a:solidFill>
+                        <a:srgbClr val="CCCCCC"/>
+                      </a:solidFill>
+                      <a:prstDash val="solid"/>
+                      <a:round/>
+                      <a:headEnd type="none" w="med" len="med"/>
+                      <a:tailEnd type="none" w="med" len="med"/>
+                    </a:lnT>
+                    <a:lnB w="9525" cap="flat" cmpd="sng" algn="ctr">
+                      <a:solidFill>
+                        <a:srgbClr val="CCCCCC"/>
+                      </a:solidFill>
+                      <a:prstDash val="solid"/>
+                      <a:round/>
+                      <a:headEnd type="none" w="med" len="med"/>
+                      <a:tailEnd type="none" w="med" len="med"/>
+                    </a:lnB>
+                    <a:solidFill>
+                      <a:srgbClr val="D9EAD3"/>
+                    </a:solidFill>
+                  </a:tcPr>
+                </a:tc>
+                <a:extLst>
+                  <a:ext uri="{0D108BD9-81ED-4DB2-BD59-A6C34878D82A}">
+                    <a16:rowId xmlns:a16="http://schemas.microsoft.com/office/drawing/2014/main" val="381815521"/>
+                  </a:ext>
+                </a:extLst>
+              </a:tr>
+            </a:tbl>
+          </a:graphicData>
+        </a:graphic>
+      </p:graphicFrame>
     </p:spTree>
     <p:extLst>
       <p:ext uri="{BB962C8B-B14F-4D97-AF65-F5344CB8AC3E}">
@@ -14182,10 +14610,10 @@
       </p:pic>
       <p:graphicFrame>
         <p:nvGraphicFramePr>
-          <p:cNvPr id="10" name="Tabella 9">
+          <p:cNvPr id="12" name="Tabella 11">
             <a:extLst>
               <a:ext uri="{FF2B5EF4-FFF2-40B4-BE49-F238E27FC236}">
-                <a16:creationId xmlns:a16="http://schemas.microsoft.com/office/drawing/2014/main" id="{F098E4CA-3DB3-4B67-65C0-8E87EC8276B0}"/>
+                <a16:creationId xmlns:a16="http://schemas.microsoft.com/office/drawing/2014/main" id="{93B5CF97-3F15-CFC7-C437-C0F33FE388B8}"/>
               </a:ext>
             </a:extLst>
           </p:cNvPr>
@@ -14195,122 +14623,121 @@
           <p:nvPr>
             <p:extLst>
               <p:ext uri="{D42A27DB-BD31-4B8C-83A1-F6EECF244321}">
-                <p14:modId xmlns:p14="http://schemas.microsoft.com/office/powerpoint/2010/main" val="2640199848"/>
+                <p14:modId xmlns:p14="http://schemas.microsoft.com/office/powerpoint/2010/main" val="1643224055"/>
               </p:ext>
             </p:extLst>
           </p:nvPr>
         </p:nvGraphicFramePr>
         <p:xfrm>
-          <a:off x="359218" y="2801082"/>
-          <a:ext cx="8868956" cy="1255836"/>
+          <a:off x="429701" y="2376660"/>
+          <a:ext cx="8788400" cy="2520315"/>
         </p:xfrm>
         <a:graphic>
           <a:graphicData uri="http://schemas.openxmlformats.org/drawingml/2006/table">
             <a:tbl>
-              <a:tblPr/>
+              <a:tblPr bandRow="1">
+                <a:tableStyleId>{5C22544A-7EE6-4342-B048-85BDC9FD1C3A}</a:tableStyleId>
+              </a:tblPr>
               <a:tblGrid>
-                <a:gridCol w="1214695">
+                <a:gridCol w="812800">
                   <a:extLst>
                     <a:ext uri="{9D8B030D-6E8A-4147-A177-3AD203B41FA5}">
-                      <a16:colId xmlns:a16="http://schemas.microsoft.com/office/drawing/2014/main" val="2397136898"/>
+                      <a16:colId xmlns:a16="http://schemas.microsoft.com/office/drawing/2014/main" val="1856855557"/>
                     </a:ext>
                   </a:extLst>
                 </a:gridCol>
-                <a:gridCol w="518984">
+                <a:gridCol w="609600">
                   <a:extLst>
                     <a:ext uri="{9D8B030D-6E8A-4147-A177-3AD203B41FA5}">
-                      <a16:colId xmlns:a16="http://schemas.microsoft.com/office/drawing/2014/main" val="1300390415"/>
+                      <a16:colId xmlns:a16="http://schemas.microsoft.com/office/drawing/2014/main" val="417530676"/>
                     </a:ext>
                   </a:extLst>
                 </a:gridCol>
-                <a:gridCol w="710514">
+                <a:gridCol w="850900">
                   <a:extLst>
                     <a:ext uri="{9D8B030D-6E8A-4147-A177-3AD203B41FA5}">
-                      <a16:colId xmlns:a16="http://schemas.microsoft.com/office/drawing/2014/main" val="3975028271"/>
+                      <a16:colId xmlns:a16="http://schemas.microsoft.com/office/drawing/2014/main" val="577811235"/>
                     </a:ext>
                   </a:extLst>
                 </a:gridCol>
-                <a:gridCol w="646359">
+                <a:gridCol w="609600">
                   <a:extLst>
                     <a:ext uri="{9D8B030D-6E8A-4147-A177-3AD203B41FA5}">
-                      <a16:colId xmlns:a16="http://schemas.microsoft.com/office/drawing/2014/main" val="950472483"/>
+                      <a16:colId xmlns:a16="http://schemas.microsoft.com/office/drawing/2014/main" val="3765702342"/>
                     </a:ext>
                   </a:extLst>
                 </a:gridCol>
-                <a:gridCol w="736847">
+                <a:gridCol w="939800">
                   <a:extLst>
                     <a:ext uri="{9D8B030D-6E8A-4147-A177-3AD203B41FA5}">
-                      <a16:colId xmlns:a16="http://schemas.microsoft.com/office/drawing/2014/main" val="688098029"/>
+                      <a16:colId xmlns:a16="http://schemas.microsoft.com/office/drawing/2014/main" val="1488827905"/>
                     </a:ext>
                   </a:extLst>
                 </a:gridCol>
-                <a:gridCol w="370703">
+                <a:gridCol w="482600">
                   <a:extLst>
                     <a:ext uri="{9D8B030D-6E8A-4147-A177-3AD203B41FA5}">
-                      <a16:colId xmlns:a16="http://schemas.microsoft.com/office/drawing/2014/main" val="531105498"/>
+                      <a16:colId xmlns:a16="http://schemas.microsoft.com/office/drawing/2014/main" val="64869848"/>
                     </a:ext>
                   </a:extLst>
                 </a:gridCol>
-                <a:gridCol w="741405">
+                <a:gridCol w="762000">
                   <a:extLst>
                     <a:ext uri="{9D8B030D-6E8A-4147-A177-3AD203B41FA5}">
-                      <a16:colId xmlns:a16="http://schemas.microsoft.com/office/drawing/2014/main" val="1467514658"/>
+                      <a16:colId xmlns:a16="http://schemas.microsoft.com/office/drawing/2014/main" val="1924993522"/>
                     </a:ext>
                   </a:extLst>
                 </a:gridCol>
-                <a:gridCol w="920578">
+                <a:gridCol w="863600">
                   <a:extLst>
                     <a:ext uri="{9D8B030D-6E8A-4147-A177-3AD203B41FA5}">
-                      <a16:colId xmlns:a16="http://schemas.microsoft.com/office/drawing/2014/main" val="3388008410"/>
+                      <a16:colId xmlns:a16="http://schemas.microsoft.com/office/drawing/2014/main" val="533322683"/>
                     </a:ext>
                   </a:extLst>
                 </a:gridCol>
-                <a:gridCol w="864973">
+                <a:gridCol w="800100">
                   <a:extLst>
                     <a:ext uri="{9D8B030D-6E8A-4147-A177-3AD203B41FA5}">
-                      <a16:colId xmlns:a16="http://schemas.microsoft.com/office/drawing/2014/main" val="3826544173"/>
+                      <a16:colId xmlns:a16="http://schemas.microsoft.com/office/drawing/2014/main" val="189728945"/>
                     </a:ext>
                   </a:extLst>
                 </a:gridCol>
-                <a:gridCol w="710514">
+                <a:gridCol w="787400">
                   <a:extLst>
                     <a:ext uri="{9D8B030D-6E8A-4147-A177-3AD203B41FA5}">
-                      <a16:colId xmlns:a16="http://schemas.microsoft.com/office/drawing/2014/main" val="2915822132"/>
+                      <a16:colId xmlns:a16="http://schemas.microsoft.com/office/drawing/2014/main" val="3095115927"/>
                     </a:ext>
                   </a:extLst>
                 </a:gridCol>
-                <a:gridCol w="654908">
+                <a:gridCol w="444500">
                   <a:extLst>
                     <a:ext uri="{9D8B030D-6E8A-4147-A177-3AD203B41FA5}">
-                      <a16:colId xmlns:a16="http://schemas.microsoft.com/office/drawing/2014/main" val="273147206"/>
+                      <a16:colId xmlns:a16="http://schemas.microsoft.com/office/drawing/2014/main" val="1326286061"/>
                     </a:ext>
                   </a:extLst>
                 </a:gridCol>
-                <a:gridCol w="778476">
+                <a:gridCol w="825500">
                   <a:extLst>
                     <a:ext uri="{9D8B030D-6E8A-4147-A177-3AD203B41FA5}">
-                      <a16:colId xmlns:a16="http://schemas.microsoft.com/office/drawing/2014/main" val="1568693542"/>
+                      <a16:colId xmlns:a16="http://schemas.microsoft.com/office/drawing/2014/main" val="1670131594"/>
                     </a:ext>
                   </a:extLst>
                 </a:gridCol>
               </a:tblGrid>
-              <a:tr h="274617">
+              <a:tr h="447675">
                 <a:tc>
                   <a:txBody>
                     <a:bodyPr/>
                     <a:lstStyle/>
                     <a:p>
                       <a:pPr algn="ctr" rtl="0" fontAlgn="ctr"/>
-                      <a:endParaRPr lang="en-GB" sz="800" b="0" i="0" u="none" strike="noStrike">
-                        <a:solidFill>
-                          <a:srgbClr val="000000"/>
-                        </a:solidFill>
+                      <a:endParaRPr lang="it-IT" sz="1000">
                         <a:effectLst/>
                         <a:latin typeface="Arial" panose="020B0604020202020204" pitchFamily="34" charset="0"/>
                       </a:endParaRPr>
                     </a:p>
                   </a:txBody>
-                  <a:tcPr marL="4886" marR="4886" marT="4886" marB="35182" anchor="ctr">
+                  <a:tcPr marL="9525" marR="9525" marT="9525" anchor="ctr">
                     <a:lnL w="6350" cap="flat" cmpd="sng" algn="ctr">
                       <a:solidFill>
                         <a:srgbClr val="000000"/>
@@ -14359,10 +14786,7 @@
                     <a:p>
                       <a:pPr algn="ctr" rtl="0" fontAlgn="ctr"/>
                       <a:r>
-                        <a:rPr lang="en-GB" sz="800" b="0" i="0" u="none" strike="noStrike">
-                          <a:solidFill>
-                            <a:srgbClr val="000000"/>
-                          </a:solidFill>
+                        <a:rPr lang="it-IT" sz="1000">
                           <a:effectLst/>
                           <a:latin typeface="Arial" panose="020B0604020202020204" pitchFamily="34" charset="0"/>
                         </a:rPr>
@@ -14370,7 +14794,7 @@
                       </a:r>
                     </a:p>
                   </a:txBody>
-                  <a:tcPr marL="4886" marR="4886" marT="4886" marB="35182" anchor="ctr">
+                  <a:tcPr marL="9525" marR="9525" marT="9525" anchor="ctr">
                     <a:lnL w="6350" cap="flat" cmpd="sng" algn="ctr">
                       <a:solidFill>
                         <a:srgbClr val="000000"/>
@@ -14419,10 +14843,7 @@
                     <a:p>
                       <a:pPr algn="ctr" rtl="0" fontAlgn="ctr"/>
                       <a:r>
-                        <a:rPr lang="en-GB" sz="800" b="0" i="0" u="none" strike="noStrike">
-                          <a:solidFill>
-                            <a:srgbClr val="000000"/>
-                          </a:solidFill>
+                        <a:rPr lang="it-IT" sz="1000">
                           <a:effectLst/>
                           <a:latin typeface="Arial" panose="020B0604020202020204" pitchFamily="34" charset="0"/>
                         </a:rPr>
@@ -14430,7 +14851,7 @@
                       </a:r>
                     </a:p>
                   </a:txBody>
-                  <a:tcPr marL="4886" marR="4886" marT="4886" marB="35182" anchor="ctr">
+                  <a:tcPr marL="9525" marR="9525" marT="9525" anchor="ctr">
                     <a:lnL w="6350" cap="flat" cmpd="sng" algn="ctr">
                       <a:solidFill>
                         <a:srgbClr val="000000"/>
@@ -14479,31 +14900,15 @@
                     <a:p>
                       <a:pPr algn="ctr" rtl="0" fontAlgn="ctr"/>
                       <a:r>
-                        <a:rPr lang="en-GB" sz="800" b="0" i="0" u="none" strike="noStrike" dirty="0">
-                          <a:solidFill>
-                            <a:srgbClr val="000000"/>
-                          </a:solidFill>
+                        <a:rPr lang="it-IT" sz="1000">
                           <a:effectLst/>
                           <a:latin typeface="Arial" panose="020B0604020202020204" pitchFamily="34" charset="0"/>
                         </a:rPr>
-                        <a:t>Analysis and </a:t>
-                      </a:r>
-                    </a:p>
-                    <a:p>
-                      <a:pPr algn="ctr" rtl="0" fontAlgn="ctr"/>
-                      <a:r>
-                        <a:rPr lang="en-GB" sz="800" b="0" i="0" u="none" strike="noStrike" dirty="0">
-                          <a:solidFill>
-                            <a:srgbClr val="000000"/>
-                          </a:solidFill>
-                          <a:effectLst/>
-                          <a:latin typeface="Arial" panose="020B0604020202020204" pitchFamily="34" charset="0"/>
-                        </a:rPr>
-                        <a:t>design</a:t>
+                        <a:t>Analysis and design</a:t>
                       </a:r>
                     </a:p>
                   </a:txBody>
-                  <a:tcPr marL="4886" marR="4886" marT="4886" marB="35182" anchor="ctr">
+                  <a:tcPr marL="9525" marR="9525" marT="9525" anchor="ctr">
                     <a:lnL w="6350" cap="flat" cmpd="sng" algn="ctr">
                       <a:solidFill>
                         <a:srgbClr val="000000"/>
@@ -14552,10 +14957,7 @@
                     <a:p>
                       <a:pPr algn="ctr" rtl="0" fontAlgn="ctr"/>
                       <a:r>
-                        <a:rPr lang="en-GB" sz="800" b="0" i="0" u="none" strike="noStrike">
-                          <a:solidFill>
-                            <a:srgbClr val="000000"/>
-                          </a:solidFill>
+                        <a:rPr lang="it-IT" sz="1000">
                           <a:effectLst/>
                           <a:latin typeface="Arial" panose="020B0604020202020204" pitchFamily="34" charset="0"/>
                         </a:rPr>
@@ -14563,7 +14965,7 @@
                       </a:r>
                     </a:p>
                   </a:txBody>
-                  <a:tcPr marL="4886" marR="4886" marT="4886" marB="35182" anchor="ctr">
+                  <a:tcPr marL="9525" marR="9525" marT="9525" anchor="ctr">
                     <a:lnL w="6350" cap="flat" cmpd="sng" algn="ctr">
                       <a:solidFill>
                         <a:srgbClr val="000000"/>
@@ -14612,10 +15014,7 @@
                     <a:p>
                       <a:pPr algn="ctr" rtl="0" fontAlgn="ctr"/>
                       <a:r>
-                        <a:rPr lang="en-GB" sz="800" b="0" i="0" u="none" strike="noStrike">
-                          <a:solidFill>
-                            <a:srgbClr val="000000"/>
-                          </a:solidFill>
+                        <a:rPr lang="it-IT" sz="1000">
                           <a:effectLst/>
                           <a:latin typeface="Arial" panose="020B0604020202020204" pitchFamily="34" charset="0"/>
                         </a:rPr>
@@ -14623,7 +15022,7 @@
                       </a:r>
                     </a:p>
                   </a:txBody>
-                  <a:tcPr marL="4886" marR="4886" marT="4886" marB="35182" anchor="ctr">
+                  <a:tcPr marL="9525" marR="9525" marT="9525" anchor="ctr">
                     <a:lnL w="6350" cap="flat" cmpd="sng" algn="ctr">
                       <a:solidFill>
                         <a:srgbClr val="000000"/>
@@ -14672,10 +15071,7 @@
                     <a:p>
                       <a:pPr algn="ctr" rtl="0" fontAlgn="ctr"/>
                       <a:r>
-                        <a:rPr lang="en-GB" sz="800" b="0" i="0" u="none" strike="noStrike">
-                          <a:solidFill>
-                            <a:srgbClr val="000000"/>
-                          </a:solidFill>
+                        <a:rPr lang="it-IT" sz="1000">
                           <a:effectLst/>
                           <a:latin typeface="Arial" panose="020B0604020202020204" pitchFamily="34" charset="0"/>
                         </a:rPr>
@@ -14683,7 +15079,7 @@
                       </a:r>
                     </a:p>
                   </a:txBody>
-                  <a:tcPr marL="4886" marR="4886" marT="4886" marB="35182" anchor="ctr">
+                  <a:tcPr marL="9525" marR="9525" marT="9525" anchor="ctr">
                     <a:lnL w="6350" cap="flat" cmpd="sng" algn="ctr">
                       <a:solidFill>
                         <a:srgbClr val="000000"/>
@@ -14732,31 +15128,15 @@
                     <a:p>
                       <a:pPr algn="ctr" rtl="0" fontAlgn="ctr"/>
                       <a:r>
-                        <a:rPr lang="en-GB" sz="800" b="0" i="0" u="none" strike="noStrike" dirty="0">
-                          <a:solidFill>
-                            <a:srgbClr val="000000"/>
-                          </a:solidFill>
+                        <a:rPr lang="it-IT" sz="1000">
                           <a:effectLst/>
                           <a:latin typeface="Arial" panose="020B0604020202020204" pitchFamily="34" charset="0"/>
                         </a:rPr>
-                        <a:t>Configuration</a:t>
-                      </a:r>
-                    </a:p>
-                    <a:p>
-                      <a:pPr algn="ctr" rtl="0" fontAlgn="ctr"/>
-                      <a:r>
-                        <a:rPr lang="en-GB" sz="800" b="0" i="0" u="none" strike="noStrike" dirty="0">
-                          <a:solidFill>
-                            <a:srgbClr val="000000"/>
-                          </a:solidFill>
-                          <a:effectLst/>
-                          <a:latin typeface="Arial" panose="020B0604020202020204" pitchFamily="34" charset="0"/>
-                        </a:rPr>
-                        <a:t>management</a:t>
+                        <a:t>Configuration management</a:t>
                       </a:r>
                     </a:p>
                   </a:txBody>
-                  <a:tcPr marL="4886" marR="4886" marT="4886" marB="35182" anchor="ctr">
+                  <a:tcPr marL="9525" marR="9525" marT="9525" anchor="ctr">
                     <a:lnL w="6350" cap="flat" cmpd="sng" algn="ctr">
                       <a:solidFill>
                         <a:srgbClr val="000000"/>
@@ -14805,31 +15185,15 @@
                     <a:p>
                       <a:pPr algn="ctr" rtl="0" fontAlgn="ctr"/>
                       <a:r>
-                        <a:rPr lang="en-GB" sz="800" b="0" i="0" u="none" strike="noStrike" dirty="0">
-                          <a:solidFill>
-                            <a:srgbClr val="000000"/>
-                          </a:solidFill>
+                        <a:rPr lang="it-IT" sz="1000">
                           <a:effectLst/>
                           <a:latin typeface="Arial" panose="020B0604020202020204" pitchFamily="34" charset="0"/>
                         </a:rPr>
-                        <a:t>Project</a:t>
-                      </a:r>
-                    </a:p>
-                    <a:p>
-                      <a:pPr algn="ctr" rtl="0" fontAlgn="ctr"/>
-                      <a:r>
-                        <a:rPr lang="en-GB" sz="800" b="0" i="0" u="none" strike="noStrike" dirty="0">
-                          <a:solidFill>
-                            <a:srgbClr val="000000"/>
-                          </a:solidFill>
-                          <a:effectLst/>
-                          <a:latin typeface="Arial" panose="020B0604020202020204" pitchFamily="34" charset="0"/>
-                        </a:rPr>
-                        <a:t>management</a:t>
+                        <a:t>Project management</a:t>
                       </a:r>
                     </a:p>
                   </a:txBody>
-                  <a:tcPr marL="4886" marR="4886" marT="4886" marB="35182" anchor="ctr">
+                  <a:tcPr marL="9525" marR="9525" marT="9525" anchor="ctr">
                     <a:lnL w="6350" cap="flat" cmpd="sng" algn="ctr">
                       <a:solidFill>
                         <a:srgbClr val="000000"/>
@@ -14878,10 +15242,7 @@
                     <a:p>
                       <a:pPr algn="ctr" rtl="0" fontAlgn="ctr"/>
                       <a:r>
-                        <a:rPr lang="en-GB" sz="800" b="0" i="0" u="none" strike="noStrike">
-                          <a:solidFill>
-                            <a:srgbClr val="000000"/>
-                          </a:solidFill>
+                        <a:rPr lang="it-IT" sz="1000">
                           <a:effectLst/>
                           <a:latin typeface="Arial" panose="020B0604020202020204" pitchFamily="34" charset="0"/>
                         </a:rPr>
@@ -14889,7 +15250,7 @@
                       </a:r>
                     </a:p>
                   </a:txBody>
-                  <a:tcPr marL="4886" marR="4886" marT="4886" marB="35182" anchor="ctr">
+                  <a:tcPr marL="9525" marR="9525" marT="9525" anchor="ctr">
                     <a:lnL w="6350" cap="flat" cmpd="sng" algn="ctr">
                       <a:solidFill>
                         <a:srgbClr val="000000"/>
@@ -14938,25 +15299,15 @@
                     <a:p>
                       <a:pPr algn="ctr" rtl="0" fontAlgn="ctr"/>
                       <a:r>
-                        <a:rPr lang="en-GB" sz="800" b="0" i="0" u="none" strike="noStrike" dirty="0" err="1">
-                          <a:solidFill>
-                            <a:srgbClr val="000000"/>
-                          </a:solidFill>
+                        <a:rPr lang="it-IT" sz="1000">
                           <a:effectLst/>
                           <a:latin typeface="Arial" panose="020B0604020202020204" pitchFamily="34" charset="0"/>
                         </a:rPr>
                         <a:t>Totale</a:t>
                       </a:r>
-                      <a:endParaRPr lang="en-GB" sz="800" b="0" i="0" u="none" strike="noStrike" dirty="0">
-                        <a:solidFill>
-                          <a:srgbClr val="000000"/>
-                        </a:solidFill>
-                        <a:effectLst/>
-                        <a:latin typeface="Arial" panose="020B0604020202020204" pitchFamily="34" charset="0"/>
-                      </a:endParaRPr>
                     </a:p>
                   </a:txBody>
-                  <a:tcPr marL="4886" marR="4886" marT="4886" marB="35182" anchor="ctr">
+                  <a:tcPr marL="9525" marR="9525" marT="9525" anchor="ctr">
                     <a:lnL w="6350" cap="flat" cmpd="sng" algn="ctr">
                       <a:solidFill>
                         <a:srgbClr val="000000"/>
@@ -15005,25 +15356,15 @@
                     <a:p>
                       <a:pPr algn="ctr" rtl="0" fontAlgn="ctr"/>
                       <a:r>
-                        <a:rPr lang="en-GB" sz="800" b="0" i="0" u="none" strike="noStrike" dirty="0" err="1">
-                          <a:solidFill>
-                            <a:srgbClr val="000000"/>
-                          </a:solidFill>
+                        <a:rPr lang="it-IT" sz="1000">
                           <a:effectLst/>
                           <a:latin typeface="Arial" panose="020B0604020202020204" pitchFamily="34" charset="0"/>
                         </a:rPr>
                         <a:t>Percentuale</a:t>
                       </a:r>
-                      <a:endParaRPr lang="en-GB" sz="800" b="0" i="0" u="none" strike="noStrike" dirty="0">
-                        <a:solidFill>
-                          <a:srgbClr val="000000"/>
-                        </a:solidFill>
-                        <a:effectLst/>
-                        <a:latin typeface="Arial" panose="020B0604020202020204" pitchFamily="34" charset="0"/>
-                      </a:endParaRPr>
                     </a:p>
                   </a:txBody>
-                  <a:tcPr marL="4886" marR="4886" marT="4886" marB="35182" anchor="ctr">
+                  <a:tcPr marL="9525" marR="9525" marT="9525" anchor="ctr">
                     <a:lnL w="6350" cap="flat" cmpd="sng" algn="ctr">
                       <a:solidFill>
                         <a:srgbClr val="000000"/>
@@ -15067,22 +15408,19 @@
                 </a:tc>
                 <a:extLst>
                   <a:ext uri="{0D108BD9-81ED-4DB2-BD59-A6C34878D82A}">
-                    <a16:rowId xmlns:a16="http://schemas.microsoft.com/office/drawing/2014/main" val="3944852800"/>
+                    <a16:rowId xmlns:a16="http://schemas.microsoft.com/office/drawing/2014/main" val="4147540676"/>
                   </a:ext>
                 </a:extLst>
               </a:tr>
-              <a:tr h="157343">
+              <a:tr h="190500">
                 <a:tc>
                   <a:txBody>
                     <a:bodyPr/>
                     <a:lstStyle/>
                     <a:p>
-                      <a:pPr algn="l" rtl="0" fontAlgn="ctr"/>
+                      <a:pPr rtl="0" fontAlgn="ctr"/>
                       <a:r>
-                        <a:rPr lang="en-GB" sz="800" b="0" i="0" u="none" strike="noStrike">
-                          <a:solidFill>
-                            <a:srgbClr val="000000"/>
-                          </a:solidFill>
+                        <a:rPr lang="it-IT" sz="1000">
                           <a:effectLst/>
                           <a:latin typeface="Arial" panose="020B0604020202020204" pitchFamily="34" charset="0"/>
                         </a:rPr>
@@ -15090,7 +15428,7 @@
                       </a:r>
                     </a:p>
                   </a:txBody>
-                  <a:tcPr marL="4886" marR="4886" marT="4886" marB="35182" anchor="ctr">
+                  <a:tcPr marL="9525" marR="9525" marT="9525" anchor="ctr">
                     <a:lnL w="6350" cap="flat" cmpd="sng" algn="ctr">
                       <a:solidFill>
                         <a:srgbClr val="000000"/>
@@ -15137,17 +15475,14 @@
                     <a:bodyPr/>
                     <a:lstStyle/>
                     <a:p>
-                      <a:pPr algn="l" rtl="0" fontAlgn="ctr"/>
-                      <a:endParaRPr lang="en-GB" sz="800" b="0" i="0" u="none" strike="noStrike">
-                        <a:solidFill>
-                          <a:srgbClr val="000000"/>
-                        </a:solidFill>
+                      <a:pPr rtl="0" fontAlgn="ctr"/>
+                      <a:endParaRPr lang="it-IT" sz="1000">
                         <a:effectLst/>
                         <a:latin typeface="Arial" panose="020B0604020202020204" pitchFamily="34" charset="0"/>
                       </a:endParaRPr>
                     </a:p>
                   </a:txBody>
-                  <a:tcPr marL="4886" marR="4886" marT="4886" marB="35182" anchor="ctr">
+                  <a:tcPr marL="9525" marR="9525" marT="9525" anchor="ctr">
                     <a:lnL w="6350" cap="flat" cmpd="sng" algn="ctr">
                       <a:solidFill>
                         <a:srgbClr val="000000"/>
@@ -15192,17 +15527,14 @@
                     <a:bodyPr/>
                     <a:lstStyle/>
                     <a:p>
-                      <a:pPr algn="l" rtl="0" fontAlgn="ctr"/>
-                      <a:endParaRPr lang="en-GB" sz="800" b="0" i="0" u="none" strike="noStrike">
-                        <a:solidFill>
-                          <a:srgbClr val="000000"/>
-                        </a:solidFill>
+                      <a:pPr rtl="0" fontAlgn="ctr"/>
+                      <a:endParaRPr lang="it-IT" sz="1000">
                         <a:effectLst/>
                         <a:latin typeface="Arial" panose="020B0604020202020204" pitchFamily="34" charset="0"/>
                       </a:endParaRPr>
                     </a:p>
                   </a:txBody>
-                  <a:tcPr marL="4886" marR="4886" marT="4886" marB="35182" anchor="ctr">
+                  <a:tcPr marL="9525" marR="9525" marT="9525" anchor="ctr">
                     <a:lnL w="6350" cap="flat" cmpd="sng" algn="ctr">
                       <a:solidFill>
                         <a:srgbClr val="000000"/>
@@ -15249,18 +15581,15 @@
                     <a:p>
                       <a:pPr algn="r" rtl="0" fontAlgn="ctr"/>
                       <a:r>
-                        <a:rPr lang="en-GB" sz="800" b="0" i="0" u="none" strike="noStrike">
-                          <a:solidFill>
-                            <a:srgbClr val="000000"/>
-                          </a:solidFill>
+                        <a:rPr lang="it-IT" sz="1000">
                           <a:effectLst/>
                           <a:latin typeface="Arial" panose="020B0604020202020204" pitchFamily="34" charset="0"/>
                         </a:rPr>
-                        <a:t>7</a:t>
+                        <a:t>3</a:t>
                       </a:r>
                     </a:p>
                   </a:txBody>
-                  <a:tcPr marL="4886" marR="4886" marT="4886" marB="35182" anchor="ctr">
+                  <a:tcPr marL="9525" marR="9525" marT="9525" anchor="ctr">
                     <a:lnL w="6350" cap="flat" cmpd="sng" algn="ctr">
                       <a:solidFill>
                         <a:srgbClr val="000000"/>
@@ -15307,128 +15636,15 @@
                     <a:p>
                       <a:pPr algn="r" rtl="0" fontAlgn="ctr"/>
                       <a:r>
-                        <a:rPr lang="en-GB" sz="800" b="0" i="0" u="none" strike="noStrike">
-                          <a:solidFill>
-                            <a:srgbClr val="000000"/>
-                          </a:solidFill>
+                        <a:rPr lang="it-IT" sz="1000">
                           <a:effectLst/>
                           <a:latin typeface="Arial" panose="020B0604020202020204" pitchFamily="34" charset="0"/>
                         </a:rPr>
-                        <a:t>22</a:t>
+                        <a:t>10</a:t>
                       </a:r>
                     </a:p>
                   </a:txBody>
-                  <a:tcPr marL="4886" marR="4886" marT="4886" marB="35182" anchor="ctr">
-                    <a:lnL w="6350" cap="flat" cmpd="sng" algn="ctr">
-                      <a:solidFill>
-                        <a:srgbClr val="000000"/>
-                      </a:solidFill>
-                      <a:prstDash val="solid"/>
-                      <a:round/>
-                      <a:headEnd type="none" w="med" len="med"/>
-                      <a:tailEnd type="none" w="med" len="med"/>
-                    </a:lnL>
-                    <a:lnR w="6350" cap="flat" cmpd="sng" algn="ctr">
-                      <a:solidFill>
-                        <a:srgbClr val="000000"/>
-                      </a:solidFill>
-                      <a:prstDash val="solid"/>
-                      <a:round/>
-                      <a:headEnd type="none" w="med" len="med"/>
-                      <a:tailEnd type="none" w="med" len="med"/>
-                    </a:lnR>
-                    <a:lnT w="6350" cap="flat" cmpd="sng" algn="ctr">
-                      <a:solidFill>
-                        <a:srgbClr val="000000"/>
-                      </a:solidFill>
-                      <a:prstDash val="solid"/>
-                      <a:round/>
-                      <a:headEnd type="none" w="med" len="med"/>
-                      <a:tailEnd type="none" w="med" len="med"/>
-                    </a:lnT>
-                    <a:lnB w="6350" cap="flat" cmpd="sng" algn="ctr">
-                      <a:solidFill>
-                        <a:srgbClr val="000000"/>
-                      </a:solidFill>
-                      <a:prstDash val="solid"/>
-                      <a:round/>
-                      <a:headEnd type="none" w="med" len="med"/>
-                      <a:tailEnd type="none" w="med" len="med"/>
-                    </a:lnB>
-                    <a:noFill/>
-                  </a:tcPr>
-                </a:tc>
-                <a:tc>
-                  <a:txBody>
-                    <a:bodyPr/>
-                    <a:lstStyle/>
-                    <a:p>
-                      <a:pPr algn="l" rtl="0" fontAlgn="ctr"/>
-                      <a:endParaRPr lang="en-GB" sz="800" b="0" i="0" u="none" strike="noStrike">
-                        <a:solidFill>
-                          <a:srgbClr val="000000"/>
-                        </a:solidFill>
-                        <a:effectLst/>
-                        <a:latin typeface="Arial" panose="020B0604020202020204" pitchFamily="34" charset="0"/>
-                      </a:endParaRPr>
-                    </a:p>
-                  </a:txBody>
-                  <a:tcPr marL="4886" marR="4886" marT="4886" marB="35182" anchor="ctr">
-                    <a:lnL w="6350" cap="flat" cmpd="sng" algn="ctr">
-                      <a:solidFill>
-                        <a:srgbClr val="000000"/>
-                      </a:solidFill>
-                      <a:prstDash val="solid"/>
-                      <a:round/>
-                      <a:headEnd type="none" w="med" len="med"/>
-                      <a:tailEnd type="none" w="med" len="med"/>
-                    </a:lnL>
-                    <a:lnR w="6350" cap="flat" cmpd="sng" algn="ctr">
-                      <a:solidFill>
-                        <a:srgbClr val="000000"/>
-                      </a:solidFill>
-                      <a:prstDash val="solid"/>
-                      <a:round/>
-                      <a:headEnd type="none" w="med" len="med"/>
-                      <a:tailEnd type="none" w="med" len="med"/>
-                    </a:lnR>
-                    <a:lnT w="6350" cap="flat" cmpd="sng" algn="ctr">
-                      <a:solidFill>
-                        <a:srgbClr val="000000"/>
-                      </a:solidFill>
-                      <a:prstDash val="solid"/>
-                      <a:round/>
-                      <a:headEnd type="none" w="med" len="med"/>
-                      <a:tailEnd type="none" w="med" len="med"/>
-                    </a:lnT>
-                    <a:lnB w="6350" cap="flat" cmpd="sng" algn="ctr">
-                      <a:solidFill>
-                        <a:srgbClr val="000000"/>
-                      </a:solidFill>
-                      <a:prstDash val="solid"/>
-                      <a:round/>
-                      <a:headEnd type="none" w="med" len="med"/>
-                      <a:tailEnd type="none" w="med" len="med"/>
-                    </a:lnB>
-                    <a:noFill/>
-                  </a:tcPr>
-                </a:tc>
-                <a:tc>
-                  <a:txBody>
-                    <a:bodyPr/>
-                    <a:lstStyle/>
-                    <a:p>
-                      <a:pPr algn="l" rtl="0" fontAlgn="ctr"/>
-                      <a:endParaRPr lang="en-GB" sz="800" b="0" i="0" u="none" strike="noStrike">
-                        <a:solidFill>
-                          <a:srgbClr val="000000"/>
-                        </a:solidFill>
-                        <a:effectLst/>
-                        <a:latin typeface="Arial" panose="020B0604020202020204" pitchFamily="34" charset="0"/>
-                      </a:endParaRPr>
-                    </a:p>
-                  </a:txBody>
-                  <a:tcPr marL="4886" marR="4886" marT="4886" marB="35182" anchor="ctr">
+                  <a:tcPr marL="9525" marR="9525" marT="9525" anchor="ctr">
                     <a:lnL w="6350" cap="flat" cmpd="sng" algn="ctr">
                       <a:solidFill>
                         <a:srgbClr val="000000"/>
@@ -15475,18 +15691,67 @@
                     <a:p>
                       <a:pPr algn="r" rtl="0" fontAlgn="ctr"/>
                       <a:r>
-                        <a:rPr lang="en-GB" sz="800" b="0" i="0" u="none" strike="noStrike">
-                          <a:solidFill>
-                            <a:srgbClr val="000000"/>
-                          </a:solidFill>
+                        <a:rPr lang="it-IT" sz="1000">
                           <a:effectLst/>
                           <a:latin typeface="Arial" panose="020B0604020202020204" pitchFamily="34" charset="0"/>
                         </a:rPr>
-                        <a:t>9</a:t>
+                        <a:t>2</a:t>
                       </a:r>
                     </a:p>
                   </a:txBody>
-                  <a:tcPr marL="4886" marR="4886" marT="4886" marB="35182" anchor="ctr">
+                  <a:tcPr marL="9525" marR="9525" marT="9525" anchor="ctr">
+                    <a:lnL w="6350" cap="flat" cmpd="sng" algn="ctr">
+                      <a:solidFill>
+                        <a:srgbClr val="000000"/>
+                      </a:solidFill>
+                      <a:prstDash val="solid"/>
+                      <a:round/>
+                      <a:headEnd type="none" w="med" len="med"/>
+                      <a:tailEnd type="none" w="med" len="med"/>
+                    </a:lnL>
+                    <a:lnR w="6350" cap="flat" cmpd="sng" algn="ctr">
+                      <a:solidFill>
+                        <a:srgbClr val="000000"/>
+                      </a:solidFill>
+                      <a:prstDash val="solid"/>
+                      <a:round/>
+                      <a:headEnd type="none" w="med" len="med"/>
+                      <a:tailEnd type="none" w="med" len="med"/>
+                    </a:lnR>
+                    <a:lnT w="6350" cap="flat" cmpd="sng" algn="ctr">
+                      <a:solidFill>
+                        <a:srgbClr val="000000"/>
+                      </a:solidFill>
+                      <a:prstDash val="solid"/>
+                      <a:round/>
+                      <a:headEnd type="none" w="med" len="med"/>
+                      <a:tailEnd type="none" w="med" len="med"/>
+                    </a:lnT>
+                    <a:lnB w="6350" cap="flat" cmpd="sng" algn="ctr">
+                      <a:solidFill>
+                        <a:srgbClr val="000000"/>
+                      </a:solidFill>
+                      <a:prstDash val="solid"/>
+                      <a:round/>
+                      <a:headEnd type="none" w="med" len="med"/>
+                      <a:tailEnd type="none" w="med" len="med"/>
+                    </a:lnB>
+                    <a:noFill/>
+                  </a:tcPr>
+                </a:tc>
+                <a:tc>
+                  <a:txBody>
+                    <a:bodyPr/>
+                    <a:lstStyle/>
+                    <a:p>
+                      <a:pPr rtl="0" fontAlgn="ctr"/>
+                      <a:endParaRPr lang="it-IT" sz="1000">
+                        <a:effectLst/>
+                        <a:latin typeface="Arial" panose="020B0604020202020204" pitchFamily="34" charset="0"/>
+                      </a:endParaRPr>
+                    </a:p>
+                  </a:txBody>
+                  <a:tcPr marL="9525" marR="9525" marT="9525" anchor="ctr">
                     <a:lnL w="6350" cap="flat" cmpd="sng" algn="ctr">
                       <a:solidFill>
                         <a:srgbClr val="000000"/>
@@ -15533,73 +15798,15 @@
                     <a:p>
                       <a:pPr algn="r" rtl="0" fontAlgn="ctr"/>
                       <a:r>
-                        <a:rPr lang="en-GB" sz="800" b="0" i="0" u="none" strike="noStrike">
-                          <a:solidFill>
-                            <a:srgbClr val="000000"/>
-                          </a:solidFill>
+                        <a:rPr lang="it-IT" sz="1000">
                           <a:effectLst/>
                           <a:latin typeface="Arial" panose="020B0604020202020204" pitchFamily="34" charset="0"/>
                         </a:rPr>
-                        <a:t>4</a:t>
+                        <a:t>2</a:t>
                       </a:r>
                     </a:p>
                   </a:txBody>
-                  <a:tcPr marL="4886" marR="4886" marT="4886" marB="35182" anchor="ctr">
-                    <a:lnL w="6350" cap="flat" cmpd="sng" algn="ctr">
-                      <a:solidFill>
-                        <a:srgbClr val="000000"/>
-                      </a:solidFill>
-                      <a:prstDash val="solid"/>
-                      <a:round/>
-                      <a:headEnd type="none" w="med" len="med"/>
-                      <a:tailEnd type="none" w="med" len="med"/>
-                    </a:lnL>
-                    <a:lnR w="6350" cap="flat" cmpd="sng" algn="ctr">
-                      <a:solidFill>
-                        <a:srgbClr val="000000"/>
-                      </a:solidFill>
-                      <a:prstDash val="solid"/>
-                      <a:round/>
-                      <a:headEnd type="none" w="med" len="med"/>
-                      <a:tailEnd type="none" w="med" len="med"/>
-                    </a:lnR>
-                    <a:lnT w="6350" cap="flat" cmpd="sng" algn="ctr">
-                      <a:solidFill>
-                        <a:srgbClr val="000000"/>
-                      </a:solidFill>
-                      <a:prstDash val="solid"/>
-                      <a:round/>
-                      <a:headEnd type="none" w="med" len="med"/>
-                      <a:tailEnd type="none" w="med" len="med"/>
-                    </a:lnT>
-                    <a:lnB w="6350" cap="flat" cmpd="sng" algn="ctr">
-                      <a:solidFill>
-                        <a:srgbClr val="000000"/>
-                      </a:solidFill>
-                      <a:prstDash val="solid"/>
-                      <a:round/>
-                      <a:headEnd type="none" w="med" len="med"/>
-                      <a:tailEnd type="none" w="med" len="med"/>
-                    </a:lnB>
-                    <a:noFill/>
-                  </a:tcPr>
-                </a:tc>
-                <a:tc>
-                  <a:txBody>
-                    <a:bodyPr/>
-                    <a:lstStyle/>
-                    <a:p>
-                      <a:pPr algn="l" rtl="0" fontAlgn="ctr"/>
-                      <a:endParaRPr lang="en-GB" sz="800" b="0" i="0" u="none" strike="noStrike">
-                        <a:solidFill>
-                          <a:srgbClr val="000000"/>
-                        </a:solidFill>
-                        <a:effectLst/>
-                        <a:latin typeface="Arial" panose="020B0604020202020204" pitchFamily="34" charset="0"/>
-                      </a:endParaRPr>
-                    </a:p>
-                  </a:txBody>
-                  <a:tcPr marL="4886" marR="4886" marT="4886" marB="35182" anchor="ctr">
+                  <a:tcPr marL="9525" marR="9525" marT="9525" anchor="ctr">
                     <a:lnL w="6350" cap="flat" cmpd="sng" algn="ctr">
                       <a:solidFill>
                         <a:srgbClr val="000000"/>
@@ -15646,18 +15853,778 @@
                     <a:p>
                       <a:pPr algn="r" rtl="0" fontAlgn="ctr"/>
                       <a:r>
-                        <a:rPr lang="en-GB" sz="800" b="0" i="0" u="none" strike="noStrike">
-                          <a:solidFill>
-                            <a:srgbClr val="000000"/>
-                          </a:solidFill>
+                        <a:rPr lang="it-IT" sz="1000">
                           <a:effectLst/>
                           <a:latin typeface="Arial" panose="020B0604020202020204" pitchFamily="34" charset="0"/>
                         </a:rPr>
-                        <a:t>42</a:t>
+                        <a:t>1,5</a:t>
                       </a:r>
                     </a:p>
                   </a:txBody>
-                  <a:tcPr marL="4886" marR="4886" marT="4886" marB="35182" anchor="ctr">
+                  <a:tcPr marL="9525" marR="9525" marT="9525" anchor="ctr">
+                    <a:lnL w="6350" cap="flat" cmpd="sng" algn="ctr">
+                      <a:solidFill>
+                        <a:srgbClr val="000000"/>
+                      </a:solidFill>
+                      <a:prstDash val="solid"/>
+                      <a:round/>
+                      <a:headEnd type="none" w="med" len="med"/>
+                      <a:tailEnd type="none" w="med" len="med"/>
+                    </a:lnL>
+                    <a:lnR w="6350" cap="flat" cmpd="sng" algn="ctr">
+                      <a:solidFill>
+                        <a:srgbClr val="000000"/>
+                      </a:solidFill>
+                      <a:prstDash val="solid"/>
+                      <a:round/>
+                      <a:headEnd type="none" w="med" len="med"/>
+                      <a:tailEnd type="none" w="med" len="med"/>
+                    </a:lnR>
+                    <a:lnT w="6350" cap="flat" cmpd="sng" algn="ctr">
+                      <a:solidFill>
+                        <a:srgbClr val="000000"/>
+                      </a:solidFill>
+                      <a:prstDash val="solid"/>
+                      <a:round/>
+                      <a:headEnd type="none" w="med" len="med"/>
+                      <a:tailEnd type="none" w="med" len="med"/>
+                    </a:lnT>
+                    <a:lnB w="6350" cap="flat" cmpd="sng" algn="ctr">
+                      <a:solidFill>
+                        <a:srgbClr val="000000"/>
+                      </a:solidFill>
+                      <a:prstDash val="solid"/>
+                      <a:round/>
+                      <a:headEnd type="none" w="med" len="med"/>
+                      <a:tailEnd type="none" w="med" len="med"/>
+                    </a:lnB>
+                    <a:noFill/>
+                  </a:tcPr>
+                </a:tc>
+                <a:tc>
+                  <a:txBody>
+                    <a:bodyPr/>
+                    <a:lstStyle/>
+                    <a:p>
+                      <a:pPr rtl="0" fontAlgn="ctr"/>
+                      <a:endParaRPr lang="it-IT" sz="1000">
+                        <a:effectLst/>
+                        <a:latin typeface="Arial" panose="020B0604020202020204" pitchFamily="34" charset="0"/>
+                      </a:endParaRPr>
+                    </a:p>
+                  </a:txBody>
+                  <a:tcPr marL="9525" marR="9525" marT="9525" anchor="ctr">
+                    <a:lnL w="6350" cap="flat" cmpd="sng" algn="ctr">
+                      <a:solidFill>
+                        <a:srgbClr val="000000"/>
+                      </a:solidFill>
+                      <a:prstDash val="solid"/>
+                      <a:round/>
+                      <a:headEnd type="none" w="med" len="med"/>
+                      <a:tailEnd type="none" w="med" len="med"/>
+                    </a:lnL>
+                    <a:lnR w="6350" cap="flat" cmpd="sng" algn="ctr">
+                      <a:solidFill>
+                        <a:srgbClr val="000000"/>
+                      </a:solidFill>
+                      <a:prstDash val="solid"/>
+                      <a:round/>
+                      <a:headEnd type="none" w="med" len="med"/>
+                      <a:tailEnd type="none" w="med" len="med"/>
+                    </a:lnR>
+                    <a:lnT w="6350" cap="flat" cmpd="sng" algn="ctr">
+                      <a:solidFill>
+                        <a:srgbClr val="000000"/>
+                      </a:solidFill>
+                      <a:prstDash val="solid"/>
+                      <a:round/>
+                      <a:headEnd type="none" w="med" len="med"/>
+                      <a:tailEnd type="none" w="med" len="med"/>
+                    </a:lnT>
+                    <a:lnB w="6350" cap="flat" cmpd="sng" algn="ctr">
+                      <a:solidFill>
+                        <a:srgbClr val="000000"/>
+                      </a:solidFill>
+                      <a:prstDash val="solid"/>
+                      <a:round/>
+                      <a:headEnd type="none" w="med" len="med"/>
+                      <a:tailEnd type="none" w="med" len="med"/>
+                    </a:lnB>
+                    <a:noFill/>
+                  </a:tcPr>
+                </a:tc>
+                <a:tc>
+                  <a:txBody>
+                    <a:bodyPr/>
+                    <a:lstStyle/>
+                    <a:p>
+                      <a:pPr algn="r" rtl="0" fontAlgn="ctr"/>
+                      <a:r>
+                        <a:rPr lang="it-IT" sz="1000">
+                          <a:effectLst/>
+                          <a:latin typeface="Arial" panose="020B0604020202020204" pitchFamily="34" charset="0"/>
+                        </a:rPr>
+                        <a:t>18,5</a:t>
+                      </a:r>
+                    </a:p>
+                  </a:txBody>
+                  <a:tcPr marL="9525" marR="9525" marT="9525" anchor="ctr">
+                    <a:lnL w="6350" cap="flat" cmpd="sng" algn="ctr">
+                      <a:solidFill>
+                        <a:srgbClr val="000000"/>
+                      </a:solidFill>
+                      <a:prstDash val="solid"/>
+                      <a:round/>
+                      <a:headEnd type="none" w="med" len="med"/>
+                      <a:tailEnd type="none" w="med" len="med"/>
+                    </a:lnL>
+                    <a:lnR w="6350" cap="flat" cmpd="sng" algn="ctr">
+                      <a:solidFill>
+                        <a:srgbClr val="000000"/>
+                      </a:solidFill>
+                      <a:prstDash val="solid"/>
+                      <a:round/>
+                      <a:headEnd type="none" w="med" len="med"/>
+                      <a:tailEnd type="none" w="med" len="med"/>
+                    </a:lnR>
+                    <a:lnT w="6350" cap="flat" cmpd="sng" algn="ctr">
+                      <a:solidFill>
+                        <a:srgbClr val="000000"/>
+                      </a:solidFill>
+                      <a:prstDash val="solid"/>
+                      <a:round/>
+                      <a:headEnd type="none" w="med" len="med"/>
+                      <a:tailEnd type="none" w="med" len="med"/>
+                    </a:lnT>
+                    <a:lnB w="6350" cap="flat" cmpd="sng" algn="ctr">
+                      <a:solidFill>
+                        <a:srgbClr val="000000"/>
+                      </a:solidFill>
+                      <a:prstDash val="solid"/>
+                      <a:round/>
+                      <a:headEnd type="none" w="med" len="med"/>
+                      <a:tailEnd type="none" w="med" len="med"/>
+                    </a:lnB>
+                    <a:solidFill>
+                      <a:srgbClr val="FFE884"/>
+                    </a:solidFill>
+                  </a:tcPr>
+                </a:tc>
+                <a:tc>
+                  <a:txBody>
+                    <a:bodyPr/>
+                    <a:lstStyle/>
+                    <a:p>
+                      <a:pPr algn="r" rtl="0" fontAlgn="ctr"/>
+                      <a:r>
+                        <a:rPr lang="it-IT" sz="1000">
+                          <a:effectLst/>
+                          <a:latin typeface="Arial" panose="020B0604020202020204" pitchFamily="34" charset="0"/>
+                        </a:rPr>
+                        <a:t>22,70%</a:t>
+                      </a:r>
+                    </a:p>
+                  </a:txBody>
+                  <a:tcPr marL="9525" marR="9525" marT="9525" anchor="ctr">
+                    <a:lnL w="6350" cap="flat" cmpd="sng" algn="ctr">
+                      <a:solidFill>
+                        <a:srgbClr val="000000"/>
+                      </a:solidFill>
+                      <a:prstDash val="solid"/>
+                      <a:round/>
+                      <a:headEnd type="none" w="med" len="med"/>
+                      <a:tailEnd type="none" w="med" len="med"/>
+                    </a:lnL>
+                    <a:lnR w="6350" cap="flat" cmpd="sng" algn="ctr">
+                      <a:solidFill>
+                        <a:srgbClr val="000000"/>
+                      </a:solidFill>
+                      <a:prstDash val="solid"/>
+                      <a:round/>
+                      <a:headEnd type="none" w="med" len="med"/>
+                      <a:tailEnd type="none" w="med" len="med"/>
+                    </a:lnR>
+                    <a:lnT w="6350" cap="flat" cmpd="sng" algn="ctr">
+                      <a:solidFill>
+                        <a:srgbClr val="000000"/>
+                      </a:solidFill>
+                      <a:prstDash val="solid"/>
+                      <a:round/>
+                      <a:headEnd type="none" w="med" len="med"/>
+                      <a:tailEnd type="none" w="med" len="med"/>
+                    </a:lnT>
+                    <a:lnB w="6350" cap="flat" cmpd="sng" algn="ctr">
+                      <a:solidFill>
+                        <a:srgbClr val="000000"/>
+                      </a:solidFill>
+                      <a:prstDash val="solid"/>
+                      <a:round/>
+                      <a:headEnd type="none" w="med" len="med"/>
+                      <a:tailEnd type="none" w="med" len="med"/>
+                    </a:lnB>
+                    <a:noFill/>
+                  </a:tcPr>
+                </a:tc>
+                <a:extLst>
+                  <a:ext uri="{0D108BD9-81ED-4DB2-BD59-A6C34878D82A}">
+                    <a16:rowId xmlns:a16="http://schemas.microsoft.com/office/drawing/2014/main" val="723556759"/>
+                  </a:ext>
+                </a:extLst>
+              </a:tr>
+              <a:tr h="295275">
+                <a:tc>
+                  <a:txBody>
+                    <a:bodyPr/>
+                    <a:lstStyle/>
+                    <a:p>
+                      <a:pPr rtl="0" fontAlgn="ctr"/>
+                      <a:r>
+                        <a:rPr lang="it-IT" sz="1000">
+                          <a:effectLst/>
+                          <a:latin typeface="Arial" panose="020B0604020202020204" pitchFamily="34" charset="0"/>
+                        </a:rPr>
+                        <a:t>Massimo Buniy</a:t>
+                      </a:r>
+                    </a:p>
+                  </a:txBody>
+                  <a:tcPr marL="9525" marR="9525" marT="9525" anchor="ctr">
+                    <a:lnL w="6350" cap="flat" cmpd="sng" algn="ctr">
+                      <a:solidFill>
+                        <a:srgbClr val="000000"/>
+                      </a:solidFill>
+                      <a:prstDash val="solid"/>
+                      <a:round/>
+                      <a:headEnd type="none" w="med" len="med"/>
+                      <a:tailEnd type="none" w="med" len="med"/>
+                    </a:lnL>
+                    <a:lnR w="6350" cap="flat" cmpd="sng" algn="ctr">
+                      <a:solidFill>
+                        <a:srgbClr val="000000"/>
+                      </a:solidFill>
+                      <a:prstDash val="solid"/>
+                      <a:round/>
+                      <a:headEnd type="none" w="med" len="med"/>
+                      <a:tailEnd type="none" w="med" len="med"/>
+                    </a:lnR>
+                    <a:lnT w="6350" cap="flat" cmpd="sng" algn="ctr">
+                      <a:solidFill>
+                        <a:srgbClr val="000000"/>
+                      </a:solidFill>
+                      <a:prstDash val="solid"/>
+                      <a:round/>
+                      <a:headEnd type="none" w="med" len="med"/>
+                      <a:tailEnd type="none" w="med" len="med"/>
+                    </a:lnT>
+                    <a:lnB w="6350" cap="flat" cmpd="sng" algn="ctr">
+                      <a:solidFill>
+                        <a:srgbClr val="000000"/>
+                      </a:solidFill>
+                      <a:prstDash val="solid"/>
+                      <a:round/>
+                      <a:headEnd type="none" w="med" len="med"/>
+                      <a:tailEnd type="none" w="med" len="med"/>
+                    </a:lnB>
+                    <a:solidFill>
+                      <a:srgbClr val="C0E4F5"/>
+                    </a:solidFill>
+                  </a:tcPr>
+                </a:tc>
+                <a:tc>
+                  <a:txBody>
+                    <a:bodyPr/>
+                    <a:lstStyle/>
+                    <a:p>
+                      <a:pPr rtl="0" fontAlgn="ctr"/>
+                      <a:endParaRPr lang="it-IT" sz="1000">
+                        <a:effectLst/>
+                        <a:latin typeface="Arial" panose="020B0604020202020204" pitchFamily="34" charset="0"/>
+                      </a:endParaRPr>
+                    </a:p>
+                  </a:txBody>
+                  <a:tcPr marL="9525" marR="9525" marT="9525" anchor="ctr">
+                    <a:lnL w="6350" cap="flat" cmpd="sng" algn="ctr">
+                      <a:solidFill>
+                        <a:srgbClr val="000000"/>
+                      </a:solidFill>
+                      <a:prstDash val="solid"/>
+                      <a:round/>
+                      <a:headEnd type="none" w="med" len="med"/>
+                      <a:tailEnd type="none" w="med" len="med"/>
+                    </a:lnL>
+                    <a:lnR w="6350" cap="flat" cmpd="sng" algn="ctr">
+                      <a:solidFill>
+                        <a:srgbClr val="000000"/>
+                      </a:solidFill>
+                      <a:prstDash val="solid"/>
+                      <a:round/>
+                      <a:headEnd type="none" w="med" len="med"/>
+                      <a:tailEnd type="none" w="med" len="med"/>
+                    </a:lnR>
+                    <a:lnT w="6350" cap="flat" cmpd="sng" algn="ctr">
+                      <a:solidFill>
+                        <a:srgbClr val="000000"/>
+                      </a:solidFill>
+                      <a:prstDash val="solid"/>
+                      <a:round/>
+                      <a:headEnd type="none" w="med" len="med"/>
+                      <a:tailEnd type="none" w="med" len="med"/>
+                    </a:lnT>
+                    <a:lnB w="6350" cap="flat" cmpd="sng" algn="ctr">
+                      <a:solidFill>
+                        <a:srgbClr val="000000"/>
+                      </a:solidFill>
+                      <a:prstDash val="solid"/>
+                      <a:round/>
+                      <a:headEnd type="none" w="med" len="med"/>
+                      <a:tailEnd type="none" w="med" len="med"/>
+                    </a:lnB>
+                    <a:noFill/>
+                  </a:tcPr>
+                </a:tc>
+                <a:tc>
+                  <a:txBody>
+                    <a:bodyPr/>
+                    <a:lstStyle/>
+                    <a:p>
+                      <a:pPr rtl="0" fontAlgn="ctr"/>
+                      <a:endParaRPr lang="it-IT" sz="1000">
+                        <a:effectLst/>
+                        <a:latin typeface="Arial" panose="020B0604020202020204" pitchFamily="34" charset="0"/>
+                      </a:endParaRPr>
+                    </a:p>
+                  </a:txBody>
+                  <a:tcPr marL="9525" marR="9525" marT="9525" anchor="ctr">
+                    <a:lnL w="6350" cap="flat" cmpd="sng" algn="ctr">
+                      <a:solidFill>
+                        <a:srgbClr val="000000"/>
+                      </a:solidFill>
+                      <a:prstDash val="solid"/>
+                      <a:round/>
+                      <a:headEnd type="none" w="med" len="med"/>
+                      <a:tailEnd type="none" w="med" len="med"/>
+                    </a:lnL>
+                    <a:lnR w="6350" cap="flat" cmpd="sng" algn="ctr">
+                      <a:solidFill>
+                        <a:srgbClr val="000000"/>
+                      </a:solidFill>
+                      <a:prstDash val="solid"/>
+                      <a:round/>
+                      <a:headEnd type="none" w="med" len="med"/>
+                      <a:tailEnd type="none" w="med" len="med"/>
+                    </a:lnR>
+                    <a:lnT w="6350" cap="flat" cmpd="sng" algn="ctr">
+                      <a:solidFill>
+                        <a:srgbClr val="000000"/>
+                      </a:solidFill>
+                      <a:prstDash val="solid"/>
+                      <a:round/>
+                      <a:headEnd type="none" w="med" len="med"/>
+                      <a:tailEnd type="none" w="med" len="med"/>
+                    </a:lnT>
+                    <a:lnB w="6350" cap="flat" cmpd="sng" algn="ctr">
+                      <a:solidFill>
+                        <a:srgbClr val="000000"/>
+                      </a:solidFill>
+                      <a:prstDash val="solid"/>
+                      <a:round/>
+                      <a:headEnd type="none" w="med" len="med"/>
+                      <a:tailEnd type="none" w="med" len="med"/>
+                    </a:lnB>
+                    <a:noFill/>
+                  </a:tcPr>
+                </a:tc>
+                <a:tc>
+                  <a:txBody>
+                    <a:bodyPr/>
+                    <a:lstStyle/>
+                    <a:p>
+                      <a:pPr rtl="0" fontAlgn="ctr"/>
+                      <a:endParaRPr lang="it-IT" sz="1000">
+                        <a:effectLst/>
+                        <a:latin typeface="Arial" panose="020B0604020202020204" pitchFamily="34" charset="0"/>
+                      </a:endParaRPr>
+                    </a:p>
+                  </a:txBody>
+                  <a:tcPr marL="9525" marR="9525" marT="9525" anchor="ctr">
+                    <a:lnL w="6350" cap="flat" cmpd="sng" algn="ctr">
+                      <a:solidFill>
+                        <a:srgbClr val="000000"/>
+                      </a:solidFill>
+                      <a:prstDash val="solid"/>
+                      <a:round/>
+                      <a:headEnd type="none" w="med" len="med"/>
+                      <a:tailEnd type="none" w="med" len="med"/>
+                    </a:lnL>
+                    <a:lnR w="6350" cap="flat" cmpd="sng" algn="ctr">
+                      <a:solidFill>
+                        <a:srgbClr val="000000"/>
+                      </a:solidFill>
+                      <a:prstDash val="solid"/>
+                      <a:round/>
+                      <a:headEnd type="none" w="med" len="med"/>
+                      <a:tailEnd type="none" w="med" len="med"/>
+                    </a:lnR>
+                    <a:lnT w="6350" cap="flat" cmpd="sng" algn="ctr">
+                      <a:solidFill>
+                        <a:srgbClr val="000000"/>
+                      </a:solidFill>
+                      <a:prstDash val="solid"/>
+                      <a:round/>
+                      <a:headEnd type="none" w="med" len="med"/>
+                      <a:tailEnd type="none" w="med" len="med"/>
+                    </a:lnT>
+                    <a:lnB w="6350" cap="flat" cmpd="sng" algn="ctr">
+                      <a:solidFill>
+                        <a:srgbClr val="000000"/>
+                      </a:solidFill>
+                      <a:prstDash val="solid"/>
+                      <a:round/>
+                      <a:headEnd type="none" w="med" len="med"/>
+                      <a:tailEnd type="none" w="med" len="med"/>
+                    </a:lnB>
+                    <a:noFill/>
+                  </a:tcPr>
+                </a:tc>
+                <a:tc>
+                  <a:txBody>
+                    <a:bodyPr/>
+                    <a:lstStyle/>
+                    <a:p>
+                      <a:pPr algn="r" rtl="0" fontAlgn="ctr"/>
+                      <a:r>
+                        <a:rPr lang="it-IT" sz="1000">
+                          <a:effectLst/>
+                          <a:latin typeface="Arial" panose="020B0604020202020204" pitchFamily="34" charset="0"/>
+                        </a:rPr>
+                        <a:t>18</a:t>
+                      </a:r>
+                    </a:p>
+                  </a:txBody>
+                  <a:tcPr marL="9525" marR="9525" marT="9525" anchor="ctr">
+                    <a:lnL w="6350" cap="flat" cmpd="sng" algn="ctr">
+                      <a:solidFill>
+                        <a:srgbClr val="000000"/>
+                      </a:solidFill>
+                      <a:prstDash val="solid"/>
+                      <a:round/>
+                      <a:headEnd type="none" w="med" len="med"/>
+                      <a:tailEnd type="none" w="med" len="med"/>
+                    </a:lnL>
+                    <a:lnR w="6350" cap="flat" cmpd="sng" algn="ctr">
+                      <a:solidFill>
+                        <a:srgbClr val="000000"/>
+                      </a:solidFill>
+                      <a:prstDash val="solid"/>
+                      <a:round/>
+                      <a:headEnd type="none" w="med" len="med"/>
+                      <a:tailEnd type="none" w="med" len="med"/>
+                    </a:lnR>
+                    <a:lnT w="6350" cap="flat" cmpd="sng" algn="ctr">
+                      <a:solidFill>
+                        <a:srgbClr val="000000"/>
+                      </a:solidFill>
+                      <a:prstDash val="solid"/>
+                      <a:round/>
+                      <a:headEnd type="none" w="med" len="med"/>
+                      <a:tailEnd type="none" w="med" len="med"/>
+                    </a:lnT>
+                    <a:lnB w="6350" cap="flat" cmpd="sng" algn="ctr">
+                      <a:solidFill>
+                        <a:srgbClr val="000000"/>
+                      </a:solidFill>
+                      <a:prstDash val="solid"/>
+                      <a:round/>
+                      <a:headEnd type="none" w="med" len="med"/>
+                      <a:tailEnd type="none" w="med" len="med"/>
+                    </a:lnB>
+                    <a:noFill/>
+                  </a:tcPr>
+                </a:tc>
+                <a:tc>
+                  <a:txBody>
+                    <a:bodyPr/>
+                    <a:lstStyle/>
+                    <a:p>
+                      <a:pPr algn="r" rtl="0" fontAlgn="ctr"/>
+                      <a:r>
+                        <a:rPr lang="it-IT" sz="1000">
+                          <a:effectLst/>
+                          <a:latin typeface="Arial" panose="020B0604020202020204" pitchFamily="34" charset="0"/>
+                        </a:rPr>
+                        <a:t>1</a:t>
+                      </a:r>
+                    </a:p>
+                  </a:txBody>
+                  <a:tcPr marL="9525" marR="9525" marT="9525" anchor="ctr">
+                    <a:lnL w="6350" cap="flat" cmpd="sng" algn="ctr">
+                      <a:solidFill>
+                        <a:srgbClr val="000000"/>
+                      </a:solidFill>
+                      <a:prstDash val="solid"/>
+                      <a:round/>
+                      <a:headEnd type="none" w="med" len="med"/>
+                      <a:tailEnd type="none" w="med" len="med"/>
+                    </a:lnL>
+                    <a:lnR w="6350" cap="flat" cmpd="sng" algn="ctr">
+                      <a:solidFill>
+                        <a:srgbClr val="000000"/>
+                      </a:solidFill>
+                      <a:prstDash val="solid"/>
+                      <a:round/>
+                      <a:headEnd type="none" w="med" len="med"/>
+                      <a:tailEnd type="none" w="med" len="med"/>
+                    </a:lnR>
+                    <a:lnT w="6350" cap="flat" cmpd="sng" algn="ctr">
+                      <a:solidFill>
+                        <a:srgbClr val="000000"/>
+                      </a:solidFill>
+                      <a:prstDash val="solid"/>
+                      <a:round/>
+                      <a:headEnd type="none" w="med" len="med"/>
+                      <a:tailEnd type="none" w="med" len="med"/>
+                    </a:lnT>
+                    <a:lnB w="6350" cap="flat" cmpd="sng" algn="ctr">
+                      <a:solidFill>
+                        <a:srgbClr val="000000"/>
+                      </a:solidFill>
+                      <a:prstDash val="solid"/>
+                      <a:round/>
+                      <a:headEnd type="none" w="med" len="med"/>
+                      <a:tailEnd type="none" w="med" len="med"/>
+                    </a:lnB>
+                    <a:noFill/>
+                  </a:tcPr>
+                </a:tc>
+                <a:tc>
+                  <a:txBody>
+                    <a:bodyPr/>
+                    <a:lstStyle/>
+                    <a:p>
+                      <a:pPr rtl="0" fontAlgn="ctr"/>
+                      <a:endParaRPr lang="it-IT" sz="1000">
+                        <a:effectLst/>
+                        <a:latin typeface="Arial" panose="020B0604020202020204" pitchFamily="34" charset="0"/>
+                      </a:endParaRPr>
+                    </a:p>
+                  </a:txBody>
+                  <a:tcPr marL="9525" marR="9525" marT="9525" anchor="ctr">
+                    <a:lnL w="6350" cap="flat" cmpd="sng" algn="ctr">
+                      <a:solidFill>
+                        <a:srgbClr val="000000"/>
+                      </a:solidFill>
+                      <a:prstDash val="solid"/>
+                      <a:round/>
+                      <a:headEnd type="none" w="med" len="med"/>
+                      <a:tailEnd type="none" w="med" len="med"/>
+                    </a:lnL>
+                    <a:lnR w="6350" cap="flat" cmpd="sng" algn="ctr">
+                      <a:solidFill>
+                        <a:srgbClr val="000000"/>
+                      </a:solidFill>
+                      <a:prstDash val="solid"/>
+                      <a:round/>
+                      <a:headEnd type="none" w="med" len="med"/>
+                      <a:tailEnd type="none" w="med" len="med"/>
+                    </a:lnR>
+                    <a:lnT w="6350" cap="flat" cmpd="sng" algn="ctr">
+                      <a:solidFill>
+                        <a:srgbClr val="000000"/>
+                      </a:solidFill>
+                      <a:prstDash val="solid"/>
+                      <a:round/>
+                      <a:headEnd type="none" w="med" len="med"/>
+                      <a:tailEnd type="none" w="med" len="med"/>
+                    </a:lnT>
+                    <a:lnB w="6350" cap="flat" cmpd="sng" algn="ctr">
+                      <a:solidFill>
+                        <a:srgbClr val="000000"/>
+                      </a:solidFill>
+                      <a:prstDash val="solid"/>
+                      <a:round/>
+                      <a:headEnd type="none" w="med" len="med"/>
+                      <a:tailEnd type="none" w="med" len="med"/>
+                    </a:lnB>
+                    <a:noFill/>
+                  </a:tcPr>
+                </a:tc>
+                <a:tc>
+                  <a:txBody>
+                    <a:bodyPr/>
+                    <a:lstStyle/>
+                    <a:p>
+                      <a:pPr algn="r" rtl="0" fontAlgn="ctr"/>
+                      <a:r>
+                        <a:rPr lang="it-IT" sz="1000">
+                          <a:effectLst/>
+                          <a:latin typeface="Arial" panose="020B0604020202020204" pitchFamily="34" charset="0"/>
+                        </a:rPr>
+                        <a:t>8</a:t>
+                      </a:r>
+                    </a:p>
+                  </a:txBody>
+                  <a:tcPr marL="9525" marR="9525" marT="9525" anchor="ctr">
+                    <a:lnL w="6350" cap="flat" cmpd="sng" algn="ctr">
+                      <a:solidFill>
+                        <a:srgbClr val="000000"/>
+                      </a:solidFill>
+                      <a:prstDash val="solid"/>
+                      <a:round/>
+                      <a:headEnd type="none" w="med" len="med"/>
+                      <a:tailEnd type="none" w="med" len="med"/>
+                    </a:lnL>
+                    <a:lnR w="6350" cap="flat" cmpd="sng" algn="ctr">
+                      <a:solidFill>
+                        <a:srgbClr val="000000"/>
+                      </a:solidFill>
+                      <a:prstDash val="solid"/>
+                      <a:round/>
+                      <a:headEnd type="none" w="med" len="med"/>
+                      <a:tailEnd type="none" w="med" len="med"/>
+                    </a:lnR>
+                    <a:lnT w="6350" cap="flat" cmpd="sng" algn="ctr">
+                      <a:solidFill>
+                        <a:srgbClr val="000000"/>
+                      </a:solidFill>
+                      <a:prstDash val="solid"/>
+                      <a:round/>
+                      <a:headEnd type="none" w="med" len="med"/>
+                      <a:tailEnd type="none" w="med" len="med"/>
+                    </a:lnT>
+                    <a:lnB w="6350" cap="flat" cmpd="sng" algn="ctr">
+                      <a:solidFill>
+                        <a:srgbClr val="000000"/>
+                      </a:solidFill>
+                      <a:prstDash val="solid"/>
+                      <a:round/>
+                      <a:headEnd type="none" w="med" len="med"/>
+                      <a:tailEnd type="none" w="med" len="med"/>
+                    </a:lnB>
+                    <a:noFill/>
+                  </a:tcPr>
+                </a:tc>
+                <a:tc>
+                  <a:txBody>
+                    <a:bodyPr/>
+                    <a:lstStyle/>
+                    <a:p>
+                      <a:pPr algn="r" rtl="0" fontAlgn="ctr"/>
+                      <a:r>
+                        <a:rPr lang="it-IT" sz="1000">
+                          <a:effectLst/>
+                          <a:latin typeface="Arial" panose="020B0604020202020204" pitchFamily="34" charset="0"/>
+                        </a:rPr>
+                        <a:t>1</a:t>
+                      </a:r>
+                    </a:p>
+                  </a:txBody>
+                  <a:tcPr marL="9525" marR="9525" marT="9525" anchor="ctr">
+                    <a:lnL w="6350" cap="flat" cmpd="sng" algn="ctr">
+                      <a:solidFill>
+                        <a:srgbClr val="000000"/>
+                      </a:solidFill>
+                      <a:prstDash val="solid"/>
+                      <a:round/>
+                      <a:headEnd type="none" w="med" len="med"/>
+                      <a:tailEnd type="none" w="med" len="med"/>
+                    </a:lnL>
+                    <a:lnR w="6350" cap="flat" cmpd="sng" algn="ctr">
+                      <a:solidFill>
+                        <a:srgbClr val="000000"/>
+                      </a:solidFill>
+                      <a:prstDash val="solid"/>
+                      <a:round/>
+                      <a:headEnd type="none" w="med" len="med"/>
+                      <a:tailEnd type="none" w="med" len="med"/>
+                    </a:lnR>
+                    <a:lnT w="6350" cap="flat" cmpd="sng" algn="ctr">
+                      <a:solidFill>
+                        <a:srgbClr val="000000"/>
+                      </a:solidFill>
+                      <a:prstDash val="solid"/>
+                      <a:round/>
+                      <a:headEnd type="none" w="med" len="med"/>
+                      <a:tailEnd type="none" w="med" len="med"/>
+                    </a:lnT>
+                    <a:lnB w="6350" cap="flat" cmpd="sng" algn="ctr">
+                      <a:solidFill>
+                        <a:srgbClr val="000000"/>
+                      </a:solidFill>
+                      <a:prstDash val="solid"/>
+                      <a:round/>
+                      <a:headEnd type="none" w="med" len="med"/>
+                      <a:tailEnd type="none" w="med" len="med"/>
+                    </a:lnB>
+                    <a:noFill/>
+                  </a:tcPr>
+                </a:tc>
+                <a:tc>
+                  <a:txBody>
+                    <a:bodyPr/>
+                    <a:lstStyle/>
+                    <a:p>
+                      <a:pPr rtl="0" fontAlgn="ctr"/>
+                      <a:endParaRPr lang="it-IT" sz="1000">
+                        <a:effectLst/>
+                        <a:latin typeface="Arial" panose="020B0604020202020204" pitchFamily="34" charset="0"/>
+                      </a:endParaRPr>
+                    </a:p>
+                  </a:txBody>
+                  <a:tcPr marL="9525" marR="9525" marT="9525" anchor="ctr">
+                    <a:lnL w="6350" cap="flat" cmpd="sng" algn="ctr">
+                      <a:solidFill>
+                        <a:srgbClr val="000000"/>
+                      </a:solidFill>
+                      <a:prstDash val="solid"/>
+                      <a:round/>
+                      <a:headEnd type="none" w="med" len="med"/>
+                      <a:tailEnd type="none" w="med" len="med"/>
+                    </a:lnL>
+                    <a:lnR w="6350" cap="flat" cmpd="sng" algn="ctr">
+                      <a:solidFill>
+                        <a:srgbClr val="000000"/>
+                      </a:solidFill>
+                      <a:prstDash val="solid"/>
+                      <a:round/>
+                      <a:headEnd type="none" w="med" len="med"/>
+                      <a:tailEnd type="none" w="med" len="med"/>
+                    </a:lnR>
+                    <a:lnT w="6350" cap="flat" cmpd="sng" algn="ctr">
+                      <a:solidFill>
+                        <a:srgbClr val="000000"/>
+                      </a:solidFill>
+                      <a:prstDash val="solid"/>
+                      <a:round/>
+                      <a:headEnd type="none" w="med" len="med"/>
+                      <a:tailEnd type="none" w="med" len="med"/>
+                    </a:lnT>
+                    <a:lnB w="6350" cap="flat" cmpd="sng" algn="ctr">
+                      <a:solidFill>
+                        <a:srgbClr val="000000"/>
+                      </a:solidFill>
+                      <a:prstDash val="solid"/>
+                      <a:round/>
+                      <a:headEnd type="none" w="med" len="med"/>
+                      <a:tailEnd type="none" w="med" len="med"/>
+                    </a:lnB>
+                    <a:noFill/>
+                  </a:tcPr>
+                </a:tc>
+                <a:tc>
+                  <a:txBody>
+                    <a:bodyPr/>
+                    <a:lstStyle/>
+                    <a:p>
+                      <a:pPr algn="r" rtl="0" fontAlgn="ctr"/>
+                      <a:r>
+                        <a:rPr lang="it-IT" sz="1000">
+                          <a:effectLst/>
+                          <a:latin typeface="Arial" panose="020B0604020202020204" pitchFamily="34" charset="0"/>
+                        </a:rPr>
+                        <a:t>28</a:t>
+                      </a:r>
+                    </a:p>
+                  </a:txBody>
+                  <a:tcPr marL="9525" marR="9525" marT="9525" anchor="ctr">
                     <a:lnL w="6350" cap="flat" cmpd="sng" algn="ctr">
                       <a:solidFill>
                         <a:srgbClr val="000000"/>
@@ -15706,18 +16673,15 @@
                     <a:p>
                       <a:pPr algn="r" rtl="0" fontAlgn="ctr"/>
                       <a:r>
-                        <a:rPr lang="en-GB" sz="800" b="0" i="0" u="none" strike="noStrike">
-                          <a:solidFill>
-                            <a:srgbClr val="000000"/>
-                          </a:solidFill>
+                        <a:rPr lang="it-IT" sz="1000">
                           <a:effectLst/>
                           <a:latin typeface="Arial" panose="020B0604020202020204" pitchFamily="34" charset="0"/>
                         </a:rPr>
-                        <a:t>32,68%</a:t>
+                        <a:t>34,36%</a:t>
                       </a:r>
                     </a:p>
                   </a:txBody>
-                  <a:tcPr marL="4886" marR="4886" marT="4886" marB="35182" anchor="ctr">
+                  <a:tcPr marL="9525" marR="9525" marT="9525" anchor="ctr">
                     <a:lnL w="6350" cap="flat" cmpd="sng" algn="ctr">
                       <a:solidFill>
                         <a:srgbClr val="000000"/>
@@ -15759,30 +16723,27 @@
                 </a:tc>
                 <a:extLst>
                   <a:ext uri="{0D108BD9-81ED-4DB2-BD59-A6C34878D82A}">
-                    <a16:rowId xmlns:a16="http://schemas.microsoft.com/office/drawing/2014/main" val="2355113484"/>
+                    <a16:rowId xmlns:a16="http://schemas.microsoft.com/office/drawing/2014/main" val="2855105815"/>
                   </a:ext>
                 </a:extLst>
               </a:tr>
-              <a:tr h="157343">
+              <a:tr h="295275">
                 <a:tc>
                   <a:txBody>
                     <a:bodyPr/>
                     <a:lstStyle/>
                     <a:p>
-                      <a:pPr algn="l" rtl="0" fontAlgn="ctr"/>
+                      <a:pPr rtl="0" fontAlgn="ctr"/>
                       <a:r>
-                        <a:rPr lang="en-GB" sz="800" b="0" i="0" u="none" strike="noStrike">
-                          <a:solidFill>
-                            <a:srgbClr val="000000"/>
-                          </a:solidFill>
+                        <a:rPr lang="it-IT" sz="1000">
                           <a:effectLst/>
                           <a:latin typeface="Arial" panose="020B0604020202020204" pitchFamily="34" charset="0"/>
                         </a:rPr>
-                        <a:t>Massimo Buniy</a:t>
+                        <a:t>Federico Cappellini</a:t>
                       </a:r>
                     </a:p>
                   </a:txBody>
-                  <a:tcPr marL="4886" marR="4886" marT="4886" marB="35182" anchor="ctr">
+                  <a:tcPr marL="9525" marR="9525" marT="9525" anchor="ctr">
                     <a:lnL w="6350" cap="flat" cmpd="sng" algn="ctr">
                       <a:solidFill>
                         <a:srgbClr val="000000"/>
@@ -15829,17 +16790,118 @@
                     <a:bodyPr/>
                     <a:lstStyle/>
                     <a:p>
-                      <a:pPr algn="l" rtl="0" fontAlgn="ctr"/>
-                      <a:endParaRPr lang="en-GB" sz="800" b="0" i="0" u="none" strike="noStrike">
-                        <a:solidFill>
-                          <a:srgbClr val="000000"/>
-                        </a:solidFill>
+                      <a:pPr rtl="0" fontAlgn="ctr"/>
+                      <a:endParaRPr lang="it-IT" sz="1000">
                         <a:effectLst/>
                         <a:latin typeface="Arial" panose="020B0604020202020204" pitchFamily="34" charset="0"/>
                       </a:endParaRPr>
                     </a:p>
                   </a:txBody>
-                  <a:tcPr marL="4886" marR="4886" marT="4886" marB="35182" anchor="ctr">
+                  <a:tcPr marL="9525" marR="9525" marT="9525" anchor="ctr">
+                    <a:lnL w="6350" cap="flat" cmpd="sng" algn="ctr">
+                      <a:solidFill>
+                        <a:srgbClr val="000000"/>
+                      </a:solidFill>
+                      <a:prstDash val="solid"/>
+                      <a:round/>
+                      <a:headEnd type="none" w="med" len="med"/>
+                      <a:tailEnd type="none" w="med" len="med"/>
+                    </a:lnL>
+                    <a:lnR w="6350" cap="flat" cmpd="sng" algn="ctr">
+                      <a:solidFill>
+                        <a:srgbClr val="000000"/>
+                      </a:solidFill>
+                      <a:prstDash val="solid"/>
+                      <a:round/>
+                      <a:headEnd type="none" w="med" len="med"/>
+                      <a:tailEnd type="none" w="med" len="med"/>
+                    </a:lnR>
+                    <a:lnT w="6350" cap="flat" cmpd="sng" algn="ctr">
+                      <a:solidFill>
+                        <a:srgbClr val="000000"/>
+                      </a:solidFill>
+                      <a:prstDash val="solid"/>
+                      <a:round/>
+                      <a:headEnd type="none" w="med" len="med"/>
+                      <a:tailEnd type="none" w="med" len="med"/>
+                    </a:lnT>
+                    <a:lnB w="6350" cap="flat" cmpd="sng" algn="ctr">
+                      <a:solidFill>
+                        <a:srgbClr val="000000"/>
+                      </a:solidFill>
+                      <a:prstDash val="solid"/>
+                      <a:round/>
+                      <a:headEnd type="none" w="med" len="med"/>
+                      <a:tailEnd type="none" w="med" len="med"/>
+                    </a:lnB>
+                    <a:noFill/>
+                  </a:tcPr>
+                </a:tc>
+                <a:tc>
+                  <a:txBody>
+                    <a:bodyPr/>
+                    <a:lstStyle/>
+                    <a:p>
+                      <a:pPr rtl="0" fontAlgn="ctr"/>
+                      <a:endParaRPr lang="it-IT" sz="1000">
+                        <a:effectLst/>
+                        <a:latin typeface="Arial" panose="020B0604020202020204" pitchFamily="34" charset="0"/>
+                      </a:endParaRPr>
+                    </a:p>
+                  </a:txBody>
+                  <a:tcPr marL="9525" marR="9525" marT="9525" anchor="ctr">
+                    <a:lnL w="6350" cap="flat" cmpd="sng" algn="ctr">
+                      <a:solidFill>
+                        <a:srgbClr val="000000"/>
+                      </a:solidFill>
+                      <a:prstDash val="solid"/>
+                      <a:round/>
+                      <a:headEnd type="none" w="med" len="med"/>
+                      <a:tailEnd type="none" w="med" len="med"/>
+                    </a:lnL>
+                    <a:lnR w="6350" cap="flat" cmpd="sng" algn="ctr">
+                      <a:solidFill>
+                        <a:srgbClr val="000000"/>
+                      </a:solidFill>
+                      <a:prstDash val="solid"/>
+                      <a:round/>
+                      <a:headEnd type="none" w="med" len="med"/>
+                      <a:tailEnd type="none" w="med" len="med"/>
+                    </a:lnR>
+                    <a:lnT w="6350" cap="flat" cmpd="sng" algn="ctr">
+                      <a:solidFill>
+                        <a:srgbClr val="000000"/>
+                      </a:solidFill>
+                      <a:prstDash val="solid"/>
+                      <a:round/>
+                      <a:headEnd type="none" w="med" len="med"/>
+                      <a:tailEnd type="none" w="med" len="med"/>
+                    </a:lnT>
+                    <a:lnB w="6350" cap="flat" cmpd="sng" algn="ctr">
+                      <a:solidFill>
+                        <a:srgbClr val="000000"/>
+                      </a:solidFill>
+                      <a:prstDash val="solid"/>
+                      <a:round/>
+                      <a:headEnd type="none" w="med" len="med"/>
+                      <a:tailEnd type="none" w="med" len="med"/>
+                    </a:lnB>
+                    <a:noFill/>
+                  </a:tcPr>
+                </a:tc>
+                <a:tc>
+                  <a:txBody>
+                    <a:bodyPr/>
+                    <a:lstStyle/>
+                    <a:p>
+                      <a:pPr rtl="0" fontAlgn="ctr"/>
+                      <a:endParaRPr lang="it-IT" sz="1000">
+                        <a:effectLst/>
+                        <a:latin typeface="Arial" panose="020B0604020202020204" pitchFamily="34" charset="0"/>
+                      </a:endParaRPr>
+                    </a:p>
+                  </a:txBody>
+                  <a:tcPr marL="9525" marR="9525" marT="9525" anchor="ctr">
                     <a:lnL w="6350" cap="flat" cmpd="sng" algn="ctr">
                       <a:solidFill>
                         <a:srgbClr val="000000"/>
@@ -15886,18 +16948,15 @@
                     <a:p>
                       <a:pPr algn="r" rtl="0" fontAlgn="ctr"/>
                       <a:r>
-                        <a:rPr lang="en-GB" sz="800" b="0" i="0" u="none" strike="noStrike">
-                          <a:solidFill>
-                            <a:srgbClr val="000000"/>
-                          </a:solidFill>
+                        <a:rPr lang="it-IT" sz="1000">
                           <a:effectLst/>
                           <a:latin typeface="Arial" panose="020B0604020202020204" pitchFamily="34" charset="0"/>
                         </a:rPr>
-                        <a:t>2</a:t>
+                        <a:t>14</a:t>
                       </a:r>
                     </a:p>
                   </a:txBody>
-                  <a:tcPr marL="4886" marR="4886" marT="4886" marB="35182" anchor="ctr">
+                  <a:tcPr marL="9525" marR="9525" marT="9525" anchor="ctr">
                     <a:lnL w="6350" cap="flat" cmpd="sng" algn="ctr">
                       <a:solidFill>
                         <a:srgbClr val="000000"/>
@@ -15944,18 +17003,223 @@
                     <a:p>
                       <a:pPr algn="r" rtl="0" fontAlgn="ctr"/>
                       <a:r>
-                        <a:rPr lang="en-GB" sz="800" b="0" i="0" u="none" strike="noStrike">
-                          <a:solidFill>
-                            <a:srgbClr val="000000"/>
-                          </a:solidFill>
+                        <a:rPr lang="it-IT" sz="1000">
                           <a:effectLst/>
                           <a:latin typeface="Arial" panose="020B0604020202020204" pitchFamily="34" charset="0"/>
                         </a:rPr>
-                        <a:t>1,5</a:t>
+                        <a:t>3</a:t>
                       </a:r>
                     </a:p>
                   </a:txBody>
-                  <a:tcPr marL="4886" marR="4886" marT="4886" marB="35182" anchor="ctr">
+                  <a:tcPr marL="9525" marR="9525" marT="9525" anchor="ctr">
+                    <a:lnL w="6350" cap="flat" cmpd="sng" algn="ctr">
+                      <a:solidFill>
+                        <a:srgbClr val="000000"/>
+                      </a:solidFill>
+                      <a:prstDash val="solid"/>
+                      <a:round/>
+                      <a:headEnd type="none" w="med" len="med"/>
+                      <a:tailEnd type="none" w="med" len="med"/>
+                    </a:lnL>
+                    <a:lnR w="6350" cap="flat" cmpd="sng" algn="ctr">
+                      <a:solidFill>
+                        <a:srgbClr val="000000"/>
+                      </a:solidFill>
+                      <a:prstDash val="solid"/>
+                      <a:round/>
+                      <a:headEnd type="none" w="med" len="med"/>
+                      <a:tailEnd type="none" w="med" len="med"/>
+                    </a:lnR>
+                    <a:lnT w="6350" cap="flat" cmpd="sng" algn="ctr">
+                      <a:solidFill>
+                        <a:srgbClr val="000000"/>
+                      </a:solidFill>
+                      <a:prstDash val="solid"/>
+                      <a:round/>
+                      <a:headEnd type="none" w="med" len="med"/>
+                      <a:tailEnd type="none" w="med" len="med"/>
+                    </a:lnT>
+                    <a:lnB w="6350" cap="flat" cmpd="sng" algn="ctr">
+                      <a:solidFill>
+                        <a:srgbClr val="000000"/>
+                      </a:solidFill>
+                      <a:prstDash val="solid"/>
+                      <a:round/>
+                      <a:headEnd type="none" w="med" len="med"/>
+                      <a:tailEnd type="none" w="med" len="med"/>
+                    </a:lnB>
+                    <a:noFill/>
+                  </a:tcPr>
+                </a:tc>
+                <a:tc>
+                  <a:txBody>
+                    <a:bodyPr/>
+                    <a:lstStyle/>
+                    <a:p>
+                      <a:pPr rtl="0" fontAlgn="ctr"/>
+                      <a:endParaRPr lang="it-IT" sz="1000">
+                        <a:effectLst/>
+                        <a:latin typeface="Arial" panose="020B0604020202020204" pitchFamily="34" charset="0"/>
+                      </a:endParaRPr>
+                    </a:p>
+                  </a:txBody>
+                  <a:tcPr marL="9525" marR="9525" marT="9525" anchor="ctr">
+                    <a:lnL w="6350" cap="flat" cmpd="sng" algn="ctr">
+                      <a:solidFill>
+                        <a:srgbClr val="000000"/>
+                      </a:solidFill>
+                      <a:prstDash val="solid"/>
+                      <a:round/>
+                      <a:headEnd type="none" w="med" len="med"/>
+                      <a:tailEnd type="none" w="med" len="med"/>
+                    </a:lnL>
+                    <a:lnR w="6350" cap="flat" cmpd="sng" algn="ctr">
+                      <a:solidFill>
+                        <a:srgbClr val="000000"/>
+                      </a:solidFill>
+                      <a:prstDash val="solid"/>
+                      <a:round/>
+                      <a:headEnd type="none" w="med" len="med"/>
+                      <a:tailEnd type="none" w="med" len="med"/>
+                    </a:lnR>
+                    <a:lnT w="6350" cap="flat" cmpd="sng" algn="ctr">
+                      <a:solidFill>
+                        <a:srgbClr val="000000"/>
+                      </a:solidFill>
+                      <a:prstDash val="solid"/>
+                      <a:round/>
+                      <a:headEnd type="none" w="med" len="med"/>
+                      <a:tailEnd type="none" w="med" len="med"/>
+                    </a:lnT>
+                    <a:lnB w="6350" cap="flat" cmpd="sng" algn="ctr">
+                      <a:solidFill>
+                        <a:srgbClr val="000000"/>
+                      </a:solidFill>
+                      <a:prstDash val="solid"/>
+                      <a:round/>
+                      <a:headEnd type="none" w="med" len="med"/>
+                      <a:tailEnd type="none" w="med" len="med"/>
+                    </a:lnB>
+                    <a:noFill/>
+                  </a:tcPr>
+                </a:tc>
+                <a:tc>
+                  <a:txBody>
+                    <a:bodyPr/>
+                    <a:lstStyle/>
+                    <a:p>
+                      <a:pPr rtl="0" fontAlgn="ctr"/>
+                      <a:endParaRPr lang="it-IT" sz="1000">
+                        <a:effectLst/>
+                        <a:latin typeface="Arial" panose="020B0604020202020204" pitchFamily="34" charset="0"/>
+                      </a:endParaRPr>
+                    </a:p>
+                  </a:txBody>
+                  <a:tcPr marL="9525" marR="9525" marT="9525" anchor="ctr">
+                    <a:lnL w="6350" cap="flat" cmpd="sng" algn="ctr">
+                      <a:solidFill>
+                        <a:srgbClr val="000000"/>
+                      </a:solidFill>
+                      <a:prstDash val="solid"/>
+                      <a:round/>
+                      <a:headEnd type="none" w="med" len="med"/>
+                      <a:tailEnd type="none" w="med" len="med"/>
+                    </a:lnL>
+                    <a:lnR w="6350" cap="flat" cmpd="sng" algn="ctr">
+                      <a:solidFill>
+                        <a:srgbClr val="000000"/>
+                      </a:solidFill>
+                      <a:prstDash val="solid"/>
+                      <a:round/>
+                      <a:headEnd type="none" w="med" len="med"/>
+                      <a:tailEnd type="none" w="med" len="med"/>
+                    </a:lnR>
+                    <a:lnT w="6350" cap="flat" cmpd="sng" algn="ctr">
+                      <a:solidFill>
+                        <a:srgbClr val="000000"/>
+                      </a:solidFill>
+                      <a:prstDash val="solid"/>
+                      <a:round/>
+                      <a:headEnd type="none" w="med" len="med"/>
+                      <a:tailEnd type="none" w="med" len="med"/>
+                    </a:lnT>
+                    <a:lnB w="6350" cap="flat" cmpd="sng" algn="ctr">
+                      <a:solidFill>
+                        <a:srgbClr val="000000"/>
+                      </a:solidFill>
+                      <a:prstDash val="solid"/>
+                      <a:round/>
+                      <a:headEnd type="none" w="med" len="med"/>
+                      <a:tailEnd type="none" w="med" len="med"/>
+                    </a:lnB>
+                    <a:noFill/>
+                  </a:tcPr>
+                </a:tc>
+                <a:tc>
+                  <a:txBody>
+                    <a:bodyPr/>
+                    <a:lstStyle/>
+                    <a:p>
+                      <a:pPr rtl="0" fontAlgn="ctr"/>
+                      <a:endParaRPr lang="it-IT" sz="1000">
+                        <a:effectLst/>
+                        <a:latin typeface="Arial" panose="020B0604020202020204" pitchFamily="34" charset="0"/>
+                      </a:endParaRPr>
+                    </a:p>
+                  </a:txBody>
+                  <a:tcPr marL="9525" marR="9525" marT="9525" anchor="ctr">
+                    <a:lnL w="6350" cap="flat" cmpd="sng" algn="ctr">
+                      <a:solidFill>
+                        <a:srgbClr val="000000"/>
+                      </a:solidFill>
+                      <a:prstDash val="solid"/>
+                      <a:round/>
+                      <a:headEnd type="none" w="med" len="med"/>
+                      <a:tailEnd type="none" w="med" len="med"/>
+                    </a:lnL>
+                    <a:lnR w="6350" cap="flat" cmpd="sng" algn="ctr">
+                      <a:solidFill>
+                        <a:srgbClr val="000000"/>
+                      </a:solidFill>
+                      <a:prstDash val="solid"/>
+                      <a:round/>
+                      <a:headEnd type="none" w="med" len="med"/>
+                      <a:tailEnd type="none" w="med" len="med"/>
+                    </a:lnR>
+                    <a:lnT w="6350" cap="flat" cmpd="sng" algn="ctr">
+                      <a:solidFill>
+                        <a:srgbClr val="000000"/>
+                      </a:solidFill>
+                      <a:prstDash val="solid"/>
+                      <a:round/>
+                      <a:headEnd type="none" w="med" len="med"/>
+                      <a:tailEnd type="none" w="med" len="med"/>
+                    </a:lnT>
+                    <a:lnB w="6350" cap="flat" cmpd="sng" algn="ctr">
+                      <a:solidFill>
+                        <a:srgbClr val="000000"/>
+                      </a:solidFill>
+                      <a:prstDash val="solid"/>
+                      <a:round/>
+                      <a:headEnd type="none" w="med" len="med"/>
+                      <a:tailEnd type="none" w="med" len="med"/>
+                    </a:lnB>
+                    <a:noFill/>
+                  </a:tcPr>
+                </a:tc>
+                <a:tc>
+                  <a:txBody>
+                    <a:bodyPr/>
+                    <a:lstStyle/>
+                    <a:p>
+                      <a:pPr rtl="0" fontAlgn="ctr"/>
+                      <a:endParaRPr lang="it-IT" sz="1000">
+                        <a:effectLst/>
+                        <a:latin typeface="Arial" panose="020B0604020202020204" pitchFamily="34" charset="0"/>
+                      </a:endParaRPr>
+                    </a:p>
+                  </a:txBody>
+                  <a:tcPr marL="9525" marR="9525" marT="9525" anchor="ctr">
                     <a:lnL w="6350" cap="flat" cmpd="sng" algn="ctr">
                       <a:solidFill>
                         <a:srgbClr val="000000"/>
@@ -16002,1735 +17266,15 @@
                     <a:p>
                       <a:pPr algn="r" rtl="0" fontAlgn="ctr"/>
                       <a:r>
-                        <a:rPr lang="en-GB" sz="800" b="0" i="0" u="none" strike="noStrike">
-                          <a:solidFill>
-                            <a:srgbClr val="000000"/>
-                          </a:solidFill>
+                        <a:rPr lang="it-IT" sz="1000">
                           <a:effectLst/>
                           <a:latin typeface="Arial" panose="020B0604020202020204" pitchFamily="34" charset="0"/>
                         </a:rPr>
-                        <a:t>24,5</a:t>
+                        <a:t>17</a:t>
                       </a:r>
                     </a:p>
                   </a:txBody>
-                  <a:tcPr marL="4886" marR="4886" marT="4886" marB="35182" anchor="ctr">
-                    <a:lnL w="6350" cap="flat" cmpd="sng" algn="ctr">
-                      <a:solidFill>
-                        <a:srgbClr val="000000"/>
-                      </a:solidFill>
-                      <a:prstDash val="solid"/>
-                      <a:round/>
-                      <a:headEnd type="none" w="med" len="med"/>
-                      <a:tailEnd type="none" w="med" len="med"/>
-                    </a:lnL>
-                    <a:lnR w="6350" cap="flat" cmpd="sng" algn="ctr">
-                      <a:solidFill>
-                        <a:srgbClr val="000000"/>
-                      </a:solidFill>
-                      <a:prstDash val="solid"/>
-                      <a:round/>
-                      <a:headEnd type="none" w="med" len="med"/>
-                      <a:tailEnd type="none" w="med" len="med"/>
-                    </a:lnR>
-                    <a:lnT w="6350" cap="flat" cmpd="sng" algn="ctr">
-                      <a:solidFill>
-                        <a:srgbClr val="000000"/>
-                      </a:solidFill>
-                      <a:prstDash val="solid"/>
-                      <a:round/>
-                      <a:headEnd type="none" w="med" len="med"/>
-                      <a:tailEnd type="none" w="med" len="med"/>
-                    </a:lnT>
-                    <a:lnB w="6350" cap="flat" cmpd="sng" algn="ctr">
-                      <a:solidFill>
-                        <a:srgbClr val="000000"/>
-                      </a:solidFill>
-                      <a:prstDash val="solid"/>
-                      <a:round/>
-                      <a:headEnd type="none" w="med" len="med"/>
-                      <a:tailEnd type="none" w="med" len="med"/>
-                    </a:lnB>
-                    <a:noFill/>
-                  </a:tcPr>
-                </a:tc>
-                <a:tc>
-                  <a:txBody>
-                    <a:bodyPr/>
-                    <a:lstStyle/>
-                    <a:p>
-                      <a:pPr algn="l" rtl="0" fontAlgn="ctr"/>
-                      <a:endParaRPr lang="en-GB" sz="800" b="0" i="0" u="none" strike="noStrike">
-                        <a:solidFill>
-                          <a:srgbClr val="000000"/>
-                        </a:solidFill>
-                        <a:effectLst/>
-                        <a:latin typeface="Arial" panose="020B0604020202020204" pitchFamily="34" charset="0"/>
-                      </a:endParaRPr>
-                    </a:p>
-                  </a:txBody>
-                  <a:tcPr marL="4886" marR="4886" marT="4886" marB="35182" anchor="ctr">
-                    <a:lnL w="6350" cap="flat" cmpd="sng" algn="ctr">
-                      <a:solidFill>
-                        <a:srgbClr val="000000"/>
-                      </a:solidFill>
-                      <a:prstDash val="solid"/>
-                      <a:round/>
-                      <a:headEnd type="none" w="med" len="med"/>
-                      <a:tailEnd type="none" w="med" len="med"/>
-                    </a:lnL>
-                    <a:lnR w="6350" cap="flat" cmpd="sng" algn="ctr">
-                      <a:solidFill>
-                        <a:srgbClr val="000000"/>
-                      </a:solidFill>
-                      <a:prstDash val="solid"/>
-                      <a:round/>
-                      <a:headEnd type="none" w="med" len="med"/>
-                      <a:tailEnd type="none" w="med" len="med"/>
-                    </a:lnR>
-                    <a:lnT w="6350" cap="flat" cmpd="sng" algn="ctr">
-                      <a:solidFill>
-                        <a:srgbClr val="000000"/>
-                      </a:solidFill>
-                      <a:prstDash val="solid"/>
-                      <a:round/>
-                      <a:headEnd type="none" w="med" len="med"/>
-                      <a:tailEnd type="none" w="med" len="med"/>
-                    </a:lnT>
-                    <a:lnB w="6350" cap="flat" cmpd="sng" algn="ctr">
-                      <a:solidFill>
-                        <a:srgbClr val="000000"/>
-                      </a:solidFill>
-                      <a:prstDash val="solid"/>
-                      <a:round/>
-                      <a:headEnd type="none" w="med" len="med"/>
-                      <a:tailEnd type="none" w="med" len="med"/>
-                    </a:lnB>
-                    <a:noFill/>
-                  </a:tcPr>
-                </a:tc>
-                <a:tc>
-                  <a:txBody>
-                    <a:bodyPr/>
-                    <a:lstStyle/>
-                    <a:p>
-                      <a:pPr algn="l" rtl="0" fontAlgn="ctr"/>
-                      <a:endParaRPr lang="en-GB" sz="800" b="0" i="0" u="none" strike="noStrike">
-                        <a:solidFill>
-                          <a:srgbClr val="000000"/>
-                        </a:solidFill>
-                        <a:effectLst/>
-                        <a:latin typeface="Arial" panose="020B0604020202020204" pitchFamily="34" charset="0"/>
-                      </a:endParaRPr>
-                    </a:p>
-                  </a:txBody>
-                  <a:tcPr marL="4886" marR="4886" marT="4886" marB="35182" anchor="ctr">
-                    <a:lnL w="6350" cap="flat" cmpd="sng" algn="ctr">
-                      <a:solidFill>
-                        <a:srgbClr val="000000"/>
-                      </a:solidFill>
-                      <a:prstDash val="solid"/>
-                      <a:round/>
-                      <a:headEnd type="none" w="med" len="med"/>
-                      <a:tailEnd type="none" w="med" len="med"/>
-                    </a:lnL>
-                    <a:lnR w="6350" cap="flat" cmpd="sng" algn="ctr">
-                      <a:solidFill>
-                        <a:srgbClr val="000000"/>
-                      </a:solidFill>
-                      <a:prstDash val="solid"/>
-                      <a:round/>
-                      <a:headEnd type="none" w="med" len="med"/>
-                      <a:tailEnd type="none" w="med" len="med"/>
-                    </a:lnR>
-                    <a:lnT w="6350" cap="flat" cmpd="sng" algn="ctr">
-                      <a:solidFill>
-                        <a:srgbClr val="000000"/>
-                      </a:solidFill>
-                      <a:prstDash val="solid"/>
-                      <a:round/>
-                      <a:headEnd type="none" w="med" len="med"/>
-                      <a:tailEnd type="none" w="med" len="med"/>
-                    </a:lnT>
-                    <a:lnB w="6350" cap="flat" cmpd="sng" algn="ctr">
-                      <a:solidFill>
-                        <a:srgbClr val="000000"/>
-                      </a:solidFill>
-                      <a:prstDash val="solid"/>
-                      <a:round/>
-                      <a:headEnd type="none" w="med" len="med"/>
-                      <a:tailEnd type="none" w="med" len="med"/>
-                    </a:lnB>
-                    <a:noFill/>
-                  </a:tcPr>
-                </a:tc>
-                <a:tc>
-                  <a:txBody>
-                    <a:bodyPr/>
-                    <a:lstStyle/>
-                    <a:p>
-                      <a:pPr algn="l" rtl="0" fontAlgn="ctr"/>
-                      <a:endParaRPr lang="en-GB" sz="800" b="0" i="0" u="none" strike="noStrike">
-                        <a:solidFill>
-                          <a:srgbClr val="000000"/>
-                        </a:solidFill>
-                        <a:effectLst/>
-                        <a:latin typeface="Arial" panose="020B0604020202020204" pitchFamily="34" charset="0"/>
-                      </a:endParaRPr>
-                    </a:p>
-                  </a:txBody>
-                  <a:tcPr marL="4886" marR="4886" marT="4886" marB="35182" anchor="ctr">
-                    <a:lnL w="6350" cap="flat" cmpd="sng" algn="ctr">
-                      <a:solidFill>
-                        <a:srgbClr val="000000"/>
-                      </a:solidFill>
-                      <a:prstDash val="solid"/>
-                      <a:round/>
-                      <a:headEnd type="none" w="med" len="med"/>
-                      <a:tailEnd type="none" w="med" len="med"/>
-                    </a:lnL>
-                    <a:lnR w="6350" cap="flat" cmpd="sng" algn="ctr">
-                      <a:solidFill>
-                        <a:srgbClr val="000000"/>
-                      </a:solidFill>
-                      <a:prstDash val="solid"/>
-                      <a:round/>
-                      <a:headEnd type="none" w="med" len="med"/>
-                      <a:tailEnd type="none" w="med" len="med"/>
-                    </a:lnR>
-                    <a:lnT w="6350" cap="flat" cmpd="sng" algn="ctr">
-                      <a:solidFill>
-                        <a:srgbClr val="000000"/>
-                      </a:solidFill>
-                      <a:prstDash val="solid"/>
-                      <a:round/>
-                      <a:headEnd type="none" w="med" len="med"/>
-                      <a:tailEnd type="none" w="med" len="med"/>
-                    </a:lnT>
-                    <a:lnB w="6350" cap="flat" cmpd="sng" algn="ctr">
-                      <a:solidFill>
-                        <a:srgbClr val="000000"/>
-                      </a:solidFill>
-                      <a:prstDash val="solid"/>
-                      <a:round/>
-                      <a:headEnd type="none" w="med" len="med"/>
-                      <a:tailEnd type="none" w="med" len="med"/>
-                    </a:lnB>
-                    <a:noFill/>
-                  </a:tcPr>
-                </a:tc>
-                <a:tc>
-                  <a:txBody>
-                    <a:bodyPr/>
-                    <a:lstStyle/>
-                    <a:p>
-                      <a:pPr algn="l" rtl="0" fontAlgn="ctr"/>
-                      <a:endParaRPr lang="en-GB" sz="800" b="0" i="0" u="none" strike="noStrike">
-                        <a:solidFill>
-                          <a:srgbClr val="000000"/>
-                        </a:solidFill>
-                        <a:effectLst/>
-                        <a:latin typeface="Arial" panose="020B0604020202020204" pitchFamily="34" charset="0"/>
-                      </a:endParaRPr>
-                    </a:p>
-                  </a:txBody>
-                  <a:tcPr marL="4886" marR="4886" marT="4886" marB="35182" anchor="ctr">
-                    <a:lnL w="6350" cap="flat" cmpd="sng" algn="ctr">
-                      <a:solidFill>
-                        <a:srgbClr val="000000"/>
-                      </a:solidFill>
-                      <a:prstDash val="solid"/>
-                      <a:round/>
-                      <a:headEnd type="none" w="med" len="med"/>
-                      <a:tailEnd type="none" w="med" len="med"/>
-                    </a:lnL>
-                    <a:lnR w="6350" cap="flat" cmpd="sng" algn="ctr">
-                      <a:solidFill>
-                        <a:srgbClr val="000000"/>
-                      </a:solidFill>
-                      <a:prstDash val="solid"/>
-                      <a:round/>
-                      <a:headEnd type="none" w="med" len="med"/>
-                      <a:tailEnd type="none" w="med" len="med"/>
-                    </a:lnR>
-                    <a:lnT w="6350" cap="flat" cmpd="sng" algn="ctr">
-                      <a:solidFill>
-                        <a:srgbClr val="000000"/>
-                      </a:solidFill>
-                      <a:prstDash val="solid"/>
-                      <a:round/>
-                      <a:headEnd type="none" w="med" len="med"/>
-                      <a:tailEnd type="none" w="med" len="med"/>
-                    </a:lnT>
-                    <a:lnB w="6350" cap="flat" cmpd="sng" algn="ctr">
-                      <a:solidFill>
-                        <a:srgbClr val="000000"/>
-                      </a:solidFill>
-                      <a:prstDash val="solid"/>
-                      <a:round/>
-                      <a:headEnd type="none" w="med" len="med"/>
-                      <a:tailEnd type="none" w="med" len="med"/>
-                    </a:lnB>
-                    <a:noFill/>
-                  </a:tcPr>
-                </a:tc>
-                <a:tc>
-                  <a:txBody>
-                    <a:bodyPr/>
-                    <a:lstStyle/>
-                    <a:p>
-                      <a:pPr algn="l" rtl="0" fontAlgn="ctr"/>
-                      <a:endParaRPr lang="en-GB" sz="800" b="0" i="0" u="none" strike="noStrike">
-                        <a:solidFill>
-                          <a:srgbClr val="000000"/>
-                        </a:solidFill>
-                        <a:effectLst/>
-                        <a:latin typeface="Arial" panose="020B0604020202020204" pitchFamily="34" charset="0"/>
-                      </a:endParaRPr>
-                    </a:p>
-                  </a:txBody>
-                  <a:tcPr marL="4886" marR="4886" marT="4886" marB="35182" anchor="ctr">
-                    <a:lnL w="6350" cap="flat" cmpd="sng" algn="ctr">
-                      <a:solidFill>
-                        <a:srgbClr val="000000"/>
-                      </a:solidFill>
-                      <a:prstDash val="solid"/>
-                      <a:round/>
-                      <a:headEnd type="none" w="med" len="med"/>
-                      <a:tailEnd type="none" w="med" len="med"/>
-                    </a:lnL>
-                    <a:lnR w="6350" cap="flat" cmpd="sng" algn="ctr">
-                      <a:solidFill>
-                        <a:srgbClr val="000000"/>
-                      </a:solidFill>
-                      <a:prstDash val="solid"/>
-                      <a:round/>
-                      <a:headEnd type="none" w="med" len="med"/>
-                      <a:tailEnd type="none" w="med" len="med"/>
-                    </a:lnR>
-                    <a:lnT w="6350" cap="flat" cmpd="sng" algn="ctr">
-                      <a:solidFill>
-                        <a:srgbClr val="000000"/>
-                      </a:solidFill>
-                      <a:prstDash val="solid"/>
-                      <a:round/>
-                      <a:headEnd type="none" w="med" len="med"/>
-                      <a:tailEnd type="none" w="med" len="med"/>
-                    </a:lnT>
-                    <a:lnB w="6350" cap="flat" cmpd="sng" algn="ctr">
-                      <a:solidFill>
-                        <a:srgbClr val="000000"/>
-                      </a:solidFill>
-                      <a:prstDash val="solid"/>
-                      <a:round/>
-                      <a:headEnd type="none" w="med" len="med"/>
-                      <a:tailEnd type="none" w="med" len="med"/>
-                    </a:lnB>
-                    <a:noFill/>
-                  </a:tcPr>
-                </a:tc>
-                <a:tc>
-                  <a:txBody>
-                    <a:bodyPr/>
-                    <a:lstStyle/>
-                    <a:p>
-                      <a:pPr algn="r" rtl="0" fontAlgn="ctr"/>
-                      <a:r>
-                        <a:rPr lang="en-GB" sz="800" b="0" i="0" u="none" strike="noStrike">
-                          <a:solidFill>
-                            <a:srgbClr val="000000"/>
-                          </a:solidFill>
-                          <a:effectLst/>
-                          <a:latin typeface="Arial" panose="020B0604020202020204" pitchFamily="34" charset="0"/>
-                        </a:rPr>
-                        <a:t>28</a:t>
-                      </a:r>
-                    </a:p>
-                  </a:txBody>
-                  <a:tcPr marL="4886" marR="4886" marT="4886" marB="35182" anchor="ctr">
-                    <a:lnL w="6350" cap="flat" cmpd="sng" algn="ctr">
-                      <a:solidFill>
-                        <a:srgbClr val="000000"/>
-                      </a:solidFill>
-                      <a:prstDash val="solid"/>
-                      <a:round/>
-                      <a:headEnd type="none" w="med" len="med"/>
-                      <a:tailEnd type="none" w="med" len="med"/>
-                    </a:lnL>
-                    <a:lnR w="6350" cap="flat" cmpd="sng" algn="ctr">
-                      <a:solidFill>
-                        <a:srgbClr val="000000"/>
-                      </a:solidFill>
-                      <a:prstDash val="solid"/>
-                      <a:round/>
-                      <a:headEnd type="none" w="med" len="med"/>
-                      <a:tailEnd type="none" w="med" len="med"/>
-                    </a:lnR>
-                    <a:lnT w="6350" cap="flat" cmpd="sng" algn="ctr">
-                      <a:solidFill>
-                        <a:srgbClr val="000000"/>
-                      </a:solidFill>
-                      <a:prstDash val="solid"/>
-                      <a:round/>
-                      <a:headEnd type="none" w="med" len="med"/>
-                      <a:tailEnd type="none" w="med" len="med"/>
-                    </a:lnT>
-                    <a:lnB w="6350" cap="flat" cmpd="sng" algn="ctr">
-                      <a:solidFill>
-                        <a:srgbClr val="000000"/>
-                      </a:solidFill>
-                      <a:prstDash val="solid"/>
-                      <a:round/>
-                      <a:headEnd type="none" w="med" len="med"/>
-                      <a:tailEnd type="none" w="med" len="med"/>
-                    </a:lnB>
-                    <a:solidFill>
-                      <a:srgbClr val="B9D67F"/>
-                    </a:solidFill>
-                  </a:tcPr>
-                </a:tc>
-                <a:tc>
-                  <a:txBody>
-                    <a:bodyPr/>
-                    <a:lstStyle/>
-                    <a:p>
-                      <a:pPr algn="r" rtl="0" fontAlgn="ctr"/>
-                      <a:r>
-                        <a:rPr lang="en-GB" sz="800" b="0" i="0" u="none" strike="noStrike">
-                          <a:solidFill>
-                            <a:srgbClr val="000000"/>
-                          </a:solidFill>
-                          <a:effectLst/>
-                          <a:latin typeface="Arial" panose="020B0604020202020204" pitchFamily="34" charset="0"/>
-                        </a:rPr>
-                        <a:t>21,79%</a:t>
-                      </a:r>
-                    </a:p>
-                  </a:txBody>
-                  <a:tcPr marL="4886" marR="4886" marT="4886" marB="35182" anchor="ctr">
-                    <a:lnL w="6350" cap="flat" cmpd="sng" algn="ctr">
-                      <a:solidFill>
-                        <a:srgbClr val="000000"/>
-                      </a:solidFill>
-                      <a:prstDash val="solid"/>
-                      <a:round/>
-                      <a:headEnd type="none" w="med" len="med"/>
-                      <a:tailEnd type="none" w="med" len="med"/>
-                    </a:lnL>
-                    <a:lnR w="6350" cap="flat" cmpd="sng" algn="ctr">
-                      <a:solidFill>
-                        <a:srgbClr val="000000"/>
-                      </a:solidFill>
-                      <a:prstDash val="solid"/>
-                      <a:round/>
-                      <a:headEnd type="none" w="med" len="med"/>
-                      <a:tailEnd type="none" w="med" len="med"/>
-                    </a:lnR>
-                    <a:lnT w="6350" cap="flat" cmpd="sng" algn="ctr">
-                      <a:solidFill>
-                        <a:srgbClr val="000000"/>
-                      </a:solidFill>
-                      <a:prstDash val="solid"/>
-                      <a:round/>
-                      <a:headEnd type="none" w="med" len="med"/>
-                      <a:tailEnd type="none" w="med" len="med"/>
-                    </a:lnT>
-                    <a:lnB w="6350" cap="flat" cmpd="sng" algn="ctr">
-                      <a:solidFill>
-                        <a:srgbClr val="000000"/>
-                      </a:solidFill>
-                      <a:prstDash val="solid"/>
-                      <a:round/>
-                      <a:headEnd type="none" w="med" len="med"/>
-                      <a:tailEnd type="none" w="med" len="med"/>
-                    </a:lnB>
-                    <a:noFill/>
-                  </a:tcPr>
-                </a:tc>
-                <a:extLst>
-                  <a:ext uri="{0D108BD9-81ED-4DB2-BD59-A6C34878D82A}">
-                    <a16:rowId xmlns:a16="http://schemas.microsoft.com/office/drawing/2014/main" val="3210890451"/>
-                  </a:ext>
-                </a:extLst>
-              </a:tr>
-              <a:tr h="157343">
-                <a:tc>
-                  <a:txBody>
-                    <a:bodyPr/>
-                    <a:lstStyle/>
-                    <a:p>
-                      <a:pPr algn="l" rtl="0" fontAlgn="ctr"/>
-                      <a:r>
-                        <a:rPr lang="en-GB" sz="800" b="0" i="0" u="none" strike="noStrike">
-                          <a:solidFill>
-                            <a:srgbClr val="000000"/>
-                          </a:solidFill>
-                          <a:effectLst/>
-                          <a:latin typeface="Arial" panose="020B0604020202020204" pitchFamily="34" charset="0"/>
-                        </a:rPr>
-                        <a:t>Federico Cappellini</a:t>
-                      </a:r>
-                    </a:p>
-                  </a:txBody>
-                  <a:tcPr marL="4886" marR="4886" marT="4886" marB="35182" anchor="ctr">
-                    <a:lnL w="6350" cap="flat" cmpd="sng" algn="ctr">
-                      <a:solidFill>
-                        <a:srgbClr val="000000"/>
-                      </a:solidFill>
-                      <a:prstDash val="solid"/>
-                      <a:round/>
-                      <a:headEnd type="none" w="med" len="med"/>
-                      <a:tailEnd type="none" w="med" len="med"/>
-                    </a:lnL>
-                    <a:lnR w="6350" cap="flat" cmpd="sng" algn="ctr">
-                      <a:solidFill>
-                        <a:srgbClr val="000000"/>
-                      </a:solidFill>
-                      <a:prstDash val="solid"/>
-                      <a:round/>
-                      <a:headEnd type="none" w="med" len="med"/>
-                      <a:tailEnd type="none" w="med" len="med"/>
-                    </a:lnR>
-                    <a:lnT w="6350" cap="flat" cmpd="sng" algn="ctr">
-                      <a:solidFill>
-                        <a:srgbClr val="000000"/>
-                      </a:solidFill>
-                      <a:prstDash val="solid"/>
-                      <a:round/>
-                      <a:headEnd type="none" w="med" len="med"/>
-                      <a:tailEnd type="none" w="med" len="med"/>
-                    </a:lnT>
-                    <a:lnB w="6350" cap="flat" cmpd="sng" algn="ctr">
-                      <a:solidFill>
-                        <a:srgbClr val="000000"/>
-                      </a:solidFill>
-                      <a:prstDash val="solid"/>
-                      <a:round/>
-                      <a:headEnd type="none" w="med" len="med"/>
-                      <a:tailEnd type="none" w="med" len="med"/>
-                    </a:lnB>
-                    <a:solidFill>
-                      <a:srgbClr val="C0E4F5"/>
-                    </a:solidFill>
-                  </a:tcPr>
-                </a:tc>
-                <a:tc>
-                  <a:txBody>
-                    <a:bodyPr/>
-                    <a:lstStyle/>
-                    <a:p>
-                      <a:pPr algn="l" rtl="0" fontAlgn="ctr"/>
-                      <a:endParaRPr lang="en-GB" sz="800" b="0" i="0" u="none" strike="noStrike">
-                        <a:solidFill>
-                          <a:srgbClr val="000000"/>
-                        </a:solidFill>
-                        <a:effectLst/>
-                        <a:latin typeface="Arial" panose="020B0604020202020204" pitchFamily="34" charset="0"/>
-                      </a:endParaRPr>
-                    </a:p>
-                  </a:txBody>
-                  <a:tcPr marL="4886" marR="4886" marT="4886" marB="35182" anchor="ctr">
-                    <a:lnL w="6350" cap="flat" cmpd="sng" algn="ctr">
-                      <a:solidFill>
-                        <a:srgbClr val="000000"/>
-                      </a:solidFill>
-                      <a:prstDash val="solid"/>
-                      <a:round/>
-                      <a:headEnd type="none" w="med" len="med"/>
-                      <a:tailEnd type="none" w="med" len="med"/>
-                    </a:lnL>
-                    <a:lnR w="6350" cap="flat" cmpd="sng" algn="ctr">
-                      <a:solidFill>
-                        <a:srgbClr val="000000"/>
-                      </a:solidFill>
-                      <a:prstDash val="solid"/>
-                      <a:round/>
-                      <a:headEnd type="none" w="med" len="med"/>
-                      <a:tailEnd type="none" w="med" len="med"/>
-                    </a:lnR>
-                    <a:lnT w="6350" cap="flat" cmpd="sng" algn="ctr">
-                      <a:solidFill>
-                        <a:srgbClr val="000000"/>
-                      </a:solidFill>
-                      <a:prstDash val="solid"/>
-                      <a:round/>
-                      <a:headEnd type="none" w="med" len="med"/>
-                      <a:tailEnd type="none" w="med" len="med"/>
-                    </a:lnT>
-                    <a:lnB w="6350" cap="flat" cmpd="sng" algn="ctr">
-                      <a:solidFill>
-                        <a:srgbClr val="000000"/>
-                      </a:solidFill>
-                      <a:prstDash val="solid"/>
-                      <a:round/>
-                      <a:headEnd type="none" w="med" len="med"/>
-                      <a:tailEnd type="none" w="med" len="med"/>
-                    </a:lnB>
-                    <a:noFill/>
-                  </a:tcPr>
-                </a:tc>
-                <a:tc>
-                  <a:txBody>
-                    <a:bodyPr/>
-                    <a:lstStyle/>
-                    <a:p>
-                      <a:pPr algn="l" rtl="0" fontAlgn="ctr"/>
-                      <a:endParaRPr lang="en-GB" sz="800" b="0" i="0" u="none" strike="noStrike">
-                        <a:solidFill>
-                          <a:srgbClr val="000000"/>
-                        </a:solidFill>
-                        <a:effectLst/>
-                        <a:latin typeface="Arial" panose="020B0604020202020204" pitchFamily="34" charset="0"/>
-                      </a:endParaRPr>
-                    </a:p>
-                  </a:txBody>
-                  <a:tcPr marL="4886" marR="4886" marT="4886" marB="35182" anchor="ctr">
-                    <a:lnL w="6350" cap="flat" cmpd="sng" algn="ctr">
-                      <a:solidFill>
-                        <a:srgbClr val="000000"/>
-                      </a:solidFill>
-                      <a:prstDash val="solid"/>
-                      <a:round/>
-                      <a:headEnd type="none" w="med" len="med"/>
-                      <a:tailEnd type="none" w="med" len="med"/>
-                    </a:lnL>
-                    <a:lnR w="6350" cap="flat" cmpd="sng" algn="ctr">
-                      <a:solidFill>
-                        <a:srgbClr val="000000"/>
-                      </a:solidFill>
-                      <a:prstDash val="solid"/>
-                      <a:round/>
-                      <a:headEnd type="none" w="med" len="med"/>
-                      <a:tailEnd type="none" w="med" len="med"/>
-                    </a:lnR>
-                    <a:lnT w="6350" cap="flat" cmpd="sng" algn="ctr">
-                      <a:solidFill>
-                        <a:srgbClr val="000000"/>
-                      </a:solidFill>
-                      <a:prstDash val="solid"/>
-                      <a:round/>
-                      <a:headEnd type="none" w="med" len="med"/>
-                      <a:tailEnd type="none" w="med" len="med"/>
-                    </a:lnT>
-                    <a:lnB w="6350" cap="flat" cmpd="sng" algn="ctr">
-                      <a:solidFill>
-                        <a:srgbClr val="000000"/>
-                      </a:solidFill>
-                      <a:prstDash val="solid"/>
-                      <a:round/>
-                      <a:headEnd type="none" w="med" len="med"/>
-                      <a:tailEnd type="none" w="med" len="med"/>
-                    </a:lnB>
-                    <a:noFill/>
-                  </a:tcPr>
-                </a:tc>
-                <a:tc>
-                  <a:txBody>
-                    <a:bodyPr/>
-                    <a:lstStyle/>
-                    <a:p>
-                      <a:pPr algn="r" rtl="0" fontAlgn="ctr"/>
-                      <a:r>
-                        <a:rPr lang="en-GB" sz="800" b="0" i="0" u="none" strike="noStrike">
-                          <a:solidFill>
-                            <a:srgbClr val="000000"/>
-                          </a:solidFill>
-                          <a:effectLst/>
-                          <a:latin typeface="Arial" panose="020B0604020202020204" pitchFamily="34" charset="0"/>
-                        </a:rPr>
-                        <a:t>2</a:t>
-                      </a:r>
-                    </a:p>
-                  </a:txBody>
-                  <a:tcPr marL="4886" marR="4886" marT="4886" marB="35182" anchor="ctr">
-                    <a:lnL w="6350" cap="flat" cmpd="sng" algn="ctr">
-                      <a:solidFill>
-                        <a:srgbClr val="000000"/>
-                      </a:solidFill>
-                      <a:prstDash val="solid"/>
-                      <a:round/>
-                      <a:headEnd type="none" w="med" len="med"/>
-                      <a:tailEnd type="none" w="med" len="med"/>
-                    </a:lnL>
-                    <a:lnR w="6350" cap="flat" cmpd="sng" algn="ctr">
-                      <a:solidFill>
-                        <a:srgbClr val="000000"/>
-                      </a:solidFill>
-                      <a:prstDash val="solid"/>
-                      <a:round/>
-                      <a:headEnd type="none" w="med" len="med"/>
-                      <a:tailEnd type="none" w="med" len="med"/>
-                    </a:lnR>
-                    <a:lnT w="6350" cap="flat" cmpd="sng" algn="ctr">
-                      <a:solidFill>
-                        <a:srgbClr val="000000"/>
-                      </a:solidFill>
-                      <a:prstDash val="solid"/>
-                      <a:round/>
-                      <a:headEnd type="none" w="med" len="med"/>
-                      <a:tailEnd type="none" w="med" len="med"/>
-                    </a:lnT>
-                    <a:lnB w="6350" cap="flat" cmpd="sng" algn="ctr">
-                      <a:solidFill>
-                        <a:srgbClr val="000000"/>
-                      </a:solidFill>
-                      <a:prstDash val="solid"/>
-                      <a:round/>
-                      <a:headEnd type="none" w="med" len="med"/>
-                      <a:tailEnd type="none" w="med" len="med"/>
-                    </a:lnB>
-                    <a:noFill/>
-                  </a:tcPr>
-                </a:tc>
-                <a:tc>
-                  <a:txBody>
-                    <a:bodyPr/>
-                    <a:lstStyle/>
-                    <a:p>
-                      <a:pPr algn="r" rtl="0" fontAlgn="ctr"/>
-                      <a:r>
-                        <a:rPr lang="en-GB" sz="800" b="0" i="0" u="none" strike="noStrike">
-                          <a:solidFill>
-                            <a:srgbClr val="000000"/>
-                          </a:solidFill>
-                          <a:effectLst/>
-                          <a:latin typeface="Arial" panose="020B0604020202020204" pitchFamily="34" charset="0"/>
-                        </a:rPr>
-                        <a:t>30</a:t>
-                      </a:r>
-                    </a:p>
-                  </a:txBody>
-                  <a:tcPr marL="4886" marR="4886" marT="4886" marB="35182" anchor="ctr">
-                    <a:lnL w="6350" cap="flat" cmpd="sng" algn="ctr">
-                      <a:solidFill>
-                        <a:srgbClr val="000000"/>
-                      </a:solidFill>
-                      <a:prstDash val="solid"/>
-                      <a:round/>
-                      <a:headEnd type="none" w="med" len="med"/>
-                      <a:tailEnd type="none" w="med" len="med"/>
-                    </a:lnL>
-                    <a:lnR w="6350" cap="flat" cmpd="sng" algn="ctr">
-                      <a:solidFill>
-                        <a:srgbClr val="000000"/>
-                      </a:solidFill>
-                      <a:prstDash val="solid"/>
-                      <a:round/>
-                      <a:headEnd type="none" w="med" len="med"/>
-                      <a:tailEnd type="none" w="med" len="med"/>
-                    </a:lnR>
-                    <a:lnT w="6350" cap="flat" cmpd="sng" algn="ctr">
-                      <a:solidFill>
-                        <a:srgbClr val="000000"/>
-                      </a:solidFill>
-                      <a:prstDash val="solid"/>
-                      <a:round/>
-                      <a:headEnd type="none" w="med" len="med"/>
-                      <a:tailEnd type="none" w="med" len="med"/>
-                    </a:lnT>
-                    <a:lnB w="6350" cap="flat" cmpd="sng" algn="ctr">
-                      <a:solidFill>
-                        <a:srgbClr val="000000"/>
-                      </a:solidFill>
-                      <a:prstDash val="solid"/>
-                      <a:round/>
-                      <a:headEnd type="none" w="med" len="med"/>
-                      <a:tailEnd type="none" w="med" len="med"/>
-                    </a:lnB>
-                    <a:noFill/>
-                  </a:tcPr>
-                </a:tc>
-                <a:tc>
-                  <a:txBody>
-                    <a:bodyPr/>
-                    <a:lstStyle/>
-                    <a:p>
-                      <a:pPr algn="l" rtl="0" fontAlgn="ctr"/>
-                      <a:endParaRPr lang="en-GB" sz="800" b="0" i="0" u="none" strike="noStrike">
-                        <a:solidFill>
-                          <a:srgbClr val="000000"/>
-                        </a:solidFill>
-                        <a:effectLst/>
-                        <a:latin typeface="Arial" panose="020B0604020202020204" pitchFamily="34" charset="0"/>
-                      </a:endParaRPr>
-                    </a:p>
-                  </a:txBody>
-                  <a:tcPr marL="4886" marR="4886" marT="4886" marB="35182" anchor="ctr">
-                    <a:lnL w="6350" cap="flat" cmpd="sng" algn="ctr">
-                      <a:solidFill>
-                        <a:srgbClr val="000000"/>
-                      </a:solidFill>
-                      <a:prstDash val="solid"/>
-                      <a:round/>
-                      <a:headEnd type="none" w="med" len="med"/>
-                      <a:tailEnd type="none" w="med" len="med"/>
-                    </a:lnL>
-                    <a:lnR w="6350" cap="flat" cmpd="sng" algn="ctr">
-                      <a:solidFill>
-                        <a:srgbClr val="000000"/>
-                      </a:solidFill>
-                      <a:prstDash val="solid"/>
-                      <a:round/>
-                      <a:headEnd type="none" w="med" len="med"/>
-                      <a:tailEnd type="none" w="med" len="med"/>
-                    </a:lnR>
-                    <a:lnT w="6350" cap="flat" cmpd="sng" algn="ctr">
-                      <a:solidFill>
-                        <a:srgbClr val="000000"/>
-                      </a:solidFill>
-                      <a:prstDash val="solid"/>
-                      <a:round/>
-                      <a:headEnd type="none" w="med" len="med"/>
-                      <a:tailEnd type="none" w="med" len="med"/>
-                    </a:lnT>
-                    <a:lnB w="6350" cap="flat" cmpd="sng" algn="ctr">
-                      <a:solidFill>
-                        <a:srgbClr val="000000"/>
-                      </a:solidFill>
-                      <a:prstDash val="solid"/>
-                      <a:round/>
-                      <a:headEnd type="none" w="med" len="med"/>
-                      <a:tailEnd type="none" w="med" len="med"/>
-                    </a:lnB>
-                    <a:noFill/>
-                  </a:tcPr>
-                </a:tc>
-                <a:tc>
-                  <a:txBody>
-                    <a:bodyPr/>
-                    <a:lstStyle/>
-                    <a:p>
-                      <a:pPr algn="l" rtl="0" fontAlgn="ctr"/>
-                      <a:endParaRPr lang="en-GB" sz="800" b="0" i="0" u="none" strike="noStrike">
-                        <a:solidFill>
-                          <a:srgbClr val="000000"/>
-                        </a:solidFill>
-                        <a:effectLst/>
-                        <a:latin typeface="Arial" panose="020B0604020202020204" pitchFamily="34" charset="0"/>
-                      </a:endParaRPr>
-                    </a:p>
-                  </a:txBody>
-                  <a:tcPr marL="4886" marR="4886" marT="4886" marB="35182" anchor="ctr">
-                    <a:lnL w="6350" cap="flat" cmpd="sng" algn="ctr">
-                      <a:solidFill>
-                        <a:srgbClr val="000000"/>
-                      </a:solidFill>
-                      <a:prstDash val="solid"/>
-                      <a:round/>
-                      <a:headEnd type="none" w="med" len="med"/>
-                      <a:tailEnd type="none" w="med" len="med"/>
-                    </a:lnL>
-                    <a:lnR w="6350" cap="flat" cmpd="sng" algn="ctr">
-                      <a:solidFill>
-                        <a:srgbClr val="000000"/>
-                      </a:solidFill>
-                      <a:prstDash val="solid"/>
-                      <a:round/>
-                      <a:headEnd type="none" w="med" len="med"/>
-                      <a:tailEnd type="none" w="med" len="med"/>
-                    </a:lnR>
-                    <a:lnT w="6350" cap="flat" cmpd="sng" algn="ctr">
-                      <a:solidFill>
-                        <a:srgbClr val="000000"/>
-                      </a:solidFill>
-                      <a:prstDash val="solid"/>
-                      <a:round/>
-                      <a:headEnd type="none" w="med" len="med"/>
-                      <a:tailEnd type="none" w="med" len="med"/>
-                    </a:lnT>
-                    <a:lnB w="6350" cap="flat" cmpd="sng" algn="ctr">
-                      <a:solidFill>
-                        <a:srgbClr val="000000"/>
-                      </a:solidFill>
-                      <a:prstDash val="solid"/>
-                      <a:round/>
-                      <a:headEnd type="none" w="med" len="med"/>
-                      <a:tailEnd type="none" w="med" len="med"/>
-                    </a:lnB>
-                    <a:noFill/>
-                  </a:tcPr>
-                </a:tc>
-                <a:tc>
-                  <a:txBody>
-                    <a:bodyPr/>
-                    <a:lstStyle/>
-                    <a:p>
-                      <a:pPr algn="r" rtl="0" fontAlgn="ctr"/>
-                      <a:r>
-                        <a:rPr lang="en-GB" sz="800" b="0" i="0" u="none" strike="noStrike">
-                          <a:solidFill>
-                            <a:srgbClr val="000000"/>
-                          </a:solidFill>
-                          <a:effectLst/>
-                          <a:latin typeface="Arial" panose="020B0604020202020204" pitchFamily="34" charset="0"/>
-                        </a:rPr>
-                        <a:t>2,5</a:t>
-                      </a:r>
-                    </a:p>
-                  </a:txBody>
-                  <a:tcPr marL="4886" marR="4886" marT="4886" marB="35182" anchor="ctr">
-                    <a:lnL w="6350" cap="flat" cmpd="sng" algn="ctr">
-                      <a:solidFill>
-                        <a:srgbClr val="000000"/>
-                      </a:solidFill>
-                      <a:prstDash val="solid"/>
-                      <a:round/>
-                      <a:headEnd type="none" w="med" len="med"/>
-                      <a:tailEnd type="none" w="med" len="med"/>
-                    </a:lnL>
-                    <a:lnR w="6350" cap="flat" cmpd="sng" algn="ctr">
-                      <a:solidFill>
-                        <a:srgbClr val="000000"/>
-                      </a:solidFill>
-                      <a:prstDash val="solid"/>
-                      <a:round/>
-                      <a:headEnd type="none" w="med" len="med"/>
-                      <a:tailEnd type="none" w="med" len="med"/>
-                    </a:lnR>
-                    <a:lnT w="6350" cap="flat" cmpd="sng" algn="ctr">
-                      <a:solidFill>
-                        <a:srgbClr val="000000"/>
-                      </a:solidFill>
-                      <a:prstDash val="solid"/>
-                      <a:round/>
-                      <a:headEnd type="none" w="med" len="med"/>
-                      <a:tailEnd type="none" w="med" len="med"/>
-                    </a:lnT>
-                    <a:lnB w="6350" cap="flat" cmpd="sng" algn="ctr">
-                      <a:solidFill>
-                        <a:srgbClr val="000000"/>
-                      </a:solidFill>
-                      <a:prstDash val="solid"/>
-                      <a:round/>
-                      <a:headEnd type="none" w="med" len="med"/>
-                      <a:tailEnd type="none" w="med" len="med"/>
-                    </a:lnB>
-                    <a:noFill/>
-                  </a:tcPr>
-                </a:tc>
-                <a:tc>
-                  <a:txBody>
-                    <a:bodyPr/>
-                    <a:lstStyle/>
-                    <a:p>
-                      <a:pPr algn="l" rtl="0" fontAlgn="ctr"/>
-                      <a:endParaRPr lang="en-GB" sz="800" b="0" i="0" u="none" strike="noStrike">
-                        <a:solidFill>
-                          <a:srgbClr val="000000"/>
-                        </a:solidFill>
-                        <a:effectLst/>
-                        <a:latin typeface="Arial" panose="020B0604020202020204" pitchFamily="34" charset="0"/>
-                      </a:endParaRPr>
-                    </a:p>
-                  </a:txBody>
-                  <a:tcPr marL="4886" marR="4886" marT="4886" marB="35182" anchor="ctr">
-                    <a:lnL w="6350" cap="flat" cmpd="sng" algn="ctr">
-                      <a:solidFill>
-                        <a:srgbClr val="000000"/>
-                      </a:solidFill>
-                      <a:prstDash val="solid"/>
-                      <a:round/>
-                      <a:headEnd type="none" w="med" len="med"/>
-                      <a:tailEnd type="none" w="med" len="med"/>
-                    </a:lnL>
-                    <a:lnR w="6350" cap="flat" cmpd="sng" algn="ctr">
-                      <a:solidFill>
-                        <a:srgbClr val="000000"/>
-                      </a:solidFill>
-                      <a:prstDash val="solid"/>
-                      <a:round/>
-                      <a:headEnd type="none" w="med" len="med"/>
-                      <a:tailEnd type="none" w="med" len="med"/>
-                    </a:lnR>
-                    <a:lnT w="6350" cap="flat" cmpd="sng" algn="ctr">
-                      <a:solidFill>
-                        <a:srgbClr val="000000"/>
-                      </a:solidFill>
-                      <a:prstDash val="solid"/>
-                      <a:round/>
-                      <a:headEnd type="none" w="med" len="med"/>
-                      <a:tailEnd type="none" w="med" len="med"/>
-                    </a:lnT>
-                    <a:lnB w="6350" cap="flat" cmpd="sng" algn="ctr">
-                      <a:solidFill>
-                        <a:srgbClr val="000000"/>
-                      </a:solidFill>
-                      <a:prstDash val="solid"/>
-                      <a:round/>
-                      <a:headEnd type="none" w="med" len="med"/>
-                      <a:tailEnd type="none" w="med" len="med"/>
-                    </a:lnB>
-                    <a:noFill/>
-                  </a:tcPr>
-                </a:tc>
-                <a:tc>
-                  <a:txBody>
-                    <a:bodyPr/>
-                    <a:lstStyle/>
-                    <a:p>
-                      <a:pPr algn="l" rtl="0" fontAlgn="ctr"/>
-                      <a:endParaRPr lang="en-GB" sz="800" b="0" i="0" u="none" strike="noStrike">
-                        <a:solidFill>
-                          <a:srgbClr val="000000"/>
-                        </a:solidFill>
-                        <a:effectLst/>
-                        <a:latin typeface="Arial" panose="020B0604020202020204" pitchFamily="34" charset="0"/>
-                      </a:endParaRPr>
-                    </a:p>
-                  </a:txBody>
-                  <a:tcPr marL="4886" marR="4886" marT="4886" marB="35182" anchor="ctr">
-                    <a:lnL w="6350" cap="flat" cmpd="sng" algn="ctr">
-                      <a:solidFill>
-                        <a:srgbClr val="000000"/>
-                      </a:solidFill>
-                      <a:prstDash val="solid"/>
-                      <a:round/>
-                      <a:headEnd type="none" w="med" len="med"/>
-                      <a:tailEnd type="none" w="med" len="med"/>
-                    </a:lnL>
-                    <a:lnR w="6350" cap="flat" cmpd="sng" algn="ctr">
-                      <a:solidFill>
-                        <a:srgbClr val="000000"/>
-                      </a:solidFill>
-                      <a:prstDash val="solid"/>
-                      <a:round/>
-                      <a:headEnd type="none" w="med" len="med"/>
-                      <a:tailEnd type="none" w="med" len="med"/>
-                    </a:lnR>
-                    <a:lnT w="6350" cap="flat" cmpd="sng" algn="ctr">
-                      <a:solidFill>
-                        <a:srgbClr val="000000"/>
-                      </a:solidFill>
-                      <a:prstDash val="solid"/>
-                      <a:round/>
-                      <a:headEnd type="none" w="med" len="med"/>
-                      <a:tailEnd type="none" w="med" len="med"/>
-                    </a:lnT>
-                    <a:lnB w="6350" cap="flat" cmpd="sng" algn="ctr">
-                      <a:solidFill>
-                        <a:srgbClr val="000000"/>
-                      </a:solidFill>
-                      <a:prstDash val="solid"/>
-                      <a:round/>
-                      <a:headEnd type="none" w="med" len="med"/>
-                      <a:tailEnd type="none" w="med" len="med"/>
-                    </a:lnB>
-                    <a:noFill/>
-                  </a:tcPr>
-                </a:tc>
-                <a:tc>
-                  <a:txBody>
-                    <a:bodyPr/>
-                    <a:lstStyle/>
-                    <a:p>
-                      <a:pPr algn="r" rtl="0" fontAlgn="ctr"/>
-                      <a:r>
-                        <a:rPr lang="en-GB" sz="800" b="0" i="0" u="none" strike="noStrike">
-                          <a:solidFill>
-                            <a:srgbClr val="000000"/>
-                          </a:solidFill>
-                          <a:effectLst/>
-                          <a:latin typeface="Arial" panose="020B0604020202020204" pitchFamily="34" charset="0"/>
-                        </a:rPr>
-                        <a:t>34,5</a:t>
-                      </a:r>
-                    </a:p>
-                  </a:txBody>
-                  <a:tcPr marL="4886" marR="4886" marT="4886" marB="35182" anchor="ctr">
-                    <a:lnL w="6350" cap="flat" cmpd="sng" algn="ctr">
-                      <a:solidFill>
-                        <a:srgbClr val="000000"/>
-                      </a:solidFill>
-                      <a:prstDash val="solid"/>
-                      <a:round/>
-                      <a:headEnd type="none" w="med" len="med"/>
-                      <a:tailEnd type="none" w="med" len="med"/>
-                    </a:lnL>
-                    <a:lnR w="6350" cap="flat" cmpd="sng" algn="ctr">
-                      <a:solidFill>
-                        <a:srgbClr val="000000"/>
-                      </a:solidFill>
-                      <a:prstDash val="solid"/>
-                      <a:round/>
-                      <a:headEnd type="none" w="med" len="med"/>
-                      <a:tailEnd type="none" w="med" len="med"/>
-                    </a:lnR>
-                    <a:lnT w="6350" cap="flat" cmpd="sng" algn="ctr">
-                      <a:solidFill>
-                        <a:srgbClr val="000000"/>
-                      </a:solidFill>
-                      <a:prstDash val="solid"/>
-                      <a:round/>
-                      <a:headEnd type="none" w="med" len="med"/>
-                      <a:tailEnd type="none" w="med" len="med"/>
-                    </a:lnT>
-                    <a:lnB w="6350" cap="flat" cmpd="sng" algn="ctr">
-                      <a:solidFill>
-                        <a:srgbClr val="000000"/>
-                      </a:solidFill>
-                      <a:prstDash val="solid"/>
-                      <a:round/>
-                      <a:headEnd type="none" w="med" len="med"/>
-                      <a:tailEnd type="none" w="med" len="med"/>
-                    </a:lnB>
-                    <a:solidFill>
-                      <a:srgbClr val="FDC47D"/>
-                    </a:solidFill>
-                  </a:tcPr>
-                </a:tc>
-                <a:tc>
-                  <a:txBody>
-                    <a:bodyPr/>
-                    <a:lstStyle/>
-                    <a:p>
-                      <a:pPr algn="r" rtl="0" fontAlgn="ctr"/>
-                      <a:r>
-                        <a:rPr lang="en-GB" sz="800" b="0" i="0" u="none" strike="noStrike">
-                          <a:solidFill>
-                            <a:srgbClr val="000000"/>
-                          </a:solidFill>
-                          <a:effectLst/>
-                          <a:latin typeface="Arial" panose="020B0604020202020204" pitchFamily="34" charset="0"/>
-                        </a:rPr>
-                        <a:t>26,85%</a:t>
-                      </a:r>
-                    </a:p>
-                  </a:txBody>
-                  <a:tcPr marL="4886" marR="4886" marT="4886" marB="35182" anchor="ctr">
-                    <a:lnL w="6350" cap="flat" cmpd="sng" algn="ctr">
-                      <a:solidFill>
-                        <a:srgbClr val="000000"/>
-                      </a:solidFill>
-                      <a:prstDash val="solid"/>
-                      <a:round/>
-                      <a:headEnd type="none" w="med" len="med"/>
-                      <a:tailEnd type="none" w="med" len="med"/>
-                    </a:lnL>
-                    <a:lnR w="6350" cap="flat" cmpd="sng" algn="ctr">
-                      <a:solidFill>
-                        <a:srgbClr val="000000"/>
-                      </a:solidFill>
-                      <a:prstDash val="solid"/>
-                      <a:round/>
-                      <a:headEnd type="none" w="med" len="med"/>
-                      <a:tailEnd type="none" w="med" len="med"/>
-                    </a:lnR>
-                    <a:lnT w="6350" cap="flat" cmpd="sng" algn="ctr">
-                      <a:solidFill>
-                        <a:srgbClr val="000000"/>
-                      </a:solidFill>
-                      <a:prstDash val="solid"/>
-                      <a:round/>
-                      <a:headEnd type="none" w="med" len="med"/>
-                      <a:tailEnd type="none" w="med" len="med"/>
-                    </a:lnT>
-                    <a:lnB w="6350" cap="flat" cmpd="sng" algn="ctr">
-                      <a:solidFill>
-                        <a:srgbClr val="000000"/>
-                      </a:solidFill>
-                      <a:prstDash val="solid"/>
-                      <a:round/>
-                      <a:headEnd type="none" w="med" len="med"/>
-                      <a:tailEnd type="none" w="med" len="med"/>
-                    </a:lnB>
-                    <a:noFill/>
-                  </a:tcPr>
-                </a:tc>
-                <a:extLst>
-                  <a:ext uri="{0D108BD9-81ED-4DB2-BD59-A6C34878D82A}">
-                    <a16:rowId xmlns:a16="http://schemas.microsoft.com/office/drawing/2014/main" val="2942817072"/>
-                  </a:ext>
-                </a:extLst>
-              </a:tr>
-              <a:tr h="157343">
-                <a:tc>
-                  <a:txBody>
-                    <a:bodyPr/>
-                    <a:lstStyle/>
-                    <a:p>
-                      <a:pPr algn="l" rtl="0" fontAlgn="ctr"/>
-                      <a:r>
-                        <a:rPr lang="en-GB" sz="800" b="0" i="0" u="none" strike="noStrike">
-                          <a:solidFill>
-                            <a:srgbClr val="000000"/>
-                          </a:solidFill>
-                          <a:effectLst/>
-                          <a:latin typeface="Arial" panose="020B0604020202020204" pitchFamily="34" charset="0"/>
-                        </a:rPr>
-                        <a:t>Alessandro Finocchi</a:t>
-                      </a:r>
-                    </a:p>
-                  </a:txBody>
-                  <a:tcPr marL="4886" marR="4886" marT="4886" marB="35182" anchor="ctr">
-                    <a:lnL w="6350" cap="flat" cmpd="sng" algn="ctr">
-                      <a:solidFill>
-                        <a:srgbClr val="000000"/>
-                      </a:solidFill>
-                      <a:prstDash val="solid"/>
-                      <a:round/>
-                      <a:headEnd type="none" w="med" len="med"/>
-                      <a:tailEnd type="none" w="med" len="med"/>
-                    </a:lnL>
-                    <a:lnR w="6350" cap="flat" cmpd="sng" algn="ctr">
-                      <a:solidFill>
-                        <a:srgbClr val="000000"/>
-                      </a:solidFill>
-                      <a:prstDash val="solid"/>
-                      <a:round/>
-                      <a:headEnd type="none" w="med" len="med"/>
-                      <a:tailEnd type="none" w="med" len="med"/>
-                    </a:lnR>
-                    <a:lnT w="6350" cap="flat" cmpd="sng" algn="ctr">
-                      <a:solidFill>
-                        <a:srgbClr val="000000"/>
-                      </a:solidFill>
-                      <a:prstDash val="solid"/>
-                      <a:round/>
-                      <a:headEnd type="none" w="med" len="med"/>
-                      <a:tailEnd type="none" w="med" len="med"/>
-                    </a:lnT>
-                    <a:lnB w="6350" cap="flat" cmpd="sng" algn="ctr">
-                      <a:solidFill>
-                        <a:srgbClr val="000000"/>
-                      </a:solidFill>
-                      <a:prstDash val="solid"/>
-                      <a:round/>
-                      <a:headEnd type="none" w="med" len="med"/>
-                      <a:tailEnd type="none" w="med" len="med"/>
-                    </a:lnB>
-                    <a:solidFill>
-                      <a:srgbClr val="C0E4F5"/>
-                    </a:solidFill>
-                  </a:tcPr>
-                </a:tc>
-                <a:tc>
-                  <a:txBody>
-                    <a:bodyPr/>
-                    <a:lstStyle/>
-                    <a:p>
-                      <a:pPr algn="l" rtl="0" fontAlgn="ctr"/>
-                      <a:endParaRPr lang="en-GB" sz="800" b="0" i="0" u="none" strike="noStrike">
-                        <a:solidFill>
-                          <a:srgbClr val="000000"/>
-                        </a:solidFill>
-                        <a:effectLst/>
-                        <a:latin typeface="Arial" panose="020B0604020202020204" pitchFamily="34" charset="0"/>
-                      </a:endParaRPr>
-                    </a:p>
-                  </a:txBody>
-                  <a:tcPr marL="4886" marR="4886" marT="4886" marB="35182" anchor="ctr">
-                    <a:lnL w="6350" cap="flat" cmpd="sng" algn="ctr">
-                      <a:solidFill>
-                        <a:srgbClr val="000000"/>
-                      </a:solidFill>
-                      <a:prstDash val="solid"/>
-                      <a:round/>
-                      <a:headEnd type="none" w="med" len="med"/>
-                      <a:tailEnd type="none" w="med" len="med"/>
-                    </a:lnL>
-                    <a:lnR w="6350" cap="flat" cmpd="sng" algn="ctr">
-                      <a:solidFill>
-                        <a:srgbClr val="000000"/>
-                      </a:solidFill>
-                      <a:prstDash val="solid"/>
-                      <a:round/>
-                      <a:headEnd type="none" w="med" len="med"/>
-                      <a:tailEnd type="none" w="med" len="med"/>
-                    </a:lnR>
-                    <a:lnT w="6350" cap="flat" cmpd="sng" algn="ctr">
-                      <a:solidFill>
-                        <a:srgbClr val="000000"/>
-                      </a:solidFill>
-                      <a:prstDash val="solid"/>
-                      <a:round/>
-                      <a:headEnd type="none" w="med" len="med"/>
-                      <a:tailEnd type="none" w="med" len="med"/>
-                    </a:lnT>
-                    <a:lnB w="6350" cap="flat" cmpd="sng" algn="ctr">
-                      <a:solidFill>
-                        <a:srgbClr val="000000"/>
-                      </a:solidFill>
-                      <a:prstDash val="solid"/>
-                      <a:round/>
-                      <a:headEnd type="none" w="med" len="med"/>
-                      <a:tailEnd type="none" w="med" len="med"/>
-                    </a:lnB>
-                    <a:noFill/>
-                  </a:tcPr>
-                </a:tc>
-                <a:tc>
-                  <a:txBody>
-                    <a:bodyPr/>
-                    <a:lstStyle/>
-                    <a:p>
-                      <a:pPr algn="r" rtl="0" fontAlgn="ctr"/>
-                      <a:r>
-                        <a:rPr lang="en-GB" sz="800" b="0" i="0" u="none" strike="noStrike">
-                          <a:solidFill>
-                            <a:srgbClr val="000000"/>
-                          </a:solidFill>
-                          <a:effectLst/>
-                          <a:latin typeface="Arial" panose="020B0604020202020204" pitchFamily="34" charset="0"/>
-                        </a:rPr>
-                        <a:t>2,5</a:t>
-                      </a:r>
-                    </a:p>
-                  </a:txBody>
-                  <a:tcPr marL="4886" marR="4886" marT="4886" marB="35182" anchor="ctr">
-                    <a:lnL w="6350" cap="flat" cmpd="sng" algn="ctr">
-                      <a:solidFill>
-                        <a:srgbClr val="000000"/>
-                      </a:solidFill>
-                      <a:prstDash val="solid"/>
-                      <a:round/>
-                      <a:headEnd type="none" w="med" len="med"/>
-                      <a:tailEnd type="none" w="med" len="med"/>
-                    </a:lnL>
-                    <a:lnR w="6350" cap="flat" cmpd="sng" algn="ctr">
-                      <a:solidFill>
-                        <a:srgbClr val="000000"/>
-                      </a:solidFill>
-                      <a:prstDash val="solid"/>
-                      <a:round/>
-                      <a:headEnd type="none" w="med" len="med"/>
-                      <a:tailEnd type="none" w="med" len="med"/>
-                    </a:lnR>
-                    <a:lnT w="6350" cap="flat" cmpd="sng" algn="ctr">
-                      <a:solidFill>
-                        <a:srgbClr val="000000"/>
-                      </a:solidFill>
-                      <a:prstDash val="solid"/>
-                      <a:round/>
-                      <a:headEnd type="none" w="med" len="med"/>
-                      <a:tailEnd type="none" w="med" len="med"/>
-                    </a:lnT>
-                    <a:lnB w="6350" cap="flat" cmpd="sng" algn="ctr">
-                      <a:solidFill>
-                        <a:srgbClr val="000000"/>
-                      </a:solidFill>
-                      <a:prstDash val="solid"/>
-                      <a:round/>
-                      <a:headEnd type="none" w="med" len="med"/>
-                      <a:tailEnd type="none" w="med" len="med"/>
-                    </a:lnB>
-                    <a:noFill/>
-                  </a:tcPr>
-                </a:tc>
-                <a:tc>
-                  <a:txBody>
-                    <a:bodyPr/>
-                    <a:lstStyle/>
-                    <a:p>
-                      <a:pPr algn="r" rtl="0" fontAlgn="ctr"/>
-                      <a:r>
-                        <a:rPr lang="en-GB" sz="800" b="0" i="0" u="none" strike="noStrike" dirty="0">
-                          <a:solidFill>
-                            <a:srgbClr val="000000"/>
-                          </a:solidFill>
-                          <a:effectLst/>
-                          <a:latin typeface="Arial" panose="020B0604020202020204" pitchFamily="34" charset="0"/>
-                        </a:rPr>
-                        <a:t>4</a:t>
-                      </a:r>
-                    </a:p>
-                  </a:txBody>
-                  <a:tcPr marL="4886" marR="4886" marT="4886" marB="35182" anchor="ctr">
-                    <a:lnL w="6350" cap="flat" cmpd="sng" algn="ctr">
-                      <a:solidFill>
-                        <a:srgbClr val="000000"/>
-                      </a:solidFill>
-                      <a:prstDash val="solid"/>
-                      <a:round/>
-                      <a:headEnd type="none" w="med" len="med"/>
-                      <a:tailEnd type="none" w="med" len="med"/>
-                    </a:lnL>
-                    <a:lnR w="6350" cap="flat" cmpd="sng" algn="ctr">
-                      <a:solidFill>
-                        <a:srgbClr val="000000"/>
-                      </a:solidFill>
-                      <a:prstDash val="solid"/>
-                      <a:round/>
-                      <a:headEnd type="none" w="med" len="med"/>
-                      <a:tailEnd type="none" w="med" len="med"/>
-                    </a:lnR>
-                    <a:lnT w="6350" cap="flat" cmpd="sng" algn="ctr">
-                      <a:solidFill>
-                        <a:srgbClr val="000000"/>
-                      </a:solidFill>
-                      <a:prstDash val="solid"/>
-                      <a:round/>
-                      <a:headEnd type="none" w="med" len="med"/>
-                      <a:tailEnd type="none" w="med" len="med"/>
-                    </a:lnT>
-                    <a:lnB w="6350" cap="flat" cmpd="sng" algn="ctr">
-                      <a:solidFill>
-                        <a:srgbClr val="000000"/>
-                      </a:solidFill>
-                      <a:prstDash val="solid"/>
-                      <a:round/>
-                      <a:headEnd type="none" w="med" len="med"/>
-                      <a:tailEnd type="none" w="med" len="med"/>
-                    </a:lnB>
-                    <a:noFill/>
-                  </a:tcPr>
-                </a:tc>
-                <a:tc>
-                  <a:txBody>
-                    <a:bodyPr/>
-                    <a:lstStyle/>
-                    <a:p>
-                      <a:pPr algn="r" rtl="0" fontAlgn="ctr"/>
-                      <a:r>
-                        <a:rPr lang="en-GB" sz="800" b="0" i="0" u="none" strike="noStrike" dirty="0">
-                          <a:solidFill>
-                            <a:srgbClr val="000000"/>
-                          </a:solidFill>
-                          <a:effectLst/>
-                          <a:latin typeface="Arial" panose="020B0604020202020204" pitchFamily="34" charset="0"/>
-                        </a:rPr>
-                        <a:t>2</a:t>
-                      </a:r>
-                    </a:p>
-                  </a:txBody>
-                  <a:tcPr marL="4886" marR="4886" marT="4886" marB="35182" anchor="ctr">
-                    <a:lnL w="6350" cap="flat" cmpd="sng" algn="ctr">
-                      <a:solidFill>
-                        <a:srgbClr val="000000"/>
-                      </a:solidFill>
-                      <a:prstDash val="solid"/>
-                      <a:round/>
-                      <a:headEnd type="none" w="med" len="med"/>
-                      <a:tailEnd type="none" w="med" len="med"/>
-                    </a:lnL>
-                    <a:lnR w="6350" cap="flat" cmpd="sng" algn="ctr">
-                      <a:solidFill>
-                        <a:srgbClr val="000000"/>
-                      </a:solidFill>
-                      <a:prstDash val="solid"/>
-                      <a:round/>
-                      <a:headEnd type="none" w="med" len="med"/>
-                      <a:tailEnd type="none" w="med" len="med"/>
-                    </a:lnR>
-                    <a:lnT w="6350" cap="flat" cmpd="sng" algn="ctr">
-                      <a:solidFill>
-                        <a:srgbClr val="000000"/>
-                      </a:solidFill>
-                      <a:prstDash val="solid"/>
-                      <a:round/>
-                      <a:headEnd type="none" w="med" len="med"/>
-                      <a:tailEnd type="none" w="med" len="med"/>
-                    </a:lnT>
-                    <a:lnB w="6350" cap="flat" cmpd="sng" algn="ctr">
-                      <a:solidFill>
-                        <a:srgbClr val="000000"/>
-                      </a:solidFill>
-                      <a:prstDash val="solid"/>
-                      <a:round/>
-                      <a:headEnd type="none" w="med" len="med"/>
-                      <a:tailEnd type="none" w="med" len="med"/>
-                    </a:lnB>
-                    <a:noFill/>
-                  </a:tcPr>
-                </a:tc>
-                <a:tc>
-                  <a:txBody>
-                    <a:bodyPr/>
-                    <a:lstStyle/>
-                    <a:p>
-                      <a:pPr algn="r" rtl="0" fontAlgn="ctr"/>
-                      <a:r>
-                        <a:rPr lang="en-GB" sz="800" b="0" i="0" u="none" strike="noStrike">
-                          <a:solidFill>
-                            <a:srgbClr val="000000"/>
-                          </a:solidFill>
-                          <a:effectLst/>
-                          <a:latin typeface="Arial" panose="020B0604020202020204" pitchFamily="34" charset="0"/>
-                        </a:rPr>
-                        <a:t>13</a:t>
-                      </a:r>
-                    </a:p>
-                  </a:txBody>
-                  <a:tcPr marL="4886" marR="4886" marT="4886" marB="35182" anchor="ctr">
-                    <a:lnL w="6350" cap="flat" cmpd="sng" algn="ctr">
-                      <a:solidFill>
-                        <a:srgbClr val="000000"/>
-                      </a:solidFill>
-                      <a:prstDash val="solid"/>
-                      <a:round/>
-                      <a:headEnd type="none" w="med" len="med"/>
-                      <a:tailEnd type="none" w="med" len="med"/>
-                    </a:lnL>
-                    <a:lnR w="6350" cap="flat" cmpd="sng" algn="ctr">
-                      <a:solidFill>
-                        <a:srgbClr val="000000"/>
-                      </a:solidFill>
-                      <a:prstDash val="solid"/>
-                      <a:round/>
-                      <a:headEnd type="none" w="med" len="med"/>
-                      <a:tailEnd type="none" w="med" len="med"/>
-                    </a:lnR>
-                    <a:lnT w="6350" cap="flat" cmpd="sng" algn="ctr">
-                      <a:solidFill>
-                        <a:srgbClr val="000000"/>
-                      </a:solidFill>
-                      <a:prstDash val="solid"/>
-                      <a:round/>
-                      <a:headEnd type="none" w="med" len="med"/>
-                      <a:tailEnd type="none" w="med" len="med"/>
-                    </a:lnT>
-                    <a:lnB w="6350" cap="flat" cmpd="sng" algn="ctr">
-                      <a:solidFill>
-                        <a:srgbClr val="000000"/>
-                      </a:solidFill>
-                      <a:prstDash val="solid"/>
-                      <a:round/>
-                      <a:headEnd type="none" w="med" len="med"/>
-                      <a:tailEnd type="none" w="med" len="med"/>
-                    </a:lnB>
-                    <a:noFill/>
-                  </a:tcPr>
-                </a:tc>
-                <a:tc>
-                  <a:txBody>
-                    <a:bodyPr/>
-                    <a:lstStyle/>
-                    <a:p>
-                      <a:pPr algn="l" rtl="0" fontAlgn="ctr"/>
-                      <a:endParaRPr lang="en-GB" sz="800" b="0" i="0" u="none" strike="noStrike">
-                        <a:solidFill>
-                          <a:srgbClr val="000000"/>
-                        </a:solidFill>
-                        <a:effectLst/>
-                        <a:latin typeface="Arial" panose="020B0604020202020204" pitchFamily="34" charset="0"/>
-                      </a:endParaRPr>
-                    </a:p>
-                  </a:txBody>
-                  <a:tcPr marL="4886" marR="4886" marT="4886" marB="35182" anchor="ctr">
-                    <a:lnL w="6350" cap="flat" cmpd="sng" algn="ctr">
-                      <a:solidFill>
-                        <a:srgbClr val="000000"/>
-                      </a:solidFill>
-                      <a:prstDash val="solid"/>
-                      <a:round/>
-                      <a:headEnd type="none" w="med" len="med"/>
-                      <a:tailEnd type="none" w="med" len="med"/>
-                    </a:lnL>
-                    <a:lnR w="6350" cap="flat" cmpd="sng" algn="ctr">
-                      <a:solidFill>
-                        <a:srgbClr val="000000"/>
-                      </a:solidFill>
-                      <a:prstDash val="solid"/>
-                      <a:round/>
-                      <a:headEnd type="none" w="med" len="med"/>
-                      <a:tailEnd type="none" w="med" len="med"/>
-                    </a:lnR>
-                    <a:lnT w="6350" cap="flat" cmpd="sng" algn="ctr">
-                      <a:solidFill>
-                        <a:srgbClr val="000000"/>
-                      </a:solidFill>
-                      <a:prstDash val="solid"/>
-                      <a:round/>
-                      <a:headEnd type="none" w="med" len="med"/>
-                      <a:tailEnd type="none" w="med" len="med"/>
-                    </a:lnT>
-                    <a:lnB w="6350" cap="flat" cmpd="sng" algn="ctr">
-                      <a:solidFill>
-                        <a:srgbClr val="000000"/>
-                      </a:solidFill>
-                      <a:prstDash val="solid"/>
-                      <a:round/>
-                      <a:headEnd type="none" w="med" len="med"/>
-                      <a:tailEnd type="none" w="med" len="med"/>
-                    </a:lnB>
-                    <a:noFill/>
-                  </a:tcPr>
-                </a:tc>
-                <a:tc>
-                  <a:txBody>
-                    <a:bodyPr/>
-                    <a:lstStyle/>
-                    <a:p>
-                      <a:pPr algn="l" rtl="0" fontAlgn="ctr"/>
-                      <a:endParaRPr lang="en-GB" sz="800" b="0" i="0" u="none" strike="noStrike">
-                        <a:solidFill>
-                          <a:srgbClr val="000000"/>
-                        </a:solidFill>
-                        <a:effectLst/>
-                        <a:latin typeface="Arial" panose="020B0604020202020204" pitchFamily="34" charset="0"/>
-                      </a:endParaRPr>
-                    </a:p>
-                  </a:txBody>
-                  <a:tcPr marL="4886" marR="4886" marT="4886" marB="35182" anchor="ctr">
-                    <a:lnL w="6350" cap="flat" cmpd="sng" algn="ctr">
-                      <a:solidFill>
-                        <a:srgbClr val="000000"/>
-                      </a:solidFill>
-                      <a:prstDash val="solid"/>
-                      <a:round/>
-                      <a:headEnd type="none" w="med" len="med"/>
-                      <a:tailEnd type="none" w="med" len="med"/>
-                    </a:lnL>
-                    <a:lnR w="6350" cap="flat" cmpd="sng" algn="ctr">
-                      <a:solidFill>
-                        <a:srgbClr val="000000"/>
-                      </a:solidFill>
-                      <a:prstDash val="solid"/>
-                      <a:round/>
-                      <a:headEnd type="none" w="med" len="med"/>
-                      <a:tailEnd type="none" w="med" len="med"/>
-                    </a:lnR>
-                    <a:lnT w="6350" cap="flat" cmpd="sng" algn="ctr">
-                      <a:solidFill>
-                        <a:srgbClr val="000000"/>
-                      </a:solidFill>
-                      <a:prstDash val="solid"/>
-                      <a:round/>
-                      <a:headEnd type="none" w="med" len="med"/>
-                      <a:tailEnd type="none" w="med" len="med"/>
-                    </a:lnT>
-                    <a:lnB w="6350" cap="flat" cmpd="sng" algn="ctr">
-                      <a:solidFill>
-                        <a:srgbClr val="000000"/>
-                      </a:solidFill>
-                      <a:prstDash val="solid"/>
-                      <a:round/>
-                      <a:headEnd type="none" w="med" len="med"/>
-                      <a:tailEnd type="none" w="med" len="med"/>
-                    </a:lnB>
-                    <a:noFill/>
-                  </a:tcPr>
-                </a:tc>
-                <a:tc>
-                  <a:txBody>
-                    <a:bodyPr/>
-                    <a:lstStyle/>
-                    <a:p>
-                      <a:pPr algn="r" rtl="0" fontAlgn="ctr"/>
-                      <a:r>
-                        <a:rPr lang="en-GB" sz="800" b="0" i="0" u="none" strike="noStrike">
-                          <a:solidFill>
-                            <a:srgbClr val="000000"/>
-                          </a:solidFill>
-                          <a:effectLst/>
-                          <a:latin typeface="Arial" panose="020B0604020202020204" pitchFamily="34" charset="0"/>
-                        </a:rPr>
-                        <a:t>3,5</a:t>
-                      </a:r>
-                    </a:p>
-                  </a:txBody>
-                  <a:tcPr marL="4886" marR="4886" marT="4886" marB="35182" anchor="ctr">
-                    <a:lnL w="6350" cap="flat" cmpd="sng" algn="ctr">
-                      <a:solidFill>
-                        <a:srgbClr val="000000"/>
-                      </a:solidFill>
-                      <a:prstDash val="solid"/>
-                      <a:round/>
-                      <a:headEnd type="none" w="med" len="med"/>
-                      <a:tailEnd type="none" w="med" len="med"/>
-                    </a:lnL>
-                    <a:lnR w="6350" cap="flat" cmpd="sng" algn="ctr">
-                      <a:solidFill>
-                        <a:srgbClr val="000000"/>
-                      </a:solidFill>
-                      <a:prstDash val="solid"/>
-                      <a:round/>
-                      <a:headEnd type="none" w="med" len="med"/>
-                      <a:tailEnd type="none" w="med" len="med"/>
-                    </a:lnR>
-                    <a:lnT w="6350" cap="flat" cmpd="sng" algn="ctr">
-                      <a:solidFill>
-                        <a:srgbClr val="000000"/>
-                      </a:solidFill>
-                      <a:prstDash val="solid"/>
-                      <a:round/>
-                      <a:headEnd type="none" w="med" len="med"/>
-                      <a:tailEnd type="none" w="med" len="med"/>
-                    </a:lnT>
-                    <a:lnB w="6350" cap="flat" cmpd="sng" algn="ctr">
-                      <a:solidFill>
-                        <a:srgbClr val="000000"/>
-                      </a:solidFill>
-                      <a:prstDash val="solid"/>
-                      <a:round/>
-                      <a:headEnd type="none" w="med" len="med"/>
-                      <a:tailEnd type="none" w="med" len="med"/>
-                    </a:lnB>
-                    <a:noFill/>
-                  </a:tcPr>
-                </a:tc>
-                <a:tc>
-                  <a:txBody>
-                    <a:bodyPr/>
-                    <a:lstStyle/>
-                    <a:p>
-                      <a:pPr algn="l" rtl="0" fontAlgn="ctr"/>
-                      <a:endParaRPr lang="en-GB" sz="800" b="0" i="0" u="none" strike="noStrike">
-                        <a:solidFill>
-                          <a:srgbClr val="000000"/>
-                        </a:solidFill>
-                        <a:effectLst/>
-                        <a:latin typeface="Arial" panose="020B0604020202020204" pitchFamily="34" charset="0"/>
-                      </a:endParaRPr>
-                    </a:p>
-                  </a:txBody>
-                  <a:tcPr marL="4886" marR="4886" marT="4886" marB="35182" anchor="ctr">
-                    <a:lnL w="6350" cap="flat" cmpd="sng" algn="ctr">
-                      <a:solidFill>
-                        <a:srgbClr val="000000"/>
-                      </a:solidFill>
-                      <a:prstDash val="solid"/>
-                      <a:round/>
-                      <a:headEnd type="none" w="med" len="med"/>
-                      <a:tailEnd type="none" w="med" len="med"/>
-                    </a:lnL>
-                    <a:lnR w="6350" cap="flat" cmpd="sng" algn="ctr">
-                      <a:solidFill>
-                        <a:srgbClr val="000000"/>
-                      </a:solidFill>
-                      <a:prstDash val="solid"/>
-                      <a:round/>
-                      <a:headEnd type="none" w="med" len="med"/>
-                      <a:tailEnd type="none" w="med" len="med"/>
-                    </a:lnR>
-                    <a:lnT w="6350" cap="flat" cmpd="sng" algn="ctr">
-                      <a:solidFill>
-                        <a:srgbClr val="000000"/>
-                      </a:solidFill>
-                      <a:prstDash val="solid"/>
-                      <a:round/>
-                      <a:headEnd type="none" w="med" len="med"/>
-                      <a:tailEnd type="none" w="med" len="med"/>
-                    </a:lnT>
-                    <a:lnB w="6350" cap="flat" cmpd="sng" algn="ctr">
-                      <a:solidFill>
-                        <a:srgbClr val="000000"/>
-                      </a:solidFill>
-                      <a:prstDash val="solid"/>
-                      <a:round/>
-                      <a:headEnd type="none" w="med" len="med"/>
-                      <a:tailEnd type="none" w="med" len="med"/>
-                    </a:lnB>
-                    <a:noFill/>
-                  </a:tcPr>
-                </a:tc>
-                <a:tc>
-                  <a:txBody>
-                    <a:bodyPr/>
-                    <a:lstStyle/>
-                    <a:p>
-                      <a:pPr algn="r" rtl="0" fontAlgn="ctr"/>
-                      <a:r>
-                        <a:rPr lang="en-GB" sz="800" b="0" i="0" u="none" strike="noStrike" dirty="0">
-                          <a:solidFill>
-                            <a:srgbClr val="000000"/>
-                          </a:solidFill>
-                          <a:effectLst/>
-                          <a:latin typeface="Arial" panose="020B0604020202020204" pitchFamily="34" charset="0"/>
-                        </a:rPr>
-                        <a:t>25</a:t>
-                      </a:r>
-                    </a:p>
-                  </a:txBody>
-                  <a:tcPr marL="4886" marR="4886" marT="4886" marB="35182" anchor="ctr">
+                  <a:tcPr marL="9525" marR="9525" marT="9525" anchor="ctr">
                     <a:lnL w="6350" cap="flat" cmpd="sng" algn="ctr">
                       <a:solidFill>
                         <a:srgbClr val="000000"/>
@@ -17779,18 +17323,15 @@
                     <a:p>
                       <a:pPr algn="r" rtl="0" fontAlgn="ctr"/>
                       <a:r>
-                        <a:rPr lang="en-GB" sz="800" b="0" i="0" u="none" strike="noStrike">
-                          <a:solidFill>
-                            <a:srgbClr val="000000"/>
-                          </a:solidFill>
+                        <a:rPr lang="it-IT" sz="1000">
                           <a:effectLst/>
                           <a:latin typeface="Arial" panose="020B0604020202020204" pitchFamily="34" charset="0"/>
                         </a:rPr>
-                        <a:t>18,68%</a:t>
+                        <a:t>20,86%</a:t>
                       </a:r>
                     </a:p>
                   </a:txBody>
-                  <a:tcPr marL="4886" marR="4886" marT="4886" marB="35182" anchor="ctr">
+                  <a:tcPr marL="9525" marR="9525" marT="9525" anchor="ctr">
                     <a:lnL w="6350" cap="flat" cmpd="sng" algn="ctr">
                       <a:solidFill>
                         <a:srgbClr val="000000"/>
@@ -17832,22 +17373,675 @@
                 </a:tc>
                 <a:extLst>
                   <a:ext uri="{0D108BD9-81ED-4DB2-BD59-A6C34878D82A}">
-                    <a16:rowId xmlns:a16="http://schemas.microsoft.com/office/drawing/2014/main" val="2837308434"/>
+                    <a16:rowId xmlns:a16="http://schemas.microsoft.com/office/drawing/2014/main" val="135383729"/>
                   </a:ext>
                 </a:extLst>
               </a:tr>
-              <a:tr h="157343">
+              <a:tr h="295275">
                 <a:tc>
                   <a:txBody>
                     <a:bodyPr/>
                     <a:lstStyle/>
                     <a:p>
-                      <a:pPr algn="l" rtl="0" fontAlgn="ctr"/>
+                      <a:pPr rtl="0" fontAlgn="ctr"/>
                       <a:r>
-                        <a:rPr lang="en-GB" sz="800" b="0" i="0" u="none" strike="noStrike">
-                          <a:solidFill>
-                            <a:srgbClr val="000000"/>
-                          </a:solidFill>
+                        <a:rPr lang="it-IT" sz="1000">
+                          <a:effectLst/>
+                          <a:latin typeface="Arial" panose="020B0604020202020204" pitchFamily="34" charset="0"/>
+                        </a:rPr>
+                        <a:t>Alessandro Finocchi</a:t>
+                      </a:r>
+                    </a:p>
+                  </a:txBody>
+                  <a:tcPr marL="9525" marR="9525" marT="9525" anchor="ctr">
+                    <a:lnL w="6350" cap="flat" cmpd="sng" algn="ctr">
+                      <a:solidFill>
+                        <a:srgbClr val="000000"/>
+                      </a:solidFill>
+                      <a:prstDash val="solid"/>
+                      <a:round/>
+                      <a:headEnd type="none" w="med" len="med"/>
+                      <a:tailEnd type="none" w="med" len="med"/>
+                    </a:lnL>
+                    <a:lnR w="6350" cap="flat" cmpd="sng" algn="ctr">
+                      <a:solidFill>
+                        <a:srgbClr val="000000"/>
+                      </a:solidFill>
+                      <a:prstDash val="solid"/>
+                      <a:round/>
+                      <a:headEnd type="none" w="med" len="med"/>
+                      <a:tailEnd type="none" w="med" len="med"/>
+                    </a:lnR>
+                    <a:lnT w="6350" cap="flat" cmpd="sng" algn="ctr">
+                      <a:solidFill>
+                        <a:srgbClr val="000000"/>
+                      </a:solidFill>
+                      <a:prstDash val="solid"/>
+                      <a:round/>
+                      <a:headEnd type="none" w="med" len="med"/>
+                      <a:tailEnd type="none" w="med" len="med"/>
+                    </a:lnT>
+                    <a:lnB w="6350" cap="flat" cmpd="sng" algn="ctr">
+                      <a:solidFill>
+                        <a:srgbClr val="000000"/>
+                      </a:solidFill>
+                      <a:prstDash val="solid"/>
+                      <a:round/>
+                      <a:headEnd type="none" w="med" len="med"/>
+                      <a:tailEnd type="none" w="med" len="med"/>
+                    </a:lnB>
+                    <a:solidFill>
+                      <a:srgbClr val="C0E4F5"/>
+                    </a:solidFill>
+                  </a:tcPr>
+                </a:tc>
+                <a:tc>
+                  <a:txBody>
+                    <a:bodyPr/>
+                    <a:lstStyle/>
+                    <a:p>
+                      <a:pPr rtl="0" fontAlgn="ctr"/>
+                      <a:endParaRPr lang="it-IT" sz="1000">
+                        <a:effectLst/>
+                        <a:latin typeface="Arial" panose="020B0604020202020204" pitchFamily="34" charset="0"/>
+                      </a:endParaRPr>
+                    </a:p>
+                  </a:txBody>
+                  <a:tcPr marL="9525" marR="9525" marT="9525" anchor="ctr">
+                    <a:lnL w="6350" cap="flat" cmpd="sng" algn="ctr">
+                      <a:solidFill>
+                        <a:srgbClr val="000000"/>
+                      </a:solidFill>
+                      <a:prstDash val="solid"/>
+                      <a:round/>
+                      <a:headEnd type="none" w="med" len="med"/>
+                      <a:tailEnd type="none" w="med" len="med"/>
+                    </a:lnL>
+                    <a:lnR w="6350" cap="flat" cmpd="sng" algn="ctr">
+                      <a:solidFill>
+                        <a:srgbClr val="000000"/>
+                      </a:solidFill>
+                      <a:prstDash val="solid"/>
+                      <a:round/>
+                      <a:headEnd type="none" w="med" len="med"/>
+                      <a:tailEnd type="none" w="med" len="med"/>
+                    </a:lnR>
+                    <a:lnT w="6350" cap="flat" cmpd="sng" algn="ctr">
+                      <a:solidFill>
+                        <a:srgbClr val="000000"/>
+                      </a:solidFill>
+                      <a:prstDash val="solid"/>
+                      <a:round/>
+                      <a:headEnd type="none" w="med" len="med"/>
+                      <a:tailEnd type="none" w="med" len="med"/>
+                    </a:lnT>
+                    <a:lnB w="6350" cap="flat" cmpd="sng" algn="ctr">
+                      <a:solidFill>
+                        <a:srgbClr val="000000"/>
+                      </a:solidFill>
+                      <a:prstDash val="solid"/>
+                      <a:round/>
+                      <a:headEnd type="none" w="med" len="med"/>
+                      <a:tailEnd type="none" w="med" len="med"/>
+                    </a:lnB>
+                    <a:noFill/>
+                  </a:tcPr>
+                </a:tc>
+                <a:tc>
+                  <a:txBody>
+                    <a:bodyPr/>
+                    <a:lstStyle/>
+                    <a:p>
+                      <a:pPr rtl="0" fontAlgn="ctr"/>
+                      <a:endParaRPr lang="it-IT" sz="1000">
+                        <a:effectLst/>
+                        <a:latin typeface="Arial" panose="020B0604020202020204" pitchFamily="34" charset="0"/>
+                      </a:endParaRPr>
+                    </a:p>
+                  </a:txBody>
+                  <a:tcPr marL="9525" marR="9525" marT="9525" anchor="ctr">
+                    <a:lnL w="6350" cap="flat" cmpd="sng" algn="ctr">
+                      <a:solidFill>
+                        <a:srgbClr val="000000"/>
+                      </a:solidFill>
+                      <a:prstDash val="solid"/>
+                      <a:round/>
+                      <a:headEnd type="none" w="med" len="med"/>
+                      <a:tailEnd type="none" w="med" len="med"/>
+                    </a:lnL>
+                    <a:lnR w="6350" cap="flat" cmpd="sng" algn="ctr">
+                      <a:solidFill>
+                        <a:srgbClr val="000000"/>
+                      </a:solidFill>
+                      <a:prstDash val="solid"/>
+                      <a:round/>
+                      <a:headEnd type="none" w="med" len="med"/>
+                      <a:tailEnd type="none" w="med" len="med"/>
+                    </a:lnR>
+                    <a:lnT w="6350" cap="flat" cmpd="sng" algn="ctr">
+                      <a:solidFill>
+                        <a:srgbClr val="000000"/>
+                      </a:solidFill>
+                      <a:prstDash val="solid"/>
+                      <a:round/>
+                      <a:headEnd type="none" w="med" len="med"/>
+                      <a:tailEnd type="none" w="med" len="med"/>
+                    </a:lnT>
+                    <a:lnB w="6350" cap="flat" cmpd="sng" algn="ctr">
+                      <a:solidFill>
+                        <a:srgbClr val="000000"/>
+                      </a:solidFill>
+                      <a:prstDash val="solid"/>
+                      <a:round/>
+                      <a:headEnd type="none" w="med" len="med"/>
+                      <a:tailEnd type="none" w="med" len="med"/>
+                    </a:lnB>
+                    <a:noFill/>
+                  </a:tcPr>
+                </a:tc>
+                <a:tc>
+                  <a:txBody>
+                    <a:bodyPr/>
+                    <a:lstStyle/>
+                    <a:p>
+                      <a:pPr algn="r" rtl="0" fontAlgn="ctr"/>
+                      <a:r>
+                        <a:rPr lang="it-IT" sz="1000">
+                          <a:effectLst/>
+                          <a:latin typeface="Arial" panose="020B0604020202020204" pitchFamily="34" charset="0"/>
+                        </a:rPr>
+                        <a:t>4,5</a:t>
+                      </a:r>
+                    </a:p>
+                  </a:txBody>
+                  <a:tcPr marL="9525" marR="9525" marT="9525" anchor="ctr">
+                    <a:lnL w="6350" cap="flat" cmpd="sng" algn="ctr">
+                      <a:solidFill>
+                        <a:srgbClr val="000000"/>
+                      </a:solidFill>
+                      <a:prstDash val="solid"/>
+                      <a:round/>
+                      <a:headEnd type="none" w="med" len="med"/>
+                      <a:tailEnd type="none" w="med" len="med"/>
+                    </a:lnL>
+                    <a:lnR w="6350" cap="flat" cmpd="sng" algn="ctr">
+                      <a:solidFill>
+                        <a:srgbClr val="000000"/>
+                      </a:solidFill>
+                      <a:prstDash val="solid"/>
+                      <a:round/>
+                      <a:headEnd type="none" w="med" len="med"/>
+                      <a:tailEnd type="none" w="med" len="med"/>
+                    </a:lnR>
+                    <a:lnT w="6350" cap="flat" cmpd="sng" algn="ctr">
+                      <a:solidFill>
+                        <a:srgbClr val="000000"/>
+                      </a:solidFill>
+                      <a:prstDash val="solid"/>
+                      <a:round/>
+                      <a:headEnd type="none" w="med" len="med"/>
+                      <a:tailEnd type="none" w="med" len="med"/>
+                    </a:lnT>
+                    <a:lnB w="6350" cap="flat" cmpd="sng" algn="ctr">
+                      <a:solidFill>
+                        <a:srgbClr val="000000"/>
+                      </a:solidFill>
+                      <a:prstDash val="solid"/>
+                      <a:round/>
+                      <a:headEnd type="none" w="med" len="med"/>
+                      <a:tailEnd type="none" w="med" len="med"/>
+                    </a:lnB>
+                    <a:noFill/>
+                  </a:tcPr>
+                </a:tc>
+                <a:tc>
+                  <a:txBody>
+                    <a:bodyPr/>
+                    <a:lstStyle/>
+                    <a:p>
+                      <a:pPr algn="r" rtl="0" fontAlgn="ctr"/>
+                      <a:r>
+                        <a:rPr lang="it-IT" sz="1000">
+                          <a:effectLst/>
+                          <a:latin typeface="Arial" panose="020B0604020202020204" pitchFamily="34" charset="0"/>
+                        </a:rPr>
+                        <a:t>5</a:t>
+                      </a:r>
+                    </a:p>
+                  </a:txBody>
+                  <a:tcPr marL="9525" marR="9525" marT="9525" anchor="ctr">
+                    <a:lnL w="6350" cap="flat" cmpd="sng" algn="ctr">
+                      <a:solidFill>
+                        <a:srgbClr val="000000"/>
+                      </a:solidFill>
+                      <a:prstDash val="solid"/>
+                      <a:round/>
+                      <a:headEnd type="none" w="med" len="med"/>
+                      <a:tailEnd type="none" w="med" len="med"/>
+                    </a:lnL>
+                    <a:lnR w="6350" cap="flat" cmpd="sng" algn="ctr">
+                      <a:solidFill>
+                        <a:srgbClr val="000000"/>
+                      </a:solidFill>
+                      <a:prstDash val="solid"/>
+                      <a:round/>
+                      <a:headEnd type="none" w="med" len="med"/>
+                      <a:tailEnd type="none" w="med" len="med"/>
+                    </a:lnR>
+                    <a:lnT w="6350" cap="flat" cmpd="sng" algn="ctr">
+                      <a:solidFill>
+                        <a:srgbClr val="000000"/>
+                      </a:solidFill>
+                      <a:prstDash val="solid"/>
+                      <a:round/>
+                      <a:headEnd type="none" w="med" len="med"/>
+                      <a:tailEnd type="none" w="med" len="med"/>
+                    </a:lnT>
+                    <a:lnB w="6350" cap="flat" cmpd="sng" algn="ctr">
+                      <a:solidFill>
+                        <a:srgbClr val="000000"/>
+                      </a:solidFill>
+                      <a:prstDash val="solid"/>
+                      <a:round/>
+                      <a:headEnd type="none" w="med" len="med"/>
+                      <a:tailEnd type="none" w="med" len="med"/>
+                    </a:lnB>
+                    <a:noFill/>
+                  </a:tcPr>
+                </a:tc>
+                <a:tc>
+                  <a:txBody>
+                    <a:bodyPr/>
+                    <a:lstStyle/>
+                    <a:p>
+                      <a:pPr algn="r" rtl="0" fontAlgn="ctr"/>
+                      <a:r>
+                        <a:rPr lang="it-IT" sz="1000">
+                          <a:effectLst/>
+                          <a:latin typeface="Arial" panose="020B0604020202020204" pitchFamily="34" charset="0"/>
+                        </a:rPr>
+                        <a:t>7</a:t>
+                      </a:r>
+                    </a:p>
+                  </a:txBody>
+                  <a:tcPr marL="9525" marR="9525" marT="9525" anchor="ctr">
+                    <a:lnL w="6350" cap="flat" cmpd="sng" algn="ctr">
+                      <a:solidFill>
+                        <a:srgbClr val="000000"/>
+                      </a:solidFill>
+                      <a:prstDash val="solid"/>
+                      <a:round/>
+                      <a:headEnd type="none" w="med" len="med"/>
+                      <a:tailEnd type="none" w="med" len="med"/>
+                    </a:lnL>
+                    <a:lnR w="6350" cap="flat" cmpd="sng" algn="ctr">
+                      <a:solidFill>
+                        <a:srgbClr val="000000"/>
+                      </a:solidFill>
+                      <a:prstDash val="solid"/>
+                      <a:round/>
+                      <a:headEnd type="none" w="med" len="med"/>
+                      <a:tailEnd type="none" w="med" len="med"/>
+                    </a:lnR>
+                    <a:lnT w="6350" cap="flat" cmpd="sng" algn="ctr">
+                      <a:solidFill>
+                        <a:srgbClr val="000000"/>
+                      </a:solidFill>
+                      <a:prstDash val="solid"/>
+                      <a:round/>
+                      <a:headEnd type="none" w="med" len="med"/>
+                      <a:tailEnd type="none" w="med" len="med"/>
+                    </a:lnT>
+                    <a:lnB w="6350" cap="flat" cmpd="sng" algn="ctr">
+                      <a:solidFill>
+                        <a:srgbClr val="000000"/>
+                      </a:solidFill>
+                      <a:prstDash val="solid"/>
+                      <a:round/>
+                      <a:headEnd type="none" w="med" len="med"/>
+                      <a:tailEnd type="none" w="med" len="med"/>
+                    </a:lnB>
+                    <a:noFill/>
+                  </a:tcPr>
+                </a:tc>
+                <a:tc>
+                  <a:txBody>
+                    <a:bodyPr/>
+                    <a:lstStyle/>
+                    <a:p>
+                      <a:pPr rtl="0" fontAlgn="ctr"/>
+                      <a:endParaRPr lang="it-IT" sz="1000">
+                        <a:effectLst/>
+                        <a:latin typeface="Arial" panose="020B0604020202020204" pitchFamily="34" charset="0"/>
+                      </a:endParaRPr>
+                    </a:p>
+                  </a:txBody>
+                  <a:tcPr marL="9525" marR="9525" marT="9525" anchor="ctr">
+                    <a:lnL w="6350" cap="flat" cmpd="sng" algn="ctr">
+                      <a:solidFill>
+                        <a:srgbClr val="000000"/>
+                      </a:solidFill>
+                      <a:prstDash val="solid"/>
+                      <a:round/>
+                      <a:headEnd type="none" w="med" len="med"/>
+                      <a:tailEnd type="none" w="med" len="med"/>
+                    </a:lnL>
+                    <a:lnR w="6350" cap="flat" cmpd="sng" algn="ctr">
+                      <a:solidFill>
+                        <a:srgbClr val="000000"/>
+                      </a:solidFill>
+                      <a:prstDash val="solid"/>
+                      <a:round/>
+                      <a:headEnd type="none" w="med" len="med"/>
+                      <a:tailEnd type="none" w="med" len="med"/>
+                    </a:lnR>
+                    <a:lnT w="6350" cap="flat" cmpd="sng" algn="ctr">
+                      <a:solidFill>
+                        <a:srgbClr val="000000"/>
+                      </a:solidFill>
+                      <a:prstDash val="solid"/>
+                      <a:round/>
+                      <a:headEnd type="none" w="med" len="med"/>
+                      <a:tailEnd type="none" w="med" len="med"/>
+                    </a:lnT>
+                    <a:lnB w="6350" cap="flat" cmpd="sng" algn="ctr">
+                      <a:solidFill>
+                        <a:srgbClr val="000000"/>
+                      </a:solidFill>
+                      <a:prstDash val="solid"/>
+                      <a:round/>
+                      <a:headEnd type="none" w="med" len="med"/>
+                      <a:tailEnd type="none" w="med" len="med"/>
+                    </a:lnB>
+                    <a:noFill/>
+                  </a:tcPr>
+                </a:tc>
+                <a:tc>
+                  <a:txBody>
+                    <a:bodyPr/>
+                    <a:lstStyle/>
+                    <a:p>
+                      <a:pPr rtl="0" fontAlgn="ctr"/>
+                      <a:endParaRPr lang="it-IT" sz="1000">
+                        <a:effectLst/>
+                        <a:latin typeface="Arial" panose="020B0604020202020204" pitchFamily="34" charset="0"/>
+                      </a:endParaRPr>
+                    </a:p>
+                  </a:txBody>
+                  <a:tcPr marL="9525" marR="9525" marT="9525" anchor="ctr">
+                    <a:lnL w="6350" cap="flat" cmpd="sng" algn="ctr">
+                      <a:solidFill>
+                        <a:srgbClr val="000000"/>
+                      </a:solidFill>
+                      <a:prstDash val="solid"/>
+                      <a:round/>
+                      <a:headEnd type="none" w="med" len="med"/>
+                      <a:tailEnd type="none" w="med" len="med"/>
+                    </a:lnL>
+                    <a:lnR w="6350" cap="flat" cmpd="sng" algn="ctr">
+                      <a:solidFill>
+                        <a:srgbClr val="000000"/>
+                      </a:solidFill>
+                      <a:prstDash val="solid"/>
+                      <a:round/>
+                      <a:headEnd type="none" w="med" len="med"/>
+                      <a:tailEnd type="none" w="med" len="med"/>
+                    </a:lnR>
+                    <a:lnT w="6350" cap="flat" cmpd="sng" algn="ctr">
+                      <a:solidFill>
+                        <a:srgbClr val="000000"/>
+                      </a:solidFill>
+                      <a:prstDash val="solid"/>
+                      <a:round/>
+                      <a:headEnd type="none" w="med" len="med"/>
+                      <a:tailEnd type="none" w="med" len="med"/>
+                    </a:lnT>
+                    <a:lnB w="6350" cap="flat" cmpd="sng" algn="ctr">
+                      <a:solidFill>
+                        <a:srgbClr val="000000"/>
+                      </a:solidFill>
+                      <a:prstDash val="solid"/>
+                      <a:round/>
+                      <a:headEnd type="none" w="med" len="med"/>
+                      <a:tailEnd type="none" w="med" len="med"/>
+                    </a:lnB>
+                    <a:noFill/>
+                  </a:tcPr>
+                </a:tc>
+                <a:tc>
+                  <a:txBody>
+                    <a:bodyPr/>
+                    <a:lstStyle/>
+                    <a:p>
+                      <a:pPr algn="r" rtl="0" fontAlgn="ctr"/>
+                      <a:r>
+                        <a:rPr lang="it-IT" sz="1000">
+                          <a:effectLst/>
+                          <a:latin typeface="Arial" panose="020B0604020202020204" pitchFamily="34" charset="0"/>
+                        </a:rPr>
+                        <a:t>1,5</a:t>
+                      </a:r>
+                    </a:p>
+                  </a:txBody>
+                  <a:tcPr marL="9525" marR="9525" marT="9525" anchor="ctr">
+                    <a:lnL w="6350" cap="flat" cmpd="sng" algn="ctr">
+                      <a:solidFill>
+                        <a:srgbClr val="000000"/>
+                      </a:solidFill>
+                      <a:prstDash val="solid"/>
+                      <a:round/>
+                      <a:headEnd type="none" w="med" len="med"/>
+                      <a:tailEnd type="none" w="med" len="med"/>
+                    </a:lnL>
+                    <a:lnR w="6350" cap="flat" cmpd="sng" algn="ctr">
+                      <a:solidFill>
+                        <a:srgbClr val="000000"/>
+                      </a:solidFill>
+                      <a:prstDash val="solid"/>
+                      <a:round/>
+                      <a:headEnd type="none" w="med" len="med"/>
+                      <a:tailEnd type="none" w="med" len="med"/>
+                    </a:lnR>
+                    <a:lnT w="6350" cap="flat" cmpd="sng" algn="ctr">
+                      <a:solidFill>
+                        <a:srgbClr val="000000"/>
+                      </a:solidFill>
+                      <a:prstDash val="solid"/>
+                      <a:round/>
+                      <a:headEnd type="none" w="med" len="med"/>
+                      <a:tailEnd type="none" w="med" len="med"/>
+                    </a:lnT>
+                    <a:lnB w="6350" cap="flat" cmpd="sng" algn="ctr">
+                      <a:solidFill>
+                        <a:srgbClr val="000000"/>
+                      </a:solidFill>
+                      <a:prstDash val="solid"/>
+                      <a:round/>
+                      <a:headEnd type="none" w="med" len="med"/>
+                      <a:tailEnd type="none" w="med" len="med"/>
+                    </a:lnB>
+                    <a:noFill/>
+                  </a:tcPr>
+                </a:tc>
+                <a:tc>
+                  <a:txBody>
+                    <a:bodyPr/>
+                    <a:lstStyle/>
+                    <a:p>
+                      <a:pPr rtl="0" fontAlgn="ctr"/>
+                      <a:endParaRPr lang="it-IT" sz="1000">
+                        <a:effectLst/>
+                        <a:latin typeface="Arial" panose="020B0604020202020204" pitchFamily="34" charset="0"/>
+                      </a:endParaRPr>
+                    </a:p>
+                  </a:txBody>
+                  <a:tcPr marL="9525" marR="9525" marT="9525" anchor="ctr">
+                    <a:lnL w="6350" cap="flat" cmpd="sng" algn="ctr">
+                      <a:solidFill>
+                        <a:srgbClr val="000000"/>
+                      </a:solidFill>
+                      <a:prstDash val="solid"/>
+                      <a:round/>
+                      <a:headEnd type="none" w="med" len="med"/>
+                      <a:tailEnd type="none" w="med" len="med"/>
+                    </a:lnL>
+                    <a:lnR w="6350" cap="flat" cmpd="sng" algn="ctr">
+                      <a:solidFill>
+                        <a:srgbClr val="000000"/>
+                      </a:solidFill>
+                      <a:prstDash val="solid"/>
+                      <a:round/>
+                      <a:headEnd type="none" w="med" len="med"/>
+                      <a:tailEnd type="none" w="med" len="med"/>
+                    </a:lnR>
+                    <a:lnT w="6350" cap="flat" cmpd="sng" algn="ctr">
+                      <a:solidFill>
+                        <a:srgbClr val="000000"/>
+                      </a:solidFill>
+                      <a:prstDash val="solid"/>
+                      <a:round/>
+                      <a:headEnd type="none" w="med" len="med"/>
+                      <a:tailEnd type="none" w="med" len="med"/>
+                    </a:lnT>
+                    <a:lnB w="6350" cap="flat" cmpd="sng" algn="ctr">
+                      <a:solidFill>
+                        <a:srgbClr val="000000"/>
+                      </a:solidFill>
+                      <a:prstDash val="solid"/>
+                      <a:round/>
+                      <a:headEnd type="none" w="med" len="med"/>
+                      <a:tailEnd type="none" w="med" len="med"/>
+                    </a:lnB>
+                    <a:noFill/>
+                  </a:tcPr>
+                </a:tc>
+                <a:tc>
+                  <a:txBody>
+                    <a:bodyPr/>
+                    <a:lstStyle/>
+                    <a:p>
+                      <a:pPr algn="r" rtl="0" fontAlgn="ctr"/>
+                      <a:r>
+                        <a:rPr lang="it-IT" sz="1000">
+                          <a:effectLst/>
+                          <a:latin typeface="Arial" panose="020B0604020202020204" pitchFamily="34" charset="0"/>
+                        </a:rPr>
+                        <a:t>18</a:t>
+                      </a:r>
+                    </a:p>
+                  </a:txBody>
+                  <a:tcPr marL="9525" marR="9525" marT="9525" anchor="ctr">
+                    <a:lnL w="6350" cap="flat" cmpd="sng" algn="ctr">
+                      <a:solidFill>
+                        <a:srgbClr val="000000"/>
+                      </a:solidFill>
+                      <a:prstDash val="solid"/>
+                      <a:round/>
+                      <a:headEnd type="none" w="med" len="med"/>
+                      <a:tailEnd type="none" w="med" len="med"/>
+                    </a:lnL>
+                    <a:lnR w="6350" cap="flat" cmpd="sng" algn="ctr">
+                      <a:solidFill>
+                        <a:srgbClr val="000000"/>
+                      </a:solidFill>
+                      <a:prstDash val="solid"/>
+                      <a:round/>
+                      <a:headEnd type="none" w="med" len="med"/>
+                      <a:tailEnd type="none" w="med" len="med"/>
+                    </a:lnR>
+                    <a:lnT w="6350" cap="flat" cmpd="sng" algn="ctr">
+                      <a:solidFill>
+                        <a:srgbClr val="000000"/>
+                      </a:solidFill>
+                      <a:prstDash val="solid"/>
+                      <a:round/>
+                      <a:headEnd type="none" w="med" len="med"/>
+                      <a:tailEnd type="none" w="med" len="med"/>
+                    </a:lnT>
+                    <a:lnB w="6350" cap="flat" cmpd="sng" algn="ctr">
+                      <a:solidFill>
+                        <a:srgbClr val="000000"/>
+                      </a:solidFill>
+                      <a:prstDash val="solid"/>
+                      <a:round/>
+                      <a:headEnd type="none" w="med" len="med"/>
+                      <a:tailEnd type="none" w="med" len="med"/>
+                    </a:lnB>
+                    <a:solidFill>
+                      <a:srgbClr val="DFE282"/>
+                    </a:solidFill>
+                  </a:tcPr>
+                </a:tc>
+                <a:tc>
+                  <a:txBody>
+                    <a:bodyPr/>
+                    <a:lstStyle/>
+                    <a:p>
+                      <a:pPr algn="r" rtl="0" fontAlgn="ctr"/>
+                      <a:r>
+                        <a:rPr lang="it-IT" sz="1000">
+                          <a:effectLst/>
+                          <a:latin typeface="Arial" panose="020B0604020202020204" pitchFamily="34" charset="0"/>
+                        </a:rPr>
+                        <a:t>22,09%</a:t>
+                      </a:r>
+                    </a:p>
+                  </a:txBody>
+                  <a:tcPr marL="9525" marR="9525" marT="9525" anchor="ctr">
+                    <a:lnL w="6350" cap="flat" cmpd="sng" algn="ctr">
+                      <a:solidFill>
+                        <a:srgbClr val="000000"/>
+                      </a:solidFill>
+                      <a:prstDash val="solid"/>
+                      <a:round/>
+                      <a:headEnd type="none" w="med" len="med"/>
+                      <a:tailEnd type="none" w="med" len="med"/>
+                    </a:lnL>
+                    <a:lnR w="6350" cap="flat" cmpd="sng" algn="ctr">
+                      <a:solidFill>
+                        <a:srgbClr val="000000"/>
+                      </a:solidFill>
+                      <a:prstDash val="solid"/>
+                      <a:round/>
+                      <a:headEnd type="none" w="med" len="med"/>
+                      <a:tailEnd type="none" w="med" len="med"/>
+                    </a:lnR>
+                    <a:lnT w="6350" cap="flat" cmpd="sng" algn="ctr">
+                      <a:solidFill>
+                        <a:srgbClr val="000000"/>
+                      </a:solidFill>
+                      <a:prstDash val="solid"/>
+                      <a:round/>
+                      <a:headEnd type="none" w="med" len="med"/>
+                      <a:tailEnd type="none" w="med" len="med"/>
+                    </a:lnT>
+                    <a:lnB w="6350" cap="flat" cmpd="sng" algn="ctr">
+                      <a:solidFill>
+                        <a:srgbClr val="000000"/>
+                      </a:solidFill>
+                      <a:prstDash val="solid"/>
+                      <a:round/>
+                      <a:headEnd type="none" w="med" len="med"/>
+                      <a:tailEnd type="none" w="med" len="med"/>
+                    </a:lnB>
+                    <a:noFill/>
+                  </a:tcPr>
+                </a:tc>
+                <a:extLst>
+                  <a:ext uri="{0D108BD9-81ED-4DB2-BD59-A6C34878D82A}">
+                    <a16:rowId xmlns:a16="http://schemas.microsoft.com/office/drawing/2014/main" val="1544081208"/>
+                  </a:ext>
+                </a:extLst>
+              </a:tr>
+              <a:tr h="295275">
+                <a:tc>
+                  <a:txBody>
+                    <a:bodyPr/>
+                    <a:lstStyle/>
+                    <a:p>
+                      <a:pPr rtl="0" fontAlgn="ctr"/>
+                      <a:r>
+                        <a:rPr lang="it-IT" sz="1000">
                           <a:effectLst/>
                           <a:latin typeface="Arial" panose="020B0604020202020204" pitchFamily="34" charset="0"/>
                         </a:rPr>
@@ -17855,7 +18049,7 @@
                       </a:r>
                     </a:p>
                   </a:txBody>
-                  <a:tcPr marL="4886" marR="4886" marT="4886" marB="35182" anchor="ctr">
+                  <a:tcPr marL="9525" marR="9525" marT="9525" anchor="ctr">
                     <a:lnL w="6350" cap="flat" cmpd="sng" algn="ctr">
                       <a:solidFill>
                         <a:srgbClr val="000000"/>
@@ -17904,10 +18098,7 @@
                     <a:p>
                       <a:pPr algn="r" rtl="0" fontAlgn="ctr"/>
                       <a:r>
-                        <a:rPr lang="en-GB" sz="800" b="0" i="0" u="none" strike="noStrike">
-                          <a:solidFill>
-                            <a:srgbClr val="000000"/>
-                          </a:solidFill>
+                        <a:rPr lang="it-IT" sz="1000">
                           <a:effectLst/>
                           <a:latin typeface="Arial" panose="020B0604020202020204" pitchFamily="34" charset="0"/>
                         </a:rPr>
@@ -17915,7 +18106,7 @@
                       </a:r>
                     </a:p>
                   </a:txBody>
-                  <a:tcPr marL="4886" marR="4886" marT="4886" marB="35182" anchor="ctr">
+                  <a:tcPr marL="9525" marR="9525" marT="9525" anchor="ctr">
                     <a:lnL w="6350" cap="flat" cmpd="sng" algn="ctr">
                       <a:solidFill>
                         <a:srgbClr val="000000"/>
@@ -17964,18 +18155,15 @@
                     <a:p>
                       <a:pPr algn="r" rtl="0" fontAlgn="ctr"/>
                       <a:r>
-                        <a:rPr lang="en-GB" sz="800" b="0" i="0" u="none" strike="noStrike">
-                          <a:solidFill>
-                            <a:srgbClr val="000000"/>
-                          </a:solidFill>
+                        <a:rPr lang="it-IT" sz="1000">
                           <a:effectLst/>
                           <a:latin typeface="Arial" panose="020B0604020202020204" pitchFamily="34" charset="0"/>
                         </a:rPr>
-                        <a:t>4,5</a:t>
+                        <a:t>0</a:t>
                       </a:r>
                     </a:p>
                   </a:txBody>
-                  <a:tcPr marL="4886" marR="4886" marT="4886" marB="35182" anchor="ctr">
+                  <a:tcPr marL="9525" marR="9525" marT="9525" anchor="ctr">
                     <a:lnL w="6350" cap="flat" cmpd="sng" algn="ctr">
                       <a:solidFill>
                         <a:srgbClr val="000000"/>
@@ -18013,7 +18201,7 @@
                       <a:tailEnd type="none" w="med" len="med"/>
                     </a:lnB>
                     <a:solidFill>
-                      <a:srgbClr val="C0D980"/>
+                      <a:srgbClr val="63BE7B"/>
                     </a:solidFill>
                   </a:tcPr>
                 </a:tc>
@@ -18024,18 +18212,15 @@
                     <a:p>
                       <a:pPr algn="r" rtl="0" fontAlgn="ctr"/>
                       <a:r>
-                        <a:rPr lang="en-GB" sz="800" b="0" i="0" u="none" strike="noStrike" dirty="0">
-                          <a:solidFill>
-                            <a:srgbClr val="000000"/>
-                          </a:solidFill>
+                        <a:rPr lang="it-IT" sz="1000">
                           <a:effectLst/>
                           <a:latin typeface="Arial" panose="020B0604020202020204" pitchFamily="34" charset="0"/>
                         </a:rPr>
-                        <a:t>14,5</a:t>
+                        <a:t>7,5</a:t>
                       </a:r>
                     </a:p>
                   </a:txBody>
-                  <a:tcPr marL="4886" marR="4886" marT="4886" marB="35182" anchor="ctr">
+                  <a:tcPr marL="9525" marR="9525" marT="9525" anchor="ctr">
                     <a:lnL w="6350" cap="flat" cmpd="sng" algn="ctr">
                       <a:solidFill>
                         <a:srgbClr val="000000"/>
@@ -18073,7 +18258,7 @@
                       <a:tailEnd type="none" w="med" len="med"/>
                     </a:lnB>
                     <a:solidFill>
-                      <a:srgbClr val="FFDE82"/>
+                      <a:srgbClr val="FFE182"/>
                     </a:solidFill>
                   </a:tcPr>
                 </a:tc>
@@ -18084,18 +18269,15 @@
                     <a:p>
                       <a:pPr algn="r" rtl="0" fontAlgn="ctr"/>
                       <a:r>
-                        <a:rPr lang="en-GB" sz="800" b="0" i="0" u="none" strike="noStrike" dirty="0">
-                          <a:solidFill>
-                            <a:srgbClr val="000000"/>
-                          </a:solidFill>
+                        <a:rPr lang="it-IT" sz="1000">
                           <a:effectLst/>
                           <a:latin typeface="Arial" panose="020B0604020202020204" pitchFamily="34" charset="0"/>
                         </a:rPr>
-                        <a:t>78,5</a:t>
+                        <a:t>47</a:t>
                       </a:r>
                     </a:p>
                   </a:txBody>
-                  <a:tcPr marL="4886" marR="4886" marT="4886" marB="35182" anchor="ctr">
+                  <a:tcPr marL="9525" marR="9525" marT="9525" anchor="ctr">
                     <a:lnL w="6350" cap="flat" cmpd="sng" algn="ctr">
                       <a:solidFill>
                         <a:srgbClr val="000000"/>
@@ -18144,10 +18326,7 @@
                     <a:p>
                       <a:pPr algn="r" rtl="0" fontAlgn="ctr"/>
                       <a:r>
-                        <a:rPr lang="en-GB" sz="800" b="0" i="0" u="none" strike="noStrike">
-                          <a:solidFill>
-                            <a:srgbClr val="000000"/>
-                          </a:solidFill>
+                        <a:rPr lang="it-IT" sz="1000">
                           <a:effectLst/>
                           <a:latin typeface="Arial" panose="020B0604020202020204" pitchFamily="34" charset="0"/>
                         </a:rPr>
@@ -18155,7 +18334,7 @@
                       </a:r>
                     </a:p>
                   </a:txBody>
-                  <a:tcPr marL="4886" marR="4886" marT="4886" marB="35182" anchor="ctr">
+                  <a:tcPr marL="9525" marR="9525" marT="9525" anchor="ctr">
                     <a:lnL w="6350" cap="flat" cmpd="sng" algn="ctr">
                       <a:solidFill>
                         <a:srgbClr val="000000"/>
@@ -18193,7 +18372,7 @@
                       <a:tailEnd type="none" w="med" len="med"/>
                     </a:lnB>
                     <a:solidFill>
-                      <a:srgbClr val="FFE183"/>
+                      <a:srgbClr val="FED07F"/>
                     </a:solidFill>
                   </a:tcPr>
                 </a:tc>
@@ -18204,10 +18383,7 @@
                     <a:p>
                       <a:pPr algn="r" rtl="0" fontAlgn="ctr"/>
                       <a:r>
-                        <a:rPr lang="en-GB" sz="800" b="0" i="0" u="none" strike="noStrike">
-                          <a:solidFill>
-                            <a:srgbClr val="000000"/>
-                          </a:solidFill>
+                        <a:rPr lang="it-IT" sz="1000">
                           <a:effectLst/>
                           <a:latin typeface="Arial" panose="020B0604020202020204" pitchFamily="34" charset="0"/>
                         </a:rPr>
@@ -18215,7 +18391,7 @@
                       </a:r>
                     </a:p>
                   </a:txBody>
-                  <a:tcPr marL="4886" marR="4886" marT="4886" marB="35182" anchor="ctr">
+                  <a:tcPr marL="9525" marR="9525" marT="9525" anchor="ctr">
                     <a:lnL w="6350" cap="flat" cmpd="sng" algn="ctr">
                       <a:solidFill>
                         <a:srgbClr val="000000"/>
@@ -18264,18 +18440,15 @@
                     <a:p>
                       <a:pPr algn="r" rtl="0" fontAlgn="ctr"/>
                       <a:r>
-                        <a:rPr lang="en-GB" sz="800" b="0" i="0" u="none" strike="noStrike">
-                          <a:solidFill>
-                            <a:srgbClr val="000000"/>
-                          </a:solidFill>
+                        <a:rPr lang="it-IT" sz="1000">
                           <a:effectLst/>
                           <a:latin typeface="Arial" panose="020B0604020202020204" pitchFamily="34" charset="0"/>
                         </a:rPr>
-                        <a:t>11,5</a:t>
+                        <a:t>10</a:t>
                       </a:r>
                     </a:p>
                   </a:txBody>
-                  <a:tcPr marL="4886" marR="4886" marT="4886" marB="35182" anchor="ctr">
+                  <a:tcPr marL="9525" marR="9525" marT="9525" anchor="ctr">
                     <a:lnL w="6350" cap="flat" cmpd="sng" algn="ctr">
                       <a:solidFill>
                         <a:srgbClr val="000000"/>
@@ -18313,7 +18486,7 @@
                       <a:tailEnd type="none" w="med" len="med"/>
                     </a:lnB>
                     <a:solidFill>
-                      <a:srgbClr val="FFE483"/>
+                      <a:srgbClr val="FFD981"/>
                     </a:solidFill>
                   </a:tcPr>
                 </a:tc>
@@ -18324,18 +18497,15 @@
                     <a:p>
                       <a:pPr algn="r" rtl="0" fontAlgn="ctr"/>
                       <a:r>
-                        <a:rPr lang="en-GB" sz="800" b="0" i="0" u="none" strike="noStrike">
-                          <a:solidFill>
-                            <a:srgbClr val="000000"/>
-                          </a:solidFill>
+                        <a:rPr lang="it-IT" sz="1000">
                           <a:effectLst/>
                           <a:latin typeface="Arial" panose="020B0604020202020204" pitchFamily="34" charset="0"/>
                         </a:rPr>
-                        <a:t>7,5</a:t>
+                        <a:t>4</a:t>
                       </a:r>
                     </a:p>
                   </a:txBody>
-                  <a:tcPr marL="4886" marR="4886" marT="4886" marB="35182" anchor="ctr">
+                  <a:tcPr marL="9525" marR="9525" marT="9525" anchor="ctr">
                     <a:lnL w="6350" cap="flat" cmpd="sng" algn="ctr">
                       <a:solidFill>
                         <a:srgbClr val="000000"/>
@@ -18384,10 +18554,7 @@
                     <a:p>
                       <a:pPr algn="r" rtl="0" fontAlgn="ctr"/>
                       <a:r>
-                        <a:rPr lang="en-GB" sz="800" b="0" i="0" u="none" strike="noStrike">
-                          <a:solidFill>
-                            <a:srgbClr val="000000"/>
-                          </a:solidFill>
+                        <a:rPr lang="it-IT" sz="1000">
                           <a:effectLst/>
                           <a:latin typeface="Arial" panose="020B0604020202020204" pitchFamily="34" charset="0"/>
                         </a:rPr>
@@ -18395,7 +18562,7 @@
                       </a:r>
                     </a:p>
                   </a:txBody>
-                  <a:tcPr marL="4886" marR="4886" marT="4886" marB="35182" anchor="ctr">
+                  <a:tcPr marL="9525" marR="9525" marT="9525" anchor="ctr">
                     <a:lnL w="6350" cap="flat" cmpd="sng" algn="ctr">
                       <a:solidFill>
                         <a:srgbClr val="000000"/>
@@ -18444,18 +18611,15 @@
                     <a:p>
                       <a:pPr algn="r" rtl="0" fontAlgn="ctr"/>
                       <a:r>
-                        <a:rPr lang="en-GB" sz="800" b="0" i="0" u="none" strike="noStrike" dirty="0">
-                          <a:solidFill>
-                            <a:srgbClr val="000000"/>
-                          </a:solidFill>
+                        <a:rPr lang="it-IT" sz="1000">
                           <a:effectLst/>
                           <a:latin typeface="Arial" panose="020B0604020202020204" pitchFamily="34" charset="0"/>
                         </a:rPr>
-                        <a:t>128,5</a:t>
+                        <a:t>81,5</a:t>
                       </a:r>
                     </a:p>
                   </a:txBody>
-                  <a:tcPr marL="4886" marR="4886" marT="4886" marB="35182" anchor="ctr">
+                  <a:tcPr marL="9525" marR="9525" marT="9525" anchor="ctr">
                     <a:lnL w="6350" cap="flat" cmpd="sng" algn="ctr">
                       <a:solidFill>
                         <a:srgbClr val="000000"/>
@@ -18500,64 +18664,34 @@
                     <a:bodyPr/>
                     <a:lstStyle/>
                     <a:p>
-                      <a:endParaRPr lang="en-GB"/>
+                      <a:endParaRPr lang="it-IT"/>
                     </a:p>
                   </a:txBody>
                   <a:tcPr/>
                 </a:tc>
                 <a:extLst>
                   <a:ext uri="{0D108BD9-81ED-4DB2-BD59-A6C34878D82A}">
-                    <a16:rowId xmlns:a16="http://schemas.microsoft.com/office/drawing/2014/main" val="3906127405"/>
+                    <a16:rowId xmlns:a16="http://schemas.microsoft.com/office/drawing/2014/main" val="1349065344"/>
                   </a:ext>
                 </a:extLst>
               </a:tr>
-              <a:tr h="157343">
+              <a:tr h="295275">
                 <a:tc>
                   <a:txBody>
                     <a:bodyPr/>
                     <a:lstStyle/>
                     <a:p>
-                      <a:pPr algn="l" rtl="0" fontAlgn="ctr"/>
+                      <a:pPr rtl="0" fontAlgn="ctr"/>
                       <a:r>
-                        <a:rPr lang="en-GB" sz="800" b="0" i="0" u="none" strike="noStrike" dirty="0" err="1">
-                          <a:solidFill>
-                            <a:srgbClr val="000000"/>
-                          </a:solidFill>
+                        <a:rPr lang="it-IT" sz="1000">
                           <a:effectLst/>
                           <a:latin typeface="Arial" panose="020B0604020202020204" pitchFamily="34" charset="0"/>
                         </a:rPr>
-                        <a:t>Percentuale</a:t>
+                        <a:t>Percentuale per disciplina</a:t>
                       </a:r>
-                      <a:r>
-                        <a:rPr lang="en-GB" sz="800" b="0" i="0" u="none" strike="noStrike" dirty="0">
-                          <a:solidFill>
-                            <a:srgbClr val="000000"/>
-                          </a:solidFill>
-                          <a:effectLst/>
-                          <a:latin typeface="Arial" panose="020B0604020202020204" pitchFamily="34" charset="0"/>
-                        </a:rPr>
-                        <a:t> per </a:t>
-                      </a:r>
-                      <a:r>
-                        <a:rPr lang="en-GB" sz="800" b="0" i="0" u="none" strike="noStrike" dirty="0" err="1">
-                          <a:solidFill>
-                            <a:srgbClr val="000000"/>
-                          </a:solidFill>
-                          <a:effectLst/>
-                          <a:latin typeface="Arial" panose="020B0604020202020204" pitchFamily="34" charset="0"/>
-                        </a:rPr>
-                        <a:t>disciplina</a:t>
-                      </a:r>
-                      <a:endParaRPr lang="en-GB" sz="800" b="0" i="0" u="none" strike="noStrike" dirty="0">
-                        <a:solidFill>
-                          <a:srgbClr val="000000"/>
-                        </a:solidFill>
-                        <a:effectLst/>
-                        <a:latin typeface="Arial" panose="020B0604020202020204" pitchFamily="34" charset="0"/>
-                      </a:endParaRPr>
                     </a:p>
                   </a:txBody>
-                  <a:tcPr marL="4886" marR="4886" marT="4886" marB="35182" anchor="ctr">
+                  <a:tcPr marL="9525" marR="9525" marT="9525" anchor="ctr">
                     <a:lnL w="6350" cap="flat" cmpd="sng" algn="ctr">
                       <a:solidFill>
                         <a:srgbClr val="000000"/>
@@ -18606,10 +18740,7 @@
                     <a:p>
                       <a:pPr algn="r" rtl="0" fontAlgn="ctr"/>
                       <a:r>
-                        <a:rPr lang="en-GB" sz="800" b="0" i="0" u="none" strike="noStrike">
-                          <a:solidFill>
-                            <a:srgbClr val="000000"/>
-                          </a:solidFill>
+                        <a:rPr lang="it-IT" sz="1000">
                           <a:effectLst/>
                           <a:latin typeface="Arial" panose="020B0604020202020204" pitchFamily="34" charset="0"/>
                         </a:rPr>
@@ -18617,7 +18748,7 @@
                       </a:r>
                     </a:p>
                   </a:txBody>
-                  <a:tcPr marL="4886" marR="4886" marT="4886" marB="35182" anchor="ctr">
+                  <a:tcPr marL="9525" marR="9525" marT="9525" anchor="ctr">
                     <a:lnL w="6350" cap="flat" cmpd="sng" algn="ctr">
                       <a:solidFill>
                         <a:srgbClr val="000000"/>
@@ -18664,18 +18795,15 @@
                     <a:p>
                       <a:pPr algn="r" rtl="0" fontAlgn="ctr"/>
                       <a:r>
-                        <a:rPr lang="en-GB" sz="800" b="0" i="0" u="none" strike="noStrike">
-                          <a:solidFill>
-                            <a:srgbClr val="000000"/>
-                          </a:solidFill>
+                        <a:rPr lang="it-IT" sz="1000">
                           <a:effectLst/>
                           <a:latin typeface="Arial" panose="020B0604020202020204" pitchFamily="34" charset="0"/>
                         </a:rPr>
-                        <a:t>3,50%</a:t>
+                        <a:t>0,00%</a:t>
                       </a:r>
                     </a:p>
                   </a:txBody>
-                  <a:tcPr marL="4886" marR="4886" marT="4886" marB="35182" anchor="ctr">
+                  <a:tcPr marL="9525" marR="9525" marT="9525" anchor="ctr">
                     <a:lnL w="6350" cap="flat" cmpd="sng" algn="ctr">
                       <a:solidFill>
                         <a:srgbClr val="000000"/>
@@ -18722,18 +18850,15 @@
                     <a:p>
                       <a:pPr algn="r" rtl="0" fontAlgn="ctr"/>
                       <a:r>
-                        <a:rPr lang="en-GB" sz="800" b="0" i="0" u="none" strike="noStrike">
-                          <a:solidFill>
-                            <a:srgbClr val="000000"/>
-                          </a:solidFill>
+                        <a:rPr lang="it-IT" sz="1000">
                           <a:effectLst/>
                           <a:latin typeface="Arial" panose="020B0604020202020204" pitchFamily="34" charset="0"/>
                         </a:rPr>
-                        <a:t>11,28%</a:t>
+                        <a:t>9,20%</a:t>
                       </a:r>
                     </a:p>
                   </a:txBody>
-                  <a:tcPr marL="4886" marR="4886" marT="4886" marB="35182" anchor="ctr">
+                  <a:tcPr marL="9525" marR="9525" marT="9525" anchor="ctr">
                     <a:lnL w="6350" cap="flat" cmpd="sng" algn="ctr">
                       <a:solidFill>
                         <a:srgbClr val="000000"/>
@@ -18780,18 +18905,15 @@
                     <a:p>
                       <a:pPr algn="r" rtl="0" fontAlgn="ctr"/>
                       <a:r>
-                        <a:rPr lang="en-GB" sz="800" b="0" i="0" u="none" strike="noStrike">
-                          <a:solidFill>
-                            <a:srgbClr val="000000"/>
-                          </a:solidFill>
+                        <a:rPr lang="it-IT" sz="1000">
                           <a:effectLst/>
                           <a:latin typeface="Arial" panose="020B0604020202020204" pitchFamily="34" charset="0"/>
                         </a:rPr>
-                        <a:t>60,31%</a:t>
+                        <a:t>57,67%</a:t>
                       </a:r>
                     </a:p>
                   </a:txBody>
-                  <a:tcPr marL="4886" marR="4886" marT="4886" marB="35182" anchor="ctr">
+                  <a:tcPr marL="9525" marR="9525" marT="9525" anchor="ctr">
                     <a:lnL w="6350" cap="flat" cmpd="sng" algn="ctr">
                       <a:solidFill>
                         <a:srgbClr val="000000"/>
@@ -18838,18 +18960,15 @@
                     <a:p>
                       <a:pPr algn="r" rtl="0" fontAlgn="ctr"/>
                       <a:r>
-                        <a:rPr lang="en-GB" sz="800" b="0" i="0" u="none" strike="noStrike">
-                          <a:solidFill>
-                            <a:srgbClr val="000000"/>
-                          </a:solidFill>
+                        <a:rPr lang="it-IT" sz="1000">
                           <a:effectLst/>
                           <a:latin typeface="Arial" panose="020B0604020202020204" pitchFamily="34" charset="0"/>
                         </a:rPr>
-                        <a:t>10,12%</a:t>
+                        <a:t>15,95%</a:t>
                       </a:r>
                     </a:p>
                   </a:txBody>
-                  <a:tcPr marL="4886" marR="4886" marT="4886" marB="35182" anchor="ctr">
+                  <a:tcPr marL="9525" marR="9525" marT="9525" anchor="ctr">
                     <a:lnL w="6350" cap="flat" cmpd="sng" algn="ctr">
                       <a:solidFill>
                         <a:srgbClr val="000000"/>
@@ -18896,10 +19015,7 @@
                     <a:p>
                       <a:pPr algn="r" rtl="0" fontAlgn="ctr"/>
                       <a:r>
-                        <a:rPr lang="en-GB" sz="800" b="0" i="0" u="none" strike="noStrike">
-                          <a:solidFill>
-                            <a:srgbClr val="000000"/>
-                          </a:solidFill>
+                        <a:rPr lang="it-IT" sz="1000">
                           <a:effectLst/>
                           <a:latin typeface="Arial" panose="020B0604020202020204" pitchFamily="34" charset="0"/>
                         </a:rPr>
@@ -18907,7 +19023,7 @@
                       </a:r>
                     </a:p>
                   </a:txBody>
-                  <a:tcPr marL="4886" marR="4886" marT="4886" marB="35182" anchor="ctr">
+                  <a:tcPr marL="9525" marR="9525" marT="9525" anchor="ctr">
                     <a:lnL w="6350" cap="flat" cmpd="sng" algn="ctr">
                       <a:solidFill>
                         <a:srgbClr val="000000"/>
@@ -18954,18 +19070,15 @@
                     <a:p>
                       <a:pPr algn="r" rtl="0" fontAlgn="ctr"/>
                       <a:r>
-                        <a:rPr lang="en-GB" sz="800" b="0" i="0" u="none" strike="noStrike">
-                          <a:solidFill>
-                            <a:srgbClr val="000000"/>
-                          </a:solidFill>
+                        <a:rPr lang="it-IT" sz="1000">
                           <a:effectLst/>
                           <a:latin typeface="Arial" panose="020B0604020202020204" pitchFamily="34" charset="0"/>
                         </a:rPr>
-                        <a:t>8,95%</a:t>
+                        <a:t>12,27%</a:t>
                       </a:r>
                     </a:p>
                   </a:txBody>
-                  <a:tcPr marL="4886" marR="4886" marT="4886" marB="35182" anchor="ctr">
+                  <a:tcPr marL="9525" marR="9525" marT="9525" anchor="ctr">
                     <a:lnL w="6350" cap="flat" cmpd="sng" algn="ctr">
                       <a:solidFill>
                         <a:srgbClr val="000000"/>
@@ -19012,18 +19125,15 @@
                     <a:p>
                       <a:pPr algn="r" rtl="0" fontAlgn="ctr"/>
                       <a:r>
-                        <a:rPr lang="en-GB" sz="800" b="0" i="0" u="none" strike="noStrike" dirty="0">
-                          <a:solidFill>
-                            <a:srgbClr val="000000"/>
-                          </a:solidFill>
+                        <a:rPr lang="it-IT" sz="1000">
                           <a:effectLst/>
                           <a:latin typeface="Arial" panose="020B0604020202020204" pitchFamily="34" charset="0"/>
                         </a:rPr>
-                        <a:t>5,84%</a:t>
+                        <a:t>4,91%</a:t>
                       </a:r>
                     </a:p>
                   </a:txBody>
-                  <a:tcPr marL="4886" marR="4886" marT="4886" marB="35182" anchor="ctr">
+                  <a:tcPr marL="9525" marR="9525" marT="9525" anchor="ctr">
                     <a:lnL w="6350" cap="flat" cmpd="sng" algn="ctr">
                       <a:solidFill>
                         <a:srgbClr val="000000"/>
@@ -19070,10 +19180,7 @@
                     <a:p>
                       <a:pPr algn="r" rtl="0" fontAlgn="ctr"/>
                       <a:r>
-                        <a:rPr lang="en-GB" sz="800" b="0" i="0" u="none" strike="noStrike" dirty="0">
-                          <a:solidFill>
-                            <a:srgbClr val="000000"/>
-                          </a:solidFill>
+                        <a:rPr lang="it-IT" sz="1000">
                           <a:effectLst/>
                           <a:latin typeface="Arial" panose="020B0604020202020204" pitchFamily="34" charset="0"/>
                         </a:rPr>
@@ -19081,7 +19188,7 @@
                       </a:r>
                     </a:p>
                   </a:txBody>
-                  <a:tcPr marL="4886" marR="4886" marT="4886" marB="35182" anchor="ctr">
+                  <a:tcPr marL="9525" marR="9525" marT="9525" anchor="ctr">
                     <a:lnL w="6350" cap="flat" cmpd="sng" algn="ctr">
                       <a:solidFill>
                         <a:srgbClr val="000000"/>
@@ -19126,7 +19233,7 @@
                     <a:bodyPr/>
                     <a:lstStyle/>
                     <a:p>
-                      <a:endParaRPr lang="en-GB"/>
+                      <a:endParaRPr lang="it-IT"/>
                     </a:p>
                   </a:txBody>
                   <a:tcPr/>
@@ -19136,14 +19243,14 @@
                     <a:bodyPr/>
                     <a:lstStyle/>
                     <a:p>
-                      <a:endParaRPr lang="en-GB"/>
+                      <a:endParaRPr lang="it-IT"/>
                     </a:p>
                   </a:txBody>
                   <a:tcPr/>
                 </a:tc>
                 <a:extLst>
                   <a:ext uri="{0D108BD9-81ED-4DB2-BD59-A6C34878D82A}">
-                    <a16:rowId xmlns:a16="http://schemas.microsoft.com/office/drawing/2014/main" val="4064802684"/>
+                    <a16:rowId xmlns:a16="http://schemas.microsoft.com/office/drawing/2014/main" val="3419006918"/>
                   </a:ext>
                 </a:extLst>
               </a:tr>
@@ -19151,51 +19258,6 @@
           </a:graphicData>
         </a:graphic>
       </p:graphicFrame>
-      <p:sp>
-        <p:nvSpPr>
-          <p:cNvPr id="7" name="CasellaDiTesto 6">
-            <a:extLst>
-              <a:ext uri="{FF2B5EF4-FFF2-40B4-BE49-F238E27FC236}">
-                <a16:creationId xmlns:a16="http://schemas.microsoft.com/office/drawing/2014/main" id="{7EBDA3FE-0F58-27D5-2F60-DA91A6034438}"/>
-              </a:ext>
-            </a:extLst>
-          </p:cNvPr>
-          <p:cNvSpPr txBox="1"/>
-          <p:nvPr/>
-        </p:nvSpPr>
-        <p:spPr>
-          <a:xfrm rot="20045974">
-            <a:off x="511809" y="2886326"/>
-            <a:ext cx="8315088" cy="1107996"/>
-          </a:xfrm>
-          <a:prstGeom prst="rect">
-            <a:avLst/>
-          </a:prstGeom>
-          <a:noFill/>
-        </p:spPr>
-        <p:txBody>
-          <a:bodyPr wrap="square" rtlCol="0">
-            <a:spAutoFit/>
-          </a:bodyPr>
-          <a:lstStyle/>
-          <a:p>
-            <a:pPr algn="ctr"/>
-            <a:r>
-              <a:rPr lang="it-IT" sz="6600" dirty="0">
-                <a:solidFill>
-                  <a:srgbClr val="FF0000"/>
-                </a:solidFill>
-              </a:rPr>
-              <a:t>CAMBIAREEEEEEEE</a:t>
-            </a:r>
-            <a:endParaRPr lang="it-IT" sz="6600" noProof="0" dirty="0">
-              <a:solidFill>
-                <a:srgbClr val="FF0000"/>
-              </a:solidFill>
-            </a:endParaRPr>
-          </a:p>
-        </p:txBody>
-      </p:sp>
     </p:spTree>
     <p:extLst>
       <p:ext uri="{BB962C8B-B14F-4D97-AF65-F5344CB8AC3E}">
@@ -19210,447 +19272,6 @@
 </file>
 
 <file path=ppt/slides/slide22.xml><?xml version="1.0" encoding="utf-8"?>
-<p:sld xmlns:a="http://schemas.openxmlformats.org/drawingml/2006/main" xmlns:r="http://schemas.openxmlformats.org/officeDocument/2006/relationships" xmlns:p="http://schemas.openxmlformats.org/presentationml/2006/main">
-  <p:cSld>
-    <p:spTree>
-      <p:nvGrpSpPr>
-        <p:cNvPr id="1" name=""/>
-        <p:cNvGrpSpPr/>
-        <p:nvPr/>
-      </p:nvGrpSpPr>
-      <p:grpSpPr>
-        <a:xfrm>
-          <a:off x="0" y="0"/>
-          <a:ext cx="0" cy="0"/>
-          <a:chOff x="0" y="0"/>
-          <a:chExt cx="0" cy="0"/>
-        </a:xfrm>
-      </p:grpSpPr>
-      <p:pic>
-        <p:nvPicPr>
-          <p:cNvPr id="14" name="Picture 13">
-            <a:extLst>
-              <a:ext uri="{FF2B5EF4-FFF2-40B4-BE49-F238E27FC236}">
-                <a16:creationId xmlns:a16="http://schemas.microsoft.com/office/drawing/2014/main" id="{84134CFB-FE29-5A5B-D802-49956D4BACF7}"/>
-              </a:ext>
-            </a:extLst>
-          </p:cNvPr>
-          <p:cNvPicPr>
-            <a:picLocks noChangeAspect="1"/>
-          </p:cNvPicPr>
-          <p:nvPr/>
-        </p:nvPicPr>
-        <p:blipFill>
-          <a:blip r:embed="rId2"/>
-          <a:stretch>
-            <a:fillRect/>
-          </a:stretch>
-        </p:blipFill>
-        <p:spPr>
-          <a:xfrm>
-            <a:off x="7277985" y="335331"/>
-            <a:ext cx="885600" cy="885600"/>
-          </a:xfrm>
-          <a:prstGeom prst="rect">
-            <a:avLst/>
-          </a:prstGeom>
-        </p:spPr>
-      </p:pic>
-      <p:sp>
-        <p:nvSpPr>
-          <p:cNvPr id="2" name="Titolo 1">
-            <a:extLst>
-              <a:ext uri="{FF2B5EF4-FFF2-40B4-BE49-F238E27FC236}">
-                <a16:creationId xmlns:a16="http://schemas.microsoft.com/office/drawing/2014/main" id="{177ED6F5-92B1-E476-25BC-DB32C6A80074}"/>
-              </a:ext>
-            </a:extLst>
-          </p:cNvPr>
-          <p:cNvSpPr>
-            <a:spLocks noGrp="1"/>
-          </p:cNvSpPr>
-          <p:nvPr>
-            <p:ph type="title"/>
-          </p:nvPr>
-        </p:nvSpPr>
-        <p:spPr>
-          <a:xfrm>
-            <a:off x="639724" y="472780"/>
-            <a:ext cx="7444563" cy="653143"/>
-          </a:xfrm>
-        </p:spPr>
-        <p:txBody>
-          <a:bodyPr>
-            <a:normAutofit/>
-          </a:bodyPr>
-          <a:lstStyle/>
-          <a:p>
-            <a:r>
-              <a:rPr lang="it-IT" sz="4000" noProof="0" dirty="0">
-                <a:solidFill>
-                  <a:schemeClr val="tx2">
-                    <a:lumMod val="90000"/>
-                    <a:lumOff val="10000"/>
-                  </a:schemeClr>
-                </a:solidFill>
-              </a:rPr>
-              <a:t>ISSUES</a:t>
-            </a:r>
-          </a:p>
-        </p:txBody>
-      </p:sp>
-      <p:sp>
-        <p:nvSpPr>
-          <p:cNvPr id="4" name="Rettangolo 3">
-            <a:extLst>
-              <a:ext uri="{FF2B5EF4-FFF2-40B4-BE49-F238E27FC236}">
-                <a16:creationId xmlns:a16="http://schemas.microsoft.com/office/drawing/2014/main" id="{C009817D-270B-67E9-2773-7730FF1AD9FB}"/>
-              </a:ext>
-            </a:extLst>
-          </p:cNvPr>
-          <p:cNvSpPr/>
-          <p:nvPr/>
-        </p:nvSpPr>
-        <p:spPr>
-          <a:xfrm>
-            <a:off x="0" y="472781"/>
-            <a:ext cx="190243" cy="653143"/>
-          </a:xfrm>
-          <a:prstGeom prst="rect">
-            <a:avLst/>
-          </a:prstGeom>
-          <a:solidFill>
-            <a:schemeClr val="tx2">
-              <a:lumMod val="90000"/>
-              <a:lumOff val="10000"/>
-            </a:schemeClr>
-          </a:solidFill>
-          <a:ln>
-            <a:solidFill>
-              <a:schemeClr val="tx2">
-                <a:lumMod val="90000"/>
-                <a:lumOff val="10000"/>
-              </a:schemeClr>
-            </a:solidFill>
-          </a:ln>
-        </p:spPr>
-        <p:style>
-          <a:lnRef idx="2">
-            <a:schemeClr val="accent1">
-              <a:shade val="15000"/>
-            </a:schemeClr>
-          </a:lnRef>
-          <a:fillRef idx="1">
-            <a:schemeClr val="accent1"/>
-          </a:fillRef>
-          <a:effectRef idx="0">
-            <a:schemeClr val="accent1"/>
-          </a:effectRef>
-          <a:fontRef idx="minor">
-            <a:schemeClr val="lt1"/>
-          </a:fontRef>
-        </p:style>
-        <p:txBody>
-          <a:bodyPr rtlCol="0" anchor="ctr"/>
-          <a:lstStyle/>
-          <a:p>
-            <a:pPr algn="ctr"/>
-            <a:endParaRPr lang="it-IT" noProof="0" dirty="0"/>
-          </a:p>
-        </p:txBody>
-      </p:sp>
-      <p:sp>
-        <p:nvSpPr>
-          <p:cNvPr id="5" name="Rettangolo 4">
-            <a:extLst>
-              <a:ext uri="{FF2B5EF4-FFF2-40B4-BE49-F238E27FC236}">
-                <a16:creationId xmlns:a16="http://schemas.microsoft.com/office/drawing/2014/main" id="{0EEED853-2CCD-BFF0-CE4A-A6155CC7596B}"/>
-              </a:ext>
-            </a:extLst>
-          </p:cNvPr>
-          <p:cNvSpPr/>
-          <p:nvPr/>
-        </p:nvSpPr>
-        <p:spPr>
-          <a:xfrm>
-            <a:off x="289539" y="472780"/>
-            <a:ext cx="139359" cy="653143"/>
-          </a:xfrm>
-          <a:prstGeom prst="rect">
-            <a:avLst/>
-          </a:prstGeom>
-          <a:solidFill>
-            <a:schemeClr val="tx2">
-              <a:lumMod val="90000"/>
-              <a:lumOff val="10000"/>
-            </a:schemeClr>
-          </a:solidFill>
-          <a:ln>
-            <a:solidFill>
-              <a:schemeClr val="tx2">
-                <a:lumMod val="90000"/>
-                <a:lumOff val="10000"/>
-              </a:schemeClr>
-            </a:solidFill>
-          </a:ln>
-        </p:spPr>
-        <p:style>
-          <a:lnRef idx="2">
-            <a:schemeClr val="accent1">
-              <a:shade val="15000"/>
-            </a:schemeClr>
-          </a:lnRef>
-          <a:fillRef idx="1">
-            <a:schemeClr val="accent1"/>
-          </a:fillRef>
-          <a:effectRef idx="0">
-            <a:schemeClr val="accent1"/>
-          </a:effectRef>
-          <a:fontRef idx="minor">
-            <a:schemeClr val="lt1"/>
-          </a:fontRef>
-        </p:style>
-        <p:txBody>
-          <a:bodyPr rtlCol="0" anchor="ctr"/>
-          <a:lstStyle/>
-          <a:p>
-            <a:pPr algn="ctr"/>
-            <a:endParaRPr lang="it-IT" noProof="0" dirty="0"/>
-          </a:p>
-        </p:txBody>
-      </p:sp>
-      <p:sp>
-        <p:nvSpPr>
-          <p:cNvPr id="11" name="Rettangolo 10">
-            <a:extLst>
-              <a:ext uri="{FF2B5EF4-FFF2-40B4-BE49-F238E27FC236}">
-                <a16:creationId xmlns:a16="http://schemas.microsoft.com/office/drawing/2014/main" id="{C548A64E-D196-AA89-9669-B1078E52C928}"/>
-              </a:ext>
-            </a:extLst>
-          </p:cNvPr>
-          <p:cNvSpPr/>
-          <p:nvPr/>
-        </p:nvSpPr>
-        <p:spPr>
-          <a:xfrm>
-            <a:off x="10008781" y="0"/>
-            <a:ext cx="2183219" cy="6858000"/>
-          </a:xfrm>
-          <a:prstGeom prst="rect">
-            <a:avLst/>
-          </a:prstGeom>
-          <a:solidFill>
-            <a:schemeClr val="tx2">
-              <a:lumMod val="90000"/>
-              <a:lumOff val="10000"/>
-            </a:schemeClr>
-          </a:solidFill>
-          <a:ln>
-            <a:solidFill>
-              <a:schemeClr val="tx2">
-                <a:lumMod val="90000"/>
-                <a:lumOff val="10000"/>
-              </a:schemeClr>
-            </a:solidFill>
-          </a:ln>
-        </p:spPr>
-        <p:style>
-          <a:lnRef idx="2">
-            <a:schemeClr val="accent1">
-              <a:shade val="15000"/>
-            </a:schemeClr>
-          </a:lnRef>
-          <a:fillRef idx="1">
-            <a:schemeClr val="accent1"/>
-          </a:fillRef>
-          <a:effectRef idx="0">
-            <a:schemeClr val="accent1"/>
-          </a:effectRef>
-          <a:fontRef idx="minor">
-            <a:schemeClr val="lt1"/>
-          </a:fontRef>
-        </p:style>
-        <p:txBody>
-          <a:bodyPr rtlCol="0" anchor="ctr"/>
-          <a:lstStyle/>
-          <a:p>
-            <a:pPr algn="ctr"/>
-            <a:endParaRPr lang="it-IT" noProof="0" dirty="0"/>
-          </a:p>
-        </p:txBody>
-      </p:sp>
-      <p:cxnSp>
-        <p:nvCxnSpPr>
-          <p:cNvPr id="8" name="Connettore diritto 7">
-            <a:extLst>
-              <a:ext uri="{FF2B5EF4-FFF2-40B4-BE49-F238E27FC236}">
-                <a16:creationId xmlns:a16="http://schemas.microsoft.com/office/drawing/2014/main" id="{19EC6D46-28AA-F5DF-A2FA-19ADCF121A2B}"/>
-              </a:ext>
-            </a:extLst>
-          </p:cNvPr>
-          <p:cNvCxnSpPr>
-            <a:cxnSpLocks/>
-          </p:cNvCxnSpPr>
-          <p:nvPr/>
-        </p:nvCxnSpPr>
-        <p:spPr>
-          <a:xfrm>
-            <a:off x="639725" y="1351691"/>
-            <a:ext cx="6654057" cy="0"/>
-          </a:xfrm>
-          <a:prstGeom prst="line">
-            <a:avLst/>
-          </a:prstGeom>
-          <a:ln>
-            <a:solidFill>
-              <a:schemeClr val="tx2">
-                <a:lumMod val="90000"/>
-                <a:lumOff val="10000"/>
-              </a:schemeClr>
-            </a:solidFill>
-          </a:ln>
-        </p:spPr>
-        <p:style>
-          <a:lnRef idx="2">
-            <a:schemeClr val="accent1"/>
-          </a:lnRef>
-          <a:fillRef idx="0">
-            <a:schemeClr val="accent1"/>
-          </a:fillRef>
-          <a:effectRef idx="1">
-            <a:schemeClr val="accent1"/>
-          </a:effectRef>
-          <a:fontRef idx="minor">
-            <a:schemeClr val="tx1"/>
-          </a:fontRef>
-        </p:style>
-      </p:cxnSp>
-      <p:sp>
-        <p:nvSpPr>
-          <p:cNvPr id="6" name="TextBox 5">
-            <a:extLst>
-              <a:ext uri="{FF2B5EF4-FFF2-40B4-BE49-F238E27FC236}">
-                <a16:creationId xmlns:a16="http://schemas.microsoft.com/office/drawing/2014/main" id="{A164EEBB-77D3-5275-84FF-FDE9AB6E6E91}"/>
-              </a:ext>
-            </a:extLst>
-          </p:cNvPr>
-          <p:cNvSpPr txBox="1"/>
-          <p:nvPr/>
-        </p:nvSpPr>
-        <p:spPr>
-          <a:xfrm>
-            <a:off x="11654290" y="6452785"/>
-            <a:ext cx="438619" cy="307777"/>
-          </a:xfrm>
-          <a:prstGeom prst="rect">
-            <a:avLst/>
-          </a:prstGeom>
-          <a:noFill/>
-        </p:spPr>
-        <p:txBody>
-          <a:bodyPr wrap="square" lIns="91440" tIns="45720" rIns="91440" bIns="45720" anchor="t">
-            <a:spAutoFit/>
-          </a:bodyPr>
-          <a:lstStyle/>
-          <a:p>
-            <a:r>
-              <a:rPr lang="it-IT" sz="1400" dirty="0">
-                <a:solidFill>
-                  <a:schemeClr val="bg1"/>
-                </a:solidFill>
-              </a:rPr>
-              <a:t>19</a:t>
-            </a:r>
-            <a:endParaRPr lang="it-IT" sz="1400" noProof="0" dirty="0"/>
-          </a:p>
-        </p:txBody>
-      </p:sp>
-      <p:sp>
-        <p:nvSpPr>
-          <p:cNvPr id="12" name="Rettangolo 11"/>
-          <p:cNvSpPr/>
-          <p:nvPr/>
-        </p:nvSpPr>
-        <p:spPr>
-          <a:xfrm>
-            <a:off x="639724" y="1612800"/>
-            <a:ext cx="6096000" cy="1477328"/>
-          </a:xfrm>
-          <a:prstGeom prst="rect">
-            <a:avLst/>
-          </a:prstGeom>
-        </p:spPr>
-        <p:txBody>
-          <a:bodyPr>
-            <a:spAutoFit/>
-          </a:bodyPr>
-          <a:lstStyle/>
-          <a:p>
-            <a:r>
-              <a:rPr lang="it-IT" dirty="0">
-                <a:solidFill>
-                  <a:schemeClr val="tx1">
-                    <a:lumMod val="85000"/>
-                    <a:lumOff val="15000"/>
-                  </a:schemeClr>
-                </a:solidFill>
-              </a:rPr>
-              <a:t>Durante la risoluzione delle task accordate, il team ha riscontrato:</a:t>
-            </a:r>
-          </a:p>
-          <a:p>
-            <a:endParaRPr lang="it-IT" dirty="0">
-              <a:solidFill>
-                <a:schemeClr val="tx1">
-                  <a:lumMod val="85000"/>
-                  <a:lumOff val="15000"/>
-                </a:schemeClr>
-              </a:solidFill>
-            </a:endParaRPr>
-          </a:p>
-          <a:p>
-            <a:pPr marL="285750" indent="-285750">
-              <a:buFont typeface="Arial" panose="020B0604020202020204" pitchFamily="34" charset="0"/>
-              <a:buChar char="•"/>
-            </a:pPr>
-            <a:r>
-              <a:rPr lang="it-IT" dirty="0">
-                <a:solidFill>
-                  <a:srgbClr val="FF0000"/>
-                </a:solidFill>
-              </a:rPr>
-              <a:t>ISSUES</a:t>
-            </a:r>
-          </a:p>
-          <a:p>
-            <a:pPr marL="285750" indent="-285750">
-              <a:buFont typeface="Arial" panose="020B0604020202020204" pitchFamily="34" charset="0"/>
-              <a:buChar char="•"/>
-            </a:pPr>
-            <a:endParaRPr lang="it-IT" dirty="0">
-              <a:solidFill>
-                <a:schemeClr val="tx1">
-                  <a:lumMod val="85000"/>
-                  <a:lumOff val="15000"/>
-                </a:schemeClr>
-              </a:solidFill>
-            </a:endParaRPr>
-          </a:p>
-        </p:txBody>
-      </p:sp>
-    </p:spTree>
-    <p:extLst>
-      <p:ext uri="{BB962C8B-B14F-4D97-AF65-F5344CB8AC3E}">
-        <p14:creationId xmlns:p14="http://schemas.microsoft.com/office/powerpoint/2010/main" val="3585670584"/>
-      </p:ext>
-    </p:extLst>
-  </p:cSld>
-  <p:clrMapOvr>
-    <a:masterClrMapping/>
-  </p:clrMapOvr>
-</p:sld>
-</file>
-
-<file path=ppt/slides/slide23.xml><?xml version="1.0" encoding="utf-8"?>
 <p:sld xmlns:a="http://schemas.openxmlformats.org/drawingml/2006/main" xmlns:r="http://schemas.openxmlformats.org/officeDocument/2006/relationships" xmlns:p="http://schemas.openxmlformats.org/presentationml/2006/main">
   <p:cSld>
     <p:spTree>
@@ -20325,7 +19946,7 @@
         </p:blipFill>
         <p:spPr>
           <a:xfrm>
-            <a:off x="7336790" y="3089300"/>
+            <a:off x="7336790" y="3169045"/>
             <a:ext cx="644400" cy="644400"/>
           </a:xfrm>
           <a:prstGeom prst="rect">
@@ -20349,7 +19970,7 @@
         </p:blipFill>
         <p:spPr>
           <a:xfrm>
-            <a:off x="7336790" y="3901662"/>
+            <a:off x="7336790" y="3982885"/>
             <a:ext cx="644400" cy="644400"/>
           </a:xfrm>
           <a:prstGeom prst="rect">
@@ -20379,7 +20000,7 @@
         </p:blipFill>
         <p:spPr>
           <a:xfrm>
-            <a:off x="7336790" y="2276938"/>
+            <a:off x="7336790" y="2349299"/>
             <a:ext cx="644400" cy="644400"/>
           </a:xfrm>
           <a:prstGeom prst="rect">
@@ -20757,7 +20378,7 @@
         <p:spPr>
           <a:xfrm>
             <a:off x="639724" y="1664942"/>
-            <a:ext cx="6654056" cy="3970318"/>
+            <a:ext cx="6654056" cy="3693319"/>
           </a:xfrm>
           <a:prstGeom prst="rect">
             <a:avLst/>
@@ -20765,7 +20386,7 @@
           <a:noFill/>
         </p:spPr>
         <p:txBody>
-          <a:bodyPr wrap="square" rtlCol="0">
+          <a:bodyPr wrap="square" lIns="91440" tIns="45720" rIns="91440" bIns="45720" rtlCol="0" anchor="t">
             <a:spAutoFit/>
           </a:bodyPr>
           <a:lstStyle/>
@@ -20774,6 +20395,17 @@
               <a:buFont typeface="+mj-lt"/>
               <a:buAutoNum type="arabicPeriod"/>
             </a:pPr>
+            <a:r>
+              <a:rPr lang="it-IT" dirty="0">
+                <a:solidFill>
+                  <a:schemeClr val="tx1">
+                    <a:lumMod val="85000"/>
+                    <a:lumOff val="15000"/>
+                  </a:schemeClr>
+                </a:solidFill>
+              </a:rPr>
+              <a:t>Segregazione</a:t>
+            </a:r>
             <a:r>
               <a:rPr lang="it-IT" noProof="0" dirty="0">
                 <a:solidFill>
@@ -20783,7 +20415,7 @@
                   </a:schemeClr>
                 </a:solidFill>
               </a:rPr>
-              <a:t>Realizzare la segregazione dei dati nelle due soluzioni</a:t>
+              <a:t> dei dati nelle due soluzioni</a:t>
             </a:r>
             <a:r>
               <a:rPr lang="it-IT" baseline="30000" dirty="0">
@@ -21038,7 +20670,7 @@
         </p:blipFill>
         <p:spPr bwMode="auto">
           <a:xfrm>
-            <a:off x="7336873" y="4714026"/>
+            <a:off x="7336873" y="4796724"/>
             <a:ext cx="644235" cy="644235"/>
           </a:xfrm>
           <a:prstGeom prst="rect">
@@ -21084,7 +20716,7 @@
         </p:blipFill>
         <p:spPr>
           <a:xfrm>
-            <a:off x="7336790" y="1464575"/>
+            <a:off x="7336790" y="1535459"/>
             <a:ext cx="644400" cy="644400"/>
           </a:xfrm>
           <a:prstGeom prst="rect">

--- a/ShiftsHappen/Sprint 3/CSW Sprint 3.pptx
+++ b/ShiftsHappen/Sprint 3/CSW Sprint 3.pptx
@@ -5,31 +5,30 @@
     <p:sldMasterId id="2147483648" r:id="rId1"/>
   </p:sldMasterIdLst>
   <p:notesMasterIdLst>
-    <p:notesMasterId r:id="rId24"/>
+    <p:notesMasterId r:id="rId23"/>
   </p:notesMasterIdLst>
   <p:sldIdLst>
     <p:sldId id="256" r:id="rId2"/>
     <p:sldId id="259" r:id="rId3"/>
-    <p:sldId id="261" r:id="rId4"/>
+    <p:sldId id="308" r:id="rId4"/>
     <p:sldId id="274" r:id="rId5"/>
-    <p:sldId id="298" r:id="rId6"/>
-    <p:sldId id="296" r:id="rId7"/>
-    <p:sldId id="297" r:id="rId8"/>
-    <p:sldId id="300" r:id="rId9"/>
-    <p:sldId id="299" r:id="rId10"/>
-    <p:sldId id="301" r:id="rId11"/>
-    <p:sldId id="302" r:id="rId12"/>
-    <p:sldId id="303" r:id="rId13"/>
-    <p:sldId id="304" r:id="rId14"/>
-    <p:sldId id="305" r:id="rId15"/>
-    <p:sldId id="306" r:id="rId16"/>
-    <p:sldId id="307" r:id="rId17"/>
-    <p:sldId id="282" r:id="rId18"/>
-    <p:sldId id="292" r:id="rId19"/>
-    <p:sldId id="295" r:id="rId20"/>
-    <p:sldId id="276" r:id="rId21"/>
-    <p:sldId id="293" r:id="rId22"/>
-    <p:sldId id="288" r:id="rId23"/>
+    <p:sldId id="296" r:id="rId6"/>
+    <p:sldId id="297" r:id="rId7"/>
+    <p:sldId id="300" r:id="rId8"/>
+    <p:sldId id="299" r:id="rId9"/>
+    <p:sldId id="301" r:id="rId10"/>
+    <p:sldId id="302" r:id="rId11"/>
+    <p:sldId id="303" r:id="rId12"/>
+    <p:sldId id="304" r:id="rId13"/>
+    <p:sldId id="305" r:id="rId14"/>
+    <p:sldId id="306" r:id="rId15"/>
+    <p:sldId id="307" r:id="rId16"/>
+    <p:sldId id="282" r:id="rId17"/>
+    <p:sldId id="292" r:id="rId18"/>
+    <p:sldId id="295" r:id="rId19"/>
+    <p:sldId id="276" r:id="rId20"/>
+    <p:sldId id="293" r:id="rId21"/>
+    <p:sldId id="288" r:id="rId22"/>
   </p:sldIdLst>
   <p:sldSz cx="12192000" cy="6858000"/>
   <p:notesSz cx="6858000" cy="9144000"/>
@@ -139,7 +138,7 @@
 <file path=ppt/revisionInfo.xml><?xml version="1.0" encoding="utf-8"?>
 <p1510:revInfo xmlns:a="http://schemas.openxmlformats.org/drawingml/2006/main" xmlns:r="http://schemas.openxmlformats.org/officeDocument/2006/relationships" xmlns:p1510="http://schemas.microsoft.com/office/powerpoint/2015/10/main">
   <p1510:revLst>
-    <p1510:client id="{43B54959-73FC-B420-DA94-CF7DA8F8458C}" v="225" dt="2025-01-27T11:44:11.088"/>
+    <p1510:client id="{9B46B81D-F02B-B603-5466-F014AA550C23}" v="13" dt="2025-01-27T11:52:31.888"/>
     <p1510:client id="{D8B37017-44F0-FFCD-D579-CA05C7F57DC9}" v="91" dt="2025-01-25T22:20:51.576"/>
     <p1510:client id="{FE2DCA14-B75A-4823-2F27-9B88B5D02D84}" v="399" dt="2025-01-27T10:36:50.303"/>
   </p1510:revLst>
@@ -274,173 +273,68 @@
     </pc:docChg>
   </pc:docChgLst>
   <pc:docChgLst>
-    <pc:chgData name="alessandro finocchi" userId="S::alessandro.finocchi@students.uniroma2.eu::465885a1-b047-490b-87f0-a47563463c93" providerId="AD" clId="Web-{43B54959-73FC-B420-DA94-CF7DA8F8458C}"/>
-    <pc:docChg chg="delSld modSld">
-      <pc:chgData name="alessandro finocchi" userId="S::alessandro.finocchi@students.uniroma2.eu::465885a1-b047-490b-87f0-a47563463c93" providerId="AD" clId="Web-{43B54959-73FC-B420-DA94-CF7DA8F8458C}" dt="2025-01-27T11:44:11.088" v="137" actId="20577"/>
+    <pc:chgData name="alessandro finocchi" userId="S::alessandro.finocchi@students.uniroma2.eu::465885a1-b047-490b-87f0-a47563463c93" providerId="AD" clId="Web-{9B46B81D-F02B-B603-5466-F014AA550C23}"/>
+    <pc:docChg chg="addSld delSld modSld">
+      <pc:chgData name="alessandro finocchi" userId="S::alessandro.finocchi@students.uniroma2.eu::465885a1-b047-490b-87f0-a47563463c93" providerId="AD" clId="Web-{9B46B81D-F02B-B603-5466-F014AA550C23}" dt="2025-01-27T11:52:31.888" v="9"/>
       <pc:docMkLst>
         <pc:docMk/>
       </pc:docMkLst>
-      <pc:sldChg chg="modSp">
-        <pc:chgData name="alessandro finocchi" userId="S::alessandro.finocchi@students.uniroma2.eu::465885a1-b047-490b-87f0-a47563463c93" providerId="AD" clId="Web-{43B54959-73FC-B420-DA94-CF7DA8F8458C}" dt="2025-01-27T11:33:46.271" v="10" actId="1076"/>
+      <pc:sldChg chg="del">
+        <pc:chgData name="alessandro finocchi" userId="S::alessandro.finocchi@students.uniroma2.eu::465885a1-b047-490b-87f0-a47563463c93" providerId="AD" clId="Web-{9B46B81D-F02B-B603-5466-F014AA550C23}" dt="2025-01-27T11:51:45.933" v="1"/>
         <pc:sldMkLst>
           <pc:docMk/>
           <pc:sldMk cId="1951011649" sldId="261"/>
         </pc:sldMkLst>
-        <pc:spChg chg="mod">
-          <ac:chgData name="alessandro finocchi" userId="S::alessandro.finocchi@students.uniroma2.eu::465885a1-b047-490b-87f0-a47563463c93" providerId="AD" clId="Web-{43B54959-73FC-B420-DA94-CF7DA8F8458C}" dt="2025-01-27T11:33:08.598" v="3" actId="20577"/>
-          <ac:spMkLst>
-            <pc:docMk/>
-            <pc:sldMk cId="1951011649" sldId="261"/>
-            <ac:spMk id="8" creationId="{A05DE7FA-A329-DCF5-1DD8-7E60B77B98E8}"/>
-          </ac:spMkLst>
-        </pc:spChg>
-        <pc:picChg chg="mod">
-          <ac:chgData name="alessandro finocchi" userId="S::alessandro.finocchi@students.uniroma2.eu::465885a1-b047-490b-87f0-a47563463c93" providerId="AD" clId="Web-{43B54959-73FC-B420-DA94-CF7DA8F8458C}" dt="2025-01-27T11:33:46.271" v="10" actId="1076"/>
-          <ac:picMkLst>
-            <pc:docMk/>
-            <pc:sldMk cId="1951011649" sldId="261"/>
-            <ac:picMk id="7" creationId="{0EEF5510-B610-319C-8131-A08DD317D374}"/>
-          </ac:picMkLst>
-        </pc:picChg>
-        <pc:picChg chg="mod">
-          <ac:chgData name="alessandro finocchi" userId="S::alessandro.finocchi@students.uniroma2.eu::465885a1-b047-490b-87f0-a47563463c93" providerId="AD" clId="Web-{43B54959-73FC-B420-DA94-CF7DA8F8458C}" dt="2025-01-27T11:33:46.256" v="9" actId="1076"/>
-          <ac:picMkLst>
-            <pc:docMk/>
-            <pc:sldMk cId="1951011649" sldId="261"/>
-            <ac:picMk id="10" creationId="{00000000-0000-0000-0000-000000000000}"/>
-          </ac:picMkLst>
-        </pc:picChg>
-        <pc:picChg chg="mod">
-          <ac:chgData name="alessandro finocchi" userId="S::alessandro.finocchi@students.uniroma2.eu::465885a1-b047-490b-87f0-a47563463c93" providerId="AD" clId="Web-{43B54959-73FC-B420-DA94-CF7DA8F8458C}" dt="2025-01-27T11:33:46.256" v="8" actId="1076"/>
-          <ac:picMkLst>
-            <pc:docMk/>
-            <pc:sldMk cId="1951011649" sldId="261"/>
-            <ac:picMk id="15" creationId="{C3F630EF-A5AB-F706-19EF-170BB95F6A6D}"/>
-          </ac:picMkLst>
-        </pc:picChg>
-        <pc:picChg chg="mod">
-          <ac:chgData name="alessandro finocchi" userId="S::alessandro.finocchi@students.uniroma2.eu::465885a1-b047-490b-87f0-a47563463c93" providerId="AD" clId="Web-{43B54959-73FC-B420-DA94-CF7DA8F8458C}" dt="2025-01-27T11:32:43.035" v="1" actId="1076"/>
-          <ac:picMkLst>
-            <pc:docMk/>
-            <pc:sldMk cId="1951011649" sldId="261"/>
-            <ac:picMk id="16" creationId="{B73A2AEB-2C20-2E65-0A39-AD1542244D8B}"/>
-          </ac:picMkLst>
-        </pc:picChg>
-        <pc:picChg chg="mod">
-          <ac:chgData name="alessandro finocchi" userId="S::alessandro.finocchi@students.uniroma2.eu::465885a1-b047-490b-87f0-a47563463c93" providerId="AD" clId="Web-{43B54959-73FC-B420-DA94-CF7DA8F8458C}" dt="2025-01-27T11:33:26.771" v="7" actId="1076"/>
-          <ac:picMkLst>
-            <pc:docMk/>
-            <pc:sldMk cId="1951011649" sldId="261"/>
-            <ac:picMk id="1026" creationId="{C4A6D11D-E0AD-7129-7F01-E3F8FFF42B04}"/>
-          </ac:picMkLst>
-        </pc:picChg>
       </pc:sldChg>
       <pc:sldChg chg="del">
-        <pc:chgData name="alessandro finocchi" userId="S::alessandro.finocchi@students.uniroma2.eu::465885a1-b047-490b-87f0-a47563463c93" providerId="AD" clId="Web-{43B54959-73FC-B420-DA94-CF7DA8F8458C}" dt="2025-01-27T11:43:39.087" v="134"/>
+        <pc:chgData name="alessandro finocchi" userId="S::alessandro.finocchi@students.uniroma2.eu::465885a1-b047-490b-87f0-a47563463c93" providerId="AD" clId="Web-{9B46B81D-F02B-B603-5466-F014AA550C23}" dt="2025-01-27T11:52:22.107" v="7"/>
         <pc:sldMkLst>
           <pc:docMk/>
           <pc:sldMk cId="3585670584" sldId="262"/>
         </pc:sldMkLst>
       </pc:sldChg>
-      <pc:sldChg chg="addSp delSp modSp">
-        <pc:chgData name="alessandro finocchi" userId="S::alessandro.finocchi@students.uniroma2.eu::465885a1-b047-490b-87f0-a47563463c93" providerId="AD" clId="Web-{43B54959-73FC-B420-DA94-CF7DA8F8458C}" dt="2025-01-27T11:43:06.883" v="129" actId="1076"/>
+      <pc:sldChg chg="add del">
+        <pc:chgData name="alessandro finocchi" userId="S::alessandro.finocchi@students.uniroma2.eu::465885a1-b047-490b-87f0-a47563463c93" providerId="AD" clId="Web-{9B46B81D-F02B-B603-5466-F014AA550C23}" dt="2025-01-27T11:52:31.857" v="8"/>
         <pc:sldMkLst>
           <pc:docMk/>
           <pc:sldMk cId="1949581633" sldId="276"/>
         </pc:sldMkLst>
-        <pc:spChg chg="del mod">
-          <ac:chgData name="alessandro finocchi" userId="S::alessandro.finocchi@students.uniroma2.eu::465885a1-b047-490b-87f0-a47563463c93" providerId="AD" clId="Web-{43B54959-73FC-B420-DA94-CF7DA8F8458C}" dt="2025-01-27T11:39:59.205" v="93"/>
-          <ac:spMkLst>
-            <pc:docMk/>
-            <pc:sldMk cId="1949581633" sldId="276"/>
-            <ac:spMk id="3" creationId="{8E724B7D-D24A-7E78-8C05-3A97A43C1472}"/>
-          </ac:spMkLst>
-        </pc:spChg>
-        <pc:graphicFrameChg chg="add mod modGraphic">
-          <ac:chgData name="alessandro finocchi" userId="S::alessandro.finocchi@students.uniroma2.eu::465885a1-b047-490b-87f0-a47563463c93" providerId="AD" clId="Web-{43B54959-73FC-B420-DA94-CF7DA8F8458C}" dt="2025-01-27T11:42:59.742" v="128"/>
-          <ac:graphicFrameMkLst>
-            <pc:docMk/>
-            <pc:sldMk cId="1949581633" sldId="276"/>
-            <ac:graphicFrameMk id="10" creationId="{630CA809-1AD9-5BE3-4E2E-5625E63C81D8}"/>
-          </ac:graphicFrameMkLst>
-        </pc:graphicFrameChg>
-        <pc:graphicFrameChg chg="del mod modGraphic">
-          <ac:chgData name="alessandro finocchi" userId="S::alessandro.finocchi@students.uniroma2.eu::465885a1-b047-490b-87f0-a47563463c93" providerId="AD" clId="Web-{43B54959-73FC-B420-DA94-CF7DA8F8458C}" dt="2025-01-27T11:41:54.443" v="96"/>
-          <ac:graphicFrameMkLst>
-            <pc:docMk/>
-            <pc:sldMk cId="1949581633" sldId="276"/>
-            <ac:graphicFrameMk id="12" creationId="{FD5D0AD2-C8EB-E560-CABD-5A3D62EC71C9}"/>
-          </ac:graphicFrameMkLst>
-        </pc:graphicFrameChg>
-        <pc:graphicFrameChg chg="mod modGraphic">
-          <ac:chgData name="alessandro finocchi" userId="S::alessandro.finocchi@students.uniroma2.eu::465885a1-b047-490b-87f0-a47563463c93" providerId="AD" clId="Web-{43B54959-73FC-B420-DA94-CF7DA8F8458C}" dt="2025-01-27T11:43:06.883" v="129" actId="1076"/>
-          <ac:graphicFrameMkLst>
-            <pc:docMk/>
-            <pc:sldMk cId="1949581633" sldId="276"/>
-            <ac:graphicFrameMk id="14" creationId="{E11ED488-6060-7B56-DDDF-E1545D79C8A4}"/>
-          </ac:graphicFrameMkLst>
-        </pc:graphicFrameChg>
       </pc:sldChg>
-      <pc:sldChg chg="modSp">
-        <pc:chgData name="alessandro finocchi" userId="S::alessandro.finocchi@students.uniroma2.eu::465885a1-b047-490b-87f0-a47563463c93" providerId="AD" clId="Web-{43B54959-73FC-B420-DA94-CF7DA8F8458C}" dt="2025-01-27T11:37:11.325" v="91" actId="20577"/>
+      <pc:sldChg chg="add del">
+        <pc:chgData name="alessandro finocchi" userId="S::alessandro.finocchi@students.uniroma2.eu::465885a1-b047-490b-87f0-a47563463c93" providerId="AD" clId="Web-{9B46B81D-F02B-B603-5466-F014AA550C23}" dt="2025-01-27T11:52:10.137" v="3"/>
         <pc:sldMkLst>
           <pc:docMk/>
           <pc:sldMk cId="2497548126" sldId="282"/>
         </pc:sldMkLst>
-        <pc:spChg chg="mod">
-          <ac:chgData name="alessandro finocchi" userId="S::alessandro.finocchi@students.uniroma2.eu::465885a1-b047-490b-87f0-a47563463c93" providerId="AD" clId="Web-{43B54959-73FC-B420-DA94-CF7DA8F8458C}" dt="2025-01-27T11:37:11.325" v="91" actId="20577"/>
-          <ac:spMkLst>
-            <pc:docMk/>
-            <pc:sldMk cId="2497548126" sldId="282"/>
-            <ac:spMk id="12" creationId="{A05DE7FA-A329-DCF5-1DD8-7E60B77B98E8}"/>
-          </ac:spMkLst>
-        </pc:spChg>
       </pc:sldChg>
-      <pc:sldChg chg="addSp delSp modSp">
-        <pc:chgData name="alessandro finocchi" userId="S::alessandro.finocchi@students.uniroma2.eu::465885a1-b047-490b-87f0-a47563463c93" providerId="AD" clId="Web-{43B54959-73FC-B420-DA94-CF7DA8F8458C}" dt="2025-01-27T11:43:32.306" v="133" actId="1076"/>
+      <pc:sldChg chg="add del">
+        <pc:chgData name="alessandro finocchi" userId="S::alessandro.finocchi@students.uniroma2.eu::465885a1-b047-490b-87f0-a47563463c93" providerId="AD" clId="Web-{9B46B81D-F02B-B603-5466-F014AA550C23}" dt="2025-01-27T11:52:31.888" v="9"/>
         <pc:sldMkLst>
           <pc:docMk/>
           <pc:sldMk cId="3196211536" sldId="293"/>
         </pc:sldMkLst>
-        <pc:spChg chg="del">
-          <ac:chgData name="alessandro finocchi" userId="S::alessandro.finocchi@students.uniroma2.eu::465885a1-b047-490b-87f0-a47563463c93" providerId="AD" clId="Web-{43B54959-73FC-B420-DA94-CF7DA8F8458C}" dt="2025-01-27T11:43:12.165" v="130"/>
-          <ac:spMkLst>
-            <pc:docMk/>
-            <pc:sldMk cId="3196211536" sldId="293"/>
-            <ac:spMk id="7" creationId="{7EBDA3FE-0F58-27D5-2F60-DA91A6034438}"/>
-          </ac:spMkLst>
-        </pc:spChg>
-        <pc:graphicFrameChg chg="del">
-          <ac:chgData name="alessandro finocchi" userId="S::alessandro.finocchi@students.uniroma2.eu::465885a1-b047-490b-87f0-a47563463c93" providerId="AD" clId="Web-{43B54959-73FC-B420-DA94-CF7DA8F8458C}" dt="2025-01-27T11:43:14.571" v="131"/>
-          <ac:graphicFrameMkLst>
-            <pc:docMk/>
-            <pc:sldMk cId="3196211536" sldId="293"/>
-            <ac:graphicFrameMk id="10" creationId="{F098E4CA-3DB3-4B67-65C0-8E87EC8276B0}"/>
-          </ac:graphicFrameMkLst>
-        </pc:graphicFrameChg>
-        <pc:graphicFrameChg chg="add mod">
-          <ac:chgData name="alessandro finocchi" userId="S::alessandro.finocchi@students.uniroma2.eu::465885a1-b047-490b-87f0-a47563463c93" providerId="AD" clId="Web-{43B54959-73FC-B420-DA94-CF7DA8F8458C}" dt="2025-01-27T11:43:32.306" v="133" actId="1076"/>
-          <ac:graphicFrameMkLst>
-            <pc:docMk/>
-            <pc:sldMk cId="3196211536" sldId="293"/>
-            <ac:graphicFrameMk id="12" creationId="{93B5CF97-3F15-CFC7-C437-C0F33FE388B8}"/>
-          </ac:graphicFrameMkLst>
-        </pc:graphicFrameChg>
       </pc:sldChg>
       <pc:sldChg chg="modSp">
-        <pc:chgData name="alessandro finocchi" userId="S::alessandro.finocchi@students.uniroma2.eu::465885a1-b047-490b-87f0-a47563463c93" providerId="AD" clId="Web-{43B54959-73FC-B420-DA94-CF7DA8F8458C}" dt="2025-01-27T11:44:11.088" v="137" actId="20577"/>
+        <pc:chgData name="alessandro finocchi" userId="S::alessandro.finocchi@students.uniroma2.eu::465885a1-b047-490b-87f0-a47563463c93" providerId="AD" clId="Web-{9B46B81D-F02B-B603-5466-F014AA550C23}" dt="2025-01-27T11:52:18.138" v="4" actId="20577"/>
         <pc:sldMkLst>
           <pc:docMk/>
           <pc:sldMk cId="1623740443" sldId="295"/>
         </pc:sldMkLst>
         <pc:spChg chg="mod">
-          <ac:chgData name="alessandro finocchi" userId="S::alessandro.finocchi@students.uniroma2.eu::465885a1-b047-490b-87f0-a47563463c93" providerId="AD" clId="Web-{43B54959-73FC-B420-DA94-CF7DA8F8458C}" dt="2025-01-27T11:44:11.088" v="137" actId="20577"/>
+          <ac:chgData name="alessandro finocchi" userId="S::alessandro.finocchi@students.uniroma2.eu::465885a1-b047-490b-87f0-a47563463c93" providerId="AD" clId="Web-{9B46B81D-F02B-B603-5466-F014AA550C23}" dt="2025-01-27T11:52:18.138" v="4" actId="20577"/>
           <ac:spMkLst>
             <pc:docMk/>
             <pc:sldMk cId="1623740443" sldId="295"/>
             <ac:spMk id="3" creationId="{E721B17B-4937-11BD-86AD-F4DE854DB47A}"/>
           </ac:spMkLst>
         </pc:spChg>
+      </pc:sldChg>
+      <pc:sldChg chg="add">
+        <pc:chgData name="alessandro finocchi" userId="S::alessandro.finocchi@students.uniroma2.eu::465885a1-b047-490b-87f0-a47563463c93" providerId="AD" clId="Web-{9B46B81D-F02B-B603-5466-F014AA550C23}" dt="2025-01-27T11:51:43.543" v="0"/>
+        <pc:sldMkLst>
+          <pc:docMk/>
+          <pc:sldMk cId="1032062043" sldId="308"/>
+        </pc:sldMkLst>
       </pc:sldChg>
     </pc:docChg>
   </pc:docChgLst>
@@ -957,7 +851,7 @@
           <a:p>
             <a:fld id="{A2A64AC7-4DA4-48E7-90C1-5D3C29B92E12}" type="slidenum">
               <a:rPr lang="en-GB" smtClean="0"/>
-              <a:t>17</a:t>
+              <a:t>16</a:t>
             </a:fld>
             <a:endParaRPr lang="en-GB"/>
           </a:p>
@@ -4624,746 +4518,6 @@
         <p:cNvPr id="1" name="">
           <a:extLst>
             <a:ext uri="{FF2B5EF4-FFF2-40B4-BE49-F238E27FC236}">
-              <a16:creationId xmlns:a16="http://schemas.microsoft.com/office/drawing/2014/main" id="{AFC15726-FA8E-B025-0B1D-A5B8587DB163}"/>
-            </a:ext>
-          </a:extLst>
-        </p:cNvPr>
-        <p:cNvGrpSpPr/>
-        <p:nvPr/>
-      </p:nvGrpSpPr>
-      <p:grpSpPr>
-        <a:xfrm>
-          <a:off x="0" y="0"/>
-          <a:ext cx="0" cy="0"/>
-          <a:chOff x="0" y="0"/>
-          <a:chExt cx="0" cy="0"/>
-        </a:xfrm>
-      </p:grpSpPr>
-      <p:sp>
-        <p:nvSpPr>
-          <p:cNvPr id="2" name="Titolo 1">
-            <a:extLst>
-              <a:ext uri="{FF2B5EF4-FFF2-40B4-BE49-F238E27FC236}">
-                <a16:creationId xmlns:a16="http://schemas.microsoft.com/office/drawing/2014/main" id="{2E17763D-3E5C-845B-21BF-7DEEE1DE766F}"/>
-              </a:ext>
-            </a:extLst>
-          </p:cNvPr>
-          <p:cNvSpPr>
-            <a:spLocks noGrp="1"/>
-          </p:cNvSpPr>
-          <p:nvPr>
-            <p:ph type="title"/>
-          </p:nvPr>
-        </p:nvSpPr>
-        <p:spPr>
-          <a:xfrm>
-            <a:off x="639725" y="472780"/>
-            <a:ext cx="6654056" cy="653143"/>
-          </a:xfrm>
-        </p:spPr>
-        <p:txBody>
-          <a:bodyPr>
-            <a:normAutofit fontScale="90000"/>
-          </a:bodyPr>
-          <a:lstStyle/>
-          <a:p>
-            <a:r>
-              <a:rPr lang="it-IT" sz="4000" noProof="0" dirty="0">
-                <a:solidFill>
-                  <a:schemeClr val="tx2">
-                    <a:lumMod val="90000"/>
-                    <a:lumOff val="10000"/>
-                  </a:schemeClr>
-                </a:solidFill>
-              </a:rPr>
-              <a:t>GOAL: Multi-</a:t>
-            </a:r>
-            <a:r>
-              <a:rPr lang="it-IT" sz="4000" noProof="0" dirty="0" err="1">
-                <a:solidFill>
-                  <a:schemeClr val="tx2">
-                    <a:lumMod val="90000"/>
-                    <a:lumOff val="10000"/>
-                  </a:schemeClr>
-                </a:solidFill>
-              </a:rPr>
-              <a:t>Tenancy</a:t>
-            </a:r>
-            <a:r>
-              <a:rPr lang="it-IT" sz="4000" dirty="0">
-                <a:solidFill>
-                  <a:schemeClr val="tx2">
-                    <a:lumMod val="90000"/>
-                    <a:lumOff val="10000"/>
-                  </a:schemeClr>
-                </a:solidFill>
-              </a:rPr>
-              <a:t> data </a:t>
-            </a:r>
-            <a:r>
-              <a:rPr lang="it-IT" sz="4000" dirty="0" err="1">
-                <a:solidFill>
-                  <a:schemeClr val="tx2">
-                    <a:lumMod val="90000"/>
-                    <a:lumOff val="10000"/>
-                  </a:schemeClr>
-                </a:solidFill>
-              </a:rPr>
-              <a:t>segregation</a:t>
-            </a:r>
-            <a:endParaRPr lang="it-IT" sz="4000" noProof="0" dirty="0">
-              <a:solidFill>
-                <a:schemeClr val="tx2">
-                  <a:lumMod val="90000"/>
-                  <a:lumOff val="10000"/>
-                </a:schemeClr>
-              </a:solidFill>
-            </a:endParaRPr>
-          </a:p>
-        </p:txBody>
-      </p:sp>
-      <p:sp>
-        <p:nvSpPr>
-          <p:cNvPr id="4" name="Rettangolo 3">
-            <a:extLst>
-              <a:ext uri="{FF2B5EF4-FFF2-40B4-BE49-F238E27FC236}">
-                <a16:creationId xmlns:a16="http://schemas.microsoft.com/office/drawing/2014/main" id="{FC4A7560-125A-F332-2B2C-3AE9877439D5}"/>
-              </a:ext>
-            </a:extLst>
-          </p:cNvPr>
-          <p:cNvSpPr/>
-          <p:nvPr/>
-        </p:nvSpPr>
-        <p:spPr>
-          <a:xfrm>
-            <a:off x="0" y="472781"/>
-            <a:ext cx="190243" cy="653143"/>
-          </a:xfrm>
-          <a:prstGeom prst="rect">
-            <a:avLst/>
-          </a:prstGeom>
-          <a:solidFill>
-            <a:schemeClr val="tx2">
-              <a:lumMod val="90000"/>
-              <a:lumOff val="10000"/>
-            </a:schemeClr>
-          </a:solidFill>
-          <a:ln>
-            <a:solidFill>
-              <a:schemeClr val="tx2">
-                <a:lumMod val="90000"/>
-                <a:lumOff val="10000"/>
-              </a:schemeClr>
-            </a:solidFill>
-          </a:ln>
-        </p:spPr>
-        <p:style>
-          <a:lnRef idx="2">
-            <a:schemeClr val="accent1">
-              <a:shade val="15000"/>
-            </a:schemeClr>
-          </a:lnRef>
-          <a:fillRef idx="1">
-            <a:schemeClr val="accent1"/>
-          </a:fillRef>
-          <a:effectRef idx="0">
-            <a:schemeClr val="accent1"/>
-          </a:effectRef>
-          <a:fontRef idx="minor">
-            <a:schemeClr val="lt1"/>
-          </a:fontRef>
-        </p:style>
-        <p:txBody>
-          <a:bodyPr rtlCol="0" anchor="ctr"/>
-          <a:lstStyle/>
-          <a:p>
-            <a:pPr algn="ctr"/>
-            <a:endParaRPr lang="it-IT" noProof="0" dirty="0"/>
-          </a:p>
-        </p:txBody>
-      </p:sp>
-      <p:sp>
-        <p:nvSpPr>
-          <p:cNvPr id="5" name="Rettangolo 4">
-            <a:extLst>
-              <a:ext uri="{FF2B5EF4-FFF2-40B4-BE49-F238E27FC236}">
-                <a16:creationId xmlns:a16="http://schemas.microsoft.com/office/drawing/2014/main" id="{C993B1D6-9C3A-29F4-79E3-A36FF29F3563}"/>
-              </a:ext>
-            </a:extLst>
-          </p:cNvPr>
-          <p:cNvSpPr/>
-          <p:nvPr/>
-        </p:nvSpPr>
-        <p:spPr>
-          <a:xfrm>
-            <a:off x="289539" y="472780"/>
-            <a:ext cx="139359" cy="653143"/>
-          </a:xfrm>
-          <a:prstGeom prst="rect">
-            <a:avLst/>
-          </a:prstGeom>
-          <a:solidFill>
-            <a:schemeClr val="tx2">
-              <a:lumMod val="90000"/>
-              <a:lumOff val="10000"/>
-            </a:schemeClr>
-          </a:solidFill>
-          <a:ln>
-            <a:solidFill>
-              <a:schemeClr val="tx2">
-                <a:lumMod val="90000"/>
-                <a:lumOff val="10000"/>
-              </a:schemeClr>
-            </a:solidFill>
-          </a:ln>
-        </p:spPr>
-        <p:style>
-          <a:lnRef idx="2">
-            <a:schemeClr val="accent1">
-              <a:shade val="15000"/>
-            </a:schemeClr>
-          </a:lnRef>
-          <a:fillRef idx="1">
-            <a:schemeClr val="accent1"/>
-          </a:fillRef>
-          <a:effectRef idx="0">
-            <a:schemeClr val="accent1"/>
-          </a:effectRef>
-          <a:fontRef idx="minor">
-            <a:schemeClr val="lt1"/>
-          </a:fontRef>
-        </p:style>
-        <p:txBody>
-          <a:bodyPr rtlCol="0" anchor="ctr"/>
-          <a:lstStyle/>
-          <a:p>
-            <a:pPr algn="ctr"/>
-            <a:endParaRPr lang="it-IT" noProof="0" dirty="0"/>
-          </a:p>
-        </p:txBody>
-      </p:sp>
-      <p:sp>
-        <p:nvSpPr>
-          <p:cNvPr id="11" name="Rettangolo 10">
-            <a:extLst>
-              <a:ext uri="{FF2B5EF4-FFF2-40B4-BE49-F238E27FC236}">
-                <a16:creationId xmlns:a16="http://schemas.microsoft.com/office/drawing/2014/main" id="{A7EA9913-1AC3-7D4A-2157-2B54A7000AA2}"/>
-              </a:ext>
-            </a:extLst>
-          </p:cNvPr>
-          <p:cNvSpPr/>
-          <p:nvPr/>
-        </p:nvSpPr>
-        <p:spPr>
-          <a:xfrm>
-            <a:off x="10008781" y="0"/>
-            <a:ext cx="2183219" cy="6858000"/>
-          </a:xfrm>
-          <a:prstGeom prst="rect">
-            <a:avLst/>
-          </a:prstGeom>
-          <a:solidFill>
-            <a:schemeClr val="tx2">
-              <a:lumMod val="90000"/>
-              <a:lumOff val="10000"/>
-            </a:schemeClr>
-          </a:solidFill>
-          <a:ln>
-            <a:solidFill>
-              <a:srgbClr val="163E64"/>
-            </a:solidFill>
-          </a:ln>
-        </p:spPr>
-        <p:style>
-          <a:lnRef idx="2">
-            <a:schemeClr val="accent1">
-              <a:shade val="15000"/>
-            </a:schemeClr>
-          </a:lnRef>
-          <a:fillRef idx="1">
-            <a:schemeClr val="accent1"/>
-          </a:fillRef>
-          <a:effectRef idx="0">
-            <a:schemeClr val="accent1"/>
-          </a:effectRef>
-          <a:fontRef idx="minor">
-            <a:schemeClr val="lt1"/>
-          </a:fontRef>
-        </p:style>
-        <p:txBody>
-          <a:bodyPr rtlCol="0" anchor="ctr"/>
-          <a:lstStyle/>
-          <a:p>
-            <a:pPr algn="ctr"/>
-            <a:endParaRPr lang="it-IT" noProof="0" dirty="0"/>
-          </a:p>
-        </p:txBody>
-      </p:sp>
-      <p:cxnSp>
-        <p:nvCxnSpPr>
-          <p:cNvPr id="8" name="Connettore diritto 7">
-            <a:extLst>
-              <a:ext uri="{FF2B5EF4-FFF2-40B4-BE49-F238E27FC236}">
-                <a16:creationId xmlns:a16="http://schemas.microsoft.com/office/drawing/2014/main" id="{B8AB43C6-F387-E69A-86CD-A1AC24D4A29F}"/>
-              </a:ext>
-            </a:extLst>
-          </p:cNvPr>
-          <p:cNvCxnSpPr>
-            <a:cxnSpLocks/>
-          </p:cNvCxnSpPr>
-          <p:nvPr/>
-        </p:nvCxnSpPr>
-        <p:spPr>
-          <a:xfrm>
-            <a:off x="639725" y="1351691"/>
-            <a:ext cx="6654057" cy="0"/>
-          </a:xfrm>
-          <a:prstGeom prst="line">
-            <a:avLst/>
-          </a:prstGeom>
-          <a:ln>
-            <a:solidFill>
-              <a:schemeClr val="tx2">
-                <a:lumMod val="90000"/>
-                <a:lumOff val="10000"/>
-              </a:schemeClr>
-            </a:solidFill>
-          </a:ln>
-        </p:spPr>
-        <p:style>
-          <a:lnRef idx="2">
-            <a:schemeClr val="accent1"/>
-          </a:lnRef>
-          <a:fillRef idx="0">
-            <a:schemeClr val="accent1"/>
-          </a:fillRef>
-          <a:effectRef idx="1">
-            <a:schemeClr val="accent1"/>
-          </a:effectRef>
-          <a:fontRef idx="minor">
-            <a:schemeClr val="tx1"/>
-          </a:fontRef>
-        </p:style>
-      </p:cxnSp>
-      <p:sp>
-        <p:nvSpPr>
-          <p:cNvPr id="6" name="TextBox 5">
-            <a:extLst>
-              <a:ext uri="{FF2B5EF4-FFF2-40B4-BE49-F238E27FC236}">
-                <a16:creationId xmlns:a16="http://schemas.microsoft.com/office/drawing/2014/main" id="{1A234AD5-1C0F-3801-0826-9187DD2C3AB0}"/>
-              </a:ext>
-            </a:extLst>
-          </p:cNvPr>
-          <p:cNvSpPr txBox="1"/>
-          <p:nvPr/>
-        </p:nvSpPr>
-        <p:spPr>
-          <a:xfrm>
-            <a:off x="11654290" y="6452785"/>
-            <a:ext cx="438619" cy="307777"/>
-          </a:xfrm>
-          <a:prstGeom prst="rect">
-            <a:avLst/>
-          </a:prstGeom>
-          <a:noFill/>
-        </p:spPr>
-        <p:txBody>
-          <a:bodyPr wrap="square">
-            <a:spAutoFit/>
-          </a:bodyPr>
-          <a:lstStyle/>
-          <a:p>
-            <a:r>
-              <a:rPr lang="it-IT" sz="1400" dirty="0">
-                <a:solidFill>
-                  <a:schemeClr val="bg1"/>
-                </a:solidFill>
-              </a:rPr>
-              <a:t>7</a:t>
-            </a:r>
-            <a:endParaRPr lang="it-IT" sz="1400" noProof="0" dirty="0"/>
-          </a:p>
-        </p:txBody>
-      </p:sp>
-      <p:pic>
-        <p:nvPicPr>
-          <p:cNvPr id="16" name="Immagine 15" descr="Immagine che contiene schermata, Policromia, cerchio, blu&#10;&#10;Descrizione generata automaticamente">
-            <a:extLst>
-              <a:ext uri="{FF2B5EF4-FFF2-40B4-BE49-F238E27FC236}">
-                <a16:creationId xmlns:a16="http://schemas.microsoft.com/office/drawing/2014/main" id="{F932AEFD-F285-EEFC-4837-386D350A220C}"/>
-              </a:ext>
-            </a:extLst>
-          </p:cNvPr>
-          <p:cNvPicPr>
-            <a:picLocks noChangeAspect="1"/>
-          </p:cNvPicPr>
-          <p:nvPr/>
-        </p:nvPicPr>
-        <p:blipFill>
-          <a:blip r:embed="rId2">
-            <a:extLst>
-              <a:ext uri="{28A0092B-C50C-407E-A947-70E740481C1C}">
-                <a14:useLocalDpi xmlns:a14="http://schemas.microsoft.com/office/drawing/2010/main" val="0"/>
-              </a:ext>
-            </a:extLst>
-          </a:blip>
-          <a:stretch>
-            <a:fillRect/>
-          </a:stretch>
-        </p:blipFill>
-        <p:spPr>
-          <a:xfrm>
-            <a:off x="7293782" y="353207"/>
-            <a:ext cx="885600" cy="885600"/>
-          </a:xfrm>
-          <a:prstGeom prst="rect">
-            <a:avLst/>
-          </a:prstGeom>
-        </p:spPr>
-      </p:pic>
-      <p:sp>
-        <p:nvSpPr>
-          <p:cNvPr id="10" name="CasellaDiTesto 9">
-            <a:extLst>
-              <a:ext uri="{FF2B5EF4-FFF2-40B4-BE49-F238E27FC236}">
-                <a16:creationId xmlns:a16="http://schemas.microsoft.com/office/drawing/2014/main" id="{720F1E63-F380-A2C8-B252-1B4B987C123E}"/>
-              </a:ext>
-            </a:extLst>
-          </p:cNvPr>
-          <p:cNvSpPr txBox="1"/>
-          <p:nvPr/>
-        </p:nvSpPr>
-        <p:spPr>
-          <a:xfrm>
-            <a:off x="639724" y="1623385"/>
-            <a:ext cx="6654056" cy="646331"/>
-          </a:xfrm>
-          <a:prstGeom prst="rect">
-            <a:avLst/>
-          </a:prstGeom>
-          <a:noFill/>
-        </p:spPr>
-        <p:txBody>
-          <a:bodyPr wrap="square" rtlCol="0">
-            <a:spAutoFit/>
-          </a:bodyPr>
-          <a:lstStyle/>
-          <a:p>
-            <a:br>
-              <a:rPr lang="it-IT" noProof="0" dirty="0">
-                <a:solidFill>
-                  <a:schemeClr val="tx1">
-                    <a:lumMod val="85000"/>
-                    <a:lumOff val="15000"/>
-                  </a:schemeClr>
-                </a:solidFill>
-              </a:rPr>
-            </a:br>
-            <a:endParaRPr lang="it-IT" noProof="0" dirty="0">
-              <a:solidFill>
-                <a:schemeClr val="tx1">
-                  <a:lumMod val="85000"/>
-                  <a:lumOff val="15000"/>
-                </a:schemeClr>
-              </a:solidFill>
-            </a:endParaRPr>
-          </a:p>
-        </p:txBody>
-      </p:sp>
-      <p:sp>
-        <p:nvSpPr>
-          <p:cNvPr id="12" name="CasellaDiTesto 6">
-            <a:extLst>
-              <a:ext uri="{FF2B5EF4-FFF2-40B4-BE49-F238E27FC236}">
-                <a16:creationId xmlns:a16="http://schemas.microsoft.com/office/drawing/2014/main" id="{8290C57E-5561-FDA2-5EFB-EDC39761C52E}"/>
-              </a:ext>
-            </a:extLst>
-          </p:cNvPr>
-          <p:cNvSpPr txBox="1"/>
-          <p:nvPr/>
-        </p:nvSpPr>
-        <p:spPr>
-          <a:xfrm>
-            <a:off x="639726" y="1613118"/>
-            <a:ext cx="6654054" cy="3200876"/>
-          </a:xfrm>
-          <a:prstGeom prst="rect">
-            <a:avLst/>
-          </a:prstGeom>
-          <a:noFill/>
-        </p:spPr>
-        <p:txBody>
-          <a:bodyPr wrap="square" lIns="91440" tIns="45720" rIns="91440" bIns="45720" rtlCol="0" anchor="t">
-            <a:spAutoFit/>
-          </a:bodyPr>
-          <a:lstStyle/>
-          <a:p>
-            <a:r>
-              <a:rPr lang="it-IT" b="1" u="sng" dirty="0">
-                <a:solidFill>
-                  <a:schemeClr val="tx1">
-                    <a:lumMod val="85000"/>
-                    <a:lumOff val="15000"/>
-                  </a:schemeClr>
-                </a:solidFill>
-              </a:rPr>
-              <a:t>Implementazione (Separate Database per </a:t>
-            </a:r>
-            <a:r>
-              <a:rPr lang="it-IT" b="1" u="sng" dirty="0" err="1">
-                <a:solidFill>
-                  <a:schemeClr val="tx1">
-                    <a:lumMod val="85000"/>
-                    <a:lumOff val="15000"/>
-                  </a:schemeClr>
-                </a:solidFill>
-              </a:rPr>
-              <a:t>Tenant</a:t>
-            </a:r>
-            <a:r>
-              <a:rPr lang="it-IT" b="1" u="sng" dirty="0">
-                <a:solidFill>
-                  <a:schemeClr val="tx1">
-                    <a:lumMod val="85000"/>
-                    <a:lumOff val="15000"/>
-                  </a:schemeClr>
-                </a:solidFill>
-              </a:rPr>
-              <a:t>)</a:t>
-            </a:r>
-          </a:p>
-          <a:p>
-            <a:endParaRPr lang="it-IT" b="1" dirty="0">
-              <a:solidFill>
-                <a:schemeClr val="tx1">
-                  <a:lumMod val="85000"/>
-                  <a:lumOff val="15000"/>
-                </a:schemeClr>
-              </a:solidFill>
-            </a:endParaRPr>
-          </a:p>
-          <a:p>
-            <a:pPr lvl="0"/>
-            <a:r>
-              <a:rPr lang="en-GB" b="1" dirty="0"/>
-              <a:t>- </a:t>
-            </a:r>
-            <a:r>
-              <a:rPr lang="en-GB" b="1" dirty="0" err="1"/>
-              <a:t>Connessioni</a:t>
-            </a:r>
-            <a:r>
-              <a:rPr lang="en-GB" b="1" dirty="0"/>
-              <a:t> </a:t>
-            </a:r>
-            <a:r>
-              <a:rPr lang="en-GB" b="1" dirty="0" err="1"/>
-              <a:t>dinamiche</a:t>
-            </a:r>
-            <a:r>
-              <a:rPr lang="en-GB" b="1" dirty="0"/>
-              <a:t> </a:t>
-            </a:r>
-            <a:r>
-              <a:rPr lang="en-GB" b="1" dirty="0" err="1"/>
-              <a:t>personalizzate</a:t>
-            </a:r>
-            <a:r>
-              <a:rPr lang="en-GB" dirty="0"/>
-              <a:t>:</a:t>
-            </a:r>
-            <a:endParaRPr lang="en-GB" sz="1600" dirty="0"/>
-          </a:p>
-          <a:p>
-            <a:pPr marL="742950" lvl="1" indent="-285750">
-              <a:buFont typeface="Arial" panose="020B0604020202020204" pitchFamily="34" charset="0"/>
-              <a:buChar char="•"/>
-            </a:pPr>
-            <a:r>
-              <a:rPr lang="it-IT" sz="1600" dirty="0"/>
-              <a:t>La classe </a:t>
-            </a:r>
-            <a:r>
-              <a:rPr lang="it-IT" sz="1600" i="1" dirty="0" err="1"/>
-              <a:t>DataSourceConfig</a:t>
-            </a:r>
-            <a:r>
-              <a:rPr lang="it-IT" sz="1600" dirty="0"/>
-              <a:t> crea connessioni con credenziali specifiche per ogni </a:t>
-            </a:r>
-            <a:r>
-              <a:rPr lang="it-IT" sz="1600" dirty="0" err="1"/>
-              <a:t>tenant</a:t>
-            </a:r>
-            <a:endParaRPr lang="en-GB" sz="1600" dirty="0"/>
-          </a:p>
-          <a:p>
-            <a:pPr lvl="0"/>
-            <a:r>
-              <a:rPr lang="en-GB" b="1" dirty="0"/>
-              <a:t>- </a:t>
-            </a:r>
-            <a:r>
-              <a:rPr lang="en-GB" b="1" dirty="0" err="1"/>
-              <a:t>Gestione</a:t>
-            </a:r>
-            <a:r>
-              <a:rPr lang="en-GB" b="1" dirty="0"/>
-              <a:t> </a:t>
-            </a:r>
-            <a:r>
-              <a:rPr lang="en-GB" b="1" dirty="0" err="1"/>
-              <a:t>dinamica</a:t>
-            </a:r>
-            <a:r>
-              <a:rPr lang="en-GB" b="1" dirty="0"/>
-              <a:t> </a:t>
-            </a:r>
-            <a:r>
-              <a:rPr lang="en-GB" b="1" dirty="0" err="1"/>
-              <a:t>dei</a:t>
-            </a:r>
-            <a:r>
-              <a:rPr lang="en-GB" b="1" dirty="0"/>
-              <a:t> tenant</a:t>
-            </a:r>
-            <a:r>
-              <a:rPr lang="en-GB" dirty="0"/>
-              <a:t>:</a:t>
-            </a:r>
-            <a:endParaRPr lang="en-GB" sz="1600" dirty="0"/>
-          </a:p>
-          <a:p>
-            <a:pPr marL="742950" lvl="1" indent="-285750">
-              <a:buFont typeface="Arial" panose="020B0604020202020204" pitchFamily="34" charset="0"/>
-              <a:buChar char="•"/>
-            </a:pPr>
-            <a:r>
-              <a:rPr lang="it-IT" sz="1600" dirty="0"/>
-              <a:t>La classe </a:t>
-            </a:r>
-            <a:r>
-              <a:rPr lang="it-IT" sz="1600" i="1" dirty="0" err="1"/>
-              <a:t>MultiTenantConnectionProvider</a:t>
-            </a:r>
-            <a:r>
-              <a:rPr lang="it-IT" sz="1600" dirty="0"/>
-              <a:t> imposta il contesto SQL per identificare il corretto Database su cui operare</a:t>
-            </a:r>
-          </a:p>
-          <a:p>
-            <a:pPr lvl="0"/>
-            <a:r>
-              <a:rPr lang="en-GB" b="1" dirty="0"/>
-              <a:t>- Integrazione con Hibernate:</a:t>
-            </a:r>
-            <a:endParaRPr lang="en-GB" sz="1600" b="1" dirty="0"/>
-          </a:p>
-          <a:p>
-            <a:pPr marL="742950" lvl="1" indent="-285750">
-              <a:buFont typeface="Arial" panose="020B0604020202020204" pitchFamily="34" charset="0"/>
-              <a:buChar char="•"/>
-            </a:pPr>
-            <a:r>
-              <a:rPr lang="it-IT" sz="1600" dirty="0" err="1"/>
-              <a:t>Hibernate</a:t>
-            </a:r>
-            <a:r>
-              <a:rPr lang="it-IT" sz="1600" dirty="0"/>
-              <a:t> utilizza un </a:t>
-            </a:r>
-            <a:r>
-              <a:rPr lang="it-IT" sz="1600" i="1" dirty="0" err="1"/>
-              <a:t>MultiTenantConnectionProvider</a:t>
-            </a:r>
-            <a:r>
-              <a:rPr lang="it-IT" sz="1600" dirty="0"/>
-              <a:t> per gestire le connessioni multiple e un </a:t>
-            </a:r>
-            <a:r>
-              <a:rPr lang="it-IT" sz="1600" i="1" dirty="0" err="1"/>
-              <a:t>CurrentTenantIdentifierResolver</a:t>
-            </a:r>
-            <a:r>
-              <a:rPr lang="it-IT" sz="1600" dirty="0"/>
-              <a:t> per risolvere dinamicamente l'identificatore del </a:t>
-            </a:r>
-            <a:r>
-              <a:rPr lang="it-IT" sz="1600" dirty="0" err="1"/>
-              <a:t>tenant</a:t>
-            </a:r>
-            <a:endParaRPr lang="en-GB" sz="1600" dirty="0"/>
-          </a:p>
-        </p:txBody>
-      </p:sp>
-      <p:pic>
-        <p:nvPicPr>
-          <p:cNvPr id="7" name="Picture 2" descr="Immagine che contiene testo, diagramma, schermata&#10;&#10;Descrizione generata automaticamente">
-            <a:extLst>
-              <a:ext uri="{FF2B5EF4-FFF2-40B4-BE49-F238E27FC236}">
-                <a16:creationId xmlns:a16="http://schemas.microsoft.com/office/drawing/2014/main" id="{12435049-D208-126B-5931-26C38B7A9140}"/>
-              </a:ext>
-            </a:extLst>
-          </p:cNvPr>
-          <p:cNvPicPr>
-            <a:picLocks noChangeAspect="1" noChangeArrowheads="1"/>
-          </p:cNvPicPr>
-          <p:nvPr/>
-        </p:nvPicPr>
-        <p:blipFill>
-          <a:blip r:embed="rId3">
-            <a:extLst>
-              <a:ext uri="{28A0092B-C50C-407E-A947-70E740481C1C}">
-                <a14:useLocalDpi xmlns:a14="http://schemas.microsoft.com/office/drawing/2010/main" val="0"/>
-              </a:ext>
-            </a:extLst>
-          </a:blip>
-          <a:srcRect/>
-          <a:stretch>
-            <a:fillRect/>
-          </a:stretch>
-        </p:blipFill>
-        <p:spPr bwMode="auto">
-          <a:xfrm>
-            <a:off x="7642549" y="2634543"/>
-            <a:ext cx="1842895" cy="2430240"/>
-          </a:xfrm>
-          <a:prstGeom prst="rect">
-            <a:avLst/>
-          </a:prstGeom>
-          <a:noFill/>
-          <a:extLst>
-            <a:ext uri="{909E8E84-426E-40DD-AFC4-6F175D3DCCD1}">
-              <a14:hiddenFill xmlns:a14="http://schemas.microsoft.com/office/drawing/2010/main">
-                <a:solidFill>
-                  <a:srgbClr val="FFFFFF"/>
-                </a:solidFill>
-              </a14:hiddenFill>
-            </a:ext>
-          </a:extLst>
-        </p:spPr>
-      </p:pic>
-    </p:spTree>
-    <p:extLst>
-      <p:ext uri="{BB962C8B-B14F-4D97-AF65-F5344CB8AC3E}">
-        <p14:creationId xmlns:p14="http://schemas.microsoft.com/office/powerpoint/2010/main" val="281973483"/>
-      </p:ext>
-    </p:extLst>
-  </p:cSld>
-  <p:clrMapOvr>
-    <a:masterClrMapping/>
-  </p:clrMapOvr>
-</p:sld>
-</file>
-
-<file path=ppt/slides/slide11.xml><?xml version="1.0" encoding="utf-8"?>
-<p:sld xmlns:a="http://schemas.openxmlformats.org/drawingml/2006/main" xmlns:r="http://schemas.openxmlformats.org/officeDocument/2006/relationships" xmlns:p="http://schemas.openxmlformats.org/presentationml/2006/main">
-  <p:cSld>
-    <p:spTree>
-      <p:nvGrpSpPr>
-        <p:cNvPr id="1" name="">
-          <a:extLst>
-            <a:ext uri="{FF2B5EF4-FFF2-40B4-BE49-F238E27FC236}">
               <a16:creationId xmlns:a16="http://schemas.microsoft.com/office/drawing/2014/main" id="{AF2159A2-8473-B723-5AF2-A52F3F612B61}"/>
             </a:ext>
           </a:extLst>
@@ -5697,7 +4851,7 @@
                   <a:schemeClr val="bg1"/>
                 </a:solidFill>
               </a:rPr>
-              <a:t>13</a:t>
+              <a:t>10</a:t>
             </a:r>
             <a:endParaRPr lang="it-IT" sz="1400" noProof="0" dirty="0"/>
           </a:p>
@@ -5952,7 +5106,7 @@
 </p:sld>
 </file>
 
-<file path=ppt/slides/slide12.xml><?xml version="1.0" encoding="utf-8"?>
+<file path=ppt/slides/slide11.xml><?xml version="1.0" encoding="utf-8"?>
 <p:sld xmlns:a="http://schemas.openxmlformats.org/drawingml/2006/main" xmlns:r="http://schemas.openxmlformats.org/officeDocument/2006/relationships" xmlns:p="http://schemas.openxmlformats.org/presentationml/2006/main">
   <p:cSld>
     <p:spTree>
@@ -6288,12 +5442,12 @@
           <a:lstStyle/>
           <a:p>
             <a:r>
-              <a:rPr lang="it-IT" sz="1400" noProof="0" dirty="0">
+              <a:rPr lang="it-IT" sz="1400" dirty="0">
                 <a:solidFill>
                   <a:schemeClr val="bg1"/>
                 </a:solidFill>
               </a:rPr>
-              <a:t>5</a:t>
+              <a:t>11</a:t>
             </a:r>
             <a:endParaRPr lang="it-IT" sz="1400" noProof="0" dirty="0"/>
           </a:p>
@@ -6469,7 +5623,7 @@
 </p:sld>
 </file>
 
-<file path=ppt/slides/slide13.xml><?xml version="1.0" encoding="utf-8"?>
+<file path=ppt/slides/slide12.xml><?xml version="1.0" encoding="utf-8"?>
 <p:sld xmlns:a="http://schemas.openxmlformats.org/drawingml/2006/main" xmlns:r="http://schemas.openxmlformats.org/officeDocument/2006/relationships" xmlns:p="http://schemas.openxmlformats.org/presentationml/2006/main">
   <p:cSld>
     <p:spTree>
@@ -6805,12 +5959,12 @@
           <a:lstStyle/>
           <a:p>
             <a:r>
-              <a:rPr lang="it-IT" sz="1400" noProof="0" dirty="0">
+              <a:rPr lang="it-IT" sz="1400" dirty="0">
                 <a:solidFill>
                   <a:schemeClr val="bg1"/>
                 </a:solidFill>
               </a:rPr>
-              <a:t>5</a:t>
+              <a:t>12</a:t>
             </a:r>
             <a:endParaRPr lang="it-IT" sz="1400" noProof="0" dirty="0"/>
           </a:p>
@@ -6981,7 +6135,7 @@
 </p:sld>
 </file>
 
-<file path=ppt/slides/slide14.xml><?xml version="1.0" encoding="utf-8"?>
+<file path=ppt/slides/slide13.xml><?xml version="1.0" encoding="utf-8"?>
 <p:sld xmlns:a="http://schemas.openxmlformats.org/drawingml/2006/main" xmlns:r="http://schemas.openxmlformats.org/officeDocument/2006/relationships" xmlns:p="http://schemas.openxmlformats.org/presentationml/2006/main">
   <p:cSld>
     <p:spTree>
@@ -7317,12 +6471,12 @@
           <a:lstStyle/>
           <a:p>
             <a:r>
-              <a:rPr lang="it-IT" sz="1400" noProof="0" dirty="0">
+              <a:rPr lang="it-IT" sz="1400" dirty="0">
                 <a:solidFill>
                   <a:schemeClr val="bg1"/>
                 </a:solidFill>
               </a:rPr>
-              <a:t>5</a:t>
+              <a:t>13</a:t>
             </a:r>
             <a:endParaRPr lang="it-IT" sz="1400" noProof="0" dirty="0"/>
           </a:p>
@@ -7501,7 +6655,7 @@
 </p:sld>
 </file>
 
-<file path=ppt/slides/slide15.xml><?xml version="1.0" encoding="utf-8"?>
+<file path=ppt/slides/slide14.xml><?xml version="1.0" encoding="utf-8"?>
 <p:sld xmlns:a="http://schemas.openxmlformats.org/drawingml/2006/main" xmlns:r="http://schemas.openxmlformats.org/officeDocument/2006/relationships" xmlns:p="http://schemas.openxmlformats.org/presentationml/2006/main">
   <p:cSld>
     <p:spTree>
@@ -7837,12 +6991,12 @@
           <a:lstStyle/>
           <a:p>
             <a:r>
-              <a:rPr lang="it-IT" sz="1400" noProof="0" dirty="0">
+              <a:rPr lang="it-IT" sz="1400" dirty="0">
                 <a:solidFill>
                   <a:schemeClr val="bg1"/>
                 </a:solidFill>
               </a:rPr>
-              <a:t>5</a:t>
+              <a:t>14</a:t>
             </a:r>
             <a:endParaRPr lang="it-IT" sz="1400" noProof="0" dirty="0"/>
           </a:p>
@@ -7986,7 +7140,7 @@
 </p:sld>
 </file>
 
-<file path=ppt/slides/slide16.xml><?xml version="1.0" encoding="utf-8"?>
+<file path=ppt/slides/slide15.xml><?xml version="1.0" encoding="utf-8"?>
 <p:sld xmlns:a="http://schemas.openxmlformats.org/drawingml/2006/main" xmlns:r="http://schemas.openxmlformats.org/officeDocument/2006/relationships" xmlns:p="http://schemas.openxmlformats.org/presentationml/2006/main">
   <p:cSld>
     <p:spTree>
@@ -8322,12 +7476,12 @@
           <a:lstStyle/>
           <a:p>
             <a:r>
-              <a:rPr lang="it-IT" sz="1400" noProof="0" dirty="0">
+              <a:rPr lang="it-IT" sz="1400" dirty="0">
                 <a:solidFill>
                   <a:schemeClr val="bg1"/>
                 </a:solidFill>
               </a:rPr>
-              <a:t>5</a:t>
+              <a:t>15</a:t>
             </a:r>
             <a:endParaRPr lang="it-IT" sz="1400" noProof="0" dirty="0"/>
           </a:p>
@@ -8499,7 +7653,7 @@
 </p:sld>
 </file>
 
-<file path=ppt/slides/slide17.xml><?xml version="1.0" encoding="utf-8"?>
+<file path=ppt/slides/slide16.xml><?xml version="1.0" encoding="utf-8"?>
 <p:sld xmlns:a="http://schemas.openxmlformats.org/drawingml/2006/main" xmlns:r="http://schemas.openxmlformats.org/officeDocument/2006/relationships" xmlns:p="http://schemas.openxmlformats.org/presentationml/2006/main">
   <p:cSld>
     <p:spTree>
@@ -8995,7 +8149,7 @@
 </p:sld>
 </file>
 
-<file path=ppt/slides/slide18.xml><?xml version="1.0" encoding="utf-8"?>
+<file path=ppt/slides/slide17.xml><?xml version="1.0" encoding="utf-8"?>
 <p:sld xmlns:a="http://schemas.openxmlformats.org/drawingml/2006/main" xmlns:r="http://schemas.openxmlformats.org/officeDocument/2006/relationships" xmlns:p="http://schemas.openxmlformats.org/presentationml/2006/main">
   <p:cSld>
     <p:spTree>
@@ -9358,7 +8512,7 @@
                   <a:schemeClr val="bg1"/>
                 </a:solidFill>
               </a:rPr>
-              <a:t>15</a:t>
+              <a:t>17</a:t>
             </a:r>
             <a:endParaRPr lang="it-IT" sz="1400" noProof="0" dirty="0"/>
           </a:p>
@@ -9751,7 +8905,7 @@
 </p:sld>
 </file>
 
-<file path=ppt/slides/slide19.xml><?xml version="1.0" encoding="utf-8"?>
+<file path=ppt/slides/slide18.xml><?xml version="1.0" encoding="utf-8"?>
 <p:sld xmlns:a="http://schemas.openxmlformats.org/drawingml/2006/main" xmlns:r="http://schemas.openxmlformats.org/officeDocument/2006/relationships" xmlns:p="http://schemas.openxmlformats.org/presentationml/2006/main">
   <p:cSld>
     <p:spTree>
@@ -10114,7 +9268,7 @@
                   <a:schemeClr val="bg1"/>
                 </a:solidFill>
               </a:rPr>
-              <a:t>15</a:t>
+              <a:t>18</a:t>
             </a:r>
             <a:endParaRPr lang="it-IT" sz="1400" noProof="0" dirty="0"/>
           </a:p>
@@ -10219,16 +9373,8 @@
                   </a:schemeClr>
                 </a:solidFill>
               </a:rPr>
-              <a:t> #607:</a:t>
-            </a:r>
-            <a:endParaRPr lang="it-IT">
-              <a:solidFill>
-                <a:schemeClr val="tx1">
-                  <a:lumMod val="85000"/>
-                  <a:lumOff val="15000"/>
-                </a:schemeClr>
-              </a:solidFill>
-            </a:endParaRPr>
+              <a:t> #607: </a:t>
+            </a:r>
           </a:p>
           <a:p>
             <a:pPr marL="285750" indent="-285750">
@@ -10247,6 +9393,2488 @@
     <p:extLst>
       <p:ext uri="{BB962C8B-B14F-4D97-AF65-F5344CB8AC3E}">
         <p14:creationId xmlns:p14="http://schemas.microsoft.com/office/powerpoint/2010/main" val="1623740443"/>
+      </p:ext>
+    </p:extLst>
+  </p:cSld>
+  <p:clrMapOvr>
+    <a:masterClrMapping/>
+  </p:clrMapOvr>
+</p:sld>
+</file>
+
+<file path=ppt/slides/slide19.xml><?xml version="1.0" encoding="utf-8"?>
+<p:sld xmlns:a="http://schemas.openxmlformats.org/drawingml/2006/main" xmlns:r="http://schemas.openxmlformats.org/officeDocument/2006/relationships" xmlns:p="http://schemas.openxmlformats.org/presentationml/2006/main">
+  <p:cSld>
+    <p:spTree>
+      <p:nvGrpSpPr>
+        <p:cNvPr id="1" name="">
+          <a:extLst>
+            <a:ext uri="{FF2B5EF4-FFF2-40B4-BE49-F238E27FC236}">
+              <a16:creationId xmlns:a16="http://schemas.microsoft.com/office/drawing/2014/main" id="{19E9BBD6-4163-1124-8129-965A760AE389}"/>
+            </a:ext>
+          </a:extLst>
+        </p:cNvPr>
+        <p:cNvGrpSpPr/>
+        <p:nvPr/>
+      </p:nvGrpSpPr>
+      <p:grpSpPr>
+        <a:xfrm>
+          <a:off x="0" y="0"/>
+          <a:ext cx="0" cy="0"/>
+          <a:chOff x="0" y="0"/>
+          <a:chExt cx="0" cy="0"/>
+        </a:xfrm>
+      </p:grpSpPr>
+      <p:sp>
+        <p:nvSpPr>
+          <p:cNvPr id="2" name="Titolo 1">
+            <a:extLst>
+              <a:ext uri="{FF2B5EF4-FFF2-40B4-BE49-F238E27FC236}">
+                <a16:creationId xmlns:a16="http://schemas.microsoft.com/office/drawing/2014/main" id="{B6974E5C-17BD-B136-F378-98BF78959AF8}"/>
+              </a:ext>
+            </a:extLst>
+          </p:cNvPr>
+          <p:cNvSpPr>
+            <a:spLocks noGrp="1"/>
+          </p:cNvSpPr>
+          <p:nvPr>
+            <p:ph type="title"/>
+          </p:nvPr>
+        </p:nvSpPr>
+        <p:spPr>
+          <a:xfrm>
+            <a:off x="639724" y="472780"/>
+            <a:ext cx="7444563" cy="653143"/>
+          </a:xfrm>
+        </p:spPr>
+        <p:txBody>
+          <a:bodyPr>
+            <a:normAutofit/>
+          </a:bodyPr>
+          <a:lstStyle/>
+          <a:p>
+            <a:r>
+              <a:rPr lang="it-IT" sz="4000" dirty="0">
+                <a:solidFill>
+                  <a:schemeClr val="tx2">
+                    <a:lumMod val="90000"/>
+                    <a:lumOff val="10000"/>
+                  </a:schemeClr>
+                </a:solidFill>
+              </a:rPr>
+              <a:t>RECAP</a:t>
+            </a:r>
+            <a:endParaRPr lang="it-IT" sz="4000" noProof="0" dirty="0">
+              <a:solidFill>
+                <a:schemeClr val="tx2">
+                  <a:lumMod val="90000"/>
+                  <a:lumOff val="10000"/>
+                </a:schemeClr>
+              </a:solidFill>
+            </a:endParaRPr>
+          </a:p>
+        </p:txBody>
+      </p:sp>
+      <p:sp>
+        <p:nvSpPr>
+          <p:cNvPr id="4" name="Rettangolo 3">
+            <a:extLst>
+              <a:ext uri="{FF2B5EF4-FFF2-40B4-BE49-F238E27FC236}">
+                <a16:creationId xmlns:a16="http://schemas.microsoft.com/office/drawing/2014/main" id="{16165F18-00FC-12D1-A152-A3C72962C256}"/>
+              </a:ext>
+            </a:extLst>
+          </p:cNvPr>
+          <p:cNvSpPr/>
+          <p:nvPr/>
+        </p:nvSpPr>
+        <p:spPr>
+          <a:xfrm>
+            <a:off x="0" y="472781"/>
+            <a:ext cx="190243" cy="653143"/>
+          </a:xfrm>
+          <a:prstGeom prst="rect">
+            <a:avLst/>
+          </a:prstGeom>
+          <a:solidFill>
+            <a:schemeClr val="tx2">
+              <a:lumMod val="90000"/>
+              <a:lumOff val="10000"/>
+            </a:schemeClr>
+          </a:solidFill>
+          <a:ln>
+            <a:solidFill>
+              <a:schemeClr val="tx2">
+                <a:lumMod val="90000"/>
+                <a:lumOff val="10000"/>
+              </a:schemeClr>
+            </a:solidFill>
+          </a:ln>
+        </p:spPr>
+        <p:style>
+          <a:lnRef idx="2">
+            <a:schemeClr val="accent1">
+              <a:shade val="15000"/>
+            </a:schemeClr>
+          </a:lnRef>
+          <a:fillRef idx="1">
+            <a:schemeClr val="accent1"/>
+          </a:fillRef>
+          <a:effectRef idx="0">
+            <a:schemeClr val="accent1"/>
+          </a:effectRef>
+          <a:fontRef idx="minor">
+            <a:schemeClr val="lt1"/>
+          </a:fontRef>
+        </p:style>
+        <p:txBody>
+          <a:bodyPr rtlCol="0" anchor="ctr"/>
+          <a:lstStyle/>
+          <a:p>
+            <a:pPr algn="ctr"/>
+            <a:endParaRPr lang="it-IT" noProof="0" dirty="0"/>
+          </a:p>
+        </p:txBody>
+      </p:sp>
+      <p:sp>
+        <p:nvSpPr>
+          <p:cNvPr id="5" name="Rettangolo 4">
+            <a:extLst>
+              <a:ext uri="{FF2B5EF4-FFF2-40B4-BE49-F238E27FC236}">
+                <a16:creationId xmlns:a16="http://schemas.microsoft.com/office/drawing/2014/main" id="{01D5C20A-F83E-EAC3-E580-281DC743F7D5}"/>
+              </a:ext>
+            </a:extLst>
+          </p:cNvPr>
+          <p:cNvSpPr/>
+          <p:nvPr/>
+        </p:nvSpPr>
+        <p:spPr>
+          <a:xfrm>
+            <a:off x="289539" y="472780"/>
+            <a:ext cx="139359" cy="653143"/>
+          </a:xfrm>
+          <a:prstGeom prst="rect">
+            <a:avLst/>
+          </a:prstGeom>
+          <a:solidFill>
+            <a:schemeClr val="tx2">
+              <a:lumMod val="90000"/>
+              <a:lumOff val="10000"/>
+            </a:schemeClr>
+          </a:solidFill>
+          <a:ln>
+            <a:solidFill>
+              <a:schemeClr val="tx2">
+                <a:lumMod val="90000"/>
+                <a:lumOff val="10000"/>
+              </a:schemeClr>
+            </a:solidFill>
+          </a:ln>
+        </p:spPr>
+        <p:style>
+          <a:lnRef idx="2">
+            <a:schemeClr val="accent1">
+              <a:shade val="15000"/>
+            </a:schemeClr>
+          </a:lnRef>
+          <a:fillRef idx="1">
+            <a:schemeClr val="accent1"/>
+          </a:fillRef>
+          <a:effectRef idx="0">
+            <a:schemeClr val="accent1"/>
+          </a:effectRef>
+          <a:fontRef idx="minor">
+            <a:schemeClr val="lt1"/>
+          </a:fontRef>
+        </p:style>
+        <p:txBody>
+          <a:bodyPr rtlCol="0" anchor="ctr"/>
+          <a:lstStyle/>
+          <a:p>
+            <a:pPr algn="ctr"/>
+            <a:endParaRPr lang="it-IT" noProof="0" dirty="0"/>
+          </a:p>
+        </p:txBody>
+      </p:sp>
+      <p:sp>
+        <p:nvSpPr>
+          <p:cNvPr id="11" name="Rettangolo 10">
+            <a:extLst>
+              <a:ext uri="{FF2B5EF4-FFF2-40B4-BE49-F238E27FC236}">
+                <a16:creationId xmlns:a16="http://schemas.microsoft.com/office/drawing/2014/main" id="{6E491ADF-5611-CF4F-55A3-45AB1DC7E7A6}"/>
+              </a:ext>
+            </a:extLst>
+          </p:cNvPr>
+          <p:cNvSpPr/>
+          <p:nvPr/>
+        </p:nvSpPr>
+        <p:spPr>
+          <a:xfrm>
+            <a:off x="10008781" y="0"/>
+            <a:ext cx="2183219" cy="6858000"/>
+          </a:xfrm>
+          <a:prstGeom prst="rect">
+            <a:avLst/>
+          </a:prstGeom>
+          <a:solidFill>
+            <a:schemeClr val="tx2">
+              <a:lumMod val="90000"/>
+              <a:lumOff val="10000"/>
+            </a:schemeClr>
+          </a:solidFill>
+          <a:ln>
+            <a:solidFill>
+              <a:srgbClr val="163E64"/>
+            </a:solidFill>
+          </a:ln>
+        </p:spPr>
+        <p:style>
+          <a:lnRef idx="2">
+            <a:schemeClr val="accent1">
+              <a:shade val="15000"/>
+            </a:schemeClr>
+          </a:lnRef>
+          <a:fillRef idx="1">
+            <a:schemeClr val="accent1"/>
+          </a:fillRef>
+          <a:effectRef idx="0">
+            <a:schemeClr val="accent1"/>
+          </a:effectRef>
+          <a:fontRef idx="minor">
+            <a:schemeClr val="lt1"/>
+          </a:fontRef>
+        </p:style>
+        <p:txBody>
+          <a:bodyPr rtlCol="0" anchor="ctr"/>
+          <a:lstStyle/>
+          <a:p>
+            <a:pPr algn="ctr"/>
+            <a:endParaRPr lang="it-IT" noProof="0" dirty="0"/>
+          </a:p>
+        </p:txBody>
+      </p:sp>
+      <p:cxnSp>
+        <p:nvCxnSpPr>
+          <p:cNvPr id="8" name="Connettore diritto 7">
+            <a:extLst>
+              <a:ext uri="{FF2B5EF4-FFF2-40B4-BE49-F238E27FC236}">
+                <a16:creationId xmlns:a16="http://schemas.microsoft.com/office/drawing/2014/main" id="{CEE419B7-AF1F-47E2-1411-8D030724670C}"/>
+              </a:ext>
+            </a:extLst>
+          </p:cNvPr>
+          <p:cNvCxnSpPr>
+            <a:cxnSpLocks/>
+          </p:cNvCxnSpPr>
+          <p:nvPr/>
+        </p:nvCxnSpPr>
+        <p:spPr>
+          <a:xfrm>
+            <a:off x="639725" y="1351691"/>
+            <a:ext cx="6654057" cy="0"/>
+          </a:xfrm>
+          <a:prstGeom prst="line">
+            <a:avLst/>
+          </a:prstGeom>
+          <a:ln>
+            <a:solidFill>
+              <a:schemeClr val="tx2">
+                <a:lumMod val="90000"/>
+                <a:lumOff val="10000"/>
+              </a:schemeClr>
+            </a:solidFill>
+          </a:ln>
+        </p:spPr>
+        <p:style>
+          <a:lnRef idx="2">
+            <a:schemeClr val="accent1"/>
+          </a:lnRef>
+          <a:fillRef idx="0">
+            <a:schemeClr val="accent1"/>
+          </a:fillRef>
+          <a:effectRef idx="1">
+            <a:schemeClr val="accent1"/>
+          </a:effectRef>
+          <a:fontRef idx="minor">
+            <a:schemeClr val="tx1"/>
+          </a:fontRef>
+        </p:style>
+      </p:cxnSp>
+      <p:sp>
+        <p:nvSpPr>
+          <p:cNvPr id="6" name="TextBox 5">
+            <a:extLst>
+              <a:ext uri="{FF2B5EF4-FFF2-40B4-BE49-F238E27FC236}">
+                <a16:creationId xmlns:a16="http://schemas.microsoft.com/office/drawing/2014/main" id="{816C200E-069E-542A-9C68-3602E28F3647}"/>
+              </a:ext>
+            </a:extLst>
+          </p:cNvPr>
+          <p:cNvSpPr txBox="1"/>
+          <p:nvPr/>
+        </p:nvSpPr>
+        <p:spPr>
+          <a:xfrm>
+            <a:off x="11654290" y="6452785"/>
+            <a:ext cx="438619" cy="307777"/>
+          </a:xfrm>
+          <a:prstGeom prst="rect">
+            <a:avLst/>
+          </a:prstGeom>
+          <a:noFill/>
+        </p:spPr>
+        <p:txBody>
+          <a:bodyPr wrap="square" lIns="91440" tIns="45720" rIns="91440" bIns="45720" anchor="t">
+            <a:spAutoFit/>
+          </a:bodyPr>
+          <a:lstStyle/>
+          <a:p>
+            <a:r>
+              <a:rPr lang="it-IT" sz="1400" dirty="0">
+                <a:solidFill>
+                  <a:schemeClr val="bg1"/>
+                </a:solidFill>
+              </a:rPr>
+              <a:t>17</a:t>
+            </a:r>
+            <a:endParaRPr lang="it-IT" sz="1400" noProof="0" dirty="0"/>
+          </a:p>
+        </p:txBody>
+      </p:sp>
+      <p:pic>
+        <p:nvPicPr>
+          <p:cNvPr id="9" name="Picture 2">
+            <a:extLst>
+              <a:ext uri="{FF2B5EF4-FFF2-40B4-BE49-F238E27FC236}">
+                <a16:creationId xmlns:a16="http://schemas.microsoft.com/office/drawing/2014/main" id="{1F3257AD-1152-35ED-FE32-A6ED57B20786}"/>
+              </a:ext>
+            </a:extLst>
+          </p:cNvPr>
+          <p:cNvPicPr>
+            <a:picLocks noChangeAspect="1" noChangeArrowheads="1"/>
+          </p:cNvPicPr>
+          <p:nvPr/>
+        </p:nvPicPr>
+        <p:blipFill>
+          <a:blip r:embed="rId3" cstate="print">
+            <a:extLst>
+              <a:ext uri="{28A0092B-C50C-407E-A947-70E740481C1C}">
+                <a14:useLocalDpi xmlns:a14="http://schemas.microsoft.com/office/drawing/2010/main" val="0"/>
+              </a:ext>
+            </a:extLst>
+          </a:blip>
+          <a:srcRect/>
+          <a:stretch>
+            <a:fillRect/>
+          </a:stretch>
+        </p:blipFill>
+        <p:spPr bwMode="auto">
+          <a:xfrm>
+            <a:off x="7293781" y="353207"/>
+            <a:ext cx="885600" cy="885600"/>
+          </a:xfrm>
+          <a:prstGeom prst="rect">
+            <a:avLst/>
+          </a:prstGeom>
+          <a:noFill/>
+          <a:extLst>
+            <a:ext uri="{909E8E84-426E-40DD-AFC4-6F175D3DCCD1}">
+              <a14:hiddenFill xmlns:a14="http://schemas.microsoft.com/office/drawing/2010/main">
+                <a:solidFill>
+                  <a:srgbClr val="FFFFFF"/>
+                </a:solidFill>
+              </a14:hiddenFill>
+            </a:ext>
+          </a:extLst>
+        </p:spPr>
+      </p:pic>
+      <p:graphicFrame>
+        <p:nvGraphicFramePr>
+          <p:cNvPr id="14" name="Table 13">
+            <a:extLst>
+              <a:ext uri="{FF2B5EF4-FFF2-40B4-BE49-F238E27FC236}">
+                <a16:creationId xmlns:a16="http://schemas.microsoft.com/office/drawing/2014/main" id="{E11ED488-6060-7B56-DDDF-E1545D79C8A4}"/>
+              </a:ext>
+            </a:extLst>
+          </p:cNvPr>
+          <p:cNvGraphicFramePr>
+            <a:graphicFrameLocks noGrp="1"/>
+          </p:cNvGraphicFramePr>
+          <p:nvPr/>
+        </p:nvGraphicFramePr>
+        <p:xfrm>
+          <a:off x="2702341" y="4647088"/>
+          <a:ext cx="2541410" cy="892068"/>
+        </p:xfrm>
+        <a:graphic>
+          <a:graphicData uri="http://schemas.openxmlformats.org/drawingml/2006/table">
+            <a:tbl>
+              <a:tblPr/>
+              <a:tblGrid>
+                <a:gridCol w="1268402">
+                  <a:extLst>
+                    <a:ext uri="{9D8B030D-6E8A-4147-A177-3AD203B41FA5}">
+                      <a16:colId xmlns:a16="http://schemas.microsoft.com/office/drawing/2014/main" val="3020216521"/>
+                    </a:ext>
+                  </a:extLst>
+                </a:gridCol>
+                <a:gridCol w="1273008">
+                  <a:extLst>
+                    <a:ext uri="{9D8B030D-6E8A-4147-A177-3AD203B41FA5}">
+                      <a16:colId xmlns:a16="http://schemas.microsoft.com/office/drawing/2014/main" val="2583043952"/>
+                    </a:ext>
+                  </a:extLst>
+                </a:gridCol>
+              </a:tblGrid>
+              <a:tr h="446034">
+                <a:tc>
+                  <a:txBody>
+                    <a:bodyPr/>
+                    <a:lstStyle/>
+                    <a:p>
+                      <a:pPr algn="ctr" rtl="0" fontAlgn="ctr"/>
+                      <a:r>
+                        <a:rPr lang="it-IT" sz="1400" b="1" dirty="0">
+                          <a:effectLst/>
+                        </a:rPr>
+                        <a:t>INIZIO:</a:t>
+                      </a:r>
+                    </a:p>
+                  </a:txBody>
+                  <a:tcPr marL="28575" marR="28575" marT="19050" marB="19050" anchor="ctr">
+                    <a:lnL w="9525" cap="flat" cmpd="sng" algn="ctr">
+                      <a:solidFill>
+                        <a:srgbClr val="CCCCCC"/>
+                      </a:solidFill>
+                      <a:prstDash val="solid"/>
+                      <a:round/>
+                      <a:headEnd type="none" w="med" len="med"/>
+                      <a:tailEnd type="none" w="med" len="med"/>
+                    </a:lnL>
+                    <a:lnR w="9525" cap="flat" cmpd="sng" algn="ctr">
+                      <a:solidFill>
+                        <a:srgbClr val="CCCCCC"/>
+                      </a:solidFill>
+                      <a:prstDash val="solid"/>
+                      <a:round/>
+                      <a:headEnd type="none" w="med" len="med"/>
+                      <a:tailEnd type="none" w="med" len="med"/>
+                    </a:lnR>
+                    <a:lnT w="9525" cap="flat" cmpd="sng" algn="ctr">
+                      <a:solidFill>
+                        <a:srgbClr val="CCCCCC"/>
+                      </a:solidFill>
+                      <a:prstDash val="solid"/>
+                      <a:round/>
+                      <a:headEnd type="none" w="med" len="med"/>
+                      <a:tailEnd type="none" w="med" len="med"/>
+                    </a:lnT>
+                    <a:lnB w="9525" cap="flat" cmpd="sng" algn="ctr">
+                      <a:solidFill>
+                        <a:srgbClr val="CCCCCC"/>
+                      </a:solidFill>
+                      <a:prstDash val="solid"/>
+                      <a:round/>
+                      <a:headEnd type="none" w="med" len="med"/>
+                      <a:tailEnd type="none" w="med" len="med"/>
+                    </a:lnB>
+                    <a:solidFill>
+                      <a:srgbClr val="FFF2CC"/>
+                    </a:solidFill>
+                  </a:tcPr>
+                </a:tc>
+                <a:tc>
+                  <a:txBody>
+                    <a:bodyPr/>
+                    <a:lstStyle/>
+                    <a:p>
+                      <a:pPr algn="ctr" rtl="0" fontAlgn="ctr"/>
+                      <a:r>
+                        <a:rPr lang="it-IT" sz="1800" b="1" dirty="0">
+                          <a:solidFill>
+                            <a:srgbClr val="FF9900"/>
+                          </a:solidFill>
+                          <a:effectLst/>
+                        </a:rPr>
+                        <a:t>13/01/25</a:t>
+                      </a:r>
+                    </a:p>
+                  </a:txBody>
+                  <a:tcPr marL="28575" marR="28575" marT="19050" marB="19050" anchor="ctr">
+                    <a:lnL w="9525" cap="flat" cmpd="sng" algn="ctr">
+                      <a:solidFill>
+                        <a:srgbClr val="CCCCCC"/>
+                      </a:solidFill>
+                      <a:prstDash val="solid"/>
+                      <a:round/>
+                      <a:headEnd type="none" w="med" len="med"/>
+                      <a:tailEnd type="none" w="med" len="med"/>
+                    </a:lnL>
+                    <a:lnR w="9525" cap="flat" cmpd="sng" algn="ctr">
+                      <a:solidFill>
+                        <a:srgbClr val="CCCCCC"/>
+                      </a:solidFill>
+                      <a:prstDash val="solid"/>
+                      <a:round/>
+                      <a:headEnd type="none" w="med" len="med"/>
+                      <a:tailEnd type="none" w="med" len="med"/>
+                    </a:lnR>
+                    <a:lnT w="9525" cap="flat" cmpd="sng" algn="ctr">
+                      <a:solidFill>
+                        <a:srgbClr val="CCCCCC"/>
+                      </a:solidFill>
+                      <a:prstDash val="solid"/>
+                      <a:round/>
+                      <a:headEnd type="none" w="med" len="med"/>
+                      <a:tailEnd type="none" w="med" len="med"/>
+                    </a:lnT>
+                    <a:lnB w="9525" cap="flat" cmpd="sng" algn="ctr">
+                      <a:solidFill>
+                        <a:srgbClr val="CCCCCC"/>
+                      </a:solidFill>
+                      <a:prstDash val="solid"/>
+                      <a:round/>
+                      <a:headEnd type="none" w="med" len="med"/>
+                      <a:tailEnd type="none" w="med" len="med"/>
+                    </a:lnB>
+                    <a:solidFill>
+                      <a:srgbClr val="FFF2CC"/>
+                    </a:solidFill>
+                  </a:tcPr>
+                </a:tc>
+                <a:extLst>
+                  <a:ext uri="{0D108BD9-81ED-4DB2-BD59-A6C34878D82A}">
+                    <a16:rowId xmlns:a16="http://schemas.microsoft.com/office/drawing/2014/main" val="3470158487"/>
+                  </a:ext>
+                </a:extLst>
+              </a:tr>
+              <a:tr h="446034">
+                <a:tc>
+                  <a:txBody>
+                    <a:bodyPr/>
+                    <a:lstStyle/>
+                    <a:p>
+                      <a:pPr algn="ctr" rtl="0" fontAlgn="ctr"/>
+                      <a:r>
+                        <a:rPr lang="it-IT" sz="1400" b="1" dirty="0">
+                          <a:effectLst/>
+                        </a:rPr>
+                        <a:t>FINE:</a:t>
+                      </a:r>
+                    </a:p>
+                  </a:txBody>
+                  <a:tcPr marL="28575" marR="28575" marT="19050" marB="19050" anchor="ctr">
+                    <a:lnL w="9525" cap="flat" cmpd="sng" algn="ctr">
+                      <a:solidFill>
+                        <a:srgbClr val="CCCCCC"/>
+                      </a:solidFill>
+                      <a:prstDash val="solid"/>
+                      <a:round/>
+                      <a:headEnd type="none" w="med" len="med"/>
+                      <a:tailEnd type="none" w="med" len="med"/>
+                    </a:lnL>
+                    <a:lnR w="9525" cap="flat" cmpd="sng" algn="ctr">
+                      <a:solidFill>
+                        <a:srgbClr val="CCCCCC"/>
+                      </a:solidFill>
+                      <a:prstDash val="solid"/>
+                      <a:round/>
+                      <a:headEnd type="none" w="med" len="med"/>
+                      <a:tailEnd type="none" w="med" len="med"/>
+                    </a:lnR>
+                    <a:lnT w="9525" cap="flat" cmpd="sng" algn="ctr">
+                      <a:solidFill>
+                        <a:srgbClr val="CCCCCC"/>
+                      </a:solidFill>
+                      <a:prstDash val="solid"/>
+                      <a:round/>
+                      <a:headEnd type="none" w="med" len="med"/>
+                      <a:tailEnd type="none" w="med" len="med"/>
+                    </a:lnT>
+                    <a:lnB w="9525" cap="flat" cmpd="sng" algn="ctr">
+                      <a:solidFill>
+                        <a:srgbClr val="CCCCCC"/>
+                      </a:solidFill>
+                      <a:prstDash val="solid"/>
+                      <a:round/>
+                      <a:headEnd type="none" w="med" len="med"/>
+                      <a:tailEnd type="none" w="med" len="med"/>
+                    </a:lnB>
+                    <a:solidFill>
+                      <a:srgbClr val="FFF2CC"/>
+                    </a:solidFill>
+                  </a:tcPr>
+                </a:tc>
+                <a:tc>
+                  <a:txBody>
+                    <a:bodyPr/>
+                    <a:lstStyle/>
+                    <a:p>
+                      <a:pPr algn="ctr" rtl="0" fontAlgn="ctr"/>
+                      <a:r>
+                        <a:rPr lang="it-IT" sz="1800" b="1" dirty="0">
+                          <a:solidFill>
+                            <a:srgbClr val="FF9900"/>
+                          </a:solidFill>
+                          <a:effectLst/>
+                        </a:rPr>
+                        <a:t>27/01/25</a:t>
+                      </a:r>
+                    </a:p>
+                  </a:txBody>
+                  <a:tcPr marL="28575" marR="28575" marT="19050" marB="19050" anchor="ctr">
+                    <a:lnL w="9525" cap="flat" cmpd="sng" algn="ctr">
+                      <a:solidFill>
+                        <a:srgbClr val="CCCCCC"/>
+                      </a:solidFill>
+                      <a:prstDash val="solid"/>
+                      <a:round/>
+                      <a:headEnd type="none" w="med" len="med"/>
+                      <a:tailEnd type="none" w="med" len="med"/>
+                    </a:lnL>
+                    <a:lnR w="9525" cap="flat" cmpd="sng" algn="ctr">
+                      <a:solidFill>
+                        <a:srgbClr val="CCCCCC"/>
+                      </a:solidFill>
+                      <a:prstDash val="solid"/>
+                      <a:round/>
+                      <a:headEnd type="none" w="med" len="med"/>
+                      <a:tailEnd type="none" w="med" len="med"/>
+                    </a:lnR>
+                    <a:lnT w="9525" cap="flat" cmpd="sng" algn="ctr">
+                      <a:solidFill>
+                        <a:srgbClr val="CCCCCC"/>
+                      </a:solidFill>
+                      <a:prstDash val="solid"/>
+                      <a:round/>
+                      <a:headEnd type="none" w="med" len="med"/>
+                      <a:tailEnd type="none" w="med" len="med"/>
+                    </a:lnT>
+                    <a:lnB w="9525" cap="flat" cmpd="sng" algn="ctr">
+                      <a:solidFill>
+                        <a:srgbClr val="CCCCCC"/>
+                      </a:solidFill>
+                      <a:prstDash val="solid"/>
+                      <a:round/>
+                      <a:headEnd type="none" w="med" len="med"/>
+                      <a:tailEnd type="none" w="med" len="med"/>
+                    </a:lnB>
+                    <a:solidFill>
+                      <a:srgbClr val="FFF2CC"/>
+                    </a:solidFill>
+                  </a:tcPr>
+                </a:tc>
+                <a:extLst>
+                  <a:ext uri="{0D108BD9-81ED-4DB2-BD59-A6C34878D82A}">
+                    <a16:rowId xmlns:a16="http://schemas.microsoft.com/office/drawing/2014/main" val="3577758038"/>
+                  </a:ext>
+                </a:extLst>
+              </a:tr>
+            </a:tbl>
+          </a:graphicData>
+        </a:graphic>
+      </p:graphicFrame>
+      <p:graphicFrame>
+        <p:nvGraphicFramePr>
+          <p:cNvPr id="10" name="Tabella 9">
+            <a:extLst>
+              <a:ext uri="{FF2B5EF4-FFF2-40B4-BE49-F238E27FC236}">
+                <a16:creationId xmlns:a16="http://schemas.microsoft.com/office/drawing/2014/main" id="{630CA809-1AD9-5BE3-4E2E-5625E63C81D8}"/>
+              </a:ext>
+            </a:extLst>
+          </p:cNvPr>
+          <p:cNvGraphicFramePr>
+            <a:graphicFrameLocks noGrp="1"/>
+          </p:cNvGraphicFramePr>
+          <p:nvPr/>
+        </p:nvGraphicFramePr>
+        <p:xfrm>
+          <a:off x="642346" y="1712925"/>
+          <a:ext cx="6670959" cy="2628900"/>
+        </p:xfrm>
+        <a:graphic>
+          <a:graphicData uri="http://schemas.openxmlformats.org/drawingml/2006/table">
+            <a:tbl>
+              <a:tblPr bandRow="1">
+                <a:tableStyleId>{5C22544A-7EE6-4342-B048-85BDC9FD1C3A}</a:tableStyleId>
+              </a:tblPr>
+              <a:tblGrid>
+                <a:gridCol w="942107">
+                  <a:extLst>
+                    <a:ext uri="{9D8B030D-6E8A-4147-A177-3AD203B41FA5}">
+                      <a16:colId xmlns:a16="http://schemas.microsoft.com/office/drawing/2014/main" val="3005217391"/>
+                    </a:ext>
+                  </a:extLst>
+                </a:gridCol>
+                <a:gridCol w="1032161">
+                  <a:extLst>
+                    <a:ext uri="{9D8B030D-6E8A-4147-A177-3AD203B41FA5}">
+                      <a16:colId xmlns:a16="http://schemas.microsoft.com/office/drawing/2014/main" val="1710442137"/>
+                    </a:ext>
+                  </a:extLst>
+                </a:gridCol>
+                <a:gridCol w="4696691">
+                  <a:extLst>
+                    <a:ext uri="{9D8B030D-6E8A-4147-A177-3AD203B41FA5}">
+                      <a16:colId xmlns:a16="http://schemas.microsoft.com/office/drawing/2014/main" val="3989897269"/>
+                    </a:ext>
+                  </a:extLst>
+                </a:gridCol>
+              </a:tblGrid>
+              <a:tr h="200025">
+                <a:tc>
+                  <a:txBody>
+                    <a:bodyPr/>
+                    <a:lstStyle/>
+                    <a:p>
+                      <a:pPr algn="ctr" rtl="0" fontAlgn="ctr"/>
+                      <a:r>
+                        <a:rPr lang="it-IT" sz="1100">
+                          <a:effectLst/>
+                        </a:rPr>
+                        <a:t>Stato</a:t>
+                      </a:r>
+                    </a:p>
+                  </a:txBody>
+                  <a:tcPr marL="28575" marR="28575" marT="19050" marB="19050" anchor="ctr">
+                    <a:lnL w="9525" cap="flat" cmpd="sng" algn="ctr">
+                      <a:solidFill>
+                        <a:srgbClr val="CCCCCC"/>
+                      </a:solidFill>
+                      <a:prstDash val="solid"/>
+                      <a:round/>
+                      <a:headEnd type="none" w="med" len="med"/>
+                      <a:tailEnd type="none" w="med" len="med"/>
+                    </a:lnL>
+                    <a:lnR w="9525" cap="flat" cmpd="sng" algn="ctr">
+                      <a:solidFill>
+                        <a:srgbClr val="CCCCCC"/>
+                      </a:solidFill>
+                      <a:prstDash val="solid"/>
+                      <a:round/>
+                      <a:headEnd type="none" w="med" len="med"/>
+                      <a:tailEnd type="none" w="med" len="med"/>
+                    </a:lnR>
+                    <a:lnT w="9525" cap="flat" cmpd="sng" algn="ctr">
+                      <a:solidFill>
+                        <a:srgbClr val="CCCCCC"/>
+                      </a:solidFill>
+                      <a:prstDash val="solid"/>
+                      <a:round/>
+                      <a:headEnd type="none" w="med" len="med"/>
+                      <a:tailEnd type="none" w="med" len="med"/>
+                    </a:lnT>
+                    <a:lnB w="9525" cap="flat" cmpd="sng" algn="ctr">
+                      <a:solidFill>
+                        <a:srgbClr val="CCCCCC"/>
+                      </a:solidFill>
+                      <a:prstDash val="solid"/>
+                      <a:round/>
+                      <a:headEnd type="none" w="med" len="med"/>
+                      <a:tailEnd type="none" w="med" len="med"/>
+                    </a:lnB>
+                    <a:solidFill>
+                      <a:srgbClr val="D9EAD3"/>
+                    </a:solidFill>
+                  </a:tcPr>
+                </a:tc>
+                <a:tc>
+                  <a:txBody>
+                    <a:bodyPr/>
+                    <a:lstStyle/>
+                    <a:p>
+                      <a:pPr algn="ctr" rtl="0" fontAlgn="ctr"/>
+                      <a:r>
+                        <a:rPr lang="it-IT" sz="1100">
+                          <a:effectLst/>
+                        </a:rPr>
+                        <a:t>Pesi</a:t>
+                      </a:r>
+                    </a:p>
+                  </a:txBody>
+                  <a:tcPr marL="28575" marR="28575" marT="19050" marB="19050" anchor="ctr">
+                    <a:lnL w="9525" cap="flat" cmpd="sng" algn="ctr">
+                      <a:solidFill>
+                        <a:srgbClr val="CCCCCC"/>
+                      </a:solidFill>
+                      <a:prstDash val="solid"/>
+                      <a:round/>
+                      <a:headEnd type="none" w="med" len="med"/>
+                      <a:tailEnd type="none" w="med" len="med"/>
+                    </a:lnL>
+                    <a:lnR w="9525" cap="flat" cmpd="sng" algn="ctr">
+                      <a:solidFill>
+                        <a:srgbClr val="CCCCCC"/>
+                      </a:solidFill>
+                      <a:prstDash val="solid"/>
+                      <a:round/>
+                      <a:headEnd type="none" w="med" len="med"/>
+                      <a:tailEnd type="none" w="med" len="med"/>
+                    </a:lnR>
+                    <a:lnT w="9525" cap="flat" cmpd="sng" algn="ctr">
+                      <a:solidFill>
+                        <a:srgbClr val="CCCCCC"/>
+                      </a:solidFill>
+                      <a:prstDash val="solid"/>
+                      <a:round/>
+                      <a:headEnd type="none" w="med" len="med"/>
+                      <a:tailEnd type="none" w="med" len="med"/>
+                    </a:lnT>
+                    <a:lnB w="9525" cap="flat" cmpd="sng" algn="ctr">
+                      <a:solidFill>
+                        <a:srgbClr val="CCCCCC"/>
+                      </a:solidFill>
+                      <a:prstDash val="solid"/>
+                      <a:round/>
+                      <a:headEnd type="none" w="med" len="med"/>
+                      <a:tailEnd type="none" w="med" len="med"/>
+                    </a:lnB>
+                    <a:solidFill>
+                      <a:srgbClr val="F4CCCC"/>
+                    </a:solidFill>
+                  </a:tcPr>
+                </a:tc>
+                <a:tc>
+                  <a:txBody>
+                    <a:bodyPr/>
+                    <a:lstStyle/>
+                    <a:p>
+                      <a:pPr rtl="0" fontAlgn="ctr"/>
+                      <a:endParaRPr lang="it-IT">
+                        <a:effectLst/>
+                      </a:endParaRPr>
+                    </a:p>
+                  </a:txBody>
+                  <a:tcPr marL="28575" marR="28575" marT="19050" marB="19050" anchor="ctr">
+                    <a:lnL w="9525" cap="flat" cmpd="sng" algn="ctr">
+                      <a:solidFill>
+                        <a:srgbClr val="CCCCCC"/>
+                      </a:solidFill>
+                      <a:prstDash val="solid"/>
+                      <a:round/>
+                      <a:headEnd type="none" w="med" len="med"/>
+                      <a:tailEnd type="none" w="med" len="med"/>
+                    </a:lnL>
+                    <a:lnR w="9525" cap="flat" cmpd="sng" algn="ctr">
+                      <a:solidFill>
+                        <a:srgbClr val="CCCCCC"/>
+                      </a:solidFill>
+                      <a:prstDash val="solid"/>
+                      <a:round/>
+                      <a:headEnd type="none" w="med" len="med"/>
+                      <a:tailEnd type="none" w="med" len="med"/>
+                    </a:lnR>
+                    <a:lnT w="9525" cap="flat" cmpd="sng" algn="ctr">
+                      <a:solidFill>
+                        <a:srgbClr val="CCCCCC"/>
+                      </a:solidFill>
+                      <a:prstDash val="solid"/>
+                      <a:round/>
+                      <a:headEnd type="none" w="med" len="med"/>
+                      <a:tailEnd type="none" w="med" len="med"/>
+                    </a:lnT>
+                    <a:lnB w="9525" cap="flat" cmpd="sng" algn="ctr">
+                      <a:solidFill>
+                        <a:srgbClr val="CCCCCC"/>
+                      </a:solidFill>
+                      <a:prstDash val="solid"/>
+                      <a:round/>
+                      <a:headEnd type="none" w="med" len="med"/>
+                      <a:tailEnd type="none" w="med" len="med"/>
+                    </a:lnB>
+                    <a:noFill/>
+                  </a:tcPr>
+                </a:tc>
+                <a:extLst>
+                  <a:ext uri="{0D108BD9-81ED-4DB2-BD59-A6C34878D82A}">
+                    <a16:rowId xmlns:a16="http://schemas.microsoft.com/office/drawing/2014/main" val="1199826340"/>
+                  </a:ext>
+                </a:extLst>
+              </a:tr>
+              <a:tr h="200025">
+                <a:tc>
+                  <a:txBody>
+                    <a:bodyPr/>
+                    <a:lstStyle/>
+                    <a:p>
+                      <a:pPr algn="ctr" rtl="0" fontAlgn="ctr"/>
+                      <a:r>
+                        <a:rPr lang="it-IT" sz="1100">
+                          <a:solidFill>
+                            <a:srgbClr val="6AA84F"/>
+                          </a:solidFill>
+                          <a:effectLst/>
+                        </a:rPr>
+                        <a:t>TRUE</a:t>
+                      </a:r>
+                    </a:p>
+                  </a:txBody>
+                  <a:tcPr marL="28575" marR="28575" marT="19050" marB="19050" anchor="ctr">
+                    <a:lnL w="9525" cap="flat" cmpd="sng" algn="ctr">
+                      <a:solidFill>
+                        <a:srgbClr val="CCCCCC"/>
+                      </a:solidFill>
+                      <a:prstDash val="solid"/>
+                      <a:round/>
+                      <a:headEnd type="none" w="med" len="med"/>
+                      <a:tailEnd type="none" w="med" len="med"/>
+                    </a:lnL>
+                    <a:lnR w="9525" cap="flat" cmpd="sng" algn="ctr">
+                      <a:solidFill>
+                        <a:srgbClr val="CCCCCC"/>
+                      </a:solidFill>
+                      <a:prstDash val="solid"/>
+                      <a:round/>
+                      <a:headEnd type="none" w="med" len="med"/>
+                      <a:tailEnd type="none" w="med" len="med"/>
+                    </a:lnR>
+                    <a:lnT w="9525" cap="flat" cmpd="sng" algn="ctr">
+                      <a:solidFill>
+                        <a:srgbClr val="CCCCCC"/>
+                      </a:solidFill>
+                      <a:prstDash val="solid"/>
+                      <a:round/>
+                      <a:headEnd type="none" w="med" len="med"/>
+                      <a:tailEnd type="none" w="med" len="med"/>
+                    </a:lnT>
+                    <a:lnB w="9525" cap="flat" cmpd="sng" algn="ctr">
+                      <a:solidFill>
+                        <a:srgbClr val="CCCCCC"/>
+                      </a:solidFill>
+                      <a:prstDash val="solid"/>
+                      <a:round/>
+                      <a:headEnd type="none" w="med" len="med"/>
+                      <a:tailEnd type="none" w="med" len="med"/>
+                    </a:lnB>
+                    <a:noFill/>
+                  </a:tcPr>
+                </a:tc>
+                <a:tc>
+                  <a:txBody>
+                    <a:bodyPr/>
+                    <a:lstStyle/>
+                    <a:p>
+                      <a:pPr algn="ctr" rtl="0" fontAlgn="ctr"/>
+                      <a:r>
+                        <a:rPr lang="it-IT" sz="1100">
+                          <a:effectLst/>
+                        </a:rPr>
+                        <a:t>3</a:t>
+                      </a:r>
+                    </a:p>
+                  </a:txBody>
+                  <a:tcPr marL="28575" marR="28575" marT="19050" marB="19050" anchor="ctr">
+                    <a:lnL w="9525" cap="flat" cmpd="sng" algn="ctr">
+                      <a:solidFill>
+                        <a:srgbClr val="CCCCCC"/>
+                      </a:solidFill>
+                      <a:prstDash val="solid"/>
+                      <a:round/>
+                      <a:headEnd type="none" w="med" len="med"/>
+                      <a:tailEnd type="none" w="med" len="med"/>
+                    </a:lnL>
+                    <a:lnR w="9525" cap="flat" cmpd="sng" algn="ctr">
+                      <a:solidFill>
+                        <a:srgbClr val="CCCCCC"/>
+                      </a:solidFill>
+                      <a:prstDash val="solid"/>
+                      <a:round/>
+                      <a:headEnd type="none" w="med" len="med"/>
+                      <a:tailEnd type="none" w="med" len="med"/>
+                    </a:lnR>
+                    <a:lnT w="9525" cap="flat" cmpd="sng" algn="ctr">
+                      <a:solidFill>
+                        <a:srgbClr val="CCCCCC"/>
+                      </a:solidFill>
+                      <a:prstDash val="solid"/>
+                      <a:round/>
+                      <a:headEnd type="none" w="med" len="med"/>
+                      <a:tailEnd type="none" w="med" len="med"/>
+                    </a:lnT>
+                    <a:lnB w="9525" cap="flat" cmpd="sng" algn="ctr">
+                      <a:solidFill>
+                        <a:srgbClr val="CCCCCC"/>
+                      </a:solidFill>
+                      <a:prstDash val="solid"/>
+                      <a:round/>
+                      <a:headEnd type="none" w="med" len="med"/>
+                      <a:tailEnd type="none" w="med" len="med"/>
+                    </a:lnB>
+                    <a:solidFill>
+                      <a:srgbClr val="D8D5C0"/>
+                    </a:solidFill>
+                  </a:tcPr>
+                </a:tc>
+                <a:tc>
+                  <a:txBody>
+                    <a:bodyPr/>
+                    <a:lstStyle/>
+                    <a:p>
+                      <a:pPr rtl="0" fontAlgn="ctr"/>
+                      <a:r>
+                        <a:rPr lang="it-IT" sz="1100" i="1" strike="sngStrike">
+                          <a:effectLst/>
+                        </a:rPr>
+                        <a:t>MultiTenant MultiSchema</a:t>
+                      </a:r>
+                    </a:p>
+                  </a:txBody>
+                  <a:tcPr marL="28575" marR="28575" marT="19050" marB="19050" anchor="ctr">
+                    <a:lnL w="9525" cap="flat" cmpd="sng" algn="ctr">
+                      <a:solidFill>
+                        <a:srgbClr val="CCCCCC"/>
+                      </a:solidFill>
+                      <a:prstDash val="solid"/>
+                      <a:round/>
+                      <a:headEnd type="none" w="med" len="med"/>
+                      <a:tailEnd type="none" w="med" len="med"/>
+                    </a:lnL>
+                    <a:lnR w="9525" cap="flat" cmpd="sng" algn="ctr">
+                      <a:solidFill>
+                        <a:srgbClr val="CCCCCC"/>
+                      </a:solidFill>
+                      <a:prstDash val="solid"/>
+                      <a:round/>
+                      <a:headEnd type="none" w="med" len="med"/>
+                      <a:tailEnd type="none" w="med" len="med"/>
+                    </a:lnR>
+                    <a:lnT w="9525" cap="flat" cmpd="sng" algn="ctr">
+                      <a:solidFill>
+                        <a:srgbClr val="CCCCCC"/>
+                      </a:solidFill>
+                      <a:prstDash val="solid"/>
+                      <a:round/>
+                      <a:headEnd type="none" w="med" len="med"/>
+                      <a:tailEnd type="none" w="med" len="med"/>
+                    </a:lnT>
+                    <a:lnB w="9525" cap="flat" cmpd="sng" algn="ctr">
+                      <a:solidFill>
+                        <a:srgbClr val="CCCCCC"/>
+                      </a:solidFill>
+                      <a:prstDash val="solid"/>
+                      <a:round/>
+                      <a:headEnd type="none" w="med" len="med"/>
+                      <a:tailEnd type="none" w="med" len="med"/>
+                    </a:lnB>
+                    <a:solidFill>
+                      <a:srgbClr val="D9EAD3"/>
+                    </a:solidFill>
+                  </a:tcPr>
+                </a:tc>
+                <a:extLst>
+                  <a:ext uri="{0D108BD9-81ED-4DB2-BD59-A6C34878D82A}">
+                    <a16:rowId xmlns:a16="http://schemas.microsoft.com/office/drawing/2014/main" val="3070149683"/>
+                  </a:ext>
+                </a:extLst>
+              </a:tr>
+              <a:tr h="200025">
+                <a:tc>
+                  <a:txBody>
+                    <a:bodyPr/>
+                    <a:lstStyle/>
+                    <a:p>
+                      <a:pPr algn="ctr" rtl="0" fontAlgn="ctr"/>
+                      <a:r>
+                        <a:rPr lang="it-IT" sz="1100">
+                          <a:solidFill>
+                            <a:srgbClr val="6AA84F"/>
+                          </a:solidFill>
+                          <a:effectLst/>
+                        </a:rPr>
+                        <a:t>TRUE</a:t>
+                      </a:r>
+                    </a:p>
+                  </a:txBody>
+                  <a:tcPr marL="28575" marR="28575" marT="19050" marB="19050" anchor="ctr">
+                    <a:lnL w="9525" cap="flat" cmpd="sng" algn="ctr">
+                      <a:solidFill>
+                        <a:srgbClr val="CCCCCC"/>
+                      </a:solidFill>
+                      <a:prstDash val="solid"/>
+                      <a:round/>
+                      <a:headEnd type="none" w="med" len="med"/>
+                      <a:tailEnd type="none" w="med" len="med"/>
+                    </a:lnL>
+                    <a:lnR w="9525" cap="flat" cmpd="sng" algn="ctr">
+                      <a:solidFill>
+                        <a:srgbClr val="CCCCCC"/>
+                      </a:solidFill>
+                      <a:prstDash val="solid"/>
+                      <a:round/>
+                      <a:headEnd type="none" w="med" len="med"/>
+                      <a:tailEnd type="none" w="med" len="med"/>
+                    </a:lnR>
+                    <a:lnT w="9525" cap="flat" cmpd="sng" algn="ctr">
+                      <a:solidFill>
+                        <a:srgbClr val="CCCCCC"/>
+                      </a:solidFill>
+                      <a:prstDash val="solid"/>
+                      <a:round/>
+                      <a:headEnd type="none" w="med" len="med"/>
+                      <a:tailEnd type="none" w="med" len="med"/>
+                    </a:lnT>
+                    <a:lnB w="9525" cap="flat" cmpd="sng" algn="ctr">
+                      <a:solidFill>
+                        <a:srgbClr val="CCCCCC"/>
+                      </a:solidFill>
+                      <a:prstDash val="solid"/>
+                      <a:round/>
+                      <a:headEnd type="none" w="med" len="med"/>
+                      <a:tailEnd type="none" w="med" len="med"/>
+                    </a:lnB>
+                    <a:noFill/>
+                  </a:tcPr>
+                </a:tc>
+                <a:tc>
+                  <a:txBody>
+                    <a:bodyPr/>
+                    <a:lstStyle/>
+                    <a:p>
+                      <a:pPr algn="ctr" rtl="0" fontAlgn="ctr"/>
+                      <a:r>
+                        <a:rPr lang="it-IT" sz="1100">
+                          <a:effectLst/>
+                        </a:rPr>
+                        <a:t>3</a:t>
+                      </a:r>
+                    </a:p>
+                  </a:txBody>
+                  <a:tcPr marL="28575" marR="28575" marT="19050" marB="19050" anchor="ctr">
+                    <a:lnL w="9525" cap="flat" cmpd="sng" algn="ctr">
+                      <a:solidFill>
+                        <a:srgbClr val="CCCCCC"/>
+                      </a:solidFill>
+                      <a:prstDash val="solid"/>
+                      <a:round/>
+                      <a:headEnd type="none" w="med" len="med"/>
+                      <a:tailEnd type="none" w="med" len="med"/>
+                    </a:lnL>
+                    <a:lnR w="9525" cap="flat" cmpd="sng" algn="ctr">
+                      <a:solidFill>
+                        <a:srgbClr val="CCCCCC"/>
+                      </a:solidFill>
+                      <a:prstDash val="solid"/>
+                      <a:round/>
+                      <a:headEnd type="none" w="med" len="med"/>
+                      <a:tailEnd type="none" w="med" len="med"/>
+                    </a:lnR>
+                    <a:lnT w="9525" cap="flat" cmpd="sng" algn="ctr">
+                      <a:solidFill>
+                        <a:srgbClr val="CCCCCC"/>
+                      </a:solidFill>
+                      <a:prstDash val="solid"/>
+                      <a:round/>
+                      <a:headEnd type="none" w="med" len="med"/>
+                      <a:tailEnd type="none" w="med" len="med"/>
+                    </a:lnT>
+                    <a:lnB w="9525" cap="flat" cmpd="sng" algn="ctr">
+                      <a:solidFill>
+                        <a:srgbClr val="CCCCCC"/>
+                      </a:solidFill>
+                      <a:prstDash val="solid"/>
+                      <a:round/>
+                      <a:headEnd type="none" w="med" len="med"/>
+                      <a:tailEnd type="none" w="med" len="med"/>
+                    </a:lnB>
+                    <a:solidFill>
+                      <a:srgbClr val="D8D5C0"/>
+                    </a:solidFill>
+                  </a:tcPr>
+                </a:tc>
+                <a:tc>
+                  <a:txBody>
+                    <a:bodyPr/>
+                    <a:lstStyle/>
+                    <a:p>
+                      <a:pPr rtl="0" fontAlgn="ctr"/>
+                      <a:r>
+                        <a:rPr lang="it-IT" sz="1100" i="1" strike="sngStrike">
+                          <a:effectLst/>
+                        </a:rPr>
+                        <a:t>MultiTenant MultiDatabase</a:t>
+                      </a:r>
+                    </a:p>
+                  </a:txBody>
+                  <a:tcPr marL="28575" marR="28575" marT="19050" marB="19050" anchor="ctr">
+                    <a:lnL w="9525" cap="flat" cmpd="sng" algn="ctr">
+                      <a:solidFill>
+                        <a:srgbClr val="CCCCCC"/>
+                      </a:solidFill>
+                      <a:prstDash val="solid"/>
+                      <a:round/>
+                      <a:headEnd type="none" w="med" len="med"/>
+                      <a:tailEnd type="none" w="med" len="med"/>
+                    </a:lnL>
+                    <a:lnR w="9525" cap="flat" cmpd="sng" algn="ctr">
+                      <a:solidFill>
+                        <a:srgbClr val="CCCCCC"/>
+                      </a:solidFill>
+                      <a:prstDash val="solid"/>
+                      <a:round/>
+                      <a:headEnd type="none" w="med" len="med"/>
+                      <a:tailEnd type="none" w="med" len="med"/>
+                    </a:lnR>
+                    <a:lnT w="9525" cap="flat" cmpd="sng" algn="ctr">
+                      <a:solidFill>
+                        <a:srgbClr val="CCCCCC"/>
+                      </a:solidFill>
+                      <a:prstDash val="solid"/>
+                      <a:round/>
+                      <a:headEnd type="none" w="med" len="med"/>
+                      <a:tailEnd type="none" w="med" len="med"/>
+                    </a:lnT>
+                    <a:lnB w="9525" cap="flat" cmpd="sng" algn="ctr">
+                      <a:solidFill>
+                        <a:srgbClr val="CCCCCC"/>
+                      </a:solidFill>
+                      <a:prstDash val="solid"/>
+                      <a:round/>
+                      <a:headEnd type="none" w="med" len="med"/>
+                      <a:tailEnd type="none" w="med" len="med"/>
+                    </a:lnB>
+                    <a:solidFill>
+                      <a:srgbClr val="D9EAD3"/>
+                    </a:solidFill>
+                  </a:tcPr>
+                </a:tc>
+                <a:extLst>
+                  <a:ext uri="{0D108BD9-81ED-4DB2-BD59-A6C34878D82A}">
+                    <a16:rowId xmlns:a16="http://schemas.microsoft.com/office/drawing/2014/main" val="3422709877"/>
+                  </a:ext>
+                </a:extLst>
+              </a:tr>
+              <a:tr h="200025">
+                <a:tc>
+                  <a:txBody>
+                    <a:bodyPr/>
+                    <a:lstStyle/>
+                    <a:p>
+                      <a:pPr algn="ctr" rtl="0" fontAlgn="ctr"/>
+                      <a:r>
+                        <a:rPr lang="it-IT" sz="1100">
+                          <a:solidFill>
+                            <a:srgbClr val="6AA84F"/>
+                          </a:solidFill>
+                          <a:effectLst/>
+                        </a:rPr>
+                        <a:t>TRUE</a:t>
+                      </a:r>
+                    </a:p>
+                  </a:txBody>
+                  <a:tcPr marL="28575" marR="28575" marT="19050" marB="19050" anchor="ctr">
+                    <a:lnL w="9525" cap="flat" cmpd="sng" algn="ctr">
+                      <a:solidFill>
+                        <a:srgbClr val="CCCCCC"/>
+                      </a:solidFill>
+                      <a:prstDash val="solid"/>
+                      <a:round/>
+                      <a:headEnd type="none" w="med" len="med"/>
+                      <a:tailEnd type="none" w="med" len="med"/>
+                    </a:lnL>
+                    <a:lnR w="9525" cap="flat" cmpd="sng" algn="ctr">
+                      <a:solidFill>
+                        <a:srgbClr val="CCCCCC"/>
+                      </a:solidFill>
+                      <a:prstDash val="solid"/>
+                      <a:round/>
+                      <a:headEnd type="none" w="med" len="med"/>
+                      <a:tailEnd type="none" w="med" len="med"/>
+                    </a:lnR>
+                    <a:lnT w="9525" cap="flat" cmpd="sng" algn="ctr">
+                      <a:solidFill>
+                        <a:srgbClr val="CCCCCC"/>
+                      </a:solidFill>
+                      <a:prstDash val="solid"/>
+                      <a:round/>
+                      <a:headEnd type="none" w="med" len="med"/>
+                      <a:tailEnd type="none" w="med" len="med"/>
+                    </a:lnT>
+                    <a:lnB w="9525" cap="flat" cmpd="sng" algn="ctr">
+                      <a:solidFill>
+                        <a:srgbClr val="CCCCCC"/>
+                      </a:solidFill>
+                      <a:prstDash val="solid"/>
+                      <a:round/>
+                      <a:headEnd type="none" w="med" len="med"/>
+                      <a:tailEnd type="none" w="med" len="med"/>
+                    </a:lnB>
+                    <a:noFill/>
+                  </a:tcPr>
+                </a:tc>
+                <a:tc>
+                  <a:txBody>
+                    <a:bodyPr/>
+                    <a:lstStyle/>
+                    <a:p>
+                      <a:pPr algn="ctr" rtl="0" fontAlgn="ctr"/>
+                      <a:r>
+                        <a:rPr lang="it-IT" sz="1100">
+                          <a:effectLst/>
+                        </a:rPr>
+                        <a:t>2</a:t>
+                      </a:r>
+                    </a:p>
+                  </a:txBody>
+                  <a:tcPr marL="28575" marR="28575" marT="19050" marB="19050" anchor="ctr">
+                    <a:lnL w="9525" cap="flat" cmpd="sng" algn="ctr">
+                      <a:solidFill>
+                        <a:srgbClr val="CCCCCC"/>
+                      </a:solidFill>
+                      <a:prstDash val="solid"/>
+                      <a:round/>
+                      <a:headEnd type="none" w="med" len="med"/>
+                      <a:tailEnd type="none" w="med" len="med"/>
+                    </a:lnL>
+                    <a:lnR w="9525" cap="flat" cmpd="sng" algn="ctr">
+                      <a:solidFill>
+                        <a:srgbClr val="CCCCCC"/>
+                      </a:solidFill>
+                      <a:prstDash val="solid"/>
+                      <a:round/>
+                      <a:headEnd type="none" w="med" len="med"/>
+                      <a:tailEnd type="none" w="med" len="med"/>
+                    </a:lnR>
+                    <a:lnT w="9525" cap="flat" cmpd="sng" algn="ctr">
+                      <a:solidFill>
+                        <a:srgbClr val="CCCCCC"/>
+                      </a:solidFill>
+                      <a:prstDash val="solid"/>
+                      <a:round/>
+                      <a:headEnd type="none" w="med" len="med"/>
+                      <a:tailEnd type="none" w="med" len="med"/>
+                    </a:lnT>
+                    <a:lnB w="9525" cap="flat" cmpd="sng" algn="ctr">
+                      <a:solidFill>
+                        <a:srgbClr val="CCCCCC"/>
+                      </a:solidFill>
+                      <a:prstDash val="solid"/>
+                      <a:round/>
+                      <a:headEnd type="none" w="med" len="med"/>
+                      <a:tailEnd type="none" w="med" len="med"/>
+                    </a:lnB>
+                    <a:solidFill>
+                      <a:srgbClr val="D9EAD3"/>
+                    </a:solidFill>
+                  </a:tcPr>
+                </a:tc>
+                <a:tc>
+                  <a:txBody>
+                    <a:bodyPr/>
+                    <a:lstStyle/>
+                    <a:p>
+                      <a:pPr rtl="0" fontAlgn="ctr"/>
+                      <a:r>
+                        <a:rPr lang="it-IT" sz="1100" i="1" strike="sngStrike">
+                          <a:effectLst/>
+                        </a:rPr>
+                        <a:t>Integrazione dei Tool di analisi: SonarCloud, ESLint, OWASPZap</a:t>
+                      </a:r>
+                    </a:p>
+                  </a:txBody>
+                  <a:tcPr marL="28575" marR="28575" marT="19050" marB="19050" anchor="ctr">
+                    <a:lnL w="9525" cap="flat" cmpd="sng" algn="ctr">
+                      <a:solidFill>
+                        <a:srgbClr val="CCCCCC"/>
+                      </a:solidFill>
+                      <a:prstDash val="solid"/>
+                      <a:round/>
+                      <a:headEnd type="none" w="med" len="med"/>
+                      <a:tailEnd type="none" w="med" len="med"/>
+                    </a:lnL>
+                    <a:lnR w="9525" cap="flat" cmpd="sng" algn="ctr">
+                      <a:solidFill>
+                        <a:srgbClr val="CCCCCC"/>
+                      </a:solidFill>
+                      <a:prstDash val="solid"/>
+                      <a:round/>
+                      <a:headEnd type="none" w="med" len="med"/>
+                      <a:tailEnd type="none" w="med" len="med"/>
+                    </a:lnR>
+                    <a:lnT w="9525" cap="flat" cmpd="sng" algn="ctr">
+                      <a:solidFill>
+                        <a:srgbClr val="CCCCCC"/>
+                      </a:solidFill>
+                      <a:prstDash val="solid"/>
+                      <a:round/>
+                      <a:headEnd type="none" w="med" len="med"/>
+                      <a:tailEnd type="none" w="med" len="med"/>
+                    </a:lnT>
+                    <a:lnB w="9525" cap="flat" cmpd="sng" algn="ctr">
+                      <a:solidFill>
+                        <a:srgbClr val="CCCCCC"/>
+                      </a:solidFill>
+                      <a:prstDash val="solid"/>
+                      <a:round/>
+                      <a:headEnd type="none" w="med" len="med"/>
+                      <a:tailEnd type="none" w="med" len="med"/>
+                    </a:lnB>
+                    <a:solidFill>
+                      <a:srgbClr val="D9EAD3"/>
+                    </a:solidFill>
+                  </a:tcPr>
+                </a:tc>
+                <a:extLst>
+                  <a:ext uri="{0D108BD9-81ED-4DB2-BD59-A6C34878D82A}">
+                    <a16:rowId xmlns:a16="http://schemas.microsoft.com/office/drawing/2014/main" val="2607152281"/>
+                  </a:ext>
+                </a:extLst>
+              </a:tr>
+              <a:tr h="200025">
+                <a:tc>
+                  <a:txBody>
+                    <a:bodyPr/>
+                    <a:lstStyle/>
+                    <a:p>
+                      <a:pPr algn="ctr" rtl="0" fontAlgn="ctr"/>
+                      <a:r>
+                        <a:rPr lang="it-IT" sz="1100">
+                          <a:solidFill>
+                            <a:srgbClr val="6AA84F"/>
+                          </a:solidFill>
+                          <a:effectLst/>
+                        </a:rPr>
+                        <a:t>TRUE</a:t>
+                      </a:r>
+                    </a:p>
+                  </a:txBody>
+                  <a:tcPr marL="28575" marR="28575" marT="19050" marB="19050" anchor="ctr">
+                    <a:lnL w="9525" cap="flat" cmpd="sng" algn="ctr">
+                      <a:solidFill>
+                        <a:srgbClr val="CCCCCC"/>
+                      </a:solidFill>
+                      <a:prstDash val="solid"/>
+                      <a:round/>
+                      <a:headEnd type="none" w="med" len="med"/>
+                      <a:tailEnd type="none" w="med" len="med"/>
+                    </a:lnL>
+                    <a:lnR w="9525" cap="flat" cmpd="sng" algn="ctr">
+                      <a:solidFill>
+                        <a:srgbClr val="CCCCCC"/>
+                      </a:solidFill>
+                      <a:prstDash val="solid"/>
+                      <a:round/>
+                      <a:headEnd type="none" w="med" len="med"/>
+                      <a:tailEnd type="none" w="med" len="med"/>
+                    </a:lnR>
+                    <a:lnT w="9525" cap="flat" cmpd="sng" algn="ctr">
+                      <a:solidFill>
+                        <a:srgbClr val="CCCCCC"/>
+                      </a:solidFill>
+                      <a:prstDash val="solid"/>
+                      <a:round/>
+                      <a:headEnd type="none" w="med" len="med"/>
+                      <a:tailEnd type="none" w="med" len="med"/>
+                    </a:lnT>
+                    <a:lnB w="9525" cap="flat" cmpd="sng" algn="ctr">
+                      <a:solidFill>
+                        <a:srgbClr val="CCCCCC"/>
+                      </a:solidFill>
+                      <a:prstDash val="solid"/>
+                      <a:round/>
+                      <a:headEnd type="none" w="med" len="med"/>
+                      <a:tailEnd type="none" w="med" len="med"/>
+                    </a:lnB>
+                    <a:noFill/>
+                  </a:tcPr>
+                </a:tc>
+                <a:tc>
+                  <a:txBody>
+                    <a:bodyPr/>
+                    <a:lstStyle/>
+                    <a:p>
+                      <a:pPr algn="ctr" rtl="0" fontAlgn="ctr"/>
+                      <a:r>
+                        <a:rPr lang="it-IT" sz="1100">
+                          <a:effectLst/>
+                        </a:rPr>
+                        <a:t>5</a:t>
+                      </a:r>
+                    </a:p>
+                  </a:txBody>
+                  <a:tcPr marL="28575" marR="28575" marT="19050" marB="19050" anchor="ctr">
+                    <a:lnL w="9525" cap="flat" cmpd="sng" algn="ctr">
+                      <a:solidFill>
+                        <a:srgbClr val="CCCCCC"/>
+                      </a:solidFill>
+                      <a:prstDash val="solid"/>
+                      <a:round/>
+                      <a:headEnd type="none" w="med" len="med"/>
+                      <a:tailEnd type="none" w="med" len="med"/>
+                    </a:lnL>
+                    <a:lnR w="9525" cap="flat" cmpd="sng" algn="ctr">
+                      <a:solidFill>
+                        <a:srgbClr val="CCCCCC"/>
+                      </a:solidFill>
+                      <a:prstDash val="solid"/>
+                      <a:round/>
+                      <a:headEnd type="none" w="med" len="med"/>
+                      <a:tailEnd type="none" w="med" len="med"/>
+                    </a:lnR>
+                    <a:lnT w="9525" cap="flat" cmpd="sng" algn="ctr">
+                      <a:solidFill>
+                        <a:srgbClr val="CCCCCC"/>
+                      </a:solidFill>
+                      <a:prstDash val="solid"/>
+                      <a:round/>
+                      <a:headEnd type="none" w="med" len="med"/>
+                      <a:tailEnd type="none" w="med" len="med"/>
+                    </a:lnT>
+                    <a:lnB w="9525" cap="flat" cmpd="sng" algn="ctr">
+                      <a:solidFill>
+                        <a:srgbClr val="CCCCCC"/>
+                      </a:solidFill>
+                      <a:prstDash val="solid"/>
+                      <a:round/>
+                      <a:headEnd type="none" w="med" len="med"/>
+                      <a:tailEnd type="none" w="med" len="med"/>
+                    </a:lnB>
+                    <a:solidFill>
+                      <a:srgbClr val="D6AB9A"/>
+                    </a:solidFill>
+                  </a:tcPr>
+                </a:tc>
+                <a:tc>
+                  <a:txBody>
+                    <a:bodyPr/>
+                    <a:lstStyle/>
+                    <a:p>
+                      <a:pPr rtl="0" fontAlgn="ctr"/>
+                      <a:r>
+                        <a:rPr lang="it-IT" sz="1100" i="1" strike="sngStrike">
+                          <a:effectLst/>
+                        </a:rPr>
+                        <a:t>Introdurre la soft delete per i servizi</a:t>
+                      </a:r>
+                    </a:p>
+                  </a:txBody>
+                  <a:tcPr marL="28575" marR="28575" marT="19050" marB="19050" anchor="ctr">
+                    <a:lnL w="9525" cap="flat" cmpd="sng" algn="ctr">
+                      <a:solidFill>
+                        <a:srgbClr val="CCCCCC"/>
+                      </a:solidFill>
+                      <a:prstDash val="solid"/>
+                      <a:round/>
+                      <a:headEnd type="none" w="med" len="med"/>
+                      <a:tailEnd type="none" w="med" len="med"/>
+                    </a:lnL>
+                    <a:lnR w="9525" cap="flat" cmpd="sng" algn="ctr">
+                      <a:solidFill>
+                        <a:srgbClr val="CCCCCC"/>
+                      </a:solidFill>
+                      <a:prstDash val="solid"/>
+                      <a:round/>
+                      <a:headEnd type="none" w="med" len="med"/>
+                      <a:tailEnd type="none" w="med" len="med"/>
+                    </a:lnR>
+                    <a:lnT w="9525" cap="flat" cmpd="sng" algn="ctr">
+                      <a:solidFill>
+                        <a:srgbClr val="CCCCCC"/>
+                      </a:solidFill>
+                      <a:prstDash val="solid"/>
+                      <a:round/>
+                      <a:headEnd type="none" w="med" len="med"/>
+                      <a:tailEnd type="none" w="med" len="med"/>
+                    </a:lnT>
+                    <a:lnB w="9525" cap="flat" cmpd="sng" algn="ctr">
+                      <a:solidFill>
+                        <a:srgbClr val="CCCCCC"/>
+                      </a:solidFill>
+                      <a:prstDash val="solid"/>
+                      <a:round/>
+                      <a:headEnd type="none" w="med" len="med"/>
+                      <a:tailEnd type="none" w="med" len="med"/>
+                    </a:lnB>
+                    <a:solidFill>
+                      <a:srgbClr val="D9EAD3"/>
+                    </a:solidFill>
+                  </a:tcPr>
+                </a:tc>
+                <a:extLst>
+                  <a:ext uri="{0D108BD9-81ED-4DB2-BD59-A6C34878D82A}">
+                    <a16:rowId xmlns:a16="http://schemas.microsoft.com/office/drawing/2014/main" val="273303752"/>
+                  </a:ext>
+                </a:extLst>
+              </a:tr>
+              <a:tr h="200025">
+                <a:tc>
+                  <a:txBody>
+                    <a:bodyPr/>
+                    <a:lstStyle/>
+                    <a:p>
+                      <a:pPr algn="ctr" rtl="0" fontAlgn="ctr"/>
+                      <a:r>
+                        <a:rPr lang="it-IT" sz="1100">
+                          <a:solidFill>
+                            <a:srgbClr val="6AA84F"/>
+                          </a:solidFill>
+                          <a:effectLst/>
+                        </a:rPr>
+                        <a:t>TRUE</a:t>
+                      </a:r>
+                    </a:p>
+                  </a:txBody>
+                  <a:tcPr marL="28575" marR="28575" marT="19050" marB="19050" anchor="ctr">
+                    <a:lnL w="9525" cap="flat" cmpd="sng" algn="ctr">
+                      <a:solidFill>
+                        <a:srgbClr val="CCCCCC"/>
+                      </a:solidFill>
+                      <a:prstDash val="solid"/>
+                      <a:round/>
+                      <a:headEnd type="none" w="med" len="med"/>
+                      <a:tailEnd type="none" w="med" len="med"/>
+                    </a:lnL>
+                    <a:lnR w="9525" cap="flat" cmpd="sng" algn="ctr">
+                      <a:solidFill>
+                        <a:srgbClr val="CCCCCC"/>
+                      </a:solidFill>
+                      <a:prstDash val="solid"/>
+                      <a:round/>
+                      <a:headEnd type="none" w="med" len="med"/>
+                      <a:tailEnd type="none" w="med" len="med"/>
+                    </a:lnR>
+                    <a:lnT w="9525" cap="flat" cmpd="sng" algn="ctr">
+                      <a:solidFill>
+                        <a:srgbClr val="CCCCCC"/>
+                      </a:solidFill>
+                      <a:prstDash val="solid"/>
+                      <a:round/>
+                      <a:headEnd type="none" w="med" len="med"/>
+                      <a:tailEnd type="none" w="med" len="med"/>
+                    </a:lnT>
+                    <a:lnB w="9525" cap="flat" cmpd="sng" algn="ctr">
+                      <a:solidFill>
+                        <a:srgbClr val="CCCCCC"/>
+                      </a:solidFill>
+                      <a:prstDash val="solid"/>
+                      <a:round/>
+                      <a:headEnd type="none" w="med" len="med"/>
+                      <a:tailEnd type="none" w="med" len="med"/>
+                    </a:lnB>
+                    <a:noFill/>
+                  </a:tcPr>
+                </a:tc>
+                <a:tc>
+                  <a:txBody>
+                    <a:bodyPr/>
+                    <a:lstStyle/>
+                    <a:p>
+                      <a:pPr algn="ctr" rtl="0" fontAlgn="ctr"/>
+                      <a:r>
+                        <a:rPr lang="it-IT" sz="1100">
+                          <a:effectLst/>
+                        </a:rPr>
+                        <a:t>13</a:t>
+                      </a:r>
+                    </a:p>
+                  </a:txBody>
+                  <a:tcPr marL="28575" marR="28575" marT="19050" marB="19050" anchor="ctr">
+                    <a:lnL w="9525" cap="flat" cmpd="sng" algn="ctr">
+                      <a:solidFill>
+                        <a:srgbClr val="CCCCCC"/>
+                      </a:solidFill>
+                      <a:prstDash val="solid"/>
+                      <a:round/>
+                      <a:headEnd type="none" w="med" len="med"/>
+                      <a:tailEnd type="none" w="med" len="med"/>
+                    </a:lnL>
+                    <a:lnR w="9525" cap="flat" cmpd="sng" algn="ctr">
+                      <a:solidFill>
+                        <a:srgbClr val="CCCCCC"/>
+                      </a:solidFill>
+                      <a:prstDash val="solid"/>
+                      <a:round/>
+                      <a:headEnd type="none" w="med" len="med"/>
+                      <a:tailEnd type="none" w="med" len="med"/>
+                    </a:lnR>
+                    <a:lnT w="9525" cap="flat" cmpd="sng" algn="ctr">
+                      <a:solidFill>
+                        <a:srgbClr val="CCCCCC"/>
+                      </a:solidFill>
+                      <a:prstDash val="solid"/>
+                      <a:round/>
+                      <a:headEnd type="none" w="med" len="med"/>
+                      <a:tailEnd type="none" w="med" len="med"/>
+                    </a:lnT>
+                    <a:lnB w="9525" cap="flat" cmpd="sng" algn="ctr">
+                      <a:solidFill>
+                        <a:srgbClr val="CCCCCC"/>
+                      </a:solidFill>
+                      <a:prstDash val="solid"/>
+                      <a:round/>
+                      <a:headEnd type="none" w="med" len="med"/>
+                      <a:tailEnd type="none" w="med" len="med"/>
+                    </a:lnB>
+                    <a:solidFill>
+                      <a:srgbClr val="CC0000"/>
+                    </a:solidFill>
+                  </a:tcPr>
+                </a:tc>
+                <a:tc>
+                  <a:txBody>
+                    <a:bodyPr/>
+                    <a:lstStyle/>
+                    <a:p>
+                      <a:pPr rtl="0" fontAlgn="ctr"/>
+                      <a:r>
+                        <a:rPr lang="it-IT" sz="1100" i="1" strike="sngStrike">
+                          <a:effectLst/>
+                        </a:rPr>
+                        <a:t>Inserire lo stato dei turni sia nel backend che nel frontend con i colori per discriminarli</a:t>
+                      </a:r>
+                    </a:p>
+                  </a:txBody>
+                  <a:tcPr marL="28575" marR="28575" marT="19050" marB="19050" anchor="ctr">
+                    <a:lnL w="9525" cap="flat" cmpd="sng" algn="ctr">
+                      <a:solidFill>
+                        <a:srgbClr val="CCCCCC"/>
+                      </a:solidFill>
+                      <a:prstDash val="solid"/>
+                      <a:round/>
+                      <a:headEnd type="none" w="med" len="med"/>
+                      <a:tailEnd type="none" w="med" len="med"/>
+                    </a:lnL>
+                    <a:lnR w="9525" cap="flat" cmpd="sng" algn="ctr">
+                      <a:solidFill>
+                        <a:srgbClr val="CCCCCC"/>
+                      </a:solidFill>
+                      <a:prstDash val="solid"/>
+                      <a:round/>
+                      <a:headEnd type="none" w="med" len="med"/>
+                      <a:tailEnd type="none" w="med" len="med"/>
+                    </a:lnR>
+                    <a:lnT w="9525" cap="flat" cmpd="sng" algn="ctr">
+                      <a:solidFill>
+                        <a:srgbClr val="CCCCCC"/>
+                      </a:solidFill>
+                      <a:prstDash val="solid"/>
+                      <a:round/>
+                      <a:headEnd type="none" w="med" len="med"/>
+                      <a:tailEnd type="none" w="med" len="med"/>
+                    </a:lnT>
+                    <a:lnB w="9525" cap="flat" cmpd="sng" algn="ctr">
+                      <a:solidFill>
+                        <a:srgbClr val="CCCCCC"/>
+                      </a:solidFill>
+                      <a:prstDash val="solid"/>
+                      <a:round/>
+                      <a:headEnd type="none" w="med" len="med"/>
+                      <a:tailEnd type="none" w="med" len="med"/>
+                    </a:lnB>
+                    <a:solidFill>
+                      <a:srgbClr val="D9EAD3"/>
+                    </a:solidFill>
+                  </a:tcPr>
+                </a:tc>
+                <a:extLst>
+                  <a:ext uri="{0D108BD9-81ED-4DB2-BD59-A6C34878D82A}">
+                    <a16:rowId xmlns:a16="http://schemas.microsoft.com/office/drawing/2014/main" val="2699721789"/>
+                  </a:ext>
+                </a:extLst>
+              </a:tr>
+              <a:tr h="200025">
+                <a:tc>
+                  <a:txBody>
+                    <a:bodyPr/>
+                    <a:lstStyle/>
+                    <a:p>
+                      <a:pPr algn="ctr" rtl="0" fontAlgn="ctr"/>
+                      <a:r>
+                        <a:rPr lang="it-IT" sz="1100">
+                          <a:effectLst/>
+                        </a:rPr>
+                        <a:t>FALSE</a:t>
+                      </a:r>
+                    </a:p>
+                  </a:txBody>
+                  <a:tcPr marL="28575" marR="28575" marT="19050" marB="19050" anchor="ctr">
+                    <a:lnL w="9525" cap="flat" cmpd="sng" algn="ctr">
+                      <a:solidFill>
+                        <a:srgbClr val="CCCCCC"/>
+                      </a:solidFill>
+                      <a:prstDash val="solid"/>
+                      <a:round/>
+                      <a:headEnd type="none" w="med" len="med"/>
+                      <a:tailEnd type="none" w="med" len="med"/>
+                    </a:lnL>
+                    <a:lnR w="9525" cap="flat" cmpd="sng" algn="ctr">
+                      <a:solidFill>
+                        <a:srgbClr val="CCCCCC"/>
+                      </a:solidFill>
+                      <a:prstDash val="solid"/>
+                      <a:round/>
+                      <a:headEnd type="none" w="med" len="med"/>
+                      <a:tailEnd type="none" w="med" len="med"/>
+                    </a:lnR>
+                    <a:lnT w="9525" cap="flat" cmpd="sng" algn="ctr">
+                      <a:solidFill>
+                        <a:srgbClr val="CCCCCC"/>
+                      </a:solidFill>
+                      <a:prstDash val="solid"/>
+                      <a:round/>
+                      <a:headEnd type="none" w="med" len="med"/>
+                      <a:tailEnd type="none" w="med" len="med"/>
+                    </a:lnT>
+                    <a:lnB w="9525" cap="flat" cmpd="sng" algn="ctr">
+                      <a:solidFill>
+                        <a:srgbClr val="CCCCCC"/>
+                      </a:solidFill>
+                      <a:prstDash val="solid"/>
+                      <a:round/>
+                      <a:headEnd type="none" w="med" len="med"/>
+                      <a:tailEnd type="none" w="med" len="med"/>
+                    </a:lnB>
+                    <a:noFill/>
+                  </a:tcPr>
+                </a:tc>
+                <a:tc>
+                  <a:txBody>
+                    <a:bodyPr/>
+                    <a:lstStyle/>
+                    <a:p>
+                      <a:pPr algn="ctr" rtl="0" fontAlgn="b"/>
+                      <a:r>
+                        <a:rPr lang="it-IT">
+                          <a:effectLst/>
+                        </a:rPr>
+                        <a:t>8</a:t>
+                      </a:r>
+                    </a:p>
+                  </a:txBody>
+                  <a:tcPr marL="28575" marR="28575" marT="19050" marB="19050" anchor="b">
+                    <a:lnL w="9525" cap="flat" cmpd="sng" algn="ctr">
+                      <a:solidFill>
+                        <a:srgbClr val="CCCCCC"/>
+                      </a:solidFill>
+                      <a:prstDash val="solid"/>
+                      <a:round/>
+                      <a:headEnd type="none" w="med" len="med"/>
+                      <a:tailEnd type="none" w="med" len="med"/>
+                    </a:lnL>
+                    <a:lnR w="9525" cap="flat" cmpd="sng" algn="ctr">
+                      <a:solidFill>
+                        <a:srgbClr val="CCCCCC"/>
+                      </a:solidFill>
+                      <a:prstDash val="solid"/>
+                      <a:round/>
+                      <a:headEnd type="none" w="med" len="med"/>
+                      <a:tailEnd type="none" w="med" len="med"/>
+                    </a:lnR>
+                    <a:lnT w="9525" cap="flat" cmpd="sng" algn="ctr">
+                      <a:solidFill>
+                        <a:srgbClr val="CCCCCC"/>
+                      </a:solidFill>
+                      <a:prstDash val="solid"/>
+                      <a:round/>
+                      <a:headEnd type="none" w="med" len="med"/>
+                      <a:tailEnd type="none" w="med" len="med"/>
+                    </a:lnT>
+                    <a:lnB w="9525" cap="flat" cmpd="sng" algn="ctr">
+                      <a:solidFill>
+                        <a:srgbClr val="CCCCCC"/>
+                      </a:solidFill>
+                      <a:prstDash val="solid"/>
+                      <a:round/>
+                      <a:headEnd type="none" w="med" len="med"/>
+                      <a:tailEnd type="none" w="med" len="med"/>
+                    </a:lnB>
+                    <a:solidFill>
+                      <a:srgbClr val="D26B60"/>
+                    </a:solidFill>
+                  </a:tcPr>
+                </a:tc>
+                <a:tc>
+                  <a:txBody>
+                    <a:bodyPr/>
+                    <a:lstStyle/>
+                    <a:p>
+                      <a:pPr rtl="0" fontAlgn="b"/>
+                      <a:r>
+                        <a:rPr lang="it-IT" sz="1100">
+                          <a:effectLst/>
+                        </a:rPr>
+                        <a:t>Bottone per Planner per poter vedere in maniera facile la lista dei turni incompleti</a:t>
+                      </a:r>
+                    </a:p>
+                  </a:txBody>
+                  <a:tcPr marL="28575" marR="28575" marT="19050" marB="19050" anchor="b">
+                    <a:lnL w="9525" cap="flat" cmpd="sng" algn="ctr">
+                      <a:solidFill>
+                        <a:srgbClr val="CCCCCC"/>
+                      </a:solidFill>
+                      <a:prstDash val="solid"/>
+                      <a:round/>
+                      <a:headEnd type="none" w="med" len="med"/>
+                      <a:tailEnd type="none" w="med" len="med"/>
+                    </a:lnL>
+                    <a:lnR w="9525" cap="flat" cmpd="sng" algn="ctr">
+                      <a:solidFill>
+                        <a:srgbClr val="CCCCCC"/>
+                      </a:solidFill>
+                      <a:prstDash val="solid"/>
+                      <a:round/>
+                      <a:headEnd type="none" w="med" len="med"/>
+                      <a:tailEnd type="none" w="med" len="med"/>
+                    </a:lnR>
+                    <a:lnT w="9525" cap="flat" cmpd="sng" algn="ctr">
+                      <a:solidFill>
+                        <a:srgbClr val="CCCCCC"/>
+                      </a:solidFill>
+                      <a:prstDash val="solid"/>
+                      <a:round/>
+                      <a:headEnd type="none" w="med" len="med"/>
+                      <a:tailEnd type="none" w="med" len="med"/>
+                    </a:lnT>
+                    <a:lnB w="9525" cap="flat" cmpd="sng" algn="ctr">
+                      <a:solidFill>
+                        <a:srgbClr val="CCCCCC"/>
+                      </a:solidFill>
+                      <a:prstDash val="solid"/>
+                      <a:round/>
+                      <a:headEnd type="none" w="med" len="med"/>
+                      <a:tailEnd type="none" w="med" len="med"/>
+                    </a:lnB>
+                    <a:noFill/>
+                  </a:tcPr>
+                </a:tc>
+                <a:extLst>
+                  <a:ext uri="{0D108BD9-81ED-4DB2-BD59-A6C34878D82A}">
+                    <a16:rowId xmlns:a16="http://schemas.microsoft.com/office/drawing/2014/main" val="39372808"/>
+                  </a:ext>
+                </a:extLst>
+              </a:tr>
+              <a:tr h="200025">
+                <a:tc>
+                  <a:txBody>
+                    <a:bodyPr/>
+                    <a:lstStyle/>
+                    <a:p>
+                      <a:pPr algn="ctr" rtl="0" fontAlgn="ctr"/>
+                      <a:r>
+                        <a:rPr lang="it-IT" sz="1100">
+                          <a:solidFill>
+                            <a:srgbClr val="6AA84F"/>
+                          </a:solidFill>
+                          <a:effectLst/>
+                        </a:rPr>
+                        <a:t>TRUE</a:t>
+                      </a:r>
+                    </a:p>
+                  </a:txBody>
+                  <a:tcPr marL="28575" marR="28575" marT="19050" marB="19050" anchor="ctr">
+                    <a:lnL w="9525" cap="flat" cmpd="sng" algn="ctr">
+                      <a:solidFill>
+                        <a:srgbClr val="CCCCCC"/>
+                      </a:solidFill>
+                      <a:prstDash val="solid"/>
+                      <a:round/>
+                      <a:headEnd type="none" w="med" len="med"/>
+                      <a:tailEnd type="none" w="med" len="med"/>
+                    </a:lnL>
+                    <a:lnR w="9525" cap="flat" cmpd="sng" algn="ctr">
+                      <a:solidFill>
+                        <a:srgbClr val="CCCCCC"/>
+                      </a:solidFill>
+                      <a:prstDash val="solid"/>
+                      <a:round/>
+                      <a:headEnd type="none" w="med" len="med"/>
+                      <a:tailEnd type="none" w="med" len="med"/>
+                    </a:lnR>
+                    <a:lnT w="9525" cap="flat" cmpd="sng" algn="ctr">
+                      <a:solidFill>
+                        <a:srgbClr val="CCCCCC"/>
+                      </a:solidFill>
+                      <a:prstDash val="solid"/>
+                      <a:round/>
+                      <a:headEnd type="none" w="med" len="med"/>
+                      <a:tailEnd type="none" w="med" len="med"/>
+                    </a:lnT>
+                    <a:lnB w="9525" cap="flat" cmpd="sng" algn="ctr">
+                      <a:solidFill>
+                        <a:srgbClr val="CCCCCC"/>
+                      </a:solidFill>
+                      <a:prstDash val="solid"/>
+                      <a:round/>
+                      <a:headEnd type="none" w="med" len="med"/>
+                      <a:tailEnd type="none" w="med" len="med"/>
+                    </a:lnB>
+                    <a:noFill/>
+                  </a:tcPr>
+                </a:tc>
+                <a:tc>
+                  <a:txBody>
+                    <a:bodyPr/>
+                    <a:lstStyle/>
+                    <a:p>
+                      <a:pPr algn="ctr" rtl="0" fontAlgn="ctr"/>
+                      <a:r>
+                        <a:rPr lang="it-IT" sz="1100">
+                          <a:effectLst/>
+                        </a:rPr>
+                        <a:t>3</a:t>
+                      </a:r>
+                    </a:p>
+                  </a:txBody>
+                  <a:tcPr marL="28575" marR="28575" marT="19050" marB="19050" anchor="ctr">
+                    <a:lnL w="9525" cap="flat" cmpd="sng" algn="ctr">
+                      <a:solidFill>
+                        <a:srgbClr val="CCCCCC"/>
+                      </a:solidFill>
+                      <a:prstDash val="solid"/>
+                      <a:round/>
+                      <a:headEnd type="none" w="med" len="med"/>
+                      <a:tailEnd type="none" w="med" len="med"/>
+                    </a:lnL>
+                    <a:lnR w="9525" cap="flat" cmpd="sng" algn="ctr">
+                      <a:solidFill>
+                        <a:srgbClr val="CCCCCC"/>
+                      </a:solidFill>
+                      <a:prstDash val="solid"/>
+                      <a:round/>
+                      <a:headEnd type="none" w="med" len="med"/>
+                      <a:tailEnd type="none" w="med" len="med"/>
+                    </a:lnR>
+                    <a:lnT w="9525" cap="flat" cmpd="sng" algn="ctr">
+                      <a:solidFill>
+                        <a:srgbClr val="CCCCCC"/>
+                      </a:solidFill>
+                      <a:prstDash val="solid"/>
+                      <a:round/>
+                      <a:headEnd type="none" w="med" len="med"/>
+                      <a:tailEnd type="none" w="med" len="med"/>
+                    </a:lnT>
+                    <a:lnB w="9525" cap="flat" cmpd="sng" algn="ctr">
+                      <a:solidFill>
+                        <a:srgbClr val="CCCCCC"/>
+                      </a:solidFill>
+                      <a:prstDash val="solid"/>
+                      <a:round/>
+                      <a:headEnd type="none" w="med" len="med"/>
+                      <a:tailEnd type="none" w="med" len="med"/>
+                    </a:lnB>
+                    <a:solidFill>
+                      <a:srgbClr val="D8D5C0"/>
+                    </a:solidFill>
+                  </a:tcPr>
+                </a:tc>
+                <a:tc>
+                  <a:txBody>
+                    <a:bodyPr/>
+                    <a:lstStyle/>
+                    <a:p>
+                      <a:pPr rtl="0" fontAlgn="ctr"/>
+                      <a:r>
+                        <a:rPr lang="it-IT" sz="1100" i="1" strike="sngStrike">
+                          <a:effectLst/>
+                        </a:rPr>
+                        <a:t>Schermata per la gestione dei turni per poterli visualizzare</a:t>
+                      </a:r>
+                    </a:p>
+                  </a:txBody>
+                  <a:tcPr marL="28575" marR="28575" marT="19050" marB="19050" anchor="ctr">
+                    <a:lnL w="9525" cap="flat" cmpd="sng" algn="ctr">
+                      <a:solidFill>
+                        <a:srgbClr val="CCCCCC"/>
+                      </a:solidFill>
+                      <a:prstDash val="solid"/>
+                      <a:round/>
+                      <a:headEnd type="none" w="med" len="med"/>
+                      <a:tailEnd type="none" w="med" len="med"/>
+                    </a:lnL>
+                    <a:lnR w="9525" cap="flat" cmpd="sng" algn="ctr">
+                      <a:solidFill>
+                        <a:srgbClr val="CCCCCC"/>
+                      </a:solidFill>
+                      <a:prstDash val="solid"/>
+                      <a:round/>
+                      <a:headEnd type="none" w="med" len="med"/>
+                      <a:tailEnd type="none" w="med" len="med"/>
+                    </a:lnR>
+                    <a:lnT w="9525" cap="flat" cmpd="sng" algn="ctr">
+                      <a:solidFill>
+                        <a:srgbClr val="CCCCCC"/>
+                      </a:solidFill>
+                      <a:prstDash val="solid"/>
+                      <a:round/>
+                      <a:headEnd type="none" w="med" len="med"/>
+                      <a:tailEnd type="none" w="med" len="med"/>
+                    </a:lnT>
+                    <a:lnB w="9525" cap="flat" cmpd="sng" algn="ctr">
+                      <a:solidFill>
+                        <a:srgbClr val="CCCCCC"/>
+                      </a:solidFill>
+                      <a:prstDash val="solid"/>
+                      <a:round/>
+                      <a:headEnd type="none" w="med" len="med"/>
+                      <a:tailEnd type="none" w="med" len="med"/>
+                    </a:lnB>
+                    <a:solidFill>
+                      <a:srgbClr val="D9EAD3"/>
+                    </a:solidFill>
+                  </a:tcPr>
+                </a:tc>
+                <a:extLst>
+                  <a:ext uri="{0D108BD9-81ED-4DB2-BD59-A6C34878D82A}">
+                    <a16:rowId xmlns:a16="http://schemas.microsoft.com/office/drawing/2014/main" val="2347316637"/>
+                  </a:ext>
+                </a:extLst>
+              </a:tr>
+              <a:tr h="228600">
+                <a:tc>
+                  <a:txBody>
+                    <a:bodyPr/>
+                    <a:lstStyle/>
+                    <a:p>
+                      <a:pPr algn="ctr" rtl="0" fontAlgn="ctr"/>
+                      <a:r>
+                        <a:rPr lang="it-IT" sz="1100">
+                          <a:solidFill>
+                            <a:srgbClr val="6AA84F"/>
+                          </a:solidFill>
+                          <a:effectLst/>
+                        </a:rPr>
+                        <a:t>TRUE</a:t>
+                      </a:r>
+                    </a:p>
+                  </a:txBody>
+                  <a:tcPr marL="28575" marR="28575" marT="19050" marB="19050" anchor="ctr">
+                    <a:lnL w="9525" cap="flat" cmpd="sng" algn="ctr">
+                      <a:solidFill>
+                        <a:srgbClr val="CCCCCC"/>
+                      </a:solidFill>
+                      <a:prstDash val="solid"/>
+                      <a:round/>
+                      <a:headEnd type="none" w="med" len="med"/>
+                      <a:tailEnd type="none" w="med" len="med"/>
+                    </a:lnL>
+                    <a:lnR w="9525" cap="flat" cmpd="sng" algn="ctr">
+                      <a:solidFill>
+                        <a:srgbClr val="CCCCCC"/>
+                      </a:solidFill>
+                      <a:prstDash val="solid"/>
+                      <a:round/>
+                      <a:headEnd type="none" w="med" len="med"/>
+                      <a:tailEnd type="none" w="med" len="med"/>
+                    </a:lnR>
+                    <a:lnT w="9525" cap="flat" cmpd="sng" algn="ctr">
+                      <a:solidFill>
+                        <a:srgbClr val="CCCCCC"/>
+                      </a:solidFill>
+                      <a:prstDash val="solid"/>
+                      <a:round/>
+                      <a:headEnd type="none" w="med" len="med"/>
+                      <a:tailEnd type="none" w="med" len="med"/>
+                    </a:lnT>
+                    <a:lnB w="9525" cap="flat" cmpd="sng" algn="ctr">
+                      <a:solidFill>
+                        <a:srgbClr val="CCCCCC"/>
+                      </a:solidFill>
+                      <a:prstDash val="solid"/>
+                      <a:round/>
+                      <a:headEnd type="none" w="med" len="med"/>
+                      <a:tailEnd type="none" w="med" len="med"/>
+                    </a:lnB>
+                    <a:noFill/>
+                  </a:tcPr>
+                </a:tc>
+                <a:tc>
+                  <a:txBody>
+                    <a:bodyPr/>
+                    <a:lstStyle/>
+                    <a:p>
+                      <a:pPr algn="ctr" rtl="0" fontAlgn="ctr"/>
+                      <a:r>
+                        <a:rPr lang="it-IT" sz="1100">
+                          <a:effectLst/>
+                        </a:rPr>
+                        <a:t>8</a:t>
+                      </a:r>
+                    </a:p>
+                  </a:txBody>
+                  <a:tcPr marL="28575" marR="28575" marT="19050" marB="19050" anchor="ctr">
+                    <a:lnL w="9525" cap="flat" cmpd="sng" algn="ctr">
+                      <a:solidFill>
+                        <a:srgbClr val="CCCCCC"/>
+                      </a:solidFill>
+                      <a:prstDash val="solid"/>
+                      <a:round/>
+                      <a:headEnd type="none" w="med" len="med"/>
+                      <a:tailEnd type="none" w="med" len="med"/>
+                    </a:lnL>
+                    <a:lnR w="9525" cap="flat" cmpd="sng" algn="ctr">
+                      <a:solidFill>
+                        <a:srgbClr val="CCCCCC"/>
+                      </a:solidFill>
+                      <a:prstDash val="solid"/>
+                      <a:round/>
+                      <a:headEnd type="none" w="med" len="med"/>
+                      <a:tailEnd type="none" w="med" len="med"/>
+                    </a:lnR>
+                    <a:lnT w="9525" cap="flat" cmpd="sng" algn="ctr">
+                      <a:solidFill>
+                        <a:srgbClr val="CCCCCC"/>
+                      </a:solidFill>
+                      <a:prstDash val="solid"/>
+                      <a:round/>
+                      <a:headEnd type="none" w="med" len="med"/>
+                      <a:tailEnd type="none" w="med" len="med"/>
+                    </a:lnT>
+                    <a:lnB w="9525" cap="flat" cmpd="sng" algn="ctr">
+                      <a:solidFill>
+                        <a:srgbClr val="CCCCCC"/>
+                      </a:solidFill>
+                      <a:prstDash val="solid"/>
+                      <a:round/>
+                      <a:headEnd type="none" w="med" len="med"/>
+                      <a:tailEnd type="none" w="med" len="med"/>
+                    </a:lnB>
+                    <a:solidFill>
+                      <a:srgbClr val="D26B60"/>
+                    </a:solidFill>
+                  </a:tcPr>
+                </a:tc>
+                <a:tc>
+                  <a:txBody>
+                    <a:bodyPr/>
+                    <a:lstStyle/>
+                    <a:p>
+                      <a:pPr rtl="0" fontAlgn="ctr"/>
+                      <a:r>
+                        <a:rPr lang="it-IT" sz="1100" i="1" strike="sngStrike">
+                          <a:effectLst/>
+                        </a:rPr>
+                        <a:t>Permettere la cancellazione dei turni a livello grafico tramite softdelete</a:t>
+                      </a:r>
+                    </a:p>
+                  </a:txBody>
+                  <a:tcPr marL="28575" marR="28575" marT="19050" marB="19050" anchor="ctr">
+                    <a:lnL w="9525" cap="flat" cmpd="sng" algn="ctr">
+                      <a:solidFill>
+                        <a:srgbClr val="CCCCCC"/>
+                      </a:solidFill>
+                      <a:prstDash val="solid"/>
+                      <a:round/>
+                      <a:headEnd type="none" w="med" len="med"/>
+                      <a:tailEnd type="none" w="med" len="med"/>
+                    </a:lnL>
+                    <a:lnR w="9525" cap="flat" cmpd="sng" algn="ctr">
+                      <a:solidFill>
+                        <a:srgbClr val="CCCCCC"/>
+                      </a:solidFill>
+                      <a:prstDash val="solid"/>
+                      <a:round/>
+                      <a:headEnd type="none" w="med" len="med"/>
+                      <a:tailEnd type="none" w="med" len="med"/>
+                    </a:lnR>
+                    <a:lnT w="9525" cap="flat" cmpd="sng" algn="ctr">
+                      <a:solidFill>
+                        <a:srgbClr val="CCCCCC"/>
+                      </a:solidFill>
+                      <a:prstDash val="solid"/>
+                      <a:round/>
+                      <a:headEnd type="none" w="med" len="med"/>
+                      <a:tailEnd type="none" w="med" len="med"/>
+                    </a:lnT>
+                    <a:lnB w="9525" cap="flat" cmpd="sng" algn="ctr">
+                      <a:solidFill>
+                        <a:srgbClr val="CCCCCC"/>
+                      </a:solidFill>
+                      <a:prstDash val="solid"/>
+                      <a:round/>
+                      <a:headEnd type="none" w="med" len="med"/>
+                      <a:tailEnd type="none" w="med" len="med"/>
+                    </a:lnB>
+                    <a:solidFill>
+                      <a:srgbClr val="D9EAD3"/>
+                    </a:solidFill>
+                  </a:tcPr>
+                </a:tc>
+                <a:extLst>
+                  <a:ext uri="{0D108BD9-81ED-4DB2-BD59-A6C34878D82A}">
+                    <a16:rowId xmlns:a16="http://schemas.microsoft.com/office/drawing/2014/main" val="832590040"/>
+                  </a:ext>
+                </a:extLst>
+              </a:tr>
+              <a:tr h="200025">
+                <a:tc>
+                  <a:txBody>
+                    <a:bodyPr/>
+                    <a:lstStyle/>
+                    <a:p>
+                      <a:pPr algn="ctr" rtl="0" fontAlgn="ctr"/>
+                      <a:r>
+                        <a:rPr lang="it-IT" sz="1100">
+                          <a:solidFill>
+                            <a:srgbClr val="6AA84F"/>
+                          </a:solidFill>
+                          <a:effectLst/>
+                        </a:rPr>
+                        <a:t>TRUE</a:t>
+                      </a:r>
+                    </a:p>
+                  </a:txBody>
+                  <a:tcPr marL="28575" marR="28575" marT="19050" marB="19050" anchor="ctr">
+                    <a:lnL w="9525" cap="flat" cmpd="sng" algn="ctr">
+                      <a:solidFill>
+                        <a:srgbClr val="CCCCCC"/>
+                      </a:solidFill>
+                      <a:prstDash val="solid"/>
+                      <a:round/>
+                      <a:headEnd type="none" w="med" len="med"/>
+                      <a:tailEnd type="none" w="med" len="med"/>
+                    </a:lnL>
+                    <a:lnR w="9525" cap="flat" cmpd="sng" algn="ctr">
+                      <a:solidFill>
+                        <a:srgbClr val="CCCCCC"/>
+                      </a:solidFill>
+                      <a:prstDash val="solid"/>
+                      <a:round/>
+                      <a:headEnd type="none" w="med" len="med"/>
+                      <a:tailEnd type="none" w="med" len="med"/>
+                    </a:lnR>
+                    <a:lnT w="9525" cap="flat" cmpd="sng" algn="ctr">
+                      <a:solidFill>
+                        <a:srgbClr val="CCCCCC"/>
+                      </a:solidFill>
+                      <a:prstDash val="solid"/>
+                      <a:round/>
+                      <a:headEnd type="none" w="med" len="med"/>
+                      <a:tailEnd type="none" w="med" len="med"/>
+                    </a:lnT>
+                    <a:lnB w="9525" cap="flat" cmpd="sng" algn="ctr">
+                      <a:solidFill>
+                        <a:srgbClr val="CCCCCC"/>
+                      </a:solidFill>
+                      <a:prstDash val="solid"/>
+                      <a:round/>
+                      <a:headEnd type="none" w="med" len="med"/>
+                      <a:tailEnd type="none" w="med" len="med"/>
+                    </a:lnB>
+                    <a:noFill/>
+                  </a:tcPr>
+                </a:tc>
+                <a:tc>
+                  <a:txBody>
+                    <a:bodyPr/>
+                    <a:lstStyle/>
+                    <a:p>
+                      <a:pPr algn="ctr" rtl="0" fontAlgn="b"/>
+                      <a:r>
+                        <a:rPr lang="it-IT">
+                          <a:effectLst/>
+                        </a:rPr>
+                        <a:t>5</a:t>
+                      </a:r>
+                    </a:p>
+                  </a:txBody>
+                  <a:tcPr marL="28575" marR="28575" marT="19050" marB="19050" anchor="b">
+                    <a:lnL w="9525" cap="flat" cmpd="sng" algn="ctr">
+                      <a:solidFill>
+                        <a:srgbClr val="CCCCCC"/>
+                      </a:solidFill>
+                      <a:prstDash val="solid"/>
+                      <a:round/>
+                      <a:headEnd type="none" w="med" len="med"/>
+                      <a:tailEnd type="none" w="med" len="med"/>
+                    </a:lnL>
+                    <a:lnR w="9525" cap="flat" cmpd="sng" algn="ctr">
+                      <a:solidFill>
+                        <a:srgbClr val="CCCCCC"/>
+                      </a:solidFill>
+                      <a:prstDash val="solid"/>
+                      <a:round/>
+                      <a:headEnd type="none" w="med" len="med"/>
+                      <a:tailEnd type="none" w="med" len="med"/>
+                    </a:lnR>
+                    <a:lnT w="9525" cap="flat" cmpd="sng" algn="ctr">
+                      <a:solidFill>
+                        <a:srgbClr val="CCCCCC"/>
+                      </a:solidFill>
+                      <a:prstDash val="solid"/>
+                      <a:round/>
+                      <a:headEnd type="none" w="med" len="med"/>
+                      <a:tailEnd type="none" w="med" len="med"/>
+                    </a:lnT>
+                    <a:lnB w="9525" cap="flat" cmpd="sng" algn="ctr">
+                      <a:solidFill>
+                        <a:srgbClr val="CCCCCC"/>
+                      </a:solidFill>
+                      <a:prstDash val="solid"/>
+                      <a:round/>
+                      <a:headEnd type="none" w="med" len="med"/>
+                      <a:tailEnd type="none" w="med" len="med"/>
+                    </a:lnB>
+                    <a:solidFill>
+                      <a:srgbClr val="D6AB9A"/>
+                    </a:solidFill>
+                  </a:tcPr>
+                </a:tc>
+                <a:tc>
+                  <a:txBody>
+                    <a:bodyPr/>
+                    <a:lstStyle/>
+                    <a:p>
+                      <a:pPr rtl="0" fontAlgn="b"/>
+                      <a:r>
+                        <a:rPr lang="it-IT" sz="1100" i="1" strike="sngStrike">
+                          <a:effectLst/>
+                        </a:rPr>
+                        <a:t>Continuo ripristino dei test</a:t>
+                      </a:r>
+                    </a:p>
+                  </a:txBody>
+                  <a:tcPr marL="28575" marR="28575" marT="19050" marB="19050" anchor="b">
+                    <a:lnL w="9525" cap="flat" cmpd="sng" algn="ctr">
+                      <a:solidFill>
+                        <a:srgbClr val="CCCCCC"/>
+                      </a:solidFill>
+                      <a:prstDash val="solid"/>
+                      <a:round/>
+                      <a:headEnd type="none" w="med" len="med"/>
+                      <a:tailEnd type="none" w="med" len="med"/>
+                    </a:lnL>
+                    <a:lnR w="9525" cap="flat" cmpd="sng" algn="ctr">
+                      <a:solidFill>
+                        <a:srgbClr val="CCCCCC"/>
+                      </a:solidFill>
+                      <a:prstDash val="solid"/>
+                      <a:round/>
+                      <a:headEnd type="none" w="med" len="med"/>
+                      <a:tailEnd type="none" w="med" len="med"/>
+                    </a:lnR>
+                    <a:lnT w="9525" cap="flat" cmpd="sng" algn="ctr">
+                      <a:solidFill>
+                        <a:srgbClr val="CCCCCC"/>
+                      </a:solidFill>
+                      <a:prstDash val="solid"/>
+                      <a:round/>
+                      <a:headEnd type="none" w="med" len="med"/>
+                      <a:tailEnd type="none" w="med" len="med"/>
+                    </a:lnT>
+                    <a:lnB w="9525" cap="flat" cmpd="sng" algn="ctr">
+                      <a:solidFill>
+                        <a:srgbClr val="CCCCCC"/>
+                      </a:solidFill>
+                      <a:prstDash val="solid"/>
+                      <a:round/>
+                      <a:headEnd type="none" w="med" len="med"/>
+                      <a:tailEnd type="none" w="med" len="med"/>
+                    </a:lnB>
+                    <a:solidFill>
+                      <a:srgbClr val="D9EAD3"/>
+                    </a:solidFill>
+                  </a:tcPr>
+                </a:tc>
+                <a:extLst>
+                  <a:ext uri="{0D108BD9-81ED-4DB2-BD59-A6C34878D82A}">
+                    <a16:rowId xmlns:a16="http://schemas.microsoft.com/office/drawing/2014/main" val="381815521"/>
+                  </a:ext>
+                </a:extLst>
+              </a:tr>
+            </a:tbl>
+          </a:graphicData>
+        </a:graphic>
+      </p:graphicFrame>
+    </p:spTree>
+    <p:extLst>
+      <p:ext uri="{BB962C8B-B14F-4D97-AF65-F5344CB8AC3E}">
+        <p14:creationId xmlns:p14="http://schemas.microsoft.com/office/powerpoint/2010/main" val="1949581633"/>
       </p:ext>
     </p:extLst>
   </p:cSld>
@@ -11739,2500 +13367,6 @@
         <p:cNvPr id="1" name="">
           <a:extLst>
             <a:ext uri="{FF2B5EF4-FFF2-40B4-BE49-F238E27FC236}">
-              <a16:creationId xmlns:a16="http://schemas.microsoft.com/office/drawing/2014/main" id="{19E9BBD6-4163-1124-8129-965A760AE389}"/>
-            </a:ext>
-          </a:extLst>
-        </p:cNvPr>
-        <p:cNvGrpSpPr/>
-        <p:nvPr/>
-      </p:nvGrpSpPr>
-      <p:grpSpPr>
-        <a:xfrm>
-          <a:off x="0" y="0"/>
-          <a:ext cx="0" cy="0"/>
-          <a:chOff x="0" y="0"/>
-          <a:chExt cx="0" cy="0"/>
-        </a:xfrm>
-      </p:grpSpPr>
-      <p:sp>
-        <p:nvSpPr>
-          <p:cNvPr id="2" name="Titolo 1">
-            <a:extLst>
-              <a:ext uri="{FF2B5EF4-FFF2-40B4-BE49-F238E27FC236}">
-                <a16:creationId xmlns:a16="http://schemas.microsoft.com/office/drawing/2014/main" id="{B6974E5C-17BD-B136-F378-98BF78959AF8}"/>
-              </a:ext>
-            </a:extLst>
-          </p:cNvPr>
-          <p:cNvSpPr>
-            <a:spLocks noGrp="1"/>
-          </p:cNvSpPr>
-          <p:nvPr>
-            <p:ph type="title"/>
-          </p:nvPr>
-        </p:nvSpPr>
-        <p:spPr>
-          <a:xfrm>
-            <a:off x="639724" y="472780"/>
-            <a:ext cx="7444563" cy="653143"/>
-          </a:xfrm>
-        </p:spPr>
-        <p:txBody>
-          <a:bodyPr>
-            <a:normAutofit/>
-          </a:bodyPr>
-          <a:lstStyle/>
-          <a:p>
-            <a:r>
-              <a:rPr lang="it-IT" sz="4000" dirty="0">
-                <a:solidFill>
-                  <a:schemeClr val="tx2">
-                    <a:lumMod val="90000"/>
-                    <a:lumOff val="10000"/>
-                  </a:schemeClr>
-                </a:solidFill>
-              </a:rPr>
-              <a:t>RECAP</a:t>
-            </a:r>
-            <a:endParaRPr lang="it-IT" sz="4000" noProof="0" dirty="0">
-              <a:solidFill>
-                <a:schemeClr val="tx2">
-                  <a:lumMod val="90000"/>
-                  <a:lumOff val="10000"/>
-                </a:schemeClr>
-              </a:solidFill>
-            </a:endParaRPr>
-          </a:p>
-        </p:txBody>
-      </p:sp>
-      <p:sp>
-        <p:nvSpPr>
-          <p:cNvPr id="4" name="Rettangolo 3">
-            <a:extLst>
-              <a:ext uri="{FF2B5EF4-FFF2-40B4-BE49-F238E27FC236}">
-                <a16:creationId xmlns:a16="http://schemas.microsoft.com/office/drawing/2014/main" id="{16165F18-00FC-12D1-A152-A3C72962C256}"/>
-              </a:ext>
-            </a:extLst>
-          </p:cNvPr>
-          <p:cNvSpPr/>
-          <p:nvPr/>
-        </p:nvSpPr>
-        <p:spPr>
-          <a:xfrm>
-            <a:off x="0" y="472781"/>
-            <a:ext cx="190243" cy="653143"/>
-          </a:xfrm>
-          <a:prstGeom prst="rect">
-            <a:avLst/>
-          </a:prstGeom>
-          <a:solidFill>
-            <a:schemeClr val="tx2">
-              <a:lumMod val="90000"/>
-              <a:lumOff val="10000"/>
-            </a:schemeClr>
-          </a:solidFill>
-          <a:ln>
-            <a:solidFill>
-              <a:schemeClr val="tx2">
-                <a:lumMod val="90000"/>
-                <a:lumOff val="10000"/>
-              </a:schemeClr>
-            </a:solidFill>
-          </a:ln>
-        </p:spPr>
-        <p:style>
-          <a:lnRef idx="2">
-            <a:schemeClr val="accent1">
-              <a:shade val="15000"/>
-            </a:schemeClr>
-          </a:lnRef>
-          <a:fillRef idx="1">
-            <a:schemeClr val="accent1"/>
-          </a:fillRef>
-          <a:effectRef idx="0">
-            <a:schemeClr val="accent1"/>
-          </a:effectRef>
-          <a:fontRef idx="minor">
-            <a:schemeClr val="lt1"/>
-          </a:fontRef>
-        </p:style>
-        <p:txBody>
-          <a:bodyPr rtlCol="0" anchor="ctr"/>
-          <a:lstStyle/>
-          <a:p>
-            <a:pPr algn="ctr"/>
-            <a:endParaRPr lang="it-IT" noProof="0" dirty="0"/>
-          </a:p>
-        </p:txBody>
-      </p:sp>
-      <p:sp>
-        <p:nvSpPr>
-          <p:cNvPr id="5" name="Rettangolo 4">
-            <a:extLst>
-              <a:ext uri="{FF2B5EF4-FFF2-40B4-BE49-F238E27FC236}">
-                <a16:creationId xmlns:a16="http://schemas.microsoft.com/office/drawing/2014/main" id="{01D5C20A-F83E-EAC3-E580-281DC743F7D5}"/>
-              </a:ext>
-            </a:extLst>
-          </p:cNvPr>
-          <p:cNvSpPr/>
-          <p:nvPr/>
-        </p:nvSpPr>
-        <p:spPr>
-          <a:xfrm>
-            <a:off x="289539" y="472780"/>
-            <a:ext cx="139359" cy="653143"/>
-          </a:xfrm>
-          <a:prstGeom prst="rect">
-            <a:avLst/>
-          </a:prstGeom>
-          <a:solidFill>
-            <a:schemeClr val="tx2">
-              <a:lumMod val="90000"/>
-              <a:lumOff val="10000"/>
-            </a:schemeClr>
-          </a:solidFill>
-          <a:ln>
-            <a:solidFill>
-              <a:schemeClr val="tx2">
-                <a:lumMod val="90000"/>
-                <a:lumOff val="10000"/>
-              </a:schemeClr>
-            </a:solidFill>
-          </a:ln>
-        </p:spPr>
-        <p:style>
-          <a:lnRef idx="2">
-            <a:schemeClr val="accent1">
-              <a:shade val="15000"/>
-            </a:schemeClr>
-          </a:lnRef>
-          <a:fillRef idx="1">
-            <a:schemeClr val="accent1"/>
-          </a:fillRef>
-          <a:effectRef idx="0">
-            <a:schemeClr val="accent1"/>
-          </a:effectRef>
-          <a:fontRef idx="minor">
-            <a:schemeClr val="lt1"/>
-          </a:fontRef>
-        </p:style>
-        <p:txBody>
-          <a:bodyPr rtlCol="0" anchor="ctr"/>
-          <a:lstStyle/>
-          <a:p>
-            <a:pPr algn="ctr"/>
-            <a:endParaRPr lang="it-IT" noProof="0" dirty="0"/>
-          </a:p>
-        </p:txBody>
-      </p:sp>
-      <p:sp>
-        <p:nvSpPr>
-          <p:cNvPr id="11" name="Rettangolo 10">
-            <a:extLst>
-              <a:ext uri="{FF2B5EF4-FFF2-40B4-BE49-F238E27FC236}">
-                <a16:creationId xmlns:a16="http://schemas.microsoft.com/office/drawing/2014/main" id="{6E491ADF-5611-CF4F-55A3-45AB1DC7E7A6}"/>
-              </a:ext>
-            </a:extLst>
-          </p:cNvPr>
-          <p:cNvSpPr/>
-          <p:nvPr/>
-        </p:nvSpPr>
-        <p:spPr>
-          <a:xfrm>
-            <a:off x="10008781" y="0"/>
-            <a:ext cx="2183219" cy="6858000"/>
-          </a:xfrm>
-          <a:prstGeom prst="rect">
-            <a:avLst/>
-          </a:prstGeom>
-          <a:solidFill>
-            <a:schemeClr val="tx2">
-              <a:lumMod val="90000"/>
-              <a:lumOff val="10000"/>
-            </a:schemeClr>
-          </a:solidFill>
-          <a:ln>
-            <a:solidFill>
-              <a:srgbClr val="163E64"/>
-            </a:solidFill>
-          </a:ln>
-        </p:spPr>
-        <p:style>
-          <a:lnRef idx="2">
-            <a:schemeClr val="accent1">
-              <a:shade val="15000"/>
-            </a:schemeClr>
-          </a:lnRef>
-          <a:fillRef idx="1">
-            <a:schemeClr val="accent1"/>
-          </a:fillRef>
-          <a:effectRef idx="0">
-            <a:schemeClr val="accent1"/>
-          </a:effectRef>
-          <a:fontRef idx="minor">
-            <a:schemeClr val="lt1"/>
-          </a:fontRef>
-        </p:style>
-        <p:txBody>
-          <a:bodyPr rtlCol="0" anchor="ctr"/>
-          <a:lstStyle/>
-          <a:p>
-            <a:pPr algn="ctr"/>
-            <a:endParaRPr lang="it-IT" noProof="0" dirty="0"/>
-          </a:p>
-        </p:txBody>
-      </p:sp>
-      <p:cxnSp>
-        <p:nvCxnSpPr>
-          <p:cNvPr id="8" name="Connettore diritto 7">
-            <a:extLst>
-              <a:ext uri="{FF2B5EF4-FFF2-40B4-BE49-F238E27FC236}">
-                <a16:creationId xmlns:a16="http://schemas.microsoft.com/office/drawing/2014/main" id="{CEE419B7-AF1F-47E2-1411-8D030724670C}"/>
-              </a:ext>
-            </a:extLst>
-          </p:cNvPr>
-          <p:cNvCxnSpPr>
-            <a:cxnSpLocks/>
-          </p:cNvCxnSpPr>
-          <p:nvPr/>
-        </p:nvCxnSpPr>
-        <p:spPr>
-          <a:xfrm>
-            <a:off x="639725" y="1351691"/>
-            <a:ext cx="6654057" cy="0"/>
-          </a:xfrm>
-          <a:prstGeom prst="line">
-            <a:avLst/>
-          </a:prstGeom>
-          <a:ln>
-            <a:solidFill>
-              <a:schemeClr val="tx2">
-                <a:lumMod val="90000"/>
-                <a:lumOff val="10000"/>
-              </a:schemeClr>
-            </a:solidFill>
-          </a:ln>
-        </p:spPr>
-        <p:style>
-          <a:lnRef idx="2">
-            <a:schemeClr val="accent1"/>
-          </a:lnRef>
-          <a:fillRef idx="0">
-            <a:schemeClr val="accent1"/>
-          </a:fillRef>
-          <a:effectRef idx="1">
-            <a:schemeClr val="accent1"/>
-          </a:effectRef>
-          <a:fontRef idx="minor">
-            <a:schemeClr val="tx1"/>
-          </a:fontRef>
-        </p:style>
-      </p:cxnSp>
-      <p:sp>
-        <p:nvSpPr>
-          <p:cNvPr id="6" name="TextBox 5">
-            <a:extLst>
-              <a:ext uri="{FF2B5EF4-FFF2-40B4-BE49-F238E27FC236}">
-                <a16:creationId xmlns:a16="http://schemas.microsoft.com/office/drawing/2014/main" id="{816C200E-069E-542A-9C68-3602E28F3647}"/>
-              </a:ext>
-            </a:extLst>
-          </p:cNvPr>
-          <p:cNvSpPr txBox="1"/>
-          <p:nvPr/>
-        </p:nvSpPr>
-        <p:spPr>
-          <a:xfrm>
-            <a:off x="11654290" y="6452785"/>
-            <a:ext cx="438619" cy="307777"/>
-          </a:xfrm>
-          <a:prstGeom prst="rect">
-            <a:avLst/>
-          </a:prstGeom>
-          <a:noFill/>
-        </p:spPr>
-        <p:txBody>
-          <a:bodyPr wrap="square" lIns="91440" tIns="45720" rIns="91440" bIns="45720" anchor="t">
-            <a:spAutoFit/>
-          </a:bodyPr>
-          <a:lstStyle/>
-          <a:p>
-            <a:r>
-              <a:rPr lang="it-IT" sz="1400" dirty="0">
-                <a:solidFill>
-                  <a:schemeClr val="bg1"/>
-                </a:solidFill>
-              </a:rPr>
-              <a:t>17</a:t>
-            </a:r>
-            <a:endParaRPr lang="it-IT" sz="1400" noProof="0" dirty="0"/>
-          </a:p>
-        </p:txBody>
-      </p:sp>
-      <p:pic>
-        <p:nvPicPr>
-          <p:cNvPr id="9" name="Picture 2">
-            <a:extLst>
-              <a:ext uri="{FF2B5EF4-FFF2-40B4-BE49-F238E27FC236}">
-                <a16:creationId xmlns:a16="http://schemas.microsoft.com/office/drawing/2014/main" id="{1F3257AD-1152-35ED-FE32-A6ED57B20786}"/>
-              </a:ext>
-            </a:extLst>
-          </p:cNvPr>
-          <p:cNvPicPr>
-            <a:picLocks noChangeAspect="1" noChangeArrowheads="1"/>
-          </p:cNvPicPr>
-          <p:nvPr/>
-        </p:nvPicPr>
-        <p:blipFill>
-          <a:blip r:embed="rId3" cstate="print">
-            <a:extLst>
-              <a:ext uri="{28A0092B-C50C-407E-A947-70E740481C1C}">
-                <a14:useLocalDpi xmlns:a14="http://schemas.microsoft.com/office/drawing/2010/main" val="0"/>
-              </a:ext>
-            </a:extLst>
-          </a:blip>
-          <a:srcRect/>
-          <a:stretch>
-            <a:fillRect/>
-          </a:stretch>
-        </p:blipFill>
-        <p:spPr bwMode="auto">
-          <a:xfrm>
-            <a:off x="7293781" y="353207"/>
-            <a:ext cx="885600" cy="885600"/>
-          </a:xfrm>
-          <a:prstGeom prst="rect">
-            <a:avLst/>
-          </a:prstGeom>
-          <a:noFill/>
-          <a:extLst>
-            <a:ext uri="{909E8E84-426E-40DD-AFC4-6F175D3DCCD1}">
-              <a14:hiddenFill xmlns:a14="http://schemas.microsoft.com/office/drawing/2010/main">
-                <a:solidFill>
-                  <a:srgbClr val="FFFFFF"/>
-                </a:solidFill>
-              </a14:hiddenFill>
-            </a:ext>
-          </a:extLst>
-        </p:spPr>
-      </p:pic>
-      <p:graphicFrame>
-        <p:nvGraphicFramePr>
-          <p:cNvPr id="14" name="Table 13">
-            <a:extLst>
-              <a:ext uri="{FF2B5EF4-FFF2-40B4-BE49-F238E27FC236}">
-                <a16:creationId xmlns:a16="http://schemas.microsoft.com/office/drawing/2014/main" id="{E11ED488-6060-7B56-DDDF-E1545D79C8A4}"/>
-              </a:ext>
-            </a:extLst>
-          </p:cNvPr>
-          <p:cNvGraphicFramePr>
-            <a:graphicFrameLocks noGrp="1"/>
-          </p:cNvGraphicFramePr>
-          <p:nvPr>
-            <p:extLst>
-              <p:ext uri="{D42A27DB-BD31-4B8C-83A1-F6EECF244321}">
-                <p14:modId xmlns:p14="http://schemas.microsoft.com/office/powerpoint/2010/main" val="2286877542"/>
-              </p:ext>
-            </p:extLst>
-          </p:nvPr>
-        </p:nvGraphicFramePr>
-        <p:xfrm>
-          <a:off x="2702341" y="4647088"/>
-          <a:ext cx="2541410" cy="892068"/>
-        </p:xfrm>
-        <a:graphic>
-          <a:graphicData uri="http://schemas.openxmlformats.org/drawingml/2006/table">
-            <a:tbl>
-              <a:tblPr/>
-              <a:tblGrid>
-                <a:gridCol w="1268402">
-                  <a:extLst>
-                    <a:ext uri="{9D8B030D-6E8A-4147-A177-3AD203B41FA5}">
-                      <a16:colId xmlns:a16="http://schemas.microsoft.com/office/drawing/2014/main" val="3020216521"/>
-                    </a:ext>
-                  </a:extLst>
-                </a:gridCol>
-                <a:gridCol w="1273008">
-                  <a:extLst>
-                    <a:ext uri="{9D8B030D-6E8A-4147-A177-3AD203B41FA5}">
-                      <a16:colId xmlns:a16="http://schemas.microsoft.com/office/drawing/2014/main" val="2583043952"/>
-                    </a:ext>
-                  </a:extLst>
-                </a:gridCol>
-              </a:tblGrid>
-              <a:tr h="446034">
-                <a:tc>
-                  <a:txBody>
-                    <a:bodyPr/>
-                    <a:lstStyle/>
-                    <a:p>
-                      <a:pPr algn="ctr" rtl="0" fontAlgn="ctr"/>
-                      <a:r>
-                        <a:rPr lang="it-IT" sz="1400" b="1" dirty="0">
-                          <a:effectLst/>
-                        </a:rPr>
-                        <a:t>INIZIO:</a:t>
-                      </a:r>
-                    </a:p>
-                  </a:txBody>
-                  <a:tcPr marL="28575" marR="28575" marT="19050" marB="19050" anchor="ctr">
-                    <a:lnL w="9525" cap="flat" cmpd="sng" algn="ctr">
-                      <a:solidFill>
-                        <a:srgbClr val="CCCCCC"/>
-                      </a:solidFill>
-                      <a:prstDash val="solid"/>
-                      <a:round/>
-                      <a:headEnd type="none" w="med" len="med"/>
-                      <a:tailEnd type="none" w="med" len="med"/>
-                    </a:lnL>
-                    <a:lnR w="9525" cap="flat" cmpd="sng" algn="ctr">
-                      <a:solidFill>
-                        <a:srgbClr val="CCCCCC"/>
-                      </a:solidFill>
-                      <a:prstDash val="solid"/>
-                      <a:round/>
-                      <a:headEnd type="none" w="med" len="med"/>
-                      <a:tailEnd type="none" w="med" len="med"/>
-                    </a:lnR>
-                    <a:lnT w="9525" cap="flat" cmpd="sng" algn="ctr">
-                      <a:solidFill>
-                        <a:srgbClr val="CCCCCC"/>
-                      </a:solidFill>
-                      <a:prstDash val="solid"/>
-                      <a:round/>
-                      <a:headEnd type="none" w="med" len="med"/>
-                      <a:tailEnd type="none" w="med" len="med"/>
-                    </a:lnT>
-                    <a:lnB w="9525" cap="flat" cmpd="sng" algn="ctr">
-                      <a:solidFill>
-                        <a:srgbClr val="CCCCCC"/>
-                      </a:solidFill>
-                      <a:prstDash val="solid"/>
-                      <a:round/>
-                      <a:headEnd type="none" w="med" len="med"/>
-                      <a:tailEnd type="none" w="med" len="med"/>
-                    </a:lnB>
-                    <a:solidFill>
-                      <a:srgbClr val="FFF2CC"/>
-                    </a:solidFill>
-                  </a:tcPr>
-                </a:tc>
-                <a:tc>
-                  <a:txBody>
-                    <a:bodyPr/>
-                    <a:lstStyle/>
-                    <a:p>
-                      <a:pPr algn="ctr" rtl="0" fontAlgn="ctr"/>
-                      <a:r>
-                        <a:rPr lang="it-IT" sz="1800" b="1" dirty="0">
-                          <a:solidFill>
-                            <a:srgbClr val="FF9900"/>
-                          </a:solidFill>
-                          <a:effectLst/>
-                        </a:rPr>
-                        <a:t>13/01/25</a:t>
-                      </a:r>
-                    </a:p>
-                  </a:txBody>
-                  <a:tcPr marL="28575" marR="28575" marT="19050" marB="19050" anchor="ctr">
-                    <a:lnL w="9525" cap="flat" cmpd="sng" algn="ctr">
-                      <a:solidFill>
-                        <a:srgbClr val="CCCCCC"/>
-                      </a:solidFill>
-                      <a:prstDash val="solid"/>
-                      <a:round/>
-                      <a:headEnd type="none" w="med" len="med"/>
-                      <a:tailEnd type="none" w="med" len="med"/>
-                    </a:lnL>
-                    <a:lnR w="9525" cap="flat" cmpd="sng" algn="ctr">
-                      <a:solidFill>
-                        <a:srgbClr val="CCCCCC"/>
-                      </a:solidFill>
-                      <a:prstDash val="solid"/>
-                      <a:round/>
-                      <a:headEnd type="none" w="med" len="med"/>
-                      <a:tailEnd type="none" w="med" len="med"/>
-                    </a:lnR>
-                    <a:lnT w="9525" cap="flat" cmpd="sng" algn="ctr">
-                      <a:solidFill>
-                        <a:srgbClr val="CCCCCC"/>
-                      </a:solidFill>
-                      <a:prstDash val="solid"/>
-                      <a:round/>
-                      <a:headEnd type="none" w="med" len="med"/>
-                      <a:tailEnd type="none" w="med" len="med"/>
-                    </a:lnT>
-                    <a:lnB w="9525" cap="flat" cmpd="sng" algn="ctr">
-                      <a:solidFill>
-                        <a:srgbClr val="CCCCCC"/>
-                      </a:solidFill>
-                      <a:prstDash val="solid"/>
-                      <a:round/>
-                      <a:headEnd type="none" w="med" len="med"/>
-                      <a:tailEnd type="none" w="med" len="med"/>
-                    </a:lnB>
-                    <a:solidFill>
-                      <a:srgbClr val="FFF2CC"/>
-                    </a:solidFill>
-                  </a:tcPr>
-                </a:tc>
-                <a:extLst>
-                  <a:ext uri="{0D108BD9-81ED-4DB2-BD59-A6C34878D82A}">
-                    <a16:rowId xmlns:a16="http://schemas.microsoft.com/office/drawing/2014/main" val="3470158487"/>
-                  </a:ext>
-                </a:extLst>
-              </a:tr>
-              <a:tr h="446034">
-                <a:tc>
-                  <a:txBody>
-                    <a:bodyPr/>
-                    <a:lstStyle/>
-                    <a:p>
-                      <a:pPr algn="ctr" rtl="0" fontAlgn="ctr"/>
-                      <a:r>
-                        <a:rPr lang="it-IT" sz="1400" b="1" dirty="0">
-                          <a:effectLst/>
-                        </a:rPr>
-                        <a:t>FINE:</a:t>
-                      </a:r>
-                    </a:p>
-                  </a:txBody>
-                  <a:tcPr marL="28575" marR="28575" marT="19050" marB="19050" anchor="ctr">
-                    <a:lnL w="9525" cap="flat" cmpd="sng" algn="ctr">
-                      <a:solidFill>
-                        <a:srgbClr val="CCCCCC"/>
-                      </a:solidFill>
-                      <a:prstDash val="solid"/>
-                      <a:round/>
-                      <a:headEnd type="none" w="med" len="med"/>
-                      <a:tailEnd type="none" w="med" len="med"/>
-                    </a:lnL>
-                    <a:lnR w="9525" cap="flat" cmpd="sng" algn="ctr">
-                      <a:solidFill>
-                        <a:srgbClr val="CCCCCC"/>
-                      </a:solidFill>
-                      <a:prstDash val="solid"/>
-                      <a:round/>
-                      <a:headEnd type="none" w="med" len="med"/>
-                      <a:tailEnd type="none" w="med" len="med"/>
-                    </a:lnR>
-                    <a:lnT w="9525" cap="flat" cmpd="sng" algn="ctr">
-                      <a:solidFill>
-                        <a:srgbClr val="CCCCCC"/>
-                      </a:solidFill>
-                      <a:prstDash val="solid"/>
-                      <a:round/>
-                      <a:headEnd type="none" w="med" len="med"/>
-                      <a:tailEnd type="none" w="med" len="med"/>
-                    </a:lnT>
-                    <a:lnB w="9525" cap="flat" cmpd="sng" algn="ctr">
-                      <a:solidFill>
-                        <a:srgbClr val="CCCCCC"/>
-                      </a:solidFill>
-                      <a:prstDash val="solid"/>
-                      <a:round/>
-                      <a:headEnd type="none" w="med" len="med"/>
-                      <a:tailEnd type="none" w="med" len="med"/>
-                    </a:lnB>
-                    <a:solidFill>
-                      <a:srgbClr val="FFF2CC"/>
-                    </a:solidFill>
-                  </a:tcPr>
-                </a:tc>
-                <a:tc>
-                  <a:txBody>
-                    <a:bodyPr/>
-                    <a:lstStyle/>
-                    <a:p>
-                      <a:pPr algn="ctr" rtl="0" fontAlgn="ctr"/>
-                      <a:r>
-                        <a:rPr lang="it-IT" sz="1800" b="1" dirty="0">
-                          <a:solidFill>
-                            <a:srgbClr val="FF9900"/>
-                          </a:solidFill>
-                          <a:effectLst/>
-                        </a:rPr>
-                        <a:t>27/01/25</a:t>
-                      </a:r>
-                    </a:p>
-                  </a:txBody>
-                  <a:tcPr marL="28575" marR="28575" marT="19050" marB="19050" anchor="ctr">
-                    <a:lnL w="9525" cap="flat" cmpd="sng" algn="ctr">
-                      <a:solidFill>
-                        <a:srgbClr val="CCCCCC"/>
-                      </a:solidFill>
-                      <a:prstDash val="solid"/>
-                      <a:round/>
-                      <a:headEnd type="none" w="med" len="med"/>
-                      <a:tailEnd type="none" w="med" len="med"/>
-                    </a:lnL>
-                    <a:lnR w="9525" cap="flat" cmpd="sng" algn="ctr">
-                      <a:solidFill>
-                        <a:srgbClr val="CCCCCC"/>
-                      </a:solidFill>
-                      <a:prstDash val="solid"/>
-                      <a:round/>
-                      <a:headEnd type="none" w="med" len="med"/>
-                      <a:tailEnd type="none" w="med" len="med"/>
-                    </a:lnR>
-                    <a:lnT w="9525" cap="flat" cmpd="sng" algn="ctr">
-                      <a:solidFill>
-                        <a:srgbClr val="CCCCCC"/>
-                      </a:solidFill>
-                      <a:prstDash val="solid"/>
-                      <a:round/>
-                      <a:headEnd type="none" w="med" len="med"/>
-                      <a:tailEnd type="none" w="med" len="med"/>
-                    </a:lnT>
-                    <a:lnB w="9525" cap="flat" cmpd="sng" algn="ctr">
-                      <a:solidFill>
-                        <a:srgbClr val="CCCCCC"/>
-                      </a:solidFill>
-                      <a:prstDash val="solid"/>
-                      <a:round/>
-                      <a:headEnd type="none" w="med" len="med"/>
-                      <a:tailEnd type="none" w="med" len="med"/>
-                    </a:lnB>
-                    <a:solidFill>
-                      <a:srgbClr val="FFF2CC"/>
-                    </a:solidFill>
-                  </a:tcPr>
-                </a:tc>
-                <a:extLst>
-                  <a:ext uri="{0D108BD9-81ED-4DB2-BD59-A6C34878D82A}">
-                    <a16:rowId xmlns:a16="http://schemas.microsoft.com/office/drawing/2014/main" val="3577758038"/>
-                  </a:ext>
-                </a:extLst>
-              </a:tr>
-            </a:tbl>
-          </a:graphicData>
-        </a:graphic>
-      </p:graphicFrame>
-      <p:graphicFrame>
-        <p:nvGraphicFramePr>
-          <p:cNvPr id="10" name="Tabella 9">
-            <a:extLst>
-              <a:ext uri="{FF2B5EF4-FFF2-40B4-BE49-F238E27FC236}">
-                <a16:creationId xmlns:a16="http://schemas.microsoft.com/office/drawing/2014/main" id="{630CA809-1AD9-5BE3-4E2E-5625E63C81D8}"/>
-              </a:ext>
-            </a:extLst>
-          </p:cNvPr>
-          <p:cNvGraphicFramePr>
-            <a:graphicFrameLocks noGrp="1"/>
-          </p:cNvGraphicFramePr>
-          <p:nvPr>
-            <p:extLst>
-              <p:ext uri="{D42A27DB-BD31-4B8C-83A1-F6EECF244321}">
-                <p14:modId xmlns:p14="http://schemas.microsoft.com/office/powerpoint/2010/main" val="1231850219"/>
-              </p:ext>
-            </p:extLst>
-          </p:nvPr>
-        </p:nvGraphicFramePr>
-        <p:xfrm>
-          <a:off x="642346" y="1712925"/>
-          <a:ext cx="6670959" cy="2628900"/>
-        </p:xfrm>
-        <a:graphic>
-          <a:graphicData uri="http://schemas.openxmlformats.org/drawingml/2006/table">
-            <a:tbl>
-              <a:tblPr bandRow="1">
-                <a:tableStyleId>{5C22544A-7EE6-4342-B048-85BDC9FD1C3A}</a:tableStyleId>
-              </a:tblPr>
-              <a:tblGrid>
-                <a:gridCol w="942107">
-                  <a:extLst>
-                    <a:ext uri="{9D8B030D-6E8A-4147-A177-3AD203B41FA5}">
-                      <a16:colId xmlns:a16="http://schemas.microsoft.com/office/drawing/2014/main" val="3005217391"/>
-                    </a:ext>
-                  </a:extLst>
-                </a:gridCol>
-                <a:gridCol w="1032161">
-                  <a:extLst>
-                    <a:ext uri="{9D8B030D-6E8A-4147-A177-3AD203B41FA5}">
-                      <a16:colId xmlns:a16="http://schemas.microsoft.com/office/drawing/2014/main" val="1710442137"/>
-                    </a:ext>
-                  </a:extLst>
-                </a:gridCol>
-                <a:gridCol w="4696691">
-                  <a:extLst>
-                    <a:ext uri="{9D8B030D-6E8A-4147-A177-3AD203B41FA5}">
-                      <a16:colId xmlns:a16="http://schemas.microsoft.com/office/drawing/2014/main" val="3989897269"/>
-                    </a:ext>
-                  </a:extLst>
-                </a:gridCol>
-              </a:tblGrid>
-              <a:tr h="200025">
-                <a:tc>
-                  <a:txBody>
-                    <a:bodyPr/>
-                    <a:lstStyle/>
-                    <a:p>
-                      <a:pPr algn="ctr" rtl="0" fontAlgn="ctr"/>
-                      <a:r>
-                        <a:rPr lang="it-IT" sz="1100">
-                          <a:effectLst/>
-                        </a:rPr>
-                        <a:t>Stato</a:t>
-                      </a:r>
-                    </a:p>
-                  </a:txBody>
-                  <a:tcPr marL="28575" marR="28575" marT="19050" marB="19050" anchor="ctr">
-                    <a:lnL w="9525" cap="flat" cmpd="sng" algn="ctr">
-                      <a:solidFill>
-                        <a:srgbClr val="CCCCCC"/>
-                      </a:solidFill>
-                      <a:prstDash val="solid"/>
-                      <a:round/>
-                      <a:headEnd type="none" w="med" len="med"/>
-                      <a:tailEnd type="none" w="med" len="med"/>
-                    </a:lnL>
-                    <a:lnR w="9525" cap="flat" cmpd="sng" algn="ctr">
-                      <a:solidFill>
-                        <a:srgbClr val="CCCCCC"/>
-                      </a:solidFill>
-                      <a:prstDash val="solid"/>
-                      <a:round/>
-                      <a:headEnd type="none" w="med" len="med"/>
-                      <a:tailEnd type="none" w="med" len="med"/>
-                    </a:lnR>
-                    <a:lnT w="9525" cap="flat" cmpd="sng" algn="ctr">
-                      <a:solidFill>
-                        <a:srgbClr val="CCCCCC"/>
-                      </a:solidFill>
-                      <a:prstDash val="solid"/>
-                      <a:round/>
-                      <a:headEnd type="none" w="med" len="med"/>
-                      <a:tailEnd type="none" w="med" len="med"/>
-                    </a:lnT>
-                    <a:lnB w="9525" cap="flat" cmpd="sng" algn="ctr">
-                      <a:solidFill>
-                        <a:srgbClr val="CCCCCC"/>
-                      </a:solidFill>
-                      <a:prstDash val="solid"/>
-                      <a:round/>
-                      <a:headEnd type="none" w="med" len="med"/>
-                      <a:tailEnd type="none" w="med" len="med"/>
-                    </a:lnB>
-                    <a:solidFill>
-                      <a:srgbClr val="D9EAD3"/>
-                    </a:solidFill>
-                  </a:tcPr>
-                </a:tc>
-                <a:tc>
-                  <a:txBody>
-                    <a:bodyPr/>
-                    <a:lstStyle/>
-                    <a:p>
-                      <a:pPr algn="ctr" rtl="0" fontAlgn="ctr"/>
-                      <a:r>
-                        <a:rPr lang="it-IT" sz="1100">
-                          <a:effectLst/>
-                        </a:rPr>
-                        <a:t>Pesi</a:t>
-                      </a:r>
-                    </a:p>
-                  </a:txBody>
-                  <a:tcPr marL="28575" marR="28575" marT="19050" marB="19050" anchor="ctr">
-                    <a:lnL w="9525" cap="flat" cmpd="sng" algn="ctr">
-                      <a:solidFill>
-                        <a:srgbClr val="CCCCCC"/>
-                      </a:solidFill>
-                      <a:prstDash val="solid"/>
-                      <a:round/>
-                      <a:headEnd type="none" w="med" len="med"/>
-                      <a:tailEnd type="none" w="med" len="med"/>
-                    </a:lnL>
-                    <a:lnR w="9525" cap="flat" cmpd="sng" algn="ctr">
-                      <a:solidFill>
-                        <a:srgbClr val="CCCCCC"/>
-                      </a:solidFill>
-                      <a:prstDash val="solid"/>
-                      <a:round/>
-                      <a:headEnd type="none" w="med" len="med"/>
-                      <a:tailEnd type="none" w="med" len="med"/>
-                    </a:lnR>
-                    <a:lnT w="9525" cap="flat" cmpd="sng" algn="ctr">
-                      <a:solidFill>
-                        <a:srgbClr val="CCCCCC"/>
-                      </a:solidFill>
-                      <a:prstDash val="solid"/>
-                      <a:round/>
-                      <a:headEnd type="none" w="med" len="med"/>
-                      <a:tailEnd type="none" w="med" len="med"/>
-                    </a:lnT>
-                    <a:lnB w="9525" cap="flat" cmpd="sng" algn="ctr">
-                      <a:solidFill>
-                        <a:srgbClr val="CCCCCC"/>
-                      </a:solidFill>
-                      <a:prstDash val="solid"/>
-                      <a:round/>
-                      <a:headEnd type="none" w="med" len="med"/>
-                      <a:tailEnd type="none" w="med" len="med"/>
-                    </a:lnB>
-                    <a:solidFill>
-                      <a:srgbClr val="F4CCCC"/>
-                    </a:solidFill>
-                  </a:tcPr>
-                </a:tc>
-                <a:tc>
-                  <a:txBody>
-                    <a:bodyPr/>
-                    <a:lstStyle/>
-                    <a:p>
-                      <a:pPr rtl="0" fontAlgn="ctr"/>
-                      <a:endParaRPr lang="it-IT">
-                        <a:effectLst/>
-                      </a:endParaRPr>
-                    </a:p>
-                  </a:txBody>
-                  <a:tcPr marL="28575" marR="28575" marT="19050" marB="19050" anchor="ctr">
-                    <a:lnL w="9525" cap="flat" cmpd="sng" algn="ctr">
-                      <a:solidFill>
-                        <a:srgbClr val="CCCCCC"/>
-                      </a:solidFill>
-                      <a:prstDash val="solid"/>
-                      <a:round/>
-                      <a:headEnd type="none" w="med" len="med"/>
-                      <a:tailEnd type="none" w="med" len="med"/>
-                    </a:lnL>
-                    <a:lnR w="9525" cap="flat" cmpd="sng" algn="ctr">
-                      <a:solidFill>
-                        <a:srgbClr val="CCCCCC"/>
-                      </a:solidFill>
-                      <a:prstDash val="solid"/>
-                      <a:round/>
-                      <a:headEnd type="none" w="med" len="med"/>
-                      <a:tailEnd type="none" w="med" len="med"/>
-                    </a:lnR>
-                    <a:lnT w="9525" cap="flat" cmpd="sng" algn="ctr">
-                      <a:solidFill>
-                        <a:srgbClr val="CCCCCC"/>
-                      </a:solidFill>
-                      <a:prstDash val="solid"/>
-                      <a:round/>
-                      <a:headEnd type="none" w="med" len="med"/>
-                      <a:tailEnd type="none" w="med" len="med"/>
-                    </a:lnT>
-                    <a:lnB w="9525" cap="flat" cmpd="sng" algn="ctr">
-                      <a:solidFill>
-                        <a:srgbClr val="CCCCCC"/>
-                      </a:solidFill>
-                      <a:prstDash val="solid"/>
-                      <a:round/>
-                      <a:headEnd type="none" w="med" len="med"/>
-                      <a:tailEnd type="none" w="med" len="med"/>
-                    </a:lnB>
-                    <a:noFill/>
-                  </a:tcPr>
-                </a:tc>
-                <a:extLst>
-                  <a:ext uri="{0D108BD9-81ED-4DB2-BD59-A6C34878D82A}">
-                    <a16:rowId xmlns:a16="http://schemas.microsoft.com/office/drawing/2014/main" val="1199826340"/>
-                  </a:ext>
-                </a:extLst>
-              </a:tr>
-              <a:tr h="200025">
-                <a:tc>
-                  <a:txBody>
-                    <a:bodyPr/>
-                    <a:lstStyle/>
-                    <a:p>
-                      <a:pPr algn="ctr" rtl="0" fontAlgn="ctr"/>
-                      <a:r>
-                        <a:rPr lang="it-IT" sz="1100">
-                          <a:solidFill>
-                            <a:srgbClr val="6AA84F"/>
-                          </a:solidFill>
-                          <a:effectLst/>
-                        </a:rPr>
-                        <a:t>TRUE</a:t>
-                      </a:r>
-                    </a:p>
-                  </a:txBody>
-                  <a:tcPr marL="28575" marR="28575" marT="19050" marB="19050" anchor="ctr">
-                    <a:lnL w="9525" cap="flat" cmpd="sng" algn="ctr">
-                      <a:solidFill>
-                        <a:srgbClr val="CCCCCC"/>
-                      </a:solidFill>
-                      <a:prstDash val="solid"/>
-                      <a:round/>
-                      <a:headEnd type="none" w="med" len="med"/>
-                      <a:tailEnd type="none" w="med" len="med"/>
-                    </a:lnL>
-                    <a:lnR w="9525" cap="flat" cmpd="sng" algn="ctr">
-                      <a:solidFill>
-                        <a:srgbClr val="CCCCCC"/>
-                      </a:solidFill>
-                      <a:prstDash val="solid"/>
-                      <a:round/>
-                      <a:headEnd type="none" w="med" len="med"/>
-                      <a:tailEnd type="none" w="med" len="med"/>
-                    </a:lnR>
-                    <a:lnT w="9525" cap="flat" cmpd="sng" algn="ctr">
-                      <a:solidFill>
-                        <a:srgbClr val="CCCCCC"/>
-                      </a:solidFill>
-                      <a:prstDash val="solid"/>
-                      <a:round/>
-                      <a:headEnd type="none" w="med" len="med"/>
-                      <a:tailEnd type="none" w="med" len="med"/>
-                    </a:lnT>
-                    <a:lnB w="9525" cap="flat" cmpd="sng" algn="ctr">
-                      <a:solidFill>
-                        <a:srgbClr val="CCCCCC"/>
-                      </a:solidFill>
-                      <a:prstDash val="solid"/>
-                      <a:round/>
-                      <a:headEnd type="none" w="med" len="med"/>
-                      <a:tailEnd type="none" w="med" len="med"/>
-                    </a:lnB>
-                    <a:noFill/>
-                  </a:tcPr>
-                </a:tc>
-                <a:tc>
-                  <a:txBody>
-                    <a:bodyPr/>
-                    <a:lstStyle/>
-                    <a:p>
-                      <a:pPr algn="ctr" rtl="0" fontAlgn="ctr"/>
-                      <a:r>
-                        <a:rPr lang="it-IT" sz="1100">
-                          <a:effectLst/>
-                        </a:rPr>
-                        <a:t>3</a:t>
-                      </a:r>
-                    </a:p>
-                  </a:txBody>
-                  <a:tcPr marL="28575" marR="28575" marT="19050" marB="19050" anchor="ctr">
-                    <a:lnL w="9525" cap="flat" cmpd="sng" algn="ctr">
-                      <a:solidFill>
-                        <a:srgbClr val="CCCCCC"/>
-                      </a:solidFill>
-                      <a:prstDash val="solid"/>
-                      <a:round/>
-                      <a:headEnd type="none" w="med" len="med"/>
-                      <a:tailEnd type="none" w="med" len="med"/>
-                    </a:lnL>
-                    <a:lnR w="9525" cap="flat" cmpd="sng" algn="ctr">
-                      <a:solidFill>
-                        <a:srgbClr val="CCCCCC"/>
-                      </a:solidFill>
-                      <a:prstDash val="solid"/>
-                      <a:round/>
-                      <a:headEnd type="none" w="med" len="med"/>
-                      <a:tailEnd type="none" w="med" len="med"/>
-                    </a:lnR>
-                    <a:lnT w="9525" cap="flat" cmpd="sng" algn="ctr">
-                      <a:solidFill>
-                        <a:srgbClr val="CCCCCC"/>
-                      </a:solidFill>
-                      <a:prstDash val="solid"/>
-                      <a:round/>
-                      <a:headEnd type="none" w="med" len="med"/>
-                      <a:tailEnd type="none" w="med" len="med"/>
-                    </a:lnT>
-                    <a:lnB w="9525" cap="flat" cmpd="sng" algn="ctr">
-                      <a:solidFill>
-                        <a:srgbClr val="CCCCCC"/>
-                      </a:solidFill>
-                      <a:prstDash val="solid"/>
-                      <a:round/>
-                      <a:headEnd type="none" w="med" len="med"/>
-                      <a:tailEnd type="none" w="med" len="med"/>
-                    </a:lnB>
-                    <a:solidFill>
-                      <a:srgbClr val="D8D5C0"/>
-                    </a:solidFill>
-                  </a:tcPr>
-                </a:tc>
-                <a:tc>
-                  <a:txBody>
-                    <a:bodyPr/>
-                    <a:lstStyle/>
-                    <a:p>
-                      <a:pPr rtl="0" fontAlgn="ctr"/>
-                      <a:r>
-                        <a:rPr lang="it-IT" sz="1100" i="1" strike="sngStrike">
-                          <a:effectLst/>
-                        </a:rPr>
-                        <a:t>MultiTenant MultiSchema</a:t>
-                      </a:r>
-                    </a:p>
-                  </a:txBody>
-                  <a:tcPr marL="28575" marR="28575" marT="19050" marB="19050" anchor="ctr">
-                    <a:lnL w="9525" cap="flat" cmpd="sng" algn="ctr">
-                      <a:solidFill>
-                        <a:srgbClr val="CCCCCC"/>
-                      </a:solidFill>
-                      <a:prstDash val="solid"/>
-                      <a:round/>
-                      <a:headEnd type="none" w="med" len="med"/>
-                      <a:tailEnd type="none" w="med" len="med"/>
-                    </a:lnL>
-                    <a:lnR w="9525" cap="flat" cmpd="sng" algn="ctr">
-                      <a:solidFill>
-                        <a:srgbClr val="CCCCCC"/>
-                      </a:solidFill>
-                      <a:prstDash val="solid"/>
-                      <a:round/>
-                      <a:headEnd type="none" w="med" len="med"/>
-                      <a:tailEnd type="none" w="med" len="med"/>
-                    </a:lnR>
-                    <a:lnT w="9525" cap="flat" cmpd="sng" algn="ctr">
-                      <a:solidFill>
-                        <a:srgbClr val="CCCCCC"/>
-                      </a:solidFill>
-                      <a:prstDash val="solid"/>
-                      <a:round/>
-                      <a:headEnd type="none" w="med" len="med"/>
-                      <a:tailEnd type="none" w="med" len="med"/>
-                    </a:lnT>
-                    <a:lnB w="9525" cap="flat" cmpd="sng" algn="ctr">
-                      <a:solidFill>
-                        <a:srgbClr val="CCCCCC"/>
-                      </a:solidFill>
-                      <a:prstDash val="solid"/>
-                      <a:round/>
-                      <a:headEnd type="none" w="med" len="med"/>
-                      <a:tailEnd type="none" w="med" len="med"/>
-                    </a:lnB>
-                    <a:solidFill>
-                      <a:srgbClr val="D9EAD3"/>
-                    </a:solidFill>
-                  </a:tcPr>
-                </a:tc>
-                <a:extLst>
-                  <a:ext uri="{0D108BD9-81ED-4DB2-BD59-A6C34878D82A}">
-                    <a16:rowId xmlns:a16="http://schemas.microsoft.com/office/drawing/2014/main" val="3070149683"/>
-                  </a:ext>
-                </a:extLst>
-              </a:tr>
-              <a:tr h="200025">
-                <a:tc>
-                  <a:txBody>
-                    <a:bodyPr/>
-                    <a:lstStyle/>
-                    <a:p>
-                      <a:pPr algn="ctr" rtl="0" fontAlgn="ctr"/>
-                      <a:r>
-                        <a:rPr lang="it-IT" sz="1100">
-                          <a:solidFill>
-                            <a:srgbClr val="6AA84F"/>
-                          </a:solidFill>
-                          <a:effectLst/>
-                        </a:rPr>
-                        <a:t>TRUE</a:t>
-                      </a:r>
-                    </a:p>
-                  </a:txBody>
-                  <a:tcPr marL="28575" marR="28575" marT="19050" marB="19050" anchor="ctr">
-                    <a:lnL w="9525" cap="flat" cmpd="sng" algn="ctr">
-                      <a:solidFill>
-                        <a:srgbClr val="CCCCCC"/>
-                      </a:solidFill>
-                      <a:prstDash val="solid"/>
-                      <a:round/>
-                      <a:headEnd type="none" w="med" len="med"/>
-                      <a:tailEnd type="none" w="med" len="med"/>
-                    </a:lnL>
-                    <a:lnR w="9525" cap="flat" cmpd="sng" algn="ctr">
-                      <a:solidFill>
-                        <a:srgbClr val="CCCCCC"/>
-                      </a:solidFill>
-                      <a:prstDash val="solid"/>
-                      <a:round/>
-                      <a:headEnd type="none" w="med" len="med"/>
-                      <a:tailEnd type="none" w="med" len="med"/>
-                    </a:lnR>
-                    <a:lnT w="9525" cap="flat" cmpd="sng" algn="ctr">
-                      <a:solidFill>
-                        <a:srgbClr val="CCCCCC"/>
-                      </a:solidFill>
-                      <a:prstDash val="solid"/>
-                      <a:round/>
-                      <a:headEnd type="none" w="med" len="med"/>
-                      <a:tailEnd type="none" w="med" len="med"/>
-                    </a:lnT>
-                    <a:lnB w="9525" cap="flat" cmpd="sng" algn="ctr">
-                      <a:solidFill>
-                        <a:srgbClr val="CCCCCC"/>
-                      </a:solidFill>
-                      <a:prstDash val="solid"/>
-                      <a:round/>
-                      <a:headEnd type="none" w="med" len="med"/>
-                      <a:tailEnd type="none" w="med" len="med"/>
-                    </a:lnB>
-                    <a:noFill/>
-                  </a:tcPr>
-                </a:tc>
-                <a:tc>
-                  <a:txBody>
-                    <a:bodyPr/>
-                    <a:lstStyle/>
-                    <a:p>
-                      <a:pPr algn="ctr" rtl="0" fontAlgn="ctr"/>
-                      <a:r>
-                        <a:rPr lang="it-IT" sz="1100">
-                          <a:effectLst/>
-                        </a:rPr>
-                        <a:t>3</a:t>
-                      </a:r>
-                    </a:p>
-                  </a:txBody>
-                  <a:tcPr marL="28575" marR="28575" marT="19050" marB="19050" anchor="ctr">
-                    <a:lnL w="9525" cap="flat" cmpd="sng" algn="ctr">
-                      <a:solidFill>
-                        <a:srgbClr val="CCCCCC"/>
-                      </a:solidFill>
-                      <a:prstDash val="solid"/>
-                      <a:round/>
-                      <a:headEnd type="none" w="med" len="med"/>
-                      <a:tailEnd type="none" w="med" len="med"/>
-                    </a:lnL>
-                    <a:lnR w="9525" cap="flat" cmpd="sng" algn="ctr">
-                      <a:solidFill>
-                        <a:srgbClr val="CCCCCC"/>
-                      </a:solidFill>
-                      <a:prstDash val="solid"/>
-                      <a:round/>
-                      <a:headEnd type="none" w="med" len="med"/>
-                      <a:tailEnd type="none" w="med" len="med"/>
-                    </a:lnR>
-                    <a:lnT w="9525" cap="flat" cmpd="sng" algn="ctr">
-                      <a:solidFill>
-                        <a:srgbClr val="CCCCCC"/>
-                      </a:solidFill>
-                      <a:prstDash val="solid"/>
-                      <a:round/>
-                      <a:headEnd type="none" w="med" len="med"/>
-                      <a:tailEnd type="none" w="med" len="med"/>
-                    </a:lnT>
-                    <a:lnB w="9525" cap="flat" cmpd="sng" algn="ctr">
-                      <a:solidFill>
-                        <a:srgbClr val="CCCCCC"/>
-                      </a:solidFill>
-                      <a:prstDash val="solid"/>
-                      <a:round/>
-                      <a:headEnd type="none" w="med" len="med"/>
-                      <a:tailEnd type="none" w="med" len="med"/>
-                    </a:lnB>
-                    <a:solidFill>
-                      <a:srgbClr val="D8D5C0"/>
-                    </a:solidFill>
-                  </a:tcPr>
-                </a:tc>
-                <a:tc>
-                  <a:txBody>
-                    <a:bodyPr/>
-                    <a:lstStyle/>
-                    <a:p>
-                      <a:pPr rtl="0" fontAlgn="ctr"/>
-                      <a:r>
-                        <a:rPr lang="it-IT" sz="1100" i="1" strike="sngStrike">
-                          <a:effectLst/>
-                        </a:rPr>
-                        <a:t>MultiTenant MultiDatabase</a:t>
-                      </a:r>
-                    </a:p>
-                  </a:txBody>
-                  <a:tcPr marL="28575" marR="28575" marT="19050" marB="19050" anchor="ctr">
-                    <a:lnL w="9525" cap="flat" cmpd="sng" algn="ctr">
-                      <a:solidFill>
-                        <a:srgbClr val="CCCCCC"/>
-                      </a:solidFill>
-                      <a:prstDash val="solid"/>
-                      <a:round/>
-                      <a:headEnd type="none" w="med" len="med"/>
-                      <a:tailEnd type="none" w="med" len="med"/>
-                    </a:lnL>
-                    <a:lnR w="9525" cap="flat" cmpd="sng" algn="ctr">
-                      <a:solidFill>
-                        <a:srgbClr val="CCCCCC"/>
-                      </a:solidFill>
-                      <a:prstDash val="solid"/>
-                      <a:round/>
-                      <a:headEnd type="none" w="med" len="med"/>
-                      <a:tailEnd type="none" w="med" len="med"/>
-                    </a:lnR>
-                    <a:lnT w="9525" cap="flat" cmpd="sng" algn="ctr">
-                      <a:solidFill>
-                        <a:srgbClr val="CCCCCC"/>
-                      </a:solidFill>
-                      <a:prstDash val="solid"/>
-                      <a:round/>
-                      <a:headEnd type="none" w="med" len="med"/>
-                      <a:tailEnd type="none" w="med" len="med"/>
-                    </a:lnT>
-                    <a:lnB w="9525" cap="flat" cmpd="sng" algn="ctr">
-                      <a:solidFill>
-                        <a:srgbClr val="CCCCCC"/>
-                      </a:solidFill>
-                      <a:prstDash val="solid"/>
-                      <a:round/>
-                      <a:headEnd type="none" w="med" len="med"/>
-                      <a:tailEnd type="none" w="med" len="med"/>
-                    </a:lnB>
-                    <a:solidFill>
-                      <a:srgbClr val="D9EAD3"/>
-                    </a:solidFill>
-                  </a:tcPr>
-                </a:tc>
-                <a:extLst>
-                  <a:ext uri="{0D108BD9-81ED-4DB2-BD59-A6C34878D82A}">
-                    <a16:rowId xmlns:a16="http://schemas.microsoft.com/office/drawing/2014/main" val="3422709877"/>
-                  </a:ext>
-                </a:extLst>
-              </a:tr>
-              <a:tr h="200025">
-                <a:tc>
-                  <a:txBody>
-                    <a:bodyPr/>
-                    <a:lstStyle/>
-                    <a:p>
-                      <a:pPr algn="ctr" rtl="0" fontAlgn="ctr"/>
-                      <a:r>
-                        <a:rPr lang="it-IT" sz="1100">
-                          <a:solidFill>
-                            <a:srgbClr val="6AA84F"/>
-                          </a:solidFill>
-                          <a:effectLst/>
-                        </a:rPr>
-                        <a:t>TRUE</a:t>
-                      </a:r>
-                    </a:p>
-                  </a:txBody>
-                  <a:tcPr marL="28575" marR="28575" marT="19050" marB="19050" anchor="ctr">
-                    <a:lnL w="9525" cap="flat" cmpd="sng" algn="ctr">
-                      <a:solidFill>
-                        <a:srgbClr val="CCCCCC"/>
-                      </a:solidFill>
-                      <a:prstDash val="solid"/>
-                      <a:round/>
-                      <a:headEnd type="none" w="med" len="med"/>
-                      <a:tailEnd type="none" w="med" len="med"/>
-                    </a:lnL>
-                    <a:lnR w="9525" cap="flat" cmpd="sng" algn="ctr">
-                      <a:solidFill>
-                        <a:srgbClr val="CCCCCC"/>
-                      </a:solidFill>
-                      <a:prstDash val="solid"/>
-                      <a:round/>
-                      <a:headEnd type="none" w="med" len="med"/>
-                      <a:tailEnd type="none" w="med" len="med"/>
-                    </a:lnR>
-                    <a:lnT w="9525" cap="flat" cmpd="sng" algn="ctr">
-                      <a:solidFill>
-                        <a:srgbClr val="CCCCCC"/>
-                      </a:solidFill>
-                      <a:prstDash val="solid"/>
-                      <a:round/>
-                      <a:headEnd type="none" w="med" len="med"/>
-                      <a:tailEnd type="none" w="med" len="med"/>
-                    </a:lnT>
-                    <a:lnB w="9525" cap="flat" cmpd="sng" algn="ctr">
-                      <a:solidFill>
-                        <a:srgbClr val="CCCCCC"/>
-                      </a:solidFill>
-                      <a:prstDash val="solid"/>
-                      <a:round/>
-                      <a:headEnd type="none" w="med" len="med"/>
-                      <a:tailEnd type="none" w="med" len="med"/>
-                    </a:lnB>
-                    <a:noFill/>
-                  </a:tcPr>
-                </a:tc>
-                <a:tc>
-                  <a:txBody>
-                    <a:bodyPr/>
-                    <a:lstStyle/>
-                    <a:p>
-                      <a:pPr algn="ctr" rtl="0" fontAlgn="ctr"/>
-                      <a:r>
-                        <a:rPr lang="it-IT" sz="1100">
-                          <a:effectLst/>
-                        </a:rPr>
-                        <a:t>2</a:t>
-                      </a:r>
-                    </a:p>
-                  </a:txBody>
-                  <a:tcPr marL="28575" marR="28575" marT="19050" marB="19050" anchor="ctr">
-                    <a:lnL w="9525" cap="flat" cmpd="sng" algn="ctr">
-                      <a:solidFill>
-                        <a:srgbClr val="CCCCCC"/>
-                      </a:solidFill>
-                      <a:prstDash val="solid"/>
-                      <a:round/>
-                      <a:headEnd type="none" w="med" len="med"/>
-                      <a:tailEnd type="none" w="med" len="med"/>
-                    </a:lnL>
-                    <a:lnR w="9525" cap="flat" cmpd="sng" algn="ctr">
-                      <a:solidFill>
-                        <a:srgbClr val="CCCCCC"/>
-                      </a:solidFill>
-                      <a:prstDash val="solid"/>
-                      <a:round/>
-                      <a:headEnd type="none" w="med" len="med"/>
-                      <a:tailEnd type="none" w="med" len="med"/>
-                    </a:lnR>
-                    <a:lnT w="9525" cap="flat" cmpd="sng" algn="ctr">
-                      <a:solidFill>
-                        <a:srgbClr val="CCCCCC"/>
-                      </a:solidFill>
-                      <a:prstDash val="solid"/>
-                      <a:round/>
-                      <a:headEnd type="none" w="med" len="med"/>
-                      <a:tailEnd type="none" w="med" len="med"/>
-                    </a:lnT>
-                    <a:lnB w="9525" cap="flat" cmpd="sng" algn="ctr">
-                      <a:solidFill>
-                        <a:srgbClr val="CCCCCC"/>
-                      </a:solidFill>
-                      <a:prstDash val="solid"/>
-                      <a:round/>
-                      <a:headEnd type="none" w="med" len="med"/>
-                      <a:tailEnd type="none" w="med" len="med"/>
-                    </a:lnB>
-                    <a:solidFill>
-                      <a:srgbClr val="D9EAD3"/>
-                    </a:solidFill>
-                  </a:tcPr>
-                </a:tc>
-                <a:tc>
-                  <a:txBody>
-                    <a:bodyPr/>
-                    <a:lstStyle/>
-                    <a:p>
-                      <a:pPr rtl="0" fontAlgn="ctr"/>
-                      <a:r>
-                        <a:rPr lang="it-IT" sz="1100" i="1" strike="sngStrike">
-                          <a:effectLst/>
-                        </a:rPr>
-                        <a:t>Integrazione dei Tool di analisi: SonarCloud, ESLint, OWASPZap</a:t>
-                      </a:r>
-                    </a:p>
-                  </a:txBody>
-                  <a:tcPr marL="28575" marR="28575" marT="19050" marB="19050" anchor="ctr">
-                    <a:lnL w="9525" cap="flat" cmpd="sng" algn="ctr">
-                      <a:solidFill>
-                        <a:srgbClr val="CCCCCC"/>
-                      </a:solidFill>
-                      <a:prstDash val="solid"/>
-                      <a:round/>
-                      <a:headEnd type="none" w="med" len="med"/>
-                      <a:tailEnd type="none" w="med" len="med"/>
-                    </a:lnL>
-                    <a:lnR w="9525" cap="flat" cmpd="sng" algn="ctr">
-                      <a:solidFill>
-                        <a:srgbClr val="CCCCCC"/>
-                      </a:solidFill>
-                      <a:prstDash val="solid"/>
-                      <a:round/>
-                      <a:headEnd type="none" w="med" len="med"/>
-                      <a:tailEnd type="none" w="med" len="med"/>
-                    </a:lnR>
-                    <a:lnT w="9525" cap="flat" cmpd="sng" algn="ctr">
-                      <a:solidFill>
-                        <a:srgbClr val="CCCCCC"/>
-                      </a:solidFill>
-                      <a:prstDash val="solid"/>
-                      <a:round/>
-                      <a:headEnd type="none" w="med" len="med"/>
-                      <a:tailEnd type="none" w="med" len="med"/>
-                    </a:lnT>
-                    <a:lnB w="9525" cap="flat" cmpd="sng" algn="ctr">
-                      <a:solidFill>
-                        <a:srgbClr val="CCCCCC"/>
-                      </a:solidFill>
-                      <a:prstDash val="solid"/>
-                      <a:round/>
-                      <a:headEnd type="none" w="med" len="med"/>
-                      <a:tailEnd type="none" w="med" len="med"/>
-                    </a:lnB>
-                    <a:solidFill>
-                      <a:srgbClr val="D9EAD3"/>
-                    </a:solidFill>
-                  </a:tcPr>
-                </a:tc>
-                <a:extLst>
-                  <a:ext uri="{0D108BD9-81ED-4DB2-BD59-A6C34878D82A}">
-                    <a16:rowId xmlns:a16="http://schemas.microsoft.com/office/drawing/2014/main" val="2607152281"/>
-                  </a:ext>
-                </a:extLst>
-              </a:tr>
-              <a:tr h="200025">
-                <a:tc>
-                  <a:txBody>
-                    <a:bodyPr/>
-                    <a:lstStyle/>
-                    <a:p>
-                      <a:pPr algn="ctr" rtl="0" fontAlgn="ctr"/>
-                      <a:r>
-                        <a:rPr lang="it-IT" sz="1100">
-                          <a:solidFill>
-                            <a:srgbClr val="6AA84F"/>
-                          </a:solidFill>
-                          <a:effectLst/>
-                        </a:rPr>
-                        <a:t>TRUE</a:t>
-                      </a:r>
-                    </a:p>
-                  </a:txBody>
-                  <a:tcPr marL="28575" marR="28575" marT="19050" marB="19050" anchor="ctr">
-                    <a:lnL w="9525" cap="flat" cmpd="sng" algn="ctr">
-                      <a:solidFill>
-                        <a:srgbClr val="CCCCCC"/>
-                      </a:solidFill>
-                      <a:prstDash val="solid"/>
-                      <a:round/>
-                      <a:headEnd type="none" w="med" len="med"/>
-                      <a:tailEnd type="none" w="med" len="med"/>
-                    </a:lnL>
-                    <a:lnR w="9525" cap="flat" cmpd="sng" algn="ctr">
-                      <a:solidFill>
-                        <a:srgbClr val="CCCCCC"/>
-                      </a:solidFill>
-                      <a:prstDash val="solid"/>
-                      <a:round/>
-                      <a:headEnd type="none" w="med" len="med"/>
-                      <a:tailEnd type="none" w="med" len="med"/>
-                    </a:lnR>
-                    <a:lnT w="9525" cap="flat" cmpd="sng" algn="ctr">
-                      <a:solidFill>
-                        <a:srgbClr val="CCCCCC"/>
-                      </a:solidFill>
-                      <a:prstDash val="solid"/>
-                      <a:round/>
-                      <a:headEnd type="none" w="med" len="med"/>
-                      <a:tailEnd type="none" w="med" len="med"/>
-                    </a:lnT>
-                    <a:lnB w="9525" cap="flat" cmpd="sng" algn="ctr">
-                      <a:solidFill>
-                        <a:srgbClr val="CCCCCC"/>
-                      </a:solidFill>
-                      <a:prstDash val="solid"/>
-                      <a:round/>
-                      <a:headEnd type="none" w="med" len="med"/>
-                      <a:tailEnd type="none" w="med" len="med"/>
-                    </a:lnB>
-                    <a:noFill/>
-                  </a:tcPr>
-                </a:tc>
-                <a:tc>
-                  <a:txBody>
-                    <a:bodyPr/>
-                    <a:lstStyle/>
-                    <a:p>
-                      <a:pPr algn="ctr" rtl="0" fontAlgn="ctr"/>
-                      <a:r>
-                        <a:rPr lang="it-IT" sz="1100">
-                          <a:effectLst/>
-                        </a:rPr>
-                        <a:t>5</a:t>
-                      </a:r>
-                    </a:p>
-                  </a:txBody>
-                  <a:tcPr marL="28575" marR="28575" marT="19050" marB="19050" anchor="ctr">
-                    <a:lnL w="9525" cap="flat" cmpd="sng" algn="ctr">
-                      <a:solidFill>
-                        <a:srgbClr val="CCCCCC"/>
-                      </a:solidFill>
-                      <a:prstDash val="solid"/>
-                      <a:round/>
-                      <a:headEnd type="none" w="med" len="med"/>
-                      <a:tailEnd type="none" w="med" len="med"/>
-                    </a:lnL>
-                    <a:lnR w="9525" cap="flat" cmpd="sng" algn="ctr">
-                      <a:solidFill>
-                        <a:srgbClr val="CCCCCC"/>
-                      </a:solidFill>
-                      <a:prstDash val="solid"/>
-                      <a:round/>
-                      <a:headEnd type="none" w="med" len="med"/>
-                      <a:tailEnd type="none" w="med" len="med"/>
-                    </a:lnR>
-                    <a:lnT w="9525" cap="flat" cmpd="sng" algn="ctr">
-                      <a:solidFill>
-                        <a:srgbClr val="CCCCCC"/>
-                      </a:solidFill>
-                      <a:prstDash val="solid"/>
-                      <a:round/>
-                      <a:headEnd type="none" w="med" len="med"/>
-                      <a:tailEnd type="none" w="med" len="med"/>
-                    </a:lnT>
-                    <a:lnB w="9525" cap="flat" cmpd="sng" algn="ctr">
-                      <a:solidFill>
-                        <a:srgbClr val="CCCCCC"/>
-                      </a:solidFill>
-                      <a:prstDash val="solid"/>
-                      <a:round/>
-                      <a:headEnd type="none" w="med" len="med"/>
-                      <a:tailEnd type="none" w="med" len="med"/>
-                    </a:lnB>
-                    <a:solidFill>
-                      <a:srgbClr val="D6AB9A"/>
-                    </a:solidFill>
-                  </a:tcPr>
-                </a:tc>
-                <a:tc>
-                  <a:txBody>
-                    <a:bodyPr/>
-                    <a:lstStyle/>
-                    <a:p>
-                      <a:pPr rtl="0" fontAlgn="ctr"/>
-                      <a:r>
-                        <a:rPr lang="it-IT" sz="1100" i="1" strike="sngStrike">
-                          <a:effectLst/>
-                        </a:rPr>
-                        <a:t>Introdurre la soft delete per i servizi</a:t>
-                      </a:r>
-                    </a:p>
-                  </a:txBody>
-                  <a:tcPr marL="28575" marR="28575" marT="19050" marB="19050" anchor="ctr">
-                    <a:lnL w="9525" cap="flat" cmpd="sng" algn="ctr">
-                      <a:solidFill>
-                        <a:srgbClr val="CCCCCC"/>
-                      </a:solidFill>
-                      <a:prstDash val="solid"/>
-                      <a:round/>
-                      <a:headEnd type="none" w="med" len="med"/>
-                      <a:tailEnd type="none" w="med" len="med"/>
-                    </a:lnL>
-                    <a:lnR w="9525" cap="flat" cmpd="sng" algn="ctr">
-                      <a:solidFill>
-                        <a:srgbClr val="CCCCCC"/>
-                      </a:solidFill>
-                      <a:prstDash val="solid"/>
-                      <a:round/>
-                      <a:headEnd type="none" w="med" len="med"/>
-                      <a:tailEnd type="none" w="med" len="med"/>
-                    </a:lnR>
-                    <a:lnT w="9525" cap="flat" cmpd="sng" algn="ctr">
-                      <a:solidFill>
-                        <a:srgbClr val="CCCCCC"/>
-                      </a:solidFill>
-                      <a:prstDash val="solid"/>
-                      <a:round/>
-                      <a:headEnd type="none" w="med" len="med"/>
-                      <a:tailEnd type="none" w="med" len="med"/>
-                    </a:lnT>
-                    <a:lnB w="9525" cap="flat" cmpd="sng" algn="ctr">
-                      <a:solidFill>
-                        <a:srgbClr val="CCCCCC"/>
-                      </a:solidFill>
-                      <a:prstDash val="solid"/>
-                      <a:round/>
-                      <a:headEnd type="none" w="med" len="med"/>
-                      <a:tailEnd type="none" w="med" len="med"/>
-                    </a:lnB>
-                    <a:solidFill>
-                      <a:srgbClr val="D9EAD3"/>
-                    </a:solidFill>
-                  </a:tcPr>
-                </a:tc>
-                <a:extLst>
-                  <a:ext uri="{0D108BD9-81ED-4DB2-BD59-A6C34878D82A}">
-                    <a16:rowId xmlns:a16="http://schemas.microsoft.com/office/drawing/2014/main" val="273303752"/>
-                  </a:ext>
-                </a:extLst>
-              </a:tr>
-              <a:tr h="200025">
-                <a:tc>
-                  <a:txBody>
-                    <a:bodyPr/>
-                    <a:lstStyle/>
-                    <a:p>
-                      <a:pPr algn="ctr" rtl="0" fontAlgn="ctr"/>
-                      <a:r>
-                        <a:rPr lang="it-IT" sz="1100">
-                          <a:solidFill>
-                            <a:srgbClr val="6AA84F"/>
-                          </a:solidFill>
-                          <a:effectLst/>
-                        </a:rPr>
-                        <a:t>TRUE</a:t>
-                      </a:r>
-                    </a:p>
-                  </a:txBody>
-                  <a:tcPr marL="28575" marR="28575" marT="19050" marB="19050" anchor="ctr">
-                    <a:lnL w="9525" cap="flat" cmpd="sng" algn="ctr">
-                      <a:solidFill>
-                        <a:srgbClr val="CCCCCC"/>
-                      </a:solidFill>
-                      <a:prstDash val="solid"/>
-                      <a:round/>
-                      <a:headEnd type="none" w="med" len="med"/>
-                      <a:tailEnd type="none" w="med" len="med"/>
-                    </a:lnL>
-                    <a:lnR w="9525" cap="flat" cmpd="sng" algn="ctr">
-                      <a:solidFill>
-                        <a:srgbClr val="CCCCCC"/>
-                      </a:solidFill>
-                      <a:prstDash val="solid"/>
-                      <a:round/>
-                      <a:headEnd type="none" w="med" len="med"/>
-                      <a:tailEnd type="none" w="med" len="med"/>
-                    </a:lnR>
-                    <a:lnT w="9525" cap="flat" cmpd="sng" algn="ctr">
-                      <a:solidFill>
-                        <a:srgbClr val="CCCCCC"/>
-                      </a:solidFill>
-                      <a:prstDash val="solid"/>
-                      <a:round/>
-                      <a:headEnd type="none" w="med" len="med"/>
-                      <a:tailEnd type="none" w="med" len="med"/>
-                    </a:lnT>
-                    <a:lnB w="9525" cap="flat" cmpd="sng" algn="ctr">
-                      <a:solidFill>
-                        <a:srgbClr val="CCCCCC"/>
-                      </a:solidFill>
-                      <a:prstDash val="solid"/>
-                      <a:round/>
-                      <a:headEnd type="none" w="med" len="med"/>
-                      <a:tailEnd type="none" w="med" len="med"/>
-                    </a:lnB>
-                    <a:noFill/>
-                  </a:tcPr>
-                </a:tc>
-                <a:tc>
-                  <a:txBody>
-                    <a:bodyPr/>
-                    <a:lstStyle/>
-                    <a:p>
-                      <a:pPr algn="ctr" rtl="0" fontAlgn="ctr"/>
-                      <a:r>
-                        <a:rPr lang="it-IT" sz="1100">
-                          <a:effectLst/>
-                        </a:rPr>
-                        <a:t>13</a:t>
-                      </a:r>
-                    </a:p>
-                  </a:txBody>
-                  <a:tcPr marL="28575" marR="28575" marT="19050" marB="19050" anchor="ctr">
-                    <a:lnL w="9525" cap="flat" cmpd="sng" algn="ctr">
-                      <a:solidFill>
-                        <a:srgbClr val="CCCCCC"/>
-                      </a:solidFill>
-                      <a:prstDash val="solid"/>
-                      <a:round/>
-                      <a:headEnd type="none" w="med" len="med"/>
-                      <a:tailEnd type="none" w="med" len="med"/>
-                    </a:lnL>
-                    <a:lnR w="9525" cap="flat" cmpd="sng" algn="ctr">
-                      <a:solidFill>
-                        <a:srgbClr val="CCCCCC"/>
-                      </a:solidFill>
-                      <a:prstDash val="solid"/>
-                      <a:round/>
-                      <a:headEnd type="none" w="med" len="med"/>
-                      <a:tailEnd type="none" w="med" len="med"/>
-                    </a:lnR>
-                    <a:lnT w="9525" cap="flat" cmpd="sng" algn="ctr">
-                      <a:solidFill>
-                        <a:srgbClr val="CCCCCC"/>
-                      </a:solidFill>
-                      <a:prstDash val="solid"/>
-                      <a:round/>
-                      <a:headEnd type="none" w="med" len="med"/>
-                      <a:tailEnd type="none" w="med" len="med"/>
-                    </a:lnT>
-                    <a:lnB w="9525" cap="flat" cmpd="sng" algn="ctr">
-                      <a:solidFill>
-                        <a:srgbClr val="CCCCCC"/>
-                      </a:solidFill>
-                      <a:prstDash val="solid"/>
-                      <a:round/>
-                      <a:headEnd type="none" w="med" len="med"/>
-                      <a:tailEnd type="none" w="med" len="med"/>
-                    </a:lnB>
-                    <a:solidFill>
-                      <a:srgbClr val="CC0000"/>
-                    </a:solidFill>
-                  </a:tcPr>
-                </a:tc>
-                <a:tc>
-                  <a:txBody>
-                    <a:bodyPr/>
-                    <a:lstStyle/>
-                    <a:p>
-                      <a:pPr rtl="0" fontAlgn="ctr"/>
-                      <a:r>
-                        <a:rPr lang="it-IT" sz="1100" i="1" strike="sngStrike">
-                          <a:effectLst/>
-                        </a:rPr>
-                        <a:t>Inserire lo stato dei turni sia nel backend che nel frontend con i colori per discriminarli</a:t>
-                      </a:r>
-                    </a:p>
-                  </a:txBody>
-                  <a:tcPr marL="28575" marR="28575" marT="19050" marB="19050" anchor="ctr">
-                    <a:lnL w="9525" cap="flat" cmpd="sng" algn="ctr">
-                      <a:solidFill>
-                        <a:srgbClr val="CCCCCC"/>
-                      </a:solidFill>
-                      <a:prstDash val="solid"/>
-                      <a:round/>
-                      <a:headEnd type="none" w="med" len="med"/>
-                      <a:tailEnd type="none" w="med" len="med"/>
-                    </a:lnL>
-                    <a:lnR w="9525" cap="flat" cmpd="sng" algn="ctr">
-                      <a:solidFill>
-                        <a:srgbClr val="CCCCCC"/>
-                      </a:solidFill>
-                      <a:prstDash val="solid"/>
-                      <a:round/>
-                      <a:headEnd type="none" w="med" len="med"/>
-                      <a:tailEnd type="none" w="med" len="med"/>
-                    </a:lnR>
-                    <a:lnT w="9525" cap="flat" cmpd="sng" algn="ctr">
-                      <a:solidFill>
-                        <a:srgbClr val="CCCCCC"/>
-                      </a:solidFill>
-                      <a:prstDash val="solid"/>
-                      <a:round/>
-                      <a:headEnd type="none" w="med" len="med"/>
-                      <a:tailEnd type="none" w="med" len="med"/>
-                    </a:lnT>
-                    <a:lnB w="9525" cap="flat" cmpd="sng" algn="ctr">
-                      <a:solidFill>
-                        <a:srgbClr val="CCCCCC"/>
-                      </a:solidFill>
-                      <a:prstDash val="solid"/>
-                      <a:round/>
-                      <a:headEnd type="none" w="med" len="med"/>
-                      <a:tailEnd type="none" w="med" len="med"/>
-                    </a:lnB>
-                    <a:solidFill>
-                      <a:srgbClr val="D9EAD3"/>
-                    </a:solidFill>
-                  </a:tcPr>
-                </a:tc>
-                <a:extLst>
-                  <a:ext uri="{0D108BD9-81ED-4DB2-BD59-A6C34878D82A}">
-                    <a16:rowId xmlns:a16="http://schemas.microsoft.com/office/drawing/2014/main" val="2699721789"/>
-                  </a:ext>
-                </a:extLst>
-              </a:tr>
-              <a:tr h="200025">
-                <a:tc>
-                  <a:txBody>
-                    <a:bodyPr/>
-                    <a:lstStyle/>
-                    <a:p>
-                      <a:pPr algn="ctr" rtl="0" fontAlgn="ctr"/>
-                      <a:r>
-                        <a:rPr lang="it-IT" sz="1100">
-                          <a:effectLst/>
-                        </a:rPr>
-                        <a:t>FALSE</a:t>
-                      </a:r>
-                    </a:p>
-                  </a:txBody>
-                  <a:tcPr marL="28575" marR="28575" marT="19050" marB="19050" anchor="ctr">
-                    <a:lnL w="9525" cap="flat" cmpd="sng" algn="ctr">
-                      <a:solidFill>
-                        <a:srgbClr val="CCCCCC"/>
-                      </a:solidFill>
-                      <a:prstDash val="solid"/>
-                      <a:round/>
-                      <a:headEnd type="none" w="med" len="med"/>
-                      <a:tailEnd type="none" w="med" len="med"/>
-                    </a:lnL>
-                    <a:lnR w="9525" cap="flat" cmpd="sng" algn="ctr">
-                      <a:solidFill>
-                        <a:srgbClr val="CCCCCC"/>
-                      </a:solidFill>
-                      <a:prstDash val="solid"/>
-                      <a:round/>
-                      <a:headEnd type="none" w="med" len="med"/>
-                      <a:tailEnd type="none" w="med" len="med"/>
-                    </a:lnR>
-                    <a:lnT w="9525" cap="flat" cmpd="sng" algn="ctr">
-                      <a:solidFill>
-                        <a:srgbClr val="CCCCCC"/>
-                      </a:solidFill>
-                      <a:prstDash val="solid"/>
-                      <a:round/>
-                      <a:headEnd type="none" w="med" len="med"/>
-                      <a:tailEnd type="none" w="med" len="med"/>
-                    </a:lnT>
-                    <a:lnB w="9525" cap="flat" cmpd="sng" algn="ctr">
-                      <a:solidFill>
-                        <a:srgbClr val="CCCCCC"/>
-                      </a:solidFill>
-                      <a:prstDash val="solid"/>
-                      <a:round/>
-                      <a:headEnd type="none" w="med" len="med"/>
-                      <a:tailEnd type="none" w="med" len="med"/>
-                    </a:lnB>
-                    <a:noFill/>
-                  </a:tcPr>
-                </a:tc>
-                <a:tc>
-                  <a:txBody>
-                    <a:bodyPr/>
-                    <a:lstStyle/>
-                    <a:p>
-                      <a:pPr algn="ctr" rtl="0" fontAlgn="b"/>
-                      <a:r>
-                        <a:rPr lang="it-IT">
-                          <a:effectLst/>
-                        </a:rPr>
-                        <a:t>8</a:t>
-                      </a:r>
-                    </a:p>
-                  </a:txBody>
-                  <a:tcPr marL="28575" marR="28575" marT="19050" marB="19050" anchor="b">
-                    <a:lnL w="9525" cap="flat" cmpd="sng" algn="ctr">
-                      <a:solidFill>
-                        <a:srgbClr val="CCCCCC"/>
-                      </a:solidFill>
-                      <a:prstDash val="solid"/>
-                      <a:round/>
-                      <a:headEnd type="none" w="med" len="med"/>
-                      <a:tailEnd type="none" w="med" len="med"/>
-                    </a:lnL>
-                    <a:lnR w="9525" cap="flat" cmpd="sng" algn="ctr">
-                      <a:solidFill>
-                        <a:srgbClr val="CCCCCC"/>
-                      </a:solidFill>
-                      <a:prstDash val="solid"/>
-                      <a:round/>
-                      <a:headEnd type="none" w="med" len="med"/>
-                      <a:tailEnd type="none" w="med" len="med"/>
-                    </a:lnR>
-                    <a:lnT w="9525" cap="flat" cmpd="sng" algn="ctr">
-                      <a:solidFill>
-                        <a:srgbClr val="CCCCCC"/>
-                      </a:solidFill>
-                      <a:prstDash val="solid"/>
-                      <a:round/>
-                      <a:headEnd type="none" w="med" len="med"/>
-                      <a:tailEnd type="none" w="med" len="med"/>
-                    </a:lnT>
-                    <a:lnB w="9525" cap="flat" cmpd="sng" algn="ctr">
-                      <a:solidFill>
-                        <a:srgbClr val="CCCCCC"/>
-                      </a:solidFill>
-                      <a:prstDash val="solid"/>
-                      <a:round/>
-                      <a:headEnd type="none" w="med" len="med"/>
-                      <a:tailEnd type="none" w="med" len="med"/>
-                    </a:lnB>
-                    <a:solidFill>
-                      <a:srgbClr val="D26B60"/>
-                    </a:solidFill>
-                  </a:tcPr>
-                </a:tc>
-                <a:tc>
-                  <a:txBody>
-                    <a:bodyPr/>
-                    <a:lstStyle/>
-                    <a:p>
-                      <a:pPr rtl="0" fontAlgn="b"/>
-                      <a:r>
-                        <a:rPr lang="it-IT" sz="1100">
-                          <a:effectLst/>
-                        </a:rPr>
-                        <a:t>Bottone per Planner per poter vedere in maniera facile la lista dei turni incompleti</a:t>
-                      </a:r>
-                    </a:p>
-                  </a:txBody>
-                  <a:tcPr marL="28575" marR="28575" marT="19050" marB="19050" anchor="b">
-                    <a:lnL w="9525" cap="flat" cmpd="sng" algn="ctr">
-                      <a:solidFill>
-                        <a:srgbClr val="CCCCCC"/>
-                      </a:solidFill>
-                      <a:prstDash val="solid"/>
-                      <a:round/>
-                      <a:headEnd type="none" w="med" len="med"/>
-                      <a:tailEnd type="none" w="med" len="med"/>
-                    </a:lnL>
-                    <a:lnR w="9525" cap="flat" cmpd="sng" algn="ctr">
-                      <a:solidFill>
-                        <a:srgbClr val="CCCCCC"/>
-                      </a:solidFill>
-                      <a:prstDash val="solid"/>
-                      <a:round/>
-                      <a:headEnd type="none" w="med" len="med"/>
-                      <a:tailEnd type="none" w="med" len="med"/>
-                    </a:lnR>
-                    <a:lnT w="9525" cap="flat" cmpd="sng" algn="ctr">
-                      <a:solidFill>
-                        <a:srgbClr val="CCCCCC"/>
-                      </a:solidFill>
-                      <a:prstDash val="solid"/>
-                      <a:round/>
-                      <a:headEnd type="none" w="med" len="med"/>
-                      <a:tailEnd type="none" w="med" len="med"/>
-                    </a:lnT>
-                    <a:lnB w="9525" cap="flat" cmpd="sng" algn="ctr">
-                      <a:solidFill>
-                        <a:srgbClr val="CCCCCC"/>
-                      </a:solidFill>
-                      <a:prstDash val="solid"/>
-                      <a:round/>
-                      <a:headEnd type="none" w="med" len="med"/>
-                      <a:tailEnd type="none" w="med" len="med"/>
-                    </a:lnB>
-                    <a:noFill/>
-                  </a:tcPr>
-                </a:tc>
-                <a:extLst>
-                  <a:ext uri="{0D108BD9-81ED-4DB2-BD59-A6C34878D82A}">
-                    <a16:rowId xmlns:a16="http://schemas.microsoft.com/office/drawing/2014/main" val="39372808"/>
-                  </a:ext>
-                </a:extLst>
-              </a:tr>
-              <a:tr h="200025">
-                <a:tc>
-                  <a:txBody>
-                    <a:bodyPr/>
-                    <a:lstStyle/>
-                    <a:p>
-                      <a:pPr algn="ctr" rtl="0" fontAlgn="ctr"/>
-                      <a:r>
-                        <a:rPr lang="it-IT" sz="1100">
-                          <a:solidFill>
-                            <a:srgbClr val="6AA84F"/>
-                          </a:solidFill>
-                          <a:effectLst/>
-                        </a:rPr>
-                        <a:t>TRUE</a:t>
-                      </a:r>
-                    </a:p>
-                  </a:txBody>
-                  <a:tcPr marL="28575" marR="28575" marT="19050" marB="19050" anchor="ctr">
-                    <a:lnL w="9525" cap="flat" cmpd="sng" algn="ctr">
-                      <a:solidFill>
-                        <a:srgbClr val="CCCCCC"/>
-                      </a:solidFill>
-                      <a:prstDash val="solid"/>
-                      <a:round/>
-                      <a:headEnd type="none" w="med" len="med"/>
-                      <a:tailEnd type="none" w="med" len="med"/>
-                    </a:lnL>
-                    <a:lnR w="9525" cap="flat" cmpd="sng" algn="ctr">
-                      <a:solidFill>
-                        <a:srgbClr val="CCCCCC"/>
-                      </a:solidFill>
-                      <a:prstDash val="solid"/>
-                      <a:round/>
-                      <a:headEnd type="none" w="med" len="med"/>
-                      <a:tailEnd type="none" w="med" len="med"/>
-                    </a:lnR>
-                    <a:lnT w="9525" cap="flat" cmpd="sng" algn="ctr">
-                      <a:solidFill>
-                        <a:srgbClr val="CCCCCC"/>
-                      </a:solidFill>
-                      <a:prstDash val="solid"/>
-                      <a:round/>
-                      <a:headEnd type="none" w="med" len="med"/>
-                      <a:tailEnd type="none" w="med" len="med"/>
-                    </a:lnT>
-                    <a:lnB w="9525" cap="flat" cmpd="sng" algn="ctr">
-                      <a:solidFill>
-                        <a:srgbClr val="CCCCCC"/>
-                      </a:solidFill>
-                      <a:prstDash val="solid"/>
-                      <a:round/>
-                      <a:headEnd type="none" w="med" len="med"/>
-                      <a:tailEnd type="none" w="med" len="med"/>
-                    </a:lnB>
-                    <a:noFill/>
-                  </a:tcPr>
-                </a:tc>
-                <a:tc>
-                  <a:txBody>
-                    <a:bodyPr/>
-                    <a:lstStyle/>
-                    <a:p>
-                      <a:pPr algn="ctr" rtl="0" fontAlgn="ctr"/>
-                      <a:r>
-                        <a:rPr lang="it-IT" sz="1100">
-                          <a:effectLst/>
-                        </a:rPr>
-                        <a:t>3</a:t>
-                      </a:r>
-                    </a:p>
-                  </a:txBody>
-                  <a:tcPr marL="28575" marR="28575" marT="19050" marB="19050" anchor="ctr">
-                    <a:lnL w="9525" cap="flat" cmpd="sng" algn="ctr">
-                      <a:solidFill>
-                        <a:srgbClr val="CCCCCC"/>
-                      </a:solidFill>
-                      <a:prstDash val="solid"/>
-                      <a:round/>
-                      <a:headEnd type="none" w="med" len="med"/>
-                      <a:tailEnd type="none" w="med" len="med"/>
-                    </a:lnL>
-                    <a:lnR w="9525" cap="flat" cmpd="sng" algn="ctr">
-                      <a:solidFill>
-                        <a:srgbClr val="CCCCCC"/>
-                      </a:solidFill>
-                      <a:prstDash val="solid"/>
-                      <a:round/>
-                      <a:headEnd type="none" w="med" len="med"/>
-                      <a:tailEnd type="none" w="med" len="med"/>
-                    </a:lnR>
-                    <a:lnT w="9525" cap="flat" cmpd="sng" algn="ctr">
-                      <a:solidFill>
-                        <a:srgbClr val="CCCCCC"/>
-                      </a:solidFill>
-                      <a:prstDash val="solid"/>
-                      <a:round/>
-                      <a:headEnd type="none" w="med" len="med"/>
-                      <a:tailEnd type="none" w="med" len="med"/>
-                    </a:lnT>
-                    <a:lnB w="9525" cap="flat" cmpd="sng" algn="ctr">
-                      <a:solidFill>
-                        <a:srgbClr val="CCCCCC"/>
-                      </a:solidFill>
-                      <a:prstDash val="solid"/>
-                      <a:round/>
-                      <a:headEnd type="none" w="med" len="med"/>
-                      <a:tailEnd type="none" w="med" len="med"/>
-                    </a:lnB>
-                    <a:solidFill>
-                      <a:srgbClr val="D8D5C0"/>
-                    </a:solidFill>
-                  </a:tcPr>
-                </a:tc>
-                <a:tc>
-                  <a:txBody>
-                    <a:bodyPr/>
-                    <a:lstStyle/>
-                    <a:p>
-                      <a:pPr rtl="0" fontAlgn="ctr"/>
-                      <a:r>
-                        <a:rPr lang="it-IT" sz="1100" i="1" strike="sngStrike">
-                          <a:effectLst/>
-                        </a:rPr>
-                        <a:t>Schermata per la gestione dei turni per poterli visualizzare</a:t>
-                      </a:r>
-                    </a:p>
-                  </a:txBody>
-                  <a:tcPr marL="28575" marR="28575" marT="19050" marB="19050" anchor="ctr">
-                    <a:lnL w="9525" cap="flat" cmpd="sng" algn="ctr">
-                      <a:solidFill>
-                        <a:srgbClr val="CCCCCC"/>
-                      </a:solidFill>
-                      <a:prstDash val="solid"/>
-                      <a:round/>
-                      <a:headEnd type="none" w="med" len="med"/>
-                      <a:tailEnd type="none" w="med" len="med"/>
-                    </a:lnL>
-                    <a:lnR w="9525" cap="flat" cmpd="sng" algn="ctr">
-                      <a:solidFill>
-                        <a:srgbClr val="CCCCCC"/>
-                      </a:solidFill>
-                      <a:prstDash val="solid"/>
-                      <a:round/>
-                      <a:headEnd type="none" w="med" len="med"/>
-                      <a:tailEnd type="none" w="med" len="med"/>
-                    </a:lnR>
-                    <a:lnT w="9525" cap="flat" cmpd="sng" algn="ctr">
-                      <a:solidFill>
-                        <a:srgbClr val="CCCCCC"/>
-                      </a:solidFill>
-                      <a:prstDash val="solid"/>
-                      <a:round/>
-                      <a:headEnd type="none" w="med" len="med"/>
-                      <a:tailEnd type="none" w="med" len="med"/>
-                    </a:lnT>
-                    <a:lnB w="9525" cap="flat" cmpd="sng" algn="ctr">
-                      <a:solidFill>
-                        <a:srgbClr val="CCCCCC"/>
-                      </a:solidFill>
-                      <a:prstDash val="solid"/>
-                      <a:round/>
-                      <a:headEnd type="none" w="med" len="med"/>
-                      <a:tailEnd type="none" w="med" len="med"/>
-                    </a:lnB>
-                    <a:solidFill>
-                      <a:srgbClr val="D9EAD3"/>
-                    </a:solidFill>
-                  </a:tcPr>
-                </a:tc>
-                <a:extLst>
-                  <a:ext uri="{0D108BD9-81ED-4DB2-BD59-A6C34878D82A}">
-                    <a16:rowId xmlns:a16="http://schemas.microsoft.com/office/drawing/2014/main" val="2347316637"/>
-                  </a:ext>
-                </a:extLst>
-              </a:tr>
-              <a:tr h="228600">
-                <a:tc>
-                  <a:txBody>
-                    <a:bodyPr/>
-                    <a:lstStyle/>
-                    <a:p>
-                      <a:pPr algn="ctr" rtl="0" fontAlgn="ctr"/>
-                      <a:r>
-                        <a:rPr lang="it-IT" sz="1100">
-                          <a:solidFill>
-                            <a:srgbClr val="6AA84F"/>
-                          </a:solidFill>
-                          <a:effectLst/>
-                        </a:rPr>
-                        <a:t>TRUE</a:t>
-                      </a:r>
-                    </a:p>
-                  </a:txBody>
-                  <a:tcPr marL="28575" marR="28575" marT="19050" marB="19050" anchor="ctr">
-                    <a:lnL w="9525" cap="flat" cmpd="sng" algn="ctr">
-                      <a:solidFill>
-                        <a:srgbClr val="CCCCCC"/>
-                      </a:solidFill>
-                      <a:prstDash val="solid"/>
-                      <a:round/>
-                      <a:headEnd type="none" w="med" len="med"/>
-                      <a:tailEnd type="none" w="med" len="med"/>
-                    </a:lnL>
-                    <a:lnR w="9525" cap="flat" cmpd="sng" algn="ctr">
-                      <a:solidFill>
-                        <a:srgbClr val="CCCCCC"/>
-                      </a:solidFill>
-                      <a:prstDash val="solid"/>
-                      <a:round/>
-                      <a:headEnd type="none" w="med" len="med"/>
-                      <a:tailEnd type="none" w="med" len="med"/>
-                    </a:lnR>
-                    <a:lnT w="9525" cap="flat" cmpd="sng" algn="ctr">
-                      <a:solidFill>
-                        <a:srgbClr val="CCCCCC"/>
-                      </a:solidFill>
-                      <a:prstDash val="solid"/>
-                      <a:round/>
-                      <a:headEnd type="none" w="med" len="med"/>
-                      <a:tailEnd type="none" w="med" len="med"/>
-                    </a:lnT>
-                    <a:lnB w="9525" cap="flat" cmpd="sng" algn="ctr">
-                      <a:solidFill>
-                        <a:srgbClr val="CCCCCC"/>
-                      </a:solidFill>
-                      <a:prstDash val="solid"/>
-                      <a:round/>
-                      <a:headEnd type="none" w="med" len="med"/>
-                      <a:tailEnd type="none" w="med" len="med"/>
-                    </a:lnB>
-                    <a:noFill/>
-                  </a:tcPr>
-                </a:tc>
-                <a:tc>
-                  <a:txBody>
-                    <a:bodyPr/>
-                    <a:lstStyle/>
-                    <a:p>
-                      <a:pPr algn="ctr" rtl="0" fontAlgn="ctr"/>
-                      <a:r>
-                        <a:rPr lang="it-IT" sz="1100">
-                          <a:effectLst/>
-                        </a:rPr>
-                        <a:t>8</a:t>
-                      </a:r>
-                    </a:p>
-                  </a:txBody>
-                  <a:tcPr marL="28575" marR="28575" marT="19050" marB="19050" anchor="ctr">
-                    <a:lnL w="9525" cap="flat" cmpd="sng" algn="ctr">
-                      <a:solidFill>
-                        <a:srgbClr val="CCCCCC"/>
-                      </a:solidFill>
-                      <a:prstDash val="solid"/>
-                      <a:round/>
-                      <a:headEnd type="none" w="med" len="med"/>
-                      <a:tailEnd type="none" w="med" len="med"/>
-                    </a:lnL>
-                    <a:lnR w="9525" cap="flat" cmpd="sng" algn="ctr">
-                      <a:solidFill>
-                        <a:srgbClr val="CCCCCC"/>
-                      </a:solidFill>
-                      <a:prstDash val="solid"/>
-                      <a:round/>
-                      <a:headEnd type="none" w="med" len="med"/>
-                      <a:tailEnd type="none" w="med" len="med"/>
-                    </a:lnR>
-                    <a:lnT w="9525" cap="flat" cmpd="sng" algn="ctr">
-                      <a:solidFill>
-                        <a:srgbClr val="CCCCCC"/>
-                      </a:solidFill>
-                      <a:prstDash val="solid"/>
-                      <a:round/>
-                      <a:headEnd type="none" w="med" len="med"/>
-                      <a:tailEnd type="none" w="med" len="med"/>
-                    </a:lnT>
-                    <a:lnB w="9525" cap="flat" cmpd="sng" algn="ctr">
-                      <a:solidFill>
-                        <a:srgbClr val="CCCCCC"/>
-                      </a:solidFill>
-                      <a:prstDash val="solid"/>
-                      <a:round/>
-                      <a:headEnd type="none" w="med" len="med"/>
-                      <a:tailEnd type="none" w="med" len="med"/>
-                    </a:lnB>
-                    <a:solidFill>
-                      <a:srgbClr val="D26B60"/>
-                    </a:solidFill>
-                  </a:tcPr>
-                </a:tc>
-                <a:tc>
-                  <a:txBody>
-                    <a:bodyPr/>
-                    <a:lstStyle/>
-                    <a:p>
-                      <a:pPr rtl="0" fontAlgn="ctr"/>
-                      <a:r>
-                        <a:rPr lang="it-IT" sz="1100" i="1" strike="sngStrike">
-                          <a:effectLst/>
-                        </a:rPr>
-                        <a:t>Permettere la cancellazione dei turni a livello grafico tramite softdelete</a:t>
-                      </a:r>
-                    </a:p>
-                  </a:txBody>
-                  <a:tcPr marL="28575" marR="28575" marT="19050" marB="19050" anchor="ctr">
-                    <a:lnL w="9525" cap="flat" cmpd="sng" algn="ctr">
-                      <a:solidFill>
-                        <a:srgbClr val="CCCCCC"/>
-                      </a:solidFill>
-                      <a:prstDash val="solid"/>
-                      <a:round/>
-                      <a:headEnd type="none" w="med" len="med"/>
-                      <a:tailEnd type="none" w="med" len="med"/>
-                    </a:lnL>
-                    <a:lnR w="9525" cap="flat" cmpd="sng" algn="ctr">
-                      <a:solidFill>
-                        <a:srgbClr val="CCCCCC"/>
-                      </a:solidFill>
-                      <a:prstDash val="solid"/>
-                      <a:round/>
-                      <a:headEnd type="none" w="med" len="med"/>
-                      <a:tailEnd type="none" w="med" len="med"/>
-                    </a:lnR>
-                    <a:lnT w="9525" cap="flat" cmpd="sng" algn="ctr">
-                      <a:solidFill>
-                        <a:srgbClr val="CCCCCC"/>
-                      </a:solidFill>
-                      <a:prstDash val="solid"/>
-                      <a:round/>
-                      <a:headEnd type="none" w="med" len="med"/>
-                      <a:tailEnd type="none" w="med" len="med"/>
-                    </a:lnT>
-                    <a:lnB w="9525" cap="flat" cmpd="sng" algn="ctr">
-                      <a:solidFill>
-                        <a:srgbClr val="CCCCCC"/>
-                      </a:solidFill>
-                      <a:prstDash val="solid"/>
-                      <a:round/>
-                      <a:headEnd type="none" w="med" len="med"/>
-                      <a:tailEnd type="none" w="med" len="med"/>
-                    </a:lnB>
-                    <a:solidFill>
-                      <a:srgbClr val="D9EAD3"/>
-                    </a:solidFill>
-                  </a:tcPr>
-                </a:tc>
-                <a:extLst>
-                  <a:ext uri="{0D108BD9-81ED-4DB2-BD59-A6C34878D82A}">
-                    <a16:rowId xmlns:a16="http://schemas.microsoft.com/office/drawing/2014/main" val="832590040"/>
-                  </a:ext>
-                </a:extLst>
-              </a:tr>
-              <a:tr h="200025">
-                <a:tc>
-                  <a:txBody>
-                    <a:bodyPr/>
-                    <a:lstStyle/>
-                    <a:p>
-                      <a:pPr algn="ctr" rtl="0" fontAlgn="ctr"/>
-                      <a:r>
-                        <a:rPr lang="it-IT" sz="1100">
-                          <a:solidFill>
-                            <a:srgbClr val="6AA84F"/>
-                          </a:solidFill>
-                          <a:effectLst/>
-                        </a:rPr>
-                        <a:t>TRUE</a:t>
-                      </a:r>
-                    </a:p>
-                  </a:txBody>
-                  <a:tcPr marL="28575" marR="28575" marT="19050" marB="19050" anchor="ctr">
-                    <a:lnL w="9525" cap="flat" cmpd="sng" algn="ctr">
-                      <a:solidFill>
-                        <a:srgbClr val="CCCCCC"/>
-                      </a:solidFill>
-                      <a:prstDash val="solid"/>
-                      <a:round/>
-                      <a:headEnd type="none" w="med" len="med"/>
-                      <a:tailEnd type="none" w="med" len="med"/>
-                    </a:lnL>
-                    <a:lnR w="9525" cap="flat" cmpd="sng" algn="ctr">
-                      <a:solidFill>
-                        <a:srgbClr val="CCCCCC"/>
-                      </a:solidFill>
-                      <a:prstDash val="solid"/>
-                      <a:round/>
-                      <a:headEnd type="none" w="med" len="med"/>
-                      <a:tailEnd type="none" w="med" len="med"/>
-                    </a:lnR>
-                    <a:lnT w="9525" cap="flat" cmpd="sng" algn="ctr">
-                      <a:solidFill>
-                        <a:srgbClr val="CCCCCC"/>
-                      </a:solidFill>
-                      <a:prstDash val="solid"/>
-                      <a:round/>
-                      <a:headEnd type="none" w="med" len="med"/>
-                      <a:tailEnd type="none" w="med" len="med"/>
-                    </a:lnT>
-                    <a:lnB w="9525" cap="flat" cmpd="sng" algn="ctr">
-                      <a:solidFill>
-                        <a:srgbClr val="CCCCCC"/>
-                      </a:solidFill>
-                      <a:prstDash val="solid"/>
-                      <a:round/>
-                      <a:headEnd type="none" w="med" len="med"/>
-                      <a:tailEnd type="none" w="med" len="med"/>
-                    </a:lnB>
-                    <a:noFill/>
-                  </a:tcPr>
-                </a:tc>
-                <a:tc>
-                  <a:txBody>
-                    <a:bodyPr/>
-                    <a:lstStyle/>
-                    <a:p>
-                      <a:pPr algn="ctr" rtl="0" fontAlgn="b"/>
-                      <a:r>
-                        <a:rPr lang="it-IT">
-                          <a:effectLst/>
-                        </a:rPr>
-                        <a:t>5</a:t>
-                      </a:r>
-                    </a:p>
-                  </a:txBody>
-                  <a:tcPr marL="28575" marR="28575" marT="19050" marB="19050" anchor="b">
-                    <a:lnL w="9525" cap="flat" cmpd="sng" algn="ctr">
-                      <a:solidFill>
-                        <a:srgbClr val="CCCCCC"/>
-                      </a:solidFill>
-                      <a:prstDash val="solid"/>
-                      <a:round/>
-                      <a:headEnd type="none" w="med" len="med"/>
-                      <a:tailEnd type="none" w="med" len="med"/>
-                    </a:lnL>
-                    <a:lnR w="9525" cap="flat" cmpd="sng" algn="ctr">
-                      <a:solidFill>
-                        <a:srgbClr val="CCCCCC"/>
-                      </a:solidFill>
-                      <a:prstDash val="solid"/>
-                      <a:round/>
-                      <a:headEnd type="none" w="med" len="med"/>
-                      <a:tailEnd type="none" w="med" len="med"/>
-                    </a:lnR>
-                    <a:lnT w="9525" cap="flat" cmpd="sng" algn="ctr">
-                      <a:solidFill>
-                        <a:srgbClr val="CCCCCC"/>
-                      </a:solidFill>
-                      <a:prstDash val="solid"/>
-                      <a:round/>
-                      <a:headEnd type="none" w="med" len="med"/>
-                      <a:tailEnd type="none" w="med" len="med"/>
-                    </a:lnT>
-                    <a:lnB w="9525" cap="flat" cmpd="sng" algn="ctr">
-                      <a:solidFill>
-                        <a:srgbClr val="CCCCCC"/>
-                      </a:solidFill>
-                      <a:prstDash val="solid"/>
-                      <a:round/>
-                      <a:headEnd type="none" w="med" len="med"/>
-                      <a:tailEnd type="none" w="med" len="med"/>
-                    </a:lnB>
-                    <a:solidFill>
-                      <a:srgbClr val="D6AB9A"/>
-                    </a:solidFill>
-                  </a:tcPr>
-                </a:tc>
-                <a:tc>
-                  <a:txBody>
-                    <a:bodyPr/>
-                    <a:lstStyle/>
-                    <a:p>
-                      <a:pPr rtl="0" fontAlgn="b"/>
-                      <a:r>
-                        <a:rPr lang="it-IT" sz="1100" i="1" strike="sngStrike">
-                          <a:effectLst/>
-                        </a:rPr>
-                        <a:t>Continuo ripristino dei test</a:t>
-                      </a:r>
-                    </a:p>
-                  </a:txBody>
-                  <a:tcPr marL="28575" marR="28575" marT="19050" marB="19050" anchor="b">
-                    <a:lnL w="9525" cap="flat" cmpd="sng" algn="ctr">
-                      <a:solidFill>
-                        <a:srgbClr val="CCCCCC"/>
-                      </a:solidFill>
-                      <a:prstDash val="solid"/>
-                      <a:round/>
-                      <a:headEnd type="none" w="med" len="med"/>
-                      <a:tailEnd type="none" w="med" len="med"/>
-                    </a:lnL>
-                    <a:lnR w="9525" cap="flat" cmpd="sng" algn="ctr">
-                      <a:solidFill>
-                        <a:srgbClr val="CCCCCC"/>
-                      </a:solidFill>
-                      <a:prstDash val="solid"/>
-                      <a:round/>
-                      <a:headEnd type="none" w="med" len="med"/>
-                      <a:tailEnd type="none" w="med" len="med"/>
-                    </a:lnR>
-                    <a:lnT w="9525" cap="flat" cmpd="sng" algn="ctr">
-                      <a:solidFill>
-                        <a:srgbClr val="CCCCCC"/>
-                      </a:solidFill>
-                      <a:prstDash val="solid"/>
-                      <a:round/>
-                      <a:headEnd type="none" w="med" len="med"/>
-                      <a:tailEnd type="none" w="med" len="med"/>
-                    </a:lnT>
-                    <a:lnB w="9525" cap="flat" cmpd="sng" algn="ctr">
-                      <a:solidFill>
-                        <a:srgbClr val="CCCCCC"/>
-                      </a:solidFill>
-                      <a:prstDash val="solid"/>
-                      <a:round/>
-                      <a:headEnd type="none" w="med" len="med"/>
-                      <a:tailEnd type="none" w="med" len="med"/>
-                    </a:lnB>
-                    <a:solidFill>
-                      <a:srgbClr val="D9EAD3"/>
-                    </a:solidFill>
-                  </a:tcPr>
-                </a:tc>
-                <a:extLst>
-                  <a:ext uri="{0D108BD9-81ED-4DB2-BD59-A6C34878D82A}">
-                    <a16:rowId xmlns:a16="http://schemas.microsoft.com/office/drawing/2014/main" val="381815521"/>
-                  </a:ext>
-                </a:extLst>
-              </a:tr>
-            </a:tbl>
-          </a:graphicData>
-        </a:graphic>
-      </p:graphicFrame>
-    </p:spTree>
-    <p:extLst>
-      <p:ext uri="{BB962C8B-B14F-4D97-AF65-F5344CB8AC3E}">
-        <p14:creationId xmlns:p14="http://schemas.microsoft.com/office/powerpoint/2010/main" val="1949581633"/>
-      </p:ext>
-    </p:extLst>
-  </p:cSld>
-  <p:clrMapOvr>
-    <a:masterClrMapping/>
-  </p:clrMapOvr>
-</p:sld>
-</file>
-
-<file path=ppt/slides/slide21.xml><?xml version="1.0" encoding="utf-8"?>
-<p:sld xmlns:a="http://schemas.openxmlformats.org/drawingml/2006/main" xmlns:r="http://schemas.openxmlformats.org/officeDocument/2006/relationships" xmlns:p="http://schemas.openxmlformats.org/presentationml/2006/main">
-  <p:cSld>
-    <p:spTree>
-      <p:nvGrpSpPr>
-        <p:cNvPr id="1" name="">
-          <a:extLst>
-            <a:ext uri="{FF2B5EF4-FFF2-40B4-BE49-F238E27FC236}">
               <a16:creationId xmlns:a16="http://schemas.microsoft.com/office/drawing/2014/main" id="{57F0FE98-804D-1E92-D6E6-BD1E00529E16}"/>
             </a:ext>
           </a:extLst>
@@ -14620,13 +13754,7 @@
           <p:cNvGraphicFramePr>
             <a:graphicFrameLocks noGrp="1"/>
           </p:cNvGraphicFramePr>
-          <p:nvPr>
-            <p:extLst>
-              <p:ext uri="{D42A27DB-BD31-4B8C-83A1-F6EECF244321}">
-                <p14:modId xmlns:p14="http://schemas.microsoft.com/office/powerpoint/2010/main" val="1643224055"/>
-              </p:ext>
-            </p:extLst>
-          </p:nvPr>
+          <p:nvPr/>
         </p:nvGraphicFramePr>
         <p:xfrm>
           <a:off x="429701" y="2376660"/>
@@ -19271,7 +18399,7 @@
 </p:sld>
 </file>
 
-<file path=ppt/slides/slide22.xml><?xml version="1.0" encoding="utf-8"?>
+<file path=ppt/slides/slide21.xml><?xml version="1.0" encoding="utf-8"?>
 <p:sld xmlns:a="http://schemas.openxmlformats.org/drawingml/2006/main" xmlns:r="http://schemas.openxmlformats.org/officeDocument/2006/relationships" xmlns:p="http://schemas.openxmlformats.org/presentationml/2006/main">
   <p:cSld>
     <p:spTree>
@@ -19840,7 +18968,7 @@
                   <a:schemeClr val="bg1"/>
                 </a:solidFill>
               </a:rPr>
-              <a:t>20</a:t>
+              <a:t>22</a:t>
             </a:r>
             <a:endParaRPr lang="it-IT" sz="1400" noProof="0" dirty="0"/>
           </a:p>
@@ -20779,7 +19907,7 @@
     </p:spTree>
     <p:extLst>
       <p:ext uri="{BB962C8B-B14F-4D97-AF65-F5344CB8AC3E}">
-        <p14:creationId xmlns:p14="http://schemas.microsoft.com/office/powerpoint/2010/main" val="1951011649"/>
+        <p14:creationId xmlns:p14="http://schemas.microsoft.com/office/powerpoint/2010/main" val="1032062043"/>
       </p:ext>
     </p:extLst>
   </p:cSld>
@@ -21933,14 +21061,13 @@
           <a:lstStyle/>
           <a:p>
             <a:r>
-              <a:rPr lang="it-IT" sz="1400" noProof="0" dirty="0">
+              <a:rPr lang="it-IT" sz="1400" dirty="0">
                 <a:solidFill>
                   <a:schemeClr val="bg1"/>
                 </a:solidFill>
               </a:rPr>
               <a:t>5</a:t>
             </a:r>
-            <a:endParaRPr lang="it-IT" sz="1400" noProof="0" dirty="0"/>
           </a:p>
         </p:txBody>
       </p:sp>
@@ -22044,7 +21171,7 @@
         <p:spPr>
           <a:xfrm>
             <a:off x="639726" y="1613118"/>
-            <a:ext cx="6654054" cy="4708981"/>
+            <a:ext cx="6654054" cy="3200876"/>
           </a:xfrm>
           <a:prstGeom prst="rect">
             <a:avLst/>
@@ -22066,8 +21193,38 @@
                   </a:schemeClr>
                 </a:solidFill>
               </a:rPr>
-              <a:t>Benefici</a:t>
-            </a:r>
+              <a:t>Soluzione (Single Database, Separate </a:t>
+            </a:r>
+            <a:r>
+              <a:rPr lang="it-IT" b="1" u="sng" dirty="0" err="1">
+                <a:solidFill>
+                  <a:schemeClr val="tx1">
+                    <a:lumMod val="85000"/>
+                    <a:lumOff val="15000"/>
+                  </a:schemeClr>
+                </a:solidFill>
+              </a:rPr>
+              <a:t>Schemas</a:t>
+            </a:r>
+            <a:r>
+              <a:rPr lang="it-IT" b="1" u="sng" dirty="0">
+                <a:solidFill>
+                  <a:schemeClr val="tx1">
+                    <a:lumMod val="85000"/>
+                    <a:lumOff val="15000"/>
+                  </a:schemeClr>
+                </a:solidFill>
+              </a:rPr>
+              <a:t>)</a:t>
+            </a:r>
+            <a:endParaRPr lang="it-IT" b="1" u="sng" noProof="0" dirty="0">
+              <a:solidFill>
+                <a:schemeClr val="tx1">
+                  <a:lumMod val="85000"/>
+                  <a:lumOff val="15000"/>
+                </a:schemeClr>
+              </a:solidFill>
+            </a:endParaRPr>
           </a:p>
           <a:p>
             <a:endParaRPr lang="it-IT" b="1" dirty="0">
@@ -22087,7 +21244,7 @@
             </a:r>
             <a:r>
               <a:rPr lang="en-GB" b="1" dirty="0" err="1"/>
-              <a:t>Sicurezza</a:t>
+              <a:t>Schemi</a:t>
             </a:r>
             <a:r>
               <a:rPr lang="en-GB" b="1" dirty="0"/>
@@ -22095,7 +21252,7 @@
             </a:r>
             <a:r>
               <a:rPr lang="en-GB" b="1" dirty="0" err="1"/>
-              <a:t>avanzata</a:t>
+              <a:t>separati</a:t>
             </a:r>
             <a:r>
               <a:rPr lang="en-GB" dirty="0"/>
@@ -22110,7 +21267,7 @@
             </a:pPr>
             <a:r>
               <a:rPr lang="it-IT" sz="1600" dirty="0"/>
-              <a:t>Isolando i dati dei </a:t>
+              <a:t>Ogni </a:t>
             </a:r>
             <a:r>
               <a:rPr lang="it-IT" sz="1600" dirty="0" err="1"/>
@@ -22118,13 +21275,33 @@
             </a:r>
             <a:r>
               <a:rPr lang="it-IT" sz="1600" dirty="0"/>
-              <a:t>, si riducono i rischi di accesso non autorizzato ai dati di altri </a:t>
-            </a:r>
-            <a:r>
-              <a:rPr lang="it-IT" sz="1600" dirty="0" err="1"/>
-              <a:t>tenant</a:t>
-            </a:r>
-            <a:endParaRPr lang="it-IT" sz="1600" dirty="0"/>
+              <a:t> dispone del proprio schema nel database condiviso</a:t>
+            </a:r>
+            <a:endParaRPr lang="en-GB" sz="1600" dirty="0"/>
+          </a:p>
+          <a:p>
+            <a:pPr lvl="0"/>
+            <a:r>
+              <a:rPr lang="en-GB" b="1" dirty="0"/>
+              <a:t>- </a:t>
+            </a:r>
+            <a:r>
+              <a:rPr lang="en-GB" b="1" dirty="0" err="1"/>
+              <a:t>Utenti</a:t>
+            </a:r>
+            <a:r>
+              <a:rPr lang="en-GB" b="1" dirty="0"/>
+              <a:t> database </a:t>
+            </a:r>
+            <a:r>
+              <a:rPr lang="en-GB" b="1" dirty="0" err="1"/>
+              <a:t>dedicati</a:t>
+            </a:r>
+            <a:r>
+              <a:rPr lang="en-GB" dirty="0"/>
+              <a:t>:</a:t>
+            </a:r>
+            <a:endParaRPr lang="en-GB" sz="1600" dirty="0"/>
           </a:p>
           <a:p>
             <a:pPr marL="742950" lvl="1" indent="-285750">
@@ -22133,12 +21310,16 @@
             </a:pPr>
             <a:r>
               <a:rPr lang="it-IT" sz="1600" dirty="0"/>
-              <a:t>Protezione da attacchi inter-</a:t>
+              <a:t>Ogni </a:t>
             </a:r>
             <a:r>
               <a:rPr lang="it-IT" sz="1600" dirty="0" err="1"/>
               <a:t>tenant</a:t>
             </a:r>
+            <a:r>
+              <a:rPr lang="it-IT" sz="1600" dirty="0"/>
+              <a:t> dispone di un utente configurato con privilegi limitati sul relativo schema</a:t>
+            </a:r>
             <a:endParaRPr lang="en-GB" sz="1600" dirty="0"/>
           </a:p>
           <a:p>
@@ -22149,7 +21330,7 @@
             </a:r>
             <a:r>
               <a:rPr lang="en-GB" b="1" dirty="0" err="1"/>
-              <a:t>Conformità</a:t>
+              <a:t>Connessioni</a:t>
             </a:r>
             <a:r>
               <a:rPr lang="en-GB" b="1" dirty="0"/>
@@ -22157,11 +21338,11 @@
             </a:r>
             <a:r>
               <a:rPr lang="en-GB" b="1" dirty="0" err="1"/>
-              <a:t>alle</a:t>
+              <a:t>dinamiche</a:t>
             </a:r>
             <a:r>
               <a:rPr lang="en-GB" b="1" dirty="0"/>
-              <a:t> normative:</a:t>
+              <a:t>:</a:t>
             </a:r>
             <a:endParaRPr lang="en-GB" sz="1600" b="1" dirty="0"/>
           </a:p>
@@ -22172,125 +21353,23 @@
             </a:pPr>
             <a:r>
               <a:rPr lang="it-IT" sz="1600" dirty="0"/>
-              <a:t>Miglior aderenza a regolamenti come il GDPR o SOC 2</a:t>
-            </a:r>
-          </a:p>
-          <a:p>
-            <a:pPr marL="742950" lvl="1" indent="-285750">
-              <a:buFont typeface="Arial" panose="020B0604020202020204" pitchFamily="34" charset="0"/>
-              <a:buChar char="•"/>
-            </a:pPr>
-            <a:r>
-              <a:rPr lang="it-IT" sz="1600" dirty="0"/>
-              <a:t>Facilita l’auditing e la creazione di report dettagliati per ogni </a:t>
+              <a:t>Il provider delle connessioni seleziona l’utente appropriato in base all’identificatore del </a:t>
             </a:r>
             <a:r>
               <a:rPr lang="it-IT" sz="1600" dirty="0" err="1"/>
               <a:t>tenant</a:t>
             </a:r>
-            <a:endParaRPr lang="it-IT" sz="1600" dirty="0"/>
-          </a:p>
-          <a:p>
-            <a:pPr lvl="0"/>
-            <a:r>
-              <a:rPr lang="en-GB" b="1" dirty="0"/>
-              <a:t>- </a:t>
-            </a:r>
-            <a:r>
-              <a:rPr lang="en-GB" b="1" dirty="0" err="1"/>
-              <a:t>Affidabilità</a:t>
-            </a:r>
-            <a:r>
-              <a:rPr lang="en-GB" b="1" dirty="0"/>
-              <a:t> e </a:t>
-            </a:r>
-            <a:r>
-              <a:rPr lang="en-GB" b="1" dirty="0" err="1"/>
-              <a:t>gestione</a:t>
-            </a:r>
-            <a:r>
-              <a:rPr lang="en-GB" b="1" dirty="0"/>
-              <a:t>:</a:t>
-            </a:r>
-            <a:endParaRPr lang="it-IT" dirty="0"/>
-          </a:p>
-          <a:p>
-            <a:pPr marL="742950" lvl="1" indent="-285750">
-              <a:buFont typeface="Arial" panose="020B0604020202020204" pitchFamily="34" charset="0"/>
-              <a:buChar char="•"/>
-            </a:pPr>
             <a:r>
               <a:rPr lang="it-IT" sz="1600" dirty="0"/>
-              <a:t>Riduzione del rischio di conflitti nei dati causati da modifiche involontarie tra </a:t>
+              <a:t>, garantendo l'isolamento a livello di </a:t>
             </a:r>
             <a:r>
               <a:rPr lang="it-IT" sz="1600" dirty="0" err="1"/>
-              <a:t>tenant</a:t>
-            </a:r>
-            <a:endParaRPr lang="it-IT" sz="1600" dirty="0"/>
-          </a:p>
-          <a:p>
-            <a:pPr marL="742950" lvl="1" indent="-285750">
-              <a:buFont typeface="Arial" panose="020B0604020202020204" pitchFamily="34" charset="0"/>
-              <a:buChar char="•"/>
-            </a:pPr>
+              <a:t>query</a:t>
+            </a:r>
             <a:r>
               <a:rPr lang="it-IT" sz="1600" dirty="0"/>
-              <a:t>Facilità di implementare backup o ripristino specifici per ogni </a:t>
-            </a:r>
-            <a:r>
-              <a:rPr lang="it-IT" sz="1600" dirty="0" err="1"/>
-              <a:t>tenant</a:t>
-            </a:r>
-            <a:endParaRPr lang="it-IT" sz="1600" dirty="0"/>
-          </a:p>
-          <a:p>
-            <a:r>
-              <a:rPr lang="en-GB" b="1" dirty="0"/>
-              <a:t>- </a:t>
-            </a:r>
-            <a:r>
-              <a:rPr lang="en-GB" b="1" dirty="0" err="1"/>
-              <a:t>Flessibilità</a:t>
-            </a:r>
-            <a:r>
-              <a:rPr lang="en-GB" b="1" dirty="0"/>
-              <a:t> </a:t>
-            </a:r>
-            <a:r>
-              <a:rPr lang="en-GB" b="1" dirty="0" err="1"/>
-              <a:t>nei</a:t>
-            </a:r>
-            <a:r>
-              <a:rPr lang="en-GB" b="1" dirty="0"/>
-              <a:t> </a:t>
-            </a:r>
-            <a:r>
-              <a:rPr lang="en-GB" b="1" dirty="0" err="1"/>
-              <a:t>servizi</a:t>
-            </a:r>
-            <a:r>
-              <a:rPr lang="en-GB" dirty="0"/>
-              <a:t>:</a:t>
-            </a:r>
-            <a:endParaRPr lang="en-GB" sz="1600" dirty="0"/>
-          </a:p>
-          <a:p>
-            <a:pPr marL="742950" lvl="1" indent="-285750">
-              <a:buFont typeface="Arial" panose="020B0604020202020204" pitchFamily="34" charset="0"/>
-              <a:buChar char="•"/>
-            </a:pPr>
-            <a:r>
-              <a:rPr lang="it-IT" sz="1600" dirty="0"/>
-              <a:t>Possibilità di offrire personalizzazioni uniche a ciascun </a:t>
-            </a:r>
-            <a:r>
-              <a:rPr lang="it-IT" sz="1600" dirty="0" err="1"/>
-              <a:t>tenant</a:t>
-            </a:r>
-            <a:r>
-              <a:rPr lang="it-IT" sz="1600" dirty="0"/>
-              <a:t> senza impattare sugli altri</a:t>
+              <a:t> SQL e operazioni database</a:t>
             </a:r>
             <a:endParaRPr lang="en-GB" sz="1600" dirty="0"/>
           </a:p>
@@ -22346,7 +21425,7 @@
     </p:spTree>
     <p:extLst>
       <p:ext uri="{BB962C8B-B14F-4D97-AF65-F5344CB8AC3E}">
-        <p14:creationId xmlns:p14="http://schemas.microsoft.com/office/powerpoint/2010/main" val="2596038935"/>
+        <p14:creationId xmlns:p14="http://schemas.microsoft.com/office/powerpoint/2010/main" val="650115643"/>
       </p:ext>
     </p:extLst>
   </p:cSld>
@@ -22825,739 +21904,6 @@
         <p:spPr>
           <a:xfrm>
             <a:off x="639726" y="1613118"/>
-            <a:ext cx="6654054" cy="3200876"/>
-          </a:xfrm>
-          <a:prstGeom prst="rect">
-            <a:avLst/>
-          </a:prstGeom>
-          <a:noFill/>
-        </p:spPr>
-        <p:txBody>
-          <a:bodyPr wrap="square" rtlCol="0">
-            <a:spAutoFit/>
-          </a:bodyPr>
-          <a:lstStyle/>
-          <a:p>
-            <a:r>
-              <a:rPr lang="it-IT" b="1" u="sng" dirty="0">
-                <a:solidFill>
-                  <a:schemeClr val="tx1">
-                    <a:lumMod val="85000"/>
-                    <a:lumOff val="15000"/>
-                  </a:schemeClr>
-                </a:solidFill>
-              </a:rPr>
-              <a:t>Soluzione (Single Database, Separate </a:t>
-            </a:r>
-            <a:r>
-              <a:rPr lang="it-IT" b="1" u="sng" dirty="0" err="1">
-                <a:solidFill>
-                  <a:schemeClr val="tx1">
-                    <a:lumMod val="85000"/>
-                    <a:lumOff val="15000"/>
-                  </a:schemeClr>
-                </a:solidFill>
-              </a:rPr>
-              <a:t>Schemas</a:t>
-            </a:r>
-            <a:r>
-              <a:rPr lang="it-IT" b="1" u="sng" dirty="0">
-                <a:solidFill>
-                  <a:schemeClr val="tx1">
-                    <a:lumMod val="85000"/>
-                    <a:lumOff val="15000"/>
-                  </a:schemeClr>
-                </a:solidFill>
-              </a:rPr>
-              <a:t>)</a:t>
-            </a:r>
-            <a:endParaRPr lang="it-IT" b="1" u="sng" noProof="0" dirty="0">
-              <a:solidFill>
-                <a:schemeClr val="tx1">
-                  <a:lumMod val="85000"/>
-                  <a:lumOff val="15000"/>
-                </a:schemeClr>
-              </a:solidFill>
-            </a:endParaRPr>
-          </a:p>
-          <a:p>
-            <a:endParaRPr lang="it-IT" b="1" dirty="0">
-              <a:solidFill>
-                <a:schemeClr val="tx1">
-                  <a:lumMod val="85000"/>
-                  <a:lumOff val="15000"/>
-                </a:schemeClr>
-              </a:solidFill>
-            </a:endParaRPr>
-          </a:p>
-          <a:p>
-            <a:pPr lvl="0"/>
-            <a:r>
-              <a:rPr lang="en-GB" b="1" dirty="0"/>
-              <a:t>- </a:t>
-            </a:r>
-            <a:r>
-              <a:rPr lang="en-GB" b="1" dirty="0" err="1"/>
-              <a:t>Schemi</a:t>
-            </a:r>
-            <a:r>
-              <a:rPr lang="en-GB" b="1" dirty="0"/>
-              <a:t> </a:t>
-            </a:r>
-            <a:r>
-              <a:rPr lang="en-GB" b="1" dirty="0" err="1"/>
-              <a:t>separati</a:t>
-            </a:r>
-            <a:r>
-              <a:rPr lang="en-GB" dirty="0"/>
-              <a:t>:</a:t>
-            </a:r>
-            <a:endParaRPr lang="en-GB" sz="1600" dirty="0"/>
-          </a:p>
-          <a:p>
-            <a:pPr marL="742950" lvl="1" indent="-285750">
-              <a:buFont typeface="Arial" panose="020B0604020202020204" pitchFamily="34" charset="0"/>
-              <a:buChar char="•"/>
-            </a:pPr>
-            <a:r>
-              <a:rPr lang="it-IT" sz="1600" dirty="0"/>
-              <a:t>Ogni </a:t>
-            </a:r>
-            <a:r>
-              <a:rPr lang="it-IT" sz="1600" dirty="0" err="1"/>
-              <a:t>tenant</a:t>
-            </a:r>
-            <a:r>
-              <a:rPr lang="it-IT" sz="1600" dirty="0"/>
-              <a:t> dispone del proprio schema nel database condiviso</a:t>
-            </a:r>
-            <a:endParaRPr lang="en-GB" sz="1600" dirty="0"/>
-          </a:p>
-          <a:p>
-            <a:pPr lvl="0"/>
-            <a:r>
-              <a:rPr lang="en-GB" b="1" dirty="0"/>
-              <a:t>- </a:t>
-            </a:r>
-            <a:r>
-              <a:rPr lang="en-GB" b="1" dirty="0" err="1"/>
-              <a:t>Utenti</a:t>
-            </a:r>
-            <a:r>
-              <a:rPr lang="en-GB" b="1" dirty="0"/>
-              <a:t> database </a:t>
-            </a:r>
-            <a:r>
-              <a:rPr lang="en-GB" b="1" dirty="0" err="1"/>
-              <a:t>dedicati</a:t>
-            </a:r>
-            <a:r>
-              <a:rPr lang="en-GB" dirty="0"/>
-              <a:t>:</a:t>
-            </a:r>
-            <a:endParaRPr lang="en-GB" sz="1600" dirty="0"/>
-          </a:p>
-          <a:p>
-            <a:pPr marL="742950" lvl="1" indent="-285750">
-              <a:buFont typeface="Arial" panose="020B0604020202020204" pitchFamily="34" charset="0"/>
-              <a:buChar char="•"/>
-            </a:pPr>
-            <a:r>
-              <a:rPr lang="it-IT" sz="1600" dirty="0"/>
-              <a:t>Ogni </a:t>
-            </a:r>
-            <a:r>
-              <a:rPr lang="it-IT" sz="1600" dirty="0" err="1"/>
-              <a:t>tenant</a:t>
-            </a:r>
-            <a:r>
-              <a:rPr lang="it-IT" sz="1600" dirty="0"/>
-              <a:t> dispone di un utente configurato con privilegi limitati sul relativo schema</a:t>
-            </a:r>
-            <a:endParaRPr lang="en-GB" sz="1600" dirty="0"/>
-          </a:p>
-          <a:p>
-            <a:pPr lvl="0"/>
-            <a:r>
-              <a:rPr lang="en-GB" b="1" dirty="0"/>
-              <a:t>- </a:t>
-            </a:r>
-            <a:r>
-              <a:rPr lang="en-GB" b="1" dirty="0" err="1"/>
-              <a:t>Connessioni</a:t>
-            </a:r>
-            <a:r>
-              <a:rPr lang="en-GB" b="1" dirty="0"/>
-              <a:t> </a:t>
-            </a:r>
-            <a:r>
-              <a:rPr lang="en-GB" b="1" dirty="0" err="1"/>
-              <a:t>dinamiche</a:t>
-            </a:r>
-            <a:r>
-              <a:rPr lang="en-GB" b="1" dirty="0"/>
-              <a:t>:</a:t>
-            </a:r>
-            <a:endParaRPr lang="en-GB" sz="1600" b="1" dirty="0"/>
-          </a:p>
-          <a:p>
-            <a:pPr marL="742950" lvl="1" indent="-285750">
-              <a:buFont typeface="Arial" panose="020B0604020202020204" pitchFamily="34" charset="0"/>
-              <a:buChar char="•"/>
-            </a:pPr>
-            <a:r>
-              <a:rPr lang="it-IT" sz="1600" dirty="0"/>
-              <a:t>Il provider delle connessioni seleziona l’utente appropriato in base all’identificatore del </a:t>
-            </a:r>
-            <a:r>
-              <a:rPr lang="it-IT" sz="1600" dirty="0" err="1"/>
-              <a:t>tenant</a:t>
-            </a:r>
-            <a:r>
-              <a:rPr lang="it-IT" sz="1600" dirty="0"/>
-              <a:t>, garantendo l'isolamento a livello di </a:t>
-            </a:r>
-            <a:r>
-              <a:rPr lang="it-IT" sz="1600" dirty="0" err="1"/>
-              <a:t>query</a:t>
-            </a:r>
-            <a:r>
-              <a:rPr lang="it-IT" sz="1600" dirty="0"/>
-              <a:t> SQL e operazioni database</a:t>
-            </a:r>
-            <a:endParaRPr lang="en-GB" sz="1600" dirty="0"/>
-          </a:p>
-        </p:txBody>
-      </p:sp>
-      <p:pic>
-        <p:nvPicPr>
-          <p:cNvPr id="13" name="Picture 2">
-            <a:extLst>
-              <a:ext uri="{FF2B5EF4-FFF2-40B4-BE49-F238E27FC236}">
-                <a16:creationId xmlns:a16="http://schemas.microsoft.com/office/drawing/2014/main" id="{BA9AB35F-ED47-DBCD-7041-4EA50B6DAAC3}"/>
-              </a:ext>
-            </a:extLst>
-          </p:cNvPr>
-          <p:cNvPicPr>
-            <a:picLocks noChangeAspect="1" noChangeArrowheads="1"/>
-          </p:cNvPicPr>
-          <p:nvPr/>
-        </p:nvPicPr>
-        <p:blipFill>
-          <a:blip r:embed="rId3">
-            <a:extLst>
-              <a:ext uri="{28A0092B-C50C-407E-A947-70E740481C1C}">
-                <a14:useLocalDpi xmlns:a14="http://schemas.microsoft.com/office/drawing/2010/main" val="0"/>
-              </a:ext>
-            </a:extLst>
-          </a:blip>
-          <a:srcRect/>
-          <a:stretch>
-            <a:fillRect/>
-          </a:stretch>
-        </p:blipFill>
-        <p:spPr bwMode="auto">
-          <a:xfrm>
-            <a:off x="7564795" y="2534548"/>
-            <a:ext cx="1782406" cy="2567606"/>
-          </a:xfrm>
-          <a:prstGeom prst="rect">
-            <a:avLst/>
-          </a:prstGeom>
-          <a:noFill/>
-          <a:extLst>
-            <a:ext uri="{909E8E84-426E-40DD-AFC4-6F175D3DCCD1}">
-              <a14:hiddenFill xmlns:a14="http://schemas.microsoft.com/office/drawing/2010/main">
-                <a:solidFill>
-                  <a:srgbClr val="FFFFFF"/>
-                </a:solidFill>
-              </a14:hiddenFill>
-            </a:ext>
-          </a:extLst>
-        </p:spPr>
-      </p:pic>
-    </p:spTree>
-    <p:extLst>
-      <p:ext uri="{BB962C8B-B14F-4D97-AF65-F5344CB8AC3E}">
-        <p14:creationId xmlns:p14="http://schemas.microsoft.com/office/powerpoint/2010/main" val="650115643"/>
-      </p:ext>
-    </p:extLst>
-  </p:cSld>
-  <p:clrMapOvr>
-    <a:masterClrMapping/>
-  </p:clrMapOvr>
-</p:sld>
-</file>
-
-<file path=ppt/slides/slide7.xml><?xml version="1.0" encoding="utf-8"?>
-<p:sld xmlns:a="http://schemas.openxmlformats.org/drawingml/2006/main" xmlns:r="http://schemas.openxmlformats.org/officeDocument/2006/relationships" xmlns:p="http://schemas.openxmlformats.org/presentationml/2006/main">
-  <p:cSld>
-    <p:spTree>
-      <p:nvGrpSpPr>
-        <p:cNvPr id="1" name="">
-          <a:extLst>
-            <a:ext uri="{FF2B5EF4-FFF2-40B4-BE49-F238E27FC236}">
-              <a16:creationId xmlns:a16="http://schemas.microsoft.com/office/drawing/2014/main" id="{AFC15726-FA8E-B025-0B1D-A5B8587DB163}"/>
-            </a:ext>
-          </a:extLst>
-        </p:cNvPr>
-        <p:cNvGrpSpPr/>
-        <p:nvPr/>
-      </p:nvGrpSpPr>
-      <p:grpSpPr>
-        <a:xfrm>
-          <a:off x="0" y="0"/>
-          <a:ext cx="0" cy="0"/>
-          <a:chOff x="0" y="0"/>
-          <a:chExt cx="0" cy="0"/>
-        </a:xfrm>
-      </p:grpSpPr>
-      <p:sp>
-        <p:nvSpPr>
-          <p:cNvPr id="2" name="Titolo 1">
-            <a:extLst>
-              <a:ext uri="{FF2B5EF4-FFF2-40B4-BE49-F238E27FC236}">
-                <a16:creationId xmlns:a16="http://schemas.microsoft.com/office/drawing/2014/main" id="{2E17763D-3E5C-845B-21BF-7DEEE1DE766F}"/>
-              </a:ext>
-            </a:extLst>
-          </p:cNvPr>
-          <p:cNvSpPr>
-            <a:spLocks noGrp="1"/>
-          </p:cNvSpPr>
-          <p:nvPr>
-            <p:ph type="title"/>
-          </p:nvPr>
-        </p:nvSpPr>
-        <p:spPr>
-          <a:xfrm>
-            <a:off x="639725" y="472780"/>
-            <a:ext cx="6654056" cy="653143"/>
-          </a:xfrm>
-        </p:spPr>
-        <p:txBody>
-          <a:bodyPr>
-            <a:normAutofit fontScale="90000"/>
-          </a:bodyPr>
-          <a:lstStyle/>
-          <a:p>
-            <a:r>
-              <a:rPr lang="it-IT" sz="4000" noProof="0" dirty="0">
-                <a:solidFill>
-                  <a:schemeClr val="tx2">
-                    <a:lumMod val="90000"/>
-                    <a:lumOff val="10000"/>
-                  </a:schemeClr>
-                </a:solidFill>
-              </a:rPr>
-              <a:t>GOAL: Multi-</a:t>
-            </a:r>
-            <a:r>
-              <a:rPr lang="it-IT" sz="4000" noProof="0" dirty="0" err="1">
-                <a:solidFill>
-                  <a:schemeClr val="tx2">
-                    <a:lumMod val="90000"/>
-                    <a:lumOff val="10000"/>
-                  </a:schemeClr>
-                </a:solidFill>
-              </a:rPr>
-              <a:t>Tenancy</a:t>
-            </a:r>
-            <a:r>
-              <a:rPr lang="it-IT" sz="4000" dirty="0">
-                <a:solidFill>
-                  <a:schemeClr val="tx2">
-                    <a:lumMod val="90000"/>
-                    <a:lumOff val="10000"/>
-                  </a:schemeClr>
-                </a:solidFill>
-              </a:rPr>
-              <a:t> data </a:t>
-            </a:r>
-            <a:r>
-              <a:rPr lang="it-IT" sz="4000" dirty="0" err="1">
-                <a:solidFill>
-                  <a:schemeClr val="tx2">
-                    <a:lumMod val="90000"/>
-                    <a:lumOff val="10000"/>
-                  </a:schemeClr>
-                </a:solidFill>
-              </a:rPr>
-              <a:t>segregation</a:t>
-            </a:r>
-            <a:endParaRPr lang="it-IT" sz="4000" noProof="0" dirty="0">
-              <a:solidFill>
-                <a:schemeClr val="tx2">
-                  <a:lumMod val="90000"/>
-                  <a:lumOff val="10000"/>
-                </a:schemeClr>
-              </a:solidFill>
-            </a:endParaRPr>
-          </a:p>
-        </p:txBody>
-      </p:sp>
-      <p:sp>
-        <p:nvSpPr>
-          <p:cNvPr id="4" name="Rettangolo 3">
-            <a:extLst>
-              <a:ext uri="{FF2B5EF4-FFF2-40B4-BE49-F238E27FC236}">
-                <a16:creationId xmlns:a16="http://schemas.microsoft.com/office/drawing/2014/main" id="{FC4A7560-125A-F332-2B2C-3AE9877439D5}"/>
-              </a:ext>
-            </a:extLst>
-          </p:cNvPr>
-          <p:cNvSpPr/>
-          <p:nvPr/>
-        </p:nvSpPr>
-        <p:spPr>
-          <a:xfrm>
-            <a:off x="0" y="472781"/>
-            <a:ext cx="190243" cy="653143"/>
-          </a:xfrm>
-          <a:prstGeom prst="rect">
-            <a:avLst/>
-          </a:prstGeom>
-          <a:solidFill>
-            <a:schemeClr val="tx2">
-              <a:lumMod val="90000"/>
-              <a:lumOff val="10000"/>
-            </a:schemeClr>
-          </a:solidFill>
-          <a:ln>
-            <a:solidFill>
-              <a:schemeClr val="tx2">
-                <a:lumMod val="90000"/>
-                <a:lumOff val="10000"/>
-              </a:schemeClr>
-            </a:solidFill>
-          </a:ln>
-        </p:spPr>
-        <p:style>
-          <a:lnRef idx="2">
-            <a:schemeClr val="accent1">
-              <a:shade val="15000"/>
-            </a:schemeClr>
-          </a:lnRef>
-          <a:fillRef idx="1">
-            <a:schemeClr val="accent1"/>
-          </a:fillRef>
-          <a:effectRef idx="0">
-            <a:schemeClr val="accent1"/>
-          </a:effectRef>
-          <a:fontRef idx="minor">
-            <a:schemeClr val="lt1"/>
-          </a:fontRef>
-        </p:style>
-        <p:txBody>
-          <a:bodyPr rtlCol="0" anchor="ctr"/>
-          <a:lstStyle/>
-          <a:p>
-            <a:pPr algn="ctr"/>
-            <a:endParaRPr lang="it-IT" noProof="0" dirty="0"/>
-          </a:p>
-        </p:txBody>
-      </p:sp>
-      <p:sp>
-        <p:nvSpPr>
-          <p:cNvPr id="5" name="Rettangolo 4">
-            <a:extLst>
-              <a:ext uri="{FF2B5EF4-FFF2-40B4-BE49-F238E27FC236}">
-                <a16:creationId xmlns:a16="http://schemas.microsoft.com/office/drawing/2014/main" id="{C993B1D6-9C3A-29F4-79E3-A36FF29F3563}"/>
-              </a:ext>
-            </a:extLst>
-          </p:cNvPr>
-          <p:cNvSpPr/>
-          <p:nvPr/>
-        </p:nvSpPr>
-        <p:spPr>
-          <a:xfrm>
-            <a:off x="289539" y="472780"/>
-            <a:ext cx="139359" cy="653143"/>
-          </a:xfrm>
-          <a:prstGeom prst="rect">
-            <a:avLst/>
-          </a:prstGeom>
-          <a:solidFill>
-            <a:schemeClr val="tx2">
-              <a:lumMod val="90000"/>
-              <a:lumOff val="10000"/>
-            </a:schemeClr>
-          </a:solidFill>
-          <a:ln>
-            <a:solidFill>
-              <a:schemeClr val="tx2">
-                <a:lumMod val="90000"/>
-                <a:lumOff val="10000"/>
-              </a:schemeClr>
-            </a:solidFill>
-          </a:ln>
-        </p:spPr>
-        <p:style>
-          <a:lnRef idx="2">
-            <a:schemeClr val="accent1">
-              <a:shade val="15000"/>
-            </a:schemeClr>
-          </a:lnRef>
-          <a:fillRef idx="1">
-            <a:schemeClr val="accent1"/>
-          </a:fillRef>
-          <a:effectRef idx="0">
-            <a:schemeClr val="accent1"/>
-          </a:effectRef>
-          <a:fontRef idx="minor">
-            <a:schemeClr val="lt1"/>
-          </a:fontRef>
-        </p:style>
-        <p:txBody>
-          <a:bodyPr rtlCol="0" anchor="ctr"/>
-          <a:lstStyle/>
-          <a:p>
-            <a:pPr algn="ctr"/>
-            <a:endParaRPr lang="it-IT" noProof="0" dirty="0"/>
-          </a:p>
-        </p:txBody>
-      </p:sp>
-      <p:sp>
-        <p:nvSpPr>
-          <p:cNvPr id="11" name="Rettangolo 10">
-            <a:extLst>
-              <a:ext uri="{FF2B5EF4-FFF2-40B4-BE49-F238E27FC236}">
-                <a16:creationId xmlns:a16="http://schemas.microsoft.com/office/drawing/2014/main" id="{A7EA9913-1AC3-7D4A-2157-2B54A7000AA2}"/>
-              </a:ext>
-            </a:extLst>
-          </p:cNvPr>
-          <p:cNvSpPr/>
-          <p:nvPr/>
-        </p:nvSpPr>
-        <p:spPr>
-          <a:xfrm>
-            <a:off x="10008781" y="0"/>
-            <a:ext cx="2183219" cy="6858000"/>
-          </a:xfrm>
-          <a:prstGeom prst="rect">
-            <a:avLst/>
-          </a:prstGeom>
-          <a:solidFill>
-            <a:schemeClr val="tx2">
-              <a:lumMod val="90000"/>
-              <a:lumOff val="10000"/>
-            </a:schemeClr>
-          </a:solidFill>
-          <a:ln>
-            <a:solidFill>
-              <a:srgbClr val="163E64"/>
-            </a:solidFill>
-          </a:ln>
-        </p:spPr>
-        <p:style>
-          <a:lnRef idx="2">
-            <a:schemeClr val="accent1">
-              <a:shade val="15000"/>
-            </a:schemeClr>
-          </a:lnRef>
-          <a:fillRef idx="1">
-            <a:schemeClr val="accent1"/>
-          </a:fillRef>
-          <a:effectRef idx="0">
-            <a:schemeClr val="accent1"/>
-          </a:effectRef>
-          <a:fontRef idx="minor">
-            <a:schemeClr val="lt1"/>
-          </a:fontRef>
-        </p:style>
-        <p:txBody>
-          <a:bodyPr rtlCol="0" anchor="ctr"/>
-          <a:lstStyle/>
-          <a:p>
-            <a:pPr algn="ctr"/>
-            <a:endParaRPr lang="it-IT" noProof="0" dirty="0"/>
-          </a:p>
-        </p:txBody>
-      </p:sp>
-      <p:cxnSp>
-        <p:nvCxnSpPr>
-          <p:cNvPr id="8" name="Connettore diritto 7">
-            <a:extLst>
-              <a:ext uri="{FF2B5EF4-FFF2-40B4-BE49-F238E27FC236}">
-                <a16:creationId xmlns:a16="http://schemas.microsoft.com/office/drawing/2014/main" id="{B8AB43C6-F387-E69A-86CD-A1AC24D4A29F}"/>
-              </a:ext>
-            </a:extLst>
-          </p:cNvPr>
-          <p:cNvCxnSpPr>
-            <a:cxnSpLocks/>
-          </p:cNvCxnSpPr>
-          <p:nvPr/>
-        </p:nvCxnSpPr>
-        <p:spPr>
-          <a:xfrm>
-            <a:off x="639725" y="1351691"/>
-            <a:ext cx="6654057" cy="0"/>
-          </a:xfrm>
-          <a:prstGeom prst="line">
-            <a:avLst/>
-          </a:prstGeom>
-          <a:ln>
-            <a:solidFill>
-              <a:schemeClr val="tx2">
-                <a:lumMod val="90000"/>
-                <a:lumOff val="10000"/>
-              </a:schemeClr>
-            </a:solidFill>
-          </a:ln>
-        </p:spPr>
-        <p:style>
-          <a:lnRef idx="2">
-            <a:schemeClr val="accent1"/>
-          </a:lnRef>
-          <a:fillRef idx="0">
-            <a:schemeClr val="accent1"/>
-          </a:fillRef>
-          <a:effectRef idx="1">
-            <a:schemeClr val="accent1"/>
-          </a:effectRef>
-          <a:fontRef idx="minor">
-            <a:schemeClr val="tx1"/>
-          </a:fontRef>
-        </p:style>
-      </p:cxnSp>
-      <p:sp>
-        <p:nvSpPr>
-          <p:cNvPr id="6" name="TextBox 5">
-            <a:extLst>
-              <a:ext uri="{FF2B5EF4-FFF2-40B4-BE49-F238E27FC236}">
-                <a16:creationId xmlns:a16="http://schemas.microsoft.com/office/drawing/2014/main" id="{1A234AD5-1C0F-3801-0826-9187DD2C3AB0}"/>
-              </a:ext>
-            </a:extLst>
-          </p:cNvPr>
-          <p:cNvSpPr txBox="1"/>
-          <p:nvPr/>
-        </p:nvSpPr>
-        <p:spPr>
-          <a:xfrm>
-            <a:off x="11654290" y="6452785"/>
-            <a:ext cx="438619" cy="307777"/>
-          </a:xfrm>
-          <a:prstGeom prst="rect">
-            <a:avLst/>
-          </a:prstGeom>
-          <a:noFill/>
-        </p:spPr>
-        <p:txBody>
-          <a:bodyPr wrap="square">
-            <a:spAutoFit/>
-          </a:bodyPr>
-          <a:lstStyle/>
-          <a:p>
-            <a:r>
-              <a:rPr lang="it-IT" sz="1400" dirty="0">
-                <a:solidFill>
-                  <a:schemeClr val="bg1"/>
-                </a:solidFill>
-              </a:rPr>
-              <a:t>7</a:t>
-            </a:r>
-            <a:endParaRPr lang="it-IT" sz="1400" noProof="0" dirty="0"/>
-          </a:p>
-        </p:txBody>
-      </p:sp>
-      <p:pic>
-        <p:nvPicPr>
-          <p:cNvPr id="16" name="Immagine 15" descr="Immagine che contiene schermata, Policromia, cerchio, blu&#10;&#10;Descrizione generata automaticamente">
-            <a:extLst>
-              <a:ext uri="{FF2B5EF4-FFF2-40B4-BE49-F238E27FC236}">
-                <a16:creationId xmlns:a16="http://schemas.microsoft.com/office/drawing/2014/main" id="{F932AEFD-F285-EEFC-4837-386D350A220C}"/>
-              </a:ext>
-            </a:extLst>
-          </p:cNvPr>
-          <p:cNvPicPr>
-            <a:picLocks noChangeAspect="1"/>
-          </p:cNvPicPr>
-          <p:nvPr/>
-        </p:nvPicPr>
-        <p:blipFill>
-          <a:blip r:embed="rId2">
-            <a:extLst>
-              <a:ext uri="{28A0092B-C50C-407E-A947-70E740481C1C}">
-                <a14:useLocalDpi xmlns:a14="http://schemas.microsoft.com/office/drawing/2010/main" val="0"/>
-              </a:ext>
-            </a:extLst>
-          </a:blip>
-          <a:stretch>
-            <a:fillRect/>
-          </a:stretch>
-        </p:blipFill>
-        <p:spPr>
-          <a:xfrm>
-            <a:off x="7293782" y="353207"/>
-            <a:ext cx="885600" cy="885600"/>
-          </a:xfrm>
-          <a:prstGeom prst="rect">
-            <a:avLst/>
-          </a:prstGeom>
-        </p:spPr>
-      </p:pic>
-      <p:sp>
-        <p:nvSpPr>
-          <p:cNvPr id="10" name="CasellaDiTesto 9">
-            <a:extLst>
-              <a:ext uri="{FF2B5EF4-FFF2-40B4-BE49-F238E27FC236}">
-                <a16:creationId xmlns:a16="http://schemas.microsoft.com/office/drawing/2014/main" id="{720F1E63-F380-A2C8-B252-1B4B987C123E}"/>
-              </a:ext>
-            </a:extLst>
-          </p:cNvPr>
-          <p:cNvSpPr txBox="1"/>
-          <p:nvPr/>
-        </p:nvSpPr>
-        <p:spPr>
-          <a:xfrm>
-            <a:off x="639724" y="1623385"/>
-            <a:ext cx="6654056" cy="646331"/>
-          </a:xfrm>
-          <a:prstGeom prst="rect">
-            <a:avLst/>
-          </a:prstGeom>
-          <a:noFill/>
-        </p:spPr>
-        <p:txBody>
-          <a:bodyPr wrap="square" rtlCol="0">
-            <a:spAutoFit/>
-          </a:bodyPr>
-          <a:lstStyle/>
-          <a:p>
-            <a:br>
-              <a:rPr lang="it-IT" noProof="0" dirty="0">
-                <a:solidFill>
-                  <a:schemeClr val="tx1">
-                    <a:lumMod val="85000"/>
-                    <a:lumOff val="15000"/>
-                  </a:schemeClr>
-                </a:solidFill>
-              </a:rPr>
-            </a:br>
-            <a:endParaRPr lang="it-IT" noProof="0" dirty="0">
-              <a:solidFill>
-                <a:schemeClr val="tx1">
-                  <a:lumMod val="85000"/>
-                  <a:lumOff val="15000"/>
-                </a:schemeClr>
-              </a:solidFill>
-            </a:endParaRPr>
-          </a:p>
-        </p:txBody>
-      </p:sp>
-      <p:sp>
-        <p:nvSpPr>
-          <p:cNvPr id="12" name="CasellaDiTesto 6">
-            <a:extLst>
-              <a:ext uri="{FF2B5EF4-FFF2-40B4-BE49-F238E27FC236}">
-                <a16:creationId xmlns:a16="http://schemas.microsoft.com/office/drawing/2014/main" id="{8290C57E-5561-FDA2-5EFB-EDC39761C52E}"/>
-              </a:ext>
-            </a:extLst>
-          </p:cNvPr>
-          <p:cNvSpPr txBox="1"/>
-          <p:nvPr/>
-        </p:nvSpPr>
-        <p:spPr>
-          <a:xfrm>
-            <a:off x="639726" y="1613118"/>
             <a:ext cx="6654054" cy="3939540"/>
           </a:xfrm>
           <a:prstGeom prst="rect">
@@ -23850,7 +22196,7 @@
 </p:sld>
 </file>
 
-<file path=ppt/slides/slide8.xml><?xml version="1.0" encoding="utf-8"?>
+<file path=ppt/slides/slide7.xml><?xml version="1.0" encoding="utf-8"?>
 <p:sld xmlns:a="http://schemas.openxmlformats.org/drawingml/2006/main" xmlns:r="http://schemas.openxmlformats.org/officeDocument/2006/relationships" xmlns:p="http://schemas.openxmlformats.org/presentationml/2006/main">
   <p:cSld>
     <p:spTree>
@@ -24219,18 +22565,13 @@
           <a:lstStyle/>
           <a:p>
             <a:r>
-              <a:rPr lang="it-IT" sz="1400" dirty="0">
+              <a:rPr lang="it-IT" sz="1400" noProof="0" dirty="0">
                 <a:solidFill>
                   <a:schemeClr val="bg1"/>
                 </a:solidFill>
               </a:rPr>
-              <a:t>10</a:t>
-            </a:r>
-            <a:endParaRPr lang="it-IT" sz="1400" noProof="0" dirty="0">
-              <a:solidFill>
-                <a:schemeClr val="bg1"/>
-              </a:solidFill>
-            </a:endParaRPr>
+              <a:t>7</a:t>
+            </a:r>
           </a:p>
         </p:txBody>
       </p:sp>
@@ -24635,7 +22976,7 @@
 </p:sld>
 </file>
 
-<file path=ppt/slides/slide9.xml><?xml version="1.0" encoding="utf-8"?>
+<file path=ppt/slides/slide8.xml><?xml version="1.0" encoding="utf-8"?>
 <p:sld xmlns:a="http://schemas.openxmlformats.org/drawingml/2006/main" xmlns:r="http://schemas.openxmlformats.org/officeDocument/2006/relationships" xmlns:p="http://schemas.openxmlformats.org/presentationml/2006/main">
   <p:cSld>
     <p:spTree>
@@ -25381,6 +23722,746 @@
     <p:extLst>
       <p:ext uri="{BB962C8B-B14F-4D97-AF65-F5344CB8AC3E}">
         <p14:creationId xmlns:p14="http://schemas.microsoft.com/office/powerpoint/2010/main" val="1707716401"/>
+      </p:ext>
+    </p:extLst>
+  </p:cSld>
+  <p:clrMapOvr>
+    <a:masterClrMapping/>
+  </p:clrMapOvr>
+</p:sld>
+</file>
+
+<file path=ppt/slides/slide9.xml><?xml version="1.0" encoding="utf-8"?>
+<p:sld xmlns:a="http://schemas.openxmlformats.org/drawingml/2006/main" xmlns:r="http://schemas.openxmlformats.org/officeDocument/2006/relationships" xmlns:p="http://schemas.openxmlformats.org/presentationml/2006/main">
+  <p:cSld>
+    <p:spTree>
+      <p:nvGrpSpPr>
+        <p:cNvPr id="1" name="">
+          <a:extLst>
+            <a:ext uri="{FF2B5EF4-FFF2-40B4-BE49-F238E27FC236}">
+              <a16:creationId xmlns:a16="http://schemas.microsoft.com/office/drawing/2014/main" id="{AFC15726-FA8E-B025-0B1D-A5B8587DB163}"/>
+            </a:ext>
+          </a:extLst>
+        </p:cNvPr>
+        <p:cNvGrpSpPr/>
+        <p:nvPr/>
+      </p:nvGrpSpPr>
+      <p:grpSpPr>
+        <a:xfrm>
+          <a:off x="0" y="0"/>
+          <a:ext cx="0" cy="0"/>
+          <a:chOff x="0" y="0"/>
+          <a:chExt cx="0" cy="0"/>
+        </a:xfrm>
+      </p:grpSpPr>
+      <p:sp>
+        <p:nvSpPr>
+          <p:cNvPr id="2" name="Titolo 1">
+            <a:extLst>
+              <a:ext uri="{FF2B5EF4-FFF2-40B4-BE49-F238E27FC236}">
+                <a16:creationId xmlns:a16="http://schemas.microsoft.com/office/drawing/2014/main" id="{2E17763D-3E5C-845B-21BF-7DEEE1DE766F}"/>
+              </a:ext>
+            </a:extLst>
+          </p:cNvPr>
+          <p:cNvSpPr>
+            <a:spLocks noGrp="1"/>
+          </p:cNvSpPr>
+          <p:nvPr>
+            <p:ph type="title"/>
+          </p:nvPr>
+        </p:nvSpPr>
+        <p:spPr>
+          <a:xfrm>
+            <a:off x="639725" y="472780"/>
+            <a:ext cx="6654056" cy="653143"/>
+          </a:xfrm>
+        </p:spPr>
+        <p:txBody>
+          <a:bodyPr>
+            <a:normAutofit fontScale="90000"/>
+          </a:bodyPr>
+          <a:lstStyle/>
+          <a:p>
+            <a:r>
+              <a:rPr lang="it-IT" sz="4000" noProof="0" dirty="0">
+                <a:solidFill>
+                  <a:schemeClr val="tx2">
+                    <a:lumMod val="90000"/>
+                    <a:lumOff val="10000"/>
+                  </a:schemeClr>
+                </a:solidFill>
+              </a:rPr>
+              <a:t>GOAL: Multi-</a:t>
+            </a:r>
+            <a:r>
+              <a:rPr lang="it-IT" sz="4000" noProof="0" dirty="0" err="1">
+                <a:solidFill>
+                  <a:schemeClr val="tx2">
+                    <a:lumMod val="90000"/>
+                    <a:lumOff val="10000"/>
+                  </a:schemeClr>
+                </a:solidFill>
+              </a:rPr>
+              <a:t>Tenancy</a:t>
+            </a:r>
+            <a:r>
+              <a:rPr lang="it-IT" sz="4000" dirty="0">
+                <a:solidFill>
+                  <a:schemeClr val="tx2">
+                    <a:lumMod val="90000"/>
+                    <a:lumOff val="10000"/>
+                  </a:schemeClr>
+                </a:solidFill>
+              </a:rPr>
+              <a:t> data </a:t>
+            </a:r>
+            <a:r>
+              <a:rPr lang="it-IT" sz="4000" dirty="0" err="1">
+                <a:solidFill>
+                  <a:schemeClr val="tx2">
+                    <a:lumMod val="90000"/>
+                    <a:lumOff val="10000"/>
+                  </a:schemeClr>
+                </a:solidFill>
+              </a:rPr>
+              <a:t>segregation</a:t>
+            </a:r>
+            <a:endParaRPr lang="it-IT" sz="4000" noProof="0" dirty="0">
+              <a:solidFill>
+                <a:schemeClr val="tx2">
+                  <a:lumMod val="90000"/>
+                  <a:lumOff val="10000"/>
+                </a:schemeClr>
+              </a:solidFill>
+            </a:endParaRPr>
+          </a:p>
+        </p:txBody>
+      </p:sp>
+      <p:sp>
+        <p:nvSpPr>
+          <p:cNvPr id="4" name="Rettangolo 3">
+            <a:extLst>
+              <a:ext uri="{FF2B5EF4-FFF2-40B4-BE49-F238E27FC236}">
+                <a16:creationId xmlns:a16="http://schemas.microsoft.com/office/drawing/2014/main" id="{FC4A7560-125A-F332-2B2C-3AE9877439D5}"/>
+              </a:ext>
+            </a:extLst>
+          </p:cNvPr>
+          <p:cNvSpPr/>
+          <p:nvPr/>
+        </p:nvSpPr>
+        <p:spPr>
+          <a:xfrm>
+            <a:off x="0" y="472781"/>
+            <a:ext cx="190243" cy="653143"/>
+          </a:xfrm>
+          <a:prstGeom prst="rect">
+            <a:avLst/>
+          </a:prstGeom>
+          <a:solidFill>
+            <a:schemeClr val="tx2">
+              <a:lumMod val="90000"/>
+              <a:lumOff val="10000"/>
+            </a:schemeClr>
+          </a:solidFill>
+          <a:ln>
+            <a:solidFill>
+              <a:schemeClr val="tx2">
+                <a:lumMod val="90000"/>
+                <a:lumOff val="10000"/>
+              </a:schemeClr>
+            </a:solidFill>
+          </a:ln>
+        </p:spPr>
+        <p:style>
+          <a:lnRef idx="2">
+            <a:schemeClr val="accent1">
+              <a:shade val="15000"/>
+            </a:schemeClr>
+          </a:lnRef>
+          <a:fillRef idx="1">
+            <a:schemeClr val="accent1"/>
+          </a:fillRef>
+          <a:effectRef idx="0">
+            <a:schemeClr val="accent1"/>
+          </a:effectRef>
+          <a:fontRef idx="minor">
+            <a:schemeClr val="lt1"/>
+          </a:fontRef>
+        </p:style>
+        <p:txBody>
+          <a:bodyPr rtlCol="0" anchor="ctr"/>
+          <a:lstStyle/>
+          <a:p>
+            <a:pPr algn="ctr"/>
+            <a:endParaRPr lang="it-IT" noProof="0" dirty="0"/>
+          </a:p>
+        </p:txBody>
+      </p:sp>
+      <p:sp>
+        <p:nvSpPr>
+          <p:cNvPr id="5" name="Rettangolo 4">
+            <a:extLst>
+              <a:ext uri="{FF2B5EF4-FFF2-40B4-BE49-F238E27FC236}">
+                <a16:creationId xmlns:a16="http://schemas.microsoft.com/office/drawing/2014/main" id="{C993B1D6-9C3A-29F4-79E3-A36FF29F3563}"/>
+              </a:ext>
+            </a:extLst>
+          </p:cNvPr>
+          <p:cNvSpPr/>
+          <p:nvPr/>
+        </p:nvSpPr>
+        <p:spPr>
+          <a:xfrm>
+            <a:off x="289539" y="472780"/>
+            <a:ext cx="139359" cy="653143"/>
+          </a:xfrm>
+          <a:prstGeom prst="rect">
+            <a:avLst/>
+          </a:prstGeom>
+          <a:solidFill>
+            <a:schemeClr val="tx2">
+              <a:lumMod val="90000"/>
+              <a:lumOff val="10000"/>
+            </a:schemeClr>
+          </a:solidFill>
+          <a:ln>
+            <a:solidFill>
+              <a:schemeClr val="tx2">
+                <a:lumMod val="90000"/>
+                <a:lumOff val="10000"/>
+              </a:schemeClr>
+            </a:solidFill>
+          </a:ln>
+        </p:spPr>
+        <p:style>
+          <a:lnRef idx="2">
+            <a:schemeClr val="accent1">
+              <a:shade val="15000"/>
+            </a:schemeClr>
+          </a:lnRef>
+          <a:fillRef idx="1">
+            <a:schemeClr val="accent1"/>
+          </a:fillRef>
+          <a:effectRef idx="0">
+            <a:schemeClr val="accent1"/>
+          </a:effectRef>
+          <a:fontRef idx="minor">
+            <a:schemeClr val="lt1"/>
+          </a:fontRef>
+        </p:style>
+        <p:txBody>
+          <a:bodyPr rtlCol="0" anchor="ctr"/>
+          <a:lstStyle/>
+          <a:p>
+            <a:pPr algn="ctr"/>
+            <a:endParaRPr lang="it-IT" noProof="0" dirty="0"/>
+          </a:p>
+        </p:txBody>
+      </p:sp>
+      <p:sp>
+        <p:nvSpPr>
+          <p:cNvPr id="11" name="Rettangolo 10">
+            <a:extLst>
+              <a:ext uri="{FF2B5EF4-FFF2-40B4-BE49-F238E27FC236}">
+                <a16:creationId xmlns:a16="http://schemas.microsoft.com/office/drawing/2014/main" id="{A7EA9913-1AC3-7D4A-2157-2B54A7000AA2}"/>
+              </a:ext>
+            </a:extLst>
+          </p:cNvPr>
+          <p:cNvSpPr/>
+          <p:nvPr/>
+        </p:nvSpPr>
+        <p:spPr>
+          <a:xfrm>
+            <a:off x="10008781" y="0"/>
+            <a:ext cx="2183219" cy="6858000"/>
+          </a:xfrm>
+          <a:prstGeom prst="rect">
+            <a:avLst/>
+          </a:prstGeom>
+          <a:solidFill>
+            <a:schemeClr val="tx2">
+              <a:lumMod val="90000"/>
+              <a:lumOff val="10000"/>
+            </a:schemeClr>
+          </a:solidFill>
+          <a:ln>
+            <a:solidFill>
+              <a:srgbClr val="163E64"/>
+            </a:solidFill>
+          </a:ln>
+        </p:spPr>
+        <p:style>
+          <a:lnRef idx="2">
+            <a:schemeClr val="accent1">
+              <a:shade val="15000"/>
+            </a:schemeClr>
+          </a:lnRef>
+          <a:fillRef idx="1">
+            <a:schemeClr val="accent1"/>
+          </a:fillRef>
+          <a:effectRef idx="0">
+            <a:schemeClr val="accent1"/>
+          </a:effectRef>
+          <a:fontRef idx="minor">
+            <a:schemeClr val="lt1"/>
+          </a:fontRef>
+        </p:style>
+        <p:txBody>
+          <a:bodyPr rtlCol="0" anchor="ctr"/>
+          <a:lstStyle/>
+          <a:p>
+            <a:pPr algn="ctr"/>
+            <a:endParaRPr lang="it-IT" noProof="0" dirty="0"/>
+          </a:p>
+        </p:txBody>
+      </p:sp>
+      <p:cxnSp>
+        <p:nvCxnSpPr>
+          <p:cNvPr id="8" name="Connettore diritto 7">
+            <a:extLst>
+              <a:ext uri="{FF2B5EF4-FFF2-40B4-BE49-F238E27FC236}">
+                <a16:creationId xmlns:a16="http://schemas.microsoft.com/office/drawing/2014/main" id="{B8AB43C6-F387-E69A-86CD-A1AC24D4A29F}"/>
+              </a:ext>
+            </a:extLst>
+          </p:cNvPr>
+          <p:cNvCxnSpPr>
+            <a:cxnSpLocks/>
+          </p:cNvCxnSpPr>
+          <p:nvPr/>
+        </p:nvCxnSpPr>
+        <p:spPr>
+          <a:xfrm>
+            <a:off x="639725" y="1351691"/>
+            <a:ext cx="6654057" cy="0"/>
+          </a:xfrm>
+          <a:prstGeom prst="line">
+            <a:avLst/>
+          </a:prstGeom>
+          <a:ln>
+            <a:solidFill>
+              <a:schemeClr val="tx2">
+                <a:lumMod val="90000"/>
+                <a:lumOff val="10000"/>
+              </a:schemeClr>
+            </a:solidFill>
+          </a:ln>
+        </p:spPr>
+        <p:style>
+          <a:lnRef idx="2">
+            <a:schemeClr val="accent1"/>
+          </a:lnRef>
+          <a:fillRef idx="0">
+            <a:schemeClr val="accent1"/>
+          </a:fillRef>
+          <a:effectRef idx="1">
+            <a:schemeClr val="accent1"/>
+          </a:effectRef>
+          <a:fontRef idx="minor">
+            <a:schemeClr val="tx1"/>
+          </a:fontRef>
+        </p:style>
+      </p:cxnSp>
+      <p:sp>
+        <p:nvSpPr>
+          <p:cNvPr id="6" name="TextBox 5">
+            <a:extLst>
+              <a:ext uri="{FF2B5EF4-FFF2-40B4-BE49-F238E27FC236}">
+                <a16:creationId xmlns:a16="http://schemas.microsoft.com/office/drawing/2014/main" id="{1A234AD5-1C0F-3801-0826-9187DD2C3AB0}"/>
+              </a:ext>
+            </a:extLst>
+          </p:cNvPr>
+          <p:cNvSpPr txBox="1"/>
+          <p:nvPr/>
+        </p:nvSpPr>
+        <p:spPr>
+          <a:xfrm>
+            <a:off x="11654290" y="6452785"/>
+            <a:ext cx="438619" cy="307777"/>
+          </a:xfrm>
+          <a:prstGeom prst="rect">
+            <a:avLst/>
+          </a:prstGeom>
+          <a:noFill/>
+        </p:spPr>
+        <p:txBody>
+          <a:bodyPr wrap="square">
+            <a:spAutoFit/>
+          </a:bodyPr>
+          <a:lstStyle/>
+          <a:p>
+            <a:r>
+              <a:rPr lang="it-IT" sz="1400" noProof="0" dirty="0">
+                <a:solidFill>
+                  <a:schemeClr val="bg1"/>
+                </a:solidFill>
+              </a:rPr>
+              <a:t>9</a:t>
+            </a:r>
+            <a:endParaRPr lang="it-IT" sz="1400" noProof="0" dirty="0"/>
+          </a:p>
+        </p:txBody>
+      </p:sp>
+      <p:pic>
+        <p:nvPicPr>
+          <p:cNvPr id="16" name="Immagine 15" descr="Immagine che contiene schermata, Policromia, cerchio, blu&#10;&#10;Descrizione generata automaticamente">
+            <a:extLst>
+              <a:ext uri="{FF2B5EF4-FFF2-40B4-BE49-F238E27FC236}">
+                <a16:creationId xmlns:a16="http://schemas.microsoft.com/office/drawing/2014/main" id="{F932AEFD-F285-EEFC-4837-386D350A220C}"/>
+              </a:ext>
+            </a:extLst>
+          </p:cNvPr>
+          <p:cNvPicPr>
+            <a:picLocks noChangeAspect="1"/>
+          </p:cNvPicPr>
+          <p:nvPr/>
+        </p:nvPicPr>
+        <p:blipFill>
+          <a:blip r:embed="rId2">
+            <a:extLst>
+              <a:ext uri="{28A0092B-C50C-407E-A947-70E740481C1C}">
+                <a14:useLocalDpi xmlns:a14="http://schemas.microsoft.com/office/drawing/2010/main" val="0"/>
+              </a:ext>
+            </a:extLst>
+          </a:blip>
+          <a:stretch>
+            <a:fillRect/>
+          </a:stretch>
+        </p:blipFill>
+        <p:spPr>
+          <a:xfrm>
+            <a:off x="7293782" y="353207"/>
+            <a:ext cx="885600" cy="885600"/>
+          </a:xfrm>
+          <a:prstGeom prst="rect">
+            <a:avLst/>
+          </a:prstGeom>
+        </p:spPr>
+      </p:pic>
+      <p:sp>
+        <p:nvSpPr>
+          <p:cNvPr id="10" name="CasellaDiTesto 9">
+            <a:extLst>
+              <a:ext uri="{FF2B5EF4-FFF2-40B4-BE49-F238E27FC236}">
+                <a16:creationId xmlns:a16="http://schemas.microsoft.com/office/drawing/2014/main" id="{720F1E63-F380-A2C8-B252-1B4B987C123E}"/>
+              </a:ext>
+            </a:extLst>
+          </p:cNvPr>
+          <p:cNvSpPr txBox="1"/>
+          <p:nvPr/>
+        </p:nvSpPr>
+        <p:spPr>
+          <a:xfrm>
+            <a:off x="639724" y="1623385"/>
+            <a:ext cx="6654056" cy="646331"/>
+          </a:xfrm>
+          <a:prstGeom prst="rect">
+            <a:avLst/>
+          </a:prstGeom>
+          <a:noFill/>
+        </p:spPr>
+        <p:txBody>
+          <a:bodyPr wrap="square" rtlCol="0">
+            <a:spAutoFit/>
+          </a:bodyPr>
+          <a:lstStyle/>
+          <a:p>
+            <a:br>
+              <a:rPr lang="it-IT" noProof="0" dirty="0">
+                <a:solidFill>
+                  <a:schemeClr val="tx1">
+                    <a:lumMod val="85000"/>
+                    <a:lumOff val="15000"/>
+                  </a:schemeClr>
+                </a:solidFill>
+              </a:rPr>
+            </a:br>
+            <a:endParaRPr lang="it-IT" noProof="0" dirty="0">
+              <a:solidFill>
+                <a:schemeClr val="tx1">
+                  <a:lumMod val="85000"/>
+                  <a:lumOff val="15000"/>
+                </a:schemeClr>
+              </a:solidFill>
+            </a:endParaRPr>
+          </a:p>
+        </p:txBody>
+      </p:sp>
+      <p:sp>
+        <p:nvSpPr>
+          <p:cNvPr id="12" name="CasellaDiTesto 6">
+            <a:extLst>
+              <a:ext uri="{FF2B5EF4-FFF2-40B4-BE49-F238E27FC236}">
+                <a16:creationId xmlns:a16="http://schemas.microsoft.com/office/drawing/2014/main" id="{8290C57E-5561-FDA2-5EFB-EDC39761C52E}"/>
+              </a:ext>
+            </a:extLst>
+          </p:cNvPr>
+          <p:cNvSpPr txBox="1"/>
+          <p:nvPr/>
+        </p:nvSpPr>
+        <p:spPr>
+          <a:xfrm>
+            <a:off x="639726" y="1613118"/>
+            <a:ext cx="6654054" cy="3200876"/>
+          </a:xfrm>
+          <a:prstGeom prst="rect">
+            <a:avLst/>
+          </a:prstGeom>
+          <a:noFill/>
+        </p:spPr>
+        <p:txBody>
+          <a:bodyPr wrap="square" lIns="91440" tIns="45720" rIns="91440" bIns="45720" rtlCol="0" anchor="t">
+            <a:spAutoFit/>
+          </a:bodyPr>
+          <a:lstStyle/>
+          <a:p>
+            <a:r>
+              <a:rPr lang="it-IT" b="1" u="sng" dirty="0">
+                <a:solidFill>
+                  <a:schemeClr val="tx1">
+                    <a:lumMod val="85000"/>
+                    <a:lumOff val="15000"/>
+                  </a:schemeClr>
+                </a:solidFill>
+              </a:rPr>
+              <a:t>Implementazione (Separate Database per </a:t>
+            </a:r>
+            <a:r>
+              <a:rPr lang="it-IT" b="1" u="sng" dirty="0" err="1">
+                <a:solidFill>
+                  <a:schemeClr val="tx1">
+                    <a:lumMod val="85000"/>
+                    <a:lumOff val="15000"/>
+                  </a:schemeClr>
+                </a:solidFill>
+              </a:rPr>
+              <a:t>Tenant</a:t>
+            </a:r>
+            <a:r>
+              <a:rPr lang="it-IT" b="1" u="sng" dirty="0">
+                <a:solidFill>
+                  <a:schemeClr val="tx1">
+                    <a:lumMod val="85000"/>
+                    <a:lumOff val="15000"/>
+                  </a:schemeClr>
+                </a:solidFill>
+              </a:rPr>
+              <a:t>)</a:t>
+            </a:r>
+          </a:p>
+          <a:p>
+            <a:endParaRPr lang="it-IT" b="1" dirty="0">
+              <a:solidFill>
+                <a:schemeClr val="tx1">
+                  <a:lumMod val="85000"/>
+                  <a:lumOff val="15000"/>
+                </a:schemeClr>
+              </a:solidFill>
+            </a:endParaRPr>
+          </a:p>
+          <a:p>
+            <a:pPr lvl="0"/>
+            <a:r>
+              <a:rPr lang="en-GB" b="1" dirty="0"/>
+              <a:t>- </a:t>
+            </a:r>
+            <a:r>
+              <a:rPr lang="en-GB" b="1" dirty="0" err="1"/>
+              <a:t>Connessioni</a:t>
+            </a:r>
+            <a:r>
+              <a:rPr lang="en-GB" b="1" dirty="0"/>
+              <a:t> </a:t>
+            </a:r>
+            <a:r>
+              <a:rPr lang="en-GB" b="1" dirty="0" err="1"/>
+              <a:t>dinamiche</a:t>
+            </a:r>
+            <a:r>
+              <a:rPr lang="en-GB" b="1" dirty="0"/>
+              <a:t> </a:t>
+            </a:r>
+            <a:r>
+              <a:rPr lang="en-GB" b="1" dirty="0" err="1"/>
+              <a:t>personalizzate</a:t>
+            </a:r>
+            <a:r>
+              <a:rPr lang="en-GB" dirty="0"/>
+              <a:t>:</a:t>
+            </a:r>
+            <a:endParaRPr lang="en-GB" sz="1600" dirty="0"/>
+          </a:p>
+          <a:p>
+            <a:pPr marL="742950" lvl="1" indent="-285750">
+              <a:buFont typeface="Arial" panose="020B0604020202020204" pitchFamily="34" charset="0"/>
+              <a:buChar char="•"/>
+            </a:pPr>
+            <a:r>
+              <a:rPr lang="it-IT" sz="1600" dirty="0"/>
+              <a:t>La classe </a:t>
+            </a:r>
+            <a:r>
+              <a:rPr lang="it-IT" sz="1600" i="1" dirty="0" err="1"/>
+              <a:t>DataSourceConfig</a:t>
+            </a:r>
+            <a:r>
+              <a:rPr lang="it-IT" sz="1600" dirty="0"/>
+              <a:t> crea connessioni con credenziali specifiche per ogni </a:t>
+            </a:r>
+            <a:r>
+              <a:rPr lang="it-IT" sz="1600" dirty="0" err="1"/>
+              <a:t>tenant</a:t>
+            </a:r>
+            <a:endParaRPr lang="en-GB" sz="1600" dirty="0"/>
+          </a:p>
+          <a:p>
+            <a:pPr lvl="0"/>
+            <a:r>
+              <a:rPr lang="en-GB" b="1" dirty="0"/>
+              <a:t>- </a:t>
+            </a:r>
+            <a:r>
+              <a:rPr lang="en-GB" b="1" dirty="0" err="1"/>
+              <a:t>Gestione</a:t>
+            </a:r>
+            <a:r>
+              <a:rPr lang="en-GB" b="1" dirty="0"/>
+              <a:t> </a:t>
+            </a:r>
+            <a:r>
+              <a:rPr lang="en-GB" b="1" dirty="0" err="1"/>
+              <a:t>dinamica</a:t>
+            </a:r>
+            <a:r>
+              <a:rPr lang="en-GB" b="1" dirty="0"/>
+              <a:t> </a:t>
+            </a:r>
+            <a:r>
+              <a:rPr lang="en-GB" b="1" dirty="0" err="1"/>
+              <a:t>dei</a:t>
+            </a:r>
+            <a:r>
+              <a:rPr lang="en-GB" b="1" dirty="0"/>
+              <a:t> tenant</a:t>
+            </a:r>
+            <a:r>
+              <a:rPr lang="en-GB" dirty="0"/>
+              <a:t>:</a:t>
+            </a:r>
+            <a:endParaRPr lang="en-GB" sz="1600" dirty="0"/>
+          </a:p>
+          <a:p>
+            <a:pPr marL="742950" lvl="1" indent="-285750">
+              <a:buFont typeface="Arial" panose="020B0604020202020204" pitchFamily="34" charset="0"/>
+              <a:buChar char="•"/>
+            </a:pPr>
+            <a:r>
+              <a:rPr lang="it-IT" sz="1600" dirty="0"/>
+              <a:t>La classe </a:t>
+            </a:r>
+            <a:r>
+              <a:rPr lang="it-IT" sz="1600" i="1" dirty="0" err="1"/>
+              <a:t>MultiTenantConnectionProvider</a:t>
+            </a:r>
+            <a:r>
+              <a:rPr lang="it-IT" sz="1600" dirty="0"/>
+              <a:t> imposta il contesto SQL per identificare il corretto Database su cui operare</a:t>
+            </a:r>
+          </a:p>
+          <a:p>
+            <a:pPr lvl="0"/>
+            <a:r>
+              <a:rPr lang="en-GB" b="1" dirty="0"/>
+              <a:t>- Integrazione con Hibernate:</a:t>
+            </a:r>
+            <a:endParaRPr lang="en-GB" sz="1600" b="1" dirty="0"/>
+          </a:p>
+          <a:p>
+            <a:pPr marL="742950" lvl="1" indent="-285750">
+              <a:buFont typeface="Arial" panose="020B0604020202020204" pitchFamily="34" charset="0"/>
+              <a:buChar char="•"/>
+            </a:pPr>
+            <a:r>
+              <a:rPr lang="it-IT" sz="1600" dirty="0" err="1"/>
+              <a:t>Hibernate</a:t>
+            </a:r>
+            <a:r>
+              <a:rPr lang="it-IT" sz="1600" dirty="0"/>
+              <a:t> utilizza un </a:t>
+            </a:r>
+            <a:r>
+              <a:rPr lang="it-IT" sz="1600" i="1" dirty="0" err="1"/>
+              <a:t>MultiTenantConnectionProvider</a:t>
+            </a:r>
+            <a:r>
+              <a:rPr lang="it-IT" sz="1600" dirty="0"/>
+              <a:t> per gestire le connessioni multiple e un </a:t>
+            </a:r>
+            <a:r>
+              <a:rPr lang="it-IT" sz="1600" i="1" dirty="0" err="1"/>
+              <a:t>CurrentTenantIdentifierResolver</a:t>
+            </a:r>
+            <a:r>
+              <a:rPr lang="it-IT" sz="1600" dirty="0"/>
+              <a:t> per risolvere dinamicamente l'identificatore del </a:t>
+            </a:r>
+            <a:r>
+              <a:rPr lang="it-IT" sz="1600" dirty="0" err="1"/>
+              <a:t>tenant</a:t>
+            </a:r>
+            <a:endParaRPr lang="en-GB" sz="1600" dirty="0"/>
+          </a:p>
+        </p:txBody>
+      </p:sp>
+      <p:pic>
+        <p:nvPicPr>
+          <p:cNvPr id="7" name="Picture 2" descr="Immagine che contiene testo, diagramma, schermata&#10;&#10;Descrizione generata automaticamente">
+            <a:extLst>
+              <a:ext uri="{FF2B5EF4-FFF2-40B4-BE49-F238E27FC236}">
+                <a16:creationId xmlns:a16="http://schemas.microsoft.com/office/drawing/2014/main" id="{12435049-D208-126B-5931-26C38B7A9140}"/>
+              </a:ext>
+            </a:extLst>
+          </p:cNvPr>
+          <p:cNvPicPr>
+            <a:picLocks noChangeAspect="1" noChangeArrowheads="1"/>
+          </p:cNvPicPr>
+          <p:nvPr/>
+        </p:nvPicPr>
+        <p:blipFill>
+          <a:blip r:embed="rId3">
+            <a:extLst>
+              <a:ext uri="{28A0092B-C50C-407E-A947-70E740481C1C}">
+                <a14:useLocalDpi xmlns:a14="http://schemas.microsoft.com/office/drawing/2010/main" val="0"/>
+              </a:ext>
+            </a:extLst>
+          </a:blip>
+          <a:srcRect/>
+          <a:stretch>
+            <a:fillRect/>
+          </a:stretch>
+        </p:blipFill>
+        <p:spPr bwMode="auto">
+          <a:xfrm>
+            <a:off x="7642549" y="2634543"/>
+            <a:ext cx="1842895" cy="2430240"/>
+          </a:xfrm>
+          <a:prstGeom prst="rect">
+            <a:avLst/>
+          </a:prstGeom>
+          <a:noFill/>
+          <a:extLst>
+            <a:ext uri="{909E8E84-426E-40DD-AFC4-6F175D3DCCD1}">
+              <a14:hiddenFill xmlns:a14="http://schemas.microsoft.com/office/drawing/2010/main">
+                <a:solidFill>
+                  <a:srgbClr val="FFFFFF"/>
+                </a:solidFill>
+              </a14:hiddenFill>
+            </a:ext>
+          </a:extLst>
+        </p:spPr>
+      </p:pic>
+    </p:spTree>
+    <p:extLst>
+      <p:ext uri="{BB962C8B-B14F-4D97-AF65-F5344CB8AC3E}">
+        <p14:creationId xmlns:p14="http://schemas.microsoft.com/office/powerpoint/2010/main" val="281973483"/>
       </p:ext>
     </p:extLst>
   </p:cSld>
